--- a/SYSG3.pptx
+++ b/SYSG3.pptx
@@ -5,11 +5,13 @@
     <p:sldMasterId id="2147483648" r:id="rId1"/>
   </p:sldMasterIdLst>
   <p:sldIdLst>
-    <p:sldId id="266" r:id="rId2"/>
-    <p:sldId id="265" r:id="rId3"/>
-    <p:sldId id="258" r:id="rId4"/>
-    <p:sldId id="263" r:id="rId5"/>
-    <p:sldId id="264" r:id="rId6"/>
+    <p:sldId id="268" r:id="rId2"/>
+    <p:sldId id="267" r:id="rId3"/>
+    <p:sldId id="266" r:id="rId4"/>
+    <p:sldId id="265" r:id="rId5"/>
+    <p:sldId id="258" r:id="rId6"/>
+    <p:sldId id="263" r:id="rId7"/>
+    <p:sldId id="264" r:id="rId8"/>
   </p:sldIdLst>
   <p:sldSz cx="12192000" cy="6858000"/>
   <p:notesSz cx="6858000" cy="9144000"/>
@@ -263,7 +265,7 @@
           <a:p>
             <a:fld id="{3FB972CA-75D3-464B-AB07-BF3EA83BD9C3}" type="datetimeFigureOut">
               <a:rPr lang="en-US" smtClean="0"/>
-              <a:t>7/27/2023</a:t>
+              <a:t>8/8/2023</a:t>
             </a:fld>
             <a:endParaRPr lang="en-US"/>
           </a:p>
@@ -461,7 +463,7 @@
           <a:p>
             <a:fld id="{3FB972CA-75D3-464B-AB07-BF3EA83BD9C3}" type="datetimeFigureOut">
               <a:rPr lang="en-US" smtClean="0"/>
-              <a:t>7/27/2023</a:t>
+              <a:t>8/8/2023</a:t>
             </a:fld>
             <a:endParaRPr lang="en-US"/>
           </a:p>
@@ -669,7 +671,7 @@
           <a:p>
             <a:fld id="{3FB972CA-75D3-464B-AB07-BF3EA83BD9C3}" type="datetimeFigureOut">
               <a:rPr lang="en-US" smtClean="0"/>
-              <a:t>7/27/2023</a:t>
+              <a:t>8/8/2023</a:t>
             </a:fld>
             <a:endParaRPr lang="en-US"/>
           </a:p>
@@ -867,7 +869,7 @@
           <a:p>
             <a:fld id="{3FB972CA-75D3-464B-AB07-BF3EA83BD9C3}" type="datetimeFigureOut">
               <a:rPr lang="en-US" smtClean="0"/>
-              <a:t>7/27/2023</a:t>
+              <a:t>8/8/2023</a:t>
             </a:fld>
             <a:endParaRPr lang="en-US"/>
           </a:p>
@@ -1142,7 +1144,7 @@
           <a:p>
             <a:fld id="{3FB972CA-75D3-464B-AB07-BF3EA83BD9C3}" type="datetimeFigureOut">
               <a:rPr lang="en-US" smtClean="0"/>
-              <a:t>7/27/2023</a:t>
+              <a:t>8/8/2023</a:t>
             </a:fld>
             <a:endParaRPr lang="en-US"/>
           </a:p>
@@ -1407,7 +1409,7 @@
           <a:p>
             <a:fld id="{3FB972CA-75D3-464B-AB07-BF3EA83BD9C3}" type="datetimeFigureOut">
               <a:rPr lang="en-US" smtClean="0"/>
-              <a:t>7/27/2023</a:t>
+              <a:t>8/8/2023</a:t>
             </a:fld>
             <a:endParaRPr lang="en-US"/>
           </a:p>
@@ -1819,7 +1821,7 @@
           <a:p>
             <a:fld id="{3FB972CA-75D3-464B-AB07-BF3EA83BD9C3}" type="datetimeFigureOut">
               <a:rPr lang="en-US" smtClean="0"/>
-              <a:t>7/27/2023</a:t>
+              <a:t>8/8/2023</a:t>
             </a:fld>
             <a:endParaRPr lang="en-US"/>
           </a:p>
@@ -1960,7 +1962,7 @@
           <a:p>
             <a:fld id="{3FB972CA-75D3-464B-AB07-BF3EA83BD9C3}" type="datetimeFigureOut">
               <a:rPr lang="en-US" smtClean="0"/>
-              <a:t>7/27/2023</a:t>
+              <a:t>8/8/2023</a:t>
             </a:fld>
             <a:endParaRPr lang="en-US"/>
           </a:p>
@@ -2073,7 +2075,7 @@
           <a:p>
             <a:fld id="{3FB972CA-75D3-464B-AB07-BF3EA83BD9C3}" type="datetimeFigureOut">
               <a:rPr lang="en-US" smtClean="0"/>
-              <a:t>7/27/2023</a:t>
+              <a:t>8/8/2023</a:t>
             </a:fld>
             <a:endParaRPr lang="en-US"/>
           </a:p>
@@ -2384,7 +2386,7 @@
           <a:p>
             <a:fld id="{3FB972CA-75D3-464B-AB07-BF3EA83BD9C3}" type="datetimeFigureOut">
               <a:rPr lang="en-US" smtClean="0"/>
-              <a:t>7/27/2023</a:t>
+              <a:t>8/8/2023</a:t>
             </a:fld>
             <a:endParaRPr lang="en-US"/>
           </a:p>
@@ -2672,7 +2674,7 @@
           <a:p>
             <a:fld id="{3FB972CA-75D3-464B-AB07-BF3EA83BD9C3}" type="datetimeFigureOut">
               <a:rPr lang="en-US" smtClean="0"/>
-              <a:t>7/27/2023</a:t>
+              <a:t>8/8/2023</a:t>
             </a:fld>
             <a:endParaRPr lang="en-US"/>
           </a:p>
@@ -2913,7 +2915,7 @@
           <a:p>
             <a:fld id="{3FB972CA-75D3-464B-AB07-BF3EA83BD9C3}" type="datetimeFigureOut">
               <a:rPr lang="en-US" smtClean="0"/>
-              <a:t>7/27/2023</a:t>
+              <a:t>8/8/2023</a:t>
             </a:fld>
             <a:endParaRPr lang="en-US"/>
           </a:p>
@@ -3335,7 +3337,7 @@
           <p:cNvPr id="2" name="Title 1">
             <a:extLst>
               <a:ext uri="{FF2B5EF4-FFF2-40B4-BE49-F238E27FC236}">
-                <a16:creationId xmlns:a16="http://schemas.microsoft.com/office/drawing/2014/main" id="{EC7A1061-086B-35E4-61C1-83C328D5548E}"/>
+                <a16:creationId xmlns:a16="http://schemas.microsoft.com/office/drawing/2014/main" id="{C85E3C9C-7526-B303-905F-886077E16C39}"/>
               </a:ext>
             </a:extLst>
           </p:cNvPr>
@@ -3353,7 +3355,7 @@
           <a:p>
             <a:r>
               <a:rPr lang="en-US" dirty="0"/>
-              <a:t>Strategy</a:t>
+              <a:t>z-FFT vs z-FD (MDE)</a:t>
             </a:r>
           </a:p>
         </p:txBody>
@@ -3363,7 +3365,7 @@
           <p:cNvPr id="3" name="TextBox 2">
             <a:extLst>
               <a:ext uri="{FF2B5EF4-FFF2-40B4-BE49-F238E27FC236}">
-                <a16:creationId xmlns:a16="http://schemas.microsoft.com/office/drawing/2014/main" id="{66A4566B-D26D-18F7-2769-748D7813228B}"/>
+                <a16:creationId xmlns:a16="http://schemas.microsoft.com/office/drawing/2014/main" id="{99A2CDED-1526-FA46-5D91-2DC74B6F0C37}"/>
               </a:ext>
             </a:extLst>
           </p:cNvPr>
@@ -3372,8 +3374,8 @@
         </p:nvSpPr>
         <p:spPr>
           <a:xfrm>
-            <a:off x="714374" y="1895475"/>
-            <a:ext cx="7810500" cy="646331"/>
+            <a:off x="965200" y="1837267"/>
+            <a:ext cx="5130800" cy="369332"/>
           </a:xfrm>
           <a:prstGeom prst="rect">
             <a:avLst/>
@@ -3388,205 +3390,15 @@
           <a:p>
             <a:r>
               <a:rPr lang="en-US" dirty="0"/>
-              <a:t>2D binary array for surface sites of homogeneously grafted polymer given grafting density, simulation box size, and discretization (and assuming dx = </a:t>
+              <a:t>Lx = 5, Ly = 5, </a:t>
             </a:r>
             <a:r>
               <a:rPr lang="en-US" dirty="0" err="1"/>
-              <a:t>dy</a:t>
+              <a:t>Lz</a:t>
             </a:r>
             <a:r>
               <a:rPr lang="en-US" dirty="0"/>
-              <a:t>)</a:t>
-            </a:r>
-          </a:p>
-        </p:txBody>
-      </p:sp>
-      <p:sp>
-        <p:nvSpPr>
-          <p:cNvPr id="4" name="TextBox 3">
-            <a:extLst>
-              <a:ext uri="{FF2B5EF4-FFF2-40B4-BE49-F238E27FC236}">
-                <a16:creationId xmlns:a16="http://schemas.microsoft.com/office/drawing/2014/main" id="{14B153E5-948B-4D25-2B1C-2231E4E7EBA6}"/>
-              </a:ext>
-            </a:extLst>
-          </p:cNvPr>
-          <p:cNvSpPr txBox="1"/>
-          <p:nvPr/>
-        </p:nvSpPr>
-        <p:spPr>
-          <a:xfrm>
-            <a:off x="714374" y="2776538"/>
-            <a:ext cx="11077575" cy="646331"/>
-          </a:xfrm>
-          <a:prstGeom prst="rect">
-            <a:avLst/>
-          </a:prstGeom>
-          <a:noFill/>
-        </p:spPr>
-        <p:txBody>
-          <a:bodyPr wrap="square" rtlCol="0">
-            <a:spAutoFit/>
-          </a:bodyPr>
-          <a:lstStyle/>
-          <a:p>
-            <a:r>
-              <a:rPr lang="en-US" dirty="0" err="1"/>
-              <a:t>Fullspace</a:t>
-            </a:r>
-            <a:r>
-              <a:rPr lang="en-US" dirty="0"/>
-              <a:t> must be periodic on x0 = </a:t>
-            </a:r>
-            <a:r>
-              <a:rPr lang="en-US" dirty="0" err="1"/>
-              <a:t>xL</a:t>
-            </a:r>
-            <a:r>
-              <a:rPr lang="en-US" dirty="0"/>
-              <a:t>, y0 = </a:t>
-            </a:r>
-            <a:r>
-              <a:rPr lang="en-US" dirty="0" err="1"/>
-              <a:t>yL</a:t>
-            </a:r>
-            <a:endParaRPr lang="en-US" dirty="0"/>
-          </a:p>
-          <a:p>
-            <a:r>
-              <a:rPr lang="en-US" dirty="0" err="1"/>
-              <a:t>Halfspace</a:t>
-            </a:r>
-            <a:r>
-              <a:rPr lang="en-US" dirty="0"/>
-              <a:t> must be even on </a:t>
-            </a:r>
-            <a:r>
-              <a:rPr lang="en-US" dirty="0" err="1"/>
-              <a:t>xL</a:t>
-            </a:r>
-            <a:r>
-              <a:rPr lang="en-US" dirty="0"/>
-              <a:t>/2 and </a:t>
-            </a:r>
-            <a:r>
-              <a:rPr lang="en-US" dirty="0" err="1"/>
-              <a:t>yL</a:t>
-            </a:r>
-            <a:r>
-              <a:rPr lang="en-US" dirty="0"/>
-              <a:t>/2 (overlap of boundary following REDFT00) and periodic on x0 = </a:t>
-            </a:r>
-            <a:r>
-              <a:rPr lang="en-US" dirty="0" err="1"/>
-              <a:t>xL</a:t>
-            </a:r>
-            <a:r>
-              <a:rPr lang="en-US" dirty="0"/>
-              <a:t>, y0 = </a:t>
-            </a:r>
-            <a:r>
-              <a:rPr lang="en-US" dirty="0" err="1"/>
-              <a:t>yL</a:t>
-            </a:r>
-            <a:r>
-              <a:rPr lang="en-US" dirty="0"/>
-              <a:t>.</a:t>
-            </a:r>
-          </a:p>
-        </p:txBody>
-      </p:sp>
-      <p:sp>
-        <p:nvSpPr>
-          <p:cNvPr id="5" name="TextBox 4">
-            <a:extLst>
-              <a:ext uri="{FF2B5EF4-FFF2-40B4-BE49-F238E27FC236}">
-                <a16:creationId xmlns:a16="http://schemas.microsoft.com/office/drawing/2014/main" id="{97078C71-47DB-0D25-8BE5-AD0C9CC3C9FD}"/>
-              </a:ext>
-            </a:extLst>
-          </p:cNvPr>
-          <p:cNvSpPr txBox="1"/>
-          <p:nvPr/>
-        </p:nvSpPr>
-        <p:spPr>
-          <a:xfrm>
-            <a:off x="714373" y="3812426"/>
-            <a:ext cx="11077575" cy="369332"/>
-          </a:xfrm>
-          <a:prstGeom prst="rect">
-            <a:avLst/>
-          </a:prstGeom>
-          <a:noFill/>
-        </p:spPr>
-        <p:txBody>
-          <a:bodyPr wrap="square" rtlCol="0">
-            <a:spAutoFit/>
-          </a:bodyPr>
-          <a:lstStyle/>
-          <a:p>
-            <a:r>
-              <a:rPr lang="en-US" dirty="0"/>
-              <a:t>Homogeneous spacing as determined by regular hexagon, where grafting point at centroid of hexagon</a:t>
-            </a:r>
-          </a:p>
-        </p:txBody>
-      </p:sp>
-      <p:sp>
-        <p:nvSpPr>
-          <p:cNvPr id="6" name="TextBox 5">
-            <a:extLst>
-              <a:ext uri="{FF2B5EF4-FFF2-40B4-BE49-F238E27FC236}">
-                <a16:creationId xmlns:a16="http://schemas.microsoft.com/office/drawing/2014/main" id="{067DDA30-EAF3-09E5-D289-BD5F06EA216D}"/>
-              </a:ext>
-            </a:extLst>
-          </p:cNvPr>
-          <p:cNvSpPr txBox="1"/>
-          <p:nvPr/>
-        </p:nvSpPr>
-        <p:spPr>
-          <a:xfrm>
-            <a:off x="714372" y="4508719"/>
-            <a:ext cx="11077575" cy="923330"/>
-          </a:xfrm>
-          <a:prstGeom prst="rect">
-            <a:avLst/>
-          </a:prstGeom>
-          <a:noFill/>
-        </p:spPr>
-        <p:txBody>
-          <a:bodyPr wrap="square" rtlCol="0">
-            <a:spAutoFit/>
-          </a:bodyPr>
-          <a:lstStyle/>
-          <a:p>
-            <a:r>
-              <a:rPr lang="en-US" dirty="0"/>
-              <a:t>In case there are edge effects, try shifting the centroids away from the boundaries of the </a:t>
-            </a:r>
-            <a:r>
-              <a:rPr lang="en-US" dirty="0" err="1"/>
-              <a:t>xy</a:t>
-            </a:r>
-            <a:r>
-              <a:rPr lang="en-US" dirty="0"/>
-              <a:t>-plane (only did for </a:t>
-            </a:r>
-            <a:r>
-              <a:rPr lang="en-US" dirty="0" err="1"/>
-              <a:t>fullspace</a:t>
-            </a:r>
-            <a:r>
-              <a:rPr lang="en-US" dirty="0"/>
-              <a:t>)</a:t>
-            </a:r>
-          </a:p>
-          <a:p>
-            <a:pPr marL="285750" indent="-285750">
-              <a:buFont typeface="Arial" panose="020B0604020202020204" pitchFamily="34" charset="0"/>
-              <a:buChar char="•"/>
-            </a:pPr>
-            <a:r>
-              <a:rPr lang="en-US" dirty="0"/>
-              <a:t>Make sure no edge effects by comparing results of full FFT with cos FFT</a:t>
+              <a:t> = 50. s = 0.02. x = 0.75. a = 0.00</a:t>
             </a:r>
           </a:p>
         </p:txBody>
@@ -3594,7 +3406,7 @@
     </p:spTree>
     <p:extLst>
       <p:ext uri="{BB962C8B-B14F-4D97-AF65-F5344CB8AC3E}">
-        <p14:creationId xmlns:p14="http://schemas.microsoft.com/office/powerpoint/2010/main" val="1764039423"/>
+        <p14:creationId xmlns:p14="http://schemas.microsoft.com/office/powerpoint/2010/main" val="2184982505"/>
       </p:ext>
     </p:extLst>
   </p:cSld>
@@ -3626,7 +3438,7 @@
           <p:cNvPr id="2" name="Title 1">
             <a:extLst>
               <a:ext uri="{FF2B5EF4-FFF2-40B4-BE49-F238E27FC236}">
-                <a16:creationId xmlns:a16="http://schemas.microsoft.com/office/drawing/2014/main" id="{A3926BC3-A860-346A-4F58-1EE4C3E7FB0F}"/>
+                <a16:creationId xmlns:a16="http://schemas.microsoft.com/office/drawing/2014/main" id="{A42F1D30-274D-A5B8-3620-4DA31ECE8F5B}"/>
               </a:ext>
             </a:extLst>
           </p:cNvPr>
@@ -3644,122 +3456,7 @@
           <a:p>
             <a:r>
               <a:rPr lang="en-US" dirty="0"/>
-              <a:t>Test conditions</a:t>
-            </a:r>
-          </a:p>
-        </p:txBody>
-      </p:sp>
-      <p:sp>
-        <p:nvSpPr>
-          <p:cNvPr id="3" name="TextBox 2">
-            <a:extLst>
-              <a:ext uri="{FF2B5EF4-FFF2-40B4-BE49-F238E27FC236}">
-                <a16:creationId xmlns:a16="http://schemas.microsoft.com/office/drawing/2014/main" id="{A00B5138-8D53-B196-C54A-B372D20698D0}"/>
-              </a:ext>
-            </a:extLst>
-          </p:cNvPr>
-          <p:cNvSpPr txBox="1"/>
-          <p:nvPr/>
-        </p:nvSpPr>
-        <p:spPr>
-          <a:xfrm>
-            <a:off x="1192695" y="2186609"/>
-            <a:ext cx="7026965" cy="1200329"/>
-          </a:xfrm>
-          <a:prstGeom prst="rect">
-            <a:avLst/>
-          </a:prstGeom>
-          <a:noFill/>
-        </p:spPr>
-        <p:txBody>
-          <a:bodyPr wrap="square" rtlCol="0">
-            <a:spAutoFit/>
-          </a:bodyPr>
-          <a:lstStyle/>
-          <a:p>
-            <a:r>
-              <a:rPr lang="en-US" dirty="0"/>
-              <a:t>Sigma = 0.05 c/nm2</a:t>
-            </a:r>
-          </a:p>
-          <a:p>
-            <a:r>
-              <a:rPr lang="en-US" dirty="0"/>
-              <a:t>Lx = 15 nm</a:t>
-            </a:r>
-          </a:p>
-          <a:p>
-            <a:r>
-              <a:rPr lang="en-US" dirty="0"/>
-              <a:t>Ly = 15 nm</a:t>
-            </a:r>
-          </a:p>
-          <a:p>
-            <a:r>
-              <a:rPr lang="en-US" dirty="0"/>
-              <a:t>dx = 0.4 nm</a:t>
-            </a:r>
-          </a:p>
-        </p:txBody>
-      </p:sp>
-      <p:sp>
-        <p:nvSpPr>
-          <p:cNvPr id="4" name="TextBox 3">
-            <a:extLst>
-              <a:ext uri="{FF2B5EF4-FFF2-40B4-BE49-F238E27FC236}">
-                <a16:creationId xmlns:a16="http://schemas.microsoft.com/office/drawing/2014/main" id="{431FD48E-52DE-AC6E-5D2D-A03BFCBE0CEE}"/>
-              </a:ext>
-            </a:extLst>
-          </p:cNvPr>
-          <p:cNvSpPr txBox="1"/>
-          <p:nvPr/>
-        </p:nvSpPr>
-        <p:spPr>
-          <a:xfrm>
-            <a:off x="1192694" y="3776869"/>
-            <a:ext cx="7026965" cy="1754326"/>
-          </a:xfrm>
-          <a:prstGeom prst="rect">
-            <a:avLst/>
-          </a:prstGeom>
-          <a:noFill/>
-        </p:spPr>
-        <p:txBody>
-          <a:bodyPr wrap="square" rtlCol="0">
-            <a:spAutoFit/>
-          </a:bodyPr>
-          <a:lstStyle/>
-          <a:p>
-            <a:r>
-              <a:rPr lang="en-US" dirty="0"/>
-              <a:t>Cast in terms of dx (for rounding and PBC for grafting points): </a:t>
-            </a:r>
-          </a:p>
-          <a:p>
-            <a:r>
-              <a:rPr lang="en-US" dirty="0"/>
-              <a:t>	Sigma = 0.0668 c/nm2</a:t>
-            </a:r>
-          </a:p>
-          <a:p>
-            <a:r>
-              <a:rPr lang="en-US" dirty="0"/>
-              <a:t>	Lx = 14.80 nm</a:t>
-            </a:r>
-          </a:p>
-          <a:p>
-            <a:r>
-              <a:rPr lang="en-US" dirty="0"/>
-              <a:t>	Ly = 11.20 nm</a:t>
-            </a:r>
-          </a:p>
-          <a:p>
-            <a:endParaRPr lang="en-US" dirty="0"/>
-          </a:p>
-          <a:p>
-            <a:r>
-              <a:rPr lang="en-US" dirty="0"/>
-              <a:t>(Sigma error decrease with dx)</a:t>
+              <a:t>Specifying Grafted Points</a:t>
             </a:r>
           </a:p>
         </p:txBody>
@@ -3767,7 +3464,7 @@
     </p:spTree>
     <p:extLst>
       <p:ext uri="{BB962C8B-B14F-4D97-AF65-F5344CB8AC3E}">
-        <p14:creationId xmlns:p14="http://schemas.microsoft.com/office/powerpoint/2010/main" val="782308025"/>
+        <p14:creationId xmlns:p14="http://schemas.microsoft.com/office/powerpoint/2010/main" val="896468000"/>
       </p:ext>
     </p:extLst>
   </p:cSld>
@@ -3794,6 +3491,470 @@
           <a:chExt cx="0" cy="0"/>
         </a:xfrm>
       </p:grpSpPr>
+      <p:sp>
+        <p:nvSpPr>
+          <p:cNvPr id="2" name="Title 1">
+            <a:extLst>
+              <a:ext uri="{FF2B5EF4-FFF2-40B4-BE49-F238E27FC236}">
+                <a16:creationId xmlns:a16="http://schemas.microsoft.com/office/drawing/2014/main" id="{EC7A1061-086B-35E4-61C1-83C328D5548E}"/>
+              </a:ext>
+            </a:extLst>
+          </p:cNvPr>
+          <p:cNvSpPr>
+            <a:spLocks noGrp="1"/>
+          </p:cNvSpPr>
+          <p:nvPr>
+            <p:ph type="title"/>
+          </p:nvPr>
+        </p:nvSpPr>
+        <p:spPr/>
+        <p:txBody>
+          <a:bodyPr/>
+          <a:lstStyle/>
+          <a:p>
+            <a:r>
+              <a:rPr lang="en-US" dirty="0"/>
+              <a:t>Strategy</a:t>
+            </a:r>
+          </a:p>
+        </p:txBody>
+      </p:sp>
+      <p:sp>
+        <p:nvSpPr>
+          <p:cNvPr id="3" name="TextBox 2">
+            <a:extLst>
+              <a:ext uri="{FF2B5EF4-FFF2-40B4-BE49-F238E27FC236}">
+                <a16:creationId xmlns:a16="http://schemas.microsoft.com/office/drawing/2014/main" id="{66A4566B-D26D-18F7-2769-748D7813228B}"/>
+              </a:ext>
+            </a:extLst>
+          </p:cNvPr>
+          <p:cNvSpPr txBox="1"/>
+          <p:nvPr/>
+        </p:nvSpPr>
+        <p:spPr>
+          <a:xfrm>
+            <a:off x="714374" y="1895475"/>
+            <a:ext cx="7810500" cy="646331"/>
+          </a:xfrm>
+          <a:prstGeom prst="rect">
+            <a:avLst/>
+          </a:prstGeom>
+          <a:noFill/>
+        </p:spPr>
+        <p:txBody>
+          <a:bodyPr wrap="square" rtlCol="0">
+            <a:spAutoFit/>
+          </a:bodyPr>
+          <a:lstStyle/>
+          <a:p>
+            <a:r>
+              <a:rPr lang="en-US" dirty="0"/>
+              <a:t>2D binary array for surface sites of homogeneously grafted polymer given grafting density, simulation box size, and discretization (and assuming dx = </a:t>
+            </a:r>
+            <a:r>
+              <a:rPr lang="en-US" dirty="0" err="1"/>
+              <a:t>dy</a:t>
+            </a:r>
+            <a:r>
+              <a:rPr lang="en-US" dirty="0"/>
+              <a:t>)</a:t>
+            </a:r>
+          </a:p>
+        </p:txBody>
+      </p:sp>
+      <p:sp>
+        <p:nvSpPr>
+          <p:cNvPr id="4" name="TextBox 3">
+            <a:extLst>
+              <a:ext uri="{FF2B5EF4-FFF2-40B4-BE49-F238E27FC236}">
+                <a16:creationId xmlns:a16="http://schemas.microsoft.com/office/drawing/2014/main" id="{14B153E5-948B-4D25-2B1C-2231E4E7EBA6}"/>
+              </a:ext>
+            </a:extLst>
+          </p:cNvPr>
+          <p:cNvSpPr txBox="1"/>
+          <p:nvPr/>
+        </p:nvSpPr>
+        <p:spPr>
+          <a:xfrm>
+            <a:off x="714374" y="2776538"/>
+            <a:ext cx="11077575" cy="646331"/>
+          </a:xfrm>
+          <a:prstGeom prst="rect">
+            <a:avLst/>
+          </a:prstGeom>
+          <a:noFill/>
+        </p:spPr>
+        <p:txBody>
+          <a:bodyPr wrap="square" rtlCol="0">
+            <a:spAutoFit/>
+          </a:bodyPr>
+          <a:lstStyle/>
+          <a:p>
+            <a:r>
+              <a:rPr lang="en-US" dirty="0" err="1"/>
+              <a:t>Fullspace</a:t>
+            </a:r>
+            <a:r>
+              <a:rPr lang="en-US" dirty="0"/>
+              <a:t> must be periodic on x0 = </a:t>
+            </a:r>
+            <a:r>
+              <a:rPr lang="en-US" dirty="0" err="1"/>
+              <a:t>xL</a:t>
+            </a:r>
+            <a:r>
+              <a:rPr lang="en-US" dirty="0"/>
+              <a:t>, y0 = </a:t>
+            </a:r>
+            <a:r>
+              <a:rPr lang="en-US" dirty="0" err="1"/>
+              <a:t>yL</a:t>
+            </a:r>
+            <a:endParaRPr lang="en-US" dirty="0"/>
+          </a:p>
+          <a:p>
+            <a:r>
+              <a:rPr lang="en-US" dirty="0" err="1"/>
+              <a:t>Halfspace</a:t>
+            </a:r>
+            <a:r>
+              <a:rPr lang="en-US" dirty="0"/>
+              <a:t> must be even on </a:t>
+            </a:r>
+            <a:r>
+              <a:rPr lang="en-US" dirty="0" err="1"/>
+              <a:t>xL</a:t>
+            </a:r>
+            <a:r>
+              <a:rPr lang="en-US" dirty="0"/>
+              <a:t>/2 and </a:t>
+            </a:r>
+            <a:r>
+              <a:rPr lang="en-US" dirty="0" err="1"/>
+              <a:t>yL</a:t>
+            </a:r>
+            <a:r>
+              <a:rPr lang="en-US" dirty="0"/>
+              <a:t>/2 (overlap of boundary following REDFT00) and periodic on x0 = </a:t>
+            </a:r>
+            <a:r>
+              <a:rPr lang="en-US" dirty="0" err="1"/>
+              <a:t>xL</a:t>
+            </a:r>
+            <a:r>
+              <a:rPr lang="en-US" dirty="0"/>
+              <a:t>, y0 = </a:t>
+            </a:r>
+            <a:r>
+              <a:rPr lang="en-US" dirty="0" err="1"/>
+              <a:t>yL</a:t>
+            </a:r>
+            <a:r>
+              <a:rPr lang="en-US" dirty="0"/>
+              <a:t>.</a:t>
+            </a:r>
+          </a:p>
+        </p:txBody>
+      </p:sp>
+      <p:sp>
+        <p:nvSpPr>
+          <p:cNvPr id="5" name="TextBox 4">
+            <a:extLst>
+              <a:ext uri="{FF2B5EF4-FFF2-40B4-BE49-F238E27FC236}">
+                <a16:creationId xmlns:a16="http://schemas.microsoft.com/office/drawing/2014/main" id="{97078C71-47DB-0D25-8BE5-AD0C9CC3C9FD}"/>
+              </a:ext>
+            </a:extLst>
+          </p:cNvPr>
+          <p:cNvSpPr txBox="1"/>
+          <p:nvPr/>
+        </p:nvSpPr>
+        <p:spPr>
+          <a:xfrm>
+            <a:off x="714373" y="3812426"/>
+            <a:ext cx="11077575" cy="369332"/>
+          </a:xfrm>
+          <a:prstGeom prst="rect">
+            <a:avLst/>
+          </a:prstGeom>
+          <a:noFill/>
+        </p:spPr>
+        <p:txBody>
+          <a:bodyPr wrap="square" rtlCol="0">
+            <a:spAutoFit/>
+          </a:bodyPr>
+          <a:lstStyle/>
+          <a:p>
+            <a:r>
+              <a:rPr lang="en-US" dirty="0"/>
+              <a:t>Homogeneous spacing as determined by regular hexagon, where grafting point at centroid of hexagon</a:t>
+            </a:r>
+          </a:p>
+        </p:txBody>
+      </p:sp>
+      <p:sp>
+        <p:nvSpPr>
+          <p:cNvPr id="6" name="TextBox 5">
+            <a:extLst>
+              <a:ext uri="{FF2B5EF4-FFF2-40B4-BE49-F238E27FC236}">
+                <a16:creationId xmlns:a16="http://schemas.microsoft.com/office/drawing/2014/main" id="{067DDA30-EAF3-09E5-D289-BD5F06EA216D}"/>
+              </a:ext>
+            </a:extLst>
+          </p:cNvPr>
+          <p:cNvSpPr txBox="1"/>
+          <p:nvPr/>
+        </p:nvSpPr>
+        <p:spPr>
+          <a:xfrm>
+            <a:off x="714372" y="4508719"/>
+            <a:ext cx="11077575" cy="923330"/>
+          </a:xfrm>
+          <a:prstGeom prst="rect">
+            <a:avLst/>
+          </a:prstGeom>
+          <a:noFill/>
+        </p:spPr>
+        <p:txBody>
+          <a:bodyPr wrap="square" rtlCol="0">
+            <a:spAutoFit/>
+          </a:bodyPr>
+          <a:lstStyle/>
+          <a:p>
+            <a:r>
+              <a:rPr lang="en-US" dirty="0"/>
+              <a:t>In case there are edge effects, try shifting the centroids away from the boundaries of the </a:t>
+            </a:r>
+            <a:r>
+              <a:rPr lang="en-US" dirty="0" err="1"/>
+              <a:t>xy</a:t>
+            </a:r>
+            <a:r>
+              <a:rPr lang="en-US" dirty="0"/>
+              <a:t>-plane (only did for </a:t>
+            </a:r>
+            <a:r>
+              <a:rPr lang="en-US" dirty="0" err="1"/>
+              <a:t>fullspace</a:t>
+            </a:r>
+            <a:r>
+              <a:rPr lang="en-US" dirty="0"/>
+              <a:t>)</a:t>
+            </a:r>
+          </a:p>
+          <a:p>
+            <a:pPr marL="285750" indent="-285750">
+              <a:buFont typeface="Arial" panose="020B0604020202020204" pitchFamily="34" charset="0"/>
+              <a:buChar char="•"/>
+            </a:pPr>
+            <a:r>
+              <a:rPr lang="en-US" dirty="0"/>
+              <a:t>Make sure no edge effects by comparing results of full FFT with cos FFT</a:t>
+            </a:r>
+          </a:p>
+        </p:txBody>
+      </p:sp>
+    </p:spTree>
+    <p:extLst>
+      <p:ext uri="{BB962C8B-B14F-4D97-AF65-F5344CB8AC3E}">
+        <p14:creationId xmlns:p14="http://schemas.microsoft.com/office/powerpoint/2010/main" val="1764039423"/>
+      </p:ext>
+    </p:extLst>
+  </p:cSld>
+  <p:clrMapOvr>
+    <a:masterClrMapping/>
+  </p:clrMapOvr>
+</p:sld>
+</file>
+
+<file path=ppt/slides/slide4.xml><?xml version="1.0" encoding="utf-8"?>
+<p:sld xmlns:a="http://schemas.openxmlformats.org/drawingml/2006/main" xmlns:r="http://schemas.openxmlformats.org/officeDocument/2006/relationships" xmlns:p="http://schemas.openxmlformats.org/presentationml/2006/main">
+  <p:cSld>
+    <p:spTree>
+      <p:nvGrpSpPr>
+        <p:cNvPr id="1" name=""/>
+        <p:cNvGrpSpPr/>
+        <p:nvPr/>
+      </p:nvGrpSpPr>
+      <p:grpSpPr>
+        <a:xfrm>
+          <a:off x="0" y="0"/>
+          <a:ext cx="0" cy="0"/>
+          <a:chOff x="0" y="0"/>
+          <a:chExt cx="0" cy="0"/>
+        </a:xfrm>
+      </p:grpSpPr>
+      <p:sp>
+        <p:nvSpPr>
+          <p:cNvPr id="2" name="Title 1">
+            <a:extLst>
+              <a:ext uri="{FF2B5EF4-FFF2-40B4-BE49-F238E27FC236}">
+                <a16:creationId xmlns:a16="http://schemas.microsoft.com/office/drawing/2014/main" id="{A3926BC3-A860-346A-4F58-1EE4C3E7FB0F}"/>
+              </a:ext>
+            </a:extLst>
+          </p:cNvPr>
+          <p:cNvSpPr>
+            <a:spLocks noGrp="1"/>
+          </p:cNvSpPr>
+          <p:nvPr>
+            <p:ph type="title"/>
+          </p:nvPr>
+        </p:nvSpPr>
+        <p:spPr/>
+        <p:txBody>
+          <a:bodyPr/>
+          <a:lstStyle/>
+          <a:p>
+            <a:r>
+              <a:rPr lang="en-US" dirty="0"/>
+              <a:t>Test conditions</a:t>
+            </a:r>
+          </a:p>
+        </p:txBody>
+      </p:sp>
+      <p:sp>
+        <p:nvSpPr>
+          <p:cNvPr id="3" name="TextBox 2">
+            <a:extLst>
+              <a:ext uri="{FF2B5EF4-FFF2-40B4-BE49-F238E27FC236}">
+                <a16:creationId xmlns:a16="http://schemas.microsoft.com/office/drawing/2014/main" id="{A00B5138-8D53-B196-C54A-B372D20698D0}"/>
+              </a:ext>
+            </a:extLst>
+          </p:cNvPr>
+          <p:cNvSpPr txBox="1"/>
+          <p:nvPr/>
+        </p:nvSpPr>
+        <p:spPr>
+          <a:xfrm>
+            <a:off x="1192695" y="2186609"/>
+            <a:ext cx="7026965" cy="1200329"/>
+          </a:xfrm>
+          <a:prstGeom prst="rect">
+            <a:avLst/>
+          </a:prstGeom>
+          <a:noFill/>
+        </p:spPr>
+        <p:txBody>
+          <a:bodyPr wrap="square" rtlCol="0">
+            <a:spAutoFit/>
+          </a:bodyPr>
+          <a:lstStyle/>
+          <a:p>
+            <a:r>
+              <a:rPr lang="en-US" dirty="0"/>
+              <a:t>Sigma = 0.05 c/nm2</a:t>
+            </a:r>
+          </a:p>
+          <a:p>
+            <a:r>
+              <a:rPr lang="en-US" dirty="0"/>
+              <a:t>Lx = 15 nm</a:t>
+            </a:r>
+          </a:p>
+          <a:p>
+            <a:r>
+              <a:rPr lang="en-US" dirty="0"/>
+              <a:t>Ly = 15 nm</a:t>
+            </a:r>
+          </a:p>
+          <a:p>
+            <a:r>
+              <a:rPr lang="en-US" dirty="0"/>
+              <a:t>dx = 0.4 nm</a:t>
+            </a:r>
+          </a:p>
+        </p:txBody>
+      </p:sp>
+      <p:sp>
+        <p:nvSpPr>
+          <p:cNvPr id="4" name="TextBox 3">
+            <a:extLst>
+              <a:ext uri="{FF2B5EF4-FFF2-40B4-BE49-F238E27FC236}">
+                <a16:creationId xmlns:a16="http://schemas.microsoft.com/office/drawing/2014/main" id="{431FD48E-52DE-AC6E-5D2D-A03BFCBE0CEE}"/>
+              </a:ext>
+            </a:extLst>
+          </p:cNvPr>
+          <p:cNvSpPr txBox="1"/>
+          <p:nvPr/>
+        </p:nvSpPr>
+        <p:spPr>
+          <a:xfrm>
+            <a:off x="1192694" y="3776869"/>
+            <a:ext cx="7026965" cy="1754326"/>
+          </a:xfrm>
+          <a:prstGeom prst="rect">
+            <a:avLst/>
+          </a:prstGeom>
+          <a:noFill/>
+        </p:spPr>
+        <p:txBody>
+          <a:bodyPr wrap="square" rtlCol="0">
+            <a:spAutoFit/>
+          </a:bodyPr>
+          <a:lstStyle/>
+          <a:p>
+            <a:r>
+              <a:rPr lang="en-US" dirty="0"/>
+              <a:t>Cast in terms of dx (for rounding and PBC for grafting points): </a:t>
+            </a:r>
+          </a:p>
+          <a:p>
+            <a:r>
+              <a:rPr lang="en-US" dirty="0"/>
+              <a:t>	Sigma = 0.0668 c/nm2</a:t>
+            </a:r>
+          </a:p>
+          <a:p>
+            <a:r>
+              <a:rPr lang="en-US" dirty="0"/>
+              <a:t>	Lx = 14.80 nm</a:t>
+            </a:r>
+          </a:p>
+          <a:p>
+            <a:r>
+              <a:rPr lang="en-US" dirty="0"/>
+              <a:t>	Ly = 11.20 nm</a:t>
+            </a:r>
+          </a:p>
+          <a:p>
+            <a:endParaRPr lang="en-US" dirty="0"/>
+          </a:p>
+          <a:p>
+            <a:r>
+              <a:rPr lang="en-US" dirty="0"/>
+              <a:t>(Sigma error decrease with dx)</a:t>
+            </a:r>
+          </a:p>
+        </p:txBody>
+      </p:sp>
+    </p:spTree>
+    <p:extLst>
+      <p:ext uri="{BB962C8B-B14F-4D97-AF65-F5344CB8AC3E}">
+        <p14:creationId xmlns:p14="http://schemas.microsoft.com/office/powerpoint/2010/main" val="782308025"/>
+      </p:ext>
+    </p:extLst>
+  </p:cSld>
+  <p:clrMapOvr>
+    <a:masterClrMapping/>
+  </p:clrMapOvr>
+</p:sld>
+</file>
+
+<file path=ppt/slides/slide5.xml><?xml version="1.0" encoding="utf-8"?>
+<p:sld xmlns:a="http://schemas.openxmlformats.org/drawingml/2006/main" xmlns:r="http://schemas.openxmlformats.org/officeDocument/2006/relationships" xmlns:p="http://schemas.openxmlformats.org/presentationml/2006/main">
+  <p:cSld>
+    <p:spTree>
+      <p:nvGrpSpPr>
+        <p:cNvPr id="1" name=""/>
+        <p:cNvGrpSpPr/>
+        <p:nvPr/>
+      </p:nvGrpSpPr>
+      <p:grpSpPr>
+        <a:xfrm>
+          <a:off x="0" y="0"/>
+          <a:ext cx="0" cy="0"/>
+          <a:chOff x="0" y="0"/>
+          <a:chExt cx="0" cy="0"/>
+        </a:xfrm>
+      </p:grpSpPr>
       <p:pic>
         <p:nvPicPr>
           <p:cNvPr id="2" name="Picture 8">
@@ -5959,7 +6120,7 @@
 </p:sld>
 </file>
 
-<file path=ppt/slides/slide4.xml><?xml version="1.0" encoding="utf-8"?>
+<file path=ppt/slides/slide6.xml><?xml version="1.0" encoding="utf-8"?>
 <p:sld xmlns:a="http://schemas.openxmlformats.org/drawingml/2006/main" xmlns:r="http://schemas.openxmlformats.org/officeDocument/2006/relationships" xmlns:p="http://schemas.openxmlformats.org/presentationml/2006/main">
   <p:cSld>
     <p:spTree>
@@ -8481,7 +8642,7 @@
 </p:sld>
 </file>
 
-<file path=ppt/slides/slide5.xml><?xml version="1.0" encoding="utf-8"?>
+<file path=ppt/slides/slide7.xml><?xml version="1.0" encoding="utf-8"?>
 <p:sld xmlns:a="http://schemas.openxmlformats.org/drawingml/2006/main" xmlns:r="http://schemas.openxmlformats.org/officeDocument/2006/relationships" xmlns:p="http://schemas.openxmlformats.org/presentationml/2006/main">
   <p:cSld>
     <p:spTree>

--- a/SYSG3.pptx
+++ b/SYSG3.pptx
@@ -265,7 +265,7 @@
           <a:p>
             <a:fld id="{3FB972CA-75D3-464B-AB07-BF3EA83BD9C3}" type="datetimeFigureOut">
               <a:rPr lang="en-US" smtClean="0"/>
-              <a:t>8/8/2023</a:t>
+              <a:t>8/9/2023</a:t>
             </a:fld>
             <a:endParaRPr lang="en-US"/>
           </a:p>
@@ -463,7 +463,7 @@
           <a:p>
             <a:fld id="{3FB972CA-75D3-464B-AB07-BF3EA83BD9C3}" type="datetimeFigureOut">
               <a:rPr lang="en-US" smtClean="0"/>
-              <a:t>8/8/2023</a:t>
+              <a:t>8/9/2023</a:t>
             </a:fld>
             <a:endParaRPr lang="en-US"/>
           </a:p>
@@ -671,7 +671,7 @@
           <a:p>
             <a:fld id="{3FB972CA-75D3-464B-AB07-BF3EA83BD9C3}" type="datetimeFigureOut">
               <a:rPr lang="en-US" smtClean="0"/>
-              <a:t>8/8/2023</a:t>
+              <a:t>8/9/2023</a:t>
             </a:fld>
             <a:endParaRPr lang="en-US"/>
           </a:p>
@@ -869,7 +869,7 @@
           <a:p>
             <a:fld id="{3FB972CA-75D3-464B-AB07-BF3EA83BD9C3}" type="datetimeFigureOut">
               <a:rPr lang="en-US" smtClean="0"/>
-              <a:t>8/8/2023</a:t>
+              <a:t>8/9/2023</a:t>
             </a:fld>
             <a:endParaRPr lang="en-US"/>
           </a:p>
@@ -1144,7 +1144,7 @@
           <a:p>
             <a:fld id="{3FB972CA-75D3-464B-AB07-BF3EA83BD9C3}" type="datetimeFigureOut">
               <a:rPr lang="en-US" smtClean="0"/>
-              <a:t>8/8/2023</a:t>
+              <a:t>8/9/2023</a:t>
             </a:fld>
             <a:endParaRPr lang="en-US"/>
           </a:p>
@@ -1409,7 +1409,7 @@
           <a:p>
             <a:fld id="{3FB972CA-75D3-464B-AB07-BF3EA83BD9C3}" type="datetimeFigureOut">
               <a:rPr lang="en-US" smtClean="0"/>
-              <a:t>8/8/2023</a:t>
+              <a:t>8/9/2023</a:t>
             </a:fld>
             <a:endParaRPr lang="en-US"/>
           </a:p>
@@ -1821,7 +1821,7 @@
           <a:p>
             <a:fld id="{3FB972CA-75D3-464B-AB07-BF3EA83BD9C3}" type="datetimeFigureOut">
               <a:rPr lang="en-US" smtClean="0"/>
-              <a:t>8/8/2023</a:t>
+              <a:t>8/9/2023</a:t>
             </a:fld>
             <a:endParaRPr lang="en-US"/>
           </a:p>
@@ -1962,7 +1962,7 @@
           <a:p>
             <a:fld id="{3FB972CA-75D3-464B-AB07-BF3EA83BD9C3}" type="datetimeFigureOut">
               <a:rPr lang="en-US" smtClean="0"/>
-              <a:t>8/8/2023</a:t>
+              <a:t>8/9/2023</a:t>
             </a:fld>
             <a:endParaRPr lang="en-US"/>
           </a:p>
@@ -2075,7 +2075,7 @@
           <a:p>
             <a:fld id="{3FB972CA-75D3-464B-AB07-BF3EA83BD9C3}" type="datetimeFigureOut">
               <a:rPr lang="en-US" smtClean="0"/>
-              <a:t>8/8/2023</a:t>
+              <a:t>8/9/2023</a:t>
             </a:fld>
             <a:endParaRPr lang="en-US"/>
           </a:p>
@@ -2386,7 +2386,7 @@
           <a:p>
             <a:fld id="{3FB972CA-75D3-464B-AB07-BF3EA83BD9C3}" type="datetimeFigureOut">
               <a:rPr lang="en-US" smtClean="0"/>
-              <a:t>8/8/2023</a:t>
+              <a:t>8/9/2023</a:t>
             </a:fld>
             <a:endParaRPr lang="en-US"/>
           </a:p>
@@ -2674,7 +2674,7 @@
           <a:p>
             <a:fld id="{3FB972CA-75D3-464B-AB07-BF3EA83BD9C3}" type="datetimeFigureOut">
               <a:rPr lang="en-US" smtClean="0"/>
-              <a:t>8/8/2023</a:t>
+              <a:t>8/9/2023</a:t>
             </a:fld>
             <a:endParaRPr lang="en-US"/>
           </a:p>
@@ -2915,7 +2915,7 @@
           <a:p>
             <a:fld id="{3FB972CA-75D3-464B-AB07-BF3EA83BD9C3}" type="datetimeFigureOut">
               <a:rPr lang="en-US" smtClean="0"/>
-              <a:t>8/8/2023</a:t>
+              <a:t>8/9/2023</a:t>
             </a:fld>
             <a:endParaRPr lang="en-US"/>
           </a:p>
@@ -3348,14 +3348,27 @@
             <p:ph type="title"/>
           </p:nvPr>
         </p:nvSpPr>
-        <p:spPr/>
+        <p:spPr>
+          <a:xfrm>
+            <a:off x="838200" y="0"/>
+            <a:ext cx="10515600" cy="1325563"/>
+          </a:xfrm>
+        </p:spPr>
         <p:txBody>
           <a:bodyPr/>
           <a:lstStyle/>
           <a:p>
             <a:r>
               <a:rPr lang="en-US" dirty="0"/>
-              <a:t>z-FFT vs z-FD (MDE)</a:t>
+              <a:t>z-FFT vs z-FD (MDE) – REDFT01 </a:t>
+            </a:r>
+            <a:r>
+              <a:rPr lang="en-US" dirty="0" err="1"/>
+              <a:t>xy</a:t>
+            </a:r>
+            <a:r>
+              <a:rPr lang="en-US" dirty="0"/>
+              <a:t>(z)</a:t>
             </a:r>
           </a:p>
         </p:txBody>
@@ -3374,7 +3387,7 @@
         </p:nvSpPr>
         <p:spPr>
           <a:xfrm>
-            <a:off x="965200" y="1837267"/>
+            <a:off x="838200" y="956231"/>
             <a:ext cx="5130800" cy="369332"/>
           </a:xfrm>
           <a:prstGeom prst="rect">
@@ -3399,6 +3412,330 @@
             <a:r>
               <a:rPr lang="en-US" dirty="0"/>
               <a:t> = 50. s = 0.02. x = 0.75. a = 0.00</a:t>
+            </a:r>
+          </a:p>
+        </p:txBody>
+      </p:sp>
+      <p:pic>
+        <p:nvPicPr>
+          <p:cNvPr id="17" name="Picture 16">
+            <a:extLst>
+              <a:ext uri="{FF2B5EF4-FFF2-40B4-BE49-F238E27FC236}">
+                <a16:creationId xmlns:a16="http://schemas.microsoft.com/office/drawing/2014/main" id="{0C859945-8FBB-DDE5-B23F-2D762F0582B0}"/>
+              </a:ext>
+            </a:extLst>
+          </p:cNvPr>
+          <p:cNvPicPr>
+            <a:picLocks noChangeAspect="1"/>
+          </p:cNvPicPr>
+          <p:nvPr/>
+        </p:nvPicPr>
+        <p:blipFill>
+          <a:blip r:embed="rId2"/>
+          <a:stretch>
+            <a:fillRect/>
+          </a:stretch>
+        </p:blipFill>
+        <p:spPr>
+          <a:xfrm>
+            <a:off x="838201" y="1583991"/>
+            <a:ext cx="4578397" cy="2592841"/>
+          </a:xfrm>
+          <a:prstGeom prst="rect">
+            <a:avLst/>
+          </a:prstGeom>
+        </p:spPr>
+      </p:pic>
+      <p:pic>
+        <p:nvPicPr>
+          <p:cNvPr id="19" name="Picture 18">
+            <a:extLst>
+              <a:ext uri="{FF2B5EF4-FFF2-40B4-BE49-F238E27FC236}">
+                <a16:creationId xmlns:a16="http://schemas.microsoft.com/office/drawing/2014/main" id="{25C181C5-773E-9630-E4E3-C21F585453C5}"/>
+              </a:ext>
+            </a:extLst>
+          </p:cNvPr>
+          <p:cNvPicPr>
+            <a:picLocks noChangeAspect="1"/>
+          </p:cNvPicPr>
+          <p:nvPr/>
+        </p:nvPicPr>
+        <p:blipFill>
+          <a:blip r:embed="rId3"/>
+          <a:stretch>
+            <a:fillRect/>
+          </a:stretch>
+        </p:blipFill>
+        <p:spPr>
+          <a:xfrm>
+            <a:off x="838200" y="3915948"/>
+            <a:ext cx="4578397" cy="2555875"/>
+          </a:xfrm>
+          <a:prstGeom prst="rect">
+            <a:avLst/>
+          </a:prstGeom>
+        </p:spPr>
+      </p:pic>
+      <p:sp>
+        <p:nvSpPr>
+          <p:cNvPr id="20" name="TextBox 19">
+            <a:extLst>
+              <a:ext uri="{FF2B5EF4-FFF2-40B4-BE49-F238E27FC236}">
+                <a16:creationId xmlns:a16="http://schemas.microsoft.com/office/drawing/2014/main" id="{F67FA53E-0EE8-AAF7-18FE-84614DDB84DE}"/>
+              </a:ext>
+            </a:extLst>
+          </p:cNvPr>
+          <p:cNvSpPr txBox="1"/>
+          <p:nvPr/>
+        </p:nvSpPr>
+        <p:spPr>
+          <a:xfrm>
+            <a:off x="5673394" y="2628012"/>
+            <a:ext cx="1286933" cy="369332"/>
+          </a:xfrm>
+          <a:prstGeom prst="rect">
+            <a:avLst/>
+          </a:prstGeom>
+          <a:noFill/>
+        </p:spPr>
+        <p:txBody>
+          <a:bodyPr wrap="square" rtlCol="0">
+            <a:spAutoFit/>
+          </a:bodyPr>
+          <a:lstStyle/>
+          <a:p>
+            <a:r>
+              <a:rPr lang="en-US" dirty="0"/>
+              <a:t>FFT (</a:t>
+            </a:r>
+            <a:r>
+              <a:rPr lang="en-US" dirty="0" err="1"/>
+              <a:t>yz</a:t>
+            </a:r>
+            <a:r>
+              <a:rPr lang="en-US" dirty="0"/>
+              <a:t>)</a:t>
+            </a:r>
+          </a:p>
+        </p:txBody>
+      </p:sp>
+      <p:sp>
+        <p:nvSpPr>
+          <p:cNvPr id="21" name="TextBox 20">
+            <a:extLst>
+              <a:ext uri="{FF2B5EF4-FFF2-40B4-BE49-F238E27FC236}">
+                <a16:creationId xmlns:a16="http://schemas.microsoft.com/office/drawing/2014/main" id="{8975F4F8-1D5E-2B6C-439A-E0008683786D}"/>
+              </a:ext>
+            </a:extLst>
+          </p:cNvPr>
+          <p:cNvSpPr txBox="1"/>
+          <p:nvPr/>
+        </p:nvSpPr>
+        <p:spPr>
+          <a:xfrm>
+            <a:off x="5673395" y="4765287"/>
+            <a:ext cx="1286933" cy="369332"/>
+          </a:xfrm>
+          <a:prstGeom prst="rect">
+            <a:avLst/>
+          </a:prstGeom>
+          <a:noFill/>
+        </p:spPr>
+        <p:txBody>
+          <a:bodyPr wrap="square" rtlCol="0">
+            <a:spAutoFit/>
+          </a:bodyPr>
+          <a:lstStyle/>
+          <a:p>
+            <a:r>
+              <a:rPr lang="en-US" dirty="0"/>
+              <a:t>FD (</a:t>
+            </a:r>
+            <a:r>
+              <a:rPr lang="en-US" dirty="0" err="1"/>
+              <a:t>yz</a:t>
+            </a:r>
+            <a:r>
+              <a:rPr lang="en-US" dirty="0"/>
+              <a:t>)</a:t>
+            </a:r>
+          </a:p>
+        </p:txBody>
+      </p:sp>
+      <p:pic>
+        <p:nvPicPr>
+          <p:cNvPr id="25" name="Picture 24">
+            <a:extLst>
+              <a:ext uri="{FF2B5EF4-FFF2-40B4-BE49-F238E27FC236}">
+                <a16:creationId xmlns:a16="http://schemas.microsoft.com/office/drawing/2014/main" id="{BFB8AF76-977E-BF34-4D5F-6F1115EF2823}"/>
+              </a:ext>
+            </a:extLst>
+          </p:cNvPr>
+          <p:cNvPicPr>
+            <a:picLocks noChangeAspect="1"/>
+          </p:cNvPicPr>
+          <p:nvPr/>
+        </p:nvPicPr>
+        <p:blipFill>
+          <a:blip r:embed="rId4"/>
+          <a:stretch>
+            <a:fillRect/>
+          </a:stretch>
+        </p:blipFill>
+        <p:spPr>
+          <a:xfrm>
+            <a:off x="7276364" y="4047095"/>
+            <a:ext cx="2924742" cy="2424728"/>
+          </a:xfrm>
+          <a:prstGeom prst="rect">
+            <a:avLst/>
+          </a:prstGeom>
+        </p:spPr>
+      </p:pic>
+      <p:pic>
+        <p:nvPicPr>
+          <p:cNvPr id="27" name="Picture 26">
+            <a:extLst>
+              <a:ext uri="{FF2B5EF4-FFF2-40B4-BE49-F238E27FC236}">
+                <a16:creationId xmlns:a16="http://schemas.microsoft.com/office/drawing/2014/main" id="{277F92A0-71CE-490F-B258-ED7EC95866E9}"/>
+              </a:ext>
+            </a:extLst>
+          </p:cNvPr>
+          <p:cNvPicPr>
+            <a:picLocks noChangeAspect="1"/>
+          </p:cNvPicPr>
+          <p:nvPr/>
+        </p:nvPicPr>
+        <p:blipFill>
+          <a:blip r:embed="rId5"/>
+          <a:stretch>
+            <a:fillRect/>
+          </a:stretch>
+        </p:blipFill>
+        <p:spPr>
+          <a:xfrm>
+            <a:off x="10402909" y="2300726"/>
+            <a:ext cx="494780" cy="2823542"/>
+          </a:xfrm>
+          <a:prstGeom prst="rect">
+            <a:avLst/>
+          </a:prstGeom>
+        </p:spPr>
+      </p:pic>
+      <p:sp>
+        <p:nvSpPr>
+          <p:cNvPr id="28" name="TextBox 27">
+            <a:extLst>
+              <a:ext uri="{FF2B5EF4-FFF2-40B4-BE49-F238E27FC236}">
+                <a16:creationId xmlns:a16="http://schemas.microsoft.com/office/drawing/2014/main" id="{209381BF-3B92-7C87-83D1-6D10AFC3C731}"/>
+              </a:ext>
+            </a:extLst>
+          </p:cNvPr>
+          <p:cNvSpPr txBox="1"/>
+          <p:nvPr/>
+        </p:nvSpPr>
+        <p:spPr>
+          <a:xfrm>
+            <a:off x="8289087" y="3893578"/>
+            <a:ext cx="1286933" cy="369332"/>
+          </a:xfrm>
+          <a:prstGeom prst="rect">
+            <a:avLst/>
+          </a:prstGeom>
+          <a:noFill/>
+        </p:spPr>
+        <p:txBody>
+          <a:bodyPr wrap="square" rtlCol="0">
+            <a:spAutoFit/>
+          </a:bodyPr>
+          <a:lstStyle/>
+          <a:p>
+            <a:pPr algn="ctr"/>
+            <a:r>
+              <a:rPr lang="en-US" dirty="0"/>
+              <a:t>FD (</a:t>
+            </a:r>
+            <a:r>
+              <a:rPr lang="en-US" dirty="0" err="1"/>
+              <a:t>xyz</a:t>
+            </a:r>
+            <a:r>
+              <a:rPr lang="en-US" dirty="0"/>
+              <a:t>)</a:t>
+            </a:r>
+          </a:p>
+        </p:txBody>
+      </p:sp>
+      <p:pic>
+        <p:nvPicPr>
+          <p:cNvPr id="30" name="Picture 29">
+            <a:extLst>
+              <a:ext uri="{FF2B5EF4-FFF2-40B4-BE49-F238E27FC236}">
+                <a16:creationId xmlns:a16="http://schemas.microsoft.com/office/drawing/2014/main" id="{78FFD473-8BB3-1A61-FCA5-1FC80C0BC590}"/>
+              </a:ext>
+            </a:extLst>
+          </p:cNvPr>
+          <p:cNvPicPr>
+            <a:picLocks noChangeAspect="1"/>
+          </p:cNvPicPr>
+          <p:nvPr/>
+        </p:nvPicPr>
+        <p:blipFill>
+          <a:blip r:embed="rId6"/>
+          <a:stretch>
+            <a:fillRect/>
+          </a:stretch>
+        </p:blipFill>
+        <p:spPr>
+          <a:xfrm>
+            <a:off x="7217123" y="1445526"/>
+            <a:ext cx="2924741" cy="2400807"/>
+          </a:xfrm>
+          <a:prstGeom prst="rect">
+            <a:avLst/>
+          </a:prstGeom>
+        </p:spPr>
+      </p:pic>
+      <p:sp>
+        <p:nvSpPr>
+          <p:cNvPr id="31" name="TextBox 30">
+            <a:extLst>
+              <a:ext uri="{FF2B5EF4-FFF2-40B4-BE49-F238E27FC236}">
+                <a16:creationId xmlns:a16="http://schemas.microsoft.com/office/drawing/2014/main" id="{18ED4AF3-A406-8565-DA72-D4AD2194F5BA}"/>
+              </a:ext>
+            </a:extLst>
+          </p:cNvPr>
+          <p:cNvSpPr txBox="1"/>
+          <p:nvPr/>
+        </p:nvSpPr>
+        <p:spPr>
+          <a:xfrm>
+            <a:off x="8207324" y="1229166"/>
+            <a:ext cx="1286933" cy="369332"/>
+          </a:xfrm>
+          <a:prstGeom prst="rect">
+            <a:avLst/>
+          </a:prstGeom>
+          <a:noFill/>
+        </p:spPr>
+        <p:txBody>
+          <a:bodyPr wrap="square" rtlCol="0">
+            <a:spAutoFit/>
+          </a:bodyPr>
+          <a:lstStyle/>
+          <a:p>
+            <a:pPr algn="ctr"/>
+            <a:r>
+              <a:rPr lang="en-US" dirty="0"/>
+              <a:t>FFT (</a:t>
+            </a:r>
+            <a:r>
+              <a:rPr lang="en-US" dirty="0" err="1"/>
+              <a:t>xyz</a:t>
+            </a:r>
+            <a:r>
+              <a:rPr lang="en-US" dirty="0"/>
+              <a:t>)</a:t>
             </a:r>
           </a:p>
         </p:txBody>

--- a/SYSG3.pptx
+++ b/SYSG3.pptx
@@ -3387,8 +3387,8 @@
         </p:nvSpPr>
         <p:spPr>
           <a:xfrm>
-            <a:off x="838200" y="956231"/>
-            <a:ext cx="5130800" cy="369332"/>
+            <a:off x="838200" y="1007032"/>
+            <a:ext cx="5130800" cy="646331"/>
           </a:xfrm>
           <a:prstGeom prst="rect">
             <a:avLst/>
@@ -3414,14 +3414,114 @@
               <a:t> = 50. s = 0.02. x = 0.75. a = 0.00</a:t>
             </a:r>
           </a:p>
+          <a:p>
+            <a:r>
+              <a:rPr lang="en-US" dirty="0"/>
+              <a:t>Comparison: </a:t>
+            </a:r>
+            <a:r>
+              <a:rPr lang="en-US" dirty="0" err="1"/>
+              <a:t>dz</a:t>
+            </a:r>
+            <a:r>
+              <a:rPr lang="en-US" dirty="0"/>
+              <a:t> = 0.5; dz_1D = 0.113</a:t>
+            </a:r>
+          </a:p>
+        </p:txBody>
+      </p:sp>
+      <p:sp>
+        <p:nvSpPr>
+          <p:cNvPr id="20" name="TextBox 19">
+            <a:extLst>
+              <a:ext uri="{FF2B5EF4-FFF2-40B4-BE49-F238E27FC236}">
+                <a16:creationId xmlns:a16="http://schemas.microsoft.com/office/drawing/2014/main" id="{F67FA53E-0EE8-AAF7-18FE-84614DDB84DE}"/>
+              </a:ext>
+            </a:extLst>
+          </p:cNvPr>
+          <p:cNvSpPr txBox="1"/>
+          <p:nvPr/>
+        </p:nvSpPr>
+        <p:spPr>
+          <a:xfrm>
+            <a:off x="5631059" y="2915880"/>
+            <a:ext cx="1286933" cy="369332"/>
+          </a:xfrm>
+          <a:prstGeom prst="rect">
+            <a:avLst/>
+          </a:prstGeom>
+          <a:noFill/>
+        </p:spPr>
+        <p:txBody>
+          <a:bodyPr wrap="square" rtlCol="0">
+            <a:spAutoFit/>
+          </a:bodyPr>
+          <a:lstStyle/>
+          <a:p>
+            <a:r>
+              <a:rPr lang="en-US" dirty="0"/>
+              <a:t>FFT (</a:t>
+            </a:r>
+            <a:r>
+              <a:rPr lang="en-US" dirty="0" err="1"/>
+              <a:t>yz</a:t>
+            </a:r>
+            <a:r>
+              <a:rPr lang="en-US" dirty="0"/>
+              <a:t>)</a:t>
+            </a:r>
+          </a:p>
+        </p:txBody>
+      </p:sp>
+      <p:sp>
+        <p:nvSpPr>
+          <p:cNvPr id="21" name="TextBox 20">
+            <a:extLst>
+              <a:ext uri="{FF2B5EF4-FFF2-40B4-BE49-F238E27FC236}">
+                <a16:creationId xmlns:a16="http://schemas.microsoft.com/office/drawing/2014/main" id="{8975F4F8-1D5E-2B6C-439A-E0008683786D}"/>
+              </a:ext>
+            </a:extLst>
+          </p:cNvPr>
+          <p:cNvSpPr txBox="1"/>
+          <p:nvPr/>
+        </p:nvSpPr>
+        <p:spPr>
+          <a:xfrm>
+            <a:off x="5631059" y="5330398"/>
+            <a:ext cx="1286933" cy="369332"/>
+          </a:xfrm>
+          <a:prstGeom prst="rect">
+            <a:avLst/>
+          </a:prstGeom>
+          <a:noFill/>
+        </p:spPr>
+        <p:txBody>
+          <a:bodyPr wrap="square" rtlCol="0">
+            <a:spAutoFit/>
+          </a:bodyPr>
+          <a:lstStyle/>
+          <a:p>
+            <a:r>
+              <a:rPr lang="en-US" dirty="0"/>
+              <a:t>FD (</a:t>
+            </a:r>
+            <a:r>
+              <a:rPr lang="en-US" dirty="0" err="1"/>
+              <a:t>yz</a:t>
+            </a:r>
+            <a:r>
+              <a:rPr lang="en-US" dirty="0"/>
+              <a:t>)</a:t>
+            </a:r>
+          </a:p>
         </p:txBody>
       </p:sp>
       <p:pic>
         <p:nvPicPr>
-          <p:cNvPr id="17" name="Picture 16">
-            <a:extLst>
-              <a:ext uri="{FF2B5EF4-FFF2-40B4-BE49-F238E27FC236}">
-                <a16:creationId xmlns:a16="http://schemas.microsoft.com/office/drawing/2014/main" id="{0C859945-8FBB-DDE5-B23F-2D762F0582B0}"/>
+          <p:cNvPr id="25" name="Picture 24">
+            <a:extLst>
+              <a:ext uri="{FF2B5EF4-FFF2-40B4-BE49-F238E27FC236}">
+                <a16:creationId xmlns:a16="http://schemas.microsoft.com/office/drawing/2014/main" id="{BFB8AF76-977E-BF34-4D5F-6F1115EF2823}"/>
               </a:ext>
             </a:extLst>
           </p:cNvPr>
@@ -3438,8 +3538,8 @@
         </p:blipFill>
         <p:spPr>
           <a:xfrm>
-            <a:off x="838201" y="1583991"/>
-            <a:ext cx="4578397" cy="2592841"/>
+            <a:off x="7276364" y="4360365"/>
+            <a:ext cx="2924742" cy="2424728"/>
           </a:xfrm>
           <a:prstGeom prst="rect">
             <a:avLst/>
@@ -3448,10 +3548,10 @@
       </p:pic>
       <p:pic>
         <p:nvPicPr>
-          <p:cNvPr id="19" name="Picture 18">
-            <a:extLst>
-              <a:ext uri="{FF2B5EF4-FFF2-40B4-BE49-F238E27FC236}">
-                <a16:creationId xmlns:a16="http://schemas.microsoft.com/office/drawing/2014/main" id="{25C181C5-773E-9630-E4E3-C21F585453C5}"/>
+          <p:cNvPr id="27" name="Picture 26">
+            <a:extLst>
+              <a:ext uri="{FF2B5EF4-FFF2-40B4-BE49-F238E27FC236}">
+                <a16:creationId xmlns:a16="http://schemas.microsoft.com/office/drawing/2014/main" id="{277F92A0-71CE-490F-B258-ED7EC95866E9}"/>
               </a:ext>
             </a:extLst>
           </p:cNvPr>
@@ -3468,8 +3568,8 @@
         </p:blipFill>
         <p:spPr>
           <a:xfrm>
-            <a:off x="838200" y="3915948"/>
-            <a:ext cx="4578397" cy="2555875"/>
+            <a:off x="10402909" y="2613996"/>
+            <a:ext cx="494780" cy="2823542"/>
           </a:xfrm>
           <a:prstGeom prst="rect">
             <a:avLst/>
@@ -3478,10 +3578,10 @@
       </p:pic>
       <p:sp>
         <p:nvSpPr>
-          <p:cNvPr id="20" name="TextBox 19">
-            <a:extLst>
-              <a:ext uri="{FF2B5EF4-FFF2-40B4-BE49-F238E27FC236}">
-                <a16:creationId xmlns:a16="http://schemas.microsoft.com/office/drawing/2014/main" id="{F67FA53E-0EE8-AAF7-18FE-84614DDB84DE}"/>
+          <p:cNvPr id="28" name="TextBox 27">
+            <a:extLst>
+              <a:ext uri="{FF2B5EF4-FFF2-40B4-BE49-F238E27FC236}">
+                <a16:creationId xmlns:a16="http://schemas.microsoft.com/office/drawing/2014/main" id="{209381BF-3B92-7C87-83D1-6D10AFC3C731}"/>
               </a:ext>
             </a:extLst>
           </p:cNvPr>
@@ -3490,7 +3590,7 @@
         </p:nvSpPr>
         <p:spPr>
           <a:xfrm>
-            <a:off x="5673394" y="2628012"/>
+            <a:off x="8289087" y="4206848"/>
             <a:ext cx="1286933" cy="369332"/>
           </a:xfrm>
           <a:prstGeom prst="rect">
@@ -3504,13 +3604,14 @@
           </a:bodyPr>
           <a:lstStyle/>
           <a:p>
+            <a:pPr algn="ctr"/>
             <a:r>
               <a:rPr lang="en-US" dirty="0"/>
-              <a:t>FFT (</a:t>
+              <a:t>FD (</a:t>
             </a:r>
             <a:r>
               <a:rPr lang="en-US" dirty="0" err="1"/>
-              <a:t>yz</a:t>
+              <a:t>xyz</a:t>
             </a:r>
             <a:r>
               <a:rPr lang="en-US" dirty="0"/>
@@ -3519,55 +3620,12 @@
           </a:p>
         </p:txBody>
       </p:sp>
-      <p:sp>
-        <p:nvSpPr>
-          <p:cNvPr id="21" name="TextBox 20">
-            <a:extLst>
-              <a:ext uri="{FF2B5EF4-FFF2-40B4-BE49-F238E27FC236}">
-                <a16:creationId xmlns:a16="http://schemas.microsoft.com/office/drawing/2014/main" id="{8975F4F8-1D5E-2B6C-439A-E0008683786D}"/>
-              </a:ext>
-            </a:extLst>
-          </p:cNvPr>
-          <p:cNvSpPr txBox="1"/>
-          <p:nvPr/>
-        </p:nvSpPr>
-        <p:spPr>
-          <a:xfrm>
-            <a:off x="5673395" y="4765287"/>
-            <a:ext cx="1286933" cy="369332"/>
-          </a:xfrm>
-          <a:prstGeom prst="rect">
-            <a:avLst/>
-          </a:prstGeom>
-          <a:noFill/>
-        </p:spPr>
-        <p:txBody>
-          <a:bodyPr wrap="square" rtlCol="0">
-            <a:spAutoFit/>
-          </a:bodyPr>
-          <a:lstStyle/>
-          <a:p>
-            <a:r>
-              <a:rPr lang="en-US" dirty="0"/>
-              <a:t>FD (</a:t>
-            </a:r>
-            <a:r>
-              <a:rPr lang="en-US" dirty="0" err="1"/>
-              <a:t>yz</a:t>
-            </a:r>
-            <a:r>
-              <a:rPr lang="en-US" dirty="0"/>
-              <a:t>)</a:t>
-            </a:r>
-          </a:p>
-        </p:txBody>
-      </p:sp>
       <p:pic>
         <p:nvPicPr>
-          <p:cNvPr id="25" name="Picture 24">
-            <a:extLst>
-              <a:ext uri="{FF2B5EF4-FFF2-40B4-BE49-F238E27FC236}">
-                <a16:creationId xmlns:a16="http://schemas.microsoft.com/office/drawing/2014/main" id="{BFB8AF76-977E-BF34-4D5F-6F1115EF2823}"/>
+          <p:cNvPr id="30" name="Picture 29">
+            <a:extLst>
+              <a:ext uri="{FF2B5EF4-FFF2-40B4-BE49-F238E27FC236}">
+                <a16:creationId xmlns:a16="http://schemas.microsoft.com/office/drawing/2014/main" id="{78FFD473-8BB3-1A61-FCA5-1FC80C0BC590}"/>
               </a:ext>
             </a:extLst>
           </p:cNvPr>
@@ -3584,20 +3642,64 @@
         </p:blipFill>
         <p:spPr>
           <a:xfrm>
-            <a:off x="7276364" y="4047095"/>
-            <a:ext cx="2924742" cy="2424728"/>
+            <a:off x="7217123" y="1758796"/>
+            <a:ext cx="2924741" cy="2400807"/>
           </a:xfrm>
           <a:prstGeom prst="rect">
             <a:avLst/>
           </a:prstGeom>
         </p:spPr>
       </p:pic>
+      <p:sp>
+        <p:nvSpPr>
+          <p:cNvPr id="31" name="TextBox 30">
+            <a:extLst>
+              <a:ext uri="{FF2B5EF4-FFF2-40B4-BE49-F238E27FC236}">
+                <a16:creationId xmlns:a16="http://schemas.microsoft.com/office/drawing/2014/main" id="{18ED4AF3-A406-8565-DA72-D4AD2194F5BA}"/>
+              </a:ext>
+            </a:extLst>
+          </p:cNvPr>
+          <p:cNvSpPr txBox="1"/>
+          <p:nvPr/>
+        </p:nvSpPr>
+        <p:spPr>
+          <a:xfrm>
+            <a:off x="8207324" y="1542436"/>
+            <a:ext cx="1286933" cy="369332"/>
+          </a:xfrm>
+          <a:prstGeom prst="rect">
+            <a:avLst/>
+          </a:prstGeom>
+          <a:noFill/>
+        </p:spPr>
+        <p:txBody>
+          <a:bodyPr wrap="square" rtlCol="0">
+            <a:spAutoFit/>
+          </a:bodyPr>
+          <a:lstStyle/>
+          <a:p>
+            <a:pPr algn="ctr"/>
+            <a:r>
+              <a:rPr lang="en-US" dirty="0"/>
+              <a:t>FFT (</a:t>
+            </a:r>
+            <a:r>
+              <a:rPr lang="en-US" dirty="0" err="1"/>
+              <a:t>xyz</a:t>
+            </a:r>
+            <a:r>
+              <a:rPr lang="en-US" dirty="0"/>
+              <a:t>)</a:t>
+            </a:r>
+          </a:p>
+        </p:txBody>
+      </p:sp>
       <p:pic>
         <p:nvPicPr>
-          <p:cNvPr id="27" name="Picture 26">
-            <a:extLst>
-              <a:ext uri="{FF2B5EF4-FFF2-40B4-BE49-F238E27FC236}">
-                <a16:creationId xmlns:a16="http://schemas.microsoft.com/office/drawing/2014/main" id="{277F92A0-71CE-490F-B258-ED7EC95866E9}"/>
+          <p:cNvPr id="33" name="Picture 32">
+            <a:extLst>
+              <a:ext uri="{FF2B5EF4-FFF2-40B4-BE49-F238E27FC236}">
+                <a16:creationId xmlns:a16="http://schemas.microsoft.com/office/drawing/2014/main" id="{8A416B42-D87E-6D63-353D-AEFC11CDA848}"/>
               </a:ext>
             </a:extLst>
           </p:cNvPr>
@@ -3614,64 +3716,20 @@
         </p:blipFill>
         <p:spPr>
           <a:xfrm>
-            <a:off x="10402909" y="2300726"/>
-            <a:ext cx="494780" cy="2823542"/>
+            <a:off x="559323" y="1845857"/>
+            <a:ext cx="4743557" cy="2617701"/>
           </a:xfrm>
           <a:prstGeom prst="rect">
             <a:avLst/>
           </a:prstGeom>
         </p:spPr>
       </p:pic>
-      <p:sp>
-        <p:nvSpPr>
-          <p:cNvPr id="28" name="TextBox 27">
-            <a:extLst>
-              <a:ext uri="{FF2B5EF4-FFF2-40B4-BE49-F238E27FC236}">
-                <a16:creationId xmlns:a16="http://schemas.microsoft.com/office/drawing/2014/main" id="{209381BF-3B92-7C87-83D1-6D10AFC3C731}"/>
-              </a:ext>
-            </a:extLst>
-          </p:cNvPr>
-          <p:cNvSpPr txBox="1"/>
-          <p:nvPr/>
-        </p:nvSpPr>
-        <p:spPr>
-          <a:xfrm>
-            <a:off x="8289087" y="3893578"/>
-            <a:ext cx="1286933" cy="369332"/>
-          </a:xfrm>
-          <a:prstGeom prst="rect">
-            <a:avLst/>
-          </a:prstGeom>
-          <a:noFill/>
-        </p:spPr>
-        <p:txBody>
-          <a:bodyPr wrap="square" rtlCol="0">
-            <a:spAutoFit/>
-          </a:bodyPr>
-          <a:lstStyle/>
-          <a:p>
-            <a:pPr algn="ctr"/>
-            <a:r>
-              <a:rPr lang="en-US" dirty="0"/>
-              <a:t>FD (</a:t>
-            </a:r>
-            <a:r>
-              <a:rPr lang="en-US" dirty="0" err="1"/>
-              <a:t>xyz</a:t>
-            </a:r>
-            <a:r>
-              <a:rPr lang="en-US" dirty="0"/>
-              <a:t>)</a:t>
-            </a:r>
-          </a:p>
-        </p:txBody>
-      </p:sp>
       <p:pic>
         <p:nvPicPr>
-          <p:cNvPr id="30" name="Picture 29">
-            <a:extLst>
-              <a:ext uri="{FF2B5EF4-FFF2-40B4-BE49-F238E27FC236}">
-                <a16:creationId xmlns:a16="http://schemas.microsoft.com/office/drawing/2014/main" id="{78FFD473-8BB3-1A61-FCA5-1FC80C0BC590}"/>
+          <p:cNvPr id="35" name="Picture 34">
+            <a:extLst>
+              <a:ext uri="{FF2B5EF4-FFF2-40B4-BE49-F238E27FC236}">
+                <a16:creationId xmlns:a16="http://schemas.microsoft.com/office/drawing/2014/main" id="{59D6BC34-1A92-352E-9C7D-0EE004A4C94A}"/>
               </a:ext>
             </a:extLst>
           </p:cNvPr>
@@ -3688,58 +3746,14 @@
         </p:blipFill>
         <p:spPr>
           <a:xfrm>
-            <a:off x="7217123" y="1445526"/>
-            <a:ext cx="2924741" cy="2400807"/>
+            <a:off x="576871" y="4213354"/>
+            <a:ext cx="4768342" cy="2617701"/>
           </a:xfrm>
           <a:prstGeom prst="rect">
             <a:avLst/>
           </a:prstGeom>
         </p:spPr>
       </p:pic>
-      <p:sp>
-        <p:nvSpPr>
-          <p:cNvPr id="31" name="TextBox 30">
-            <a:extLst>
-              <a:ext uri="{FF2B5EF4-FFF2-40B4-BE49-F238E27FC236}">
-                <a16:creationId xmlns:a16="http://schemas.microsoft.com/office/drawing/2014/main" id="{18ED4AF3-A406-8565-DA72-D4AD2194F5BA}"/>
-              </a:ext>
-            </a:extLst>
-          </p:cNvPr>
-          <p:cNvSpPr txBox="1"/>
-          <p:nvPr/>
-        </p:nvSpPr>
-        <p:spPr>
-          <a:xfrm>
-            <a:off x="8207324" y="1229166"/>
-            <a:ext cx="1286933" cy="369332"/>
-          </a:xfrm>
-          <a:prstGeom prst="rect">
-            <a:avLst/>
-          </a:prstGeom>
-          <a:noFill/>
-        </p:spPr>
-        <p:txBody>
-          <a:bodyPr wrap="square" rtlCol="0">
-            <a:spAutoFit/>
-          </a:bodyPr>
-          <a:lstStyle/>
-          <a:p>
-            <a:pPr algn="ctr"/>
-            <a:r>
-              <a:rPr lang="en-US" dirty="0"/>
-              <a:t>FFT (</a:t>
-            </a:r>
-            <a:r>
-              <a:rPr lang="en-US" dirty="0" err="1"/>
-              <a:t>xyz</a:t>
-            </a:r>
-            <a:r>
-              <a:rPr lang="en-US" dirty="0"/>
-              <a:t>)</a:t>
-            </a:r>
-          </a:p>
-        </p:txBody>
-      </p:sp>
     </p:spTree>
     <p:extLst>
       <p:ext uri="{BB962C8B-B14F-4D97-AF65-F5344CB8AC3E}">

--- a/SYSG3.pptx
+++ b/SYSG3.pptx
@@ -6,12 +6,13 @@
   </p:sldMasterIdLst>
   <p:sldIdLst>
     <p:sldId id="268" r:id="rId2"/>
-    <p:sldId id="267" r:id="rId3"/>
-    <p:sldId id="266" r:id="rId4"/>
-    <p:sldId id="265" r:id="rId5"/>
-    <p:sldId id="258" r:id="rId6"/>
-    <p:sldId id="263" r:id="rId7"/>
-    <p:sldId id="264" r:id="rId8"/>
+    <p:sldId id="269" r:id="rId3"/>
+    <p:sldId id="267" r:id="rId4"/>
+    <p:sldId id="266" r:id="rId5"/>
+    <p:sldId id="265" r:id="rId6"/>
+    <p:sldId id="258" r:id="rId7"/>
+    <p:sldId id="263" r:id="rId8"/>
+    <p:sldId id="264" r:id="rId9"/>
   </p:sldIdLst>
   <p:sldSz cx="12192000" cy="6858000"/>
   <p:notesSz cx="6858000" cy="9144000"/>
@@ -3360,7 +3361,23 @@
           <a:p>
             <a:r>
               <a:rPr lang="en-US" dirty="0"/>
-              <a:t>z-FFT vs z-FD (MDE) – REDFT01 </a:t>
+              <a:t>z-</a:t>
+            </a:r>
+            <a:r>
+              <a:rPr lang="en-US" b="1" dirty="0"/>
+              <a:t>FFT</a:t>
+            </a:r>
+            <a:r>
+              <a:rPr lang="en-US" dirty="0"/>
+              <a:t> vs z-</a:t>
+            </a:r>
+            <a:r>
+              <a:rPr lang="en-US" b="1" dirty="0"/>
+              <a:t>FD</a:t>
+            </a:r>
+            <a:r>
+              <a:rPr lang="en-US" dirty="0"/>
+              <a:t> (MDE) – REDFT01 </a:t>
             </a:r>
             <a:r>
               <a:rPr lang="en-US" dirty="0" err="1"/>
@@ -3387,8 +3404,8 @@
         </p:nvSpPr>
         <p:spPr>
           <a:xfrm>
-            <a:off x="838200" y="1007032"/>
-            <a:ext cx="5130800" cy="646331"/>
+            <a:off x="838200" y="1053198"/>
+            <a:ext cx="7010401" cy="646331"/>
           </a:xfrm>
           <a:prstGeom prst="rect">
             <a:avLst/>
@@ -3417,7 +3434,7 @@
           <a:p>
             <a:r>
               <a:rPr lang="en-US" dirty="0"/>
-              <a:t>Comparison: </a:t>
+              <a:t>3D vs 1D (dashed): </a:t>
             </a:r>
             <a:r>
               <a:rPr lang="en-US" dirty="0" err="1"/>
@@ -3425,7 +3442,7 @@
             </a:r>
             <a:r>
               <a:rPr lang="en-US" dirty="0"/>
-              <a:t> = 0.5; dz_1D = 0.113</a:t>
+              <a:t> = 0.5, ds = 0.20; dz_1D = 0.113, ds_1D = 0.083</a:t>
             </a:r>
           </a:p>
         </p:txBody>
@@ -3789,7 +3806,7 @@
           <p:cNvPr id="2" name="Title 1">
             <a:extLst>
               <a:ext uri="{FF2B5EF4-FFF2-40B4-BE49-F238E27FC236}">
-                <a16:creationId xmlns:a16="http://schemas.microsoft.com/office/drawing/2014/main" id="{A42F1D30-274D-A5B8-3620-4DA31ECE8F5B}"/>
+                <a16:creationId xmlns:a16="http://schemas.microsoft.com/office/drawing/2014/main" id="{C872131D-FE4F-A224-AF09-4A0D93F4B83D}"/>
               </a:ext>
             </a:extLst>
           </p:cNvPr>
@@ -3800,14 +3817,27 @@
             <p:ph type="title"/>
           </p:nvPr>
         </p:nvSpPr>
-        <p:spPr/>
+        <p:spPr>
+          <a:xfrm>
+            <a:off x="0" y="0"/>
+            <a:ext cx="10515600" cy="846667"/>
+          </a:xfrm>
+        </p:spPr>
         <p:txBody>
           <a:bodyPr/>
           <a:lstStyle/>
           <a:p>
             <a:r>
               <a:rPr lang="en-US" dirty="0"/>
-              <a:t>Specifying Grafted Points</a:t>
+              <a:t>Parameter space (s, x, a, cs, </a:t>
+            </a:r>
+            <a:r>
+              <a:rPr lang="en-US" dirty="0" err="1"/>
+              <a:t>dz</a:t>
+            </a:r>
+            <a:r>
+              <a:rPr lang="en-US" dirty="0"/>
+              <a:t>, ds)</a:t>
             </a:r>
           </a:p>
         </p:txBody>
@@ -3815,7 +3845,7 @@
     </p:spTree>
     <p:extLst>
       <p:ext uri="{BB962C8B-B14F-4D97-AF65-F5344CB8AC3E}">
-        <p14:creationId xmlns:p14="http://schemas.microsoft.com/office/powerpoint/2010/main" val="896468000"/>
+        <p14:creationId xmlns:p14="http://schemas.microsoft.com/office/powerpoint/2010/main" val="3387991481"/>
       </p:ext>
     </p:extLst>
   </p:cSld>
@@ -3847,7 +3877,7 @@
           <p:cNvPr id="2" name="Title 1">
             <a:extLst>
               <a:ext uri="{FF2B5EF4-FFF2-40B4-BE49-F238E27FC236}">
-                <a16:creationId xmlns:a16="http://schemas.microsoft.com/office/drawing/2014/main" id="{EC7A1061-086B-35E4-61C1-83C328D5548E}"/>
+                <a16:creationId xmlns:a16="http://schemas.microsoft.com/office/drawing/2014/main" id="{A42F1D30-274D-A5B8-3620-4DA31ECE8F5B}"/>
               </a:ext>
             </a:extLst>
           </p:cNvPr>
@@ -3865,240 +3895,7 @@
           <a:p>
             <a:r>
               <a:rPr lang="en-US" dirty="0"/>
-              <a:t>Strategy</a:t>
-            </a:r>
-          </a:p>
-        </p:txBody>
-      </p:sp>
-      <p:sp>
-        <p:nvSpPr>
-          <p:cNvPr id="3" name="TextBox 2">
-            <a:extLst>
-              <a:ext uri="{FF2B5EF4-FFF2-40B4-BE49-F238E27FC236}">
-                <a16:creationId xmlns:a16="http://schemas.microsoft.com/office/drawing/2014/main" id="{66A4566B-D26D-18F7-2769-748D7813228B}"/>
-              </a:ext>
-            </a:extLst>
-          </p:cNvPr>
-          <p:cNvSpPr txBox="1"/>
-          <p:nvPr/>
-        </p:nvSpPr>
-        <p:spPr>
-          <a:xfrm>
-            <a:off x="714374" y="1895475"/>
-            <a:ext cx="7810500" cy="646331"/>
-          </a:xfrm>
-          <a:prstGeom prst="rect">
-            <a:avLst/>
-          </a:prstGeom>
-          <a:noFill/>
-        </p:spPr>
-        <p:txBody>
-          <a:bodyPr wrap="square" rtlCol="0">
-            <a:spAutoFit/>
-          </a:bodyPr>
-          <a:lstStyle/>
-          <a:p>
-            <a:r>
-              <a:rPr lang="en-US" dirty="0"/>
-              <a:t>2D binary array for surface sites of homogeneously grafted polymer given grafting density, simulation box size, and discretization (and assuming dx = </a:t>
-            </a:r>
-            <a:r>
-              <a:rPr lang="en-US" dirty="0" err="1"/>
-              <a:t>dy</a:t>
-            </a:r>
-            <a:r>
-              <a:rPr lang="en-US" dirty="0"/>
-              <a:t>)</a:t>
-            </a:r>
-          </a:p>
-        </p:txBody>
-      </p:sp>
-      <p:sp>
-        <p:nvSpPr>
-          <p:cNvPr id="4" name="TextBox 3">
-            <a:extLst>
-              <a:ext uri="{FF2B5EF4-FFF2-40B4-BE49-F238E27FC236}">
-                <a16:creationId xmlns:a16="http://schemas.microsoft.com/office/drawing/2014/main" id="{14B153E5-948B-4D25-2B1C-2231E4E7EBA6}"/>
-              </a:ext>
-            </a:extLst>
-          </p:cNvPr>
-          <p:cNvSpPr txBox="1"/>
-          <p:nvPr/>
-        </p:nvSpPr>
-        <p:spPr>
-          <a:xfrm>
-            <a:off x="714374" y="2776538"/>
-            <a:ext cx="11077575" cy="646331"/>
-          </a:xfrm>
-          <a:prstGeom prst="rect">
-            <a:avLst/>
-          </a:prstGeom>
-          <a:noFill/>
-        </p:spPr>
-        <p:txBody>
-          <a:bodyPr wrap="square" rtlCol="0">
-            <a:spAutoFit/>
-          </a:bodyPr>
-          <a:lstStyle/>
-          <a:p>
-            <a:r>
-              <a:rPr lang="en-US" dirty="0" err="1"/>
-              <a:t>Fullspace</a:t>
-            </a:r>
-            <a:r>
-              <a:rPr lang="en-US" dirty="0"/>
-              <a:t> must be periodic on x0 = </a:t>
-            </a:r>
-            <a:r>
-              <a:rPr lang="en-US" dirty="0" err="1"/>
-              <a:t>xL</a:t>
-            </a:r>
-            <a:r>
-              <a:rPr lang="en-US" dirty="0"/>
-              <a:t>, y0 = </a:t>
-            </a:r>
-            <a:r>
-              <a:rPr lang="en-US" dirty="0" err="1"/>
-              <a:t>yL</a:t>
-            </a:r>
-            <a:endParaRPr lang="en-US" dirty="0"/>
-          </a:p>
-          <a:p>
-            <a:r>
-              <a:rPr lang="en-US" dirty="0" err="1"/>
-              <a:t>Halfspace</a:t>
-            </a:r>
-            <a:r>
-              <a:rPr lang="en-US" dirty="0"/>
-              <a:t> must be even on </a:t>
-            </a:r>
-            <a:r>
-              <a:rPr lang="en-US" dirty="0" err="1"/>
-              <a:t>xL</a:t>
-            </a:r>
-            <a:r>
-              <a:rPr lang="en-US" dirty="0"/>
-              <a:t>/2 and </a:t>
-            </a:r>
-            <a:r>
-              <a:rPr lang="en-US" dirty="0" err="1"/>
-              <a:t>yL</a:t>
-            </a:r>
-            <a:r>
-              <a:rPr lang="en-US" dirty="0"/>
-              <a:t>/2 (overlap of boundary following REDFT00) and periodic on x0 = </a:t>
-            </a:r>
-            <a:r>
-              <a:rPr lang="en-US" dirty="0" err="1"/>
-              <a:t>xL</a:t>
-            </a:r>
-            <a:r>
-              <a:rPr lang="en-US" dirty="0"/>
-              <a:t>, y0 = </a:t>
-            </a:r>
-            <a:r>
-              <a:rPr lang="en-US" dirty="0" err="1"/>
-              <a:t>yL</a:t>
-            </a:r>
-            <a:r>
-              <a:rPr lang="en-US" dirty="0"/>
-              <a:t>.</a:t>
-            </a:r>
-          </a:p>
-        </p:txBody>
-      </p:sp>
-      <p:sp>
-        <p:nvSpPr>
-          <p:cNvPr id="5" name="TextBox 4">
-            <a:extLst>
-              <a:ext uri="{FF2B5EF4-FFF2-40B4-BE49-F238E27FC236}">
-                <a16:creationId xmlns:a16="http://schemas.microsoft.com/office/drawing/2014/main" id="{97078C71-47DB-0D25-8BE5-AD0C9CC3C9FD}"/>
-              </a:ext>
-            </a:extLst>
-          </p:cNvPr>
-          <p:cNvSpPr txBox="1"/>
-          <p:nvPr/>
-        </p:nvSpPr>
-        <p:spPr>
-          <a:xfrm>
-            <a:off x="714373" y="3812426"/>
-            <a:ext cx="11077575" cy="369332"/>
-          </a:xfrm>
-          <a:prstGeom prst="rect">
-            <a:avLst/>
-          </a:prstGeom>
-          <a:noFill/>
-        </p:spPr>
-        <p:txBody>
-          <a:bodyPr wrap="square" rtlCol="0">
-            <a:spAutoFit/>
-          </a:bodyPr>
-          <a:lstStyle/>
-          <a:p>
-            <a:r>
-              <a:rPr lang="en-US" dirty="0"/>
-              <a:t>Homogeneous spacing as determined by regular hexagon, where grafting point at centroid of hexagon</a:t>
-            </a:r>
-          </a:p>
-        </p:txBody>
-      </p:sp>
-      <p:sp>
-        <p:nvSpPr>
-          <p:cNvPr id="6" name="TextBox 5">
-            <a:extLst>
-              <a:ext uri="{FF2B5EF4-FFF2-40B4-BE49-F238E27FC236}">
-                <a16:creationId xmlns:a16="http://schemas.microsoft.com/office/drawing/2014/main" id="{067DDA30-EAF3-09E5-D289-BD5F06EA216D}"/>
-              </a:ext>
-            </a:extLst>
-          </p:cNvPr>
-          <p:cNvSpPr txBox="1"/>
-          <p:nvPr/>
-        </p:nvSpPr>
-        <p:spPr>
-          <a:xfrm>
-            <a:off x="714372" y="4508719"/>
-            <a:ext cx="11077575" cy="923330"/>
-          </a:xfrm>
-          <a:prstGeom prst="rect">
-            <a:avLst/>
-          </a:prstGeom>
-          <a:noFill/>
-        </p:spPr>
-        <p:txBody>
-          <a:bodyPr wrap="square" rtlCol="0">
-            <a:spAutoFit/>
-          </a:bodyPr>
-          <a:lstStyle/>
-          <a:p>
-            <a:r>
-              <a:rPr lang="en-US" dirty="0"/>
-              <a:t>In case there are edge effects, try shifting the centroids away from the boundaries of the </a:t>
-            </a:r>
-            <a:r>
-              <a:rPr lang="en-US" dirty="0" err="1"/>
-              <a:t>xy</a:t>
-            </a:r>
-            <a:r>
-              <a:rPr lang="en-US" dirty="0"/>
-              <a:t>-plane (only did for </a:t>
-            </a:r>
-            <a:r>
-              <a:rPr lang="en-US" dirty="0" err="1"/>
-              <a:t>fullspace</a:t>
-            </a:r>
-            <a:r>
-              <a:rPr lang="en-US" dirty="0"/>
-              <a:t>)</a:t>
-            </a:r>
-          </a:p>
-          <a:p>
-            <a:pPr marL="285750" indent="-285750">
-              <a:buFont typeface="Arial" panose="020B0604020202020204" pitchFamily="34" charset="0"/>
-              <a:buChar char="•"/>
-            </a:pPr>
-            <a:r>
-              <a:rPr lang="en-US" dirty="0"/>
-              <a:t>Make sure no edge effects by comparing results of full FFT with cos FFT</a:t>
+              <a:t>Specifying Grafted Points</a:t>
             </a:r>
           </a:p>
         </p:txBody>
@@ -4106,7 +3903,7 @@
     </p:spTree>
     <p:extLst>
       <p:ext uri="{BB962C8B-B14F-4D97-AF65-F5344CB8AC3E}">
-        <p14:creationId xmlns:p14="http://schemas.microsoft.com/office/powerpoint/2010/main" val="1764039423"/>
+        <p14:creationId xmlns:p14="http://schemas.microsoft.com/office/powerpoint/2010/main" val="896468000"/>
       </p:ext>
     </p:extLst>
   </p:cSld>
@@ -4138,7 +3935,7 @@
           <p:cNvPr id="2" name="Title 1">
             <a:extLst>
               <a:ext uri="{FF2B5EF4-FFF2-40B4-BE49-F238E27FC236}">
-                <a16:creationId xmlns:a16="http://schemas.microsoft.com/office/drawing/2014/main" id="{A3926BC3-A860-346A-4F58-1EE4C3E7FB0F}"/>
+                <a16:creationId xmlns:a16="http://schemas.microsoft.com/office/drawing/2014/main" id="{EC7A1061-086B-35E4-61C1-83C328D5548E}"/>
               </a:ext>
             </a:extLst>
           </p:cNvPr>
@@ -4156,7 +3953,7 @@
           <a:p>
             <a:r>
               <a:rPr lang="en-US" dirty="0"/>
-              <a:t>Test conditions</a:t>
+              <a:t>Strategy</a:t>
             </a:r>
           </a:p>
         </p:txBody>
@@ -4166,7 +3963,7 @@
           <p:cNvPr id="3" name="TextBox 2">
             <a:extLst>
               <a:ext uri="{FF2B5EF4-FFF2-40B4-BE49-F238E27FC236}">
-                <a16:creationId xmlns:a16="http://schemas.microsoft.com/office/drawing/2014/main" id="{A00B5138-8D53-B196-C54A-B372D20698D0}"/>
+                <a16:creationId xmlns:a16="http://schemas.microsoft.com/office/drawing/2014/main" id="{66A4566B-D26D-18F7-2769-748D7813228B}"/>
               </a:ext>
             </a:extLst>
           </p:cNvPr>
@@ -4175,8 +3972,8 @@
         </p:nvSpPr>
         <p:spPr>
           <a:xfrm>
-            <a:off x="1192695" y="2186609"/>
-            <a:ext cx="7026965" cy="1200329"/>
+            <a:off x="714374" y="1895475"/>
+            <a:ext cx="7810500" cy="646331"/>
           </a:xfrm>
           <a:prstGeom prst="rect">
             <a:avLst/>
@@ -4191,25 +3988,15 @@
           <a:p>
             <a:r>
               <a:rPr lang="en-US" dirty="0"/>
-              <a:t>Sigma = 0.05 c/nm2</a:t>
-            </a:r>
-          </a:p>
-          <a:p>
+              <a:t>2D binary array for surface sites of homogeneously grafted polymer given grafting density, simulation box size, and discretization (and assuming dx = </a:t>
+            </a:r>
+            <a:r>
+              <a:rPr lang="en-US" dirty="0" err="1"/>
+              <a:t>dy</a:t>
+            </a:r>
             <a:r>
               <a:rPr lang="en-US" dirty="0"/>
-              <a:t>Lx = 15 nm</a:t>
-            </a:r>
-          </a:p>
-          <a:p>
-            <a:r>
-              <a:rPr lang="en-US" dirty="0"/>
-              <a:t>Ly = 15 nm</a:t>
-            </a:r>
-          </a:p>
-          <a:p>
-            <a:r>
-              <a:rPr lang="en-US" dirty="0"/>
-              <a:t>dx = 0.4 nm</a:t>
+              <a:t>)</a:t>
             </a:r>
           </a:p>
         </p:txBody>
@@ -4219,7 +4006,7 @@
           <p:cNvPr id="4" name="TextBox 3">
             <a:extLst>
               <a:ext uri="{FF2B5EF4-FFF2-40B4-BE49-F238E27FC236}">
-                <a16:creationId xmlns:a16="http://schemas.microsoft.com/office/drawing/2014/main" id="{431FD48E-52DE-AC6E-5D2D-A03BFCBE0CEE}"/>
+                <a16:creationId xmlns:a16="http://schemas.microsoft.com/office/drawing/2014/main" id="{14B153E5-948B-4D25-2B1C-2231E4E7EBA6}"/>
               </a:ext>
             </a:extLst>
           </p:cNvPr>
@@ -4228,8 +4015,8 @@
         </p:nvSpPr>
         <p:spPr>
           <a:xfrm>
-            <a:off x="1192694" y="3776869"/>
-            <a:ext cx="7026965" cy="1754326"/>
+            <a:off x="714374" y="2776538"/>
+            <a:ext cx="11077575" cy="646331"/>
           </a:xfrm>
           <a:prstGeom prst="rect">
             <a:avLst/>
@@ -4243,35 +4030,163 @@
           <a:lstStyle/>
           <a:p>
             <a:r>
+              <a:rPr lang="en-US" dirty="0" err="1"/>
+              <a:t>Fullspace</a:t>
+            </a:r>
+            <a:r>
               <a:rPr lang="en-US" dirty="0"/>
-              <a:t>Cast in terms of dx (for rounding and PBC for grafting points): </a:t>
-            </a:r>
-          </a:p>
-          <a:p>
+              <a:t> must be periodic on x0 = </a:t>
+            </a:r>
+            <a:r>
+              <a:rPr lang="en-US" dirty="0" err="1"/>
+              <a:t>xL</a:t>
+            </a:r>
             <a:r>
               <a:rPr lang="en-US" dirty="0"/>
-              <a:t>	Sigma = 0.0668 c/nm2</a:t>
-            </a:r>
-          </a:p>
-          <a:p>
+              <a:t>, y0 = </a:t>
+            </a:r>
+            <a:r>
+              <a:rPr lang="en-US" dirty="0" err="1"/>
+              <a:t>yL</a:t>
+            </a:r>
+            <a:endParaRPr lang="en-US" dirty="0"/>
+          </a:p>
+          <a:p>
+            <a:r>
+              <a:rPr lang="en-US" dirty="0" err="1"/>
+              <a:t>Halfspace</a:t>
+            </a:r>
             <a:r>
               <a:rPr lang="en-US" dirty="0"/>
-              <a:t>	Lx = 14.80 nm</a:t>
-            </a:r>
-          </a:p>
-          <a:p>
+              <a:t> must be even on </a:t>
+            </a:r>
+            <a:r>
+              <a:rPr lang="en-US" dirty="0" err="1"/>
+              <a:t>xL</a:t>
+            </a:r>
             <a:r>
               <a:rPr lang="en-US" dirty="0"/>
-              <a:t>	Ly = 11.20 nm</a:t>
-            </a:r>
-          </a:p>
-          <a:p>
-            <a:endParaRPr lang="en-US" dirty="0"/>
-          </a:p>
-          <a:p>
+              <a:t>/2 and </a:t>
+            </a:r>
+            <a:r>
+              <a:rPr lang="en-US" dirty="0" err="1"/>
+              <a:t>yL</a:t>
+            </a:r>
             <a:r>
               <a:rPr lang="en-US" dirty="0"/>
-              <a:t>(Sigma error decrease with dx)</a:t>
+              <a:t>/2 (overlap of boundary following REDFT00) and periodic on x0 = </a:t>
+            </a:r>
+            <a:r>
+              <a:rPr lang="en-US" dirty="0" err="1"/>
+              <a:t>xL</a:t>
+            </a:r>
+            <a:r>
+              <a:rPr lang="en-US" dirty="0"/>
+              <a:t>, y0 = </a:t>
+            </a:r>
+            <a:r>
+              <a:rPr lang="en-US" dirty="0" err="1"/>
+              <a:t>yL</a:t>
+            </a:r>
+            <a:r>
+              <a:rPr lang="en-US" dirty="0"/>
+              <a:t>.</a:t>
+            </a:r>
+          </a:p>
+        </p:txBody>
+      </p:sp>
+      <p:sp>
+        <p:nvSpPr>
+          <p:cNvPr id="5" name="TextBox 4">
+            <a:extLst>
+              <a:ext uri="{FF2B5EF4-FFF2-40B4-BE49-F238E27FC236}">
+                <a16:creationId xmlns:a16="http://schemas.microsoft.com/office/drawing/2014/main" id="{97078C71-47DB-0D25-8BE5-AD0C9CC3C9FD}"/>
+              </a:ext>
+            </a:extLst>
+          </p:cNvPr>
+          <p:cNvSpPr txBox="1"/>
+          <p:nvPr/>
+        </p:nvSpPr>
+        <p:spPr>
+          <a:xfrm>
+            <a:off x="714373" y="3812426"/>
+            <a:ext cx="11077575" cy="369332"/>
+          </a:xfrm>
+          <a:prstGeom prst="rect">
+            <a:avLst/>
+          </a:prstGeom>
+          <a:noFill/>
+        </p:spPr>
+        <p:txBody>
+          <a:bodyPr wrap="square" rtlCol="0">
+            <a:spAutoFit/>
+          </a:bodyPr>
+          <a:lstStyle/>
+          <a:p>
+            <a:r>
+              <a:rPr lang="en-US" dirty="0"/>
+              <a:t>Homogeneous spacing as determined by regular hexagon, where grafting point at centroid of hexagon</a:t>
+            </a:r>
+          </a:p>
+        </p:txBody>
+      </p:sp>
+      <p:sp>
+        <p:nvSpPr>
+          <p:cNvPr id="6" name="TextBox 5">
+            <a:extLst>
+              <a:ext uri="{FF2B5EF4-FFF2-40B4-BE49-F238E27FC236}">
+                <a16:creationId xmlns:a16="http://schemas.microsoft.com/office/drawing/2014/main" id="{067DDA30-EAF3-09E5-D289-BD5F06EA216D}"/>
+              </a:ext>
+            </a:extLst>
+          </p:cNvPr>
+          <p:cNvSpPr txBox="1"/>
+          <p:nvPr/>
+        </p:nvSpPr>
+        <p:spPr>
+          <a:xfrm>
+            <a:off x="714372" y="4508719"/>
+            <a:ext cx="11077575" cy="923330"/>
+          </a:xfrm>
+          <a:prstGeom prst="rect">
+            <a:avLst/>
+          </a:prstGeom>
+          <a:noFill/>
+        </p:spPr>
+        <p:txBody>
+          <a:bodyPr wrap="square" rtlCol="0">
+            <a:spAutoFit/>
+          </a:bodyPr>
+          <a:lstStyle/>
+          <a:p>
+            <a:r>
+              <a:rPr lang="en-US" dirty="0"/>
+              <a:t>In case there are edge effects, try shifting the centroids away from the boundaries of the </a:t>
+            </a:r>
+            <a:r>
+              <a:rPr lang="en-US" dirty="0" err="1"/>
+              <a:t>xy</a:t>
+            </a:r>
+            <a:r>
+              <a:rPr lang="en-US" dirty="0"/>
+              <a:t>-plane (only did for </a:t>
+            </a:r>
+            <a:r>
+              <a:rPr lang="en-US" dirty="0" err="1"/>
+              <a:t>fullspace</a:t>
+            </a:r>
+            <a:r>
+              <a:rPr lang="en-US" dirty="0"/>
+              <a:t>)</a:t>
+            </a:r>
+          </a:p>
+          <a:p>
+            <a:pPr marL="285750" indent="-285750">
+              <a:buFont typeface="Arial" panose="020B0604020202020204" pitchFamily="34" charset="0"/>
+              <a:buChar char="•"/>
+            </a:pPr>
+            <a:r>
+              <a:rPr lang="en-US" dirty="0"/>
+              <a:t>Make sure no edge effects by comparing results of full FFT with cos FFT</a:t>
             </a:r>
           </a:p>
         </p:txBody>
@@ -4279,7 +4194,7 @@
     </p:spTree>
     <p:extLst>
       <p:ext uri="{BB962C8B-B14F-4D97-AF65-F5344CB8AC3E}">
-        <p14:creationId xmlns:p14="http://schemas.microsoft.com/office/powerpoint/2010/main" val="782308025"/>
+        <p14:creationId xmlns:p14="http://schemas.microsoft.com/office/powerpoint/2010/main" val="1764039423"/>
       </p:ext>
     </p:extLst>
   </p:cSld>
@@ -4306,6 +4221,179 @@
           <a:chExt cx="0" cy="0"/>
         </a:xfrm>
       </p:grpSpPr>
+      <p:sp>
+        <p:nvSpPr>
+          <p:cNvPr id="2" name="Title 1">
+            <a:extLst>
+              <a:ext uri="{FF2B5EF4-FFF2-40B4-BE49-F238E27FC236}">
+                <a16:creationId xmlns:a16="http://schemas.microsoft.com/office/drawing/2014/main" id="{A3926BC3-A860-346A-4F58-1EE4C3E7FB0F}"/>
+              </a:ext>
+            </a:extLst>
+          </p:cNvPr>
+          <p:cNvSpPr>
+            <a:spLocks noGrp="1"/>
+          </p:cNvSpPr>
+          <p:nvPr>
+            <p:ph type="title"/>
+          </p:nvPr>
+        </p:nvSpPr>
+        <p:spPr/>
+        <p:txBody>
+          <a:bodyPr/>
+          <a:lstStyle/>
+          <a:p>
+            <a:r>
+              <a:rPr lang="en-US" dirty="0"/>
+              <a:t>Test conditions</a:t>
+            </a:r>
+          </a:p>
+        </p:txBody>
+      </p:sp>
+      <p:sp>
+        <p:nvSpPr>
+          <p:cNvPr id="3" name="TextBox 2">
+            <a:extLst>
+              <a:ext uri="{FF2B5EF4-FFF2-40B4-BE49-F238E27FC236}">
+                <a16:creationId xmlns:a16="http://schemas.microsoft.com/office/drawing/2014/main" id="{A00B5138-8D53-B196-C54A-B372D20698D0}"/>
+              </a:ext>
+            </a:extLst>
+          </p:cNvPr>
+          <p:cNvSpPr txBox="1"/>
+          <p:nvPr/>
+        </p:nvSpPr>
+        <p:spPr>
+          <a:xfrm>
+            <a:off x="1192695" y="2186609"/>
+            <a:ext cx="7026965" cy="1200329"/>
+          </a:xfrm>
+          <a:prstGeom prst="rect">
+            <a:avLst/>
+          </a:prstGeom>
+          <a:noFill/>
+        </p:spPr>
+        <p:txBody>
+          <a:bodyPr wrap="square" rtlCol="0">
+            <a:spAutoFit/>
+          </a:bodyPr>
+          <a:lstStyle/>
+          <a:p>
+            <a:r>
+              <a:rPr lang="en-US" dirty="0"/>
+              <a:t>Sigma = 0.05 c/nm2</a:t>
+            </a:r>
+          </a:p>
+          <a:p>
+            <a:r>
+              <a:rPr lang="en-US" dirty="0"/>
+              <a:t>Lx = 15 nm</a:t>
+            </a:r>
+          </a:p>
+          <a:p>
+            <a:r>
+              <a:rPr lang="en-US" dirty="0"/>
+              <a:t>Ly = 15 nm</a:t>
+            </a:r>
+          </a:p>
+          <a:p>
+            <a:r>
+              <a:rPr lang="en-US" dirty="0"/>
+              <a:t>dx = 0.4 nm</a:t>
+            </a:r>
+          </a:p>
+        </p:txBody>
+      </p:sp>
+      <p:sp>
+        <p:nvSpPr>
+          <p:cNvPr id="4" name="TextBox 3">
+            <a:extLst>
+              <a:ext uri="{FF2B5EF4-FFF2-40B4-BE49-F238E27FC236}">
+                <a16:creationId xmlns:a16="http://schemas.microsoft.com/office/drawing/2014/main" id="{431FD48E-52DE-AC6E-5D2D-A03BFCBE0CEE}"/>
+              </a:ext>
+            </a:extLst>
+          </p:cNvPr>
+          <p:cNvSpPr txBox="1"/>
+          <p:nvPr/>
+        </p:nvSpPr>
+        <p:spPr>
+          <a:xfrm>
+            <a:off x="1192694" y="3776869"/>
+            <a:ext cx="7026965" cy="1754326"/>
+          </a:xfrm>
+          <a:prstGeom prst="rect">
+            <a:avLst/>
+          </a:prstGeom>
+          <a:noFill/>
+        </p:spPr>
+        <p:txBody>
+          <a:bodyPr wrap="square" rtlCol="0">
+            <a:spAutoFit/>
+          </a:bodyPr>
+          <a:lstStyle/>
+          <a:p>
+            <a:r>
+              <a:rPr lang="en-US" dirty="0"/>
+              <a:t>Cast in terms of dx (for rounding and PBC for grafting points): </a:t>
+            </a:r>
+          </a:p>
+          <a:p>
+            <a:r>
+              <a:rPr lang="en-US" dirty="0"/>
+              <a:t>	Sigma = 0.0668 c/nm2</a:t>
+            </a:r>
+          </a:p>
+          <a:p>
+            <a:r>
+              <a:rPr lang="en-US" dirty="0"/>
+              <a:t>	Lx = 14.80 nm</a:t>
+            </a:r>
+          </a:p>
+          <a:p>
+            <a:r>
+              <a:rPr lang="en-US" dirty="0"/>
+              <a:t>	Ly = 11.20 nm</a:t>
+            </a:r>
+          </a:p>
+          <a:p>
+            <a:endParaRPr lang="en-US" dirty="0"/>
+          </a:p>
+          <a:p>
+            <a:r>
+              <a:rPr lang="en-US" dirty="0"/>
+              <a:t>(Sigma error decrease with dx)</a:t>
+            </a:r>
+          </a:p>
+        </p:txBody>
+      </p:sp>
+    </p:spTree>
+    <p:extLst>
+      <p:ext uri="{BB962C8B-B14F-4D97-AF65-F5344CB8AC3E}">
+        <p14:creationId xmlns:p14="http://schemas.microsoft.com/office/powerpoint/2010/main" val="782308025"/>
+      </p:ext>
+    </p:extLst>
+  </p:cSld>
+  <p:clrMapOvr>
+    <a:masterClrMapping/>
+  </p:clrMapOvr>
+</p:sld>
+</file>
+
+<file path=ppt/slides/slide6.xml><?xml version="1.0" encoding="utf-8"?>
+<p:sld xmlns:a="http://schemas.openxmlformats.org/drawingml/2006/main" xmlns:r="http://schemas.openxmlformats.org/officeDocument/2006/relationships" xmlns:p="http://schemas.openxmlformats.org/presentationml/2006/main">
+  <p:cSld>
+    <p:spTree>
+      <p:nvGrpSpPr>
+        <p:cNvPr id="1" name=""/>
+        <p:cNvGrpSpPr/>
+        <p:nvPr/>
+      </p:nvGrpSpPr>
+      <p:grpSpPr>
+        <a:xfrm>
+          <a:off x="0" y="0"/>
+          <a:ext cx="0" cy="0"/>
+          <a:chOff x="0" y="0"/>
+          <a:chExt cx="0" cy="0"/>
+        </a:xfrm>
+      </p:grpSpPr>
       <p:pic>
         <p:nvPicPr>
           <p:cNvPr id="2" name="Picture 8">
@@ -6471,7 +6559,7 @@
 </p:sld>
 </file>
 
-<file path=ppt/slides/slide6.xml><?xml version="1.0" encoding="utf-8"?>
+<file path=ppt/slides/slide7.xml><?xml version="1.0" encoding="utf-8"?>
 <p:sld xmlns:a="http://schemas.openxmlformats.org/drawingml/2006/main" xmlns:r="http://schemas.openxmlformats.org/officeDocument/2006/relationships" xmlns:p="http://schemas.openxmlformats.org/presentationml/2006/main">
   <p:cSld>
     <p:spTree>
@@ -8993,7 +9081,7 @@
 </p:sld>
 </file>
 
-<file path=ppt/slides/slide7.xml><?xml version="1.0" encoding="utf-8"?>
+<file path=ppt/slides/slide8.xml><?xml version="1.0" encoding="utf-8"?>
 <p:sld xmlns:a="http://schemas.openxmlformats.org/drawingml/2006/main" xmlns:r="http://schemas.openxmlformats.org/officeDocument/2006/relationships" xmlns:p="http://schemas.openxmlformats.org/presentationml/2006/main">
   <p:cSld>
     <p:spTree>

--- a/SYSG3.pptx
+++ b/SYSG3.pptx
@@ -5,14 +5,16 @@
     <p:sldMasterId id="2147483648" r:id="rId1"/>
   </p:sldMasterIdLst>
   <p:sldIdLst>
-    <p:sldId id="268" r:id="rId2"/>
-    <p:sldId id="269" r:id="rId3"/>
-    <p:sldId id="267" r:id="rId4"/>
-    <p:sldId id="266" r:id="rId5"/>
-    <p:sldId id="265" r:id="rId6"/>
-    <p:sldId id="258" r:id="rId7"/>
-    <p:sldId id="263" r:id="rId8"/>
-    <p:sldId id="264" r:id="rId9"/>
+    <p:sldId id="271" r:id="rId2"/>
+    <p:sldId id="268" r:id="rId3"/>
+    <p:sldId id="269" r:id="rId4"/>
+    <p:sldId id="270" r:id="rId5"/>
+    <p:sldId id="267" r:id="rId6"/>
+    <p:sldId id="266" r:id="rId7"/>
+    <p:sldId id="265" r:id="rId8"/>
+    <p:sldId id="258" r:id="rId9"/>
+    <p:sldId id="263" r:id="rId10"/>
+    <p:sldId id="264" r:id="rId11"/>
   </p:sldIdLst>
   <p:sldSz cx="12192000" cy="6858000"/>
   <p:notesSz cx="6858000" cy="9144000"/>
@@ -3338,7 +3340,7 @@
           <p:cNvPr id="2" name="Title 1">
             <a:extLst>
               <a:ext uri="{FF2B5EF4-FFF2-40B4-BE49-F238E27FC236}">
-                <a16:creationId xmlns:a16="http://schemas.microsoft.com/office/drawing/2014/main" id="{C85E3C9C-7526-B303-905F-886077E16C39}"/>
+                <a16:creationId xmlns:a16="http://schemas.microsoft.com/office/drawing/2014/main" id="{C9A5D13E-C0B9-231A-976A-1444B9DF9C26}"/>
               </a:ext>
             </a:extLst>
           </p:cNvPr>
@@ -3351,7 +3353,7 @@
         </p:nvSpPr>
         <p:spPr>
           <a:xfrm>
-            <a:off x="838200" y="0"/>
+            <a:off x="1075267" y="2766218"/>
             <a:ext cx="10515600" cy="1325563"/>
           </a:xfrm>
         </p:spPr>
@@ -3360,42 +3362,85 @@
           <a:lstStyle/>
           <a:p>
             <a:r>
+              <a:rPr lang="en-US" b="1" dirty="0"/>
+              <a:t>Annealed</a:t>
+            </a:r>
+          </a:p>
+        </p:txBody>
+      </p:sp>
+    </p:spTree>
+    <p:extLst>
+      <p:ext uri="{BB962C8B-B14F-4D97-AF65-F5344CB8AC3E}">
+        <p14:creationId xmlns:p14="http://schemas.microsoft.com/office/powerpoint/2010/main" val="2319703746"/>
+      </p:ext>
+    </p:extLst>
+  </p:cSld>
+  <p:clrMapOvr>
+    <a:masterClrMapping/>
+  </p:clrMapOvr>
+</p:sld>
+</file>
+
+<file path=ppt/slides/slide10.xml><?xml version="1.0" encoding="utf-8"?>
+<p:sld xmlns:a="http://schemas.openxmlformats.org/drawingml/2006/main" xmlns:r="http://schemas.openxmlformats.org/officeDocument/2006/relationships" xmlns:p="http://schemas.openxmlformats.org/presentationml/2006/main">
+  <p:cSld>
+    <p:spTree>
+      <p:nvGrpSpPr>
+        <p:cNvPr id="1" name=""/>
+        <p:cNvGrpSpPr/>
+        <p:nvPr/>
+      </p:nvGrpSpPr>
+      <p:grpSpPr>
+        <a:xfrm>
+          <a:off x="0" y="0"/>
+          <a:ext cx="0" cy="0"/>
+          <a:chOff x="0" y="0"/>
+          <a:chExt cx="0" cy="0"/>
+        </a:xfrm>
+      </p:grpSpPr>
+      <p:sp>
+        <p:nvSpPr>
+          <p:cNvPr id="2" name="Title 1">
+            <a:extLst>
+              <a:ext uri="{FF2B5EF4-FFF2-40B4-BE49-F238E27FC236}">
+                <a16:creationId xmlns:a16="http://schemas.microsoft.com/office/drawing/2014/main" id="{7E9C978C-CCAD-7918-309E-D2E0F8DABF7D}"/>
+              </a:ext>
+            </a:extLst>
+          </p:cNvPr>
+          <p:cNvSpPr>
+            <a:spLocks noGrp="1"/>
+          </p:cNvSpPr>
+          <p:nvPr>
+            <p:ph type="title"/>
+          </p:nvPr>
+        </p:nvSpPr>
+        <p:spPr/>
+        <p:txBody>
+          <a:bodyPr>
+            <a:normAutofit/>
+          </a:bodyPr>
+          <a:lstStyle/>
+          <a:p>
+            <a:r>
               <a:rPr lang="en-US" dirty="0"/>
-              <a:t>z-</a:t>
-            </a:r>
-            <a:r>
-              <a:rPr lang="en-US" b="1" dirty="0"/>
-              <a:t>FFT</a:t>
-            </a:r>
-            <a:r>
+              <a:t>Other conditions </a:t>
+            </a:r>
+            <a:br>
               <a:rPr lang="en-US" dirty="0"/>
-              <a:t> vs z-</a:t>
-            </a:r>
-            <a:r>
-              <a:rPr lang="en-US" b="1" dirty="0"/>
-              <a:t>FD</a:t>
-            </a:r>
-            <a:r>
-              <a:rPr lang="en-US" dirty="0"/>
-              <a:t> (MDE) – REDFT01 </a:t>
-            </a:r>
-            <a:r>
-              <a:rPr lang="en-US" dirty="0" err="1"/>
-              <a:t>xy</a:t>
-            </a:r>
-            <a:r>
-              <a:rPr lang="en-US" dirty="0"/>
-              <a:t>(z)</a:t>
-            </a:r>
-          </a:p>
-        </p:txBody>
-      </p:sp>
-      <p:sp>
-        <p:nvSpPr>
-          <p:cNvPr id="3" name="TextBox 2">
-            <a:extLst>
-              <a:ext uri="{FF2B5EF4-FFF2-40B4-BE49-F238E27FC236}">
-                <a16:creationId xmlns:a16="http://schemas.microsoft.com/office/drawing/2014/main" id="{99A2CDED-1526-FA46-5D91-2DC74B6F0C37}"/>
+            </a:br>
+            <a:r>
+              <a:rPr lang="en-US" sz="3600" dirty="0"/>
+              <a:t>(full and half results overlapped to show match)</a:t>
+            </a:r>
+          </a:p>
+        </p:txBody>
+      </p:sp>
+      <p:sp>
+        <p:nvSpPr>
+          <p:cNvPr id="4" name="TextBox 3">
+            <a:extLst>
+              <a:ext uri="{FF2B5EF4-FFF2-40B4-BE49-F238E27FC236}">
+                <a16:creationId xmlns:a16="http://schemas.microsoft.com/office/drawing/2014/main" id="{AC4A5B27-C4F3-1037-B614-0F2CAFB6D70B}"/>
               </a:ext>
             </a:extLst>
           </p:cNvPr>
@@ -3404,8 +3449,8 @@
         </p:nvSpPr>
         <p:spPr>
           <a:xfrm>
-            <a:off x="838200" y="1053198"/>
-            <a:ext cx="7010401" cy="646331"/>
+            <a:off x="1293052" y="1985653"/>
+            <a:ext cx="2993749" cy="646331"/>
           </a:xfrm>
           <a:prstGeom prst="rect">
             <a:avLst/>
@@ -3418,363 +3463,399 @@
           </a:bodyPr>
           <a:lstStyle/>
           <a:p>
+            <a:pPr algn="ctr"/>
             <a:r>
               <a:rPr lang="en-US" dirty="0"/>
-              <a:t>Lx = 5, Ly = 5, </a:t>
-            </a:r>
-            <a:r>
-              <a:rPr lang="en-US" dirty="0" err="1"/>
-              <a:t>Lz</a:t>
-            </a:r>
-            <a:r>
+              <a:t>s = 0.0241 (20.28%; dx=0.4), </a:t>
+            </a:r>
+            <a:br>
               <a:rPr lang="en-US" dirty="0"/>
-              <a:t> = 50. s = 0.02. x = 0.75. a = 0.00</a:t>
-            </a:r>
-          </a:p>
-          <a:p>
+            </a:br>
             <a:r>
               <a:rPr lang="en-US" dirty="0"/>
-              <a:t>3D vs 1D (dashed): </a:t>
-            </a:r>
-            <a:r>
-              <a:rPr lang="en-US" dirty="0" err="1"/>
-              <a:t>dz</a:t>
-            </a:r>
-            <a:r>
-              <a:rPr lang="en-US" dirty="0"/>
-              <a:t> = 0.5, ds = 0.20; dz_1D = 0.113, ds_1D = 0.083</a:t>
-            </a:r>
-          </a:p>
-        </p:txBody>
-      </p:sp>
-      <p:sp>
-        <p:nvSpPr>
-          <p:cNvPr id="20" name="TextBox 19">
-            <a:extLst>
-              <a:ext uri="{FF2B5EF4-FFF2-40B4-BE49-F238E27FC236}">
-                <a16:creationId xmlns:a16="http://schemas.microsoft.com/office/drawing/2014/main" id="{F67FA53E-0EE8-AAF7-18FE-84614DDB84DE}"/>
-              </a:ext>
-            </a:extLst>
-          </p:cNvPr>
-          <p:cNvSpPr txBox="1"/>
-          <p:nvPr/>
-        </p:nvSpPr>
-        <p:spPr>
-          <a:xfrm>
-            <a:off x="5631059" y="2915880"/>
-            <a:ext cx="1286933" cy="369332"/>
-          </a:xfrm>
-          <a:prstGeom prst="rect">
-            <a:avLst/>
-          </a:prstGeom>
-          <a:noFill/>
-        </p:spPr>
-        <p:txBody>
-          <a:bodyPr wrap="square" rtlCol="0">
-            <a:spAutoFit/>
-          </a:bodyPr>
-          <a:lstStyle/>
-          <a:p>
-            <a:r>
-              <a:rPr lang="en-US" dirty="0"/>
-              <a:t>FFT (</a:t>
-            </a:r>
-            <a:r>
-              <a:rPr lang="en-US" dirty="0" err="1"/>
-              <a:t>yz</a:t>
-            </a:r>
-            <a:r>
-              <a:rPr lang="en-US" dirty="0"/>
-              <a:t>)</a:t>
-            </a:r>
-          </a:p>
-        </p:txBody>
-      </p:sp>
-      <p:sp>
-        <p:nvSpPr>
-          <p:cNvPr id="21" name="TextBox 20">
-            <a:extLst>
-              <a:ext uri="{FF2B5EF4-FFF2-40B4-BE49-F238E27FC236}">
-                <a16:creationId xmlns:a16="http://schemas.microsoft.com/office/drawing/2014/main" id="{8975F4F8-1D5E-2B6C-439A-E0008683786D}"/>
-              </a:ext>
-            </a:extLst>
-          </p:cNvPr>
-          <p:cNvSpPr txBox="1"/>
-          <p:nvPr/>
-        </p:nvSpPr>
-        <p:spPr>
-          <a:xfrm>
-            <a:off x="5631059" y="5330398"/>
-            <a:ext cx="1286933" cy="369332"/>
-          </a:xfrm>
-          <a:prstGeom prst="rect">
-            <a:avLst/>
-          </a:prstGeom>
-          <a:noFill/>
-        </p:spPr>
-        <p:txBody>
-          <a:bodyPr wrap="square" rtlCol="0">
-            <a:spAutoFit/>
-          </a:bodyPr>
-          <a:lstStyle/>
-          <a:p>
-            <a:r>
-              <a:rPr lang="en-US" dirty="0"/>
-              <a:t>FD (</a:t>
-            </a:r>
-            <a:r>
-              <a:rPr lang="en-US" dirty="0" err="1"/>
-              <a:t>yz</a:t>
-            </a:r>
-            <a:r>
-              <a:rPr lang="en-US" dirty="0"/>
-              <a:t>)</a:t>
+              <a:t>Lx, Ly = 12.40, 20.80</a:t>
             </a:r>
           </a:p>
         </p:txBody>
       </p:sp>
       <p:pic>
         <p:nvPicPr>
-          <p:cNvPr id="25" name="Picture 24">
-            <a:extLst>
-              <a:ext uri="{FF2B5EF4-FFF2-40B4-BE49-F238E27FC236}">
-                <a16:creationId xmlns:a16="http://schemas.microsoft.com/office/drawing/2014/main" id="{BFB8AF76-977E-BF34-4D5F-6F1115EF2823}"/>
+          <p:cNvPr id="4112" name="Picture 16">
+            <a:extLst>
+              <a:ext uri="{FF2B5EF4-FFF2-40B4-BE49-F238E27FC236}">
+                <a16:creationId xmlns:a16="http://schemas.microsoft.com/office/drawing/2014/main" id="{6E4CE12C-CFDD-DB5A-13CF-014A50C5FE21}"/>
               </a:ext>
             </a:extLst>
           </p:cNvPr>
           <p:cNvPicPr>
-            <a:picLocks noChangeAspect="1"/>
+            <a:picLocks noChangeAspect="1" noChangeArrowheads="1"/>
           </p:cNvPicPr>
           <p:nvPr/>
         </p:nvPicPr>
         <p:blipFill>
-          <a:blip r:embed="rId2"/>
+          <a:blip r:embed="rId2">
+            <a:alphaModFix amt="70000"/>
+            <a:extLst>
+              <a:ext uri="{28A0092B-C50C-407E-A947-70E740481C1C}">
+                <a14:useLocalDpi xmlns:a14="http://schemas.microsoft.com/office/drawing/2010/main" val="0"/>
+              </a:ext>
+            </a:extLst>
+          </a:blip>
+          <a:srcRect/>
           <a:stretch>
             <a:fillRect/>
           </a:stretch>
         </p:blipFill>
-        <p:spPr>
-          <a:xfrm>
-            <a:off x="7276364" y="4360365"/>
-            <a:ext cx="2924742" cy="2424728"/>
+        <p:spPr bwMode="auto">
+          <a:xfrm>
+            <a:off x="1670327" y="2923865"/>
+            <a:ext cx="2066911" cy="3253471"/>
           </a:xfrm>
           <a:prstGeom prst="rect">
             <a:avLst/>
           </a:prstGeom>
+          <a:noFill/>
+          <a:extLst>
+            <a:ext uri="{909E8E84-426E-40DD-AFC4-6F175D3DCCD1}">
+              <a14:hiddenFill xmlns:a14="http://schemas.microsoft.com/office/drawing/2010/main">
+                <a:solidFill>
+                  <a:srgbClr val="FFFFFF"/>
+                </a:solidFill>
+              </a14:hiddenFill>
+            </a:ext>
+          </a:extLst>
         </p:spPr>
       </p:pic>
       <p:pic>
         <p:nvPicPr>
-          <p:cNvPr id="27" name="Picture 26">
-            <a:extLst>
-              <a:ext uri="{FF2B5EF4-FFF2-40B4-BE49-F238E27FC236}">
-                <a16:creationId xmlns:a16="http://schemas.microsoft.com/office/drawing/2014/main" id="{277F92A0-71CE-490F-B258-ED7EC95866E9}"/>
+          <p:cNvPr id="4118" name="Picture 22">
+            <a:extLst>
+              <a:ext uri="{FF2B5EF4-FFF2-40B4-BE49-F238E27FC236}">
+                <a16:creationId xmlns:a16="http://schemas.microsoft.com/office/drawing/2014/main" id="{C1740158-C4AE-39C7-D7D0-D3DF2244A988}"/>
               </a:ext>
             </a:extLst>
           </p:cNvPr>
           <p:cNvPicPr>
-            <a:picLocks noChangeAspect="1"/>
+            <a:picLocks noChangeAspect="1" noChangeArrowheads="1"/>
           </p:cNvPicPr>
           <p:nvPr/>
         </p:nvPicPr>
         <p:blipFill>
-          <a:blip r:embed="rId3"/>
+          <a:blip r:embed="rId3">
+            <a:alphaModFix amt="70000"/>
+            <a:extLst>
+              <a:ext uri="{28A0092B-C50C-407E-A947-70E740481C1C}">
+                <a14:useLocalDpi xmlns:a14="http://schemas.microsoft.com/office/drawing/2010/main" val="0"/>
+              </a:ext>
+            </a:extLst>
+          </a:blip>
+          <a:srcRect/>
           <a:stretch>
             <a:fillRect/>
           </a:stretch>
         </p:blipFill>
-        <p:spPr>
-          <a:xfrm>
-            <a:off x="10402909" y="2613996"/>
-            <a:ext cx="494780" cy="2823542"/>
+        <p:spPr bwMode="auto">
+          <a:xfrm>
+            <a:off x="1397276" y="2757487"/>
+            <a:ext cx="2066911" cy="3253471"/>
           </a:xfrm>
           <a:prstGeom prst="rect">
             <a:avLst/>
           </a:prstGeom>
+          <a:noFill/>
+          <a:extLst>
+            <a:ext uri="{909E8E84-426E-40DD-AFC4-6F175D3DCCD1}">
+              <a14:hiddenFill xmlns:a14="http://schemas.microsoft.com/office/drawing/2010/main">
+                <a:solidFill>
+                  <a:srgbClr val="FFFFFF"/>
+                </a:solidFill>
+              </a14:hiddenFill>
+            </a:ext>
+          </a:extLst>
         </p:spPr>
       </p:pic>
-      <p:sp>
-        <p:nvSpPr>
-          <p:cNvPr id="28" name="TextBox 27">
-            <a:extLst>
-              <a:ext uri="{FF2B5EF4-FFF2-40B4-BE49-F238E27FC236}">
-                <a16:creationId xmlns:a16="http://schemas.microsoft.com/office/drawing/2014/main" id="{209381BF-3B92-7C87-83D1-6D10AFC3C731}"/>
-              </a:ext>
-            </a:extLst>
-          </p:cNvPr>
-          <p:cNvSpPr txBox="1"/>
-          <p:nvPr/>
-        </p:nvSpPr>
-        <p:spPr>
-          <a:xfrm>
-            <a:off x="8289087" y="4206848"/>
-            <a:ext cx="1286933" cy="369332"/>
-          </a:xfrm>
-          <a:prstGeom prst="rect">
-            <a:avLst/>
-          </a:prstGeom>
-          <a:noFill/>
-        </p:spPr>
-        <p:txBody>
-          <a:bodyPr wrap="square" rtlCol="0">
-            <a:spAutoFit/>
-          </a:bodyPr>
-          <a:lstStyle/>
-          <a:p>
-            <a:pPr algn="ctr"/>
-            <a:r>
-              <a:rPr lang="en-US" dirty="0"/>
-              <a:t>FD (</a:t>
-            </a:r>
-            <a:r>
-              <a:rPr lang="en-US" dirty="0" err="1"/>
-              <a:t>xyz</a:t>
-            </a:r>
-            <a:r>
-              <a:rPr lang="en-US" dirty="0"/>
-              <a:t>)</a:t>
-            </a:r>
-          </a:p>
-        </p:txBody>
-      </p:sp>
       <p:pic>
         <p:nvPicPr>
-          <p:cNvPr id="30" name="Picture 29">
-            <a:extLst>
-              <a:ext uri="{FF2B5EF4-FFF2-40B4-BE49-F238E27FC236}">
-                <a16:creationId xmlns:a16="http://schemas.microsoft.com/office/drawing/2014/main" id="{78FFD473-8BB3-1A61-FCA5-1FC80C0BC590}"/>
+          <p:cNvPr id="4122" name="Picture 26">
+            <a:extLst>
+              <a:ext uri="{FF2B5EF4-FFF2-40B4-BE49-F238E27FC236}">
+                <a16:creationId xmlns:a16="http://schemas.microsoft.com/office/drawing/2014/main" id="{19FC9AF1-8341-7079-9C97-35A6C6E023E0}"/>
               </a:ext>
             </a:extLst>
           </p:cNvPr>
           <p:cNvPicPr>
-            <a:picLocks noChangeAspect="1"/>
+            <a:picLocks noChangeAspect="1" noChangeArrowheads="1"/>
           </p:cNvPicPr>
           <p:nvPr/>
         </p:nvPicPr>
         <p:blipFill>
-          <a:blip r:embed="rId4"/>
+          <a:blip r:embed="rId4">
+            <a:alphaModFix amt="70000"/>
+            <a:extLst>
+              <a:ext uri="{28A0092B-C50C-407E-A947-70E740481C1C}">
+                <a14:useLocalDpi xmlns:a14="http://schemas.microsoft.com/office/drawing/2010/main" val="0"/>
+              </a:ext>
+            </a:extLst>
+          </a:blip>
+          <a:srcRect/>
           <a:stretch>
             <a:fillRect/>
           </a:stretch>
         </p:blipFill>
-        <p:spPr>
-          <a:xfrm>
-            <a:off x="7217123" y="1758796"/>
-            <a:ext cx="2924741" cy="2400807"/>
+        <p:spPr bwMode="auto">
+          <a:xfrm>
+            <a:off x="5419695" y="3037976"/>
+            <a:ext cx="2060605" cy="3184571"/>
           </a:xfrm>
           <a:prstGeom prst="rect">
             <a:avLst/>
           </a:prstGeom>
+          <a:noFill/>
+          <a:extLst>
+            <a:ext uri="{909E8E84-426E-40DD-AFC4-6F175D3DCCD1}">
+              <a14:hiddenFill xmlns:a14="http://schemas.microsoft.com/office/drawing/2010/main">
+                <a:solidFill>
+                  <a:srgbClr val="FFFFFF"/>
+                </a:solidFill>
+              </a14:hiddenFill>
+            </a:ext>
+          </a:extLst>
         </p:spPr>
       </p:pic>
-      <p:sp>
-        <p:nvSpPr>
-          <p:cNvPr id="31" name="TextBox 30">
-            <a:extLst>
-              <a:ext uri="{FF2B5EF4-FFF2-40B4-BE49-F238E27FC236}">
-                <a16:creationId xmlns:a16="http://schemas.microsoft.com/office/drawing/2014/main" id="{18ED4AF3-A406-8565-DA72-D4AD2194F5BA}"/>
-              </a:ext>
-            </a:extLst>
-          </p:cNvPr>
-          <p:cNvSpPr txBox="1"/>
-          <p:nvPr/>
-        </p:nvSpPr>
-        <p:spPr>
-          <a:xfrm>
-            <a:off x="8207324" y="1542436"/>
-            <a:ext cx="1286933" cy="369332"/>
-          </a:xfrm>
-          <a:prstGeom prst="rect">
-            <a:avLst/>
-          </a:prstGeom>
-          <a:noFill/>
-        </p:spPr>
-        <p:txBody>
-          <a:bodyPr wrap="square" rtlCol="0">
-            <a:spAutoFit/>
-          </a:bodyPr>
-          <a:lstStyle/>
-          <a:p>
-            <a:pPr algn="ctr"/>
-            <a:r>
-              <a:rPr lang="en-US" dirty="0"/>
-              <a:t>FFT (</a:t>
-            </a:r>
-            <a:r>
-              <a:rPr lang="en-US" dirty="0" err="1"/>
-              <a:t>xyz</a:t>
-            </a:r>
-            <a:r>
-              <a:rPr lang="en-US" dirty="0"/>
-              <a:t>)</a:t>
-            </a:r>
-          </a:p>
-        </p:txBody>
-      </p:sp>
       <p:pic>
         <p:nvPicPr>
-          <p:cNvPr id="33" name="Picture 32">
-            <a:extLst>
-              <a:ext uri="{FF2B5EF4-FFF2-40B4-BE49-F238E27FC236}">
-                <a16:creationId xmlns:a16="http://schemas.microsoft.com/office/drawing/2014/main" id="{8A416B42-D87E-6D63-353D-AEFC11CDA848}"/>
+          <p:cNvPr id="4120" name="Picture 24">
+            <a:extLst>
+              <a:ext uri="{FF2B5EF4-FFF2-40B4-BE49-F238E27FC236}">
+                <a16:creationId xmlns:a16="http://schemas.microsoft.com/office/drawing/2014/main" id="{8546961E-DEEB-841D-1BC5-BFEC2470B0CB}"/>
               </a:ext>
             </a:extLst>
           </p:cNvPr>
           <p:cNvPicPr>
-            <a:picLocks noChangeAspect="1"/>
+            <a:picLocks noChangeAspect="1" noChangeArrowheads="1"/>
           </p:cNvPicPr>
           <p:nvPr/>
         </p:nvPicPr>
         <p:blipFill>
-          <a:blip r:embed="rId5"/>
+          <a:blip r:embed="rId5">
+            <a:alphaModFix amt="70000"/>
+            <a:extLst>
+              <a:ext uri="{28A0092B-C50C-407E-A947-70E740481C1C}">
+                <a14:useLocalDpi xmlns:a14="http://schemas.microsoft.com/office/drawing/2010/main" val="0"/>
+              </a:ext>
+            </a:extLst>
+          </a:blip>
+          <a:srcRect/>
           <a:stretch>
             <a:fillRect/>
           </a:stretch>
         </p:blipFill>
-        <p:spPr>
-          <a:xfrm>
-            <a:off x="559323" y="1845857"/>
-            <a:ext cx="4743557" cy="2617701"/>
+        <p:spPr bwMode="auto">
+          <a:xfrm>
+            <a:off x="5159114" y="2826387"/>
+            <a:ext cx="2060605" cy="3184571"/>
           </a:xfrm>
           <a:prstGeom prst="rect">
             <a:avLst/>
           </a:prstGeom>
+          <a:noFill/>
+          <a:extLst>
+            <a:ext uri="{909E8E84-426E-40DD-AFC4-6F175D3DCCD1}">
+              <a14:hiddenFill xmlns:a14="http://schemas.microsoft.com/office/drawing/2010/main">
+                <a:solidFill>
+                  <a:srgbClr val="FFFFFF"/>
+                </a:solidFill>
+              </a14:hiddenFill>
+            </a:ext>
+          </a:extLst>
         </p:spPr>
       </p:pic>
+      <p:sp>
+        <p:nvSpPr>
+          <p:cNvPr id="5" name="TextBox 4">
+            <a:extLst>
+              <a:ext uri="{FF2B5EF4-FFF2-40B4-BE49-F238E27FC236}">
+                <a16:creationId xmlns:a16="http://schemas.microsoft.com/office/drawing/2014/main" id="{69A49B6C-2617-00E0-38E0-62F1623A5446}"/>
+              </a:ext>
+            </a:extLst>
+          </p:cNvPr>
+          <p:cNvSpPr txBox="1"/>
+          <p:nvPr/>
+        </p:nvSpPr>
+        <p:spPr>
+          <a:xfrm>
+            <a:off x="5026300" y="1985653"/>
+            <a:ext cx="2688949" cy="646331"/>
+          </a:xfrm>
+          <a:prstGeom prst="rect">
+            <a:avLst/>
+          </a:prstGeom>
+          <a:noFill/>
+        </p:spPr>
+        <p:txBody>
+          <a:bodyPr wrap="square" rtlCol="0">
+            <a:spAutoFit/>
+          </a:bodyPr>
+          <a:lstStyle/>
+          <a:p>
+            <a:pPr algn="ctr"/>
+            <a:r>
+              <a:rPr lang="en-US" dirty="0"/>
+              <a:t>s = 0.0208 (4.08%; dx=0.1), </a:t>
+            </a:r>
+            <a:br>
+              <a:rPr lang="en-US" dirty="0"/>
+            </a:br>
+            <a:r>
+              <a:rPr lang="en-US" dirty="0"/>
+              <a:t>Lx, Ly = 12.90, 22.30</a:t>
+            </a:r>
+          </a:p>
+        </p:txBody>
+      </p:sp>
       <p:pic>
         <p:nvPicPr>
-          <p:cNvPr id="35" name="Picture 34">
-            <a:extLst>
-              <a:ext uri="{FF2B5EF4-FFF2-40B4-BE49-F238E27FC236}">
-                <a16:creationId xmlns:a16="http://schemas.microsoft.com/office/drawing/2014/main" id="{59D6BC34-1A92-352E-9C7D-0EE004A4C94A}"/>
+          <p:cNvPr id="4126" name="Picture 30">
+            <a:extLst>
+              <a:ext uri="{FF2B5EF4-FFF2-40B4-BE49-F238E27FC236}">
+                <a16:creationId xmlns:a16="http://schemas.microsoft.com/office/drawing/2014/main" id="{7C8FC4FE-9F1C-CFA1-F45B-41FEBC57AA7B}"/>
               </a:ext>
             </a:extLst>
           </p:cNvPr>
           <p:cNvPicPr>
-            <a:picLocks noChangeAspect="1"/>
+            <a:picLocks noChangeAspect="1" noChangeArrowheads="1"/>
           </p:cNvPicPr>
           <p:nvPr/>
         </p:nvPicPr>
         <p:blipFill>
-          <a:blip r:embed="rId6"/>
+          <a:blip r:embed="rId6">
+            <a:alphaModFix amt="70000"/>
+            <a:extLst>
+              <a:ext uri="{28A0092B-C50C-407E-A947-70E740481C1C}">
+                <a14:useLocalDpi xmlns:a14="http://schemas.microsoft.com/office/drawing/2010/main" val="0"/>
+              </a:ext>
+            </a:extLst>
+          </a:blip>
+          <a:srcRect/>
           <a:stretch>
             <a:fillRect/>
           </a:stretch>
         </p:blipFill>
-        <p:spPr>
-          <a:xfrm>
-            <a:off x="576871" y="4213354"/>
-            <a:ext cx="4768342" cy="2617701"/>
+        <p:spPr bwMode="auto">
+          <a:xfrm>
+            <a:off x="8365356" y="3329297"/>
+            <a:ext cx="2769584" cy="2681661"/>
           </a:xfrm>
           <a:prstGeom prst="rect">
             <a:avLst/>
           </a:prstGeom>
+          <a:noFill/>
+          <a:extLst>
+            <a:ext uri="{909E8E84-426E-40DD-AFC4-6F175D3DCCD1}">
+              <a14:hiddenFill xmlns:a14="http://schemas.microsoft.com/office/drawing/2010/main">
+                <a:solidFill>
+                  <a:srgbClr val="FFFFFF"/>
+                </a:solidFill>
+              </a14:hiddenFill>
+            </a:ext>
+          </a:extLst>
         </p:spPr>
       </p:pic>
+      <p:pic>
+        <p:nvPicPr>
+          <p:cNvPr id="4128" name="Picture 32">
+            <a:extLst>
+              <a:ext uri="{FF2B5EF4-FFF2-40B4-BE49-F238E27FC236}">
+                <a16:creationId xmlns:a16="http://schemas.microsoft.com/office/drawing/2014/main" id="{345B1C86-B2DC-9085-2E2C-E6725D165415}"/>
+              </a:ext>
+            </a:extLst>
+          </p:cNvPr>
+          <p:cNvPicPr>
+            <a:picLocks noChangeAspect="1" noChangeArrowheads="1"/>
+          </p:cNvPicPr>
+          <p:nvPr/>
+        </p:nvPicPr>
+        <p:blipFill>
+          <a:blip r:embed="rId7">
+            <a:alphaModFix amt="70000"/>
+            <a:extLst>
+              <a:ext uri="{28A0092B-C50C-407E-A947-70E740481C1C}">
+                <a14:useLocalDpi xmlns:a14="http://schemas.microsoft.com/office/drawing/2010/main" val="0"/>
+              </a:ext>
+            </a:extLst>
+          </a:blip>
+          <a:srcRect/>
+          <a:stretch>
+            <a:fillRect/>
+          </a:stretch>
+        </p:blipFill>
+        <p:spPr bwMode="auto">
+          <a:xfrm>
+            <a:off x="8268288" y="3261139"/>
+            <a:ext cx="2769584" cy="2681661"/>
+          </a:xfrm>
+          <a:prstGeom prst="rect">
+            <a:avLst/>
+          </a:prstGeom>
+          <a:noFill/>
+          <a:extLst>
+            <a:ext uri="{909E8E84-426E-40DD-AFC4-6F175D3DCCD1}">
+              <a14:hiddenFill xmlns:a14="http://schemas.microsoft.com/office/drawing/2010/main">
+                <a:solidFill>
+                  <a:srgbClr val="FFFFFF"/>
+                </a:solidFill>
+              </a14:hiddenFill>
+            </a:ext>
+          </a:extLst>
+        </p:spPr>
+      </p:pic>
+      <p:sp>
+        <p:nvSpPr>
+          <p:cNvPr id="8" name="TextBox 7">
+            <a:extLst>
+              <a:ext uri="{FF2B5EF4-FFF2-40B4-BE49-F238E27FC236}">
+                <a16:creationId xmlns:a16="http://schemas.microsoft.com/office/drawing/2014/main" id="{3482F31C-3E88-A3D7-1754-79EA5AC7E36B}"/>
+              </a:ext>
+            </a:extLst>
+          </p:cNvPr>
+          <p:cNvSpPr txBox="1"/>
+          <p:nvPr/>
+        </p:nvSpPr>
+        <p:spPr>
+          <a:xfrm>
+            <a:off x="8454748" y="1962684"/>
+            <a:ext cx="2590800" cy="646331"/>
+          </a:xfrm>
+          <a:prstGeom prst="rect">
+            <a:avLst/>
+          </a:prstGeom>
+          <a:noFill/>
+        </p:spPr>
+        <p:txBody>
+          <a:bodyPr wrap="square" rtlCol="0">
+            <a:spAutoFit/>
+          </a:bodyPr>
+          <a:lstStyle/>
+          <a:p>
+            <a:pPr algn="ctr"/>
+            <a:r>
+              <a:rPr lang="en-US" dirty="0"/>
+              <a:t>s = 0.1332 (11%; dx=0.1), </a:t>
+            </a:r>
+            <a:br>
+              <a:rPr lang="en-US" dirty="0"/>
+            </a:br>
+            <a:r>
+              <a:rPr lang="en-US" dirty="0"/>
+              <a:t>Lx, Ly = 20.50, 20.40</a:t>
+            </a:r>
+          </a:p>
+        </p:txBody>
+      </p:sp>
     </p:spTree>
     <p:extLst>
       <p:ext uri="{BB962C8B-B14F-4D97-AF65-F5344CB8AC3E}">
-        <p14:creationId xmlns:p14="http://schemas.microsoft.com/office/powerpoint/2010/main" val="2184982505"/>
+        <p14:creationId xmlns:p14="http://schemas.microsoft.com/office/powerpoint/2010/main" val="1320488814"/>
       </p:ext>
     </p:extLst>
   </p:cSld>
@@ -3806,7 +3887,7 @@
           <p:cNvPr id="2" name="Title 1">
             <a:extLst>
               <a:ext uri="{FF2B5EF4-FFF2-40B4-BE49-F238E27FC236}">
-                <a16:creationId xmlns:a16="http://schemas.microsoft.com/office/drawing/2014/main" id="{C872131D-FE4F-A224-AF09-4A0D93F4B83D}"/>
+                <a16:creationId xmlns:a16="http://schemas.microsoft.com/office/drawing/2014/main" id="{C85E3C9C-7526-B303-905F-886077E16C39}"/>
               </a:ext>
             </a:extLst>
           </p:cNvPr>
@@ -3819,8 +3900,8 @@
         </p:nvSpPr>
         <p:spPr>
           <a:xfrm>
-            <a:off x="0" y="0"/>
-            <a:ext cx="10515600" cy="846667"/>
+            <a:off x="838200" y="0"/>
+            <a:ext cx="10515600" cy="1325563"/>
           </a:xfrm>
         </p:spPr>
         <p:txBody>
@@ -3829,7 +3910,80 @@
           <a:p>
             <a:r>
               <a:rPr lang="en-US" dirty="0"/>
-              <a:t>Parameter space (s, x, a, cs, </a:t>
+              <a:t>z-</a:t>
+            </a:r>
+            <a:r>
+              <a:rPr lang="en-US" b="1" dirty="0"/>
+              <a:t>FFT</a:t>
+            </a:r>
+            <a:r>
+              <a:rPr lang="en-US" dirty="0"/>
+              <a:t> vs z-</a:t>
+            </a:r>
+            <a:r>
+              <a:rPr lang="en-US" b="1" dirty="0"/>
+              <a:t>FD</a:t>
+            </a:r>
+            <a:r>
+              <a:rPr lang="en-US" dirty="0"/>
+              <a:t> (MDE) – REDFT01 </a:t>
+            </a:r>
+            <a:r>
+              <a:rPr lang="en-US" dirty="0" err="1"/>
+              <a:t>xy</a:t>
+            </a:r>
+            <a:r>
+              <a:rPr lang="en-US" dirty="0"/>
+              <a:t>(z)</a:t>
+            </a:r>
+          </a:p>
+        </p:txBody>
+      </p:sp>
+      <p:sp>
+        <p:nvSpPr>
+          <p:cNvPr id="3" name="TextBox 2">
+            <a:extLst>
+              <a:ext uri="{FF2B5EF4-FFF2-40B4-BE49-F238E27FC236}">
+                <a16:creationId xmlns:a16="http://schemas.microsoft.com/office/drawing/2014/main" id="{99A2CDED-1526-FA46-5D91-2DC74B6F0C37}"/>
+              </a:ext>
+            </a:extLst>
+          </p:cNvPr>
+          <p:cNvSpPr txBox="1"/>
+          <p:nvPr/>
+        </p:nvSpPr>
+        <p:spPr>
+          <a:xfrm>
+            <a:off x="838200" y="1053198"/>
+            <a:ext cx="7010401" cy="646331"/>
+          </a:xfrm>
+          <a:prstGeom prst="rect">
+            <a:avLst/>
+          </a:prstGeom>
+          <a:noFill/>
+        </p:spPr>
+        <p:txBody>
+          <a:bodyPr wrap="square" rtlCol="0">
+            <a:spAutoFit/>
+          </a:bodyPr>
+          <a:lstStyle/>
+          <a:p>
+            <a:r>
+              <a:rPr lang="en-US" dirty="0"/>
+              <a:t>Lx = 5, Ly = 5, </a:t>
+            </a:r>
+            <a:r>
+              <a:rPr lang="en-US" dirty="0" err="1"/>
+              <a:t>Lz</a:t>
+            </a:r>
+            <a:r>
+              <a:rPr lang="en-US" dirty="0"/>
+              <a:t> = 50. s = 0.02. x = 0.75. a = 0.00</a:t>
+            </a:r>
+          </a:p>
+          <a:p>
+            <a:r>
+              <a:rPr lang="en-US" dirty="0"/>
+              <a:t>3D vs 1D (dashed): </a:t>
             </a:r>
             <a:r>
               <a:rPr lang="en-US" dirty="0" err="1"/>
@@ -3837,15 +3991,339 @@
             </a:r>
             <a:r>
               <a:rPr lang="en-US" dirty="0"/>
-              <a:t>, ds)</a:t>
-            </a:r>
-          </a:p>
-        </p:txBody>
-      </p:sp>
+              <a:t> = 0.5, ds = 0.20; dz_1D = 0.113, ds_1D = 0.083</a:t>
+            </a:r>
+          </a:p>
+        </p:txBody>
+      </p:sp>
+      <p:sp>
+        <p:nvSpPr>
+          <p:cNvPr id="20" name="TextBox 19">
+            <a:extLst>
+              <a:ext uri="{FF2B5EF4-FFF2-40B4-BE49-F238E27FC236}">
+                <a16:creationId xmlns:a16="http://schemas.microsoft.com/office/drawing/2014/main" id="{F67FA53E-0EE8-AAF7-18FE-84614DDB84DE}"/>
+              </a:ext>
+            </a:extLst>
+          </p:cNvPr>
+          <p:cNvSpPr txBox="1"/>
+          <p:nvPr/>
+        </p:nvSpPr>
+        <p:spPr>
+          <a:xfrm>
+            <a:off x="5631059" y="2915880"/>
+            <a:ext cx="1286933" cy="369332"/>
+          </a:xfrm>
+          <a:prstGeom prst="rect">
+            <a:avLst/>
+          </a:prstGeom>
+          <a:noFill/>
+        </p:spPr>
+        <p:txBody>
+          <a:bodyPr wrap="square" rtlCol="0">
+            <a:spAutoFit/>
+          </a:bodyPr>
+          <a:lstStyle/>
+          <a:p>
+            <a:r>
+              <a:rPr lang="en-US" dirty="0"/>
+              <a:t>FFT (</a:t>
+            </a:r>
+            <a:r>
+              <a:rPr lang="en-US" dirty="0" err="1"/>
+              <a:t>yz</a:t>
+            </a:r>
+            <a:r>
+              <a:rPr lang="en-US" dirty="0"/>
+              <a:t>)</a:t>
+            </a:r>
+          </a:p>
+        </p:txBody>
+      </p:sp>
+      <p:sp>
+        <p:nvSpPr>
+          <p:cNvPr id="21" name="TextBox 20">
+            <a:extLst>
+              <a:ext uri="{FF2B5EF4-FFF2-40B4-BE49-F238E27FC236}">
+                <a16:creationId xmlns:a16="http://schemas.microsoft.com/office/drawing/2014/main" id="{8975F4F8-1D5E-2B6C-439A-E0008683786D}"/>
+              </a:ext>
+            </a:extLst>
+          </p:cNvPr>
+          <p:cNvSpPr txBox="1"/>
+          <p:nvPr/>
+        </p:nvSpPr>
+        <p:spPr>
+          <a:xfrm>
+            <a:off x="5631059" y="5330398"/>
+            <a:ext cx="1286933" cy="369332"/>
+          </a:xfrm>
+          <a:prstGeom prst="rect">
+            <a:avLst/>
+          </a:prstGeom>
+          <a:noFill/>
+        </p:spPr>
+        <p:txBody>
+          <a:bodyPr wrap="square" rtlCol="0">
+            <a:spAutoFit/>
+          </a:bodyPr>
+          <a:lstStyle/>
+          <a:p>
+            <a:r>
+              <a:rPr lang="en-US" dirty="0"/>
+              <a:t>FD (</a:t>
+            </a:r>
+            <a:r>
+              <a:rPr lang="en-US" dirty="0" err="1"/>
+              <a:t>yz</a:t>
+            </a:r>
+            <a:r>
+              <a:rPr lang="en-US" dirty="0"/>
+              <a:t>)</a:t>
+            </a:r>
+          </a:p>
+        </p:txBody>
+      </p:sp>
+      <p:pic>
+        <p:nvPicPr>
+          <p:cNvPr id="25" name="Picture 24">
+            <a:extLst>
+              <a:ext uri="{FF2B5EF4-FFF2-40B4-BE49-F238E27FC236}">
+                <a16:creationId xmlns:a16="http://schemas.microsoft.com/office/drawing/2014/main" id="{BFB8AF76-977E-BF34-4D5F-6F1115EF2823}"/>
+              </a:ext>
+            </a:extLst>
+          </p:cNvPr>
+          <p:cNvPicPr>
+            <a:picLocks noChangeAspect="1"/>
+          </p:cNvPicPr>
+          <p:nvPr/>
+        </p:nvPicPr>
+        <p:blipFill>
+          <a:blip r:embed="rId2"/>
+          <a:stretch>
+            <a:fillRect/>
+          </a:stretch>
+        </p:blipFill>
+        <p:spPr>
+          <a:xfrm>
+            <a:off x="7276364" y="4360365"/>
+            <a:ext cx="2924742" cy="2424728"/>
+          </a:xfrm>
+          <a:prstGeom prst="rect">
+            <a:avLst/>
+          </a:prstGeom>
+        </p:spPr>
+      </p:pic>
+      <p:pic>
+        <p:nvPicPr>
+          <p:cNvPr id="27" name="Picture 26">
+            <a:extLst>
+              <a:ext uri="{FF2B5EF4-FFF2-40B4-BE49-F238E27FC236}">
+                <a16:creationId xmlns:a16="http://schemas.microsoft.com/office/drawing/2014/main" id="{277F92A0-71CE-490F-B258-ED7EC95866E9}"/>
+              </a:ext>
+            </a:extLst>
+          </p:cNvPr>
+          <p:cNvPicPr>
+            <a:picLocks noChangeAspect="1"/>
+          </p:cNvPicPr>
+          <p:nvPr/>
+        </p:nvPicPr>
+        <p:blipFill>
+          <a:blip r:embed="rId3"/>
+          <a:stretch>
+            <a:fillRect/>
+          </a:stretch>
+        </p:blipFill>
+        <p:spPr>
+          <a:xfrm>
+            <a:off x="10402909" y="2613996"/>
+            <a:ext cx="494780" cy="2823542"/>
+          </a:xfrm>
+          <a:prstGeom prst="rect">
+            <a:avLst/>
+          </a:prstGeom>
+        </p:spPr>
+      </p:pic>
+      <p:sp>
+        <p:nvSpPr>
+          <p:cNvPr id="28" name="TextBox 27">
+            <a:extLst>
+              <a:ext uri="{FF2B5EF4-FFF2-40B4-BE49-F238E27FC236}">
+                <a16:creationId xmlns:a16="http://schemas.microsoft.com/office/drawing/2014/main" id="{209381BF-3B92-7C87-83D1-6D10AFC3C731}"/>
+              </a:ext>
+            </a:extLst>
+          </p:cNvPr>
+          <p:cNvSpPr txBox="1"/>
+          <p:nvPr/>
+        </p:nvSpPr>
+        <p:spPr>
+          <a:xfrm>
+            <a:off x="8289087" y="4206848"/>
+            <a:ext cx="1286933" cy="369332"/>
+          </a:xfrm>
+          <a:prstGeom prst="rect">
+            <a:avLst/>
+          </a:prstGeom>
+          <a:noFill/>
+        </p:spPr>
+        <p:txBody>
+          <a:bodyPr wrap="square" rtlCol="0">
+            <a:spAutoFit/>
+          </a:bodyPr>
+          <a:lstStyle/>
+          <a:p>
+            <a:pPr algn="ctr"/>
+            <a:r>
+              <a:rPr lang="en-US" dirty="0"/>
+              <a:t>FD (</a:t>
+            </a:r>
+            <a:r>
+              <a:rPr lang="en-US" dirty="0" err="1"/>
+              <a:t>xyz</a:t>
+            </a:r>
+            <a:r>
+              <a:rPr lang="en-US" dirty="0"/>
+              <a:t>)</a:t>
+            </a:r>
+          </a:p>
+        </p:txBody>
+      </p:sp>
+      <p:pic>
+        <p:nvPicPr>
+          <p:cNvPr id="30" name="Picture 29">
+            <a:extLst>
+              <a:ext uri="{FF2B5EF4-FFF2-40B4-BE49-F238E27FC236}">
+                <a16:creationId xmlns:a16="http://schemas.microsoft.com/office/drawing/2014/main" id="{78FFD473-8BB3-1A61-FCA5-1FC80C0BC590}"/>
+              </a:ext>
+            </a:extLst>
+          </p:cNvPr>
+          <p:cNvPicPr>
+            <a:picLocks noChangeAspect="1"/>
+          </p:cNvPicPr>
+          <p:nvPr/>
+        </p:nvPicPr>
+        <p:blipFill>
+          <a:blip r:embed="rId4"/>
+          <a:stretch>
+            <a:fillRect/>
+          </a:stretch>
+        </p:blipFill>
+        <p:spPr>
+          <a:xfrm>
+            <a:off x="7217123" y="1758796"/>
+            <a:ext cx="2924741" cy="2400807"/>
+          </a:xfrm>
+          <a:prstGeom prst="rect">
+            <a:avLst/>
+          </a:prstGeom>
+        </p:spPr>
+      </p:pic>
+      <p:sp>
+        <p:nvSpPr>
+          <p:cNvPr id="31" name="TextBox 30">
+            <a:extLst>
+              <a:ext uri="{FF2B5EF4-FFF2-40B4-BE49-F238E27FC236}">
+                <a16:creationId xmlns:a16="http://schemas.microsoft.com/office/drawing/2014/main" id="{18ED4AF3-A406-8565-DA72-D4AD2194F5BA}"/>
+              </a:ext>
+            </a:extLst>
+          </p:cNvPr>
+          <p:cNvSpPr txBox="1"/>
+          <p:nvPr/>
+        </p:nvSpPr>
+        <p:spPr>
+          <a:xfrm>
+            <a:off x="8207324" y="1542436"/>
+            <a:ext cx="1286933" cy="369332"/>
+          </a:xfrm>
+          <a:prstGeom prst="rect">
+            <a:avLst/>
+          </a:prstGeom>
+          <a:noFill/>
+        </p:spPr>
+        <p:txBody>
+          <a:bodyPr wrap="square" rtlCol="0">
+            <a:spAutoFit/>
+          </a:bodyPr>
+          <a:lstStyle/>
+          <a:p>
+            <a:pPr algn="ctr"/>
+            <a:r>
+              <a:rPr lang="en-US" dirty="0"/>
+              <a:t>FFT (</a:t>
+            </a:r>
+            <a:r>
+              <a:rPr lang="en-US" dirty="0" err="1"/>
+              <a:t>xyz</a:t>
+            </a:r>
+            <a:r>
+              <a:rPr lang="en-US" dirty="0"/>
+              <a:t>)</a:t>
+            </a:r>
+          </a:p>
+        </p:txBody>
+      </p:sp>
+      <p:pic>
+        <p:nvPicPr>
+          <p:cNvPr id="33" name="Picture 32">
+            <a:extLst>
+              <a:ext uri="{FF2B5EF4-FFF2-40B4-BE49-F238E27FC236}">
+                <a16:creationId xmlns:a16="http://schemas.microsoft.com/office/drawing/2014/main" id="{8A416B42-D87E-6D63-353D-AEFC11CDA848}"/>
+              </a:ext>
+            </a:extLst>
+          </p:cNvPr>
+          <p:cNvPicPr>
+            <a:picLocks noChangeAspect="1"/>
+          </p:cNvPicPr>
+          <p:nvPr/>
+        </p:nvPicPr>
+        <p:blipFill>
+          <a:blip r:embed="rId5"/>
+          <a:stretch>
+            <a:fillRect/>
+          </a:stretch>
+        </p:blipFill>
+        <p:spPr>
+          <a:xfrm>
+            <a:off x="559323" y="1845857"/>
+            <a:ext cx="4743557" cy="2617701"/>
+          </a:xfrm>
+          <a:prstGeom prst="rect">
+            <a:avLst/>
+          </a:prstGeom>
+        </p:spPr>
+      </p:pic>
+      <p:pic>
+        <p:nvPicPr>
+          <p:cNvPr id="35" name="Picture 34">
+            <a:extLst>
+              <a:ext uri="{FF2B5EF4-FFF2-40B4-BE49-F238E27FC236}">
+                <a16:creationId xmlns:a16="http://schemas.microsoft.com/office/drawing/2014/main" id="{59D6BC34-1A92-352E-9C7D-0EE004A4C94A}"/>
+              </a:ext>
+            </a:extLst>
+          </p:cNvPr>
+          <p:cNvPicPr>
+            <a:picLocks noChangeAspect="1"/>
+          </p:cNvPicPr>
+          <p:nvPr/>
+        </p:nvPicPr>
+        <p:blipFill>
+          <a:blip r:embed="rId6"/>
+          <a:stretch>
+            <a:fillRect/>
+          </a:stretch>
+        </p:blipFill>
+        <p:spPr>
+          <a:xfrm>
+            <a:off x="576871" y="4213354"/>
+            <a:ext cx="4768342" cy="2617701"/>
+          </a:xfrm>
+          <a:prstGeom prst="rect">
+            <a:avLst/>
+          </a:prstGeom>
+        </p:spPr>
+      </p:pic>
     </p:spTree>
     <p:extLst>
       <p:ext uri="{BB962C8B-B14F-4D97-AF65-F5344CB8AC3E}">
-        <p14:creationId xmlns:p14="http://schemas.microsoft.com/office/powerpoint/2010/main" val="3387991481"/>
+        <p14:creationId xmlns:p14="http://schemas.microsoft.com/office/powerpoint/2010/main" val="2184982505"/>
       </p:ext>
     </p:extLst>
   </p:cSld>
@@ -3877,7 +4355,7 @@
           <p:cNvPr id="2" name="Title 1">
             <a:extLst>
               <a:ext uri="{FF2B5EF4-FFF2-40B4-BE49-F238E27FC236}">
-                <a16:creationId xmlns:a16="http://schemas.microsoft.com/office/drawing/2014/main" id="{A42F1D30-274D-A5B8-3620-4DA31ECE8F5B}"/>
+                <a16:creationId xmlns:a16="http://schemas.microsoft.com/office/drawing/2014/main" id="{C872131D-FE4F-A224-AF09-4A0D93F4B83D}"/>
               </a:ext>
             </a:extLst>
           </p:cNvPr>
@@ -3888,14 +4366,19 @@
             <p:ph type="title"/>
           </p:nvPr>
         </p:nvSpPr>
-        <p:spPr/>
+        <p:spPr>
+          <a:xfrm>
+            <a:off x="0" y="0"/>
+            <a:ext cx="10515600" cy="846667"/>
+          </a:xfrm>
+        </p:spPr>
         <p:txBody>
           <a:bodyPr/>
           <a:lstStyle/>
           <a:p>
             <a:r>
               <a:rPr lang="en-US" dirty="0"/>
-              <a:t>Specifying Grafted Points</a:t>
+              <a:t>Parameter space (s, x, cs, N)</a:t>
             </a:r>
           </a:p>
         </p:txBody>
@@ -3903,7 +4386,7 @@
     </p:spTree>
     <p:extLst>
       <p:ext uri="{BB962C8B-B14F-4D97-AF65-F5344CB8AC3E}">
-        <p14:creationId xmlns:p14="http://schemas.microsoft.com/office/powerpoint/2010/main" val="896468000"/>
+        <p14:creationId xmlns:p14="http://schemas.microsoft.com/office/powerpoint/2010/main" val="3387991481"/>
       </p:ext>
     </p:extLst>
   </p:cSld>
@@ -3935,7 +4418,7 @@
           <p:cNvPr id="2" name="Title 1">
             <a:extLst>
               <a:ext uri="{FF2B5EF4-FFF2-40B4-BE49-F238E27FC236}">
-                <a16:creationId xmlns:a16="http://schemas.microsoft.com/office/drawing/2014/main" id="{EC7A1061-086B-35E4-61C1-83C328D5548E}"/>
+                <a16:creationId xmlns:a16="http://schemas.microsoft.com/office/drawing/2014/main" id="{C872131D-FE4F-A224-AF09-4A0D93F4B83D}"/>
               </a:ext>
             </a:extLst>
           </p:cNvPr>
@@ -3946,247 +4429,27 @@
             <p:ph type="title"/>
           </p:nvPr>
         </p:nvSpPr>
-        <p:spPr/>
+        <p:spPr>
+          <a:xfrm>
+            <a:off x="0" y="0"/>
+            <a:ext cx="10515600" cy="846667"/>
+          </a:xfrm>
+        </p:spPr>
         <p:txBody>
           <a:bodyPr/>
           <a:lstStyle/>
           <a:p>
             <a:r>
               <a:rPr lang="en-US" dirty="0"/>
-              <a:t>Strategy</a:t>
-            </a:r>
-          </a:p>
-        </p:txBody>
-      </p:sp>
-      <p:sp>
-        <p:nvSpPr>
-          <p:cNvPr id="3" name="TextBox 2">
-            <a:extLst>
-              <a:ext uri="{FF2B5EF4-FFF2-40B4-BE49-F238E27FC236}">
-                <a16:creationId xmlns:a16="http://schemas.microsoft.com/office/drawing/2014/main" id="{66A4566B-D26D-18F7-2769-748D7813228B}"/>
-              </a:ext>
-            </a:extLst>
-          </p:cNvPr>
-          <p:cNvSpPr txBox="1"/>
-          <p:nvPr/>
-        </p:nvSpPr>
-        <p:spPr>
-          <a:xfrm>
-            <a:off x="714374" y="1895475"/>
-            <a:ext cx="7810500" cy="646331"/>
-          </a:xfrm>
-          <a:prstGeom prst="rect">
-            <a:avLst/>
-          </a:prstGeom>
-          <a:noFill/>
-        </p:spPr>
-        <p:txBody>
-          <a:bodyPr wrap="square" rtlCol="0">
-            <a:spAutoFit/>
-          </a:bodyPr>
-          <a:lstStyle/>
-          <a:p>
+              <a:t>Numerical space (</a:t>
+            </a:r>
+            <a:r>
+              <a:rPr lang="en-US" dirty="0" err="1"/>
+              <a:t>dz</a:t>
+            </a:r>
             <a:r>
               <a:rPr lang="en-US" dirty="0"/>
-              <a:t>2D binary array for surface sites of homogeneously grafted polymer given grafting density, simulation box size, and discretization (and assuming dx = </a:t>
-            </a:r>
-            <a:r>
-              <a:rPr lang="en-US" dirty="0" err="1"/>
-              <a:t>dy</a:t>
-            </a:r>
-            <a:r>
-              <a:rPr lang="en-US" dirty="0"/>
-              <a:t>)</a:t>
-            </a:r>
-          </a:p>
-        </p:txBody>
-      </p:sp>
-      <p:sp>
-        <p:nvSpPr>
-          <p:cNvPr id="4" name="TextBox 3">
-            <a:extLst>
-              <a:ext uri="{FF2B5EF4-FFF2-40B4-BE49-F238E27FC236}">
-                <a16:creationId xmlns:a16="http://schemas.microsoft.com/office/drawing/2014/main" id="{14B153E5-948B-4D25-2B1C-2231E4E7EBA6}"/>
-              </a:ext>
-            </a:extLst>
-          </p:cNvPr>
-          <p:cNvSpPr txBox="1"/>
-          <p:nvPr/>
-        </p:nvSpPr>
-        <p:spPr>
-          <a:xfrm>
-            <a:off x="714374" y="2776538"/>
-            <a:ext cx="11077575" cy="646331"/>
-          </a:xfrm>
-          <a:prstGeom prst="rect">
-            <a:avLst/>
-          </a:prstGeom>
-          <a:noFill/>
-        </p:spPr>
-        <p:txBody>
-          <a:bodyPr wrap="square" rtlCol="0">
-            <a:spAutoFit/>
-          </a:bodyPr>
-          <a:lstStyle/>
-          <a:p>
-            <a:r>
-              <a:rPr lang="en-US" dirty="0" err="1"/>
-              <a:t>Fullspace</a:t>
-            </a:r>
-            <a:r>
-              <a:rPr lang="en-US" dirty="0"/>
-              <a:t> must be periodic on x0 = </a:t>
-            </a:r>
-            <a:r>
-              <a:rPr lang="en-US" dirty="0" err="1"/>
-              <a:t>xL</a:t>
-            </a:r>
-            <a:r>
-              <a:rPr lang="en-US" dirty="0"/>
-              <a:t>, y0 = </a:t>
-            </a:r>
-            <a:r>
-              <a:rPr lang="en-US" dirty="0" err="1"/>
-              <a:t>yL</a:t>
-            </a:r>
-            <a:endParaRPr lang="en-US" dirty="0"/>
-          </a:p>
-          <a:p>
-            <a:r>
-              <a:rPr lang="en-US" dirty="0" err="1"/>
-              <a:t>Halfspace</a:t>
-            </a:r>
-            <a:r>
-              <a:rPr lang="en-US" dirty="0"/>
-              <a:t> must be even on </a:t>
-            </a:r>
-            <a:r>
-              <a:rPr lang="en-US" dirty="0" err="1"/>
-              <a:t>xL</a:t>
-            </a:r>
-            <a:r>
-              <a:rPr lang="en-US" dirty="0"/>
-              <a:t>/2 and </a:t>
-            </a:r>
-            <a:r>
-              <a:rPr lang="en-US" dirty="0" err="1"/>
-              <a:t>yL</a:t>
-            </a:r>
-            <a:r>
-              <a:rPr lang="en-US" dirty="0"/>
-              <a:t>/2 (overlap of boundary following REDFT00) and periodic on x0 = </a:t>
-            </a:r>
-            <a:r>
-              <a:rPr lang="en-US" dirty="0" err="1"/>
-              <a:t>xL</a:t>
-            </a:r>
-            <a:r>
-              <a:rPr lang="en-US" dirty="0"/>
-              <a:t>, y0 = </a:t>
-            </a:r>
-            <a:r>
-              <a:rPr lang="en-US" dirty="0" err="1"/>
-              <a:t>yL</a:t>
-            </a:r>
-            <a:r>
-              <a:rPr lang="en-US" dirty="0"/>
-              <a:t>.</a:t>
-            </a:r>
-          </a:p>
-        </p:txBody>
-      </p:sp>
-      <p:sp>
-        <p:nvSpPr>
-          <p:cNvPr id="5" name="TextBox 4">
-            <a:extLst>
-              <a:ext uri="{FF2B5EF4-FFF2-40B4-BE49-F238E27FC236}">
-                <a16:creationId xmlns:a16="http://schemas.microsoft.com/office/drawing/2014/main" id="{97078C71-47DB-0D25-8BE5-AD0C9CC3C9FD}"/>
-              </a:ext>
-            </a:extLst>
-          </p:cNvPr>
-          <p:cNvSpPr txBox="1"/>
-          <p:nvPr/>
-        </p:nvSpPr>
-        <p:spPr>
-          <a:xfrm>
-            <a:off x="714373" y="3812426"/>
-            <a:ext cx="11077575" cy="369332"/>
-          </a:xfrm>
-          <a:prstGeom prst="rect">
-            <a:avLst/>
-          </a:prstGeom>
-          <a:noFill/>
-        </p:spPr>
-        <p:txBody>
-          <a:bodyPr wrap="square" rtlCol="0">
-            <a:spAutoFit/>
-          </a:bodyPr>
-          <a:lstStyle/>
-          <a:p>
-            <a:r>
-              <a:rPr lang="en-US" dirty="0"/>
-              <a:t>Homogeneous spacing as determined by regular hexagon, where grafting point at centroid of hexagon</a:t>
-            </a:r>
-          </a:p>
-        </p:txBody>
-      </p:sp>
-      <p:sp>
-        <p:nvSpPr>
-          <p:cNvPr id="6" name="TextBox 5">
-            <a:extLst>
-              <a:ext uri="{FF2B5EF4-FFF2-40B4-BE49-F238E27FC236}">
-                <a16:creationId xmlns:a16="http://schemas.microsoft.com/office/drawing/2014/main" id="{067DDA30-EAF3-09E5-D289-BD5F06EA216D}"/>
-              </a:ext>
-            </a:extLst>
-          </p:cNvPr>
-          <p:cNvSpPr txBox="1"/>
-          <p:nvPr/>
-        </p:nvSpPr>
-        <p:spPr>
-          <a:xfrm>
-            <a:off x="714372" y="4508719"/>
-            <a:ext cx="11077575" cy="923330"/>
-          </a:xfrm>
-          <a:prstGeom prst="rect">
-            <a:avLst/>
-          </a:prstGeom>
-          <a:noFill/>
-        </p:spPr>
-        <p:txBody>
-          <a:bodyPr wrap="square" rtlCol="0">
-            <a:spAutoFit/>
-          </a:bodyPr>
-          <a:lstStyle/>
-          <a:p>
-            <a:r>
-              <a:rPr lang="en-US" dirty="0"/>
-              <a:t>In case there are edge effects, try shifting the centroids away from the boundaries of the </a:t>
-            </a:r>
-            <a:r>
-              <a:rPr lang="en-US" dirty="0" err="1"/>
-              <a:t>xy</a:t>
-            </a:r>
-            <a:r>
-              <a:rPr lang="en-US" dirty="0"/>
-              <a:t>-plane (only did for </a:t>
-            </a:r>
-            <a:r>
-              <a:rPr lang="en-US" dirty="0" err="1"/>
-              <a:t>fullspace</a:t>
-            </a:r>
-            <a:r>
-              <a:rPr lang="en-US" dirty="0"/>
-              <a:t>)</a:t>
-            </a:r>
-          </a:p>
-          <a:p>
-            <a:pPr marL="285750" indent="-285750">
-              <a:buFont typeface="Arial" panose="020B0604020202020204" pitchFamily="34" charset="0"/>
-              <a:buChar char="•"/>
-            </a:pPr>
-            <a:r>
-              <a:rPr lang="en-US" dirty="0"/>
-              <a:t>Make sure no edge effects by comparing results of full FFT with cos FFT</a:t>
+              <a:t>, ds, Y)</a:t>
             </a:r>
           </a:p>
         </p:txBody>
@@ -4194,7 +4457,7 @@
     </p:spTree>
     <p:extLst>
       <p:ext uri="{BB962C8B-B14F-4D97-AF65-F5344CB8AC3E}">
-        <p14:creationId xmlns:p14="http://schemas.microsoft.com/office/powerpoint/2010/main" val="1764039423"/>
+        <p14:creationId xmlns:p14="http://schemas.microsoft.com/office/powerpoint/2010/main" val="3734331090"/>
       </p:ext>
     </p:extLst>
   </p:cSld>
@@ -4226,7 +4489,7 @@
           <p:cNvPr id="2" name="Title 1">
             <a:extLst>
               <a:ext uri="{FF2B5EF4-FFF2-40B4-BE49-F238E27FC236}">
-                <a16:creationId xmlns:a16="http://schemas.microsoft.com/office/drawing/2014/main" id="{A3926BC3-A860-346A-4F58-1EE4C3E7FB0F}"/>
+                <a16:creationId xmlns:a16="http://schemas.microsoft.com/office/drawing/2014/main" id="{A42F1D30-274D-A5B8-3620-4DA31ECE8F5B}"/>
               </a:ext>
             </a:extLst>
           </p:cNvPr>
@@ -4237,129 +4500,19 @@
             <p:ph type="title"/>
           </p:nvPr>
         </p:nvSpPr>
-        <p:spPr/>
+        <p:spPr>
+          <a:xfrm>
+            <a:off x="448734" y="2766218"/>
+            <a:ext cx="10515600" cy="1325563"/>
+          </a:xfrm>
+        </p:spPr>
         <p:txBody>
           <a:bodyPr/>
           <a:lstStyle/>
           <a:p>
             <a:r>
-              <a:rPr lang="en-US" dirty="0"/>
-              <a:t>Test conditions</a:t>
-            </a:r>
-          </a:p>
-        </p:txBody>
-      </p:sp>
-      <p:sp>
-        <p:nvSpPr>
-          <p:cNvPr id="3" name="TextBox 2">
-            <a:extLst>
-              <a:ext uri="{FF2B5EF4-FFF2-40B4-BE49-F238E27FC236}">
-                <a16:creationId xmlns:a16="http://schemas.microsoft.com/office/drawing/2014/main" id="{A00B5138-8D53-B196-C54A-B372D20698D0}"/>
-              </a:ext>
-            </a:extLst>
-          </p:cNvPr>
-          <p:cNvSpPr txBox="1"/>
-          <p:nvPr/>
-        </p:nvSpPr>
-        <p:spPr>
-          <a:xfrm>
-            <a:off x="1192695" y="2186609"/>
-            <a:ext cx="7026965" cy="1200329"/>
-          </a:xfrm>
-          <a:prstGeom prst="rect">
-            <a:avLst/>
-          </a:prstGeom>
-          <a:noFill/>
-        </p:spPr>
-        <p:txBody>
-          <a:bodyPr wrap="square" rtlCol="0">
-            <a:spAutoFit/>
-          </a:bodyPr>
-          <a:lstStyle/>
-          <a:p>
-            <a:r>
-              <a:rPr lang="en-US" dirty="0"/>
-              <a:t>Sigma = 0.05 c/nm2</a:t>
-            </a:r>
-          </a:p>
-          <a:p>
-            <a:r>
-              <a:rPr lang="en-US" dirty="0"/>
-              <a:t>Lx = 15 nm</a:t>
-            </a:r>
-          </a:p>
-          <a:p>
-            <a:r>
-              <a:rPr lang="en-US" dirty="0"/>
-              <a:t>Ly = 15 nm</a:t>
-            </a:r>
-          </a:p>
-          <a:p>
-            <a:r>
-              <a:rPr lang="en-US" dirty="0"/>
-              <a:t>dx = 0.4 nm</a:t>
-            </a:r>
-          </a:p>
-        </p:txBody>
-      </p:sp>
-      <p:sp>
-        <p:nvSpPr>
-          <p:cNvPr id="4" name="TextBox 3">
-            <a:extLst>
-              <a:ext uri="{FF2B5EF4-FFF2-40B4-BE49-F238E27FC236}">
-                <a16:creationId xmlns:a16="http://schemas.microsoft.com/office/drawing/2014/main" id="{431FD48E-52DE-AC6E-5D2D-A03BFCBE0CEE}"/>
-              </a:ext>
-            </a:extLst>
-          </p:cNvPr>
-          <p:cNvSpPr txBox="1"/>
-          <p:nvPr/>
-        </p:nvSpPr>
-        <p:spPr>
-          <a:xfrm>
-            <a:off x="1192694" y="3776869"/>
-            <a:ext cx="7026965" cy="1754326"/>
-          </a:xfrm>
-          <a:prstGeom prst="rect">
-            <a:avLst/>
-          </a:prstGeom>
-          <a:noFill/>
-        </p:spPr>
-        <p:txBody>
-          <a:bodyPr wrap="square" rtlCol="0">
-            <a:spAutoFit/>
-          </a:bodyPr>
-          <a:lstStyle/>
-          <a:p>
-            <a:r>
-              <a:rPr lang="en-US" dirty="0"/>
-              <a:t>Cast in terms of dx (for rounding and PBC for grafting points): </a:t>
-            </a:r>
-          </a:p>
-          <a:p>
-            <a:r>
-              <a:rPr lang="en-US" dirty="0"/>
-              <a:t>	Sigma = 0.0668 c/nm2</a:t>
-            </a:r>
-          </a:p>
-          <a:p>
-            <a:r>
-              <a:rPr lang="en-US" dirty="0"/>
-              <a:t>	Lx = 14.80 nm</a:t>
-            </a:r>
-          </a:p>
-          <a:p>
-            <a:r>
-              <a:rPr lang="en-US" dirty="0"/>
-              <a:t>	Ly = 11.20 nm</a:t>
-            </a:r>
-          </a:p>
-          <a:p>
-            <a:endParaRPr lang="en-US" dirty="0"/>
-          </a:p>
-          <a:p>
-            <a:r>
-              <a:rPr lang="en-US" dirty="0"/>
-              <a:t>(Sigma error decrease with dx)</a:t>
+              <a:rPr lang="en-US" b="1" dirty="0"/>
+              <a:t>Specifying Grafted Points</a:t>
             </a:r>
           </a:p>
         </p:txBody>
@@ -4367,7 +4520,7 @@
     </p:spTree>
     <p:extLst>
       <p:ext uri="{BB962C8B-B14F-4D97-AF65-F5344CB8AC3E}">
-        <p14:creationId xmlns:p14="http://schemas.microsoft.com/office/powerpoint/2010/main" val="782308025"/>
+        <p14:creationId xmlns:p14="http://schemas.microsoft.com/office/powerpoint/2010/main" val="896468000"/>
       </p:ext>
     </p:extLst>
   </p:cSld>
@@ -4394,6 +4547,470 @@
           <a:chExt cx="0" cy="0"/>
         </a:xfrm>
       </p:grpSpPr>
+      <p:sp>
+        <p:nvSpPr>
+          <p:cNvPr id="2" name="Title 1">
+            <a:extLst>
+              <a:ext uri="{FF2B5EF4-FFF2-40B4-BE49-F238E27FC236}">
+                <a16:creationId xmlns:a16="http://schemas.microsoft.com/office/drawing/2014/main" id="{EC7A1061-086B-35E4-61C1-83C328D5548E}"/>
+              </a:ext>
+            </a:extLst>
+          </p:cNvPr>
+          <p:cNvSpPr>
+            <a:spLocks noGrp="1"/>
+          </p:cNvSpPr>
+          <p:nvPr>
+            <p:ph type="title"/>
+          </p:nvPr>
+        </p:nvSpPr>
+        <p:spPr/>
+        <p:txBody>
+          <a:bodyPr/>
+          <a:lstStyle/>
+          <a:p>
+            <a:r>
+              <a:rPr lang="en-US" dirty="0"/>
+              <a:t>Strategy</a:t>
+            </a:r>
+          </a:p>
+        </p:txBody>
+      </p:sp>
+      <p:sp>
+        <p:nvSpPr>
+          <p:cNvPr id="3" name="TextBox 2">
+            <a:extLst>
+              <a:ext uri="{FF2B5EF4-FFF2-40B4-BE49-F238E27FC236}">
+                <a16:creationId xmlns:a16="http://schemas.microsoft.com/office/drawing/2014/main" id="{66A4566B-D26D-18F7-2769-748D7813228B}"/>
+              </a:ext>
+            </a:extLst>
+          </p:cNvPr>
+          <p:cNvSpPr txBox="1"/>
+          <p:nvPr/>
+        </p:nvSpPr>
+        <p:spPr>
+          <a:xfrm>
+            <a:off x="714374" y="1895475"/>
+            <a:ext cx="7810500" cy="646331"/>
+          </a:xfrm>
+          <a:prstGeom prst="rect">
+            <a:avLst/>
+          </a:prstGeom>
+          <a:noFill/>
+        </p:spPr>
+        <p:txBody>
+          <a:bodyPr wrap="square" rtlCol="0">
+            <a:spAutoFit/>
+          </a:bodyPr>
+          <a:lstStyle/>
+          <a:p>
+            <a:r>
+              <a:rPr lang="en-US" dirty="0"/>
+              <a:t>2D binary array for surface sites of homogeneously grafted polymer given grafting density, simulation box size, and discretization (and assuming dx = </a:t>
+            </a:r>
+            <a:r>
+              <a:rPr lang="en-US" dirty="0" err="1"/>
+              <a:t>dy</a:t>
+            </a:r>
+            <a:r>
+              <a:rPr lang="en-US" dirty="0"/>
+              <a:t>)</a:t>
+            </a:r>
+          </a:p>
+        </p:txBody>
+      </p:sp>
+      <p:sp>
+        <p:nvSpPr>
+          <p:cNvPr id="4" name="TextBox 3">
+            <a:extLst>
+              <a:ext uri="{FF2B5EF4-FFF2-40B4-BE49-F238E27FC236}">
+                <a16:creationId xmlns:a16="http://schemas.microsoft.com/office/drawing/2014/main" id="{14B153E5-948B-4D25-2B1C-2231E4E7EBA6}"/>
+              </a:ext>
+            </a:extLst>
+          </p:cNvPr>
+          <p:cNvSpPr txBox="1"/>
+          <p:nvPr/>
+        </p:nvSpPr>
+        <p:spPr>
+          <a:xfrm>
+            <a:off x="714374" y="2776538"/>
+            <a:ext cx="11077575" cy="646331"/>
+          </a:xfrm>
+          <a:prstGeom prst="rect">
+            <a:avLst/>
+          </a:prstGeom>
+          <a:noFill/>
+        </p:spPr>
+        <p:txBody>
+          <a:bodyPr wrap="square" rtlCol="0">
+            <a:spAutoFit/>
+          </a:bodyPr>
+          <a:lstStyle/>
+          <a:p>
+            <a:r>
+              <a:rPr lang="en-US" dirty="0" err="1"/>
+              <a:t>Fullspace</a:t>
+            </a:r>
+            <a:r>
+              <a:rPr lang="en-US" dirty="0"/>
+              <a:t> must be periodic on x0 = </a:t>
+            </a:r>
+            <a:r>
+              <a:rPr lang="en-US" dirty="0" err="1"/>
+              <a:t>xL</a:t>
+            </a:r>
+            <a:r>
+              <a:rPr lang="en-US" dirty="0"/>
+              <a:t>, y0 = </a:t>
+            </a:r>
+            <a:r>
+              <a:rPr lang="en-US" dirty="0" err="1"/>
+              <a:t>yL</a:t>
+            </a:r>
+            <a:endParaRPr lang="en-US" dirty="0"/>
+          </a:p>
+          <a:p>
+            <a:r>
+              <a:rPr lang="en-US" dirty="0" err="1"/>
+              <a:t>Halfspace</a:t>
+            </a:r>
+            <a:r>
+              <a:rPr lang="en-US" dirty="0"/>
+              <a:t> must be even on </a:t>
+            </a:r>
+            <a:r>
+              <a:rPr lang="en-US" dirty="0" err="1"/>
+              <a:t>xL</a:t>
+            </a:r>
+            <a:r>
+              <a:rPr lang="en-US" dirty="0"/>
+              <a:t>/2 and </a:t>
+            </a:r>
+            <a:r>
+              <a:rPr lang="en-US" dirty="0" err="1"/>
+              <a:t>yL</a:t>
+            </a:r>
+            <a:r>
+              <a:rPr lang="en-US" dirty="0"/>
+              <a:t>/2 (overlap of boundary following REDFT00) and periodic on x0 = </a:t>
+            </a:r>
+            <a:r>
+              <a:rPr lang="en-US" dirty="0" err="1"/>
+              <a:t>xL</a:t>
+            </a:r>
+            <a:r>
+              <a:rPr lang="en-US" dirty="0"/>
+              <a:t>, y0 = </a:t>
+            </a:r>
+            <a:r>
+              <a:rPr lang="en-US" dirty="0" err="1"/>
+              <a:t>yL</a:t>
+            </a:r>
+            <a:r>
+              <a:rPr lang="en-US" dirty="0"/>
+              <a:t>.</a:t>
+            </a:r>
+          </a:p>
+        </p:txBody>
+      </p:sp>
+      <p:sp>
+        <p:nvSpPr>
+          <p:cNvPr id="5" name="TextBox 4">
+            <a:extLst>
+              <a:ext uri="{FF2B5EF4-FFF2-40B4-BE49-F238E27FC236}">
+                <a16:creationId xmlns:a16="http://schemas.microsoft.com/office/drawing/2014/main" id="{97078C71-47DB-0D25-8BE5-AD0C9CC3C9FD}"/>
+              </a:ext>
+            </a:extLst>
+          </p:cNvPr>
+          <p:cNvSpPr txBox="1"/>
+          <p:nvPr/>
+        </p:nvSpPr>
+        <p:spPr>
+          <a:xfrm>
+            <a:off x="714373" y="3812426"/>
+            <a:ext cx="11077575" cy="369332"/>
+          </a:xfrm>
+          <a:prstGeom prst="rect">
+            <a:avLst/>
+          </a:prstGeom>
+          <a:noFill/>
+        </p:spPr>
+        <p:txBody>
+          <a:bodyPr wrap="square" rtlCol="0">
+            <a:spAutoFit/>
+          </a:bodyPr>
+          <a:lstStyle/>
+          <a:p>
+            <a:r>
+              <a:rPr lang="en-US" dirty="0"/>
+              <a:t>Homogeneous spacing as determined by regular hexagon, where grafting point at centroid of hexagon</a:t>
+            </a:r>
+          </a:p>
+        </p:txBody>
+      </p:sp>
+      <p:sp>
+        <p:nvSpPr>
+          <p:cNvPr id="6" name="TextBox 5">
+            <a:extLst>
+              <a:ext uri="{FF2B5EF4-FFF2-40B4-BE49-F238E27FC236}">
+                <a16:creationId xmlns:a16="http://schemas.microsoft.com/office/drawing/2014/main" id="{067DDA30-EAF3-09E5-D289-BD5F06EA216D}"/>
+              </a:ext>
+            </a:extLst>
+          </p:cNvPr>
+          <p:cNvSpPr txBox="1"/>
+          <p:nvPr/>
+        </p:nvSpPr>
+        <p:spPr>
+          <a:xfrm>
+            <a:off x="714372" y="4508719"/>
+            <a:ext cx="11077575" cy="923330"/>
+          </a:xfrm>
+          <a:prstGeom prst="rect">
+            <a:avLst/>
+          </a:prstGeom>
+          <a:noFill/>
+        </p:spPr>
+        <p:txBody>
+          <a:bodyPr wrap="square" rtlCol="0">
+            <a:spAutoFit/>
+          </a:bodyPr>
+          <a:lstStyle/>
+          <a:p>
+            <a:r>
+              <a:rPr lang="en-US" dirty="0"/>
+              <a:t>In case there are edge effects, try shifting the centroids away from the boundaries of the </a:t>
+            </a:r>
+            <a:r>
+              <a:rPr lang="en-US" dirty="0" err="1"/>
+              <a:t>xy</a:t>
+            </a:r>
+            <a:r>
+              <a:rPr lang="en-US" dirty="0"/>
+              <a:t>-plane (only did for </a:t>
+            </a:r>
+            <a:r>
+              <a:rPr lang="en-US" dirty="0" err="1"/>
+              <a:t>fullspace</a:t>
+            </a:r>
+            <a:r>
+              <a:rPr lang="en-US" dirty="0"/>
+              <a:t>)</a:t>
+            </a:r>
+          </a:p>
+          <a:p>
+            <a:pPr marL="285750" indent="-285750">
+              <a:buFont typeface="Arial" panose="020B0604020202020204" pitchFamily="34" charset="0"/>
+              <a:buChar char="•"/>
+            </a:pPr>
+            <a:r>
+              <a:rPr lang="en-US" dirty="0"/>
+              <a:t>Make sure no edge effects by comparing results of full FFT with cos FFT</a:t>
+            </a:r>
+          </a:p>
+        </p:txBody>
+      </p:sp>
+    </p:spTree>
+    <p:extLst>
+      <p:ext uri="{BB962C8B-B14F-4D97-AF65-F5344CB8AC3E}">
+        <p14:creationId xmlns:p14="http://schemas.microsoft.com/office/powerpoint/2010/main" val="1764039423"/>
+      </p:ext>
+    </p:extLst>
+  </p:cSld>
+  <p:clrMapOvr>
+    <a:masterClrMapping/>
+  </p:clrMapOvr>
+</p:sld>
+</file>
+
+<file path=ppt/slides/slide7.xml><?xml version="1.0" encoding="utf-8"?>
+<p:sld xmlns:a="http://schemas.openxmlformats.org/drawingml/2006/main" xmlns:r="http://schemas.openxmlformats.org/officeDocument/2006/relationships" xmlns:p="http://schemas.openxmlformats.org/presentationml/2006/main">
+  <p:cSld>
+    <p:spTree>
+      <p:nvGrpSpPr>
+        <p:cNvPr id="1" name=""/>
+        <p:cNvGrpSpPr/>
+        <p:nvPr/>
+      </p:nvGrpSpPr>
+      <p:grpSpPr>
+        <a:xfrm>
+          <a:off x="0" y="0"/>
+          <a:ext cx="0" cy="0"/>
+          <a:chOff x="0" y="0"/>
+          <a:chExt cx="0" cy="0"/>
+        </a:xfrm>
+      </p:grpSpPr>
+      <p:sp>
+        <p:nvSpPr>
+          <p:cNvPr id="2" name="Title 1">
+            <a:extLst>
+              <a:ext uri="{FF2B5EF4-FFF2-40B4-BE49-F238E27FC236}">
+                <a16:creationId xmlns:a16="http://schemas.microsoft.com/office/drawing/2014/main" id="{A3926BC3-A860-346A-4F58-1EE4C3E7FB0F}"/>
+              </a:ext>
+            </a:extLst>
+          </p:cNvPr>
+          <p:cNvSpPr>
+            <a:spLocks noGrp="1"/>
+          </p:cNvSpPr>
+          <p:nvPr>
+            <p:ph type="title"/>
+          </p:nvPr>
+        </p:nvSpPr>
+        <p:spPr/>
+        <p:txBody>
+          <a:bodyPr/>
+          <a:lstStyle/>
+          <a:p>
+            <a:r>
+              <a:rPr lang="en-US" dirty="0"/>
+              <a:t>Test conditions</a:t>
+            </a:r>
+          </a:p>
+        </p:txBody>
+      </p:sp>
+      <p:sp>
+        <p:nvSpPr>
+          <p:cNvPr id="3" name="TextBox 2">
+            <a:extLst>
+              <a:ext uri="{FF2B5EF4-FFF2-40B4-BE49-F238E27FC236}">
+                <a16:creationId xmlns:a16="http://schemas.microsoft.com/office/drawing/2014/main" id="{A00B5138-8D53-B196-C54A-B372D20698D0}"/>
+              </a:ext>
+            </a:extLst>
+          </p:cNvPr>
+          <p:cNvSpPr txBox="1"/>
+          <p:nvPr/>
+        </p:nvSpPr>
+        <p:spPr>
+          <a:xfrm>
+            <a:off x="1192695" y="2186609"/>
+            <a:ext cx="7026965" cy="1200329"/>
+          </a:xfrm>
+          <a:prstGeom prst="rect">
+            <a:avLst/>
+          </a:prstGeom>
+          <a:noFill/>
+        </p:spPr>
+        <p:txBody>
+          <a:bodyPr wrap="square" rtlCol="0">
+            <a:spAutoFit/>
+          </a:bodyPr>
+          <a:lstStyle/>
+          <a:p>
+            <a:r>
+              <a:rPr lang="en-US" dirty="0"/>
+              <a:t>Sigma = 0.05 c/nm2</a:t>
+            </a:r>
+          </a:p>
+          <a:p>
+            <a:r>
+              <a:rPr lang="en-US" dirty="0"/>
+              <a:t>Lx = 15 nm</a:t>
+            </a:r>
+          </a:p>
+          <a:p>
+            <a:r>
+              <a:rPr lang="en-US" dirty="0"/>
+              <a:t>Ly = 15 nm</a:t>
+            </a:r>
+          </a:p>
+          <a:p>
+            <a:r>
+              <a:rPr lang="en-US" dirty="0"/>
+              <a:t>dx = 0.4 nm</a:t>
+            </a:r>
+          </a:p>
+        </p:txBody>
+      </p:sp>
+      <p:sp>
+        <p:nvSpPr>
+          <p:cNvPr id="4" name="TextBox 3">
+            <a:extLst>
+              <a:ext uri="{FF2B5EF4-FFF2-40B4-BE49-F238E27FC236}">
+                <a16:creationId xmlns:a16="http://schemas.microsoft.com/office/drawing/2014/main" id="{431FD48E-52DE-AC6E-5D2D-A03BFCBE0CEE}"/>
+              </a:ext>
+            </a:extLst>
+          </p:cNvPr>
+          <p:cNvSpPr txBox="1"/>
+          <p:nvPr/>
+        </p:nvSpPr>
+        <p:spPr>
+          <a:xfrm>
+            <a:off x="1192694" y="3776869"/>
+            <a:ext cx="7026965" cy="1754326"/>
+          </a:xfrm>
+          <a:prstGeom prst="rect">
+            <a:avLst/>
+          </a:prstGeom>
+          <a:noFill/>
+        </p:spPr>
+        <p:txBody>
+          <a:bodyPr wrap="square" rtlCol="0">
+            <a:spAutoFit/>
+          </a:bodyPr>
+          <a:lstStyle/>
+          <a:p>
+            <a:r>
+              <a:rPr lang="en-US" dirty="0"/>
+              <a:t>Cast in terms of dx (for rounding and PBC for grafting points): </a:t>
+            </a:r>
+          </a:p>
+          <a:p>
+            <a:r>
+              <a:rPr lang="en-US" dirty="0"/>
+              <a:t>	Sigma = 0.0668 c/nm2</a:t>
+            </a:r>
+          </a:p>
+          <a:p>
+            <a:r>
+              <a:rPr lang="en-US" dirty="0"/>
+              <a:t>	Lx = 14.80 nm</a:t>
+            </a:r>
+          </a:p>
+          <a:p>
+            <a:r>
+              <a:rPr lang="en-US" dirty="0"/>
+              <a:t>	Ly = 11.20 nm</a:t>
+            </a:r>
+          </a:p>
+          <a:p>
+            <a:endParaRPr lang="en-US" dirty="0"/>
+          </a:p>
+          <a:p>
+            <a:r>
+              <a:rPr lang="en-US" dirty="0"/>
+              <a:t>(Sigma error decrease with dx)</a:t>
+            </a:r>
+          </a:p>
+        </p:txBody>
+      </p:sp>
+    </p:spTree>
+    <p:extLst>
+      <p:ext uri="{BB962C8B-B14F-4D97-AF65-F5344CB8AC3E}">
+        <p14:creationId xmlns:p14="http://schemas.microsoft.com/office/powerpoint/2010/main" val="782308025"/>
+      </p:ext>
+    </p:extLst>
+  </p:cSld>
+  <p:clrMapOvr>
+    <a:masterClrMapping/>
+  </p:clrMapOvr>
+</p:sld>
+</file>
+
+<file path=ppt/slides/slide8.xml><?xml version="1.0" encoding="utf-8"?>
+<p:sld xmlns:a="http://schemas.openxmlformats.org/drawingml/2006/main" xmlns:r="http://schemas.openxmlformats.org/officeDocument/2006/relationships" xmlns:p="http://schemas.openxmlformats.org/presentationml/2006/main">
+  <p:cSld>
+    <p:spTree>
+      <p:nvGrpSpPr>
+        <p:cNvPr id="1" name=""/>
+        <p:cNvGrpSpPr/>
+        <p:nvPr/>
+      </p:nvGrpSpPr>
+      <p:grpSpPr>
+        <a:xfrm>
+          <a:off x="0" y="0"/>
+          <a:ext cx="0" cy="0"/>
+          <a:chOff x="0" y="0"/>
+          <a:chExt cx="0" cy="0"/>
+        </a:xfrm>
+      </p:grpSpPr>
       <p:pic>
         <p:nvPicPr>
           <p:cNvPr id="2" name="Picture 8">
@@ -6559,7 +7176,7 @@
 </p:sld>
 </file>
 
-<file path=ppt/slides/slide7.xml><?xml version="1.0" encoding="utf-8"?>
+<file path=ppt/slides/slide9.xml><?xml version="1.0" encoding="utf-8"?>
 <p:sld xmlns:a="http://schemas.openxmlformats.org/drawingml/2006/main" xmlns:r="http://schemas.openxmlformats.org/officeDocument/2006/relationships" xmlns:p="http://schemas.openxmlformats.org/presentationml/2006/main">
   <p:cSld>
     <p:spTree>
@@ -9072,490 +9689,6 @@
     <p:extLst>
       <p:ext uri="{BB962C8B-B14F-4D97-AF65-F5344CB8AC3E}">
         <p14:creationId xmlns:p14="http://schemas.microsoft.com/office/powerpoint/2010/main" val="1611097860"/>
-      </p:ext>
-    </p:extLst>
-  </p:cSld>
-  <p:clrMapOvr>
-    <a:masterClrMapping/>
-  </p:clrMapOvr>
-</p:sld>
-</file>
-
-<file path=ppt/slides/slide8.xml><?xml version="1.0" encoding="utf-8"?>
-<p:sld xmlns:a="http://schemas.openxmlformats.org/drawingml/2006/main" xmlns:r="http://schemas.openxmlformats.org/officeDocument/2006/relationships" xmlns:p="http://schemas.openxmlformats.org/presentationml/2006/main">
-  <p:cSld>
-    <p:spTree>
-      <p:nvGrpSpPr>
-        <p:cNvPr id="1" name=""/>
-        <p:cNvGrpSpPr/>
-        <p:nvPr/>
-      </p:nvGrpSpPr>
-      <p:grpSpPr>
-        <a:xfrm>
-          <a:off x="0" y="0"/>
-          <a:ext cx="0" cy="0"/>
-          <a:chOff x="0" y="0"/>
-          <a:chExt cx="0" cy="0"/>
-        </a:xfrm>
-      </p:grpSpPr>
-      <p:sp>
-        <p:nvSpPr>
-          <p:cNvPr id="2" name="Title 1">
-            <a:extLst>
-              <a:ext uri="{FF2B5EF4-FFF2-40B4-BE49-F238E27FC236}">
-                <a16:creationId xmlns:a16="http://schemas.microsoft.com/office/drawing/2014/main" id="{7E9C978C-CCAD-7918-309E-D2E0F8DABF7D}"/>
-              </a:ext>
-            </a:extLst>
-          </p:cNvPr>
-          <p:cNvSpPr>
-            <a:spLocks noGrp="1"/>
-          </p:cNvSpPr>
-          <p:nvPr>
-            <p:ph type="title"/>
-          </p:nvPr>
-        </p:nvSpPr>
-        <p:spPr/>
-        <p:txBody>
-          <a:bodyPr>
-            <a:normAutofit/>
-          </a:bodyPr>
-          <a:lstStyle/>
-          <a:p>
-            <a:r>
-              <a:rPr lang="en-US" dirty="0"/>
-              <a:t>Other conditions </a:t>
-            </a:r>
-            <a:br>
-              <a:rPr lang="en-US" dirty="0"/>
-            </a:br>
-            <a:r>
-              <a:rPr lang="en-US" sz="3600" dirty="0"/>
-              <a:t>(full and half results overlapped to show match)</a:t>
-            </a:r>
-          </a:p>
-        </p:txBody>
-      </p:sp>
-      <p:sp>
-        <p:nvSpPr>
-          <p:cNvPr id="4" name="TextBox 3">
-            <a:extLst>
-              <a:ext uri="{FF2B5EF4-FFF2-40B4-BE49-F238E27FC236}">
-                <a16:creationId xmlns:a16="http://schemas.microsoft.com/office/drawing/2014/main" id="{AC4A5B27-C4F3-1037-B614-0F2CAFB6D70B}"/>
-              </a:ext>
-            </a:extLst>
-          </p:cNvPr>
-          <p:cNvSpPr txBox="1"/>
-          <p:nvPr/>
-        </p:nvSpPr>
-        <p:spPr>
-          <a:xfrm>
-            <a:off x="1293052" y="1985653"/>
-            <a:ext cx="2993749" cy="646331"/>
-          </a:xfrm>
-          <a:prstGeom prst="rect">
-            <a:avLst/>
-          </a:prstGeom>
-          <a:noFill/>
-        </p:spPr>
-        <p:txBody>
-          <a:bodyPr wrap="square" rtlCol="0">
-            <a:spAutoFit/>
-          </a:bodyPr>
-          <a:lstStyle/>
-          <a:p>
-            <a:pPr algn="ctr"/>
-            <a:r>
-              <a:rPr lang="en-US" dirty="0"/>
-              <a:t>s = 0.0241 (20.28%; dx=0.4), </a:t>
-            </a:r>
-            <a:br>
-              <a:rPr lang="en-US" dirty="0"/>
-            </a:br>
-            <a:r>
-              <a:rPr lang="en-US" dirty="0"/>
-              <a:t>Lx, Ly = 12.40, 20.80</a:t>
-            </a:r>
-          </a:p>
-        </p:txBody>
-      </p:sp>
-      <p:pic>
-        <p:nvPicPr>
-          <p:cNvPr id="4112" name="Picture 16">
-            <a:extLst>
-              <a:ext uri="{FF2B5EF4-FFF2-40B4-BE49-F238E27FC236}">
-                <a16:creationId xmlns:a16="http://schemas.microsoft.com/office/drawing/2014/main" id="{6E4CE12C-CFDD-DB5A-13CF-014A50C5FE21}"/>
-              </a:ext>
-            </a:extLst>
-          </p:cNvPr>
-          <p:cNvPicPr>
-            <a:picLocks noChangeAspect="1" noChangeArrowheads="1"/>
-          </p:cNvPicPr>
-          <p:nvPr/>
-        </p:nvPicPr>
-        <p:blipFill>
-          <a:blip r:embed="rId2">
-            <a:alphaModFix amt="70000"/>
-            <a:extLst>
-              <a:ext uri="{28A0092B-C50C-407E-A947-70E740481C1C}">
-                <a14:useLocalDpi xmlns:a14="http://schemas.microsoft.com/office/drawing/2010/main" val="0"/>
-              </a:ext>
-            </a:extLst>
-          </a:blip>
-          <a:srcRect/>
-          <a:stretch>
-            <a:fillRect/>
-          </a:stretch>
-        </p:blipFill>
-        <p:spPr bwMode="auto">
-          <a:xfrm>
-            <a:off x="1670327" y="2923865"/>
-            <a:ext cx="2066911" cy="3253471"/>
-          </a:xfrm>
-          <a:prstGeom prst="rect">
-            <a:avLst/>
-          </a:prstGeom>
-          <a:noFill/>
-          <a:extLst>
-            <a:ext uri="{909E8E84-426E-40DD-AFC4-6F175D3DCCD1}">
-              <a14:hiddenFill xmlns:a14="http://schemas.microsoft.com/office/drawing/2010/main">
-                <a:solidFill>
-                  <a:srgbClr val="FFFFFF"/>
-                </a:solidFill>
-              </a14:hiddenFill>
-            </a:ext>
-          </a:extLst>
-        </p:spPr>
-      </p:pic>
-      <p:pic>
-        <p:nvPicPr>
-          <p:cNvPr id="4118" name="Picture 22">
-            <a:extLst>
-              <a:ext uri="{FF2B5EF4-FFF2-40B4-BE49-F238E27FC236}">
-                <a16:creationId xmlns:a16="http://schemas.microsoft.com/office/drawing/2014/main" id="{C1740158-C4AE-39C7-D7D0-D3DF2244A988}"/>
-              </a:ext>
-            </a:extLst>
-          </p:cNvPr>
-          <p:cNvPicPr>
-            <a:picLocks noChangeAspect="1" noChangeArrowheads="1"/>
-          </p:cNvPicPr>
-          <p:nvPr/>
-        </p:nvPicPr>
-        <p:blipFill>
-          <a:blip r:embed="rId3">
-            <a:alphaModFix amt="70000"/>
-            <a:extLst>
-              <a:ext uri="{28A0092B-C50C-407E-A947-70E740481C1C}">
-                <a14:useLocalDpi xmlns:a14="http://schemas.microsoft.com/office/drawing/2010/main" val="0"/>
-              </a:ext>
-            </a:extLst>
-          </a:blip>
-          <a:srcRect/>
-          <a:stretch>
-            <a:fillRect/>
-          </a:stretch>
-        </p:blipFill>
-        <p:spPr bwMode="auto">
-          <a:xfrm>
-            <a:off x="1397276" y="2757487"/>
-            <a:ext cx="2066911" cy="3253471"/>
-          </a:xfrm>
-          <a:prstGeom prst="rect">
-            <a:avLst/>
-          </a:prstGeom>
-          <a:noFill/>
-          <a:extLst>
-            <a:ext uri="{909E8E84-426E-40DD-AFC4-6F175D3DCCD1}">
-              <a14:hiddenFill xmlns:a14="http://schemas.microsoft.com/office/drawing/2010/main">
-                <a:solidFill>
-                  <a:srgbClr val="FFFFFF"/>
-                </a:solidFill>
-              </a14:hiddenFill>
-            </a:ext>
-          </a:extLst>
-        </p:spPr>
-      </p:pic>
-      <p:pic>
-        <p:nvPicPr>
-          <p:cNvPr id="4122" name="Picture 26">
-            <a:extLst>
-              <a:ext uri="{FF2B5EF4-FFF2-40B4-BE49-F238E27FC236}">
-                <a16:creationId xmlns:a16="http://schemas.microsoft.com/office/drawing/2014/main" id="{19FC9AF1-8341-7079-9C97-35A6C6E023E0}"/>
-              </a:ext>
-            </a:extLst>
-          </p:cNvPr>
-          <p:cNvPicPr>
-            <a:picLocks noChangeAspect="1" noChangeArrowheads="1"/>
-          </p:cNvPicPr>
-          <p:nvPr/>
-        </p:nvPicPr>
-        <p:blipFill>
-          <a:blip r:embed="rId4">
-            <a:alphaModFix amt="70000"/>
-            <a:extLst>
-              <a:ext uri="{28A0092B-C50C-407E-A947-70E740481C1C}">
-                <a14:useLocalDpi xmlns:a14="http://schemas.microsoft.com/office/drawing/2010/main" val="0"/>
-              </a:ext>
-            </a:extLst>
-          </a:blip>
-          <a:srcRect/>
-          <a:stretch>
-            <a:fillRect/>
-          </a:stretch>
-        </p:blipFill>
-        <p:spPr bwMode="auto">
-          <a:xfrm>
-            <a:off x="5419695" y="3037976"/>
-            <a:ext cx="2060605" cy="3184571"/>
-          </a:xfrm>
-          <a:prstGeom prst="rect">
-            <a:avLst/>
-          </a:prstGeom>
-          <a:noFill/>
-          <a:extLst>
-            <a:ext uri="{909E8E84-426E-40DD-AFC4-6F175D3DCCD1}">
-              <a14:hiddenFill xmlns:a14="http://schemas.microsoft.com/office/drawing/2010/main">
-                <a:solidFill>
-                  <a:srgbClr val="FFFFFF"/>
-                </a:solidFill>
-              </a14:hiddenFill>
-            </a:ext>
-          </a:extLst>
-        </p:spPr>
-      </p:pic>
-      <p:pic>
-        <p:nvPicPr>
-          <p:cNvPr id="4120" name="Picture 24">
-            <a:extLst>
-              <a:ext uri="{FF2B5EF4-FFF2-40B4-BE49-F238E27FC236}">
-                <a16:creationId xmlns:a16="http://schemas.microsoft.com/office/drawing/2014/main" id="{8546961E-DEEB-841D-1BC5-BFEC2470B0CB}"/>
-              </a:ext>
-            </a:extLst>
-          </p:cNvPr>
-          <p:cNvPicPr>
-            <a:picLocks noChangeAspect="1" noChangeArrowheads="1"/>
-          </p:cNvPicPr>
-          <p:nvPr/>
-        </p:nvPicPr>
-        <p:blipFill>
-          <a:blip r:embed="rId5">
-            <a:alphaModFix amt="70000"/>
-            <a:extLst>
-              <a:ext uri="{28A0092B-C50C-407E-A947-70E740481C1C}">
-                <a14:useLocalDpi xmlns:a14="http://schemas.microsoft.com/office/drawing/2010/main" val="0"/>
-              </a:ext>
-            </a:extLst>
-          </a:blip>
-          <a:srcRect/>
-          <a:stretch>
-            <a:fillRect/>
-          </a:stretch>
-        </p:blipFill>
-        <p:spPr bwMode="auto">
-          <a:xfrm>
-            <a:off x="5159114" y="2826387"/>
-            <a:ext cx="2060605" cy="3184571"/>
-          </a:xfrm>
-          <a:prstGeom prst="rect">
-            <a:avLst/>
-          </a:prstGeom>
-          <a:noFill/>
-          <a:extLst>
-            <a:ext uri="{909E8E84-426E-40DD-AFC4-6F175D3DCCD1}">
-              <a14:hiddenFill xmlns:a14="http://schemas.microsoft.com/office/drawing/2010/main">
-                <a:solidFill>
-                  <a:srgbClr val="FFFFFF"/>
-                </a:solidFill>
-              </a14:hiddenFill>
-            </a:ext>
-          </a:extLst>
-        </p:spPr>
-      </p:pic>
-      <p:sp>
-        <p:nvSpPr>
-          <p:cNvPr id="5" name="TextBox 4">
-            <a:extLst>
-              <a:ext uri="{FF2B5EF4-FFF2-40B4-BE49-F238E27FC236}">
-                <a16:creationId xmlns:a16="http://schemas.microsoft.com/office/drawing/2014/main" id="{69A49B6C-2617-00E0-38E0-62F1623A5446}"/>
-              </a:ext>
-            </a:extLst>
-          </p:cNvPr>
-          <p:cNvSpPr txBox="1"/>
-          <p:nvPr/>
-        </p:nvSpPr>
-        <p:spPr>
-          <a:xfrm>
-            <a:off x="5026300" y="1985653"/>
-            <a:ext cx="2688949" cy="646331"/>
-          </a:xfrm>
-          <a:prstGeom prst="rect">
-            <a:avLst/>
-          </a:prstGeom>
-          <a:noFill/>
-        </p:spPr>
-        <p:txBody>
-          <a:bodyPr wrap="square" rtlCol="0">
-            <a:spAutoFit/>
-          </a:bodyPr>
-          <a:lstStyle/>
-          <a:p>
-            <a:pPr algn="ctr"/>
-            <a:r>
-              <a:rPr lang="en-US" dirty="0"/>
-              <a:t>s = 0.0208 (4.08%; dx=0.1), </a:t>
-            </a:r>
-            <a:br>
-              <a:rPr lang="en-US" dirty="0"/>
-            </a:br>
-            <a:r>
-              <a:rPr lang="en-US" dirty="0"/>
-              <a:t>Lx, Ly = 12.90, 22.30</a:t>
-            </a:r>
-          </a:p>
-        </p:txBody>
-      </p:sp>
-      <p:pic>
-        <p:nvPicPr>
-          <p:cNvPr id="4126" name="Picture 30">
-            <a:extLst>
-              <a:ext uri="{FF2B5EF4-FFF2-40B4-BE49-F238E27FC236}">
-                <a16:creationId xmlns:a16="http://schemas.microsoft.com/office/drawing/2014/main" id="{7C8FC4FE-9F1C-CFA1-F45B-41FEBC57AA7B}"/>
-              </a:ext>
-            </a:extLst>
-          </p:cNvPr>
-          <p:cNvPicPr>
-            <a:picLocks noChangeAspect="1" noChangeArrowheads="1"/>
-          </p:cNvPicPr>
-          <p:nvPr/>
-        </p:nvPicPr>
-        <p:blipFill>
-          <a:blip r:embed="rId6">
-            <a:alphaModFix amt="70000"/>
-            <a:extLst>
-              <a:ext uri="{28A0092B-C50C-407E-A947-70E740481C1C}">
-                <a14:useLocalDpi xmlns:a14="http://schemas.microsoft.com/office/drawing/2010/main" val="0"/>
-              </a:ext>
-            </a:extLst>
-          </a:blip>
-          <a:srcRect/>
-          <a:stretch>
-            <a:fillRect/>
-          </a:stretch>
-        </p:blipFill>
-        <p:spPr bwMode="auto">
-          <a:xfrm>
-            <a:off x="8365356" y="3329297"/>
-            <a:ext cx="2769584" cy="2681661"/>
-          </a:xfrm>
-          <a:prstGeom prst="rect">
-            <a:avLst/>
-          </a:prstGeom>
-          <a:noFill/>
-          <a:extLst>
-            <a:ext uri="{909E8E84-426E-40DD-AFC4-6F175D3DCCD1}">
-              <a14:hiddenFill xmlns:a14="http://schemas.microsoft.com/office/drawing/2010/main">
-                <a:solidFill>
-                  <a:srgbClr val="FFFFFF"/>
-                </a:solidFill>
-              </a14:hiddenFill>
-            </a:ext>
-          </a:extLst>
-        </p:spPr>
-      </p:pic>
-      <p:pic>
-        <p:nvPicPr>
-          <p:cNvPr id="4128" name="Picture 32">
-            <a:extLst>
-              <a:ext uri="{FF2B5EF4-FFF2-40B4-BE49-F238E27FC236}">
-                <a16:creationId xmlns:a16="http://schemas.microsoft.com/office/drawing/2014/main" id="{345B1C86-B2DC-9085-2E2C-E6725D165415}"/>
-              </a:ext>
-            </a:extLst>
-          </p:cNvPr>
-          <p:cNvPicPr>
-            <a:picLocks noChangeAspect="1" noChangeArrowheads="1"/>
-          </p:cNvPicPr>
-          <p:nvPr/>
-        </p:nvPicPr>
-        <p:blipFill>
-          <a:blip r:embed="rId7">
-            <a:alphaModFix amt="70000"/>
-            <a:extLst>
-              <a:ext uri="{28A0092B-C50C-407E-A947-70E740481C1C}">
-                <a14:useLocalDpi xmlns:a14="http://schemas.microsoft.com/office/drawing/2010/main" val="0"/>
-              </a:ext>
-            </a:extLst>
-          </a:blip>
-          <a:srcRect/>
-          <a:stretch>
-            <a:fillRect/>
-          </a:stretch>
-        </p:blipFill>
-        <p:spPr bwMode="auto">
-          <a:xfrm>
-            <a:off x="8268288" y="3261139"/>
-            <a:ext cx="2769584" cy="2681661"/>
-          </a:xfrm>
-          <a:prstGeom prst="rect">
-            <a:avLst/>
-          </a:prstGeom>
-          <a:noFill/>
-          <a:extLst>
-            <a:ext uri="{909E8E84-426E-40DD-AFC4-6F175D3DCCD1}">
-              <a14:hiddenFill xmlns:a14="http://schemas.microsoft.com/office/drawing/2010/main">
-                <a:solidFill>
-                  <a:srgbClr val="FFFFFF"/>
-                </a:solidFill>
-              </a14:hiddenFill>
-            </a:ext>
-          </a:extLst>
-        </p:spPr>
-      </p:pic>
-      <p:sp>
-        <p:nvSpPr>
-          <p:cNvPr id="8" name="TextBox 7">
-            <a:extLst>
-              <a:ext uri="{FF2B5EF4-FFF2-40B4-BE49-F238E27FC236}">
-                <a16:creationId xmlns:a16="http://schemas.microsoft.com/office/drawing/2014/main" id="{3482F31C-3E88-A3D7-1754-79EA5AC7E36B}"/>
-              </a:ext>
-            </a:extLst>
-          </p:cNvPr>
-          <p:cNvSpPr txBox="1"/>
-          <p:nvPr/>
-        </p:nvSpPr>
-        <p:spPr>
-          <a:xfrm>
-            <a:off x="8454748" y="1962684"/>
-            <a:ext cx="2590800" cy="646331"/>
-          </a:xfrm>
-          <a:prstGeom prst="rect">
-            <a:avLst/>
-          </a:prstGeom>
-          <a:noFill/>
-        </p:spPr>
-        <p:txBody>
-          <a:bodyPr wrap="square" rtlCol="0">
-            <a:spAutoFit/>
-          </a:bodyPr>
-          <a:lstStyle/>
-          <a:p>
-            <a:pPr algn="ctr"/>
-            <a:r>
-              <a:rPr lang="en-US" dirty="0"/>
-              <a:t>s = 0.1332 (11%; dx=0.1), </a:t>
-            </a:r>
-            <a:br>
-              <a:rPr lang="en-US" dirty="0"/>
-            </a:br>
-            <a:r>
-              <a:rPr lang="en-US" dirty="0"/>
-              <a:t>Lx, Ly = 20.50, 20.40</a:t>
-            </a:r>
-          </a:p>
-        </p:txBody>
-      </p:sp>
-    </p:spTree>
-    <p:extLst>
-      <p:ext uri="{BB962C8B-B14F-4D97-AF65-F5344CB8AC3E}">
-        <p14:creationId xmlns:p14="http://schemas.microsoft.com/office/powerpoint/2010/main" val="1320488814"/>
       </p:ext>
     </p:extLst>
   </p:cSld>

--- a/SYSG3.pptx
+++ b/SYSG3.pptx
@@ -7,14 +7,15 @@
   <p:sldIdLst>
     <p:sldId id="271" r:id="rId2"/>
     <p:sldId id="268" r:id="rId3"/>
-    <p:sldId id="269" r:id="rId4"/>
-    <p:sldId id="270" r:id="rId5"/>
-    <p:sldId id="267" r:id="rId6"/>
-    <p:sldId id="266" r:id="rId7"/>
-    <p:sldId id="265" r:id="rId8"/>
-    <p:sldId id="258" r:id="rId9"/>
-    <p:sldId id="263" r:id="rId10"/>
-    <p:sldId id="264" r:id="rId11"/>
+    <p:sldId id="272" r:id="rId4"/>
+    <p:sldId id="269" r:id="rId5"/>
+    <p:sldId id="270" r:id="rId6"/>
+    <p:sldId id="267" r:id="rId7"/>
+    <p:sldId id="266" r:id="rId8"/>
+    <p:sldId id="265" r:id="rId9"/>
+    <p:sldId id="258" r:id="rId10"/>
+    <p:sldId id="263" r:id="rId11"/>
+    <p:sldId id="264" r:id="rId12"/>
   </p:sldIdLst>
   <p:sldSz cx="12192000" cy="6858000"/>
   <p:notesSz cx="6858000" cy="9144000"/>
@@ -3398,3801 +3399,6 @@
           <a:chExt cx="0" cy="0"/>
         </a:xfrm>
       </p:grpSpPr>
-      <p:sp>
-        <p:nvSpPr>
-          <p:cNvPr id="2" name="Title 1">
-            <a:extLst>
-              <a:ext uri="{FF2B5EF4-FFF2-40B4-BE49-F238E27FC236}">
-                <a16:creationId xmlns:a16="http://schemas.microsoft.com/office/drawing/2014/main" id="{7E9C978C-CCAD-7918-309E-D2E0F8DABF7D}"/>
-              </a:ext>
-            </a:extLst>
-          </p:cNvPr>
-          <p:cNvSpPr>
-            <a:spLocks noGrp="1"/>
-          </p:cNvSpPr>
-          <p:nvPr>
-            <p:ph type="title"/>
-          </p:nvPr>
-        </p:nvSpPr>
-        <p:spPr/>
-        <p:txBody>
-          <a:bodyPr>
-            <a:normAutofit/>
-          </a:bodyPr>
-          <a:lstStyle/>
-          <a:p>
-            <a:r>
-              <a:rPr lang="en-US" dirty="0"/>
-              <a:t>Other conditions </a:t>
-            </a:r>
-            <a:br>
-              <a:rPr lang="en-US" dirty="0"/>
-            </a:br>
-            <a:r>
-              <a:rPr lang="en-US" sz="3600" dirty="0"/>
-              <a:t>(full and half results overlapped to show match)</a:t>
-            </a:r>
-          </a:p>
-        </p:txBody>
-      </p:sp>
-      <p:sp>
-        <p:nvSpPr>
-          <p:cNvPr id="4" name="TextBox 3">
-            <a:extLst>
-              <a:ext uri="{FF2B5EF4-FFF2-40B4-BE49-F238E27FC236}">
-                <a16:creationId xmlns:a16="http://schemas.microsoft.com/office/drawing/2014/main" id="{AC4A5B27-C4F3-1037-B614-0F2CAFB6D70B}"/>
-              </a:ext>
-            </a:extLst>
-          </p:cNvPr>
-          <p:cNvSpPr txBox="1"/>
-          <p:nvPr/>
-        </p:nvSpPr>
-        <p:spPr>
-          <a:xfrm>
-            <a:off x="1293052" y="1985653"/>
-            <a:ext cx="2993749" cy="646331"/>
-          </a:xfrm>
-          <a:prstGeom prst="rect">
-            <a:avLst/>
-          </a:prstGeom>
-          <a:noFill/>
-        </p:spPr>
-        <p:txBody>
-          <a:bodyPr wrap="square" rtlCol="0">
-            <a:spAutoFit/>
-          </a:bodyPr>
-          <a:lstStyle/>
-          <a:p>
-            <a:pPr algn="ctr"/>
-            <a:r>
-              <a:rPr lang="en-US" dirty="0"/>
-              <a:t>s = 0.0241 (20.28%; dx=0.4), </a:t>
-            </a:r>
-            <a:br>
-              <a:rPr lang="en-US" dirty="0"/>
-            </a:br>
-            <a:r>
-              <a:rPr lang="en-US" dirty="0"/>
-              <a:t>Lx, Ly = 12.40, 20.80</a:t>
-            </a:r>
-          </a:p>
-        </p:txBody>
-      </p:sp>
-      <p:pic>
-        <p:nvPicPr>
-          <p:cNvPr id="4112" name="Picture 16">
-            <a:extLst>
-              <a:ext uri="{FF2B5EF4-FFF2-40B4-BE49-F238E27FC236}">
-                <a16:creationId xmlns:a16="http://schemas.microsoft.com/office/drawing/2014/main" id="{6E4CE12C-CFDD-DB5A-13CF-014A50C5FE21}"/>
-              </a:ext>
-            </a:extLst>
-          </p:cNvPr>
-          <p:cNvPicPr>
-            <a:picLocks noChangeAspect="1" noChangeArrowheads="1"/>
-          </p:cNvPicPr>
-          <p:nvPr/>
-        </p:nvPicPr>
-        <p:blipFill>
-          <a:blip r:embed="rId2">
-            <a:alphaModFix amt="70000"/>
-            <a:extLst>
-              <a:ext uri="{28A0092B-C50C-407E-A947-70E740481C1C}">
-                <a14:useLocalDpi xmlns:a14="http://schemas.microsoft.com/office/drawing/2010/main" val="0"/>
-              </a:ext>
-            </a:extLst>
-          </a:blip>
-          <a:srcRect/>
-          <a:stretch>
-            <a:fillRect/>
-          </a:stretch>
-        </p:blipFill>
-        <p:spPr bwMode="auto">
-          <a:xfrm>
-            <a:off x="1670327" y="2923865"/>
-            <a:ext cx="2066911" cy="3253471"/>
-          </a:xfrm>
-          <a:prstGeom prst="rect">
-            <a:avLst/>
-          </a:prstGeom>
-          <a:noFill/>
-          <a:extLst>
-            <a:ext uri="{909E8E84-426E-40DD-AFC4-6F175D3DCCD1}">
-              <a14:hiddenFill xmlns:a14="http://schemas.microsoft.com/office/drawing/2010/main">
-                <a:solidFill>
-                  <a:srgbClr val="FFFFFF"/>
-                </a:solidFill>
-              </a14:hiddenFill>
-            </a:ext>
-          </a:extLst>
-        </p:spPr>
-      </p:pic>
-      <p:pic>
-        <p:nvPicPr>
-          <p:cNvPr id="4118" name="Picture 22">
-            <a:extLst>
-              <a:ext uri="{FF2B5EF4-FFF2-40B4-BE49-F238E27FC236}">
-                <a16:creationId xmlns:a16="http://schemas.microsoft.com/office/drawing/2014/main" id="{C1740158-C4AE-39C7-D7D0-D3DF2244A988}"/>
-              </a:ext>
-            </a:extLst>
-          </p:cNvPr>
-          <p:cNvPicPr>
-            <a:picLocks noChangeAspect="1" noChangeArrowheads="1"/>
-          </p:cNvPicPr>
-          <p:nvPr/>
-        </p:nvPicPr>
-        <p:blipFill>
-          <a:blip r:embed="rId3">
-            <a:alphaModFix amt="70000"/>
-            <a:extLst>
-              <a:ext uri="{28A0092B-C50C-407E-A947-70E740481C1C}">
-                <a14:useLocalDpi xmlns:a14="http://schemas.microsoft.com/office/drawing/2010/main" val="0"/>
-              </a:ext>
-            </a:extLst>
-          </a:blip>
-          <a:srcRect/>
-          <a:stretch>
-            <a:fillRect/>
-          </a:stretch>
-        </p:blipFill>
-        <p:spPr bwMode="auto">
-          <a:xfrm>
-            <a:off x="1397276" y="2757487"/>
-            <a:ext cx="2066911" cy="3253471"/>
-          </a:xfrm>
-          <a:prstGeom prst="rect">
-            <a:avLst/>
-          </a:prstGeom>
-          <a:noFill/>
-          <a:extLst>
-            <a:ext uri="{909E8E84-426E-40DD-AFC4-6F175D3DCCD1}">
-              <a14:hiddenFill xmlns:a14="http://schemas.microsoft.com/office/drawing/2010/main">
-                <a:solidFill>
-                  <a:srgbClr val="FFFFFF"/>
-                </a:solidFill>
-              </a14:hiddenFill>
-            </a:ext>
-          </a:extLst>
-        </p:spPr>
-      </p:pic>
-      <p:pic>
-        <p:nvPicPr>
-          <p:cNvPr id="4122" name="Picture 26">
-            <a:extLst>
-              <a:ext uri="{FF2B5EF4-FFF2-40B4-BE49-F238E27FC236}">
-                <a16:creationId xmlns:a16="http://schemas.microsoft.com/office/drawing/2014/main" id="{19FC9AF1-8341-7079-9C97-35A6C6E023E0}"/>
-              </a:ext>
-            </a:extLst>
-          </p:cNvPr>
-          <p:cNvPicPr>
-            <a:picLocks noChangeAspect="1" noChangeArrowheads="1"/>
-          </p:cNvPicPr>
-          <p:nvPr/>
-        </p:nvPicPr>
-        <p:blipFill>
-          <a:blip r:embed="rId4">
-            <a:alphaModFix amt="70000"/>
-            <a:extLst>
-              <a:ext uri="{28A0092B-C50C-407E-A947-70E740481C1C}">
-                <a14:useLocalDpi xmlns:a14="http://schemas.microsoft.com/office/drawing/2010/main" val="0"/>
-              </a:ext>
-            </a:extLst>
-          </a:blip>
-          <a:srcRect/>
-          <a:stretch>
-            <a:fillRect/>
-          </a:stretch>
-        </p:blipFill>
-        <p:spPr bwMode="auto">
-          <a:xfrm>
-            <a:off x="5419695" y="3037976"/>
-            <a:ext cx="2060605" cy="3184571"/>
-          </a:xfrm>
-          <a:prstGeom prst="rect">
-            <a:avLst/>
-          </a:prstGeom>
-          <a:noFill/>
-          <a:extLst>
-            <a:ext uri="{909E8E84-426E-40DD-AFC4-6F175D3DCCD1}">
-              <a14:hiddenFill xmlns:a14="http://schemas.microsoft.com/office/drawing/2010/main">
-                <a:solidFill>
-                  <a:srgbClr val="FFFFFF"/>
-                </a:solidFill>
-              </a14:hiddenFill>
-            </a:ext>
-          </a:extLst>
-        </p:spPr>
-      </p:pic>
-      <p:pic>
-        <p:nvPicPr>
-          <p:cNvPr id="4120" name="Picture 24">
-            <a:extLst>
-              <a:ext uri="{FF2B5EF4-FFF2-40B4-BE49-F238E27FC236}">
-                <a16:creationId xmlns:a16="http://schemas.microsoft.com/office/drawing/2014/main" id="{8546961E-DEEB-841D-1BC5-BFEC2470B0CB}"/>
-              </a:ext>
-            </a:extLst>
-          </p:cNvPr>
-          <p:cNvPicPr>
-            <a:picLocks noChangeAspect="1" noChangeArrowheads="1"/>
-          </p:cNvPicPr>
-          <p:nvPr/>
-        </p:nvPicPr>
-        <p:blipFill>
-          <a:blip r:embed="rId5">
-            <a:alphaModFix amt="70000"/>
-            <a:extLst>
-              <a:ext uri="{28A0092B-C50C-407E-A947-70E740481C1C}">
-                <a14:useLocalDpi xmlns:a14="http://schemas.microsoft.com/office/drawing/2010/main" val="0"/>
-              </a:ext>
-            </a:extLst>
-          </a:blip>
-          <a:srcRect/>
-          <a:stretch>
-            <a:fillRect/>
-          </a:stretch>
-        </p:blipFill>
-        <p:spPr bwMode="auto">
-          <a:xfrm>
-            <a:off x="5159114" y="2826387"/>
-            <a:ext cx="2060605" cy="3184571"/>
-          </a:xfrm>
-          <a:prstGeom prst="rect">
-            <a:avLst/>
-          </a:prstGeom>
-          <a:noFill/>
-          <a:extLst>
-            <a:ext uri="{909E8E84-426E-40DD-AFC4-6F175D3DCCD1}">
-              <a14:hiddenFill xmlns:a14="http://schemas.microsoft.com/office/drawing/2010/main">
-                <a:solidFill>
-                  <a:srgbClr val="FFFFFF"/>
-                </a:solidFill>
-              </a14:hiddenFill>
-            </a:ext>
-          </a:extLst>
-        </p:spPr>
-      </p:pic>
-      <p:sp>
-        <p:nvSpPr>
-          <p:cNvPr id="5" name="TextBox 4">
-            <a:extLst>
-              <a:ext uri="{FF2B5EF4-FFF2-40B4-BE49-F238E27FC236}">
-                <a16:creationId xmlns:a16="http://schemas.microsoft.com/office/drawing/2014/main" id="{69A49B6C-2617-00E0-38E0-62F1623A5446}"/>
-              </a:ext>
-            </a:extLst>
-          </p:cNvPr>
-          <p:cNvSpPr txBox="1"/>
-          <p:nvPr/>
-        </p:nvSpPr>
-        <p:spPr>
-          <a:xfrm>
-            <a:off x="5026300" y="1985653"/>
-            <a:ext cx="2688949" cy="646331"/>
-          </a:xfrm>
-          <a:prstGeom prst="rect">
-            <a:avLst/>
-          </a:prstGeom>
-          <a:noFill/>
-        </p:spPr>
-        <p:txBody>
-          <a:bodyPr wrap="square" rtlCol="0">
-            <a:spAutoFit/>
-          </a:bodyPr>
-          <a:lstStyle/>
-          <a:p>
-            <a:pPr algn="ctr"/>
-            <a:r>
-              <a:rPr lang="en-US" dirty="0"/>
-              <a:t>s = 0.0208 (4.08%; dx=0.1), </a:t>
-            </a:r>
-            <a:br>
-              <a:rPr lang="en-US" dirty="0"/>
-            </a:br>
-            <a:r>
-              <a:rPr lang="en-US" dirty="0"/>
-              <a:t>Lx, Ly = 12.90, 22.30</a:t>
-            </a:r>
-          </a:p>
-        </p:txBody>
-      </p:sp>
-      <p:pic>
-        <p:nvPicPr>
-          <p:cNvPr id="4126" name="Picture 30">
-            <a:extLst>
-              <a:ext uri="{FF2B5EF4-FFF2-40B4-BE49-F238E27FC236}">
-                <a16:creationId xmlns:a16="http://schemas.microsoft.com/office/drawing/2014/main" id="{7C8FC4FE-9F1C-CFA1-F45B-41FEBC57AA7B}"/>
-              </a:ext>
-            </a:extLst>
-          </p:cNvPr>
-          <p:cNvPicPr>
-            <a:picLocks noChangeAspect="1" noChangeArrowheads="1"/>
-          </p:cNvPicPr>
-          <p:nvPr/>
-        </p:nvPicPr>
-        <p:blipFill>
-          <a:blip r:embed="rId6">
-            <a:alphaModFix amt="70000"/>
-            <a:extLst>
-              <a:ext uri="{28A0092B-C50C-407E-A947-70E740481C1C}">
-                <a14:useLocalDpi xmlns:a14="http://schemas.microsoft.com/office/drawing/2010/main" val="0"/>
-              </a:ext>
-            </a:extLst>
-          </a:blip>
-          <a:srcRect/>
-          <a:stretch>
-            <a:fillRect/>
-          </a:stretch>
-        </p:blipFill>
-        <p:spPr bwMode="auto">
-          <a:xfrm>
-            <a:off x="8365356" y="3329297"/>
-            <a:ext cx="2769584" cy="2681661"/>
-          </a:xfrm>
-          <a:prstGeom prst="rect">
-            <a:avLst/>
-          </a:prstGeom>
-          <a:noFill/>
-          <a:extLst>
-            <a:ext uri="{909E8E84-426E-40DD-AFC4-6F175D3DCCD1}">
-              <a14:hiddenFill xmlns:a14="http://schemas.microsoft.com/office/drawing/2010/main">
-                <a:solidFill>
-                  <a:srgbClr val="FFFFFF"/>
-                </a:solidFill>
-              </a14:hiddenFill>
-            </a:ext>
-          </a:extLst>
-        </p:spPr>
-      </p:pic>
-      <p:pic>
-        <p:nvPicPr>
-          <p:cNvPr id="4128" name="Picture 32">
-            <a:extLst>
-              <a:ext uri="{FF2B5EF4-FFF2-40B4-BE49-F238E27FC236}">
-                <a16:creationId xmlns:a16="http://schemas.microsoft.com/office/drawing/2014/main" id="{345B1C86-B2DC-9085-2E2C-E6725D165415}"/>
-              </a:ext>
-            </a:extLst>
-          </p:cNvPr>
-          <p:cNvPicPr>
-            <a:picLocks noChangeAspect="1" noChangeArrowheads="1"/>
-          </p:cNvPicPr>
-          <p:nvPr/>
-        </p:nvPicPr>
-        <p:blipFill>
-          <a:blip r:embed="rId7">
-            <a:alphaModFix amt="70000"/>
-            <a:extLst>
-              <a:ext uri="{28A0092B-C50C-407E-A947-70E740481C1C}">
-                <a14:useLocalDpi xmlns:a14="http://schemas.microsoft.com/office/drawing/2010/main" val="0"/>
-              </a:ext>
-            </a:extLst>
-          </a:blip>
-          <a:srcRect/>
-          <a:stretch>
-            <a:fillRect/>
-          </a:stretch>
-        </p:blipFill>
-        <p:spPr bwMode="auto">
-          <a:xfrm>
-            <a:off x="8268288" y="3261139"/>
-            <a:ext cx="2769584" cy="2681661"/>
-          </a:xfrm>
-          <a:prstGeom prst="rect">
-            <a:avLst/>
-          </a:prstGeom>
-          <a:noFill/>
-          <a:extLst>
-            <a:ext uri="{909E8E84-426E-40DD-AFC4-6F175D3DCCD1}">
-              <a14:hiddenFill xmlns:a14="http://schemas.microsoft.com/office/drawing/2010/main">
-                <a:solidFill>
-                  <a:srgbClr val="FFFFFF"/>
-                </a:solidFill>
-              </a14:hiddenFill>
-            </a:ext>
-          </a:extLst>
-        </p:spPr>
-      </p:pic>
-      <p:sp>
-        <p:nvSpPr>
-          <p:cNvPr id="8" name="TextBox 7">
-            <a:extLst>
-              <a:ext uri="{FF2B5EF4-FFF2-40B4-BE49-F238E27FC236}">
-                <a16:creationId xmlns:a16="http://schemas.microsoft.com/office/drawing/2014/main" id="{3482F31C-3E88-A3D7-1754-79EA5AC7E36B}"/>
-              </a:ext>
-            </a:extLst>
-          </p:cNvPr>
-          <p:cNvSpPr txBox="1"/>
-          <p:nvPr/>
-        </p:nvSpPr>
-        <p:spPr>
-          <a:xfrm>
-            <a:off x="8454748" y="1962684"/>
-            <a:ext cx="2590800" cy="646331"/>
-          </a:xfrm>
-          <a:prstGeom prst="rect">
-            <a:avLst/>
-          </a:prstGeom>
-          <a:noFill/>
-        </p:spPr>
-        <p:txBody>
-          <a:bodyPr wrap="square" rtlCol="0">
-            <a:spAutoFit/>
-          </a:bodyPr>
-          <a:lstStyle/>
-          <a:p>
-            <a:pPr algn="ctr"/>
-            <a:r>
-              <a:rPr lang="en-US" dirty="0"/>
-              <a:t>s = 0.1332 (11%; dx=0.1), </a:t>
-            </a:r>
-            <a:br>
-              <a:rPr lang="en-US" dirty="0"/>
-            </a:br>
-            <a:r>
-              <a:rPr lang="en-US" dirty="0"/>
-              <a:t>Lx, Ly = 20.50, 20.40</a:t>
-            </a:r>
-          </a:p>
-        </p:txBody>
-      </p:sp>
-    </p:spTree>
-    <p:extLst>
-      <p:ext uri="{BB962C8B-B14F-4D97-AF65-F5344CB8AC3E}">
-        <p14:creationId xmlns:p14="http://schemas.microsoft.com/office/powerpoint/2010/main" val="1320488814"/>
-      </p:ext>
-    </p:extLst>
-  </p:cSld>
-  <p:clrMapOvr>
-    <a:masterClrMapping/>
-  </p:clrMapOvr>
-</p:sld>
-</file>
-
-<file path=ppt/slides/slide2.xml><?xml version="1.0" encoding="utf-8"?>
-<p:sld xmlns:a="http://schemas.openxmlformats.org/drawingml/2006/main" xmlns:r="http://schemas.openxmlformats.org/officeDocument/2006/relationships" xmlns:p="http://schemas.openxmlformats.org/presentationml/2006/main">
-  <p:cSld>
-    <p:spTree>
-      <p:nvGrpSpPr>
-        <p:cNvPr id="1" name=""/>
-        <p:cNvGrpSpPr/>
-        <p:nvPr/>
-      </p:nvGrpSpPr>
-      <p:grpSpPr>
-        <a:xfrm>
-          <a:off x="0" y="0"/>
-          <a:ext cx="0" cy="0"/>
-          <a:chOff x="0" y="0"/>
-          <a:chExt cx="0" cy="0"/>
-        </a:xfrm>
-      </p:grpSpPr>
-      <p:sp>
-        <p:nvSpPr>
-          <p:cNvPr id="2" name="Title 1">
-            <a:extLst>
-              <a:ext uri="{FF2B5EF4-FFF2-40B4-BE49-F238E27FC236}">
-                <a16:creationId xmlns:a16="http://schemas.microsoft.com/office/drawing/2014/main" id="{C85E3C9C-7526-B303-905F-886077E16C39}"/>
-              </a:ext>
-            </a:extLst>
-          </p:cNvPr>
-          <p:cNvSpPr>
-            <a:spLocks noGrp="1"/>
-          </p:cNvSpPr>
-          <p:nvPr>
-            <p:ph type="title"/>
-          </p:nvPr>
-        </p:nvSpPr>
-        <p:spPr>
-          <a:xfrm>
-            <a:off x="838200" y="0"/>
-            <a:ext cx="10515600" cy="1325563"/>
-          </a:xfrm>
-        </p:spPr>
-        <p:txBody>
-          <a:bodyPr/>
-          <a:lstStyle/>
-          <a:p>
-            <a:r>
-              <a:rPr lang="en-US" dirty="0"/>
-              <a:t>z-</a:t>
-            </a:r>
-            <a:r>
-              <a:rPr lang="en-US" b="1" dirty="0"/>
-              <a:t>FFT</a:t>
-            </a:r>
-            <a:r>
-              <a:rPr lang="en-US" dirty="0"/>
-              <a:t> vs z-</a:t>
-            </a:r>
-            <a:r>
-              <a:rPr lang="en-US" b="1" dirty="0"/>
-              <a:t>FD</a:t>
-            </a:r>
-            <a:r>
-              <a:rPr lang="en-US" dirty="0"/>
-              <a:t> (MDE) – REDFT01 </a:t>
-            </a:r>
-            <a:r>
-              <a:rPr lang="en-US" dirty="0" err="1"/>
-              <a:t>xy</a:t>
-            </a:r>
-            <a:r>
-              <a:rPr lang="en-US" dirty="0"/>
-              <a:t>(z)</a:t>
-            </a:r>
-          </a:p>
-        </p:txBody>
-      </p:sp>
-      <p:sp>
-        <p:nvSpPr>
-          <p:cNvPr id="3" name="TextBox 2">
-            <a:extLst>
-              <a:ext uri="{FF2B5EF4-FFF2-40B4-BE49-F238E27FC236}">
-                <a16:creationId xmlns:a16="http://schemas.microsoft.com/office/drawing/2014/main" id="{99A2CDED-1526-FA46-5D91-2DC74B6F0C37}"/>
-              </a:ext>
-            </a:extLst>
-          </p:cNvPr>
-          <p:cNvSpPr txBox="1"/>
-          <p:nvPr/>
-        </p:nvSpPr>
-        <p:spPr>
-          <a:xfrm>
-            <a:off x="838200" y="1053198"/>
-            <a:ext cx="7010401" cy="646331"/>
-          </a:xfrm>
-          <a:prstGeom prst="rect">
-            <a:avLst/>
-          </a:prstGeom>
-          <a:noFill/>
-        </p:spPr>
-        <p:txBody>
-          <a:bodyPr wrap="square" rtlCol="0">
-            <a:spAutoFit/>
-          </a:bodyPr>
-          <a:lstStyle/>
-          <a:p>
-            <a:r>
-              <a:rPr lang="en-US" dirty="0"/>
-              <a:t>Lx = 5, Ly = 5, </a:t>
-            </a:r>
-            <a:r>
-              <a:rPr lang="en-US" dirty="0" err="1"/>
-              <a:t>Lz</a:t>
-            </a:r>
-            <a:r>
-              <a:rPr lang="en-US" dirty="0"/>
-              <a:t> = 50. s = 0.02. x = 0.75. a = 0.00</a:t>
-            </a:r>
-          </a:p>
-          <a:p>
-            <a:r>
-              <a:rPr lang="en-US" dirty="0"/>
-              <a:t>3D vs 1D (dashed): </a:t>
-            </a:r>
-            <a:r>
-              <a:rPr lang="en-US" dirty="0" err="1"/>
-              <a:t>dz</a:t>
-            </a:r>
-            <a:r>
-              <a:rPr lang="en-US" dirty="0"/>
-              <a:t> = 0.5, ds = 0.20; dz_1D = 0.113, ds_1D = 0.083</a:t>
-            </a:r>
-          </a:p>
-        </p:txBody>
-      </p:sp>
-      <p:sp>
-        <p:nvSpPr>
-          <p:cNvPr id="20" name="TextBox 19">
-            <a:extLst>
-              <a:ext uri="{FF2B5EF4-FFF2-40B4-BE49-F238E27FC236}">
-                <a16:creationId xmlns:a16="http://schemas.microsoft.com/office/drawing/2014/main" id="{F67FA53E-0EE8-AAF7-18FE-84614DDB84DE}"/>
-              </a:ext>
-            </a:extLst>
-          </p:cNvPr>
-          <p:cNvSpPr txBox="1"/>
-          <p:nvPr/>
-        </p:nvSpPr>
-        <p:spPr>
-          <a:xfrm>
-            <a:off x="5631059" y="2915880"/>
-            <a:ext cx="1286933" cy="369332"/>
-          </a:xfrm>
-          <a:prstGeom prst="rect">
-            <a:avLst/>
-          </a:prstGeom>
-          <a:noFill/>
-        </p:spPr>
-        <p:txBody>
-          <a:bodyPr wrap="square" rtlCol="0">
-            <a:spAutoFit/>
-          </a:bodyPr>
-          <a:lstStyle/>
-          <a:p>
-            <a:r>
-              <a:rPr lang="en-US" dirty="0"/>
-              <a:t>FFT (</a:t>
-            </a:r>
-            <a:r>
-              <a:rPr lang="en-US" dirty="0" err="1"/>
-              <a:t>yz</a:t>
-            </a:r>
-            <a:r>
-              <a:rPr lang="en-US" dirty="0"/>
-              <a:t>)</a:t>
-            </a:r>
-          </a:p>
-        </p:txBody>
-      </p:sp>
-      <p:sp>
-        <p:nvSpPr>
-          <p:cNvPr id="21" name="TextBox 20">
-            <a:extLst>
-              <a:ext uri="{FF2B5EF4-FFF2-40B4-BE49-F238E27FC236}">
-                <a16:creationId xmlns:a16="http://schemas.microsoft.com/office/drawing/2014/main" id="{8975F4F8-1D5E-2B6C-439A-E0008683786D}"/>
-              </a:ext>
-            </a:extLst>
-          </p:cNvPr>
-          <p:cNvSpPr txBox="1"/>
-          <p:nvPr/>
-        </p:nvSpPr>
-        <p:spPr>
-          <a:xfrm>
-            <a:off x="5631059" y="5330398"/>
-            <a:ext cx="1286933" cy="369332"/>
-          </a:xfrm>
-          <a:prstGeom prst="rect">
-            <a:avLst/>
-          </a:prstGeom>
-          <a:noFill/>
-        </p:spPr>
-        <p:txBody>
-          <a:bodyPr wrap="square" rtlCol="0">
-            <a:spAutoFit/>
-          </a:bodyPr>
-          <a:lstStyle/>
-          <a:p>
-            <a:r>
-              <a:rPr lang="en-US" dirty="0"/>
-              <a:t>FD (</a:t>
-            </a:r>
-            <a:r>
-              <a:rPr lang="en-US" dirty="0" err="1"/>
-              <a:t>yz</a:t>
-            </a:r>
-            <a:r>
-              <a:rPr lang="en-US" dirty="0"/>
-              <a:t>)</a:t>
-            </a:r>
-          </a:p>
-        </p:txBody>
-      </p:sp>
-      <p:pic>
-        <p:nvPicPr>
-          <p:cNvPr id="25" name="Picture 24">
-            <a:extLst>
-              <a:ext uri="{FF2B5EF4-FFF2-40B4-BE49-F238E27FC236}">
-                <a16:creationId xmlns:a16="http://schemas.microsoft.com/office/drawing/2014/main" id="{BFB8AF76-977E-BF34-4D5F-6F1115EF2823}"/>
-              </a:ext>
-            </a:extLst>
-          </p:cNvPr>
-          <p:cNvPicPr>
-            <a:picLocks noChangeAspect="1"/>
-          </p:cNvPicPr>
-          <p:nvPr/>
-        </p:nvPicPr>
-        <p:blipFill>
-          <a:blip r:embed="rId2"/>
-          <a:stretch>
-            <a:fillRect/>
-          </a:stretch>
-        </p:blipFill>
-        <p:spPr>
-          <a:xfrm>
-            <a:off x="7276364" y="4360365"/>
-            <a:ext cx="2924742" cy="2424728"/>
-          </a:xfrm>
-          <a:prstGeom prst="rect">
-            <a:avLst/>
-          </a:prstGeom>
-        </p:spPr>
-      </p:pic>
-      <p:pic>
-        <p:nvPicPr>
-          <p:cNvPr id="27" name="Picture 26">
-            <a:extLst>
-              <a:ext uri="{FF2B5EF4-FFF2-40B4-BE49-F238E27FC236}">
-                <a16:creationId xmlns:a16="http://schemas.microsoft.com/office/drawing/2014/main" id="{277F92A0-71CE-490F-B258-ED7EC95866E9}"/>
-              </a:ext>
-            </a:extLst>
-          </p:cNvPr>
-          <p:cNvPicPr>
-            <a:picLocks noChangeAspect="1"/>
-          </p:cNvPicPr>
-          <p:nvPr/>
-        </p:nvPicPr>
-        <p:blipFill>
-          <a:blip r:embed="rId3"/>
-          <a:stretch>
-            <a:fillRect/>
-          </a:stretch>
-        </p:blipFill>
-        <p:spPr>
-          <a:xfrm>
-            <a:off x="10402909" y="2613996"/>
-            <a:ext cx="494780" cy="2823542"/>
-          </a:xfrm>
-          <a:prstGeom prst="rect">
-            <a:avLst/>
-          </a:prstGeom>
-        </p:spPr>
-      </p:pic>
-      <p:sp>
-        <p:nvSpPr>
-          <p:cNvPr id="28" name="TextBox 27">
-            <a:extLst>
-              <a:ext uri="{FF2B5EF4-FFF2-40B4-BE49-F238E27FC236}">
-                <a16:creationId xmlns:a16="http://schemas.microsoft.com/office/drawing/2014/main" id="{209381BF-3B92-7C87-83D1-6D10AFC3C731}"/>
-              </a:ext>
-            </a:extLst>
-          </p:cNvPr>
-          <p:cNvSpPr txBox="1"/>
-          <p:nvPr/>
-        </p:nvSpPr>
-        <p:spPr>
-          <a:xfrm>
-            <a:off x="8289087" y="4206848"/>
-            <a:ext cx="1286933" cy="369332"/>
-          </a:xfrm>
-          <a:prstGeom prst="rect">
-            <a:avLst/>
-          </a:prstGeom>
-          <a:noFill/>
-        </p:spPr>
-        <p:txBody>
-          <a:bodyPr wrap="square" rtlCol="0">
-            <a:spAutoFit/>
-          </a:bodyPr>
-          <a:lstStyle/>
-          <a:p>
-            <a:pPr algn="ctr"/>
-            <a:r>
-              <a:rPr lang="en-US" dirty="0"/>
-              <a:t>FD (</a:t>
-            </a:r>
-            <a:r>
-              <a:rPr lang="en-US" dirty="0" err="1"/>
-              <a:t>xyz</a:t>
-            </a:r>
-            <a:r>
-              <a:rPr lang="en-US" dirty="0"/>
-              <a:t>)</a:t>
-            </a:r>
-          </a:p>
-        </p:txBody>
-      </p:sp>
-      <p:pic>
-        <p:nvPicPr>
-          <p:cNvPr id="30" name="Picture 29">
-            <a:extLst>
-              <a:ext uri="{FF2B5EF4-FFF2-40B4-BE49-F238E27FC236}">
-                <a16:creationId xmlns:a16="http://schemas.microsoft.com/office/drawing/2014/main" id="{78FFD473-8BB3-1A61-FCA5-1FC80C0BC590}"/>
-              </a:ext>
-            </a:extLst>
-          </p:cNvPr>
-          <p:cNvPicPr>
-            <a:picLocks noChangeAspect="1"/>
-          </p:cNvPicPr>
-          <p:nvPr/>
-        </p:nvPicPr>
-        <p:blipFill>
-          <a:blip r:embed="rId4"/>
-          <a:stretch>
-            <a:fillRect/>
-          </a:stretch>
-        </p:blipFill>
-        <p:spPr>
-          <a:xfrm>
-            <a:off x="7217123" y="1758796"/>
-            <a:ext cx="2924741" cy="2400807"/>
-          </a:xfrm>
-          <a:prstGeom prst="rect">
-            <a:avLst/>
-          </a:prstGeom>
-        </p:spPr>
-      </p:pic>
-      <p:sp>
-        <p:nvSpPr>
-          <p:cNvPr id="31" name="TextBox 30">
-            <a:extLst>
-              <a:ext uri="{FF2B5EF4-FFF2-40B4-BE49-F238E27FC236}">
-                <a16:creationId xmlns:a16="http://schemas.microsoft.com/office/drawing/2014/main" id="{18ED4AF3-A406-8565-DA72-D4AD2194F5BA}"/>
-              </a:ext>
-            </a:extLst>
-          </p:cNvPr>
-          <p:cNvSpPr txBox="1"/>
-          <p:nvPr/>
-        </p:nvSpPr>
-        <p:spPr>
-          <a:xfrm>
-            <a:off x="8207324" y="1542436"/>
-            <a:ext cx="1286933" cy="369332"/>
-          </a:xfrm>
-          <a:prstGeom prst="rect">
-            <a:avLst/>
-          </a:prstGeom>
-          <a:noFill/>
-        </p:spPr>
-        <p:txBody>
-          <a:bodyPr wrap="square" rtlCol="0">
-            <a:spAutoFit/>
-          </a:bodyPr>
-          <a:lstStyle/>
-          <a:p>
-            <a:pPr algn="ctr"/>
-            <a:r>
-              <a:rPr lang="en-US" dirty="0"/>
-              <a:t>FFT (</a:t>
-            </a:r>
-            <a:r>
-              <a:rPr lang="en-US" dirty="0" err="1"/>
-              <a:t>xyz</a:t>
-            </a:r>
-            <a:r>
-              <a:rPr lang="en-US" dirty="0"/>
-              <a:t>)</a:t>
-            </a:r>
-          </a:p>
-        </p:txBody>
-      </p:sp>
-      <p:pic>
-        <p:nvPicPr>
-          <p:cNvPr id="33" name="Picture 32">
-            <a:extLst>
-              <a:ext uri="{FF2B5EF4-FFF2-40B4-BE49-F238E27FC236}">
-                <a16:creationId xmlns:a16="http://schemas.microsoft.com/office/drawing/2014/main" id="{8A416B42-D87E-6D63-353D-AEFC11CDA848}"/>
-              </a:ext>
-            </a:extLst>
-          </p:cNvPr>
-          <p:cNvPicPr>
-            <a:picLocks noChangeAspect="1"/>
-          </p:cNvPicPr>
-          <p:nvPr/>
-        </p:nvPicPr>
-        <p:blipFill>
-          <a:blip r:embed="rId5"/>
-          <a:stretch>
-            <a:fillRect/>
-          </a:stretch>
-        </p:blipFill>
-        <p:spPr>
-          <a:xfrm>
-            <a:off x="559323" y="1845857"/>
-            <a:ext cx="4743557" cy="2617701"/>
-          </a:xfrm>
-          <a:prstGeom prst="rect">
-            <a:avLst/>
-          </a:prstGeom>
-        </p:spPr>
-      </p:pic>
-      <p:pic>
-        <p:nvPicPr>
-          <p:cNvPr id="35" name="Picture 34">
-            <a:extLst>
-              <a:ext uri="{FF2B5EF4-FFF2-40B4-BE49-F238E27FC236}">
-                <a16:creationId xmlns:a16="http://schemas.microsoft.com/office/drawing/2014/main" id="{59D6BC34-1A92-352E-9C7D-0EE004A4C94A}"/>
-              </a:ext>
-            </a:extLst>
-          </p:cNvPr>
-          <p:cNvPicPr>
-            <a:picLocks noChangeAspect="1"/>
-          </p:cNvPicPr>
-          <p:nvPr/>
-        </p:nvPicPr>
-        <p:blipFill>
-          <a:blip r:embed="rId6"/>
-          <a:stretch>
-            <a:fillRect/>
-          </a:stretch>
-        </p:blipFill>
-        <p:spPr>
-          <a:xfrm>
-            <a:off x="576871" y="4213354"/>
-            <a:ext cx="4768342" cy="2617701"/>
-          </a:xfrm>
-          <a:prstGeom prst="rect">
-            <a:avLst/>
-          </a:prstGeom>
-        </p:spPr>
-      </p:pic>
-    </p:spTree>
-    <p:extLst>
-      <p:ext uri="{BB962C8B-B14F-4D97-AF65-F5344CB8AC3E}">
-        <p14:creationId xmlns:p14="http://schemas.microsoft.com/office/powerpoint/2010/main" val="2184982505"/>
-      </p:ext>
-    </p:extLst>
-  </p:cSld>
-  <p:clrMapOvr>
-    <a:masterClrMapping/>
-  </p:clrMapOvr>
-</p:sld>
-</file>
-
-<file path=ppt/slides/slide3.xml><?xml version="1.0" encoding="utf-8"?>
-<p:sld xmlns:a="http://schemas.openxmlformats.org/drawingml/2006/main" xmlns:r="http://schemas.openxmlformats.org/officeDocument/2006/relationships" xmlns:p="http://schemas.openxmlformats.org/presentationml/2006/main">
-  <p:cSld>
-    <p:spTree>
-      <p:nvGrpSpPr>
-        <p:cNvPr id="1" name=""/>
-        <p:cNvGrpSpPr/>
-        <p:nvPr/>
-      </p:nvGrpSpPr>
-      <p:grpSpPr>
-        <a:xfrm>
-          <a:off x="0" y="0"/>
-          <a:ext cx="0" cy="0"/>
-          <a:chOff x="0" y="0"/>
-          <a:chExt cx="0" cy="0"/>
-        </a:xfrm>
-      </p:grpSpPr>
-      <p:sp>
-        <p:nvSpPr>
-          <p:cNvPr id="2" name="Title 1">
-            <a:extLst>
-              <a:ext uri="{FF2B5EF4-FFF2-40B4-BE49-F238E27FC236}">
-                <a16:creationId xmlns:a16="http://schemas.microsoft.com/office/drawing/2014/main" id="{C872131D-FE4F-A224-AF09-4A0D93F4B83D}"/>
-              </a:ext>
-            </a:extLst>
-          </p:cNvPr>
-          <p:cNvSpPr>
-            <a:spLocks noGrp="1"/>
-          </p:cNvSpPr>
-          <p:nvPr>
-            <p:ph type="title"/>
-          </p:nvPr>
-        </p:nvSpPr>
-        <p:spPr>
-          <a:xfrm>
-            <a:off x="0" y="0"/>
-            <a:ext cx="10515600" cy="846667"/>
-          </a:xfrm>
-        </p:spPr>
-        <p:txBody>
-          <a:bodyPr/>
-          <a:lstStyle/>
-          <a:p>
-            <a:r>
-              <a:rPr lang="en-US" dirty="0"/>
-              <a:t>Parameter space (s, x, cs, N)</a:t>
-            </a:r>
-          </a:p>
-        </p:txBody>
-      </p:sp>
-    </p:spTree>
-    <p:extLst>
-      <p:ext uri="{BB962C8B-B14F-4D97-AF65-F5344CB8AC3E}">
-        <p14:creationId xmlns:p14="http://schemas.microsoft.com/office/powerpoint/2010/main" val="3387991481"/>
-      </p:ext>
-    </p:extLst>
-  </p:cSld>
-  <p:clrMapOvr>
-    <a:masterClrMapping/>
-  </p:clrMapOvr>
-</p:sld>
-</file>
-
-<file path=ppt/slides/slide4.xml><?xml version="1.0" encoding="utf-8"?>
-<p:sld xmlns:a="http://schemas.openxmlformats.org/drawingml/2006/main" xmlns:r="http://schemas.openxmlformats.org/officeDocument/2006/relationships" xmlns:p="http://schemas.openxmlformats.org/presentationml/2006/main">
-  <p:cSld>
-    <p:spTree>
-      <p:nvGrpSpPr>
-        <p:cNvPr id="1" name=""/>
-        <p:cNvGrpSpPr/>
-        <p:nvPr/>
-      </p:nvGrpSpPr>
-      <p:grpSpPr>
-        <a:xfrm>
-          <a:off x="0" y="0"/>
-          <a:ext cx="0" cy="0"/>
-          <a:chOff x="0" y="0"/>
-          <a:chExt cx="0" cy="0"/>
-        </a:xfrm>
-      </p:grpSpPr>
-      <p:sp>
-        <p:nvSpPr>
-          <p:cNvPr id="2" name="Title 1">
-            <a:extLst>
-              <a:ext uri="{FF2B5EF4-FFF2-40B4-BE49-F238E27FC236}">
-                <a16:creationId xmlns:a16="http://schemas.microsoft.com/office/drawing/2014/main" id="{C872131D-FE4F-A224-AF09-4A0D93F4B83D}"/>
-              </a:ext>
-            </a:extLst>
-          </p:cNvPr>
-          <p:cNvSpPr>
-            <a:spLocks noGrp="1"/>
-          </p:cNvSpPr>
-          <p:nvPr>
-            <p:ph type="title"/>
-          </p:nvPr>
-        </p:nvSpPr>
-        <p:spPr>
-          <a:xfrm>
-            <a:off x="0" y="0"/>
-            <a:ext cx="10515600" cy="846667"/>
-          </a:xfrm>
-        </p:spPr>
-        <p:txBody>
-          <a:bodyPr/>
-          <a:lstStyle/>
-          <a:p>
-            <a:r>
-              <a:rPr lang="en-US" dirty="0"/>
-              <a:t>Numerical space (</a:t>
-            </a:r>
-            <a:r>
-              <a:rPr lang="en-US" dirty="0" err="1"/>
-              <a:t>dz</a:t>
-            </a:r>
-            <a:r>
-              <a:rPr lang="en-US" dirty="0"/>
-              <a:t>, ds, Y)</a:t>
-            </a:r>
-          </a:p>
-        </p:txBody>
-      </p:sp>
-    </p:spTree>
-    <p:extLst>
-      <p:ext uri="{BB962C8B-B14F-4D97-AF65-F5344CB8AC3E}">
-        <p14:creationId xmlns:p14="http://schemas.microsoft.com/office/powerpoint/2010/main" val="3734331090"/>
-      </p:ext>
-    </p:extLst>
-  </p:cSld>
-  <p:clrMapOvr>
-    <a:masterClrMapping/>
-  </p:clrMapOvr>
-</p:sld>
-</file>
-
-<file path=ppt/slides/slide5.xml><?xml version="1.0" encoding="utf-8"?>
-<p:sld xmlns:a="http://schemas.openxmlformats.org/drawingml/2006/main" xmlns:r="http://schemas.openxmlformats.org/officeDocument/2006/relationships" xmlns:p="http://schemas.openxmlformats.org/presentationml/2006/main">
-  <p:cSld>
-    <p:spTree>
-      <p:nvGrpSpPr>
-        <p:cNvPr id="1" name=""/>
-        <p:cNvGrpSpPr/>
-        <p:nvPr/>
-      </p:nvGrpSpPr>
-      <p:grpSpPr>
-        <a:xfrm>
-          <a:off x="0" y="0"/>
-          <a:ext cx="0" cy="0"/>
-          <a:chOff x="0" y="0"/>
-          <a:chExt cx="0" cy="0"/>
-        </a:xfrm>
-      </p:grpSpPr>
-      <p:sp>
-        <p:nvSpPr>
-          <p:cNvPr id="2" name="Title 1">
-            <a:extLst>
-              <a:ext uri="{FF2B5EF4-FFF2-40B4-BE49-F238E27FC236}">
-                <a16:creationId xmlns:a16="http://schemas.microsoft.com/office/drawing/2014/main" id="{A42F1D30-274D-A5B8-3620-4DA31ECE8F5B}"/>
-              </a:ext>
-            </a:extLst>
-          </p:cNvPr>
-          <p:cNvSpPr>
-            <a:spLocks noGrp="1"/>
-          </p:cNvSpPr>
-          <p:nvPr>
-            <p:ph type="title"/>
-          </p:nvPr>
-        </p:nvSpPr>
-        <p:spPr>
-          <a:xfrm>
-            <a:off x="448734" y="2766218"/>
-            <a:ext cx="10515600" cy="1325563"/>
-          </a:xfrm>
-        </p:spPr>
-        <p:txBody>
-          <a:bodyPr/>
-          <a:lstStyle/>
-          <a:p>
-            <a:r>
-              <a:rPr lang="en-US" b="1" dirty="0"/>
-              <a:t>Specifying Grafted Points</a:t>
-            </a:r>
-          </a:p>
-        </p:txBody>
-      </p:sp>
-    </p:spTree>
-    <p:extLst>
-      <p:ext uri="{BB962C8B-B14F-4D97-AF65-F5344CB8AC3E}">
-        <p14:creationId xmlns:p14="http://schemas.microsoft.com/office/powerpoint/2010/main" val="896468000"/>
-      </p:ext>
-    </p:extLst>
-  </p:cSld>
-  <p:clrMapOvr>
-    <a:masterClrMapping/>
-  </p:clrMapOvr>
-</p:sld>
-</file>
-
-<file path=ppt/slides/slide6.xml><?xml version="1.0" encoding="utf-8"?>
-<p:sld xmlns:a="http://schemas.openxmlformats.org/drawingml/2006/main" xmlns:r="http://schemas.openxmlformats.org/officeDocument/2006/relationships" xmlns:p="http://schemas.openxmlformats.org/presentationml/2006/main">
-  <p:cSld>
-    <p:spTree>
-      <p:nvGrpSpPr>
-        <p:cNvPr id="1" name=""/>
-        <p:cNvGrpSpPr/>
-        <p:nvPr/>
-      </p:nvGrpSpPr>
-      <p:grpSpPr>
-        <a:xfrm>
-          <a:off x="0" y="0"/>
-          <a:ext cx="0" cy="0"/>
-          <a:chOff x="0" y="0"/>
-          <a:chExt cx="0" cy="0"/>
-        </a:xfrm>
-      </p:grpSpPr>
-      <p:sp>
-        <p:nvSpPr>
-          <p:cNvPr id="2" name="Title 1">
-            <a:extLst>
-              <a:ext uri="{FF2B5EF4-FFF2-40B4-BE49-F238E27FC236}">
-                <a16:creationId xmlns:a16="http://schemas.microsoft.com/office/drawing/2014/main" id="{EC7A1061-086B-35E4-61C1-83C328D5548E}"/>
-              </a:ext>
-            </a:extLst>
-          </p:cNvPr>
-          <p:cNvSpPr>
-            <a:spLocks noGrp="1"/>
-          </p:cNvSpPr>
-          <p:nvPr>
-            <p:ph type="title"/>
-          </p:nvPr>
-        </p:nvSpPr>
-        <p:spPr/>
-        <p:txBody>
-          <a:bodyPr/>
-          <a:lstStyle/>
-          <a:p>
-            <a:r>
-              <a:rPr lang="en-US" dirty="0"/>
-              <a:t>Strategy</a:t>
-            </a:r>
-          </a:p>
-        </p:txBody>
-      </p:sp>
-      <p:sp>
-        <p:nvSpPr>
-          <p:cNvPr id="3" name="TextBox 2">
-            <a:extLst>
-              <a:ext uri="{FF2B5EF4-FFF2-40B4-BE49-F238E27FC236}">
-                <a16:creationId xmlns:a16="http://schemas.microsoft.com/office/drawing/2014/main" id="{66A4566B-D26D-18F7-2769-748D7813228B}"/>
-              </a:ext>
-            </a:extLst>
-          </p:cNvPr>
-          <p:cNvSpPr txBox="1"/>
-          <p:nvPr/>
-        </p:nvSpPr>
-        <p:spPr>
-          <a:xfrm>
-            <a:off x="714374" y="1895475"/>
-            <a:ext cx="7810500" cy="646331"/>
-          </a:xfrm>
-          <a:prstGeom prst="rect">
-            <a:avLst/>
-          </a:prstGeom>
-          <a:noFill/>
-        </p:spPr>
-        <p:txBody>
-          <a:bodyPr wrap="square" rtlCol="0">
-            <a:spAutoFit/>
-          </a:bodyPr>
-          <a:lstStyle/>
-          <a:p>
-            <a:r>
-              <a:rPr lang="en-US" dirty="0"/>
-              <a:t>2D binary array for surface sites of homogeneously grafted polymer given grafting density, simulation box size, and discretization (and assuming dx = </a:t>
-            </a:r>
-            <a:r>
-              <a:rPr lang="en-US" dirty="0" err="1"/>
-              <a:t>dy</a:t>
-            </a:r>
-            <a:r>
-              <a:rPr lang="en-US" dirty="0"/>
-              <a:t>)</a:t>
-            </a:r>
-          </a:p>
-        </p:txBody>
-      </p:sp>
-      <p:sp>
-        <p:nvSpPr>
-          <p:cNvPr id="4" name="TextBox 3">
-            <a:extLst>
-              <a:ext uri="{FF2B5EF4-FFF2-40B4-BE49-F238E27FC236}">
-                <a16:creationId xmlns:a16="http://schemas.microsoft.com/office/drawing/2014/main" id="{14B153E5-948B-4D25-2B1C-2231E4E7EBA6}"/>
-              </a:ext>
-            </a:extLst>
-          </p:cNvPr>
-          <p:cNvSpPr txBox="1"/>
-          <p:nvPr/>
-        </p:nvSpPr>
-        <p:spPr>
-          <a:xfrm>
-            <a:off x="714374" y="2776538"/>
-            <a:ext cx="11077575" cy="646331"/>
-          </a:xfrm>
-          <a:prstGeom prst="rect">
-            <a:avLst/>
-          </a:prstGeom>
-          <a:noFill/>
-        </p:spPr>
-        <p:txBody>
-          <a:bodyPr wrap="square" rtlCol="0">
-            <a:spAutoFit/>
-          </a:bodyPr>
-          <a:lstStyle/>
-          <a:p>
-            <a:r>
-              <a:rPr lang="en-US" dirty="0" err="1"/>
-              <a:t>Fullspace</a:t>
-            </a:r>
-            <a:r>
-              <a:rPr lang="en-US" dirty="0"/>
-              <a:t> must be periodic on x0 = </a:t>
-            </a:r>
-            <a:r>
-              <a:rPr lang="en-US" dirty="0" err="1"/>
-              <a:t>xL</a:t>
-            </a:r>
-            <a:r>
-              <a:rPr lang="en-US" dirty="0"/>
-              <a:t>, y0 = </a:t>
-            </a:r>
-            <a:r>
-              <a:rPr lang="en-US" dirty="0" err="1"/>
-              <a:t>yL</a:t>
-            </a:r>
-            <a:endParaRPr lang="en-US" dirty="0"/>
-          </a:p>
-          <a:p>
-            <a:r>
-              <a:rPr lang="en-US" dirty="0" err="1"/>
-              <a:t>Halfspace</a:t>
-            </a:r>
-            <a:r>
-              <a:rPr lang="en-US" dirty="0"/>
-              <a:t> must be even on </a:t>
-            </a:r>
-            <a:r>
-              <a:rPr lang="en-US" dirty="0" err="1"/>
-              <a:t>xL</a:t>
-            </a:r>
-            <a:r>
-              <a:rPr lang="en-US" dirty="0"/>
-              <a:t>/2 and </a:t>
-            </a:r>
-            <a:r>
-              <a:rPr lang="en-US" dirty="0" err="1"/>
-              <a:t>yL</a:t>
-            </a:r>
-            <a:r>
-              <a:rPr lang="en-US" dirty="0"/>
-              <a:t>/2 (overlap of boundary following REDFT00) and periodic on x0 = </a:t>
-            </a:r>
-            <a:r>
-              <a:rPr lang="en-US" dirty="0" err="1"/>
-              <a:t>xL</a:t>
-            </a:r>
-            <a:r>
-              <a:rPr lang="en-US" dirty="0"/>
-              <a:t>, y0 = </a:t>
-            </a:r>
-            <a:r>
-              <a:rPr lang="en-US" dirty="0" err="1"/>
-              <a:t>yL</a:t>
-            </a:r>
-            <a:r>
-              <a:rPr lang="en-US" dirty="0"/>
-              <a:t>.</a:t>
-            </a:r>
-          </a:p>
-        </p:txBody>
-      </p:sp>
-      <p:sp>
-        <p:nvSpPr>
-          <p:cNvPr id="5" name="TextBox 4">
-            <a:extLst>
-              <a:ext uri="{FF2B5EF4-FFF2-40B4-BE49-F238E27FC236}">
-                <a16:creationId xmlns:a16="http://schemas.microsoft.com/office/drawing/2014/main" id="{97078C71-47DB-0D25-8BE5-AD0C9CC3C9FD}"/>
-              </a:ext>
-            </a:extLst>
-          </p:cNvPr>
-          <p:cNvSpPr txBox="1"/>
-          <p:nvPr/>
-        </p:nvSpPr>
-        <p:spPr>
-          <a:xfrm>
-            <a:off x="714373" y="3812426"/>
-            <a:ext cx="11077575" cy="369332"/>
-          </a:xfrm>
-          <a:prstGeom prst="rect">
-            <a:avLst/>
-          </a:prstGeom>
-          <a:noFill/>
-        </p:spPr>
-        <p:txBody>
-          <a:bodyPr wrap="square" rtlCol="0">
-            <a:spAutoFit/>
-          </a:bodyPr>
-          <a:lstStyle/>
-          <a:p>
-            <a:r>
-              <a:rPr lang="en-US" dirty="0"/>
-              <a:t>Homogeneous spacing as determined by regular hexagon, where grafting point at centroid of hexagon</a:t>
-            </a:r>
-          </a:p>
-        </p:txBody>
-      </p:sp>
-      <p:sp>
-        <p:nvSpPr>
-          <p:cNvPr id="6" name="TextBox 5">
-            <a:extLst>
-              <a:ext uri="{FF2B5EF4-FFF2-40B4-BE49-F238E27FC236}">
-                <a16:creationId xmlns:a16="http://schemas.microsoft.com/office/drawing/2014/main" id="{067DDA30-EAF3-09E5-D289-BD5F06EA216D}"/>
-              </a:ext>
-            </a:extLst>
-          </p:cNvPr>
-          <p:cNvSpPr txBox="1"/>
-          <p:nvPr/>
-        </p:nvSpPr>
-        <p:spPr>
-          <a:xfrm>
-            <a:off x="714372" y="4508719"/>
-            <a:ext cx="11077575" cy="923330"/>
-          </a:xfrm>
-          <a:prstGeom prst="rect">
-            <a:avLst/>
-          </a:prstGeom>
-          <a:noFill/>
-        </p:spPr>
-        <p:txBody>
-          <a:bodyPr wrap="square" rtlCol="0">
-            <a:spAutoFit/>
-          </a:bodyPr>
-          <a:lstStyle/>
-          <a:p>
-            <a:r>
-              <a:rPr lang="en-US" dirty="0"/>
-              <a:t>In case there are edge effects, try shifting the centroids away from the boundaries of the </a:t>
-            </a:r>
-            <a:r>
-              <a:rPr lang="en-US" dirty="0" err="1"/>
-              <a:t>xy</a:t>
-            </a:r>
-            <a:r>
-              <a:rPr lang="en-US" dirty="0"/>
-              <a:t>-plane (only did for </a:t>
-            </a:r>
-            <a:r>
-              <a:rPr lang="en-US" dirty="0" err="1"/>
-              <a:t>fullspace</a:t>
-            </a:r>
-            <a:r>
-              <a:rPr lang="en-US" dirty="0"/>
-              <a:t>)</a:t>
-            </a:r>
-          </a:p>
-          <a:p>
-            <a:pPr marL="285750" indent="-285750">
-              <a:buFont typeface="Arial" panose="020B0604020202020204" pitchFamily="34" charset="0"/>
-              <a:buChar char="•"/>
-            </a:pPr>
-            <a:r>
-              <a:rPr lang="en-US" dirty="0"/>
-              <a:t>Make sure no edge effects by comparing results of full FFT with cos FFT</a:t>
-            </a:r>
-          </a:p>
-        </p:txBody>
-      </p:sp>
-    </p:spTree>
-    <p:extLst>
-      <p:ext uri="{BB962C8B-B14F-4D97-AF65-F5344CB8AC3E}">
-        <p14:creationId xmlns:p14="http://schemas.microsoft.com/office/powerpoint/2010/main" val="1764039423"/>
-      </p:ext>
-    </p:extLst>
-  </p:cSld>
-  <p:clrMapOvr>
-    <a:masterClrMapping/>
-  </p:clrMapOvr>
-</p:sld>
-</file>
-
-<file path=ppt/slides/slide7.xml><?xml version="1.0" encoding="utf-8"?>
-<p:sld xmlns:a="http://schemas.openxmlformats.org/drawingml/2006/main" xmlns:r="http://schemas.openxmlformats.org/officeDocument/2006/relationships" xmlns:p="http://schemas.openxmlformats.org/presentationml/2006/main">
-  <p:cSld>
-    <p:spTree>
-      <p:nvGrpSpPr>
-        <p:cNvPr id="1" name=""/>
-        <p:cNvGrpSpPr/>
-        <p:nvPr/>
-      </p:nvGrpSpPr>
-      <p:grpSpPr>
-        <a:xfrm>
-          <a:off x="0" y="0"/>
-          <a:ext cx="0" cy="0"/>
-          <a:chOff x="0" y="0"/>
-          <a:chExt cx="0" cy="0"/>
-        </a:xfrm>
-      </p:grpSpPr>
-      <p:sp>
-        <p:nvSpPr>
-          <p:cNvPr id="2" name="Title 1">
-            <a:extLst>
-              <a:ext uri="{FF2B5EF4-FFF2-40B4-BE49-F238E27FC236}">
-                <a16:creationId xmlns:a16="http://schemas.microsoft.com/office/drawing/2014/main" id="{A3926BC3-A860-346A-4F58-1EE4C3E7FB0F}"/>
-              </a:ext>
-            </a:extLst>
-          </p:cNvPr>
-          <p:cNvSpPr>
-            <a:spLocks noGrp="1"/>
-          </p:cNvSpPr>
-          <p:nvPr>
-            <p:ph type="title"/>
-          </p:nvPr>
-        </p:nvSpPr>
-        <p:spPr/>
-        <p:txBody>
-          <a:bodyPr/>
-          <a:lstStyle/>
-          <a:p>
-            <a:r>
-              <a:rPr lang="en-US" dirty="0"/>
-              <a:t>Test conditions</a:t>
-            </a:r>
-          </a:p>
-        </p:txBody>
-      </p:sp>
-      <p:sp>
-        <p:nvSpPr>
-          <p:cNvPr id="3" name="TextBox 2">
-            <a:extLst>
-              <a:ext uri="{FF2B5EF4-FFF2-40B4-BE49-F238E27FC236}">
-                <a16:creationId xmlns:a16="http://schemas.microsoft.com/office/drawing/2014/main" id="{A00B5138-8D53-B196-C54A-B372D20698D0}"/>
-              </a:ext>
-            </a:extLst>
-          </p:cNvPr>
-          <p:cNvSpPr txBox="1"/>
-          <p:nvPr/>
-        </p:nvSpPr>
-        <p:spPr>
-          <a:xfrm>
-            <a:off x="1192695" y="2186609"/>
-            <a:ext cx="7026965" cy="1200329"/>
-          </a:xfrm>
-          <a:prstGeom prst="rect">
-            <a:avLst/>
-          </a:prstGeom>
-          <a:noFill/>
-        </p:spPr>
-        <p:txBody>
-          <a:bodyPr wrap="square" rtlCol="0">
-            <a:spAutoFit/>
-          </a:bodyPr>
-          <a:lstStyle/>
-          <a:p>
-            <a:r>
-              <a:rPr lang="en-US" dirty="0"/>
-              <a:t>Sigma = 0.05 c/nm2</a:t>
-            </a:r>
-          </a:p>
-          <a:p>
-            <a:r>
-              <a:rPr lang="en-US" dirty="0"/>
-              <a:t>Lx = 15 nm</a:t>
-            </a:r>
-          </a:p>
-          <a:p>
-            <a:r>
-              <a:rPr lang="en-US" dirty="0"/>
-              <a:t>Ly = 15 nm</a:t>
-            </a:r>
-          </a:p>
-          <a:p>
-            <a:r>
-              <a:rPr lang="en-US" dirty="0"/>
-              <a:t>dx = 0.4 nm</a:t>
-            </a:r>
-          </a:p>
-        </p:txBody>
-      </p:sp>
-      <p:sp>
-        <p:nvSpPr>
-          <p:cNvPr id="4" name="TextBox 3">
-            <a:extLst>
-              <a:ext uri="{FF2B5EF4-FFF2-40B4-BE49-F238E27FC236}">
-                <a16:creationId xmlns:a16="http://schemas.microsoft.com/office/drawing/2014/main" id="{431FD48E-52DE-AC6E-5D2D-A03BFCBE0CEE}"/>
-              </a:ext>
-            </a:extLst>
-          </p:cNvPr>
-          <p:cNvSpPr txBox="1"/>
-          <p:nvPr/>
-        </p:nvSpPr>
-        <p:spPr>
-          <a:xfrm>
-            <a:off x="1192694" y="3776869"/>
-            <a:ext cx="7026965" cy="1754326"/>
-          </a:xfrm>
-          <a:prstGeom prst="rect">
-            <a:avLst/>
-          </a:prstGeom>
-          <a:noFill/>
-        </p:spPr>
-        <p:txBody>
-          <a:bodyPr wrap="square" rtlCol="0">
-            <a:spAutoFit/>
-          </a:bodyPr>
-          <a:lstStyle/>
-          <a:p>
-            <a:r>
-              <a:rPr lang="en-US" dirty="0"/>
-              <a:t>Cast in terms of dx (for rounding and PBC for grafting points): </a:t>
-            </a:r>
-          </a:p>
-          <a:p>
-            <a:r>
-              <a:rPr lang="en-US" dirty="0"/>
-              <a:t>	Sigma = 0.0668 c/nm2</a:t>
-            </a:r>
-          </a:p>
-          <a:p>
-            <a:r>
-              <a:rPr lang="en-US" dirty="0"/>
-              <a:t>	Lx = 14.80 nm</a:t>
-            </a:r>
-          </a:p>
-          <a:p>
-            <a:r>
-              <a:rPr lang="en-US" dirty="0"/>
-              <a:t>	Ly = 11.20 nm</a:t>
-            </a:r>
-          </a:p>
-          <a:p>
-            <a:endParaRPr lang="en-US" dirty="0"/>
-          </a:p>
-          <a:p>
-            <a:r>
-              <a:rPr lang="en-US" dirty="0"/>
-              <a:t>(Sigma error decrease with dx)</a:t>
-            </a:r>
-          </a:p>
-        </p:txBody>
-      </p:sp>
-    </p:spTree>
-    <p:extLst>
-      <p:ext uri="{BB962C8B-B14F-4D97-AF65-F5344CB8AC3E}">
-        <p14:creationId xmlns:p14="http://schemas.microsoft.com/office/powerpoint/2010/main" val="782308025"/>
-      </p:ext>
-    </p:extLst>
-  </p:cSld>
-  <p:clrMapOvr>
-    <a:masterClrMapping/>
-  </p:clrMapOvr>
-</p:sld>
-</file>
-
-<file path=ppt/slides/slide8.xml><?xml version="1.0" encoding="utf-8"?>
-<p:sld xmlns:a="http://schemas.openxmlformats.org/drawingml/2006/main" xmlns:r="http://schemas.openxmlformats.org/officeDocument/2006/relationships" xmlns:p="http://schemas.openxmlformats.org/presentationml/2006/main">
-  <p:cSld>
-    <p:spTree>
-      <p:nvGrpSpPr>
-        <p:cNvPr id="1" name=""/>
-        <p:cNvGrpSpPr/>
-        <p:nvPr/>
-      </p:nvGrpSpPr>
-      <p:grpSpPr>
-        <a:xfrm>
-          <a:off x="0" y="0"/>
-          <a:ext cx="0" cy="0"/>
-          <a:chOff x="0" y="0"/>
-          <a:chExt cx="0" cy="0"/>
-        </a:xfrm>
-      </p:grpSpPr>
-      <p:pic>
-        <p:nvPicPr>
-          <p:cNvPr id="2" name="Picture 8">
-            <a:extLst>
-              <a:ext uri="{FF2B5EF4-FFF2-40B4-BE49-F238E27FC236}">
-                <a16:creationId xmlns:a16="http://schemas.microsoft.com/office/drawing/2014/main" id="{0942303E-AC1F-10F0-8287-CEA51A87AFA1}"/>
-              </a:ext>
-            </a:extLst>
-          </p:cNvPr>
-          <p:cNvPicPr>
-            <a:picLocks noChangeAspect="1" noChangeArrowheads="1"/>
-          </p:cNvPicPr>
-          <p:nvPr/>
-        </p:nvPicPr>
-        <p:blipFill>
-          <a:blip r:embed="rId2">
-            <a:extLst>
-              <a:ext uri="{28A0092B-C50C-407E-A947-70E740481C1C}">
-                <a14:useLocalDpi xmlns:a14="http://schemas.microsoft.com/office/drawing/2010/main" val="0"/>
-              </a:ext>
-            </a:extLst>
-          </a:blip>
-          <a:srcRect/>
-          <a:stretch>
-            <a:fillRect/>
-          </a:stretch>
-        </p:blipFill>
-        <p:spPr bwMode="auto">
-          <a:xfrm>
-            <a:off x="5292743" y="3203809"/>
-            <a:ext cx="3992646" cy="3472219"/>
-          </a:xfrm>
-          <a:prstGeom prst="rect">
-            <a:avLst/>
-          </a:prstGeom>
-          <a:noFill/>
-          <a:extLst>
-            <a:ext uri="{909E8E84-426E-40DD-AFC4-6F175D3DCCD1}">
-              <a14:hiddenFill xmlns:a14="http://schemas.microsoft.com/office/drawing/2010/main">
-                <a:solidFill>
-                  <a:srgbClr val="FFFFFF"/>
-                </a:solidFill>
-              </a14:hiddenFill>
-            </a:ext>
-          </a:extLst>
-        </p:spPr>
-      </p:pic>
-      <p:pic>
-        <p:nvPicPr>
-          <p:cNvPr id="3" name="Picture 8">
-            <a:extLst>
-              <a:ext uri="{FF2B5EF4-FFF2-40B4-BE49-F238E27FC236}">
-                <a16:creationId xmlns:a16="http://schemas.microsoft.com/office/drawing/2014/main" id="{3D1364F1-8E30-980B-97F9-DAB3A4D50979}"/>
-              </a:ext>
-            </a:extLst>
-          </p:cNvPr>
-          <p:cNvPicPr>
-            <a:picLocks noChangeAspect="1" noChangeArrowheads="1"/>
-          </p:cNvPicPr>
-          <p:nvPr/>
-        </p:nvPicPr>
-        <p:blipFill rotWithShape="1">
-          <a:blip r:embed="rId2">
-            <a:extLst>
-              <a:ext uri="{28A0092B-C50C-407E-A947-70E740481C1C}">
-                <a14:useLocalDpi xmlns:a14="http://schemas.microsoft.com/office/drawing/2010/main" val="0"/>
-              </a:ext>
-            </a:extLst>
-          </a:blip>
-          <a:srcRect r="1712"/>
-          <a:stretch/>
-        </p:blipFill>
-        <p:spPr bwMode="auto">
-          <a:xfrm>
-            <a:off x="1822262" y="256141"/>
-            <a:ext cx="3924300" cy="3472219"/>
-          </a:xfrm>
-          <a:prstGeom prst="rect">
-            <a:avLst/>
-          </a:prstGeom>
-          <a:noFill/>
-          <a:extLst>
-            <a:ext uri="{909E8E84-426E-40DD-AFC4-6F175D3DCCD1}">
-              <a14:hiddenFill xmlns:a14="http://schemas.microsoft.com/office/drawing/2010/main">
-                <a:solidFill>
-                  <a:srgbClr val="FFFFFF"/>
-                </a:solidFill>
-              </a14:hiddenFill>
-            </a:ext>
-          </a:extLst>
-        </p:spPr>
-      </p:pic>
-      <p:pic>
-        <p:nvPicPr>
-          <p:cNvPr id="5128" name="Picture 8">
-            <a:extLst>
-              <a:ext uri="{FF2B5EF4-FFF2-40B4-BE49-F238E27FC236}">
-                <a16:creationId xmlns:a16="http://schemas.microsoft.com/office/drawing/2014/main" id="{ED191988-4743-BC45-910E-FD3AAF0325D3}"/>
-              </a:ext>
-            </a:extLst>
-          </p:cNvPr>
-          <p:cNvPicPr>
-            <a:picLocks noChangeAspect="1" noChangeArrowheads="1"/>
-          </p:cNvPicPr>
-          <p:nvPr/>
-        </p:nvPicPr>
-        <p:blipFill rotWithShape="1">
-          <a:blip r:embed="rId2">
-            <a:extLst>
-              <a:ext uri="{28A0092B-C50C-407E-A947-70E740481C1C}">
-                <a14:useLocalDpi xmlns:a14="http://schemas.microsoft.com/office/drawing/2010/main" val="0"/>
-              </a:ext>
-            </a:extLst>
-          </a:blip>
-          <a:srcRect t="2462" r="1712"/>
-          <a:stretch/>
-        </p:blipFill>
-        <p:spPr bwMode="auto">
-          <a:xfrm>
-            <a:off x="1819275" y="3289300"/>
-            <a:ext cx="3924300" cy="3386729"/>
-          </a:xfrm>
-          <a:prstGeom prst="rect">
-            <a:avLst/>
-          </a:prstGeom>
-          <a:noFill/>
-          <a:extLst>
-            <a:ext uri="{909E8E84-426E-40DD-AFC4-6F175D3DCCD1}">
-              <a14:hiddenFill xmlns:a14="http://schemas.microsoft.com/office/drawing/2010/main">
-                <a:solidFill>
-                  <a:srgbClr val="FFFFFF"/>
-                </a:solidFill>
-              </a14:hiddenFill>
-            </a:ext>
-          </a:extLst>
-        </p:spPr>
-      </p:pic>
-      <p:sp>
-        <p:nvSpPr>
-          <p:cNvPr id="23" name="Hexagon 22">
-            <a:extLst>
-              <a:ext uri="{FF2B5EF4-FFF2-40B4-BE49-F238E27FC236}">
-                <a16:creationId xmlns:a16="http://schemas.microsoft.com/office/drawing/2014/main" id="{95F6E8AA-E51C-EF11-9603-A8A2058FEBC7}"/>
-              </a:ext>
-            </a:extLst>
-          </p:cNvPr>
-          <p:cNvSpPr>
-            <a:spLocks noChangeAspect="1"/>
-          </p:cNvSpPr>
-          <p:nvPr/>
-        </p:nvSpPr>
-        <p:spPr>
-          <a:xfrm>
-            <a:off x="1974615" y="2968935"/>
-            <a:ext cx="1101061" cy="949191"/>
-          </a:xfrm>
-          <a:prstGeom prst="hexagon">
-            <a:avLst/>
-          </a:prstGeom>
-          <a:noFill/>
-          <a:ln w="38100">
-            <a:solidFill>
-              <a:srgbClr val="C00000"/>
-            </a:solidFill>
-          </a:ln>
-        </p:spPr>
-        <p:style>
-          <a:lnRef idx="2">
-            <a:schemeClr val="accent1">
-              <a:shade val="15000"/>
-            </a:schemeClr>
-          </a:lnRef>
-          <a:fillRef idx="1">
-            <a:schemeClr val="accent1"/>
-          </a:fillRef>
-          <a:effectRef idx="0">
-            <a:schemeClr val="accent1"/>
-          </a:effectRef>
-          <a:fontRef idx="minor">
-            <a:schemeClr val="lt1"/>
-          </a:fontRef>
-        </p:style>
-        <p:txBody>
-          <a:bodyPr rtlCol="0" anchor="ctr"/>
-          <a:lstStyle/>
-          <a:p>
-            <a:pPr algn="ctr"/>
-            <a:endParaRPr lang="en-US" dirty="0"/>
-          </a:p>
-        </p:txBody>
-      </p:sp>
-      <p:sp>
-        <p:nvSpPr>
-          <p:cNvPr id="24" name="Hexagon 23">
-            <a:extLst>
-              <a:ext uri="{FF2B5EF4-FFF2-40B4-BE49-F238E27FC236}">
-                <a16:creationId xmlns:a16="http://schemas.microsoft.com/office/drawing/2014/main" id="{E2137AB5-84C0-9474-6105-2C763501D3BA}"/>
-              </a:ext>
-            </a:extLst>
-          </p:cNvPr>
-          <p:cNvSpPr>
-            <a:spLocks noChangeAspect="1"/>
-          </p:cNvSpPr>
-          <p:nvPr/>
-        </p:nvSpPr>
-        <p:spPr>
-          <a:xfrm>
-            <a:off x="1967472" y="3921109"/>
-            <a:ext cx="1101061" cy="949191"/>
-          </a:xfrm>
-          <a:prstGeom prst="hexagon">
-            <a:avLst/>
-          </a:prstGeom>
-          <a:noFill/>
-          <a:ln w="38100">
-            <a:solidFill>
-              <a:srgbClr val="C00000"/>
-            </a:solidFill>
-          </a:ln>
-        </p:spPr>
-        <p:style>
-          <a:lnRef idx="2">
-            <a:schemeClr val="accent1">
-              <a:shade val="15000"/>
-            </a:schemeClr>
-          </a:lnRef>
-          <a:fillRef idx="1">
-            <a:schemeClr val="accent1"/>
-          </a:fillRef>
-          <a:effectRef idx="0">
-            <a:schemeClr val="accent1"/>
-          </a:effectRef>
-          <a:fontRef idx="minor">
-            <a:schemeClr val="lt1"/>
-          </a:fontRef>
-        </p:style>
-        <p:txBody>
-          <a:bodyPr rtlCol="0" anchor="ctr"/>
-          <a:lstStyle/>
-          <a:p>
-            <a:pPr algn="ctr"/>
-            <a:endParaRPr lang="en-US" dirty="0"/>
-          </a:p>
-        </p:txBody>
-      </p:sp>
-      <p:sp>
-        <p:nvSpPr>
-          <p:cNvPr id="25" name="Hexagon 24">
-            <a:extLst>
-              <a:ext uri="{FF2B5EF4-FFF2-40B4-BE49-F238E27FC236}">
-                <a16:creationId xmlns:a16="http://schemas.microsoft.com/office/drawing/2014/main" id="{F8C810D5-5537-7B6D-B440-1268350AA201}"/>
-              </a:ext>
-            </a:extLst>
-          </p:cNvPr>
-          <p:cNvSpPr>
-            <a:spLocks noChangeAspect="1"/>
-          </p:cNvSpPr>
-          <p:nvPr/>
-        </p:nvSpPr>
-        <p:spPr>
-          <a:xfrm>
-            <a:off x="1967472" y="4865749"/>
-            <a:ext cx="1101061" cy="949191"/>
-          </a:xfrm>
-          <a:prstGeom prst="hexagon">
-            <a:avLst/>
-          </a:prstGeom>
-          <a:noFill/>
-          <a:ln w="38100">
-            <a:solidFill>
-              <a:srgbClr val="C00000"/>
-            </a:solidFill>
-          </a:ln>
-        </p:spPr>
-        <p:style>
-          <a:lnRef idx="2">
-            <a:schemeClr val="accent1">
-              <a:shade val="15000"/>
-            </a:schemeClr>
-          </a:lnRef>
-          <a:fillRef idx="1">
-            <a:schemeClr val="accent1"/>
-          </a:fillRef>
-          <a:effectRef idx="0">
-            <a:schemeClr val="accent1"/>
-          </a:effectRef>
-          <a:fontRef idx="minor">
-            <a:schemeClr val="lt1"/>
-          </a:fontRef>
-        </p:style>
-        <p:txBody>
-          <a:bodyPr rtlCol="0" anchor="ctr"/>
-          <a:lstStyle/>
-          <a:p>
-            <a:pPr algn="ctr"/>
-            <a:endParaRPr lang="en-US" dirty="0"/>
-          </a:p>
-        </p:txBody>
-      </p:sp>
-      <p:sp>
-        <p:nvSpPr>
-          <p:cNvPr id="26" name="Hexagon 25">
-            <a:extLst>
-              <a:ext uri="{FF2B5EF4-FFF2-40B4-BE49-F238E27FC236}">
-                <a16:creationId xmlns:a16="http://schemas.microsoft.com/office/drawing/2014/main" id="{F77599D8-7767-A82D-07AA-3FB63B9BFD14}"/>
-              </a:ext>
-            </a:extLst>
-          </p:cNvPr>
-          <p:cNvSpPr>
-            <a:spLocks noChangeAspect="1"/>
-          </p:cNvSpPr>
-          <p:nvPr/>
-        </p:nvSpPr>
-        <p:spPr>
-          <a:xfrm>
-            <a:off x="2834107" y="5342618"/>
-            <a:ext cx="1101061" cy="949191"/>
-          </a:xfrm>
-          <a:prstGeom prst="hexagon">
-            <a:avLst/>
-          </a:prstGeom>
-          <a:noFill/>
-          <a:ln w="38100">
-            <a:solidFill>
-              <a:srgbClr val="C00000"/>
-            </a:solidFill>
-          </a:ln>
-        </p:spPr>
-        <p:style>
-          <a:lnRef idx="2">
-            <a:schemeClr val="accent1">
-              <a:shade val="15000"/>
-            </a:schemeClr>
-          </a:lnRef>
-          <a:fillRef idx="1">
-            <a:schemeClr val="accent1"/>
-          </a:fillRef>
-          <a:effectRef idx="0">
-            <a:schemeClr val="accent1"/>
-          </a:effectRef>
-          <a:fontRef idx="minor">
-            <a:schemeClr val="lt1"/>
-          </a:fontRef>
-        </p:style>
-        <p:txBody>
-          <a:bodyPr rtlCol="0" anchor="ctr"/>
-          <a:lstStyle/>
-          <a:p>
-            <a:pPr algn="ctr"/>
-            <a:endParaRPr lang="en-US" dirty="0"/>
-          </a:p>
-        </p:txBody>
-      </p:sp>
-      <p:sp>
-        <p:nvSpPr>
-          <p:cNvPr id="27" name="Hexagon 26">
-            <a:extLst>
-              <a:ext uri="{FF2B5EF4-FFF2-40B4-BE49-F238E27FC236}">
-                <a16:creationId xmlns:a16="http://schemas.microsoft.com/office/drawing/2014/main" id="{EDA58312-BC6C-10CE-D676-1A55FABD2974}"/>
-              </a:ext>
-            </a:extLst>
-          </p:cNvPr>
-          <p:cNvSpPr>
-            <a:spLocks noChangeAspect="1"/>
-          </p:cNvSpPr>
-          <p:nvPr/>
-        </p:nvSpPr>
-        <p:spPr>
-          <a:xfrm>
-            <a:off x="2834107" y="4397196"/>
-            <a:ext cx="1101061" cy="949191"/>
-          </a:xfrm>
-          <a:prstGeom prst="hexagon">
-            <a:avLst/>
-          </a:prstGeom>
-          <a:noFill/>
-          <a:ln w="38100">
-            <a:solidFill>
-              <a:srgbClr val="C00000"/>
-            </a:solidFill>
-          </a:ln>
-        </p:spPr>
-        <p:style>
-          <a:lnRef idx="2">
-            <a:schemeClr val="accent1">
-              <a:shade val="15000"/>
-            </a:schemeClr>
-          </a:lnRef>
-          <a:fillRef idx="1">
-            <a:schemeClr val="accent1"/>
-          </a:fillRef>
-          <a:effectRef idx="0">
-            <a:schemeClr val="accent1"/>
-          </a:effectRef>
-          <a:fontRef idx="minor">
-            <a:schemeClr val="lt1"/>
-          </a:fontRef>
-        </p:style>
-        <p:txBody>
-          <a:bodyPr rtlCol="0" anchor="ctr"/>
-          <a:lstStyle/>
-          <a:p>
-            <a:pPr algn="ctr"/>
-            <a:endParaRPr lang="en-US" dirty="0"/>
-          </a:p>
-        </p:txBody>
-      </p:sp>
-      <p:sp>
-        <p:nvSpPr>
-          <p:cNvPr id="28" name="Hexagon 27">
-            <a:extLst>
-              <a:ext uri="{FF2B5EF4-FFF2-40B4-BE49-F238E27FC236}">
-                <a16:creationId xmlns:a16="http://schemas.microsoft.com/office/drawing/2014/main" id="{500312F3-E150-1BF6-8E03-C5E66745B1B5}"/>
-              </a:ext>
-            </a:extLst>
-          </p:cNvPr>
-          <p:cNvSpPr>
-            <a:spLocks noChangeAspect="1"/>
-          </p:cNvSpPr>
-          <p:nvPr/>
-        </p:nvSpPr>
-        <p:spPr>
-          <a:xfrm>
-            <a:off x="2834107" y="3451775"/>
-            <a:ext cx="1101061" cy="949191"/>
-          </a:xfrm>
-          <a:prstGeom prst="hexagon">
-            <a:avLst/>
-          </a:prstGeom>
-          <a:noFill/>
-          <a:ln w="38100">
-            <a:solidFill>
-              <a:srgbClr val="C00000"/>
-            </a:solidFill>
-          </a:ln>
-        </p:spPr>
-        <p:style>
-          <a:lnRef idx="2">
-            <a:schemeClr val="accent1">
-              <a:shade val="15000"/>
-            </a:schemeClr>
-          </a:lnRef>
-          <a:fillRef idx="1">
-            <a:schemeClr val="accent1"/>
-          </a:fillRef>
-          <a:effectRef idx="0">
-            <a:schemeClr val="accent1"/>
-          </a:effectRef>
-          <a:fontRef idx="minor">
-            <a:schemeClr val="lt1"/>
-          </a:fontRef>
-        </p:style>
-        <p:txBody>
-          <a:bodyPr rtlCol="0" anchor="ctr"/>
-          <a:lstStyle/>
-          <a:p>
-            <a:pPr algn="ctr"/>
-            <a:endParaRPr lang="en-US" dirty="0"/>
-          </a:p>
-        </p:txBody>
-      </p:sp>
-      <p:sp>
-        <p:nvSpPr>
-          <p:cNvPr id="29" name="Hexagon 28">
-            <a:extLst>
-              <a:ext uri="{FF2B5EF4-FFF2-40B4-BE49-F238E27FC236}">
-                <a16:creationId xmlns:a16="http://schemas.microsoft.com/office/drawing/2014/main" id="{15731913-8430-CCBF-E728-912DD1051C0A}"/>
-              </a:ext>
-            </a:extLst>
-          </p:cNvPr>
-          <p:cNvSpPr>
-            <a:spLocks noChangeAspect="1"/>
-          </p:cNvSpPr>
-          <p:nvPr/>
-        </p:nvSpPr>
-        <p:spPr>
-          <a:xfrm>
-            <a:off x="3693601" y="2976254"/>
-            <a:ext cx="1101061" cy="949191"/>
-          </a:xfrm>
-          <a:prstGeom prst="hexagon">
-            <a:avLst/>
-          </a:prstGeom>
-          <a:noFill/>
-          <a:ln w="38100">
-            <a:solidFill>
-              <a:srgbClr val="C00000"/>
-            </a:solidFill>
-          </a:ln>
-        </p:spPr>
-        <p:style>
-          <a:lnRef idx="2">
-            <a:schemeClr val="accent1">
-              <a:shade val="15000"/>
-            </a:schemeClr>
-          </a:lnRef>
-          <a:fillRef idx="1">
-            <a:schemeClr val="accent1"/>
-          </a:fillRef>
-          <a:effectRef idx="0">
-            <a:schemeClr val="accent1"/>
-          </a:effectRef>
-          <a:fontRef idx="minor">
-            <a:schemeClr val="lt1"/>
-          </a:fontRef>
-        </p:style>
-        <p:txBody>
-          <a:bodyPr rtlCol="0" anchor="ctr"/>
-          <a:lstStyle/>
-          <a:p>
-            <a:pPr algn="ctr"/>
-            <a:endParaRPr lang="en-US" dirty="0"/>
-          </a:p>
-        </p:txBody>
-      </p:sp>
-      <p:sp>
-        <p:nvSpPr>
-          <p:cNvPr id="30" name="Hexagon 29">
-            <a:extLst>
-              <a:ext uri="{FF2B5EF4-FFF2-40B4-BE49-F238E27FC236}">
-                <a16:creationId xmlns:a16="http://schemas.microsoft.com/office/drawing/2014/main" id="{FE4743FE-6712-EBB0-A5C5-B2274FF5C4DC}"/>
-              </a:ext>
-            </a:extLst>
-          </p:cNvPr>
-          <p:cNvSpPr>
-            <a:spLocks noChangeAspect="1"/>
-          </p:cNvSpPr>
-          <p:nvPr/>
-        </p:nvSpPr>
-        <p:spPr>
-          <a:xfrm>
-            <a:off x="3687238" y="3934484"/>
-            <a:ext cx="1101061" cy="949191"/>
-          </a:xfrm>
-          <a:prstGeom prst="hexagon">
-            <a:avLst/>
-          </a:prstGeom>
-          <a:noFill/>
-          <a:ln w="38100">
-            <a:solidFill>
-              <a:srgbClr val="C00000"/>
-            </a:solidFill>
-          </a:ln>
-        </p:spPr>
-        <p:style>
-          <a:lnRef idx="2">
-            <a:schemeClr val="accent1">
-              <a:shade val="15000"/>
-            </a:schemeClr>
-          </a:lnRef>
-          <a:fillRef idx="1">
-            <a:schemeClr val="accent1"/>
-          </a:fillRef>
-          <a:effectRef idx="0">
-            <a:schemeClr val="accent1"/>
-          </a:effectRef>
-          <a:fontRef idx="minor">
-            <a:schemeClr val="lt1"/>
-          </a:fontRef>
-        </p:style>
-        <p:txBody>
-          <a:bodyPr rtlCol="0" anchor="ctr"/>
-          <a:lstStyle/>
-          <a:p>
-            <a:pPr algn="ctr"/>
-            <a:endParaRPr lang="en-US" dirty="0"/>
-          </a:p>
-        </p:txBody>
-      </p:sp>
-      <p:sp>
-        <p:nvSpPr>
-          <p:cNvPr id="40" name="Hexagon 39">
-            <a:extLst>
-              <a:ext uri="{FF2B5EF4-FFF2-40B4-BE49-F238E27FC236}">
-                <a16:creationId xmlns:a16="http://schemas.microsoft.com/office/drawing/2014/main" id="{F03E2C1C-BF9A-D1A4-AB96-44B915D89168}"/>
-              </a:ext>
-            </a:extLst>
-          </p:cNvPr>
-          <p:cNvSpPr>
-            <a:spLocks noChangeAspect="1"/>
-          </p:cNvSpPr>
-          <p:nvPr/>
-        </p:nvSpPr>
-        <p:spPr>
-          <a:xfrm>
-            <a:off x="4550589" y="3458860"/>
-            <a:ext cx="1101061" cy="949191"/>
-          </a:xfrm>
-          <a:prstGeom prst="hexagon">
-            <a:avLst/>
-          </a:prstGeom>
-          <a:noFill/>
-          <a:ln w="38100">
-            <a:solidFill>
-              <a:srgbClr val="C00000"/>
-            </a:solidFill>
-          </a:ln>
-        </p:spPr>
-        <p:style>
-          <a:lnRef idx="2">
-            <a:schemeClr val="accent1">
-              <a:shade val="15000"/>
-            </a:schemeClr>
-          </a:lnRef>
-          <a:fillRef idx="1">
-            <a:schemeClr val="accent1"/>
-          </a:fillRef>
-          <a:effectRef idx="0">
-            <a:schemeClr val="accent1"/>
-          </a:effectRef>
-          <a:fontRef idx="minor">
-            <a:schemeClr val="lt1"/>
-          </a:fontRef>
-        </p:style>
-        <p:txBody>
-          <a:bodyPr rtlCol="0" anchor="ctr"/>
-          <a:lstStyle/>
-          <a:p>
-            <a:pPr algn="ctr"/>
-            <a:endParaRPr lang="en-US" dirty="0"/>
-          </a:p>
-        </p:txBody>
-      </p:sp>
-      <p:sp>
-        <p:nvSpPr>
-          <p:cNvPr id="41" name="Hexagon 40">
-            <a:extLst>
-              <a:ext uri="{FF2B5EF4-FFF2-40B4-BE49-F238E27FC236}">
-                <a16:creationId xmlns:a16="http://schemas.microsoft.com/office/drawing/2014/main" id="{AA13D11E-D161-07F1-337A-0439DE47625A}"/>
-              </a:ext>
-            </a:extLst>
-          </p:cNvPr>
-          <p:cNvSpPr>
-            <a:spLocks noChangeAspect="1"/>
-          </p:cNvSpPr>
-          <p:nvPr/>
-        </p:nvSpPr>
-        <p:spPr>
-          <a:xfrm>
-            <a:off x="4550589" y="4411034"/>
-            <a:ext cx="1101061" cy="949191"/>
-          </a:xfrm>
-          <a:prstGeom prst="hexagon">
-            <a:avLst/>
-          </a:prstGeom>
-          <a:noFill/>
-          <a:ln w="38100">
-            <a:solidFill>
-              <a:srgbClr val="C00000"/>
-            </a:solidFill>
-          </a:ln>
-        </p:spPr>
-        <p:style>
-          <a:lnRef idx="2">
-            <a:schemeClr val="accent1">
-              <a:shade val="15000"/>
-            </a:schemeClr>
-          </a:lnRef>
-          <a:fillRef idx="1">
-            <a:schemeClr val="accent1"/>
-          </a:fillRef>
-          <a:effectRef idx="0">
-            <a:schemeClr val="accent1"/>
-          </a:effectRef>
-          <a:fontRef idx="minor">
-            <a:schemeClr val="lt1"/>
-          </a:fontRef>
-        </p:style>
-        <p:txBody>
-          <a:bodyPr rtlCol="0" anchor="ctr"/>
-          <a:lstStyle/>
-          <a:p>
-            <a:pPr algn="ctr"/>
-            <a:endParaRPr lang="en-US" dirty="0"/>
-          </a:p>
-        </p:txBody>
-      </p:sp>
-      <p:sp>
-        <p:nvSpPr>
-          <p:cNvPr id="42" name="Hexagon 41">
-            <a:extLst>
-              <a:ext uri="{FF2B5EF4-FFF2-40B4-BE49-F238E27FC236}">
-                <a16:creationId xmlns:a16="http://schemas.microsoft.com/office/drawing/2014/main" id="{37E2AD43-8C0F-AE4E-73F5-2ADF3F4328B5}"/>
-              </a:ext>
-            </a:extLst>
-          </p:cNvPr>
-          <p:cNvSpPr>
-            <a:spLocks noChangeAspect="1"/>
-          </p:cNvSpPr>
-          <p:nvPr/>
-        </p:nvSpPr>
-        <p:spPr>
-          <a:xfrm>
-            <a:off x="4550589" y="5369961"/>
-            <a:ext cx="1101061" cy="949191"/>
-          </a:xfrm>
-          <a:prstGeom prst="hexagon">
-            <a:avLst/>
-          </a:prstGeom>
-          <a:noFill/>
-          <a:ln w="38100">
-            <a:solidFill>
-              <a:srgbClr val="C00000"/>
-            </a:solidFill>
-          </a:ln>
-        </p:spPr>
-        <p:style>
-          <a:lnRef idx="2">
-            <a:schemeClr val="accent1">
-              <a:shade val="15000"/>
-            </a:schemeClr>
-          </a:lnRef>
-          <a:fillRef idx="1">
-            <a:schemeClr val="accent1"/>
-          </a:fillRef>
-          <a:effectRef idx="0">
-            <a:schemeClr val="accent1"/>
-          </a:effectRef>
-          <a:fontRef idx="minor">
-            <a:schemeClr val="lt1"/>
-          </a:fontRef>
-        </p:style>
-        <p:txBody>
-          <a:bodyPr rtlCol="0" anchor="ctr"/>
-          <a:lstStyle/>
-          <a:p>
-            <a:pPr algn="ctr"/>
-            <a:endParaRPr lang="en-US" dirty="0"/>
-          </a:p>
-        </p:txBody>
-      </p:sp>
-      <p:sp>
-        <p:nvSpPr>
-          <p:cNvPr id="49" name="Hexagon 48">
-            <a:extLst>
-              <a:ext uri="{FF2B5EF4-FFF2-40B4-BE49-F238E27FC236}">
-                <a16:creationId xmlns:a16="http://schemas.microsoft.com/office/drawing/2014/main" id="{6DED218D-3761-F049-ADDA-F96E065614EC}"/>
-              </a:ext>
-            </a:extLst>
-          </p:cNvPr>
-          <p:cNvSpPr>
-            <a:spLocks noChangeAspect="1"/>
-          </p:cNvSpPr>
-          <p:nvPr/>
-        </p:nvSpPr>
-        <p:spPr>
-          <a:xfrm>
-            <a:off x="3694322" y="4877619"/>
-            <a:ext cx="1101061" cy="949191"/>
-          </a:xfrm>
-          <a:prstGeom prst="hexagon">
-            <a:avLst/>
-          </a:prstGeom>
-          <a:noFill/>
-          <a:ln w="38100">
-            <a:solidFill>
-              <a:srgbClr val="C00000"/>
-            </a:solidFill>
-          </a:ln>
-        </p:spPr>
-        <p:style>
-          <a:lnRef idx="2">
-            <a:schemeClr val="accent1">
-              <a:shade val="15000"/>
-            </a:schemeClr>
-          </a:lnRef>
-          <a:fillRef idx="1">
-            <a:schemeClr val="accent1"/>
-          </a:fillRef>
-          <a:effectRef idx="0">
-            <a:schemeClr val="accent1"/>
-          </a:effectRef>
-          <a:fontRef idx="minor">
-            <a:schemeClr val="lt1"/>
-          </a:fontRef>
-        </p:style>
-        <p:txBody>
-          <a:bodyPr rtlCol="0" anchor="ctr"/>
-          <a:lstStyle/>
-          <a:p>
-            <a:pPr algn="ctr"/>
-            <a:endParaRPr lang="en-US" dirty="0"/>
-          </a:p>
-        </p:txBody>
-      </p:sp>
-      <p:sp>
-        <p:nvSpPr>
-          <p:cNvPr id="1025" name="Hexagon 1024">
-            <a:extLst>
-              <a:ext uri="{FF2B5EF4-FFF2-40B4-BE49-F238E27FC236}">
-                <a16:creationId xmlns:a16="http://schemas.microsoft.com/office/drawing/2014/main" id="{C7930FA0-BB84-E8BC-6F55-86DC44EB1517}"/>
-              </a:ext>
-            </a:extLst>
-          </p:cNvPr>
-          <p:cNvSpPr>
-            <a:spLocks noChangeAspect="1"/>
-          </p:cNvSpPr>
-          <p:nvPr/>
-        </p:nvSpPr>
-        <p:spPr>
-          <a:xfrm>
-            <a:off x="5426874" y="2968935"/>
-            <a:ext cx="1101061" cy="949191"/>
-          </a:xfrm>
-          <a:prstGeom prst="hexagon">
-            <a:avLst/>
-          </a:prstGeom>
-          <a:noFill/>
-          <a:ln w="38100">
-            <a:solidFill>
-              <a:srgbClr val="C00000"/>
-            </a:solidFill>
-          </a:ln>
-        </p:spPr>
-        <p:style>
-          <a:lnRef idx="2">
-            <a:schemeClr val="accent1">
-              <a:shade val="15000"/>
-            </a:schemeClr>
-          </a:lnRef>
-          <a:fillRef idx="1">
-            <a:schemeClr val="accent1"/>
-          </a:fillRef>
-          <a:effectRef idx="0">
-            <a:schemeClr val="accent1"/>
-          </a:effectRef>
-          <a:fontRef idx="minor">
-            <a:schemeClr val="lt1"/>
-          </a:fontRef>
-        </p:style>
-        <p:txBody>
-          <a:bodyPr rtlCol="0" anchor="ctr"/>
-          <a:lstStyle/>
-          <a:p>
-            <a:pPr algn="ctr"/>
-            <a:endParaRPr lang="en-US" dirty="0"/>
-          </a:p>
-        </p:txBody>
-      </p:sp>
-      <p:sp>
-        <p:nvSpPr>
-          <p:cNvPr id="1027" name="Hexagon 1026">
-            <a:extLst>
-              <a:ext uri="{FF2B5EF4-FFF2-40B4-BE49-F238E27FC236}">
-                <a16:creationId xmlns:a16="http://schemas.microsoft.com/office/drawing/2014/main" id="{07BAD851-770C-F9A5-118E-93F5FFB185A8}"/>
-              </a:ext>
-            </a:extLst>
-          </p:cNvPr>
-          <p:cNvSpPr>
-            <a:spLocks noChangeAspect="1"/>
-          </p:cNvSpPr>
-          <p:nvPr/>
-        </p:nvSpPr>
-        <p:spPr>
-          <a:xfrm>
-            <a:off x="5419730" y="3921109"/>
-            <a:ext cx="1101061" cy="949191"/>
-          </a:xfrm>
-          <a:prstGeom prst="hexagon">
-            <a:avLst/>
-          </a:prstGeom>
-          <a:noFill/>
-          <a:ln w="38100">
-            <a:solidFill>
-              <a:srgbClr val="C00000"/>
-            </a:solidFill>
-          </a:ln>
-        </p:spPr>
-        <p:style>
-          <a:lnRef idx="2">
-            <a:schemeClr val="accent1">
-              <a:shade val="15000"/>
-            </a:schemeClr>
-          </a:lnRef>
-          <a:fillRef idx="1">
-            <a:schemeClr val="accent1"/>
-          </a:fillRef>
-          <a:effectRef idx="0">
-            <a:schemeClr val="accent1"/>
-          </a:effectRef>
-          <a:fontRef idx="minor">
-            <a:schemeClr val="lt1"/>
-          </a:fontRef>
-        </p:style>
-        <p:txBody>
-          <a:bodyPr rtlCol="0" anchor="ctr"/>
-          <a:lstStyle/>
-          <a:p>
-            <a:pPr algn="ctr"/>
-            <a:endParaRPr lang="en-US" dirty="0"/>
-          </a:p>
-        </p:txBody>
-      </p:sp>
-      <p:sp>
-        <p:nvSpPr>
-          <p:cNvPr id="1029" name="Hexagon 1028">
-            <a:extLst>
-              <a:ext uri="{FF2B5EF4-FFF2-40B4-BE49-F238E27FC236}">
-                <a16:creationId xmlns:a16="http://schemas.microsoft.com/office/drawing/2014/main" id="{D632B0F6-85EB-24F7-7939-C500C21C0D9E}"/>
-              </a:ext>
-            </a:extLst>
-          </p:cNvPr>
-          <p:cNvSpPr>
-            <a:spLocks noChangeAspect="1"/>
-          </p:cNvSpPr>
-          <p:nvPr/>
-        </p:nvSpPr>
-        <p:spPr>
-          <a:xfrm>
-            <a:off x="5419730" y="4865749"/>
-            <a:ext cx="1101061" cy="949191"/>
-          </a:xfrm>
-          <a:prstGeom prst="hexagon">
-            <a:avLst/>
-          </a:prstGeom>
-          <a:noFill/>
-          <a:ln w="38100">
-            <a:solidFill>
-              <a:srgbClr val="C00000"/>
-            </a:solidFill>
-          </a:ln>
-        </p:spPr>
-        <p:style>
-          <a:lnRef idx="2">
-            <a:schemeClr val="accent1">
-              <a:shade val="15000"/>
-            </a:schemeClr>
-          </a:lnRef>
-          <a:fillRef idx="1">
-            <a:schemeClr val="accent1"/>
-          </a:fillRef>
-          <a:effectRef idx="0">
-            <a:schemeClr val="accent1"/>
-          </a:effectRef>
-          <a:fontRef idx="minor">
-            <a:schemeClr val="lt1"/>
-          </a:fontRef>
-        </p:style>
-        <p:txBody>
-          <a:bodyPr rtlCol="0" anchor="ctr"/>
-          <a:lstStyle/>
-          <a:p>
-            <a:pPr algn="ctr"/>
-            <a:endParaRPr lang="en-US" dirty="0"/>
-          </a:p>
-        </p:txBody>
-      </p:sp>
-      <p:sp>
-        <p:nvSpPr>
-          <p:cNvPr id="1030" name="Hexagon 1029">
-            <a:extLst>
-              <a:ext uri="{FF2B5EF4-FFF2-40B4-BE49-F238E27FC236}">
-                <a16:creationId xmlns:a16="http://schemas.microsoft.com/office/drawing/2014/main" id="{94B24927-43D8-1C74-168D-351ED75387C9}"/>
-              </a:ext>
-            </a:extLst>
-          </p:cNvPr>
-          <p:cNvSpPr>
-            <a:spLocks noChangeAspect="1"/>
-          </p:cNvSpPr>
-          <p:nvPr/>
-        </p:nvSpPr>
-        <p:spPr>
-          <a:xfrm>
-            <a:off x="6286366" y="5342618"/>
-            <a:ext cx="1101061" cy="949191"/>
-          </a:xfrm>
-          <a:prstGeom prst="hexagon">
-            <a:avLst/>
-          </a:prstGeom>
-          <a:noFill/>
-          <a:ln w="38100">
-            <a:solidFill>
-              <a:srgbClr val="C00000"/>
-            </a:solidFill>
-          </a:ln>
-        </p:spPr>
-        <p:style>
-          <a:lnRef idx="2">
-            <a:schemeClr val="accent1">
-              <a:shade val="15000"/>
-            </a:schemeClr>
-          </a:lnRef>
-          <a:fillRef idx="1">
-            <a:schemeClr val="accent1"/>
-          </a:fillRef>
-          <a:effectRef idx="0">
-            <a:schemeClr val="accent1"/>
-          </a:effectRef>
-          <a:fontRef idx="minor">
-            <a:schemeClr val="lt1"/>
-          </a:fontRef>
-        </p:style>
-        <p:txBody>
-          <a:bodyPr rtlCol="0" anchor="ctr"/>
-          <a:lstStyle/>
-          <a:p>
-            <a:pPr algn="ctr"/>
-            <a:endParaRPr lang="en-US" dirty="0"/>
-          </a:p>
-        </p:txBody>
-      </p:sp>
-      <p:sp>
-        <p:nvSpPr>
-          <p:cNvPr id="1031" name="Hexagon 1030">
-            <a:extLst>
-              <a:ext uri="{FF2B5EF4-FFF2-40B4-BE49-F238E27FC236}">
-                <a16:creationId xmlns:a16="http://schemas.microsoft.com/office/drawing/2014/main" id="{3DB7BA57-7A0A-69E4-2AF2-2C4D8F441114}"/>
-              </a:ext>
-            </a:extLst>
-          </p:cNvPr>
-          <p:cNvSpPr>
-            <a:spLocks noChangeAspect="1"/>
-          </p:cNvSpPr>
-          <p:nvPr/>
-        </p:nvSpPr>
-        <p:spPr>
-          <a:xfrm>
-            <a:off x="6286366" y="4397196"/>
-            <a:ext cx="1101061" cy="949191"/>
-          </a:xfrm>
-          <a:prstGeom prst="hexagon">
-            <a:avLst/>
-          </a:prstGeom>
-          <a:noFill/>
-          <a:ln w="38100">
-            <a:solidFill>
-              <a:srgbClr val="C00000"/>
-            </a:solidFill>
-          </a:ln>
-        </p:spPr>
-        <p:style>
-          <a:lnRef idx="2">
-            <a:schemeClr val="accent1">
-              <a:shade val="15000"/>
-            </a:schemeClr>
-          </a:lnRef>
-          <a:fillRef idx="1">
-            <a:schemeClr val="accent1"/>
-          </a:fillRef>
-          <a:effectRef idx="0">
-            <a:schemeClr val="accent1"/>
-          </a:effectRef>
-          <a:fontRef idx="minor">
-            <a:schemeClr val="lt1"/>
-          </a:fontRef>
-        </p:style>
-        <p:txBody>
-          <a:bodyPr rtlCol="0" anchor="ctr"/>
-          <a:lstStyle/>
-          <a:p>
-            <a:pPr algn="ctr"/>
-            <a:endParaRPr lang="en-US" dirty="0"/>
-          </a:p>
-        </p:txBody>
-      </p:sp>
-      <p:sp>
-        <p:nvSpPr>
-          <p:cNvPr id="1032" name="Hexagon 1031">
-            <a:extLst>
-              <a:ext uri="{FF2B5EF4-FFF2-40B4-BE49-F238E27FC236}">
-                <a16:creationId xmlns:a16="http://schemas.microsoft.com/office/drawing/2014/main" id="{C03011F2-1859-3E52-FEC8-55F61BD5FFF3}"/>
-              </a:ext>
-            </a:extLst>
-          </p:cNvPr>
-          <p:cNvSpPr>
-            <a:spLocks noChangeAspect="1"/>
-          </p:cNvSpPr>
-          <p:nvPr/>
-        </p:nvSpPr>
-        <p:spPr>
-          <a:xfrm>
-            <a:off x="6286366" y="3451775"/>
-            <a:ext cx="1101061" cy="949191"/>
-          </a:xfrm>
-          <a:prstGeom prst="hexagon">
-            <a:avLst/>
-          </a:prstGeom>
-          <a:noFill/>
-          <a:ln w="38100">
-            <a:solidFill>
-              <a:srgbClr val="C00000"/>
-            </a:solidFill>
-          </a:ln>
-        </p:spPr>
-        <p:style>
-          <a:lnRef idx="2">
-            <a:schemeClr val="accent1">
-              <a:shade val="15000"/>
-            </a:schemeClr>
-          </a:lnRef>
-          <a:fillRef idx="1">
-            <a:schemeClr val="accent1"/>
-          </a:fillRef>
-          <a:effectRef idx="0">
-            <a:schemeClr val="accent1"/>
-          </a:effectRef>
-          <a:fontRef idx="minor">
-            <a:schemeClr val="lt1"/>
-          </a:fontRef>
-        </p:style>
-        <p:txBody>
-          <a:bodyPr rtlCol="0" anchor="ctr"/>
-          <a:lstStyle/>
-          <a:p>
-            <a:pPr algn="ctr"/>
-            <a:endParaRPr lang="en-US" dirty="0"/>
-          </a:p>
-        </p:txBody>
-      </p:sp>
-      <p:sp>
-        <p:nvSpPr>
-          <p:cNvPr id="1033" name="Hexagon 1032">
-            <a:extLst>
-              <a:ext uri="{FF2B5EF4-FFF2-40B4-BE49-F238E27FC236}">
-                <a16:creationId xmlns:a16="http://schemas.microsoft.com/office/drawing/2014/main" id="{AE75FE7B-A81B-2956-56D7-45F8EB881D36}"/>
-              </a:ext>
-            </a:extLst>
-          </p:cNvPr>
-          <p:cNvSpPr>
-            <a:spLocks noChangeAspect="1"/>
-          </p:cNvSpPr>
-          <p:nvPr/>
-        </p:nvSpPr>
-        <p:spPr>
-          <a:xfrm>
-            <a:off x="7145860" y="2976253"/>
-            <a:ext cx="1101061" cy="949191"/>
-          </a:xfrm>
-          <a:prstGeom prst="hexagon">
-            <a:avLst/>
-          </a:prstGeom>
-          <a:noFill/>
-          <a:ln w="38100">
-            <a:solidFill>
-              <a:srgbClr val="C00000"/>
-            </a:solidFill>
-          </a:ln>
-        </p:spPr>
-        <p:style>
-          <a:lnRef idx="2">
-            <a:schemeClr val="accent1">
-              <a:shade val="15000"/>
-            </a:schemeClr>
-          </a:lnRef>
-          <a:fillRef idx="1">
-            <a:schemeClr val="accent1"/>
-          </a:fillRef>
-          <a:effectRef idx="0">
-            <a:schemeClr val="accent1"/>
-          </a:effectRef>
-          <a:fontRef idx="minor">
-            <a:schemeClr val="lt1"/>
-          </a:fontRef>
-        </p:style>
-        <p:txBody>
-          <a:bodyPr rtlCol="0" anchor="ctr"/>
-          <a:lstStyle/>
-          <a:p>
-            <a:pPr algn="ctr"/>
-            <a:endParaRPr lang="en-US" dirty="0"/>
-          </a:p>
-        </p:txBody>
-      </p:sp>
-      <p:sp>
-        <p:nvSpPr>
-          <p:cNvPr id="1034" name="Hexagon 1033">
-            <a:extLst>
-              <a:ext uri="{FF2B5EF4-FFF2-40B4-BE49-F238E27FC236}">
-                <a16:creationId xmlns:a16="http://schemas.microsoft.com/office/drawing/2014/main" id="{54025567-2401-C213-CA49-AFB6FBE39109}"/>
-              </a:ext>
-            </a:extLst>
-          </p:cNvPr>
-          <p:cNvSpPr>
-            <a:spLocks noChangeAspect="1"/>
-          </p:cNvSpPr>
-          <p:nvPr/>
-        </p:nvSpPr>
-        <p:spPr>
-          <a:xfrm>
-            <a:off x="7139497" y="3934485"/>
-            <a:ext cx="1101061" cy="949191"/>
-          </a:xfrm>
-          <a:prstGeom prst="hexagon">
-            <a:avLst/>
-          </a:prstGeom>
-          <a:noFill/>
-          <a:ln w="38100">
-            <a:solidFill>
-              <a:srgbClr val="C00000"/>
-            </a:solidFill>
-          </a:ln>
-        </p:spPr>
-        <p:style>
-          <a:lnRef idx="2">
-            <a:schemeClr val="accent1">
-              <a:shade val="15000"/>
-            </a:schemeClr>
-          </a:lnRef>
-          <a:fillRef idx="1">
-            <a:schemeClr val="accent1"/>
-          </a:fillRef>
-          <a:effectRef idx="0">
-            <a:schemeClr val="accent1"/>
-          </a:effectRef>
-          <a:fontRef idx="minor">
-            <a:schemeClr val="lt1"/>
-          </a:fontRef>
-        </p:style>
-        <p:txBody>
-          <a:bodyPr rtlCol="0" anchor="ctr"/>
-          <a:lstStyle/>
-          <a:p>
-            <a:pPr algn="ctr"/>
-            <a:endParaRPr lang="en-US" dirty="0"/>
-          </a:p>
-        </p:txBody>
-      </p:sp>
-      <p:sp>
-        <p:nvSpPr>
-          <p:cNvPr id="1035" name="Hexagon 1034">
-            <a:extLst>
-              <a:ext uri="{FF2B5EF4-FFF2-40B4-BE49-F238E27FC236}">
-                <a16:creationId xmlns:a16="http://schemas.microsoft.com/office/drawing/2014/main" id="{E0349C23-4111-3D32-480E-A5D8E9E50CE5}"/>
-              </a:ext>
-            </a:extLst>
-          </p:cNvPr>
-          <p:cNvSpPr>
-            <a:spLocks noChangeAspect="1"/>
-          </p:cNvSpPr>
-          <p:nvPr/>
-        </p:nvSpPr>
-        <p:spPr>
-          <a:xfrm>
-            <a:off x="8002848" y="3458861"/>
-            <a:ext cx="1101061" cy="949191"/>
-          </a:xfrm>
-          <a:prstGeom prst="hexagon">
-            <a:avLst/>
-          </a:prstGeom>
-          <a:noFill/>
-          <a:ln w="38100">
-            <a:solidFill>
-              <a:srgbClr val="C00000"/>
-            </a:solidFill>
-          </a:ln>
-        </p:spPr>
-        <p:style>
-          <a:lnRef idx="2">
-            <a:schemeClr val="accent1">
-              <a:shade val="15000"/>
-            </a:schemeClr>
-          </a:lnRef>
-          <a:fillRef idx="1">
-            <a:schemeClr val="accent1"/>
-          </a:fillRef>
-          <a:effectRef idx="0">
-            <a:schemeClr val="accent1"/>
-          </a:effectRef>
-          <a:fontRef idx="minor">
-            <a:schemeClr val="lt1"/>
-          </a:fontRef>
-        </p:style>
-        <p:txBody>
-          <a:bodyPr rtlCol="0" anchor="ctr"/>
-          <a:lstStyle/>
-          <a:p>
-            <a:pPr algn="ctr"/>
-            <a:endParaRPr lang="en-US" dirty="0"/>
-          </a:p>
-        </p:txBody>
-      </p:sp>
-      <p:sp>
-        <p:nvSpPr>
-          <p:cNvPr id="1036" name="Hexagon 1035">
-            <a:extLst>
-              <a:ext uri="{FF2B5EF4-FFF2-40B4-BE49-F238E27FC236}">
-                <a16:creationId xmlns:a16="http://schemas.microsoft.com/office/drawing/2014/main" id="{F83ECF99-64C5-797E-B098-E76380388873}"/>
-              </a:ext>
-            </a:extLst>
-          </p:cNvPr>
-          <p:cNvSpPr>
-            <a:spLocks noChangeAspect="1"/>
-          </p:cNvSpPr>
-          <p:nvPr/>
-        </p:nvSpPr>
-        <p:spPr>
-          <a:xfrm>
-            <a:off x="8002848" y="4411034"/>
-            <a:ext cx="1101061" cy="949191"/>
-          </a:xfrm>
-          <a:prstGeom prst="hexagon">
-            <a:avLst/>
-          </a:prstGeom>
-          <a:noFill/>
-          <a:ln w="38100">
-            <a:solidFill>
-              <a:srgbClr val="C00000"/>
-            </a:solidFill>
-          </a:ln>
-        </p:spPr>
-        <p:style>
-          <a:lnRef idx="2">
-            <a:schemeClr val="accent1">
-              <a:shade val="15000"/>
-            </a:schemeClr>
-          </a:lnRef>
-          <a:fillRef idx="1">
-            <a:schemeClr val="accent1"/>
-          </a:fillRef>
-          <a:effectRef idx="0">
-            <a:schemeClr val="accent1"/>
-          </a:effectRef>
-          <a:fontRef idx="minor">
-            <a:schemeClr val="lt1"/>
-          </a:fontRef>
-        </p:style>
-        <p:txBody>
-          <a:bodyPr rtlCol="0" anchor="ctr"/>
-          <a:lstStyle/>
-          <a:p>
-            <a:pPr algn="ctr"/>
-            <a:endParaRPr lang="en-US" dirty="0"/>
-          </a:p>
-        </p:txBody>
-      </p:sp>
-      <p:sp>
-        <p:nvSpPr>
-          <p:cNvPr id="1037" name="Hexagon 1036">
-            <a:extLst>
-              <a:ext uri="{FF2B5EF4-FFF2-40B4-BE49-F238E27FC236}">
-                <a16:creationId xmlns:a16="http://schemas.microsoft.com/office/drawing/2014/main" id="{3EFEC826-0843-1F99-73DF-98C2B066C33D}"/>
-              </a:ext>
-            </a:extLst>
-          </p:cNvPr>
-          <p:cNvSpPr>
-            <a:spLocks noChangeAspect="1"/>
-          </p:cNvSpPr>
-          <p:nvPr/>
-        </p:nvSpPr>
-        <p:spPr>
-          <a:xfrm>
-            <a:off x="8002848" y="5369961"/>
-            <a:ext cx="1101061" cy="949191"/>
-          </a:xfrm>
-          <a:prstGeom prst="hexagon">
-            <a:avLst/>
-          </a:prstGeom>
-          <a:noFill/>
-          <a:ln w="38100">
-            <a:solidFill>
-              <a:srgbClr val="C00000"/>
-            </a:solidFill>
-          </a:ln>
-        </p:spPr>
-        <p:style>
-          <a:lnRef idx="2">
-            <a:schemeClr val="accent1">
-              <a:shade val="15000"/>
-            </a:schemeClr>
-          </a:lnRef>
-          <a:fillRef idx="1">
-            <a:schemeClr val="accent1"/>
-          </a:fillRef>
-          <a:effectRef idx="0">
-            <a:schemeClr val="accent1"/>
-          </a:effectRef>
-          <a:fontRef idx="minor">
-            <a:schemeClr val="lt1"/>
-          </a:fontRef>
-        </p:style>
-        <p:txBody>
-          <a:bodyPr rtlCol="0" anchor="ctr"/>
-          <a:lstStyle/>
-          <a:p>
-            <a:pPr algn="ctr"/>
-            <a:endParaRPr lang="en-US" dirty="0"/>
-          </a:p>
-        </p:txBody>
-      </p:sp>
-      <p:sp>
-        <p:nvSpPr>
-          <p:cNvPr id="1038" name="Hexagon 1037">
-            <a:extLst>
-              <a:ext uri="{FF2B5EF4-FFF2-40B4-BE49-F238E27FC236}">
-                <a16:creationId xmlns:a16="http://schemas.microsoft.com/office/drawing/2014/main" id="{0BCE8D4E-D1B7-EB16-800E-B94AFEB8750D}"/>
-              </a:ext>
-            </a:extLst>
-          </p:cNvPr>
-          <p:cNvSpPr>
-            <a:spLocks noChangeAspect="1"/>
-          </p:cNvSpPr>
-          <p:nvPr/>
-        </p:nvSpPr>
-        <p:spPr>
-          <a:xfrm>
-            <a:off x="7146581" y="4877619"/>
-            <a:ext cx="1101061" cy="949191"/>
-          </a:xfrm>
-          <a:prstGeom prst="hexagon">
-            <a:avLst/>
-          </a:prstGeom>
-          <a:noFill/>
-          <a:ln w="38100">
-            <a:solidFill>
-              <a:srgbClr val="C00000"/>
-            </a:solidFill>
-          </a:ln>
-        </p:spPr>
-        <p:style>
-          <a:lnRef idx="2">
-            <a:schemeClr val="accent1">
-              <a:shade val="15000"/>
-            </a:schemeClr>
-          </a:lnRef>
-          <a:fillRef idx="1">
-            <a:schemeClr val="accent1"/>
-          </a:fillRef>
-          <a:effectRef idx="0">
-            <a:schemeClr val="accent1"/>
-          </a:effectRef>
-          <a:fontRef idx="minor">
-            <a:schemeClr val="lt1"/>
-          </a:fontRef>
-        </p:style>
-        <p:txBody>
-          <a:bodyPr rtlCol="0" anchor="ctr"/>
-          <a:lstStyle/>
-          <a:p>
-            <a:pPr algn="ctr"/>
-            <a:endParaRPr lang="en-US" dirty="0"/>
-          </a:p>
-        </p:txBody>
-      </p:sp>
-      <p:sp>
-        <p:nvSpPr>
-          <p:cNvPr id="1041" name="Hexagon 1040">
-            <a:extLst>
-              <a:ext uri="{FF2B5EF4-FFF2-40B4-BE49-F238E27FC236}">
-                <a16:creationId xmlns:a16="http://schemas.microsoft.com/office/drawing/2014/main" id="{233AE70B-20DB-13A2-B087-EABEF323EEE8}"/>
-              </a:ext>
-            </a:extLst>
-          </p:cNvPr>
-          <p:cNvSpPr>
-            <a:spLocks noChangeAspect="1"/>
-          </p:cNvSpPr>
-          <p:nvPr/>
-        </p:nvSpPr>
-        <p:spPr>
-          <a:xfrm>
-            <a:off x="1974615" y="123371"/>
-            <a:ext cx="1101061" cy="949191"/>
-          </a:xfrm>
-          <a:prstGeom prst="hexagon">
-            <a:avLst/>
-          </a:prstGeom>
-          <a:noFill/>
-          <a:ln w="38100">
-            <a:solidFill>
-              <a:srgbClr val="C00000"/>
-            </a:solidFill>
-          </a:ln>
-        </p:spPr>
-        <p:style>
-          <a:lnRef idx="2">
-            <a:schemeClr val="accent1">
-              <a:shade val="15000"/>
-            </a:schemeClr>
-          </a:lnRef>
-          <a:fillRef idx="1">
-            <a:schemeClr val="accent1"/>
-          </a:fillRef>
-          <a:effectRef idx="0">
-            <a:schemeClr val="accent1"/>
-          </a:effectRef>
-          <a:fontRef idx="minor">
-            <a:schemeClr val="lt1"/>
-          </a:fontRef>
-        </p:style>
-        <p:txBody>
-          <a:bodyPr rtlCol="0" anchor="ctr"/>
-          <a:lstStyle/>
-          <a:p>
-            <a:pPr algn="ctr"/>
-            <a:endParaRPr lang="en-US" dirty="0"/>
-          </a:p>
-        </p:txBody>
-      </p:sp>
-      <p:sp>
-        <p:nvSpPr>
-          <p:cNvPr id="1042" name="Hexagon 1041">
-            <a:extLst>
-              <a:ext uri="{FF2B5EF4-FFF2-40B4-BE49-F238E27FC236}">
-                <a16:creationId xmlns:a16="http://schemas.microsoft.com/office/drawing/2014/main" id="{3DE50CB0-C76B-A63E-8679-7E0A8959A0B9}"/>
-              </a:ext>
-            </a:extLst>
-          </p:cNvPr>
-          <p:cNvSpPr>
-            <a:spLocks noChangeAspect="1"/>
-          </p:cNvSpPr>
-          <p:nvPr/>
-        </p:nvSpPr>
-        <p:spPr>
-          <a:xfrm>
-            <a:off x="1967472" y="1075545"/>
-            <a:ext cx="1101061" cy="949191"/>
-          </a:xfrm>
-          <a:prstGeom prst="hexagon">
-            <a:avLst/>
-          </a:prstGeom>
-          <a:noFill/>
-          <a:ln w="38100">
-            <a:solidFill>
-              <a:srgbClr val="C00000"/>
-            </a:solidFill>
-          </a:ln>
-        </p:spPr>
-        <p:style>
-          <a:lnRef idx="2">
-            <a:schemeClr val="accent1">
-              <a:shade val="15000"/>
-            </a:schemeClr>
-          </a:lnRef>
-          <a:fillRef idx="1">
-            <a:schemeClr val="accent1"/>
-          </a:fillRef>
-          <a:effectRef idx="0">
-            <a:schemeClr val="accent1"/>
-          </a:effectRef>
-          <a:fontRef idx="minor">
-            <a:schemeClr val="lt1"/>
-          </a:fontRef>
-        </p:style>
-        <p:txBody>
-          <a:bodyPr rtlCol="0" anchor="ctr"/>
-          <a:lstStyle/>
-          <a:p>
-            <a:pPr algn="ctr"/>
-            <a:endParaRPr lang="en-US" dirty="0"/>
-          </a:p>
-        </p:txBody>
-      </p:sp>
-      <p:sp>
-        <p:nvSpPr>
-          <p:cNvPr id="1043" name="Hexagon 1042">
-            <a:extLst>
-              <a:ext uri="{FF2B5EF4-FFF2-40B4-BE49-F238E27FC236}">
-                <a16:creationId xmlns:a16="http://schemas.microsoft.com/office/drawing/2014/main" id="{29D05AB5-6B19-44C7-74B5-B5B33DBEB87D}"/>
-              </a:ext>
-            </a:extLst>
-          </p:cNvPr>
-          <p:cNvSpPr>
-            <a:spLocks noChangeAspect="1"/>
-          </p:cNvSpPr>
-          <p:nvPr/>
-        </p:nvSpPr>
-        <p:spPr>
-          <a:xfrm>
-            <a:off x="1967472" y="2020185"/>
-            <a:ext cx="1101061" cy="949191"/>
-          </a:xfrm>
-          <a:prstGeom prst="hexagon">
-            <a:avLst/>
-          </a:prstGeom>
-          <a:noFill/>
-          <a:ln w="38100">
-            <a:solidFill>
-              <a:srgbClr val="C00000"/>
-            </a:solidFill>
-          </a:ln>
-        </p:spPr>
-        <p:style>
-          <a:lnRef idx="2">
-            <a:schemeClr val="accent1">
-              <a:shade val="15000"/>
-            </a:schemeClr>
-          </a:lnRef>
-          <a:fillRef idx="1">
-            <a:schemeClr val="accent1"/>
-          </a:fillRef>
-          <a:effectRef idx="0">
-            <a:schemeClr val="accent1"/>
-          </a:effectRef>
-          <a:fontRef idx="minor">
-            <a:schemeClr val="lt1"/>
-          </a:fontRef>
-        </p:style>
-        <p:txBody>
-          <a:bodyPr rtlCol="0" anchor="ctr"/>
-          <a:lstStyle/>
-          <a:p>
-            <a:pPr algn="ctr"/>
-            <a:endParaRPr lang="en-US" dirty="0"/>
-          </a:p>
-        </p:txBody>
-      </p:sp>
-      <p:sp>
-        <p:nvSpPr>
-          <p:cNvPr id="1044" name="Hexagon 1043">
-            <a:extLst>
-              <a:ext uri="{FF2B5EF4-FFF2-40B4-BE49-F238E27FC236}">
-                <a16:creationId xmlns:a16="http://schemas.microsoft.com/office/drawing/2014/main" id="{30A6E450-0182-357B-895E-052D58DB7A20}"/>
-              </a:ext>
-            </a:extLst>
-          </p:cNvPr>
-          <p:cNvSpPr>
-            <a:spLocks noChangeAspect="1"/>
-          </p:cNvSpPr>
-          <p:nvPr/>
-        </p:nvSpPr>
-        <p:spPr>
-          <a:xfrm>
-            <a:off x="2834107" y="2497054"/>
-            <a:ext cx="1101061" cy="949191"/>
-          </a:xfrm>
-          <a:prstGeom prst="hexagon">
-            <a:avLst/>
-          </a:prstGeom>
-          <a:noFill/>
-          <a:ln w="38100">
-            <a:solidFill>
-              <a:srgbClr val="C00000"/>
-            </a:solidFill>
-          </a:ln>
-        </p:spPr>
-        <p:style>
-          <a:lnRef idx="2">
-            <a:schemeClr val="accent1">
-              <a:shade val="15000"/>
-            </a:schemeClr>
-          </a:lnRef>
-          <a:fillRef idx="1">
-            <a:schemeClr val="accent1"/>
-          </a:fillRef>
-          <a:effectRef idx="0">
-            <a:schemeClr val="accent1"/>
-          </a:effectRef>
-          <a:fontRef idx="minor">
-            <a:schemeClr val="lt1"/>
-          </a:fontRef>
-        </p:style>
-        <p:txBody>
-          <a:bodyPr rtlCol="0" anchor="ctr"/>
-          <a:lstStyle/>
-          <a:p>
-            <a:pPr algn="ctr"/>
-            <a:endParaRPr lang="en-US" dirty="0"/>
-          </a:p>
-        </p:txBody>
-      </p:sp>
-      <p:sp>
-        <p:nvSpPr>
-          <p:cNvPr id="1045" name="Hexagon 1044">
-            <a:extLst>
-              <a:ext uri="{FF2B5EF4-FFF2-40B4-BE49-F238E27FC236}">
-                <a16:creationId xmlns:a16="http://schemas.microsoft.com/office/drawing/2014/main" id="{E824D373-3145-98BD-613C-E22BE76D8876}"/>
-              </a:ext>
-            </a:extLst>
-          </p:cNvPr>
-          <p:cNvSpPr>
-            <a:spLocks noChangeAspect="1"/>
-          </p:cNvSpPr>
-          <p:nvPr/>
-        </p:nvSpPr>
-        <p:spPr>
-          <a:xfrm>
-            <a:off x="2834107" y="1551633"/>
-            <a:ext cx="1101061" cy="949191"/>
-          </a:xfrm>
-          <a:prstGeom prst="hexagon">
-            <a:avLst/>
-          </a:prstGeom>
-          <a:noFill/>
-          <a:ln w="38100">
-            <a:solidFill>
-              <a:srgbClr val="C00000"/>
-            </a:solidFill>
-          </a:ln>
-        </p:spPr>
-        <p:style>
-          <a:lnRef idx="2">
-            <a:schemeClr val="accent1">
-              <a:shade val="15000"/>
-            </a:schemeClr>
-          </a:lnRef>
-          <a:fillRef idx="1">
-            <a:schemeClr val="accent1"/>
-          </a:fillRef>
-          <a:effectRef idx="0">
-            <a:schemeClr val="accent1"/>
-          </a:effectRef>
-          <a:fontRef idx="minor">
-            <a:schemeClr val="lt1"/>
-          </a:fontRef>
-        </p:style>
-        <p:txBody>
-          <a:bodyPr rtlCol="0" anchor="ctr"/>
-          <a:lstStyle/>
-          <a:p>
-            <a:pPr algn="ctr"/>
-            <a:endParaRPr lang="en-US" dirty="0"/>
-          </a:p>
-        </p:txBody>
-      </p:sp>
-      <p:sp>
-        <p:nvSpPr>
-          <p:cNvPr id="1046" name="Hexagon 1045">
-            <a:extLst>
-              <a:ext uri="{FF2B5EF4-FFF2-40B4-BE49-F238E27FC236}">
-                <a16:creationId xmlns:a16="http://schemas.microsoft.com/office/drawing/2014/main" id="{6767733A-16D2-4B6C-34BB-01A31C7E6626}"/>
-              </a:ext>
-            </a:extLst>
-          </p:cNvPr>
-          <p:cNvSpPr>
-            <a:spLocks noChangeAspect="1"/>
-          </p:cNvSpPr>
-          <p:nvPr/>
-        </p:nvSpPr>
-        <p:spPr>
-          <a:xfrm>
-            <a:off x="2834107" y="606211"/>
-            <a:ext cx="1101061" cy="949191"/>
-          </a:xfrm>
-          <a:prstGeom prst="hexagon">
-            <a:avLst/>
-          </a:prstGeom>
-          <a:noFill/>
-          <a:ln w="38100">
-            <a:solidFill>
-              <a:srgbClr val="C00000"/>
-            </a:solidFill>
-          </a:ln>
-        </p:spPr>
-        <p:style>
-          <a:lnRef idx="2">
-            <a:schemeClr val="accent1">
-              <a:shade val="15000"/>
-            </a:schemeClr>
-          </a:lnRef>
-          <a:fillRef idx="1">
-            <a:schemeClr val="accent1"/>
-          </a:fillRef>
-          <a:effectRef idx="0">
-            <a:schemeClr val="accent1"/>
-          </a:effectRef>
-          <a:fontRef idx="minor">
-            <a:schemeClr val="lt1"/>
-          </a:fontRef>
-        </p:style>
-        <p:txBody>
-          <a:bodyPr rtlCol="0" anchor="ctr"/>
-          <a:lstStyle/>
-          <a:p>
-            <a:pPr algn="ctr"/>
-            <a:endParaRPr lang="en-US" dirty="0"/>
-          </a:p>
-        </p:txBody>
-      </p:sp>
-      <p:sp>
-        <p:nvSpPr>
-          <p:cNvPr id="1047" name="Hexagon 1046">
-            <a:extLst>
-              <a:ext uri="{FF2B5EF4-FFF2-40B4-BE49-F238E27FC236}">
-                <a16:creationId xmlns:a16="http://schemas.microsoft.com/office/drawing/2014/main" id="{CDACEC79-344B-B4E4-41E0-EBF8AF32F90C}"/>
-              </a:ext>
-            </a:extLst>
-          </p:cNvPr>
-          <p:cNvSpPr>
-            <a:spLocks noChangeAspect="1"/>
-          </p:cNvSpPr>
-          <p:nvPr/>
-        </p:nvSpPr>
-        <p:spPr>
-          <a:xfrm>
-            <a:off x="3693601" y="130689"/>
-            <a:ext cx="1101061" cy="949191"/>
-          </a:xfrm>
-          <a:prstGeom prst="hexagon">
-            <a:avLst/>
-          </a:prstGeom>
-          <a:noFill/>
-          <a:ln w="38100">
-            <a:solidFill>
-              <a:srgbClr val="C00000"/>
-            </a:solidFill>
-          </a:ln>
-        </p:spPr>
-        <p:style>
-          <a:lnRef idx="2">
-            <a:schemeClr val="accent1">
-              <a:shade val="15000"/>
-            </a:schemeClr>
-          </a:lnRef>
-          <a:fillRef idx="1">
-            <a:schemeClr val="accent1"/>
-          </a:fillRef>
-          <a:effectRef idx="0">
-            <a:schemeClr val="accent1"/>
-          </a:effectRef>
-          <a:fontRef idx="minor">
-            <a:schemeClr val="lt1"/>
-          </a:fontRef>
-        </p:style>
-        <p:txBody>
-          <a:bodyPr rtlCol="0" anchor="ctr"/>
-          <a:lstStyle/>
-          <a:p>
-            <a:pPr algn="ctr"/>
-            <a:endParaRPr lang="en-US" dirty="0"/>
-          </a:p>
-        </p:txBody>
-      </p:sp>
-      <p:sp>
-        <p:nvSpPr>
-          <p:cNvPr id="1048" name="Hexagon 1047">
-            <a:extLst>
-              <a:ext uri="{FF2B5EF4-FFF2-40B4-BE49-F238E27FC236}">
-                <a16:creationId xmlns:a16="http://schemas.microsoft.com/office/drawing/2014/main" id="{1E35B54C-090A-1F13-14AA-318518BC9368}"/>
-              </a:ext>
-            </a:extLst>
-          </p:cNvPr>
-          <p:cNvSpPr>
-            <a:spLocks noChangeAspect="1"/>
-          </p:cNvSpPr>
-          <p:nvPr/>
-        </p:nvSpPr>
-        <p:spPr>
-          <a:xfrm>
-            <a:off x="3687238" y="1088921"/>
-            <a:ext cx="1101061" cy="949191"/>
-          </a:xfrm>
-          <a:prstGeom prst="hexagon">
-            <a:avLst/>
-          </a:prstGeom>
-          <a:noFill/>
-          <a:ln w="38100">
-            <a:solidFill>
-              <a:srgbClr val="C00000"/>
-            </a:solidFill>
-          </a:ln>
-        </p:spPr>
-        <p:style>
-          <a:lnRef idx="2">
-            <a:schemeClr val="accent1">
-              <a:shade val="15000"/>
-            </a:schemeClr>
-          </a:lnRef>
-          <a:fillRef idx="1">
-            <a:schemeClr val="accent1"/>
-          </a:fillRef>
-          <a:effectRef idx="0">
-            <a:schemeClr val="accent1"/>
-          </a:effectRef>
-          <a:fontRef idx="minor">
-            <a:schemeClr val="lt1"/>
-          </a:fontRef>
-        </p:style>
-        <p:txBody>
-          <a:bodyPr rtlCol="0" anchor="ctr"/>
-          <a:lstStyle/>
-          <a:p>
-            <a:pPr algn="ctr"/>
-            <a:endParaRPr lang="en-US" dirty="0"/>
-          </a:p>
-        </p:txBody>
-      </p:sp>
-      <p:sp>
-        <p:nvSpPr>
-          <p:cNvPr id="1049" name="Hexagon 1048">
-            <a:extLst>
-              <a:ext uri="{FF2B5EF4-FFF2-40B4-BE49-F238E27FC236}">
-                <a16:creationId xmlns:a16="http://schemas.microsoft.com/office/drawing/2014/main" id="{BCBB82C8-E63A-EE61-6294-25E618FEB54B}"/>
-              </a:ext>
-            </a:extLst>
-          </p:cNvPr>
-          <p:cNvSpPr>
-            <a:spLocks noChangeAspect="1"/>
-          </p:cNvSpPr>
-          <p:nvPr/>
-        </p:nvSpPr>
-        <p:spPr>
-          <a:xfrm>
-            <a:off x="4550589" y="613297"/>
-            <a:ext cx="1101061" cy="949191"/>
-          </a:xfrm>
-          <a:prstGeom prst="hexagon">
-            <a:avLst/>
-          </a:prstGeom>
-          <a:noFill/>
-          <a:ln w="38100">
-            <a:solidFill>
-              <a:srgbClr val="C00000"/>
-            </a:solidFill>
-          </a:ln>
-        </p:spPr>
-        <p:style>
-          <a:lnRef idx="2">
-            <a:schemeClr val="accent1">
-              <a:shade val="15000"/>
-            </a:schemeClr>
-          </a:lnRef>
-          <a:fillRef idx="1">
-            <a:schemeClr val="accent1"/>
-          </a:fillRef>
-          <a:effectRef idx="0">
-            <a:schemeClr val="accent1"/>
-          </a:effectRef>
-          <a:fontRef idx="minor">
-            <a:schemeClr val="lt1"/>
-          </a:fontRef>
-        </p:style>
-        <p:txBody>
-          <a:bodyPr rtlCol="0" anchor="ctr"/>
-          <a:lstStyle/>
-          <a:p>
-            <a:pPr algn="ctr"/>
-            <a:endParaRPr lang="en-US" dirty="0"/>
-          </a:p>
-        </p:txBody>
-      </p:sp>
-      <p:sp>
-        <p:nvSpPr>
-          <p:cNvPr id="1050" name="Hexagon 1049">
-            <a:extLst>
-              <a:ext uri="{FF2B5EF4-FFF2-40B4-BE49-F238E27FC236}">
-                <a16:creationId xmlns:a16="http://schemas.microsoft.com/office/drawing/2014/main" id="{70D2298F-7505-8383-97B8-EEAD8289CED8}"/>
-              </a:ext>
-            </a:extLst>
-          </p:cNvPr>
-          <p:cNvSpPr>
-            <a:spLocks noChangeAspect="1"/>
-          </p:cNvSpPr>
-          <p:nvPr/>
-        </p:nvSpPr>
-        <p:spPr>
-          <a:xfrm>
-            <a:off x="4550589" y="1565470"/>
-            <a:ext cx="1101061" cy="949191"/>
-          </a:xfrm>
-          <a:prstGeom prst="hexagon">
-            <a:avLst/>
-          </a:prstGeom>
-          <a:noFill/>
-          <a:ln w="38100">
-            <a:solidFill>
-              <a:srgbClr val="C00000"/>
-            </a:solidFill>
-          </a:ln>
-        </p:spPr>
-        <p:style>
-          <a:lnRef idx="2">
-            <a:schemeClr val="accent1">
-              <a:shade val="15000"/>
-            </a:schemeClr>
-          </a:lnRef>
-          <a:fillRef idx="1">
-            <a:schemeClr val="accent1"/>
-          </a:fillRef>
-          <a:effectRef idx="0">
-            <a:schemeClr val="accent1"/>
-          </a:effectRef>
-          <a:fontRef idx="minor">
-            <a:schemeClr val="lt1"/>
-          </a:fontRef>
-        </p:style>
-        <p:txBody>
-          <a:bodyPr rtlCol="0" anchor="ctr"/>
-          <a:lstStyle/>
-          <a:p>
-            <a:pPr algn="ctr"/>
-            <a:endParaRPr lang="en-US" dirty="0"/>
-          </a:p>
-        </p:txBody>
-      </p:sp>
-      <p:sp>
-        <p:nvSpPr>
-          <p:cNvPr id="1051" name="Hexagon 1050">
-            <a:extLst>
-              <a:ext uri="{FF2B5EF4-FFF2-40B4-BE49-F238E27FC236}">
-                <a16:creationId xmlns:a16="http://schemas.microsoft.com/office/drawing/2014/main" id="{DC63DC33-6F51-897F-07D6-CC39F55F7C19}"/>
-              </a:ext>
-            </a:extLst>
-          </p:cNvPr>
-          <p:cNvSpPr>
-            <a:spLocks noChangeAspect="1"/>
-          </p:cNvSpPr>
-          <p:nvPr/>
-        </p:nvSpPr>
-        <p:spPr>
-          <a:xfrm>
-            <a:off x="4550589" y="2524398"/>
-            <a:ext cx="1101061" cy="949191"/>
-          </a:xfrm>
-          <a:prstGeom prst="hexagon">
-            <a:avLst/>
-          </a:prstGeom>
-          <a:noFill/>
-          <a:ln w="38100">
-            <a:solidFill>
-              <a:srgbClr val="C00000"/>
-            </a:solidFill>
-          </a:ln>
-        </p:spPr>
-        <p:style>
-          <a:lnRef idx="2">
-            <a:schemeClr val="accent1">
-              <a:shade val="15000"/>
-            </a:schemeClr>
-          </a:lnRef>
-          <a:fillRef idx="1">
-            <a:schemeClr val="accent1"/>
-          </a:fillRef>
-          <a:effectRef idx="0">
-            <a:schemeClr val="accent1"/>
-          </a:effectRef>
-          <a:fontRef idx="minor">
-            <a:schemeClr val="lt1"/>
-          </a:fontRef>
-        </p:style>
-        <p:txBody>
-          <a:bodyPr rtlCol="0" anchor="ctr"/>
-          <a:lstStyle/>
-          <a:p>
-            <a:pPr algn="ctr"/>
-            <a:endParaRPr lang="en-US" dirty="0"/>
-          </a:p>
-        </p:txBody>
-      </p:sp>
-      <p:sp>
-        <p:nvSpPr>
-          <p:cNvPr id="1052" name="Hexagon 1051">
-            <a:extLst>
-              <a:ext uri="{FF2B5EF4-FFF2-40B4-BE49-F238E27FC236}">
-                <a16:creationId xmlns:a16="http://schemas.microsoft.com/office/drawing/2014/main" id="{A6BED701-B11E-C171-A218-15045EBA5BCB}"/>
-              </a:ext>
-            </a:extLst>
-          </p:cNvPr>
-          <p:cNvSpPr>
-            <a:spLocks noChangeAspect="1"/>
-          </p:cNvSpPr>
-          <p:nvPr/>
-        </p:nvSpPr>
-        <p:spPr>
-          <a:xfrm>
-            <a:off x="3694323" y="2032055"/>
-            <a:ext cx="1101061" cy="949191"/>
-          </a:xfrm>
-          <a:prstGeom prst="hexagon">
-            <a:avLst/>
-          </a:prstGeom>
-          <a:noFill/>
-          <a:ln w="38100">
-            <a:solidFill>
-              <a:srgbClr val="C00000"/>
-            </a:solidFill>
-          </a:ln>
-        </p:spPr>
-        <p:style>
-          <a:lnRef idx="2">
-            <a:schemeClr val="accent1">
-              <a:shade val="15000"/>
-            </a:schemeClr>
-          </a:lnRef>
-          <a:fillRef idx="1">
-            <a:schemeClr val="accent1"/>
-          </a:fillRef>
-          <a:effectRef idx="0">
-            <a:schemeClr val="accent1"/>
-          </a:effectRef>
-          <a:fontRef idx="minor">
-            <a:schemeClr val="lt1"/>
-          </a:fontRef>
-        </p:style>
-        <p:txBody>
-          <a:bodyPr rtlCol="0" anchor="ctr"/>
-          <a:lstStyle/>
-          <a:p>
-            <a:pPr algn="ctr"/>
-            <a:endParaRPr lang="en-US" dirty="0"/>
-          </a:p>
-        </p:txBody>
-      </p:sp>
-      <p:sp>
-        <p:nvSpPr>
-          <p:cNvPr id="1054" name="TextBox 1053">
-            <a:extLst>
-              <a:ext uri="{FF2B5EF4-FFF2-40B4-BE49-F238E27FC236}">
-                <a16:creationId xmlns:a16="http://schemas.microsoft.com/office/drawing/2014/main" id="{E16D4160-E2CF-117C-20CB-9D971F61732B}"/>
-              </a:ext>
-            </a:extLst>
-          </p:cNvPr>
-          <p:cNvSpPr txBox="1"/>
-          <p:nvPr/>
-        </p:nvSpPr>
-        <p:spPr>
-          <a:xfrm>
-            <a:off x="6836896" y="857059"/>
-            <a:ext cx="3090073" cy="461665"/>
-          </a:xfrm>
-          <a:prstGeom prst="rect">
-            <a:avLst/>
-          </a:prstGeom>
-          <a:noFill/>
-        </p:spPr>
-        <p:txBody>
-          <a:bodyPr wrap="square" rtlCol="0">
-            <a:spAutoFit/>
-          </a:bodyPr>
-          <a:lstStyle/>
-          <a:p>
-            <a:pPr algn="ctr"/>
-            <a:r>
-              <a:rPr lang="en-US" sz="2400" b="1" dirty="0"/>
-              <a:t>Padded PBC (Full FFT)</a:t>
-            </a:r>
-          </a:p>
-        </p:txBody>
-      </p:sp>
-      <p:sp>
-        <p:nvSpPr>
-          <p:cNvPr id="4" name="TextBox 3">
-            <a:extLst>
-              <a:ext uri="{FF2B5EF4-FFF2-40B4-BE49-F238E27FC236}">
-                <a16:creationId xmlns:a16="http://schemas.microsoft.com/office/drawing/2014/main" id="{E790C61F-5E95-A1FC-DF35-A2152D6F59F6}"/>
-              </a:ext>
-            </a:extLst>
-          </p:cNvPr>
-          <p:cNvSpPr txBox="1"/>
-          <p:nvPr/>
-        </p:nvSpPr>
-        <p:spPr>
-          <a:xfrm>
-            <a:off x="6445440" y="1667051"/>
-            <a:ext cx="5175060" cy="369332"/>
-          </a:xfrm>
-          <a:prstGeom prst="rect">
-            <a:avLst/>
-          </a:prstGeom>
-          <a:noFill/>
-        </p:spPr>
-        <p:txBody>
-          <a:bodyPr wrap="square" rtlCol="0">
-            <a:spAutoFit/>
-          </a:bodyPr>
-          <a:lstStyle/>
-          <a:p>
-            <a:r>
-              <a:rPr lang="en-US" dirty="0"/>
-              <a:t>Hexagons drawn for illustration of hexagon approach</a:t>
-            </a:r>
-          </a:p>
-        </p:txBody>
-      </p:sp>
-    </p:spTree>
-    <p:extLst>
-      <p:ext uri="{BB962C8B-B14F-4D97-AF65-F5344CB8AC3E}">
-        <p14:creationId xmlns:p14="http://schemas.microsoft.com/office/powerpoint/2010/main" val="775315718"/>
-      </p:ext>
-    </p:extLst>
-  </p:cSld>
-  <p:clrMapOvr>
-    <a:masterClrMapping/>
-  </p:clrMapOvr>
-</p:sld>
-</file>
-
-<file path=ppt/slides/slide9.xml><?xml version="1.0" encoding="utf-8"?>
-<p:sld xmlns:a="http://schemas.openxmlformats.org/drawingml/2006/main" xmlns:r="http://schemas.openxmlformats.org/officeDocument/2006/relationships" xmlns:p="http://schemas.openxmlformats.org/presentationml/2006/main">
-  <p:cSld>
-    <p:spTree>
-      <p:nvGrpSpPr>
-        <p:cNvPr id="1" name=""/>
-        <p:cNvGrpSpPr/>
-        <p:nvPr/>
-      </p:nvGrpSpPr>
-      <p:grpSpPr>
-        <a:xfrm>
-          <a:off x="0" y="0"/>
-          <a:ext cx="0" cy="0"/>
-          <a:chOff x="0" y="0"/>
-          <a:chExt cx="0" cy="0"/>
-        </a:xfrm>
-      </p:grpSpPr>
       <p:grpSp>
         <p:nvGrpSpPr>
           <p:cNvPr id="3123" name="Group 3122">
@@ -9689,6 +5895,3896 @@
     <p:extLst>
       <p:ext uri="{BB962C8B-B14F-4D97-AF65-F5344CB8AC3E}">
         <p14:creationId xmlns:p14="http://schemas.microsoft.com/office/powerpoint/2010/main" val="1611097860"/>
+      </p:ext>
+    </p:extLst>
+  </p:cSld>
+  <p:clrMapOvr>
+    <a:masterClrMapping/>
+  </p:clrMapOvr>
+</p:sld>
+</file>
+
+<file path=ppt/slides/slide11.xml><?xml version="1.0" encoding="utf-8"?>
+<p:sld xmlns:a="http://schemas.openxmlformats.org/drawingml/2006/main" xmlns:r="http://schemas.openxmlformats.org/officeDocument/2006/relationships" xmlns:p="http://schemas.openxmlformats.org/presentationml/2006/main">
+  <p:cSld>
+    <p:spTree>
+      <p:nvGrpSpPr>
+        <p:cNvPr id="1" name=""/>
+        <p:cNvGrpSpPr/>
+        <p:nvPr/>
+      </p:nvGrpSpPr>
+      <p:grpSpPr>
+        <a:xfrm>
+          <a:off x="0" y="0"/>
+          <a:ext cx="0" cy="0"/>
+          <a:chOff x="0" y="0"/>
+          <a:chExt cx="0" cy="0"/>
+        </a:xfrm>
+      </p:grpSpPr>
+      <p:sp>
+        <p:nvSpPr>
+          <p:cNvPr id="2" name="Title 1">
+            <a:extLst>
+              <a:ext uri="{FF2B5EF4-FFF2-40B4-BE49-F238E27FC236}">
+                <a16:creationId xmlns:a16="http://schemas.microsoft.com/office/drawing/2014/main" id="{7E9C978C-CCAD-7918-309E-D2E0F8DABF7D}"/>
+              </a:ext>
+            </a:extLst>
+          </p:cNvPr>
+          <p:cNvSpPr>
+            <a:spLocks noGrp="1"/>
+          </p:cNvSpPr>
+          <p:nvPr>
+            <p:ph type="title"/>
+          </p:nvPr>
+        </p:nvSpPr>
+        <p:spPr/>
+        <p:txBody>
+          <a:bodyPr>
+            <a:normAutofit/>
+          </a:bodyPr>
+          <a:lstStyle/>
+          <a:p>
+            <a:r>
+              <a:rPr lang="en-US" dirty="0"/>
+              <a:t>Other conditions </a:t>
+            </a:r>
+            <a:br>
+              <a:rPr lang="en-US" dirty="0"/>
+            </a:br>
+            <a:r>
+              <a:rPr lang="en-US" sz="3600" dirty="0"/>
+              <a:t>(full and half results overlapped to show match)</a:t>
+            </a:r>
+          </a:p>
+        </p:txBody>
+      </p:sp>
+      <p:sp>
+        <p:nvSpPr>
+          <p:cNvPr id="4" name="TextBox 3">
+            <a:extLst>
+              <a:ext uri="{FF2B5EF4-FFF2-40B4-BE49-F238E27FC236}">
+                <a16:creationId xmlns:a16="http://schemas.microsoft.com/office/drawing/2014/main" id="{AC4A5B27-C4F3-1037-B614-0F2CAFB6D70B}"/>
+              </a:ext>
+            </a:extLst>
+          </p:cNvPr>
+          <p:cNvSpPr txBox="1"/>
+          <p:nvPr/>
+        </p:nvSpPr>
+        <p:spPr>
+          <a:xfrm>
+            <a:off x="1293052" y="1985653"/>
+            <a:ext cx="2993749" cy="646331"/>
+          </a:xfrm>
+          <a:prstGeom prst="rect">
+            <a:avLst/>
+          </a:prstGeom>
+          <a:noFill/>
+        </p:spPr>
+        <p:txBody>
+          <a:bodyPr wrap="square" rtlCol="0">
+            <a:spAutoFit/>
+          </a:bodyPr>
+          <a:lstStyle/>
+          <a:p>
+            <a:pPr algn="ctr"/>
+            <a:r>
+              <a:rPr lang="en-US" dirty="0"/>
+              <a:t>s = 0.0241 (20.28%; dx=0.4), </a:t>
+            </a:r>
+            <a:br>
+              <a:rPr lang="en-US" dirty="0"/>
+            </a:br>
+            <a:r>
+              <a:rPr lang="en-US" dirty="0"/>
+              <a:t>Lx, Ly = 12.40, 20.80</a:t>
+            </a:r>
+          </a:p>
+        </p:txBody>
+      </p:sp>
+      <p:pic>
+        <p:nvPicPr>
+          <p:cNvPr id="4112" name="Picture 16">
+            <a:extLst>
+              <a:ext uri="{FF2B5EF4-FFF2-40B4-BE49-F238E27FC236}">
+                <a16:creationId xmlns:a16="http://schemas.microsoft.com/office/drawing/2014/main" id="{6E4CE12C-CFDD-DB5A-13CF-014A50C5FE21}"/>
+              </a:ext>
+            </a:extLst>
+          </p:cNvPr>
+          <p:cNvPicPr>
+            <a:picLocks noChangeAspect="1" noChangeArrowheads="1"/>
+          </p:cNvPicPr>
+          <p:nvPr/>
+        </p:nvPicPr>
+        <p:blipFill>
+          <a:blip r:embed="rId2">
+            <a:alphaModFix amt="70000"/>
+            <a:extLst>
+              <a:ext uri="{28A0092B-C50C-407E-A947-70E740481C1C}">
+                <a14:useLocalDpi xmlns:a14="http://schemas.microsoft.com/office/drawing/2010/main" val="0"/>
+              </a:ext>
+            </a:extLst>
+          </a:blip>
+          <a:srcRect/>
+          <a:stretch>
+            <a:fillRect/>
+          </a:stretch>
+        </p:blipFill>
+        <p:spPr bwMode="auto">
+          <a:xfrm>
+            <a:off x="1670327" y="2923865"/>
+            <a:ext cx="2066911" cy="3253471"/>
+          </a:xfrm>
+          <a:prstGeom prst="rect">
+            <a:avLst/>
+          </a:prstGeom>
+          <a:noFill/>
+          <a:extLst>
+            <a:ext uri="{909E8E84-426E-40DD-AFC4-6F175D3DCCD1}">
+              <a14:hiddenFill xmlns:a14="http://schemas.microsoft.com/office/drawing/2010/main">
+                <a:solidFill>
+                  <a:srgbClr val="FFFFFF"/>
+                </a:solidFill>
+              </a14:hiddenFill>
+            </a:ext>
+          </a:extLst>
+        </p:spPr>
+      </p:pic>
+      <p:pic>
+        <p:nvPicPr>
+          <p:cNvPr id="4118" name="Picture 22">
+            <a:extLst>
+              <a:ext uri="{FF2B5EF4-FFF2-40B4-BE49-F238E27FC236}">
+                <a16:creationId xmlns:a16="http://schemas.microsoft.com/office/drawing/2014/main" id="{C1740158-C4AE-39C7-D7D0-D3DF2244A988}"/>
+              </a:ext>
+            </a:extLst>
+          </p:cNvPr>
+          <p:cNvPicPr>
+            <a:picLocks noChangeAspect="1" noChangeArrowheads="1"/>
+          </p:cNvPicPr>
+          <p:nvPr/>
+        </p:nvPicPr>
+        <p:blipFill>
+          <a:blip r:embed="rId3">
+            <a:alphaModFix amt="70000"/>
+            <a:extLst>
+              <a:ext uri="{28A0092B-C50C-407E-A947-70E740481C1C}">
+                <a14:useLocalDpi xmlns:a14="http://schemas.microsoft.com/office/drawing/2010/main" val="0"/>
+              </a:ext>
+            </a:extLst>
+          </a:blip>
+          <a:srcRect/>
+          <a:stretch>
+            <a:fillRect/>
+          </a:stretch>
+        </p:blipFill>
+        <p:spPr bwMode="auto">
+          <a:xfrm>
+            <a:off x="1397276" y="2757487"/>
+            <a:ext cx="2066911" cy="3253471"/>
+          </a:xfrm>
+          <a:prstGeom prst="rect">
+            <a:avLst/>
+          </a:prstGeom>
+          <a:noFill/>
+          <a:extLst>
+            <a:ext uri="{909E8E84-426E-40DD-AFC4-6F175D3DCCD1}">
+              <a14:hiddenFill xmlns:a14="http://schemas.microsoft.com/office/drawing/2010/main">
+                <a:solidFill>
+                  <a:srgbClr val="FFFFFF"/>
+                </a:solidFill>
+              </a14:hiddenFill>
+            </a:ext>
+          </a:extLst>
+        </p:spPr>
+      </p:pic>
+      <p:pic>
+        <p:nvPicPr>
+          <p:cNvPr id="4122" name="Picture 26">
+            <a:extLst>
+              <a:ext uri="{FF2B5EF4-FFF2-40B4-BE49-F238E27FC236}">
+                <a16:creationId xmlns:a16="http://schemas.microsoft.com/office/drawing/2014/main" id="{19FC9AF1-8341-7079-9C97-35A6C6E023E0}"/>
+              </a:ext>
+            </a:extLst>
+          </p:cNvPr>
+          <p:cNvPicPr>
+            <a:picLocks noChangeAspect="1" noChangeArrowheads="1"/>
+          </p:cNvPicPr>
+          <p:nvPr/>
+        </p:nvPicPr>
+        <p:blipFill>
+          <a:blip r:embed="rId4">
+            <a:alphaModFix amt="70000"/>
+            <a:extLst>
+              <a:ext uri="{28A0092B-C50C-407E-A947-70E740481C1C}">
+                <a14:useLocalDpi xmlns:a14="http://schemas.microsoft.com/office/drawing/2010/main" val="0"/>
+              </a:ext>
+            </a:extLst>
+          </a:blip>
+          <a:srcRect/>
+          <a:stretch>
+            <a:fillRect/>
+          </a:stretch>
+        </p:blipFill>
+        <p:spPr bwMode="auto">
+          <a:xfrm>
+            <a:off x="5419695" y="3037976"/>
+            <a:ext cx="2060605" cy="3184571"/>
+          </a:xfrm>
+          <a:prstGeom prst="rect">
+            <a:avLst/>
+          </a:prstGeom>
+          <a:noFill/>
+          <a:extLst>
+            <a:ext uri="{909E8E84-426E-40DD-AFC4-6F175D3DCCD1}">
+              <a14:hiddenFill xmlns:a14="http://schemas.microsoft.com/office/drawing/2010/main">
+                <a:solidFill>
+                  <a:srgbClr val="FFFFFF"/>
+                </a:solidFill>
+              </a14:hiddenFill>
+            </a:ext>
+          </a:extLst>
+        </p:spPr>
+      </p:pic>
+      <p:pic>
+        <p:nvPicPr>
+          <p:cNvPr id="4120" name="Picture 24">
+            <a:extLst>
+              <a:ext uri="{FF2B5EF4-FFF2-40B4-BE49-F238E27FC236}">
+                <a16:creationId xmlns:a16="http://schemas.microsoft.com/office/drawing/2014/main" id="{8546961E-DEEB-841D-1BC5-BFEC2470B0CB}"/>
+              </a:ext>
+            </a:extLst>
+          </p:cNvPr>
+          <p:cNvPicPr>
+            <a:picLocks noChangeAspect="1" noChangeArrowheads="1"/>
+          </p:cNvPicPr>
+          <p:nvPr/>
+        </p:nvPicPr>
+        <p:blipFill>
+          <a:blip r:embed="rId5">
+            <a:alphaModFix amt="70000"/>
+            <a:extLst>
+              <a:ext uri="{28A0092B-C50C-407E-A947-70E740481C1C}">
+                <a14:useLocalDpi xmlns:a14="http://schemas.microsoft.com/office/drawing/2010/main" val="0"/>
+              </a:ext>
+            </a:extLst>
+          </a:blip>
+          <a:srcRect/>
+          <a:stretch>
+            <a:fillRect/>
+          </a:stretch>
+        </p:blipFill>
+        <p:spPr bwMode="auto">
+          <a:xfrm>
+            <a:off x="5159114" y="2826387"/>
+            <a:ext cx="2060605" cy="3184571"/>
+          </a:xfrm>
+          <a:prstGeom prst="rect">
+            <a:avLst/>
+          </a:prstGeom>
+          <a:noFill/>
+          <a:extLst>
+            <a:ext uri="{909E8E84-426E-40DD-AFC4-6F175D3DCCD1}">
+              <a14:hiddenFill xmlns:a14="http://schemas.microsoft.com/office/drawing/2010/main">
+                <a:solidFill>
+                  <a:srgbClr val="FFFFFF"/>
+                </a:solidFill>
+              </a14:hiddenFill>
+            </a:ext>
+          </a:extLst>
+        </p:spPr>
+      </p:pic>
+      <p:sp>
+        <p:nvSpPr>
+          <p:cNvPr id="5" name="TextBox 4">
+            <a:extLst>
+              <a:ext uri="{FF2B5EF4-FFF2-40B4-BE49-F238E27FC236}">
+                <a16:creationId xmlns:a16="http://schemas.microsoft.com/office/drawing/2014/main" id="{69A49B6C-2617-00E0-38E0-62F1623A5446}"/>
+              </a:ext>
+            </a:extLst>
+          </p:cNvPr>
+          <p:cNvSpPr txBox="1"/>
+          <p:nvPr/>
+        </p:nvSpPr>
+        <p:spPr>
+          <a:xfrm>
+            <a:off x="5026300" y="1985653"/>
+            <a:ext cx="2688949" cy="646331"/>
+          </a:xfrm>
+          <a:prstGeom prst="rect">
+            <a:avLst/>
+          </a:prstGeom>
+          <a:noFill/>
+        </p:spPr>
+        <p:txBody>
+          <a:bodyPr wrap="square" rtlCol="0">
+            <a:spAutoFit/>
+          </a:bodyPr>
+          <a:lstStyle/>
+          <a:p>
+            <a:pPr algn="ctr"/>
+            <a:r>
+              <a:rPr lang="en-US" dirty="0"/>
+              <a:t>s = 0.0208 (4.08%; dx=0.1), </a:t>
+            </a:r>
+            <a:br>
+              <a:rPr lang="en-US" dirty="0"/>
+            </a:br>
+            <a:r>
+              <a:rPr lang="en-US" dirty="0"/>
+              <a:t>Lx, Ly = 12.90, 22.30</a:t>
+            </a:r>
+          </a:p>
+        </p:txBody>
+      </p:sp>
+      <p:pic>
+        <p:nvPicPr>
+          <p:cNvPr id="4126" name="Picture 30">
+            <a:extLst>
+              <a:ext uri="{FF2B5EF4-FFF2-40B4-BE49-F238E27FC236}">
+                <a16:creationId xmlns:a16="http://schemas.microsoft.com/office/drawing/2014/main" id="{7C8FC4FE-9F1C-CFA1-F45B-41FEBC57AA7B}"/>
+              </a:ext>
+            </a:extLst>
+          </p:cNvPr>
+          <p:cNvPicPr>
+            <a:picLocks noChangeAspect="1" noChangeArrowheads="1"/>
+          </p:cNvPicPr>
+          <p:nvPr/>
+        </p:nvPicPr>
+        <p:blipFill>
+          <a:blip r:embed="rId6">
+            <a:alphaModFix amt="70000"/>
+            <a:extLst>
+              <a:ext uri="{28A0092B-C50C-407E-A947-70E740481C1C}">
+                <a14:useLocalDpi xmlns:a14="http://schemas.microsoft.com/office/drawing/2010/main" val="0"/>
+              </a:ext>
+            </a:extLst>
+          </a:blip>
+          <a:srcRect/>
+          <a:stretch>
+            <a:fillRect/>
+          </a:stretch>
+        </p:blipFill>
+        <p:spPr bwMode="auto">
+          <a:xfrm>
+            <a:off x="8365356" y="3329297"/>
+            <a:ext cx="2769584" cy="2681661"/>
+          </a:xfrm>
+          <a:prstGeom prst="rect">
+            <a:avLst/>
+          </a:prstGeom>
+          <a:noFill/>
+          <a:extLst>
+            <a:ext uri="{909E8E84-426E-40DD-AFC4-6F175D3DCCD1}">
+              <a14:hiddenFill xmlns:a14="http://schemas.microsoft.com/office/drawing/2010/main">
+                <a:solidFill>
+                  <a:srgbClr val="FFFFFF"/>
+                </a:solidFill>
+              </a14:hiddenFill>
+            </a:ext>
+          </a:extLst>
+        </p:spPr>
+      </p:pic>
+      <p:pic>
+        <p:nvPicPr>
+          <p:cNvPr id="4128" name="Picture 32">
+            <a:extLst>
+              <a:ext uri="{FF2B5EF4-FFF2-40B4-BE49-F238E27FC236}">
+                <a16:creationId xmlns:a16="http://schemas.microsoft.com/office/drawing/2014/main" id="{345B1C86-B2DC-9085-2E2C-E6725D165415}"/>
+              </a:ext>
+            </a:extLst>
+          </p:cNvPr>
+          <p:cNvPicPr>
+            <a:picLocks noChangeAspect="1" noChangeArrowheads="1"/>
+          </p:cNvPicPr>
+          <p:nvPr/>
+        </p:nvPicPr>
+        <p:blipFill>
+          <a:blip r:embed="rId7">
+            <a:alphaModFix amt="70000"/>
+            <a:extLst>
+              <a:ext uri="{28A0092B-C50C-407E-A947-70E740481C1C}">
+                <a14:useLocalDpi xmlns:a14="http://schemas.microsoft.com/office/drawing/2010/main" val="0"/>
+              </a:ext>
+            </a:extLst>
+          </a:blip>
+          <a:srcRect/>
+          <a:stretch>
+            <a:fillRect/>
+          </a:stretch>
+        </p:blipFill>
+        <p:spPr bwMode="auto">
+          <a:xfrm>
+            <a:off x="8268288" y="3261139"/>
+            <a:ext cx="2769584" cy="2681661"/>
+          </a:xfrm>
+          <a:prstGeom prst="rect">
+            <a:avLst/>
+          </a:prstGeom>
+          <a:noFill/>
+          <a:extLst>
+            <a:ext uri="{909E8E84-426E-40DD-AFC4-6F175D3DCCD1}">
+              <a14:hiddenFill xmlns:a14="http://schemas.microsoft.com/office/drawing/2010/main">
+                <a:solidFill>
+                  <a:srgbClr val="FFFFFF"/>
+                </a:solidFill>
+              </a14:hiddenFill>
+            </a:ext>
+          </a:extLst>
+        </p:spPr>
+      </p:pic>
+      <p:sp>
+        <p:nvSpPr>
+          <p:cNvPr id="8" name="TextBox 7">
+            <a:extLst>
+              <a:ext uri="{FF2B5EF4-FFF2-40B4-BE49-F238E27FC236}">
+                <a16:creationId xmlns:a16="http://schemas.microsoft.com/office/drawing/2014/main" id="{3482F31C-3E88-A3D7-1754-79EA5AC7E36B}"/>
+              </a:ext>
+            </a:extLst>
+          </p:cNvPr>
+          <p:cNvSpPr txBox="1"/>
+          <p:nvPr/>
+        </p:nvSpPr>
+        <p:spPr>
+          <a:xfrm>
+            <a:off x="8454748" y="1962684"/>
+            <a:ext cx="2590800" cy="646331"/>
+          </a:xfrm>
+          <a:prstGeom prst="rect">
+            <a:avLst/>
+          </a:prstGeom>
+          <a:noFill/>
+        </p:spPr>
+        <p:txBody>
+          <a:bodyPr wrap="square" rtlCol="0">
+            <a:spAutoFit/>
+          </a:bodyPr>
+          <a:lstStyle/>
+          <a:p>
+            <a:pPr algn="ctr"/>
+            <a:r>
+              <a:rPr lang="en-US" dirty="0"/>
+              <a:t>s = 0.1332 (11%; dx=0.1), </a:t>
+            </a:r>
+            <a:br>
+              <a:rPr lang="en-US" dirty="0"/>
+            </a:br>
+            <a:r>
+              <a:rPr lang="en-US" dirty="0"/>
+              <a:t>Lx, Ly = 20.50, 20.40</a:t>
+            </a:r>
+          </a:p>
+        </p:txBody>
+      </p:sp>
+    </p:spTree>
+    <p:extLst>
+      <p:ext uri="{BB962C8B-B14F-4D97-AF65-F5344CB8AC3E}">
+        <p14:creationId xmlns:p14="http://schemas.microsoft.com/office/powerpoint/2010/main" val="1320488814"/>
+      </p:ext>
+    </p:extLst>
+  </p:cSld>
+  <p:clrMapOvr>
+    <a:masterClrMapping/>
+  </p:clrMapOvr>
+</p:sld>
+</file>
+
+<file path=ppt/slides/slide2.xml><?xml version="1.0" encoding="utf-8"?>
+<p:sld xmlns:a="http://schemas.openxmlformats.org/drawingml/2006/main" xmlns:r="http://schemas.openxmlformats.org/officeDocument/2006/relationships" xmlns:p="http://schemas.openxmlformats.org/presentationml/2006/main">
+  <p:cSld>
+    <p:spTree>
+      <p:nvGrpSpPr>
+        <p:cNvPr id="1" name=""/>
+        <p:cNvGrpSpPr/>
+        <p:nvPr/>
+      </p:nvGrpSpPr>
+      <p:grpSpPr>
+        <a:xfrm>
+          <a:off x="0" y="0"/>
+          <a:ext cx="0" cy="0"/>
+          <a:chOff x="0" y="0"/>
+          <a:chExt cx="0" cy="0"/>
+        </a:xfrm>
+      </p:grpSpPr>
+      <p:pic>
+        <p:nvPicPr>
+          <p:cNvPr id="39" name="Picture 38">
+            <a:extLst>
+              <a:ext uri="{FF2B5EF4-FFF2-40B4-BE49-F238E27FC236}">
+                <a16:creationId xmlns:a16="http://schemas.microsoft.com/office/drawing/2014/main" id="{4C88C2AF-DEC6-523E-1CCC-807F741EB3BF}"/>
+              </a:ext>
+            </a:extLst>
+          </p:cNvPr>
+          <p:cNvPicPr>
+            <a:picLocks noChangeAspect="1"/>
+          </p:cNvPicPr>
+          <p:nvPr/>
+        </p:nvPicPr>
+        <p:blipFill>
+          <a:blip r:embed="rId2"/>
+          <a:stretch>
+            <a:fillRect/>
+          </a:stretch>
+        </p:blipFill>
+        <p:spPr>
+          <a:xfrm>
+            <a:off x="587949" y="1783819"/>
+            <a:ext cx="4711771" cy="2601290"/>
+          </a:xfrm>
+          <a:prstGeom prst="rect">
+            <a:avLst/>
+          </a:prstGeom>
+        </p:spPr>
+      </p:pic>
+      <p:sp>
+        <p:nvSpPr>
+          <p:cNvPr id="2" name="Title 1">
+            <a:extLst>
+              <a:ext uri="{FF2B5EF4-FFF2-40B4-BE49-F238E27FC236}">
+                <a16:creationId xmlns:a16="http://schemas.microsoft.com/office/drawing/2014/main" id="{C85E3C9C-7526-B303-905F-886077E16C39}"/>
+              </a:ext>
+            </a:extLst>
+          </p:cNvPr>
+          <p:cNvSpPr>
+            <a:spLocks noGrp="1"/>
+          </p:cNvSpPr>
+          <p:nvPr>
+            <p:ph type="title"/>
+          </p:nvPr>
+        </p:nvSpPr>
+        <p:spPr>
+          <a:xfrm>
+            <a:off x="838200" y="14514"/>
+            <a:ext cx="10515600" cy="1325563"/>
+          </a:xfrm>
+        </p:spPr>
+        <p:txBody>
+          <a:bodyPr/>
+          <a:lstStyle/>
+          <a:p>
+            <a:r>
+              <a:rPr lang="en-US" dirty="0"/>
+              <a:t>z-</a:t>
+            </a:r>
+            <a:r>
+              <a:rPr lang="en-US" b="1" dirty="0"/>
+              <a:t>FFT</a:t>
+            </a:r>
+            <a:r>
+              <a:rPr lang="en-US" dirty="0"/>
+              <a:t> vs z-</a:t>
+            </a:r>
+            <a:r>
+              <a:rPr lang="en-US" b="1" dirty="0"/>
+              <a:t>FD</a:t>
+            </a:r>
+            <a:r>
+              <a:rPr lang="en-US" dirty="0"/>
+              <a:t> (MDE) – REDFT01 </a:t>
+            </a:r>
+            <a:r>
+              <a:rPr lang="en-US" dirty="0" err="1"/>
+              <a:t>xy</a:t>
+            </a:r>
+            <a:r>
+              <a:rPr lang="en-US" dirty="0"/>
+              <a:t>(z)</a:t>
+            </a:r>
+          </a:p>
+        </p:txBody>
+      </p:sp>
+      <p:sp>
+        <p:nvSpPr>
+          <p:cNvPr id="3" name="TextBox 2">
+            <a:extLst>
+              <a:ext uri="{FF2B5EF4-FFF2-40B4-BE49-F238E27FC236}">
+                <a16:creationId xmlns:a16="http://schemas.microsoft.com/office/drawing/2014/main" id="{99A2CDED-1526-FA46-5D91-2DC74B6F0C37}"/>
+              </a:ext>
+            </a:extLst>
+          </p:cNvPr>
+          <p:cNvSpPr txBox="1"/>
+          <p:nvPr/>
+        </p:nvSpPr>
+        <p:spPr>
+          <a:xfrm>
+            <a:off x="838200" y="1053198"/>
+            <a:ext cx="7010401" cy="646331"/>
+          </a:xfrm>
+          <a:prstGeom prst="rect">
+            <a:avLst/>
+          </a:prstGeom>
+          <a:noFill/>
+        </p:spPr>
+        <p:txBody>
+          <a:bodyPr wrap="square" rtlCol="0">
+            <a:spAutoFit/>
+          </a:bodyPr>
+          <a:lstStyle/>
+          <a:p>
+            <a:r>
+              <a:rPr lang="en-US" dirty="0"/>
+              <a:t>Lx = 5, Ly = 5, </a:t>
+            </a:r>
+            <a:r>
+              <a:rPr lang="en-US" dirty="0" err="1"/>
+              <a:t>Lz</a:t>
+            </a:r>
+            <a:r>
+              <a:rPr lang="en-US" dirty="0"/>
+              <a:t> = 50. s = 0.02. x = 0.75. a = 0.00, N = 50</a:t>
+            </a:r>
+          </a:p>
+          <a:p>
+            <a:r>
+              <a:rPr lang="en-US" dirty="0"/>
+              <a:t>3D vs 1D (dashed): </a:t>
+            </a:r>
+            <a:r>
+              <a:rPr lang="en-US" dirty="0" err="1"/>
+              <a:t>dz</a:t>
+            </a:r>
+            <a:r>
+              <a:rPr lang="en-US" dirty="0"/>
+              <a:t> = 0.5, ds = 0.20; dz_1D = 0.113, ds_1D = 0.083</a:t>
+            </a:r>
+          </a:p>
+        </p:txBody>
+      </p:sp>
+      <p:sp>
+        <p:nvSpPr>
+          <p:cNvPr id="20" name="TextBox 19">
+            <a:extLst>
+              <a:ext uri="{FF2B5EF4-FFF2-40B4-BE49-F238E27FC236}">
+                <a16:creationId xmlns:a16="http://schemas.microsoft.com/office/drawing/2014/main" id="{F67FA53E-0EE8-AAF7-18FE-84614DDB84DE}"/>
+              </a:ext>
+            </a:extLst>
+          </p:cNvPr>
+          <p:cNvSpPr txBox="1"/>
+          <p:nvPr/>
+        </p:nvSpPr>
+        <p:spPr>
+          <a:xfrm>
+            <a:off x="5631059" y="2915880"/>
+            <a:ext cx="1286933" cy="369332"/>
+          </a:xfrm>
+          <a:prstGeom prst="rect">
+            <a:avLst/>
+          </a:prstGeom>
+          <a:noFill/>
+        </p:spPr>
+        <p:txBody>
+          <a:bodyPr wrap="square" rtlCol="0">
+            <a:spAutoFit/>
+          </a:bodyPr>
+          <a:lstStyle/>
+          <a:p>
+            <a:r>
+              <a:rPr lang="en-US" dirty="0"/>
+              <a:t>FFT (</a:t>
+            </a:r>
+            <a:r>
+              <a:rPr lang="en-US" dirty="0" err="1"/>
+              <a:t>yz</a:t>
+            </a:r>
+            <a:r>
+              <a:rPr lang="en-US" dirty="0"/>
+              <a:t>)</a:t>
+            </a:r>
+          </a:p>
+        </p:txBody>
+      </p:sp>
+      <p:sp>
+        <p:nvSpPr>
+          <p:cNvPr id="21" name="TextBox 20">
+            <a:extLst>
+              <a:ext uri="{FF2B5EF4-FFF2-40B4-BE49-F238E27FC236}">
+                <a16:creationId xmlns:a16="http://schemas.microsoft.com/office/drawing/2014/main" id="{8975F4F8-1D5E-2B6C-439A-E0008683786D}"/>
+              </a:ext>
+            </a:extLst>
+          </p:cNvPr>
+          <p:cNvSpPr txBox="1"/>
+          <p:nvPr/>
+        </p:nvSpPr>
+        <p:spPr>
+          <a:xfrm>
+            <a:off x="5631059" y="5330398"/>
+            <a:ext cx="1286933" cy="369332"/>
+          </a:xfrm>
+          <a:prstGeom prst="rect">
+            <a:avLst/>
+          </a:prstGeom>
+          <a:noFill/>
+        </p:spPr>
+        <p:txBody>
+          <a:bodyPr wrap="square" rtlCol="0">
+            <a:spAutoFit/>
+          </a:bodyPr>
+          <a:lstStyle/>
+          <a:p>
+            <a:r>
+              <a:rPr lang="en-US" dirty="0"/>
+              <a:t>FD (</a:t>
+            </a:r>
+            <a:r>
+              <a:rPr lang="en-US" dirty="0" err="1"/>
+              <a:t>yz</a:t>
+            </a:r>
+            <a:r>
+              <a:rPr lang="en-US" dirty="0"/>
+              <a:t>)</a:t>
+            </a:r>
+          </a:p>
+        </p:txBody>
+      </p:sp>
+      <p:pic>
+        <p:nvPicPr>
+          <p:cNvPr id="25" name="Picture 24">
+            <a:extLst>
+              <a:ext uri="{FF2B5EF4-FFF2-40B4-BE49-F238E27FC236}">
+                <a16:creationId xmlns:a16="http://schemas.microsoft.com/office/drawing/2014/main" id="{BFB8AF76-977E-BF34-4D5F-6F1115EF2823}"/>
+              </a:ext>
+            </a:extLst>
+          </p:cNvPr>
+          <p:cNvPicPr>
+            <a:picLocks noChangeAspect="1"/>
+          </p:cNvPicPr>
+          <p:nvPr/>
+        </p:nvPicPr>
+        <p:blipFill>
+          <a:blip r:embed="rId3"/>
+          <a:stretch>
+            <a:fillRect/>
+          </a:stretch>
+        </p:blipFill>
+        <p:spPr>
+          <a:xfrm>
+            <a:off x="7276364" y="4360365"/>
+            <a:ext cx="2924742" cy="2424728"/>
+          </a:xfrm>
+          <a:prstGeom prst="rect">
+            <a:avLst/>
+          </a:prstGeom>
+        </p:spPr>
+      </p:pic>
+      <p:pic>
+        <p:nvPicPr>
+          <p:cNvPr id="27" name="Picture 26">
+            <a:extLst>
+              <a:ext uri="{FF2B5EF4-FFF2-40B4-BE49-F238E27FC236}">
+                <a16:creationId xmlns:a16="http://schemas.microsoft.com/office/drawing/2014/main" id="{277F92A0-71CE-490F-B258-ED7EC95866E9}"/>
+              </a:ext>
+            </a:extLst>
+          </p:cNvPr>
+          <p:cNvPicPr>
+            <a:picLocks noChangeAspect="1"/>
+          </p:cNvPicPr>
+          <p:nvPr/>
+        </p:nvPicPr>
+        <p:blipFill>
+          <a:blip r:embed="rId4"/>
+          <a:stretch>
+            <a:fillRect/>
+          </a:stretch>
+        </p:blipFill>
+        <p:spPr>
+          <a:xfrm>
+            <a:off x="10402909" y="2613996"/>
+            <a:ext cx="494780" cy="2823542"/>
+          </a:xfrm>
+          <a:prstGeom prst="rect">
+            <a:avLst/>
+          </a:prstGeom>
+        </p:spPr>
+      </p:pic>
+      <p:sp>
+        <p:nvSpPr>
+          <p:cNvPr id="28" name="TextBox 27">
+            <a:extLst>
+              <a:ext uri="{FF2B5EF4-FFF2-40B4-BE49-F238E27FC236}">
+                <a16:creationId xmlns:a16="http://schemas.microsoft.com/office/drawing/2014/main" id="{209381BF-3B92-7C87-83D1-6D10AFC3C731}"/>
+              </a:ext>
+            </a:extLst>
+          </p:cNvPr>
+          <p:cNvSpPr txBox="1"/>
+          <p:nvPr/>
+        </p:nvSpPr>
+        <p:spPr>
+          <a:xfrm>
+            <a:off x="8289087" y="4206848"/>
+            <a:ext cx="1286933" cy="369332"/>
+          </a:xfrm>
+          <a:prstGeom prst="rect">
+            <a:avLst/>
+          </a:prstGeom>
+          <a:noFill/>
+        </p:spPr>
+        <p:txBody>
+          <a:bodyPr wrap="square" rtlCol="0">
+            <a:spAutoFit/>
+          </a:bodyPr>
+          <a:lstStyle/>
+          <a:p>
+            <a:pPr algn="ctr"/>
+            <a:r>
+              <a:rPr lang="en-US" dirty="0"/>
+              <a:t>FD (</a:t>
+            </a:r>
+            <a:r>
+              <a:rPr lang="en-US" dirty="0" err="1"/>
+              <a:t>xyz</a:t>
+            </a:r>
+            <a:r>
+              <a:rPr lang="en-US" dirty="0"/>
+              <a:t>)</a:t>
+            </a:r>
+          </a:p>
+        </p:txBody>
+      </p:sp>
+      <p:pic>
+        <p:nvPicPr>
+          <p:cNvPr id="30" name="Picture 29">
+            <a:extLst>
+              <a:ext uri="{FF2B5EF4-FFF2-40B4-BE49-F238E27FC236}">
+                <a16:creationId xmlns:a16="http://schemas.microsoft.com/office/drawing/2014/main" id="{78FFD473-8BB3-1A61-FCA5-1FC80C0BC590}"/>
+              </a:ext>
+            </a:extLst>
+          </p:cNvPr>
+          <p:cNvPicPr>
+            <a:picLocks noChangeAspect="1"/>
+          </p:cNvPicPr>
+          <p:nvPr/>
+        </p:nvPicPr>
+        <p:blipFill>
+          <a:blip r:embed="rId5"/>
+          <a:stretch>
+            <a:fillRect/>
+          </a:stretch>
+        </p:blipFill>
+        <p:spPr>
+          <a:xfrm>
+            <a:off x="7217123" y="1758796"/>
+            <a:ext cx="2924741" cy="2400807"/>
+          </a:xfrm>
+          <a:prstGeom prst="rect">
+            <a:avLst/>
+          </a:prstGeom>
+        </p:spPr>
+      </p:pic>
+      <p:sp>
+        <p:nvSpPr>
+          <p:cNvPr id="31" name="TextBox 30">
+            <a:extLst>
+              <a:ext uri="{FF2B5EF4-FFF2-40B4-BE49-F238E27FC236}">
+                <a16:creationId xmlns:a16="http://schemas.microsoft.com/office/drawing/2014/main" id="{18ED4AF3-A406-8565-DA72-D4AD2194F5BA}"/>
+              </a:ext>
+            </a:extLst>
+          </p:cNvPr>
+          <p:cNvSpPr txBox="1"/>
+          <p:nvPr/>
+        </p:nvSpPr>
+        <p:spPr>
+          <a:xfrm>
+            <a:off x="8207324" y="1542436"/>
+            <a:ext cx="1286933" cy="369332"/>
+          </a:xfrm>
+          <a:prstGeom prst="rect">
+            <a:avLst/>
+          </a:prstGeom>
+          <a:noFill/>
+        </p:spPr>
+        <p:txBody>
+          <a:bodyPr wrap="square" rtlCol="0">
+            <a:spAutoFit/>
+          </a:bodyPr>
+          <a:lstStyle/>
+          <a:p>
+            <a:pPr algn="ctr"/>
+            <a:r>
+              <a:rPr lang="en-US" dirty="0"/>
+              <a:t>FFT (</a:t>
+            </a:r>
+            <a:r>
+              <a:rPr lang="en-US" dirty="0" err="1"/>
+              <a:t>xyz</a:t>
+            </a:r>
+            <a:r>
+              <a:rPr lang="en-US" dirty="0"/>
+              <a:t>)</a:t>
+            </a:r>
+          </a:p>
+        </p:txBody>
+      </p:sp>
+      <p:pic>
+        <p:nvPicPr>
+          <p:cNvPr id="37" name="Picture 36">
+            <a:extLst>
+              <a:ext uri="{FF2B5EF4-FFF2-40B4-BE49-F238E27FC236}">
+                <a16:creationId xmlns:a16="http://schemas.microsoft.com/office/drawing/2014/main" id="{326FE1D3-8C41-0A8E-0D9D-230751971410}"/>
+              </a:ext>
+            </a:extLst>
+          </p:cNvPr>
+          <p:cNvPicPr>
+            <a:picLocks noChangeAspect="1"/>
+          </p:cNvPicPr>
+          <p:nvPr/>
+        </p:nvPicPr>
+        <p:blipFill>
+          <a:blip r:embed="rId6"/>
+          <a:stretch>
+            <a:fillRect/>
+          </a:stretch>
+        </p:blipFill>
+        <p:spPr>
+          <a:xfrm>
+            <a:off x="600120" y="4134202"/>
+            <a:ext cx="4724927" cy="2698398"/>
+          </a:xfrm>
+          <a:prstGeom prst="rect">
+            <a:avLst/>
+          </a:prstGeom>
+        </p:spPr>
+      </p:pic>
+    </p:spTree>
+    <p:extLst>
+      <p:ext uri="{BB962C8B-B14F-4D97-AF65-F5344CB8AC3E}">
+        <p14:creationId xmlns:p14="http://schemas.microsoft.com/office/powerpoint/2010/main" val="2184982505"/>
+      </p:ext>
+    </p:extLst>
+  </p:cSld>
+  <p:clrMapOvr>
+    <a:masterClrMapping/>
+  </p:clrMapOvr>
+</p:sld>
+</file>
+
+<file path=ppt/slides/slide3.xml><?xml version="1.0" encoding="utf-8"?>
+<p:sld xmlns:a="http://schemas.openxmlformats.org/drawingml/2006/main" xmlns:r="http://schemas.openxmlformats.org/officeDocument/2006/relationships" xmlns:p="http://schemas.openxmlformats.org/presentationml/2006/main">
+  <p:cSld>
+    <p:spTree>
+      <p:nvGrpSpPr>
+        <p:cNvPr id="1" name=""/>
+        <p:cNvGrpSpPr/>
+        <p:nvPr/>
+      </p:nvGrpSpPr>
+      <p:grpSpPr>
+        <a:xfrm>
+          <a:off x="0" y="0"/>
+          <a:ext cx="0" cy="0"/>
+          <a:chOff x="0" y="0"/>
+          <a:chExt cx="0" cy="0"/>
+        </a:xfrm>
+      </p:grpSpPr>
+      <p:sp>
+        <p:nvSpPr>
+          <p:cNvPr id="3" name="TextBox 2">
+            <a:extLst>
+              <a:ext uri="{FF2B5EF4-FFF2-40B4-BE49-F238E27FC236}">
+                <a16:creationId xmlns:a16="http://schemas.microsoft.com/office/drawing/2014/main" id="{364724F5-130A-5033-6596-47E57F224011}"/>
+              </a:ext>
+            </a:extLst>
+          </p:cNvPr>
+          <p:cNvSpPr txBox="1"/>
+          <p:nvPr/>
+        </p:nvSpPr>
+        <p:spPr>
+          <a:xfrm>
+            <a:off x="838200" y="1053198"/>
+            <a:ext cx="7010401" cy="646331"/>
+          </a:xfrm>
+          <a:prstGeom prst="rect">
+            <a:avLst/>
+          </a:prstGeom>
+          <a:noFill/>
+        </p:spPr>
+        <p:txBody>
+          <a:bodyPr wrap="square" rtlCol="0">
+            <a:spAutoFit/>
+          </a:bodyPr>
+          <a:lstStyle/>
+          <a:p>
+            <a:r>
+              <a:rPr lang="en-US" dirty="0"/>
+              <a:t>Lx = 5, Ly = 5, </a:t>
+            </a:r>
+            <a:r>
+              <a:rPr lang="en-US" dirty="0" err="1"/>
+              <a:t>Lz</a:t>
+            </a:r>
+            <a:r>
+              <a:rPr lang="en-US" dirty="0"/>
+              <a:t> = 50. s = 0.02. x = 0.75. </a:t>
+            </a:r>
+            <a:r>
+              <a:rPr lang="en-US" b="1" dirty="0"/>
+              <a:t>a = 0.10, cs = 100,</a:t>
+            </a:r>
+            <a:r>
+              <a:rPr lang="en-US" dirty="0"/>
+              <a:t> N = 50</a:t>
+            </a:r>
+          </a:p>
+          <a:p>
+            <a:r>
+              <a:rPr lang="en-US" dirty="0"/>
+              <a:t>3D vs 1D (dashed): </a:t>
+            </a:r>
+            <a:r>
+              <a:rPr lang="en-US" dirty="0" err="1"/>
+              <a:t>dz</a:t>
+            </a:r>
+            <a:r>
+              <a:rPr lang="en-US" dirty="0"/>
+              <a:t> = 0.5, ds = 0.20; dz_1D = 0.113, ds_1D = 0.083</a:t>
+            </a:r>
+          </a:p>
+        </p:txBody>
+      </p:sp>
+    </p:spTree>
+    <p:extLst>
+      <p:ext uri="{BB962C8B-B14F-4D97-AF65-F5344CB8AC3E}">
+        <p14:creationId xmlns:p14="http://schemas.microsoft.com/office/powerpoint/2010/main" val="1186522302"/>
+      </p:ext>
+    </p:extLst>
+  </p:cSld>
+  <p:clrMapOvr>
+    <a:masterClrMapping/>
+  </p:clrMapOvr>
+</p:sld>
+</file>
+
+<file path=ppt/slides/slide4.xml><?xml version="1.0" encoding="utf-8"?>
+<p:sld xmlns:a="http://schemas.openxmlformats.org/drawingml/2006/main" xmlns:r="http://schemas.openxmlformats.org/officeDocument/2006/relationships" xmlns:p="http://schemas.openxmlformats.org/presentationml/2006/main">
+  <p:cSld>
+    <p:spTree>
+      <p:nvGrpSpPr>
+        <p:cNvPr id="1" name=""/>
+        <p:cNvGrpSpPr/>
+        <p:nvPr/>
+      </p:nvGrpSpPr>
+      <p:grpSpPr>
+        <a:xfrm>
+          <a:off x="0" y="0"/>
+          <a:ext cx="0" cy="0"/>
+          <a:chOff x="0" y="0"/>
+          <a:chExt cx="0" cy="0"/>
+        </a:xfrm>
+      </p:grpSpPr>
+      <p:sp>
+        <p:nvSpPr>
+          <p:cNvPr id="2" name="Title 1">
+            <a:extLst>
+              <a:ext uri="{FF2B5EF4-FFF2-40B4-BE49-F238E27FC236}">
+                <a16:creationId xmlns:a16="http://schemas.microsoft.com/office/drawing/2014/main" id="{C872131D-FE4F-A224-AF09-4A0D93F4B83D}"/>
+              </a:ext>
+            </a:extLst>
+          </p:cNvPr>
+          <p:cNvSpPr>
+            <a:spLocks noGrp="1"/>
+          </p:cNvSpPr>
+          <p:nvPr>
+            <p:ph type="title"/>
+          </p:nvPr>
+        </p:nvSpPr>
+        <p:spPr>
+          <a:xfrm>
+            <a:off x="59268" y="135468"/>
+            <a:ext cx="10515600" cy="846667"/>
+          </a:xfrm>
+        </p:spPr>
+        <p:txBody>
+          <a:bodyPr/>
+          <a:lstStyle/>
+          <a:p>
+            <a:r>
+              <a:rPr lang="en-US" dirty="0"/>
+              <a:t>Parameter space (s, x, cs, N)</a:t>
+            </a:r>
+          </a:p>
+        </p:txBody>
+      </p:sp>
+    </p:spTree>
+    <p:extLst>
+      <p:ext uri="{BB962C8B-B14F-4D97-AF65-F5344CB8AC3E}">
+        <p14:creationId xmlns:p14="http://schemas.microsoft.com/office/powerpoint/2010/main" val="3387991481"/>
+      </p:ext>
+    </p:extLst>
+  </p:cSld>
+  <p:clrMapOvr>
+    <a:masterClrMapping/>
+  </p:clrMapOvr>
+</p:sld>
+</file>
+
+<file path=ppt/slides/slide5.xml><?xml version="1.0" encoding="utf-8"?>
+<p:sld xmlns:a="http://schemas.openxmlformats.org/drawingml/2006/main" xmlns:r="http://schemas.openxmlformats.org/officeDocument/2006/relationships" xmlns:p="http://schemas.openxmlformats.org/presentationml/2006/main">
+  <p:cSld>
+    <p:spTree>
+      <p:nvGrpSpPr>
+        <p:cNvPr id="1" name=""/>
+        <p:cNvGrpSpPr/>
+        <p:nvPr/>
+      </p:nvGrpSpPr>
+      <p:grpSpPr>
+        <a:xfrm>
+          <a:off x="0" y="0"/>
+          <a:ext cx="0" cy="0"/>
+          <a:chOff x="0" y="0"/>
+          <a:chExt cx="0" cy="0"/>
+        </a:xfrm>
+      </p:grpSpPr>
+      <p:sp>
+        <p:nvSpPr>
+          <p:cNvPr id="2" name="Title 1">
+            <a:extLst>
+              <a:ext uri="{FF2B5EF4-FFF2-40B4-BE49-F238E27FC236}">
+                <a16:creationId xmlns:a16="http://schemas.microsoft.com/office/drawing/2014/main" id="{C872131D-FE4F-A224-AF09-4A0D93F4B83D}"/>
+              </a:ext>
+            </a:extLst>
+          </p:cNvPr>
+          <p:cNvSpPr>
+            <a:spLocks noGrp="1"/>
+          </p:cNvSpPr>
+          <p:nvPr>
+            <p:ph type="title"/>
+          </p:nvPr>
+        </p:nvSpPr>
+        <p:spPr>
+          <a:xfrm>
+            <a:off x="177800" y="152400"/>
+            <a:ext cx="10515600" cy="846667"/>
+          </a:xfrm>
+        </p:spPr>
+        <p:txBody>
+          <a:bodyPr/>
+          <a:lstStyle/>
+          <a:p>
+            <a:r>
+              <a:rPr lang="en-US" dirty="0"/>
+              <a:t>Numerical space (</a:t>
+            </a:r>
+            <a:r>
+              <a:rPr lang="en-US" dirty="0" err="1"/>
+              <a:t>dz</a:t>
+            </a:r>
+            <a:r>
+              <a:rPr lang="en-US" dirty="0"/>
+              <a:t>, ds, Y)</a:t>
+            </a:r>
+          </a:p>
+        </p:txBody>
+      </p:sp>
+    </p:spTree>
+    <p:extLst>
+      <p:ext uri="{BB962C8B-B14F-4D97-AF65-F5344CB8AC3E}">
+        <p14:creationId xmlns:p14="http://schemas.microsoft.com/office/powerpoint/2010/main" val="3734331090"/>
+      </p:ext>
+    </p:extLst>
+  </p:cSld>
+  <p:clrMapOvr>
+    <a:masterClrMapping/>
+  </p:clrMapOvr>
+</p:sld>
+</file>
+
+<file path=ppt/slides/slide6.xml><?xml version="1.0" encoding="utf-8"?>
+<p:sld xmlns:a="http://schemas.openxmlformats.org/drawingml/2006/main" xmlns:r="http://schemas.openxmlformats.org/officeDocument/2006/relationships" xmlns:p="http://schemas.openxmlformats.org/presentationml/2006/main">
+  <p:cSld>
+    <p:spTree>
+      <p:nvGrpSpPr>
+        <p:cNvPr id="1" name=""/>
+        <p:cNvGrpSpPr/>
+        <p:nvPr/>
+      </p:nvGrpSpPr>
+      <p:grpSpPr>
+        <a:xfrm>
+          <a:off x="0" y="0"/>
+          <a:ext cx="0" cy="0"/>
+          <a:chOff x="0" y="0"/>
+          <a:chExt cx="0" cy="0"/>
+        </a:xfrm>
+      </p:grpSpPr>
+      <p:sp>
+        <p:nvSpPr>
+          <p:cNvPr id="2" name="Title 1">
+            <a:extLst>
+              <a:ext uri="{FF2B5EF4-FFF2-40B4-BE49-F238E27FC236}">
+                <a16:creationId xmlns:a16="http://schemas.microsoft.com/office/drawing/2014/main" id="{A42F1D30-274D-A5B8-3620-4DA31ECE8F5B}"/>
+              </a:ext>
+            </a:extLst>
+          </p:cNvPr>
+          <p:cNvSpPr>
+            <a:spLocks noGrp="1"/>
+          </p:cNvSpPr>
+          <p:nvPr>
+            <p:ph type="title"/>
+          </p:nvPr>
+        </p:nvSpPr>
+        <p:spPr>
+          <a:xfrm>
+            <a:off x="448734" y="2766218"/>
+            <a:ext cx="10515600" cy="1325563"/>
+          </a:xfrm>
+        </p:spPr>
+        <p:txBody>
+          <a:bodyPr/>
+          <a:lstStyle/>
+          <a:p>
+            <a:r>
+              <a:rPr lang="en-US" b="1" dirty="0"/>
+              <a:t>Specifying Grafted Points</a:t>
+            </a:r>
+          </a:p>
+        </p:txBody>
+      </p:sp>
+    </p:spTree>
+    <p:extLst>
+      <p:ext uri="{BB962C8B-B14F-4D97-AF65-F5344CB8AC3E}">
+        <p14:creationId xmlns:p14="http://schemas.microsoft.com/office/powerpoint/2010/main" val="896468000"/>
+      </p:ext>
+    </p:extLst>
+  </p:cSld>
+  <p:clrMapOvr>
+    <a:masterClrMapping/>
+  </p:clrMapOvr>
+</p:sld>
+</file>
+
+<file path=ppt/slides/slide7.xml><?xml version="1.0" encoding="utf-8"?>
+<p:sld xmlns:a="http://schemas.openxmlformats.org/drawingml/2006/main" xmlns:r="http://schemas.openxmlformats.org/officeDocument/2006/relationships" xmlns:p="http://schemas.openxmlformats.org/presentationml/2006/main">
+  <p:cSld>
+    <p:spTree>
+      <p:nvGrpSpPr>
+        <p:cNvPr id="1" name=""/>
+        <p:cNvGrpSpPr/>
+        <p:nvPr/>
+      </p:nvGrpSpPr>
+      <p:grpSpPr>
+        <a:xfrm>
+          <a:off x="0" y="0"/>
+          <a:ext cx="0" cy="0"/>
+          <a:chOff x="0" y="0"/>
+          <a:chExt cx="0" cy="0"/>
+        </a:xfrm>
+      </p:grpSpPr>
+      <p:sp>
+        <p:nvSpPr>
+          <p:cNvPr id="2" name="Title 1">
+            <a:extLst>
+              <a:ext uri="{FF2B5EF4-FFF2-40B4-BE49-F238E27FC236}">
+                <a16:creationId xmlns:a16="http://schemas.microsoft.com/office/drawing/2014/main" id="{EC7A1061-086B-35E4-61C1-83C328D5548E}"/>
+              </a:ext>
+            </a:extLst>
+          </p:cNvPr>
+          <p:cNvSpPr>
+            <a:spLocks noGrp="1"/>
+          </p:cNvSpPr>
+          <p:nvPr>
+            <p:ph type="title"/>
+          </p:nvPr>
+        </p:nvSpPr>
+        <p:spPr/>
+        <p:txBody>
+          <a:bodyPr/>
+          <a:lstStyle/>
+          <a:p>
+            <a:r>
+              <a:rPr lang="en-US" dirty="0"/>
+              <a:t>Strategy</a:t>
+            </a:r>
+          </a:p>
+        </p:txBody>
+      </p:sp>
+      <p:sp>
+        <p:nvSpPr>
+          <p:cNvPr id="3" name="TextBox 2">
+            <a:extLst>
+              <a:ext uri="{FF2B5EF4-FFF2-40B4-BE49-F238E27FC236}">
+                <a16:creationId xmlns:a16="http://schemas.microsoft.com/office/drawing/2014/main" id="{66A4566B-D26D-18F7-2769-748D7813228B}"/>
+              </a:ext>
+            </a:extLst>
+          </p:cNvPr>
+          <p:cNvSpPr txBox="1"/>
+          <p:nvPr/>
+        </p:nvSpPr>
+        <p:spPr>
+          <a:xfrm>
+            <a:off x="714374" y="1895475"/>
+            <a:ext cx="7810500" cy="646331"/>
+          </a:xfrm>
+          <a:prstGeom prst="rect">
+            <a:avLst/>
+          </a:prstGeom>
+          <a:noFill/>
+        </p:spPr>
+        <p:txBody>
+          <a:bodyPr wrap="square" rtlCol="0">
+            <a:spAutoFit/>
+          </a:bodyPr>
+          <a:lstStyle/>
+          <a:p>
+            <a:r>
+              <a:rPr lang="en-US" dirty="0"/>
+              <a:t>2D binary array for surface sites of homogeneously grafted polymer given grafting density, simulation box size, and discretization (and assuming dx = </a:t>
+            </a:r>
+            <a:r>
+              <a:rPr lang="en-US" dirty="0" err="1"/>
+              <a:t>dy</a:t>
+            </a:r>
+            <a:r>
+              <a:rPr lang="en-US" dirty="0"/>
+              <a:t>)</a:t>
+            </a:r>
+          </a:p>
+        </p:txBody>
+      </p:sp>
+      <p:sp>
+        <p:nvSpPr>
+          <p:cNvPr id="4" name="TextBox 3">
+            <a:extLst>
+              <a:ext uri="{FF2B5EF4-FFF2-40B4-BE49-F238E27FC236}">
+                <a16:creationId xmlns:a16="http://schemas.microsoft.com/office/drawing/2014/main" id="{14B153E5-948B-4D25-2B1C-2231E4E7EBA6}"/>
+              </a:ext>
+            </a:extLst>
+          </p:cNvPr>
+          <p:cNvSpPr txBox="1"/>
+          <p:nvPr/>
+        </p:nvSpPr>
+        <p:spPr>
+          <a:xfrm>
+            <a:off x="714374" y="2776538"/>
+            <a:ext cx="11077575" cy="646331"/>
+          </a:xfrm>
+          <a:prstGeom prst="rect">
+            <a:avLst/>
+          </a:prstGeom>
+          <a:noFill/>
+        </p:spPr>
+        <p:txBody>
+          <a:bodyPr wrap="square" rtlCol="0">
+            <a:spAutoFit/>
+          </a:bodyPr>
+          <a:lstStyle/>
+          <a:p>
+            <a:r>
+              <a:rPr lang="en-US" dirty="0" err="1"/>
+              <a:t>Fullspace</a:t>
+            </a:r>
+            <a:r>
+              <a:rPr lang="en-US" dirty="0"/>
+              <a:t> must be periodic on x0 = </a:t>
+            </a:r>
+            <a:r>
+              <a:rPr lang="en-US" dirty="0" err="1"/>
+              <a:t>xL</a:t>
+            </a:r>
+            <a:r>
+              <a:rPr lang="en-US" dirty="0"/>
+              <a:t>, y0 = </a:t>
+            </a:r>
+            <a:r>
+              <a:rPr lang="en-US" dirty="0" err="1"/>
+              <a:t>yL</a:t>
+            </a:r>
+            <a:endParaRPr lang="en-US" dirty="0"/>
+          </a:p>
+          <a:p>
+            <a:r>
+              <a:rPr lang="en-US" dirty="0" err="1"/>
+              <a:t>Halfspace</a:t>
+            </a:r>
+            <a:r>
+              <a:rPr lang="en-US" dirty="0"/>
+              <a:t> must be even on </a:t>
+            </a:r>
+            <a:r>
+              <a:rPr lang="en-US" dirty="0" err="1"/>
+              <a:t>xL</a:t>
+            </a:r>
+            <a:r>
+              <a:rPr lang="en-US" dirty="0"/>
+              <a:t>/2 and </a:t>
+            </a:r>
+            <a:r>
+              <a:rPr lang="en-US" dirty="0" err="1"/>
+              <a:t>yL</a:t>
+            </a:r>
+            <a:r>
+              <a:rPr lang="en-US" dirty="0"/>
+              <a:t>/2 (overlap of boundary following REDFT00) and periodic on x0 = </a:t>
+            </a:r>
+            <a:r>
+              <a:rPr lang="en-US" dirty="0" err="1"/>
+              <a:t>xL</a:t>
+            </a:r>
+            <a:r>
+              <a:rPr lang="en-US" dirty="0"/>
+              <a:t>, y0 = </a:t>
+            </a:r>
+            <a:r>
+              <a:rPr lang="en-US" dirty="0" err="1"/>
+              <a:t>yL</a:t>
+            </a:r>
+            <a:r>
+              <a:rPr lang="en-US" dirty="0"/>
+              <a:t>.</a:t>
+            </a:r>
+          </a:p>
+        </p:txBody>
+      </p:sp>
+      <p:sp>
+        <p:nvSpPr>
+          <p:cNvPr id="5" name="TextBox 4">
+            <a:extLst>
+              <a:ext uri="{FF2B5EF4-FFF2-40B4-BE49-F238E27FC236}">
+                <a16:creationId xmlns:a16="http://schemas.microsoft.com/office/drawing/2014/main" id="{97078C71-47DB-0D25-8BE5-AD0C9CC3C9FD}"/>
+              </a:ext>
+            </a:extLst>
+          </p:cNvPr>
+          <p:cNvSpPr txBox="1"/>
+          <p:nvPr/>
+        </p:nvSpPr>
+        <p:spPr>
+          <a:xfrm>
+            <a:off x="714373" y="3812426"/>
+            <a:ext cx="11077575" cy="369332"/>
+          </a:xfrm>
+          <a:prstGeom prst="rect">
+            <a:avLst/>
+          </a:prstGeom>
+          <a:noFill/>
+        </p:spPr>
+        <p:txBody>
+          <a:bodyPr wrap="square" rtlCol="0">
+            <a:spAutoFit/>
+          </a:bodyPr>
+          <a:lstStyle/>
+          <a:p>
+            <a:r>
+              <a:rPr lang="en-US" dirty="0"/>
+              <a:t>Homogeneous spacing as determined by regular hexagon, where grafting point at centroid of hexagon</a:t>
+            </a:r>
+          </a:p>
+        </p:txBody>
+      </p:sp>
+      <p:sp>
+        <p:nvSpPr>
+          <p:cNvPr id="6" name="TextBox 5">
+            <a:extLst>
+              <a:ext uri="{FF2B5EF4-FFF2-40B4-BE49-F238E27FC236}">
+                <a16:creationId xmlns:a16="http://schemas.microsoft.com/office/drawing/2014/main" id="{067DDA30-EAF3-09E5-D289-BD5F06EA216D}"/>
+              </a:ext>
+            </a:extLst>
+          </p:cNvPr>
+          <p:cNvSpPr txBox="1"/>
+          <p:nvPr/>
+        </p:nvSpPr>
+        <p:spPr>
+          <a:xfrm>
+            <a:off x="714372" y="4508719"/>
+            <a:ext cx="11077575" cy="923330"/>
+          </a:xfrm>
+          <a:prstGeom prst="rect">
+            <a:avLst/>
+          </a:prstGeom>
+          <a:noFill/>
+        </p:spPr>
+        <p:txBody>
+          <a:bodyPr wrap="square" rtlCol="0">
+            <a:spAutoFit/>
+          </a:bodyPr>
+          <a:lstStyle/>
+          <a:p>
+            <a:r>
+              <a:rPr lang="en-US" dirty="0"/>
+              <a:t>In case there are edge effects, try shifting the centroids away from the boundaries of the </a:t>
+            </a:r>
+            <a:r>
+              <a:rPr lang="en-US" dirty="0" err="1"/>
+              <a:t>xy</a:t>
+            </a:r>
+            <a:r>
+              <a:rPr lang="en-US" dirty="0"/>
+              <a:t>-plane (only did for </a:t>
+            </a:r>
+            <a:r>
+              <a:rPr lang="en-US" dirty="0" err="1"/>
+              <a:t>fullspace</a:t>
+            </a:r>
+            <a:r>
+              <a:rPr lang="en-US" dirty="0"/>
+              <a:t>)</a:t>
+            </a:r>
+          </a:p>
+          <a:p>
+            <a:pPr marL="285750" indent="-285750">
+              <a:buFont typeface="Arial" panose="020B0604020202020204" pitchFamily="34" charset="0"/>
+              <a:buChar char="•"/>
+            </a:pPr>
+            <a:r>
+              <a:rPr lang="en-US" dirty="0"/>
+              <a:t>Make sure no edge effects by comparing results of full FFT with cos FFT</a:t>
+            </a:r>
+          </a:p>
+        </p:txBody>
+      </p:sp>
+    </p:spTree>
+    <p:extLst>
+      <p:ext uri="{BB962C8B-B14F-4D97-AF65-F5344CB8AC3E}">
+        <p14:creationId xmlns:p14="http://schemas.microsoft.com/office/powerpoint/2010/main" val="1764039423"/>
+      </p:ext>
+    </p:extLst>
+  </p:cSld>
+  <p:clrMapOvr>
+    <a:masterClrMapping/>
+  </p:clrMapOvr>
+</p:sld>
+</file>
+
+<file path=ppt/slides/slide8.xml><?xml version="1.0" encoding="utf-8"?>
+<p:sld xmlns:a="http://schemas.openxmlformats.org/drawingml/2006/main" xmlns:r="http://schemas.openxmlformats.org/officeDocument/2006/relationships" xmlns:p="http://schemas.openxmlformats.org/presentationml/2006/main">
+  <p:cSld>
+    <p:spTree>
+      <p:nvGrpSpPr>
+        <p:cNvPr id="1" name=""/>
+        <p:cNvGrpSpPr/>
+        <p:nvPr/>
+      </p:nvGrpSpPr>
+      <p:grpSpPr>
+        <a:xfrm>
+          <a:off x="0" y="0"/>
+          <a:ext cx="0" cy="0"/>
+          <a:chOff x="0" y="0"/>
+          <a:chExt cx="0" cy="0"/>
+        </a:xfrm>
+      </p:grpSpPr>
+      <p:sp>
+        <p:nvSpPr>
+          <p:cNvPr id="2" name="Title 1">
+            <a:extLst>
+              <a:ext uri="{FF2B5EF4-FFF2-40B4-BE49-F238E27FC236}">
+                <a16:creationId xmlns:a16="http://schemas.microsoft.com/office/drawing/2014/main" id="{A3926BC3-A860-346A-4F58-1EE4C3E7FB0F}"/>
+              </a:ext>
+            </a:extLst>
+          </p:cNvPr>
+          <p:cNvSpPr>
+            <a:spLocks noGrp="1"/>
+          </p:cNvSpPr>
+          <p:nvPr>
+            <p:ph type="title"/>
+          </p:nvPr>
+        </p:nvSpPr>
+        <p:spPr/>
+        <p:txBody>
+          <a:bodyPr/>
+          <a:lstStyle/>
+          <a:p>
+            <a:r>
+              <a:rPr lang="en-US" dirty="0"/>
+              <a:t>Test conditions</a:t>
+            </a:r>
+          </a:p>
+        </p:txBody>
+      </p:sp>
+      <p:sp>
+        <p:nvSpPr>
+          <p:cNvPr id="3" name="TextBox 2">
+            <a:extLst>
+              <a:ext uri="{FF2B5EF4-FFF2-40B4-BE49-F238E27FC236}">
+                <a16:creationId xmlns:a16="http://schemas.microsoft.com/office/drawing/2014/main" id="{A00B5138-8D53-B196-C54A-B372D20698D0}"/>
+              </a:ext>
+            </a:extLst>
+          </p:cNvPr>
+          <p:cNvSpPr txBox="1"/>
+          <p:nvPr/>
+        </p:nvSpPr>
+        <p:spPr>
+          <a:xfrm>
+            <a:off x="1192695" y="2186609"/>
+            <a:ext cx="7026965" cy="1200329"/>
+          </a:xfrm>
+          <a:prstGeom prst="rect">
+            <a:avLst/>
+          </a:prstGeom>
+          <a:noFill/>
+        </p:spPr>
+        <p:txBody>
+          <a:bodyPr wrap="square" rtlCol="0">
+            <a:spAutoFit/>
+          </a:bodyPr>
+          <a:lstStyle/>
+          <a:p>
+            <a:r>
+              <a:rPr lang="en-US" dirty="0"/>
+              <a:t>Sigma = 0.05 c/nm2</a:t>
+            </a:r>
+          </a:p>
+          <a:p>
+            <a:r>
+              <a:rPr lang="en-US" dirty="0"/>
+              <a:t>Lx = 15 nm</a:t>
+            </a:r>
+          </a:p>
+          <a:p>
+            <a:r>
+              <a:rPr lang="en-US" dirty="0"/>
+              <a:t>Ly = 15 nm</a:t>
+            </a:r>
+          </a:p>
+          <a:p>
+            <a:r>
+              <a:rPr lang="en-US" dirty="0"/>
+              <a:t>dx = 0.4 nm</a:t>
+            </a:r>
+          </a:p>
+        </p:txBody>
+      </p:sp>
+      <p:sp>
+        <p:nvSpPr>
+          <p:cNvPr id="4" name="TextBox 3">
+            <a:extLst>
+              <a:ext uri="{FF2B5EF4-FFF2-40B4-BE49-F238E27FC236}">
+                <a16:creationId xmlns:a16="http://schemas.microsoft.com/office/drawing/2014/main" id="{431FD48E-52DE-AC6E-5D2D-A03BFCBE0CEE}"/>
+              </a:ext>
+            </a:extLst>
+          </p:cNvPr>
+          <p:cNvSpPr txBox="1"/>
+          <p:nvPr/>
+        </p:nvSpPr>
+        <p:spPr>
+          <a:xfrm>
+            <a:off x="1192694" y="3776869"/>
+            <a:ext cx="7026965" cy="1754326"/>
+          </a:xfrm>
+          <a:prstGeom prst="rect">
+            <a:avLst/>
+          </a:prstGeom>
+          <a:noFill/>
+        </p:spPr>
+        <p:txBody>
+          <a:bodyPr wrap="square" rtlCol="0">
+            <a:spAutoFit/>
+          </a:bodyPr>
+          <a:lstStyle/>
+          <a:p>
+            <a:r>
+              <a:rPr lang="en-US" dirty="0"/>
+              <a:t>Cast in terms of dx (for rounding and PBC for grafting points): </a:t>
+            </a:r>
+          </a:p>
+          <a:p>
+            <a:r>
+              <a:rPr lang="en-US" dirty="0"/>
+              <a:t>	Sigma = 0.0668 c/nm2</a:t>
+            </a:r>
+          </a:p>
+          <a:p>
+            <a:r>
+              <a:rPr lang="en-US" dirty="0"/>
+              <a:t>	Lx = 14.80 nm</a:t>
+            </a:r>
+          </a:p>
+          <a:p>
+            <a:r>
+              <a:rPr lang="en-US" dirty="0"/>
+              <a:t>	Ly = 11.20 nm</a:t>
+            </a:r>
+          </a:p>
+          <a:p>
+            <a:endParaRPr lang="en-US" dirty="0"/>
+          </a:p>
+          <a:p>
+            <a:r>
+              <a:rPr lang="en-US" dirty="0"/>
+              <a:t>(Sigma error decrease with dx)</a:t>
+            </a:r>
+          </a:p>
+        </p:txBody>
+      </p:sp>
+    </p:spTree>
+    <p:extLst>
+      <p:ext uri="{BB962C8B-B14F-4D97-AF65-F5344CB8AC3E}">
+        <p14:creationId xmlns:p14="http://schemas.microsoft.com/office/powerpoint/2010/main" val="782308025"/>
+      </p:ext>
+    </p:extLst>
+  </p:cSld>
+  <p:clrMapOvr>
+    <a:masterClrMapping/>
+  </p:clrMapOvr>
+</p:sld>
+</file>
+
+<file path=ppt/slides/slide9.xml><?xml version="1.0" encoding="utf-8"?>
+<p:sld xmlns:a="http://schemas.openxmlformats.org/drawingml/2006/main" xmlns:r="http://schemas.openxmlformats.org/officeDocument/2006/relationships" xmlns:p="http://schemas.openxmlformats.org/presentationml/2006/main">
+  <p:cSld>
+    <p:spTree>
+      <p:nvGrpSpPr>
+        <p:cNvPr id="1" name=""/>
+        <p:cNvGrpSpPr/>
+        <p:nvPr/>
+      </p:nvGrpSpPr>
+      <p:grpSpPr>
+        <a:xfrm>
+          <a:off x="0" y="0"/>
+          <a:ext cx="0" cy="0"/>
+          <a:chOff x="0" y="0"/>
+          <a:chExt cx="0" cy="0"/>
+        </a:xfrm>
+      </p:grpSpPr>
+      <p:pic>
+        <p:nvPicPr>
+          <p:cNvPr id="2" name="Picture 8">
+            <a:extLst>
+              <a:ext uri="{FF2B5EF4-FFF2-40B4-BE49-F238E27FC236}">
+                <a16:creationId xmlns:a16="http://schemas.microsoft.com/office/drawing/2014/main" id="{0942303E-AC1F-10F0-8287-CEA51A87AFA1}"/>
+              </a:ext>
+            </a:extLst>
+          </p:cNvPr>
+          <p:cNvPicPr>
+            <a:picLocks noChangeAspect="1" noChangeArrowheads="1"/>
+          </p:cNvPicPr>
+          <p:nvPr/>
+        </p:nvPicPr>
+        <p:blipFill>
+          <a:blip r:embed="rId2">
+            <a:extLst>
+              <a:ext uri="{28A0092B-C50C-407E-A947-70E740481C1C}">
+                <a14:useLocalDpi xmlns:a14="http://schemas.microsoft.com/office/drawing/2010/main" val="0"/>
+              </a:ext>
+            </a:extLst>
+          </a:blip>
+          <a:srcRect/>
+          <a:stretch>
+            <a:fillRect/>
+          </a:stretch>
+        </p:blipFill>
+        <p:spPr bwMode="auto">
+          <a:xfrm>
+            <a:off x="5292743" y="3203809"/>
+            <a:ext cx="3992646" cy="3472219"/>
+          </a:xfrm>
+          <a:prstGeom prst="rect">
+            <a:avLst/>
+          </a:prstGeom>
+          <a:noFill/>
+          <a:extLst>
+            <a:ext uri="{909E8E84-426E-40DD-AFC4-6F175D3DCCD1}">
+              <a14:hiddenFill xmlns:a14="http://schemas.microsoft.com/office/drawing/2010/main">
+                <a:solidFill>
+                  <a:srgbClr val="FFFFFF"/>
+                </a:solidFill>
+              </a14:hiddenFill>
+            </a:ext>
+          </a:extLst>
+        </p:spPr>
+      </p:pic>
+      <p:pic>
+        <p:nvPicPr>
+          <p:cNvPr id="3" name="Picture 8">
+            <a:extLst>
+              <a:ext uri="{FF2B5EF4-FFF2-40B4-BE49-F238E27FC236}">
+                <a16:creationId xmlns:a16="http://schemas.microsoft.com/office/drawing/2014/main" id="{3D1364F1-8E30-980B-97F9-DAB3A4D50979}"/>
+              </a:ext>
+            </a:extLst>
+          </p:cNvPr>
+          <p:cNvPicPr>
+            <a:picLocks noChangeAspect="1" noChangeArrowheads="1"/>
+          </p:cNvPicPr>
+          <p:nvPr/>
+        </p:nvPicPr>
+        <p:blipFill rotWithShape="1">
+          <a:blip r:embed="rId2">
+            <a:extLst>
+              <a:ext uri="{28A0092B-C50C-407E-A947-70E740481C1C}">
+                <a14:useLocalDpi xmlns:a14="http://schemas.microsoft.com/office/drawing/2010/main" val="0"/>
+              </a:ext>
+            </a:extLst>
+          </a:blip>
+          <a:srcRect r="1712"/>
+          <a:stretch/>
+        </p:blipFill>
+        <p:spPr bwMode="auto">
+          <a:xfrm>
+            <a:off x="1822262" y="256141"/>
+            <a:ext cx="3924300" cy="3472219"/>
+          </a:xfrm>
+          <a:prstGeom prst="rect">
+            <a:avLst/>
+          </a:prstGeom>
+          <a:noFill/>
+          <a:extLst>
+            <a:ext uri="{909E8E84-426E-40DD-AFC4-6F175D3DCCD1}">
+              <a14:hiddenFill xmlns:a14="http://schemas.microsoft.com/office/drawing/2010/main">
+                <a:solidFill>
+                  <a:srgbClr val="FFFFFF"/>
+                </a:solidFill>
+              </a14:hiddenFill>
+            </a:ext>
+          </a:extLst>
+        </p:spPr>
+      </p:pic>
+      <p:pic>
+        <p:nvPicPr>
+          <p:cNvPr id="5128" name="Picture 8">
+            <a:extLst>
+              <a:ext uri="{FF2B5EF4-FFF2-40B4-BE49-F238E27FC236}">
+                <a16:creationId xmlns:a16="http://schemas.microsoft.com/office/drawing/2014/main" id="{ED191988-4743-BC45-910E-FD3AAF0325D3}"/>
+              </a:ext>
+            </a:extLst>
+          </p:cNvPr>
+          <p:cNvPicPr>
+            <a:picLocks noChangeAspect="1" noChangeArrowheads="1"/>
+          </p:cNvPicPr>
+          <p:nvPr/>
+        </p:nvPicPr>
+        <p:blipFill rotWithShape="1">
+          <a:blip r:embed="rId2">
+            <a:extLst>
+              <a:ext uri="{28A0092B-C50C-407E-A947-70E740481C1C}">
+                <a14:useLocalDpi xmlns:a14="http://schemas.microsoft.com/office/drawing/2010/main" val="0"/>
+              </a:ext>
+            </a:extLst>
+          </a:blip>
+          <a:srcRect t="2462" r="1712"/>
+          <a:stretch/>
+        </p:blipFill>
+        <p:spPr bwMode="auto">
+          <a:xfrm>
+            <a:off x="1819275" y="3289300"/>
+            <a:ext cx="3924300" cy="3386729"/>
+          </a:xfrm>
+          <a:prstGeom prst="rect">
+            <a:avLst/>
+          </a:prstGeom>
+          <a:noFill/>
+          <a:extLst>
+            <a:ext uri="{909E8E84-426E-40DD-AFC4-6F175D3DCCD1}">
+              <a14:hiddenFill xmlns:a14="http://schemas.microsoft.com/office/drawing/2010/main">
+                <a:solidFill>
+                  <a:srgbClr val="FFFFFF"/>
+                </a:solidFill>
+              </a14:hiddenFill>
+            </a:ext>
+          </a:extLst>
+        </p:spPr>
+      </p:pic>
+      <p:sp>
+        <p:nvSpPr>
+          <p:cNvPr id="23" name="Hexagon 22">
+            <a:extLst>
+              <a:ext uri="{FF2B5EF4-FFF2-40B4-BE49-F238E27FC236}">
+                <a16:creationId xmlns:a16="http://schemas.microsoft.com/office/drawing/2014/main" id="{95F6E8AA-E51C-EF11-9603-A8A2058FEBC7}"/>
+              </a:ext>
+            </a:extLst>
+          </p:cNvPr>
+          <p:cNvSpPr>
+            <a:spLocks noChangeAspect="1"/>
+          </p:cNvSpPr>
+          <p:nvPr/>
+        </p:nvSpPr>
+        <p:spPr>
+          <a:xfrm>
+            <a:off x="1974615" y="2968935"/>
+            <a:ext cx="1101061" cy="949191"/>
+          </a:xfrm>
+          <a:prstGeom prst="hexagon">
+            <a:avLst/>
+          </a:prstGeom>
+          <a:noFill/>
+          <a:ln w="38100">
+            <a:solidFill>
+              <a:srgbClr val="C00000"/>
+            </a:solidFill>
+          </a:ln>
+        </p:spPr>
+        <p:style>
+          <a:lnRef idx="2">
+            <a:schemeClr val="accent1">
+              <a:shade val="15000"/>
+            </a:schemeClr>
+          </a:lnRef>
+          <a:fillRef idx="1">
+            <a:schemeClr val="accent1"/>
+          </a:fillRef>
+          <a:effectRef idx="0">
+            <a:schemeClr val="accent1"/>
+          </a:effectRef>
+          <a:fontRef idx="minor">
+            <a:schemeClr val="lt1"/>
+          </a:fontRef>
+        </p:style>
+        <p:txBody>
+          <a:bodyPr rtlCol="0" anchor="ctr"/>
+          <a:lstStyle/>
+          <a:p>
+            <a:pPr algn="ctr"/>
+            <a:endParaRPr lang="en-US" dirty="0"/>
+          </a:p>
+        </p:txBody>
+      </p:sp>
+      <p:sp>
+        <p:nvSpPr>
+          <p:cNvPr id="24" name="Hexagon 23">
+            <a:extLst>
+              <a:ext uri="{FF2B5EF4-FFF2-40B4-BE49-F238E27FC236}">
+                <a16:creationId xmlns:a16="http://schemas.microsoft.com/office/drawing/2014/main" id="{E2137AB5-84C0-9474-6105-2C763501D3BA}"/>
+              </a:ext>
+            </a:extLst>
+          </p:cNvPr>
+          <p:cNvSpPr>
+            <a:spLocks noChangeAspect="1"/>
+          </p:cNvSpPr>
+          <p:nvPr/>
+        </p:nvSpPr>
+        <p:spPr>
+          <a:xfrm>
+            <a:off x="1967472" y="3921109"/>
+            <a:ext cx="1101061" cy="949191"/>
+          </a:xfrm>
+          <a:prstGeom prst="hexagon">
+            <a:avLst/>
+          </a:prstGeom>
+          <a:noFill/>
+          <a:ln w="38100">
+            <a:solidFill>
+              <a:srgbClr val="C00000"/>
+            </a:solidFill>
+          </a:ln>
+        </p:spPr>
+        <p:style>
+          <a:lnRef idx="2">
+            <a:schemeClr val="accent1">
+              <a:shade val="15000"/>
+            </a:schemeClr>
+          </a:lnRef>
+          <a:fillRef idx="1">
+            <a:schemeClr val="accent1"/>
+          </a:fillRef>
+          <a:effectRef idx="0">
+            <a:schemeClr val="accent1"/>
+          </a:effectRef>
+          <a:fontRef idx="minor">
+            <a:schemeClr val="lt1"/>
+          </a:fontRef>
+        </p:style>
+        <p:txBody>
+          <a:bodyPr rtlCol="0" anchor="ctr"/>
+          <a:lstStyle/>
+          <a:p>
+            <a:pPr algn="ctr"/>
+            <a:endParaRPr lang="en-US" dirty="0"/>
+          </a:p>
+        </p:txBody>
+      </p:sp>
+      <p:sp>
+        <p:nvSpPr>
+          <p:cNvPr id="25" name="Hexagon 24">
+            <a:extLst>
+              <a:ext uri="{FF2B5EF4-FFF2-40B4-BE49-F238E27FC236}">
+                <a16:creationId xmlns:a16="http://schemas.microsoft.com/office/drawing/2014/main" id="{F8C810D5-5537-7B6D-B440-1268350AA201}"/>
+              </a:ext>
+            </a:extLst>
+          </p:cNvPr>
+          <p:cNvSpPr>
+            <a:spLocks noChangeAspect="1"/>
+          </p:cNvSpPr>
+          <p:nvPr/>
+        </p:nvSpPr>
+        <p:spPr>
+          <a:xfrm>
+            <a:off x="1967472" y="4865749"/>
+            <a:ext cx="1101061" cy="949191"/>
+          </a:xfrm>
+          <a:prstGeom prst="hexagon">
+            <a:avLst/>
+          </a:prstGeom>
+          <a:noFill/>
+          <a:ln w="38100">
+            <a:solidFill>
+              <a:srgbClr val="C00000"/>
+            </a:solidFill>
+          </a:ln>
+        </p:spPr>
+        <p:style>
+          <a:lnRef idx="2">
+            <a:schemeClr val="accent1">
+              <a:shade val="15000"/>
+            </a:schemeClr>
+          </a:lnRef>
+          <a:fillRef idx="1">
+            <a:schemeClr val="accent1"/>
+          </a:fillRef>
+          <a:effectRef idx="0">
+            <a:schemeClr val="accent1"/>
+          </a:effectRef>
+          <a:fontRef idx="minor">
+            <a:schemeClr val="lt1"/>
+          </a:fontRef>
+        </p:style>
+        <p:txBody>
+          <a:bodyPr rtlCol="0" anchor="ctr"/>
+          <a:lstStyle/>
+          <a:p>
+            <a:pPr algn="ctr"/>
+            <a:endParaRPr lang="en-US" dirty="0"/>
+          </a:p>
+        </p:txBody>
+      </p:sp>
+      <p:sp>
+        <p:nvSpPr>
+          <p:cNvPr id="26" name="Hexagon 25">
+            <a:extLst>
+              <a:ext uri="{FF2B5EF4-FFF2-40B4-BE49-F238E27FC236}">
+                <a16:creationId xmlns:a16="http://schemas.microsoft.com/office/drawing/2014/main" id="{F77599D8-7767-A82D-07AA-3FB63B9BFD14}"/>
+              </a:ext>
+            </a:extLst>
+          </p:cNvPr>
+          <p:cNvSpPr>
+            <a:spLocks noChangeAspect="1"/>
+          </p:cNvSpPr>
+          <p:nvPr/>
+        </p:nvSpPr>
+        <p:spPr>
+          <a:xfrm>
+            <a:off x="2834107" y="5342618"/>
+            <a:ext cx="1101061" cy="949191"/>
+          </a:xfrm>
+          <a:prstGeom prst="hexagon">
+            <a:avLst/>
+          </a:prstGeom>
+          <a:noFill/>
+          <a:ln w="38100">
+            <a:solidFill>
+              <a:srgbClr val="C00000"/>
+            </a:solidFill>
+          </a:ln>
+        </p:spPr>
+        <p:style>
+          <a:lnRef idx="2">
+            <a:schemeClr val="accent1">
+              <a:shade val="15000"/>
+            </a:schemeClr>
+          </a:lnRef>
+          <a:fillRef idx="1">
+            <a:schemeClr val="accent1"/>
+          </a:fillRef>
+          <a:effectRef idx="0">
+            <a:schemeClr val="accent1"/>
+          </a:effectRef>
+          <a:fontRef idx="minor">
+            <a:schemeClr val="lt1"/>
+          </a:fontRef>
+        </p:style>
+        <p:txBody>
+          <a:bodyPr rtlCol="0" anchor="ctr"/>
+          <a:lstStyle/>
+          <a:p>
+            <a:pPr algn="ctr"/>
+            <a:endParaRPr lang="en-US" dirty="0"/>
+          </a:p>
+        </p:txBody>
+      </p:sp>
+      <p:sp>
+        <p:nvSpPr>
+          <p:cNvPr id="27" name="Hexagon 26">
+            <a:extLst>
+              <a:ext uri="{FF2B5EF4-FFF2-40B4-BE49-F238E27FC236}">
+                <a16:creationId xmlns:a16="http://schemas.microsoft.com/office/drawing/2014/main" id="{EDA58312-BC6C-10CE-D676-1A55FABD2974}"/>
+              </a:ext>
+            </a:extLst>
+          </p:cNvPr>
+          <p:cNvSpPr>
+            <a:spLocks noChangeAspect="1"/>
+          </p:cNvSpPr>
+          <p:nvPr/>
+        </p:nvSpPr>
+        <p:spPr>
+          <a:xfrm>
+            <a:off x="2834107" y="4397196"/>
+            <a:ext cx="1101061" cy="949191"/>
+          </a:xfrm>
+          <a:prstGeom prst="hexagon">
+            <a:avLst/>
+          </a:prstGeom>
+          <a:noFill/>
+          <a:ln w="38100">
+            <a:solidFill>
+              <a:srgbClr val="C00000"/>
+            </a:solidFill>
+          </a:ln>
+        </p:spPr>
+        <p:style>
+          <a:lnRef idx="2">
+            <a:schemeClr val="accent1">
+              <a:shade val="15000"/>
+            </a:schemeClr>
+          </a:lnRef>
+          <a:fillRef idx="1">
+            <a:schemeClr val="accent1"/>
+          </a:fillRef>
+          <a:effectRef idx="0">
+            <a:schemeClr val="accent1"/>
+          </a:effectRef>
+          <a:fontRef idx="minor">
+            <a:schemeClr val="lt1"/>
+          </a:fontRef>
+        </p:style>
+        <p:txBody>
+          <a:bodyPr rtlCol="0" anchor="ctr"/>
+          <a:lstStyle/>
+          <a:p>
+            <a:pPr algn="ctr"/>
+            <a:endParaRPr lang="en-US" dirty="0"/>
+          </a:p>
+        </p:txBody>
+      </p:sp>
+      <p:sp>
+        <p:nvSpPr>
+          <p:cNvPr id="28" name="Hexagon 27">
+            <a:extLst>
+              <a:ext uri="{FF2B5EF4-FFF2-40B4-BE49-F238E27FC236}">
+                <a16:creationId xmlns:a16="http://schemas.microsoft.com/office/drawing/2014/main" id="{500312F3-E150-1BF6-8E03-C5E66745B1B5}"/>
+              </a:ext>
+            </a:extLst>
+          </p:cNvPr>
+          <p:cNvSpPr>
+            <a:spLocks noChangeAspect="1"/>
+          </p:cNvSpPr>
+          <p:nvPr/>
+        </p:nvSpPr>
+        <p:spPr>
+          <a:xfrm>
+            <a:off x="2834107" y="3451775"/>
+            <a:ext cx="1101061" cy="949191"/>
+          </a:xfrm>
+          <a:prstGeom prst="hexagon">
+            <a:avLst/>
+          </a:prstGeom>
+          <a:noFill/>
+          <a:ln w="38100">
+            <a:solidFill>
+              <a:srgbClr val="C00000"/>
+            </a:solidFill>
+          </a:ln>
+        </p:spPr>
+        <p:style>
+          <a:lnRef idx="2">
+            <a:schemeClr val="accent1">
+              <a:shade val="15000"/>
+            </a:schemeClr>
+          </a:lnRef>
+          <a:fillRef idx="1">
+            <a:schemeClr val="accent1"/>
+          </a:fillRef>
+          <a:effectRef idx="0">
+            <a:schemeClr val="accent1"/>
+          </a:effectRef>
+          <a:fontRef idx="minor">
+            <a:schemeClr val="lt1"/>
+          </a:fontRef>
+        </p:style>
+        <p:txBody>
+          <a:bodyPr rtlCol="0" anchor="ctr"/>
+          <a:lstStyle/>
+          <a:p>
+            <a:pPr algn="ctr"/>
+            <a:endParaRPr lang="en-US" dirty="0"/>
+          </a:p>
+        </p:txBody>
+      </p:sp>
+      <p:sp>
+        <p:nvSpPr>
+          <p:cNvPr id="29" name="Hexagon 28">
+            <a:extLst>
+              <a:ext uri="{FF2B5EF4-FFF2-40B4-BE49-F238E27FC236}">
+                <a16:creationId xmlns:a16="http://schemas.microsoft.com/office/drawing/2014/main" id="{15731913-8430-CCBF-E728-912DD1051C0A}"/>
+              </a:ext>
+            </a:extLst>
+          </p:cNvPr>
+          <p:cNvSpPr>
+            <a:spLocks noChangeAspect="1"/>
+          </p:cNvSpPr>
+          <p:nvPr/>
+        </p:nvSpPr>
+        <p:spPr>
+          <a:xfrm>
+            <a:off x="3693601" y="2976254"/>
+            <a:ext cx="1101061" cy="949191"/>
+          </a:xfrm>
+          <a:prstGeom prst="hexagon">
+            <a:avLst/>
+          </a:prstGeom>
+          <a:noFill/>
+          <a:ln w="38100">
+            <a:solidFill>
+              <a:srgbClr val="C00000"/>
+            </a:solidFill>
+          </a:ln>
+        </p:spPr>
+        <p:style>
+          <a:lnRef idx="2">
+            <a:schemeClr val="accent1">
+              <a:shade val="15000"/>
+            </a:schemeClr>
+          </a:lnRef>
+          <a:fillRef idx="1">
+            <a:schemeClr val="accent1"/>
+          </a:fillRef>
+          <a:effectRef idx="0">
+            <a:schemeClr val="accent1"/>
+          </a:effectRef>
+          <a:fontRef idx="minor">
+            <a:schemeClr val="lt1"/>
+          </a:fontRef>
+        </p:style>
+        <p:txBody>
+          <a:bodyPr rtlCol="0" anchor="ctr"/>
+          <a:lstStyle/>
+          <a:p>
+            <a:pPr algn="ctr"/>
+            <a:endParaRPr lang="en-US" dirty="0"/>
+          </a:p>
+        </p:txBody>
+      </p:sp>
+      <p:sp>
+        <p:nvSpPr>
+          <p:cNvPr id="30" name="Hexagon 29">
+            <a:extLst>
+              <a:ext uri="{FF2B5EF4-FFF2-40B4-BE49-F238E27FC236}">
+                <a16:creationId xmlns:a16="http://schemas.microsoft.com/office/drawing/2014/main" id="{FE4743FE-6712-EBB0-A5C5-B2274FF5C4DC}"/>
+              </a:ext>
+            </a:extLst>
+          </p:cNvPr>
+          <p:cNvSpPr>
+            <a:spLocks noChangeAspect="1"/>
+          </p:cNvSpPr>
+          <p:nvPr/>
+        </p:nvSpPr>
+        <p:spPr>
+          <a:xfrm>
+            <a:off x="3687238" y="3934484"/>
+            <a:ext cx="1101061" cy="949191"/>
+          </a:xfrm>
+          <a:prstGeom prst="hexagon">
+            <a:avLst/>
+          </a:prstGeom>
+          <a:noFill/>
+          <a:ln w="38100">
+            <a:solidFill>
+              <a:srgbClr val="C00000"/>
+            </a:solidFill>
+          </a:ln>
+        </p:spPr>
+        <p:style>
+          <a:lnRef idx="2">
+            <a:schemeClr val="accent1">
+              <a:shade val="15000"/>
+            </a:schemeClr>
+          </a:lnRef>
+          <a:fillRef idx="1">
+            <a:schemeClr val="accent1"/>
+          </a:fillRef>
+          <a:effectRef idx="0">
+            <a:schemeClr val="accent1"/>
+          </a:effectRef>
+          <a:fontRef idx="minor">
+            <a:schemeClr val="lt1"/>
+          </a:fontRef>
+        </p:style>
+        <p:txBody>
+          <a:bodyPr rtlCol="0" anchor="ctr"/>
+          <a:lstStyle/>
+          <a:p>
+            <a:pPr algn="ctr"/>
+            <a:endParaRPr lang="en-US" dirty="0"/>
+          </a:p>
+        </p:txBody>
+      </p:sp>
+      <p:sp>
+        <p:nvSpPr>
+          <p:cNvPr id="40" name="Hexagon 39">
+            <a:extLst>
+              <a:ext uri="{FF2B5EF4-FFF2-40B4-BE49-F238E27FC236}">
+                <a16:creationId xmlns:a16="http://schemas.microsoft.com/office/drawing/2014/main" id="{F03E2C1C-BF9A-D1A4-AB96-44B915D89168}"/>
+              </a:ext>
+            </a:extLst>
+          </p:cNvPr>
+          <p:cNvSpPr>
+            <a:spLocks noChangeAspect="1"/>
+          </p:cNvSpPr>
+          <p:nvPr/>
+        </p:nvSpPr>
+        <p:spPr>
+          <a:xfrm>
+            <a:off x="4550589" y="3458860"/>
+            <a:ext cx="1101061" cy="949191"/>
+          </a:xfrm>
+          <a:prstGeom prst="hexagon">
+            <a:avLst/>
+          </a:prstGeom>
+          <a:noFill/>
+          <a:ln w="38100">
+            <a:solidFill>
+              <a:srgbClr val="C00000"/>
+            </a:solidFill>
+          </a:ln>
+        </p:spPr>
+        <p:style>
+          <a:lnRef idx="2">
+            <a:schemeClr val="accent1">
+              <a:shade val="15000"/>
+            </a:schemeClr>
+          </a:lnRef>
+          <a:fillRef idx="1">
+            <a:schemeClr val="accent1"/>
+          </a:fillRef>
+          <a:effectRef idx="0">
+            <a:schemeClr val="accent1"/>
+          </a:effectRef>
+          <a:fontRef idx="minor">
+            <a:schemeClr val="lt1"/>
+          </a:fontRef>
+        </p:style>
+        <p:txBody>
+          <a:bodyPr rtlCol="0" anchor="ctr"/>
+          <a:lstStyle/>
+          <a:p>
+            <a:pPr algn="ctr"/>
+            <a:endParaRPr lang="en-US" dirty="0"/>
+          </a:p>
+        </p:txBody>
+      </p:sp>
+      <p:sp>
+        <p:nvSpPr>
+          <p:cNvPr id="41" name="Hexagon 40">
+            <a:extLst>
+              <a:ext uri="{FF2B5EF4-FFF2-40B4-BE49-F238E27FC236}">
+                <a16:creationId xmlns:a16="http://schemas.microsoft.com/office/drawing/2014/main" id="{AA13D11E-D161-07F1-337A-0439DE47625A}"/>
+              </a:ext>
+            </a:extLst>
+          </p:cNvPr>
+          <p:cNvSpPr>
+            <a:spLocks noChangeAspect="1"/>
+          </p:cNvSpPr>
+          <p:nvPr/>
+        </p:nvSpPr>
+        <p:spPr>
+          <a:xfrm>
+            <a:off x="4550589" y="4411034"/>
+            <a:ext cx="1101061" cy="949191"/>
+          </a:xfrm>
+          <a:prstGeom prst="hexagon">
+            <a:avLst/>
+          </a:prstGeom>
+          <a:noFill/>
+          <a:ln w="38100">
+            <a:solidFill>
+              <a:srgbClr val="C00000"/>
+            </a:solidFill>
+          </a:ln>
+        </p:spPr>
+        <p:style>
+          <a:lnRef idx="2">
+            <a:schemeClr val="accent1">
+              <a:shade val="15000"/>
+            </a:schemeClr>
+          </a:lnRef>
+          <a:fillRef idx="1">
+            <a:schemeClr val="accent1"/>
+          </a:fillRef>
+          <a:effectRef idx="0">
+            <a:schemeClr val="accent1"/>
+          </a:effectRef>
+          <a:fontRef idx="minor">
+            <a:schemeClr val="lt1"/>
+          </a:fontRef>
+        </p:style>
+        <p:txBody>
+          <a:bodyPr rtlCol="0" anchor="ctr"/>
+          <a:lstStyle/>
+          <a:p>
+            <a:pPr algn="ctr"/>
+            <a:endParaRPr lang="en-US" dirty="0"/>
+          </a:p>
+        </p:txBody>
+      </p:sp>
+      <p:sp>
+        <p:nvSpPr>
+          <p:cNvPr id="42" name="Hexagon 41">
+            <a:extLst>
+              <a:ext uri="{FF2B5EF4-FFF2-40B4-BE49-F238E27FC236}">
+                <a16:creationId xmlns:a16="http://schemas.microsoft.com/office/drawing/2014/main" id="{37E2AD43-8C0F-AE4E-73F5-2ADF3F4328B5}"/>
+              </a:ext>
+            </a:extLst>
+          </p:cNvPr>
+          <p:cNvSpPr>
+            <a:spLocks noChangeAspect="1"/>
+          </p:cNvSpPr>
+          <p:nvPr/>
+        </p:nvSpPr>
+        <p:spPr>
+          <a:xfrm>
+            <a:off x="4550589" y="5369961"/>
+            <a:ext cx="1101061" cy="949191"/>
+          </a:xfrm>
+          <a:prstGeom prst="hexagon">
+            <a:avLst/>
+          </a:prstGeom>
+          <a:noFill/>
+          <a:ln w="38100">
+            <a:solidFill>
+              <a:srgbClr val="C00000"/>
+            </a:solidFill>
+          </a:ln>
+        </p:spPr>
+        <p:style>
+          <a:lnRef idx="2">
+            <a:schemeClr val="accent1">
+              <a:shade val="15000"/>
+            </a:schemeClr>
+          </a:lnRef>
+          <a:fillRef idx="1">
+            <a:schemeClr val="accent1"/>
+          </a:fillRef>
+          <a:effectRef idx="0">
+            <a:schemeClr val="accent1"/>
+          </a:effectRef>
+          <a:fontRef idx="minor">
+            <a:schemeClr val="lt1"/>
+          </a:fontRef>
+        </p:style>
+        <p:txBody>
+          <a:bodyPr rtlCol="0" anchor="ctr"/>
+          <a:lstStyle/>
+          <a:p>
+            <a:pPr algn="ctr"/>
+            <a:endParaRPr lang="en-US" dirty="0"/>
+          </a:p>
+        </p:txBody>
+      </p:sp>
+      <p:sp>
+        <p:nvSpPr>
+          <p:cNvPr id="49" name="Hexagon 48">
+            <a:extLst>
+              <a:ext uri="{FF2B5EF4-FFF2-40B4-BE49-F238E27FC236}">
+                <a16:creationId xmlns:a16="http://schemas.microsoft.com/office/drawing/2014/main" id="{6DED218D-3761-F049-ADDA-F96E065614EC}"/>
+              </a:ext>
+            </a:extLst>
+          </p:cNvPr>
+          <p:cNvSpPr>
+            <a:spLocks noChangeAspect="1"/>
+          </p:cNvSpPr>
+          <p:nvPr/>
+        </p:nvSpPr>
+        <p:spPr>
+          <a:xfrm>
+            <a:off x="3694322" y="4877619"/>
+            <a:ext cx="1101061" cy="949191"/>
+          </a:xfrm>
+          <a:prstGeom prst="hexagon">
+            <a:avLst/>
+          </a:prstGeom>
+          <a:noFill/>
+          <a:ln w="38100">
+            <a:solidFill>
+              <a:srgbClr val="C00000"/>
+            </a:solidFill>
+          </a:ln>
+        </p:spPr>
+        <p:style>
+          <a:lnRef idx="2">
+            <a:schemeClr val="accent1">
+              <a:shade val="15000"/>
+            </a:schemeClr>
+          </a:lnRef>
+          <a:fillRef idx="1">
+            <a:schemeClr val="accent1"/>
+          </a:fillRef>
+          <a:effectRef idx="0">
+            <a:schemeClr val="accent1"/>
+          </a:effectRef>
+          <a:fontRef idx="minor">
+            <a:schemeClr val="lt1"/>
+          </a:fontRef>
+        </p:style>
+        <p:txBody>
+          <a:bodyPr rtlCol="0" anchor="ctr"/>
+          <a:lstStyle/>
+          <a:p>
+            <a:pPr algn="ctr"/>
+            <a:endParaRPr lang="en-US" dirty="0"/>
+          </a:p>
+        </p:txBody>
+      </p:sp>
+      <p:sp>
+        <p:nvSpPr>
+          <p:cNvPr id="1025" name="Hexagon 1024">
+            <a:extLst>
+              <a:ext uri="{FF2B5EF4-FFF2-40B4-BE49-F238E27FC236}">
+                <a16:creationId xmlns:a16="http://schemas.microsoft.com/office/drawing/2014/main" id="{C7930FA0-BB84-E8BC-6F55-86DC44EB1517}"/>
+              </a:ext>
+            </a:extLst>
+          </p:cNvPr>
+          <p:cNvSpPr>
+            <a:spLocks noChangeAspect="1"/>
+          </p:cNvSpPr>
+          <p:nvPr/>
+        </p:nvSpPr>
+        <p:spPr>
+          <a:xfrm>
+            <a:off x="5426874" y="2968935"/>
+            <a:ext cx="1101061" cy="949191"/>
+          </a:xfrm>
+          <a:prstGeom prst="hexagon">
+            <a:avLst/>
+          </a:prstGeom>
+          <a:noFill/>
+          <a:ln w="38100">
+            <a:solidFill>
+              <a:srgbClr val="C00000"/>
+            </a:solidFill>
+          </a:ln>
+        </p:spPr>
+        <p:style>
+          <a:lnRef idx="2">
+            <a:schemeClr val="accent1">
+              <a:shade val="15000"/>
+            </a:schemeClr>
+          </a:lnRef>
+          <a:fillRef idx="1">
+            <a:schemeClr val="accent1"/>
+          </a:fillRef>
+          <a:effectRef idx="0">
+            <a:schemeClr val="accent1"/>
+          </a:effectRef>
+          <a:fontRef idx="minor">
+            <a:schemeClr val="lt1"/>
+          </a:fontRef>
+        </p:style>
+        <p:txBody>
+          <a:bodyPr rtlCol="0" anchor="ctr"/>
+          <a:lstStyle/>
+          <a:p>
+            <a:pPr algn="ctr"/>
+            <a:endParaRPr lang="en-US" dirty="0"/>
+          </a:p>
+        </p:txBody>
+      </p:sp>
+      <p:sp>
+        <p:nvSpPr>
+          <p:cNvPr id="1027" name="Hexagon 1026">
+            <a:extLst>
+              <a:ext uri="{FF2B5EF4-FFF2-40B4-BE49-F238E27FC236}">
+                <a16:creationId xmlns:a16="http://schemas.microsoft.com/office/drawing/2014/main" id="{07BAD851-770C-F9A5-118E-93F5FFB185A8}"/>
+              </a:ext>
+            </a:extLst>
+          </p:cNvPr>
+          <p:cNvSpPr>
+            <a:spLocks noChangeAspect="1"/>
+          </p:cNvSpPr>
+          <p:nvPr/>
+        </p:nvSpPr>
+        <p:spPr>
+          <a:xfrm>
+            <a:off x="5419730" y="3921109"/>
+            <a:ext cx="1101061" cy="949191"/>
+          </a:xfrm>
+          <a:prstGeom prst="hexagon">
+            <a:avLst/>
+          </a:prstGeom>
+          <a:noFill/>
+          <a:ln w="38100">
+            <a:solidFill>
+              <a:srgbClr val="C00000"/>
+            </a:solidFill>
+          </a:ln>
+        </p:spPr>
+        <p:style>
+          <a:lnRef idx="2">
+            <a:schemeClr val="accent1">
+              <a:shade val="15000"/>
+            </a:schemeClr>
+          </a:lnRef>
+          <a:fillRef idx="1">
+            <a:schemeClr val="accent1"/>
+          </a:fillRef>
+          <a:effectRef idx="0">
+            <a:schemeClr val="accent1"/>
+          </a:effectRef>
+          <a:fontRef idx="minor">
+            <a:schemeClr val="lt1"/>
+          </a:fontRef>
+        </p:style>
+        <p:txBody>
+          <a:bodyPr rtlCol="0" anchor="ctr"/>
+          <a:lstStyle/>
+          <a:p>
+            <a:pPr algn="ctr"/>
+            <a:endParaRPr lang="en-US" dirty="0"/>
+          </a:p>
+        </p:txBody>
+      </p:sp>
+      <p:sp>
+        <p:nvSpPr>
+          <p:cNvPr id="1029" name="Hexagon 1028">
+            <a:extLst>
+              <a:ext uri="{FF2B5EF4-FFF2-40B4-BE49-F238E27FC236}">
+                <a16:creationId xmlns:a16="http://schemas.microsoft.com/office/drawing/2014/main" id="{D632B0F6-85EB-24F7-7939-C500C21C0D9E}"/>
+              </a:ext>
+            </a:extLst>
+          </p:cNvPr>
+          <p:cNvSpPr>
+            <a:spLocks noChangeAspect="1"/>
+          </p:cNvSpPr>
+          <p:nvPr/>
+        </p:nvSpPr>
+        <p:spPr>
+          <a:xfrm>
+            <a:off x="5419730" y="4865749"/>
+            <a:ext cx="1101061" cy="949191"/>
+          </a:xfrm>
+          <a:prstGeom prst="hexagon">
+            <a:avLst/>
+          </a:prstGeom>
+          <a:noFill/>
+          <a:ln w="38100">
+            <a:solidFill>
+              <a:srgbClr val="C00000"/>
+            </a:solidFill>
+          </a:ln>
+        </p:spPr>
+        <p:style>
+          <a:lnRef idx="2">
+            <a:schemeClr val="accent1">
+              <a:shade val="15000"/>
+            </a:schemeClr>
+          </a:lnRef>
+          <a:fillRef idx="1">
+            <a:schemeClr val="accent1"/>
+          </a:fillRef>
+          <a:effectRef idx="0">
+            <a:schemeClr val="accent1"/>
+          </a:effectRef>
+          <a:fontRef idx="minor">
+            <a:schemeClr val="lt1"/>
+          </a:fontRef>
+        </p:style>
+        <p:txBody>
+          <a:bodyPr rtlCol="0" anchor="ctr"/>
+          <a:lstStyle/>
+          <a:p>
+            <a:pPr algn="ctr"/>
+            <a:endParaRPr lang="en-US" dirty="0"/>
+          </a:p>
+        </p:txBody>
+      </p:sp>
+      <p:sp>
+        <p:nvSpPr>
+          <p:cNvPr id="1030" name="Hexagon 1029">
+            <a:extLst>
+              <a:ext uri="{FF2B5EF4-FFF2-40B4-BE49-F238E27FC236}">
+                <a16:creationId xmlns:a16="http://schemas.microsoft.com/office/drawing/2014/main" id="{94B24927-43D8-1C74-168D-351ED75387C9}"/>
+              </a:ext>
+            </a:extLst>
+          </p:cNvPr>
+          <p:cNvSpPr>
+            <a:spLocks noChangeAspect="1"/>
+          </p:cNvSpPr>
+          <p:nvPr/>
+        </p:nvSpPr>
+        <p:spPr>
+          <a:xfrm>
+            <a:off x="6286366" y="5342618"/>
+            <a:ext cx="1101061" cy="949191"/>
+          </a:xfrm>
+          <a:prstGeom prst="hexagon">
+            <a:avLst/>
+          </a:prstGeom>
+          <a:noFill/>
+          <a:ln w="38100">
+            <a:solidFill>
+              <a:srgbClr val="C00000"/>
+            </a:solidFill>
+          </a:ln>
+        </p:spPr>
+        <p:style>
+          <a:lnRef idx="2">
+            <a:schemeClr val="accent1">
+              <a:shade val="15000"/>
+            </a:schemeClr>
+          </a:lnRef>
+          <a:fillRef idx="1">
+            <a:schemeClr val="accent1"/>
+          </a:fillRef>
+          <a:effectRef idx="0">
+            <a:schemeClr val="accent1"/>
+          </a:effectRef>
+          <a:fontRef idx="minor">
+            <a:schemeClr val="lt1"/>
+          </a:fontRef>
+        </p:style>
+        <p:txBody>
+          <a:bodyPr rtlCol="0" anchor="ctr"/>
+          <a:lstStyle/>
+          <a:p>
+            <a:pPr algn="ctr"/>
+            <a:endParaRPr lang="en-US" dirty="0"/>
+          </a:p>
+        </p:txBody>
+      </p:sp>
+      <p:sp>
+        <p:nvSpPr>
+          <p:cNvPr id="1031" name="Hexagon 1030">
+            <a:extLst>
+              <a:ext uri="{FF2B5EF4-FFF2-40B4-BE49-F238E27FC236}">
+                <a16:creationId xmlns:a16="http://schemas.microsoft.com/office/drawing/2014/main" id="{3DB7BA57-7A0A-69E4-2AF2-2C4D8F441114}"/>
+              </a:ext>
+            </a:extLst>
+          </p:cNvPr>
+          <p:cNvSpPr>
+            <a:spLocks noChangeAspect="1"/>
+          </p:cNvSpPr>
+          <p:nvPr/>
+        </p:nvSpPr>
+        <p:spPr>
+          <a:xfrm>
+            <a:off x="6286366" y="4397196"/>
+            <a:ext cx="1101061" cy="949191"/>
+          </a:xfrm>
+          <a:prstGeom prst="hexagon">
+            <a:avLst/>
+          </a:prstGeom>
+          <a:noFill/>
+          <a:ln w="38100">
+            <a:solidFill>
+              <a:srgbClr val="C00000"/>
+            </a:solidFill>
+          </a:ln>
+        </p:spPr>
+        <p:style>
+          <a:lnRef idx="2">
+            <a:schemeClr val="accent1">
+              <a:shade val="15000"/>
+            </a:schemeClr>
+          </a:lnRef>
+          <a:fillRef idx="1">
+            <a:schemeClr val="accent1"/>
+          </a:fillRef>
+          <a:effectRef idx="0">
+            <a:schemeClr val="accent1"/>
+          </a:effectRef>
+          <a:fontRef idx="minor">
+            <a:schemeClr val="lt1"/>
+          </a:fontRef>
+        </p:style>
+        <p:txBody>
+          <a:bodyPr rtlCol="0" anchor="ctr"/>
+          <a:lstStyle/>
+          <a:p>
+            <a:pPr algn="ctr"/>
+            <a:endParaRPr lang="en-US" dirty="0"/>
+          </a:p>
+        </p:txBody>
+      </p:sp>
+      <p:sp>
+        <p:nvSpPr>
+          <p:cNvPr id="1032" name="Hexagon 1031">
+            <a:extLst>
+              <a:ext uri="{FF2B5EF4-FFF2-40B4-BE49-F238E27FC236}">
+                <a16:creationId xmlns:a16="http://schemas.microsoft.com/office/drawing/2014/main" id="{C03011F2-1859-3E52-FEC8-55F61BD5FFF3}"/>
+              </a:ext>
+            </a:extLst>
+          </p:cNvPr>
+          <p:cNvSpPr>
+            <a:spLocks noChangeAspect="1"/>
+          </p:cNvSpPr>
+          <p:nvPr/>
+        </p:nvSpPr>
+        <p:spPr>
+          <a:xfrm>
+            <a:off x="6286366" y="3451775"/>
+            <a:ext cx="1101061" cy="949191"/>
+          </a:xfrm>
+          <a:prstGeom prst="hexagon">
+            <a:avLst/>
+          </a:prstGeom>
+          <a:noFill/>
+          <a:ln w="38100">
+            <a:solidFill>
+              <a:srgbClr val="C00000"/>
+            </a:solidFill>
+          </a:ln>
+        </p:spPr>
+        <p:style>
+          <a:lnRef idx="2">
+            <a:schemeClr val="accent1">
+              <a:shade val="15000"/>
+            </a:schemeClr>
+          </a:lnRef>
+          <a:fillRef idx="1">
+            <a:schemeClr val="accent1"/>
+          </a:fillRef>
+          <a:effectRef idx="0">
+            <a:schemeClr val="accent1"/>
+          </a:effectRef>
+          <a:fontRef idx="minor">
+            <a:schemeClr val="lt1"/>
+          </a:fontRef>
+        </p:style>
+        <p:txBody>
+          <a:bodyPr rtlCol="0" anchor="ctr"/>
+          <a:lstStyle/>
+          <a:p>
+            <a:pPr algn="ctr"/>
+            <a:endParaRPr lang="en-US" dirty="0"/>
+          </a:p>
+        </p:txBody>
+      </p:sp>
+      <p:sp>
+        <p:nvSpPr>
+          <p:cNvPr id="1033" name="Hexagon 1032">
+            <a:extLst>
+              <a:ext uri="{FF2B5EF4-FFF2-40B4-BE49-F238E27FC236}">
+                <a16:creationId xmlns:a16="http://schemas.microsoft.com/office/drawing/2014/main" id="{AE75FE7B-A81B-2956-56D7-45F8EB881D36}"/>
+              </a:ext>
+            </a:extLst>
+          </p:cNvPr>
+          <p:cNvSpPr>
+            <a:spLocks noChangeAspect="1"/>
+          </p:cNvSpPr>
+          <p:nvPr/>
+        </p:nvSpPr>
+        <p:spPr>
+          <a:xfrm>
+            <a:off x="7145860" y="2976253"/>
+            <a:ext cx="1101061" cy="949191"/>
+          </a:xfrm>
+          <a:prstGeom prst="hexagon">
+            <a:avLst/>
+          </a:prstGeom>
+          <a:noFill/>
+          <a:ln w="38100">
+            <a:solidFill>
+              <a:srgbClr val="C00000"/>
+            </a:solidFill>
+          </a:ln>
+        </p:spPr>
+        <p:style>
+          <a:lnRef idx="2">
+            <a:schemeClr val="accent1">
+              <a:shade val="15000"/>
+            </a:schemeClr>
+          </a:lnRef>
+          <a:fillRef idx="1">
+            <a:schemeClr val="accent1"/>
+          </a:fillRef>
+          <a:effectRef idx="0">
+            <a:schemeClr val="accent1"/>
+          </a:effectRef>
+          <a:fontRef idx="minor">
+            <a:schemeClr val="lt1"/>
+          </a:fontRef>
+        </p:style>
+        <p:txBody>
+          <a:bodyPr rtlCol="0" anchor="ctr"/>
+          <a:lstStyle/>
+          <a:p>
+            <a:pPr algn="ctr"/>
+            <a:endParaRPr lang="en-US" dirty="0"/>
+          </a:p>
+        </p:txBody>
+      </p:sp>
+      <p:sp>
+        <p:nvSpPr>
+          <p:cNvPr id="1034" name="Hexagon 1033">
+            <a:extLst>
+              <a:ext uri="{FF2B5EF4-FFF2-40B4-BE49-F238E27FC236}">
+                <a16:creationId xmlns:a16="http://schemas.microsoft.com/office/drawing/2014/main" id="{54025567-2401-C213-CA49-AFB6FBE39109}"/>
+              </a:ext>
+            </a:extLst>
+          </p:cNvPr>
+          <p:cNvSpPr>
+            <a:spLocks noChangeAspect="1"/>
+          </p:cNvSpPr>
+          <p:nvPr/>
+        </p:nvSpPr>
+        <p:spPr>
+          <a:xfrm>
+            <a:off x="7139497" y="3934485"/>
+            <a:ext cx="1101061" cy="949191"/>
+          </a:xfrm>
+          <a:prstGeom prst="hexagon">
+            <a:avLst/>
+          </a:prstGeom>
+          <a:noFill/>
+          <a:ln w="38100">
+            <a:solidFill>
+              <a:srgbClr val="C00000"/>
+            </a:solidFill>
+          </a:ln>
+        </p:spPr>
+        <p:style>
+          <a:lnRef idx="2">
+            <a:schemeClr val="accent1">
+              <a:shade val="15000"/>
+            </a:schemeClr>
+          </a:lnRef>
+          <a:fillRef idx="1">
+            <a:schemeClr val="accent1"/>
+          </a:fillRef>
+          <a:effectRef idx="0">
+            <a:schemeClr val="accent1"/>
+          </a:effectRef>
+          <a:fontRef idx="minor">
+            <a:schemeClr val="lt1"/>
+          </a:fontRef>
+        </p:style>
+        <p:txBody>
+          <a:bodyPr rtlCol="0" anchor="ctr"/>
+          <a:lstStyle/>
+          <a:p>
+            <a:pPr algn="ctr"/>
+            <a:endParaRPr lang="en-US" dirty="0"/>
+          </a:p>
+        </p:txBody>
+      </p:sp>
+      <p:sp>
+        <p:nvSpPr>
+          <p:cNvPr id="1035" name="Hexagon 1034">
+            <a:extLst>
+              <a:ext uri="{FF2B5EF4-FFF2-40B4-BE49-F238E27FC236}">
+                <a16:creationId xmlns:a16="http://schemas.microsoft.com/office/drawing/2014/main" id="{E0349C23-4111-3D32-480E-A5D8E9E50CE5}"/>
+              </a:ext>
+            </a:extLst>
+          </p:cNvPr>
+          <p:cNvSpPr>
+            <a:spLocks noChangeAspect="1"/>
+          </p:cNvSpPr>
+          <p:nvPr/>
+        </p:nvSpPr>
+        <p:spPr>
+          <a:xfrm>
+            <a:off x="8002848" y="3458861"/>
+            <a:ext cx="1101061" cy="949191"/>
+          </a:xfrm>
+          <a:prstGeom prst="hexagon">
+            <a:avLst/>
+          </a:prstGeom>
+          <a:noFill/>
+          <a:ln w="38100">
+            <a:solidFill>
+              <a:srgbClr val="C00000"/>
+            </a:solidFill>
+          </a:ln>
+        </p:spPr>
+        <p:style>
+          <a:lnRef idx="2">
+            <a:schemeClr val="accent1">
+              <a:shade val="15000"/>
+            </a:schemeClr>
+          </a:lnRef>
+          <a:fillRef idx="1">
+            <a:schemeClr val="accent1"/>
+          </a:fillRef>
+          <a:effectRef idx="0">
+            <a:schemeClr val="accent1"/>
+          </a:effectRef>
+          <a:fontRef idx="minor">
+            <a:schemeClr val="lt1"/>
+          </a:fontRef>
+        </p:style>
+        <p:txBody>
+          <a:bodyPr rtlCol="0" anchor="ctr"/>
+          <a:lstStyle/>
+          <a:p>
+            <a:pPr algn="ctr"/>
+            <a:endParaRPr lang="en-US" dirty="0"/>
+          </a:p>
+        </p:txBody>
+      </p:sp>
+      <p:sp>
+        <p:nvSpPr>
+          <p:cNvPr id="1036" name="Hexagon 1035">
+            <a:extLst>
+              <a:ext uri="{FF2B5EF4-FFF2-40B4-BE49-F238E27FC236}">
+                <a16:creationId xmlns:a16="http://schemas.microsoft.com/office/drawing/2014/main" id="{F83ECF99-64C5-797E-B098-E76380388873}"/>
+              </a:ext>
+            </a:extLst>
+          </p:cNvPr>
+          <p:cNvSpPr>
+            <a:spLocks noChangeAspect="1"/>
+          </p:cNvSpPr>
+          <p:nvPr/>
+        </p:nvSpPr>
+        <p:spPr>
+          <a:xfrm>
+            <a:off x="8002848" y="4411034"/>
+            <a:ext cx="1101061" cy="949191"/>
+          </a:xfrm>
+          <a:prstGeom prst="hexagon">
+            <a:avLst/>
+          </a:prstGeom>
+          <a:noFill/>
+          <a:ln w="38100">
+            <a:solidFill>
+              <a:srgbClr val="C00000"/>
+            </a:solidFill>
+          </a:ln>
+        </p:spPr>
+        <p:style>
+          <a:lnRef idx="2">
+            <a:schemeClr val="accent1">
+              <a:shade val="15000"/>
+            </a:schemeClr>
+          </a:lnRef>
+          <a:fillRef idx="1">
+            <a:schemeClr val="accent1"/>
+          </a:fillRef>
+          <a:effectRef idx="0">
+            <a:schemeClr val="accent1"/>
+          </a:effectRef>
+          <a:fontRef idx="minor">
+            <a:schemeClr val="lt1"/>
+          </a:fontRef>
+        </p:style>
+        <p:txBody>
+          <a:bodyPr rtlCol="0" anchor="ctr"/>
+          <a:lstStyle/>
+          <a:p>
+            <a:pPr algn="ctr"/>
+            <a:endParaRPr lang="en-US" dirty="0"/>
+          </a:p>
+        </p:txBody>
+      </p:sp>
+      <p:sp>
+        <p:nvSpPr>
+          <p:cNvPr id="1037" name="Hexagon 1036">
+            <a:extLst>
+              <a:ext uri="{FF2B5EF4-FFF2-40B4-BE49-F238E27FC236}">
+                <a16:creationId xmlns:a16="http://schemas.microsoft.com/office/drawing/2014/main" id="{3EFEC826-0843-1F99-73DF-98C2B066C33D}"/>
+              </a:ext>
+            </a:extLst>
+          </p:cNvPr>
+          <p:cNvSpPr>
+            <a:spLocks noChangeAspect="1"/>
+          </p:cNvSpPr>
+          <p:nvPr/>
+        </p:nvSpPr>
+        <p:spPr>
+          <a:xfrm>
+            <a:off x="8002848" y="5369961"/>
+            <a:ext cx="1101061" cy="949191"/>
+          </a:xfrm>
+          <a:prstGeom prst="hexagon">
+            <a:avLst/>
+          </a:prstGeom>
+          <a:noFill/>
+          <a:ln w="38100">
+            <a:solidFill>
+              <a:srgbClr val="C00000"/>
+            </a:solidFill>
+          </a:ln>
+        </p:spPr>
+        <p:style>
+          <a:lnRef idx="2">
+            <a:schemeClr val="accent1">
+              <a:shade val="15000"/>
+            </a:schemeClr>
+          </a:lnRef>
+          <a:fillRef idx="1">
+            <a:schemeClr val="accent1"/>
+          </a:fillRef>
+          <a:effectRef idx="0">
+            <a:schemeClr val="accent1"/>
+          </a:effectRef>
+          <a:fontRef idx="minor">
+            <a:schemeClr val="lt1"/>
+          </a:fontRef>
+        </p:style>
+        <p:txBody>
+          <a:bodyPr rtlCol="0" anchor="ctr"/>
+          <a:lstStyle/>
+          <a:p>
+            <a:pPr algn="ctr"/>
+            <a:endParaRPr lang="en-US" dirty="0"/>
+          </a:p>
+        </p:txBody>
+      </p:sp>
+      <p:sp>
+        <p:nvSpPr>
+          <p:cNvPr id="1038" name="Hexagon 1037">
+            <a:extLst>
+              <a:ext uri="{FF2B5EF4-FFF2-40B4-BE49-F238E27FC236}">
+                <a16:creationId xmlns:a16="http://schemas.microsoft.com/office/drawing/2014/main" id="{0BCE8D4E-D1B7-EB16-800E-B94AFEB8750D}"/>
+              </a:ext>
+            </a:extLst>
+          </p:cNvPr>
+          <p:cNvSpPr>
+            <a:spLocks noChangeAspect="1"/>
+          </p:cNvSpPr>
+          <p:nvPr/>
+        </p:nvSpPr>
+        <p:spPr>
+          <a:xfrm>
+            <a:off x="7146581" y="4877619"/>
+            <a:ext cx="1101061" cy="949191"/>
+          </a:xfrm>
+          <a:prstGeom prst="hexagon">
+            <a:avLst/>
+          </a:prstGeom>
+          <a:noFill/>
+          <a:ln w="38100">
+            <a:solidFill>
+              <a:srgbClr val="C00000"/>
+            </a:solidFill>
+          </a:ln>
+        </p:spPr>
+        <p:style>
+          <a:lnRef idx="2">
+            <a:schemeClr val="accent1">
+              <a:shade val="15000"/>
+            </a:schemeClr>
+          </a:lnRef>
+          <a:fillRef idx="1">
+            <a:schemeClr val="accent1"/>
+          </a:fillRef>
+          <a:effectRef idx="0">
+            <a:schemeClr val="accent1"/>
+          </a:effectRef>
+          <a:fontRef idx="minor">
+            <a:schemeClr val="lt1"/>
+          </a:fontRef>
+        </p:style>
+        <p:txBody>
+          <a:bodyPr rtlCol="0" anchor="ctr"/>
+          <a:lstStyle/>
+          <a:p>
+            <a:pPr algn="ctr"/>
+            <a:endParaRPr lang="en-US" dirty="0"/>
+          </a:p>
+        </p:txBody>
+      </p:sp>
+      <p:sp>
+        <p:nvSpPr>
+          <p:cNvPr id="1041" name="Hexagon 1040">
+            <a:extLst>
+              <a:ext uri="{FF2B5EF4-FFF2-40B4-BE49-F238E27FC236}">
+                <a16:creationId xmlns:a16="http://schemas.microsoft.com/office/drawing/2014/main" id="{233AE70B-20DB-13A2-B087-EABEF323EEE8}"/>
+              </a:ext>
+            </a:extLst>
+          </p:cNvPr>
+          <p:cNvSpPr>
+            <a:spLocks noChangeAspect="1"/>
+          </p:cNvSpPr>
+          <p:nvPr/>
+        </p:nvSpPr>
+        <p:spPr>
+          <a:xfrm>
+            <a:off x="1974615" y="123371"/>
+            <a:ext cx="1101061" cy="949191"/>
+          </a:xfrm>
+          <a:prstGeom prst="hexagon">
+            <a:avLst/>
+          </a:prstGeom>
+          <a:noFill/>
+          <a:ln w="38100">
+            <a:solidFill>
+              <a:srgbClr val="C00000"/>
+            </a:solidFill>
+          </a:ln>
+        </p:spPr>
+        <p:style>
+          <a:lnRef idx="2">
+            <a:schemeClr val="accent1">
+              <a:shade val="15000"/>
+            </a:schemeClr>
+          </a:lnRef>
+          <a:fillRef idx="1">
+            <a:schemeClr val="accent1"/>
+          </a:fillRef>
+          <a:effectRef idx="0">
+            <a:schemeClr val="accent1"/>
+          </a:effectRef>
+          <a:fontRef idx="minor">
+            <a:schemeClr val="lt1"/>
+          </a:fontRef>
+        </p:style>
+        <p:txBody>
+          <a:bodyPr rtlCol="0" anchor="ctr"/>
+          <a:lstStyle/>
+          <a:p>
+            <a:pPr algn="ctr"/>
+            <a:endParaRPr lang="en-US" dirty="0"/>
+          </a:p>
+        </p:txBody>
+      </p:sp>
+      <p:sp>
+        <p:nvSpPr>
+          <p:cNvPr id="1042" name="Hexagon 1041">
+            <a:extLst>
+              <a:ext uri="{FF2B5EF4-FFF2-40B4-BE49-F238E27FC236}">
+                <a16:creationId xmlns:a16="http://schemas.microsoft.com/office/drawing/2014/main" id="{3DE50CB0-C76B-A63E-8679-7E0A8959A0B9}"/>
+              </a:ext>
+            </a:extLst>
+          </p:cNvPr>
+          <p:cNvSpPr>
+            <a:spLocks noChangeAspect="1"/>
+          </p:cNvSpPr>
+          <p:nvPr/>
+        </p:nvSpPr>
+        <p:spPr>
+          <a:xfrm>
+            <a:off x="1967472" y="1075545"/>
+            <a:ext cx="1101061" cy="949191"/>
+          </a:xfrm>
+          <a:prstGeom prst="hexagon">
+            <a:avLst/>
+          </a:prstGeom>
+          <a:noFill/>
+          <a:ln w="38100">
+            <a:solidFill>
+              <a:srgbClr val="C00000"/>
+            </a:solidFill>
+          </a:ln>
+        </p:spPr>
+        <p:style>
+          <a:lnRef idx="2">
+            <a:schemeClr val="accent1">
+              <a:shade val="15000"/>
+            </a:schemeClr>
+          </a:lnRef>
+          <a:fillRef idx="1">
+            <a:schemeClr val="accent1"/>
+          </a:fillRef>
+          <a:effectRef idx="0">
+            <a:schemeClr val="accent1"/>
+          </a:effectRef>
+          <a:fontRef idx="minor">
+            <a:schemeClr val="lt1"/>
+          </a:fontRef>
+        </p:style>
+        <p:txBody>
+          <a:bodyPr rtlCol="0" anchor="ctr"/>
+          <a:lstStyle/>
+          <a:p>
+            <a:pPr algn="ctr"/>
+            <a:endParaRPr lang="en-US" dirty="0"/>
+          </a:p>
+        </p:txBody>
+      </p:sp>
+      <p:sp>
+        <p:nvSpPr>
+          <p:cNvPr id="1043" name="Hexagon 1042">
+            <a:extLst>
+              <a:ext uri="{FF2B5EF4-FFF2-40B4-BE49-F238E27FC236}">
+                <a16:creationId xmlns:a16="http://schemas.microsoft.com/office/drawing/2014/main" id="{29D05AB5-6B19-44C7-74B5-B5B33DBEB87D}"/>
+              </a:ext>
+            </a:extLst>
+          </p:cNvPr>
+          <p:cNvSpPr>
+            <a:spLocks noChangeAspect="1"/>
+          </p:cNvSpPr>
+          <p:nvPr/>
+        </p:nvSpPr>
+        <p:spPr>
+          <a:xfrm>
+            <a:off x="1967472" y="2020185"/>
+            <a:ext cx="1101061" cy="949191"/>
+          </a:xfrm>
+          <a:prstGeom prst="hexagon">
+            <a:avLst/>
+          </a:prstGeom>
+          <a:noFill/>
+          <a:ln w="38100">
+            <a:solidFill>
+              <a:srgbClr val="C00000"/>
+            </a:solidFill>
+          </a:ln>
+        </p:spPr>
+        <p:style>
+          <a:lnRef idx="2">
+            <a:schemeClr val="accent1">
+              <a:shade val="15000"/>
+            </a:schemeClr>
+          </a:lnRef>
+          <a:fillRef idx="1">
+            <a:schemeClr val="accent1"/>
+          </a:fillRef>
+          <a:effectRef idx="0">
+            <a:schemeClr val="accent1"/>
+          </a:effectRef>
+          <a:fontRef idx="minor">
+            <a:schemeClr val="lt1"/>
+          </a:fontRef>
+        </p:style>
+        <p:txBody>
+          <a:bodyPr rtlCol="0" anchor="ctr"/>
+          <a:lstStyle/>
+          <a:p>
+            <a:pPr algn="ctr"/>
+            <a:endParaRPr lang="en-US" dirty="0"/>
+          </a:p>
+        </p:txBody>
+      </p:sp>
+      <p:sp>
+        <p:nvSpPr>
+          <p:cNvPr id="1044" name="Hexagon 1043">
+            <a:extLst>
+              <a:ext uri="{FF2B5EF4-FFF2-40B4-BE49-F238E27FC236}">
+                <a16:creationId xmlns:a16="http://schemas.microsoft.com/office/drawing/2014/main" id="{30A6E450-0182-357B-895E-052D58DB7A20}"/>
+              </a:ext>
+            </a:extLst>
+          </p:cNvPr>
+          <p:cNvSpPr>
+            <a:spLocks noChangeAspect="1"/>
+          </p:cNvSpPr>
+          <p:nvPr/>
+        </p:nvSpPr>
+        <p:spPr>
+          <a:xfrm>
+            <a:off x="2834107" y="2497054"/>
+            <a:ext cx="1101061" cy="949191"/>
+          </a:xfrm>
+          <a:prstGeom prst="hexagon">
+            <a:avLst/>
+          </a:prstGeom>
+          <a:noFill/>
+          <a:ln w="38100">
+            <a:solidFill>
+              <a:srgbClr val="C00000"/>
+            </a:solidFill>
+          </a:ln>
+        </p:spPr>
+        <p:style>
+          <a:lnRef idx="2">
+            <a:schemeClr val="accent1">
+              <a:shade val="15000"/>
+            </a:schemeClr>
+          </a:lnRef>
+          <a:fillRef idx="1">
+            <a:schemeClr val="accent1"/>
+          </a:fillRef>
+          <a:effectRef idx="0">
+            <a:schemeClr val="accent1"/>
+          </a:effectRef>
+          <a:fontRef idx="minor">
+            <a:schemeClr val="lt1"/>
+          </a:fontRef>
+        </p:style>
+        <p:txBody>
+          <a:bodyPr rtlCol="0" anchor="ctr"/>
+          <a:lstStyle/>
+          <a:p>
+            <a:pPr algn="ctr"/>
+            <a:endParaRPr lang="en-US" dirty="0"/>
+          </a:p>
+        </p:txBody>
+      </p:sp>
+      <p:sp>
+        <p:nvSpPr>
+          <p:cNvPr id="1045" name="Hexagon 1044">
+            <a:extLst>
+              <a:ext uri="{FF2B5EF4-FFF2-40B4-BE49-F238E27FC236}">
+                <a16:creationId xmlns:a16="http://schemas.microsoft.com/office/drawing/2014/main" id="{E824D373-3145-98BD-613C-E22BE76D8876}"/>
+              </a:ext>
+            </a:extLst>
+          </p:cNvPr>
+          <p:cNvSpPr>
+            <a:spLocks noChangeAspect="1"/>
+          </p:cNvSpPr>
+          <p:nvPr/>
+        </p:nvSpPr>
+        <p:spPr>
+          <a:xfrm>
+            <a:off x="2834107" y="1551633"/>
+            <a:ext cx="1101061" cy="949191"/>
+          </a:xfrm>
+          <a:prstGeom prst="hexagon">
+            <a:avLst/>
+          </a:prstGeom>
+          <a:noFill/>
+          <a:ln w="38100">
+            <a:solidFill>
+              <a:srgbClr val="C00000"/>
+            </a:solidFill>
+          </a:ln>
+        </p:spPr>
+        <p:style>
+          <a:lnRef idx="2">
+            <a:schemeClr val="accent1">
+              <a:shade val="15000"/>
+            </a:schemeClr>
+          </a:lnRef>
+          <a:fillRef idx="1">
+            <a:schemeClr val="accent1"/>
+          </a:fillRef>
+          <a:effectRef idx="0">
+            <a:schemeClr val="accent1"/>
+          </a:effectRef>
+          <a:fontRef idx="minor">
+            <a:schemeClr val="lt1"/>
+          </a:fontRef>
+        </p:style>
+        <p:txBody>
+          <a:bodyPr rtlCol="0" anchor="ctr"/>
+          <a:lstStyle/>
+          <a:p>
+            <a:pPr algn="ctr"/>
+            <a:endParaRPr lang="en-US" dirty="0"/>
+          </a:p>
+        </p:txBody>
+      </p:sp>
+      <p:sp>
+        <p:nvSpPr>
+          <p:cNvPr id="1046" name="Hexagon 1045">
+            <a:extLst>
+              <a:ext uri="{FF2B5EF4-FFF2-40B4-BE49-F238E27FC236}">
+                <a16:creationId xmlns:a16="http://schemas.microsoft.com/office/drawing/2014/main" id="{6767733A-16D2-4B6C-34BB-01A31C7E6626}"/>
+              </a:ext>
+            </a:extLst>
+          </p:cNvPr>
+          <p:cNvSpPr>
+            <a:spLocks noChangeAspect="1"/>
+          </p:cNvSpPr>
+          <p:nvPr/>
+        </p:nvSpPr>
+        <p:spPr>
+          <a:xfrm>
+            <a:off x="2834107" y="606211"/>
+            <a:ext cx="1101061" cy="949191"/>
+          </a:xfrm>
+          <a:prstGeom prst="hexagon">
+            <a:avLst/>
+          </a:prstGeom>
+          <a:noFill/>
+          <a:ln w="38100">
+            <a:solidFill>
+              <a:srgbClr val="C00000"/>
+            </a:solidFill>
+          </a:ln>
+        </p:spPr>
+        <p:style>
+          <a:lnRef idx="2">
+            <a:schemeClr val="accent1">
+              <a:shade val="15000"/>
+            </a:schemeClr>
+          </a:lnRef>
+          <a:fillRef idx="1">
+            <a:schemeClr val="accent1"/>
+          </a:fillRef>
+          <a:effectRef idx="0">
+            <a:schemeClr val="accent1"/>
+          </a:effectRef>
+          <a:fontRef idx="minor">
+            <a:schemeClr val="lt1"/>
+          </a:fontRef>
+        </p:style>
+        <p:txBody>
+          <a:bodyPr rtlCol="0" anchor="ctr"/>
+          <a:lstStyle/>
+          <a:p>
+            <a:pPr algn="ctr"/>
+            <a:endParaRPr lang="en-US" dirty="0"/>
+          </a:p>
+        </p:txBody>
+      </p:sp>
+      <p:sp>
+        <p:nvSpPr>
+          <p:cNvPr id="1047" name="Hexagon 1046">
+            <a:extLst>
+              <a:ext uri="{FF2B5EF4-FFF2-40B4-BE49-F238E27FC236}">
+                <a16:creationId xmlns:a16="http://schemas.microsoft.com/office/drawing/2014/main" id="{CDACEC79-344B-B4E4-41E0-EBF8AF32F90C}"/>
+              </a:ext>
+            </a:extLst>
+          </p:cNvPr>
+          <p:cNvSpPr>
+            <a:spLocks noChangeAspect="1"/>
+          </p:cNvSpPr>
+          <p:nvPr/>
+        </p:nvSpPr>
+        <p:spPr>
+          <a:xfrm>
+            <a:off x="3693601" y="130689"/>
+            <a:ext cx="1101061" cy="949191"/>
+          </a:xfrm>
+          <a:prstGeom prst="hexagon">
+            <a:avLst/>
+          </a:prstGeom>
+          <a:noFill/>
+          <a:ln w="38100">
+            <a:solidFill>
+              <a:srgbClr val="C00000"/>
+            </a:solidFill>
+          </a:ln>
+        </p:spPr>
+        <p:style>
+          <a:lnRef idx="2">
+            <a:schemeClr val="accent1">
+              <a:shade val="15000"/>
+            </a:schemeClr>
+          </a:lnRef>
+          <a:fillRef idx="1">
+            <a:schemeClr val="accent1"/>
+          </a:fillRef>
+          <a:effectRef idx="0">
+            <a:schemeClr val="accent1"/>
+          </a:effectRef>
+          <a:fontRef idx="minor">
+            <a:schemeClr val="lt1"/>
+          </a:fontRef>
+        </p:style>
+        <p:txBody>
+          <a:bodyPr rtlCol="0" anchor="ctr"/>
+          <a:lstStyle/>
+          <a:p>
+            <a:pPr algn="ctr"/>
+            <a:endParaRPr lang="en-US" dirty="0"/>
+          </a:p>
+        </p:txBody>
+      </p:sp>
+      <p:sp>
+        <p:nvSpPr>
+          <p:cNvPr id="1048" name="Hexagon 1047">
+            <a:extLst>
+              <a:ext uri="{FF2B5EF4-FFF2-40B4-BE49-F238E27FC236}">
+                <a16:creationId xmlns:a16="http://schemas.microsoft.com/office/drawing/2014/main" id="{1E35B54C-090A-1F13-14AA-318518BC9368}"/>
+              </a:ext>
+            </a:extLst>
+          </p:cNvPr>
+          <p:cNvSpPr>
+            <a:spLocks noChangeAspect="1"/>
+          </p:cNvSpPr>
+          <p:nvPr/>
+        </p:nvSpPr>
+        <p:spPr>
+          <a:xfrm>
+            <a:off x="3687238" y="1088921"/>
+            <a:ext cx="1101061" cy="949191"/>
+          </a:xfrm>
+          <a:prstGeom prst="hexagon">
+            <a:avLst/>
+          </a:prstGeom>
+          <a:noFill/>
+          <a:ln w="38100">
+            <a:solidFill>
+              <a:srgbClr val="C00000"/>
+            </a:solidFill>
+          </a:ln>
+        </p:spPr>
+        <p:style>
+          <a:lnRef idx="2">
+            <a:schemeClr val="accent1">
+              <a:shade val="15000"/>
+            </a:schemeClr>
+          </a:lnRef>
+          <a:fillRef idx="1">
+            <a:schemeClr val="accent1"/>
+          </a:fillRef>
+          <a:effectRef idx="0">
+            <a:schemeClr val="accent1"/>
+          </a:effectRef>
+          <a:fontRef idx="minor">
+            <a:schemeClr val="lt1"/>
+          </a:fontRef>
+        </p:style>
+        <p:txBody>
+          <a:bodyPr rtlCol="0" anchor="ctr"/>
+          <a:lstStyle/>
+          <a:p>
+            <a:pPr algn="ctr"/>
+            <a:endParaRPr lang="en-US" dirty="0"/>
+          </a:p>
+        </p:txBody>
+      </p:sp>
+      <p:sp>
+        <p:nvSpPr>
+          <p:cNvPr id="1049" name="Hexagon 1048">
+            <a:extLst>
+              <a:ext uri="{FF2B5EF4-FFF2-40B4-BE49-F238E27FC236}">
+                <a16:creationId xmlns:a16="http://schemas.microsoft.com/office/drawing/2014/main" id="{BCBB82C8-E63A-EE61-6294-25E618FEB54B}"/>
+              </a:ext>
+            </a:extLst>
+          </p:cNvPr>
+          <p:cNvSpPr>
+            <a:spLocks noChangeAspect="1"/>
+          </p:cNvSpPr>
+          <p:nvPr/>
+        </p:nvSpPr>
+        <p:spPr>
+          <a:xfrm>
+            <a:off x="4550589" y="613297"/>
+            <a:ext cx="1101061" cy="949191"/>
+          </a:xfrm>
+          <a:prstGeom prst="hexagon">
+            <a:avLst/>
+          </a:prstGeom>
+          <a:noFill/>
+          <a:ln w="38100">
+            <a:solidFill>
+              <a:srgbClr val="C00000"/>
+            </a:solidFill>
+          </a:ln>
+        </p:spPr>
+        <p:style>
+          <a:lnRef idx="2">
+            <a:schemeClr val="accent1">
+              <a:shade val="15000"/>
+            </a:schemeClr>
+          </a:lnRef>
+          <a:fillRef idx="1">
+            <a:schemeClr val="accent1"/>
+          </a:fillRef>
+          <a:effectRef idx="0">
+            <a:schemeClr val="accent1"/>
+          </a:effectRef>
+          <a:fontRef idx="minor">
+            <a:schemeClr val="lt1"/>
+          </a:fontRef>
+        </p:style>
+        <p:txBody>
+          <a:bodyPr rtlCol="0" anchor="ctr"/>
+          <a:lstStyle/>
+          <a:p>
+            <a:pPr algn="ctr"/>
+            <a:endParaRPr lang="en-US" dirty="0"/>
+          </a:p>
+        </p:txBody>
+      </p:sp>
+      <p:sp>
+        <p:nvSpPr>
+          <p:cNvPr id="1050" name="Hexagon 1049">
+            <a:extLst>
+              <a:ext uri="{FF2B5EF4-FFF2-40B4-BE49-F238E27FC236}">
+                <a16:creationId xmlns:a16="http://schemas.microsoft.com/office/drawing/2014/main" id="{70D2298F-7505-8383-97B8-EEAD8289CED8}"/>
+              </a:ext>
+            </a:extLst>
+          </p:cNvPr>
+          <p:cNvSpPr>
+            <a:spLocks noChangeAspect="1"/>
+          </p:cNvSpPr>
+          <p:nvPr/>
+        </p:nvSpPr>
+        <p:spPr>
+          <a:xfrm>
+            <a:off x="4550589" y="1565470"/>
+            <a:ext cx="1101061" cy="949191"/>
+          </a:xfrm>
+          <a:prstGeom prst="hexagon">
+            <a:avLst/>
+          </a:prstGeom>
+          <a:noFill/>
+          <a:ln w="38100">
+            <a:solidFill>
+              <a:srgbClr val="C00000"/>
+            </a:solidFill>
+          </a:ln>
+        </p:spPr>
+        <p:style>
+          <a:lnRef idx="2">
+            <a:schemeClr val="accent1">
+              <a:shade val="15000"/>
+            </a:schemeClr>
+          </a:lnRef>
+          <a:fillRef idx="1">
+            <a:schemeClr val="accent1"/>
+          </a:fillRef>
+          <a:effectRef idx="0">
+            <a:schemeClr val="accent1"/>
+          </a:effectRef>
+          <a:fontRef idx="minor">
+            <a:schemeClr val="lt1"/>
+          </a:fontRef>
+        </p:style>
+        <p:txBody>
+          <a:bodyPr rtlCol="0" anchor="ctr"/>
+          <a:lstStyle/>
+          <a:p>
+            <a:pPr algn="ctr"/>
+            <a:endParaRPr lang="en-US" dirty="0"/>
+          </a:p>
+        </p:txBody>
+      </p:sp>
+      <p:sp>
+        <p:nvSpPr>
+          <p:cNvPr id="1051" name="Hexagon 1050">
+            <a:extLst>
+              <a:ext uri="{FF2B5EF4-FFF2-40B4-BE49-F238E27FC236}">
+                <a16:creationId xmlns:a16="http://schemas.microsoft.com/office/drawing/2014/main" id="{DC63DC33-6F51-897F-07D6-CC39F55F7C19}"/>
+              </a:ext>
+            </a:extLst>
+          </p:cNvPr>
+          <p:cNvSpPr>
+            <a:spLocks noChangeAspect="1"/>
+          </p:cNvSpPr>
+          <p:nvPr/>
+        </p:nvSpPr>
+        <p:spPr>
+          <a:xfrm>
+            <a:off x="4550589" y="2524398"/>
+            <a:ext cx="1101061" cy="949191"/>
+          </a:xfrm>
+          <a:prstGeom prst="hexagon">
+            <a:avLst/>
+          </a:prstGeom>
+          <a:noFill/>
+          <a:ln w="38100">
+            <a:solidFill>
+              <a:srgbClr val="C00000"/>
+            </a:solidFill>
+          </a:ln>
+        </p:spPr>
+        <p:style>
+          <a:lnRef idx="2">
+            <a:schemeClr val="accent1">
+              <a:shade val="15000"/>
+            </a:schemeClr>
+          </a:lnRef>
+          <a:fillRef idx="1">
+            <a:schemeClr val="accent1"/>
+          </a:fillRef>
+          <a:effectRef idx="0">
+            <a:schemeClr val="accent1"/>
+          </a:effectRef>
+          <a:fontRef idx="minor">
+            <a:schemeClr val="lt1"/>
+          </a:fontRef>
+        </p:style>
+        <p:txBody>
+          <a:bodyPr rtlCol="0" anchor="ctr"/>
+          <a:lstStyle/>
+          <a:p>
+            <a:pPr algn="ctr"/>
+            <a:endParaRPr lang="en-US" dirty="0"/>
+          </a:p>
+        </p:txBody>
+      </p:sp>
+      <p:sp>
+        <p:nvSpPr>
+          <p:cNvPr id="1052" name="Hexagon 1051">
+            <a:extLst>
+              <a:ext uri="{FF2B5EF4-FFF2-40B4-BE49-F238E27FC236}">
+                <a16:creationId xmlns:a16="http://schemas.microsoft.com/office/drawing/2014/main" id="{A6BED701-B11E-C171-A218-15045EBA5BCB}"/>
+              </a:ext>
+            </a:extLst>
+          </p:cNvPr>
+          <p:cNvSpPr>
+            <a:spLocks noChangeAspect="1"/>
+          </p:cNvSpPr>
+          <p:nvPr/>
+        </p:nvSpPr>
+        <p:spPr>
+          <a:xfrm>
+            <a:off x="3694323" y="2032055"/>
+            <a:ext cx="1101061" cy="949191"/>
+          </a:xfrm>
+          <a:prstGeom prst="hexagon">
+            <a:avLst/>
+          </a:prstGeom>
+          <a:noFill/>
+          <a:ln w="38100">
+            <a:solidFill>
+              <a:srgbClr val="C00000"/>
+            </a:solidFill>
+          </a:ln>
+        </p:spPr>
+        <p:style>
+          <a:lnRef idx="2">
+            <a:schemeClr val="accent1">
+              <a:shade val="15000"/>
+            </a:schemeClr>
+          </a:lnRef>
+          <a:fillRef idx="1">
+            <a:schemeClr val="accent1"/>
+          </a:fillRef>
+          <a:effectRef idx="0">
+            <a:schemeClr val="accent1"/>
+          </a:effectRef>
+          <a:fontRef idx="minor">
+            <a:schemeClr val="lt1"/>
+          </a:fontRef>
+        </p:style>
+        <p:txBody>
+          <a:bodyPr rtlCol="0" anchor="ctr"/>
+          <a:lstStyle/>
+          <a:p>
+            <a:pPr algn="ctr"/>
+            <a:endParaRPr lang="en-US" dirty="0"/>
+          </a:p>
+        </p:txBody>
+      </p:sp>
+      <p:sp>
+        <p:nvSpPr>
+          <p:cNvPr id="1054" name="TextBox 1053">
+            <a:extLst>
+              <a:ext uri="{FF2B5EF4-FFF2-40B4-BE49-F238E27FC236}">
+                <a16:creationId xmlns:a16="http://schemas.microsoft.com/office/drawing/2014/main" id="{E16D4160-E2CF-117C-20CB-9D971F61732B}"/>
+              </a:ext>
+            </a:extLst>
+          </p:cNvPr>
+          <p:cNvSpPr txBox="1"/>
+          <p:nvPr/>
+        </p:nvSpPr>
+        <p:spPr>
+          <a:xfrm>
+            <a:off x="6836896" y="857059"/>
+            <a:ext cx="3090073" cy="461665"/>
+          </a:xfrm>
+          <a:prstGeom prst="rect">
+            <a:avLst/>
+          </a:prstGeom>
+          <a:noFill/>
+        </p:spPr>
+        <p:txBody>
+          <a:bodyPr wrap="square" rtlCol="0">
+            <a:spAutoFit/>
+          </a:bodyPr>
+          <a:lstStyle/>
+          <a:p>
+            <a:pPr algn="ctr"/>
+            <a:r>
+              <a:rPr lang="en-US" sz="2400" b="1" dirty="0"/>
+              <a:t>Padded PBC (Full FFT)</a:t>
+            </a:r>
+          </a:p>
+        </p:txBody>
+      </p:sp>
+      <p:sp>
+        <p:nvSpPr>
+          <p:cNvPr id="4" name="TextBox 3">
+            <a:extLst>
+              <a:ext uri="{FF2B5EF4-FFF2-40B4-BE49-F238E27FC236}">
+                <a16:creationId xmlns:a16="http://schemas.microsoft.com/office/drawing/2014/main" id="{E790C61F-5E95-A1FC-DF35-A2152D6F59F6}"/>
+              </a:ext>
+            </a:extLst>
+          </p:cNvPr>
+          <p:cNvSpPr txBox="1"/>
+          <p:nvPr/>
+        </p:nvSpPr>
+        <p:spPr>
+          <a:xfrm>
+            <a:off x="6445440" y="1667051"/>
+            <a:ext cx="5175060" cy="369332"/>
+          </a:xfrm>
+          <a:prstGeom prst="rect">
+            <a:avLst/>
+          </a:prstGeom>
+          <a:noFill/>
+        </p:spPr>
+        <p:txBody>
+          <a:bodyPr wrap="square" rtlCol="0">
+            <a:spAutoFit/>
+          </a:bodyPr>
+          <a:lstStyle/>
+          <a:p>
+            <a:r>
+              <a:rPr lang="en-US" dirty="0"/>
+              <a:t>Hexagons drawn for illustration of hexagon approach</a:t>
+            </a:r>
+          </a:p>
+        </p:txBody>
+      </p:sp>
+    </p:spTree>
+    <p:extLst>
+      <p:ext uri="{BB962C8B-B14F-4D97-AF65-F5344CB8AC3E}">
+        <p14:creationId xmlns:p14="http://schemas.microsoft.com/office/powerpoint/2010/main" val="775315718"/>
       </p:ext>
     </p:extLst>
   </p:cSld>

--- a/SYSG3.pptx
+++ b/SYSG3.pptx
@@ -7,15 +7,14 @@
   <p:sldIdLst>
     <p:sldId id="271" r:id="rId2"/>
     <p:sldId id="268" r:id="rId3"/>
-    <p:sldId id="272" r:id="rId4"/>
-    <p:sldId id="269" r:id="rId5"/>
-    <p:sldId id="270" r:id="rId6"/>
-    <p:sldId id="267" r:id="rId7"/>
-    <p:sldId id="266" r:id="rId8"/>
-    <p:sldId id="265" r:id="rId9"/>
-    <p:sldId id="258" r:id="rId10"/>
-    <p:sldId id="263" r:id="rId11"/>
-    <p:sldId id="264" r:id="rId12"/>
+    <p:sldId id="269" r:id="rId4"/>
+    <p:sldId id="270" r:id="rId5"/>
+    <p:sldId id="267" r:id="rId6"/>
+    <p:sldId id="266" r:id="rId7"/>
+    <p:sldId id="265" r:id="rId8"/>
+    <p:sldId id="258" r:id="rId9"/>
+    <p:sldId id="263" r:id="rId10"/>
+    <p:sldId id="264" r:id="rId11"/>
   </p:sldIdLst>
   <p:sldSz cx="12192000" cy="6858000"/>
   <p:notesSz cx="6858000" cy="9144000"/>
@@ -3399,6 +3398,3801 @@
           <a:chExt cx="0" cy="0"/>
         </a:xfrm>
       </p:grpSpPr>
+      <p:sp>
+        <p:nvSpPr>
+          <p:cNvPr id="2" name="Title 1">
+            <a:extLst>
+              <a:ext uri="{FF2B5EF4-FFF2-40B4-BE49-F238E27FC236}">
+                <a16:creationId xmlns:a16="http://schemas.microsoft.com/office/drawing/2014/main" id="{7E9C978C-CCAD-7918-309E-D2E0F8DABF7D}"/>
+              </a:ext>
+            </a:extLst>
+          </p:cNvPr>
+          <p:cNvSpPr>
+            <a:spLocks noGrp="1"/>
+          </p:cNvSpPr>
+          <p:nvPr>
+            <p:ph type="title"/>
+          </p:nvPr>
+        </p:nvSpPr>
+        <p:spPr/>
+        <p:txBody>
+          <a:bodyPr>
+            <a:normAutofit/>
+          </a:bodyPr>
+          <a:lstStyle/>
+          <a:p>
+            <a:r>
+              <a:rPr lang="en-US" dirty="0"/>
+              <a:t>Other conditions </a:t>
+            </a:r>
+            <a:br>
+              <a:rPr lang="en-US" dirty="0"/>
+            </a:br>
+            <a:r>
+              <a:rPr lang="en-US" sz="3600" dirty="0"/>
+              <a:t>(full and half results overlapped to show match)</a:t>
+            </a:r>
+          </a:p>
+        </p:txBody>
+      </p:sp>
+      <p:sp>
+        <p:nvSpPr>
+          <p:cNvPr id="4" name="TextBox 3">
+            <a:extLst>
+              <a:ext uri="{FF2B5EF4-FFF2-40B4-BE49-F238E27FC236}">
+                <a16:creationId xmlns:a16="http://schemas.microsoft.com/office/drawing/2014/main" id="{AC4A5B27-C4F3-1037-B614-0F2CAFB6D70B}"/>
+              </a:ext>
+            </a:extLst>
+          </p:cNvPr>
+          <p:cNvSpPr txBox="1"/>
+          <p:nvPr/>
+        </p:nvSpPr>
+        <p:spPr>
+          <a:xfrm>
+            <a:off x="1293052" y="1985653"/>
+            <a:ext cx="2993749" cy="646331"/>
+          </a:xfrm>
+          <a:prstGeom prst="rect">
+            <a:avLst/>
+          </a:prstGeom>
+          <a:noFill/>
+        </p:spPr>
+        <p:txBody>
+          <a:bodyPr wrap="square" rtlCol="0">
+            <a:spAutoFit/>
+          </a:bodyPr>
+          <a:lstStyle/>
+          <a:p>
+            <a:pPr algn="ctr"/>
+            <a:r>
+              <a:rPr lang="en-US" dirty="0"/>
+              <a:t>s = 0.0241 (20.28%; dx=0.4), </a:t>
+            </a:r>
+            <a:br>
+              <a:rPr lang="en-US" dirty="0"/>
+            </a:br>
+            <a:r>
+              <a:rPr lang="en-US" dirty="0"/>
+              <a:t>Lx, Ly = 12.40, 20.80</a:t>
+            </a:r>
+          </a:p>
+        </p:txBody>
+      </p:sp>
+      <p:pic>
+        <p:nvPicPr>
+          <p:cNvPr id="4112" name="Picture 16">
+            <a:extLst>
+              <a:ext uri="{FF2B5EF4-FFF2-40B4-BE49-F238E27FC236}">
+                <a16:creationId xmlns:a16="http://schemas.microsoft.com/office/drawing/2014/main" id="{6E4CE12C-CFDD-DB5A-13CF-014A50C5FE21}"/>
+              </a:ext>
+            </a:extLst>
+          </p:cNvPr>
+          <p:cNvPicPr>
+            <a:picLocks noChangeAspect="1" noChangeArrowheads="1"/>
+          </p:cNvPicPr>
+          <p:nvPr/>
+        </p:nvPicPr>
+        <p:blipFill>
+          <a:blip r:embed="rId2">
+            <a:alphaModFix amt="70000"/>
+            <a:extLst>
+              <a:ext uri="{28A0092B-C50C-407E-A947-70E740481C1C}">
+                <a14:useLocalDpi xmlns:a14="http://schemas.microsoft.com/office/drawing/2010/main" val="0"/>
+              </a:ext>
+            </a:extLst>
+          </a:blip>
+          <a:srcRect/>
+          <a:stretch>
+            <a:fillRect/>
+          </a:stretch>
+        </p:blipFill>
+        <p:spPr bwMode="auto">
+          <a:xfrm>
+            <a:off x="1670327" y="2923865"/>
+            <a:ext cx="2066911" cy="3253471"/>
+          </a:xfrm>
+          <a:prstGeom prst="rect">
+            <a:avLst/>
+          </a:prstGeom>
+          <a:noFill/>
+          <a:extLst>
+            <a:ext uri="{909E8E84-426E-40DD-AFC4-6F175D3DCCD1}">
+              <a14:hiddenFill xmlns:a14="http://schemas.microsoft.com/office/drawing/2010/main">
+                <a:solidFill>
+                  <a:srgbClr val="FFFFFF"/>
+                </a:solidFill>
+              </a14:hiddenFill>
+            </a:ext>
+          </a:extLst>
+        </p:spPr>
+      </p:pic>
+      <p:pic>
+        <p:nvPicPr>
+          <p:cNvPr id="4118" name="Picture 22">
+            <a:extLst>
+              <a:ext uri="{FF2B5EF4-FFF2-40B4-BE49-F238E27FC236}">
+                <a16:creationId xmlns:a16="http://schemas.microsoft.com/office/drawing/2014/main" id="{C1740158-C4AE-39C7-D7D0-D3DF2244A988}"/>
+              </a:ext>
+            </a:extLst>
+          </p:cNvPr>
+          <p:cNvPicPr>
+            <a:picLocks noChangeAspect="1" noChangeArrowheads="1"/>
+          </p:cNvPicPr>
+          <p:nvPr/>
+        </p:nvPicPr>
+        <p:blipFill>
+          <a:blip r:embed="rId3">
+            <a:alphaModFix amt="70000"/>
+            <a:extLst>
+              <a:ext uri="{28A0092B-C50C-407E-A947-70E740481C1C}">
+                <a14:useLocalDpi xmlns:a14="http://schemas.microsoft.com/office/drawing/2010/main" val="0"/>
+              </a:ext>
+            </a:extLst>
+          </a:blip>
+          <a:srcRect/>
+          <a:stretch>
+            <a:fillRect/>
+          </a:stretch>
+        </p:blipFill>
+        <p:spPr bwMode="auto">
+          <a:xfrm>
+            <a:off x="1397276" y="2757487"/>
+            <a:ext cx="2066911" cy="3253471"/>
+          </a:xfrm>
+          <a:prstGeom prst="rect">
+            <a:avLst/>
+          </a:prstGeom>
+          <a:noFill/>
+          <a:extLst>
+            <a:ext uri="{909E8E84-426E-40DD-AFC4-6F175D3DCCD1}">
+              <a14:hiddenFill xmlns:a14="http://schemas.microsoft.com/office/drawing/2010/main">
+                <a:solidFill>
+                  <a:srgbClr val="FFFFFF"/>
+                </a:solidFill>
+              </a14:hiddenFill>
+            </a:ext>
+          </a:extLst>
+        </p:spPr>
+      </p:pic>
+      <p:pic>
+        <p:nvPicPr>
+          <p:cNvPr id="4122" name="Picture 26">
+            <a:extLst>
+              <a:ext uri="{FF2B5EF4-FFF2-40B4-BE49-F238E27FC236}">
+                <a16:creationId xmlns:a16="http://schemas.microsoft.com/office/drawing/2014/main" id="{19FC9AF1-8341-7079-9C97-35A6C6E023E0}"/>
+              </a:ext>
+            </a:extLst>
+          </p:cNvPr>
+          <p:cNvPicPr>
+            <a:picLocks noChangeAspect="1" noChangeArrowheads="1"/>
+          </p:cNvPicPr>
+          <p:nvPr/>
+        </p:nvPicPr>
+        <p:blipFill>
+          <a:blip r:embed="rId4">
+            <a:alphaModFix amt="70000"/>
+            <a:extLst>
+              <a:ext uri="{28A0092B-C50C-407E-A947-70E740481C1C}">
+                <a14:useLocalDpi xmlns:a14="http://schemas.microsoft.com/office/drawing/2010/main" val="0"/>
+              </a:ext>
+            </a:extLst>
+          </a:blip>
+          <a:srcRect/>
+          <a:stretch>
+            <a:fillRect/>
+          </a:stretch>
+        </p:blipFill>
+        <p:spPr bwMode="auto">
+          <a:xfrm>
+            <a:off x="5419695" y="3037976"/>
+            <a:ext cx="2060605" cy="3184571"/>
+          </a:xfrm>
+          <a:prstGeom prst="rect">
+            <a:avLst/>
+          </a:prstGeom>
+          <a:noFill/>
+          <a:extLst>
+            <a:ext uri="{909E8E84-426E-40DD-AFC4-6F175D3DCCD1}">
+              <a14:hiddenFill xmlns:a14="http://schemas.microsoft.com/office/drawing/2010/main">
+                <a:solidFill>
+                  <a:srgbClr val="FFFFFF"/>
+                </a:solidFill>
+              </a14:hiddenFill>
+            </a:ext>
+          </a:extLst>
+        </p:spPr>
+      </p:pic>
+      <p:pic>
+        <p:nvPicPr>
+          <p:cNvPr id="4120" name="Picture 24">
+            <a:extLst>
+              <a:ext uri="{FF2B5EF4-FFF2-40B4-BE49-F238E27FC236}">
+                <a16:creationId xmlns:a16="http://schemas.microsoft.com/office/drawing/2014/main" id="{8546961E-DEEB-841D-1BC5-BFEC2470B0CB}"/>
+              </a:ext>
+            </a:extLst>
+          </p:cNvPr>
+          <p:cNvPicPr>
+            <a:picLocks noChangeAspect="1" noChangeArrowheads="1"/>
+          </p:cNvPicPr>
+          <p:nvPr/>
+        </p:nvPicPr>
+        <p:blipFill>
+          <a:blip r:embed="rId5">
+            <a:alphaModFix amt="70000"/>
+            <a:extLst>
+              <a:ext uri="{28A0092B-C50C-407E-A947-70E740481C1C}">
+                <a14:useLocalDpi xmlns:a14="http://schemas.microsoft.com/office/drawing/2010/main" val="0"/>
+              </a:ext>
+            </a:extLst>
+          </a:blip>
+          <a:srcRect/>
+          <a:stretch>
+            <a:fillRect/>
+          </a:stretch>
+        </p:blipFill>
+        <p:spPr bwMode="auto">
+          <a:xfrm>
+            <a:off x="5159114" y="2826387"/>
+            <a:ext cx="2060605" cy="3184571"/>
+          </a:xfrm>
+          <a:prstGeom prst="rect">
+            <a:avLst/>
+          </a:prstGeom>
+          <a:noFill/>
+          <a:extLst>
+            <a:ext uri="{909E8E84-426E-40DD-AFC4-6F175D3DCCD1}">
+              <a14:hiddenFill xmlns:a14="http://schemas.microsoft.com/office/drawing/2010/main">
+                <a:solidFill>
+                  <a:srgbClr val="FFFFFF"/>
+                </a:solidFill>
+              </a14:hiddenFill>
+            </a:ext>
+          </a:extLst>
+        </p:spPr>
+      </p:pic>
+      <p:sp>
+        <p:nvSpPr>
+          <p:cNvPr id="5" name="TextBox 4">
+            <a:extLst>
+              <a:ext uri="{FF2B5EF4-FFF2-40B4-BE49-F238E27FC236}">
+                <a16:creationId xmlns:a16="http://schemas.microsoft.com/office/drawing/2014/main" id="{69A49B6C-2617-00E0-38E0-62F1623A5446}"/>
+              </a:ext>
+            </a:extLst>
+          </p:cNvPr>
+          <p:cNvSpPr txBox="1"/>
+          <p:nvPr/>
+        </p:nvSpPr>
+        <p:spPr>
+          <a:xfrm>
+            <a:off x="5026300" y="1985653"/>
+            <a:ext cx="2688949" cy="646331"/>
+          </a:xfrm>
+          <a:prstGeom prst="rect">
+            <a:avLst/>
+          </a:prstGeom>
+          <a:noFill/>
+        </p:spPr>
+        <p:txBody>
+          <a:bodyPr wrap="square" rtlCol="0">
+            <a:spAutoFit/>
+          </a:bodyPr>
+          <a:lstStyle/>
+          <a:p>
+            <a:pPr algn="ctr"/>
+            <a:r>
+              <a:rPr lang="en-US" dirty="0"/>
+              <a:t>s = 0.0208 (4.08%; dx=0.1), </a:t>
+            </a:r>
+            <a:br>
+              <a:rPr lang="en-US" dirty="0"/>
+            </a:br>
+            <a:r>
+              <a:rPr lang="en-US" dirty="0"/>
+              <a:t>Lx, Ly = 12.90, 22.30</a:t>
+            </a:r>
+          </a:p>
+        </p:txBody>
+      </p:sp>
+      <p:pic>
+        <p:nvPicPr>
+          <p:cNvPr id="4126" name="Picture 30">
+            <a:extLst>
+              <a:ext uri="{FF2B5EF4-FFF2-40B4-BE49-F238E27FC236}">
+                <a16:creationId xmlns:a16="http://schemas.microsoft.com/office/drawing/2014/main" id="{7C8FC4FE-9F1C-CFA1-F45B-41FEBC57AA7B}"/>
+              </a:ext>
+            </a:extLst>
+          </p:cNvPr>
+          <p:cNvPicPr>
+            <a:picLocks noChangeAspect="1" noChangeArrowheads="1"/>
+          </p:cNvPicPr>
+          <p:nvPr/>
+        </p:nvPicPr>
+        <p:blipFill>
+          <a:blip r:embed="rId6">
+            <a:alphaModFix amt="70000"/>
+            <a:extLst>
+              <a:ext uri="{28A0092B-C50C-407E-A947-70E740481C1C}">
+                <a14:useLocalDpi xmlns:a14="http://schemas.microsoft.com/office/drawing/2010/main" val="0"/>
+              </a:ext>
+            </a:extLst>
+          </a:blip>
+          <a:srcRect/>
+          <a:stretch>
+            <a:fillRect/>
+          </a:stretch>
+        </p:blipFill>
+        <p:spPr bwMode="auto">
+          <a:xfrm>
+            <a:off x="8365356" y="3329297"/>
+            <a:ext cx="2769584" cy="2681661"/>
+          </a:xfrm>
+          <a:prstGeom prst="rect">
+            <a:avLst/>
+          </a:prstGeom>
+          <a:noFill/>
+          <a:extLst>
+            <a:ext uri="{909E8E84-426E-40DD-AFC4-6F175D3DCCD1}">
+              <a14:hiddenFill xmlns:a14="http://schemas.microsoft.com/office/drawing/2010/main">
+                <a:solidFill>
+                  <a:srgbClr val="FFFFFF"/>
+                </a:solidFill>
+              </a14:hiddenFill>
+            </a:ext>
+          </a:extLst>
+        </p:spPr>
+      </p:pic>
+      <p:pic>
+        <p:nvPicPr>
+          <p:cNvPr id="4128" name="Picture 32">
+            <a:extLst>
+              <a:ext uri="{FF2B5EF4-FFF2-40B4-BE49-F238E27FC236}">
+                <a16:creationId xmlns:a16="http://schemas.microsoft.com/office/drawing/2014/main" id="{345B1C86-B2DC-9085-2E2C-E6725D165415}"/>
+              </a:ext>
+            </a:extLst>
+          </p:cNvPr>
+          <p:cNvPicPr>
+            <a:picLocks noChangeAspect="1" noChangeArrowheads="1"/>
+          </p:cNvPicPr>
+          <p:nvPr/>
+        </p:nvPicPr>
+        <p:blipFill>
+          <a:blip r:embed="rId7">
+            <a:alphaModFix amt="70000"/>
+            <a:extLst>
+              <a:ext uri="{28A0092B-C50C-407E-A947-70E740481C1C}">
+                <a14:useLocalDpi xmlns:a14="http://schemas.microsoft.com/office/drawing/2010/main" val="0"/>
+              </a:ext>
+            </a:extLst>
+          </a:blip>
+          <a:srcRect/>
+          <a:stretch>
+            <a:fillRect/>
+          </a:stretch>
+        </p:blipFill>
+        <p:spPr bwMode="auto">
+          <a:xfrm>
+            <a:off x="8268288" y="3261139"/>
+            <a:ext cx="2769584" cy="2681661"/>
+          </a:xfrm>
+          <a:prstGeom prst="rect">
+            <a:avLst/>
+          </a:prstGeom>
+          <a:noFill/>
+          <a:extLst>
+            <a:ext uri="{909E8E84-426E-40DD-AFC4-6F175D3DCCD1}">
+              <a14:hiddenFill xmlns:a14="http://schemas.microsoft.com/office/drawing/2010/main">
+                <a:solidFill>
+                  <a:srgbClr val="FFFFFF"/>
+                </a:solidFill>
+              </a14:hiddenFill>
+            </a:ext>
+          </a:extLst>
+        </p:spPr>
+      </p:pic>
+      <p:sp>
+        <p:nvSpPr>
+          <p:cNvPr id="8" name="TextBox 7">
+            <a:extLst>
+              <a:ext uri="{FF2B5EF4-FFF2-40B4-BE49-F238E27FC236}">
+                <a16:creationId xmlns:a16="http://schemas.microsoft.com/office/drawing/2014/main" id="{3482F31C-3E88-A3D7-1754-79EA5AC7E36B}"/>
+              </a:ext>
+            </a:extLst>
+          </p:cNvPr>
+          <p:cNvSpPr txBox="1"/>
+          <p:nvPr/>
+        </p:nvSpPr>
+        <p:spPr>
+          <a:xfrm>
+            <a:off x="8454748" y="1962684"/>
+            <a:ext cx="2590800" cy="646331"/>
+          </a:xfrm>
+          <a:prstGeom prst="rect">
+            <a:avLst/>
+          </a:prstGeom>
+          <a:noFill/>
+        </p:spPr>
+        <p:txBody>
+          <a:bodyPr wrap="square" rtlCol="0">
+            <a:spAutoFit/>
+          </a:bodyPr>
+          <a:lstStyle/>
+          <a:p>
+            <a:pPr algn="ctr"/>
+            <a:r>
+              <a:rPr lang="en-US" dirty="0"/>
+              <a:t>s = 0.1332 (11%; dx=0.1), </a:t>
+            </a:r>
+            <a:br>
+              <a:rPr lang="en-US" dirty="0"/>
+            </a:br>
+            <a:r>
+              <a:rPr lang="en-US" dirty="0"/>
+              <a:t>Lx, Ly = 20.50, 20.40</a:t>
+            </a:r>
+          </a:p>
+        </p:txBody>
+      </p:sp>
+    </p:spTree>
+    <p:extLst>
+      <p:ext uri="{BB962C8B-B14F-4D97-AF65-F5344CB8AC3E}">
+        <p14:creationId xmlns:p14="http://schemas.microsoft.com/office/powerpoint/2010/main" val="1320488814"/>
+      </p:ext>
+    </p:extLst>
+  </p:cSld>
+  <p:clrMapOvr>
+    <a:masterClrMapping/>
+  </p:clrMapOvr>
+</p:sld>
+</file>
+
+<file path=ppt/slides/slide2.xml><?xml version="1.0" encoding="utf-8"?>
+<p:sld xmlns:a="http://schemas.openxmlformats.org/drawingml/2006/main" xmlns:r="http://schemas.openxmlformats.org/officeDocument/2006/relationships" xmlns:p="http://schemas.openxmlformats.org/presentationml/2006/main">
+  <p:cSld>
+    <p:spTree>
+      <p:nvGrpSpPr>
+        <p:cNvPr id="1" name=""/>
+        <p:cNvGrpSpPr/>
+        <p:nvPr/>
+      </p:nvGrpSpPr>
+      <p:grpSpPr>
+        <a:xfrm>
+          <a:off x="0" y="0"/>
+          <a:ext cx="0" cy="0"/>
+          <a:chOff x="0" y="0"/>
+          <a:chExt cx="0" cy="0"/>
+        </a:xfrm>
+      </p:grpSpPr>
+      <p:pic>
+        <p:nvPicPr>
+          <p:cNvPr id="39" name="Picture 38">
+            <a:extLst>
+              <a:ext uri="{FF2B5EF4-FFF2-40B4-BE49-F238E27FC236}">
+                <a16:creationId xmlns:a16="http://schemas.microsoft.com/office/drawing/2014/main" id="{4C88C2AF-DEC6-523E-1CCC-807F741EB3BF}"/>
+              </a:ext>
+            </a:extLst>
+          </p:cNvPr>
+          <p:cNvPicPr>
+            <a:picLocks noChangeAspect="1"/>
+          </p:cNvPicPr>
+          <p:nvPr/>
+        </p:nvPicPr>
+        <p:blipFill>
+          <a:blip r:embed="rId2"/>
+          <a:stretch>
+            <a:fillRect/>
+          </a:stretch>
+        </p:blipFill>
+        <p:spPr>
+          <a:xfrm>
+            <a:off x="587949" y="1783819"/>
+            <a:ext cx="4711771" cy="2601290"/>
+          </a:xfrm>
+          <a:prstGeom prst="rect">
+            <a:avLst/>
+          </a:prstGeom>
+        </p:spPr>
+      </p:pic>
+      <p:sp>
+        <p:nvSpPr>
+          <p:cNvPr id="2" name="Title 1">
+            <a:extLst>
+              <a:ext uri="{FF2B5EF4-FFF2-40B4-BE49-F238E27FC236}">
+                <a16:creationId xmlns:a16="http://schemas.microsoft.com/office/drawing/2014/main" id="{C85E3C9C-7526-B303-905F-886077E16C39}"/>
+              </a:ext>
+            </a:extLst>
+          </p:cNvPr>
+          <p:cNvSpPr>
+            <a:spLocks noGrp="1"/>
+          </p:cNvSpPr>
+          <p:nvPr>
+            <p:ph type="title"/>
+          </p:nvPr>
+        </p:nvSpPr>
+        <p:spPr>
+          <a:xfrm>
+            <a:off x="838200" y="14514"/>
+            <a:ext cx="10515600" cy="1325563"/>
+          </a:xfrm>
+        </p:spPr>
+        <p:txBody>
+          <a:bodyPr/>
+          <a:lstStyle/>
+          <a:p>
+            <a:r>
+              <a:rPr lang="en-US" dirty="0"/>
+              <a:t>z-</a:t>
+            </a:r>
+            <a:r>
+              <a:rPr lang="en-US" b="1" dirty="0"/>
+              <a:t>FFT</a:t>
+            </a:r>
+            <a:r>
+              <a:rPr lang="en-US" dirty="0"/>
+              <a:t> vs z-</a:t>
+            </a:r>
+            <a:r>
+              <a:rPr lang="en-US" b="1" dirty="0"/>
+              <a:t>FD</a:t>
+            </a:r>
+            <a:r>
+              <a:rPr lang="en-US" dirty="0"/>
+              <a:t> (MDE) – REDFT01 </a:t>
+            </a:r>
+            <a:r>
+              <a:rPr lang="en-US" dirty="0" err="1"/>
+              <a:t>xy</a:t>
+            </a:r>
+            <a:r>
+              <a:rPr lang="en-US" dirty="0"/>
+              <a:t>(z)</a:t>
+            </a:r>
+          </a:p>
+        </p:txBody>
+      </p:sp>
+      <p:sp>
+        <p:nvSpPr>
+          <p:cNvPr id="3" name="TextBox 2">
+            <a:extLst>
+              <a:ext uri="{FF2B5EF4-FFF2-40B4-BE49-F238E27FC236}">
+                <a16:creationId xmlns:a16="http://schemas.microsoft.com/office/drawing/2014/main" id="{99A2CDED-1526-FA46-5D91-2DC74B6F0C37}"/>
+              </a:ext>
+            </a:extLst>
+          </p:cNvPr>
+          <p:cNvSpPr txBox="1"/>
+          <p:nvPr/>
+        </p:nvSpPr>
+        <p:spPr>
+          <a:xfrm>
+            <a:off x="838200" y="1053198"/>
+            <a:ext cx="7010401" cy="646331"/>
+          </a:xfrm>
+          <a:prstGeom prst="rect">
+            <a:avLst/>
+          </a:prstGeom>
+          <a:noFill/>
+        </p:spPr>
+        <p:txBody>
+          <a:bodyPr wrap="square" rtlCol="0">
+            <a:spAutoFit/>
+          </a:bodyPr>
+          <a:lstStyle/>
+          <a:p>
+            <a:r>
+              <a:rPr lang="en-US" dirty="0"/>
+              <a:t>Lx = 5, Ly = 5, </a:t>
+            </a:r>
+            <a:r>
+              <a:rPr lang="en-US" dirty="0" err="1"/>
+              <a:t>Lz</a:t>
+            </a:r>
+            <a:r>
+              <a:rPr lang="en-US" dirty="0"/>
+              <a:t> = 50. s = 0.02. x = 0.75. a = 0.00, N = 50</a:t>
+            </a:r>
+          </a:p>
+          <a:p>
+            <a:r>
+              <a:rPr lang="en-US" dirty="0"/>
+              <a:t>3D vs 1D (dashed): </a:t>
+            </a:r>
+            <a:r>
+              <a:rPr lang="en-US" dirty="0" err="1"/>
+              <a:t>dz</a:t>
+            </a:r>
+            <a:r>
+              <a:rPr lang="en-US" dirty="0"/>
+              <a:t> = 0.5, ds = 0.20; dz_1D = 0.113, ds_1D = 0.083</a:t>
+            </a:r>
+          </a:p>
+        </p:txBody>
+      </p:sp>
+      <p:sp>
+        <p:nvSpPr>
+          <p:cNvPr id="20" name="TextBox 19">
+            <a:extLst>
+              <a:ext uri="{FF2B5EF4-FFF2-40B4-BE49-F238E27FC236}">
+                <a16:creationId xmlns:a16="http://schemas.microsoft.com/office/drawing/2014/main" id="{F67FA53E-0EE8-AAF7-18FE-84614DDB84DE}"/>
+              </a:ext>
+            </a:extLst>
+          </p:cNvPr>
+          <p:cNvSpPr txBox="1"/>
+          <p:nvPr/>
+        </p:nvSpPr>
+        <p:spPr>
+          <a:xfrm>
+            <a:off x="5631059" y="2915880"/>
+            <a:ext cx="1286933" cy="369332"/>
+          </a:xfrm>
+          <a:prstGeom prst="rect">
+            <a:avLst/>
+          </a:prstGeom>
+          <a:noFill/>
+        </p:spPr>
+        <p:txBody>
+          <a:bodyPr wrap="square" rtlCol="0">
+            <a:spAutoFit/>
+          </a:bodyPr>
+          <a:lstStyle/>
+          <a:p>
+            <a:r>
+              <a:rPr lang="en-US" dirty="0"/>
+              <a:t>FFT (</a:t>
+            </a:r>
+            <a:r>
+              <a:rPr lang="en-US" dirty="0" err="1"/>
+              <a:t>yz</a:t>
+            </a:r>
+            <a:r>
+              <a:rPr lang="en-US" dirty="0"/>
+              <a:t>)</a:t>
+            </a:r>
+          </a:p>
+        </p:txBody>
+      </p:sp>
+      <p:sp>
+        <p:nvSpPr>
+          <p:cNvPr id="21" name="TextBox 20">
+            <a:extLst>
+              <a:ext uri="{FF2B5EF4-FFF2-40B4-BE49-F238E27FC236}">
+                <a16:creationId xmlns:a16="http://schemas.microsoft.com/office/drawing/2014/main" id="{8975F4F8-1D5E-2B6C-439A-E0008683786D}"/>
+              </a:ext>
+            </a:extLst>
+          </p:cNvPr>
+          <p:cNvSpPr txBox="1"/>
+          <p:nvPr/>
+        </p:nvSpPr>
+        <p:spPr>
+          <a:xfrm>
+            <a:off x="5631059" y="5330398"/>
+            <a:ext cx="1286933" cy="369332"/>
+          </a:xfrm>
+          <a:prstGeom prst="rect">
+            <a:avLst/>
+          </a:prstGeom>
+          <a:noFill/>
+        </p:spPr>
+        <p:txBody>
+          <a:bodyPr wrap="square" rtlCol="0">
+            <a:spAutoFit/>
+          </a:bodyPr>
+          <a:lstStyle/>
+          <a:p>
+            <a:r>
+              <a:rPr lang="en-US" dirty="0"/>
+              <a:t>FD (</a:t>
+            </a:r>
+            <a:r>
+              <a:rPr lang="en-US" dirty="0" err="1"/>
+              <a:t>yz</a:t>
+            </a:r>
+            <a:r>
+              <a:rPr lang="en-US" dirty="0"/>
+              <a:t>)</a:t>
+            </a:r>
+          </a:p>
+        </p:txBody>
+      </p:sp>
+      <p:pic>
+        <p:nvPicPr>
+          <p:cNvPr id="25" name="Picture 24">
+            <a:extLst>
+              <a:ext uri="{FF2B5EF4-FFF2-40B4-BE49-F238E27FC236}">
+                <a16:creationId xmlns:a16="http://schemas.microsoft.com/office/drawing/2014/main" id="{BFB8AF76-977E-BF34-4D5F-6F1115EF2823}"/>
+              </a:ext>
+            </a:extLst>
+          </p:cNvPr>
+          <p:cNvPicPr>
+            <a:picLocks noChangeAspect="1"/>
+          </p:cNvPicPr>
+          <p:nvPr/>
+        </p:nvPicPr>
+        <p:blipFill>
+          <a:blip r:embed="rId3"/>
+          <a:stretch>
+            <a:fillRect/>
+          </a:stretch>
+        </p:blipFill>
+        <p:spPr>
+          <a:xfrm>
+            <a:off x="7276364" y="4360365"/>
+            <a:ext cx="2924742" cy="2424728"/>
+          </a:xfrm>
+          <a:prstGeom prst="rect">
+            <a:avLst/>
+          </a:prstGeom>
+        </p:spPr>
+      </p:pic>
+      <p:pic>
+        <p:nvPicPr>
+          <p:cNvPr id="27" name="Picture 26">
+            <a:extLst>
+              <a:ext uri="{FF2B5EF4-FFF2-40B4-BE49-F238E27FC236}">
+                <a16:creationId xmlns:a16="http://schemas.microsoft.com/office/drawing/2014/main" id="{277F92A0-71CE-490F-B258-ED7EC95866E9}"/>
+              </a:ext>
+            </a:extLst>
+          </p:cNvPr>
+          <p:cNvPicPr>
+            <a:picLocks noChangeAspect="1"/>
+          </p:cNvPicPr>
+          <p:nvPr/>
+        </p:nvPicPr>
+        <p:blipFill>
+          <a:blip r:embed="rId4"/>
+          <a:stretch>
+            <a:fillRect/>
+          </a:stretch>
+        </p:blipFill>
+        <p:spPr>
+          <a:xfrm>
+            <a:off x="10402909" y="2613996"/>
+            <a:ext cx="494780" cy="2823542"/>
+          </a:xfrm>
+          <a:prstGeom prst="rect">
+            <a:avLst/>
+          </a:prstGeom>
+        </p:spPr>
+      </p:pic>
+      <p:sp>
+        <p:nvSpPr>
+          <p:cNvPr id="28" name="TextBox 27">
+            <a:extLst>
+              <a:ext uri="{FF2B5EF4-FFF2-40B4-BE49-F238E27FC236}">
+                <a16:creationId xmlns:a16="http://schemas.microsoft.com/office/drawing/2014/main" id="{209381BF-3B92-7C87-83D1-6D10AFC3C731}"/>
+              </a:ext>
+            </a:extLst>
+          </p:cNvPr>
+          <p:cNvSpPr txBox="1"/>
+          <p:nvPr/>
+        </p:nvSpPr>
+        <p:spPr>
+          <a:xfrm>
+            <a:off x="8289087" y="4206848"/>
+            <a:ext cx="1286933" cy="369332"/>
+          </a:xfrm>
+          <a:prstGeom prst="rect">
+            <a:avLst/>
+          </a:prstGeom>
+          <a:noFill/>
+        </p:spPr>
+        <p:txBody>
+          <a:bodyPr wrap="square" rtlCol="0">
+            <a:spAutoFit/>
+          </a:bodyPr>
+          <a:lstStyle/>
+          <a:p>
+            <a:pPr algn="ctr"/>
+            <a:r>
+              <a:rPr lang="en-US" dirty="0"/>
+              <a:t>FD (</a:t>
+            </a:r>
+            <a:r>
+              <a:rPr lang="en-US" dirty="0" err="1"/>
+              <a:t>xyz</a:t>
+            </a:r>
+            <a:r>
+              <a:rPr lang="en-US" dirty="0"/>
+              <a:t>)</a:t>
+            </a:r>
+          </a:p>
+        </p:txBody>
+      </p:sp>
+      <p:pic>
+        <p:nvPicPr>
+          <p:cNvPr id="30" name="Picture 29">
+            <a:extLst>
+              <a:ext uri="{FF2B5EF4-FFF2-40B4-BE49-F238E27FC236}">
+                <a16:creationId xmlns:a16="http://schemas.microsoft.com/office/drawing/2014/main" id="{78FFD473-8BB3-1A61-FCA5-1FC80C0BC590}"/>
+              </a:ext>
+            </a:extLst>
+          </p:cNvPr>
+          <p:cNvPicPr>
+            <a:picLocks noChangeAspect="1"/>
+          </p:cNvPicPr>
+          <p:nvPr/>
+        </p:nvPicPr>
+        <p:blipFill>
+          <a:blip r:embed="rId5"/>
+          <a:stretch>
+            <a:fillRect/>
+          </a:stretch>
+        </p:blipFill>
+        <p:spPr>
+          <a:xfrm>
+            <a:off x="7217123" y="1758796"/>
+            <a:ext cx="2924741" cy="2400807"/>
+          </a:xfrm>
+          <a:prstGeom prst="rect">
+            <a:avLst/>
+          </a:prstGeom>
+        </p:spPr>
+      </p:pic>
+      <p:sp>
+        <p:nvSpPr>
+          <p:cNvPr id="31" name="TextBox 30">
+            <a:extLst>
+              <a:ext uri="{FF2B5EF4-FFF2-40B4-BE49-F238E27FC236}">
+                <a16:creationId xmlns:a16="http://schemas.microsoft.com/office/drawing/2014/main" id="{18ED4AF3-A406-8565-DA72-D4AD2194F5BA}"/>
+              </a:ext>
+            </a:extLst>
+          </p:cNvPr>
+          <p:cNvSpPr txBox="1"/>
+          <p:nvPr/>
+        </p:nvSpPr>
+        <p:spPr>
+          <a:xfrm>
+            <a:off x="8207324" y="1542436"/>
+            <a:ext cx="1286933" cy="369332"/>
+          </a:xfrm>
+          <a:prstGeom prst="rect">
+            <a:avLst/>
+          </a:prstGeom>
+          <a:noFill/>
+        </p:spPr>
+        <p:txBody>
+          <a:bodyPr wrap="square" rtlCol="0">
+            <a:spAutoFit/>
+          </a:bodyPr>
+          <a:lstStyle/>
+          <a:p>
+            <a:pPr algn="ctr"/>
+            <a:r>
+              <a:rPr lang="en-US" dirty="0"/>
+              <a:t>FFT (</a:t>
+            </a:r>
+            <a:r>
+              <a:rPr lang="en-US" dirty="0" err="1"/>
+              <a:t>xyz</a:t>
+            </a:r>
+            <a:r>
+              <a:rPr lang="en-US" dirty="0"/>
+              <a:t>)</a:t>
+            </a:r>
+          </a:p>
+        </p:txBody>
+      </p:sp>
+      <p:pic>
+        <p:nvPicPr>
+          <p:cNvPr id="37" name="Picture 36">
+            <a:extLst>
+              <a:ext uri="{FF2B5EF4-FFF2-40B4-BE49-F238E27FC236}">
+                <a16:creationId xmlns:a16="http://schemas.microsoft.com/office/drawing/2014/main" id="{326FE1D3-8C41-0A8E-0D9D-230751971410}"/>
+              </a:ext>
+            </a:extLst>
+          </p:cNvPr>
+          <p:cNvPicPr>
+            <a:picLocks noChangeAspect="1"/>
+          </p:cNvPicPr>
+          <p:nvPr/>
+        </p:nvPicPr>
+        <p:blipFill>
+          <a:blip r:embed="rId6"/>
+          <a:stretch>
+            <a:fillRect/>
+          </a:stretch>
+        </p:blipFill>
+        <p:spPr>
+          <a:xfrm>
+            <a:off x="600120" y="4134202"/>
+            <a:ext cx="4724927" cy="2698398"/>
+          </a:xfrm>
+          <a:prstGeom prst="rect">
+            <a:avLst/>
+          </a:prstGeom>
+        </p:spPr>
+      </p:pic>
+    </p:spTree>
+    <p:extLst>
+      <p:ext uri="{BB962C8B-B14F-4D97-AF65-F5344CB8AC3E}">
+        <p14:creationId xmlns:p14="http://schemas.microsoft.com/office/powerpoint/2010/main" val="2184982505"/>
+      </p:ext>
+    </p:extLst>
+  </p:cSld>
+  <p:clrMapOvr>
+    <a:masterClrMapping/>
+  </p:clrMapOvr>
+</p:sld>
+</file>
+
+<file path=ppt/slides/slide3.xml><?xml version="1.0" encoding="utf-8"?>
+<p:sld xmlns:a="http://schemas.openxmlformats.org/drawingml/2006/main" xmlns:r="http://schemas.openxmlformats.org/officeDocument/2006/relationships" xmlns:p="http://schemas.openxmlformats.org/presentationml/2006/main">
+  <p:cSld>
+    <p:spTree>
+      <p:nvGrpSpPr>
+        <p:cNvPr id="1" name=""/>
+        <p:cNvGrpSpPr/>
+        <p:nvPr/>
+      </p:nvGrpSpPr>
+      <p:grpSpPr>
+        <a:xfrm>
+          <a:off x="0" y="0"/>
+          <a:ext cx="0" cy="0"/>
+          <a:chOff x="0" y="0"/>
+          <a:chExt cx="0" cy="0"/>
+        </a:xfrm>
+      </p:grpSpPr>
+      <p:sp>
+        <p:nvSpPr>
+          <p:cNvPr id="2" name="Title 1">
+            <a:extLst>
+              <a:ext uri="{FF2B5EF4-FFF2-40B4-BE49-F238E27FC236}">
+                <a16:creationId xmlns:a16="http://schemas.microsoft.com/office/drawing/2014/main" id="{C872131D-FE4F-A224-AF09-4A0D93F4B83D}"/>
+              </a:ext>
+            </a:extLst>
+          </p:cNvPr>
+          <p:cNvSpPr>
+            <a:spLocks noGrp="1"/>
+          </p:cNvSpPr>
+          <p:nvPr>
+            <p:ph type="title"/>
+          </p:nvPr>
+        </p:nvSpPr>
+        <p:spPr>
+          <a:xfrm>
+            <a:off x="59268" y="135468"/>
+            <a:ext cx="10515600" cy="846667"/>
+          </a:xfrm>
+        </p:spPr>
+        <p:txBody>
+          <a:bodyPr/>
+          <a:lstStyle/>
+          <a:p>
+            <a:r>
+              <a:rPr lang="en-US" dirty="0"/>
+              <a:t>Parameter space (s, x, cs, N)</a:t>
+            </a:r>
+          </a:p>
+        </p:txBody>
+      </p:sp>
+    </p:spTree>
+    <p:extLst>
+      <p:ext uri="{BB962C8B-B14F-4D97-AF65-F5344CB8AC3E}">
+        <p14:creationId xmlns:p14="http://schemas.microsoft.com/office/powerpoint/2010/main" val="3387991481"/>
+      </p:ext>
+    </p:extLst>
+  </p:cSld>
+  <p:clrMapOvr>
+    <a:masterClrMapping/>
+  </p:clrMapOvr>
+</p:sld>
+</file>
+
+<file path=ppt/slides/slide4.xml><?xml version="1.0" encoding="utf-8"?>
+<p:sld xmlns:a="http://schemas.openxmlformats.org/drawingml/2006/main" xmlns:r="http://schemas.openxmlformats.org/officeDocument/2006/relationships" xmlns:p="http://schemas.openxmlformats.org/presentationml/2006/main">
+  <p:cSld>
+    <p:spTree>
+      <p:nvGrpSpPr>
+        <p:cNvPr id="1" name=""/>
+        <p:cNvGrpSpPr/>
+        <p:nvPr/>
+      </p:nvGrpSpPr>
+      <p:grpSpPr>
+        <a:xfrm>
+          <a:off x="0" y="0"/>
+          <a:ext cx="0" cy="0"/>
+          <a:chOff x="0" y="0"/>
+          <a:chExt cx="0" cy="0"/>
+        </a:xfrm>
+      </p:grpSpPr>
+      <p:sp>
+        <p:nvSpPr>
+          <p:cNvPr id="2" name="Title 1">
+            <a:extLst>
+              <a:ext uri="{FF2B5EF4-FFF2-40B4-BE49-F238E27FC236}">
+                <a16:creationId xmlns:a16="http://schemas.microsoft.com/office/drawing/2014/main" id="{C872131D-FE4F-A224-AF09-4A0D93F4B83D}"/>
+              </a:ext>
+            </a:extLst>
+          </p:cNvPr>
+          <p:cNvSpPr>
+            <a:spLocks noGrp="1"/>
+          </p:cNvSpPr>
+          <p:nvPr>
+            <p:ph type="title"/>
+          </p:nvPr>
+        </p:nvSpPr>
+        <p:spPr>
+          <a:xfrm>
+            <a:off x="177800" y="152400"/>
+            <a:ext cx="10515600" cy="846667"/>
+          </a:xfrm>
+        </p:spPr>
+        <p:txBody>
+          <a:bodyPr/>
+          <a:lstStyle/>
+          <a:p>
+            <a:r>
+              <a:rPr lang="en-US" dirty="0"/>
+              <a:t>Numerical space (</a:t>
+            </a:r>
+            <a:r>
+              <a:rPr lang="en-US" dirty="0" err="1"/>
+              <a:t>dz</a:t>
+            </a:r>
+            <a:r>
+              <a:rPr lang="en-US" dirty="0"/>
+              <a:t>, ds, Y)</a:t>
+            </a:r>
+          </a:p>
+        </p:txBody>
+      </p:sp>
+    </p:spTree>
+    <p:extLst>
+      <p:ext uri="{BB962C8B-B14F-4D97-AF65-F5344CB8AC3E}">
+        <p14:creationId xmlns:p14="http://schemas.microsoft.com/office/powerpoint/2010/main" val="3734331090"/>
+      </p:ext>
+    </p:extLst>
+  </p:cSld>
+  <p:clrMapOvr>
+    <a:masterClrMapping/>
+  </p:clrMapOvr>
+</p:sld>
+</file>
+
+<file path=ppt/slides/slide5.xml><?xml version="1.0" encoding="utf-8"?>
+<p:sld xmlns:a="http://schemas.openxmlformats.org/drawingml/2006/main" xmlns:r="http://schemas.openxmlformats.org/officeDocument/2006/relationships" xmlns:p="http://schemas.openxmlformats.org/presentationml/2006/main">
+  <p:cSld>
+    <p:spTree>
+      <p:nvGrpSpPr>
+        <p:cNvPr id="1" name=""/>
+        <p:cNvGrpSpPr/>
+        <p:nvPr/>
+      </p:nvGrpSpPr>
+      <p:grpSpPr>
+        <a:xfrm>
+          <a:off x="0" y="0"/>
+          <a:ext cx="0" cy="0"/>
+          <a:chOff x="0" y="0"/>
+          <a:chExt cx="0" cy="0"/>
+        </a:xfrm>
+      </p:grpSpPr>
+      <p:sp>
+        <p:nvSpPr>
+          <p:cNvPr id="2" name="Title 1">
+            <a:extLst>
+              <a:ext uri="{FF2B5EF4-FFF2-40B4-BE49-F238E27FC236}">
+                <a16:creationId xmlns:a16="http://schemas.microsoft.com/office/drawing/2014/main" id="{A42F1D30-274D-A5B8-3620-4DA31ECE8F5B}"/>
+              </a:ext>
+            </a:extLst>
+          </p:cNvPr>
+          <p:cNvSpPr>
+            <a:spLocks noGrp="1"/>
+          </p:cNvSpPr>
+          <p:nvPr>
+            <p:ph type="title"/>
+          </p:nvPr>
+        </p:nvSpPr>
+        <p:spPr>
+          <a:xfrm>
+            <a:off x="448734" y="2766218"/>
+            <a:ext cx="10515600" cy="1325563"/>
+          </a:xfrm>
+        </p:spPr>
+        <p:txBody>
+          <a:bodyPr/>
+          <a:lstStyle/>
+          <a:p>
+            <a:r>
+              <a:rPr lang="en-US" b="1" dirty="0"/>
+              <a:t>Specifying Grafted Points</a:t>
+            </a:r>
+          </a:p>
+        </p:txBody>
+      </p:sp>
+    </p:spTree>
+    <p:extLst>
+      <p:ext uri="{BB962C8B-B14F-4D97-AF65-F5344CB8AC3E}">
+        <p14:creationId xmlns:p14="http://schemas.microsoft.com/office/powerpoint/2010/main" val="896468000"/>
+      </p:ext>
+    </p:extLst>
+  </p:cSld>
+  <p:clrMapOvr>
+    <a:masterClrMapping/>
+  </p:clrMapOvr>
+</p:sld>
+</file>
+
+<file path=ppt/slides/slide6.xml><?xml version="1.0" encoding="utf-8"?>
+<p:sld xmlns:a="http://schemas.openxmlformats.org/drawingml/2006/main" xmlns:r="http://schemas.openxmlformats.org/officeDocument/2006/relationships" xmlns:p="http://schemas.openxmlformats.org/presentationml/2006/main">
+  <p:cSld>
+    <p:spTree>
+      <p:nvGrpSpPr>
+        <p:cNvPr id="1" name=""/>
+        <p:cNvGrpSpPr/>
+        <p:nvPr/>
+      </p:nvGrpSpPr>
+      <p:grpSpPr>
+        <a:xfrm>
+          <a:off x="0" y="0"/>
+          <a:ext cx="0" cy="0"/>
+          <a:chOff x="0" y="0"/>
+          <a:chExt cx="0" cy="0"/>
+        </a:xfrm>
+      </p:grpSpPr>
+      <p:sp>
+        <p:nvSpPr>
+          <p:cNvPr id="2" name="Title 1">
+            <a:extLst>
+              <a:ext uri="{FF2B5EF4-FFF2-40B4-BE49-F238E27FC236}">
+                <a16:creationId xmlns:a16="http://schemas.microsoft.com/office/drawing/2014/main" id="{EC7A1061-086B-35E4-61C1-83C328D5548E}"/>
+              </a:ext>
+            </a:extLst>
+          </p:cNvPr>
+          <p:cNvSpPr>
+            <a:spLocks noGrp="1"/>
+          </p:cNvSpPr>
+          <p:nvPr>
+            <p:ph type="title"/>
+          </p:nvPr>
+        </p:nvSpPr>
+        <p:spPr/>
+        <p:txBody>
+          <a:bodyPr/>
+          <a:lstStyle/>
+          <a:p>
+            <a:r>
+              <a:rPr lang="en-US" dirty="0"/>
+              <a:t>Strategy</a:t>
+            </a:r>
+          </a:p>
+        </p:txBody>
+      </p:sp>
+      <p:sp>
+        <p:nvSpPr>
+          <p:cNvPr id="3" name="TextBox 2">
+            <a:extLst>
+              <a:ext uri="{FF2B5EF4-FFF2-40B4-BE49-F238E27FC236}">
+                <a16:creationId xmlns:a16="http://schemas.microsoft.com/office/drawing/2014/main" id="{66A4566B-D26D-18F7-2769-748D7813228B}"/>
+              </a:ext>
+            </a:extLst>
+          </p:cNvPr>
+          <p:cNvSpPr txBox="1"/>
+          <p:nvPr/>
+        </p:nvSpPr>
+        <p:spPr>
+          <a:xfrm>
+            <a:off x="714374" y="1895475"/>
+            <a:ext cx="7810500" cy="646331"/>
+          </a:xfrm>
+          <a:prstGeom prst="rect">
+            <a:avLst/>
+          </a:prstGeom>
+          <a:noFill/>
+        </p:spPr>
+        <p:txBody>
+          <a:bodyPr wrap="square" rtlCol="0">
+            <a:spAutoFit/>
+          </a:bodyPr>
+          <a:lstStyle/>
+          <a:p>
+            <a:r>
+              <a:rPr lang="en-US" dirty="0"/>
+              <a:t>2D binary array for surface sites of homogeneously grafted polymer given grafting density, simulation box size, and discretization (and assuming dx = </a:t>
+            </a:r>
+            <a:r>
+              <a:rPr lang="en-US" dirty="0" err="1"/>
+              <a:t>dy</a:t>
+            </a:r>
+            <a:r>
+              <a:rPr lang="en-US" dirty="0"/>
+              <a:t>)</a:t>
+            </a:r>
+          </a:p>
+        </p:txBody>
+      </p:sp>
+      <p:sp>
+        <p:nvSpPr>
+          <p:cNvPr id="4" name="TextBox 3">
+            <a:extLst>
+              <a:ext uri="{FF2B5EF4-FFF2-40B4-BE49-F238E27FC236}">
+                <a16:creationId xmlns:a16="http://schemas.microsoft.com/office/drawing/2014/main" id="{14B153E5-948B-4D25-2B1C-2231E4E7EBA6}"/>
+              </a:ext>
+            </a:extLst>
+          </p:cNvPr>
+          <p:cNvSpPr txBox="1"/>
+          <p:nvPr/>
+        </p:nvSpPr>
+        <p:spPr>
+          <a:xfrm>
+            <a:off x="714374" y="2776538"/>
+            <a:ext cx="11077575" cy="646331"/>
+          </a:xfrm>
+          <a:prstGeom prst="rect">
+            <a:avLst/>
+          </a:prstGeom>
+          <a:noFill/>
+        </p:spPr>
+        <p:txBody>
+          <a:bodyPr wrap="square" rtlCol="0">
+            <a:spAutoFit/>
+          </a:bodyPr>
+          <a:lstStyle/>
+          <a:p>
+            <a:r>
+              <a:rPr lang="en-US" dirty="0" err="1"/>
+              <a:t>Fullspace</a:t>
+            </a:r>
+            <a:r>
+              <a:rPr lang="en-US" dirty="0"/>
+              <a:t> must be periodic on x0 = </a:t>
+            </a:r>
+            <a:r>
+              <a:rPr lang="en-US" dirty="0" err="1"/>
+              <a:t>xL</a:t>
+            </a:r>
+            <a:r>
+              <a:rPr lang="en-US" dirty="0"/>
+              <a:t>, y0 = </a:t>
+            </a:r>
+            <a:r>
+              <a:rPr lang="en-US" dirty="0" err="1"/>
+              <a:t>yL</a:t>
+            </a:r>
+            <a:endParaRPr lang="en-US" dirty="0"/>
+          </a:p>
+          <a:p>
+            <a:r>
+              <a:rPr lang="en-US" dirty="0" err="1"/>
+              <a:t>Halfspace</a:t>
+            </a:r>
+            <a:r>
+              <a:rPr lang="en-US" dirty="0"/>
+              <a:t> must be even on </a:t>
+            </a:r>
+            <a:r>
+              <a:rPr lang="en-US" dirty="0" err="1"/>
+              <a:t>xL</a:t>
+            </a:r>
+            <a:r>
+              <a:rPr lang="en-US" dirty="0"/>
+              <a:t>/2 and </a:t>
+            </a:r>
+            <a:r>
+              <a:rPr lang="en-US" dirty="0" err="1"/>
+              <a:t>yL</a:t>
+            </a:r>
+            <a:r>
+              <a:rPr lang="en-US" dirty="0"/>
+              <a:t>/2 (overlap of boundary following REDFT00) and periodic on x0 = </a:t>
+            </a:r>
+            <a:r>
+              <a:rPr lang="en-US" dirty="0" err="1"/>
+              <a:t>xL</a:t>
+            </a:r>
+            <a:r>
+              <a:rPr lang="en-US" dirty="0"/>
+              <a:t>, y0 = </a:t>
+            </a:r>
+            <a:r>
+              <a:rPr lang="en-US" dirty="0" err="1"/>
+              <a:t>yL</a:t>
+            </a:r>
+            <a:r>
+              <a:rPr lang="en-US" dirty="0"/>
+              <a:t>.</a:t>
+            </a:r>
+          </a:p>
+        </p:txBody>
+      </p:sp>
+      <p:sp>
+        <p:nvSpPr>
+          <p:cNvPr id="5" name="TextBox 4">
+            <a:extLst>
+              <a:ext uri="{FF2B5EF4-FFF2-40B4-BE49-F238E27FC236}">
+                <a16:creationId xmlns:a16="http://schemas.microsoft.com/office/drawing/2014/main" id="{97078C71-47DB-0D25-8BE5-AD0C9CC3C9FD}"/>
+              </a:ext>
+            </a:extLst>
+          </p:cNvPr>
+          <p:cNvSpPr txBox="1"/>
+          <p:nvPr/>
+        </p:nvSpPr>
+        <p:spPr>
+          <a:xfrm>
+            <a:off x="714373" y="3812426"/>
+            <a:ext cx="11077575" cy="369332"/>
+          </a:xfrm>
+          <a:prstGeom prst="rect">
+            <a:avLst/>
+          </a:prstGeom>
+          <a:noFill/>
+        </p:spPr>
+        <p:txBody>
+          <a:bodyPr wrap="square" rtlCol="0">
+            <a:spAutoFit/>
+          </a:bodyPr>
+          <a:lstStyle/>
+          <a:p>
+            <a:r>
+              <a:rPr lang="en-US" dirty="0"/>
+              <a:t>Homogeneous spacing as determined by regular hexagon, where grafting point at centroid of hexagon</a:t>
+            </a:r>
+          </a:p>
+        </p:txBody>
+      </p:sp>
+      <p:sp>
+        <p:nvSpPr>
+          <p:cNvPr id="6" name="TextBox 5">
+            <a:extLst>
+              <a:ext uri="{FF2B5EF4-FFF2-40B4-BE49-F238E27FC236}">
+                <a16:creationId xmlns:a16="http://schemas.microsoft.com/office/drawing/2014/main" id="{067DDA30-EAF3-09E5-D289-BD5F06EA216D}"/>
+              </a:ext>
+            </a:extLst>
+          </p:cNvPr>
+          <p:cNvSpPr txBox="1"/>
+          <p:nvPr/>
+        </p:nvSpPr>
+        <p:spPr>
+          <a:xfrm>
+            <a:off x="714372" y="4508719"/>
+            <a:ext cx="11077575" cy="923330"/>
+          </a:xfrm>
+          <a:prstGeom prst="rect">
+            <a:avLst/>
+          </a:prstGeom>
+          <a:noFill/>
+        </p:spPr>
+        <p:txBody>
+          <a:bodyPr wrap="square" rtlCol="0">
+            <a:spAutoFit/>
+          </a:bodyPr>
+          <a:lstStyle/>
+          <a:p>
+            <a:r>
+              <a:rPr lang="en-US" dirty="0"/>
+              <a:t>In case there are edge effects, try shifting the centroids away from the boundaries of the </a:t>
+            </a:r>
+            <a:r>
+              <a:rPr lang="en-US" dirty="0" err="1"/>
+              <a:t>xy</a:t>
+            </a:r>
+            <a:r>
+              <a:rPr lang="en-US" dirty="0"/>
+              <a:t>-plane (only did for </a:t>
+            </a:r>
+            <a:r>
+              <a:rPr lang="en-US" dirty="0" err="1"/>
+              <a:t>fullspace</a:t>
+            </a:r>
+            <a:r>
+              <a:rPr lang="en-US" dirty="0"/>
+              <a:t>)</a:t>
+            </a:r>
+          </a:p>
+          <a:p>
+            <a:pPr marL="285750" indent="-285750">
+              <a:buFont typeface="Arial" panose="020B0604020202020204" pitchFamily="34" charset="0"/>
+              <a:buChar char="•"/>
+            </a:pPr>
+            <a:r>
+              <a:rPr lang="en-US" dirty="0"/>
+              <a:t>Make sure no edge effects by comparing results of full FFT with cos FFT</a:t>
+            </a:r>
+          </a:p>
+        </p:txBody>
+      </p:sp>
+    </p:spTree>
+    <p:extLst>
+      <p:ext uri="{BB962C8B-B14F-4D97-AF65-F5344CB8AC3E}">
+        <p14:creationId xmlns:p14="http://schemas.microsoft.com/office/powerpoint/2010/main" val="1764039423"/>
+      </p:ext>
+    </p:extLst>
+  </p:cSld>
+  <p:clrMapOvr>
+    <a:masterClrMapping/>
+  </p:clrMapOvr>
+</p:sld>
+</file>
+
+<file path=ppt/slides/slide7.xml><?xml version="1.0" encoding="utf-8"?>
+<p:sld xmlns:a="http://schemas.openxmlformats.org/drawingml/2006/main" xmlns:r="http://schemas.openxmlformats.org/officeDocument/2006/relationships" xmlns:p="http://schemas.openxmlformats.org/presentationml/2006/main">
+  <p:cSld>
+    <p:spTree>
+      <p:nvGrpSpPr>
+        <p:cNvPr id="1" name=""/>
+        <p:cNvGrpSpPr/>
+        <p:nvPr/>
+      </p:nvGrpSpPr>
+      <p:grpSpPr>
+        <a:xfrm>
+          <a:off x="0" y="0"/>
+          <a:ext cx="0" cy="0"/>
+          <a:chOff x="0" y="0"/>
+          <a:chExt cx="0" cy="0"/>
+        </a:xfrm>
+      </p:grpSpPr>
+      <p:sp>
+        <p:nvSpPr>
+          <p:cNvPr id="2" name="Title 1">
+            <a:extLst>
+              <a:ext uri="{FF2B5EF4-FFF2-40B4-BE49-F238E27FC236}">
+                <a16:creationId xmlns:a16="http://schemas.microsoft.com/office/drawing/2014/main" id="{A3926BC3-A860-346A-4F58-1EE4C3E7FB0F}"/>
+              </a:ext>
+            </a:extLst>
+          </p:cNvPr>
+          <p:cNvSpPr>
+            <a:spLocks noGrp="1"/>
+          </p:cNvSpPr>
+          <p:nvPr>
+            <p:ph type="title"/>
+          </p:nvPr>
+        </p:nvSpPr>
+        <p:spPr/>
+        <p:txBody>
+          <a:bodyPr/>
+          <a:lstStyle/>
+          <a:p>
+            <a:r>
+              <a:rPr lang="en-US" dirty="0"/>
+              <a:t>Test conditions</a:t>
+            </a:r>
+          </a:p>
+        </p:txBody>
+      </p:sp>
+      <p:sp>
+        <p:nvSpPr>
+          <p:cNvPr id="3" name="TextBox 2">
+            <a:extLst>
+              <a:ext uri="{FF2B5EF4-FFF2-40B4-BE49-F238E27FC236}">
+                <a16:creationId xmlns:a16="http://schemas.microsoft.com/office/drawing/2014/main" id="{A00B5138-8D53-B196-C54A-B372D20698D0}"/>
+              </a:ext>
+            </a:extLst>
+          </p:cNvPr>
+          <p:cNvSpPr txBox="1"/>
+          <p:nvPr/>
+        </p:nvSpPr>
+        <p:spPr>
+          <a:xfrm>
+            <a:off x="1192695" y="2186609"/>
+            <a:ext cx="7026965" cy="1200329"/>
+          </a:xfrm>
+          <a:prstGeom prst="rect">
+            <a:avLst/>
+          </a:prstGeom>
+          <a:noFill/>
+        </p:spPr>
+        <p:txBody>
+          <a:bodyPr wrap="square" rtlCol="0">
+            <a:spAutoFit/>
+          </a:bodyPr>
+          <a:lstStyle/>
+          <a:p>
+            <a:r>
+              <a:rPr lang="en-US" dirty="0"/>
+              <a:t>Sigma = 0.05 c/nm2</a:t>
+            </a:r>
+          </a:p>
+          <a:p>
+            <a:r>
+              <a:rPr lang="en-US" dirty="0"/>
+              <a:t>Lx = 15 nm</a:t>
+            </a:r>
+          </a:p>
+          <a:p>
+            <a:r>
+              <a:rPr lang="en-US" dirty="0"/>
+              <a:t>Ly = 15 nm</a:t>
+            </a:r>
+          </a:p>
+          <a:p>
+            <a:r>
+              <a:rPr lang="en-US" dirty="0"/>
+              <a:t>dx = 0.4 nm</a:t>
+            </a:r>
+          </a:p>
+        </p:txBody>
+      </p:sp>
+      <p:sp>
+        <p:nvSpPr>
+          <p:cNvPr id="4" name="TextBox 3">
+            <a:extLst>
+              <a:ext uri="{FF2B5EF4-FFF2-40B4-BE49-F238E27FC236}">
+                <a16:creationId xmlns:a16="http://schemas.microsoft.com/office/drawing/2014/main" id="{431FD48E-52DE-AC6E-5D2D-A03BFCBE0CEE}"/>
+              </a:ext>
+            </a:extLst>
+          </p:cNvPr>
+          <p:cNvSpPr txBox="1"/>
+          <p:nvPr/>
+        </p:nvSpPr>
+        <p:spPr>
+          <a:xfrm>
+            <a:off x="1192694" y="3776869"/>
+            <a:ext cx="7026965" cy="1754326"/>
+          </a:xfrm>
+          <a:prstGeom prst="rect">
+            <a:avLst/>
+          </a:prstGeom>
+          <a:noFill/>
+        </p:spPr>
+        <p:txBody>
+          <a:bodyPr wrap="square" rtlCol="0">
+            <a:spAutoFit/>
+          </a:bodyPr>
+          <a:lstStyle/>
+          <a:p>
+            <a:r>
+              <a:rPr lang="en-US" dirty="0"/>
+              <a:t>Cast in terms of dx (for rounding and PBC for grafting points): </a:t>
+            </a:r>
+          </a:p>
+          <a:p>
+            <a:r>
+              <a:rPr lang="en-US" dirty="0"/>
+              <a:t>	Sigma = 0.0668 c/nm2</a:t>
+            </a:r>
+          </a:p>
+          <a:p>
+            <a:r>
+              <a:rPr lang="en-US" dirty="0"/>
+              <a:t>	Lx = 14.80 nm</a:t>
+            </a:r>
+          </a:p>
+          <a:p>
+            <a:r>
+              <a:rPr lang="en-US" dirty="0"/>
+              <a:t>	Ly = 11.20 nm</a:t>
+            </a:r>
+          </a:p>
+          <a:p>
+            <a:endParaRPr lang="en-US" dirty="0"/>
+          </a:p>
+          <a:p>
+            <a:r>
+              <a:rPr lang="en-US" dirty="0"/>
+              <a:t>(Sigma error decrease with dx)</a:t>
+            </a:r>
+          </a:p>
+        </p:txBody>
+      </p:sp>
+    </p:spTree>
+    <p:extLst>
+      <p:ext uri="{BB962C8B-B14F-4D97-AF65-F5344CB8AC3E}">
+        <p14:creationId xmlns:p14="http://schemas.microsoft.com/office/powerpoint/2010/main" val="782308025"/>
+      </p:ext>
+    </p:extLst>
+  </p:cSld>
+  <p:clrMapOvr>
+    <a:masterClrMapping/>
+  </p:clrMapOvr>
+</p:sld>
+</file>
+
+<file path=ppt/slides/slide8.xml><?xml version="1.0" encoding="utf-8"?>
+<p:sld xmlns:a="http://schemas.openxmlformats.org/drawingml/2006/main" xmlns:r="http://schemas.openxmlformats.org/officeDocument/2006/relationships" xmlns:p="http://schemas.openxmlformats.org/presentationml/2006/main">
+  <p:cSld>
+    <p:spTree>
+      <p:nvGrpSpPr>
+        <p:cNvPr id="1" name=""/>
+        <p:cNvGrpSpPr/>
+        <p:nvPr/>
+      </p:nvGrpSpPr>
+      <p:grpSpPr>
+        <a:xfrm>
+          <a:off x="0" y="0"/>
+          <a:ext cx="0" cy="0"/>
+          <a:chOff x="0" y="0"/>
+          <a:chExt cx="0" cy="0"/>
+        </a:xfrm>
+      </p:grpSpPr>
+      <p:pic>
+        <p:nvPicPr>
+          <p:cNvPr id="2" name="Picture 8">
+            <a:extLst>
+              <a:ext uri="{FF2B5EF4-FFF2-40B4-BE49-F238E27FC236}">
+                <a16:creationId xmlns:a16="http://schemas.microsoft.com/office/drawing/2014/main" id="{0942303E-AC1F-10F0-8287-CEA51A87AFA1}"/>
+              </a:ext>
+            </a:extLst>
+          </p:cNvPr>
+          <p:cNvPicPr>
+            <a:picLocks noChangeAspect="1" noChangeArrowheads="1"/>
+          </p:cNvPicPr>
+          <p:nvPr/>
+        </p:nvPicPr>
+        <p:blipFill>
+          <a:blip r:embed="rId2">
+            <a:extLst>
+              <a:ext uri="{28A0092B-C50C-407E-A947-70E740481C1C}">
+                <a14:useLocalDpi xmlns:a14="http://schemas.microsoft.com/office/drawing/2010/main" val="0"/>
+              </a:ext>
+            </a:extLst>
+          </a:blip>
+          <a:srcRect/>
+          <a:stretch>
+            <a:fillRect/>
+          </a:stretch>
+        </p:blipFill>
+        <p:spPr bwMode="auto">
+          <a:xfrm>
+            <a:off x="5292743" y="3203809"/>
+            <a:ext cx="3992646" cy="3472219"/>
+          </a:xfrm>
+          <a:prstGeom prst="rect">
+            <a:avLst/>
+          </a:prstGeom>
+          <a:noFill/>
+          <a:extLst>
+            <a:ext uri="{909E8E84-426E-40DD-AFC4-6F175D3DCCD1}">
+              <a14:hiddenFill xmlns:a14="http://schemas.microsoft.com/office/drawing/2010/main">
+                <a:solidFill>
+                  <a:srgbClr val="FFFFFF"/>
+                </a:solidFill>
+              </a14:hiddenFill>
+            </a:ext>
+          </a:extLst>
+        </p:spPr>
+      </p:pic>
+      <p:pic>
+        <p:nvPicPr>
+          <p:cNvPr id="3" name="Picture 8">
+            <a:extLst>
+              <a:ext uri="{FF2B5EF4-FFF2-40B4-BE49-F238E27FC236}">
+                <a16:creationId xmlns:a16="http://schemas.microsoft.com/office/drawing/2014/main" id="{3D1364F1-8E30-980B-97F9-DAB3A4D50979}"/>
+              </a:ext>
+            </a:extLst>
+          </p:cNvPr>
+          <p:cNvPicPr>
+            <a:picLocks noChangeAspect="1" noChangeArrowheads="1"/>
+          </p:cNvPicPr>
+          <p:nvPr/>
+        </p:nvPicPr>
+        <p:blipFill rotWithShape="1">
+          <a:blip r:embed="rId2">
+            <a:extLst>
+              <a:ext uri="{28A0092B-C50C-407E-A947-70E740481C1C}">
+                <a14:useLocalDpi xmlns:a14="http://schemas.microsoft.com/office/drawing/2010/main" val="0"/>
+              </a:ext>
+            </a:extLst>
+          </a:blip>
+          <a:srcRect r="1712"/>
+          <a:stretch/>
+        </p:blipFill>
+        <p:spPr bwMode="auto">
+          <a:xfrm>
+            <a:off x="1822262" y="256141"/>
+            <a:ext cx="3924300" cy="3472219"/>
+          </a:xfrm>
+          <a:prstGeom prst="rect">
+            <a:avLst/>
+          </a:prstGeom>
+          <a:noFill/>
+          <a:extLst>
+            <a:ext uri="{909E8E84-426E-40DD-AFC4-6F175D3DCCD1}">
+              <a14:hiddenFill xmlns:a14="http://schemas.microsoft.com/office/drawing/2010/main">
+                <a:solidFill>
+                  <a:srgbClr val="FFFFFF"/>
+                </a:solidFill>
+              </a14:hiddenFill>
+            </a:ext>
+          </a:extLst>
+        </p:spPr>
+      </p:pic>
+      <p:pic>
+        <p:nvPicPr>
+          <p:cNvPr id="5128" name="Picture 8">
+            <a:extLst>
+              <a:ext uri="{FF2B5EF4-FFF2-40B4-BE49-F238E27FC236}">
+                <a16:creationId xmlns:a16="http://schemas.microsoft.com/office/drawing/2014/main" id="{ED191988-4743-BC45-910E-FD3AAF0325D3}"/>
+              </a:ext>
+            </a:extLst>
+          </p:cNvPr>
+          <p:cNvPicPr>
+            <a:picLocks noChangeAspect="1" noChangeArrowheads="1"/>
+          </p:cNvPicPr>
+          <p:nvPr/>
+        </p:nvPicPr>
+        <p:blipFill rotWithShape="1">
+          <a:blip r:embed="rId2">
+            <a:extLst>
+              <a:ext uri="{28A0092B-C50C-407E-A947-70E740481C1C}">
+                <a14:useLocalDpi xmlns:a14="http://schemas.microsoft.com/office/drawing/2010/main" val="0"/>
+              </a:ext>
+            </a:extLst>
+          </a:blip>
+          <a:srcRect t="2462" r="1712"/>
+          <a:stretch/>
+        </p:blipFill>
+        <p:spPr bwMode="auto">
+          <a:xfrm>
+            <a:off x="1819275" y="3289300"/>
+            <a:ext cx="3924300" cy="3386729"/>
+          </a:xfrm>
+          <a:prstGeom prst="rect">
+            <a:avLst/>
+          </a:prstGeom>
+          <a:noFill/>
+          <a:extLst>
+            <a:ext uri="{909E8E84-426E-40DD-AFC4-6F175D3DCCD1}">
+              <a14:hiddenFill xmlns:a14="http://schemas.microsoft.com/office/drawing/2010/main">
+                <a:solidFill>
+                  <a:srgbClr val="FFFFFF"/>
+                </a:solidFill>
+              </a14:hiddenFill>
+            </a:ext>
+          </a:extLst>
+        </p:spPr>
+      </p:pic>
+      <p:sp>
+        <p:nvSpPr>
+          <p:cNvPr id="23" name="Hexagon 22">
+            <a:extLst>
+              <a:ext uri="{FF2B5EF4-FFF2-40B4-BE49-F238E27FC236}">
+                <a16:creationId xmlns:a16="http://schemas.microsoft.com/office/drawing/2014/main" id="{95F6E8AA-E51C-EF11-9603-A8A2058FEBC7}"/>
+              </a:ext>
+            </a:extLst>
+          </p:cNvPr>
+          <p:cNvSpPr>
+            <a:spLocks noChangeAspect="1"/>
+          </p:cNvSpPr>
+          <p:nvPr/>
+        </p:nvSpPr>
+        <p:spPr>
+          <a:xfrm>
+            <a:off x="1974615" y="2968935"/>
+            <a:ext cx="1101061" cy="949191"/>
+          </a:xfrm>
+          <a:prstGeom prst="hexagon">
+            <a:avLst/>
+          </a:prstGeom>
+          <a:noFill/>
+          <a:ln w="38100">
+            <a:solidFill>
+              <a:srgbClr val="C00000"/>
+            </a:solidFill>
+          </a:ln>
+        </p:spPr>
+        <p:style>
+          <a:lnRef idx="2">
+            <a:schemeClr val="accent1">
+              <a:shade val="15000"/>
+            </a:schemeClr>
+          </a:lnRef>
+          <a:fillRef idx="1">
+            <a:schemeClr val="accent1"/>
+          </a:fillRef>
+          <a:effectRef idx="0">
+            <a:schemeClr val="accent1"/>
+          </a:effectRef>
+          <a:fontRef idx="minor">
+            <a:schemeClr val="lt1"/>
+          </a:fontRef>
+        </p:style>
+        <p:txBody>
+          <a:bodyPr rtlCol="0" anchor="ctr"/>
+          <a:lstStyle/>
+          <a:p>
+            <a:pPr algn="ctr"/>
+            <a:endParaRPr lang="en-US" dirty="0"/>
+          </a:p>
+        </p:txBody>
+      </p:sp>
+      <p:sp>
+        <p:nvSpPr>
+          <p:cNvPr id="24" name="Hexagon 23">
+            <a:extLst>
+              <a:ext uri="{FF2B5EF4-FFF2-40B4-BE49-F238E27FC236}">
+                <a16:creationId xmlns:a16="http://schemas.microsoft.com/office/drawing/2014/main" id="{E2137AB5-84C0-9474-6105-2C763501D3BA}"/>
+              </a:ext>
+            </a:extLst>
+          </p:cNvPr>
+          <p:cNvSpPr>
+            <a:spLocks noChangeAspect="1"/>
+          </p:cNvSpPr>
+          <p:nvPr/>
+        </p:nvSpPr>
+        <p:spPr>
+          <a:xfrm>
+            <a:off x="1967472" y="3921109"/>
+            <a:ext cx="1101061" cy="949191"/>
+          </a:xfrm>
+          <a:prstGeom prst="hexagon">
+            <a:avLst/>
+          </a:prstGeom>
+          <a:noFill/>
+          <a:ln w="38100">
+            <a:solidFill>
+              <a:srgbClr val="C00000"/>
+            </a:solidFill>
+          </a:ln>
+        </p:spPr>
+        <p:style>
+          <a:lnRef idx="2">
+            <a:schemeClr val="accent1">
+              <a:shade val="15000"/>
+            </a:schemeClr>
+          </a:lnRef>
+          <a:fillRef idx="1">
+            <a:schemeClr val="accent1"/>
+          </a:fillRef>
+          <a:effectRef idx="0">
+            <a:schemeClr val="accent1"/>
+          </a:effectRef>
+          <a:fontRef idx="minor">
+            <a:schemeClr val="lt1"/>
+          </a:fontRef>
+        </p:style>
+        <p:txBody>
+          <a:bodyPr rtlCol="0" anchor="ctr"/>
+          <a:lstStyle/>
+          <a:p>
+            <a:pPr algn="ctr"/>
+            <a:endParaRPr lang="en-US" dirty="0"/>
+          </a:p>
+        </p:txBody>
+      </p:sp>
+      <p:sp>
+        <p:nvSpPr>
+          <p:cNvPr id="25" name="Hexagon 24">
+            <a:extLst>
+              <a:ext uri="{FF2B5EF4-FFF2-40B4-BE49-F238E27FC236}">
+                <a16:creationId xmlns:a16="http://schemas.microsoft.com/office/drawing/2014/main" id="{F8C810D5-5537-7B6D-B440-1268350AA201}"/>
+              </a:ext>
+            </a:extLst>
+          </p:cNvPr>
+          <p:cNvSpPr>
+            <a:spLocks noChangeAspect="1"/>
+          </p:cNvSpPr>
+          <p:nvPr/>
+        </p:nvSpPr>
+        <p:spPr>
+          <a:xfrm>
+            <a:off x="1967472" y="4865749"/>
+            <a:ext cx="1101061" cy="949191"/>
+          </a:xfrm>
+          <a:prstGeom prst="hexagon">
+            <a:avLst/>
+          </a:prstGeom>
+          <a:noFill/>
+          <a:ln w="38100">
+            <a:solidFill>
+              <a:srgbClr val="C00000"/>
+            </a:solidFill>
+          </a:ln>
+        </p:spPr>
+        <p:style>
+          <a:lnRef idx="2">
+            <a:schemeClr val="accent1">
+              <a:shade val="15000"/>
+            </a:schemeClr>
+          </a:lnRef>
+          <a:fillRef idx="1">
+            <a:schemeClr val="accent1"/>
+          </a:fillRef>
+          <a:effectRef idx="0">
+            <a:schemeClr val="accent1"/>
+          </a:effectRef>
+          <a:fontRef idx="minor">
+            <a:schemeClr val="lt1"/>
+          </a:fontRef>
+        </p:style>
+        <p:txBody>
+          <a:bodyPr rtlCol="0" anchor="ctr"/>
+          <a:lstStyle/>
+          <a:p>
+            <a:pPr algn="ctr"/>
+            <a:endParaRPr lang="en-US" dirty="0"/>
+          </a:p>
+        </p:txBody>
+      </p:sp>
+      <p:sp>
+        <p:nvSpPr>
+          <p:cNvPr id="26" name="Hexagon 25">
+            <a:extLst>
+              <a:ext uri="{FF2B5EF4-FFF2-40B4-BE49-F238E27FC236}">
+                <a16:creationId xmlns:a16="http://schemas.microsoft.com/office/drawing/2014/main" id="{F77599D8-7767-A82D-07AA-3FB63B9BFD14}"/>
+              </a:ext>
+            </a:extLst>
+          </p:cNvPr>
+          <p:cNvSpPr>
+            <a:spLocks noChangeAspect="1"/>
+          </p:cNvSpPr>
+          <p:nvPr/>
+        </p:nvSpPr>
+        <p:spPr>
+          <a:xfrm>
+            <a:off x="2834107" y="5342618"/>
+            <a:ext cx="1101061" cy="949191"/>
+          </a:xfrm>
+          <a:prstGeom prst="hexagon">
+            <a:avLst/>
+          </a:prstGeom>
+          <a:noFill/>
+          <a:ln w="38100">
+            <a:solidFill>
+              <a:srgbClr val="C00000"/>
+            </a:solidFill>
+          </a:ln>
+        </p:spPr>
+        <p:style>
+          <a:lnRef idx="2">
+            <a:schemeClr val="accent1">
+              <a:shade val="15000"/>
+            </a:schemeClr>
+          </a:lnRef>
+          <a:fillRef idx="1">
+            <a:schemeClr val="accent1"/>
+          </a:fillRef>
+          <a:effectRef idx="0">
+            <a:schemeClr val="accent1"/>
+          </a:effectRef>
+          <a:fontRef idx="minor">
+            <a:schemeClr val="lt1"/>
+          </a:fontRef>
+        </p:style>
+        <p:txBody>
+          <a:bodyPr rtlCol="0" anchor="ctr"/>
+          <a:lstStyle/>
+          <a:p>
+            <a:pPr algn="ctr"/>
+            <a:endParaRPr lang="en-US" dirty="0"/>
+          </a:p>
+        </p:txBody>
+      </p:sp>
+      <p:sp>
+        <p:nvSpPr>
+          <p:cNvPr id="27" name="Hexagon 26">
+            <a:extLst>
+              <a:ext uri="{FF2B5EF4-FFF2-40B4-BE49-F238E27FC236}">
+                <a16:creationId xmlns:a16="http://schemas.microsoft.com/office/drawing/2014/main" id="{EDA58312-BC6C-10CE-D676-1A55FABD2974}"/>
+              </a:ext>
+            </a:extLst>
+          </p:cNvPr>
+          <p:cNvSpPr>
+            <a:spLocks noChangeAspect="1"/>
+          </p:cNvSpPr>
+          <p:nvPr/>
+        </p:nvSpPr>
+        <p:spPr>
+          <a:xfrm>
+            <a:off x="2834107" y="4397196"/>
+            <a:ext cx="1101061" cy="949191"/>
+          </a:xfrm>
+          <a:prstGeom prst="hexagon">
+            <a:avLst/>
+          </a:prstGeom>
+          <a:noFill/>
+          <a:ln w="38100">
+            <a:solidFill>
+              <a:srgbClr val="C00000"/>
+            </a:solidFill>
+          </a:ln>
+        </p:spPr>
+        <p:style>
+          <a:lnRef idx="2">
+            <a:schemeClr val="accent1">
+              <a:shade val="15000"/>
+            </a:schemeClr>
+          </a:lnRef>
+          <a:fillRef idx="1">
+            <a:schemeClr val="accent1"/>
+          </a:fillRef>
+          <a:effectRef idx="0">
+            <a:schemeClr val="accent1"/>
+          </a:effectRef>
+          <a:fontRef idx="minor">
+            <a:schemeClr val="lt1"/>
+          </a:fontRef>
+        </p:style>
+        <p:txBody>
+          <a:bodyPr rtlCol="0" anchor="ctr"/>
+          <a:lstStyle/>
+          <a:p>
+            <a:pPr algn="ctr"/>
+            <a:endParaRPr lang="en-US" dirty="0"/>
+          </a:p>
+        </p:txBody>
+      </p:sp>
+      <p:sp>
+        <p:nvSpPr>
+          <p:cNvPr id="28" name="Hexagon 27">
+            <a:extLst>
+              <a:ext uri="{FF2B5EF4-FFF2-40B4-BE49-F238E27FC236}">
+                <a16:creationId xmlns:a16="http://schemas.microsoft.com/office/drawing/2014/main" id="{500312F3-E150-1BF6-8E03-C5E66745B1B5}"/>
+              </a:ext>
+            </a:extLst>
+          </p:cNvPr>
+          <p:cNvSpPr>
+            <a:spLocks noChangeAspect="1"/>
+          </p:cNvSpPr>
+          <p:nvPr/>
+        </p:nvSpPr>
+        <p:spPr>
+          <a:xfrm>
+            <a:off x="2834107" y="3451775"/>
+            <a:ext cx="1101061" cy="949191"/>
+          </a:xfrm>
+          <a:prstGeom prst="hexagon">
+            <a:avLst/>
+          </a:prstGeom>
+          <a:noFill/>
+          <a:ln w="38100">
+            <a:solidFill>
+              <a:srgbClr val="C00000"/>
+            </a:solidFill>
+          </a:ln>
+        </p:spPr>
+        <p:style>
+          <a:lnRef idx="2">
+            <a:schemeClr val="accent1">
+              <a:shade val="15000"/>
+            </a:schemeClr>
+          </a:lnRef>
+          <a:fillRef idx="1">
+            <a:schemeClr val="accent1"/>
+          </a:fillRef>
+          <a:effectRef idx="0">
+            <a:schemeClr val="accent1"/>
+          </a:effectRef>
+          <a:fontRef idx="minor">
+            <a:schemeClr val="lt1"/>
+          </a:fontRef>
+        </p:style>
+        <p:txBody>
+          <a:bodyPr rtlCol="0" anchor="ctr"/>
+          <a:lstStyle/>
+          <a:p>
+            <a:pPr algn="ctr"/>
+            <a:endParaRPr lang="en-US" dirty="0"/>
+          </a:p>
+        </p:txBody>
+      </p:sp>
+      <p:sp>
+        <p:nvSpPr>
+          <p:cNvPr id="29" name="Hexagon 28">
+            <a:extLst>
+              <a:ext uri="{FF2B5EF4-FFF2-40B4-BE49-F238E27FC236}">
+                <a16:creationId xmlns:a16="http://schemas.microsoft.com/office/drawing/2014/main" id="{15731913-8430-CCBF-E728-912DD1051C0A}"/>
+              </a:ext>
+            </a:extLst>
+          </p:cNvPr>
+          <p:cNvSpPr>
+            <a:spLocks noChangeAspect="1"/>
+          </p:cNvSpPr>
+          <p:nvPr/>
+        </p:nvSpPr>
+        <p:spPr>
+          <a:xfrm>
+            <a:off x="3693601" y="2976254"/>
+            <a:ext cx="1101061" cy="949191"/>
+          </a:xfrm>
+          <a:prstGeom prst="hexagon">
+            <a:avLst/>
+          </a:prstGeom>
+          <a:noFill/>
+          <a:ln w="38100">
+            <a:solidFill>
+              <a:srgbClr val="C00000"/>
+            </a:solidFill>
+          </a:ln>
+        </p:spPr>
+        <p:style>
+          <a:lnRef idx="2">
+            <a:schemeClr val="accent1">
+              <a:shade val="15000"/>
+            </a:schemeClr>
+          </a:lnRef>
+          <a:fillRef idx="1">
+            <a:schemeClr val="accent1"/>
+          </a:fillRef>
+          <a:effectRef idx="0">
+            <a:schemeClr val="accent1"/>
+          </a:effectRef>
+          <a:fontRef idx="minor">
+            <a:schemeClr val="lt1"/>
+          </a:fontRef>
+        </p:style>
+        <p:txBody>
+          <a:bodyPr rtlCol="0" anchor="ctr"/>
+          <a:lstStyle/>
+          <a:p>
+            <a:pPr algn="ctr"/>
+            <a:endParaRPr lang="en-US" dirty="0"/>
+          </a:p>
+        </p:txBody>
+      </p:sp>
+      <p:sp>
+        <p:nvSpPr>
+          <p:cNvPr id="30" name="Hexagon 29">
+            <a:extLst>
+              <a:ext uri="{FF2B5EF4-FFF2-40B4-BE49-F238E27FC236}">
+                <a16:creationId xmlns:a16="http://schemas.microsoft.com/office/drawing/2014/main" id="{FE4743FE-6712-EBB0-A5C5-B2274FF5C4DC}"/>
+              </a:ext>
+            </a:extLst>
+          </p:cNvPr>
+          <p:cNvSpPr>
+            <a:spLocks noChangeAspect="1"/>
+          </p:cNvSpPr>
+          <p:nvPr/>
+        </p:nvSpPr>
+        <p:spPr>
+          <a:xfrm>
+            <a:off x="3687238" y="3934484"/>
+            <a:ext cx="1101061" cy="949191"/>
+          </a:xfrm>
+          <a:prstGeom prst="hexagon">
+            <a:avLst/>
+          </a:prstGeom>
+          <a:noFill/>
+          <a:ln w="38100">
+            <a:solidFill>
+              <a:srgbClr val="C00000"/>
+            </a:solidFill>
+          </a:ln>
+        </p:spPr>
+        <p:style>
+          <a:lnRef idx="2">
+            <a:schemeClr val="accent1">
+              <a:shade val="15000"/>
+            </a:schemeClr>
+          </a:lnRef>
+          <a:fillRef idx="1">
+            <a:schemeClr val="accent1"/>
+          </a:fillRef>
+          <a:effectRef idx="0">
+            <a:schemeClr val="accent1"/>
+          </a:effectRef>
+          <a:fontRef idx="minor">
+            <a:schemeClr val="lt1"/>
+          </a:fontRef>
+        </p:style>
+        <p:txBody>
+          <a:bodyPr rtlCol="0" anchor="ctr"/>
+          <a:lstStyle/>
+          <a:p>
+            <a:pPr algn="ctr"/>
+            <a:endParaRPr lang="en-US" dirty="0"/>
+          </a:p>
+        </p:txBody>
+      </p:sp>
+      <p:sp>
+        <p:nvSpPr>
+          <p:cNvPr id="40" name="Hexagon 39">
+            <a:extLst>
+              <a:ext uri="{FF2B5EF4-FFF2-40B4-BE49-F238E27FC236}">
+                <a16:creationId xmlns:a16="http://schemas.microsoft.com/office/drawing/2014/main" id="{F03E2C1C-BF9A-D1A4-AB96-44B915D89168}"/>
+              </a:ext>
+            </a:extLst>
+          </p:cNvPr>
+          <p:cNvSpPr>
+            <a:spLocks noChangeAspect="1"/>
+          </p:cNvSpPr>
+          <p:nvPr/>
+        </p:nvSpPr>
+        <p:spPr>
+          <a:xfrm>
+            <a:off x="4550589" y="3458860"/>
+            <a:ext cx="1101061" cy="949191"/>
+          </a:xfrm>
+          <a:prstGeom prst="hexagon">
+            <a:avLst/>
+          </a:prstGeom>
+          <a:noFill/>
+          <a:ln w="38100">
+            <a:solidFill>
+              <a:srgbClr val="C00000"/>
+            </a:solidFill>
+          </a:ln>
+        </p:spPr>
+        <p:style>
+          <a:lnRef idx="2">
+            <a:schemeClr val="accent1">
+              <a:shade val="15000"/>
+            </a:schemeClr>
+          </a:lnRef>
+          <a:fillRef idx="1">
+            <a:schemeClr val="accent1"/>
+          </a:fillRef>
+          <a:effectRef idx="0">
+            <a:schemeClr val="accent1"/>
+          </a:effectRef>
+          <a:fontRef idx="minor">
+            <a:schemeClr val="lt1"/>
+          </a:fontRef>
+        </p:style>
+        <p:txBody>
+          <a:bodyPr rtlCol="0" anchor="ctr"/>
+          <a:lstStyle/>
+          <a:p>
+            <a:pPr algn="ctr"/>
+            <a:endParaRPr lang="en-US" dirty="0"/>
+          </a:p>
+        </p:txBody>
+      </p:sp>
+      <p:sp>
+        <p:nvSpPr>
+          <p:cNvPr id="41" name="Hexagon 40">
+            <a:extLst>
+              <a:ext uri="{FF2B5EF4-FFF2-40B4-BE49-F238E27FC236}">
+                <a16:creationId xmlns:a16="http://schemas.microsoft.com/office/drawing/2014/main" id="{AA13D11E-D161-07F1-337A-0439DE47625A}"/>
+              </a:ext>
+            </a:extLst>
+          </p:cNvPr>
+          <p:cNvSpPr>
+            <a:spLocks noChangeAspect="1"/>
+          </p:cNvSpPr>
+          <p:nvPr/>
+        </p:nvSpPr>
+        <p:spPr>
+          <a:xfrm>
+            <a:off x="4550589" y="4411034"/>
+            <a:ext cx="1101061" cy="949191"/>
+          </a:xfrm>
+          <a:prstGeom prst="hexagon">
+            <a:avLst/>
+          </a:prstGeom>
+          <a:noFill/>
+          <a:ln w="38100">
+            <a:solidFill>
+              <a:srgbClr val="C00000"/>
+            </a:solidFill>
+          </a:ln>
+        </p:spPr>
+        <p:style>
+          <a:lnRef idx="2">
+            <a:schemeClr val="accent1">
+              <a:shade val="15000"/>
+            </a:schemeClr>
+          </a:lnRef>
+          <a:fillRef idx="1">
+            <a:schemeClr val="accent1"/>
+          </a:fillRef>
+          <a:effectRef idx="0">
+            <a:schemeClr val="accent1"/>
+          </a:effectRef>
+          <a:fontRef idx="minor">
+            <a:schemeClr val="lt1"/>
+          </a:fontRef>
+        </p:style>
+        <p:txBody>
+          <a:bodyPr rtlCol="0" anchor="ctr"/>
+          <a:lstStyle/>
+          <a:p>
+            <a:pPr algn="ctr"/>
+            <a:endParaRPr lang="en-US" dirty="0"/>
+          </a:p>
+        </p:txBody>
+      </p:sp>
+      <p:sp>
+        <p:nvSpPr>
+          <p:cNvPr id="42" name="Hexagon 41">
+            <a:extLst>
+              <a:ext uri="{FF2B5EF4-FFF2-40B4-BE49-F238E27FC236}">
+                <a16:creationId xmlns:a16="http://schemas.microsoft.com/office/drawing/2014/main" id="{37E2AD43-8C0F-AE4E-73F5-2ADF3F4328B5}"/>
+              </a:ext>
+            </a:extLst>
+          </p:cNvPr>
+          <p:cNvSpPr>
+            <a:spLocks noChangeAspect="1"/>
+          </p:cNvSpPr>
+          <p:nvPr/>
+        </p:nvSpPr>
+        <p:spPr>
+          <a:xfrm>
+            <a:off x="4550589" y="5369961"/>
+            <a:ext cx="1101061" cy="949191"/>
+          </a:xfrm>
+          <a:prstGeom prst="hexagon">
+            <a:avLst/>
+          </a:prstGeom>
+          <a:noFill/>
+          <a:ln w="38100">
+            <a:solidFill>
+              <a:srgbClr val="C00000"/>
+            </a:solidFill>
+          </a:ln>
+        </p:spPr>
+        <p:style>
+          <a:lnRef idx="2">
+            <a:schemeClr val="accent1">
+              <a:shade val="15000"/>
+            </a:schemeClr>
+          </a:lnRef>
+          <a:fillRef idx="1">
+            <a:schemeClr val="accent1"/>
+          </a:fillRef>
+          <a:effectRef idx="0">
+            <a:schemeClr val="accent1"/>
+          </a:effectRef>
+          <a:fontRef idx="minor">
+            <a:schemeClr val="lt1"/>
+          </a:fontRef>
+        </p:style>
+        <p:txBody>
+          <a:bodyPr rtlCol="0" anchor="ctr"/>
+          <a:lstStyle/>
+          <a:p>
+            <a:pPr algn="ctr"/>
+            <a:endParaRPr lang="en-US" dirty="0"/>
+          </a:p>
+        </p:txBody>
+      </p:sp>
+      <p:sp>
+        <p:nvSpPr>
+          <p:cNvPr id="49" name="Hexagon 48">
+            <a:extLst>
+              <a:ext uri="{FF2B5EF4-FFF2-40B4-BE49-F238E27FC236}">
+                <a16:creationId xmlns:a16="http://schemas.microsoft.com/office/drawing/2014/main" id="{6DED218D-3761-F049-ADDA-F96E065614EC}"/>
+              </a:ext>
+            </a:extLst>
+          </p:cNvPr>
+          <p:cNvSpPr>
+            <a:spLocks noChangeAspect="1"/>
+          </p:cNvSpPr>
+          <p:nvPr/>
+        </p:nvSpPr>
+        <p:spPr>
+          <a:xfrm>
+            <a:off x="3694322" y="4877619"/>
+            <a:ext cx="1101061" cy="949191"/>
+          </a:xfrm>
+          <a:prstGeom prst="hexagon">
+            <a:avLst/>
+          </a:prstGeom>
+          <a:noFill/>
+          <a:ln w="38100">
+            <a:solidFill>
+              <a:srgbClr val="C00000"/>
+            </a:solidFill>
+          </a:ln>
+        </p:spPr>
+        <p:style>
+          <a:lnRef idx="2">
+            <a:schemeClr val="accent1">
+              <a:shade val="15000"/>
+            </a:schemeClr>
+          </a:lnRef>
+          <a:fillRef idx="1">
+            <a:schemeClr val="accent1"/>
+          </a:fillRef>
+          <a:effectRef idx="0">
+            <a:schemeClr val="accent1"/>
+          </a:effectRef>
+          <a:fontRef idx="minor">
+            <a:schemeClr val="lt1"/>
+          </a:fontRef>
+        </p:style>
+        <p:txBody>
+          <a:bodyPr rtlCol="0" anchor="ctr"/>
+          <a:lstStyle/>
+          <a:p>
+            <a:pPr algn="ctr"/>
+            <a:endParaRPr lang="en-US" dirty="0"/>
+          </a:p>
+        </p:txBody>
+      </p:sp>
+      <p:sp>
+        <p:nvSpPr>
+          <p:cNvPr id="1025" name="Hexagon 1024">
+            <a:extLst>
+              <a:ext uri="{FF2B5EF4-FFF2-40B4-BE49-F238E27FC236}">
+                <a16:creationId xmlns:a16="http://schemas.microsoft.com/office/drawing/2014/main" id="{C7930FA0-BB84-E8BC-6F55-86DC44EB1517}"/>
+              </a:ext>
+            </a:extLst>
+          </p:cNvPr>
+          <p:cNvSpPr>
+            <a:spLocks noChangeAspect="1"/>
+          </p:cNvSpPr>
+          <p:nvPr/>
+        </p:nvSpPr>
+        <p:spPr>
+          <a:xfrm>
+            <a:off x="5426874" y="2968935"/>
+            <a:ext cx="1101061" cy="949191"/>
+          </a:xfrm>
+          <a:prstGeom prst="hexagon">
+            <a:avLst/>
+          </a:prstGeom>
+          <a:noFill/>
+          <a:ln w="38100">
+            <a:solidFill>
+              <a:srgbClr val="C00000"/>
+            </a:solidFill>
+          </a:ln>
+        </p:spPr>
+        <p:style>
+          <a:lnRef idx="2">
+            <a:schemeClr val="accent1">
+              <a:shade val="15000"/>
+            </a:schemeClr>
+          </a:lnRef>
+          <a:fillRef idx="1">
+            <a:schemeClr val="accent1"/>
+          </a:fillRef>
+          <a:effectRef idx="0">
+            <a:schemeClr val="accent1"/>
+          </a:effectRef>
+          <a:fontRef idx="minor">
+            <a:schemeClr val="lt1"/>
+          </a:fontRef>
+        </p:style>
+        <p:txBody>
+          <a:bodyPr rtlCol="0" anchor="ctr"/>
+          <a:lstStyle/>
+          <a:p>
+            <a:pPr algn="ctr"/>
+            <a:endParaRPr lang="en-US" dirty="0"/>
+          </a:p>
+        </p:txBody>
+      </p:sp>
+      <p:sp>
+        <p:nvSpPr>
+          <p:cNvPr id="1027" name="Hexagon 1026">
+            <a:extLst>
+              <a:ext uri="{FF2B5EF4-FFF2-40B4-BE49-F238E27FC236}">
+                <a16:creationId xmlns:a16="http://schemas.microsoft.com/office/drawing/2014/main" id="{07BAD851-770C-F9A5-118E-93F5FFB185A8}"/>
+              </a:ext>
+            </a:extLst>
+          </p:cNvPr>
+          <p:cNvSpPr>
+            <a:spLocks noChangeAspect="1"/>
+          </p:cNvSpPr>
+          <p:nvPr/>
+        </p:nvSpPr>
+        <p:spPr>
+          <a:xfrm>
+            <a:off x="5419730" y="3921109"/>
+            <a:ext cx="1101061" cy="949191"/>
+          </a:xfrm>
+          <a:prstGeom prst="hexagon">
+            <a:avLst/>
+          </a:prstGeom>
+          <a:noFill/>
+          <a:ln w="38100">
+            <a:solidFill>
+              <a:srgbClr val="C00000"/>
+            </a:solidFill>
+          </a:ln>
+        </p:spPr>
+        <p:style>
+          <a:lnRef idx="2">
+            <a:schemeClr val="accent1">
+              <a:shade val="15000"/>
+            </a:schemeClr>
+          </a:lnRef>
+          <a:fillRef idx="1">
+            <a:schemeClr val="accent1"/>
+          </a:fillRef>
+          <a:effectRef idx="0">
+            <a:schemeClr val="accent1"/>
+          </a:effectRef>
+          <a:fontRef idx="minor">
+            <a:schemeClr val="lt1"/>
+          </a:fontRef>
+        </p:style>
+        <p:txBody>
+          <a:bodyPr rtlCol="0" anchor="ctr"/>
+          <a:lstStyle/>
+          <a:p>
+            <a:pPr algn="ctr"/>
+            <a:endParaRPr lang="en-US" dirty="0"/>
+          </a:p>
+        </p:txBody>
+      </p:sp>
+      <p:sp>
+        <p:nvSpPr>
+          <p:cNvPr id="1029" name="Hexagon 1028">
+            <a:extLst>
+              <a:ext uri="{FF2B5EF4-FFF2-40B4-BE49-F238E27FC236}">
+                <a16:creationId xmlns:a16="http://schemas.microsoft.com/office/drawing/2014/main" id="{D632B0F6-85EB-24F7-7939-C500C21C0D9E}"/>
+              </a:ext>
+            </a:extLst>
+          </p:cNvPr>
+          <p:cNvSpPr>
+            <a:spLocks noChangeAspect="1"/>
+          </p:cNvSpPr>
+          <p:nvPr/>
+        </p:nvSpPr>
+        <p:spPr>
+          <a:xfrm>
+            <a:off x="5419730" y="4865749"/>
+            <a:ext cx="1101061" cy="949191"/>
+          </a:xfrm>
+          <a:prstGeom prst="hexagon">
+            <a:avLst/>
+          </a:prstGeom>
+          <a:noFill/>
+          <a:ln w="38100">
+            <a:solidFill>
+              <a:srgbClr val="C00000"/>
+            </a:solidFill>
+          </a:ln>
+        </p:spPr>
+        <p:style>
+          <a:lnRef idx="2">
+            <a:schemeClr val="accent1">
+              <a:shade val="15000"/>
+            </a:schemeClr>
+          </a:lnRef>
+          <a:fillRef idx="1">
+            <a:schemeClr val="accent1"/>
+          </a:fillRef>
+          <a:effectRef idx="0">
+            <a:schemeClr val="accent1"/>
+          </a:effectRef>
+          <a:fontRef idx="minor">
+            <a:schemeClr val="lt1"/>
+          </a:fontRef>
+        </p:style>
+        <p:txBody>
+          <a:bodyPr rtlCol="0" anchor="ctr"/>
+          <a:lstStyle/>
+          <a:p>
+            <a:pPr algn="ctr"/>
+            <a:endParaRPr lang="en-US" dirty="0"/>
+          </a:p>
+        </p:txBody>
+      </p:sp>
+      <p:sp>
+        <p:nvSpPr>
+          <p:cNvPr id="1030" name="Hexagon 1029">
+            <a:extLst>
+              <a:ext uri="{FF2B5EF4-FFF2-40B4-BE49-F238E27FC236}">
+                <a16:creationId xmlns:a16="http://schemas.microsoft.com/office/drawing/2014/main" id="{94B24927-43D8-1C74-168D-351ED75387C9}"/>
+              </a:ext>
+            </a:extLst>
+          </p:cNvPr>
+          <p:cNvSpPr>
+            <a:spLocks noChangeAspect="1"/>
+          </p:cNvSpPr>
+          <p:nvPr/>
+        </p:nvSpPr>
+        <p:spPr>
+          <a:xfrm>
+            <a:off x="6286366" y="5342618"/>
+            <a:ext cx="1101061" cy="949191"/>
+          </a:xfrm>
+          <a:prstGeom prst="hexagon">
+            <a:avLst/>
+          </a:prstGeom>
+          <a:noFill/>
+          <a:ln w="38100">
+            <a:solidFill>
+              <a:srgbClr val="C00000"/>
+            </a:solidFill>
+          </a:ln>
+        </p:spPr>
+        <p:style>
+          <a:lnRef idx="2">
+            <a:schemeClr val="accent1">
+              <a:shade val="15000"/>
+            </a:schemeClr>
+          </a:lnRef>
+          <a:fillRef idx="1">
+            <a:schemeClr val="accent1"/>
+          </a:fillRef>
+          <a:effectRef idx="0">
+            <a:schemeClr val="accent1"/>
+          </a:effectRef>
+          <a:fontRef idx="minor">
+            <a:schemeClr val="lt1"/>
+          </a:fontRef>
+        </p:style>
+        <p:txBody>
+          <a:bodyPr rtlCol="0" anchor="ctr"/>
+          <a:lstStyle/>
+          <a:p>
+            <a:pPr algn="ctr"/>
+            <a:endParaRPr lang="en-US" dirty="0"/>
+          </a:p>
+        </p:txBody>
+      </p:sp>
+      <p:sp>
+        <p:nvSpPr>
+          <p:cNvPr id="1031" name="Hexagon 1030">
+            <a:extLst>
+              <a:ext uri="{FF2B5EF4-FFF2-40B4-BE49-F238E27FC236}">
+                <a16:creationId xmlns:a16="http://schemas.microsoft.com/office/drawing/2014/main" id="{3DB7BA57-7A0A-69E4-2AF2-2C4D8F441114}"/>
+              </a:ext>
+            </a:extLst>
+          </p:cNvPr>
+          <p:cNvSpPr>
+            <a:spLocks noChangeAspect="1"/>
+          </p:cNvSpPr>
+          <p:nvPr/>
+        </p:nvSpPr>
+        <p:spPr>
+          <a:xfrm>
+            <a:off x="6286366" y="4397196"/>
+            <a:ext cx="1101061" cy="949191"/>
+          </a:xfrm>
+          <a:prstGeom prst="hexagon">
+            <a:avLst/>
+          </a:prstGeom>
+          <a:noFill/>
+          <a:ln w="38100">
+            <a:solidFill>
+              <a:srgbClr val="C00000"/>
+            </a:solidFill>
+          </a:ln>
+        </p:spPr>
+        <p:style>
+          <a:lnRef idx="2">
+            <a:schemeClr val="accent1">
+              <a:shade val="15000"/>
+            </a:schemeClr>
+          </a:lnRef>
+          <a:fillRef idx="1">
+            <a:schemeClr val="accent1"/>
+          </a:fillRef>
+          <a:effectRef idx="0">
+            <a:schemeClr val="accent1"/>
+          </a:effectRef>
+          <a:fontRef idx="minor">
+            <a:schemeClr val="lt1"/>
+          </a:fontRef>
+        </p:style>
+        <p:txBody>
+          <a:bodyPr rtlCol="0" anchor="ctr"/>
+          <a:lstStyle/>
+          <a:p>
+            <a:pPr algn="ctr"/>
+            <a:endParaRPr lang="en-US" dirty="0"/>
+          </a:p>
+        </p:txBody>
+      </p:sp>
+      <p:sp>
+        <p:nvSpPr>
+          <p:cNvPr id="1032" name="Hexagon 1031">
+            <a:extLst>
+              <a:ext uri="{FF2B5EF4-FFF2-40B4-BE49-F238E27FC236}">
+                <a16:creationId xmlns:a16="http://schemas.microsoft.com/office/drawing/2014/main" id="{C03011F2-1859-3E52-FEC8-55F61BD5FFF3}"/>
+              </a:ext>
+            </a:extLst>
+          </p:cNvPr>
+          <p:cNvSpPr>
+            <a:spLocks noChangeAspect="1"/>
+          </p:cNvSpPr>
+          <p:nvPr/>
+        </p:nvSpPr>
+        <p:spPr>
+          <a:xfrm>
+            <a:off x="6286366" y="3451775"/>
+            <a:ext cx="1101061" cy="949191"/>
+          </a:xfrm>
+          <a:prstGeom prst="hexagon">
+            <a:avLst/>
+          </a:prstGeom>
+          <a:noFill/>
+          <a:ln w="38100">
+            <a:solidFill>
+              <a:srgbClr val="C00000"/>
+            </a:solidFill>
+          </a:ln>
+        </p:spPr>
+        <p:style>
+          <a:lnRef idx="2">
+            <a:schemeClr val="accent1">
+              <a:shade val="15000"/>
+            </a:schemeClr>
+          </a:lnRef>
+          <a:fillRef idx="1">
+            <a:schemeClr val="accent1"/>
+          </a:fillRef>
+          <a:effectRef idx="0">
+            <a:schemeClr val="accent1"/>
+          </a:effectRef>
+          <a:fontRef idx="minor">
+            <a:schemeClr val="lt1"/>
+          </a:fontRef>
+        </p:style>
+        <p:txBody>
+          <a:bodyPr rtlCol="0" anchor="ctr"/>
+          <a:lstStyle/>
+          <a:p>
+            <a:pPr algn="ctr"/>
+            <a:endParaRPr lang="en-US" dirty="0"/>
+          </a:p>
+        </p:txBody>
+      </p:sp>
+      <p:sp>
+        <p:nvSpPr>
+          <p:cNvPr id="1033" name="Hexagon 1032">
+            <a:extLst>
+              <a:ext uri="{FF2B5EF4-FFF2-40B4-BE49-F238E27FC236}">
+                <a16:creationId xmlns:a16="http://schemas.microsoft.com/office/drawing/2014/main" id="{AE75FE7B-A81B-2956-56D7-45F8EB881D36}"/>
+              </a:ext>
+            </a:extLst>
+          </p:cNvPr>
+          <p:cNvSpPr>
+            <a:spLocks noChangeAspect="1"/>
+          </p:cNvSpPr>
+          <p:nvPr/>
+        </p:nvSpPr>
+        <p:spPr>
+          <a:xfrm>
+            <a:off x="7145860" y="2976253"/>
+            <a:ext cx="1101061" cy="949191"/>
+          </a:xfrm>
+          <a:prstGeom prst="hexagon">
+            <a:avLst/>
+          </a:prstGeom>
+          <a:noFill/>
+          <a:ln w="38100">
+            <a:solidFill>
+              <a:srgbClr val="C00000"/>
+            </a:solidFill>
+          </a:ln>
+        </p:spPr>
+        <p:style>
+          <a:lnRef idx="2">
+            <a:schemeClr val="accent1">
+              <a:shade val="15000"/>
+            </a:schemeClr>
+          </a:lnRef>
+          <a:fillRef idx="1">
+            <a:schemeClr val="accent1"/>
+          </a:fillRef>
+          <a:effectRef idx="0">
+            <a:schemeClr val="accent1"/>
+          </a:effectRef>
+          <a:fontRef idx="minor">
+            <a:schemeClr val="lt1"/>
+          </a:fontRef>
+        </p:style>
+        <p:txBody>
+          <a:bodyPr rtlCol="0" anchor="ctr"/>
+          <a:lstStyle/>
+          <a:p>
+            <a:pPr algn="ctr"/>
+            <a:endParaRPr lang="en-US" dirty="0"/>
+          </a:p>
+        </p:txBody>
+      </p:sp>
+      <p:sp>
+        <p:nvSpPr>
+          <p:cNvPr id="1034" name="Hexagon 1033">
+            <a:extLst>
+              <a:ext uri="{FF2B5EF4-FFF2-40B4-BE49-F238E27FC236}">
+                <a16:creationId xmlns:a16="http://schemas.microsoft.com/office/drawing/2014/main" id="{54025567-2401-C213-CA49-AFB6FBE39109}"/>
+              </a:ext>
+            </a:extLst>
+          </p:cNvPr>
+          <p:cNvSpPr>
+            <a:spLocks noChangeAspect="1"/>
+          </p:cNvSpPr>
+          <p:nvPr/>
+        </p:nvSpPr>
+        <p:spPr>
+          <a:xfrm>
+            <a:off x="7139497" y="3934485"/>
+            <a:ext cx="1101061" cy="949191"/>
+          </a:xfrm>
+          <a:prstGeom prst="hexagon">
+            <a:avLst/>
+          </a:prstGeom>
+          <a:noFill/>
+          <a:ln w="38100">
+            <a:solidFill>
+              <a:srgbClr val="C00000"/>
+            </a:solidFill>
+          </a:ln>
+        </p:spPr>
+        <p:style>
+          <a:lnRef idx="2">
+            <a:schemeClr val="accent1">
+              <a:shade val="15000"/>
+            </a:schemeClr>
+          </a:lnRef>
+          <a:fillRef idx="1">
+            <a:schemeClr val="accent1"/>
+          </a:fillRef>
+          <a:effectRef idx="0">
+            <a:schemeClr val="accent1"/>
+          </a:effectRef>
+          <a:fontRef idx="minor">
+            <a:schemeClr val="lt1"/>
+          </a:fontRef>
+        </p:style>
+        <p:txBody>
+          <a:bodyPr rtlCol="0" anchor="ctr"/>
+          <a:lstStyle/>
+          <a:p>
+            <a:pPr algn="ctr"/>
+            <a:endParaRPr lang="en-US" dirty="0"/>
+          </a:p>
+        </p:txBody>
+      </p:sp>
+      <p:sp>
+        <p:nvSpPr>
+          <p:cNvPr id="1035" name="Hexagon 1034">
+            <a:extLst>
+              <a:ext uri="{FF2B5EF4-FFF2-40B4-BE49-F238E27FC236}">
+                <a16:creationId xmlns:a16="http://schemas.microsoft.com/office/drawing/2014/main" id="{E0349C23-4111-3D32-480E-A5D8E9E50CE5}"/>
+              </a:ext>
+            </a:extLst>
+          </p:cNvPr>
+          <p:cNvSpPr>
+            <a:spLocks noChangeAspect="1"/>
+          </p:cNvSpPr>
+          <p:nvPr/>
+        </p:nvSpPr>
+        <p:spPr>
+          <a:xfrm>
+            <a:off x="8002848" y="3458861"/>
+            <a:ext cx="1101061" cy="949191"/>
+          </a:xfrm>
+          <a:prstGeom prst="hexagon">
+            <a:avLst/>
+          </a:prstGeom>
+          <a:noFill/>
+          <a:ln w="38100">
+            <a:solidFill>
+              <a:srgbClr val="C00000"/>
+            </a:solidFill>
+          </a:ln>
+        </p:spPr>
+        <p:style>
+          <a:lnRef idx="2">
+            <a:schemeClr val="accent1">
+              <a:shade val="15000"/>
+            </a:schemeClr>
+          </a:lnRef>
+          <a:fillRef idx="1">
+            <a:schemeClr val="accent1"/>
+          </a:fillRef>
+          <a:effectRef idx="0">
+            <a:schemeClr val="accent1"/>
+          </a:effectRef>
+          <a:fontRef idx="minor">
+            <a:schemeClr val="lt1"/>
+          </a:fontRef>
+        </p:style>
+        <p:txBody>
+          <a:bodyPr rtlCol="0" anchor="ctr"/>
+          <a:lstStyle/>
+          <a:p>
+            <a:pPr algn="ctr"/>
+            <a:endParaRPr lang="en-US" dirty="0"/>
+          </a:p>
+        </p:txBody>
+      </p:sp>
+      <p:sp>
+        <p:nvSpPr>
+          <p:cNvPr id="1036" name="Hexagon 1035">
+            <a:extLst>
+              <a:ext uri="{FF2B5EF4-FFF2-40B4-BE49-F238E27FC236}">
+                <a16:creationId xmlns:a16="http://schemas.microsoft.com/office/drawing/2014/main" id="{F83ECF99-64C5-797E-B098-E76380388873}"/>
+              </a:ext>
+            </a:extLst>
+          </p:cNvPr>
+          <p:cNvSpPr>
+            <a:spLocks noChangeAspect="1"/>
+          </p:cNvSpPr>
+          <p:nvPr/>
+        </p:nvSpPr>
+        <p:spPr>
+          <a:xfrm>
+            <a:off x="8002848" y="4411034"/>
+            <a:ext cx="1101061" cy="949191"/>
+          </a:xfrm>
+          <a:prstGeom prst="hexagon">
+            <a:avLst/>
+          </a:prstGeom>
+          <a:noFill/>
+          <a:ln w="38100">
+            <a:solidFill>
+              <a:srgbClr val="C00000"/>
+            </a:solidFill>
+          </a:ln>
+        </p:spPr>
+        <p:style>
+          <a:lnRef idx="2">
+            <a:schemeClr val="accent1">
+              <a:shade val="15000"/>
+            </a:schemeClr>
+          </a:lnRef>
+          <a:fillRef idx="1">
+            <a:schemeClr val="accent1"/>
+          </a:fillRef>
+          <a:effectRef idx="0">
+            <a:schemeClr val="accent1"/>
+          </a:effectRef>
+          <a:fontRef idx="minor">
+            <a:schemeClr val="lt1"/>
+          </a:fontRef>
+        </p:style>
+        <p:txBody>
+          <a:bodyPr rtlCol="0" anchor="ctr"/>
+          <a:lstStyle/>
+          <a:p>
+            <a:pPr algn="ctr"/>
+            <a:endParaRPr lang="en-US" dirty="0"/>
+          </a:p>
+        </p:txBody>
+      </p:sp>
+      <p:sp>
+        <p:nvSpPr>
+          <p:cNvPr id="1037" name="Hexagon 1036">
+            <a:extLst>
+              <a:ext uri="{FF2B5EF4-FFF2-40B4-BE49-F238E27FC236}">
+                <a16:creationId xmlns:a16="http://schemas.microsoft.com/office/drawing/2014/main" id="{3EFEC826-0843-1F99-73DF-98C2B066C33D}"/>
+              </a:ext>
+            </a:extLst>
+          </p:cNvPr>
+          <p:cNvSpPr>
+            <a:spLocks noChangeAspect="1"/>
+          </p:cNvSpPr>
+          <p:nvPr/>
+        </p:nvSpPr>
+        <p:spPr>
+          <a:xfrm>
+            <a:off x="8002848" y="5369961"/>
+            <a:ext cx="1101061" cy="949191"/>
+          </a:xfrm>
+          <a:prstGeom prst="hexagon">
+            <a:avLst/>
+          </a:prstGeom>
+          <a:noFill/>
+          <a:ln w="38100">
+            <a:solidFill>
+              <a:srgbClr val="C00000"/>
+            </a:solidFill>
+          </a:ln>
+        </p:spPr>
+        <p:style>
+          <a:lnRef idx="2">
+            <a:schemeClr val="accent1">
+              <a:shade val="15000"/>
+            </a:schemeClr>
+          </a:lnRef>
+          <a:fillRef idx="1">
+            <a:schemeClr val="accent1"/>
+          </a:fillRef>
+          <a:effectRef idx="0">
+            <a:schemeClr val="accent1"/>
+          </a:effectRef>
+          <a:fontRef idx="minor">
+            <a:schemeClr val="lt1"/>
+          </a:fontRef>
+        </p:style>
+        <p:txBody>
+          <a:bodyPr rtlCol="0" anchor="ctr"/>
+          <a:lstStyle/>
+          <a:p>
+            <a:pPr algn="ctr"/>
+            <a:endParaRPr lang="en-US" dirty="0"/>
+          </a:p>
+        </p:txBody>
+      </p:sp>
+      <p:sp>
+        <p:nvSpPr>
+          <p:cNvPr id="1038" name="Hexagon 1037">
+            <a:extLst>
+              <a:ext uri="{FF2B5EF4-FFF2-40B4-BE49-F238E27FC236}">
+                <a16:creationId xmlns:a16="http://schemas.microsoft.com/office/drawing/2014/main" id="{0BCE8D4E-D1B7-EB16-800E-B94AFEB8750D}"/>
+              </a:ext>
+            </a:extLst>
+          </p:cNvPr>
+          <p:cNvSpPr>
+            <a:spLocks noChangeAspect="1"/>
+          </p:cNvSpPr>
+          <p:nvPr/>
+        </p:nvSpPr>
+        <p:spPr>
+          <a:xfrm>
+            <a:off x="7146581" y="4877619"/>
+            <a:ext cx="1101061" cy="949191"/>
+          </a:xfrm>
+          <a:prstGeom prst="hexagon">
+            <a:avLst/>
+          </a:prstGeom>
+          <a:noFill/>
+          <a:ln w="38100">
+            <a:solidFill>
+              <a:srgbClr val="C00000"/>
+            </a:solidFill>
+          </a:ln>
+        </p:spPr>
+        <p:style>
+          <a:lnRef idx="2">
+            <a:schemeClr val="accent1">
+              <a:shade val="15000"/>
+            </a:schemeClr>
+          </a:lnRef>
+          <a:fillRef idx="1">
+            <a:schemeClr val="accent1"/>
+          </a:fillRef>
+          <a:effectRef idx="0">
+            <a:schemeClr val="accent1"/>
+          </a:effectRef>
+          <a:fontRef idx="minor">
+            <a:schemeClr val="lt1"/>
+          </a:fontRef>
+        </p:style>
+        <p:txBody>
+          <a:bodyPr rtlCol="0" anchor="ctr"/>
+          <a:lstStyle/>
+          <a:p>
+            <a:pPr algn="ctr"/>
+            <a:endParaRPr lang="en-US" dirty="0"/>
+          </a:p>
+        </p:txBody>
+      </p:sp>
+      <p:sp>
+        <p:nvSpPr>
+          <p:cNvPr id="1041" name="Hexagon 1040">
+            <a:extLst>
+              <a:ext uri="{FF2B5EF4-FFF2-40B4-BE49-F238E27FC236}">
+                <a16:creationId xmlns:a16="http://schemas.microsoft.com/office/drawing/2014/main" id="{233AE70B-20DB-13A2-B087-EABEF323EEE8}"/>
+              </a:ext>
+            </a:extLst>
+          </p:cNvPr>
+          <p:cNvSpPr>
+            <a:spLocks noChangeAspect="1"/>
+          </p:cNvSpPr>
+          <p:nvPr/>
+        </p:nvSpPr>
+        <p:spPr>
+          <a:xfrm>
+            <a:off x="1974615" y="123371"/>
+            <a:ext cx="1101061" cy="949191"/>
+          </a:xfrm>
+          <a:prstGeom prst="hexagon">
+            <a:avLst/>
+          </a:prstGeom>
+          <a:noFill/>
+          <a:ln w="38100">
+            <a:solidFill>
+              <a:srgbClr val="C00000"/>
+            </a:solidFill>
+          </a:ln>
+        </p:spPr>
+        <p:style>
+          <a:lnRef idx="2">
+            <a:schemeClr val="accent1">
+              <a:shade val="15000"/>
+            </a:schemeClr>
+          </a:lnRef>
+          <a:fillRef idx="1">
+            <a:schemeClr val="accent1"/>
+          </a:fillRef>
+          <a:effectRef idx="0">
+            <a:schemeClr val="accent1"/>
+          </a:effectRef>
+          <a:fontRef idx="minor">
+            <a:schemeClr val="lt1"/>
+          </a:fontRef>
+        </p:style>
+        <p:txBody>
+          <a:bodyPr rtlCol="0" anchor="ctr"/>
+          <a:lstStyle/>
+          <a:p>
+            <a:pPr algn="ctr"/>
+            <a:endParaRPr lang="en-US" dirty="0"/>
+          </a:p>
+        </p:txBody>
+      </p:sp>
+      <p:sp>
+        <p:nvSpPr>
+          <p:cNvPr id="1042" name="Hexagon 1041">
+            <a:extLst>
+              <a:ext uri="{FF2B5EF4-FFF2-40B4-BE49-F238E27FC236}">
+                <a16:creationId xmlns:a16="http://schemas.microsoft.com/office/drawing/2014/main" id="{3DE50CB0-C76B-A63E-8679-7E0A8959A0B9}"/>
+              </a:ext>
+            </a:extLst>
+          </p:cNvPr>
+          <p:cNvSpPr>
+            <a:spLocks noChangeAspect="1"/>
+          </p:cNvSpPr>
+          <p:nvPr/>
+        </p:nvSpPr>
+        <p:spPr>
+          <a:xfrm>
+            <a:off x="1967472" y="1075545"/>
+            <a:ext cx="1101061" cy="949191"/>
+          </a:xfrm>
+          <a:prstGeom prst="hexagon">
+            <a:avLst/>
+          </a:prstGeom>
+          <a:noFill/>
+          <a:ln w="38100">
+            <a:solidFill>
+              <a:srgbClr val="C00000"/>
+            </a:solidFill>
+          </a:ln>
+        </p:spPr>
+        <p:style>
+          <a:lnRef idx="2">
+            <a:schemeClr val="accent1">
+              <a:shade val="15000"/>
+            </a:schemeClr>
+          </a:lnRef>
+          <a:fillRef idx="1">
+            <a:schemeClr val="accent1"/>
+          </a:fillRef>
+          <a:effectRef idx="0">
+            <a:schemeClr val="accent1"/>
+          </a:effectRef>
+          <a:fontRef idx="minor">
+            <a:schemeClr val="lt1"/>
+          </a:fontRef>
+        </p:style>
+        <p:txBody>
+          <a:bodyPr rtlCol="0" anchor="ctr"/>
+          <a:lstStyle/>
+          <a:p>
+            <a:pPr algn="ctr"/>
+            <a:endParaRPr lang="en-US" dirty="0"/>
+          </a:p>
+        </p:txBody>
+      </p:sp>
+      <p:sp>
+        <p:nvSpPr>
+          <p:cNvPr id="1043" name="Hexagon 1042">
+            <a:extLst>
+              <a:ext uri="{FF2B5EF4-FFF2-40B4-BE49-F238E27FC236}">
+                <a16:creationId xmlns:a16="http://schemas.microsoft.com/office/drawing/2014/main" id="{29D05AB5-6B19-44C7-74B5-B5B33DBEB87D}"/>
+              </a:ext>
+            </a:extLst>
+          </p:cNvPr>
+          <p:cNvSpPr>
+            <a:spLocks noChangeAspect="1"/>
+          </p:cNvSpPr>
+          <p:nvPr/>
+        </p:nvSpPr>
+        <p:spPr>
+          <a:xfrm>
+            <a:off x="1967472" y="2020185"/>
+            <a:ext cx="1101061" cy="949191"/>
+          </a:xfrm>
+          <a:prstGeom prst="hexagon">
+            <a:avLst/>
+          </a:prstGeom>
+          <a:noFill/>
+          <a:ln w="38100">
+            <a:solidFill>
+              <a:srgbClr val="C00000"/>
+            </a:solidFill>
+          </a:ln>
+        </p:spPr>
+        <p:style>
+          <a:lnRef idx="2">
+            <a:schemeClr val="accent1">
+              <a:shade val="15000"/>
+            </a:schemeClr>
+          </a:lnRef>
+          <a:fillRef idx="1">
+            <a:schemeClr val="accent1"/>
+          </a:fillRef>
+          <a:effectRef idx="0">
+            <a:schemeClr val="accent1"/>
+          </a:effectRef>
+          <a:fontRef idx="minor">
+            <a:schemeClr val="lt1"/>
+          </a:fontRef>
+        </p:style>
+        <p:txBody>
+          <a:bodyPr rtlCol="0" anchor="ctr"/>
+          <a:lstStyle/>
+          <a:p>
+            <a:pPr algn="ctr"/>
+            <a:endParaRPr lang="en-US" dirty="0"/>
+          </a:p>
+        </p:txBody>
+      </p:sp>
+      <p:sp>
+        <p:nvSpPr>
+          <p:cNvPr id="1044" name="Hexagon 1043">
+            <a:extLst>
+              <a:ext uri="{FF2B5EF4-FFF2-40B4-BE49-F238E27FC236}">
+                <a16:creationId xmlns:a16="http://schemas.microsoft.com/office/drawing/2014/main" id="{30A6E450-0182-357B-895E-052D58DB7A20}"/>
+              </a:ext>
+            </a:extLst>
+          </p:cNvPr>
+          <p:cNvSpPr>
+            <a:spLocks noChangeAspect="1"/>
+          </p:cNvSpPr>
+          <p:nvPr/>
+        </p:nvSpPr>
+        <p:spPr>
+          <a:xfrm>
+            <a:off x="2834107" y="2497054"/>
+            <a:ext cx="1101061" cy="949191"/>
+          </a:xfrm>
+          <a:prstGeom prst="hexagon">
+            <a:avLst/>
+          </a:prstGeom>
+          <a:noFill/>
+          <a:ln w="38100">
+            <a:solidFill>
+              <a:srgbClr val="C00000"/>
+            </a:solidFill>
+          </a:ln>
+        </p:spPr>
+        <p:style>
+          <a:lnRef idx="2">
+            <a:schemeClr val="accent1">
+              <a:shade val="15000"/>
+            </a:schemeClr>
+          </a:lnRef>
+          <a:fillRef idx="1">
+            <a:schemeClr val="accent1"/>
+          </a:fillRef>
+          <a:effectRef idx="0">
+            <a:schemeClr val="accent1"/>
+          </a:effectRef>
+          <a:fontRef idx="minor">
+            <a:schemeClr val="lt1"/>
+          </a:fontRef>
+        </p:style>
+        <p:txBody>
+          <a:bodyPr rtlCol="0" anchor="ctr"/>
+          <a:lstStyle/>
+          <a:p>
+            <a:pPr algn="ctr"/>
+            <a:endParaRPr lang="en-US" dirty="0"/>
+          </a:p>
+        </p:txBody>
+      </p:sp>
+      <p:sp>
+        <p:nvSpPr>
+          <p:cNvPr id="1045" name="Hexagon 1044">
+            <a:extLst>
+              <a:ext uri="{FF2B5EF4-FFF2-40B4-BE49-F238E27FC236}">
+                <a16:creationId xmlns:a16="http://schemas.microsoft.com/office/drawing/2014/main" id="{E824D373-3145-98BD-613C-E22BE76D8876}"/>
+              </a:ext>
+            </a:extLst>
+          </p:cNvPr>
+          <p:cNvSpPr>
+            <a:spLocks noChangeAspect="1"/>
+          </p:cNvSpPr>
+          <p:nvPr/>
+        </p:nvSpPr>
+        <p:spPr>
+          <a:xfrm>
+            <a:off x="2834107" y="1551633"/>
+            <a:ext cx="1101061" cy="949191"/>
+          </a:xfrm>
+          <a:prstGeom prst="hexagon">
+            <a:avLst/>
+          </a:prstGeom>
+          <a:noFill/>
+          <a:ln w="38100">
+            <a:solidFill>
+              <a:srgbClr val="C00000"/>
+            </a:solidFill>
+          </a:ln>
+        </p:spPr>
+        <p:style>
+          <a:lnRef idx="2">
+            <a:schemeClr val="accent1">
+              <a:shade val="15000"/>
+            </a:schemeClr>
+          </a:lnRef>
+          <a:fillRef idx="1">
+            <a:schemeClr val="accent1"/>
+          </a:fillRef>
+          <a:effectRef idx="0">
+            <a:schemeClr val="accent1"/>
+          </a:effectRef>
+          <a:fontRef idx="minor">
+            <a:schemeClr val="lt1"/>
+          </a:fontRef>
+        </p:style>
+        <p:txBody>
+          <a:bodyPr rtlCol="0" anchor="ctr"/>
+          <a:lstStyle/>
+          <a:p>
+            <a:pPr algn="ctr"/>
+            <a:endParaRPr lang="en-US" dirty="0"/>
+          </a:p>
+        </p:txBody>
+      </p:sp>
+      <p:sp>
+        <p:nvSpPr>
+          <p:cNvPr id="1046" name="Hexagon 1045">
+            <a:extLst>
+              <a:ext uri="{FF2B5EF4-FFF2-40B4-BE49-F238E27FC236}">
+                <a16:creationId xmlns:a16="http://schemas.microsoft.com/office/drawing/2014/main" id="{6767733A-16D2-4B6C-34BB-01A31C7E6626}"/>
+              </a:ext>
+            </a:extLst>
+          </p:cNvPr>
+          <p:cNvSpPr>
+            <a:spLocks noChangeAspect="1"/>
+          </p:cNvSpPr>
+          <p:nvPr/>
+        </p:nvSpPr>
+        <p:spPr>
+          <a:xfrm>
+            <a:off x="2834107" y="606211"/>
+            <a:ext cx="1101061" cy="949191"/>
+          </a:xfrm>
+          <a:prstGeom prst="hexagon">
+            <a:avLst/>
+          </a:prstGeom>
+          <a:noFill/>
+          <a:ln w="38100">
+            <a:solidFill>
+              <a:srgbClr val="C00000"/>
+            </a:solidFill>
+          </a:ln>
+        </p:spPr>
+        <p:style>
+          <a:lnRef idx="2">
+            <a:schemeClr val="accent1">
+              <a:shade val="15000"/>
+            </a:schemeClr>
+          </a:lnRef>
+          <a:fillRef idx="1">
+            <a:schemeClr val="accent1"/>
+          </a:fillRef>
+          <a:effectRef idx="0">
+            <a:schemeClr val="accent1"/>
+          </a:effectRef>
+          <a:fontRef idx="minor">
+            <a:schemeClr val="lt1"/>
+          </a:fontRef>
+        </p:style>
+        <p:txBody>
+          <a:bodyPr rtlCol="0" anchor="ctr"/>
+          <a:lstStyle/>
+          <a:p>
+            <a:pPr algn="ctr"/>
+            <a:endParaRPr lang="en-US" dirty="0"/>
+          </a:p>
+        </p:txBody>
+      </p:sp>
+      <p:sp>
+        <p:nvSpPr>
+          <p:cNvPr id="1047" name="Hexagon 1046">
+            <a:extLst>
+              <a:ext uri="{FF2B5EF4-FFF2-40B4-BE49-F238E27FC236}">
+                <a16:creationId xmlns:a16="http://schemas.microsoft.com/office/drawing/2014/main" id="{CDACEC79-344B-B4E4-41E0-EBF8AF32F90C}"/>
+              </a:ext>
+            </a:extLst>
+          </p:cNvPr>
+          <p:cNvSpPr>
+            <a:spLocks noChangeAspect="1"/>
+          </p:cNvSpPr>
+          <p:nvPr/>
+        </p:nvSpPr>
+        <p:spPr>
+          <a:xfrm>
+            <a:off x="3693601" y="130689"/>
+            <a:ext cx="1101061" cy="949191"/>
+          </a:xfrm>
+          <a:prstGeom prst="hexagon">
+            <a:avLst/>
+          </a:prstGeom>
+          <a:noFill/>
+          <a:ln w="38100">
+            <a:solidFill>
+              <a:srgbClr val="C00000"/>
+            </a:solidFill>
+          </a:ln>
+        </p:spPr>
+        <p:style>
+          <a:lnRef idx="2">
+            <a:schemeClr val="accent1">
+              <a:shade val="15000"/>
+            </a:schemeClr>
+          </a:lnRef>
+          <a:fillRef idx="1">
+            <a:schemeClr val="accent1"/>
+          </a:fillRef>
+          <a:effectRef idx="0">
+            <a:schemeClr val="accent1"/>
+          </a:effectRef>
+          <a:fontRef idx="minor">
+            <a:schemeClr val="lt1"/>
+          </a:fontRef>
+        </p:style>
+        <p:txBody>
+          <a:bodyPr rtlCol="0" anchor="ctr"/>
+          <a:lstStyle/>
+          <a:p>
+            <a:pPr algn="ctr"/>
+            <a:endParaRPr lang="en-US" dirty="0"/>
+          </a:p>
+        </p:txBody>
+      </p:sp>
+      <p:sp>
+        <p:nvSpPr>
+          <p:cNvPr id="1048" name="Hexagon 1047">
+            <a:extLst>
+              <a:ext uri="{FF2B5EF4-FFF2-40B4-BE49-F238E27FC236}">
+                <a16:creationId xmlns:a16="http://schemas.microsoft.com/office/drawing/2014/main" id="{1E35B54C-090A-1F13-14AA-318518BC9368}"/>
+              </a:ext>
+            </a:extLst>
+          </p:cNvPr>
+          <p:cNvSpPr>
+            <a:spLocks noChangeAspect="1"/>
+          </p:cNvSpPr>
+          <p:nvPr/>
+        </p:nvSpPr>
+        <p:spPr>
+          <a:xfrm>
+            <a:off x="3687238" y="1088921"/>
+            <a:ext cx="1101061" cy="949191"/>
+          </a:xfrm>
+          <a:prstGeom prst="hexagon">
+            <a:avLst/>
+          </a:prstGeom>
+          <a:noFill/>
+          <a:ln w="38100">
+            <a:solidFill>
+              <a:srgbClr val="C00000"/>
+            </a:solidFill>
+          </a:ln>
+        </p:spPr>
+        <p:style>
+          <a:lnRef idx="2">
+            <a:schemeClr val="accent1">
+              <a:shade val="15000"/>
+            </a:schemeClr>
+          </a:lnRef>
+          <a:fillRef idx="1">
+            <a:schemeClr val="accent1"/>
+          </a:fillRef>
+          <a:effectRef idx="0">
+            <a:schemeClr val="accent1"/>
+          </a:effectRef>
+          <a:fontRef idx="minor">
+            <a:schemeClr val="lt1"/>
+          </a:fontRef>
+        </p:style>
+        <p:txBody>
+          <a:bodyPr rtlCol="0" anchor="ctr"/>
+          <a:lstStyle/>
+          <a:p>
+            <a:pPr algn="ctr"/>
+            <a:endParaRPr lang="en-US" dirty="0"/>
+          </a:p>
+        </p:txBody>
+      </p:sp>
+      <p:sp>
+        <p:nvSpPr>
+          <p:cNvPr id="1049" name="Hexagon 1048">
+            <a:extLst>
+              <a:ext uri="{FF2B5EF4-FFF2-40B4-BE49-F238E27FC236}">
+                <a16:creationId xmlns:a16="http://schemas.microsoft.com/office/drawing/2014/main" id="{BCBB82C8-E63A-EE61-6294-25E618FEB54B}"/>
+              </a:ext>
+            </a:extLst>
+          </p:cNvPr>
+          <p:cNvSpPr>
+            <a:spLocks noChangeAspect="1"/>
+          </p:cNvSpPr>
+          <p:nvPr/>
+        </p:nvSpPr>
+        <p:spPr>
+          <a:xfrm>
+            <a:off x="4550589" y="613297"/>
+            <a:ext cx="1101061" cy="949191"/>
+          </a:xfrm>
+          <a:prstGeom prst="hexagon">
+            <a:avLst/>
+          </a:prstGeom>
+          <a:noFill/>
+          <a:ln w="38100">
+            <a:solidFill>
+              <a:srgbClr val="C00000"/>
+            </a:solidFill>
+          </a:ln>
+        </p:spPr>
+        <p:style>
+          <a:lnRef idx="2">
+            <a:schemeClr val="accent1">
+              <a:shade val="15000"/>
+            </a:schemeClr>
+          </a:lnRef>
+          <a:fillRef idx="1">
+            <a:schemeClr val="accent1"/>
+          </a:fillRef>
+          <a:effectRef idx="0">
+            <a:schemeClr val="accent1"/>
+          </a:effectRef>
+          <a:fontRef idx="minor">
+            <a:schemeClr val="lt1"/>
+          </a:fontRef>
+        </p:style>
+        <p:txBody>
+          <a:bodyPr rtlCol="0" anchor="ctr"/>
+          <a:lstStyle/>
+          <a:p>
+            <a:pPr algn="ctr"/>
+            <a:endParaRPr lang="en-US" dirty="0"/>
+          </a:p>
+        </p:txBody>
+      </p:sp>
+      <p:sp>
+        <p:nvSpPr>
+          <p:cNvPr id="1050" name="Hexagon 1049">
+            <a:extLst>
+              <a:ext uri="{FF2B5EF4-FFF2-40B4-BE49-F238E27FC236}">
+                <a16:creationId xmlns:a16="http://schemas.microsoft.com/office/drawing/2014/main" id="{70D2298F-7505-8383-97B8-EEAD8289CED8}"/>
+              </a:ext>
+            </a:extLst>
+          </p:cNvPr>
+          <p:cNvSpPr>
+            <a:spLocks noChangeAspect="1"/>
+          </p:cNvSpPr>
+          <p:nvPr/>
+        </p:nvSpPr>
+        <p:spPr>
+          <a:xfrm>
+            <a:off x="4550589" y="1565470"/>
+            <a:ext cx="1101061" cy="949191"/>
+          </a:xfrm>
+          <a:prstGeom prst="hexagon">
+            <a:avLst/>
+          </a:prstGeom>
+          <a:noFill/>
+          <a:ln w="38100">
+            <a:solidFill>
+              <a:srgbClr val="C00000"/>
+            </a:solidFill>
+          </a:ln>
+        </p:spPr>
+        <p:style>
+          <a:lnRef idx="2">
+            <a:schemeClr val="accent1">
+              <a:shade val="15000"/>
+            </a:schemeClr>
+          </a:lnRef>
+          <a:fillRef idx="1">
+            <a:schemeClr val="accent1"/>
+          </a:fillRef>
+          <a:effectRef idx="0">
+            <a:schemeClr val="accent1"/>
+          </a:effectRef>
+          <a:fontRef idx="minor">
+            <a:schemeClr val="lt1"/>
+          </a:fontRef>
+        </p:style>
+        <p:txBody>
+          <a:bodyPr rtlCol="0" anchor="ctr"/>
+          <a:lstStyle/>
+          <a:p>
+            <a:pPr algn="ctr"/>
+            <a:endParaRPr lang="en-US" dirty="0"/>
+          </a:p>
+        </p:txBody>
+      </p:sp>
+      <p:sp>
+        <p:nvSpPr>
+          <p:cNvPr id="1051" name="Hexagon 1050">
+            <a:extLst>
+              <a:ext uri="{FF2B5EF4-FFF2-40B4-BE49-F238E27FC236}">
+                <a16:creationId xmlns:a16="http://schemas.microsoft.com/office/drawing/2014/main" id="{DC63DC33-6F51-897F-07D6-CC39F55F7C19}"/>
+              </a:ext>
+            </a:extLst>
+          </p:cNvPr>
+          <p:cNvSpPr>
+            <a:spLocks noChangeAspect="1"/>
+          </p:cNvSpPr>
+          <p:nvPr/>
+        </p:nvSpPr>
+        <p:spPr>
+          <a:xfrm>
+            <a:off x="4550589" y="2524398"/>
+            <a:ext cx="1101061" cy="949191"/>
+          </a:xfrm>
+          <a:prstGeom prst="hexagon">
+            <a:avLst/>
+          </a:prstGeom>
+          <a:noFill/>
+          <a:ln w="38100">
+            <a:solidFill>
+              <a:srgbClr val="C00000"/>
+            </a:solidFill>
+          </a:ln>
+        </p:spPr>
+        <p:style>
+          <a:lnRef idx="2">
+            <a:schemeClr val="accent1">
+              <a:shade val="15000"/>
+            </a:schemeClr>
+          </a:lnRef>
+          <a:fillRef idx="1">
+            <a:schemeClr val="accent1"/>
+          </a:fillRef>
+          <a:effectRef idx="0">
+            <a:schemeClr val="accent1"/>
+          </a:effectRef>
+          <a:fontRef idx="minor">
+            <a:schemeClr val="lt1"/>
+          </a:fontRef>
+        </p:style>
+        <p:txBody>
+          <a:bodyPr rtlCol="0" anchor="ctr"/>
+          <a:lstStyle/>
+          <a:p>
+            <a:pPr algn="ctr"/>
+            <a:endParaRPr lang="en-US" dirty="0"/>
+          </a:p>
+        </p:txBody>
+      </p:sp>
+      <p:sp>
+        <p:nvSpPr>
+          <p:cNvPr id="1052" name="Hexagon 1051">
+            <a:extLst>
+              <a:ext uri="{FF2B5EF4-FFF2-40B4-BE49-F238E27FC236}">
+                <a16:creationId xmlns:a16="http://schemas.microsoft.com/office/drawing/2014/main" id="{A6BED701-B11E-C171-A218-15045EBA5BCB}"/>
+              </a:ext>
+            </a:extLst>
+          </p:cNvPr>
+          <p:cNvSpPr>
+            <a:spLocks noChangeAspect="1"/>
+          </p:cNvSpPr>
+          <p:nvPr/>
+        </p:nvSpPr>
+        <p:spPr>
+          <a:xfrm>
+            <a:off x="3694323" y="2032055"/>
+            <a:ext cx="1101061" cy="949191"/>
+          </a:xfrm>
+          <a:prstGeom prst="hexagon">
+            <a:avLst/>
+          </a:prstGeom>
+          <a:noFill/>
+          <a:ln w="38100">
+            <a:solidFill>
+              <a:srgbClr val="C00000"/>
+            </a:solidFill>
+          </a:ln>
+        </p:spPr>
+        <p:style>
+          <a:lnRef idx="2">
+            <a:schemeClr val="accent1">
+              <a:shade val="15000"/>
+            </a:schemeClr>
+          </a:lnRef>
+          <a:fillRef idx="1">
+            <a:schemeClr val="accent1"/>
+          </a:fillRef>
+          <a:effectRef idx="0">
+            <a:schemeClr val="accent1"/>
+          </a:effectRef>
+          <a:fontRef idx="minor">
+            <a:schemeClr val="lt1"/>
+          </a:fontRef>
+        </p:style>
+        <p:txBody>
+          <a:bodyPr rtlCol="0" anchor="ctr"/>
+          <a:lstStyle/>
+          <a:p>
+            <a:pPr algn="ctr"/>
+            <a:endParaRPr lang="en-US" dirty="0"/>
+          </a:p>
+        </p:txBody>
+      </p:sp>
+      <p:sp>
+        <p:nvSpPr>
+          <p:cNvPr id="1054" name="TextBox 1053">
+            <a:extLst>
+              <a:ext uri="{FF2B5EF4-FFF2-40B4-BE49-F238E27FC236}">
+                <a16:creationId xmlns:a16="http://schemas.microsoft.com/office/drawing/2014/main" id="{E16D4160-E2CF-117C-20CB-9D971F61732B}"/>
+              </a:ext>
+            </a:extLst>
+          </p:cNvPr>
+          <p:cNvSpPr txBox="1"/>
+          <p:nvPr/>
+        </p:nvSpPr>
+        <p:spPr>
+          <a:xfrm>
+            <a:off x="6836896" y="857059"/>
+            <a:ext cx="3090073" cy="461665"/>
+          </a:xfrm>
+          <a:prstGeom prst="rect">
+            <a:avLst/>
+          </a:prstGeom>
+          <a:noFill/>
+        </p:spPr>
+        <p:txBody>
+          <a:bodyPr wrap="square" rtlCol="0">
+            <a:spAutoFit/>
+          </a:bodyPr>
+          <a:lstStyle/>
+          <a:p>
+            <a:pPr algn="ctr"/>
+            <a:r>
+              <a:rPr lang="en-US" sz="2400" b="1" dirty="0"/>
+              <a:t>Padded PBC (Full FFT)</a:t>
+            </a:r>
+          </a:p>
+        </p:txBody>
+      </p:sp>
+      <p:sp>
+        <p:nvSpPr>
+          <p:cNvPr id="4" name="TextBox 3">
+            <a:extLst>
+              <a:ext uri="{FF2B5EF4-FFF2-40B4-BE49-F238E27FC236}">
+                <a16:creationId xmlns:a16="http://schemas.microsoft.com/office/drawing/2014/main" id="{E790C61F-5E95-A1FC-DF35-A2152D6F59F6}"/>
+              </a:ext>
+            </a:extLst>
+          </p:cNvPr>
+          <p:cNvSpPr txBox="1"/>
+          <p:nvPr/>
+        </p:nvSpPr>
+        <p:spPr>
+          <a:xfrm>
+            <a:off x="6445440" y="1667051"/>
+            <a:ext cx="5175060" cy="369332"/>
+          </a:xfrm>
+          <a:prstGeom prst="rect">
+            <a:avLst/>
+          </a:prstGeom>
+          <a:noFill/>
+        </p:spPr>
+        <p:txBody>
+          <a:bodyPr wrap="square" rtlCol="0">
+            <a:spAutoFit/>
+          </a:bodyPr>
+          <a:lstStyle/>
+          <a:p>
+            <a:r>
+              <a:rPr lang="en-US" dirty="0"/>
+              <a:t>Hexagons drawn for illustration of hexagon approach</a:t>
+            </a:r>
+          </a:p>
+        </p:txBody>
+      </p:sp>
+    </p:spTree>
+    <p:extLst>
+      <p:ext uri="{BB962C8B-B14F-4D97-AF65-F5344CB8AC3E}">
+        <p14:creationId xmlns:p14="http://schemas.microsoft.com/office/powerpoint/2010/main" val="775315718"/>
+      </p:ext>
+    </p:extLst>
+  </p:cSld>
+  <p:clrMapOvr>
+    <a:masterClrMapping/>
+  </p:clrMapOvr>
+</p:sld>
+</file>
+
+<file path=ppt/slides/slide9.xml><?xml version="1.0" encoding="utf-8"?>
+<p:sld xmlns:a="http://schemas.openxmlformats.org/drawingml/2006/main" xmlns:r="http://schemas.openxmlformats.org/officeDocument/2006/relationships" xmlns:p="http://schemas.openxmlformats.org/presentationml/2006/main">
+  <p:cSld>
+    <p:spTree>
+      <p:nvGrpSpPr>
+        <p:cNvPr id="1" name=""/>
+        <p:cNvGrpSpPr/>
+        <p:nvPr/>
+      </p:nvGrpSpPr>
+      <p:grpSpPr>
+        <a:xfrm>
+          <a:off x="0" y="0"/>
+          <a:ext cx="0" cy="0"/>
+          <a:chOff x="0" y="0"/>
+          <a:chExt cx="0" cy="0"/>
+        </a:xfrm>
+      </p:grpSpPr>
       <p:grpSp>
         <p:nvGrpSpPr>
           <p:cNvPr id="3123" name="Group 3122">
@@ -5895,3896 +9689,6 @@
     <p:extLst>
       <p:ext uri="{BB962C8B-B14F-4D97-AF65-F5344CB8AC3E}">
         <p14:creationId xmlns:p14="http://schemas.microsoft.com/office/powerpoint/2010/main" val="1611097860"/>
-      </p:ext>
-    </p:extLst>
-  </p:cSld>
-  <p:clrMapOvr>
-    <a:masterClrMapping/>
-  </p:clrMapOvr>
-</p:sld>
-</file>
-
-<file path=ppt/slides/slide11.xml><?xml version="1.0" encoding="utf-8"?>
-<p:sld xmlns:a="http://schemas.openxmlformats.org/drawingml/2006/main" xmlns:r="http://schemas.openxmlformats.org/officeDocument/2006/relationships" xmlns:p="http://schemas.openxmlformats.org/presentationml/2006/main">
-  <p:cSld>
-    <p:spTree>
-      <p:nvGrpSpPr>
-        <p:cNvPr id="1" name=""/>
-        <p:cNvGrpSpPr/>
-        <p:nvPr/>
-      </p:nvGrpSpPr>
-      <p:grpSpPr>
-        <a:xfrm>
-          <a:off x="0" y="0"/>
-          <a:ext cx="0" cy="0"/>
-          <a:chOff x="0" y="0"/>
-          <a:chExt cx="0" cy="0"/>
-        </a:xfrm>
-      </p:grpSpPr>
-      <p:sp>
-        <p:nvSpPr>
-          <p:cNvPr id="2" name="Title 1">
-            <a:extLst>
-              <a:ext uri="{FF2B5EF4-FFF2-40B4-BE49-F238E27FC236}">
-                <a16:creationId xmlns:a16="http://schemas.microsoft.com/office/drawing/2014/main" id="{7E9C978C-CCAD-7918-309E-D2E0F8DABF7D}"/>
-              </a:ext>
-            </a:extLst>
-          </p:cNvPr>
-          <p:cNvSpPr>
-            <a:spLocks noGrp="1"/>
-          </p:cNvSpPr>
-          <p:nvPr>
-            <p:ph type="title"/>
-          </p:nvPr>
-        </p:nvSpPr>
-        <p:spPr/>
-        <p:txBody>
-          <a:bodyPr>
-            <a:normAutofit/>
-          </a:bodyPr>
-          <a:lstStyle/>
-          <a:p>
-            <a:r>
-              <a:rPr lang="en-US" dirty="0"/>
-              <a:t>Other conditions </a:t>
-            </a:r>
-            <a:br>
-              <a:rPr lang="en-US" dirty="0"/>
-            </a:br>
-            <a:r>
-              <a:rPr lang="en-US" sz="3600" dirty="0"/>
-              <a:t>(full and half results overlapped to show match)</a:t>
-            </a:r>
-          </a:p>
-        </p:txBody>
-      </p:sp>
-      <p:sp>
-        <p:nvSpPr>
-          <p:cNvPr id="4" name="TextBox 3">
-            <a:extLst>
-              <a:ext uri="{FF2B5EF4-FFF2-40B4-BE49-F238E27FC236}">
-                <a16:creationId xmlns:a16="http://schemas.microsoft.com/office/drawing/2014/main" id="{AC4A5B27-C4F3-1037-B614-0F2CAFB6D70B}"/>
-              </a:ext>
-            </a:extLst>
-          </p:cNvPr>
-          <p:cNvSpPr txBox="1"/>
-          <p:nvPr/>
-        </p:nvSpPr>
-        <p:spPr>
-          <a:xfrm>
-            <a:off x="1293052" y="1985653"/>
-            <a:ext cx="2993749" cy="646331"/>
-          </a:xfrm>
-          <a:prstGeom prst="rect">
-            <a:avLst/>
-          </a:prstGeom>
-          <a:noFill/>
-        </p:spPr>
-        <p:txBody>
-          <a:bodyPr wrap="square" rtlCol="0">
-            <a:spAutoFit/>
-          </a:bodyPr>
-          <a:lstStyle/>
-          <a:p>
-            <a:pPr algn="ctr"/>
-            <a:r>
-              <a:rPr lang="en-US" dirty="0"/>
-              <a:t>s = 0.0241 (20.28%; dx=0.4), </a:t>
-            </a:r>
-            <a:br>
-              <a:rPr lang="en-US" dirty="0"/>
-            </a:br>
-            <a:r>
-              <a:rPr lang="en-US" dirty="0"/>
-              <a:t>Lx, Ly = 12.40, 20.80</a:t>
-            </a:r>
-          </a:p>
-        </p:txBody>
-      </p:sp>
-      <p:pic>
-        <p:nvPicPr>
-          <p:cNvPr id="4112" name="Picture 16">
-            <a:extLst>
-              <a:ext uri="{FF2B5EF4-FFF2-40B4-BE49-F238E27FC236}">
-                <a16:creationId xmlns:a16="http://schemas.microsoft.com/office/drawing/2014/main" id="{6E4CE12C-CFDD-DB5A-13CF-014A50C5FE21}"/>
-              </a:ext>
-            </a:extLst>
-          </p:cNvPr>
-          <p:cNvPicPr>
-            <a:picLocks noChangeAspect="1" noChangeArrowheads="1"/>
-          </p:cNvPicPr>
-          <p:nvPr/>
-        </p:nvPicPr>
-        <p:blipFill>
-          <a:blip r:embed="rId2">
-            <a:alphaModFix amt="70000"/>
-            <a:extLst>
-              <a:ext uri="{28A0092B-C50C-407E-A947-70E740481C1C}">
-                <a14:useLocalDpi xmlns:a14="http://schemas.microsoft.com/office/drawing/2010/main" val="0"/>
-              </a:ext>
-            </a:extLst>
-          </a:blip>
-          <a:srcRect/>
-          <a:stretch>
-            <a:fillRect/>
-          </a:stretch>
-        </p:blipFill>
-        <p:spPr bwMode="auto">
-          <a:xfrm>
-            <a:off x="1670327" y="2923865"/>
-            <a:ext cx="2066911" cy="3253471"/>
-          </a:xfrm>
-          <a:prstGeom prst="rect">
-            <a:avLst/>
-          </a:prstGeom>
-          <a:noFill/>
-          <a:extLst>
-            <a:ext uri="{909E8E84-426E-40DD-AFC4-6F175D3DCCD1}">
-              <a14:hiddenFill xmlns:a14="http://schemas.microsoft.com/office/drawing/2010/main">
-                <a:solidFill>
-                  <a:srgbClr val="FFFFFF"/>
-                </a:solidFill>
-              </a14:hiddenFill>
-            </a:ext>
-          </a:extLst>
-        </p:spPr>
-      </p:pic>
-      <p:pic>
-        <p:nvPicPr>
-          <p:cNvPr id="4118" name="Picture 22">
-            <a:extLst>
-              <a:ext uri="{FF2B5EF4-FFF2-40B4-BE49-F238E27FC236}">
-                <a16:creationId xmlns:a16="http://schemas.microsoft.com/office/drawing/2014/main" id="{C1740158-C4AE-39C7-D7D0-D3DF2244A988}"/>
-              </a:ext>
-            </a:extLst>
-          </p:cNvPr>
-          <p:cNvPicPr>
-            <a:picLocks noChangeAspect="1" noChangeArrowheads="1"/>
-          </p:cNvPicPr>
-          <p:nvPr/>
-        </p:nvPicPr>
-        <p:blipFill>
-          <a:blip r:embed="rId3">
-            <a:alphaModFix amt="70000"/>
-            <a:extLst>
-              <a:ext uri="{28A0092B-C50C-407E-A947-70E740481C1C}">
-                <a14:useLocalDpi xmlns:a14="http://schemas.microsoft.com/office/drawing/2010/main" val="0"/>
-              </a:ext>
-            </a:extLst>
-          </a:blip>
-          <a:srcRect/>
-          <a:stretch>
-            <a:fillRect/>
-          </a:stretch>
-        </p:blipFill>
-        <p:spPr bwMode="auto">
-          <a:xfrm>
-            <a:off x="1397276" y="2757487"/>
-            <a:ext cx="2066911" cy="3253471"/>
-          </a:xfrm>
-          <a:prstGeom prst="rect">
-            <a:avLst/>
-          </a:prstGeom>
-          <a:noFill/>
-          <a:extLst>
-            <a:ext uri="{909E8E84-426E-40DD-AFC4-6F175D3DCCD1}">
-              <a14:hiddenFill xmlns:a14="http://schemas.microsoft.com/office/drawing/2010/main">
-                <a:solidFill>
-                  <a:srgbClr val="FFFFFF"/>
-                </a:solidFill>
-              </a14:hiddenFill>
-            </a:ext>
-          </a:extLst>
-        </p:spPr>
-      </p:pic>
-      <p:pic>
-        <p:nvPicPr>
-          <p:cNvPr id="4122" name="Picture 26">
-            <a:extLst>
-              <a:ext uri="{FF2B5EF4-FFF2-40B4-BE49-F238E27FC236}">
-                <a16:creationId xmlns:a16="http://schemas.microsoft.com/office/drawing/2014/main" id="{19FC9AF1-8341-7079-9C97-35A6C6E023E0}"/>
-              </a:ext>
-            </a:extLst>
-          </p:cNvPr>
-          <p:cNvPicPr>
-            <a:picLocks noChangeAspect="1" noChangeArrowheads="1"/>
-          </p:cNvPicPr>
-          <p:nvPr/>
-        </p:nvPicPr>
-        <p:blipFill>
-          <a:blip r:embed="rId4">
-            <a:alphaModFix amt="70000"/>
-            <a:extLst>
-              <a:ext uri="{28A0092B-C50C-407E-A947-70E740481C1C}">
-                <a14:useLocalDpi xmlns:a14="http://schemas.microsoft.com/office/drawing/2010/main" val="0"/>
-              </a:ext>
-            </a:extLst>
-          </a:blip>
-          <a:srcRect/>
-          <a:stretch>
-            <a:fillRect/>
-          </a:stretch>
-        </p:blipFill>
-        <p:spPr bwMode="auto">
-          <a:xfrm>
-            <a:off x="5419695" y="3037976"/>
-            <a:ext cx="2060605" cy="3184571"/>
-          </a:xfrm>
-          <a:prstGeom prst="rect">
-            <a:avLst/>
-          </a:prstGeom>
-          <a:noFill/>
-          <a:extLst>
-            <a:ext uri="{909E8E84-426E-40DD-AFC4-6F175D3DCCD1}">
-              <a14:hiddenFill xmlns:a14="http://schemas.microsoft.com/office/drawing/2010/main">
-                <a:solidFill>
-                  <a:srgbClr val="FFFFFF"/>
-                </a:solidFill>
-              </a14:hiddenFill>
-            </a:ext>
-          </a:extLst>
-        </p:spPr>
-      </p:pic>
-      <p:pic>
-        <p:nvPicPr>
-          <p:cNvPr id="4120" name="Picture 24">
-            <a:extLst>
-              <a:ext uri="{FF2B5EF4-FFF2-40B4-BE49-F238E27FC236}">
-                <a16:creationId xmlns:a16="http://schemas.microsoft.com/office/drawing/2014/main" id="{8546961E-DEEB-841D-1BC5-BFEC2470B0CB}"/>
-              </a:ext>
-            </a:extLst>
-          </p:cNvPr>
-          <p:cNvPicPr>
-            <a:picLocks noChangeAspect="1" noChangeArrowheads="1"/>
-          </p:cNvPicPr>
-          <p:nvPr/>
-        </p:nvPicPr>
-        <p:blipFill>
-          <a:blip r:embed="rId5">
-            <a:alphaModFix amt="70000"/>
-            <a:extLst>
-              <a:ext uri="{28A0092B-C50C-407E-A947-70E740481C1C}">
-                <a14:useLocalDpi xmlns:a14="http://schemas.microsoft.com/office/drawing/2010/main" val="0"/>
-              </a:ext>
-            </a:extLst>
-          </a:blip>
-          <a:srcRect/>
-          <a:stretch>
-            <a:fillRect/>
-          </a:stretch>
-        </p:blipFill>
-        <p:spPr bwMode="auto">
-          <a:xfrm>
-            <a:off x="5159114" y="2826387"/>
-            <a:ext cx="2060605" cy="3184571"/>
-          </a:xfrm>
-          <a:prstGeom prst="rect">
-            <a:avLst/>
-          </a:prstGeom>
-          <a:noFill/>
-          <a:extLst>
-            <a:ext uri="{909E8E84-426E-40DD-AFC4-6F175D3DCCD1}">
-              <a14:hiddenFill xmlns:a14="http://schemas.microsoft.com/office/drawing/2010/main">
-                <a:solidFill>
-                  <a:srgbClr val="FFFFFF"/>
-                </a:solidFill>
-              </a14:hiddenFill>
-            </a:ext>
-          </a:extLst>
-        </p:spPr>
-      </p:pic>
-      <p:sp>
-        <p:nvSpPr>
-          <p:cNvPr id="5" name="TextBox 4">
-            <a:extLst>
-              <a:ext uri="{FF2B5EF4-FFF2-40B4-BE49-F238E27FC236}">
-                <a16:creationId xmlns:a16="http://schemas.microsoft.com/office/drawing/2014/main" id="{69A49B6C-2617-00E0-38E0-62F1623A5446}"/>
-              </a:ext>
-            </a:extLst>
-          </p:cNvPr>
-          <p:cNvSpPr txBox="1"/>
-          <p:nvPr/>
-        </p:nvSpPr>
-        <p:spPr>
-          <a:xfrm>
-            <a:off x="5026300" y="1985653"/>
-            <a:ext cx="2688949" cy="646331"/>
-          </a:xfrm>
-          <a:prstGeom prst="rect">
-            <a:avLst/>
-          </a:prstGeom>
-          <a:noFill/>
-        </p:spPr>
-        <p:txBody>
-          <a:bodyPr wrap="square" rtlCol="0">
-            <a:spAutoFit/>
-          </a:bodyPr>
-          <a:lstStyle/>
-          <a:p>
-            <a:pPr algn="ctr"/>
-            <a:r>
-              <a:rPr lang="en-US" dirty="0"/>
-              <a:t>s = 0.0208 (4.08%; dx=0.1), </a:t>
-            </a:r>
-            <a:br>
-              <a:rPr lang="en-US" dirty="0"/>
-            </a:br>
-            <a:r>
-              <a:rPr lang="en-US" dirty="0"/>
-              <a:t>Lx, Ly = 12.90, 22.30</a:t>
-            </a:r>
-          </a:p>
-        </p:txBody>
-      </p:sp>
-      <p:pic>
-        <p:nvPicPr>
-          <p:cNvPr id="4126" name="Picture 30">
-            <a:extLst>
-              <a:ext uri="{FF2B5EF4-FFF2-40B4-BE49-F238E27FC236}">
-                <a16:creationId xmlns:a16="http://schemas.microsoft.com/office/drawing/2014/main" id="{7C8FC4FE-9F1C-CFA1-F45B-41FEBC57AA7B}"/>
-              </a:ext>
-            </a:extLst>
-          </p:cNvPr>
-          <p:cNvPicPr>
-            <a:picLocks noChangeAspect="1" noChangeArrowheads="1"/>
-          </p:cNvPicPr>
-          <p:nvPr/>
-        </p:nvPicPr>
-        <p:blipFill>
-          <a:blip r:embed="rId6">
-            <a:alphaModFix amt="70000"/>
-            <a:extLst>
-              <a:ext uri="{28A0092B-C50C-407E-A947-70E740481C1C}">
-                <a14:useLocalDpi xmlns:a14="http://schemas.microsoft.com/office/drawing/2010/main" val="0"/>
-              </a:ext>
-            </a:extLst>
-          </a:blip>
-          <a:srcRect/>
-          <a:stretch>
-            <a:fillRect/>
-          </a:stretch>
-        </p:blipFill>
-        <p:spPr bwMode="auto">
-          <a:xfrm>
-            <a:off x="8365356" y="3329297"/>
-            <a:ext cx="2769584" cy="2681661"/>
-          </a:xfrm>
-          <a:prstGeom prst="rect">
-            <a:avLst/>
-          </a:prstGeom>
-          <a:noFill/>
-          <a:extLst>
-            <a:ext uri="{909E8E84-426E-40DD-AFC4-6F175D3DCCD1}">
-              <a14:hiddenFill xmlns:a14="http://schemas.microsoft.com/office/drawing/2010/main">
-                <a:solidFill>
-                  <a:srgbClr val="FFFFFF"/>
-                </a:solidFill>
-              </a14:hiddenFill>
-            </a:ext>
-          </a:extLst>
-        </p:spPr>
-      </p:pic>
-      <p:pic>
-        <p:nvPicPr>
-          <p:cNvPr id="4128" name="Picture 32">
-            <a:extLst>
-              <a:ext uri="{FF2B5EF4-FFF2-40B4-BE49-F238E27FC236}">
-                <a16:creationId xmlns:a16="http://schemas.microsoft.com/office/drawing/2014/main" id="{345B1C86-B2DC-9085-2E2C-E6725D165415}"/>
-              </a:ext>
-            </a:extLst>
-          </p:cNvPr>
-          <p:cNvPicPr>
-            <a:picLocks noChangeAspect="1" noChangeArrowheads="1"/>
-          </p:cNvPicPr>
-          <p:nvPr/>
-        </p:nvPicPr>
-        <p:blipFill>
-          <a:blip r:embed="rId7">
-            <a:alphaModFix amt="70000"/>
-            <a:extLst>
-              <a:ext uri="{28A0092B-C50C-407E-A947-70E740481C1C}">
-                <a14:useLocalDpi xmlns:a14="http://schemas.microsoft.com/office/drawing/2010/main" val="0"/>
-              </a:ext>
-            </a:extLst>
-          </a:blip>
-          <a:srcRect/>
-          <a:stretch>
-            <a:fillRect/>
-          </a:stretch>
-        </p:blipFill>
-        <p:spPr bwMode="auto">
-          <a:xfrm>
-            <a:off x="8268288" y="3261139"/>
-            <a:ext cx="2769584" cy="2681661"/>
-          </a:xfrm>
-          <a:prstGeom prst="rect">
-            <a:avLst/>
-          </a:prstGeom>
-          <a:noFill/>
-          <a:extLst>
-            <a:ext uri="{909E8E84-426E-40DD-AFC4-6F175D3DCCD1}">
-              <a14:hiddenFill xmlns:a14="http://schemas.microsoft.com/office/drawing/2010/main">
-                <a:solidFill>
-                  <a:srgbClr val="FFFFFF"/>
-                </a:solidFill>
-              </a14:hiddenFill>
-            </a:ext>
-          </a:extLst>
-        </p:spPr>
-      </p:pic>
-      <p:sp>
-        <p:nvSpPr>
-          <p:cNvPr id="8" name="TextBox 7">
-            <a:extLst>
-              <a:ext uri="{FF2B5EF4-FFF2-40B4-BE49-F238E27FC236}">
-                <a16:creationId xmlns:a16="http://schemas.microsoft.com/office/drawing/2014/main" id="{3482F31C-3E88-A3D7-1754-79EA5AC7E36B}"/>
-              </a:ext>
-            </a:extLst>
-          </p:cNvPr>
-          <p:cNvSpPr txBox="1"/>
-          <p:nvPr/>
-        </p:nvSpPr>
-        <p:spPr>
-          <a:xfrm>
-            <a:off x="8454748" y="1962684"/>
-            <a:ext cx="2590800" cy="646331"/>
-          </a:xfrm>
-          <a:prstGeom prst="rect">
-            <a:avLst/>
-          </a:prstGeom>
-          <a:noFill/>
-        </p:spPr>
-        <p:txBody>
-          <a:bodyPr wrap="square" rtlCol="0">
-            <a:spAutoFit/>
-          </a:bodyPr>
-          <a:lstStyle/>
-          <a:p>
-            <a:pPr algn="ctr"/>
-            <a:r>
-              <a:rPr lang="en-US" dirty="0"/>
-              <a:t>s = 0.1332 (11%; dx=0.1), </a:t>
-            </a:r>
-            <a:br>
-              <a:rPr lang="en-US" dirty="0"/>
-            </a:br>
-            <a:r>
-              <a:rPr lang="en-US" dirty="0"/>
-              <a:t>Lx, Ly = 20.50, 20.40</a:t>
-            </a:r>
-          </a:p>
-        </p:txBody>
-      </p:sp>
-    </p:spTree>
-    <p:extLst>
-      <p:ext uri="{BB962C8B-B14F-4D97-AF65-F5344CB8AC3E}">
-        <p14:creationId xmlns:p14="http://schemas.microsoft.com/office/powerpoint/2010/main" val="1320488814"/>
-      </p:ext>
-    </p:extLst>
-  </p:cSld>
-  <p:clrMapOvr>
-    <a:masterClrMapping/>
-  </p:clrMapOvr>
-</p:sld>
-</file>
-
-<file path=ppt/slides/slide2.xml><?xml version="1.0" encoding="utf-8"?>
-<p:sld xmlns:a="http://schemas.openxmlformats.org/drawingml/2006/main" xmlns:r="http://schemas.openxmlformats.org/officeDocument/2006/relationships" xmlns:p="http://schemas.openxmlformats.org/presentationml/2006/main">
-  <p:cSld>
-    <p:spTree>
-      <p:nvGrpSpPr>
-        <p:cNvPr id="1" name=""/>
-        <p:cNvGrpSpPr/>
-        <p:nvPr/>
-      </p:nvGrpSpPr>
-      <p:grpSpPr>
-        <a:xfrm>
-          <a:off x="0" y="0"/>
-          <a:ext cx="0" cy="0"/>
-          <a:chOff x="0" y="0"/>
-          <a:chExt cx="0" cy="0"/>
-        </a:xfrm>
-      </p:grpSpPr>
-      <p:pic>
-        <p:nvPicPr>
-          <p:cNvPr id="39" name="Picture 38">
-            <a:extLst>
-              <a:ext uri="{FF2B5EF4-FFF2-40B4-BE49-F238E27FC236}">
-                <a16:creationId xmlns:a16="http://schemas.microsoft.com/office/drawing/2014/main" id="{4C88C2AF-DEC6-523E-1CCC-807F741EB3BF}"/>
-              </a:ext>
-            </a:extLst>
-          </p:cNvPr>
-          <p:cNvPicPr>
-            <a:picLocks noChangeAspect="1"/>
-          </p:cNvPicPr>
-          <p:nvPr/>
-        </p:nvPicPr>
-        <p:blipFill>
-          <a:blip r:embed="rId2"/>
-          <a:stretch>
-            <a:fillRect/>
-          </a:stretch>
-        </p:blipFill>
-        <p:spPr>
-          <a:xfrm>
-            <a:off x="587949" y="1783819"/>
-            <a:ext cx="4711771" cy="2601290"/>
-          </a:xfrm>
-          <a:prstGeom prst="rect">
-            <a:avLst/>
-          </a:prstGeom>
-        </p:spPr>
-      </p:pic>
-      <p:sp>
-        <p:nvSpPr>
-          <p:cNvPr id="2" name="Title 1">
-            <a:extLst>
-              <a:ext uri="{FF2B5EF4-FFF2-40B4-BE49-F238E27FC236}">
-                <a16:creationId xmlns:a16="http://schemas.microsoft.com/office/drawing/2014/main" id="{C85E3C9C-7526-B303-905F-886077E16C39}"/>
-              </a:ext>
-            </a:extLst>
-          </p:cNvPr>
-          <p:cNvSpPr>
-            <a:spLocks noGrp="1"/>
-          </p:cNvSpPr>
-          <p:nvPr>
-            <p:ph type="title"/>
-          </p:nvPr>
-        </p:nvSpPr>
-        <p:spPr>
-          <a:xfrm>
-            <a:off x="838200" y="14514"/>
-            <a:ext cx="10515600" cy="1325563"/>
-          </a:xfrm>
-        </p:spPr>
-        <p:txBody>
-          <a:bodyPr/>
-          <a:lstStyle/>
-          <a:p>
-            <a:r>
-              <a:rPr lang="en-US" dirty="0"/>
-              <a:t>z-</a:t>
-            </a:r>
-            <a:r>
-              <a:rPr lang="en-US" b="1" dirty="0"/>
-              <a:t>FFT</a:t>
-            </a:r>
-            <a:r>
-              <a:rPr lang="en-US" dirty="0"/>
-              <a:t> vs z-</a:t>
-            </a:r>
-            <a:r>
-              <a:rPr lang="en-US" b="1" dirty="0"/>
-              <a:t>FD</a:t>
-            </a:r>
-            <a:r>
-              <a:rPr lang="en-US" dirty="0"/>
-              <a:t> (MDE) – REDFT01 </a:t>
-            </a:r>
-            <a:r>
-              <a:rPr lang="en-US" dirty="0" err="1"/>
-              <a:t>xy</a:t>
-            </a:r>
-            <a:r>
-              <a:rPr lang="en-US" dirty="0"/>
-              <a:t>(z)</a:t>
-            </a:r>
-          </a:p>
-        </p:txBody>
-      </p:sp>
-      <p:sp>
-        <p:nvSpPr>
-          <p:cNvPr id="3" name="TextBox 2">
-            <a:extLst>
-              <a:ext uri="{FF2B5EF4-FFF2-40B4-BE49-F238E27FC236}">
-                <a16:creationId xmlns:a16="http://schemas.microsoft.com/office/drawing/2014/main" id="{99A2CDED-1526-FA46-5D91-2DC74B6F0C37}"/>
-              </a:ext>
-            </a:extLst>
-          </p:cNvPr>
-          <p:cNvSpPr txBox="1"/>
-          <p:nvPr/>
-        </p:nvSpPr>
-        <p:spPr>
-          <a:xfrm>
-            <a:off x="838200" y="1053198"/>
-            <a:ext cx="7010401" cy="646331"/>
-          </a:xfrm>
-          <a:prstGeom prst="rect">
-            <a:avLst/>
-          </a:prstGeom>
-          <a:noFill/>
-        </p:spPr>
-        <p:txBody>
-          <a:bodyPr wrap="square" rtlCol="0">
-            <a:spAutoFit/>
-          </a:bodyPr>
-          <a:lstStyle/>
-          <a:p>
-            <a:r>
-              <a:rPr lang="en-US" dirty="0"/>
-              <a:t>Lx = 5, Ly = 5, </a:t>
-            </a:r>
-            <a:r>
-              <a:rPr lang="en-US" dirty="0" err="1"/>
-              <a:t>Lz</a:t>
-            </a:r>
-            <a:r>
-              <a:rPr lang="en-US" dirty="0"/>
-              <a:t> = 50. s = 0.02. x = 0.75. a = 0.00, N = 50</a:t>
-            </a:r>
-          </a:p>
-          <a:p>
-            <a:r>
-              <a:rPr lang="en-US" dirty="0"/>
-              <a:t>3D vs 1D (dashed): </a:t>
-            </a:r>
-            <a:r>
-              <a:rPr lang="en-US" dirty="0" err="1"/>
-              <a:t>dz</a:t>
-            </a:r>
-            <a:r>
-              <a:rPr lang="en-US" dirty="0"/>
-              <a:t> = 0.5, ds = 0.20; dz_1D = 0.113, ds_1D = 0.083</a:t>
-            </a:r>
-          </a:p>
-        </p:txBody>
-      </p:sp>
-      <p:sp>
-        <p:nvSpPr>
-          <p:cNvPr id="20" name="TextBox 19">
-            <a:extLst>
-              <a:ext uri="{FF2B5EF4-FFF2-40B4-BE49-F238E27FC236}">
-                <a16:creationId xmlns:a16="http://schemas.microsoft.com/office/drawing/2014/main" id="{F67FA53E-0EE8-AAF7-18FE-84614DDB84DE}"/>
-              </a:ext>
-            </a:extLst>
-          </p:cNvPr>
-          <p:cNvSpPr txBox="1"/>
-          <p:nvPr/>
-        </p:nvSpPr>
-        <p:spPr>
-          <a:xfrm>
-            <a:off x="5631059" y="2915880"/>
-            <a:ext cx="1286933" cy="369332"/>
-          </a:xfrm>
-          <a:prstGeom prst="rect">
-            <a:avLst/>
-          </a:prstGeom>
-          <a:noFill/>
-        </p:spPr>
-        <p:txBody>
-          <a:bodyPr wrap="square" rtlCol="0">
-            <a:spAutoFit/>
-          </a:bodyPr>
-          <a:lstStyle/>
-          <a:p>
-            <a:r>
-              <a:rPr lang="en-US" dirty="0"/>
-              <a:t>FFT (</a:t>
-            </a:r>
-            <a:r>
-              <a:rPr lang="en-US" dirty="0" err="1"/>
-              <a:t>yz</a:t>
-            </a:r>
-            <a:r>
-              <a:rPr lang="en-US" dirty="0"/>
-              <a:t>)</a:t>
-            </a:r>
-          </a:p>
-        </p:txBody>
-      </p:sp>
-      <p:sp>
-        <p:nvSpPr>
-          <p:cNvPr id="21" name="TextBox 20">
-            <a:extLst>
-              <a:ext uri="{FF2B5EF4-FFF2-40B4-BE49-F238E27FC236}">
-                <a16:creationId xmlns:a16="http://schemas.microsoft.com/office/drawing/2014/main" id="{8975F4F8-1D5E-2B6C-439A-E0008683786D}"/>
-              </a:ext>
-            </a:extLst>
-          </p:cNvPr>
-          <p:cNvSpPr txBox="1"/>
-          <p:nvPr/>
-        </p:nvSpPr>
-        <p:spPr>
-          <a:xfrm>
-            <a:off x="5631059" y="5330398"/>
-            <a:ext cx="1286933" cy="369332"/>
-          </a:xfrm>
-          <a:prstGeom prst="rect">
-            <a:avLst/>
-          </a:prstGeom>
-          <a:noFill/>
-        </p:spPr>
-        <p:txBody>
-          <a:bodyPr wrap="square" rtlCol="0">
-            <a:spAutoFit/>
-          </a:bodyPr>
-          <a:lstStyle/>
-          <a:p>
-            <a:r>
-              <a:rPr lang="en-US" dirty="0"/>
-              <a:t>FD (</a:t>
-            </a:r>
-            <a:r>
-              <a:rPr lang="en-US" dirty="0" err="1"/>
-              <a:t>yz</a:t>
-            </a:r>
-            <a:r>
-              <a:rPr lang="en-US" dirty="0"/>
-              <a:t>)</a:t>
-            </a:r>
-          </a:p>
-        </p:txBody>
-      </p:sp>
-      <p:pic>
-        <p:nvPicPr>
-          <p:cNvPr id="25" name="Picture 24">
-            <a:extLst>
-              <a:ext uri="{FF2B5EF4-FFF2-40B4-BE49-F238E27FC236}">
-                <a16:creationId xmlns:a16="http://schemas.microsoft.com/office/drawing/2014/main" id="{BFB8AF76-977E-BF34-4D5F-6F1115EF2823}"/>
-              </a:ext>
-            </a:extLst>
-          </p:cNvPr>
-          <p:cNvPicPr>
-            <a:picLocks noChangeAspect="1"/>
-          </p:cNvPicPr>
-          <p:nvPr/>
-        </p:nvPicPr>
-        <p:blipFill>
-          <a:blip r:embed="rId3"/>
-          <a:stretch>
-            <a:fillRect/>
-          </a:stretch>
-        </p:blipFill>
-        <p:spPr>
-          <a:xfrm>
-            <a:off x="7276364" y="4360365"/>
-            <a:ext cx="2924742" cy="2424728"/>
-          </a:xfrm>
-          <a:prstGeom prst="rect">
-            <a:avLst/>
-          </a:prstGeom>
-        </p:spPr>
-      </p:pic>
-      <p:pic>
-        <p:nvPicPr>
-          <p:cNvPr id="27" name="Picture 26">
-            <a:extLst>
-              <a:ext uri="{FF2B5EF4-FFF2-40B4-BE49-F238E27FC236}">
-                <a16:creationId xmlns:a16="http://schemas.microsoft.com/office/drawing/2014/main" id="{277F92A0-71CE-490F-B258-ED7EC95866E9}"/>
-              </a:ext>
-            </a:extLst>
-          </p:cNvPr>
-          <p:cNvPicPr>
-            <a:picLocks noChangeAspect="1"/>
-          </p:cNvPicPr>
-          <p:nvPr/>
-        </p:nvPicPr>
-        <p:blipFill>
-          <a:blip r:embed="rId4"/>
-          <a:stretch>
-            <a:fillRect/>
-          </a:stretch>
-        </p:blipFill>
-        <p:spPr>
-          <a:xfrm>
-            <a:off x="10402909" y="2613996"/>
-            <a:ext cx="494780" cy="2823542"/>
-          </a:xfrm>
-          <a:prstGeom prst="rect">
-            <a:avLst/>
-          </a:prstGeom>
-        </p:spPr>
-      </p:pic>
-      <p:sp>
-        <p:nvSpPr>
-          <p:cNvPr id="28" name="TextBox 27">
-            <a:extLst>
-              <a:ext uri="{FF2B5EF4-FFF2-40B4-BE49-F238E27FC236}">
-                <a16:creationId xmlns:a16="http://schemas.microsoft.com/office/drawing/2014/main" id="{209381BF-3B92-7C87-83D1-6D10AFC3C731}"/>
-              </a:ext>
-            </a:extLst>
-          </p:cNvPr>
-          <p:cNvSpPr txBox="1"/>
-          <p:nvPr/>
-        </p:nvSpPr>
-        <p:spPr>
-          <a:xfrm>
-            <a:off x="8289087" y="4206848"/>
-            <a:ext cx="1286933" cy="369332"/>
-          </a:xfrm>
-          <a:prstGeom prst="rect">
-            <a:avLst/>
-          </a:prstGeom>
-          <a:noFill/>
-        </p:spPr>
-        <p:txBody>
-          <a:bodyPr wrap="square" rtlCol="0">
-            <a:spAutoFit/>
-          </a:bodyPr>
-          <a:lstStyle/>
-          <a:p>
-            <a:pPr algn="ctr"/>
-            <a:r>
-              <a:rPr lang="en-US" dirty="0"/>
-              <a:t>FD (</a:t>
-            </a:r>
-            <a:r>
-              <a:rPr lang="en-US" dirty="0" err="1"/>
-              <a:t>xyz</a:t>
-            </a:r>
-            <a:r>
-              <a:rPr lang="en-US" dirty="0"/>
-              <a:t>)</a:t>
-            </a:r>
-          </a:p>
-        </p:txBody>
-      </p:sp>
-      <p:pic>
-        <p:nvPicPr>
-          <p:cNvPr id="30" name="Picture 29">
-            <a:extLst>
-              <a:ext uri="{FF2B5EF4-FFF2-40B4-BE49-F238E27FC236}">
-                <a16:creationId xmlns:a16="http://schemas.microsoft.com/office/drawing/2014/main" id="{78FFD473-8BB3-1A61-FCA5-1FC80C0BC590}"/>
-              </a:ext>
-            </a:extLst>
-          </p:cNvPr>
-          <p:cNvPicPr>
-            <a:picLocks noChangeAspect="1"/>
-          </p:cNvPicPr>
-          <p:nvPr/>
-        </p:nvPicPr>
-        <p:blipFill>
-          <a:blip r:embed="rId5"/>
-          <a:stretch>
-            <a:fillRect/>
-          </a:stretch>
-        </p:blipFill>
-        <p:spPr>
-          <a:xfrm>
-            <a:off x="7217123" y="1758796"/>
-            <a:ext cx="2924741" cy="2400807"/>
-          </a:xfrm>
-          <a:prstGeom prst="rect">
-            <a:avLst/>
-          </a:prstGeom>
-        </p:spPr>
-      </p:pic>
-      <p:sp>
-        <p:nvSpPr>
-          <p:cNvPr id="31" name="TextBox 30">
-            <a:extLst>
-              <a:ext uri="{FF2B5EF4-FFF2-40B4-BE49-F238E27FC236}">
-                <a16:creationId xmlns:a16="http://schemas.microsoft.com/office/drawing/2014/main" id="{18ED4AF3-A406-8565-DA72-D4AD2194F5BA}"/>
-              </a:ext>
-            </a:extLst>
-          </p:cNvPr>
-          <p:cNvSpPr txBox="1"/>
-          <p:nvPr/>
-        </p:nvSpPr>
-        <p:spPr>
-          <a:xfrm>
-            <a:off x="8207324" y="1542436"/>
-            <a:ext cx="1286933" cy="369332"/>
-          </a:xfrm>
-          <a:prstGeom prst="rect">
-            <a:avLst/>
-          </a:prstGeom>
-          <a:noFill/>
-        </p:spPr>
-        <p:txBody>
-          <a:bodyPr wrap="square" rtlCol="0">
-            <a:spAutoFit/>
-          </a:bodyPr>
-          <a:lstStyle/>
-          <a:p>
-            <a:pPr algn="ctr"/>
-            <a:r>
-              <a:rPr lang="en-US" dirty="0"/>
-              <a:t>FFT (</a:t>
-            </a:r>
-            <a:r>
-              <a:rPr lang="en-US" dirty="0" err="1"/>
-              <a:t>xyz</a:t>
-            </a:r>
-            <a:r>
-              <a:rPr lang="en-US" dirty="0"/>
-              <a:t>)</a:t>
-            </a:r>
-          </a:p>
-        </p:txBody>
-      </p:sp>
-      <p:pic>
-        <p:nvPicPr>
-          <p:cNvPr id="37" name="Picture 36">
-            <a:extLst>
-              <a:ext uri="{FF2B5EF4-FFF2-40B4-BE49-F238E27FC236}">
-                <a16:creationId xmlns:a16="http://schemas.microsoft.com/office/drawing/2014/main" id="{326FE1D3-8C41-0A8E-0D9D-230751971410}"/>
-              </a:ext>
-            </a:extLst>
-          </p:cNvPr>
-          <p:cNvPicPr>
-            <a:picLocks noChangeAspect="1"/>
-          </p:cNvPicPr>
-          <p:nvPr/>
-        </p:nvPicPr>
-        <p:blipFill>
-          <a:blip r:embed="rId6"/>
-          <a:stretch>
-            <a:fillRect/>
-          </a:stretch>
-        </p:blipFill>
-        <p:spPr>
-          <a:xfrm>
-            <a:off x="600120" y="4134202"/>
-            <a:ext cx="4724927" cy="2698398"/>
-          </a:xfrm>
-          <a:prstGeom prst="rect">
-            <a:avLst/>
-          </a:prstGeom>
-        </p:spPr>
-      </p:pic>
-    </p:spTree>
-    <p:extLst>
-      <p:ext uri="{BB962C8B-B14F-4D97-AF65-F5344CB8AC3E}">
-        <p14:creationId xmlns:p14="http://schemas.microsoft.com/office/powerpoint/2010/main" val="2184982505"/>
-      </p:ext>
-    </p:extLst>
-  </p:cSld>
-  <p:clrMapOvr>
-    <a:masterClrMapping/>
-  </p:clrMapOvr>
-</p:sld>
-</file>
-
-<file path=ppt/slides/slide3.xml><?xml version="1.0" encoding="utf-8"?>
-<p:sld xmlns:a="http://schemas.openxmlformats.org/drawingml/2006/main" xmlns:r="http://schemas.openxmlformats.org/officeDocument/2006/relationships" xmlns:p="http://schemas.openxmlformats.org/presentationml/2006/main">
-  <p:cSld>
-    <p:spTree>
-      <p:nvGrpSpPr>
-        <p:cNvPr id="1" name=""/>
-        <p:cNvGrpSpPr/>
-        <p:nvPr/>
-      </p:nvGrpSpPr>
-      <p:grpSpPr>
-        <a:xfrm>
-          <a:off x="0" y="0"/>
-          <a:ext cx="0" cy="0"/>
-          <a:chOff x="0" y="0"/>
-          <a:chExt cx="0" cy="0"/>
-        </a:xfrm>
-      </p:grpSpPr>
-      <p:sp>
-        <p:nvSpPr>
-          <p:cNvPr id="3" name="TextBox 2">
-            <a:extLst>
-              <a:ext uri="{FF2B5EF4-FFF2-40B4-BE49-F238E27FC236}">
-                <a16:creationId xmlns:a16="http://schemas.microsoft.com/office/drawing/2014/main" id="{364724F5-130A-5033-6596-47E57F224011}"/>
-              </a:ext>
-            </a:extLst>
-          </p:cNvPr>
-          <p:cNvSpPr txBox="1"/>
-          <p:nvPr/>
-        </p:nvSpPr>
-        <p:spPr>
-          <a:xfrm>
-            <a:off x="838200" y="1053198"/>
-            <a:ext cx="7010401" cy="646331"/>
-          </a:xfrm>
-          <a:prstGeom prst="rect">
-            <a:avLst/>
-          </a:prstGeom>
-          <a:noFill/>
-        </p:spPr>
-        <p:txBody>
-          <a:bodyPr wrap="square" rtlCol="0">
-            <a:spAutoFit/>
-          </a:bodyPr>
-          <a:lstStyle/>
-          <a:p>
-            <a:r>
-              <a:rPr lang="en-US" dirty="0"/>
-              <a:t>Lx = 5, Ly = 5, </a:t>
-            </a:r>
-            <a:r>
-              <a:rPr lang="en-US" dirty="0" err="1"/>
-              <a:t>Lz</a:t>
-            </a:r>
-            <a:r>
-              <a:rPr lang="en-US" dirty="0"/>
-              <a:t> = 50. s = 0.02. x = 0.75. </a:t>
-            </a:r>
-            <a:r>
-              <a:rPr lang="en-US" b="1" dirty="0"/>
-              <a:t>a = 0.10, cs = 100,</a:t>
-            </a:r>
-            <a:r>
-              <a:rPr lang="en-US" dirty="0"/>
-              <a:t> N = 50</a:t>
-            </a:r>
-          </a:p>
-          <a:p>
-            <a:r>
-              <a:rPr lang="en-US" dirty="0"/>
-              <a:t>3D vs 1D (dashed): </a:t>
-            </a:r>
-            <a:r>
-              <a:rPr lang="en-US" dirty="0" err="1"/>
-              <a:t>dz</a:t>
-            </a:r>
-            <a:r>
-              <a:rPr lang="en-US" dirty="0"/>
-              <a:t> = 0.5, ds = 0.20; dz_1D = 0.113, ds_1D = 0.083</a:t>
-            </a:r>
-          </a:p>
-        </p:txBody>
-      </p:sp>
-    </p:spTree>
-    <p:extLst>
-      <p:ext uri="{BB962C8B-B14F-4D97-AF65-F5344CB8AC3E}">
-        <p14:creationId xmlns:p14="http://schemas.microsoft.com/office/powerpoint/2010/main" val="1186522302"/>
-      </p:ext>
-    </p:extLst>
-  </p:cSld>
-  <p:clrMapOvr>
-    <a:masterClrMapping/>
-  </p:clrMapOvr>
-</p:sld>
-</file>
-
-<file path=ppt/slides/slide4.xml><?xml version="1.0" encoding="utf-8"?>
-<p:sld xmlns:a="http://schemas.openxmlformats.org/drawingml/2006/main" xmlns:r="http://schemas.openxmlformats.org/officeDocument/2006/relationships" xmlns:p="http://schemas.openxmlformats.org/presentationml/2006/main">
-  <p:cSld>
-    <p:spTree>
-      <p:nvGrpSpPr>
-        <p:cNvPr id="1" name=""/>
-        <p:cNvGrpSpPr/>
-        <p:nvPr/>
-      </p:nvGrpSpPr>
-      <p:grpSpPr>
-        <a:xfrm>
-          <a:off x="0" y="0"/>
-          <a:ext cx="0" cy="0"/>
-          <a:chOff x="0" y="0"/>
-          <a:chExt cx="0" cy="0"/>
-        </a:xfrm>
-      </p:grpSpPr>
-      <p:sp>
-        <p:nvSpPr>
-          <p:cNvPr id="2" name="Title 1">
-            <a:extLst>
-              <a:ext uri="{FF2B5EF4-FFF2-40B4-BE49-F238E27FC236}">
-                <a16:creationId xmlns:a16="http://schemas.microsoft.com/office/drawing/2014/main" id="{C872131D-FE4F-A224-AF09-4A0D93F4B83D}"/>
-              </a:ext>
-            </a:extLst>
-          </p:cNvPr>
-          <p:cNvSpPr>
-            <a:spLocks noGrp="1"/>
-          </p:cNvSpPr>
-          <p:nvPr>
-            <p:ph type="title"/>
-          </p:nvPr>
-        </p:nvSpPr>
-        <p:spPr>
-          <a:xfrm>
-            <a:off x="59268" y="135468"/>
-            <a:ext cx="10515600" cy="846667"/>
-          </a:xfrm>
-        </p:spPr>
-        <p:txBody>
-          <a:bodyPr/>
-          <a:lstStyle/>
-          <a:p>
-            <a:r>
-              <a:rPr lang="en-US" dirty="0"/>
-              <a:t>Parameter space (s, x, cs, N)</a:t>
-            </a:r>
-          </a:p>
-        </p:txBody>
-      </p:sp>
-    </p:spTree>
-    <p:extLst>
-      <p:ext uri="{BB962C8B-B14F-4D97-AF65-F5344CB8AC3E}">
-        <p14:creationId xmlns:p14="http://schemas.microsoft.com/office/powerpoint/2010/main" val="3387991481"/>
-      </p:ext>
-    </p:extLst>
-  </p:cSld>
-  <p:clrMapOvr>
-    <a:masterClrMapping/>
-  </p:clrMapOvr>
-</p:sld>
-</file>
-
-<file path=ppt/slides/slide5.xml><?xml version="1.0" encoding="utf-8"?>
-<p:sld xmlns:a="http://schemas.openxmlformats.org/drawingml/2006/main" xmlns:r="http://schemas.openxmlformats.org/officeDocument/2006/relationships" xmlns:p="http://schemas.openxmlformats.org/presentationml/2006/main">
-  <p:cSld>
-    <p:spTree>
-      <p:nvGrpSpPr>
-        <p:cNvPr id="1" name=""/>
-        <p:cNvGrpSpPr/>
-        <p:nvPr/>
-      </p:nvGrpSpPr>
-      <p:grpSpPr>
-        <a:xfrm>
-          <a:off x="0" y="0"/>
-          <a:ext cx="0" cy="0"/>
-          <a:chOff x="0" y="0"/>
-          <a:chExt cx="0" cy="0"/>
-        </a:xfrm>
-      </p:grpSpPr>
-      <p:sp>
-        <p:nvSpPr>
-          <p:cNvPr id="2" name="Title 1">
-            <a:extLst>
-              <a:ext uri="{FF2B5EF4-FFF2-40B4-BE49-F238E27FC236}">
-                <a16:creationId xmlns:a16="http://schemas.microsoft.com/office/drawing/2014/main" id="{C872131D-FE4F-A224-AF09-4A0D93F4B83D}"/>
-              </a:ext>
-            </a:extLst>
-          </p:cNvPr>
-          <p:cNvSpPr>
-            <a:spLocks noGrp="1"/>
-          </p:cNvSpPr>
-          <p:nvPr>
-            <p:ph type="title"/>
-          </p:nvPr>
-        </p:nvSpPr>
-        <p:spPr>
-          <a:xfrm>
-            <a:off x="177800" y="152400"/>
-            <a:ext cx="10515600" cy="846667"/>
-          </a:xfrm>
-        </p:spPr>
-        <p:txBody>
-          <a:bodyPr/>
-          <a:lstStyle/>
-          <a:p>
-            <a:r>
-              <a:rPr lang="en-US" dirty="0"/>
-              <a:t>Numerical space (</a:t>
-            </a:r>
-            <a:r>
-              <a:rPr lang="en-US" dirty="0" err="1"/>
-              <a:t>dz</a:t>
-            </a:r>
-            <a:r>
-              <a:rPr lang="en-US" dirty="0"/>
-              <a:t>, ds, Y)</a:t>
-            </a:r>
-          </a:p>
-        </p:txBody>
-      </p:sp>
-    </p:spTree>
-    <p:extLst>
-      <p:ext uri="{BB962C8B-B14F-4D97-AF65-F5344CB8AC3E}">
-        <p14:creationId xmlns:p14="http://schemas.microsoft.com/office/powerpoint/2010/main" val="3734331090"/>
-      </p:ext>
-    </p:extLst>
-  </p:cSld>
-  <p:clrMapOvr>
-    <a:masterClrMapping/>
-  </p:clrMapOvr>
-</p:sld>
-</file>
-
-<file path=ppt/slides/slide6.xml><?xml version="1.0" encoding="utf-8"?>
-<p:sld xmlns:a="http://schemas.openxmlformats.org/drawingml/2006/main" xmlns:r="http://schemas.openxmlformats.org/officeDocument/2006/relationships" xmlns:p="http://schemas.openxmlformats.org/presentationml/2006/main">
-  <p:cSld>
-    <p:spTree>
-      <p:nvGrpSpPr>
-        <p:cNvPr id="1" name=""/>
-        <p:cNvGrpSpPr/>
-        <p:nvPr/>
-      </p:nvGrpSpPr>
-      <p:grpSpPr>
-        <a:xfrm>
-          <a:off x="0" y="0"/>
-          <a:ext cx="0" cy="0"/>
-          <a:chOff x="0" y="0"/>
-          <a:chExt cx="0" cy="0"/>
-        </a:xfrm>
-      </p:grpSpPr>
-      <p:sp>
-        <p:nvSpPr>
-          <p:cNvPr id="2" name="Title 1">
-            <a:extLst>
-              <a:ext uri="{FF2B5EF4-FFF2-40B4-BE49-F238E27FC236}">
-                <a16:creationId xmlns:a16="http://schemas.microsoft.com/office/drawing/2014/main" id="{A42F1D30-274D-A5B8-3620-4DA31ECE8F5B}"/>
-              </a:ext>
-            </a:extLst>
-          </p:cNvPr>
-          <p:cNvSpPr>
-            <a:spLocks noGrp="1"/>
-          </p:cNvSpPr>
-          <p:nvPr>
-            <p:ph type="title"/>
-          </p:nvPr>
-        </p:nvSpPr>
-        <p:spPr>
-          <a:xfrm>
-            <a:off x="448734" y="2766218"/>
-            <a:ext cx="10515600" cy="1325563"/>
-          </a:xfrm>
-        </p:spPr>
-        <p:txBody>
-          <a:bodyPr/>
-          <a:lstStyle/>
-          <a:p>
-            <a:r>
-              <a:rPr lang="en-US" b="1" dirty="0"/>
-              <a:t>Specifying Grafted Points</a:t>
-            </a:r>
-          </a:p>
-        </p:txBody>
-      </p:sp>
-    </p:spTree>
-    <p:extLst>
-      <p:ext uri="{BB962C8B-B14F-4D97-AF65-F5344CB8AC3E}">
-        <p14:creationId xmlns:p14="http://schemas.microsoft.com/office/powerpoint/2010/main" val="896468000"/>
-      </p:ext>
-    </p:extLst>
-  </p:cSld>
-  <p:clrMapOvr>
-    <a:masterClrMapping/>
-  </p:clrMapOvr>
-</p:sld>
-</file>
-
-<file path=ppt/slides/slide7.xml><?xml version="1.0" encoding="utf-8"?>
-<p:sld xmlns:a="http://schemas.openxmlformats.org/drawingml/2006/main" xmlns:r="http://schemas.openxmlformats.org/officeDocument/2006/relationships" xmlns:p="http://schemas.openxmlformats.org/presentationml/2006/main">
-  <p:cSld>
-    <p:spTree>
-      <p:nvGrpSpPr>
-        <p:cNvPr id="1" name=""/>
-        <p:cNvGrpSpPr/>
-        <p:nvPr/>
-      </p:nvGrpSpPr>
-      <p:grpSpPr>
-        <a:xfrm>
-          <a:off x="0" y="0"/>
-          <a:ext cx="0" cy="0"/>
-          <a:chOff x="0" y="0"/>
-          <a:chExt cx="0" cy="0"/>
-        </a:xfrm>
-      </p:grpSpPr>
-      <p:sp>
-        <p:nvSpPr>
-          <p:cNvPr id="2" name="Title 1">
-            <a:extLst>
-              <a:ext uri="{FF2B5EF4-FFF2-40B4-BE49-F238E27FC236}">
-                <a16:creationId xmlns:a16="http://schemas.microsoft.com/office/drawing/2014/main" id="{EC7A1061-086B-35E4-61C1-83C328D5548E}"/>
-              </a:ext>
-            </a:extLst>
-          </p:cNvPr>
-          <p:cNvSpPr>
-            <a:spLocks noGrp="1"/>
-          </p:cNvSpPr>
-          <p:nvPr>
-            <p:ph type="title"/>
-          </p:nvPr>
-        </p:nvSpPr>
-        <p:spPr/>
-        <p:txBody>
-          <a:bodyPr/>
-          <a:lstStyle/>
-          <a:p>
-            <a:r>
-              <a:rPr lang="en-US" dirty="0"/>
-              <a:t>Strategy</a:t>
-            </a:r>
-          </a:p>
-        </p:txBody>
-      </p:sp>
-      <p:sp>
-        <p:nvSpPr>
-          <p:cNvPr id="3" name="TextBox 2">
-            <a:extLst>
-              <a:ext uri="{FF2B5EF4-FFF2-40B4-BE49-F238E27FC236}">
-                <a16:creationId xmlns:a16="http://schemas.microsoft.com/office/drawing/2014/main" id="{66A4566B-D26D-18F7-2769-748D7813228B}"/>
-              </a:ext>
-            </a:extLst>
-          </p:cNvPr>
-          <p:cNvSpPr txBox="1"/>
-          <p:nvPr/>
-        </p:nvSpPr>
-        <p:spPr>
-          <a:xfrm>
-            <a:off x="714374" y="1895475"/>
-            <a:ext cx="7810500" cy="646331"/>
-          </a:xfrm>
-          <a:prstGeom prst="rect">
-            <a:avLst/>
-          </a:prstGeom>
-          <a:noFill/>
-        </p:spPr>
-        <p:txBody>
-          <a:bodyPr wrap="square" rtlCol="0">
-            <a:spAutoFit/>
-          </a:bodyPr>
-          <a:lstStyle/>
-          <a:p>
-            <a:r>
-              <a:rPr lang="en-US" dirty="0"/>
-              <a:t>2D binary array for surface sites of homogeneously grafted polymer given grafting density, simulation box size, and discretization (and assuming dx = </a:t>
-            </a:r>
-            <a:r>
-              <a:rPr lang="en-US" dirty="0" err="1"/>
-              <a:t>dy</a:t>
-            </a:r>
-            <a:r>
-              <a:rPr lang="en-US" dirty="0"/>
-              <a:t>)</a:t>
-            </a:r>
-          </a:p>
-        </p:txBody>
-      </p:sp>
-      <p:sp>
-        <p:nvSpPr>
-          <p:cNvPr id="4" name="TextBox 3">
-            <a:extLst>
-              <a:ext uri="{FF2B5EF4-FFF2-40B4-BE49-F238E27FC236}">
-                <a16:creationId xmlns:a16="http://schemas.microsoft.com/office/drawing/2014/main" id="{14B153E5-948B-4D25-2B1C-2231E4E7EBA6}"/>
-              </a:ext>
-            </a:extLst>
-          </p:cNvPr>
-          <p:cNvSpPr txBox="1"/>
-          <p:nvPr/>
-        </p:nvSpPr>
-        <p:spPr>
-          <a:xfrm>
-            <a:off x="714374" y="2776538"/>
-            <a:ext cx="11077575" cy="646331"/>
-          </a:xfrm>
-          <a:prstGeom prst="rect">
-            <a:avLst/>
-          </a:prstGeom>
-          <a:noFill/>
-        </p:spPr>
-        <p:txBody>
-          <a:bodyPr wrap="square" rtlCol="0">
-            <a:spAutoFit/>
-          </a:bodyPr>
-          <a:lstStyle/>
-          <a:p>
-            <a:r>
-              <a:rPr lang="en-US" dirty="0" err="1"/>
-              <a:t>Fullspace</a:t>
-            </a:r>
-            <a:r>
-              <a:rPr lang="en-US" dirty="0"/>
-              <a:t> must be periodic on x0 = </a:t>
-            </a:r>
-            <a:r>
-              <a:rPr lang="en-US" dirty="0" err="1"/>
-              <a:t>xL</a:t>
-            </a:r>
-            <a:r>
-              <a:rPr lang="en-US" dirty="0"/>
-              <a:t>, y0 = </a:t>
-            </a:r>
-            <a:r>
-              <a:rPr lang="en-US" dirty="0" err="1"/>
-              <a:t>yL</a:t>
-            </a:r>
-            <a:endParaRPr lang="en-US" dirty="0"/>
-          </a:p>
-          <a:p>
-            <a:r>
-              <a:rPr lang="en-US" dirty="0" err="1"/>
-              <a:t>Halfspace</a:t>
-            </a:r>
-            <a:r>
-              <a:rPr lang="en-US" dirty="0"/>
-              <a:t> must be even on </a:t>
-            </a:r>
-            <a:r>
-              <a:rPr lang="en-US" dirty="0" err="1"/>
-              <a:t>xL</a:t>
-            </a:r>
-            <a:r>
-              <a:rPr lang="en-US" dirty="0"/>
-              <a:t>/2 and </a:t>
-            </a:r>
-            <a:r>
-              <a:rPr lang="en-US" dirty="0" err="1"/>
-              <a:t>yL</a:t>
-            </a:r>
-            <a:r>
-              <a:rPr lang="en-US" dirty="0"/>
-              <a:t>/2 (overlap of boundary following REDFT00) and periodic on x0 = </a:t>
-            </a:r>
-            <a:r>
-              <a:rPr lang="en-US" dirty="0" err="1"/>
-              <a:t>xL</a:t>
-            </a:r>
-            <a:r>
-              <a:rPr lang="en-US" dirty="0"/>
-              <a:t>, y0 = </a:t>
-            </a:r>
-            <a:r>
-              <a:rPr lang="en-US" dirty="0" err="1"/>
-              <a:t>yL</a:t>
-            </a:r>
-            <a:r>
-              <a:rPr lang="en-US" dirty="0"/>
-              <a:t>.</a:t>
-            </a:r>
-          </a:p>
-        </p:txBody>
-      </p:sp>
-      <p:sp>
-        <p:nvSpPr>
-          <p:cNvPr id="5" name="TextBox 4">
-            <a:extLst>
-              <a:ext uri="{FF2B5EF4-FFF2-40B4-BE49-F238E27FC236}">
-                <a16:creationId xmlns:a16="http://schemas.microsoft.com/office/drawing/2014/main" id="{97078C71-47DB-0D25-8BE5-AD0C9CC3C9FD}"/>
-              </a:ext>
-            </a:extLst>
-          </p:cNvPr>
-          <p:cNvSpPr txBox="1"/>
-          <p:nvPr/>
-        </p:nvSpPr>
-        <p:spPr>
-          <a:xfrm>
-            <a:off x="714373" y="3812426"/>
-            <a:ext cx="11077575" cy="369332"/>
-          </a:xfrm>
-          <a:prstGeom prst="rect">
-            <a:avLst/>
-          </a:prstGeom>
-          <a:noFill/>
-        </p:spPr>
-        <p:txBody>
-          <a:bodyPr wrap="square" rtlCol="0">
-            <a:spAutoFit/>
-          </a:bodyPr>
-          <a:lstStyle/>
-          <a:p>
-            <a:r>
-              <a:rPr lang="en-US" dirty="0"/>
-              <a:t>Homogeneous spacing as determined by regular hexagon, where grafting point at centroid of hexagon</a:t>
-            </a:r>
-          </a:p>
-        </p:txBody>
-      </p:sp>
-      <p:sp>
-        <p:nvSpPr>
-          <p:cNvPr id="6" name="TextBox 5">
-            <a:extLst>
-              <a:ext uri="{FF2B5EF4-FFF2-40B4-BE49-F238E27FC236}">
-                <a16:creationId xmlns:a16="http://schemas.microsoft.com/office/drawing/2014/main" id="{067DDA30-EAF3-09E5-D289-BD5F06EA216D}"/>
-              </a:ext>
-            </a:extLst>
-          </p:cNvPr>
-          <p:cNvSpPr txBox="1"/>
-          <p:nvPr/>
-        </p:nvSpPr>
-        <p:spPr>
-          <a:xfrm>
-            <a:off x="714372" y="4508719"/>
-            <a:ext cx="11077575" cy="923330"/>
-          </a:xfrm>
-          <a:prstGeom prst="rect">
-            <a:avLst/>
-          </a:prstGeom>
-          <a:noFill/>
-        </p:spPr>
-        <p:txBody>
-          <a:bodyPr wrap="square" rtlCol="0">
-            <a:spAutoFit/>
-          </a:bodyPr>
-          <a:lstStyle/>
-          <a:p>
-            <a:r>
-              <a:rPr lang="en-US" dirty="0"/>
-              <a:t>In case there are edge effects, try shifting the centroids away from the boundaries of the </a:t>
-            </a:r>
-            <a:r>
-              <a:rPr lang="en-US" dirty="0" err="1"/>
-              <a:t>xy</a:t>
-            </a:r>
-            <a:r>
-              <a:rPr lang="en-US" dirty="0"/>
-              <a:t>-plane (only did for </a:t>
-            </a:r>
-            <a:r>
-              <a:rPr lang="en-US" dirty="0" err="1"/>
-              <a:t>fullspace</a:t>
-            </a:r>
-            <a:r>
-              <a:rPr lang="en-US" dirty="0"/>
-              <a:t>)</a:t>
-            </a:r>
-          </a:p>
-          <a:p>
-            <a:pPr marL="285750" indent="-285750">
-              <a:buFont typeface="Arial" panose="020B0604020202020204" pitchFamily="34" charset="0"/>
-              <a:buChar char="•"/>
-            </a:pPr>
-            <a:r>
-              <a:rPr lang="en-US" dirty="0"/>
-              <a:t>Make sure no edge effects by comparing results of full FFT with cos FFT</a:t>
-            </a:r>
-          </a:p>
-        </p:txBody>
-      </p:sp>
-    </p:spTree>
-    <p:extLst>
-      <p:ext uri="{BB962C8B-B14F-4D97-AF65-F5344CB8AC3E}">
-        <p14:creationId xmlns:p14="http://schemas.microsoft.com/office/powerpoint/2010/main" val="1764039423"/>
-      </p:ext>
-    </p:extLst>
-  </p:cSld>
-  <p:clrMapOvr>
-    <a:masterClrMapping/>
-  </p:clrMapOvr>
-</p:sld>
-</file>
-
-<file path=ppt/slides/slide8.xml><?xml version="1.0" encoding="utf-8"?>
-<p:sld xmlns:a="http://schemas.openxmlformats.org/drawingml/2006/main" xmlns:r="http://schemas.openxmlformats.org/officeDocument/2006/relationships" xmlns:p="http://schemas.openxmlformats.org/presentationml/2006/main">
-  <p:cSld>
-    <p:spTree>
-      <p:nvGrpSpPr>
-        <p:cNvPr id="1" name=""/>
-        <p:cNvGrpSpPr/>
-        <p:nvPr/>
-      </p:nvGrpSpPr>
-      <p:grpSpPr>
-        <a:xfrm>
-          <a:off x="0" y="0"/>
-          <a:ext cx="0" cy="0"/>
-          <a:chOff x="0" y="0"/>
-          <a:chExt cx="0" cy="0"/>
-        </a:xfrm>
-      </p:grpSpPr>
-      <p:sp>
-        <p:nvSpPr>
-          <p:cNvPr id="2" name="Title 1">
-            <a:extLst>
-              <a:ext uri="{FF2B5EF4-FFF2-40B4-BE49-F238E27FC236}">
-                <a16:creationId xmlns:a16="http://schemas.microsoft.com/office/drawing/2014/main" id="{A3926BC3-A860-346A-4F58-1EE4C3E7FB0F}"/>
-              </a:ext>
-            </a:extLst>
-          </p:cNvPr>
-          <p:cNvSpPr>
-            <a:spLocks noGrp="1"/>
-          </p:cNvSpPr>
-          <p:nvPr>
-            <p:ph type="title"/>
-          </p:nvPr>
-        </p:nvSpPr>
-        <p:spPr/>
-        <p:txBody>
-          <a:bodyPr/>
-          <a:lstStyle/>
-          <a:p>
-            <a:r>
-              <a:rPr lang="en-US" dirty="0"/>
-              <a:t>Test conditions</a:t>
-            </a:r>
-          </a:p>
-        </p:txBody>
-      </p:sp>
-      <p:sp>
-        <p:nvSpPr>
-          <p:cNvPr id="3" name="TextBox 2">
-            <a:extLst>
-              <a:ext uri="{FF2B5EF4-FFF2-40B4-BE49-F238E27FC236}">
-                <a16:creationId xmlns:a16="http://schemas.microsoft.com/office/drawing/2014/main" id="{A00B5138-8D53-B196-C54A-B372D20698D0}"/>
-              </a:ext>
-            </a:extLst>
-          </p:cNvPr>
-          <p:cNvSpPr txBox="1"/>
-          <p:nvPr/>
-        </p:nvSpPr>
-        <p:spPr>
-          <a:xfrm>
-            <a:off x="1192695" y="2186609"/>
-            <a:ext cx="7026965" cy="1200329"/>
-          </a:xfrm>
-          <a:prstGeom prst="rect">
-            <a:avLst/>
-          </a:prstGeom>
-          <a:noFill/>
-        </p:spPr>
-        <p:txBody>
-          <a:bodyPr wrap="square" rtlCol="0">
-            <a:spAutoFit/>
-          </a:bodyPr>
-          <a:lstStyle/>
-          <a:p>
-            <a:r>
-              <a:rPr lang="en-US" dirty="0"/>
-              <a:t>Sigma = 0.05 c/nm2</a:t>
-            </a:r>
-          </a:p>
-          <a:p>
-            <a:r>
-              <a:rPr lang="en-US" dirty="0"/>
-              <a:t>Lx = 15 nm</a:t>
-            </a:r>
-          </a:p>
-          <a:p>
-            <a:r>
-              <a:rPr lang="en-US" dirty="0"/>
-              <a:t>Ly = 15 nm</a:t>
-            </a:r>
-          </a:p>
-          <a:p>
-            <a:r>
-              <a:rPr lang="en-US" dirty="0"/>
-              <a:t>dx = 0.4 nm</a:t>
-            </a:r>
-          </a:p>
-        </p:txBody>
-      </p:sp>
-      <p:sp>
-        <p:nvSpPr>
-          <p:cNvPr id="4" name="TextBox 3">
-            <a:extLst>
-              <a:ext uri="{FF2B5EF4-FFF2-40B4-BE49-F238E27FC236}">
-                <a16:creationId xmlns:a16="http://schemas.microsoft.com/office/drawing/2014/main" id="{431FD48E-52DE-AC6E-5D2D-A03BFCBE0CEE}"/>
-              </a:ext>
-            </a:extLst>
-          </p:cNvPr>
-          <p:cNvSpPr txBox="1"/>
-          <p:nvPr/>
-        </p:nvSpPr>
-        <p:spPr>
-          <a:xfrm>
-            <a:off x="1192694" y="3776869"/>
-            <a:ext cx="7026965" cy="1754326"/>
-          </a:xfrm>
-          <a:prstGeom prst="rect">
-            <a:avLst/>
-          </a:prstGeom>
-          <a:noFill/>
-        </p:spPr>
-        <p:txBody>
-          <a:bodyPr wrap="square" rtlCol="0">
-            <a:spAutoFit/>
-          </a:bodyPr>
-          <a:lstStyle/>
-          <a:p>
-            <a:r>
-              <a:rPr lang="en-US" dirty="0"/>
-              <a:t>Cast in terms of dx (for rounding and PBC for grafting points): </a:t>
-            </a:r>
-          </a:p>
-          <a:p>
-            <a:r>
-              <a:rPr lang="en-US" dirty="0"/>
-              <a:t>	Sigma = 0.0668 c/nm2</a:t>
-            </a:r>
-          </a:p>
-          <a:p>
-            <a:r>
-              <a:rPr lang="en-US" dirty="0"/>
-              <a:t>	Lx = 14.80 nm</a:t>
-            </a:r>
-          </a:p>
-          <a:p>
-            <a:r>
-              <a:rPr lang="en-US" dirty="0"/>
-              <a:t>	Ly = 11.20 nm</a:t>
-            </a:r>
-          </a:p>
-          <a:p>
-            <a:endParaRPr lang="en-US" dirty="0"/>
-          </a:p>
-          <a:p>
-            <a:r>
-              <a:rPr lang="en-US" dirty="0"/>
-              <a:t>(Sigma error decrease with dx)</a:t>
-            </a:r>
-          </a:p>
-        </p:txBody>
-      </p:sp>
-    </p:spTree>
-    <p:extLst>
-      <p:ext uri="{BB962C8B-B14F-4D97-AF65-F5344CB8AC3E}">
-        <p14:creationId xmlns:p14="http://schemas.microsoft.com/office/powerpoint/2010/main" val="782308025"/>
-      </p:ext>
-    </p:extLst>
-  </p:cSld>
-  <p:clrMapOvr>
-    <a:masterClrMapping/>
-  </p:clrMapOvr>
-</p:sld>
-</file>
-
-<file path=ppt/slides/slide9.xml><?xml version="1.0" encoding="utf-8"?>
-<p:sld xmlns:a="http://schemas.openxmlformats.org/drawingml/2006/main" xmlns:r="http://schemas.openxmlformats.org/officeDocument/2006/relationships" xmlns:p="http://schemas.openxmlformats.org/presentationml/2006/main">
-  <p:cSld>
-    <p:spTree>
-      <p:nvGrpSpPr>
-        <p:cNvPr id="1" name=""/>
-        <p:cNvGrpSpPr/>
-        <p:nvPr/>
-      </p:nvGrpSpPr>
-      <p:grpSpPr>
-        <a:xfrm>
-          <a:off x="0" y="0"/>
-          <a:ext cx="0" cy="0"/>
-          <a:chOff x="0" y="0"/>
-          <a:chExt cx="0" cy="0"/>
-        </a:xfrm>
-      </p:grpSpPr>
-      <p:pic>
-        <p:nvPicPr>
-          <p:cNvPr id="2" name="Picture 8">
-            <a:extLst>
-              <a:ext uri="{FF2B5EF4-FFF2-40B4-BE49-F238E27FC236}">
-                <a16:creationId xmlns:a16="http://schemas.microsoft.com/office/drawing/2014/main" id="{0942303E-AC1F-10F0-8287-CEA51A87AFA1}"/>
-              </a:ext>
-            </a:extLst>
-          </p:cNvPr>
-          <p:cNvPicPr>
-            <a:picLocks noChangeAspect="1" noChangeArrowheads="1"/>
-          </p:cNvPicPr>
-          <p:nvPr/>
-        </p:nvPicPr>
-        <p:blipFill>
-          <a:blip r:embed="rId2">
-            <a:extLst>
-              <a:ext uri="{28A0092B-C50C-407E-A947-70E740481C1C}">
-                <a14:useLocalDpi xmlns:a14="http://schemas.microsoft.com/office/drawing/2010/main" val="0"/>
-              </a:ext>
-            </a:extLst>
-          </a:blip>
-          <a:srcRect/>
-          <a:stretch>
-            <a:fillRect/>
-          </a:stretch>
-        </p:blipFill>
-        <p:spPr bwMode="auto">
-          <a:xfrm>
-            <a:off x="5292743" y="3203809"/>
-            <a:ext cx="3992646" cy="3472219"/>
-          </a:xfrm>
-          <a:prstGeom prst="rect">
-            <a:avLst/>
-          </a:prstGeom>
-          <a:noFill/>
-          <a:extLst>
-            <a:ext uri="{909E8E84-426E-40DD-AFC4-6F175D3DCCD1}">
-              <a14:hiddenFill xmlns:a14="http://schemas.microsoft.com/office/drawing/2010/main">
-                <a:solidFill>
-                  <a:srgbClr val="FFFFFF"/>
-                </a:solidFill>
-              </a14:hiddenFill>
-            </a:ext>
-          </a:extLst>
-        </p:spPr>
-      </p:pic>
-      <p:pic>
-        <p:nvPicPr>
-          <p:cNvPr id="3" name="Picture 8">
-            <a:extLst>
-              <a:ext uri="{FF2B5EF4-FFF2-40B4-BE49-F238E27FC236}">
-                <a16:creationId xmlns:a16="http://schemas.microsoft.com/office/drawing/2014/main" id="{3D1364F1-8E30-980B-97F9-DAB3A4D50979}"/>
-              </a:ext>
-            </a:extLst>
-          </p:cNvPr>
-          <p:cNvPicPr>
-            <a:picLocks noChangeAspect="1" noChangeArrowheads="1"/>
-          </p:cNvPicPr>
-          <p:nvPr/>
-        </p:nvPicPr>
-        <p:blipFill rotWithShape="1">
-          <a:blip r:embed="rId2">
-            <a:extLst>
-              <a:ext uri="{28A0092B-C50C-407E-A947-70E740481C1C}">
-                <a14:useLocalDpi xmlns:a14="http://schemas.microsoft.com/office/drawing/2010/main" val="0"/>
-              </a:ext>
-            </a:extLst>
-          </a:blip>
-          <a:srcRect r="1712"/>
-          <a:stretch/>
-        </p:blipFill>
-        <p:spPr bwMode="auto">
-          <a:xfrm>
-            <a:off x="1822262" y="256141"/>
-            <a:ext cx="3924300" cy="3472219"/>
-          </a:xfrm>
-          <a:prstGeom prst="rect">
-            <a:avLst/>
-          </a:prstGeom>
-          <a:noFill/>
-          <a:extLst>
-            <a:ext uri="{909E8E84-426E-40DD-AFC4-6F175D3DCCD1}">
-              <a14:hiddenFill xmlns:a14="http://schemas.microsoft.com/office/drawing/2010/main">
-                <a:solidFill>
-                  <a:srgbClr val="FFFFFF"/>
-                </a:solidFill>
-              </a14:hiddenFill>
-            </a:ext>
-          </a:extLst>
-        </p:spPr>
-      </p:pic>
-      <p:pic>
-        <p:nvPicPr>
-          <p:cNvPr id="5128" name="Picture 8">
-            <a:extLst>
-              <a:ext uri="{FF2B5EF4-FFF2-40B4-BE49-F238E27FC236}">
-                <a16:creationId xmlns:a16="http://schemas.microsoft.com/office/drawing/2014/main" id="{ED191988-4743-BC45-910E-FD3AAF0325D3}"/>
-              </a:ext>
-            </a:extLst>
-          </p:cNvPr>
-          <p:cNvPicPr>
-            <a:picLocks noChangeAspect="1" noChangeArrowheads="1"/>
-          </p:cNvPicPr>
-          <p:nvPr/>
-        </p:nvPicPr>
-        <p:blipFill rotWithShape="1">
-          <a:blip r:embed="rId2">
-            <a:extLst>
-              <a:ext uri="{28A0092B-C50C-407E-A947-70E740481C1C}">
-                <a14:useLocalDpi xmlns:a14="http://schemas.microsoft.com/office/drawing/2010/main" val="0"/>
-              </a:ext>
-            </a:extLst>
-          </a:blip>
-          <a:srcRect t="2462" r="1712"/>
-          <a:stretch/>
-        </p:blipFill>
-        <p:spPr bwMode="auto">
-          <a:xfrm>
-            <a:off x="1819275" y="3289300"/>
-            <a:ext cx="3924300" cy="3386729"/>
-          </a:xfrm>
-          <a:prstGeom prst="rect">
-            <a:avLst/>
-          </a:prstGeom>
-          <a:noFill/>
-          <a:extLst>
-            <a:ext uri="{909E8E84-426E-40DD-AFC4-6F175D3DCCD1}">
-              <a14:hiddenFill xmlns:a14="http://schemas.microsoft.com/office/drawing/2010/main">
-                <a:solidFill>
-                  <a:srgbClr val="FFFFFF"/>
-                </a:solidFill>
-              </a14:hiddenFill>
-            </a:ext>
-          </a:extLst>
-        </p:spPr>
-      </p:pic>
-      <p:sp>
-        <p:nvSpPr>
-          <p:cNvPr id="23" name="Hexagon 22">
-            <a:extLst>
-              <a:ext uri="{FF2B5EF4-FFF2-40B4-BE49-F238E27FC236}">
-                <a16:creationId xmlns:a16="http://schemas.microsoft.com/office/drawing/2014/main" id="{95F6E8AA-E51C-EF11-9603-A8A2058FEBC7}"/>
-              </a:ext>
-            </a:extLst>
-          </p:cNvPr>
-          <p:cNvSpPr>
-            <a:spLocks noChangeAspect="1"/>
-          </p:cNvSpPr>
-          <p:nvPr/>
-        </p:nvSpPr>
-        <p:spPr>
-          <a:xfrm>
-            <a:off x="1974615" y="2968935"/>
-            <a:ext cx="1101061" cy="949191"/>
-          </a:xfrm>
-          <a:prstGeom prst="hexagon">
-            <a:avLst/>
-          </a:prstGeom>
-          <a:noFill/>
-          <a:ln w="38100">
-            <a:solidFill>
-              <a:srgbClr val="C00000"/>
-            </a:solidFill>
-          </a:ln>
-        </p:spPr>
-        <p:style>
-          <a:lnRef idx="2">
-            <a:schemeClr val="accent1">
-              <a:shade val="15000"/>
-            </a:schemeClr>
-          </a:lnRef>
-          <a:fillRef idx="1">
-            <a:schemeClr val="accent1"/>
-          </a:fillRef>
-          <a:effectRef idx="0">
-            <a:schemeClr val="accent1"/>
-          </a:effectRef>
-          <a:fontRef idx="minor">
-            <a:schemeClr val="lt1"/>
-          </a:fontRef>
-        </p:style>
-        <p:txBody>
-          <a:bodyPr rtlCol="0" anchor="ctr"/>
-          <a:lstStyle/>
-          <a:p>
-            <a:pPr algn="ctr"/>
-            <a:endParaRPr lang="en-US" dirty="0"/>
-          </a:p>
-        </p:txBody>
-      </p:sp>
-      <p:sp>
-        <p:nvSpPr>
-          <p:cNvPr id="24" name="Hexagon 23">
-            <a:extLst>
-              <a:ext uri="{FF2B5EF4-FFF2-40B4-BE49-F238E27FC236}">
-                <a16:creationId xmlns:a16="http://schemas.microsoft.com/office/drawing/2014/main" id="{E2137AB5-84C0-9474-6105-2C763501D3BA}"/>
-              </a:ext>
-            </a:extLst>
-          </p:cNvPr>
-          <p:cNvSpPr>
-            <a:spLocks noChangeAspect="1"/>
-          </p:cNvSpPr>
-          <p:nvPr/>
-        </p:nvSpPr>
-        <p:spPr>
-          <a:xfrm>
-            <a:off x="1967472" y="3921109"/>
-            <a:ext cx="1101061" cy="949191"/>
-          </a:xfrm>
-          <a:prstGeom prst="hexagon">
-            <a:avLst/>
-          </a:prstGeom>
-          <a:noFill/>
-          <a:ln w="38100">
-            <a:solidFill>
-              <a:srgbClr val="C00000"/>
-            </a:solidFill>
-          </a:ln>
-        </p:spPr>
-        <p:style>
-          <a:lnRef idx="2">
-            <a:schemeClr val="accent1">
-              <a:shade val="15000"/>
-            </a:schemeClr>
-          </a:lnRef>
-          <a:fillRef idx="1">
-            <a:schemeClr val="accent1"/>
-          </a:fillRef>
-          <a:effectRef idx="0">
-            <a:schemeClr val="accent1"/>
-          </a:effectRef>
-          <a:fontRef idx="minor">
-            <a:schemeClr val="lt1"/>
-          </a:fontRef>
-        </p:style>
-        <p:txBody>
-          <a:bodyPr rtlCol="0" anchor="ctr"/>
-          <a:lstStyle/>
-          <a:p>
-            <a:pPr algn="ctr"/>
-            <a:endParaRPr lang="en-US" dirty="0"/>
-          </a:p>
-        </p:txBody>
-      </p:sp>
-      <p:sp>
-        <p:nvSpPr>
-          <p:cNvPr id="25" name="Hexagon 24">
-            <a:extLst>
-              <a:ext uri="{FF2B5EF4-FFF2-40B4-BE49-F238E27FC236}">
-                <a16:creationId xmlns:a16="http://schemas.microsoft.com/office/drawing/2014/main" id="{F8C810D5-5537-7B6D-B440-1268350AA201}"/>
-              </a:ext>
-            </a:extLst>
-          </p:cNvPr>
-          <p:cNvSpPr>
-            <a:spLocks noChangeAspect="1"/>
-          </p:cNvSpPr>
-          <p:nvPr/>
-        </p:nvSpPr>
-        <p:spPr>
-          <a:xfrm>
-            <a:off x="1967472" y="4865749"/>
-            <a:ext cx="1101061" cy="949191"/>
-          </a:xfrm>
-          <a:prstGeom prst="hexagon">
-            <a:avLst/>
-          </a:prstGeom>
-          <a:noFill/>
-          <a:ln w="38100">
-            <a:solidFill>
-              <a:srgbClr val="C00000"/>
-            </a:solidFill>
-          </a:ln>
-        </p:spPr>
-        <p:style>
-          <a:lnRef idx="2">
-            <a:schemeClr val="accent1">
-              <a:shade val="15000"/>
-            </a:schemeClr>
-          </a:lnRef>
-          <a:fillRef idx="1">
-            <a:schemeClr val="accent1"/>
-          </a:fillRef>
-          <a:effectRef idx="0">
-            <a:schemeClr val="accent1"/>
-          </a:effectRef>
-          <a:fontRef idx="minor">
-            <a:schemeClr val="lt1"/>
-          </a:fontRef>
-        </p:style>
-        <p:txBody>
-          <a:bodyPr rtlCol="0" anchor="ctr"/>
-          <a:lstStyle/>
-          <a:p>
-            <a:pPr algn="ctr"/>
-            <a:endParaRPr lang="en-US" dirty="0"/>
-          </a:p>
-        </p:txBody>
-      </p:sp>
-      <p:sp>
-        <p:nvSpPr>
-          <p:cNvPr id="26" name="Hexagon 25">
-            <a:extLst>
-              <a:ext uri="{FF2B5EF4-FFF2-40B4-BE49-F238E27FC236}">
-                <a16:creationId xmlns:a16="http://schemas.microsoft.com/office/drawing/2014/main" id="{F77599D8-7767-A82D-07AA-3FB63B9BFD14}"/>
-              </a:ext>
-            </a:extLst>
-          </p:cNvPr>
-          <p:cNvSpPr>
-            <a:spLocks noChangeAspect="1"/>
-          </p:cNvSpPr>
-          <p:nvPr/>
-        </p:nvSpPr>
-        <p:spPr>
-          <a:xfrm>
-            <a:off x="2834107" y="5342618"/>
-            <a:ext cx="1101061" cy="949191"/>
-          </a:xfrm>
-          <a:prstGeom prst="hexagon">
-            <a:avLst/>
-          </a:prstGeom>
-          <a:noFill/>
-          <a:ln w="38100">
-            <a:solidFill>
-              <a:srgbClr val="C00000"/>
-            </a:solidFill>
-          </a:ln>
-        </p:spPr>
-        <p:style>
-          <a:lnRef idx="2">
-            <a:schemeClr val="accent1">
-              <a:shade val="15000"/>
-            </a:schemeClr>
-          </a:lnRef>
-          <a:fillRef idx="1">
-            <a:schemeClr val="accent1"/>
-          </a:fillRef>
-          <a:effectRef idx="0">
-            <a:schemeClr val="accent1"/>
-          </a:effectRef>
-          <a:fontRef idx="minor">
-            <a:schemeClr val="lt1"/>
-          </a:fontRef>
-        </p:style>
-        <p:txBody>
-          <a:bodyPr rtlCol="0" anchor="ctr"/>
-          <a:lstStyle/>
-          <a:p>
-            <a:pPr algn="ctr"/>
-            <a:endParaRPr lang="en-US" dirty="0"/>
-          </a:p>
-        </p:txBody>
-      </p:sp>
-      <p:sp>
-        <p:nvSpPr>
-          <p:cNvPr id="27" name="Hexagon 26">
-            <a:extLst>
-              <a:ext uri="{FF2B5EF4-FFF2-40B4-BE49-F238E27FC236}">
-                <a16:creationId xmlns:a16="http://schemas.microsoft.com/office/drawing/2014/main" id="{EDA58312-BC6C-10CE-D676-1A55FABD2974}"/>
-              </a:ext>
-            </a:extLst>
-          </p:cNvPr>
-          <p:cNvSpPr>
-            <a:spLocks noChangeAspect="1"/>
-          </p:cNvSpPr>
-          <p:nvPr/>
-        </p:nvSpPr>
-        <p:spPr>
-          <a:xfrm>
-            <a:off x="2834107" y="4397196"/>
-            <a:ext cx="1101061" cy="949191"/>
-          </a:xfrm>
-          <a:prstGeom prst="hexagon">
-            <a:avLst/>
-          </a:prstGeom>
-          <a:noFill/>
-          <a:ln w="38100">
-            <a:solidFill>
-              <a:srgbClr val="C00000"/>
-            </a:solidFill>
-          </a:ln>
-        </p:spPr>
-        <p:style>
-          <a:lnRef idx="2">
-            <a:schemeClr val="accent1">
-              <a:shade val="15000"/>
-            </a:schemeClr>
-          </a:lnRef>
-          <a:fillRef idx="1">
-            <a:schemeClr val="accent1"/>
-          </a:fillRef>
-          <a:effectRef idx="0">
-            <a:schemeClr val="accent1"/>
-          </a:effectRef>
-          <a:fontRef idx="minor">
-            <a:schemeClr val="lt1"/>
-          </a:fontRef>
-        </p:style>
-        <p:txBody>
-          <a:bodyPr rtlCol="0" anchor="ctr"/>
-          <a:lstStyle/>
-          <a:p>
-            <a:pPr algn="ctr"/>
-            <a:endParaRPr lang="en-US" dirty="0"/>
-          </a:p>
-        </p:txBody>
-      </p:sp>
-      <p:sp>
-        <p:nvSpPr>
-          <p:cNvPr id="28" name="Hexagon 27">
-            <a:extLst>
-              <a:ext uri="{FF2B5EF4-FFF2-40B4-BE49-F238E27FC236}">
-                <a16:creationId xmlns:a16="http://schemas.microsoft.com/office/drawing/2014/main" id="{500312F3-E150-1BF6-8E03-C5E66745B1B5}"/>
-              </a:ext>
-            </a:extLst>
-          </p:cNvPr>
-          <p:cNvSpPr>
-            <a:spLocks noChangeAspect="1"/>
-          </p:cNvSpPr>
-          <p:nvPr/>
-        </p:nvSpPr>
-        <p:spPr>
-          <a:xfrm>
-            <a:off x="2834107" y="3451775"/>
-            <a:ext cx="1101061" cy="949191"/>
-          </a:xfrm>
-          <a:prstGeom prst="hexagon">
-            <a:avLst/>
-          </a:prstGeom>
-          <a:noFill/>
-          <a:ln w="38100">
-            <a:solidFill>
-              <a:srgbClr val="C00000"/>
-            </a:solidFill>
-          </a:ln>
-        </p:spPr>
-        <p:style>
-          <a:lnRef idx="2">
-            <a:schemeClr val="accent1">
-              <a:shade val="15000"/>
-            </a:schemeClr>
-          </a:lnRef>
-          <a:fillRef idx="1">
-            <a:schemeClr val="accent1"/>
-          </a:fillRef>
-          <a:effectRef idx="0">
-            <a:schemeClr val="accent1"/>
-          </a:effectRef>
-          <a:fontRef idx="minor">
-            <a:schemeClr val="lt1"/>
-          </a:fontRef>
-        </p:style>
-        <p:txBody>
-          <a:bodyPr rtlCol="0" anchor="ctr"/>
-          <a:lstStyle/>
-          <a:p>
-            <a:pPr algn="ctr"/>
-            <a:endParaRPr lang="en-US" dirty="0"/>
-          </a:p>
-        </p:txBody>
-      </p:sp>
-      <p:sp>
-        <p:nvSpPr>
-          <p:cNvPr id="29" name="Hexagon 28">
-            <a:extLst>
-              <a:ext uri="{FF2B5EF4-FFF2-40B4-BE49-F238E27FC236}">
-                <a16:creationId xmlns:a16="http://schemas.microsoft.com/office/drawing/2014/main" id="{15731913-8430-CCBF-E728-912DD1051C0A}"/>
-              </a:ext>
-            </a:extLst>
-          </p:cNvPr>
-          <p:cNvSpPr>
-            <a:spLocks noChangeAspect="1"/>
-          </p:cNvSpPr>
-          <p:nvPr/>
-        </p:nvSpPr>
-        <p:spPr>
-          <a:xfrm>
-            <a:off x="3693601" y="2976254"/>
-            <a:ext cx="1101061" cy="949191"/>
-          </a:xfrm>
-          <a:prstGeom prst="hexagon">
-            <a:avLst/>
-          </a:prstGeom>
-          <a:noFill/>
-          <a:ln w="38100">
-            <a:solidFill>
-              <a:srgbClr val="C00000"/>
-            </a:solidFill>
-          </a:ln>
-        </p:spPr>
-        <p:style>
-          <a:lnRef idx="2">
-            <a:schemeClr val="accent1">
-              <a:shade val="15000"/>
-            </a:schemeClr>
-          </a:lnRef>
-          <a:fillRef idx="1">
-            <a:schemeClr val="accent1"/>
-          </a:fillRef>
-          <a:effectRef idx="0">
-            <a:schemeClr val="accent1"/>
-          </a:effectRef>
-          <a:fontRef idx="minor">
-            <a:schemeClr val="lt1"/>
-          </a:fontRef>
-        </p:style>
-        <p:txBody>
-          <a:bodyPr rtlCol="0" anchor="ctr"/>
-          <a:lstStyle/>
-          <a:p>
-            <a:pPr algn="ctr"/>
-            <a:endParaRPr lang="en-US" dirty="0"/>
-          </a:p>
-        </p:txBody>
-      </p:sp>
-      <p:sp>
-        <p:nvSpPr>
-          <p:cNvPr id="30" name="Hexagon 29">
-            <a:extLst>
-              <a:ext uri="{FF2B5EF4-FFF2-40B4-BE49-F238E27FC236}">
-                <a16:creationId xmlns:a16="http://schemas.microsoft.com/office/drawing/2014/main" id="{FE4743FE-6712-EBB0-A5C5-B2274FF5C4DC}"/>
-              </a:ext>
-            </a:extLst>
-          </p:cNvPr>
-          <p:cNvSpPr>
-            <a:spLocks noChangeAspect="1"/>
-          </p:cNvSpPr>
-          <p:nvPr/>
-        </p:nvSpPr>
-        <p:spPr>
-          <a:xfrm>
-            <a:off x="3687238" y="3934484"/>
-            <a:ext cx="1101061" cy="949191"/>
-          </a:xfrm>
-          <a:prstGeom prst="hexagon">
-            <a:avLst/>
-          </a:prstGeom>
-          <a:noFill/>
-          <a:ln w="38100">
-            <a:solidFill>
-              <a:srgbClr val="C00000"/>
-            </a:solidFill>
-          </a:ln>
-        </p:spPr>
-        <p:style>
-          <a:lnRef idx="2">
-            <a:schemeClr val="accent1">
-              <a:shade val="15000"/>
-            </a:schemeClr>
-          </a:lnRef>
-          <a:fillRef idx="1">
-            <a:schemeClr val="accent1"/>
-          </a:fillRef>
-          <a:effectRef idx="0">
-            <a:schemeClr val="accent1"/>
-          </a:effectRef>
-          <a:fontRef idx="minor">
-            <a:schemeClr val="lt1"/>
-          </a:fontRef>
-        </p:style>
-        <p:txBody>
-          <a:bodyPr rtlCol="0" anchor="ctr"/>
-          <a:lstStyle/>
-          <a:p>
-            <a:pPr algn="ctr"/>
-            <a:endParaRPr lang="en-US" dirty="0"/>
-          </a:p>
-        </p:txBody>
-      </p:sp>
-      <p:sp>
-        <p:nvSpPr>
-          <p:cNvPr id="40" name="Hexagon 39">
-            <a:extLst>
-              <a:ext uri="{FF2B5EF4-FFF2-40B4-BE49-F238E27FC236}">
-                <a16:creationId xmlns:a16="http://schemas.microsoft.com/office/drawing/2014/main" id="{F03E2C1C-BF9A-D1A4-AB96-44B915D89168}"/>
-              </a:ext>
-            </a:extLst>
-          </p:cNvPr>
-          <p:cNvSpPr>
-            <a:spLocks noChangeAspect="1"/>
-          </p:cNvSpPr>
-          <p:nvPr/>
-        </p:nvSpPr>
-        <p:spPr>
-          <a:xfrm>
-            <a:off x="4550589" y="3458860"/>
-            <a:ext cx="1101061" cy="949191"/>
-          </a:xfrm>
-          <a:prstGeom prst="hexagon">
-            <a:avLst/>
-          </a:prstGeom>
-          <a:noFill/>
-          <a:ln w="38100">
-            <a:solidFill>
-              <a:srgbClr val="C00000"/>
-            </a:solidFill>
-          </a:ln>
-        </p:spPr>
-        <p:style>
-          <a:lnRef idx="2">
-            <a:schemeClr val="accent1">
-              <a:shade val="15000"/>
-            </a:schemeClr>
-          </a:lnRef>
-          <a:fillRef idx="1">
-            <a:schemeClr val="accent1"/>
-          </a:fillRef>
-          <a:effectRef idx="0">
-            <a:schemeClr val="accent1"/>
-          </a:effectRef>
-          <a:fontRef idx="minor">
-            <a:schemeClr val="lt1"/>
-          </a:fontRef>
-        </p:style>
-        <p:txBody>
-          <a:bodyPr rtlCol="0" anchor="ctr"/>
-          <a:lstStyle/>
-          <a:p>
-            <a:pPr algn="ctr"/>
-            <a:endParaRPr lang="en-US" dirty="0"/>
-          </a:p>
-        </p:txBody>
-      </p:sp>
-      <p:sp>
-        <p:nvSpPr>
-          <p:cNvPr id="41" name="Hexagon 40">
-            <a:extLst>
-              <a:ext uri="{FF2B5EF4-FFF2-40B4-BE49-F238E27FC236}">
-                <a16:creationId xmlns:a16="http://schemas.microsoft.com/office/drawing/2014/main" id="{AA13D11E-D161-07F1-337A-0439DE47625A}"/>
-              </a:ext>
-            </a:extLst>
-          </p:cNvPr>
-          <p:cNvSpPr>
-            <a:spLocks noChangeAspect="1"/>
-          </p:cNvSpPr>
-          <p:nvPr/>
-        </p:nvSpPr>
-        <p:spPr>
-          <a:xfrm>
-            <a:off x="4550589" y="4411034"/>
-            <a:ext cx="1101061" cy="949191"/>
-          </a:xfrm>
-          <a:prstGeom prst="hexagon">
-            <a:avLst/>
-          </a:prstGeom>
-          <a:noFill/>
-          <a:ln w="38100">
-            <a:solidFill>
-              <a:srgbClr val="C00000"/>
-            </a:solidFill>
-          </a:ln>
-        </p:spPr>
-        <p:style>
-          <a:lnRef idx="2">
-            <a:schemeClr val="accent1">
-              <a:shade val="15000"/>
-            </a:schemeClr>
-          </a:lnRef>
-          <a:fillRef idx="1">
-            <a:schemeClr val="accent1"/>
-          </a:fillRef>
-          <a:effectRef idx="0">
-            <a:schemeClr val="accent1"/>
-          </a:effectRef>
-          <a:fontRef idx="minor">
-            <a:schemeClr val="lt1"/>
-          </a:fontRef>
-        </p:style>
-        <p:txBody>
-          <a:bodyPr rtlCol="0" anchor="ctr"/>
-          <a:lstStyle/>
-          <a:p>
-            <a:pPr algn="ctr"/>
-            <a:endParaRPr lang="en-US" dirty="0"/>
-          </a:p>
-        </p:txBody>
-      </p:sp>
-      <p:sp>
-        <p:nvSpPr>
-          <p:cNvPr id="42" name="Hexagon 41">
-            <a:extLst>
-              <a:ext uri="{FF2B5EF4-FFF2-40B4-BE49-F238E27FC236}">
-                <a16:creationId xmlns:a16="http://schemas.microsoft.com/office/drawing/2014/main" id="{37E2AD43-8C0F-AE4E-73F5-2ADF3F4328B5}"/>
-              </a:ext>
-            </a:extLst>
-          </p:cNvPr>
-          <p:cNvSpPr>
-            <a:spLocks noChangeAspect="1"/>
-          </p:cNvSpPr>
-          <p:nvPr/>
-        </p:nvSpPr>
-        <p:spPr>
-          <a:xfrm>
-            <a:off x="4550589" y="5369961"/>
-            <a:ext cx="1101061" cy="949191"/>
-          </a:xfrm>
-          <a:prstGeom prst="hexagon">
-            <a:avLst/>
-          </a:prstGeom>
-          <a:noFill/>
-          <a:ln w="38100">
-            <a:solidFill>
-              <a:srgbClr val="C00000"/>
-            </a:solidFill>
-          </a:ln>
-        </p:spPr>
-        <p:style>
-          <a:lnRef idx="2">
-            <a:schemeClr val="accent1">
-              <a:shade val="15000"/>
-            </a:schemeClr>
-          </a:lnRef>
-          <a:fillRef idx="1">
-            <a:schemeClr val="accent1"/>
-          </a:fillRef>
-          <a:effectRef idx="0">
-            <a:schemeClr val="accent1"/>
-          </a:effectRef>
-          <a:fontRef idx="minor">
-            <a:schemeClr val="lt1"/>
-          </a:fontRef>
-        </p:style>
-        <p:txBody>
-          <a:bodyPr rtlCol="0" anchor="ctr"/>
-          <a:lstStyle/>
-          <a:p>
-            <a:pPr algn="ctr"/>
-            <a:endParaRPr lang="en-US" dirty="0"/>
-          </a:p>
-        </p:txBody>
-      </p:sp>
-      <p:sp>
-        <p:nvSpPr>
-          <p:cNvPr id="49" name="Hexagon 48">
-            <a:extLst>
-              <a:ext uri="{FF2B5EF4-FFF2-40B4-BE49-F238E27FC236}">
-                <a16:creationId xmlns:a16="http://schemas.microsoft.com/office/drawing/2014/main" id="{6DED218D-3761-F049-ADDA-F96E065614EC}"/>
-              </a:ext>
-            </a:extLst>
-          </p:cNvPr>
-          <p:cNvSpPr>
-            <a:spLocks noChangeAspect="1"/>
-          </p:cNvSpPr>
-          <p:nvPr/>
-        </p:nvSpPr>
-        <p:spPr>
-          <a:xfrm>
-            <a:off x="3694322" y="4877619"/>
-            <a:ext cx="1101061" cy="949191"/>
-          </a:xfrm>
-          <a:prstGeom prst="hexagon">
-            <a:avLst/>
-          </a:prstGeom>
-          <a:noFill/>
-          <a:ln w="38100">
-            <a:solidFill>
-              <a:srgbClr val="C00000"/>
-            </a:solidFill>
-          </a:ln>
-        </p:spPr>
-        <p:style>
-          <a:lnRef idx="2">
-            <a:schemeClr val="accent1">
-              <a:shade val="15000"/>
-            </a:schemeClr>
-          </a:lnRef>
-          <a:fillRef idx="1">
-            <a:schemeClr val="accent1"/>
-          </a:fillRef>
-          <a:effectRef idx="0">
-            <a:schemeClr val="accent1"/>
-          </a:effectRef>
-          <a:fontRef idx="minor">
-            <a:schemeClr val="lt1"/>
-          </a:fontRef>
-        </p:style>
-        <p:txBody>
-          <a:bodyPr rtlCol="0" anchor="ctr"/>
-          <a:lstStyle/>
-          <a:p>
-            <a:pPr algn="ctr"/>
-            <a:endParaRPr lang="en-US" dirty="0"/>
-          </a:p>
-        </p:txBody>
-      </p:sp>
-      <p:sp>
-        <p:nvSpPr>
-          <p:cNvPr id="1025" name="Hexagon 1024">
-            <a:extLst>
-              <a:ext uri="{FF2B5EF4-FFF2-40B4-BE49-F238E27FC236}">
-                <a16:creationId xmlns:a16="http://schemas.microsoft.com/office/drawing/2014/main" id="{C7930FA0-BB84-E8BC-6F55-86DC44EB1517}"/>
-              </a:ext>
-            </a:extLst>
-          </p:cNvPr>
-          <p:cNvSpPr>
-            <a:spLocks noChangeAspect="1"/>
-          </p:cNvSpPr>
-          <p:nvPr/>
-        </p:nvSpPr>
-        <p:spPr>
-          <a:xfrm>
-            <a:off x="5426874" y="2968935"/>
-            <a:ext cx="1101061" cy="949191"/>
-          </a:xfrm>
-          <a:prstGeom prst="hexagon">
-            <a:avLst/>
-          </a:prstGeom>
-          <a:noFill/>
-          <a:ln w="38100">
-            <a:solidFill>
-              <a:srgbClr val="C00000"/>
-            </a:solidFill>
-          </a:ln>
-        </p:spPr>
-        <p:style>
-          <a:lnRef idx="2">
-            <a:schemeClr val="accent1">
-              <a:shade val="15000"/>
-            </a:schemeClr>
-          </a:lnRef>
-          <a:fillRef idx="1">
-            <a:schemeClr val="accent1"/>
-          </a:fillRef>
-          <a:effectRef idx="0">
-            <a:schemeClr val="accent1"/>
-          </a:effectRef>
-          <a:fontRef idx="minor">
-            <a:schemeClr val="lt1"/>
-          </a:fontRef>
-        </p:style>
-        <p:txBody>
-          <a:bodyPr rtlCol="0" anchor="ctr"/>
-          <a:lstStyle/>
-          <a:p>
-            <a:pPr algn="ctr"/>
-            <a:endParaRPr lang="en-US" dirty="0"/>
-          </a:p>
-        </p:txBody>
-      </p:sp>
-      <p:sp>
-        <p:nvSpPr>
-          <p:cNvPr id="1027" name="Hexagon 1026">
-            <a:extLst>
-              <a:ext uri="{FF2B5EF4-FFF2-40B4-BE49-F238E27FC236}">
-                <a16:creationId xmlns:a16="http://schemas.microsoft.com/office/drawing/2014/main" id="{07BAD851-770C-F9A5-118E-93F5FFB185A8}"/>
-              </a:ext>
-            </a:extLst>
-          </p:cNvPr>
-          <p:cNvSpPr>
-            <a:spLocks noChangeAspect="1"/>
-          </p:cNvSpPr>
-          <p:nvPr/>
-        </p:nvSpPr>
-        <p:spPr>
-          <a:xfrm>
-            <a:off x="5419730" y="3921109"/>
-            <a:ext cx="1101061" cy="949191"/>
-          </a:xfrm>
-          <a:prstGeom prst="hexagon">
-            <a:avLst/>
-          </a:prstGeom>
-          <a:noFill/>
-          <a:ln w="38100">
-            <a:solidFill>
-              <a:srgbClr val="C00000"/>
-            </a:solidFill>
-          </a:ln>
-        </p:spPr>
-        <p:style>
-          <a:lnRef idx="2">
-            <a:schemeClr val="accent1">
-              <a:shade val="15000"/>
-            </a:schemeClr>
-          </a:lnRef>
-          <a:fillRef idx="1">
-            <a:schemeClr val="accent1"/>
-          </a:fillRef>
-          <a:effectRef idx="0">
-            <a:schemeClr val="accent1"/>
-          </a:effectRef>
-          <a:fontRef idx="minor">
-            <a:schemeClr val="lt1"/>
-          </a:fontRef>
-        </p:style>
-        <p:txBody>
-          <a:bodyPr rtlCol="0" anchor="ctr"/>
-          <a:lstStyle/>
-          <a:p>
-            <a:pPr algn="ctr"/>
-            <a:endParaRPr lang="en-US" dirty="0"/>
-          </a:p>
-        </p:txBody>
-      </p:sp>
-      <p:sp>
-        <p:nvSpPr>
-          <p:cNvPr id="1029" name="Hexagon 1028">
-            <a:extLst>
-              <a:ext uri="{FF2B5EF4-FFF2-40B4-BE49-F238E27FC236}">
-                <a16:creationId xmlns:a16="http://schemas.microsoft.com/office/drawing/2014/main" id="{D632B0F6-85EB-24F7-7939-C500C21C0D9E}"/>
-              </a:ext>
-            </a:extLst>
-          </p:cNvPr>
-          <p:cNvSpPr>
-            <a:spLocks noChangeAspect="1"/>
-          </p:cNvSpPr>
-          <p:nvPr/>
-        </p:nvSpPr>
-        <p:spPr>
-          <a:xfrm>
-            <a:off x="5419730" y="4865749"/>
-            <a:ext cx="1101061" cy="949191"/>
-          </a:xfrm>
-          <a:prstGeom prst="hexagon">
-            <a:avLst/>
-          </a:prstGeom>
-          <a:noFill/>
-          <a:ln w="38100">
-            <a:solidFill>
-              <a:srgbClr val="C00000"/>
-            </a:solidFill>
-          </a:ln>
-        </p:spPr>
-        <p:style>
-          <a:lnRef idx="2">
-            <a:schemeClr val="accent1">
-              <a:shade val="15000"/>
-            </a:schemeClr>
-          </a:lnRef>
-          <a:fillRef idx="1">
-            <a:schemeClr val="accent1"/>
-          </a:fillRef>
-          <a:effectRef idx="0">
-            <a:schemeClr val="accent1"/>
-          </a:effectRef>
-          <a:fontRef idx="minor">
-            <a:schemeClr val="lt1"/>
-          </a:fontRef>
-        </p:style>
-        <p:txBody>
-          <a:bodyPr rtlCol="0" anchor="ctr"/>
-          <a:lstStyle/>
-          <a:p>
-            <a:pPr algn="ctr"/>
-            <a:endParaRPr lang="en-US" dirty="0"/>
-          </a:p>
-        </p:txBody>
-      </p:sp>
-      <p:sp>
-        <p:nvSpPr>
-          <p:cNvPr id="1030" name="Hexagon 1029">
-            <a:extLst>
-              <a:ext uri="{FF2B5EF4-FFF2-40B4-BE49-F238E27FC236}">
-                <a16:creationId xmlns:a16="http://schemas.microsoft.com/office/drawing/2014/main" id="{94B24927-43D8-1C74-168D-351ED75387C9}"/>
-              </a:ext>
-            </a:extLst>
-          </p:cNvPr>
-          <p:cNvSpPr>
-            <a:spLocks noChangeAspect="1"/>
-          </p:cNvSpPr>
-          <p:nvPr/>
-        </p:nvSpPr>
-        <p:spPr>
-          <a:xfrm>
-            <a:off x="6286366" y="5342618"/>
-            <a:ext cx="1101061" cy="949191"/>
-          </a:xfrm>
-          <a:prstGeom prst="hexagon">
-            <a:avLst/>
-          </a:prstGeom>
-          <a:noFill/>
-          <a:ln w="38100">
-            <a:solidFill>
-              <a:srgbClr val="C00000"/>
-            </a:solidFill>
-          </a:ln>
-        </p:spPr>
-        <p:style>
-          <a:lnRef idx="2">
-            <a:schemeClr val="accent1">
-              <a:shade val="15000"/>
-            </a:schemeClr>
-          </a:lnRef>
-          <a:fillRef idx="1">
-            <a:schemeClr val="accent1"/>
-          </a:fillRef>
-          <a:effectRef idx="0">
-            <a:schemeClr val="accent1"/>
-          </a:effectRef>
-          <a:fontRef idx="minor">
-            <a:schemeClr val="lt1"/>
-          </a:fontRef>
-        </p:style>
-        <p:txBody>
-          <a:bodyPr rtlCol="0" anchor="ctr"/>
-          <a:lstStyle/>
-          <a:p>
-            <a:pPr algn="ctr"/>
-            <a:endParaRPr lang="en-US" dirty="0"/>
-          </a:p>
-        </p:txBody>
-      </p:sp>
-      <p:sp>
-        <p:nvSpPr>
-          <p:cNvPr id="1031" name="Hexagon 1030">
-            <a:extLst>
-              <a:ext uri="{FF2B5EF4-FFF2-40B4-BE49-F238E27FC236}">
-                <a16:creationId xmlns:a16="http://schemas.microsoft.com/office/drawing/2014/main" id="{3DB7BA57-7A0A-69E4-2AF2-2C4D8F441114}"/>
-              </a:ext>
-            </a:extLst>
-          </p:cNvPr>
-          <p:cNvSpPr>
-            <a:spLocks noChangeAspect="1"/>
-          </p:cNvSpPr>
-          <p:nvPr/>
-        </p:nvSpPr>
-        <p:spPr>
-          <a:xfrm>
-            <a:off x="6286366" y="4397196"/>
-            <a:ext cx="1101061" cy="949191"/>
-          </a:xfrm>
-          <a:prstGeom prst="hexagon">
-            <a:avLst/>
-          </a:prstGeom>
-          <a:noFill/>
-          <a:ln w="38100">
-            <a:solidFill>
-              <a:srgbClr val="C00000"/>
-            </a:solidFill>
-          </a:ln>
-        </p:spPr>
-        <p:style>
-          <a:lnRef idx="2">
-            <a:schemeClr val="accent1">
-              <a:shade val="15000"/>
-            </a:schemeClr>
-          </a:lnRef>
-          <a:fillRef idx="1">
-            <a:schemeClr val="accent1"/>
-          </a:fillRef>
-          <a:effectRef idx="0">
-            <a:schemeClr val="accent1"/>
-          </a:effectRef>
-          <a:fontRef idx="minor">
-            <a:schemeClr val="lt1"/>
-          </a:fontRef>
-        </p:style>
-        <p:txBody>
-          <a:bodyPr rtlCol="0" anchor="ctr"/>
-          <a:lstStyle/>
-          <a:p>
-            <a:pPr algn="ctr"/>
-            <a:endParaRPr lang="en-US" dirty="0"/>
-          </a:p>
-        </p:txBody>
-      </p:sp>
-      <p:sp>
-        <p:nvSpPr>
-          <p:cNvPr id="1032" name="Hexagon 1031">
-            <a:extLst>
-              <a:ext uri="{FF2B5EF4-FFF2-40B4-BE49-F238E27FC236}">
-                <a16:creationId xmlns:a16="http://schemas.microsoft.com/office/drawing/2014/main" id="{C03011F2-1859-3E52-FEC8-55F61BD5FFF3}"/>
-              </a:ext>
-            </a:extLst>
-          </p:cNvPr>
-          <p:cNvSpPr>
-            <a:spLocks noChangeAspect="1"/>
-          </p:cNvSpPr>
-          <p:nvPr/>
-        </p:nvSpPr>
-        <p:spPr>
-          <a:xfrm>
-            <a:off x="6286366" y="3451775"/>
-            <a:ext cx="1101061" cy="949191"/>
-          </a:xfrm>
-          <a:prstGeom prst="hexagon">
-            <a:avLst/>
-          </a:prstGeom>
-          <a:noFill/>
-          <a:ln w="38100">
-            <a:solidFill>
-              <a:srgbClr val="C00000"/>
-            </a:solidFill>
-          </a:ln>
-        </p:spPr>
-        <p:style>
-          <a:lnRef idx="2">
-            <a:schemeClr val="accent1">
-              <a:shade val="15000"/>
-            </a:schemeClr>
-          </a:lnRef>
-          <a:fillRef idx="1">
-            <a:schemeClr val="accent1"/>
-          </a:fillRef>
-          <a:effectRef idx="0">
-            <a:schemeClr val="accent1"/>
-          </a:effectRef>
-          <a:fontRef idx="minor">
-            <a:schemeClr val="lt1"/>
-          </a:fontRef>
-        </p:style>
-        <p:txBody>
-          <a:bodyPr rtlCol="0" anchor="ctr"/>
-          <a:lstStyle/>
-          <a:p>
-            <a:pPr algn="ctr"/>
-            <a:endParaRPr lang="en-US" dirty="0"/>
-          </a:p>
-        </p:txBody>
-      </p:sp>
-      <p:sp>
-        <p:nvSpPr>
-          <p:cNvPr id="1033" name="Hexagon 1032">
-            <a:extLst>
-              <a:ext uri="{FF2B5EF4-FFF2-40B4-BE49-F238E27FC236}">
-                <a16:creationId xmlns:a16="http://schemas.microsoft.com/office/drawing/2014/main" id="{AE75FE7B-A81B-2956-56D7-45F8EB881D36}"/>
-              </a:ext>
-            </a:extLst>
-          </p:cNvPr>
-          <p:cNvSpPr>
-            <a:spLocks noChangeAspect="1"/>
-          </p:cNvSpPr>
-          <p:nvPr/>
-        </p:nvSpPr>
-        <p:spPr>
-          <a:xfrm>
-            <a:off x="7145860" y="2976253"/>
-            <a:ext cx="1101061" cy="949191"/>
-          </a:xfrm>
-          <a:prstGeom prst="hexagon">
-            <a:avLst/>
-          </a:prstGeom>
-          <a:noFill/>
-          <a:ln w="38100">
-            <a:solidFill>
-              <a:srgbClr val="C00000"/>
-            </a:solidFill>
-          </a:ln>
-        </p:spPr>
-        <p:style>
-          <a:lnRef idx="2">
-            <a:schemeClr val="accent1">
-              <a:shade val="15000"/>
-            </a:schemeClr>
-          </a:lnRef>
-          <a:fillRef idx="1">
-            <a:schemeClr val="accent1"/>
-          </a:fillRef>
-          <a:effectRef idx="0">
-            <a:schemeClr val="accent1"/>
-          </a:effectRef>
-          <a:fontRef idx="minor">
-            <a:schemeClr val="lt1"/>
-          </a:fontRef>
-        </p:style>
-        <p:txBody>
-          <a:bodyPr rtlCol="0" anchor="ctr"/>
-          <a:lstStyle/>
-          <a:p>
-            <a:pPr algn="ctr"/>
-            <a:endParaRPr lang="en-US" dirty="0"/>
-          </a:p>
-        </p:txBody>
-      </p:sp>
-      <p:sp>
-        <p:nvSpPr>
-          <p:cNvPr id="1034" name="Hexagon 1033">
-            <a:extLst>
-              <a:ext uri="{FF2B5EF4-FFF2-40B4-BE49-F238E27FC236}">
-                <a16:creationId xmlns:a16="http://schemas.microsoft.com/office/drawing/2014/main" id="{54025567-2401-C213-CA49-AFB6FBE39109}"/>
-              </a:ext>
-            </a:extLst>
-          </p:cNvPr>
-          <p:cNvSpPr>
-            <a:spLocks noChangeAspect="1"/>
-          </p:cNvSpPr>
-          <p:nvPr/>
-        </p:nvSpPr>
-        <p:spPr>
-          <a:xfrm>
-            <a:off x="7139497" y="3934485"/>
-            <a:ext cx="1101061" cy="949191"/>
-          </a:xfrm>
-          <a:prstGeom prst="hexagon">
-            <a:avLst/>
-          </a:prstGeom>
-          <a:noFill/>
-          <a:ln w="38100">
-            <a:solidFill>
-              <a:srgbClr val="C00000"/>
-            </a:solidFill>
-          </a:ln>
-        </p:spPr>
-        <p:style>
-          <a:lnRef idx="2">
-            <a:schemeClr val="accent1">
-              <a:shade val="15000"/>
-            </a:schemeClr>
-          </a:lnRef>
-          <a:fillRef idx="1">
-            <a:schemeClr val="accent1"/>
-          </a:fillRef>
-          <a:effectRef idx="0">
-            <a:schemeClr val="accent1"/>
-          </a:effectRef>
-          <a:fontRef idx="minor">
-            <a:schemeClr val="lt1"/>
-          </a:fontRef>
-        </p:style>
-        <p:txBody>
-          <a:bodyPr rtlCol="0" anchor="ctr"/>
-          <a:lstStyle/>
-          <a:p>
-            <a:pPr algn="ctr"/>
-            <a:endParaRPr lang="en-US" dirty="0"/>
-          </a:p>
-        </p:txBody>
-      </p:sp>
-      <p:sp>
-        <p:nvSpPr>
-          <p:cNvPr id="1035" name="Hexagon 1034">
-            <a:extLst>
-              <a:ext uri="{FF2B5EF4-FFF2-40B4-BE49-F238E27FC236}">
-                <a16:creationId xmlns:a16="http://schemas.microsoft.com/office/drawing/2014/main" id="{E0349C23-4111-3D32-480E-A5D8E9E50CE5}"/>
-              </a:ext>
-            </a:extLst>
-          </p:cNvPr>
-          <p:cNvSpPr>
-            <a:spLocks noChangeAspect="1"/>
-          </p:cNvSpPr>
-          <p:nvPr/>
-        </p:nvSpPr>
-        <p:spPr>
-          <a:xfrm>
-            <a:off x="8002848" y="3458861"/>
-            <a:ext cx="1101061" cy="949191"/>
-          </a:xfrm>
-          <a:prstGeom prst="hexagon">
-            <a:avLst/>
-          </a:prstGeom>
-          <a:noFill/>
-          <a:ln w="38100">
-            <a:solidFill>
-              <a:srgbClr val="C00000"/>
-            </a:solidFill>
-          </a:ln>
-        </p:spPr>
-        <p:style>
-          <a:lnRef idx="2">
-            <a:schemeClr val="accent1">
-              <a:shade val="15000"/>
-            </a:schemeClr>
-          </a:lnRef>
-          <a:fillRef idx="1">
-            <a:schemeClr val="accent1"/>
-          </a:fillRef>
-          <a:effectRef idx="0">
-            <a:schemeClr val="accent1"/>
-          </a:effectRef>
-          <a:fontRef idx="minor">
-            <a:schemeClr val="lt1"/>
-          </a:fontRef>
-        </p:style>
-        <p:txBody>
-          <a:bodyPr rtlCol="0" anchor="ctr"/>
-          <a:lstStyle/>
-          <a:p>
-            <a:pPr algn="ctr"/>
-            <a:endParaRPr lang="en-US" dirty="0"/>
-          </a:p>
-        </p:txBody>
-      </p:sp>
-      <p:sp>
-        <p:nvSpPr>
-          <p:cNvPr id="1036" name="Hexagon 1035">
-            <a:extLst>
-              <a:ext uri="{FF2B5EF4-FFF2-40B4-BE49-F238E27FC236}">
-                <a16:creationId xmlns:a16="http://schemas.microsoft.com/office/drawing/2014/main" id="{F83ECF99-64C5-797E-B098-E76380388873}"/>
-              </a:ext>
-            </a:extLst>
-          </p:cNvPr>
-          <p:cNvSpPr>
-            <a:spLocks noChangeAspect="1"/>
-          </p:cNvSpPr>
-          <p:nvPr/>
-        </p:nvSpPr>
-        <p:spPr>
-          <a:xfrm>
-            <a:off x="8002848" y="4411034"/>
-            <a:ext cx="1101061" cy="949191"/>
-          </a:xfrm>
-          <a:prstGeom prst="hexagon">
-            <a:avLst/>
-          </a:prstGeom>
-          <a:noFill/>
-          <a:ln w="38100">
-            <a:solidFill>
-              <a:srgbClr val="C00000"/>
-            </a:solidFill>
-          </a:ln>
-        </p:spPr>
-        <p:style>
-          <a:lnRef idx="2">
-            <a:schemeClr val="accent1">
-              <a:shade val="15000"/>
-            </a:schemeClr>
-          </a:lnRef>
-          <a:fillRef idx="1">
-            <a:schemeClr val="accent1"/>
-          </a:fillRef>
-          <a:effectRef idx="0">
-            <a:schemeClr val="accent1"/>
-          </a:effectRef>
-          <a:fontRef idx="minor">
-            <a:schemeClr val="lt1"/>
-          </a:fontRef>
-        </p:style>
-        <p:txBody>
-          <a:bodyPr rtlCol="0" anchor="ctr"/>
-          <a:lstStyle/>
-          <a:p>
-            <a:pPr algn="ctr"/>
-            <a:endParaRPr lang="en-US" dirty="0"/>
-          </a:p>
-        </p:txBody>
-      </p:sp>
-      <p:sp>
-        <p:nvSpPr>
-          <p:cNvPr id="1037" name="Hexagon 1036">
-            <a:extLst>
-              <a:ext uri="{FF2B5EF4-FFF2-40B4-BE49-F238E27FC236}">
-                <a16:creationId xmlns:a16="http://schemas.microsoft.com/office/drawing/2014/main" id="{3EFEC826-0843-1F99-73DF-98C2B066C33D}"/>
-              </a:ext>
-            </a:extLst>
-          </p:cNvPr>
-          <p:cNvSpPr>
-            <a:spLocks noChangeAspect="1"/>
-          </p:cNvSpPr>
-          <p:nvPr/>
-        </p:nvSpPr>
-        <p:spPr>
-          <a:xfrm>
-            <a:off x="8002848" y="5369961"/>
-            <a:ext cx="1101061" cy="949191"/>
-          </a:xfrm>
-          <a:prstGeom prst="hexagon">
-            <a:avLst/>
-          </a:prstGeom>
-          <a:noFill/>
-          <a:ln w="38100">
-            <a:solidFill>
-              <a:srgbClr val="C00000"/>
-            </a:solidFill>
-          </a:ln>
-        </p:spPr>
-        <p:style>
-          <a:lnRef idx="2">
-            <a:schemeClr val="accent1">
-              <a:shade val="15000"/>
-            </a:schemeClr>
-          </a:lnRef>
-          <a:fillRef idx="1">
-            <a:schemeClr val="accent1"/>
-          </a:fillRef>
-          <a:effectRef idx="0">
-            <a:schemeClr val="accent1"/>
-          </a:effectRef>
-          <a:fontRef idx="minor">
-            <a:schemeClr val="lt1"/>
-          </a:fontRef>
-        </p:style>
-        <p:txBody>
-          <a:bodyPr rtlCol="0" anchor="ctr"/>
-          <a:lstStyle/>
-          <a:p>
-            <a:pPr algn="ctr"/>
-            <a:endParaRPr lang="en-US" dirty="0"/>
-          </a:p>
-        </p:txBody>
-      </p:sp>
-      <p:sp>
-        <p:nvSpPr>
-          <p:cNvPr id="1038" name="Hexagon 1037">
-            <a:extLst>
-              <a:ext uri="{FF2B5EF4-FFF2-40B4-BE49-F238E27FC236}">
-                <a16:creationId xmlns:a16="http://schemas.microsoft.com/office/drawing/2014/main" id="{0BCE8D4E-D1B7-EB16-800E-B94AFEB8750D}"/>
-              </a:ext>
-            </a:extLst>
-          </p:cNvPr>
-          <p:cNvSpPr>
-            <a:spLocks noChangeAspect="1"/>
-          </p:cNvSpPr>
-          <p:nvPr/>
-        </p:nvSpPr>
-        <p:spPr>
-          <a:xfrm>
-            <a:off x="7146581" y="4877619"/>
-            <a:ext cx="1101061" cy="949191"/>
-          </a:xfrm>
-          <a:prstGeom prst="hexagon">
-            <a:avLst/>
-          </a:prstGeom>
-          <a:noFill/>
-          <a:ln w="38100">
-            <a:solidFill>
-              <a:srgbClr val="C00000"/>
-            </a:solidFill>
-          </a:ln>
-        </p:spPr>
-        <p:style>
-          <a:lnRef idx="2">
-            <a:schemeClr val="accent1">
-              <a:shade val="15000"/>
-            </a:schemeClr>
-          </a:lnRef>
-          <a:fillRef idx="1">
-            <a:schemeClr val="accent1"/>
-          </a:fillRef>
-          <a:effectRef idx="0">
-            <a:schemeClr val="accent1"/>
-          </a:effectRef>
-          <a:fontRef idx="minor">
-            <a:schemeClr val="lt1"/>
-          </a:fontRef>
-        </p:style>
-        <p:txBody>
-          <a:bodyPr rtlCol="0" anchor="ctr"/>
-          <a:lstStyle/>
-          <a:p>
-            <a:pPr algn="ctr"/>
-            <a:endParaRPr lang="en-US" dirty="0"/>
-          </a:p>
-        </p:txBody>
-      </p:sp>
-      <p:sp>
-        <p:nvSpPr>
-          <p:cNvPr id="1041" name="Hexagon 1040">
-            <a:extLst>
-              <a:ext uri="{FF2B5EF4-FFF2-40B4-BE49-F238E27FC236}">
-                <a16:creationId xmlns:a16="http://schemas.microsoft.com/office/drawing/2014/main" id="{233AE70B-20DB-13A2-B087-EABEF323EEE8}"/>
-              </a:ext>
-            </a:extLst>
-          </p:cNvPr>
-          <p:cNvSpPr>
-            <a:spLocks noChangeAspect="1"/>
-          </p:cNvSpPr>
-          <p:nvPr/>
-        </p:nvSpPr>
-        <p:spPr>
-          <a:xfrm>
-            <a:off x="1974615" y="123371"/>
-            <a:ext cx="1101061" cy="949191"/>
-          </a:xfrm>
-          <a:prstGeom prst="hexagon">
-            <a:avLst/>
-          </a:prstGeom>
-          <a:noFill/>
-          <a:ln w="38100">
-            <a:solidFill>
-              <a:srgbClr val="C00000"/>
-            </a:solidFill>
-          </a:ln>
-        </p:spPr>
-        <p:style>
-          <a:lnRef idx="2">
-            <a:schemeClr val="accent1">
-              <a:shade val="15000"/>
-            </a:schemeClr>
-          </a:lnRef>
-          <a:fillRef idx="1">
-            <a:schemeClr val="accent1"/>
-          </a:fillRef>
-          <a:effectRef idx="0">
-            <a:schemeClr val="accent1"/>
-          </a:effectRef>
-          <a:fontRef idx="minor">
-            <a:schemeClr val="lt1"/>
-          </a:fontRef>
-        </p:style>
-        <p:txBody>
-          <a:bodyPr rtlCol="0" anchor="ctr"/>
-          <a:lstStyle/>
-          <a:p>
-            <a:pPr algn="ctr"/>
-            <a:endParaRPr lang="en-US" dirty="0"/>
-          </a:p>
-        </p:txBody>
-      </p:sp>
-      <p:sp>
-        <p:nvSpPr>
-          <p:cNvPr id="1042" name="Hexagon 1041">
-            <a:extLst>
-              <a:ext uri="{FF2B5EF4-FFF2-40B4-BE49-F238E27FC236}">
-                <a16:creationId xmlns:a16="http://schemas.microsoft.com/office/drawing/2014/main" id="{3DE50CB0-C76B-A63E-8679-7E0A8959A0B9}"/>
-              </a:ext>
-            </a:extLst>
-          </p:cNvPr>
-          <p:cNvSpPr>
-            <a:spLocks noChangeAspect="1"/>
-          </p:cNvSpPr>
-          <p:nvPr/>
-        </p:nvSpPr>
-        <p:spPr>
-          <a:xfrm>
-            <a:off x="1967472" y="1075545"/>
-            <a:ext cx="1101061" cy="949191"/>
-          </a:xfrm>
-          <a:prstGeom prst="hexagon">
-            <a:avLst/>
-          </a:prstGeom>
-          <a:noFill/>
-          <a:ln w="38100">
-            <a:solidFill>
-              <a:srgbClr val="C00000"/>
-            </a:solidFill>
-          </a:ln>
-        </p:spPr>
-        <p:style>
-          <a:lnRef idx="2">
-            <a:schemeClr val="accent1">
-              <a:shade val="15000"/>
-            </a:schemeClr>
-          </a:lnRef>
-          <a:fillRef idx="1">
-            <a:schemeClr val="accent1"/>
-          </a:fillRef>
-          <a:effectRef idx="0">
-            <a:schemeClr val="accent1"/>
-          </a:effectRef>
-          <a:fontRef idx="minor">
-            <a:schemeClr val="lt1"/>
-          </a:fontRef>
-        </p:style>
-        <p:txBody>
-          <a:bodyPr rtlCol="0" anchor="ctr"/>
-          <a:lstStyle/>
-          <a:p>
-            <a:pPr algn="ctr"/>
-            <a:endParaRPr lang="en-US" dirty="0"/>
-          </a:p>
-        </p:txBody>
-      </p:sp>
-      <p:sp>
-        <p:nvSpPr>
-          <p:cNvPr id="1043" name="Hexagon 1042">
-            <a:extLst>
-              <a:ext uri="{FF2B5EF4-FFF2-40B4-BE49-F238E27FC236}">
-                <a16:creationId xmlns:a16="http://schemas.microsoft.com/office/drawing/2014/main" id="{29D05AB5-6B19-44C7-74B5-B5B33DBEB87D}"/>
-              </a:ext>
-            </a:extLst>
-          </p:cNvPr>
-          <p:cNvSpPr>
-            <a:spLocks noChangeAspect="1"/>
-          </p:cNvSpPr>
-          <p:nvPr/>
-        </p:nvSpPr>
-        <p:spPr>
-          <a:xfrm>
-            <a:off x="1967472" y="2020185"/>
-            <a:ext cx="1101061" cy="949191"/>
-          </a:xfrm>
-          <a:prstGeom prst="hexagon">
-            <a:avLst/>
-          </a:prstGeom>
-          <a:noFill/>
-          <a:ln w="38100">
-            <a:solidFill>
-              <a:srgbClr val="C00000"/>
-            </a:solidFill>
-          </a:ln>
-        </p:spPr>
-        <p:style>
-          <a:lnRef idx="2">
-            <a:schemeClr val="accent1">
-              <a:shade val="15000"/>
-            </a:schemeClr>
-          </a:lnRef>
-          <a:fillRef idx="1">
-            <a:schemeClr val="accent1"/>
-          </a:fillRef>
-          <a:effectRef idx="0">
-            <a:schemeClr val="accent1"/>
-          </a:effectRef>
-          <a:fontRef idx="minor">
-            <a:schemeClr val="lt1"/>
-          </a:fontRef>
-        </p:style>
-        <p:txBody>
-          <a:bodyPr rtlCol="0" anchor="ctr"/>
-          <a:lstStyle/>
-          <a:p>
-            <a:pPr algn="ctr"/>
-            <a:endParaRPr lang="en-US" dirty="0"/>
-          </a:p>
-        </p:txBody>
-      </p:sp>
-      <p:sp>
-        <p:nvSpPr>
-          <p:cNvPr id="1044" name="Hexagon 1043">
-            <a:extLst>
-              <a:ext uri="{FF2B5EF4-FFF2-40B4-BE49-F238E27FC236}">
-                <a16:creationId xmlns:a16="http://schemas.microsoft.com/office/drawing/2014/main" id="{30A6E450-0182-357B-895E-052D58DB7A20}"/>
-              </a:ext>
-            </a:extLst>
-          </p:cNvPr>
-          <p:cNvSpPr>
-            <a:spLocks noChangeAspect="1"/>
-          </p:cNvSpPr>
-          <p:nvPr/>
-        </p:nvSpPr>
-        <p:spPr>
-          <a:xfrm>
-            <a:off x="2834107" y="2497054"/>
-            <a:ext cx="1101061" cy="949191"/>
-          </a:xfrm>
-          <a:prstGeom prst="hexagon">
-            <a:avLst/>
-          </a:prstGeom>
-          <a:noFill/>
-          <a:ln w="38100">
-            <a:solidFill>
-              <a:srgbClr val="C00000"/>
-            </a:solidFill>
-          </a:ln>
-        </p:spPr>
-        <p:style>
-          <a:lnRef idx="2">
-            <a:schemeClr val="accent1">
-              <a:shade val="15000"/>
-            </a:schemeClr>
-          </a:lnRef>
-          <a:fillRef idx="1">
-            <a:schemeClr val="accent1"/>
-          </a:fillRef>
-          <a:effectRef idx="0">
-            <a:schemeClr val="accent1"/>
-          </a:effectRef>
-          <a:fontRef idx="minor">
-            <a:schemeClr val="lt1"/>
-          </a:fontRef>
-        </p:style>
-        <p:txBody>
-          <a:bodyPr rtlCol="0" anchor="ctr"/>
-          <a:lstStyle/>
-          <a:p>
-            <a:pPr algn="ctr"/>
-            <a:endParaRPr lang="en-US" dirty="0"/>
-          </a:p>
-        </p:txBody>
-      </p:sp>
-      <p:sp>
-        <p:nvSpPr>
-          <p:cNvPr id="1045" name="Hexagon 1044">
-            <a:extLst>
-              <a:ext uri="{FF2B5EF4-FFF2-40B4-BE49-F238E27FC236}">
-                <a16:creationId xmlns:a16="http://schemas.microsoft.com/office/drawing/2014/main" id="{E824D373-3145-98BD-613C-E22BE76D8876}"/>
-              </a:ext>
-            </a:extLst>
-          </p:cNvPr>
-          <p:cNvSpPr>
-            <a:spLocks noChangeAspect="1"/>
-          </p:cNvSpPr>
-          <p:nvPr/>
-        </p:nvSpPr>
-        <p:spPr>
-          <a:xfrm>
-            <a:off x="2834107" y="1551633"/>
-            <a:ext cx="1101061" cy="949191"/>
-          </a:xfrm>
-          <a:prstGeom prst="hexagon">
-            <a:avLst/>
-          </a:prstGeom>
-          <a:noFill/>
-          <a:ln w="38100">
-            <a:solidFill>
-              <a:srgbClr val="C00000"/>
-            </a:solidFill>
-          </a:ln>
-        </p:spPr>
-        <p:style>
-          <a:lnRef idx="2">
-            <a:schemeClr val="accent1">
-              <a:shade val="15000"/>
-            </a:schemeClr>
-          </a:lnRef>
-          <a:fillRef idx="1">
-            <a:schemeClr val="accent1"/>
-          </a:fillRef>
-          <a:effectRef idx="0">
-            <a:schemeClr val="accent1"/>
-          </a:effectRef>
-          <a:fontRef idx="minor">
-            <a:schemeClr val="lt1"/>
-          </a:fontRef>
-        </p:style>
-        <p:txBody>
-          <a:bodyPr rtlCol="0" anchor="ctr"/>
-          <a:lstStyle/>
-          <a:p>
-            <a:pPr algn="ctr"/>
-            <a:endParaRPr lang="en-US" dirty="0"/>
-          </a:p>
-        </p:txBody>
-      </p:sp>
-      <p:sp>
-        <p:nvSpPr>
-          <p:cNvPr id="1046" name="Hexagon 1045">
-            <a:extLst>
-              <a:ext uri="{FF2B5EF4-FFF2-40B4-BE49-F238E27FC236}">
-                <a16:creationId xmlns:a16="http://schemas.microsoft.com/office/drawing/2014/main" id="{6767733A-16D2-4B6C-34BB-01A31C7E6626}"/>
-              </a:ext>
-            </a:extLst>
-          </p:cNvPr>
-          <p:cNvSpPr>
-            <a:spLocks noChangeAspect="1"/>
-          </p:cNvSpPr>
-          <p:nvPr/>
-        </p:nvSpPr>
-        <p:spPr>
-          <a:xfrm>
-            <a:off x="2834107" y="606211"/>
-            <a:ext cx="1101061" cy="949191"/>
-          </a:xfrm>
-          <a:prstGeom prst="hexagon">
-            <a:avLst/>
-          </a:prstGeom>
-          <a:noFill/>
-          <a:ln w="38100">
-            <a:solidFill>
-              <a:srgbClr val="C00000"/>
-            </a:solidFill>
-          </a:ln>
-        </p:spPr>
-        <p:style>
-          <a:lnRef idx="2">
-            <a:schemeClr val="accent1">
-              <a:shade val="15000"/>
-            </a:schemeClr>
-          </a:lnRef>
-          <a:fillRef idx="1">
-            <a:schemeClr val="accent1"/>
-          </a:fillRef>
-          <a:effectRef idx="0">
-            <a:schemeClr val="accent1"/>
-          </a:effectRef>
-          <a:fontRef idx="minor">
-            <a:schemeClr val="lt1"/>
-          </a:fontRef>
-        </p:style>
-        <p:txBody>
-          <a:bodyPr rtlCol="0" anchor="ctr"/>
-          <a:lstStyle/>
-          <a:p>
-            <a:pPr algn="ctr"/>
-            <a:endParaRPr lang="en-US" dirty="0"/>
-          </a:p>
-        </p:txBody>
-      </p:sp>
-      <p:sp>
-        <p:nvSpPr>
-          <p:cNvPr id="1047" name="Hexagon 1046">
-            <a:extLst>
-              <a:ext uri="{FF2B5EF4-FFF2-40B4-BE49-F238E27FC236}">
-                <a16:creationId xmlns:a16="http://schemas.microsoft.com/office/drawing/2014/main" id="{CDACEC79-344B-B4E4-41E0-EBF8AF32F90C}"/>
-              </a:ext>
-            </a:extLst>
-          </p:cNvPr>
-          <p:cNvSpPr>
-            <a:spLocks noChangeAspect="1"/>
-          </p:cNvSpPr>
-          <p:nvPr/>
-        </p:nvSpPr>
-        <p:spPr>
-          <a:xfrm>
-            <a:off x="3693601" y="130689"/>
-            <a:ext cx="1101061" cy="949191"/>
-          </a:xfrm>
-          <a:prstGeom prst="hexagon">
-            <a:avLst/>
-          </a:prstGeom>
-          <a:noFill/>
-          <a:ln w="38100">
-            <a:solidFill>
-              <a:srgbClr val="C00000"/>
-            </a:solidFill>
-          </a:ln>
-        </p:spPr>
-        <p:style>
-          <a:lnRef idx="2">
-            <a:schemeClr val="accent1">
-              <a:shade val="15000"/>
-            </a:schemeClr>
-          </a:lnRef>
-          <a:fillRef idx="1">
-            <a:schemeClr val="accent1"/>
-          </a:fillRef>
-          <a:effectRef idx="0">
-            <a:schemeClr val="accent1"/>
-          </a:effectRef>
-          <a:fontRef idx="minor">
-            <a:schemeClr val="lt1"/>
-          </a:fontRef>
-        </p:style>
-        <p:txBody>
-          <a:bodyPr rtlCol="0" anchor="ctr"/>
-          <a:lstStyle/>
-          <a:p>
-            <a:pPr algn="ctr"/>
-            <a:endParaRPr lang="en-US" dirty="0"/>
-          </a:p>
-        </p:txBody>
-      </p:sp>
-      <p:sp>
-        <p:nvSpPr>
-          <p:cNvPr id="1048" name="Hexagon 1047">
-            <a:extLst>
-              <a:ext uri="{FF2B5EF4-FFF2-40B4-BE49-F238E27FC236}">
-                <a16:creationId xmlns:a16="http://schemas.microsoft.com/office/drawing/2014/main" id="{1E35B54C-090A-1F13-14AA-318518BC9368}"/>
-              </a:ext>
-            </a:extLst>
-          </p:cNvPr>
-          <p:cNvSpPr>
-            <a:spLocks noChangeAspect="1"/>
-          </p:cNvSpPr>
-          <p:nvPr/>
-        </p:nvSpPr>
-        <p:spPr>
-          <a:xfrm>
-            <a:off x="3687238" y="1088921"/>
-            <a:ext cx="1101061" cy="949191"/>
-          </a:xfrm>
-          <a:prstGeom prst="hexagon">
-            <a:avLst/>
-          </a:prstGeom>
-          <a:noFill/>
-          <a:ln w="38100">
-            <a:solidFill>
-              <a:srgbClr val="C00000"/>
-            </a:solidFill>
-          </a:ln>
-        </p:spPr>
-        <p:style>
-          <a:lnRef idx="2">
-            <a:schemeClr val="accent1">
-              <a:shade val="15000"/>
-            </a:schemeClr>
-          </a:lnRef>
-          <a:fillRef idx="1">
-            <a:schemeClr val="accent1"/>
-          </a:fillRef>
-          <a:effectRef idx="0">
-            <a:schemeClr val="accent1"/>
-          </a:effectRef>
-          <a:fontRef idx="minor">
-            <a:schemeClr val="lt1"/>
-          </a:fontRef>
-        </p:style>
-        <p:txBody>
-          <a:bodyPr rtlCol="0" anchor="ctr"/>
-          <a:lstStyle/>
-          <a:p>
-            <a:pPr algn="ctr"/>
-            <a:endParaRPr lang="en-US" dirty="0"/>
-          </a:p>
-        </p:txBody>
-      </p:sp>
-      <p:sp>
-        <p:nvSpPr>
-          <p:cNvPr id="1049" name="Hexagon 1048">
-            <a:extLst>
-              <a:ext uri="{FF2B5EF4-FFF2-40B4-BE49-F238E27FC236}">
-                <a16:creationId xmlns:a16="http://schemas.microsoft.com/office/drawing/2014/main" id="{BCBB82C8-E63A-EE61-6294-25E618FEB54B}"/>
-              </a:ext>
-            </a:extLst>
-          </p:cNvPr>
-          <p:cNvSpPr>
-            <a:spLocks noChangeAspect="1"/>
-          </p:cNvSpPr>
-          <p:nvPr/>
-        </p:nvSpPr>
-        <p:spPr>
-          <a:xfrm>
-            <a:off x="4550589" y="613297"/>
-            <a:ext cx="1101061" cy="949191"/>
-          </a:xfrm>
-          <a:prstGeom prst="hexagon">
-            <a:avLst/>
-          </a:prstGeom>
-          <a:noFill/>
-          <a:ln w="38100">
-            <a:solidFill>
-              <a:srgbClr val="C00000"/>
-            </a:solidFill>
-          </a:ln>
-        </p:spPr>
-        <p:style>
-          <a:lnRef idx="2">
-            <a:schemeClr val="accent1">
-              <a:shade val="15000"/>
-            </a:schemeClr>
-          </a:lnRef>
-          <a:fillRef idx="1">
-            <a:schemeClr val="accent1"/>
-          </a:fillRef>
-          <a:effectRef idx="0">
-            <a:schemeClr val="accent1"/>
-          </a:effectRef>
-          <a:fontRef idx="minor">
-            <a:schemeClr val="lt1"/>
-          </a:fontRef>
-        </p:style>
-        <p:txBody>
-          <a:bodyPr rtlCol="0" anchor="ctr"/>
-          <a:lstStyle/>
-          <a:p>
-            <a:pPr algn="ctr"/>
-            <a:endParaRPr lang="en-US" dirty="0"/>
-          </a:p>
-        </p:txBody>
-      </p:sp>
-      <p:sp>
-        <p:nvSpPr>
-          <p:cNvPr id="1050" name="Hexagon 1049">
-            <a:extLst>
-              <a:ext uri="{FF2B5EF4-FFF2-40B4-BE49-F238E27FC236}">
-                <a16:creationId xmlns:a16="http://schemas.microsoft.com/office/drawing/2014/main" id="{70D2298F-7505-8383-97B8-EEAD8289CED8}"/>
-              </a:ext>
-            </a:extLst>
-          </p:cNvPr>
-          <p:cNvSpPr>
-            <a:spLocks noChangeAspect="1"/>
-          </p:cNvSpPr>
-          <p:nvPr/>
-        </p:nvSpPr>
-        <p:spPr>
-          <a:xfrm>
-            <a:off x="4550589" y="1565470"/>
-            <a:ext cx="1101061" cy="949191"/>
-          </a:xfrm>
-          <a:prstGeom prst="hexagon">
-            <a:avLst/>
-          </a:prstGeom>
-          <a:noFill/>
-          <a:ln w="38100">
-            <a:solidFill>
-              <a:srgbClr val="C00000"/>
-            </a:solidFill>
-          </a:ln>
-        </p:spPr>
-        <p:style>
-          <a:lnRef idx="2">
-            <a:schemeClr val="accent1">
-              <a:shade val="15000"/>
-            </a:schemeClr>
-          </a:lnRef>
-          <a:fillRef idx="1">
-            <a:schemeClr val="accent1"/>
-          </a:fillRef>
-          <a:effectRef idx="0">
-            <a:schemeClr val="accent1"/>
-          </a:effectRef>
-          <a:fontRef idx="minor">
-            <a:schemeClr val="lt1"/>
-          </a:fontRef>
-        </p:style>
-        <p:txBody>
-          <a:bodyPr rtlCol="0" anchor="ctr"/>
-          <a:lstStyle/>
-          <a:p>
-            <a:pPr algn="ctr"/>
-            <a:endParaRPr lang="en-US" dirty="0"/>
-          </a:p>
-        </p:txBody>
-      </p:sp>
-      <p:sp>
-        <p:nvSpPr>
-          <p:cNvPr id="1051" name="Hexagon 1050">
-            <a:extLst>
-              <a:ext uri="{FF2B5EF4-FFF2-40B4-BE49-F238E27FC236}">
-                <a16:creationId xmlns:a16="http://schemas.microsoft.com/office/drawing/2014/main" id="{DC63DC33-6F51-897F-07D6-CC39F55F7C19}"/>
-              </a:ext>
-            </a:extLst>
-          </p:cNvPr>
-          <p:cNvSpPr>
-            <a:spLocks noChangeAspect="1"/>
-          </p:cNvSpPr>
-          <p:nvPr/>
-        </p:nvSpPr>
-        <p:spPr>
-          <a:xfrm>
-            <a:off x="4550589" y="2524398"/>
-            <a:ext cx="1101061" cy="949191"/>
-          </a:xfrm>
-          <a:prstGeom prst="hexagon">
-            <a:avLst/>
-          </a:prstGeom>
-          <a:noFill/>
-          <a:ln w="38100">
-            <a:solidFill>
-              <a:srgbClr val="C00000"/>
-            </a:solidFill>
-          </a:ln>
-        </p:spPr>
-        <p:style>
-          <a:lnRef idx="2">
-            <a:schemeClr val="accent1">
-              <a:shade val="15000"/>
-            </a:schemeClr>
-          </a:lnRef>
-          <a:fillRef idx="1">
-            <a:schemeClr val="accent1"/>
-          </a:fillRef>
-          <a:effectRef idx="0">
-            <a:schemeClr val="accent1"/>
-          </a:effectRef>
-          <a:fontRef idx="minor">
-            <a:schemeClr val="lt1"/>
-          </a:fontRef>
-        </p:style>
-        <p:txBody>
-          <a:bodyPr rtlCol="0" anchor="ctr"/>
-          <a:lstStyle/>
-          <a:p>
-            <a:pPr algn="ctr"/>
-            <a:endParaRPr lang="en-US" dirty="0"/>
-          </a:p>
-        </p:txBody>
-      </p:sp>
-      <p:sp>
-        <p:nvSpPr>
-          <p:cNvPr id="1052" name="Hexagon 1051">
-            <a:extLst>
-              <a:ext uri="{FF2B5EF4-FFF2-40B4-BE49-F238E27FC236}">
-                <a16:creationId xmlns:a16="http://schemas.microsoft.com/office/drawing/2014/main" id="{A6BED701-B11E-C171-A218-15045EBA5BCB}"/>
-              </a:ext>
-            </a:extLst>
-          </p:cNvPr>
-          <p:cNvSpPr>
-            <a:spLocks noChangeAspect="1"/>
-          </p:cNvSpPr>
-          <p:nvPr/>
-        </p:nvSpPr>
-        <p:spPr>
-          <a:xfrm>
-            <a:off x="3694323" y="2032055"/>
-            <a:ext cx="1101061" cy="949191"/>
-          </a:xfrm>
-          <a:prstGeom prst="hexagon">
-            <a:avLst/>
-          </a:prstGeom>
-          <a:noFill/>
-          <a:ln w="38100">
-            <a:solidFill>
-              <a:srgbClr val="C00000"/>
-            </a:solidFill>
-          </a:ln>
-        </p:spPr>
-        <p:style>
-          <a:lnRef idx="2">
-            <a:schemeClr val="accent1">
-              <a:shade val="15000"/>
-            </a:schemeClr>
-          </a:lnRef>
-          <a:fillRef idx="1">
-            <a:schemeClr val="accent1"/>
-          </a:fillRef>
-          <a:effectRef idx="0">
-            <a:schemeClr val="accent1"/>
-          </a:effectRef>
-          <a:fontRef idx="minor">
-            <a:schemeClr val="lt1"/>
-          </a:fontRef>
-        </p:style>
-        <p:txBody>
-          <a:bodyPr rtlCol="0" anchor="ctr"/>
-          <a:lstStyle/>
-          <a:p>
-            <a:pPr algn="ctr"/>
-            <a:endParaRPr lang="en-US" dirty="0"/>
-          </a:p>
-        </p:txBody>
-      </p:sp>
-      <p:sp>
-        <p:nvSpPr>
-          <p:cNvPr id="1054" name="TextBox 1053">
-            <a:extLst>
-              <a:ext uri="{FF2B5EF4-FFF2-40B4-BE49-F238E27FC236}">
-                <a16:creationId xmlns:a16="http://schemas.microsoft.com/office/drawing/2014/main" id="{E16D4160-E2CF-117C-20CB-9D971F61732B}"/>
-              </a:ext>
-            </a:extLst>
-          </p:cNvPr>
-          <p:cNvSpPr txBox="1"/>
-          <p:nvPr/>
-        </p:nvSpPr>
-        <p:spPr>
-          <a:xfrm>
-            <a:off x="6836896" y="857059"/>
-            <a:ext cx="3090073" cy="461665"/>
-          </a:xfrm>
-          <a:prstGeom prst="rect">
-            <a:avLst/>
-          </a:prstGeom>
-          <a:noFill/>
-        </p:spPr>
-        <p:txBody>
-          <a:bodyPr wrap="square" rtlCol="0">
-            <a:spAutoFit/>
-          </a:bodyPr>
-          <a:lstStyle/>
-          <a:p>
-            <a:pPr algn="ctr"/>
-            <a:r>
-              <a:rPr lang="en-US" sz="2400" b="1" dirty="0"/>
-              <a:t>Padded PBC (Full FFT)</a:t>
-            </a:r>
-          </a:p>
-        </p:txBody>
-      </p:sp>
-      <p:sp>
-        <p:nvSpPr>
-          <p:cNvPr id="4" name="TextBox 3">
-            <a:extLst>
-              <a:ext uri="{FF2B5EF4-FFF2-40B4-BE49-F238E27FC236}">
-                <a16:creationId xmlns:a16="http://schemas.microsoft.com/office/drawing/2014/main" id="{E790C61F-5E95-A1FC-DF35-A2152D6F59F6}"/>
-              </a:ext>
-            </a:extLst>
-          </p:cNvPr>
-          <p:cNvSpPr txBox="1"/>
-          <p:nvPr/>
-        </p:nvSpPr>
-        <p:spPr>
-          <a:xfrm>
-            <a:off x="6445440" y="1667051"/>
-            <a:ext cx="5175060" cy="369332"/>
-          </a:xfrm>
-          <a:prstGeom prst="rect">
-            <a:avLst/>
-          </a:prstGeom>
-          <a:noFill/>
-        </p:spPr>
-        <p:txBody>
-          <a:bodyPr wrap="square" rtlCol="0">
-            <a:spAutoFit/>
-          </a:bodyPr>
-          <a:lstStyle/>
-          <a:p>
-            <a:r>
-              <a:rPr lang="en-US" dirty="0"/>
-              <a:t>Hexagons drawn for illustration of hexagon approach</a:t>
-            </a:r>
-          </a:p>
-        </p:txBody>
-      </p:sp>
-    </p:spTree>
-    <p:extLst>
-      <p:ext uri="{BB962C8B-B14F-4D97-AF65-F5344CB8AC3E}">
-        <p14:creationId xmlns:p14="http://schemas.microsoft.com/office/powerpoint/2010/main" val="775315718"/>
       </p:ext>
     </p:extLst>
   </p:cSld>

--- a/SYSG3.pptx
+++ b/SYSG3.pptx
@@ -268,7 +268,7 @@
           <a:p>
             <a:fld id="{3FB972CA-75D3-464B-AB07-BF3EA83BD9C3}" type="datetimeFigureOut">
               <a:rPr lang="en-US" smtClean="0"/>
-              <a:t>8/9/2023</a:t>
+              <a:t>8/10/2023</a:t>
             </a:fld>
             <a:endParaRPr lang="en-US"/>
           </a:p>
@@ -466,7 +466,7 @@
           <a:p>
             <a:fld id="{3FB972CA-75D3-464B-AB07-BF3EA83BD9C3}" type="datetimeFigureOut">
               <a:rPr lang="en-US" smtClean="0"/>
-              <a:t>8/9/2023</a:t>
+              <a:t>8/10/2023</a:t>
             </a:fld>
             <a:endParaRPr lang="en-US"/>
           </a:p>
@@ -674,7 +674,7 @@
           <a:p>
             <a:fld id="{3FB972CA-75D3-464B-AB07-BF3EA83BD9C3}" type="datetimeFigureOut">
               <a:rPr lang="en-US" smtClean="0"/>
-              <a:t>8/9/2023</a:t>
+              <a:t>8/10/2023</a:t>
             </a:fld>
             <a:endParaRPr lang="en-US"/>
           </a:p>
@@ -872,7 +872,7 @@
           <a:p>
             <a:fld id="{3FB972CA-75D3-464B-AB07-BF3EA83BD9C3}" type="datetimeFigureOut">
               <a:rPr lang="en-US" smtClean="0"/>
-              <a:t>8/9/2023</a:t>
+              <a:t>8/10/2023</a:t>
             </a:fld>
             <a:endParaRPr lang="en-US"/>
           </a:p>
@@ -1147,7 +1147,7 @@
           <a:p>
             <a:fld id="{3FB972CA-75D3-464B-AB07-BF3EA83BD9C3}" type="datetimeFigureOut">
               <a:rPr lang="en-US" smtClean="0"/>
-              <a:t>8/9/2023</a:t>
+              <a:t>8/10/2023</a:t>
             </a:fld>
             <a:endParaRPr lang="en-US"/>
           </a:p>
@@ -1412,7 +1412,7 @@
           <a:p>
             <a:fld id="{3FB972CA-75D3-464B-AB07-BF3EA83BD9C3}" type="datetimeFigureOut">
               <a:rPr lang="en-US" smtClean="0"/>
-              <a:t>8/9/2023</a:t>
+              <a:t>8/10/2023</a:t>
             </a:fld>
             <a:endParaRPr lang="en-US"/>
           </a:p>
@@ -1824,7 +1824,7 @@
           <a:p>
             <a:fld id="{3FB972CA-75D3-464B-AB07-BF3EA83BD9C3}" type="datetimeFigureOut">
               <a:rPr lang="en-US" smtClean="0"/>
-              <a:t>8/9/2023</a:t>
+              <a:t>8/10/2023</a:t>
             </a:fld>
             <a:endParaRPr lang="en-US"/>
           </a:p>
@@ -1965,7 +1965,7 @@
           <a:p>
             <a:fld id="{3FB972CA-75D3-464B-AB07-BF3EA83BD9C3}" type="datetimeFigureOut">
               <a:rPr lang="en-US" smtClean="0"/>
-              <a:t>8/9/2023</a:t>
+              <a:t>8/10/2023</a:t>
             </a:fld>
             <a:endParaRPr lang="en-US"/>
           </a:p>
@@ -2078,7 +2078,7 @@
           <a:p>
             <a:fld id="{3FB972CA-75D3-464B-AB07-BF3EA83BD9C3}" type="datetimeFigureOut">
               <a:rPr lang="en-US" smtClean="0"/>
-              <a:t>8/9/2023</a:t>
+              <a:t>8/10/2023</a:t>
             </a:fld>
             <a:endParaRPr lang="en-US"/>
           </a:p>
@@ -2389,7 +2389,7 @@
           <a:p>
             <a:fld id="{3FB972CA-75D3-464B-AB07-BF3EA83BD9C3}" type="datetimeFigureOut">
               <a:rPr lang="en-US" smtClean="0"/>
-              <a:t>8/9/2023</a:t>
+              <a:t>8/10/2023</a:t>
             </a:fld>
             <a:endParaRPr lang="en-US"/>
           </a:p>
@@ -2677,7 +2677,7 @@
           <a:p>
             <a:fld id="{3FB972CA-75D3-464B-AB07-BF3EA83BD9C3}" type="datetimeFigureOut">
               <a:rPr lang="en-US" smtClean="0"/>
-              <a:t>8/9/2023</a:t>
+              <a:t>8/10/2023</a:t>
             </a:fld>
             <a:endParaRPr lang="en-US"/>
           </a:p>
@@ -2918,7 +2918,7 @@
           <a:p>
             <a:fld id="{3FB972CA-75D3-464B-AB07-BF3EA83BD9C3}" type="datetimeFigureOut">
               <a:rPr lang="en-US" smtClean="0"/>
-              <a:t>8/9/2023</a:t>
+              <a:t>8/10/2023</a:t>
             </a:fld>
             <a:endParaRPr lang="en-US"/>
           </a:p>
@@ -4378,7 +4378,466 @@
           <a:p>
             <a:r>
               <a:rPr lang="en-US" dirty="0"/>
-              <a:t>Parameter space (s, x, cs, N)</a:t>
+              <a:t>Parameter space (s, x, a, N)</a:t>
+            </a:r>
+          </a:p>
+        </p:txBody>
+      </p:sp>
+      <p:grpSp>
+        <p:nvGrpSpPr>
+          <p:cNvPr id="10" name="Group 9">
+            <a:extLst>
+              <a:ext uri="{FF2B5EF4-FFF2-40B4-BE49-F238E27FC236}">
+                <a16:creationId xmlns:a16="http://schemas.microsoft.com/office/drawing/2014/main" id="{8293C823-8262-3D64-E83F-49D8E00BE204}"/>
+              </a:ext>
+            </a:extLst>
+          </p:cNvPr>
+          <p:cNvGrpSpPr/>
+          <p:nvPr/>
+        </p:nvGrpSpPr>
+        <p:grpSpPr>
+          <a:xfrm>
+            <a:off x="2430123" y="875696"/>
+            <a:ext cx="3453697" cy="2097195"/>
+            <a:chOff x="6599322" y="1134534"/>
+            <a:chExt cx="4297279" cy="2609445"/>
+          </a:xfrm>
+        </p:grpSpPr>
+        <p:pic>
+          <p:nvPicPr>
+            <p:cNvPr id="9" name="Picture 8">
+              <a:extLst>
+                <a:ext uri="{FF2B5EF4-FFF2-40B4-BE49-F238E27FC236}">
+                  <a16:creationId xmlns:a16="http://schemas.microsoft.com/office/drawing/2014/main" id="{82F51C73-8D5C-934E-FC93-66672486A18B}"/>
+                </a:ext>
+              </a:extLst>
+            </p:cNvPr>
+            <p:cNvPicPr>
+              <a:picLocks noChangeAspect="1"/>
+            </p:cNvPicPr>
+            <p:nvPr/>
+          </p:nvPicPr>
+          <p:blipFill>
+            <a:blip r:embed="rId2"/>
+            <a:stretch>
+              <a:fillRect/>
+            </a:stretch>
+          </p:blipFill>
+          <p:spPr>
+            <a:xfrm>
+              <a:off x="6599322" y="1134534"/>
+              <a:ext cx="4297279" cy="2609445"/>
+            </a:xfrm>
+            <a:prstGeom prst="rect">
+              <a:avLst/>
+            </a:prstGeom>
+          </p:spPr>
+        </p:pic>
+        <p:sp>
+          <p:nvSpPr>
+            <p:cNvPr id="7" name="TextBox 6">
+              <a:extLst>
+                <a:ext uri="{FF2B5EF4-FFF2-40B4-BE49-F238E27FC236}">
+                  <a16:creationId xmlns:a16="http://schemas.microsoft.com/office/drawing/2014/main" id="{6638FA71-F500-38F3-3630-A99FA0D4FD63}"/>
+                </a:ext>
+              </a:extLst>
+            </p:cNvPr>
+            <p:cNvSpPr txBox="1"/>
+            <p:nvPr/>
+          </p:nvSpPr>
+          <p:spPr>
+            <a:xfrm>
+              <a:off x="9063628" y="1253853"/>
+              <a:ext cx="1775718" cy="421247"/>
+            </a:xfrm>
+            <a:prstGeom prst="rect">
+              <a:avLst/>
+            </a:prstGeom>
+            <a:noFill/>
+          </p:spPr>
+          <p:txBody>
+            <a:bodyPr wrap="square" rtlCol="0">
+              <a:spAutoFit/>
+            </a:bodyPr>
+            <a:lstStyle/>
+            <a:p>
+              <a:pPr algn="r"/>
+              <a:r>
+                <a:rPr lang="en-US" sz="1600" dirty="0">
+                  <a:solidFill>
+                    <a:schemeClr val="bg1"/>
+                  </a:solidFill>
+                </a:rPr>
+                <a:t>a000x075s002</a:t>
+              </a:r>
+            </a:p>
+          </p:txBody>
+        </p:sp>
+      </p:grpSp>
+      <p:grpSp>
+        <p:nvGrpSpPr>
+          <p:cNvPr id="17" name="Group 16">
+            <a:extLst>
+              <a:ext uri="{FF2B5EF4-FFF2-40B4-BE49-F238E27FC236}">
+                <a16:creationId xmlns:a16="http://schemas.microsoft.com/office/drawing/2014/main" id="{F8E52E81-C959-9993-7932-19ABA699036F}"/>
+              </a:ext>
+            </a:extLst>
+          </p:cNvPr>
+          <p:cNvGrpSpPr/>
+          <p:nvPr/>
+        </p:nvGrpSpPr>
+        <p:grpSpPr>
+          <a:xfrm>
+            <a:off x="627238" y="2771051"/>
+            <a:ext cx="3429428" cy="2097194"/>
+            <a:chOff x="627238" y="2847251"/>
+            <a:chExt cx="3429428" cy="2097194"/>
+          </a:xfrm>
+        </p:grpSpPr>
+        <p:pic>
+          <p:nvPicPr>
+            <p:cNvPr id="12" name="Picture 11">
+              <a:extLst>
+                <a:ext uri="{FF2B5EF4-FFF2-40B4-BE49-F238E27FC236}">
+                  <a16:creationId xmlns:a16="http://schemas.microsoft.com/office/drawing/2014/main" id="{54858CEF-5B6E-5D5A-1D18-A46DCC94B58E}"/>
+                </a:ext>
+              </a:extLst>
+            </p:cNvPr>
+            <p:cNvPicPr>
+              <a:picLocks noChangeAspect="1"/>
+            </p:cNvPicPr>
+            <p:nvPr/>
+          </p:nvPicPr>
+          <p:blipFill>
+            <a:blip r:embed="rId3"/>
+            <a:stretch>
+              <a:fillRect/>
+            </a:stretch>
+          </p:blipFill>
+          <p:spPr>
+            <a:xfrm>
+              <a:off x="627238" y="2847251"/>
+              <a:ext cx="3429428" cy="2097194"/>
+            </a:xfrm>
+            <a:prstGeom prst="rect">
+              <a:avLst/>
+            </a:prstGeom>
+          </p:spPr>
+        </p:pic>
+        <p:sp>
+          <p:nvSpPr>
+            <p:cNvPr id="13" name="TextBox 12">
+              <a:extLst>
+                <a:ext uri="{FF2B5EF4-FFF2-40B4-BE49-F238E27FC236}">
+                  <a16:creationId xmlns:a16="http://schemas.microsoft.com/office/drawing/2014/main" id="{CAC3C90A-B18D-75A1-A841-3D25370B026E}"/>
+                </a:ext>
+              </a:extLst>
+            </p:cNvPr>
+            <p:cNvSpPr txBox="1"/>
+            <p:nvPr/>
+          </p:nvSpPr>
+          <p:spPr>
+            <a:xfrm>
+              <a:off x="2610959" y="2910053"/>
+              <a:ext cx="1427134" cy="338554"/>
+            </a:xfrm>
+            <a:prstGeom prst="rect">
+              <a:avLst/>
+            </a:prstGeom>
+            <a:noFill/>
+          </p:spPr>
+          <p:txBody>
+            <a:bodyPr wrap="square" rtlCol="0">
+              <a:spAutoFit/>
+            </a:bodyPr>
+            <a:lstStyle/>
+            <a:p>
+              <a:pPr algn="r"/>
+              <a:r>
+                <a:rPr lang="en-US" sz="1600" dirty="0">
+                  <a:solidFill>
+                    <a:schemeClr val="bg1"/>
+                  </a:solidFill>
+                </a:rPr>
+                <a:t>a000x075s005</a:t>
+              </a:r>
+            </a:p>
+          </p:txBody>
+        </p:sp>
+      </p:grpSp>
+      <p:grpSp>
+        <p:nvGrpSpPr>
+          <p:cNvPr id="18" name="Group 17">
+            <a:extLst>
+              <a:ext uri="{FF2B5EF4-FFF2-40B4-BE49-F238E27FC236}">
+                <a16:creationId xmlns:a16="http://schemas.microsoft.com/office/drawing/2014/main" id="{C89C8E88-3060-C3AB-894E-CD6BD3B55B23}"/>
+              </a:ext>
+            </a:extLst>
+          </p:cNvPr>
+          <p:cNvGrpSpPr/>
+          <p:nvPr/>
+        </p:nvGrpSpPr>
+        <p:grpSpPr>
+          <a:xfrm>
+            <a:off x="651934" y="4747225"/>
+            <a:ext cx="3386665" cy="2037993"/>
+            <a:chOff x="651934" y="4737700"/>
+            <a:chExt cx="3386665" cy="2037993"/>
+          </a:xfrm>
+        </p:grpSpPr>
+        <p:pic>
+          <p:nvPicPr>
+            <p:cNvPr id="15" name="Picture 14">
+              <a:extLst>
+                <a:ext uri="{FF2B5EF4-FFF2-40B4-BE49-F238E27FC236}">
+                  <a16:creationId xmlns:a16="http://schemas.microsoft.com/office/drawing/2014/main" id="{064683BD-51E9-D0B8-1CA0-BD1622246B01}"/>
+                </a:ext>
+              </a:extLst>
+            </p:cNvPr>
+            <p:cNvPicPr>
+              <a:picLocks noChangeAspect="1"/>
+            </p:cNvPicPr>
+            <p:nvPr/>
+          </p:nvPicPr>
+          <p:blipFill>
+            <a:blip r:embed="rId4"/>
+            <a:stretch>
+              <a:fillRect/>
+            </a:stretch>
+          </p:blipFill>
+          <p:spPr>
+            <a:xfrm>
+              <a:off x="651934" y="4737700"/>
+              <a:ext cx="3386665" cy="2037993"/>
+            </a:xfrm>
+            <a:prstGeom prst="rect">
+              <a:avLst/>
+            </a:prstGeom>
+          </p:spPr>
+        </p:pic>
+        <p:sp>
+          <p:nvSpPr>
+            <p:cNvPr id="16" name="TextBox 15">
+              <a:extLst>
+                <a:ext uri="{FF2B5EF4-FFF2-40B4-BE49-F238E27FC236}">
+                  <a16:creationId xmlns:a16="http://schemas.microsoft.com/office/drawing/2014/main" id="{96DE3808-C7BA-A176-9732-36F9B329364F}"/>
+                </a:ext>
+              </a:extLst>
+            </p:cNvPr>
+            <p:cNvSpPr txBox="1"/>
+            <p:nvPr/>
+          </p:nvSpPr>
+          <p:spPr>
+            <a:xfrm>
+              <a:off x="2611465" y="4799870"/>
+              <a:ext cx="1427134" cy="338554"/>
+            </a:xfrm>
+            <a:prstGeom prst="rect">
+              <a:avLst/>
+            </a:prstGeom>
+            <a:noFill/>
+          </p:spPr>
+          <p:txBody>
+            <a:bodyPr wrap="square" rtlCol="0">
+              <a:spAutoFit/>
+            </a:bodyPr>
+            <a:lstStyle/>
+            <a:p>
+              <a:pPr algn="r"/>
+              <a:r>
+                <a:rPr lang="en-US" sz="1600" dirty="0">
+                  <a:solidFill>
+                    <a:schemeClr val="bg1"/>
+                  </a:solidFill>
+                </a:rPr>
+                <a:t>a000x075s010</a:t>
+              </a:r>
+            </a:p>
+          </p:txBody>
+        </p:sp>
+      </p:grpSp>
+      <p:pic>
+        <p:nvPicPr>
+          <p:cNvPr id="20" name="Picture 19">
+            <a:extLst>
+              <a:ext uri="{FF2B5EF4-FFF2-40B4-BE49-F238E27FC236}">
+                <a16:creationId xmlns:a16="http://schemas.microsoft.com/office/drawing/2014/main" id="{1546BF2F-2986-1314-7788-19765C7A6D4C}"/>
+              </a:ext>
+            </a:extLst>
+          </p:cNvPr>
+          <p:cNvPicPr>
+            <a:picLocks noChangeAspect="1"/>
+          </p:cNvPicPr>
+          <p:nvPr/>
+        </p:nvPicPr>
+        <p:blipFill>
+          <a:blip r:embed="rId5"/>
+          <a:stretch>
+            <a:fillRect/>
+          </a:stretch>
+        </p:blipFill>
+        <p:spPr>
+          <a:xfrm>
+            <a:off x="11420957" y="1704975"/>
+            <a:ext cx="611516" cy="3617418"/>
+          </a:xfrm>
+          <a:prstGeom prst="rect">
+            <a:avLst/>
+          </a:prstGeom>
+        </p:spPr>
+      </p:pic>
+      <p:sp>
+        <p:nvSpPr>
+          <p:cNvPr id="21" name="Rectangle 20">
+            <a:extLst>
+              <a:ext uri="{FF2B5EF4-FFF2-40B4-BE49-F238E27FC236}">
+                <a16:creationId xmlns:a16="http://schemas.microsoft.com/office/drawing/2014/main" id="{46B7372B-C2A2-8FAC-CBB4-3BA317138E71}"/>
+              </a:ext>
+            </a:extLst>
+          </p:cNvPr>
+          <p:cNvSpPr/>
+          <p:nvPr/>
+        </p:nvSpPr>
+        <p:spPr>
+          <a:xfrm>
+            <a:off x="5510524" y="2605722"/>
+            <a:ext cx="611516" cy="311105"/>
+          </a:xfrm>
+          <a:prstGeom prst="rect">
+            <a:avLst/>
+          </a:prstGeom>
+          <a:solidFill>
+            <a:schemeClr val="tx1"/>
+          </a:solidFill>
+        </p:spPr>
+        <p:style>
+          <a:lnRef idx="2">
+            <a:schemeClr val="accent1">
+              <a:shade val="15000"/>
+            </a:schemeClr>
+          </a:lnRef>
+          <a:fillRef idx="1">
+            <a:schemeClr val="accent1"/>
+          </a:fillRef>
+          <a:effectRef idx="0">
+            <a:schemeClr val="accent1"/>
+          </a:effectRef>
+          <a:fontRef idx="minor">
+            <a:schemeClr val="lt1"/>
+          </a:fontRef>
+        </p:style>
+        <p:txBody>
+          <a:bodyPr rtlCol="0" anchor="ctr"/>
+          <a:lstStyle/>
+          <a:p>
+            <a:pPr algn="ctr"/>
+            <a:r>
+              <a:rPr lang="en-US" dirty="0"/>
+              <a:t>20</a:t>
+            </a:r>
+          </a:p>
+        </p:txBody>
+      </p:sp>
+      <p:sp>
+        <p:nvSpPr>
+          <p:cNvPr id="22" name="Rectangle 21">
+            <a:extLst>
+              <a:ext uri="{FF2B5EF4-FFF2-40B4-BE49-F238E27FC236}">
+                <a16:creationId xmlns:a16="http://schemas.microsoft.com/office/drawing/2014/main" id="{1F0A8F28-14C3-3E7F-E1FE-2A1775EAD149}"/>
+              </a:ext>
+            </a:extLst>
+          </p:cNvPr>
+          <p:cNvSpPr/>
+          <p:nvPr/>
+        </p:nvSpPr>
+        <p:spPr>
+          <a:xfrm>
+            <a:off x="3732335" y="4481421"/>
+            <a:ext cx="611516" cy="311105"/>
+          </a:xfrm>
+          <a:prstGeom prst="rect">
+            <a:avLst/>
+          </a:prstGeom>
+          <a:solidFill>
+            <a:schemeClr val="tx1"/>
+          </a:solidFill>
+        </p:spPr>
+        <p:style>
+          <a:lnRef idx="2">
+            <a:schemeClr val="accent1">
+              <a:shade val="15000"/>
+            </a:schemeClr>
+          </a:lnRef>
+          <a:fillRef idx="1">
+            <a:schemeClr val="accent1"/>
+          </a:fillRef>
+          <a:effectRef idx="0">
+            <a:schemeClr val="accent1"/>
+          </a:effectRef>
+          <a:fontRef idx="minor">
+            <a:schemeClr val="lt1"/>
+          </a:fontRef>
+        </p:style>
+        <p:txBody>
+          <a:bodyPr rtlCol="0" anchor="ctr"/>
+          <a:lstStyle/>
+          <a:p>
+            <a:pPr algn="ctr"/>
+            <a:r>
+              <a:rPr lang="en-US" dirty="0"/>
+              <a:t>30</a:t>
+            </a:r>
+          </a:p>
+        </p:txBody>
+      </p:sp>
+      <p:sp>
+        <p:nvSpPr>
+          <p:cNvPr id="23" name="Rectangle 22">
+            <a:extLst>
+              <a:ext uri="{FF2B5EF4-FFF2-40B4-BE49-F238E27FC236}">
+                <a16:creationId xmlns:a16="http://schemas.microsoft.com/office/drawing/2014/main" id="{9C85615B-BB8E-1A2C-AE01-D8347E04BAF8}"/>
+              </a:ext>
+            </a:extLst>
+          </p:cNvPr>
+          <p:cNvSpPr/>
+          <p:nvPr/>
+        </p:nvSpPr>
+        <p:spPr>
+          <a:xfrm>
+            <a:off x="3732335" y="6443063"/>
+            <a:ext cx="611516" cy="311105"/>
+          </a:xfrm>
+          <a:prstGeom prst="rect">
+            <a:avLst/>
+          </a:prstGeom>
+          <a:solidFill>
+            <a:schemeClr val="tx1"/>
+          </a:solidFill>
+        </p:spPr>
+        <p:style>
+          <a:lnRef idx="2">
+            <a:schemeClr val="accent1">
+              <a:shade val="15000"/>
+            </a:schemeClr>
+          </a:lnRef>
+          <a:fillRef idx="1">
+            <a:schemeClr val="accent1"/>
+          </a:fillRef>
+          <a:effectRef idx="0">
+            <a:schemeClr val="accent1"/>
+          </a:effectRef>
+          <a:fontRef idx="minor">
+            <a:schemeClr val="lt1"/>
+          </a:fontRef>
+        </p:style>
+        <p:txBody>
+          <a:bodyPr rtlCol="0" anchor="ctr"/>
+          <a:lstStyle/>
+          <a:p>
+            <a:pPr algn="ctr"/>
+            <a:r>
+              <a:rPr lang="en-US" dirty="0"/>
+              <a:t>50</a:t>
             </a:r>
           </a:p>
         </p:txBody>

--- a/SYSG3.pptx
+++ b/SYSG3.pptx
@@ -7,14 +7,15 @@
   <p:sldIdLst>
     <p:sldId id="271" r:id="rId2"/>
     <p:sldId id="268" r:id="rId3"/>
-    <p:sldId id="269" r:id="rId4"/>
-    <p:sldId id="270" r:id="rId5"/>
-    <p:sldId id="267" r:id="rId6"/>
-    <p:sldId id="266" r:id="rId7"/>
-    <p:sldId id="265" r:id="rId8"/>
-    <p:sldId id="258" r:id="rId9"/>
-    <p:sldId id="263" r:id="rId10"/>
-    <p:sldId id="264" r:id="rId11"/>
+    <p:sldId id="272" r:id="rId4"/>
+    <p:sldId id="269" r:id="rId5"/>
+    <p:sldId id="270" r:id="rId6"/>
+    <p:sldId id="267" r:id="rId7"/>
+    <p:sldId id="266" r:id="rId8"/>
+    <p:sldId id="265" r:id="rId9"/>
+    <p:sldId id="258" r:id="rId10"/>
+    <p:sldId id="263" r:id="rId11"/>
+    <p:sldId id="264" r:id="rId12"/>
   </p:sldIdLst>
   <p:sldSz cx="12192000" cy="6858000"/>
   <p:notesSz cx="6858000" cy="9144000"/>
@@ -268,7 +269,7 @@
           <a:p>
             <a:fld id="{3FB972CA-75D3-464B-AB07-BF3EA83BD9C3}" type="datetimeFigureOut">
               <a:rPr lang="en-US" smtClean="0"/>
-              <a:t>8/10/2023</a:t>
+              <a:t>8/12/2023</a:t>
             </a:fld>
             <a:endParaRPr lang="en-US"/>
           </a:p>
@@ -466,7 +467,7 @@
           <a:p>
             <a:fld id="{3FB972CA-75D3-464B-AB07-BF3EA83BD9C3}" type="datetimeFigureOut">
               <a:rPr lang="en-US" smtClean="0"/>
-              <a:t>8/10/2023</a:t>
+              <a:t>8/12/2023</a:t>
             </a:fld>
             <a:endParaRPr lang="en-US"/>
           </a:p>
@@ -674,7 +675,7 @@
           <a:p>
             <a:fld id="{3FB972CA-75D3-464B-AB07-BF3EA83BD9C3}" type="datetimeFigureOut">
               <a:rPr lang="en-US" smtClean="0"/>
-              <a:t>8/10/2023</a:t>
+              <a:t>8/12/2023</a:t>
             </a:fld>
             <a:endParaRPr lang="en-US"/>
           </a:p>
@@ -872,7 +873,7 @@
           <a:p>
             <a:fld id="{3FB972CA-75D3-464B-AB07-BF3EA83BD9C3}" type="datetimeFigureOut">
               <a:rPr lang="en-US" smtClean="0"/>
-              <a:t>8/10/2023</a:t>
+              <a:t>8/12/2023</a:t>
             </a:fld>
             <a:endParaRPr lang="en-US"/>
           </a:p>
@@ -1147,7 +1148,7 @@
           <a:p>
             <a:fld id="{3FB972CA-75D3-464B-AB07-BF3EA83BD9C3}" type="datetimeFigureOut">
               <a:rPr lang="en-US" smtClean="0"/>
-              <a:t>8/10/2023</a:t>
+              <a:t>8/12/2023</a:t>
             </a:fld>
             <a:endParaRPr lang="en-US"/>
           </a:p>
@@ -1412,7 +1413,7 @@
           <a:p>
             <a:fld id="{3FB972CA-75D3-464B-AB07-BF3EA83BD9C3}" type="datetimeFigureOut">
               <a:rPr lang="en-US" smtClean="0"/>
-              <a:t>8/10/2023</a:t>
+              <a:t>8/12/2023</a:t>
             </a:fld>
             <a:endParaRPr lang="en-US"/>
           </a:p>
@@ -1824,7 +1825,7 @@
           <a:p>
             <a:fld id="{3FB972CA-75D3-464B-AB07-BF3EA83BD9C3}" type="datetimeFigureOut">
               <a:rPr lang="en-US" smtClean="0"/>
-              <a:t>8/10/2023</a:t>
+              <a:t>8/12/2023</a:t>
             </a:fld>
             <a:endParaRPr lang="en-US"/>
           </a:p>
@@ -1965,7 +1966,7 @@
           <a:p>
             <a:fld id="{3FB972CA-75D3-464B-AB07-BF3EA83BD9C3}" type="datetimeFigureOut">
               <a:rPr lang="en-US" smtClean="0"/>
-              <a:t>8/10/2023</a:t>
+              <a:t>8/12/2023</a:t>
             </a:fld>
             <a:endParaRPr lang="en-US"/>
           </a:p>
@@ -2078,7 +2079,7 @@
           <a:p>
             <a:fld id="{3FB972CA-75D3-464B-AB07-BF3EA83BD9C3}" type="datetimeFigureOut">
               <a:rPr lang="en-US" smtClean="0"/>
-              <a:t>8/10/2023</a:t>
+              <a:t>8/12/2023</a:t>
             </a:fld>
             <a:endParaRPr lang="en-US"/>
           </a:p>
@@ -2389,7 +2390,7 @@
           <a:p>
             <a:fld id="{3FB972CA-75D3-464B-AB07-BF3EA83BD9C3}" type="datetimeFigureOut">
               <a:rPr lang="en-US" smtClean="0"/>
-              <a:t>8/10/2023</a:t>
+              <a:t>8/12/2023</a:t>
             </a:fld>
             <a:endParaRPr lang="en-US"/>
           </a:p>
@@ -2677,7 +2678,7 @@
           <a:p>
             <a:fld id="{3FB972CA-75D3-464B-AB07-BF3EA83BD9C3}" type="datetimeFigureOut">
               <a:rPr lang="en-US" smtClean="0"/>
-              <a:t>8/10/2023</a:t>
+              <a:t>8/12/2023</a:t>
             </a:fld>
             <a:endParaRPr lang="en-US"/>
           </a:p>
@@ -2918,7 +2919,7 @@
           <a:p>
             <a:fld id="{3FB972CA-75D3-464B-AB07-BF3EA83BD9C3}" type="datetimeFigureOut">
               <a:rPr lang="en-US" smtClean="0"/>
-              <a:t>8/10/2023</a:t>
+              <a:t>8/12/2023</a:t>
             </a:fld>
             <a:endParaRPr lang="en-US"/>
           </a:p>
@@ -3398,6 +3399,2528 @@
           <a:chExt cx="0" cy="0"/>
         </a:xfrm>
       </p:grpSpPr>
+      <p:grpSp>
+        <p:nvGrpSpPr>
+          <p:cNvPr id="3123" name="Group 3122">
+            <a:extLst>
+              <a:ext uri="{FF2B5EF4-FFF2-40B4-BE49-F238E27FC236}">
+                <a16:creationId xmlns:a16="http://schemas.microsoft.com/office/drawing/2014/main" id="{9A8164A6-CA96-945E-BD6C-0DA9E2006A3B}"/>
+              </a:ext>
+            </a:extLst>
+          </p:cNvPr>
+          <p:cNvGrpSpPr/>
+          <p:nvPr/>
+        </p:nvGrpSpPr>
+        <p:grpSpPr>
+          <a:xfrm>
+            <a:off x="4608476" y="18727"/>
+            <a:ext cx="3955455" cy="3472788"/>
+            <a:chOff x="9342443" y="3203112"/>
+            <a:chExt cx="2586642" cy="2271005"/>
+          </a:xfrm>
+        </p:grpSpPr>
+        <p:pic>
+          <p:nvPicPr>
+            <p:cNvPr id="3119" name="Picture 6">
+              <a:extLst>
+                <a:ext uri="{FF2B5EF4-FFF2-40B4-BE49-F238E27FC236}">
+                  <a16:creationId xmlns:a16="http://schemas.microsoft.com/office/drawing/2014/main" id="{627AA289-0282-DABE-7A5C-E297B88CD14B}"/>
+                </a:ext>
+              </a:extLst>
+            </p:cNvPr>
+            <p:cNvPicPr>
+              <a:picLocks noChangeAspect="1" noChangeArrowheads="1"/>
+            </p:cNvPicPr>
+            <p:nvPr/>
+          </p:nvPicPr>
+          <p:blipFill>
+            <a:blip r:embed="rId2">
+              <a:extLst>
+                <a:ext uri="{28A0092B-C50C-407E-A947-70E740481C1C}">
+                  <a14:useLocalDpi xmlns:a14="http://schemas.microsoft.com/office/drawing/2010/main" val="0"/>
+                </a:ext>
+              </a:extLst>
+            </a:blip>
+            <a:srcRect/>
+            <a:stretch>
+              <a:fillRect/>
+            </a:stretch>
+          </p:blipFill>
+          <p:spPr bwMode="auto">
+            <a:xfrm>
+              <a:off x="9342443" y="3369366"/>
+              <a:ext cx="2416593" cy="2101599"/>
+            </a:xfrm>
+            <a:prstGeom prst="rect">
+              <a:avLst/>
+            </a:prstGeom>
+            <a:noFill/>
+            <a:extLst>
+              <a:ext uri="{909E8E84-426E-40DD-AFC4-6F175D3DCCD1}">
+                <a14:hiddenFill xmlns:a14="http://schemas.microsoft.com/office/drawing/2010/main">
+                  <a:solidFill>
+                    <a:srgbClr val="FFFFFF"/>
+                  </a:solidFill>
+                </a14:hiddenFill>
+              </a:ext>
+            </a:extLst>
+          </p:spPr>
+        </p:pic>
+        <p:pic>
+          <p:nvPicPr>
+            <p:cNvPr id="3120" name="Picture 6">
+              <a:extLst>
+                <a:ext uri="{FF2B5EF4-FFF2-40B4-BE49-F238E27FC236}">
+                  <a16:creationId xmlns:a16="http://schemas.microsoft.com/office/drawing/2014/main" id="{AA10FBC1-C155-0857-B7AD-73D9AEBA548A}"/>
+                </a:ext>
+              </a:extLst>
+            </p:cNvPr>
+            <p:cNvPicPr>
+              <a:picLocks noChangeAspect="1" noChangeArrowheads="1"/>
+            </p:cNvPicPr>
+            <p:nvPr/>
+          </p:nvPicPr>
+          <p:blipFill rotWithShape="1">
+            <a:blip r:embed="rId2">
+              <a:extLst>
+                <a:ext uri="{28A0092B-C50C-407E-A947-70E740481C1C}">
+                  <a14:useLocalDpi xmlns:a14="http://schemas.microsoft.com/office/drawing/2010/main" val="0"/>
+                </a:ext>
+              </a:extLst>
+            </a:blip>
+            <a:srcRect t="43930" r="45343"/>
+            <a:stretch/>
+          </p:blipFill>
+          <p:spPr bwMode="auto">
+            <a:xfrm flipV="1">
+              <a:off x="9344583" y="3203112"/>
+              <a:ext cx="1320826" cy="1178365"/>
+            </a:xfrm>
+            <a:prstGeom prst="rect">
+              <a:avLst/>
+            </a:prstGeom>
+            <a:noFill/>
+            <a:extLst>
+              <a:ext uri="{909E8E84-426E-40DD-AFC4-6F175D3DCCD1}">
+                <a14:hiddenFill xmlns:a14="http://schemas.microsoft.com/office/drawing/2010/main">
+                  <a:solidFill>
+                    <a:srgbClr val="FFFFFF"/>
+                  </a:solidFill>
+                </a14:hiddenFill>
+              </a:ext>
+            </a:extLst>
+          </p:spPr>
+        </p:pic>
+        <p:pic>
+          <p:nvPicPr>
+            <p:cNvPr id="3121" name="Picture 6">
+              <a:extLst>
+                <a:ext uri="{FF2B5EF4-FFF2-40B4-BE49-F238E27FC236}">
+                  <a16:creationId xmlns:a16="http://schemas.microsoft.com/office/drawing/2014/main" id="{4EB190CA-009D-ED0B-A450-D14276068CDF}"/>
+                </a:ext>
+              </a:extLst>
+            </p:cNvPr>
+            <p:cNvPicPr>
+              <a:picLocks noChangeAspect="1" noChangeArrowheads="1"/>
+            </p:cNvPicPr>
+            <p:nvPr/>
+          </p:nvPicPr>
+          <p:blipFill rotWithShape="1">
+            <a:blip r:embed="rId2">
+              <a:extLst>
+                <a:ext uri="{28A0092B-C50C-407E-A947-70E740481C1C}">
+                  <a14:useLocalDpi xmlns:a14="http://schemas.microsoft.com/office/drawing/2010/main" val="0"/>
+                </a:ext>
+              </a:extLst>
+            </a:blip>
+            <a:srcRect t="43930" r="45343"/>
+            <a:stretch/>
+          </p:blipFill>
+          <p:spPr bwMode="auto">
+            <a:xfrm flipH="1" flipV="1">
+              <a:off x="10608259" y="3203112"/>
+              <a:ext cx="1320826" cy="1178365"/>
+            </a:xfrm>
+            <a:prstGeom prst="rect">
+              <a:avLst/>
+            </a:prstGeom>
+            <a:noFill/>
+            <a:extLst>
+              <a:ext uri="{909E8E84-426E-40DD-AFC4-6F175D3DCCD1}">
+                <a14:hiddenFill xmlns:a14="http://schemas.microsoft.com/office/drawing/2010/main">
+                  <a:solidFill>
+                    <a:srgbClr val="FFFFFF"/>
+                  </a:solidFill>
+                </a14:hiddenFill>
+              </a:ext>
+            </a:extLst>
+          </p:spPr>
+        </p:pic>
+        <p:pic>
+          <p:nvPicPr>
+            <p:cNvPr id="3122" name="Picture 6">
+              <a:extLst>
+                <a:ext uri="{FF2B5EF4-FFF2-40B4-BE49-F238E27FC236}">
+                  <a16:creationId xmlns:a16="http://schemas.microsoft.com/office/drawing/2014/main" id="{75B15F82-56B0-27AB-A237-D24106CC3E7E}"/>
+                </a:ext>
+              </a:extLst>
+            </p:cNvPr>
+            <p:cNvPicPr>
+              <a:picLocks noChangeAspect="1" noChangeArrowheads="1"/>
+            </p:cNvPicPr>
+            <p:nvPr/>
+          </p:nvPicPr>
+          <p:blipFill rotWithShape="1">
+            <a:blip r:embed="rId2">
+              <a:extLst>
+                <a:ext uri="{28A0092B-C50C-407E-A947-70E740481C1C}">
+                  <a14:useLocalDpi xmlns:a14="http://schemas.microsoft.com/office/drawing/2010/main" val="0"/>
+                </a:ext>
+              </a:extLst>
+            </a:blip>
+            <a:srcRect t="43930" r="45343"/>
+            <a:stretch/>
+          </p:blipFill>
+          <p:spPr bwMode="auto">
+            <a:xfrm flipH="1">
+              <a:off x="10608259" y="4295752"/>
+              <a:ext cx="1320826" cy="1178365"/>
+            </a:xfrm>
+            <a:prstGeom prst="rect">
+              <a:avLst/>
+            </a:prstGeom>
+            <a:noFill/>
+            <a:extLst>
+              <a:ext uri="{909E8E84-426E-40DD-AFC4-6F175D3DCCD1}">
+                <a14:hiddenFill xmlns:a14="http://schemas.microsoft.com/office/drawing/2010/main">
+                  <a:solidFill>
+                    <a:srgbClr val="FFFFFF"/>
+                  </a:solidFill>
+                </a14:hiddenFill>
+              </a:ext>
+            </a:extLst>
+          </p:spPr>
+        </p:pic>
+      </p:grpSp>
+      <p:pic>
+        <p:nvPicPr>
+          <p:cNvPr id="3126" name="Picture 8">
+            <a:extLst>
+              <a:ext uri="{FF2B5EF4-FFF2-40B4-BE49-F238E27FC236}">
+                <a16:creationId xmlns:a16="http://schemas.microsoft.com/office/drawing/2014/main" id="{E762424A-8053-661D-214D-5A6A6251018D}"/>
+              </a:ext>
+            </a:extLst>
+          </p:cNvPr>
+          <p:cNvPicPr>
+            <a:picLocks noChangeAspect="1" noChangeArrowheads="1"/>
+          </p:cNvPicPr>
+          <p:nvPr/>
+        </p:nvPicPr>
+        <p:blipFill rotWithShape="1">
+          <a:blip r:embed="rId2">
+            <a:extLst>
+              <a:ext uri="{28A0092B-C50C-407E-A947-70E740481C1C}">
+                <a14:useLocalDpi xmlns:a14="http://schemas.microsoft.com/office/drawing/2010/main" val="0"/>
+              </a:ext>
+            </a:extLst>
+          </a:blip>
+          <a:srcRect r="1988"/>
+          <a:stretch/>
+        </p:blipFill>
+        <p:spPr bwMode="auto">
+          <a:xfrm>
+            <a:off x="822470" y="922899"/>
+            <a:ext cx="3644809" cy="3234005"/>
+          </a:xfrm>
+          <a:prstGeom prst="rect">
+            <a:avLst/>
+          </a:prstGeom>
+          <a:noFill/>
+          <a:extLst>
+            <a:ext uri="{909E8E84-426E-40DD-AFC4-6F175D3DCCD1}">
+              <a14:hiddenFill xmlns:a14="http://schemas.microsoft.com/office/drawing/2010/main">
+                <a:solidFill>
+                  <a:srgbClr val="FFFFFF"/>
+                </a:solidFill>
+              </a14:hiddenFill>
+            </a:ext>
+          </a:extLst>
+        </p:spPr>
+      </p:pic>
+      <p:pic>
+        <p:nvPicPr>
+          <p:cNvPr id="3127" name="Picture 8">
+            <a:extLst>
+              <a:ext uri="{FF2B5EF4-FFF2-40B4-BE49-F238E27FC236}">
+                <a16:creationId xmlns:a16="http://schemas.microsoft.com/office/drawing/2014/main" id="{29E86343-B453-E003-6F01-B17FF940E799}"/>
+              </a:ext>
+            </a:extLst>
+          </p:cNvPr>
+          <p:cNvPicPr>
+            <a:picLocks noChangeAspect="1" noChangeArrowheads="1"/>
+          </p:cNvPicPr>
+          <p:nvPr/>
+        </p:nvPicPr>
+        <p:blipFill rotWithShape="1">
+          <a:blip r:embed="rId2">
+            <a:extLst>
+              <a:ext uri="{28A0092B-C50C-407E-A947-70E740481C1C}">
+                <a14:useLocalDpi xmlns:a14="http://schemas.microsoft.com/office/drawing/2010/main" val="0"/>
+              </a:ext>
+            </a:extLst>
+          </a:blip>
+          <a:srcRect l="8007" t="2466"/>
+          <a:stretch/>
+        </p:blipFill>
+        <p:spPr bwMode="auto">
+          <a:xfrm>
+            <a:off x="4333485" y="3703729"/>
+            <a:ext cx="3420962" cy="3154271"/>
+          </a:xfrm>
+          <a:prstGeom prst="rect">
+            <a:avLst/>
+          </a:prstGeom>
+          <a:noFill/>
+          <a:extLst>
+            <a:ext uri="{909E8E84-426E-40DD-AFC4-6F175D3DCCD1}">
+              <a14:hiddenFill xmlns:a14="http://schemas.microsoft.com/office/drawing/2010/main">
+                <a:solidFill>
+                  <a:srgbClr val="FFFFFF"/>
+                </a:solidFill>
+              </a14:hiddenFill>
+            </a:ext>
+          </a:extLst>
+        </p:spPr>
+      </p:pic>
+      <p:pic>
+        <p:nvPicPr>
+          <p:cNvPr id="3125" name="Picture 8">
+            <a:extLst>
+              <a:ext uri="{FF2B5EF4-FFF2-40B4-BE49-F238E27FC236}">
+                <a16:creationId xmlns:a16="http://schemas.microsoft.com/office/drawing/2014/main" id="{B3E60859-1969-57B7-ACB3-D66167FAB32D}"/>
+              </a:ext>
+            </a:extLst>
+          </p:cNvPr>
+          <p:cNvPicPr>
+            <a:picLocks noChangeAspect="1" noChangeArrowheads="1"/>
+          </p:cNvPicPr>
+          <p:nvPr/>
+        </p:nvPicPr>
+        <p:blipFill rotWithShape="1">
+          <a:blip r:embed="rId2">
+            <a:extLst>
+              <a:ext uri="{28A0092B-C50C-407E-A947-70E740481C1C}">
+                <a14:useLocalDpi xmlns:a14="http://schemas.microsoft.com/office/drawing/2010/main" val="0"/>
+              </a:ext>
+            </a:extLst>
+          </a:blip>
+          <a:srcRect t="2466" r="1604"/>
+          <a:stretch/>
+        </p:blipFill>
+        <p:spPr bwMode="auto">
+          <a:xfrm>
+            <a:off x="822471" y="3703729"/>
+            <a:ext cx="3659059" cy="3154271"/>
+          </a:xfrm>
+          <a:prstGeom prst="rect">
+            <a:avLst/>
+          </a:prstGeom>
+          <a:noFill/>
+          <a:extLst>
+            <a:ext uri="{909E8E84-426E-40DD-AFC4-6F175D3DCCD1}">
+              <a14:hiddenFill xmlns:a14="http://schemas.microsoft.com/office/drawing/2010/main">
+                <a:solidFill>
+                  <a:srgbClr val="FFFFFF"/>
+                </a:solidFill>
+              </a14:hiddenFill>
+            </a:ext>
+          </a:extLst>
+        </p:spPr>
+      </p:pic>
+      <p:sp>
+        <p:nvSpPr>
+          <p:cNvPr id="15" name="Hexagon 14">
+            <a:extLst>
+              <a:ext uri="{FF2B5EF4-FFF2-40B4-BE49-F238E27FC236}">
+                <a16:creationId xmlns:a16="http://schemas.microsoft.com/office/drawing/2014/main" id="{CA210AD0-1184-0ED8-8314-9C67458F11F8}"/>
+              </a:ext>
+            </a:extLst>
+          </p:cNvPr>
+          <p:cNvSpPr>
+            <a:spLocks noChangeAspect="1"/>
+          </p:cNvSpPr>
+          <p:nvPr/>
+        </p:nvSpPr>
+        <p:spPr>
+          <a:xfrm>
+            <a:off x="687940" y="3330702"/>
+            <a:ext cx="1027723" cy="885969"/>
+          </a:xfrm>
+          <a:prstGeom prst="hexagon">
+            <a:avLst/>
+          </a:prstGeom>
+          <a:noFill/>
+          <a:ln w="38100">
+            <a:solidFill>
+              <a:srgbClr val="C00000"/>
+            </a:solidFill>
+          </a:ln>
+        </p:spPr>
+        <p:style>
+          <a:lnRef idx="2">
+            <a:schemeClr val="accent1">
+              <a:shade val="15000"/>
+            </a:schemeClr>
+          </a:lnRef>
+          <a:fillRef idx="1">
+            <a:schemeClr val="accent1"/>
+          </a:fillRef>
+          <a:effectRef idx="0">
+            <a:schemeClr val="accent1"/>
+          </a:effectRef>
+          <a:fontRef idx="minor">
+            <a:schemeClr val="lt1"/>
+          </a:fontRef>
+        </p:style>
+        <p:txBody>
+          <a:bodyPr rtlCol="0" anchor="ctr"/>
+          <a:lstStyle/>
+          <a:p>
+            <a:pPr algn="ctr"/>
+            <a:endParaRPr lang="en-US" dirty="0"/>
+          </a:p>
+        </p:txBody>
+      </p:sp>
+      <p:sp>
+        <p:nvSpPr>
+          <p:cNvPr id="16" name="Hexagon 15">
+            <a:extLst>
+              <a:ext uri="{FF2B5EF4-FFF2-40B4-BE49-F238E27FC236}">
+                <a16:creationId xmlns:a16="http://schemas.microsoft.com/office/drawing/2014/main" id="{F7E5B642-D6DC-27D1-AAAE-9D95E7839BBD}"/>
+              </a:ext>
+            </a:extLst>
+          </p:cNvPr>
+          <p:cNvSpPr>
+            <a:spLocks noChangeAspect="1"/>
+          </p:cNvSpPr>
+          <p:nvPr/>
+        </p:nvSpPr>
+        <p:spPr>
+          <a:xfrm>
+            <a:off x="681273" y="4219455"/>
+            <a:ext cx="1027723" cy="885969"/>
+          </a:xfrm>
+          <a:prstGeom prst="hexagon">
+            <a:avLst/>
+          </a:prstGeom>
+          <a:noFill/>
+          <a:ln w="38100">
+            <a:solidFill>
+              <a:srgbClr val="C00000"/>
+            </a:solidFill>
+          </a:ln>
+        </p:spPr>
+        <p:style>
+          <a:lnRef idx="2">
+            <a:schemeClr val="accent1">
+              <a:shade val="15000"/>
+            </a:schemeClr>
+          </a:lnRef>
+          <a:fillRef idx="1">
+            <a:schemeClr val="accent1"/>
+          </a:fillRef>
+          <a:effectRef idx="0">
+            <a:schemeClr val="accent1"/>
+          </a:effectRef>
+          <a:fontRef idx="minor">
+            <a:schemeClr val="lt1"/>
+          </a:fontRef>
+        </p:style>
+        <p:txBody>
+          <a:bodyPr rtlCol="0" anchor="ctr"/>
+          <a:lstStyle/>
+          <a:p>
+            <a:pPr algn="ctr"/>
+            <a:endParaRPr lang="en-US" dirty="0"/>
+          </a:p>
+        </p:txBody>
+      </p:sp>
+      <p:sp>
+        <p:nvSpPr>
+          <p:cNvPr id="17" name="Hexagon 16">
+            <a:extLst>
+              <a:ext uri="{FF2B5EF4-FFF2-40B4-BE49-F238E27FC236}">
+                <a16:creationId xmlns:a16="http://schemas.microsoft.com/office/drawing/2014/main" id="{04A1A5EA-4A1F-BC6E-3692-7F058625DEE6}"/>
+              </a:ext>
+            </a:extLst>
+          </p:cNvPr>
+          <p:cNvSpPr>
+            <a:spLocks noChangeAspect="1"/>
+          </p:cNvSpPr>
+          <p:nvPr/>
+        </p:nvSpPr>
+        <p:spPr>
+          <a:xfrm>
+            <a:off x="681273" y="5101176"/>
+            <a:ext cx="1027723" cy="885969"/>
+          </a:xfrm>
+          <a:prstGeom prst="hexagon">
+            <a:avLst/>
+          </a:prstGeom>
+          <a:noFill/>
+          <a:ln w="38100">
+            <a:solidFill>
+              <a:srgbClr val="C00000"/>
+            </a:solidFill>
+          </a:ln>
+        </p:spPr>
+        <p:style>
+          <a:lnRef idx="2">
+            <a:schemeClr val="accent1">
+              <a:shade val="15000"/>
+            </a:schemeClr>
+          </a:lnRef>
+          <a:fillRef idx="1">
+            <a:schemeClr val="accent1"/>
+          </a:fillRef>
+          <a:effectRef idx="0">
+            <a:schemeClr val="accent1"/>
+          </a:effectRef>
+          <a:fontRef idx="minor">
+            <a:schemeClr val="lt1"/>
+          </a:fontRef>
+        </p:style>
+        <p:txBody>
+          <a:bodyPr rtlCol="0" anchor="ctr"/>
+          <a:lstStyle/>
+          <a:p>
+            <a:pPr algn="ctr"/>
+            <a:endParaRPr lang="en-US" dirty="0"/>
+          </a:p>
+        </p:txBody>
+      </p:sp>
+      <p:sp>
+        <p:nvSpPr>
+          <p:cNvPr id="18" name="Hexagon 17">
+            <a:extLst>
+              <a:ext uri="{FF2B5EF4-FFF2-40B4-BE49-F238E27FC236}">
+                <a16:creationId xmlns:a16="http://schemas.microsoft.com/office/drawing/2014/main" id="{7B802C25-E8E5-3AD5-AA86-EC56DD658921}"/>
+              </a:ext>
+            </a:extLst>
+          </p:cNvPr>
+          <p:cNvSpPr>
+            <a:spLocks noChangeAspect="1"/>
+          </p:cNvSpPr>
+          <p:nvPr/>
+        </p:nvSpPr>
+        <p:spPr>
+          <a:xfrm>
+            <a:off x="1490185" y="5546282"/>
+            <a:ext cx="1027723" cy="885969"/>
+          </a:xfrm>
+          <a:prstGeom prst="hexagon">
+            <a:avLst/>
+          </a:prstGeom>
+          <a:noFill/>
+          <a:ln w="38100">
+            <a:solidFill>
+              <a:srgbClr val="C00000"/>
+            </a:solidFill>
+          </a:ln>
+        </p:spPr>
+        <p:style>
+          <a:lnRef idx="2">
+            <a:schemeClr val="accent1">
+              <a:shade val="15000"/>
+            </a:schemeClr>
+          </a:lnRef>
+          <a:fillRef idx="1">
+            <a:schemeClr val="accent1"/>
+          </a:fillRef>
+          <a:effectRef idx="0">
+            <a:schemeClr val="accent1"/>
+          </a:effectRef>
+          <a:fontRef idx="minor">
+            <a:schemeClr val="lt1"/>
+          </a:fontRef>
+        </p:style>
+        <p:txBody>
+          <a:bodyPr rtlCol="0" anchor="ctr"/>
+          <a:lstStyle/>
+          <a:p>
+            <a:pPr algn="ctr"/>
+            <a:endParaRPr lang="en-US" dirty="0"/>
+          </a:p>
+        </p:txBody>
+      </p:sp>
+      <p:sp>
+        <p:nvSpPr>
+          <p:cNvPr id="19" name="Hexagon 18">
+            <a:extLst>
+              <a:ext uri="{FF2B5EF4-FFF2-40B4-BE49-F238E27FC236}">
+                <a16:creationId xmlns:a16="http://schemas.microsoft.com/office/drawing/2014/main" id="{F264AC56-895C-CBF0-AB22-DC2EB760F723}"/>
+              </a:ext>
+            </a:extLst>
+          </p:cNvPr>
+          <p:cNvSpPr>
+            <a:spLocks noChangeAspect="1"/>
+          </p:cNvSpPr>
+          <p:nvPr/>
+        </p:nvSpPr>
+        <p:spPr>
+          <a:xfrm>
+            <a:off x="1490185" y="4663832"/>
+            <a:ext cx="1027723" cy="885969"/>
+          </a:xfrm>
+          <a:prstGeom prst="hexagon">
+            <a:avLst/>
+          </a:prstGeom>
+          <a:noFill/>
+          <a:ln w="38100">
+            <a:solidFill>
+              <a:srgbClr val="C00000"/>
+            </a:solidFill>
+          </a:ln>
+        </p:spPr>
+        <p:style>
+          <a:lnRef idx="2">
+            <a:schemeClr val="accent1">
+              <a:shade val="15000"/>
+            </a:schemeClr>
+          </a:lnRef>
+          <a:fillRef idx="1">
+            <a:schemeClr val="accent1"/>
+          </a:fillRef>
+          <a:effectRef idx="0">
+            <a:schemeClr val="accent1"/>
+          </a:effectRef>
+          <a:fontRef idx="minor">
+            <a:schemeClr val="lt1"/>
+          </a:fontRef>
+        </p:style>
+        <p:txBody>
+          <a:bodyPr rtlCol="0" anchor="ctr"/>
+          <a:lstStyle/>
+          <a:p>
+            <a:pPr algn="ctr"/>
+            <a:endParaRPr lang="en-US" dirty="0"/>
+          </a:p>
+        </p:txBody>
+      </p:sp>
+      <p:sp>
+        <p:nvSpPr>
+          <p:cNvPr id="20" name="Hexagon 19">
+            <a:extLst>
+              <a:ext uri="{FF2B5EF4-FFF2-40B4-BE49-F238E27FC236}">
+                <a16:creationId xmlns:a16="http://schemas.microsoft.com/office/drawing/2014/main" id="{07B9D637-BA96-2B7F-EBC9-5B688778148D}"/>
+              </a:ext>
+            </a:extLst>
+          </p:cNvPr>
+          <p:cNvSpPr>
+            <a:spLocks noChangeAspect="1"/>
+          </p:cNvSpPr>
+          <p:nvPr/>
+        </p:nvSpPr>
+        <p:spPr>
+          <a:xfrm>
+            <a:off x="1490185" y="3781382"/>
+            <a:ext cx="1027723" cy="885969"/>
+          </a:xfrm>
+          <a:prstGeom prst="hexagon">
+            <a:avLst/>
+          </a:prstGeom>
+          <a:noFill/>
+          <a:ln w="38100">
+            <a:solidFill>
+              <a:srgbClr val="C00000"/>
+            </a:solidFill>
+          </a:ln>
+        </p:spPr>
+        <p:style>
+          <a:lnRef idx="2">
+            <a:schemeClr val="accent1">
+              <a:shade val="15000"/>
+            </a:schemeClr>
+          </a:lnRef>
+          <a:fillRef idx="1">
+            <a:schemeClr val="accent1"/>
+          </a:fillRef>
+          <a:effectRef idx="0">
+            <a:schemeClr val="accent1"/>
+          </a:effectRef>
+          <a:fontRef idx="minor">
+            <a:schemeClr val="lt1"/>
+          </a:fontRef>
+        </p:style>
+        <p:txBody>
+          <a:bodyPr rtlCol="0" anchor="ctr"/>
+          <a:lstStyle/>
+          <a:p>
+            <a:pPr algn="ctr"/>
+            <a:endParaRPr lang="en-US" dirty="0"/>
+          </a:p>
+        </p:txBody>
+      </p:sp>
+      <p:sp>
+        <p:nvSpPr>
+          <p:cNvPr id="21" name="Hexagon 20">
+            <a:extLst>
+              <a:ext uri="{FF2B5EF4-FFF2-40B4-BE49-F238E27FC236}">
+                <a16:creationId xmlns:a16="http://schemas.microsoft.com/office/drawing/2014/main" id="{65236423-21B3-ED2B-8057-5E9D7417482A}"/>
+              </a:ext>
+            </a:extLst>
+          </p:cNvPr>
+          <p:cNvSpPr>
+            <a:spLocks noChangeAspect="1"/>
+          </p:cNvSpPr>
+          <p:nvPr/>
+        </p:nvSpPr>
+        <p:spPr>
+          <a:xfrm>
+            <a:off x="2292430" y="3337534"/>
+            <a:ext cx="1027723" cy="885969"/>
+          </a:xfrm>
+          <a:prstGeom prst="hexagon">
+            <a:avLst/>
+          </a:prstGeom>
+          <a:noFill/>
+          <a:ln w="38100">
+            <a:solidFill>
+              <a:srgbClr val="C00000"/>
+            </a:solidFill>
+          </a:ln>
+        </p:spPr>
+        <p:style>
+          <a:lnRef idx="2">
+            <a:schemeClr val="accent1">
+              <a:shade val="15000"/>
+            </a:schemeClr>
+          </a:lnRef>
+          <a:fillRef idx="1">
+            <a:schemeClr val="accent1"/>
+          </a:fillRef>
+          <a:effectRef idx="0">
+            <a:schemeClr val="accent1"/>
+          </a:effectRef>
+          <a:fontRef idx="minor">
+            <a:schemeClr val="lt1"/>
+          </a:fontRef>
+        </p:style>
+        <p:txBody>
+          <a:bodyPr rtlCol="0" anchor="ctr"/>
+          <a:lstStyle/>
+          <a:p>
+            <a:pPr algn="ctr"/>
+            <a:endParaRPr lang="en-US" dirty="0"/>
+          </a:p>
+        </p:txBody>
+      </p:sp>
+      <p:sp>
+        <p:nvSpPr>
+          <p:cNvPr id="22" name="Hexagon 21">
+            <a:extLst>
+              <a:ext uri="{FF2B5EF4-FFF2-40B4-BE49-F238E27FC236}">
+                <a16:creationId xmlns:a16="http://schemas.microsoft.com/office/drawing/2014/main" id="{4F7251F9-1271-4B5D-1B14-AD79DB034C73}"/>
+              </a:ext>
+            </a:extLst>
+          </p:cNvPr>
+          <p:cNvSpPr>
+            <a:spLocks noChangeAspect="1"/>
+          </p:cNvSpPr>
+          <p:nvPr/>
+        </p:nvSpPr>
+        <p:spPr>
+          <a:xfrm>
+            <a:off x="2286491" y="4231939"/>
+            <a:ext cx="1027723" cy="885969"/>
+          </a:xfrm>
+          <a:prstGeom prst="hexagon">
+            <a:avLst/>
+          </a:prstGeom>
+          <a:noFill/>
+          <a:ln w="38100">
+            <a:solidFill>
+              <a:srgbClr val="C00000"/>
+            </a:solidFill>
+          </a:ln>
+        </p:spPr>
+        <p:style>
+          <a:lnRef idx="2">
+            <a:schemeClr val="accent1">
+              <a:shade val="15000"/>
+            </a:schemeClr>
+          </a:lnRef>
+          <a:fillRef idx="1">
+            <a:schemeClr val="accent1"/>
+          </a:fillRef>
+          <a:effectRef idx="0">
+            <a:schemeClr val="accent1"/>
+          </a:effectRef>
+          <a:fontRef idx="minor">
+            <a:schemeClr val="lt1"/>
+          </a:fontRef>
+        </p:style>
+        <p:txBody>
+          <a:bodyPr rtlCol="0" anchor="ctr"/>
+          <a:lstStyle/>
+          <a:p>
+            <a:pPr algn="ctr"/>
+            <a:endParaRPr lang="en-US" dirty="0"/>
+          </a:p>
+        </p:txBody>
+      </p:sp>
+      <p:sp>
+        <p:nvSpPr>
+          <p:cNvPr id="23" name="Hexagon 22">
+            <a:extLst>
+              <a:ext uri="{FF2B5EF4-FFF2-40B4-BE49-F238E27FC236}">
+                <a16:creationId xmlns:a16="http://schemas.microsoft.com/office/drawing/2014/main" id="{4073D1F8-EC3D-0388-F726-CE0A24FC5B8A}"/>
+              </a:ext>
+            </a:extLst>
+          </p:cNvPr>
+          <p:cNvSpPr>
+            <a:spLocks noChangeAspect="1"/>
+          </p:cNvSpPr>
+          <p:nvPr/>
+        </p:nvSpPr>
+        <p:spPr>
+          <a:xfrm>
+            <a:off x="3092337" y="3787995"/>
+            <a:ext cx="1027723" cy="885969"/>
+          </a:xfrm>
+          <a:prstGeom prst="hexagon">
+            <a:avLst/>
+          </a:prstGeom>
+          <a:noFill/>
+          <a:ln w="38100">
+            <a:solidFill>
+              <a:srgbClr val="C00000"/>
+            </a:solidFill>
+          </a:ln>
+        </p:spPr>
+        <p:style>
+          <a:lnRef idx="2">
+            <a:schemeClr val="accent1">
+              <a:shade val="15000"/>
+            </a:schemeClr>
+          </a:lnRef>
+          <a:fillRef idx="1">
+            <a:schemeClr val="accent1"/>
+          </a:fillRef>
+          <a:effectRef idx="0">
+            <a:schemeClr val="accent1"/>
+          </a:effectRef>
+          <a:fontRef idx="minor">
+            <a:schemeClr val="lt1"/>
+          </a:fontRef>
+        </p:style>
+        <p:txBody>
+          <a:bodyPr rtlCol="0" anchor="ctr"/>
+          <a:lstStyle/>
+          <a:p>
+            <a:pPr algn="ctr"/>
+            <a:endParaRPr lang="en-US" dirty="0"/>
+          </a:p>
+        </p:txBody>
+      </p:sp>
+      <p:sp>
+        <p:nvSpPr>
+          <p:cNvPr id="24" name="Hexagon 23">
+            <a:extLst>
+              <a:ext uri="{FF2B5EF4-FFF2-40B4-BE49-F238E27FC236}">
+                <a16:creationId xmlns:a16="http://schemas.microsoft.com/office/drawing/2014/main" id="{881E2BDC-1F31-6D01-E04A-7C73381D6037}"/>
+              </a:ext>
+            </a:extLst>
+          </p:cNvPr>
+          <p:cNvSpPr>
+            <a:spLocks noChangeAspect="1"/>
+          </p:cNvSpPr>
+          <p:nvPr/>
+        </p:nvSpPr>
+        <p:spPr>
+          <a:xfrm>
+            <a:off x="3092337" y="4676748"/>
+            <a:ext cx="1027723" cy="885969"/>
+          </a:xfrm>
+          <a:prstGeom prst="hexagon">
+            <a:avLst/>
+          </a:prstGeom>
+          <a:noFill/>
+          <a:ln w="38100">
+            <a:solidFill>
+              <a:srgbClr val="C00000"/>
+            </a:solidFill>
+          </a:ln>
+        </p:spPr>
+        <p:style>
+          <a:lnRef idx="2">
+            <a:schemeClr val="accent1">
+              <a:shade val="15000"/>
+            </a:schemeClr>
+          </a:lnRef>
+          <a:fillRef idx="1">
+            <a:schemeClr val="accent1"/>
+          </a:fillRef>
+          <a:effectRef idx="0">
+            <a:schemeClr val="accent1"/>
+          </a:effectRef>
+          <a:fontRef idx="minor">
+            <a:schemeClr val="lt1"/>
+          </a:fontRef>
+        </p:style>
+        <p:txBody>
+          <a:bodyPr rtlCol="0" anchor="ctr"/>
+          <a:lstStyle/>
+          <a:p>
+            <a:pPr algn="ctr"/>
+            <a:endParaRPr lang="en-US" dirty="0"/>
+          </a:p>
+        </p:txBody>
+      </p:sp>
+      <p:sp>
+        <p:nvSpPr>
+          <p:cNvPr id="25" name="Hexagon 24">
+            <a:extLst>
+              <a:ext uri="{FF2B5EF4-FFF2-40B4-BE49-F238E27FC236}">
+                <a16:creationId xmlns:a16="http://schemas.microsoft.com/office/drawing/2014/main" id="{D0AE08D3-EA20-7B0E-7F1E-2C0558AF647E}"/>
+              </a:ext>
+            </a:extLst>
+          </p:cNvPr>
+          <p:cNvSpPr>
+            <a:spLocks noChangeAspect="1"/>
+          </p:cNvSpPr>
+          <p:nvPr/>
+        </p:nvSpPr>
+        <p:spPr>
+          <a:xfrm>
+            <a:off x="3092337" y="5571804"/>
+            <a:ext cx="1027723" cy="885969"/>
+          </a:xfrm>
+          <a:prstGeom prst="hexagon">
+            <a:avLst/>
+          </a:prstGeom>
+          <a:noFill/>
+          <a:ln w="38100">
+            <a:solidFill>
+              <a:srgbClr val="C00000"/>
+            </a:solidFill>
+          </a:ln>
+        </p:spPr>
+        <p:style>
+          <a:lnRef idx="2">
+            <a:schemeClr val="accent1">
+              <a:shade val="15000"/>
+            </a:schemeClr>
+          </a:lnRef>
+          <a:fillRef idx="1">
+            <a:schemeClr val="accent1"/>
+          </a:fillRef>
+          <a:effectRef idx="0">
+            <a:schemeClr val="accent1"/>
+          </a:effectRef>
+          <a:fontRef idx="minor">
+            <a:schemeClr val="lt1"/>
+          </a:fontRef>
+        </p:style>
+        <p:txBody>
+          <a:bodyPr rtlCol="0" anchor="ctr"/>
+          <a:lstStyle/>
+          <a:p>
+            <a:pPr algn="ctr"/>
+            <a:endParaRPr lang="en-US" dirty="0"/>
+          </a:p>
+        </p:txBody>
+      </p:sp>
+      <p:sp>
+        <p:nvSpPr>
+          <p:cNvPr id="26" name="Hexagon 25">
+            <a:extLst>
+              <a:ext uri="{FF2B5EF4-FFF2-40B4-BE49-F238E27FC236}">
+                <a16:creationId xmlns:a16="http://schemas.microsoft.com/office/drawing/2014/main" id="{95823C0A-C918-E852-F828-D270E718F930}"/>
+              </a:ext>
+            </a:extLst>
+          </p:cNvPr>
+          <p:cNvSpPr>
+            <a:spLocks noChangeAspect="1"/>
+          </p:cNvSpPr>
+          <p:nvPr/>
+        </p:nvSpPr>
+        <p:spPr>
+          <a:xfrm>
+            <a:off x="2293103" y="5112255"/>
+            <a:ext cx="1027723" cy="885969"/>
+          </a:xfrm>
+          <a:prstGeom prst="hexagon">
+            <a:avLst/>
+          </a:prstGeom>
+          <a:noFill/>
+          <a:ln w="38100">
+            <a:solidFill>
+              <a:srgbClr val="C00000"/>
+            </a:solidFill>
+          </a:ln>
+        </p:spPr>
+        <p:style>
+          <a:lnRef idx="2">
+            <a:schemeClr val="accent1">
+              <a:shade val="15000"/>
+            </a:schemeClr>
+          </a:lnRef>
+          <a:fillRef idx="1">
+            <a:schemeClr val="accent1"/>
+          </a:fillRef>
+          <a:effectRef idx="0">
+            <a:schemeClr val="accent1"/>
+          </a:effectRef>
+          <a:fontRef idx="minor">
+            <a:schemeClr val="lt1"/>
+          </a:fontRef>
+        </p:style>
+        <p:txBody>
+          <a:bodyPr rtlCol="0" anchor="ctr"/>
+          <a:lstStyle/>
+          <a:p>
+            <a:pPr algn="ctr"/>
+            <a:endParaRPr lang="en-US" dirty="0"/>
+          </a:p>
+        </p:txBody>
+      </p:sp>
+      <p:sp>
+        <p:nvSpPr>
+          <p:cNvPr id="27" name="Hexagon 26">
+            <a:extLst>
+              <a:ext uri="{FF2B5EF4-FFF2-40B4-BE49-F238E27FC236}">
+                <a16:creationId xmlns:a16="http://schemas.microsoft.com/office/drawing/2014/main" id="{D957CCD2-1115-F210-0E4C-56330AA467F3}"/>
+              </a:ext>
+            </a:extLst>
+          </p:cNvPr>
+          <p:cNvSpPr>
+            <a:spLocks noChangeAspect="1"/>
+          </p:cNvSpPr>
+          <p:nvPr/>
+        </p:nvSpPr>
+        <p:spPr>
+          <a:xfrm>
+            <a:off x="3910256" y="3330702"/>
+            <a:ext cx="1027723" cy="885969"/>
+          </a:xfrm>
+          <a:prstGeom prst="hexagon">
+            <a:avLst/>
+          </a:prstGeom>
+          <a:noFill/>
+          <a:ln w="38100">
+            <a:solidFill>
+              <a:srgbClr val="C00000"/>
+            </a:solidFill>
+          </a:ln>
+        </p:spPr>
+        <p:style>
+          <a:lnRef idx="2">
+            <a:schemeClr val="accent1">
+              <a:shade val="15000"/>
+            </a:schemeClr>
+          </a:lnRef>
+          <a:fillRef idx="1">
+            <a:schemeClr val="accent1"/>
+          </a:fillRef>
+          <a:effectRef idx="0">
+            <a:schemeClr val="accent1"/>
+          </a:effectRef>
+          <a:fontRef idx="minor">
+            <a:schemeClr val="lt1"/>
+          </a:fontRef>
+        </p:style>
+        <p:txBody>
+          <a:bodyPr rtlCol="0" anchor="ctr"/>
+          <a:lstStyle/>
+          <a:p>
+            <a:pPr algn="ctr"/>
+            <a:endParaRPr lang="en-US" dirty="0"/>
+          </a:p>
+        </p:txBody>
+      </p:sp>
+      <p:sp>
+        <p:nvSpPr>
+          <p:cNvPr id="28" name="Hexagon 27">
+            <a:extLst>
+              <a:ext uri="{FF2B5EF4-FFF2-40B4-BE49-F238E27FC236}">
+                <a16:creationId xmlns:a16="http://schemas.microsoft.com/office/drawing/2014/main" id="{57F0378C-405F-DF31-4F57-9301727488B2}"/>
+              </a:ext>
+            </a:extLst>
+          </p:cNvPr>
+          <p:cNvSpPr>
+            <a:spLocks noChangeAspect="1"/>
+          </p:cNvSpPr>
+          <p:nvPr/>
+        </p:nvSpPr>
+        <p:spPr>
+          <a:xfrm>
+            <a:off x="3903588" y="4219455"/>
+            <a:ext cx="1027723" cy="885969"/>
+          </a:xfrm>
+          <a:prstGeom prst="hexagon">
+            <a:avLst/>
+          </a:prstGeom>
+          <a:noFill/>
+          <a:ln w="38100">
+            <a:solidFill>
+              <a:srgbClr val="C00000"/>
+            </a:solidFill>
+          </a:ln>
+        </p:spPr>
+        <p:style>
+          <a:lnRef idx="2">
+            <a:schemeClr val="accent1">
+              <a:shade val="15000"/>
+            </a:schemeClr>
+          </a:lnRef>
+          <a:fillRef idx="1">
+            <a:schemeClr val="accent1"/>
+          </a:fillRef>
+          <a:effectRef idx="0">
+            <a:schemeClr val="accent1"/>
+          </a:effectRef>
+          <a:fontRef idx="minor">
+            <a:schemeClr val="lt1"/>
+          </a:fontRef>
+        </p:style>
+        <p:txBody>
+          <a:bodyPr rtlCol="0" anchor="ctr"/>
+          <a:lstStyle/>
+          <a:p>
+            <a:pPr algn="ctr"/>
+            <a:endParaRPr lang="en-US" dirty="0"/>
+          </a:p>
+        </p:txBody>
+      </p:sp>
+      <p:sp>
+        <p:nvSpPr>
+          <p:cNvPr id="29" name="Hexagon 28">
+            <a:extLst>
+              <a:ext uri="{FF2B5EF4-FFF2-40B4-BE49-F238E27FC236}">
+                <a16:creationId xmlns:a16="http://schemas.microsoft.com/office/drawing/2014/main" id="{340DF2F7-B057-B48D-254B-51C75CF38CDA}"/>
+              </a:ext>
+            </a:extLst>
+          </p:cNvPr>
+          <p:cNvSpPr>
+            <a:spLocks noChangeAspect="1"/>
+          </p:cNvSpPr>
+          <p:nvPr/>
+        </p:nvSpPr>
+        <p:spPr>
+          <a:xfrm>
+            <a:off x="3903588" y="5101176"/>
+            <a:ext cx="1027723" cy="885969"/>
+          </a:xfrm>
+          <a:prstGeom prst="hexagon">
+            <a:avLst/>
+          </a:prstGeom>
+          <a:noFill/>
+          <a:ln w="38100">
+            <a:solidFill>
+              <a:srgbClr val="C00000"/>
+            </a:solidFill>
+          </a:ln>
+        </p:spPr>
+        <p:style>
+          <a:lnRef idx="2">
+            <a:schemeClr val="accent1">
+              <a:shade val="15000"/>
+            </a:schemeClr>
+          </a:lnRef>
+          <a:fillRef idx="1">
+            <a:schemeClr val="accent1"/>
+          </a:fillRef>
+          <a:effectRef idx="0">
+            <a:schemeClr val="accent1"/>
+          </a:effectRef>
+          <a:fontRef idx="minor">
+            <a:schemeClr val="lt1"/>
+          </a:fontRef>
+        </p:style>
+        <p:txBody>
+          <a:bodyPr rtlCol="0" anchor="ctr"/>
+          <a:lstStyle/>
+          <a:p>
+            <a:pPr algn="ctr"/>
+            <a:endParaRPr lang="en-US" dirty="0"/>
+          </a:p>
+        </p:txBody>
+      </p:sp>
+      <p:sp>
+        <p:nvSpPr>
+          <p:cNvPr id="30" name="Hexagon 29">
+            <a:extLst>
+              <a:ext uri="{FF2B5EF4-FFF2-40B4-BE49-F238E27FC236}">
+                <a16:creationId xmlns:a16="http://schemas.microsoft.com/office/drawing/2014/main" id="{FA593AA6-1EA7-31C4-6469-61AACE3BD455}"/>
+              </a:ext>
+            </a:extLst>
+          </p:cNvPr>
+          <p:cNvSpPr>
+            <a:spLocks noChangeAspect="1"/>
+          </p:cNvSpPr>
+          <p:nvPr/>
+        </p:nvSpPr>
+        <p:spPr>
+          <a:xfrm>
+            <a:off x="4711247" y="5537514"/>
+            <a:ext cx="1027723" cy="885969"/>
+          </a:xfrm>
+          <a:prstGeom prst="hexagon">
+            <a:avLst/>
+          </a:prstGeom>
+          <a:noFill/>
+          <a:ln w="38100">
+            <a:solidFill>
+              <a:srgbClr val="C00000"/>
+            </a:solidFill>
+          </a:ln>
+        </p:spPr>
+        <p:style>
+          <a:lnRef idx="2">
+            <a:schemeClr val="accent1">
+              <a:shade val="15000"/>
+            </a:schemeClr>
+          </a:lnRef>
+          <a:fillRef idx="1">
+            <a:schemeClr val="accent1"/>
+          </a:fillRef>
+          <a:effectRef idx="0">
+            <a:schemeClr val="accent1"/>
+          </a:effectRef>
+          <a:fontRef idx="minor">
+            <a:schemeClr val="lt1"/>
+          </a:fontRef>
+        </p:style>
+        <p:txBody>
+          <a:bodyPr rtlCol="0" anchor="ctr"/>
+          <a:lstStyle/>
+          <a:p>
+            <a:pPr algn="ctr"/>
+            <a:endParaRPr lang="en-US" dirty="0"/>
+          </a:p>
+        </p:txBody>
+      </p:sp>
+      <p:sp>
+        <p:nvSpPr>
+          <p:cNvPr id="31" name="Hexagon 30">
+            <a:extLst>
+              <a:ext uri="{FF2B5EF4-FFF2-40B4-BE49-F238E27FC236}">
+                <a16:creationId xmlns:a16="http://schemas.microsoft.com/office/drawing/2014/main" id="{9B4F0A47-5E0D-6C47-C319-40D036335536}"/>
+              </a:ext>
+            </a:extLst>
+          </p:cNvPr>
+          <p:cNvSpPr>
+            <a:spLocks noChangeAspect="1"/>
+          </p:cNvSpPr>
+          <p:nvPr/>
+        </p:nvSpPr>
+        <p:spPr>
+          <a:xfrm>
+            <a:off x="4711247" y="4655064"/>
+            <a:ext cx="1027723" cy="885969"/>
+          </a:xfrm>
+          <a:prstGeom prst="hexagon">
+            <a:avLst/>
+          </a:prstGeom>
+          <a:noFill/>
+          <a:ln w="38100">
+            <a:solidFill>
+              <a:srgbClr val="C00000"/>
+            </a:solidFill>
+          </a:ln>
+        </p:spPr>
+        <p:style>
+          <a:lnRef idx="2">
+            <a:schemeClr val="accent1">
+              <a:shade val="15000"/>
+            </a:schemeClr>
+          </a:lnRef>
+          <a:fillRef idx="1">
+            <a:schemeClr val="accent1"/>
+          </a:fillRef>
+          <a:effectRef idx="0">
+            <a:schemeClr val="accent1"/>
+          </a:effectRef>
+          <a:fontRef idx="minor">
+            <a:schemeClr val="lt1"/>
+          </a:fontRef>
+        </p:style>
+        <p:txBody>
+          <a:bodyPr rtlCol="0" anchor="ctr"/>
+          <a:lstStyle/>
+          <a:p>
+            <a:pPr algn="ctr"/>
+            <a:endParaRPr lang="en-US" dirty="0"/>
+          </a:p>
+        </p:txBody>
+      </p:sp>
+      <p:sp>
+        <p:nvSpPr>
+          <p:cNvPr id="32" name="Hexagon 31">
+            <a:extLst>
+              <a:ext uri="{FF2B5EF4-FFF2-40B4-BE49-F238E27FC236}">
+                <a16:creationId xmlns:a16="http://schemas.microsoft.com/office/drawing/2014/main" id="{D9C7E926-4C8D-317C-FD13-663460428E4A}"/>
+              </a:ext>
+            </a:extLst>
+          </p:cNvPr>
+          <p:cNvSpPr>
+            <a:spLocks noChangeAspect="1"/>
+          </p:cNvSpPr>
+          <p:nvPr/>
+        </p:nvSpPr>
+        <p:spPr>
+          <a:xfrm>
+            <a:off x="4711247" y="3772614"/>
+            <a:ext cx="1027723" cy="885969"/>
+          </a:xfrm>
+          <a:prstGeom prst="hexagon">
+            <a:avLst/>
+          </a:prstGeom>
+          <a:noFill/>
+          <a:ln w="38100">
+            <a:solidFill>
+              <a:srgbClr val="C00000"/>
+            </a:solidFill>
+          </a:ln>
+        </p:spPr>
+        <p:style>
+          <a:lnRef idx="2">
+            <a:schemeClr val="accent1">
+              <a:shade val="15000"/>
+            </a:schemeClr>
+          </a:lnRef>
+          <a:fillRef idx="1">
+            <a:schemeClr val="accent1"/>
+          </a:fillRef>
+          <a:effectRef idx="0">
+            <a:schemeClr val="accent1"/>
+          </a:effectRef>
+          <a:fontRef idx="minor">
+            <a:schemeClr val="lt1"/>
+          </a:fontRef>
+        </p:style>
+        <p:txBody>
+          <a:bodyPr rtlCol="0" anchor="ctr"/>
+          <a:lstStyle/>
+          <a:p>
+            <a:pPr algn="ctr"/>
+            <a:endParaRPr lang="en-US" dirty="0"/>
+          </a:p>
+        </p:txBody>
+      </p:sp>
+      <p:sp>
+        <p:nvSpPr>
+          <p:cNvPr id="33" name="Hexagon 32">
+            <a:extLst>
+              <a:ext uri="{FF2B5EF4-FFF2-40B4-BE49-F238E27FC236}">
+                <a16:creationId xmlns:a16="http://schemas.microsoft.com/office/drawing/2014/main" id="{98C4B400-33AA-B59B-D441-11FF1D9F3C18}"/>
+              </a:ext>
+            </a:extLst>
+          </p:cNvPr>
+          <p:cNvSpPr>
+            <a:spLocks noChangeAspect="1"/>
+          </p:cNvSpPr>
+          <p:nvPr/>
+        </p:nvSpPr>
+        <p:spPr>
+          <a:xfrm>
+            <a:off x="5513493" y="3328765"/>
+            <a:ext cx="1027723" cy="885969"/>
+          </a:xfrm>
+          <a:prstGeom prst="hexagon">
+            <a:avLst/>
+          </a:prstGeom>
+          <a:noFill/>
+          <a:ln w="38100">
+            <a:solidFill>
+              <a:srgbClr val="C00000"/>
+            </a:solidFill>
+          </a:ln>
+        </p:spPr>
+        <p:style>
+          <a:lnRef idx="2">
+            <a:schemeClr val="accent1">
+              <a:shade val="15000"/>
+            </a:schemeClr>
+          </a:lnRef>
+          <a:fillRef idx="1">
+            <a:schemeClr val="accent1"/>
+          </a:fillRef>
+          <a:effectRef idx="0">
+            <a:schemeClr val="accent1"/>
+          </a:effectRef>
+          <a:fontRef idx="minor">
+            <a:schemeClr val="lt1"/>
+          </a:fontRef>
+        </p:style>
+        <p:txBody>
+          <a:bodyPr rtlCol="0" anchor="ctr"/>
+          <a:lstStyle/>
+          <a:p>
+            <a:pPr algn="ctr"/>
+            <a:endParaRPr lang="en-US" dirty="0"/>
+          </a:p>
+        </p:txBody>
+      </p:sp>
+      <p:sp>
+        <p:nvSpPr>
+          <p:cNvPr id="34" name="Hexagon 33">
+            <a:extLst>
+              <a:ext uri="{FF2B5EF4-FFF2-40B4-BE49-F238E27FC236}">
+                <a16:creationId xmlns:a16="http://schemas.microsoft.com/office/drawing/2014/main" id="{12FAF854-63C7-26A3-E366-5FC60D5CDD70}"/>
+              </a:ext>
+            </a:extLst>
+          </p:cNvPr>
+          <p:cNvSpPr>
+            <a:spLocks noChangeAspect="1"/>
+          </p:cNvSpPr>
+          <p:nvPr/>
+        </p:nvSpPr>
+        <p:spPr>
+          <a:xfrm>
+            <a:off x="5507554" y="4223172"/>
+            <a:ext cx="1027723" cy="885969"/>
+          </a:xfrm>
+          <a:prstGeom prst="hexagon">
+            <a:avLst/>
+          </a:prstGeom>
+          <a:noFill/>
+          <a:ln w="38100">
+            <a:solidFill>
+              <a:srgbClr val="C00000"/>
+            </a:solidFill>
+          </a:ln>
+        </p:spPr>
+        <p:style>
+          <a:lnRef idx="2">
+            <a:schemeClr val="accent1">
+              <a:shade val="15000"/>
+            </a:schemeClr>
+          </a:lnRef>
+          <a:fillRef idx="1">
+            <a:schemeClr val="accent1"/>
+          </a:fillRef>
+          <a:effectRef idx="0">
+            <a:schemeClr val="accent1"/>
+          </a:effectRef>
+          <a:fontRef idx="minor">
+            <a:schemeClr val="lt1"/>
+          </a:fontRef>
+        </p:style>
+        <p:txBody>
+          <a:bodyPr rtlCol="0" anchor="ctr"/>
+          <a:lstStyle/>
+          <a:p>
+            <a:pPr algn="ctr"/>
+            <a:endParaRPr lang="en-US" dirty="0"/>
+          </a:p>
+        </p:txBody>
+      </p:sp>
+      <p:sp>
+        <p:nvSpPr>
+          <p:cNvPr id="35" name="Hexagon 34">
+            <a:extLst>
+              <a:ext uri="{FF2B5EF4-FFF2-40B4-BE49-F238E27FC236}">
+                <a16:creationId xmlns:a16="http://schemas.microsoft.com/office/drawing/2014/main" id="{A2814153-2EE6-1025-2602-49BAC33D9A77}"/>
+              </a:ext>
+            </a:extLst>
+          </p:cNvPr>
+          <p:cNvSpPr>
+            <a:spLocks noChangeAspect="1"/>
+          </p:cNvSpPr>
+          <p:nvPr/>
+        </p:nvSpPr>
+        <p:spPr>
+          <a:xfrm>
+            <a:off x="6313400" y="3779228"/>
+            <a:ext cx="1027723" cy="885969"/>
+          </a:xfrm>
+          <a:prstGeom prst="hexagon">
+            <a:avLst/>
+          </a:prstGeom>
+          <a:noFill/>
+          <a:ln w="38100">
+            <a:solidFill>
+              <a:srgbClr val="C00000"/>
+            </a:solidFill>
+          </a:ln>
+        </p:spPr>
+        <p:style>
+          <a:lnRef idx="2">
+            <a:schemeClr val="accent1">
+              <a:shade val="15000"/>
+            </a:schemeClr>
+          </a:lnRef>
+          <a:fillRef idx="1">
+            <a:schemeClr val="accent1"/>
+          </a:fillRef>
+          <a:effectRef idx="0">
+            <a:schemeClr val="accent1"/>
+          </a:effectRef>
+          <a:fontRef idx="minor">
+            <a:schemeClr val="lt1"/>
+          </a:fontRef>
+        </p:style>
+        <p:txBody>
+          <a:bodyPr rtlCol="0" anchor="ctr"/>
+          <a:lstStyle/>
+          <a:p>
+            <a:pPr algn="ctr"/>
+            <a:endParaRPr lang="en-US" dirty="0"/>
+          </a:p>
+        </p:txBody>
+      </p:sp>
+      <p:sp>
+        <p:nvSpPr>
+          <p:cNvPr id="36" name="Hexagon 35">
+            <a:extLst>
+              <a:ext uri="{FF2B5EF4-FFF2-40B4-BE49-F238E27FC236}">
+                <a16:creationId xmlns:a16="http://schemas.microsoft.com/office/drawing/2014/main" id="{670B1B09-5F7B-164B-22C2-59E8CA1F4330}"/>
+              </a:ext>
+            </a:extLst>
+          </p:cNvPr>
+          <p:cNvSpPr>
+            <a:spLocks noChangeAspect="1"/>
+          </p:cNvSpPr>
+          <p:nvPr/>
+        </p:nvSpPr>
+        <p:spPr>
+          <a:xfrm>
+            <a:off x="6313400" y="4667980"/>
+            <a:ext cx="1027723" cy="885969"/>
+          </a:xfrm>
+          <a:prstGeom prst="hexagon">
+            <a:avLst/>
+          </a:prstGeom>
+          <a:noFill/>
+          <a:ln w="38100">
+            <a:solidFill>
+              <a:srgbClr val="C00000"/>
+            </a:solidFill>
+          </a:ln>
+        </p:spPr>
+        <p:style>
+          <a:lnRef idx="2">
+            <a:schemeClr val="accent1">
+              <a:shade val="15000"/>
+            </a:schemeClr>
+          </a:lnRef>
+          <a:fillRef idx="1">
+            <a:schemeClr val="accent1"/>
+          </a:fillRef>
+          <a:effectRef idx="0">
+            <a:schemeClr val="accent1"/>
+          </a:effectRef>
+          <a:fontRef idx="minor">
+            <a:schemeClr val="lt1"/>
+          </a:fontRef>
+        </p:style>
+        <p:txBody>
+          <a:bodyPr rtlCol="0" anchor="ctr"/>
+          <a:lstStyle/>
+          <a:p>
+            <a:pPr algn="ctr"/>
+            <a:endParaRPr lang="en-US" dirty="0"/>
+          </a:p>
+        </p:txBody>
+      </p:sp>
+      <p:sp>
+        <p:nvSpPr>
+          <p:cNvPr id="37" name="Hexagon 36">
+            <a:extLst>
+              <a:ext uri="{FF2B5EF4-FFF2-40B4-BE49-F238E27FC236}">
+                <a16:creationId xmlns:a16="http://schemas.microsoft.com/office/drawing/2014/main" id="{E10669BB-52CA-8F0C-9259-535888E6D5B4}"/>
+              </a:ext>
+            </a:extLst>
+          </p:cNvPr>
+          <p:cNvSpPr>
+            <a:spLocks noChangeAspect="1"/>
+          </p:cNvSpPr>
+          <p:nvPr/>
+        </p:nvSpPr>
+        <p:spPr>
+          <a:xfrm>
+            <a:off x="6313400" y="5563036"/>
+            <a:ext cx="1027723" cy="885969"/>
+          </a:xfrm>
+          <a:prstGeom prst="hexagon">
+            <a:avLst/>
+          </a:prstGeom>
+          <a:noFill/>
+          <a:ln w="38100">
+            <a:solidFill>
+              <a:srgbClr val="C00000"/>
+            </a:solidFill>
+          </a:ln>
+        </p:spPr>
+        <p:style>
+          <a:lnRef idx="2">
+            <a:schemeClr val="accent1">
+              <a:shade val="15000"/>
+            </a:schemeClr>
+          </a:lnRef>
+          <a:fillRef idx="1">
+            <a:schemeClr val="accent1"/>
+          </a:fillRef>
+          <a:effectRef idx="0">
+            <a:schemeClr val="accent1"/>
+          </a:effectRef>
+          <a:fontRef idx="minor">
+            <a:schemeClr val="lt1"/>
+          </a:fontRef>
+        </p:style>
+        <p:txBody>
+          <a:bodyPr rtlCol="0" anchor="ctr"/>
+          <a:lstStyle/>
+          <a:p>
+            <a:pPr algn="ctr"/>
+            <a:endParaRPr lang="en-US" dirty="0"/>
+          </a:p>
+        </p:txBody>
+      </p:sp>
+      <p:sp>
+        <p:nvSpPr>
+          <p:cNvPr id="38" name="Hexagon 37">
+            <a:extLst>
+              <a:ext uri="{FF2B5EF4-FFF2-40B4-BE49-F238E27FC236}">
+                <a16:creationId xmlns:a16="http://schemas.microsoft.com/office/drawing/2014/main" id="{ED925D24-0D7F-FC17-35CC-ED7C93B2CE3D}"/>
+              </a:ext>
+            </a:extLst>
+          </p:cNvPr>
+          <p:cNvSpPr>
+            <a:spLocks noChangeAspect="1"/>
+          </p:cNvSpPr>
+          <p:nvPr/>
+        </p:nvSpPr>
+        <p:spPr>
+          <a:xfrm>
+            <a:off x="5514166" y="5103487"/>
+            <a:ext cx="1027723" cy="885969"/>
+          </a:xfrm>
+          <a:prstGeom prst="hexagon">
+            <a:avLst/>
+          </a:prstGeom>
+          <a:noFill/>
+          <a:ln w="38100">
+            <a:solidFill>
+              <a:srgbClr val="C00000"/>
+            </a:solidFill>
+          </a:ln>
+        </p:spPr>
+        <p:style>
+          <a:lnRef idx="2">
+            <a:schemeClr val="accent1">
+              <a:shade val="15000"/>
+            </a:schemeClr>
+          </a:lnRef>
+          <a:fillRef idx="1">
+            <a:schemeClr val="accent1"/>
+          </a:fillRef>
+          <a:effectRef idx="0">
+            <a:schemeClr val="accent1"/>
+          </a:effectRef>
+          <a:fontRef idx="minor">
+            <a:schemeClr val="lt1"/>
+          </a:fontRef>
+        </p:style>
+        <p:txBody>
+          <a:bodyPr rtlCol="0" anchor="ctr"/>
+          <a:lstStyle/>
+          <a:p>
+            <a:pPr algn="ctr"/>
+            <a:endParaRPr lang="en-US" dirty="0"/>
+          </a:p>
+        </p:txBody>
+      </p:sp>
+      <p:sp>
+        <p:nvSpPr>
+          <p:cNvPr id="39" name="Hexagon 38">
+            <a:extLst>
+              <a:ext uri="{FF2B5EF4-FFF2-40B4-BE49-F238E27FC236}">
+                <a16:creationId xmlns:a16="http://schemas.microsoft.com/office/drawing/2014/main" id="{B06DFB42-CA3F-20B0-9947-0CC69165638F}"/>
+              </a:ext>
+            </a:extLst>
+          </p:cNvPr>
+          <p:cNvSpPr>
+            <a:spLocks noChangeAspect="1"/>
+          </p:cNvSpPr>
+          <p:nvPr/>
+        </p:nvSpPr>
+        <p:spPr>
+          <a:xfrm>
+            <a:off x="687940" y="684611"/>
+            <a:ext cx="1027723" cy="885969"/>
+          </a:xfrm>
+          <a:prstGeom prst="hexagon">
+            <a:avLst/>
+          </a:prstGeom>
+          <a:noFill/>
+          <a:ln w="38100">
+            <a:solidFill>
+              <a:srgbClr val="C00000"/>
+            </a:solidFill>
+          </a:ln>
+        </p:spPr>
+        <p:style>
+          <a:lnRef idx="2">
+            <a:schemeClr val="accent1">
+              <a:shade val="15000"/>
+            </a:schemeClr>
+          </a:lnRef>
+          <a:fillRef idx="1">
+            <a:schemeClr val="accent1"/>
+          </a:fillRef>
+          <a:effectRef idx="0">
+            <a:schemeClr val="accent1"/>
+          </a:effectRef>
+          <a:fontRef idx="minor">
+            <a:schemeClr val="lt1"/>
+          </a:fontRef>
+        </p:style>
+        <p:txBody>
+          <a:bodyPr rtlCol="0" anchor="ctr"/>
+          <a:lstStyle/>
+          <a:p>
+            <a:pPr algn="ctr"/>
+            <a:endParaRPr lang="en-US" dirty="0"/>
+          </a:p>
+        </p:txBody>
+      </p:sp>
+      <p:sp>
+        <p:nvSpPr>
+          <p:cNvPr id="40" name="Hexagon 39">
+            <a:extLst>
+              <a:ext uri="{FF2B5EF4-FFF2-40B4-BE49-F238E27FC236}">
+                <a16:creationId xmlns:a16="http://schemas.microsoft.com/office/drawing/2014/main" id="{899EB4C8-5E32-9F10-45C1-DA10C9FBA94E}"/>
+              </a:ext>
+            </a:extLst>
+          </p:cNvPr>
+          <p:cNvSpPr>
+            <a:spLocks noChangeAspect="1"/>
+          </p:cNvSpPr>
+          <p:nvPr/>
+        </p:nvSpPr>
+        <p:spPr>
+          <a:xfrm>
+            <a:off x="681273" y="1563425"/>
+            <a:ext cx="1027723" cy="885969"/>
+          </a:xfrm>
+          <a:prstGeom prst="hexagon">
+            <a:avLst/>
+          </a:prstGeom>
+          <a:noFill/>
+          <a:ln w="38100">
+            <a:solidFill>
+              <a:srgbClr val="C00000"/>
+            </a:solidFill>
+          </a:ln>
+        </p:spPr>
+        <p:style>
+          <a:lnRef idx="2">
+            <a:schemeClr val="accent1">
+              <a:shade val="15000"/>
+            </a:schemeClr>
+          </a:lnRef>
+          <a:fillRef idx="1">
+            <a:schemeClr val="accent1"/>
+          </a:fillRef>
+          <a:effectRef idx="0">
+            <a:schemeClr val="accent1"/>
+          </a:effectRef>
+          <a:fontRef idx="minor">
+            <a:schemeClr val="lt1"/>
+          </a:fontRef>
+        </p:style>
+        <p:txBody>
+          <a:bodyPr rtlCol="0" anchor="ctr"/>
+          <a:lstStyle/>
+          <a:p>
+            <a:pPr algn="ctr"/>
+            <a:endParaRPr lang="en-US" dirty="0"/>
+          </a:p>
+        </p:txBody>
+      </p:sp>
+      <p:sp>
+        <p:nvSpPr>
+          <p:cNvPr id="41" name="Hexagon 40">
+            <a:extLst>
+              <a:ext uri="{FF2B5EF4-FFF2-40B4-BE49-F238E27FC236}">
+                <a16:creationId xmlns:a16="http://schemas.microsoft.com/office/drawing/2014/main" id="{B9A8FE6C-50FB-88BE-5980-9DB144B17A4F}"/>
+              </a:ext>
+            </a:extLst>
+          </p:cNvPr>
+          <p:cNvSpPr>
+            <a:spLocks noChangeAspect="1"/>
+          </p:cNvSpPr>
+          <p:nvPr/>
+        </p:nvSpPr>
+        <p:spPr>
+          <a:xfrm>
+            <a:off x="681273" y="2445145"/>
+            <a:ext cx="1027723" cy="885969"/>
+          </a:xfrm>
+          <a:prstGeom prst="hexagon">
+            <a:avLst/>
+          </a:prstGeom>
+          <a:noFill/>
+          <a:ln w="38100">
+            <a:solidFill>
+              <a:srgbClr val="C00000"/>
+            </a:solidFill>
+          </a:ln>
+        </p:spPr>
+        <p:style>
+          <a:lnRef idx="2">
+            <a:schemeClr val="accent1">
+              <a:shade val="15000"/>
+            </a:schemeClr>
+          </a:lnRef>
+          <a:fillRef idx="1">
+            <a:schemeClr val="accent1"/>
+          </a:fillRef>
+          <a:effectRef idx="0">
+            <a:schemeClr val="accent1"/>
+          </a:effectRef>
+          <a:fontRef idx="minor">
+            <a:schemeClr val="lt1"/>
+          </a:fontRef>
+        </p:style>
+        <p:txBody>
+          <a:bodyPr rtlCol="0" anchor="ctr"/>
+          <a:lstStyle/>
+          <a:p>
+            <a:pPr algn="ctr"/>
+            <a:endParaRPr lang="en-US" dirty="0"/>
+          </a:p>
+        </p:txBody>
+      </p:sp>
+      <p:sp>
+        <p:nvSpPr>
+          <p:cNvPr id="42" name="Hexagon 41">
+            <a:extLst>
+              <a:ext uri="{FF2B5EF4-FFF2-40B4-BE49-F238E27FC236}">
+                <a16:creationId xmlns:a16="http://schemas.microsoft.com/office/drawing/2014/main" id="{0FBB4FFE-43F2-30CF-EE61-7C918083C1EE}"/>
+              </a:ext>
+            </a:extLst>
+          </p:cNvPr>
+          <p:cNvSpPr>
+            <a:spLocks noChangeAspect="1"/>
+          </p:cNvSpPr>
+          <p:nvPr/>
+        </p:nvSpPr>
+        <p:spPr>
+          <a:xfrm>
+            <a:off x="1490185" y="2890252"/>
+            <a:ext cx="1027723" cy="885969"/>
+          </a:xfrm>
+          <a:prstGeom prst="hexagon">
+            <a:avLst/>
+          </a:prstGeom>
+          <a:noFill/>
+          <a:ln w="38100">
+            <a:solidFill>
+              <a:srgbClr val="C00000"/>
+            </a:solidFill>
+          </a:ln>
+        </p:spPr>
+        <p:style>
+          <a:lnRef idx="2">
+            <a:schemeClr val="accent1">
+              <a:shade val="15000"/>
+            </a:schemeClr>
+          </a:lnRef>
+          <a:fillRef idx="1">
+            <a:schemeClr val="accent1"/>
+          </a:fillRef>
+          <a:effectRef idx="0">
+            <a:schemeClr val="accent1"/>
+          </a:effectRef>
+          <a:fontRef idx="minor">
+            <a:schemeClr val="lt1"/>
+          </a:fontRef>
+        </p:style>
+        <p:txBody>
+          <a:bodyPr rtlCol="0" anchor="ctr"/>
+          <a:lstStyle/>
+          <a:p>
+            <a:pPr algn="ctr"/>
+            <a:endParaRPr lang="en-US" dirty="0"/>
+          </a:p>
+        </p:txBody>
+      </p:sp>
+      <p:sp>
+        <p:nvSpPr>
+          <p:cNvPr id="43" name="Hexagon 42">
+            <a:extLst>
+              <a:ext uri="{FF2B5EF4-FFF2-40B4-BE49-F238E27FC236}">
+                <a16:creationId xmlns:a16="http://schemas.microsoft.com/office/drawing/2014/main" id="{EFDE3350-ED57-B482-6706-42BC01FC9954}"/>
+              </a:ext>
+            </a:extLst>
+          </p:cNvPr>
+          <p:cNvSpPr>
+            <a:spLocks noChangeAspect="1"/>
+          </p:cNvSpPr>
+          <p:nvPr/>
+        </p:nvSpPr>
+        <p:spPr>
+          <a:xfrm>
+            <a:off x="1490185" y="2007802"/>
+            <a:ext cx="1027723" cy="885969"/>
+          </a:xfrm>
+          <a:prstGeom prst="hexagon">
+            <a:avLst/>
+          </a:prstGeom>
+          <a:noFill/>
+          <a:ln w="38100">
+            <a:solidFill>
+              <a:srgbClr val="C00000"/>
+            </a:solidFill>
+          </a:ln>
+        </p:spPr>
+        <p:style>
+          <a:lnRef idx="2">
+            <a:schemeClr val="accent1">
+              <a:shade val="15000"/>
+            </a:schemeClr>
+          </a:lnRef>
+          <a:fillRef idx="1">
+            <a:schemeClr val="accent1"/>
+          </a:fillRef>
+          <a:effectRef idx="0">
+            <a:schemeClr val="accent1"/>
+          </a:effectRef>
+          <a:fontRef idx="minor">
+            <a:schemeClr val="lt1"/>
+          </a:fontRef>
+        </p:style>
+        <p:txBody>
+          <a:bodyPr rtlCol="0" anchor="ctr"/>
+          <a:lstStyle/>
+          <a:p>
+            <a:pPr algn="ctr"/>
+            <a:endParaRPr lang="en-US" dirty="0"/>
+          </a:p>
+        </p:txBody>
+      </p:sp>
+      <p:sp>
+        <p:nvSpPr>
+          <p:cNvPr id="44" name="Hexagon 43">
+            <a:extLst>
+              <a:ext uri="{FF2B5EF4-FFF2-40B4-BE49-F238E27FC236}">
+                <a16:creationId xmlns:a16="http://schemas.microsoft.com/office/drawing/2014/main" id="{6B69EB2D-E17F-7C1D-7CA7-656AE3F22B52}"/>
+              </a:ext>
+            </a:extLst>
+          </p:cNvPr>
+          <p:cNvSpPr>
+            <a:spLocks noChangeAspect="1"/>
+          </p:cNvSpPr>
+          <p:nvPr/>
+        </p:nvSpPr>
+        <p:spPr>
+          <a:xfrm>
+            <a:off x="1490185" y="1125352"/>
+            <a:ext cx="1027723" cy="885969"/>
+          </a:xfrm>
+          <a:prstGeom prst="hexagon">
+            <a:avLst/>
+          </a:prstGeom>
+          <a:noFill/>
+          <a:ln w="38100">
+            <a:solidFill>
+              <a:srgbClr val="C00000"/>
+            </a:solidFill>
+          </a:ln>
+        </p:spPr>
+        <p:style>
+          <a:lnRef idx="2">
+            <a:schemeClr val="accent1">
+              <a:shade val="15000"/>
+            </a:schemeClr>
+          </a:lnRef>
+          <a:fillRef idx="1">
+            <a:schemeClr val="accent1"/>
+          </a:fillRef>
+          <a:effectRef idx="0">
+            <a:schemeClr val="accent1"/>
+          </a:effectRef>
+          <a:fontRef idx="minor">
+            <a:schemeClr val="lt1"/>
+          </a:fontRef>
+        </p:style>
+        <p:txBody>
+          <a:bodyPr rtlCol="0" anchor="ctr"/>
+          <a:lstStyle/>
+          <a:p>
+            <a:pPr algn="ctr"/>
+            <a:endParaRPr lang="en-US" dirty="0"/>
+          </a:p>
+        </p:txBody>
+      </p:sp>
+      <p:sp>
+        <p:nvSpPr>
+          <p:cNvPr id="45" name="Hexagon 44">
+            <a:extLst>
+              <a:ext uri="{FF2B5EF4-FFF2-40B4-BE49-F238E27FC236}">
+                <a16:creationId xmlns:a16="http://schemas.microsoft.com/office/drawing/2014/main" id="{9A8A1888-87FA-22AB-AA83-228AE43461B3}"/>
+              </a:ext>
+            </a:extLst>
+          </p:cNvPr>
+          <p:cNvSpPr>
+            <a:spLocks noChangeAspect="1"/>
+          </p:cNvSpPr>
+          <p:nvPr/>
+        </p:nvSpPr>
+        <p:spPr>
+          <a:xfrm>
+            <a:off x="2292430" y="681503"/>
+            <a:ext cx="1027723" cy="885969"/>
+          </a:xfrm>
+          <a:prstGeom prst="hexagon">
+            <a:avLst/>
+          </a:prstGeom>
+          <a:noFill/>
+          <a:ln w="38100">
+            <a:solidFill>
+              <a:srgbClr val="C00000"/>
+            </a:solidFill>
+          </a:ln>
+        </p:spPr>
+        <p:style>
+          <a:lnRef idx="2">
+            <a:schemeClr val="accent1">
+              <a:shade val="15000"/>
+            </a:schemeClr>
+          </a:lnRef>
+          <a:fillRef idx="1">
+            <a:schemeClr val="accent1"/>
+          </a:fillRef>
+          <a:effectRef idx="0">
+            <a:schemeClr val="accent1"/>
+          </a:effectRef>
+          <a:fontRef idx="minor">
+            <a:schemeClr val="lt1"/>
+          </a:fontRef>
+        </p:style>
+        <p:txBody>
+          <a:bodyPr rtlCol="0" anchor="ctr"/>
+          <a:lstStyle/>
+          <a:p>
+            <a:pPr algn="ctr"/>
+            <a:endParaRPr lang="en-US" dirty="0"/>
+          </a:p>
+        </p:txBody>
+      </p:sp>
+      <p:sp>
+        <p:nvSpPr>
+          <p:cNvPr id="46" name="Hexagon 45">
+            <a:extLst>
+              <a:ext uri="{FF2B5EF4-FFF2-40B4-BE49-F238E27FC236}">
+                <a16:creationId xmlns:a16="http://schemas.microsoft.com/office/drawing/2014/main" id="{E2ACDE21-E39F-4538-8433-BC27FF9DA4E4}"/>
+              </a:ext>
+            </a:extLst>
+          </p:cNvPr>
+          <p:cNvSpPr>
+            <a:spLocks noChangeAspect="1"/>
+          </p:cNvSpPr>
+          <p:nvPr/>
+        </p:nvSpPr>
+        <p:spPr>
+          <a:xfrm>
+            <a:off x="2286491" y="1575910"/>
+            <a:ext cx="1027723" cy="885969"/>
+          </a:xfrm>
+          <a:prstGeom prst="hexagon">
+            <a:avLst/>
+          </a:prstGeom>
+          <a:noFill/>
+          <a:ln w="38100">
+            <a:solidFill>
+              <a:srgbClr val="C00000"/>
+            </a:solidFill>
+          </a:ln>
+        </p:spPr>
+        <p:style>
+          <a:lnRef idx="2">
+            <a:schemeClr val="accent1">
+              <a:shade val="15000"/>
+            </a:schemeClr>
+          </a:lnRef>
+          <a:fillRef idx="1">
+            <a:schemeClr val="accent1"/>
+          </a:fillRef>
+          <a:effectRef idx="0">
+            <a:schemeClr val="accent1"/>
+          </a:effectRef>
+          <a:fontRef idx="minor">
+            <a:schemeClr val="lt1"/>
+          </a:fontRef>
+        </p:style>
+        <p:txBody>
+          <a:bodyPr rtlCol="0" anchor="ctr"/>
+          <a:lstStyle/>
+          <a:p>
+            <a:pPr algn="ctr"/>
+            <a:endParaRPr lang="en-US" dirty="0"/>
+          </a:p>
+        </p:txBody>
+      </p:sp>
+      <p:sp>
+        <p:nvSpPr>
+          <p:cNvPr id="47" name="Hexagon 46">
+            <a:extLst>
+              <a:ext uri="{FF2B5EF4-FFF2-40B4-BE49-F238E27FC236}">
+                <a16:creationId xmlns:a16="http://schemas.microsoft.com/office/drawing/2014/main" id="{8BEA754F-0B55-CBC6-D31E-BF0D898F8DDF}"/>
+              </a:ext>
+            </a:extLst>
+          </p:cNvPr>
+          <p:cNvSpPr>
+            <a:spLocks noChangeAspect="1"/>
+          </p:cNvSpPr>
+          <p:nvPr/>
+        </p:nvSpPr>
+        <p:spPr>
+          <a:xfrm>
+            <a:off x="3092337" y="1131966"/>
+            <a:ext cx="1027723" cy="885969"/>
+          </a:xfrm>
+          <a:prstGeom prst="hexagon">
+            <a:avLst/>
+          </a:prstGeom>
+          <a:noFill/>
+          <a:ln w="38100">
+            <a:solidFill>
+              <a:srgbClr val="C00000"/>
+            </a:solidFill>
+          </a:ln>
+        </p:spPr>
+        <p:style>
+          <a:lnRef idx="2">
+            <a:schemeClr val="accent1">
+              <a:shade val="15000"/>
+            </a:schemeClr>
+          </a:lnRef>
+          <a:fillRef idx="1">
+            <a:schemeClr val="accent1"/>
+          </a:fillRef>
+          <a:effectRef idx="0">
+            <a:schemeClr val="accent1"/>
+          </a:effectRef>
+          <a:fontRef idx="minor">
+            <a:schemeClr val="lt1"/>
+          </a:fontRef>
+        </p:style>
+        <p:txBody>
+          <a:bodyPr rtlCol="0" anchor="ctr"/>
+          <a:lstStyle/>
+          <a:p>
+            <a:pPr algn="ctr"/>
+            <a:endParaRPr lang="en-US" dirty="0"/>
+          </a:p>
+        </p:txBody>
+      </p:sp>
+      <p:sp>
+        <p:nvSpPr>
+          <p:cNvPr id="48" name="Hexagon 47">
+            <a:extLst>
+              <a:ext uri="{FF2B5EF4-FFF2-40B4-BE49-F238E27FC236}">
+                <a16:creationId xmlns:a16="http://schemas.microsoft.com/office/drawing/2014/main" id="{E90474B3-1116-4B99-3E93-A9F0A332F3CD}"/>
+              </a:ext>
+            </a:extLst>
+          </p:cNvPr>
+          <p:cNvSpPr>
+            <a:spLocks noChangeAspect="1"/>
+          </p:cNvSpPr>
+          <p:nvPr/>
+        </p:nvSpPr>
+        <p:spPr>
+          <a:xfrm>
+            <a:off x="3092337" y="2020718"/>
+            <a:ext cx="1027723" cy="885969"/>
+          </a:xfrm>
+          <a:prstGeom prst="hexagon">
+            <a:avLst/>
+          </a:prstGeom>
+          <a:noFill/>
+          <a:ln w="38100">
+            <a:solidFill>
+              <a:srgbClr val="C00000"/>
+            </a:solidFill>
+          </a:ln>
+        </p:spPr>
+        <p:style>
+          <a:lnRef idx="2">
+            <a:schemeClr val="accent1">
+              <a:shade val="15000"/>
+            </a:schemeClr>
+          </a:lnRef>
+          <a:fillRef idx="1">
+            <a:schemeClr val="accent1"/>
+          </a:fillRef>
+          <a:effectRef idx="0">
+            <a:schemeClr val="accent1"/>
+          </a:effectRef>
+          <a:fontRef idx="minor">
+            <a:schemeClr val="lt1"/>
+          </a:fontRef>
+        </p:style>
+        <p:txBody>
+          <a:bodyPr rtlCol="0" anchor="ctr"/>
+          <a:lstStyle/>
+          <a:p>
+            <a:pPr algn="ctr"/>
+            <a:endParaRPr lang="en-US" dirty="0"/>
+          </a:p>
+        </p:txBody>
+      </p:sp>
+      <p:sp>
+        <p:nvSpPr>
+          <p:cNvPr id="49" name="Hexagon 48">
+            <a:extLst>
+              <a:ext uri="{FF2B5EF4-FFF2-40B4-BE49-F238E27FC236}">
+                <a16:creationId xmlns:a16="http://schemas.microsoft.com/office/drawing/2014/main" id="{298715B5-37C2-1F18-7A83-7819A17EFFCC}"/>
+              </a:ext>
+            </a:extLst>
+          </p:cNvPr>
+          <p:cNvSpPr>
+            <a:spLocks noChangeAspect="1"/>
+          </p:cNvSpPr>
+          <p:nvPr/>
+        </p:nvSpPr>
+        <p:spPr>
+          <a:xfrm>
+            <a:off x="3092337" y="2915775"/>
+            <a:ext cx="1027723" cy="885969"/>
+          </a:xfrm>
+          <a:prstGeom prst="hexagon">
+            <a:avLst/>
+          </a:prstGeom>
+          <a:noFill/>
+          <a:ln w="38100">
+            <a:solidFill>
+              <a:srgbClr val="C00000"/>
+            </a:solidFill>
+          </a:ln>
+        </p:spPr>
+        <p:style>
+          <a:lnRef idx="2">
+            <a:schemeClr val="accent1">
+              <a:shade val="15000"/>
+            </a:schemeClr>
+          </a:lnRef>
+          <a:fillRef idx="1">
+            <a:schemeClr val="accent1"/>
+          </a:fillRef>
+          <a:effectRef idx="0">
+            <a:schemeClr val="accent1"/>
+          </a:effectRef>
+          <a:fontRef idx="minor">
+            <a:schemeClr val="lt1"/>
+          </a:fontRef>
+        </p:style>
+        <p:txBody>
+          <a:bodyPr rtlCol="0" anchor="ctr"/>
+          <a:lstStyle/>
+          <a:p>
+            <a:pPr algn="ctr"/>
+            <a:endParaRPr lang="en-US" dirty="0"/>
+          </a:p>
+        </p:txBody>
+      </p:sp>
+      <p:sp>
+        <p:nvSpPr>
+          <p:cNvPr id="50" name="Hexagon 49">
+            <a:extLst>
+              <a:ext uri="{FF2B5EF4-FFF2-40B4-BE49-F238E27FC236}">
+                <a16:creationId xmlns:a16="http://schemas.microsoft.com/office/drawing/2014/main" id="{E2143180-654D-71A8-63A7-13CC60ACF53D}"/>
+              </a:ext>
+            </a:extLst>
+          </p:cNvPr>
+          <p:cNvSpPr>
+            <a:spLocks noChangeAspect="1"/>
+          </p:cNvSpPr>
+          <p:nvPr/>
+        </p:nvSpPr>
+        <p:spPr>
+          <a:xfrm>
+            <a:off x="2293104" y="2456225"/>
+            <a:ext cx="1027723" cy="885969"/>
+          </a:xfrm>
+          <a:prstGeom prst="hexagon">
+            <a:avLst/>
+          </a:prstGeom>
+          <a:noFill/>
+          <a:ln w="38100">
+            <a:solidFill>
+              <a:srgbClr val="C00000"/>
+            </a:solidFill>
+          </a:ln>
+        </p:spPr>
+        <p:style>
+          <a:lnRef idx="2">
+            <a:schemeClr val="accent1">
+              <a:shade val="15000"/>
+            </a:schemeClr>
+          </a:lnRef>
+          <a:fillRef idx="1">
+            <a:schemeClr val="accent1"/>
+          </a:fillRef>
+          <a:effectRef idx="0">
+            <a:schemeClr val="accent1"/>
+          </a:effectRef>
+          <a:fontRef idx="minor">
+            <a:schemeClr val="lt1"/>
+          </a:fontRef>
+        </p:style>
+        <p:txBody>
+          <a:bodyPr rtlCol="0" anchor="ctr"/>
+          <a:lstStyle/>
+          <a:p>
+            <a:pPr algn="ctr"/>
+            <a:endParaRPr lang="en-US" dirty="0"/>
+          </a:p>
+        </p:txBody>
+      </p:sp>
+      <p:sp>
+        <p:nvSpPr>
+          <p:cNvPr id="51" name="TextBox 50">
+            <a:extLst>
+              <a:ext uri="{FF2B5EF4-FFF2-40B4-BE49-F238E27FC236}">
+                <a16:creationId xmlns:a16="http://schemas.microsoft.com/office/drawing/2014/main" id="{D14CB1DA-0C62-F603-4223-3460BC919ACC}"/>
+              </a:ext>
+            </a:extLst>
+          </p:cNvPr>
+          <p:cNvSpPr txBox="1"/>
+          <p:nvPr/>
+        </p:nvSpPr>
+        <p:spPr>
+          <a:xfrm>
+            <a:off x="8117174" y="4317777"/>
+            <a:ext cx="4120622" cy="461665"/>
+          </a:xfrm>
+          <a:prstGeom prst="rect">
+            <a:avLst/>
+          </a:prstGeom>
+          <a:noFill/>
+        </p:spPr>
+        <p:txBody>
+          <a:bodyPr wrap="square" rtlCol="0">
+            <a:spAutoFit/>
+          </a:bodyPr>
+          <a:lstStyle/>
+          <a:p>
+            <a:pPr algn="ctr"/>
+            <a:r>
+              <a:rPr lang="en-US" sz="2400" b="1" dirty="0"/>
+              <a:t>Unpadded PBC (Full/</a:t>
+            </a:r>
+            <a:r>
+              <a:rPr lang="en-US" sz="2400" b="1" dirty="0">
+                <a:solidFill>
+                  <a:srgbClr val="C00000"/>
+                </a:solidFill>
+              </a:rPr>
+              <a:t>Cos</a:t>
+            </a:r>
+            <a:r>
+              <a:rPr lang="en-US" sz="2400" b="1" dirty="0"/>
+              <a:t> FFT)</a:t>
+            </a:r>
+          </a:p>
+        </p:txBody>
+      </p:sp>
+      <p:sp>
+        <p:nvSpPr>
+          <p:cNvPr id="3098" name="Hexagon 3097">
+            <a:extLst>
+              <a:ext uri="{FF2B5EF4-FFF2-40B4-BE49-F238E27FC236}">
+                <a16:creationId xmlns:a16="http://schemas.microsoft.com/office/drawing/2014/main" id="{AED672C7-B2C8-A881-E55C-D39B5AF449DF}"/>
+              </a:ext>
+            </a:extLst>
+          </p:cNvPr>
+          <p:cNvSpPr>
+            <a:spLocks noChangeAspect="1"/>
+          </p:cNvSpPr>
+          <p:nvPr/>
+        </p:nvSpPr>
+        <p:spPr>
+          <a:xfrm>
+            <a:off x="7129748" y="3334556"/>
+            <a:ext cx="1027723" cy="885969"/>
+          </a:xfrm>
+          <a:prstGeom prst="hexagon">
+            <a:avLst/>
+          </a:prstGeom>
+          <a:noFill/>
+          <a:ln w="38100">
+            <a:solidFill>
+              <a:srgbClr val="C00000"/>
+            </a:solidFill>
+          </a:ln>
+        </p:spPr>
+        <p:style>
+          <a:lnRef idx="2">
+            <a:schemeClr val="accent1">
+              <a:shade val="15000"/>
+            </a:schemeClr>
+          </a:lnRef>
+          <a:fillRef idx="1">
+            <a:schemeClr val="accent1"/>
+          </a:fillRef>
+          <a:effectRef idx="0">
+            <a:schemeClr val="accent1"/>
+          </a:effectRef>
+          <a:fontRef idx="minor">
+            <a:schemeClr val="lt1"/>
+          </a:fontRef>
+        </p:style>
+        <p:txBody>
+          <a:bodyPr rtlCol="0" anchor="ctr"/>
+          <a:lstStyle/>
+          <a:p>
+            <a:pPr algn="ctr"/>
+            <a:endParaRPr lang="en-US" dirty="0"/>
+          </a:p>
+        </p:txBody>
+      </p:sp>
+      <p:sp>
+        <p:nvSpPr>
+          <p:cNvPr id="3105" name="Hexagon 3104">
+            <a:extLst>
+              <a:ext uri="{FF2B5EF4-FFF2-40B4-BE49-F238E27FC236}">
+                <a16:creationId xmlns:a16="http://schemas.microsoft.com/office/drawing/2014/main" id="{A05FB334-19F3-DB3C-9AB9-657CC577D594}"/>
+              </a:ext>
+            </a:extLst>
+          </p:cNvPr>
+          <p:cNvSpPr>
+            <a:spLocks noChangeAspect="1"/>
+          </p:cNvSpPr>
+          <p:nvPr/>
+        </p:nvSpPr>
+        <p:spPr>
+          <a:xfrm>
+            <a:off x="7122931" y="5120051"/>
+            <a:ext cx="1027723" cy="885969"/>
+          </a:xfrm>
+          <a:prstGeom prst="hexagon">
+            <a:avLst/>
+          </a:prstGeom>
+          <a:noFill/>
+          <a:ln w="38100">
+            <a:solidFill>
+              <a:srgbClr val="C00000"/>
+            </a:solidFill>
+          </a:ln>
+        </p:spPr>
+        <p:style>
+          <a:lnRef idx="2">
+            <a:schemeClr val="accent1">
+              <a:shade val="15000"/>
+            </a:schemeClr>
+          </a:lnRef>
+          <a:fillRef idx="1">
+            <a:schemeClr val="accent1"/>
+          </a:fillRef>
+          <a:effectRef idx="0">
+            <a:schemeClr val="accent1"/>
+          </a:effectRef>
+          <a:fontRef idx="minor">
+            <a:schemeClr val="lt1"/>
+          </a:fontRef>
+        </p:style>
+        <p:txBody>
+          <a:bodyPr rtlCol="0" anchor="ctr"/>
+          <a:lstStyle/>
+          <a:p>
+            <a:pPr algn="ctr"/>
+            <a:endParaRPr lang="en-US" dirty="0"/>
+          </a:p>
+        </p:txBody>
+      </p:sp>
+      <p:sp>
+        <p:nvSpPr>
+          <p:cNvPr id="3106" name="Hexagon 3105">
+            <a:extLst>
+              <a:ext uri="{FF2B5EF4-FFF2-40B4-BE49-F238E27FC236}">
+                <a16:creationId xmlns:a16="http://schemas.microsoft.com/office/drawing/2014/main" id="{D1913BF0-E56D-0C13-DCEA-688F87F79AF6}"/>
+              </a:ext>
+            </a:extLst>
+          </p:cNvPr>
+          <p:cNvSpPr>
+            <a:spLocks noChangeAspect="1"/>
+          </p:cNvSpPr>
+          <p:nvPr/>
+        </p:nvSpPr>
+        <p:spPr>
+          <a:xfrm>
+            <a:off x="7116319" y="4231299"/>
+            <a:ext cx="1027723" cy="885969"/>
+          </a:xfrm>
+          <a:prstGeom prst="hexagon">
+            <a:avLst/>
+          </a:prstGeom>
+          <a:noFill/>
+          <a:ln w="38100">
+            <a:solidFill>
+              <a:srgbClr val="C00000"/>
+            </a:solidFill>
+          </a:ln>
+        </p:spPr>
+        <p:style>
+          <a:lnRef idx="2">
+            <a:schemeClr val="accent1">
+              <a:shade val="15000"/>
+            </a:schemeClr>
+          </a:lnRef>
+          <a:fillRef idx="1">
+            <a:schemeClr val="accent1"/>
+          </a:fillRef>
+          <a:effectRef idx="0">
+            <a:schemeClr val="accent1"/>
+          </a:effectRef>
+          <a:fontRef idx="minor">
+            <a:schemeClr val="lt1"/>
+          </a:fontRef>
+        </p:style>
+        <p:txBody>
+          <a:bodyPr rtlCol="0" anchor="ctr"/>
+          <a:lstStyle/>
+          <a:p>
+            <a:pPr algn="ctr"/>
+            <a:endParaRPr lang="en-US" dirty="0"/>
+          </a:p>
+        </p:txBody>
+      </p:sp>
+    </p:spTree>
+    <p:extLst>
+      <p:ext uri="{BB962C8B-B14F-4D97-AF65-F5344CB8AC3E}">
+        <p14:creationId xmlns:p14="http://schemas.microsoft.com/office/powerpoint/2010/main" val="1611097860"/>
+      </p:ext>
+    </p:extLst>
+  </p:cSld>
+  <p:clrMapOvr>
+    <a:masterClrMapping/>
+  </p:clrMapOvr>
+</p:sld>
+</file>
+
+<file path=ppt/slides/slide11.xml><?xml version="1.0" encoding="utf-8"?>
+<p:sld xmlns:a="http://schemas.openxmlformats.org/drawingml/2006/main" xmlns:r="http://schemas.openxmlformats.org/officeDocument/2006/relationships" xmlns:p="http://schemas.openxmlformats.org/presentationml/2006/main">
+  <p:cSld>
+    <p:spTree>
+      <p:nvGrpSpPr>
+        <p:cNvPr id="1" name=""/>
+        <p:cNvGrpSpPr/>
+        <p:nvPr/>
+      </p:nvGrpSpPr>
+      <p:grpSpPr>
+        <a:xfrm>
+          <a:off x="0" y="0"/>
+          <a:ext cx="0" cy="0"/>
+          <a:chOff x="0" y="0"/>
+          <a:chExt cx="0" cy="0"/>
+        </a:xfrm>
+      </p:grpSpPr>
       <p:sp>
         <p:nvSpPr>
           <p:cNvPr id="2" name="Title 1">
@@ -3904,7 +6427,7 @@
         </p:blipFill>
         <p:spPr>
           <a:xfrm>
-            <a:off x="587949" y="1783819"/>
+            <a:off x="587949" y="1572147"/>
             <a:ext cx="4711771" cy="2601290"/>
           </a:xfrm>
           <a:prstGeom prst="rect">
@@ -3930,8 +6453,8 @@
         </p:nvSpPr>
         <p:spPr>
           <a:xfrm>
-            <a:off x="838200" y="14514"/>
-            <a:ext cx="10515600" cy="1325563"/>
+            <a:off x="838200" y="52343"/>
+            <a:ext cx="10515600" cy="771267"/>
           </a:xfrm>
         </p:spPr>
         <p:txBody>
@@ -3983,7 +6506,7 @@
         </p:nvSpPr>
         <p:spPr>
           <a:xfrm>
-            <a:off x="838200" y="1053198"/>
+            <a:off x="838200" y="851504"/>
             <a:ext cx="7010401" cy="646331"/>
           </a:xfrm>
           <a:prstGeom prst="rect">
@@ -4040,7 +6563,7 @@
         </p:nvSpPr>
         <p:spPr>
           <a:xfrm>
-            <a:off x="5631059" y="2915880"/>
+            <a:off x="5631059" y="2831212"/>
             <a:ext cx="1286933" cy="369332"/>
           </a:xfrm>
           <a:prstGeom prst="rect">
@@ -4083,7 +6606,7 @@
         </p:nvSpPr>
         <p:spPr>
           <a:xfrm>
-            <a:off x="5631059" y="5330398"/>
+            <a:off x="5631059" y="5245730"/>
             <a:ext cx="1286933" cy="369332"/>
           </a:xfrm>
           <a:prstGeom prst="rect">
@@ -4312,7 +6835,7 @@
         </p:blipFill>
         <p:spPr>
           <a:xfrm>
-            <a:off x="600120" y="4134202"/>
+            <a:off x="600120" y="3922530"/>
             <a:ext cx="4724927" cy="2698398"/>
           </a:xfrm>
           <a:prstGeom prst="rect">
@@ -4320,6 +6843,49 @@
           </a:prstGeom>
         </p:spPr>
       </p:pic>
+      <p:sp>
+        <p:nvSpPr>
+          <p:cNvPr id="4" name="TextBox 3">
+            <a:extLst>
+              <a:ext uri="{FF2B5EF4-FFF2-40B4-BE49-F238E27FC236}">
+                <a16:creationId xmlns:a16="http://schemas.microsoft.com/office/drawing/2014/main" id="{5356C493-0AA9-FE35-035D-D1AAD53C4DDF}"/>
+              </a:ext>
+            </a:extLst>
+          </p:cNvPr>
+          <p:cNvSpPr txBox="1"/>
+          <p:nvPr/>
+        </p:nvSpPr>
+        <p:spPr>
+          <a:xfrm>
+            <a:off x="3716868" y="6488668"/>
+            <a:ext cx="4086672" cy="369332"/>
+          </a:xfrm>
+          <a:prstGeom prst="rect">
+            <a:avLst/>
+          </a:prstGeom>
+          <a:noFill/>
+        </p:spPr>
+        <p:txBody>
+          <a:bodyPr wrap="square" rtlCol="0">
+            <a:spAutoFit/>
+          </a:bodyPr>
+          <a:lstStyle/>
+          <a:p>
+            <a:r>
+              <a:rPr lang="en-US" dirty="0"/>
+              <a:t>Diff btw 1D/3D should just be </a:t>
+            </a:r>
+            <a:r>
+              <a:rPr lang="en-US" dirty="0" err="1"/>
+              <a:t>dz</a:t>
+            </a:r>
+            <a:r>
+              <a:rPr lang="en-US" dirty="0"/>
+              <a:t>, ds, etc.</a:t>
+            </a:r>
+          </a:p>
+        </p:txBody>
+      </p:sp>
     </p:spTree>
     <p:extLst>
       <p:ext uri="{BB962C8B-B14F-4D97-AF65-F5344CB8AC3E}">
@@ -4378,7 +6944,969 @@
           <a:p>
             <a:r>
               <a:rPr lang="en-US" dirty="0"/>
-              <a:t>Parameter space (s, x, a, N)</a:t>
+              <a:t>Parameter space (s, N)</a:t>
+            </a:r>
+          </a:p>
+        </p:txBody>
+      </p:sp>
+      <p:grpSp>
+        <p:nvGrpSpPr>
+          <p:cNvPr id="10" name="Group 9">
+            <a:extLst>
+              <a:ext uri="{FF2B5EF4-FFF2-40B4-BE49-F238E27FC236}">
+                <a16:creationId xmlns:a16="http://schemas.microsoft.com/office/drawing/2014/main" id="{8293C823-8262-3D64-E83F-49D8E00BE204}"/>
+              </a:ext>
+            </a:extLst>
+          </p:cNvPr>
+          <p:cNvGrpSpPr/>
+          <p:nvPr/>
+        </p:nvGrpSpPr>
+        <p:grpSpPr>
+          <a:xfrm>
+            <a:off x="2528610" y="957758"/>
+            <a:ext cx="3453697" cy="2097195"/>
+            <a:chOff x="6599322" y="1134534"/>
+            <a:chExt cx="4297279" cy="2609445"/>
+          </a:xfrm>
+        </p:grpSpPr>
+        <p:pic>
+          <p:nvPicPr>
+            <p:cNvPr id="9" name="Picture 8">
+              <a:extLst>
+                <a:ext uri="{FF2B5EF4-FFF2-40B4-BE49-F238E27FC236}">
+                  <a16:creationId xmlns:a16="http://schemas.microsoft.com/office/drawing/2014/main" id="{82F51C73-8D5C-934E-FC93-66672486A18B}"/>
+                </a:ext>
+              </a:extLst>
+            </p:cNvPr>
+            <p:cNvPicPr>
+              <a:picLocks noChangeAspect="1"/>
+            </p:cNvPicPr>
+            <p:nvPr/>
+          </p:nvPicPr>
+          <p:blipFill>
+            <a:blip r:embed="rId2"/>
+            <a:stretch>
+              <a:fillRect/>
+            </a:stretch>
+          </p:blipFill>
+          <p:spPr>
+            <a:xfrm>
+              <a:off x="6599322" y="1134534"/>
+              <a:ext cx="4297279" cy="2609445"/>
+            </a:xfrm>
+            <a:prstGeom prst="rect">
+              <a:avLst/>
+            </a:prstGeom>
+          </p:spPr>
+        </p:pic>
+        <p:sp>
+          <p:nvSpPr>
+            <p:cNvPr id="7" name="TextBox 6">
+              <a:extLst>
+                <a:ext uri="{FF2B5EF4-FFF2-40B4-BE49-F238E27FC236}">
+                  <a16:creationId xmlns:a16="http://schemas.microsoft.com/office/drawing/2014/main" id="{6638FA71-F500-38F3-3630-A99FA0D4FD63}"/>
+                </a:ext>
+              </a:extLst>
+            </p:cNvPr>
+            <p:cNvSpPr txBox="1"/>
+            <p:nvPr/>
+          </p:nvSpPr>
+          <p:spPr>
+            <a:xfrm>
+              <a:off x="9063628" y="1253853"/>
+              <a:ext cx="1775718" cy="727609"/>
+            </a:xfrm>
+            <a:prstGeom prst="rect">
+              <a:avLst/>
+            </a:prstGeom>
+            <a:noFill/>
+          </p:spPr>
+          <p:txBody>
+            <a:bodyPr wrap="square" rtlCol="0">
+              <a:spAutoFit/>
+            </a:bodyPr>
+            <a:lstStyle/>
+            <a:p>
+              <a:pPr algn="r"/>
+              <a:r>
+                <a:rPr lang="en-US" sz="1600" dirty="0">
+                  <a:solidFill>
+                    <a:schemeClr val="bg1"/>
+                  </a:solidFill>
+                </a:rPr>
+                <a:t>a000x075</a:t>
+              </a:r>
+            </a:p>
+            <a:p>
+              <a:pPr algn="r"/>
+              <a:r>
+                <a:rPr lang="en-US" sz="1600" dirty="0">
+                  <a:solidFill>
+                    <a:schemeClr val="bg1"/>
+                  </a:solidFill>
+                </a:rPr>
+                <a:t>s002N050</a:t>
+              </a:r>
+            </a:p>
+          </p:txBody>
+        </p:sp>
+      </p:grpSp>
+      <p:pic>
+        <p:nvPicPr>
+          <p:cNvPr id="20" name="Picture 19">
+            <a:extLst>
+              <a:ext uri="{FF2B5EF4-FFF2-40B4-BE49-F238E27FC236}">
+                <a16:creationId xmlns:a16="http://schemas.microsoft.com/office/drawing/2014/main" id="{1546BF2F-2986-1314-7788-19765C7A6D4C}"/>
+              </a:ext>
+            </a:extLst>
+          </p:cNvPr>
+          <p:cNvPicPr>
+            <a:picLocks noChangeAspect="1"/>
+          </p:cNvPicPr>
+          <p:nvPr/>
+        </p:nvPicPr>
+        <p:blipFill>
+          <a:blip r:embed="rId3"/>
+          <a:stretch>
+            <a:fillRect/>
+          </a:stretch>
+        </p:blipFill>
+        <p:spPr>
+          <a:xfrm>
+            <a:off x="10604793" y="2120491"/>
+            <a:ext cx="611516" cy="3617418"/>
+          </a:xfrm>
+          <a:prstGeom prst="rect">
+            <a:avLst/>
+          </a:prstGeom>
+        </p:spPr>
+      </p:pic>
+      <p:grpSp>
+        <p:nvGrpSpPr>
+          <p:cNvPr id="14" name="Group 13">
+            <a:extLst>
+              <a:ext uri="{FF2B5EF4-FFF2-40B4-BE49-F238E27FC236}">
+                <a16:creationId xmlns:a16="http://schemas.microsoft.com/office/drawing/2014/main" id="{70F0968C-FC48-7105-D7B4-02FCA98C8BE9}"/>
+              </a:ext>
+            </a:extLst>
+          </p:cNvPr>
+          <p:cNvGrpSpPr/>
+          <p:nvPr/>
+        </p:nvGrpSpPr>
+        <p:grpSpPr>
+          <a:xfrm>
+            <a:off x="6117002" y="1008274"/>
+            <a:ext cx="3437311" cy="2097195"/>
+            <a:chOff x="4131297" y="2763214"/>
+            <a:chExt cx="3437311" cy="2097195"/>
+          </a:xfrm>
+        </p:grpSpPr>
+        <p:pic>
+          <p:nvPicPr>
+            <p:cNvPr id="6" name="Picture 5">
+              <a:extLst>
+                <a:ext uri="{FF2B5EF4-FFF2-40B4-BE49-F238E27FC236}">
+                  <a16:creationId xmlns:a16="http://schemas.microsoft.com/office/drawing/2014/main" id="{75DEDDB2-39DE-0565-9F7E-A49CB473C113}"/>
+                </a:ext>
+              </a:extLst>
+            </p:cNvPr>
+            <p:cNvPicPr>
+              <a:picLocks noChangeAspect="1"/>
+            </p:cNvPicPr>
+            <p:nvPr/>
+          </p:nvPicPr>
+          <p:blipFill>
+            <a:blip r:embed="rId4"/>
+            <a:stretch>
+              <a:fillRect/>
+            </a:stretch>
+          </p:blipFill>
+          <p:spPr>
+            <a:xfrm>
+              <a:off x="4131297" y="2763214"/>
+              <a:ext cx="3437311" cy="2097195"/>
+            </a:xfrm>
+            <a:prstGeom prst="rect">
+              <a:avLst/>
+            </a:prstGeom>
+          </p:spPr>
+        </p:pic>
+        <p:sp>
+          <p:nvSpPr>
+            <p:cNvPr id="11" name="TextBox 10">
+              <a:extLst>
+                <a:ext uri="{FF2B5EF4-FFF2-40B4-BE49-F238E27FC236}">
+                  <a16:creationId xmlns:a16="http://schemas.microsoft.com/office/drawing/2014/main" id="{460DE2B6-25D0-E419-F862-310C84AE8B3E}"/>
+                </a:ext>
+              </a:extLst>
+            </p:cNvPr>
+            <p:cNvSpPr txBox="1"/>
+            <p:nvPr/>
+          </p:nvSpPr>
+          <p:spPr>
+            <a:xfrm>
+              <a:off x="6021814" y="2822043"/>
+              <a:ext cx="1493963" cy="338554"/>
+            </a:xfrm>
+            <a:prstGeom prst="rect">
+              <a:avLst/>
+            </a:prstGeom>
+            <a:noFill/>
+          </p:spPr>
+          <p:txBody>
+            <a:bodyPr wrap="square" rtlCol="0">
+              <a:spAutoFit/>
+            </a:bodyPr>
+            <a:lstStyle/>
+            <a:p>
+              <a:pPr algn="r"/>
+              <a:r>
+                <a:rPr lang="en-US" sz="1600" dirty="0">
+                  <a:solidFill>
+                    <a:schemeClr val="bg1"/>
+                  </a:solidFill>
+                </a:rPr>
+                <a:t>N100</a:t>
+              </a:r>
+            </a:p>
+          </p:txBody>
+        </p:sp>
+      </p:grpSp>
+      <p:grpSp>
+        <p:nvGrpSpPr>
+          <p:cNvPr id="17" name="Group 16">
+            <a:extLst>
+              <a:ext uri="{FF2B5EF4-FFF2-40B4-BE49-F238E27FC236}">
+                <a16:creationId xmlns:a16="http://schemas.microsoft.com/office/drawing/2014/main" id="{F8E52E81-C959-9993-7932-19ABA699036F}"/>
+              </a:ext>
+            </a:extLst>
+          </p:cNvPr>
+          <p:cNvGrpSpPr/>
+          <p:nvPr/>
+        </p:nvGrpSpPr>
+        <p:grpSpPr>
+          <a:xfrm>
+            <a:off x="2528610" y="2843833"/>
+            <a:ext cx="3429428" cy="2097194"/>
+            <a:chOff x="627238" y="2847251"/>
+            <a:chExt cx="3429428" cy="2097194"/>
+          </a:xfrm>
+        </p:grpSpPr>
+        <p:pic>
+          <p:nvPicPr>
+            <p:cNvPr id="12" name="Picture 11">
+              <a:extLst>
+                <a:ext uri="{FF2B5EF4-FFF2-40B4-BE49-F238E27FC236}">
+                  <a16:creationId xmlns:a16="http://schemas.microsoft.com/office/drawing/2014/main" id="{54858CEF-5B6E-5D5A-1D18-A46DCC94B58E}"/>
+                </a:ext>
+              </a:extLst>
+            </p:cNvPr>
+            <p:cNvPicPr>
+              <a:picLocks noChangeAspect="1"/>
+            </p:cNvPicPr>
+            <p:nvPr/>
+          </p:nvPicPr>
+          <p:blipFill>
+            <a:blip r:embed="rId5"/>
+            <a:stretch>
+              <a:fillRect/>
+            </a:stretch>
+          </p:blipFill>
+          <p:spPr>
+            <a:xfrm>
+              <a:off x="627238" y="2847251"/>
+              <a:ext cx="3429428" cy="2097194"/>
+            </a:xfrm>
+            <a:prstGeom prst="rect">
+              <a:avLst/>
+            </a:prstGeom>
+          </p:spPr>
+        </p:pic>
+        <p:sp>
+          <p:nvSpPr>
+            <p:cNvPr id="13" name="TextBox 12">
+              <a:extLst>
+                <a:ext uri="{FF2B5EF4-FFF2-40B4-BE49-F238E27FC236}">
+                  <a16:creationId xmlns:a16="http://schemas.microsoft.com/office/drawing/2014/main" id="{CAC3C90A-B18D-75A1-A841-3D25370B026E}"/>
+                </a:ext>
+              </a:extLst>
+            </p:cNvPr>
+            <p:cNvSpPr txBox="1"/>
+            <p:nvPr/>
+          </p:nvSpPr>
+          <p:spPr>
+            <a:xfrm>
+              <a:off x="2560158" y="2986253"/>
+              <a:ext cx="1427134" cy="338554"/>
+            </a:xfrm>
+            <a:prstGeom prst="rect">
+              <a:avLst/>
+            </a:prstGeom>
+            <a:noFill/>
+          </p:spPr>
+          <p:txBody>
+            <a:bodyPr wrap="square" rtlCol="0">
+              <a:spAutoFit/>
+            </a:bodyPr>
+            <a:lstStyle/>
+            <a:p>
+              <a:pPr algn="r"/>
+              <a:r>
+                <a:rPr lang="en-US" sz="1600" dirty="0">
+                  <a:solidFill>
+                    <a:schemeClr val="bg1"/>
+                  </a:solidFill>
+                </a:rPr>
+                <a:t>s005</a:t>
+              </a:r>
+            </a:p>
+          </p:txBody>
+        </p:sp>
+      </p:grpSp>
+      <p:grpSp>
+        <p:nvGrpSpPr>
+          <p:cNvPr id="18" name="Group 17">
+            <a:extLst>
+              <a:ext uri="{FF2B5EF4-FFF2-40B4-BE49-F238E27FC236}">
+                <a16:creationId xmlns:a16="http://schemas.microsoft.com/office/drawing/2014/main" id="{C89C8E88-3060-C3AB-894E-CD6BD3B55B23}"/>
+              </a:ext>
+            </a:extLst>
+          </p:cNvPr>
+          <p:cNvGrpSpPr/>
+          <p:nvPr/>
+        </p:nvGrpSpPr>
+        <p:grpSpPr>
+          <a:xfrm>
+            <a:off x="2553306" y="4820007"/>
+            <a:ext cx="3386665" cy="2037993"/>
+            <a:chOff x="651934" y="4737700"/>
+            <a:chExt cx="3386665" cy="2037993"/>
+          </a:xfrm>
+        </p:grpSpPr>
+        <p:pic>
+          <p:nvPicPr>
+            <p:cNvPr id="15" name="Picture 14">
+              <a:extLst>
+                <a:ext uri="{FF2B5EF4-FFF2-40B4-BE49-F238E27FC236}">
+                  <a16:creationId xmlns:a16="http://schemas.microsoft.com/office/drawing/2014/main" id="{064683BD-51E9-D0B8-1CA0-BD1622246B01}"/>
+                </a:ext>
+              </a:extLst>
+            </p:cNvPr>
+            <p:cNvPicPr>
+              <a:picLocks noChangeAspect="1"/>
+            </p:cNvPicPr>
+            <p:nvPr/>
+          </p:nvPicPr>
+          <p:blipFill>
+            <a:blip r:embed="rId6"/>
+            <a:stretch>
+              <a:fillRect/>
+            </a:stretch>
+          </p:blipFill>
+          <p:spPr>
+            <a:xfrm>
+              <a:off x="651934" y="4737700"/>
+              <a:ext cx="3386665" cy="2037993"/>
+            </a:xfrm>
+            <a:prstGeom prst="rect">
+              <a:avLst/>
+            </a:prstGeom>
+          </p:spPr>
+        </p:pic>
+        <p:sp>
+          <p:nvSpPr>
+            <p:cNvPr id="16" name="TextBox 15">
+              <a:extLst>
+                <a:ext uri="{FF2B5EF4-FFF2-40B4-BE49-F238E27FC236}">
+                  <a16:creationId xmlns:a16="http://schemas.microsoft.com/office/drawing/2014/main" id="{96DE3808-C7BA-A176-9732-36F9B329364F}"/>
+                </a:ext>
+              </a:extLst>
+            </p:cNvPr>
+            <p:cNvSpPr txBox="1"/>
+            <p:nvPr/>
+          </p:nvSpPr>
+          <p:spPr>
+            <a:xfrm>
+              <a:off x="2560664" y="4876070"/>
+              <a:ext cx="1427134" cy="338554"/>
+            </a:xfrm>
+            <a:prstGeom prst="rect">
+              <a:avLst/>
+            </a:prstGeom>
+            <a:noFill/>
+          </p:spPr>
+          <p:txBody>
+            <a:bodyPr wrap="square" rtlCol="0">
+              <a:spAutoFit/>
+            </a:bodyPr>
+            <a:lstStyle/>
+            <a:p>
+              <a:pPr algn="r"/>
+              <a:r>
+                <a:rPr lang="en-US" sz="1600" dirty="0">
+                  <a:solidFill>
+                    <a:schemeClr val="bg1"/>
+                  </a:solidFill>
+                </a:rPr>
+                <a:t>s010</a:t>
+              </a:r>
+            </a:p>
+          </p:txBody>
+        </p:sp>
+      </p:grpSp>
+      <p:grpSp>
+        <p:nvGrpSpPr>
+          <p:cNvPr id="33" name="Group 32">
+            <a:extLst>
+              <a:ext uri="{FF2B5EF4-FFF2-40B4-BE49-F238E27FC236}">
+                <a16:creationId xmlns:a16="http://schemas.microsoft.com/office/drawing/2014/main" id="{BCE0FD95-95AB-07CD-1B7B-D692E9DCBE2F}"/>
+              </a:ext>
+            </a:extLst>
+          </p:cNvPr>
+          <p:cNvGrpSpPr/>
+          <p:nvPr/>
+        </p:nvGrpSpPr>
+        <p:grpSpPr>
+          <a:xfrm>
+            <a:off x="6117002" y="2911313"/>
+            <a:ext cx="3413043" cy="2035775"/>
+            <a:chOff x="4215630" y="2838531"/>
+            <a:chExt cx="3413043" cy="2035775"/>
+          </a:xfrm>
+        </p:grpSpPr>
+        <p:pic>
+          <p:nvPicPr>
+            <p:cNvPr id="26" name="Picture 25">
+              <a:extLst>
+                <a:ext uri="{FF2B5EF4-FFF2-40B4-BE49-F238E27FC236}">
+                  <a16:creationId xmlns:a16="http://schemas.microsoft.com/office/drawing/2014/main" id="{586913CA-DF64-4820-EB03-ED6F0CA5E04A}"/>
+                </a:ext>
+              </a:extLst>
+            </p:cNvPr>
+            <p:cNvPicPr>
+              <a:picLocks noChangeAspect="1"/>
+            </p:cNvPicPr>
+            <p:nvPr/>
+          </p:nvPicPr>
+          <p:blipFill>
+            <a:blip r:embed="rId7"/>
+            <a:stretch>
+              <a:fillRect/>
+            </a:stretch>
+          </p:blipFill>
+          <p:spPr>
+            <a:xfrm>
+              <a:off x="4215630" y="2838531"/>
+              <a:ext cx="3413043" cy="2035775"/>
+            </a:xfrm>
+            <a:prstGeom prst="rect">
+              <a:avLst/>
+            </a:prstGeom>
+          </p:spPr>
+        </p:pic>
+        <p:sp>
+          <p:nvSpPr>
+            <p:cNvPr id="31" name="TextBox 30">
+              <a:extLst>
+                <a:ext uri="{FF2B5EF4-FFF2-40B4-BE49-F238E27FC236}">
+                  <a16:creationId xmlns:a16="http://schemas.microsoft.com/office/drawing/2014/main" id="{E0A8C750-7D0F-489A-19C1-3594A59363F1}"/>
+                </a:ext>
+              </a:extLst>
+            </p:cNvPr>
+            <p:cNvSpPr txBox="1"/>
+            <p:nvPr/>
+          </p:nvSpPr>
+          <p:spPr>
+            <a:xfrm>
+              <a:off x="6082863" y="2932732"/>
+              <a:ext cx="1493963" cy="338554"/>
+            </a:xfrm>
+            <a:prstGeom prst="rect">
+              <a:avLst/>
+            </a:prstGeom>
+            <a:noFill/>
+          </p:spPr>
+          <p:txBody>
+            <a:bodyPr wrap="square" rtlCol="0">
+              <a:spAutoFit/>
+            </a:bodyPr>
+            <a:lstStyle/>
+            <a:p>
+              <a:pPr algn="r"/>
+              <a:r>
+                <a:rPr lang="en-US" sz="1600" dirty="0">
+                  <a:solidFill>
+                    <a:schemeClr val="bg1"/>
+                  </a:solidFill>
+                </a:rPr>
+                <a:t>N150</a:t>
+              </a:r>
+            </a:p>
+          </p:txBody>
+        </p:sp>
+      </p:grpSp>
+      <p:grpSp>
+        <p:nvGrpSpPr>
+          <p:cNvPr id="34" name="Group 33">
+            <a:extLst>
+              <a:ext uri="{FF2B5EF4-FFF2-40B4-BE49-F238E27FC236}">
+                <a16:creationId xmlns:a16="http://schemas.microsoft.com/office/drawing/2014/main" id="{6FBD1F26-45A1-586D-7169-8E4C4BA91B4D}"/>
+              </a:ext>
+            </a:extLst>
+          </p:cNvPr>
+          <p:cNvGrpSpPr/>
+          <p:nvPr/>
+        </p:nvGrpSpPr>
+        <p:grpSpPr>
+          <a:xfrm>
+            <a:off x="6102344" y="4753167"/>
+            <a:ext cx="3466626" cy="2077346"/>
+            <a:chOff x="4200972" y="4680385"/>
+            <a:chExt cx="3466626" cy="2077346"/>
+          </a:xfrm>
+        </p:grpSpPr>
+        <p:pic>
+          <p:nvPicPr>
+            <p:cNvPr id="29" name="Picture 28">
+              <a:extLst>
+                <a:ext uri="{FF2B5EF4-FFF2-40B4-BE49-F238E27FC236}">
+                  <a16:creationId xmlns:a16="http://schemas.microsoft.com/office/drawing/2014/main" id="{300258AB-8637-D840-0C30-B52F934B3AE4}"/>
+                </a:ext>
+              </a:extLst>
+            </p:cNvPr>
+            <p:cNvPicPr>
+              <a:picLocks noChangeAspect="1"/>
+            </p:cNvPicPr>
+            <p:nvPr/>
+          </p:nvPicPr>
+          <p:blipFill>
+            <a:blip r:embed="rId8"/>
+            <a:stretch>
+              <a:fillRect/>
+            </a:stretch>
+          </p:blipFill>
+          <p:spPr>
+            <a:xfrm>
+              <a:off x="4200972" y="4680385"/>
+              <a:ext cx="3466626" cy="2077346"/>
+            </a:xfrm>
+            <a:prstGeom prst="rect">
+              <a:avLst/>
+            </a:prstGeom>
+          </p:spPr>
+        </p:pic>
+        <p:sp>
+          <p:nvSpPr>
+            <p:cNvPr id="32" name="TextBox 31">
+              <a:extLst>
+                <a:ext uri="{FF2B5EF4-FFF2-40B4-BE49-F238E27FC236}">
+                  <a16:creationId xmlns:a16="http://schemas.microsoft.com/office/drawing/2014/main" id="{D8B03169-B7E0-056A-E334-3B5091FB87CB}"/>
+                </a:ext>
+              </a:extLst>
+            </p:cNvPr>
+            <p:cNvSpPr txBox="1"/>
+            <p:nvPr/>
+          </p:nvSpPr>
+          <p:spPr>
+            <a:xfrm>
+              <a:off x="6134710" y="4896001"/>
+              <a:ext cx="1493963" cy="338554"/>
+            </a:xfrm>
+            <a:prstGeom prst="rect">
+              <a:avLst/>
+            </a:prstGeom>
+            <a:noFill/>
+          </p:spPr>
+          <p:txBody>
+            <a:bodyPr wrap="square" rtlCol="0">
+              <a:spAutoFit/>
+            </a:bodyPr>
+            <a:lstStyle/>
+            <a:p>
+              <a:pPr algn="r"/>
+              <a:r>
+                <a:rPr lang="en-US" sz="1600" dirty="0">
+                  <a:solidFill>
+                    <a:schemeClr val="bg1"/>
+                  </a:solidFill>
+                </a:rPr>
+                <a:t>N200</a:t>
+              </a:r>
+            </a:p>
+          </p:txBody>
+        </p:sp>
+      </p:grpSp>
+      <p:sp>
+        <p:nvSpPr>
+          <p:cNvPr id="8" name="Rectangle 7">
+            <a:extLst>
+              <a:ext uri="{FF2B5EF4-FFF2-40B4-BE49-F238E27FC236}">
+                <a16:creationId xmlns:a16="http://schemas.microsoft.com/office/drawing/2014/main" id="{8721C14F-913A-98EC-A87E-A9275AA7311C}"/>
+              </a:ext>
+            </a:extLst>
+          </p:cNvPr>
+          <p:cNvSpPr/>
+          <p:nvPr/>
+        </p:nvSpPr>
+        <p:spPr>
+          <a:xfrm>
+            <a:off x="9163075" y="2672714"/>
+            <a:ext cx="611516" cy="311105"/>
+          </a:xfrm>
+          <a:prstGeom prst="rect">
+            <a:avLst/>
+          </a:prstGeom>
+          <a:solidFill>
+            <a:schemeClr val="tx1"/>
+          </a:solidFill>
+        </p:spPr>
+        <p:style>
+          <a:lnRef idx="2">
+            <a:schemeClr val="accent1">
+              <a:shade val="15000"/>
+            </a:schemeClr>
+          </a:lnRef>
+          <a:fillRef idx="1">
+            <a:schemeClr val="accent1"/>
+          </a:fillRef>
+          <a:effectRef idx="0">
+            <a:schemeClr val="accent1"/>
+          </a:effectRef>
+          <a:fontRef idx="minor">
+            <a:schemeClr val="lt1"/>
+          </a:fontRef>
+        </p:style>
+        <p:txBody>
+          <a:bodyPr rtlCol="0" anchor="ctr"/>
+          <a:lstStyle/>
+          <a:p>
+            <a:pPr algn="ctr"/>
+            <a:r>
+              <a:rPr lang="en-US" dirty="0"/>
+              <a:t>30</a:t>
+            </a:r>
+          </a:p>
+        </p:txBody>
+      </p:sp>
+      <p:sp>
+        <p:nvSpPr>
+          <p:cNvPr id="27" name="Rectangle 26">
+            <a:extLst>
+              <a:ext uri="{FF2B5EF4-FFF2-40B4-BE49-F238E27FC236}">
+                <a16:creationId xmlns:a16="http://schemas.microsoft.com/office/drawing/2014/main" id="{AE183033-CA5D-7D1E-A620-F522F24B7BBF}"/>
+              </a:ext>
+            </a:extLst>
+          </p:cNvPr>
+          <p:cNvSpPr/>
+          <p:nvPr/>
+        </p:nvSpPr>
+        <p:spPr>
+          <a:xfrm>
+            <a:off x="9162677" y="4651990"/>
+            <a:ext cx="611516" cy="311105"/>
+          </a:xfrm>
+          <a:prstGeom prst="rect">
+            <a:avLst/>
+          </a:prstGeom>
+          <a:solidFill>
+            <a:schemeClr val="tx1"/>
+          </a:solidFill>
+        </p:spPr>
+        <p:style>
+          <a:lnRef idx="2">
+            <a:schemeClr val="accent1">
+              <a:shade val="15000"/>
+            </a:schemeClr>
+          </a:lnRef>
+          <a:fillRef idx="1">
+            <a:schemeClr val="accent1"/>
+          </a:fillRef>
+          <a:effectRef idx="0">
+            <a:schemeClr val="accent1"/>
+          </a:effectRef>
+          <a:fontRef idx="minor">
+            <a:schemeClr val="lt1"/>
+          </a:fontRef>
+        </p:style>
+        <p:txBody>
+          <a:bodyPr rtlCol="0" anchor="ctr"/>
+          <a:lstStyle/>
+          <a:p>
+            <a:pPr algn="ctr"/>
+            <a:r>
+              <a:rPr lang="en-US" dirty="0"/>
+              <a:t>40</a:t>
+            </a:r>
+          </a:p>
+        </p:txBody>
+      </p:sp>
+      <p:sp>
+        <p:nvSpPr>
+          <p:cNvPr id="23" name="Rectangle 22">
+            <a:extLst>
+              <a:ext uri="{FF2B5EF4-FFF2-40B4-BE49-F238E27FC236}">
+                <a16:creationId xmlns:a16="http://schemas.microsoft.com/office/drawing/2014/main" id="{9C85615B-BB8E-1A2C-AE01-D8347E04BAF8}"/>
+              </a:ext>
+            </a:extLst>
+          </p:cNvPr>
+          <p:cNvSpPr/>
+          <p:nvPr/>
+        </p:nvSpPr>
+        <p:spPr>
+          <a:xfrm>
+            <a:off x="5633707" y="6515845"/>
+            <a:ext cx="611516" cy="311105"/>
+          </a:xfrm>
+          <a:prstGeom prst="rect">
+            <a:avLst/>
+          </a:prstGeom>
+          <a:solidFill>
+            <a:schemeClr val="tx1"/>
+          </a:solidFill>
+        </p:spPr>
+        <p:style>
+          <a:lnRef idx="2">
+            <a:schemeClr val="accent1">
+              <a:shade val="15000"/>
+            </a:schemeClr>
+          </a:lnRef>
+          <a:fillRef idx="1">
+            <a:schemeClr val="accent1"/>
+          </a:fillRef>
+          <a:effectRef idx="0">
+            <a:schemeClr val="accent1"/>
+          </a:effectRef>
+          <a:fontRef idx="minor">
+            <a:schemeClr val="lt1"/>
+          </a:fontRef>
+        </p:style>
+        <p:txBody>
+          <a:bodyPr rtlCol="0" anchor="ctr"/>
+          <a:lstStyle/>
+          <a:p>
+            <a:pPr algn="ctr"/>
+            <a:r>
+              <a:rPr lang="en-US" dirty="0"/>
+              <a:t>50</a:t>
+            </a:r>
+          </a:p>
+        </p:txBody>
+      </p:sp>
+      <p:sp>
+        <p:nvSpPr>
+          <p:cNvPr id="21" name="Rectangle 20">
+            <a:extLst>
+              <a:ext uri="{FF2B5EF4-FFF2-40B4-BE49-F238E27FC236}">
+                <a16:creationId xmlns:a16="http://schemas.microsoft.com/office/drawing/2014/main" id="{46B7372B-C2A2-8FAC-CBB4-3BA317138E71}"/>
+              </a:ext>
+            </a:extLst>
+          </p:cNvPr>
+          <p:cNvSpPr/>
+          <p:nvPr/>
+        </p:nvSpPr>
+        <p:spPr>
+          <a:xfrm>
+            <a:off x="5609011" y="2687784"/>
+            <a:ext cx="611516" cy="311105"/>
+          </a:xfrm>
+          <a:prstGeom prst="rect">
+            <a:avLst/>
+          </a:prstGeom>
+          <a:solidFill>
+            <a:schemeClr val="tx1"/>
+          </a:solidFill>
+        </p:spPr>
+        <p:style>
+          <a:lnRef idx="2">
+            <a:schemeClr val="accent1">
+              <a:shade val="15000"/>
+            </a:schemeClr>
+          </a:lnRef>
+          <a:fillRef idx="1">
+            <a:schemeClr val="accent1"/>
+          </a:fillRef>
+          <a:effectRef idx="0">
+            <a:schemeClr val="accent1"/>
+          </a:effectRef>
+          <a:fontRef idx="minor">
+            <a:schemeClr val="lt1"/>
+          </a:fontRef>
+        </p:style>
+        <p:txBody>
+          <a:bodyPr rtlCol="0" anchor="ctr"/>
+          <a:lstStyle/>
+          <a:p>
+            <a:pPr algn="ctr"/>
+            <a:r>
+              <a:rPr lang="en-US" dirty="0"/>
+              <a:t>20</a:t>
+            </a:r>
+          </a:p>
+        </p:txBody>
+      </p:sp>
+      <p:sp>
+        <p:nvSpPr>
+          <p:cNvPr id="22" name="Rectangle 21">
+            <a:extLst>
+              <a:ext uri="{FF2B5EF4-FFF2-40B4-BE49-F238E27FC236}">
+                <a16:creationId xmlns:a16="http://schemas.microsoft.com/office/drawing/2014/main" id="{1F0A8F28-14C3-3E7F-E1FE-2A1775EAD149}"/>
+              </a:ext>
+            </a:extLst>
+          </p:cNvPr>
+          <p:cNvSpPr/>
+          <p:nvPr/>
+        </p:nvSpPr>
+        <p:spPr>
+          <a:xfrm>
+            <a:off x="5633707" y="4554203"/>
+            <a:ext cx="611516" cy="311105"/>
+          </a:xfrm>
+          <a:prstGeom prst="rect">
+            <a:avLst/>
+          </a:prstGeom>
+          <a:solidFill>
+            <a:schemeClr val="tx1"/>
+          </a:solidFill>
+        </p:spPr>
+        <p:style>
+          <a:lnRef idx="2">
+            <a:schemeClr val="accent1">
+              <a:shade val="15000"/>
+            </a:schemeClr>
+          </a:lnRef>
+          <a:fillRef idx="1">
+            <a:schemeClr val="accent1"/>
+          </a:fillRef>
+          <a:effectRef idx="0">
+            <a:schemeClr val="accent1"/>
+          </a:effectRef>
+          <a:fontRef idx="minor">
+            <a:schemeClr val="lt1"/>
+          </a:fontRef>
+        </p:style>
+        <p:txBody>
+          <a:bodyPr rtlCol="0" anchor="ctr"/>
+          <a:lstStyle/>
+          <a:p>
+            <a:pPr algn="ctr"/>
+            <a:r>
+              <a:rPr lang="en-US" dirty="0"/>
+              <a:t>30</a:t>
+            </a:r>
+          </a:p>
+        </p:txBody>
+      </p:sp>
+      <p:sp>
+        <p:nvSpPr>
+          <p:cNvPr id="30" name="Rectangle 29">
+            <a:extLst>
+              <a:ext uri="{FF2B5EF4-FFF2-40B4-BE49-F238E27FC236}">
+                <a16:creationId xmlns:a16="http://schemas.microsoft.com/office/drawing/2014/main" id="{31ED9276-B2CB-38A7-13CA-B5B554EC197C}"/>
+              </a:ext>
+            </a:extLst>
+          </p:cNvPr>
+          <p:cNvSpPr/>
+          <p:nvPr/>
+        </p:nvSpPr>
+        <p:spPr>
+          <a:xfrm>
+            <a:off x="9224287" y="6505861"/>
+            <a:ext cx="611516" cy="311105"/>
+          </a:xfrm>
+          <a:prstGeom prst="rect">
+            <a:avLst/>
+          </a:prstGeom>
+          <a:solidFill>
+            <a:schemeClr val="tx1"/>
+          </a:solidFill>
+        </p:spPr>
+        <p:style>
+          <a:lnRef idx="2">
+            <a:schemeClr val="accent1">
+              <a:shade val="15000"/>
+            </a:schemeClr>
+          </a:lnRef>
+          <a:fillRef idx="1">
+            <a:schemeClr val="accent1"/>
+          </a:fillRef>
+          <a:effectRef idx="0">
+            <a:schemeClr val="accent1"/>
+          </a:effectRef>
+          <a:fontRef idx="minor">
+            <a:schemeClr val="lt1"/>
+          </a:fontRef>
+        </p:style>
+        <p:txBody>
+          <a:bodyPr rtlCol="0" anchor="ctr"/>
+          <a:lstStyle/>
+          <a:p>
+            <a:pPr algn="ctr"/>
+            <a:r>
+              <a:rPr lang="en-US" dirty="0"/>
+              <a:t>50</a:t>
+            </a:r>
+          </a:p>
+        </p:txBody>
+      </p:sp>
+    </p:spTree>
+    <p:extLst>
+      <p:ext uri="{BB962C8B-B14F-4D97-AF65-F5344CB8AC3E}">
+        <p14:creationId xmlns:p14="http://schemas.microsoft.com/office/powerpoint/2010/main" val="2457700860"/>
+      </p:ext>
+    </p:extLst>
+  </p:cSld>
+  <p:clrMapOvr>
+    <a:masterClrMapping/>
+  </p:clrMapOvr>
+</p:sld>
+</file>
+
+<file path=ppt/slides/slide4.xml><?xml version="1.0" encoding="utf-8"?>
+<p:sld xmlns:a="http://schemas.openxmlformats.org/drawingml/2006/main" xmlns:r="http://schemas.openxmlformats.org/officeDocument/2006/relationships" xmlns:p="http://schemas.openxmlformats.org/presentationml/2006/main">
+  <p:cSld>
+    <p:spTree>
+      <p:nvGrpSpPr>
+        <p:cNvPr id="1" name=""/>
+        <p:cNvGrpSpPr/>
+        <p:nvPr/>
+      </p:nvGrpSpPr>
+      <p:grpSpPr>
+        <a:xfrm>
+          <a:off x="0" y="0"/>
+          <a:ext cx="0" cy="0"/>
+          <a:chOff x="0" y="0"/>
+          <a:chExt cx="0" cy="0"/>
+        </a:xfrm>
+      </p:grpSpPr>
+      <p:sp>
+        <p:nvSpPr>
+          <p:cNvPr id="2" name="Title 1">
+            <a:extLst>
+              <a:ext uri="{FF2B5EF4-FFF2-40B4-BE49-F238E27FC236}">
+                <a16:creationId xmlns:a16="http://schemas.microsoft.com/office/drawing/2014/main" id="{C872131D-FE4F-A224-AF09-4A0D93F4B83D}"/>
+              </a:ext>
+            </a:extLst>
+          </p:cNvPr>
+          <p:cNvSpPr>
+            <a:spLocks noGrp="1"/>
+          </p:cNvSpPr>
+          <p:nvPr>
+            <p:ph type="title"/>
+          </p:nvPr>
+        </p:nvSpPr>
+        <p:spPr>
+          <a:xfrm>
+            <a:off x="59268" y="135468"/>
+            <a:ext cx="10515600" cy="846667"/>
+          </a:xfrm>
+        </p:spPr>
+        <p:txBody>
+          <a:bodyPr/>
+          <a:lstStyle/>
+          <a:p>
+            <a:r>
+              <a:rPr lang="en-US" dirty="0"/>
+              <a:t>Parameter space (x, a)</a:t>
             </a:r>
           </a:p>
         </p:txBody>
@@ -4474,188 +8002,6 @@
           </p:txBody>
         </p:sp>
       </p:grpSp>
-      <p:grpSp>
-        <p:nvGrpSpPr>
-          <p:cNvPr id="17" name="Group 16">
-            <a:extLst>
-              <a:ext uri="{FF2B5EF4-FFF2-40B4-BE49-F238E27FC236}">
-                <a16:creationId xmlns:a16="http://schemas.microsoft.com/office/drawing/2014/main" id="{F8E52E81-C959-9993-7932-19ABA699036F}"/>
-              </a:ext>
-            </a:extLst>
-          </p:cNvPr>
-          <p:cNvGrpSpPr/>
-          <p:nvPr/>
-        </p:nvGrpSpPr>
-        <p:grpSpPr>
-          <a:xfrm>
-            <a:off x="627238" y="2771051"/>
-            <a:ext cx="3429428" cy="2097194"/>
-            <a:chOff x="627238" y="2847251"/>
-            <a:chExt cx="3429428" cy="2097194"/>
-          </a:xfrm>
-        </p:grpSpPr>
-        <p:pic>
-          <p:nvPicPr>
-            <p:cNvPr id="12" name="Picture 11">
-              <a:extLst>
-                <a:ext uri="{FF2B5EF4-FFF2-40B4-BE49-F238E27FC236}">
-                  <a16:creationId xmlns:a16="http://schemas.microsoft.com/office/drawing/2014/main" id="{54858CEF-5B6E-5D5A-1D18-A46DCC94B58E}"/>
-                </a:ext>
-              </a:extLst>
-            </p:cNvPr>
-            <p:cNvPicPr>
-              <a:picLocks noChangeAspect="1"/>
-            </p:cNvPicPr>
-            <p:nvPr/>
-          </p:nvPicPr>
-          <p:blipFill>
-            <a:blip r:embed="rId3"/>
-            <a:stretch>
-              <a:fillRect/>
-            </a:stretch>
-          </p:blipFill>
-          <p:spPr>
-            <a:xfrm>
-              <a:off x="627238" y="2847251"/>
-              <a:ext cx="3429428" cy="2097194"/>
-            </a:xfrm>
-            <a:prstGeom prst="rect">
-              <a:avLst/>
-            </a:prstGeom>
-          </p:spPr>
-        </p:pic>
-        <p:sp>
-          <p:nvSpPr>
-            <p:cNvPr id="13" name="TextBox 12">
-              <a:extLst>
-                <a:ext uri="{FF2B5EF4-FFF2-40B4-BE49-F238E27FC236}">
-                  <a16:creationId xmlns:a16="http://schemas.microsoft.com/office/drawing/2014/main" id="{CAC3C90A-B18D-75A1-A841-3D25370B026E}"/>
-                </a:ext>
-              </a:extLst>
-            </p:cNvPr>
-            <p:cNvSpPr txBox="1"/>
-            <p:nvPr/>
-          </p:nvSpPr>
-          <p:spPr>
-            <a:xfrm>
-              <a:off x="2610959" y="2910053"/>
-              <a:ext cx="1427134" cy="338554"/>
-            </a:xfrm>
-            <a:prstGeom prst="rect">
-              <a:avLst/>
-            </a:prstGeom>
-            <a:noFill/>
-          </p:spPr>
-          <p:txBody>
-            <a:bodyPr wrap="square" rtlCol="0">
-              <a:spAutoFit/>
-            </a:bodyPr>
-            <a:lstStyle/>
-            <a:p>
-              <a:pPr algn="r"/>
-              <a:r>
-                <a:rPr lang="en-US" sz="1600" dirty="0">
-                  <a:solidFill>
-                    <a:schemeClr val="bg1"/>
-                  </a:solidFill>
-                </a:rPr>
-                <a:t>a000x075s005</a:t>
-              </a:r>
-            </a:p>
-          </p:txBody>
-        </p:sp>
-      </p:grpSp>
-      <p:grpSp>
-        <p:nvGrpSpPr>
-          <p:cNvPr id="18" name="Group 17">
-            <a:extLst>
-              <a:ext uri="{FF2B5EF4-FFF2-40B4-BE49-F238E27FC236}">
-                <a16:creationId xmlns:a16="http://schemas.microsoft.com/office/drawing/2014/main" id="{C89C8E88-3060-C3AB-894E-CD6BD3B55B23}"/>
-              </a:ext>
-            </a:extLst>
-          </p:cNvPr>
-          <p:cNvGrpSpPr/>
-          <p:nvPr/>
-        </p:nvGrpSpPr>
-        <p:grpSpPr>
-          <a:xfrm>
-            <a:off x="651934" y="4747225"/>
-            <a:ext cx="3386665" cy="2037993"/>
-            <a:chOff x="651934" y="4737700"/>
-            <a:chExt cx="3386665" cy="2037993"/>
-          </a:xfrm>
-        </p:grpSpPr>
-        <p:pic>
-          <p:nvPicPr>
-            <p:cNvPr id="15" name="Picture 14">
-              <a:extLst>
-                <a:ext uri="{FF2B5EF4-FFF2-40B4-BE49-F238E27FC236}">
-                  <a16:creationId xmlns:a16="http://schemas.microsoft.com/office/drawing/2014/main" id="{064683BD-51E9-D0B8-1CA0-BD1622246B01}"/>
-                </a:ext>
-              </a:extLst>
-            </p:cNvPr>
-            <p:cNvPicPr>
-              <a:picLocks noChangeAspect="1"/>
-            </p:cNvPicPr>
-            <p:nvPr/>
-          </p:nvPicPr>
-          <p:blipFill>
-            <a:blip r:embed="rId4"/>
-            <a:stretch>
-              <a:fillRect/>
-            </a:stretch>
-          </p:blipFill>
-          <p:spPr>
-            <a:xfrm>
-              <a:off x="651934" y="4737700"/>
-              <a:ext cx="3386665" cy="2037993"/>
-            </a:xfrm>
-            <a:prstGeom prst="rect">
-              <a:avLst/>
-            </a:prstGeom>
-          </p:spPr>
-        </p:pic>
-        <p:sp>
-          <p:nvSpPr>
-            <p:cNvPr id="16" name="TextBox 15">
-              <a:extLst>
-                <a:ext uri="{FF2B5EF4-FFF2-40B4-BE49-F238E27FC236}">
-                  <a16:creationId xmlns:a16="http://schemas.microsoft.com/office/drawing/2014/main" id="{96DE3808-C7BA-A176-9732-36F9B329364F}"/>
-                </a:ext>
-              </a:extLst>
-            </p:cNvPr>
-            <p:cNvSpPr txBox="1"/>
-            <p:nvPr/>
-          </p:nvSpPr>
-          <p:spPr>
-            <a:xfrm>
-              <a:off x="2611465" y="4799870"/>
-              <a:ext cx="1427134" cy="338554"/>
-            </a:xfrm>
-            <a:prstGeom prst="rect">
-              <a:avLst/>
-            </a:prstGeom>
-            <a:noFill/>
-          </p:spPr>
-          <p:txBody>
-            <a:bodyPr wrap="square" rtlCol="0">
-              <a:spAutoFit/>
-            </a:bodyPr>
-            <a:lstStyle/>
-            <a:p>
-              <a:pPr algn="r"/>
-              <a:r>
-                <a:rPr lang="en-US" sz="1600" dirty="0">
-                  <a:solidFill>
-                    <a:schemeClr val="bg1"/>
-                  </a:solidFill>
-                </a:rPr>
-                <a:t>a000x075s010</a:t>
-              </a:r>
-            </a:p>
-          </p:txBody>
-        </p:sp>
-      </p:grpSp>
       <p:pic>
         <p:nvPicPr>
           <p:cNvPr id="20" name="Picture 19">
@@ -4671,7 +8017,7 @@
           <p:nvPr/>
         </p:nvPicPr>
         <p:blipFill>
-          <a:blip r:embed="rId5"/>
+          <a:blip r:embed="rId3"/>
           <a:stretch>
             <a:fillRect/>
           </a:stretch>
@@ -4738,185 +8084,10 @@
           </a:p>
         </p:txBody>
       </p:sp>
-      <p:sp>
-        <p:nvSpPr>
-          <p:cNvPr id="22" name="Rectangle 21">
-            <a:extLst>
-              <a:ext uri="{FF2B5EF4-FFF2-40B4-BE49-F238E27FC236}">
-                <a16:creationId xmlns:a16="http://schemas.microsoft.com/office/drawing/2014/main" id="{1F0A8F28-14C3-3E7F-E1FE-2A1775EAD149}"/>
-              </a:ext>
-            </a:extLst>
-          </p:cNvPr>
-          <p:cNvSpPr/>
-          <p:nvPr/>
-        </p:nvSpPr>
-        <p:spPr>
-          <a:xfrm>
-            <a:off x="3732335" y="4481421"/>
-            <a:ext cx="611516" cy="311105"/>
-          </a:xfrm>
-          <a:prstGeom prst="rect">
-            <a:avLst/>
-          </a:prstGeom>
-          <a:solidFill>
-            <a:schemeClr val="tx1"/>
-          </a:solidFill>
-        </p:spPr>
-        <p:style>
-          <a:lnRef idx="2">
-            <a:schemeClr val="accent1">
-              <a:shade val="15000"/>
-            </a:schemeClr>
-          </a:lnRef>
-          <a:fillRef idx="1">
-            <a:schemeClr val="accent1"/>
-          </a:fillRef>
-          <a:effectRef idx="0">
-            <a:schemeClr val="accent1"/>
-          </a:effectRef>
-          <a:fontRef idx="minor">
-            <a:schemeClr val="lt1"/>
-          </a:fontRef>
-        </p:style>
-        <p:txBody>
-          <a:bodyPr rtlCol="0" anchor="ctr"/>
-          <a:lstStyle/>
-          <a:p>
-            <a:pPr algn="ctr"/>
-            <a:r>
-              <a:rPr lang="en-US" dirty="0"/>
-              <a:t>30</a:t>
-            </a:r>
-          </a:p>
-        </p:txBody>
-      </p:sp>
-      <p:sp>
-        <p:nvSpPr>
-          <p:cNvPr id="23" name="Rectangle 22">
-            <a:extLst>
-              <a:ext uri="{FF2B5EF4-FFF2-40B4-BE49-F238E27FC236}">
-                <a16:creationId xmlns:a16="http://schemas.microsoft.com/office/drawing/2014/main" id="{9C85615B-BB8E-1A2C-AE01-D8347E04BAF8}"/>
-              </a:ext>
-            </a:extLst>
-          </p:cNvPr>
-          <p:cNvSpPr/>
-          <p:nvPr/>
-        </p:nvSpPr>
-        <p:spPr>
-          <a:xfrm>
-            <a:off x="3732335" y="6443063"/>
-            <a:ext cx="611516" cy="311105"/>
-          </a:xfrm>
-          <a:prstGeom prst="rect">
-            <a:avLst/>
-          </a:prstGeom>
-          <a:solidFill>
-            <a:schemeClr val="tx1"/>
-          </a:solidFill>
-        </p:spPr>
-        <p:style>
-          <a:lnRef idx="2">
-            <a:schemeClr val="accent1">
-              <a:shade val="15000"/>
-            </a:schemeClr>
-          </a:lnRef>
-          <a:fillRef idx="1">
-            <a:schemeClr val="accent1"/>
-          </a:fillRef>
-          <a:effectRef idx="0">
-            <a:schemeClr val="accent1"/>
-          </a:effectRef>
-          <a:fontRef idx="minor">
-            <a:schemeClr val="lt1"/>
-          </a:fontRef>
-        </p:style>
-        <p:txBody>
-          <a:bodyPr rtlCol="0" anchor="ctr"/>
-          <a:lstStyle/>
-          <a:p>
-            <a:pPr algn="ctr"/>
-            <a:r>
-              <a:rPr lang="en-US" dirty="0"/>
-              <a:t>50</a:t>
-            </a:r>
-          </a:p>
-        </p:txBody>
-      </p:sp>
     </p:spTree>
     <p:extLst>
       <p:ext uri="{BB962C8B-B14F-4D97-AF65-F5344CB8AC3E}">
         <p14:creationId xmlns:p14="http://schemas.microsoft.com/office/powerpoint/2010/main" val="3387991481"/>
-      </p:ext>
-    </p:extLst>
-  </p:cSld>
-  <p:clrMapOvr>
-    <a:masterClrMapping/>
-  </p:clrMapOvr>
-</p:sld>
-</file>
-
-<file path=ppt/slides/slide4.xml><?xml version="1.0" encoding="utf-8"?>
-<p:sld xmlns:a="http://schemas.openxmlformats.org/drawingml/2006/main" xmlns:r="http://schemas.openxmlformats.org/officeDocument/2006/relationships" xmlns:p="http://schemas.openxmlformats.org/presentationml/2006/main">
-  <p:cSld>
-    <p:spTree>
-      <p:nvGrpSpPr>
-        <p:cNvPr id="1" name=""/>
-        <p:cNvGrpSpPr/>
-        <p:nvPr/>
-      </p:nvGrpSpPr>
-      <p:grpSpPr>
-        <a:xfrm>
-          <a:off x="0" y="0"/>
-          <a:ext cx="0" cy="0"/>
-          <a:chOff x="0" y="0"/>
-          <a:chExt cx="0" cy="0"/>
-        </a:xfrm>
-      </p:grpSpPr>
-      <p:sp>
-        <p:nvSpPr>
-          <p:cNvPr id="2" name="Title 1">
-            <a:extLst>
-              <a:ext uri="{FF2B5EF4-FFF2-40B4-BE49-F238E27FC236}">
-                <a16:creationId xmlns:a16="http://schemas.microsoft.com/office/drawing/2014/main" id="{C872131D-FE4F-A224-AF09-4A0D93F4B83D}"/>
-              </a:ext>
-            </a:extLst>
-          </p:cNvPr>
-          <p:cNvSpPr>
-            <a:spLocks noGrp="1"/>
-          </p:cNvSpPr>
-          <p:nvPr>
-            <p:ph type="title"/>
-          </p:nvPr>
-        </p:nvSpPr>
-        <p:spPr>
-          <a:xfrm>
-            <a:off x="177800" y="152400"/>
-            <a:ext cx="10515600" cy="846667"/>
-          </a:xfrm>
-        </p:spPr>
-        <p:txBody>
-          <a:bodyPr/>
-          <a:lstStyle/>
-          <a:p>
-            <a:r>
-              <a:rPr lang="en-US" dirty="0"/>
-              <a:t>Numerical space (</a:t>
-            </a:r>
-            <a:r>
-              <a:rPr lang="en-US" dirty="0" err="1"/>
-              <a:t>dz</a:t>
-            </a:r>
-            <a:r>
-              <a:rPr lang="en-US" dirty="0"/>
-              <a:t>, ds, Y)</a:t>
-            </a:r>
-          </a:p>
-        </p:txBody>
-      </p:sp>
-    </p:spTree>
-    <p:extLst>
-      <p:ext uri="{BB962C8B-B14F-4D97-AF65-F5344CB8AC3E}">
-        <p14:creationId xmlns:p14="http://schemas.microsoft.com/office/powerpoint/2010/main" val="3734331090"/>
       </p:ext>
     </p:extLst>
   </p:cSld>
@@ -4948,7 +8119,7 @@
           <p:cNvPr id="2" name="Title 1">
             <a:extLst>
               <a:ext uri="{FF2B5EF4-FFF2-40B4-BE49-F238E27FC236}">
-                <a16:creationId xmlns:a16="http://schemas.microsoft.com/office/drawing/2014/main" id="{A42F1D30-274D-A5B8-3620-4DA31ECE8F5B}"/>
+                <a16:creationId xmlns:a16="http://schemas.microsoft.com/office/drawing/2014/main" id="{C872131D-FE4F-A224-AF09-4A0D93F4B83D}"/>
               </a:ext>
             </a:extLst>
           </p:cNvPr>
@@ -4961,8 +8132,8 @@
         </p:nvSpPr>
         <p:spPr>
           <a:xfrm>
-            <a:off x="448734" y="2766218"/>
-            <a:ext cx="10515600" cy="1325563"/>
+            <a:off x="177800" y="152400"/>
+            <a:ext cx="10515600" cy="846667"/>
           </a:xfrm>
         </p:spPr>
         <p:txBody>
@@ -4970,8 +8141,16 @@
           <a:lstStyle/>
           <a:p>
             <a:r>
-              <a:rPr lang="en-US" b="1" dirty="0"/>
-              <a:t>Specifying Grafted Points</a:t>
+              <a:rPr lang="en-US" dirty="0"/>
+              <a:t>Numerical space (</a:t>
+            </a:r>
+            <a:r>
+              <a:rPr lang="en-US" dirty="0" err="1"/>
+              <a:t>dz</a:t>
+            </a:r>
+            <a:r>
+              <a:rPr lang="en-US" dirty="0"/>
+              <a:t>, ds, Y)</a:t>
             </a:r>
           </a:p>
         </p:txBody>
@@ -4979,7 +8158,7 @@
     </p:spTree>
     <p:extLst>
       <p:ext uri="{BB962C8B-B14F-4D97-AF65-F5344CB8AC3E}">
-        <p14:creationId xmlns:p14="http://schemas.microsoft.com/office/powerpoint/2010/main" val="896468000"/>
+        <p14:creationId xmlns:p14="http://schemas.microsoft.com/office/powerpoint/2010/main" val="3734331090"/>
       </p:ext>
     </p:extLst>
   </p:cSld>
@@ -5011,7 +8190,7 @@
           <p:cNvPr id="2" name="Title 1">
             <a:extLst>
               <a:ext uri="{FF2B5EF4-FFF2-40B4-BE49-F238E27FC236}">
-                <a16:creationId xmlns:a16="http://schemas.microsoft.com/office/drawing/2014/main" id="{EC7A1061-086B-35E4-61C1-83C328D5548E}"/>
+                <a16:creationId xmlns:a16="http://schemas.microsoft.com/office/drawing/2014/main" id="{A42F1D30-274D-A5B8-3620-4DA31ECE8F5B}"/>
               </a:ext>
             </a:extLst>
           </p:cNvPr>
@@ -5022,247 +8201,19 @@
             <p:ph type="title"/>
           </p:nvPr>
         </p:nvSpPr>
-        <p:spPr/>
+        <p:spPr>
+          <a:xfrm>
+            <a:off x="448734" y="2766218"/>
+            <a:ext cx="10515600" cy="1325563"/>
+          </a:xfrm>
+        </p:spPr>
         <p:txBody>
           <a:bodyPr/>
           <a:lstStyle/>
           <a:p>
             <a:r>
-              <a:rPr lang="en-US" dirty="0"/>
-              <a:t>Strategy</a:t>
-            </a:r>
-          </a:p>
-        </p:txBody>
-      </p:sp>
-      <p:sp>
-        <p:nvSpPr>
-          <p:cNvPr id="3" name="TextBox 2">
-            <a:extLst>
-              <a:ext uri="{FF2B5EF4-FFF2-40B4-BE49-F238E27FC236}">
-                <a16:creationId xmlns:a16="http://schemas.microsoft.com/office/drawing/2014/main" id="{66A4566B-D26D-18F7-2769-748D7813228B}"/>
-              </a:ext>
-            </a:extLst>
-          </p:cNvPr>
-          <p:cNvSpPr txBox="1"/>
-          <p:nvPr/>
-        </p:nvSpPr>
-        <p:spPr>
-          <a:xfrm>
-            <a:off x="714374" y="1895475"/>
-            <a:ext cx="7810500" cy="646331"/>
-          </a:xfrm>
-          <a:prstGeom prst="rect">
-            <a:avLst/>
-          </a:prstGeom>
-          <a:noFill/>
-        </p:spPr>
-        <p:txBody>
-          <a:bodyPr wrap="square" rtlCol="0">
-            <a:spAutoFit/>
-          </a:bodyPr>
-          <a:lstStyle/>
-          <a:p>
-            <a:r>
-              <a:rPr lang="en-US" dirty="0"/>
-              <a:t>2D binary array for surface sites of homogeneously grafted polymer given grafting density, simulation box size, and discretization (and assuming dx = </a:t>
-            </a:r>
-            <a:r>
-              <a:rPr lang="en-US" dirty="0" err="1"/>
-              <a:t>dy</a:t>
-            </a:r>
-            <a:r>
-              <a:rPr lang="en-US" dirty="0"/>
-              <a:t>)</a:t>
-            </a:r>
-          </a:p>
-        </p:txBody>
-      </p:sp>
-      <p:sp>
-        <p:nvSpPr>
-          <p:cNvPr id="4" name="TextBox 3">
-            <a:extLst>
-              <a:ext uri="{FF2B5EF4-FFF2-40B4-BE49-F238E27FC236}">
-                <a16:creationId xmlns:a16="http://schemas.microsoft.com/office/drawing/2014/main" id="{14B153E5-948B-4D25-2B1C-2231E4E7EBA6}"/>
-              </a:ext>
-            </a:extLst>
-          </p:cNvPr>
-          <p:cNvSpPr txBox="1"/>
-          <p:nvPr/>
-        </p:nvSpPr>
-        <p:spPr>
-          <a:xfrm>
-            <a:off x="714374" y="2776538"/>
-            <a:ext cx="11077575" cy="646331"/>
-          </a:xfrm>
-          <a:prstGeom prst="rect">
-            <a:avLst/>
-          </a:prstGeom>
-          <a:noFill/>
-        </p:spPr>
-        <p:txBody>
-          <a:bodyPr wrap="square" rtlCol="0">
-            <a:spAutoFit/>
-          </a:bodyPr>
-          <a:lstStyle/>
-          <a:p>
-            <a:r>
-              <a:rPr lang="en-US" dirty="0" err="1"/>
-              <a:t>Fullspace</a:t>
-            </a:r>
-            <a:r>
-              <a:rPr lang="en-US" dirty="0"/>
-              <a:t> must be periodic on x0 = </a:t>
-            </a:r>
-            <a:r>
-              <a:rPr lang="en-US" dirty="0" err="1"/>
-              <a:t>xL</a:t>
-            </a:r>
-            <a:r>
-              <a:rPr lang="en-US" dirty="0"/>
-              <a:t>, y0 = </a:t>
-            </a:r>
-            <a:r>
-              <a:rPr lang="en-US" dirty="0" err="1"/>
-              <a:t>yL</a:t>
-            </a:r>
-            <a:endParaRPr lang="en-US" dirty="0"/>
-          </a:p>
-          <a:p>
-            <a:r>
-              <a:rPr lang="en-US" dirty="0" err="1"/>
-              <a:t>Halfspace</a:t>
-            </a:r>
-            <a:r>
-              <a:rPr lang="en-US" dirty="0"/>
-              <a:t> must be even on </a:t>
-            </a:r>
-            <a:r>
-              <a:rPr lang="en-US" dirty="0" err="1"/>
-              <a:t>xL</a:t>
-            </a:r>
-            <a:r>
-              <a:rPr lang="en-US" dirty="0"/>
-              <a:t>/2 and </a:t>
-            </a:r>
-            <a:r>
-              <a:rPr lang="en-US" dirty="0" err="1"/>
-              <a:t>yL</a:t>
-            </a:r>
-            <a:r>
-              <a:rPr lang="en-US" dirty="0"/>
-              <a:t>/2 (overlap of boundary following REDFT00) and periodic on x0 = </a:t>
-            </a:r>
-            <a:r>
-              <a:rPr lang="en-US" dirty="0" err="1"/>
-              <a:t>xL</a:t>
-            </a:r>
-            <a:r>
-              <a:rPr lang="en-US" dirty="0"/>
-              <a:t>, y0 = </a:t>
-            </a:r>
-            <a:r>
-              <a:rPr lang="en-US" dirty="0" err="1"/>
-              <a:t>yL</a:t>
-            </a:r>
-            <a:r>
-              <a:rPr lang="en-US" dirty="0"/>
-              <a:t>.</a:t>
-            </a:r>
-          </a:p>
-        </p:txBody>
-      </p:sp>
-      <p:sp>
-        <p:nvSpPr>
-          <p:cNvPr id="5" name="TextBox 4">
-            <a:extLst>
-              <a:ext uri="{FF2B5EF4-FFF2-40B4-BE49-F238E27FC236}">
-                <a16:creationId xmlns:a16="http://schemas.microsoft.com/office/drawing/2014/main" id="{97078C71-47DB-0D25-8BE5-AD0C9CC3C9FD}"/>
-              </a:ext>
-            </a:extLst>
-          </p:cNvPr>
-          <p:cNvSpPr txBox="1"/>
-          <p:nvPr/>
-        </p:nvSpPr>
-        <p:spPr>
-          <a:xfrm>
-            <a:off x="714373" y="3812426"/>
-            <a:ext cx="11077575" cy="369332"/>
-          </a:xfrm>
-          <a:prstGeom prst="rect">
-            <a:avLst/>
-          </a:prstGeom>
-          <a:noFill/>
-        </p:spPr>
-        <p:txBody>
-          <a:bodyPr wrap="square" rtlCol="0">
-            <a:spAutoFit/>
-          </a:bodyPr>
-          <a:lstStyle/>
-          <a:p>
-            <a:r>
-              <a:rPr lang="en-US" dirty="0"/>
-              <a:t>Homogeneous spacing as determined by regular hexagon, where grafting point at centroid of hexagon</a:t>
-            </a:r>
-          </a:p>
-        </p:txBody>
-      </p:sp>
-      <p:sp>
-        <p:nvSpPr>
-          <p:cNvPr id="6" name="TextBox 5">
-            <a:extLst>
-              <a:ext uri="{FF2B5EF4-FFF2-40B4-BE49-F238E27FC236}">
-                <a16:creationId xmlns:a16="http://schemas.microsoft.com/office/drawing/2014/main" id="{067DDA30-EAF3-09E5-D289-BD5F06EA216D}"/>
-              </a:ext>
-            </a:extLst>
-          </p:cNvPr>
-          <p:cNvSpPr txBox="1"/>
-          <p:nvPr/>
-        </p:nvSpPr>
-        <p:spPr>
-          <a:xfrm>
-            <a:off x="714372" y="4508719"/>
-            <a:ext cx="11077575" cy="923330"/>
-          </a:xfrm>
-          <a:prstGeom prst="rect">
-            <a:avLst/>
-          </a:prstGeom>
-          <a:noFill/>
-        </p:spPr>
-        <p:txBody>
-          <a:bodyPr wrap="square" rtlCol="0">
-            <a:spAutoFit/>
-          </a:bodyPr>
-          <a:lstStyle/>
-          <a:p>
-            <a:r>
-              <a:rPr lang="en-US" dirty="0"/>
-              <a:t>In case there are edge effects, try shifting the centroids away from the boundaries of the </a:t>
-            </a:r>
-            <a:r>
-              <a:rPr lang="en-US" dirty="0" err="1"/>
-              <a:t>xy</a:t>
-            </a:r>
-            <a:r>
-              <a:rPr lang="en-US" dirty="0"/>
-              <a:t>-plane (only did for </a:t>
-            </a:r>
-            <a:r>
-              <a:rPr lang="en-US" dirty="0" err="1"/>
-              <a:t>fullspace</a:t>
-            </a:r>
-            <a:r>
-              <a:rPr lang="en-US" dirty="0"/>
-              <a:t>)</a:t>
-            </a:r>
-          </a:p>
-          <a:p>
-            <a:pPr marL="285750" indent="-285750">
-              <a:buFont typeface="Arial" panose="020B0604020202020204" pitchFamily="34" charset="0"/>
-              <a:buChar char="•"/>
-            </a:pPr>
-            <a:r>
-              <a:rPr lang="en-US" dirty="0"/>
-              <a:t>Make sure no edge effects by comparing results of full FFT with cos FFT</a:t>
+              <a:rPr lang="en-US" b="1" dirty="0"/>
+              <a:t>Specifying Grafted Points</a:t>
             </a:r>
           </a:p>
         </p:txBody>
@@ -5270,7 +8221,7 @@
     </p:spTree>
     <p:extLst>
       <p:ext uri="{BB962C8B-B14F-4D97-AF65-F5344CB8AC3E}">
-        <p14:creationId xmlns:p14="http://schemas.microsoft.com/office/powerpoint/2010/main" val="1764039423"/>
+        <p14:creationId xmlns:p14="http://schemas.microsoft.com/office/powerpoint/2010/main" val="896468000"/>
       </p:ext>
     </p:extLst>
   </p:cSld>
@@ -5302,7 +8253,7 @@
           <p:cNvPr id="2" name="Title 1">
             <a:extLst>
               <a:ext uri="{FF2B5EF4-FFF2-40B4-BE49-F238E27FC236}">
-                <a16:creationId xmlns:a16="http://schemas.microsoft.com/office/drawing/2014/main" id="{A3926BC3-A860-346A-4F58-1EE4C3E7FB0F}"/>
+                <a16:creationId xmlns:a16="http://schemas.microsoft.com/office/drawing/2014/main" id="{EC7A1061-086B-35E4-61C1-83C328D5548E}"/>
               </a:ext>
             </a:extLst>
           </p:cNvPr>
@@ -5320,7 +8271,7 @@
           <a:p>
             <a:r>
               <a:rPr lang="en-US" dirty="0"/>
-              <a:t>Test conditions</a:t>
+              <a:t>Strategy</a:t>
             </a:r>
           </a:p>
         </p:txBody>
@@ -5330,7 +8281,7 @@
           <p:cNvPr id="3" name="TextBox 2">
             <a:extLst>
               <a:ext uri="{FF2B5EF4-FFF2-40B4-BE49-F238E27FC236}">
-                <a16:creationId xmlns:a16="http://schemas.microsoft.com/office/drawing/2014/main" id="{A00B5138-8D53-B196-C54A-B372D20698D0}"/>
+                <a16:creationId xmlns:a16="http://schemas.microsoft.com/office/drawing/2014/main" id="{66A4566B-D26D-18F7-2769-748D7813228B}"/>
               </a:ext>
             </a:extLst>
           </p:cNvPr>
@@ -5339,8 +8290,8 @@
         </p:nvSpPr>
         <p:spPr>
           <a:xfrm>
-            <a:off x="1192695" y="2186609"/>
-            <a:ext cx="7026965" cy="1200329"/>
+            <a:off x="714374" y="1895475"/>
+            <a:ext cx="7810500" cy="646331"/>
           </a:xfrm>
           <a:prstGeom prst="rect">
             <a:avLst/>
@@ -5355,25 +8306,15 @@
           <a:p>
             <a:r>
               <a:rPr lang="en-US" dirty="0"/>
-              <a:t>Sigma = 0.05 c/nm2</a:t>
-            </a:r>
-          </a:p>
-          <a:p>
+              <a:t>2D binary array for surface sites of homogeneously grafted polymer given grafting density, simulation box size, and discretization (and assuming dx = </a:t>
+            </a:r>
+            <a:r>
+              <a:rPr lang="en-US" dirty="0" err="1"/>
+              <a:t>dy</a:t>
+            </a:r>
             <a:r>
               <a:rPr lang="en-US" dirty="0"/>
-              <a:t>Lx = 15 nm</a:t>
-            </a:r>
-          </a:p>
-          <a:p>
-            <a:r>
-              <a:rPr lang="en-US" dirty="0"/>
-              <a:t>Ly = 15 nm</a:t>
-            </a:r>
-          </a:p>
-          <a:p>
-            <a:r>
-              <a:rPr lang="en-US" dirty="0"/>
-              <a:t>dx = 0.4 nm</a:t>
+              <a:t>)</a:t>
             </a:r>
           </a:p>
         </p:txBody>
@@ -5383,7 +8324,7 @@
           <p:cNvPr id="4" name="TextBox 3">
             <a:extLst>
               <a:ext uri="{FF2B5EF4-FFF2-40B4-BE49-F238E27FC236}">
-                <a16:creationId xmlns:a16="http://schemas.microsoft.com/office/drawing/2014/main" id="{431FD48E-52DE-AC6E-5D2D-A03BFCBE0CEE}"/>
+                <a16:creationId xmlns:a16="http://schemas.microsoft.com/office/drawing/2014/main" id="{14B153E5-948B-4D25-2B1C-2231E4E7EBA6}"/>
               </a:ext>
             </a:extLst>
           </p:cNvPr>
@@ -5392,8 +8333,8 @@
         </p:nvSpPr>
         <p:spPr>
           <a:xfrm>
-            <a:off x="1192694" y="3776869"/>
-            <a:ext cx="7026965" cy="1754326"/>
+            <a:off x="714374" y="2776538"/>
+            <a:ext cx="11077575" cy="646331"/>
           </a:xfrm>
           <a:prstGeom prst="rect">
             <a:avLst/>
@@ -5407,35 +8348,163 @@
           <a:lstStyle/>
           <a:p>
             <a:r>
+              <a:rPr lang="en-US" dirty="0" err="1"/>
+              <a:t>Fullspace</a:t>
+            </a:r>
+            <a:r>
               <a:rPr lang="en-US" dirty="0"/>
-              <a:t>Cast in terms of dx (for rounding and PBC for grafting points): </a:t>
-            </a:r>
-          </a:p>
-          <a:p>
+              <a:t> must be periodic on x0 = </a:t>
+            </a:r>
+            <a:r>
+              <a:rPr lang="en-US" dirty="0" err="1"/>
+              <a:t>xL</a:t>
+            </a:r>
             <a:r>
               <a:rPr lang="en-US" dirty="0"/>
-              <a:t>	Sigma = 0.0668 c/nm2</a:t>
-            </a:r>
-          </a:p>
-          <a:p>
+              <a:t>, y0 = </a:t>
+            </a:r>
+            <a:r>
+              <a:rPr lang="en-US" dirty="0" err="1"/>
+              <a:t>yL</a:t>
+            </a:r>
+            <a:endParaRPr lang="en-US" dirty="0"/>
+          </a:p>
+          <a:p>
+            <a:r>
+              <a:rPr lang="en-US" dirty="0" err="1"/>
+              <a:t>Halfspace</a:t>
+            </a:r>
             <a:r>
               <a:rPr lang="en-US" dirty="0"/>
-              <a:t>	Lx = 14.80 nm</a:t>
-            </a:r>
-          </a:p>
-          <a:p>
+              <a:t> must be even on </a:t>
+            </a:r>
+            <a:r>
+              <a:rPr lang="en-US" dirty="0" err="1"/>
+              <a:t>xL</a:t>
+            </a:r>
             <a:r>
               <a:rPr lang="en-US" dirty="0"/>
-              <a:t>	Ly = 11.20 nm</a:t>
-            </a:r>
-          </a:p>
-          <a:p>
-            <a:endParaRPr lang="en-US" dirty="0"/>
-          </a:p>
-          <a:p>
+              <a:t>/2 and </a:t>
+            </a:r>
+            <a:r>
+              <a:rPr lang="en-US" dirty="0" err="1"/>
+              <a:t>yL</a:t>
+            </a:r>
             <a:r>
               <a:rPr lang="en-US" dirty="0"/>
-              <a:t>(Sigma error decrease with dx)</a:t>
+              <a:t>/2 (overlap of boundary following REDFT00) and periodic on x0 = </a:t>
+            </a:r>
+            <a:r>
+              <a:rPr lang="en-US" dirty="0" err="1"/>
+              <a:t>xL</a:t>
+            </a:r>
+            <a:r>
+              <a:rPr lang="en-US" dirty="0"/>
+              <a:t>, y0 = </a:t>
+            </a:r>
+            <a:r>
+              <a:rPr lang="en-US" dirty="0" err="1"/>
+              <a:t>yL</a:t>
+            </a:r>
+            <a:r>
+              <a:rPr lang="en-US" dirty="0"/>
+              <a:t>.</a:t>
+            </a:r>
+          </a:p>
+        </p:txBody>
+      </p:sp>
+      <p:sp>
+        <p:nvSpPr>
+          <p:cNvPr id="5" name="TextBox 4">
+            <a:extLst>
+              <a:ext uri="{FF2B5EF4-FFF2-40B4-BE49-F238E27FC236}">
+                <a16:creationId xmlns:a16="http://schemas.microsoft.com/office/drawing/2014/main" id="{97078C71-47DB-0D25-8BE5-AD0C9CC3C9FD}"/>
+              </a:ext>
+            </a:extLst>
+          </p:cNvPr>
+          <p:cNvSpPr txBox="1"/>
+          <p:nvPr/>
+        </p:nvSpPr>
+        <p:spPr>
+          <a:xfrm>
+            <a:off x="714373" y="3812426"/>
+            <a:ext cx="11077575" cy="369332"/>
+          </a:xfrm>
+          <a:prstGeom prst="rect">
+            <a:avLst/>
+          </a:prstGeom>
+          <a:noFill/>
+        </p:spPr>
+        <p:txBody>
+          <a:bodyPr wrap="square" rtlCol="0">
+            <a:spAutoFit/>
+          </a:bodyPr>
+          <a:lstStyle/>
+          <a:p>
+            <a:r>
+              <a:rPr lang="en-US" dirty="0"/>
+              <a:t>Homogeneous spacing as determined by regular hexagon, where grafting point at centroid of hexagon</a:t>
+            </a:r>
+          </a:p>
+        </p:txBody>
+      </p:sp>
+      <p:sp>
+        <p:nvSpPr>
+          <p:cNvPr id="6" name="TextBox 5">
+            <a:extLst>
+              <a:ext uri="{FF2B5EF4-FFF2-40B4-BE49-F238E27FC236}">
+                <a16:creationId xmlns:a16="http://schemas.microsoft.com/office/drawing/2014/main" id="{067DDA30-EAF3-09E5-D289-BD5F06EA216D}"/>
+              </a:ext>
+            </a:extLst>
+          </p:cNvPr>
+          <p:cNvSpPr txBox="1"/>
+          <p:nvPr/>
+        </p:nvSpPr>
+        <p:spPr>
+          <a:xfrm>
+            <a:off x="714372" y="4508719"/>
+            <a:ext cx="11077575" cy="923330"/>
+          </a:xfrm>
+          <a:prstGeom prst="rect">
+            <a:avLst/>
+          </a:prstGeom>
+          <a:noFill/>
+        </p:spPr>
+        <p:txBody>
+          <a:bodyPr wrap="square" rtlCol="0">
+            <a:spAutoFit/>
+          </a:bodyPr>
+          <a:lstStyle/>
+          <a:p>
+            <a:r>
+              <a:rPr lang="en-US" dirty="0"/>
+              <a:t>In case there are edge effects, try shifting the centroids away from the boundaries of the </a:t>
+            </a:r>
+            <a:r>
+              <a:rPr lang="en-US" dirty="0" err="1"/>
+              <a:t>xy</a:t>
+            </a:r>
+            <a:r>
+              <a:rPr lang="en-US" dirty="0"/>
+              <a:t>-plane (only did for </a:t>
+            </a:r>
+            <a:r>
+              <a:rPr lang="en-US" dirty="0" err="1"/>
+              <a:t>fullspace</a:t>
+            </a:r>
+            <a:r>
+              <a:rPr lang="en-US" dirty="0"/>
+              <a:t>)</a:t>
+            </a:r>
+          </a:p>
+          <a:p>
+            <a:pPr marL="285750" indent="-285750">
+              <a:buFont typeface="Arial" panose="020B0604020202020204" pitchFamily="34" charset="0"/>
+              <a:buChar char="•"/>
+            </a:pPr>
+            <a:r>
+              <a:rPr lang="en-US" dirty="0"/>
+              <a:t>Make sure no edge effects by comparing results of full FFT with cos FFT</a:t>
             </a:r>
           </a:p>
         </p:txBody>
@@ -5443,7 +8512,7 @@
     </p:spTree>
     <p:extLst>
       <p:ext uri="{BB962C8B-B14F-4D97-AF65-F5344CB8AC3E}">
-        <p14:creationId xmlns:p14="http://schemas.microsoft.com/office/powerpoint/2010/main" val="782308025"/>
+        <p14:creationId xmlns:p14="http://schemas.microsoft.com/office/powerpoint/2010/main" val="1764039423"/>
       </p:ext>
     </p:extLst>
   </p:cSld>
@@ -5470,2093 +8539,40 @@
           <a:chExt cx="0" cy="0"/>
         </a:xfrm>
       </p:grpSpPr>
-      <p:pic>
-        <p:nvPicPr>
-          <p:cNvPr id="2" name="Picture 8">
-            <a:extLst>
-              <a:ext uri="{FF2B5EF4-FFF2-40B4-BE49-F238E27FC236}">
-                <a16:creationId xmlns:a16="http://schemas.microsoft.com/office/drawing/2014/main" id="{0942303E-AC1F-10F0-8287-CEA51A87AFA1}"/>
-              </a:ext>
-            </a:extLst>
-          </p:cNvPr>
-          <p:cNvPicPr>
-            <a:picLocks noChangeAspect="1" noChangeArrowheads="1"/>
-          </p:cNvPicPr>
-          <p:nvPr/>
-        </p:nvPicPr>
-        <p:blipFill>
-          <a:blip r:embed="rId2">
-            <a:extLst>
-              <a:ext uri="{28A0092B-C50C-407E-A947-70E740481C1C}">
-                <a14:useLocalDpi xmlns:a14="http://schemas.microsoft.com/office/drawing/2010/main" val="0"/>
-              </a:ext>
-            </a:extLst>
-          </a:blip>
-          <a:srcRect/>
-          <a:stretch>
-            <a:fillRect/>
-          </a:stretch>
-        </p:blipFill>
-        <p:spPr bwMode="auto">
-          <a:xfrm>
-            <a:off x="5292743" y="3203809"/>
-            <a:ext cx="3992646" cy="3472219"/>
-          </a:xfrm>
-          <a:prstGeom prst="rect">
-            <a:avLst/>
-          </a:prstGeom>
-          <a:noFill/>
-          <a:extLst>
-            <a:ext uri="{909E8E84-426E-40DD-AFC4-6F175D3DCCD1}">
-              <a14:hiddenFill xmlns:a14="http://schemas.microsoft.com/office/drawing/2010/main">
-                <a:solidFill>
-                  <a:srgbClr val="FFFFFF"/>
-                </a:solidFill>
-              </a14:hiddenFill>
-            </a:ext>
-          </a:extLst>
-        </p:spPr>
-      </p:pic>
-      <p:pic>
-        <p:nvPicPr>
-          <p:cNvPr id="3" name="Picture 8">
-            <a:extLst>
-              <a:ext uri="{FF2B5EF4-FFF2-40B4-BE49-F238E27FC236}">
-                <a16:creationId xmlns:a16="http://schemas.microsoft.com/office/drawing/2014/main" id="{3D1364F1-8E30-980B-97F9-DAB3A4D50979}"/>
-              </a:ext>
-            </a:extLst>
-          </p:cNvPr>
-          <p:cNvPicPr>
-            <a:picLocks noChangeAspect="1" noChangeArrowheads="1"/>
-          </p:cNvPicPr>
-          <p:nvPr/>
-        </p:nvPicPr>
-        <p:blipFill rotWithShape="1">
-          <a:blip r:embed="rId2">
-            <a:extLst>
-              <a:ext uri="{28A0092B-C50C-407E-A947-70E740481C1C}">
-                <a14:useLocalDpi xmlns:a14="http://schemas.microsoft.com/office/drawing/2010/main" val="0"/>
-              </a:ext>
-            </a:extLst>
-          </a:blip>
-          <a:srcRect r="1712"/>
-          <a:stretch/>
-        </p:blipFill>
-        <p:spPr bwMode="auto">
-          <a:xfrm>
-            <a:off x="1822262" y="256141"/>
-            <a:ext cx="3924300" cy="3472219"/>
-          </a:xfrm>
-          <a:prstGeom prst="rect">
-            <a:avLst/>
-          </a:prstGeom>
-          <a:noFill/>
-          <a:extLst>
-            <a:ext uri="{909E8E84-426E-40DD-AFC4-6F175D3DCCD1}">
-              <a14:hiddenFill xmlns:a14="http://schemas.microsoft.com/office/drawing/2010/main">
-                <a:solidFill>
-                  <a:srgbClr val="FFFFFF"/>
-                </a:solidFill>
-              </a14:hiddenFill>
-            </a:ext>
-          </a:extLst>
-        </p:spPr>
-      </p:pic>
-      <p:pic>
-        <p:nvPicPr>
-          <p:cNvPr id="5128" name="Picture 8">
-            <a:extLst>
-              <a:ext uri="{FF2B5EF4-FFF2-40B4-BE49-F238E27FC236}">
-                <a16:creationId xmlns:a16="http://schemas.microsoft.com/office/drawing/2014/main" id="{ED191988-4743-BC45-910E-FD3AAF0325D3}"/>
-              </a:ext>
-            </a:extLst>
-          </p:cNvPr>
-          <p:cNvPicPr>
-            <a:picLocks noChangeAspect="1" noChangeArrowheads="1"/>
-          </p:cNvPicPr>
-          <p:nvPr/>
-        </p:nvPicPr>
-        <p:blipFill rotWithShape="1">
-          <a:blip r:embed="rId2">
-            <a:extLst>
-              <a:ext uri="{28A0092B-C50C-407E-A947-70E740481C1C}">
-                <a14:useLocalDpi xmlns:a14="http://schemas.microsoft.com/office/drawing/2010/main" val="0"/>
-              </a:ext>
-            </a:extLst>
-          </a:blip>
-          <a:srcRect t="2462" r="1712"/>
-          <a:stretch/>
-        </p:blipFill>
-        <p:spPr bwMode="auto">
-          <a:xfrm>
-            <a:off x="1819275" y="3289300"/>
-            <a:ext cx="3924300" cy="3386729"/>
-          </a:xfrm>
-          <a:prstGeom prst="rect">
-            <a:avLst/>
-          </a:prstGeom>
-          <a:noFill/>
-          <a:extLst>
-            <a:ext uri="{909E8E84-426E-40DD-AFC4-6F175D3DCCD1}">
-              <a14:hiddenFill xmlns:a14="http://schemas.microsoft.com/office/drawing/2010/main">
-                <a:solidFill>
-                  <a:srgbClr val="FFFFFF"/>
-                </a:solidFill>
-              </a14:hiddenFill>
-            </a:ext>
-          </a:extLst>
-        </p:spPr>
-      </p:pic>
-      <p:sp>
-        <p:nvSpPr>
-          <p:cNvPr id="23" name="Hexagon 22">
-            <a:extLst>
-              <a:ext uri="{FF2B5EF4-FFF2-40B4-BE49-F238E27FC236}">
-                <a16:creationId xmlns:a16="http://schemas.microsoft.com/office/drawing/2014/main" id="{95F6E8AA-E51C-EF11-9603-A8A2058FEBC7}"/>
-              </a:ext>
-            </a:extLst>
-          </p:cNvPr>
-          <p:cNvSpPr>
-            <a:spLocks noChangeAspect="1"/>
-          </p:cNvSpPr>
-          <p:nvPr/>
-        </p:nvSpPr>
-        <p:spPr>
-          <a:xfrm>
-            <a:off x="1974615" y="2968935"/>
-            <a:ext cx="1101061" cy="949191"/>
-          </a:xfrm>
-          <a:prstGeom prst="hexagon">
-            <a:avLst/>
-          </a:prstGeom>
-          <a:noFill/>
-          <a:ln w="38100">
-            <a:solidFill>
-              <a:srgbClr val="C00000"/>
-            </a:solidFill>
-          </a:ln>
-        </p:spPr>
-        <p:style>
-          <a:lnRef idx="2">
-            <a:schemeClr val="accent1">
-              <a:shade val="15000"/>
-            </a:schemeClr>
-          </a:lnRef>
-          <a:fillRef idx="1">
-            <a:schemeClr val="accent1"/>
-          </a:fillRef>
-          <a:effectRef idx="0">
-            <a:schemeClr val="accent1"/>
-          </a:effectRef>
-          <a:fontRef idx="minor">
-            <a:schemeClr val="lt1"/>
-          </a:fontRef>
-        </p:style>
-        <p:txBody>
-          <a:bodyPr rtlCol="0" anchor="ctr"/>
-          <a:lstStyle/>
-          <a:p>
-            <a:pPr algn="ctr"/>
-            <a:endParaRPr lang="en-US" dirty="0"/>
-          </a:p>
-        </p:txBody>
-      </p:sp>
-      <p:sp>
-        <p:nvSpPr>
-          <p:cNvPr id="24" name="Hexagon 23">
-            <a:extLst>
-              <a:ext uri="{FF2B5EF4-FFF2-40B4-BE49-F238E27FC236}">
-                <a16:creationId xmlns:a16="http://schemas.microsoft.com/office/drawing/2014/main" id="{E2137AB5-84C0-9474-6105-2C763501D3BA}"/>
-              </a:ext>
-            </a:extLst>
-          </p:cNvPr>
-          <p:cNvSpPr>
-            <a:spLocks noChangeAspect="1"/>
-          </p:cNvSpPr>
-          <p:nvPr/>
-        </p:nvSpPr>
-        <p:spPr>
-          <a:xfrm>
-            <a:off x="1967472" y="3921109"/>
-            <a:ext cx="1101061" cy="949191"/>
-          </a:xfrm>
-          <a:prstGeom prst="hexagon">
-            <a:avLst/>
-          </a:prstGeom>
-          <a:noFill/>
-          <a:ln w="38100">
-            <a:solidFill>
-              <a:srgbClr val="C00000"/>
-            </a:solidFill>
-          </a:ln>
-        </p:spPr>
-        <p:style>
-          <a:lnRef idx="2">
-            <a:schemeClr val="accent1">
-              <a:shade val="15000"/>
-            </a:schemeClr>
-          </a:lnRef>
-          <a:fillRef idx="1">
-            <a:schemeClr val="accent1"/>
-          </a:fillRef>
-          <a:effectRef idx="0">
-            <a:schemeClr val="accent1"/>
-          </a:effectRef>
-          <a:fontRef idx="minor">
-            <a:schemeClr val="lt1"/>
-          </a:fontRef>
-        </p:style>
-        <p:txBody>
-          <a:bodyPr rtlCol="0" anchor="ctr"/>
-          <a:lstStyle/>
-          <a:p>
-            <a:pPr algn="ctr"/>
-            <a:endParaRPr lang="en-US" dirty="0"/>
-          </a:p>
-        </p:txBody>
-      </p:sp>
-      <p:sp>
-        <p:nvSpPr>
-          <p:cNvPr id="25" name="Hexagon 24">
-            <a:extLst>
-              <a:ext uri="{FF2B5EF4-FFF2-40B4-BE49-F238E27FC236}">
-                <a16:creationId xmlns:a16="http://schemas.microsoft.com/office/drawing/2014/main" id="{F8C810D5-5537-7B6D-B440-1268350AA201}"/>
-              </a:ext>
-            </a:extLst>
-          </p:cNvPr>
-          <p:cNvSpPr>
-            <a:spLocks noChangeAspect="1"/>
-          </p:cNvSpPr>
-          <p:nvPr/>
-        </p:nvSpPr>
-        <p:spPr>
-          <a:xfrm>
-            <a:off x="1967472" y="4865749"/>
-            <a:ext cx="1101061" cy="949191"/>
-          </a:xfrm>
-          <a:prstGeom prst="hexagon">
-            <a:avLst/>
-          </a:prstGeom>
-          <a:noFill/>
-          <a:ln w="38100">
-            <a:solidFill>
-              <a:srgbClr val="C00000"/>
-            </a:solidFill>
-          </a:ln>
-        </p:spPr>
-        <p:style>
-          <a:lnRef idx="2">
-            <a:schemeClr val="accent1">
-              <a:shade val="15000"/>
-            </a:schemeClr>
-          </a:lnRef>
-          <a:fillRef idx="1">
-            <a:schemeClr val="accent1"/>
-          </a:fillRef>
-          <a:effectRef idx="0">
-            <a:schemeClr val="accent1"/>
-          </a:effectRef>
-          <a:fontRef idx="minor">
-            <a:schemeClr val="lt1"/>
-          </a:fontRef>
-        </p:style>
-        <p:txBody>
-          <a:bodyPr rtlCol="0" anchor="ctr"/>
-          <a:lstStyle/>
-          <a:p>
-            <a:pPr algn="ctr"/>
-            <a:endParaRPr lang="en-US" dirty="0"/>
-          </a:p>
-        </p:txBody>
-      </p:sp>
-      <p:sp>
-        <p:nvSpPr>
-          <p:cNvPr id="26" name="Hexagon 25">
-            <a:extLst>
-              <a:ext uri="{FF2B5EF4-FFF2-40B4-BE49-F238E27FC236}">
-                <a16:creationId xmlns:a16="http://schemas.microsoft.com/office/drawing/2014/main" id="{F77599D8-7767-A82D-07AA-3FB63B9BFD14}"/>
-              </a:ext>
-            </a:extLst>
-          </p:cNvPr>
-          <p:cNvSpPr>
-            <a:spLocks noChangeAspect="1"/>
-          </p:cNvSpPr>
-          <p:nvPr/>
-        </p:nvSpPr>
-        <p:spPr>
-          <a:xfrm>
-            <a:off x="2834107" y="5342618"/>
-            <a:ext cx="1101061" cy="949191"/>
-          </a:xfrm>
-          <a:prstGeom prst="hexagon">
-            <a:avLst/>
-          </a:prstGeom>
-          <a:noFill/>
-          <a:ln w="38100">
-            <a:solidFill>
-              <a:srgbClr val="C00000"/>
-            </a:solidFill>
-          </a:ln>
-        </p:spPr>
-        <p:style>
-          <a:lnRef idx="2">
-            <a:schemeClr val="accent1">
-              <a:shade val="15000"/>
-            </a:schemeClr>
-          </a:lnRef>
-          <a:fillRef idx="1">
-            <a:schemeClr val="accent1"/>
-          </a:fillRef>
-          <a:effectRef idx="0">
-            <a:schemeClr val="accent1"/>
-          </a:effectRef>
-          <a:fontRef idx="minor">
-            <a:schemeClr val="lt1"/>
-          </a:fontRef>
-        </p:style>
-        <p:txBody>
-          <a:bodyPr rtlCol="0" anchor="ctr"/>
-          <a:lstStyle/>
-          <a:p>
-            <a:pPr algn="ctr"/>
-            <a:endParaRPr lang="en-US" dirty="0"/>
-          </a:p>
-        </p:txBody>
-      </p:sp>
-      <p:sp>
-        <p:nvSpPr>
-          <p:cNvPr id="27" name="Hexagon 26">
-            <a:extLst>
-              <a:ext uri="{FF2B5EF4-FFF2-40B4-BE49-F238E27FC236}">
-                <a16:creationId xmlns:a16="http://schemas.microsoft.com/office/drawing/2014/main" id="{EDA58312-BC6C-10CE-D676-1A55FABD2974}"/>
-              </a:ext>
-            </a:extLst>
-          </p:cNvPr>
-          <p:cNvSpPr>
-            <a:spLocks noChangeAspect="1"/>
-          </p:cNvSpPr>
-          <p:nvPr/>
-        </p:nvSpPr>
-        <p:spPr>
-          <a:xfrm>
-            <a:off x="2834107" y="4397196"/>
-            <a:ext cx="1101061" cy="949191"/>
-          </a:xfrm>
-          <a:prstGeom prst="hexagon">
-            <a:avLst/>
-          </a:prstGeom>
-          <a:noFill/>
-          <a:ln w="38100">
-            <a:solidFill>
-              <a:srgbClr val="C00000"/>
-            </a:solidFill>
-          </a:ln>
-        </p:spPr>
-        <p:style>
-          <a:lnRef idx="2">
-            <a:schemeClr val="accent1">
-              <a:shade val="15000"/>
-            </a:schemeClr>
-          </a:lnRef>
-          <a:fillRef idx="1">
-            <a:schemeClr val="accent1"/>
-          </a:fillRef>
-          <a:effectRef idx="0">
-            <a:schemeClr val="accent1"/>
-          </a:effectRef>
-          <a:fontRef idx="minor">
-            <a:schemeClr val="lt1"/>
-          </a:fontRef>
-        </p:style>
-        <p:txBody>
-          <a:bodyPr rtlCol="0" anchor="ctr"/>
-          <a:lstStyle/>
-          <a:p>
-            <a:pPr algn="ctr"/>
-            <a:endParaRPr lang="en-US" dirty="0"/>
-          </a:p>
-        </p:txBody>
-      </p:sp>
-      <p:sp>
-        <p:nvSpPr>
-          <p:cNvPr id="28" name="Hexagon 27">
-            <a:extLst>
-              <a:ext uri="{FF2B5EF4-FFF2-40B4-BE49-F238E27FC236}">
-                <a16:creationId xmlns:a16="http://schemas.microsoft.com/office/drawing/2014/main" id="{500312F3-E150-1BF6-8E03-C5E66745B1B5}"/>
-              </a:ext>
-            </a:extLst>
-          </p:cNvPr>
-          <p:cNvSpPr>
-            <a:spLocks noChangeAspect="1"/>
-          </p:cNvSpPr>
-          <p:nvPr/>
-        </p:nvSpPr>
-        <p:spPr>
-          <a:xfrm>
-            <a:off x="2834107" y="3451775"/>
-            <a:ext cx="1101061" cy="949191"/>
-          </a:xfrm>
-          <a:prstGeom prst="hexagon">
-            <a:avLst/>
-          </a:prstGeom>
-          <a:noFill/>
-          <a:ln w="38100">
-            <a:solidFill>
-              <a:srgbClr val="C00000"/>
-            </a:solidFill>
-          </a:ln>
-        </p:spPr>
-        <p:style>
-          <a:lnRef idx="2">
-            <a:schemeClr val="accent1">
-              <a:shade val="15000"/>
-            </a:schemeClr>
-          </a:lnRef>
-          <a:fillRef idx="1">
-            <a:schemeClr val="accent1"/>
-          </a:fillRef>
-          <a:effectRef idx="0">
-            <a:schemeClr val="accent1"/>
-          </a:effectRef>
-          <a:fontRef idx="minor">
-            <a:schemeClr val="lt1"/>
-          </a:fontRef>
-        </p:style>
-        <p:txBody>
-          <a:bodyPr rtlCol="0" anchor="ctr"/>
-          <a:lstStyle/>
-          <a:p>
-            <a:pPr algn="ctr"/>
-            <a:endParaRPr lang="en-US" dirty="0"/>
-          </a:p>
-        </p:txBody>
-      </p:sp>
-      <p:sp>
-        <p:nvSpPr>
-          <p:cNvPr id="29" name="Hexagon 28">
-            <a:extLst>
-              <a:ext uri="{FF2B5EF4-FFF2-40B4-BE49-F238E27FC236}">
-                <a16:creationId xmlns:a16="http://schemas.microsoft.com/office/drawing/2014/main" id="{15731913-8430-CCBF-E728-912DD1051C0A}"/>
-              </a:ext>
-            </a:extLst>
-          </p:cNvPr>
-          <p:cNvSpPr>
-            <a:spLocks noChangeAspect="1"/>
-          </p:cNvSpPr>
-          <p:nvPr/>
-        </p:nvSpPr>
-        <p:spPr>
-          <a:xfrm>
-            <a:off x="3693601" y="2976254"/>
-            <a:ext cx="1101061" cy="949191"/>
-          </a:xfrm>
-          <a:prstGeom prst="hexagon">
-            <a:avLst/>
-          </a:prstGeom>
-          <a:noFill/>
-          <a:ln w="38100">
-            <a:solidFill>
-              <a:srgbClr val="C00000"/>
-            </a:solidFill>
-          </a:ln>
-        </p:spPr>
-        <p:style>
-          <a:lnRef idx="2">
-            <a:schemeClr val="accent1">
-              <a:shade val="15000"/>
-            </a:schemeClr>
-          </a:lnRef>
-          <a:fillRef idx="1">
-            <a:schemeClr val="accent1"/>
-          </a:fillRef>
-          <a:effectRef idx="0">
-            <a:schemeClr val="accent1"/>
-          </a:effectRef>
-          <a:fontRef idx="minor">
-            <a:schemeClr val="lt1"/>
-          </a:fontRef>
-        </p:style>
-        <p:txBody>
-          <a:bodyPr rtlCol="0" anchor="ctr"/>
-          <a:lstStyle/>
-          <a:p>
-            <a:pPr algn="ctr"/>
-            <a:endParaRPr lang="en-US" dirty="0"/>
-          </a:p>
-        </p:txBody>
-      </p:sp>
-      <p:sp>
-        <p:nvSpPr>
-          <p:cNvPr id="30" name="Hexagon 29">
-            <a:extLst>
-              <a:ext uri="{FF2B5EF4-FFF2-40B4-BE49-F238E27FC236}">
-                <a16:creationId xmlns:a16="http://schemas.microsoft.com/office/drawing/2014/main" id="{FE4743FE-6712-EBB0-A5C5-B2274FF5C4DC}"/>
-              </a:ext>
-            </a:extLst>
-          </p:cNvPr>
-          <p:cNvSpPr>
-            <a:spLocks noChangeAspect="1"/>
-          </p:cNvSpPr>
-          <p:nvPr/>
-        </p:nvSpPr>
-        <p:spPr>
-          <a:xfrm>
-            <a:off x="3687238" y="3934484"/>
-            <a:ext cx="1101061" cy="949191"/>
-          </a:xfrm>
-          <a:prstGeom prst="hexagon">
-            <a:avLst/>
-          </a:prstGeom>
-          <a:noFill/>
-          <a:ln w="38100">
-            <a:solidFill>
-              <a:srgbClr val="C00000"/>
-            </a:solidFill>
-          </a:ln>
-        </p:spPr>
-        <p:style>
-          <a:lnRef idx="2">
-            <a:schemeClr val="accent1">
-              <a:shade val="15000"/>
-            </a:schemeClr>
-          </a:lnRef>
-          <a:fillRef idx="1">
-            <a:schemeClr val="accent1"/>
-          </a:fillRef>
-          <a:effectRef idx="0">
-            <a:schemeClr val="accent1"/>
-          </a:effectRef>
-          <a:fontRef idx="minor">
-            <a:schemeClr val="lt1"/>
-          </a:fontRef>
-        </p:style>
-        <p:txBody>
-          <a:bodyPr rtlCol="0" anchor="ctr"/>
-          <a:lstStyle/>
-          <a:p>
-            <a:pPr algn="ctr"/>
-            <a:endParaRPr lang="en-US" dirty="0"/>
-          </a:p>
-        </p:txBody>
-      </p:sp>
-      <p:sp>
-        <p:nvSpPr>
-          <p:cNvPr id="40" name="Hexagon 39">
-            <a:extLst>
-              <a:ext uri="{FF2B5EF4-FFF2-40B4-BE49-F238E27FC236}">
-                <a16:creationId xmlns:a16="http://schemas.microsoft.com/office/drawing/2014/main" id="{F03E2C1C-BF9A-D1A4-AB96-44B915D89168}"/>
-              </a:ext>
-            </a:extLst>
-          </p:cNvPr>
-          <p:cNvSpPr>
-            <a:spLocks noChangeAspect="1"/>
-          </p:cNvSpPr>
-          <p:nvPr/>
-        </p:nvSpPr>
-        <p:spPr>
-          <a:xfrm>
-            <a:off x="4550589" y="3458860"/>
-            <a:ext cx="1101061" cy="949191"/>
-          </a:xfrm>
-          <a:prstGeom prst="hexagon">
-            <a:avLst/>
-          </a:prstGeom>
-          <a:noFill/>
-          <a:ln w="38100">
-            <a:solidFill>
-              <a:srgbClr val="C00000"/>
-            </a:solidFill>
-          </a:ln>
-        </p:spPr>
-        <p:style>
-          <a:lnRef idx="2">
-            <a:schemeClr val="accent1">
-              <a:shade val="15000"/>
-            </a:schemeClr>
-          </a:lnRef>
-          <a:fillRef idx="1">
-            <a:schemeClr val="accent1"/>
-          </a:fillRef>
-          <a:effectRef idx="0">
-            <a:schemeClr val="accent1"/>
-          </a:effectRef>
-          <a:fontRef idx="minor">
-            <a:schemeClr val="lt1"/>
-          </a:fontRef>
-        </p:style>
-        <p:txBody>
-          <a:bodyPr rtlCol="0" anchor="ctr"/>
-          <a:lstStyle/>
-          <a:p>
-            <a:pPr algn="ctr"/>
-            <a:endParaRPr lang="en-US" dirty="0"/>
-          </a:p>
-        </p:txBody>
-      </p:sp>
-      <p:sp>
-        <p:nvSpPr>
-          <p:cNvPr id="41" name="Hexagon 40">
-            <a:extLst>
-              <a:ext uri="{FF2B5EF4-FFF2-40B4-BE49-F238E27FC236}">
-                <a16:creationId xmlns:a16="http://schemas.microsoft.com/office/drawing/2014/main" id="{AA13D11E-D161-07F1-337A-0439DE47625A}"/>
-              </a:ext>
-            </a:extLst>
-          </p:cNvPr>
-          <p:cNvSpPr>
-            <a:spLocks noChangeAspect="1"/>
-          </p:cNvSpPr>
-          <p:nvPr/>
-        </p:nvSpPr>
-        <p:spPr>
-          <a:xfrm>
-            <a:off x="4550589" y="4411034"/>
-            <a:ext cx="1101061" cy="949191"/>
-          </a:xfrm>
-          <a:prstGeom prst="hexagon">
-            <a:avLst/>
-          </a:prstGeom>
-          <a:noFill/>
-          <a:ln w="38100">
-            <a:solidFill>
-              <a:srgbClr val="C00000"/>
-            </a:solidFill>
-          </a:ln>
-        </p:spPr>
-        <p:style>
-          <a:lnRef idx="2">
-            <a:schemeClr val="accent1">
-              <a:shade val="15000"/>
-            </a:schemeClr>
-          </a:lnRef>
-          <a:fillRef idx="1">
-            <a:schemeClr val="accent1"/>
-          </a:fillRef>
-          <a:effectRef idx="0">
-            <a:schemeClr val="accent1"/>
-          </a:effectRef>
-          <a:fontRef idx="minor">
-            <a:schemeClr val="lt1"/>
-          </a:fontRef>
-        </p:style>
-        <p:txBody>
-          <a:bodyPr rtlCol="0" anchor="ctr"/>
-          <a:lstStyle/>
-          <a:p>
-            <a:pPr algn="ctr"/>
-            <a:endParaRPr lang="en-US" dirty="0"/>
-          </a:p>
-        </p:txBody>
-      </p:sp>
-      <p:sp>
-        <p:nvSpPr>
-          <p:cNvPr id="42" name="Hexagon 41">
-            <a:extLst>
-              <a:ext uri="{FF2B5EF4-FFF2-40B4-BE49-F238E27FC236}">
-                <a16:creationId xmlns:a16="http://schemas.microsoft.com/office/drawing/2014/main" id="{37E2AD43-8C0F-AE4E-73F5-2ADF3F4328B5}"/>
-              </a:ext>
-            </a:extLst>
-          </p:cNvPr>
-          <p:cNvSpPr>
-            <a:spLocks noChangeAspect="1"/>
-          </p:cNvSpPr>
-          <p:nvPr/>
-        </p:nvSpPr>
-        <p:spPr>
-          <a:xfrm>
-            <a:off x="4550589" y="5369961"/>
-            <a:ext cx="1101061" cy="949191"/>
-          </a:xfrm>
-          <a:prstGeom prst="hexagon">
-            <a:avLst/>
-          </a:prstGeom>
-          <a:noFill/>
-          <a:ln w="38100">
-            <a:solidFill>
-              <a:srgbClr val="C00000"/>
-            </a:solidFill>
-          </a:ln>
-        </p:spPr>
-        <p:style>
-          <a:lnRef idx="2">
-            <a:schemeClr val="accent1">
-              <a:shade val="15000"/>
-            </a:schemeClr>
-          </a:lnRef>
-          <a:fillRef idx="1">
-            <a:schemeClr val="accent1"/>
-          </a:fillRef>
-          <a:effectRef idx="0">
-            <a:schemeClr val="accent1"/>
-          </a:effectRef>
-          <a:fontRef idx="minor">
-            <a:schemeClr val="lt1"/>
-          </a:fontRef>
-        </p:style>
-        <p:txBody>
-          <a:bodyPr rtlCol="0" anchor="ctr"/>
-          <a:lstStyle/>
-          <a:p>
-            <a:pPr algn="ctr"/>
-            <a:endParaRPr lang="en-US" dirty="0"/>
-          </a:p>
-        </p:txBody>
-      </p:sp>
-      <p:sp>
-        <p:nvSpPr>
-          <p:cNvPr id="49" name="Hexagon 48">
-            <a:extLst>
-              <a:ext uri="{FF2B5EF4-FFF2-40B4-BE49-F238E27FC236}">
-                <a16:creationId xmlns:a16="http://schemas.microsoft.com/office/drawing/2014/main" id="{6DED218D-3761-F049-ADDA-F96E065614EC}"/>
-              </a:ext>
-            </a:extLst>
-          </p:cNvPr>
-          <p:cNvSpPr>
-            <a:spLocks noChangeAspect="1"/>
-          </p:cNvSpPr>
-          <p:nvPr/>
-        </p:nvSpPr>
-        <p:spPr>
-          <a:xfrm>
-            <a:off x="3694322" y="4877619"/>
-            <a:ext cx="1101061" cy="949191"/>
-          </a:xfrm>
-          <a:prstGeom prst="hexagon">
-            <a:avLst/>
-          </a:prstGeom>
-          <a:noFill/>
-          <a:ln w="38100">
-            <a:solidFill>
-              <a:srgbClr val="C00000"/>
-            </a:solidFill>
-          </a:ln>
-        </p:spPr>
-        <p:style>
-          <a:lnRef idx="2">
-            <a:schemeClr val="accent1">
-              <a:shade val="15000"/>
-            </a:schemeClr>
-          </a:lnRef>
-          <a:fillRef idx="1">
-            <a:schemeClr val="accent1"/>
-          </a:fillRef>
-          <a:effectRef idx="0">
-            <a:schemeClr val="accent1"/>
-          </a:effectRef>
-          <a:fontRef idx="minor">
-            <a:schemeClr val="lt1"/>
-          </a:fontRef>
-        </p:style>
-        <p:txBody>
-          <a:bodyPr rtlCol="0" anchor="ctr"/>
-          <a:lstStyle/>
-          <a:p>
-            <a:pPr algn="ctr"/>
-            <a:endParaRPr lang="en-US" dirty="0"/>
-          </a:p>
-        </p:txBody>
-      </p:sp>
-      <p:sp>
-        <p:nvSpPr>
-          <p:cNvPr id="1025" name="Hexagon 1024">
-            <a:extLst>
-              <a:ext uri="{FF2B5EF4-FFF2-40B4-BE49-F238E27FC236}">
-                <a16:creationId xmlns:a16="http://schemas.microsoft.com/office/drawing/2014/main" id="{C7930FA0-BB84-E8BC-6F55-86DC44EB1517}"/>
-              </a:ext>
-            </a:extLst>
-          </p:cNvPr>
-          <p:cNvSpPr>
-            <a:spLocks noChangeAspect="1"/>
-          </p:cNvSpPr>
-          <p:nvPr/>
-        </p:nvSpPr>
-        <p:spPr>
-          <a:xfrm>
-            <a:off x="5426874" y="2968935"/>
-            <a:ext cx="1101061" cy="949191"/>
-          </a:xfrm>
-          <a:prstGeom prst="hexagon">
-            <a:avLst/>
-          </a:prstGeom>
-          <a:noFill/>
-          <a:ln w="38100">
-            <a:solidFill>
-              <a:srgbClr val="C00000"/>
-            </a:solidFill>
-          </a:ln>
-        </p:spPr>
-        <p:style>
-          <a:lnRef idx="2">
-            <a:schemeClr val="accent1">
-              <a:shade val="15000"/>
-            </a:schemeClr>
-          </a:lnRef>
-          <a:fillRef idx="1">
-            <a:schemeClr val="accent1"/>
-          </a:fillRef>
-          <a:effectRef idx="0">
-            <a:schemeClr val="accent1"/>
-          </a:effectRef>
-          <a:fontRef idx="minor">
-            <a:schemeClr val="lt1"/>
-          </a:fontRef>
-        </p:style>
-        <p:txBody>
-          <a:bodyPr rtlCol="0" anchor="ctr"/>
-          <a:lstStyle/>
-          <a:p>
-            <a:pPr algn="ctr"/>
-            <a:endParaRPr lang="en-US" dirty="0"/>
-          </a:p>
-        </p:txBody>
-      </p:sp>
-      <p:sp>
-        <p:nvSpPr>
-          <p:cNvPr id="1027" name="Hexagon 1026">
-            <a:extLst>
-              <a:ext uri="{FF2B5EF4-FFF2-40B4-BE49-F238E27FC236}">
-                <a16:creationId xmlns:a16="http://schemas.microsoft.com/office/drawing/2014/main" id="{07BAD851-770C-F9A5-118E-93F5FFB185A8}"/>
-              </a:ext>
-            </a:extLst>
-          </p:cNvPr>
-          <p:cNvSpPr>
-            <a:spLocks noChangeAspect="1"/>
-          </p:cNvSpPr>
-          <p:nvPr/>
-        </p:nvSpPr>
-        <p:spPr>
-          <a:xfrm>
-            <a:off x="5419730" y="3921109"/>
-            <a:ext cx="1101061" cy="949191"/>
-          </a:xfrm>
-          <a:prstGeom prst="hexagon">
-            <a:avLst/>
-          </a:prstGeom>
-          <a:noFill/>
-          <a:ln w="38100">
-            <a:solidFill>
-              <a:srgbClr val="C00000"/>
-            </a:solidFill>
-          </a:ln>
-        </p:spPr>
-        <p:style>
-          <a:lnRef idx="2">
-            <a:schemeClr val="accent1">
-              <a:shade val="15000"/>
-            </a:schemeClr>
-          </a:lnRef>
-          <a:fillRef idx="1">
-            <a:schemeClr val="accent1"/>
-          </a:fillRef>
-          <a:effectRef idx="0">
-            <a:schemeClr val="accent1"/>
-          </a:effectRef>
-          <a:fontRef idx="minor">
-            <a:schemeClr val="lt1"/>
-          </a:fontRef>
-        </p:style>
-        <p:txBody>
-          <a:bodyPr rtlCol="0" anchor="ctr"/>
-          <a:lstStyle/>
-          <a:p>
-            <a:pPr algn="ctr"/>
-            <a:endParaRPr lang="en-US" dirty="0"/>
-          </a:p>
-        </p:txBody>
-      </p:sp>
-      <p:sp>
-        <p:nvSpPr>
-          <p:cNvPr id="1029" name="Hexagon 1028">
-            <a:extLst>
-              <a:ext uri="{FF2B5EF4-FFF2-40B4-BE49-F238E27FC236}">
-                <a16:creationId xmlns:a16="http://schemas.microsoft.com/office/drawing/2014/main" id="{D632B0F6-85EB-24F7-7939-C500C21C0D9E}"/>
-              </a:ext>
-            </a:extLst>
-          </p:cNvPr>
-          <p:cNvSpPr>
-            <a:spLocks noChangeAspect="1"/>
-          </p:cNvSpPr>
-          <p:nvPr/>
-        </p:nvSpPr>
-        <p:spPr>
-          <a:xfrm>
-            <a:off x="5419730" y="4865749"/>
-            <a:ext cx="1101061" cy="949191"/>
-          </a:xfrm>
-          <a:prstGeom prst="hexagon">
-            <a:avLst/>
-          </a:prstGeom>
-          <a:noFill/>
-          <a:ln w="38100">
-            <a:solidFill>
-              <a:srgbClr val="C00000"/>
-            </a:solidFill>
-          </a:ln>
-        </p:spPr>
-        <p:style>
-          <a:lnRef idx="2">
-            <a:schemeClr val="accent1">
-              <a:shade val="15000"/>
-            </a:schemeClr>
-          </a:lnRef>
-          <a:fillRef idx="1">
-            <a:schemeClr val="accent1"/>
-          </a:fillRef>
-          <a:effectRef idx="0">
-            <a:schemeClr val="accent1"/>
-          </a:effectRef>
-          <a:fontRef idx="minor">
-            <a:schemeClr val="lt1"/>
-          </a:fontRef>
-        </p:style>
-        <p:txBody>
-          <a:bodyPr rtlCol="0" anchor="ctr"/>
-          <a:lstStyle/>
-          <a:p>
-            <a:pPr algn="ctr"/>
-            <a:endParaRPr lang="en-US" dirty="0"/>
-          </a:p>
-        </p:txBody>
-      </p:sp>
-      <p:sp>
-        <p:nvSpPr>
-          <p:cNvPr id="1030" name="Hexagon 1029">
-            <a:extLst>
-              <a:ext uri="{FF2B5EF4-FFF2-40B4-BE49-F238E27FC236}">
-                <a16:creationId xmlns:a16="http://schemas.microsoft.com/office/drawing/2014/main" id="{94B24927-43D8-1C74-168D-351ED75387C9}"/>
-              </a:ext>
-            </a:extLst>
-          </p:cNvPr>
-          <p:cNvSpPr>
-            <a:spLocks noChangeAspect="1"/>
-          </p:cNvSpPr>
-          <p:nvPr/>
-        </p:nvSpPr>
-        <p:spPr>
-          <a:xfrm>
-            <a:off x="6286366" y="5342618"/>
-            <a:ext cx="1101061" cy="949191"/>
-          </a:xfrm>
-          <a:prstGeom prst="hexagon">
-            <a:avLst/>
-          </a:prstGeom>
-          <a:noFill/>
-          <a:ln w="38100">
-            <a:solidFill>
-              <a:srgbClr val="C00000"/>
-            </a:solidFill>
-          </a:ln>
-        </p:spPr>
-        <p:style>
-          <a:lnRef idx="2">
-            <a:schemeClr val="accent1">
-              <a:shade val="15000"/>
-            </a:schemeClr>
-          </a:lnRef>
-          <a:fillRef idx="1">
-            <a:schemeClr val="accent1"/>
-          </a:fillRef>
-          <a:effectRef idx="0">
-            <a:schemeClr val="accent1"/>
-          </a:effectRef>
-          <a:fontRef idx="minor">
-            <a:schemeClr val="lt1"/>
-          </a:fontRef>
-        </p:style>
-        <p:txBody>
-          <a:bodyPr rtlCol="0" anchor="ctr"/>
-          <a:lstStyle/>
-          <a:p>
-            <a:pPr algn="ctr"/>
-            <a:endParaRPr lang="en-US" dirty="0"/>
-          </a:p>
-        </p:txBody>
-      </p:sp>
-      <p:sp>
-        <p:nvSpPr>
-          <p:cNvPr id="1031" name="Hexagon 1030">
-            <a:extLst>
-              <a:ext uri="{FF2B5EF4-FFF2-40B4-BE49-F238E27FC236}">
-                <a16:creationId xmlns:a16="http://schemas.microsoft.com/office/drawing/2014/main" id="{3DB7BA57-7A0A-69E4-2AF2-2C4D8F441114}"/>
-              </a:ext>
-            </a:extLst>
-          </p:cNvPr>
-          <p:cNvSpPr>
-            <a:spLocks noChangeAspect="1"/>
-          </p:cNvSpPr>
-          <p:nvPr/>
-        </p:nvSpPr>
-        <p:spPr>
-          <a:xfrm>
-            <a:off x="6286366" y="4397196"/>
-            <a:ext cx="1101061" cy="949191"/>
-          </a:xfrm>
-          <a:prstGeom prst="hexagon">
-            <a:avLst/>
-          </a:prstGeom>
-          <a:noFill/>
-          <a:ln w="38100">
-            <a:solidFill>
-              <a:srgbClr val="C00000"/>
-            </a:solidFill>
-          </a:ln>
-        </p:spPr>
-        <p:style>
-          <a:lnRef idx="2">
-            <a:schemeClr val="accent1">
-              <a:shade val="15000"/>
-            </a:schemeClr>
-          </a:lnRef>
-          <a:fillRef idx="1">
-            <a:schemeClr val="accent1"/>
-          </a:fillRef>
-          <a:effectRef idx="0">
-            <a:schemeClr val="accent1"/>
-          </a:effectRef>
-          <a:fontRef idx="minor">
-            <a:schemeClr val="lt1"/>
-          </a:fontRef>
-        </p:style>
-        <p:txBody>
-          <a:bodyPr rtlCol="0" anchor="ctr"/>
-          <a:lstStyle/>
-          <a:p>
-            <a:pPr algn="ctr"/>
-            <a:endParaRPr lang="en-US" dirty="0"/>
-          </a:p>
-        </p:txBody>
-      </p:sp>
-      <p:sp>
-        <p:nvSpPr>
-          <p:cNvPr id="1032" name="Hexagon 1031">
-            <a:extLst>
-              <a:ext uri="{FF2B5EF4-FFF2-40B4-BE49-F238E27FC236}">
-                <a16:creationId xmlns:a16="http://schemas.microsoft.com/office/drawing/2014/main" id="{C03011F2-1859-3E52-FEC8-55F61BD5FFF3}"/>
-              </a:ext>
-            </a:extLst>
-          </p:cNvPr>
-          <p:cNvSpPr>
-            <a:spLocks noChangeAspect="1"/>
-          </p:cNvSpPr>
-          <p:nvPr/>
-        </p:nvSpPr>
-        <p:spPr>
-          <a:xfrm>
-            <a:off x="6286366" y="3451775"/>
-            <a:ext cx="1101061" cy="949191"/>
-          </a:xfrm>
-          <a:prstGeom prst="hexagon">
-            <a:avLst/>
-          </a:prstGeom>
-          <a:noFill/>
-          <a:ln w="38100">
-            <a:solidFill>
-              <a:srgbClr val="C00000"/>
-            </a:solidFill>
-          </a:ln>
-        </p:spPr>
-        <p:style>
-          <a:lnRef idx="2">
-            <a:schemeClr val="accent1">
-              <a:shade val="15000"/>
-            </a:schemeClr>
-          </a:lnRef>
-          <a:fillRef idx="1">
-            <a:schemeClr val="accent1"/>
-          </a:fillRef>
-          <a:effectRef idx="0">
-            <a:schemeClr val="accent1"/>
-          </a:effectRef>
-          <a:fontRef idx="minor">
-            <a:schemeClr val="lt1"/>
-          </a:fontRef>
-        </p:style>
-        <p:txBody>
-          <a:bodyPr rtlCol="0" anchor="ctr"/>
-          <a:lstStyle/>
-          <a:p>
-            <a:pPr algn="ctr"/>
-            <a:endParaRPr lang="en-US" dirty="0"/>
-          </a:p>
-        </p:txBody>
-      </p:sp>
-      <p:sp>
-        <p:nvSpPr>
-          <p:cNvPr id="1033" name="Hexagon 1032">
-            <a:extLst>
-              <a:ext uri="{FF2B5EF4-FFF2-40B4-BE49-F238E27FC236}">
-                <a16:creationId xmlns:a16="http://schemas.microsoft.com/office/drawing/2014/main" id="{AE75FE7B-A81B-2956-56D7-45F8EB881D36}"/>
-              </a:ext>
-            </a:extLst>
-          </p:cNvPr>
-          <p:cNvSpPr>
-            <a:spLocks noChangeAspect="1"/>
-          </p:cNvSpPr>
-          <p:nvPr/>
-        </p:nvSpPr>
-        <p:spPr>
-          <a:xfrm>
-            <a:off x="7145860" y="2976253"/>
-            <a:ext cx="1101061" cy="949191"/>
-          </a:xfrm>
-          <a:prstGeom prst="hexagon">
-            <a:avLst/>
-          </a:prstGeom>
-          <a:noFill/>
-          <a:ln w="38100">
-            <a:solidFill>
-              <a:srgbClr val="C00000"/>
-            </a:solidFill>
-          </a:ln>
-        </p:spPr>
-        <p:style>
-          <a:lnRef idx="2">
-            <a:schemeClr val="accent1">
-              <a:shade val="15000"/>
-            </a:schemeClr>
-          </a:lnRef>
-          <a:fillRef idx="1">
-            <a:schemeClr val="accent1"/>
-          </a:fillRef>
-          <a:effectRef idx="0">
-            <a:schemeClr val="accent1"/>
-          </a:effectRef>
-          <a:fontRef idx="minor">
-            <a:schemeClr val="lt1"/>
-          </a:fontRef>
-        </p:style>
-        <p:txBody>
-          <a:bodyPr rtlCol="0" anchor="ctr"/>
-          <a:lstStyle/>
-          <a:p>
-            <a:pPr algn="ctr"/>
-            <a:endParaRPr lang="en-US" dirty="0"/>
-          </a:p>
-        </p:txBody>
-      </p:sp>
-      <p:sp>
-        <p:nvSpPr>
-          <p:cNvPr id="1034" name="Hexagon 1033">
-            <a:extLst>
-              <a:ext uri="{FF2B5EF4-FFF2-40B4-BE49-F238E27FC236}">
-                <a16:creationId xmlns:a16="http://schemas.microsoft.com/office/drawing/2014/main" id="{54025567-2401-C213-CA49-AFB6FBE39109}"/>
-              </a:ext>
-            </a:extLst>
-          </p:cNvPr>
-          <p:cNvSpPr>
-            <a:spLocks noChangeAspect="1"/>
-          </p:cNvSpPr>
-          <p:nvPr/>
-        </p:nvSpPr>
-        <p:spPr>
-          <a:xfrm>
-            <a:off x="7139497" y="3934485"/>
-            <a:ext cx="1101061" cy="949191"/>
-          </a:xfrm>
-          <a:prstGeom prst="hexagon">
-            <a:avLst/>
-          </a:prstGeom>
-          <a:noFill/>
-          <a:ln w="38100">
-            <a:solidFill>
-              <a:srgbClr val="C00000"/>
-            </a:solidFill>
-          </a:ln>
-        </p:spPr>
-        <p:style>
-          <a:lnRef idx="2">
-            <a:schemeClr val="accent1">
-              <a:shade val="15000"/>
-            </a:schemeClr>
-          </a:lnRef>
-          <a:fillRef idx="1">
-            <a:schemeClr val="accent1"/>
-          </a:fillRef>
-          <a:effectRef idx="0">
-            <a:schemeClr val="accent1"/>
-          </a:effectRef>
-          <a:fontRef idx="minor">
-            <a:schemeClr val="lt1"/>
-          </a:fontRef>
-        </p:style>
-        <p:txBody>
-          <a:bodyPr rtlCol="0" anchor="ctr"/>
-          <a:lstStyle/>
-          <a:p>
-            <a:pPr algn="ctr"/>
-            <a:endParaRPr lang="en-US" dirty="0"/>
-          </a:p>
-        </p:txBody>
-      </p:sp>
-      <p:sp>
-        <p:nvSpPr>
-          <p:cNvPr id="1035" name="Hexagon 1034">
-            <a:extLst>
-              <a:ext uri="{FF2B5EF4-FFF2-40B4-BE49-F238E27FC236}">
-                <a16:creationId xmlns:a16="http://schemas.microsoft.com/office/drawing/2014/main" id="{E0349C23-4111-3D32-480E-A5D8E9E50CE5}"/>
-              </a:ext>
-            </a:extLst>
-          </p:cNvPr>
-          <p:cNvSpPr>
-            <a:spLocks noChangeAspect="1"/>
-          </p:cNvSpPr>
-          <p:nvPr/>
-        </p:nvSpPr>
-        <p:spPr>
-          <a:xfrm>
-            <a:off x="8002848" y="3458861"/>
-            <a:ext cx="1101061" cy="949191"/>
-          </a:xfrm>
-          <a:prstGeom prst="hexagon">
-            <a:avLst/>
-          </a:prstGeom>
-          <a:noFill/>
-          <a:ln w="38100">
-            <a:solidFill>
-              <a:srgbClr val="C00000"/>
-            </a:solidFill>
-          </a:ln>
-        </p:spPr>
-        <p:style>
-          <a:lnRef idx="2">
-            <a:schemeClr val="accent1">
-              <a:shade val="15000"/>
-            </a:schemeClr>
-          </a:lnRef>
-          <a:fillRef idx="1">
-            <a:schemeClr val="accent1"/>
-          </a:fillRef>
-          <a:effectRef idx="0">
-            <a:schemeClr val="accent1"/>
-          </a:effectRef>
-          <a:fontRef idx="minor">
-            <a:schemeClr val="lt1"/>
-          </a:fontRef>
-        </p:style>
-        <p:txBody>
-          <a:bodyPr rtlCol="0" anchor="ctr"/>
-          <a:lstStyle/>
-          <a:p>
-            <a:pPr algn="ctr"/>
-            <a:endParaRPr lang="en-US" dirty="0"/>
-          </a:p>
-        </p:txBody>
-      </p:sp>
-      <p:sp>
-        <p:nvSpPr>
-          <p:cNvPr id="1036" name="Hexagon 1035">
-            <a:extLst>
-              <a:ext uri="{FF2B5EF4-FFF2-40B4-BE49-F238E27FC236}">
-                <a16:creationId xmlns:a16="http://schemas.microsoft.com/office/drawing/2014/main" id="{F83ECF99-64C5-797E-B098-E76380388873}"/>
-              </a:ext>
-            </a:extLst>
-          </p:cNvPr>
-          <p:cNvSpPr>
-            <a:spLocks noChangeAspect="1"/>
-          </p:cNvSpPr>
-          <p:nvPr/>
-        </p:nvSpPr>
-        <p:spPr>
-          <a:xfrm>
-            <a:off x="8002848" y="4411034"/>
-            <a:ext cx="1101061" cy="949191"/>
-          </a:xfrm>
-          <a:prstGeom prst="hexagon">
-            <a:avLst/>
-          </a:prstGeom>
-          <a:noFill/>
-          <a:ln w="38100">
-            <a:solidFill>
-              <a:srgbClr val="C00000"/>
-            </a:solidFill>
-          </a:ln>
-        </p:spPr>
-        <p:style>
-          <a:lnRef idx="2">
-            <a:schemeClr val="accent1">
-              <a:shade val="15000"/>
-            </a:schemeClr>
-          </a:lnRef>
-          <a:fillRef idx="1">
-            <a:schemeClr val="accent1"/>
-          </a:fillRef>
-          <a:effectRef idx="0">
-            <a:schemeClr val="accent1"/>
-          </a:effectRef>
-          <a:fontRef idx="minor">
-            <a:schemeClr val="lt1"/>
-          </a:fontRef>
-        </p:style>
-        <p:txBody>
-          <a:bodyPr rtlCol="0" anchor="ctr"/>
-          <a:lstStyle/>
-          <a:p>
-            <a:pPr algn="ctr"/>
-            <a:endParaRPr lang="en-US" dirty="0"/>
-          </a:p>
-        </p:txBody>
-      </p:sp>
-      <p:sp>
-        <p:nvSpPr>
-          <p:cNvPr id="1037" name="Hexagon 1036">
-            <a:extLst>
-              <a:ext uri="{FF2B5EF4-FFF2-40B4-BE49-F238E27FC236}">
-                <a16:creationId xmlns:a16="http://schemas.microsoft.com/office/drawing/2014/main" id="{3EFEC826-0843-1F99-73DF-98C2B066C33D}"/>
-              </a:ext>
-            </a:extLst>
-          </p:cNvPr>
-          <p:cNvSpPr>
-            <a:spLocks noChangeAspect="1"/>
-          </p:cNvSpPr>
-          <p:nvPr/>
-        </p:nvSpPr>
-        <p:spPr>
-          <a:xfrm>
-            <a:off x="8002848" y="5369961"/>
-            <a:ext cx="1101061" cy="949191"/>
-          </a:xfrm>
-          <a:prstGeom prst="hexagon">
-            <a:avLst/>
-          </a:prstGeom>
-          <a:noFill/>
-          <a:ln w="38100">
-            <a:solidFill>
-              <a:srgbClr val="C00000"/>
-            </a:solidFill>
-          </a:ln>
-        </p:spPr>
-        <p:style>
-          <a:lnRef idx="2">
-            <a:schemeClr val="accent1">
-              <a:shade val="15000"/>
-            </a:schemeClr>
-          </a:lnRef>
-          <a:fillRef idx="1">
-            <a:schemeClr val="accent1"/>
-          </a:fillRef>
-          <a:effectRef idx="0">
-            <a:schemeClr val="accent1"/>
-          </a:effectRef>
-          <a:fontRef idx="minor">
-            <a:schemeClr val="lt1"/>
-          </a:fontRef>
-        </p:style>
-        <p:txBody>
-          <a:bodyPr rtlCol="0" anchor="ctr"/>
-          <a:lstStyle/>
-          <a:p>
-            <a:pPr algn="ctr"/>
-            <a:endParaRPr lang="en-US" dirty="0"/>
-          </a:p>
-        </p:txBody>
-      </p:sp>
-      <p:sp>
-        <p:nvSpPr>
-          <p:cNvPr id="1038" name="Hexagon 1037">
-            <a:extLst>
-              <a:ext uri="{FF2B5EF4-FFF2-40B4-BE49-F238E27FC236}">
-                <a16:creationId xmlns:a16="http://schemas.microsoft.com/office/drawing/2014/main" id="{0BCE8D4E-D1B7-EB16-800E-B94AFEB8750D}"/>
-              </a:ext>
-            </a:extLst>
-          </p:cNvPr>
-          <p:cNvSpPr>
-            <a:spLocks noChangeAspect="1"/>
-          </p:cNvSpPr>
-          <p:nvPr/>
-        </p:nvSpPr>
-        <p:spPr>
-          <a:xfrm>
-            <a:off x="7146581" y="4877619"/>
-            <a:ext cx="1101061" cy="949191"/>
-          </a:xfrm>
-          <a:prstGeom prst="hexagon">
-            <a:avLst/>
-          </a:prstGeom>
-          <a:noFill/>
-          <a:ln w="38100">
-            <a:solidFill>
-              <a:srgbClr val="C00000"/>
-            </a:solidFill>
-          </a:ln>
-        </p:spPr>
-        <p:style>
-          <a:lnRef idx="2">
-            <a:schemeClr val="accent1">
-              <a:shade val="15000"/>
-            </a:schemeClr>
-          </a:lnRef>
-          <a:fillRef idx="1">
-            <a:schemeClr val="accent1"/>
-          </a:fillRef>
-          <a:effectRef idx="0">
-            <a:schemeClr val="accent1"/>
-          </a:effectRef>
-          <a:fontRef idx="minor">
-            <a:schemeClr val="lt1"/>
-          </a:fontRef>
-        </p:style>
-        <p:txBody>
-          <a:bodyPr rtlCol="0" anchor="ctr"/>
-          <a:lstStyle/>
-          <a:p>
-            <a:pPr algn="ctr"/>
-            <a:endParaRPr lang="en-US" dirty="0"/>
-          </a:p>
-        </p:txBody>
-      </p:sp>
-      <p:sp>
-        <p:nvSpPr>
-          <p:cNvPr id="1041" name="Hexagon 1040">
-            <a:extLst>
-              <a:ext uri="{FF2B5EF4-FFF2-40B4-BE49-F238E27FC236}">
-                <a16:creationId xmlns:a16="http://schemas.microsoft.com/office/drawing/2014/main" id="{233AE70B-20DB-13A2-B087-EABEF323EEE8}"/>
-              </a:ext>
-            </a:extLst>
-          </p:cNvPr>
-          <p:cNvSpPr>
-            <a:spLocks noChangeAspect="1"/>
-          </p:cNvSpPr>
-          <p:nvPr/>
-        </p:nvSpPr>
-        <p:spPr>
-          <a:xfrm>
-            <a:off x="1974615" y="123371"/>
-            <a:ext cx="1101061" cy="949191"/>
-          </a:xfrm>
-          <a:prstGeom prst="hexagon">
-            <a:avLst/>
-          </a:prstGeom>
-          <a:noFill/>
-          <a:ln w="38100">
-            <a:solidFill>
-              <a:srgbClr val="C00000"/>
-            </a:solidFill>
-          </a:ln>
-        </p:spPr>
-        <p:style>
-          <a:lnRef idx="2">
-            <a:schemeClr val="accent1">
-              <a:shade val="15000"/>
-            </a:schemeClr>
-          </a:lnRef>
-          <a:fillRef idx="1">
-            <a:schemeClr val="accent1"/>
-          </a:fillRef>
-          <a:effectRef idx="0">
-            <a:schemeClr val="accent1"/>
-          </a:effectRef>
-          <a:fontRef idx="minor">
-            <a:schemeClr val="lt1"/>
-          </a:fontRef>
-        </p:style>
-        <p:txBody>
-          <a:bodyPr rtlCol="0" anchor="ctr"/>
-          <a:lstStyle/>
-          <a:p>
-            <a:pPr algn="ctr"/>
-            <a:endParaRPr lang="en-US" dirty="0"/>
-          </a:p>
-        </p:txBody>
-      </p:sp>
-      <p:sp>
-        <p:nvSpPr>
-          <p:cNvPr id="1042" name="Hexagon 1041">
-            <a:extLst>
-              <a:ext uri="{FF2B5EF4-FFF2-40B4-BE49-F238E27FC236}">
-                <a16:creationId xmlns:a16="http://schemas.microsoft.com/office/drawing/2014/main" id="{3DE50CB0-C76B-A63E-8679-7E0A8959A0B9}"/>
-              </a:ext>
-            </a:extLst>
-          </p:cNvPr>
-          <p:cNvSpPr>
-            <a:spLocks noChangeAspect="1"/>
-          </p:cNvSpPr>
-          <p:nvPr/>
-        </p:nvSpPr>
-        <p:spPr>
-          <a:xfrm>
-            <a:off x="1967472" y="1075545"/>
-            <a:ext cx="1101061" cy="949191"/>
-          </a:xfrm>
-          <a:prstGeom prst="hexagon">
-            <a:avLst/>
-          </a:prstGeom>
-          <a:noFill/>
-          <a:ln w="38100">
-            <a:solidFill>
-              <a:srgbClr val="C00000"/>
-            </a:solidFill>
-          </a:ln>
-        </p:spPr>
-        <p:style>
-          <a:lnRef idx="2">
-            <a:schemeClr val="accent1">
-              <a:shade val="15000"/>
-            </a:schemeClr>
-          </a:lnRef>
-          <a:fillRef idx="1">
-            <a:schemeClr val="accent1"/>
-          </a:fillRef>
-          <a:effectRef idx="0">
-            <a:schemeClr val="accent1"/>
-          </a:effectRef>
-          <a:fontRef idx="minor">
-            <a:schemeClr val="lt1"/>
-          </a:fontRef>
-        </p:style>
-        <p:txBody>
-          <a:bodyPr rtlCol="0" anchor="ctr"/>
-          <a:lstStyle/>
-          <a:p>
-            <a:pPr algn="ctr"/>
-            <a:endParaRPr lang="en-US" dirty="0"/>
-          </a:p>
-        </p:txBody>
-      </p:sp>
-      <p:sp>
-        <p:nvSpPr>
-          <p:cNvPr id="1043" name="Hexagon 1042">
-            <a:extLst>
-              <a:ext uri="{FF2B5EF4-FFF2-40B4-BE49-F238E27FC236}">
-                <a16:creationId xmlns:a16="http://schemas.microsoft.com/office/drawing/2014/main" id="{29D05AB5-6B19-44C7-74B5-B5B33DBEB87D}"/>
-              </a:ext>
-            </a:extLst>
-          </p:cNvPr>
-          <p:cNvSpPr>
-            <a:spLocks noChangeAspect="1"/>
-          </p:cNvSpPr>
-          <p:nvPr/>
-        </p:nvSpPr>
-        <p:spPr>
-          <a:xfrm>
-            <a:off x="1967472" y="2020185"/>
-            <a:ext cx="1101061" cy="949191"/>
-          </a:xfrm>
-          <a:prstGeom prst="hexagon">
-            <a:avLst/>
-          </a:prstGeom>
-          <a:noFill/>
-          <a:ln w="38100">
-            <a:solidFill>
-              <a:srgbClr val="C00000"/>
-            </a:solidFill>
-          </a:ln>
-        </p:spPr>
-        <p:style>
-          <a:lnRef idx="2">
-            <a:schemeClr val="accent1">
-              <a:shade val="15000"/>
-            </a:schemeClr>
-          </a:lnRef>
-          <a:fillRef idx="1">
-            <a:schemeClr val="accent1"/>
-          </a:fillRef>
-          <a:effectRef idx="0">
-            <a:schemeClr val="accent1"/>
-          </a:effectRef>
-          <a:fontRef idx="minor">
-            <a:schemeClr val="lt1"/>
-          </a:fontRef>
-        </p:style>
-        <p:txBody>
-          <a:bodyPr rtlCol="0" anchor="ctr"/>
-          <a:lstStyle/>
-          <a:p>
-            <a:pPr algn="ctr"/>
-            <a:endParaRPr lang="en-US" dirty="0"/>
-          </a:p>
-        </p:txBody>
-      </p:sp>
-      <p:sp>
-        <p:nvSpPr>
-          <p:cNvPr id="1044" name="Hexagon 1043">
-            <a:extLst>
-              <a:ext uri="{FF2B5EF4-FFF2-40B4-BE49-F238E27FC236}">
-                <a16:creationId xmlns:a16="http://schemas.microsoft.com/office/drawing/2014/main" id="{30A6E450-0182-357B-895E-052D58DB7A20}"/>
-              </a:ext>
-            </a:extLst>
-          </p:cNvPr>
-          <p:cNvSpPr>
-            <a:spLocks noChangeAspect="1"/>
-          </p:cNvSpPr>
-          <p:nvPr/>
-        </p:nvSpPr>
-        <p:spPr>
-          <a:xfrm>
-            <a:off x="2834107" y="2497054"/>
-            <a:ext cx="1101061" cy="949191"/>
-          </a:xfrm>
-          <a:prstGeom prst="hexagon">
-            <a:avLst/>
-          </a:prstGeom>
-          <a:noFill/>
-          <a:ln w="38100">
-            <a:solidFill>
-              <a:srgbClr val="C00000"/>
-            </a:solidFill>
-          </a:ln>
-        </p:spPr>
-        <p:style>
-          <a:lnRef idx="2">
-            <a:schemeClr val="accent1">
-              <a:shade val="15000"/>
-            </a:schemeClr>
-          </a:lnRef>
-          <a:fillRef idx="1">
-            <a:schemeClr val="accent1"/>
-          </a:fillRef>
-          <a:effectRef idx="0">
-            <a:schemeClr val="accent1"/>
-          </a:effectRef>
-          <a:fontRef idx="minor">
-            <a:schemeClr val="lt1"/>
-          </a:fontRef>
-        </p:style>
-        <p:txBody>
-          <a:bodyPr rtlCol="0" anchor="ctr"/>
-          <a:lstStyle/>
-          <a:p>
-            <a:pPr algn="ctr"/>
-            <a:endParaRPr lang="en-US" dirty="0"/>
-          </a:p>
-        </p:txBody>
-      </p:sp>
-      <p:sp>
-        <p:nvSpPr>
-          <p:cNvPr id="1045" name="Hexagon 1044">
-            <a:extLst>
-              <a:ext uri="{FF2B5EF4-FFF2-40B4-BE49-F238E27FC236}">
-                <a16:creationId xmlns:a16="http://schemas.microsoft.com/office/drawing/2014/main" id="{E824D373-3145-98BD-613C-E22BE76D8876}"/>
-              </a:ext>
-            </a:extLst>
-          </p:cNvPr>
-          <p:cNvSpPr>
-            <a:spLocks noChangeAspect="1"/>
-          </p:cNvSpPr>
-          <p:nvPr/>
-        </p:nvSpPr>
-        <p:spPr>
-          <a:xfrm>
-            <a:off x="2834107" y="1551633"/>
-            <a:ext cx="1101061" cy="949191"/>
-          </a:xfrm>
-          <a:prstGeom prst="hexagon">
-            <a:avLst/>
-          </a:prstGeom>
-          <a:noFill/>
-          <a:ln w="38100">
-            <a:solidFill>
-              <a:srgbClr val="C00000"/>
-            </a:solidFill>
-          </a:ln>
-        </p:spPr>
-        <p:style>
-          <a:lnRef idx="2">
-            <a:schemeClr val="accent1">
-              <a:shade val="15000"/>
-            </a:schemeClr>
-          </a:lnRef>
-          <a:fillRef idx="1">
-            <a:schemeClr val="accent1"/>
-          </a:fillRef>
-          <a:effectRef idx="0">
-            <a:schemeClr val="accent1"/>
-          </a:effectRef>
-          <a:fontRef idx="minor">
-            <a:schemeClr val="lt1"/>
-          </a:fontRef>
-        </p:style>
-        <p:txBody>
-          <a:bodyPr rtlCol="0" anchor="ctr"/>
-          <a:lstStyle/>
-          <a:p>
-            <a:pPr algn="ctr"/>
-            <a:endParaRPr lang="en-US" dirty="0"/>
-          </a:p>
-        </p:txBody>
-      </p:sp>
-      <p:sp>
-        <p:nvSpPr>
-          <p:cNvPr id="1046" name="Hexagon 1045">
-            <a:extLst>
-              <a:ext uri="{FF2B5EF4-FFF2-40B4-BE49-F238E27FC236}">
-                <a16:creationId xmlns:a16="http://schemas.microsoft.com/office/drawing/2014/main" id="{6767733A-16D2-4B6C-34BB-01A31C7E6626}"/>
-              </a:ext>
-            </a:extLst>
-          </p:cNvPr>
-          <p:cNvSpPr>
-            <a:spLocks noChangeAspect="1"/>
-          </p:cNvSpPr>
-          <p:nvPr/>
-        </p:nvSpPr>
-        <p:spPr>
-          <a:xfrm>
-            <a:off x="2834107" y="606211"/>
-            <a:ext cx="1101061" cy="949191"/>
-          </a:xfrm>
-          <a:prstGeom prst="hexagon">
-            <a:avLst/>
-          </a:prstGeom>
-          <a:noFill/>
-          <a:ln w="38100">
-            <a:solidFill>
-              <a:srgbClr val="C00000"/>
-            </a:solidFill>
-          </a:ln>
-        </p:spPr>
-        <p:style>
-          <a:lnRef idx="2">
-            <a:schemeClr val="accent1">
-              <a:shade val="15000"/>
-            </a:schemeClr>
-          </a:lnRef>
-          <a:fillRef idx="1">
-            <a:schemeClr val="accent1"/>
-          </a:fillRef>
-          <a:effectRef idx="0">
-            <a:schemeClr val="accent1"/>
-          </a:effectRef>
-          <a:fontRef idx="minor">
-            <a:schemeClr val="lt1"/>
-          </a:fontRef>
-        </p:style>
-        <p:txBody>
-          <a:bodyPr rtlCol="0" anchor="ctr"/>
-          <a:lstStyle/>
-          <a:p>
-            <a:pPr algn="ctr"/>
-            <a:endParaRPr lang="en-US" dirty="0"/>
-          </a:p>
-        </p:txBody>
-      </p:sp>
-      <p:sp>
-        <p:nvSpPr>
-          <p:cNvPr id="1047" name="Hexagon 1046">
-            <a:extLst>
-              <a:ext uri="{FF2B5EF4-FFF2-40B4-BE49-F238E27FC236}">
-                <a16:creationId xmlns:a16="http://schemas.microsoft.com/office/drawing/2014/main" id="{CDACEC79-344B-B4E4-41E0-EBF8AF32F90C}"/>
-              </a:ext>
-            </a:extLst>
-          </p:cNvPr>
-          <p:cNvSpPr>
-            <a:spLocks noChangeAspect="1"/>
-          </p:cNvSpPr>
-          <p:nvPr/>
-        </p:nvSpPr>
-        <p:spPr>
-          <a:xfrm>
-            <a:off x="3693601" y="130689"/>
-            <a:ext cx="1101061" cy="949191"/>
-          </a:xfrm>
-          <a:prstGeom prst="hexagon">
-            <a:avLst/>
-          </a:prstGeom>
-          <a:noFill/>
-          <a:ln w="38100">
-            <a:solidFill>
-              <a:srgbClr val="C00000"/>
-            </a:solidFill>
-          </a:ln>
-        </p:spPr>
-        <p:style>
-          <a:lnRef idx="2">
-            <a:schemeClr val="accent1">
-              <a:shade val="15000"/>
-            </a:schemeClr>
-          </a:lnRef>
-          <a:fillRef idx="1">
-            <a:schemeClr val="accent1"/>
-          </a:fillRef>
-          <a:effectRef idx="0">
-            <a:schemeClr val="accent1"/>
-          </a:effectRef>
-          <a:fontRef idx="minor">
-            <a:schemeClr val="lt1"/>
-          </a:fontRef>
-        </p:style>
-        <p:txBody>
-          <a:bodyPr rtlCol="0" anchor="ctr"/>
-          <a:lstStyle/>
-          <a:p>
-            <a:pPr algn="ctr"/>
-            <a:endParaRPr lang="en-US" dirty="0"/>
-          </a:p>
-        </p:txBody>
-      </p:sp>
-      <p:sp>
-        <p:nvSpPr>
-          <p:cNvPr id="1048" name="Hexagon 1047">
-            <a:extLst>
-              <a:ext uri="{FF2B5EF4-FFF2-40B4-BE49-F238E27FC236}">
-                <a16:creationId xmlns:a16="http://schemas.microsoft.com/office/drawing/2014/main" id="{1E35B54C-090A-1F13-14AA-318518BC9368}"/>
-              </a:ext>
-            </a:extLst>
-          </p:cNvPr>
-          <p:cNvSpPr>
-            <a:spLocks noChangeAspect="1"/>
-          </p:cNvSpPr>
-          <p:nvPr/>
-        </p:nvSpPr>
-        <p:spPr>
-          <a:xfrm>
-            <a:off x="3687238" y="1088921"/>
-            <a:ext cx="1101061" cy="949191"/>
-          </a:xfrm>
-          <a:prstGeom prst="hexagon">
-            <a:avLst/>
-          </a:prstGeom>
-          <a:noFill/>
-          <a:ln w="38100">
-            <a:solidFill>
-              <a:srgbClr val="C00000"/>
-            </a:solidFill>
-          </a:ln>
-        </p:spPr>
-        <p:style>
-          <a:lnRef idx="2">
-            <a:schemeClr val="accent1">
-              <a:shade val="15000"/>
-            </a:schemeClr>
-          </a:lnRef>
-          <a:fillRef idx="1">
-            <a:schemeClr val="accent1"/>
-          </a:fillRef>
-          <a:effectRef idx="0">
-            <a:schemeClr val="accent1"/>
-          </a:effectRef>
-          <a:fontRef idx="minor">
-            <a:schemeClr val="lt1"/>
-          </a:fontRef>
-        </p:style>
-        <p:txBody>
-          <a:bodyPr rtlCol="0" anchor="ctr"/>
-          <a:lstStyle/>
-          <a:p>
-            <a:pPr algn="ctr"/>
-            <a:endParaRPr lang="en-US" dirty="0"/>
-          </a:p>
-        </p:txBody>
-      </p:sp>
-      <p:sp>
-        <p:nvSpPr>
-          <p:cNvPr id="1049" name="Hexagon 1048">
-            <a:extLst>
-              <a:ext uri="{FF2B5EF4-FFF2-40B4-BE49-F238E27FC236}">
-                <a16:creationId xmlns:a16="http://schemas.microsoft.com/office/drawing/2014/main" id="{BCBB82C8-E63A-EE61-6294-25E618FEB54B}"/>
-              </a:ext>
-            </a:extLst>
-          </p:cNvPr>
-          <p:cNvSpPr>
-            <a:spLocks noChangeAspect="1"/>
-          </p:cNvSpPr>
-          <p:nvPr/>
-        </p:nvSpPr>
-        <p:spPr>
-          <a:xfrm>
-            <a:off x="4550589" y="613297"/>
-            <a:ext cx="1101061" cy="949191"/>
-          </a:xfrm>
-          <a:prstGeom prst="hexagon">
-            <a:avLst/>
-          </a:prstGeom>
-          <a:noFill/>
-          <a:ln w="38100">
-            <a:solidFill>
-              <a:srgbClr val="C00000"/>
-            </a:solidFill>
-          </a:ln>
-        </p:spPr>
-        <p:style>
-          <a:lnRef idx="2">
-            <a:schemeClr val="accent1">
-              <a:shade val="15000"/>
-            </a:schemeClr>
-          </a:lnRef>
-          <a:fillRef idx="1">
-            <a:schemeClr val="accent1"/>
-          </a:fillRef>
-          <a:effectRef idx="0">
-            <a:schemeClr val="accent1"/>
-          </a:effectRef>
-          <a:fontRef idx="minor">
-            <a:schemeClr val="lt1"/>
-          </a:fontRef>
-        </p:style>
-        <p:txBody>
-          <a:bodyPr rtlCol="0" anchor="ctr"/>
-          <a:lstStyle/>
-          <a:p>
-            <a:pPr algn="ctr"/>
-            <a:endParaRPr lang="en-US" dirty="0"/>
-          </a:p>
-        </p:txBody>
-      </p:sp>
-      <p:sp>
-        <p:nvSpPr>
-          <p:cNvPr id="1050" name="Hexagon 1049">
-            <a:extLst>
-              <a:ext uri="{FF2B5EF4-FFF2-40B4-BE49-F238E27FC236}">
-                <a16:creationId xmlns:a16="http://schemas.microsoft.com/office/drawing/2014/main" id="{70D2298F-7505-8383-97B8-EEAD8289CED8}"/>
-              </a:ext>
-            </a:extLst>
-          </p:cNvPr>
-          <p:cNvSpPr>
-            <a:spLocks noChangeAspect="1"/>
-          </p:cNvSpPr>
-          <p:nvPr/>
-        </p:nvSpPr>
-        <p:spPr>
-          <a:xfrm>
-            <a:off x="4550589" y="1565470"/>
-            <a:ext cx="1101061" cy="949191"/>
-          </a:xfrm>
-          <a:prstGeom prst="hexagon">
-            <a:avLst/>
-          </a:prstGeom>
-          <a:noFill/>
-          <a:ln w="38100">
-            <a:solidFill>
-              <a:srgbClr val="C00000"/>
-            </a:solidFill>
-          </a:ln>
-        </p:spPr>
-        <p:style>
-          <a:lnRef idx="2">
-            <a:schemeClr val="accent1">
-              <a:shade val="15000"/>
-            </a:schemeClr>
-          </a:lnRef>
-          <a:fillRef idx="1">
-            <a:schemeClr val="accent1"/>
-          </a:fillRef>
-          <a:effectRef idx="0">
-            <a:schemeClr val="accent1"/>
-          </a:effectRef>
-          <a:fontRef idx="minor">
-            <a:schemeClr val="lt1"/>
-          </a:fontRef>
-        </p:style>
-        <p:txBody>
-          <a:bodyPr rtlCol="0" anchor="ctr"/>
-          <a:lstStyle/>
-          <a:p>
-            <a:pPr algn="ctr"/>
-            <a:endParaRPr lang="en-US" dirty="0"/>
-          </a:p>
-        </p:txBody>
-      </p:sp>
-      <p:sp>
-        <p:nvSpPr>
-          <p:cNvPr id="1051" name="Hexagon 1050">
-            <a:extLst>
-              <a:ext uri="{FF2B5EF4-FFF2-40B4-BE49-F238E27FC236}">
-                <a16:creationId xmlns:a16="http://schemas.microsoft.com/office/drawing/2014/main" id="{DC63DC33-6F51-897F-07D6-CC39F55F7C19}"/>
-              </a:ext>
-            </a:extLst>
-          </p:cNvPr>
-          <p:cNvSpPr>
-            <a:spLocks noChangeAspect="1"/>
-          </p:cNvSpPr>
-          <p:nvPr/>
-        </p:nvSpPr>
-        <p:spPr>
-          <a:xfrm>
-            <a:off x="4550589" y="2524398"/>
-            <a:ext cx="1101061" cy="949191"/>
-          </a:xfrm>
-          <a:prstGeom prst="hexagon">
-            <a:avLst/>
-          </a:prstGeom>
-          <a:noFill/>
-          <a:ln w="38100">
-            <a:solidFill>
-              <a:srgbClr val="C00000"/>
-            </a:solidFill>
-          </a:ln>
-        </p:spPr>
-        <p:style>
-          <a:lnRef idx="2">
-            <a:schemeClr val="accent1">
-              <a:shade val="15000"/>
-            </a:schemeClr>
-          </a:lnRef>
-          <a:fillRef idx="1">
-            <a:schemeClr val="accent1"/>
-          </a:fillRef>
-          <a:effectRef idx="0">
-            <a:schemeClr val="accent1"/>
-          </a:effectRef>
-          <a:fontRef idx="minor">
-            <a:schemeClr val="lt1"/>
-          </a:fontRef>
-        </p:style>
-        <p:txBody>
-          <a:bodyPr rtlCol="0" anchor="ctr"/>
-          <a:lstStyle/>
-          <a:p>
-            <a:pPr algn="ctr"/>
-            <a:endParaRPr lang="en-US" dirty="0"/>
-          </a:p>
-        </p:txBody>
-      </p:sp>
-      <p:sp>
-        <p:nvSpPr>
-          <p:cNvPr id="1052" name="Hexagon 1051">
-            <a:extLst>
-              <a:ext uri="{FF2B5EF4-FFF2-40B4-BE49-F238E27FC236}">
-                <a16:creationId xmlns:a16="http://schemas.microsoft.com/office/drawing/2014/main" id="{A6BED701-B11E-C171-A218-15045EBA5BCB}"/>
-              </a:ext>
-            </a:extLst>
-          </p:cNvPr>
-          <p:cNvSpPr>
-            <a:spLocks noChangeAspect="1"/>
-          </p:cNvSpPr>
-          <p:nvPr/>
-        </p:nvSpPr>
-        <p:spPr>
-          <a:xfrm>
-            <a:off x="3694323" y="2032055"/>
-            <a:ext cx="1101061" cy="949191"/>
-          </a:xfrm>
-          <a:prstGeom prst="hexagon">
-            <a:avLst/>
-          </a:prstGeom>
-          <a:noFill/>
-          <a:ln w="38100">
-            <a:solidFill>
-              <a:srgbClr val="C00000"/>
-            </a:solidFill>
-          </a:ln>
-        </p:spPr>
-        <p:style>
-          <a:lnRef idx="2">
-            <a:schemeClr val="accent1">
-              <a:shade val="15000"/>
-            </a:schemeClr>
-          </a:lnRef>
-          <a:fillRef idx="1">
-            <a:schemeClr val="accent1"/>
-          </a:fillRef>
-          <a:effectRef idx="0">
-            <a:schemeClr val="accent1"/>
-          </a:effectRef>
-          <a:fontRef idx="minor">
-            <a:schemeClr val="lt1"/>
-          </a:fontRef>
-        </p:style>
-        <p:txBody>
-          <a:bodyPr rtlCol="0" anchor="ctr"/>
-          <a:lstStyle/>
-          <a:p>
-            <a:pPr algn="ctr"/>
-            <a:endParaRPr lang="en-US" dirty="0"/>
-          </a:p>
-        </p:txBody>
-      </p:sp>
-      <p:sp>
-        <p:nvSpPr>
-          <p:cNvPr id="1054" name="TextBox 1053">
-            <a:extLst>
-              <a:ext uri="{FF2B5EF4-FFF2-40B4-BE49-F238E27FC236}">
-                <a16:creationId xmlns:a16="http://schemas.microsoft.com/office/drawing/2014/main" id="{E16D4160-E2CF-117C-20CB-9D971F61732B}"/>
+      <p:sp>
+        <p:nvSpPr>
+          <p:cNvPr id="2" name="Title 1">
+            <a:extLst>
+              <a:ext uri="{FF2B5EF4-FFF2-40B4-BE49-F238E27FC236}">
+                <a16:creationId xmlns:a16="http://schemas.microsoft.com/office/drawing/2014/main" id="{A3926BC3-A860-346A-4F58-1EE4C3E7FB0F}"/>
+              </a:ext>
+            </a:extLst>
+          </p:cNvPr>
+          <p:cNvSpPr>
+            <a:spLocks noGrp="1"/>
+          </p:cNvSpPr>
+          <p:nvPr>
+            <p:ph type="title"/>
+          </p:nvPr>
+        </p:nvSpPr>
+        <p:spPr/>
+        <p:txBody>
+          <a:bodyPr/>
+          <a:lstStyle/>
+          <a:p>
+            <a:r>
+              <a:rPr lang="en-US" dirty="0"/>
+              <a:t>Test conditions</a:t>
+            </a:r>
+          </a:p>
+        </p:txBody>
+      </p:sp>
+      <p:sp>
+        <p:nvSpPr>
+          <p:cNvPr id="3" name="TextBox 2">
+            <a:extLst>
+              <a:ext uri="{FF2B5EF4-FFF2-40B4-BE49-F238E27FC236}">
+                <a16:creationId xmlns:a16="http://schemas.microsoft.com/office/drawing/2014/main" id="{A00B5138-8D53-B196-C54A-B372D20698D0}"/>
               </a:ext>
             </a:extLst>
           </p:cNvPr>
@@ -7565,8 +8581,8 @@
         </p:nvSpPr>
         <p:spPr>
           <a:xfrm>
-            <a:off x="6836896" y="857059"/>
-            <a:ext cx="3090073" cy="461665"/>
+            <a:off x="1192695" y="2186609"/>
+            <a:ext cx="7026965" cy="1200329"/>
           </a:xfrm>
           <a:prstGeom prst="rect">
             <a:avLst/>
@@ -7579,10 +8595,27 @@
           </a:bodyPr>
           <a:lstStyle/>
           <a:p>
-            <a:pPr algn="ctr"/>
-            <a:r>
-              <a:rPr lang="en-US" sz="2400" b="1" dirty="0"/>
-              <a:t>Padded PBC (Full FFT)</a:t>
+            <a:r>
+              <a:rPr lang="en-US" dirty="0"/>
+              <a:t>Sigma = 0.05 c/nm2</a:t>
+            </a:r>
+          </a:p>
+          <a:p>
+            <a:r>
+              <a:rPr lang="en-US" dirty="0"/>
+              <a:t>Lx = 15 nm</a:t>
+            </a:r>
+          </a:p>
+          <a:p>
+            <a:r>
+              <a:rPr lang="en-US" dirty="0"/>
+              <a:t>Ly = 15 nm</a:t>
+            </a:r>
+          </a:p>
+          <a:p>
+            <a:r>
+              <a:rPr lang="en-US" dirty="0"/>
+              <a:t>dx = 0.4 nm</a:t>
             </a:r>
           </a:p>
         </p:txBody>
@@ -7592,7 +8625,7 @@
           <p:cNvPr id="4" name="TextBox 3">
             <a:extLst>
               <a:ext uri="{FF2B5EF4-FFF2-40B4-BE49-F238E27FC236}">
-                <a16:creationId xmlns:a16="http://schemas.microsoft.com/office/drawing/2014/main" id="{E790C61F-5E95-A1FC-DF35-A2152D6F59F6}"/>
+                <a16:creationId xmlns:a16="http://schemas.microsoft.com/office/drawing/2014/main" id="{431FD48E-52DE-AC6E-5D2D-A03BFCBE0CEE}"/>
               </a:ext>
             </a:extLst>
           </p:cNvPr>
@@ -7601,8 +8634,8 @@
         </p:nvSpPr>
         <p:spPr>
           <a:xfrm>
-            <a:off x="6445440" y="1667051"/>
-            <a:ext cx="5175060" cy="369332"/>
+            <a:off x="1192694" y="3776869"/>
+            <a:ext cx="7026965" cy="1754326"/>
           </a:xfrm>
           <a:prstGeom prst="rect">
             <a:avLst/>
@@ -7617,7 +8650,34 @@
           <a:p>
             <a:r>
               <a:rPr lang="en-US" dirty="0"/>
-              <a:t>Hexagons drawn for illustration of hexagon approach</a:t>
+              <a:t>Cast in terms of dx (for rounding and PBC for grafting points): </a:t>
+            </a:r>
+          </a:p>
+          <a:p>
+            <a:r>
+              <a:rPr lang="en-US" dirty="0"/>
+              <a:t>	Sigma = 0.0668 c/nm2</a:t>
+            </a:r>
+          </a:p>
+          <a:p>
+            <a:r>
+              <a:rPr lang="en-US" dirty="0"/>
+              <a:t>	Lx = 14.80 nm</a:t>
+            </a:r>
+          </a:p>
+          <a:p>
+            <a:r>
+              <a:rPr lang="en-US" dirty="0"/>
+              <a:t>	Ly = 11.20 nm</a:t>
+            </a:r>
+          </a:p>
+          <a:p>
+            <a:endParaRPr lang="en-US" dirty="0"/>
+          </a:p>
+          <a:p>
+            <a:r>
+              <a:rPr lang="en-US" dirty="0"/>
+              <a:t>(Sigma error decrease with dx)</a:t>
             </a:r>
           </a:p>
         </p:txBody>
@@ -7625,7 +8685,7 @@
     </p:spTree>
     <p:extLst>
       <p:ext uri="{BB962C8B-B14F-4D97-AF65-F5344CB8AC3E}">
-        <p14:creationId xmlns:p14="http://schemas.microsoft.com/office/powerpoint/2010/main" val="775315718"/>
+        <p14:creationId xmlns:p14="http://schemas.microsoft.com/office/powerpoint/2010/main" val="782308025"/>
       </p:ext>
     </p:extLst>
   </p:cSld>
@@ -7652,215 +8712,12 @@
           <a:chExt cx="0" cy="0"/>
         </a:xfrm>
       </p:grpSpPr>
-      <p:grpSp>
-        <p:nvGrpSpPr>
-          <p:cNvPr id="3123" name="Group 3122">
-            <a:extLst>
-              <a:ext uri="{FF2B5EF4-FFF2-40B4-BE49-F238E27FC236}">
-                <a16:creationId xmlns:a16="http://schemas.microsoft.com/office/drawing/2014/main" id="{9A8164A6-CA96-945E-BD6C-0DA9E2006A3B}"/>
-              </a:ext>
-            </a:extLst>
-          </p:cNvPr>
-          <p:cNvGrpSpPr/>
-          <p:nvPr/>
-        </p:nvGrpSpPr>
-        <p:grpSpPr>
-          <a:xfrm>
-            <a:off x="4608476" y="18727"/>
-            <a:ext cx="3955455" cy="3472788"/>
-            <a:chOff x="9342443" y="3203112"/>
-            <a:chExt cx="2586642" cy="2271005"/>
-          </a:xfrm>
-        </p:grpSpPr>
-        <p:pic>
-          <p:nvPicPr>
-            <p:cNvPr id="3119" name="Picture 6">
-              <a:extLst>
-                <a:ext uri="{FF2B5EF4-FFF2-40B4-BE49-F238E27FC236}">
-                  <a16:creationId xmlns:a16="http://schemas.microsoft.com/office/drawing/2014/main" id="{627AA289-0282-DABE-7A5C-E297B88CD14B}"/>
-                </a:ext>
-              </a:extLst>
-            </p:cNvPr>
-            <p:cNvPicPr>
-              <a:picLocks noChangeAspect="1" noChangeArrowheads="1"/>
-            </p:cNvPicPr>
-            <p:nvPr/>
-          </p:nvPicPr>
-          <p:blipFill>
-            <a:blip r:embed="rId2">
-              <a:extLst>
-                <a:ext uri="{28A0092B-C50C-407E-A947-70E740481C1C}">
-                  <a14:useLocalDpi xmlns:a14="http://schemas.microsoft.com/office/drawing/2010/main" val="0"/>
-                </a:ext>
-              </a:extLst>
-            </a:blip>
-            <a:srcRect/>
-            <a:stretch>
-              <a:fillRect/>
-            </a:stretch>
-          </p:blipFill>
-          <p:spPr bwMode="auto">
-            <a:xfrm>
-              <a:off x="9342443" y="3369366"/>
-              <a:ext cx="2416593" cy="2101599"/>
-            </a:xfrm>
-            <a:prstGeom prst="rect">
-              <a:avLst/>
-            </a:prstGeom>
-            <a:noFill/>
-            <a:extLst>
-              <a:ext uri="{909E8E84-426E-40DD-AFC4-6F175D3DCCD1}">
-                <a14:hiddenFill xmlns:a14="http://schemas.microsoft.com/office/drawing/2010/main">
-                  <a:solidFill>
-                    <a:srgbClr val="FFFFFF"/>
-                  </a:solidFill>
-                </a14:hiddenFill>
-              </a:ext>
-            </a:extLst>
-          </p:spPr>
-        </p:pic>
-        <p:pic>
-          <p:nvPicPr>
-            <p:cNvPr id="3120" name="Picture 6">
-              <a:extLst>
-                <a:ext uri="{FF2B5EF4-FFF2-40B4-BE49-F238E27FC236}">
-                  <a16:creationId xmlns:a16="http://schemas.microsoft.com/office/drawing/2014/main" id="{AA10FBC1-C155-0857-B7AD-73D9AEBA548A}"/>
-                </a:ext>
-              </a:extLst>
-            </p:cNvPr>
-            <p:cNvPicPr>
-              <a:picLocks noChangeAspect="1" noChangeArrowheads="1"/>
-            </p:cNvPicPr>
-            <p:nvPr/>
-          </p:nvPicPr>
-          <p:blipFill rotWithShape="1">
-            <a:blip r:embed="rId2">
-              <a:extLst>
-                <a:ext uri="{28A0092B-C50C-407E-A947-70E740481C1C}">
-                  <a14:useLocalDpi xmlns:a14="http://schemas.microsoft.com/office/drawing/2010/main" val="0"/>
-                </a:ext>
-              </a:extLst>
-            </a:blip>
-            <a:srcRect t="43930" r="45343"/>
-            <a:stretch/>
-          </p:blipFill>
-          <p:spPr bwMode="auto">
-            <a:xfrm flipV="1">
-              <a:off x="9344583" y="3203112"/>
-              <a:ext cx="1320826" cy="1178365"/>
-            </a:xfrm>
-            <a:prstGeom prst="rect">
-              <a:avLst/>
-            </a:prstGeom>
-            <a:noFill/>
-            <a:extLst>
-              <a:ext uri="{909E8E84-426E-40DD-AFC4-6F175D3DCCD1}">
-                <a14:hiddenFill xmlns:a14="http://schemas.microsoft.com/office/drawing/2010/main">
-                  <a:solidFill>
-                    <a:srgbClr val="FFFFFF"/>
-                  </a:solidFill>
-                </a14:hiddenFill>
-              </a:ext>
-            </a:extLst>
-          </p:spPr>
-        </p:pic>
-        <p:pic>
-          <p:nvPicPr>
-            <p:cNvPr id="3121" name="Picture 6">
-              <a:extLst>
-                <a:ext uri="{FF2B5EF4-FFF2-40B4-BE49-F238E27FC236}">
-                  <a16:creationId xmlns:a16="http://schemas.microsoft.com/office/drawing/2014/main" id="{4EB190CA-009D-ED0B-A450-D14276068CDF}"/>
-                </a:ext>
-              </a:extLst>
-            </p:cNvPr>
-            <p:cNvPicPr>
-              <a:picLocks noChangeAspect="1" noChangeArrowheads="1"/>
-            </p:cNvPicPr>
-            <p:nvPr/>
-          </p:nvPicPr>
-          <p:blipFill rotWithShape="1">
-            <a:blip r:embed="rId2">
-              <a:extLst>
-                <a:ext uri="{28A0092B-C50C-407E-A947-70E740481C1C}">
-                  <a14:useLocalDpi xmlns:a14="http://schemas.microsoft.com/office/drawing/2010/main" val="0"/>
-                </a:ext>
-              </a:extLst>
-            </a:blip>
-            <a:srcRect t="43930" r="45343"/>
-            <a:stretch/>
-          </p:blipFill>
-          <p:spPr bwMode="auto">
-            <a:xfrm flipH="1" flipV="1">
-              <a:off x="10608259" y="3203112"/>
-              <a:ext cx="1320826" cy="1178365"/>
-            </a:xfrm>
-            <a:prstGeom prst="rect">
-              <a:avLst/>
-            </a:prstGeom>
-            <a:noFill/>
-            <a:extLst>
-              <a:ext uri="{909E8E84-426E-40DD-AFC4-6F175D3DCCD1}">
-                <a14:hiddenFill xmlns:a14="http://schemas.microsoft.com/office/drawing/2010/main">
-                  <a:solidFill>
-                    <a:srgbClr val="FFFFFF"/>
-                  </a:solidFill>
-                </a14:hiddenFill>
-              </a:ext>
-            </a:extLst>
-          </p:spPr>
-        </p:pic>
-        <p:pic>
-          <p:nvPicPr>
-            <p:cNvPr id="3122" name="Picture 6">
-              <a:extLst>
-                <a:ext uri="{FF2B5EF4-FFF2-40B4-BE49-F238E27FC236}">
-                  <a16:creationId xmlns:a16="http://schemas.microsoft.com/office/drawing/2014/main" id="{75B15F82-56B0-27AB-A237-D24106CC3E7E}"/>
-                </a:ext>
-              </a:extLst>
-            </p:cNvPr>
-            <p:cNvPicPr>
-              <a:picLocks noChangeAspect="1" noChangeArrowheads="1"/>
-            </p:cNvPicPr>
-            <p:nvPr/>
-          </p:nvPicPr>
-          <p:blipFill rotWithShape="1">
-            <a:blip r:embed="rId2">
-              <a:extLst>
-                <a:ext uri="{28A0092B-C50C-407E-A947-70E740481C1C}">
-                  <a14:useLocalDpi xmlns:a14="http://schemas.microsoft.com/office/drawing/2010/main" val="0"/>
-                </a:ext>
-              </a:extLst>
-            </a:blip>
-            <a:srcRect t="43930" r="45343"/>
-            <a:stretch/>
-          </p:blipFill>
-          <p:spPr bwMode="auto">
-            <a:xfrm flipH="1">
-              <a:off x="10608259" y="4295752"/>
-              <a:ext cx="1320826" cy="1178365"/>
-            </a:xfrm>
-            <a:prstGeom prst="rect">
-              <a:avLst/>
-            </a:prstGeom>
-            <a:noFill/>
-            <a:extLst>
-              <a:ext uri="{909E8E84-426E-40DD-AFC4-6F175D3DCCD1}">
-                <a14:hiddenFill xmlns:a14="http://schemas.microsoft.com/office/drawing/2010/main">
-                  <a:solidFill>
-                    <a:srgbClr val="FFFFFF"/>
-                  </a:solidFill>
-                </a14:hiddenFill>
-              </a:ext>
-            </a:extLst>
-          </p:spPr>
-        </p:pic>
-      </p:grpSp>
       <p:pic>
         <p:nvPicPr>
-          <p:cNvPr id="3126" name="Picture 8">
-            <a:extLst>
-              <a:ext uri="{FF2B5EF4-FFF2-40B4-BE49-F238E27FC236}">
-                <a16:creationId xmlns:a16="http://schemas.microsoft.com/office/drawing/2014/main" id="{E762424A-8053-661D-214D-5A6A6251018D}"/>
+          <p:cNvPr id="2" name="Picture 8">
+            <a:extLst>
+              <a:ext uri="{FF2B5EF4-FFF2-40B4-BE49-F238E27FC236}">
+                <a16:creationId xmlns:a16="http://schemas.microsoft.com/office/drawing/2014/main" id="{0942303E-AC1F-10F0-8287-CEA51A87AFA1}"/>
               </a:ext>
             </a:extLst>
           </p:cNvPr>
@@ -7869,7 +8726,7 @@
           </p:cNvPicPr>
           <p:nvPr/>
         </p:nvPicPr>
-        <p:blipFill rotWithShape="1">
+        <p:blipFill>
           <a:blip r:embed="rId2">
             <a:extLst>
               <a:ext uri="{28A0092B-C50C-407E-A947-70E740481C1C}">
@@ -7877,13 +8734,15 @@
               </a:ext>
             </a:extLst>
           </a:blip>
-          <a:srcRect r="1988"/>
-          <a:stretch/>
+          <a:srcRect/>
+          <a:stretch>
+            <a:fillRect/>
+          </a:stretch>
         </p:blipFill>
         <p:spPr bwMode="auto">
           <a:xfrm>
-            <a:off x="822470" y="922899"/>
-            <a:ext cx="3644809" cy="3234005"/>
+            <a:off x="5292743" y="3203809"/>
+            <a:ext cx="3992646" cy="3472219"/>
           </a:xfrm>
           <a:prstGeom prst="rect">
             <a:avLst/>
@@ -7902,10 +8761,10 @@
       </p:pic>
       <p:pic>
         <p:nvPicPr>
-          <p:cNvPr id="3127" name="Picture 8">
-            <a:extLst>
-              <a:ext uri="{FF2B5EF4-FFF2-40B4-BE49-F238E27FC236}">
-                <a16:creationId xmlns:a16="http://schemas.microsoft.com/office/drawing/2014/main" id="{29E86343-B453-E003-6F01-B17FF940E799}"/>
+          <p:cNvPr id="3" name="Picture 8">
+            <a:extLst>
+              <a:ext uri="{FF2B5EF4-FFF2-40B4-BE49-F238E27FC236}">
+                <a16:creationId xmlns:a16="http://schemas.microsoft.com/office/drawing/2014/main" id="{3D1364F1-8E30-980B-97F9-DAB3A4D50979}"/>
               </a:ext>
             </a:extLst>
           </p:cNvPr>
@@ -7922,13 +8781,13 @@
               </a:ext>
             </a:extLst>
           </a:blip>
-          <a:srcRect l="8007" t="2466"/>
+          <a:srcRect r="1712"/>
           <a:stretch/>
         </p:blipFill>
         <p:spPr bwMode="auto">
           <a:xfrm>
-            <a:off x="4333485" y="3703729"/>
-            <a:ext cx="3420962" cy="3154271"/>
+            <a:off x="1822262" y="256141"/>
+            <a:ext cx="3924300" cy="3472219"/>
           </a:xfrm>
           <a:prstGeom prst="rect">
             <a:avLst/>
@@ -7947,10 +8806,10 @@
       </p:pic>
       <p:pic>
         <p:nvPicPr>
-          <p:cNvPr id="3125" name="Picture 8">
-            <a:extLst>
-              <a:ext uri="{FF2B5EF4-FFF2-40B4-BE49-F238E27FC236}">
-                <a16:creationId xmlns:a16="http://schemas.microsoft.com/office/drawing/2014/main" id="{B3E60859-1969-57B7-ACB3-D66167FAB32D}"/>
+          <p:cNvPr id="5128" name="Picture 8">
+            <a:extLst>
+              <a:ext uri="{FF2B5EF4-FFF2-40B4-BE49-F238E27FC236}">
+                <a16:creationId xmlns:a16="http://schemas.microsoft.com/office/drawing/2014/main" id="{ED191988-4743-BC45-910E-FD3AAF0325D3}"/>
               </a:ext>
             </a:extLst>
           </p:cNvPr>
@@ -7967,13 +8826,13 @@
               </a:ext>
             </a:extLst>
           </a:blip>
-          <a:srcRect t="2466" r="1604"/>
+          <a:srcRect t="2462" r="1712"/>
           <a:stretch/>
         </p:blipFill>
         <p:spPr bwMode="auto">
           <a:xfrm>
-            <a:off x="822471" y="3703729"/>
-            <a:ext cx="3659059" cy="3154271"/>
+            <a:off x="1819275" y="3289300"/>
+            <a:ext cx="3924300" cy="3386729"/>
           </a:xfrm>
           <a:prstGeom prst="rect">
             <a:avLst/>
@@ -7992,10 +8851,10 @@
       </p:pic>
       <p:sp>
         <p:nvSpPr>
-          <p:cNvPr id="15" name="Hexagon 14">
-            <a:extLst>
-              <a:ext uri="{FF2B5EF4-FFF2-40B4-BE49-F238E27FC236}">
-                <a16:creationId xmlns:a16="http://schemas.microsoft.com/office/drawing/2014/main" id="{CA210AD0-1184-0ED8-8314-9C67458F11F8}"/>
+          <p:cNvPr id="23" name="Hexagon 22">
+            <a:extLst>
+              <a:ext uri="{FF2B5EF4-FFF2-40B4-BE49-F238E27FC236}">
+                <a16:creationId xmlns:a16="http://schemas.microsoft.com/office/drawing/2014/main" id="{95F6E8AA-E51C-EF11-9603-A8A2058FEBC7}"/>
               </a:ext>
             </a:extLst>
           </p:cNvPr>
@@ -8006,8 +8865,8 @@
         </p:nvSpPr>
         <p:spPr>
           <a:xfrm>
-            <a:off x="687940" y="3330702"/>
-            <a:ext cx="1027723" cy="885969"/>
+            <a:off x="1974615" y="2968935"/>
+            <a:ext cx="1101061" cy="949191"/>
           </a:xfrm>
           <a:prstGeom prst="hexagon">
             <a:avLst/>
@@ -8046,10 +8905,10 @@
       </p:sp>
       <p:sp>
         <p:nvSpPr>
-          <p:cNvPr id="16" name="Hexagon 15">
-            <a:extLst>
-              <a:ext uri="{FF2B5EF4-FFF2-40B4-BE49-F238E27FC236}">
-                <a16:creationId xmlns:a16="http://schemas.microsoft.com/office/drawing/2014/main" id="{F7E5B642-D6DC-27D1-AAAE-9D95E7839BBD}"/>
+          <p:cNvPr id="24" name="Hexagon 23">
+            <a:extLst>
+              <a:ext uri="{FF2B5EF4-FFF2-40B4-BE49-F238E27FC236}">
+                <a16:creationId xmlns:a16="http://schemas.microsoft.com/office/drawing/2014/main" id="{E2137AB5-84C0-9474-6105-2C763501D3BA}"/>
               </a:ext>
             </a:extLst>
           </p:cNvPr>
@@ -8060,8 +8919,8 @@
         </p:nvSpPr>
         <p:spPr>
           <a:xfrm>
-            <a:off x="681273" y="4219455"/>
-            <a:ext cx="1027723" cy="885969"/>
+            <a:off x="1967472" y="3921109"/>
+            <a:ext cx="1101061" cy="949191"/>
           </a:xfrm>
           <a:prstGeom prst="hexagon">
             <a:avLst/>
@@ -8100,10 +8959,10 @@
       </p:sp>
       <p:sp>
         <p:nvSpPr>
-          <p:cNvPr id="17" name="Hexagon 16">
-            <a:extLst>
-              <a:ext uri="{FF2B5EF4-FFF2-40B4-BE49-F238E27FC236}">
-                <a16:creationId xmlns:a16="http://schemas.microsoft.com/office/drawing/2014/main" id="{04A1A5EA-4A1F-BC6E-3692-7F058625DEE6}"/>
+          <p:cNvPr id="25" name="Hexagon 24">
+            <a:extLst>
+              <a:ext uri="{FF2B5EF4-FFF2-40B4-BE49-F238E27FC236}">
+                <a16:creationId xmlns:a16="http://schemas.microsoft.com/office/drawing/2014/main" id="{F8C810D5-5537-7B6D-B440-1268350AA201}"/>
               </a:ext>
             </a:extLst>
           </p:cNvPr>
@@ -8114,8 +8973,8 @@
         </p:nvSpPr>
         <p:spPr>
           <a:xfrm>
-            <a:off x="681273" y="5101176"/>
-            <a:ext cx="1027723" cy="885969"/>
+            <a:off x="1967472" y="4865749"/>
+            <a:ext cx="1101061" cy="949191"/>
           </a:xfrm>
           <a:prstGeom prst="hexagon">
             <a:avLst/>
@@ -8154,10 +9013,10 @@
       </p:sp>
       <p:sp>
         <p:nvSpPr>
-          <p:cNvPr id="18" name="Hexagon 17">
-            <a:extLst>
-              <a:ext uri="{FF2B5EF4-FFF2-40B4-BE49-F238E27FC236}">
-                <a16:creationId xmlns:a16="http://schemas.microsoft.com/office/drawing/2014/main" id="{7B802C25-E8E5-3AD5-AA86-EC56DD658921}"/>
+          <p:cNvPr id="26" name="Hexagon 25">
+            <a:extLst>
+              <a:ext uri="{FF2B5EF4-FFF2-40B4-BE49-F238E27FC236}">
+                <a16:creationId xmlns:a16="http://schemas.microsoft.com/office/drawing/2014/main" id="{F77599D8-7767-A82D-07AA-3FB63B9BFD14}"/>
               </a:ext>
             </a:extLst>
           </p:cNvPr>
@@ -8168,8 +9027,8 @@
         </p:nvSpPr>
         <p:spPr>
           <a:xfrm>
-            <a:off x="1490185" y="5546282"/>
-            <a:ext cx="1027723" cy="885969"/>
+            <a:off x="2834107" y="5342618"/>
+            <a:ext cx="1101061" cy="949191"/>
           </a:xfrm>
           <a:prstGeom prst="hexagon">
             <a:avLst/>
@@ -8208,10 +9067,10 @@
       </p:sp>
       <p:sp>
         <p:nvSpPr>
-          <p:cNvPr id="19" name="Hexagon 18">
-            <a:extLst>
-              <a:ext uri="{FF2B5EF4-FFF2-40B4-BE49-F238E27FC236}">
-                <a16:creationId xmlns:a16="http://schemas.microsoft.com/office/drawing/2014/main" id="{F264AC56-895C-CBF0-AB22-DC2EB760F723}"/>
+          <p:cNvPr id="27" name="Hexagon 26">
+            <a:extLst>
+              <a:ext uri="{FF2B5EF4-FFF2-40B4-BE49-F238E27FC236}">
+                <a16:creationId xmlns:a16="http://schemas.microsoft.com/office/drawing/2014/main" id="{EDA58312-BC6C-10CE-D676-1A55FABD2974}"/>
               </a:ext>
             </a:extLst>
           </p:cNvPr>
@@ -8222,8 +9081,8 @@
         </p:nvSpPr>
         <p:spPr>
           <a:xfrm>
-            <a:off x="1490185" y="4663832"/>
-            <a:ext cx="1027723" cy="885969"/>
+            <a:off x="2834107" y="4397196"/>
+            <a:ext cx="1101061" cy="949191"/>
           </a:xfrm>
           <a:prstGeom prst="hexagon">
             <a:avLst/>
@@ -8262,10 +9121,10 @@
       </p:sp>
       <p:sp>
         <p:nvSpPr>
-          <p:cNvPr id="20" name="Hexagon 19">
-            <a:extLst>
-              <a:ext uri="{FF2B5EF4-FFF2-40B4-BE49-F238E27FC236}">
-                <a16:creationId xmlns:a16="http://schemas.microsoft.com/office/drawing/2014/main" id="{07B9D637-BA96-2B7F-EBC9-5B688778148D}"/>
+          <p:cNvPr id="28" name="Hexagon 27">
+            <a:extLst>
+              <a:ext uri="{FF2B5EF4-FFF2-40B4-BE49-F238E27FC236}">
+                <a16:creationId xmlns:a16="http://schemas.microsoft.com/office/drawing/2014/main" id="{500312F3-E150-1BF6-8E03-C5E66745B1B5}"/>
               </a:ext>
             </a:extLst>
           </p:cNvPr>
@@ -8276,8 +9135,8 @@
         </p:nvSpPr>
         <p:spPr>
           <a:xfrm>
-            <a:off x="1490185" y="3781382"/>
-            <a:ext cx="1027723" cy="885969"/>
+            <a:off x="2834107" y="3451775"/>
+            <a:ext cx="1101061" cy="949191"/>
           </a:xfrm>
           <a:prstGeom prst="hexagon">
             <a:avLst/>
@@ -8316,10 +9175,10 @@
       </p:sp>
       <p:sp>
         <p:nvSpPr>
-          <p:cNvPr id="21" name="Hexagon 20">
-            <a:extLst>
-              <a:ext uri="{FF2B5EF4-FFF2-40B4-BE49-F238E27FC236}">
-                <a16:creationId xmlns:a16="http://schemas.microsoft.com/office/drawing/2014/main" id="{65236423-21B3-ED2B-8057-5E9D7417482A}"/>
+          <p:cNvPr id="29" name="Hexagon 28">
+            <a:extLst>
+              <a:ext uri="{FF2B5EF4-FFF2-40B4-BE49-F238E27FC236}">
+                <a16:creationId xmlns:a16="http://schemas.microsoft.com/office/drawing/2014/main" id="{15731913-8430-CCBF-E728-912DD1051C0A}"/>
               </a:ext>
             </a:extLst>
           </p:cNvPr>
@@ -8330,8 +9189,8 @@
         </p:nvSpPr>
         <p:spPr>
           <a:xfrm>
-            <a:off x="2292430" y="3337534"/>
-            <a:ext cx="1027723" cy="885969"/>
+            <a:off x="3693601" y="2976254"/>
+            <a:ext cx="1101061" cy="949191"/>
           </a:xfrm>
           <a:prstGeom prst="hexagon">
             <a:avLst/>
@@ -8370,10 +9229,10 @@
       </p:sp>
       <p:sp>
         <p:nvSpPr>
-          <p:cNvPr id="22" name="Hexagon 21">
-            <a:extLst>
-              <a:ext uri="{FF2B5EF4-FFF2-40B4-BE49-F238E27FC236}">
-                <a16:creationId xmlns:a16="http://schemas.microsoft.com/office/drawing/2014/main" id="{4F7251F9-1271-4B5D-1B14-AD79DB034C73}"/>
+          <p:cNvPr id="30" name="Hexagon 29">
+            <a:extLst>
+              <a:ext uri="{FF2B5EF4-FFF2-40B4-BE49-F238E27FC236}">
+                <a16:creationId xmlns:a16="http://schemas.microsoft.com/office/drawing/2014/main" id="{FE4743FE-6712-EBB0-A5C5-B2274FF5C4DC}"/>
               </a:ext>
             </a:extLst>
           </p:cNvPr>
@@ -8384,8 +9243,8 @@
         </p:nvSpPr>
         <p:spPr>
           <a:xfrm>
-            <a:off x="2286491" y="4231939"/>
-            <a:ext cx="1027723" cy="885969"/>
+            <a:off x="3687238" y="3934484"/>
+            <a:ext cx="1101061" cy="949191"/>
           </a:xfrm>
           <a:prstGeom prst="hexagon">
             <a:avLst/>
@@ -8424,10 +9283,10 @@
       </p:sp>
       <p:sp>
         <p:nvSpPr>
-          <p:cNvPr id="23" name="Hexagon 22">
-            <a:extLst>
-              <a:ext uri="{FF2B5EF4-FFF2-40B4-BE49-F238E27FC236}">
-                <a16:creationId xmlns:a16="http://schemas.microsoft.com/office/drawing/2014/main" id="{4073D1F8-EC3D-0388-F726-CE0A24FC5B8A}"/>
+          <p:cNvPr id="40" name="Hexagon 39">
+            <a:extLst>
+              <a:ext uri="{FF2B5EF4-FFF2-40B4-BE49-F238E27FC236}">
+                <a16:creationId xmlns:a16="http://schemas.microsoft.com/office/drawing/2014/main" id="{F03E2C1C-BF9A-D1A4-AB96-44B915D89168}"/>
               </a:ext>
             </a:extLst>
           </p:cNvPr>
@@ -8438,8 +9297,8 @@
         </p:nvSpPr>
         <p:spPr>
           <a:xfrm>
-            <a:off x="3092337" y="3787995"/>
-            <a:ext cx="1027723" cy="885969"/>
+            <a:off x="4550589" y="3458860"/>
+            <a:ext cx="1101061" cy="949191"/>
           </a:xfrm>
           <a:prstGeom prst="hexagon">
             <a:avLst/>
@@ -8478,10 +9337,10 @@
       </p:sp>
       <p:sp>
         <p:nvSpPr>
-          <p:cNvPr id="24" name="Hexagon 23">
-            <a:extLst>
-              <a:ext uri="{FF2B5EF4-FFF2-40B4-BE49-F238E27FC236}">
-                <a16:creationId xmlns:a16="http://schemas.microsoft.com/office/drawing/2014/main" id="{881E2BDC-1F31-6D01-E04A-7C73381D6037}"/>
+          <p:cNvPr id="41" name="Hexagon 40">
+            <a:extLst>
+              <a:ext uri="{FF2B5EF4-FFF2-40B4-BE49-F238E27FC236}">
+                <a16:creationId xmlns:a16="http://schemas.microsoft.com/office/drawing/2014/main" id="{AA13D11E-D161-07F1-337A-0439DE47625A}"/>
               </a:ext>
             </a:extLst>
           </p:cNvPr>
@@ -8492,8 +9351,8 @@
         </p:nvSpPr>
         <p:spPr>
           <a:xfrm>
-            <a:off x="3092337" y="4676748"/>
-            <a:ext cx="1027723" cy="885969"/>
+            <a:off x="4550589" y="4411034"/>
+            <a:ext cx="1101061" cy="949191"/>
           </a:xfrm>
           <a:prstGeom prst="hexagon">
             <a:avLst/>
@@ -8532,10 +9391,10 @@
       </p:sp>
       <p:sp>
         <p:nvSpPr>
-          <p:cNvPr id="25" name="Hexagon 24">
-            <a:extLst>
-              <a:ext uri="{FF2B5EF4-FFF2-40B4-BE49-F238E27FC236}">
-                <a16:creationId xmlns:a16="http://schemas.microsoft.com/office/drawing/2014/main" id="{D0AE08D3-EA20-7B0E-7F1E-2C0558AF647E}"/>
+          <p:cNvPr id="42" name="Hexagon 41">
+            <a:extLst>
+              <a:ext uri="{FF2B5EF4-FFF2-40B4-BE49-F238E27FC236}">
+                <a16:creationId xmlns:a16="http://schemas.microsoft.com/office/drawing/2014/main" id="{37E2AD43-8C0F-AE4E-73F5-2ADF3F4328B5}"/>
               </a:ext>
             </a:extLst>
           </p:cNvPr>
@@ -8546,8 +9405,8 @@
         </p:nvSpPr>
         <p:spPr>
           <a:xfrm>
-            <a:off x="3092337" y="5571804"/>
-            <a:ext cx="1027723" cy="885969"/>
+            <a:off x="4550589" y="5369961"/>
+            <a:ext cx="1101061" cy="949191"/>
           </a:xfrm>
           <a:prstGeom prst="hexagon">
             <a:avLst/>
@@ -8586,10 +9445,10 @@
       </p:sp>
       <p:sp>
         <p:nvSpPr>
-          <p:cNvPr id="26" name="Hexagon 25">
-            <a:extLst>
-              <a:ext uri="{FF2B5EF4-FFF2-40B4-BE49-F238E27FC236}">
-                <a16:creationId xmlns:a16="http://schemas.microsoft.com/office/drawing/2014/main" id="{95823C0A-C918-E852-F828-D270E718F930}"/>
+          <p:cNvPr id="49" name="Hexagon 48">
+            <a:extLst>
+              <a:ext uri="{FF2B5EF4-FFF2-40B4-BE49-F238E27FC236}">
+                <a16:creationId xmlns:a16="http://schemas.microsoft.com/office/drawing/2014/main" id="{6DED218D-3761-F049-ADDA-F96E065614EC}"/>
               </a:ext>
             </a:extLst>
           </p:cNvPr>
@@ -8600,8 +9459,8 @@
         </p:nvSpPr>
         <p:spPr>
           <a:xfrm>
-            <a:off x="2293103" y="5112255"/>
-            <a:ext cx="1027723" cy="885969"/>
+            <a:off x="3694322" y="4877619"/>
+            <a:ext cx="1101061" cy="949191"/>
           </a:xfrm>
           <a:prstGeom prst="hexagon">
             <a:avLst/>
@@ -8640,10 +9499,10 @@
       </p:sp>
       <p:sp>
         <p:nvSpPr>
-          <p:cNvPr id="27" name="Hexagon 26">
-            <a:extLst>
-              <a:ext uri="{FF2B5EF4-FFF2-40B4-BE49-F238E27FC236}">
-                <a16:creationId xmlns:a16="http://schemas.microsoft.com/office/drawing/2014/main" id="{D957CCD2-1115-F210-0E4C-56330AA467F3}"/>
+          <p:cNvPr id="1025" name="Hexagon 1024">
+            <a:extLst>
+              <a:ext uri="{FF2B5EF4-FFF2-40B4-BE49-F238E27FC236}">
+                <a16:creationId xmlns:a16="http://schemas.microsoft.com/office/drawing/2014/main" id="{C7930FA0-BB84-E8BC-6F55-86DC44EB1517}"/>
               </a:ext>
             </a:extLst>
           </p:cNvPr>
@@ -8654,8 +9513,8 @@
         </p:nvSpPr>
         <p:spPr>
           <a:xfrm>
-            <a:off x="3910256" y="3330702"/>
-            <a:ext cx="1027723" cy="885969"/>
+            <a:off x="5426874" y="2968935"/>
+            <a:ext cx="1101061" cy="949191"/>
           </a:xfrm>
           <a:prstGeom prst="hexagon">
             <a:avLst/>
@@ -8694,10 +9553,10 @@
       </p:sp>
       <p:sp>
         <p:nvSpPr>
-          <p:cNvPr id="28" name="Hexagon 27">
-            <a:extLst>
-              <a:ext uri="{FF2B5EF4-FFF2-40B4-BE49-F238E27FC236}">
-                <a16:creationId xmlns:a16="http://schemas.microsoft.com/office/drawing/2014/main" id="{57F0378C-405F-DF31-4F57-9301727488B2}"/>
+          <p:cNvPr id="1027" name="Hexagon 1026">
+            <a:extLst>
+              <a:ext uri="{FF2B5EF4-FFF2-40B4-BE49-F238E27FC236}">
+                <a16:creationId xmlns:a16="http://schemas.microsoft.com/office/drawing/2014/main" id="{07BAD851-770C-F9A5-118E-93F5FFB185A8}"/>
               </a:ext>
             </a:extLst>
           </p:cNvPr>
@@ -8708,8 +9567,8 @@
         </p:nvSpPr>
         <p:spPr>
           <a:xfrm>
-            <a:off x="3903588" y="4219455"/>
-            <a:ext cx="1027723" cy="885969"/>
+            <a:off x="5419730" y="3921109"/>
+            <a:ext cx="1101061" cy="949191"/>
           </a:xfrm>
           <a:prstGeom prst="hexagon">
             <a:avLst/>
@@ -8748,10 +9607,10 @@
       </p:sp>
       <p:sp>
         <p:nvSpPr>
-          <p:cNvPr id="29" name="Hexagon 28">
-            <a:extLst>
-              <a:ext uri="{FF2B5EF4-FFF2-40B4-BE49-F238E27FC236}">
-                <a16:creationId xmlns:a16="http://schemas.microsoft.com/office/drawing/2014/main" id="{340DF2F7-B057-B48D-254B-51C75CF38CDA}"/>
+          <p:cNvPr id="1029" name="Hexagon 1028">
+            <a:extLst>
+              <a:ext uri="{FF2B5EF4-FFF2-40B4-BE49-F238E27FC236}">
+                <a16:creationId xmlns:a16="http://schemas.microsoft.com/office/drawing/2014/main" id="{D632B0F6-85EB-24F7-7939-C500C21C0D9E}"/>
               </a:ext>
             </a:extLst>
           </p:cNvPr>
@@ -8762,8 +9621,8 @@
         </p:nvSpPr>
         <p:spPr>
           <a:xfrm>
-            <a:off x="3903588" y="5101176"/>
-            <a:ext cx="1027723" cy="885969"/>
+            <a:off x="5419730" y="4865749"/>
+            <a:ext cx="1101061" cy="949191"/>
           </a:xfrm>
           <a:prstGeom prst="hexagon">
             <a:avLst/>
@@ -8802,10 +9661,10 @@
       </p:sp>
       <p:sp>
         <p:nvSpPr>
-          <p:cNvPr id="30" name="Hexagon 29">
-            <a:extLst>
-              <a:ext uri="{FF2B5EF4-FFF2-40B4-BE49-F238E27FC236}">
-                <a16:creationId xmlns:a16="http://schemas.microsoft.com/office/drawing/2014/main" id="{FA593AA6-1EA7-31C4-6469-61AACE3BD455}"/>
+          <p:cNvPr id="1030" name="Hexagon 1029">
+            <a:extLst>
+              <a:ext uri="{FF2B5EF4-FFF2-40B4-BE49-F238E27FC236}">
+                <a16:creationId xmlns:a16="http://schemas.microsoft.com/office/drawing/2014/main" id="{94B24927-43D8-1C74-168D-351ED75387C9}"/>
               </a:ext>
             </a:extLst>
           </p:cNvPr>
@@ -8816,8 +9675,8 @@
         </p:nvSpPr>
         <p:spPr>
           <a:xfrm>
-            <a:off x="4711247" y="5537514"/>
-            <a:ext cx="1027723" cy="885969"/>
+            <a:off x="6286366" y="5342618"/>
+            <a:ext cx="1101061" cy="949191"/>
           </a:xfrm>
           <a:prstGeom prst="hexagon">
             <a:avLst/>
@@ -8856,10 +9715,10 @@
       </p:sp>
       <p:sp>
         <p:nvSpPr>
-          <p:cNvPr id="31" name="Hexagon 30">
-            <a:extLst>
-              <a:ext uri="{FF2B5EF4-FFF2-40B4-BE49-F238E27FC236}">
-                <a16:creationId xmlns:a16="http://schemas.microsoft.com/office/drawing/2014/main" id="{9B4F0A47-5E0D-6C47-C319-40D036335536}"/>
+          <p:cNvPr id="1031" name="Hexagon 1030">
+            <a:extLst>
+              <a:ext uri="{FF2B5EF4-FFF2-40B4-BE49-F238E27FC236}">
+                <a16:creationId xmlns:a16="http://schemas.microsoft.com/office/drawing/2014/main" id="{3DB7BA57-7A0A-69E4-2AF2-2C4D8F441114}"/>
               </a:ext>
             </a:extLst>
           </p:cNvPr>
@@ -8870,8 +9729,8 @@
         </p:nvSpPr>
         <p:spPr>
           <a:xfrm>
-            <a:off x="4711247" y="4655064"/>
-            <a:ext cx="1027723" cy="885969"/>
+            <a:off x="6286366" y="4397196"/>
+            <a:ext cx="1101061" cy="949191"/>
           </a:xfrm>
           <a:prstGeom prst="hexagon">
             <a:avLst/>
@@ -8910,10 +9769,10 @@
       </p:sp>
       <p:sp>
         <p:nvSpPr>
-          <p:cNvPr id="32" name="Hexagon 31">
-            <a:extLst>
-              <a:ext uri="{FF2B5EF4-FFF2-40B4-BE49-F238E27FC236}">
-                <a16:creationId xmlns:a16="http://schemas.microsoft.com/office/drawing/2014/main" id="{D9C7E926-4C8D-317C-FD13-663460428E4A}"/>
+          <p:cNvPr id="1032" name="Hexagon 1031">
+            <a:extLst>
+              <a:ext uri="{FF2B5EF4-FFF2-40B4-BE49-F238E27FC236}">
+                <a16:creationId xmlns:a16="http://schemas.microsoft.com/office/drawing/2014/main" id="{C03011F2-1859-3E52-FEC8-55F61BD5FFF3}"/>
               </a:ext>
             </a:extLst>
           </p:cNvPr>
@@ -8924,8 +9783,8 @@
         </p:nvSpPr>
         <p:spPr>
           <a:xfrm>
-            <a:off x="4711247" y="3772614"/>
-            <a:ext cx="1027723" cy="885969"/>
+            <a:off x="6286366" y="3451775"/>
+            <a:ext cx="1101061" cy="949191"/>
           </a:xfrm>
           <a:prstGeom prst="hexagon">
             <a:avLst/>
@@ -8964,10 +9823,10 @@
       </p:sp>
       <p:sp>
         <p:nvSpPr>
-          <p:cNvPr id="33" name="Hexagon 32">
-            <a:extLst>
-              <a:ext uri="{FF2B5EF4-FFF2-40B4-BE49-F238E27FC236}">
-                <a16:creationId xmlns:a16="http://schemas.microsoft.com/office/drawing/2014/main" id="{98C4B400-33AA-B59B-D441-11FF1D9F3C18}"/>
+          <p:cNvPr id="1033" name="Hexagon 1032">
+            <a:extLst>
+              <a:ext uri="{FF2B5EF4-FFF2-40B4-BE49-F238E27FC236}">
+                <a16:creationId xmlns:a16="http://schemas.microsoft.com/office/drawing/2014/main" id="{AE75FE7B-A81B-2956-56D7-45F8EB881D36}"/>
               </a:ext>
             </a:extLst>
           </p:cNvPr>
@@ -8978,8 +9837,8 @@
         </p:nvSpPr>
         <p:spPr>
           <a:xfrm>
-            <a:off x="5513493" y="3328765"/>
-            <a:ext cx="1027723" cy="885969"/>
+            <a:off x="7145860" y="2976253"/>
+            <a:ext cx="1101061" cy="949191"/>
           </a:xfrm>
           <a:prstGeom prst="hexagon">
             <a:avLst/>
@@ -9018,10 +9877,10 @@
       </p:sp>
       <p:sp>
         <p:nvSpPr>
-          <p:cNvPr id="34" name="Hexagon 33">
-            <a:extLst>
-              <a:ext uri="{FF2B5EF4-FFF2-40B4-BE49-F238E27FC236}">
-                <a16:creationId xmlns:a16="http://schemas.microsoft.com/office/drawing/2014/main" id="{12FAF854-63C7-26A3-E366-5FC60D5CDD70}"/>
+          <p:cNvPr id="1034" name="Hexagon 1033">
+            <a:extLst>
+              <a:ext uri="{FF2B5EF4-FFF2-40B4-BE49-F238E27FC236}">
+                <a16:creationId xmlns:a16="http://schemas.microsoft.com/office/drawing/2014/main" id="{54025567-2401-C213-CA49-AFB6FBE39109}"/>
               </a:ext>
             </a:extLst>
           </p:cNvPr>
@@ -9032,8 +9891,8 @@
         </p:nvSpPr>
         <p:spPr>
           <a:xfrm>
-            <a:off x="5507554" y="4223172"/>
-            <a:ext cx="1027723" cy="885969"/>
+            <a:off x="7139497" y="3934485"/>
+            <a:ext cx="1101061" cy="949191"/>
           </a:xfrm>
           <a:prstGeom prst="hexagon">
             <a:avLst/>
@@ -9072,10 +9931,10 @@
       </p:sp>
       <p:sp>
         <p:nvSpPr>
-          <p:cNvPr id="35" name="Hexagon 34">
-            <a:extLst>
-              <a:ext uri="{FF2B5EF4-FFF2-40B4-BE49-F238E27FC236}">
-                <a16:creationId xmlns:a16="http://schemas.microsoft.com/office/drawing/2014/main" id="{A2814153-2EE6-1025-2602-49BAC33D9A77}"/>
+          <p:cNvPr id="1035" name="Hexagon 1034">
+            <a:extLst>
+              <a:ext uri="{FF2B5EF4-FFF2-40B4-BE49-F238E27FC236}">
+                <a16:creationId xmlns:a16="http://schemas.microsoft.com/office/drawing/2014/main" id="{E0349C23-4111-3D32-480E-A5D8E9E50CE5}"/>
               </a:ext>
             </a:extLst>
           </p:cNvPr>
@@ -9086,8 +9945,8 @@
         </p:nvSpPr>
         <p:spPr>
           <a:xfrm>
-            <a:off x="6313400" y="3779228"/>
-            <a:ext cx="1027723" cy="885969"/>
+            <a:off x="8002848" y="3458861"/>
+            <a:ext cx="1101061" cy="949191"/>
           </a:xfrm>
           <a:prstGeom prst="hexagon">
             <a:avLst/>
@@ -9126,10 +9985,10 @@
       </p:sp>
       <p:sp>
         <p:nvSpPr>
-          <p:cNvPr id="36" name="Hexagon 35">
-            <a:extLst>
-              <a:ext uri="{FF2B5EF4-FFF2-40B4-BE49-F238E27FC236}">
-                <a16:creationId xmlns:a16="http://schemas.microsoft.com/office/drawing/2014/main" id="{670B1B09-5F7B-164B-22C2-59E8CA1F4330}"/>
+          <p:cNvPr id="1036" name="Hexagon 1035">
+            <a:extLst>
+              <a:ext uri="{FF2B5EF4-FFF2-40B4-BE49-F238E27FC236}">
+                <a16:creationId xmlns:a16="http://schemas.microsoft.com/office/drawing/2014/main" id="{F83ECF99-64C5-797E-B098-E76380388873}"/>
               </a:ext>
             </a:extLst>
           </p:cNvPr>
@@ -9140,8 +9999,8 @@
         </p:nvSpPr>
         <p:spPr>
           <a:xfrm>
-            <a:off x="6313400" y="4667980"/>
-            <a:ext cx="1027723" cy="885969"/>
+            <a:off x="8002848" y="4411034"/>
+            <a:ext cx="1101061" cy="949191"/>
           </a:xfrm>
           <a:prstGeom prst="hexagon">
             <a:avLst/>
@@ -9180,10 +10039,10 @@
       </p:sp>
       <p:sp>
         <p:nvSpPr>
-          <p:cNvPr id="37" name="Hexagon 36">
-            <a:extLst>
-              <a:ext uri="{FF2B5EF4-FFF2-40B4-BE49-F238E27FC236}">
-                <a16:creationId xmlns:a16="http://schemas.microsoft.com/office/drawing/2014/main" id="{E10669BB-52CA-8F0C-9259-535888E6D5B4}"/>
+          <p:cNvPr id="1037" name="Hexagon 1036">
+            <a:extLst>
+              <a:ext uri="{FF2B5EF4-FFF2-40B4-BE49-F238E27FC236}">
+                <a16:creationId xmlns:a16="http://schemas.microsoft.com/office/drawing/2014/main" id="{3EFEC826-0843-1F99-73DF-98C2B066C33D}"/>
               </a:ext>
             </a:extLst>
           </p:cNvPr>
@@ -9194,8 +10053,8 @@
         </p:nvSpPr>
         <p:spPr>
           <a:xfrm>
-            <a:off x="6313400" y="5563036"/>
-            <a:ext cx="1027723" cy="885969"/>
+            <a:off x="8002848" y="5369961"/>
+            <a:ext cx="1101061" cy="949191"/>
           </a:xfrm>
           <a:prstGeom prst="hexagon">
             <a:avLst/>
@@ -9234,10 +10093,10 @@
       </p:sp>
       <p:sp>
         <p:nvSpPr>
-          <p:cNvPr id="38" name="Hexagon 37">
-            <a:extLst>
-              <a:ext uri="{FF2B5EF4-FFF2-40B4-BE49-F238E27FC236}">
-                <a16:creationId xmlns:a16="http://schemas.microsoft.com/office/drawing/2014/main" id="{ED925D24-0D7F-FC17-35CC-ED7C93B2CE3D}"/>
+          <p:cNvPr id="1038" name="Hexagon 1037">
+            <a:extLst>
+              <a:ext uri="{FF2B5EF4-FFF2-40B4-BE49-F238E27FC236}">
+                <a16:creationId xmlns:a16="http://schemas.microsoft.com/office/drawing/2014/main" id="{0BCE8D4E-D1B7-EB16-800E-B94AFEB8750D}"/>
               </a:ext>
             </a:extLst>
           </p:cNvPr>
@@ -9248,8 +10107,8 @@
         </p:nvSpPr>
         <p:spPr>
           <a:xfrm>
-            <a:off x="5514166" y="5103487"/>
-            <a:ext cx="1027723" cy="885969"/>
+            <a:off x="7146581" y="4877619"/>
+            <a:ext cx="1101061" cy="949191"/>
           </a:xfrm>
           <a:prstGeom prst="hexagon">
             <a:avLst/>
@@ -9288,10 +10147,10 @@
       </p:sp>
       <p:sp>
         <p:nvSpPr>
-          <p:cNvPr id="39" name="Hexagon 38">
-            <a:extLst>
-              <a:ext uri="{FF2B5EF4-FFF2-40B4-BE49-F238E27FC236}">
-                <a16:creationId xmlns:a16="http://schemas.microsoft.com/office/drawing/2014/main" id="{B06DFB42-CA3F-20B0-9947-0CC69165638F}"/>
+          <p:cNvPr id="1041" name="Hexagon 1040">
+            <a:extLst>
+              <a:ext uri="{FF2B5EF4-FFF2-40B4-BE49-F238E27FC236}">
+                <a16:creationId xmlns:a16="http://schemas.microsoft.com/office/drawing/2014/main" id="{233AE70B-20DB-13A2-B087-EABEF323EEE8}"/>
               </a:ext>
             </a:extLst>
           </p:cNvPr>
@@ -9302,8 +10161,8 @@
         </p:nvSpPr>
         <p:spPr>
           <a:xfrm>
-            <a:off x="687940" y="684611"/>
-            <a:ext cx="1027723" cy="885969"/>
+            <a:off x="1974615" y="123371"/>
+            <a:ext cx="1101061" cy="949191"/>
           </a:xfrm>
           <a:prstGeom prst="hexagon">
             <a:avLst/>
@@ -9342,10 +10201,10 @@
       </p:sp>
       <p:sp>
         <p:nvSpPr>
-          <p:cNvPr id="40" name="Hexagon 39">
-            <a:extLst>
-              <a:ext uri="{FF2B5EF4-FFF2-40B4-BE49-F238E27FC236}">
-                <a16:creationId xmlns:a16="http://schemas.microsoft.com/office/drawing/2014/main" id="{899EB4C8-5E32-9F10-45C1-DA10C9FBA94E}"/>
+          <p:cNvPr id="1042" name="Hexagon 1041">
+            <a:extLst>
+              <a:ext uri="{FF2B5EF4-FFF2-40B4-BE49-F238E27FC236}">
+                <a16:creationId xmlns:a16="http://schemas.microsoft.com/office/drawing/2014/main" id="{3DE50CB0-C76B-A63E-8679-7E0A8959A0B9}"/>
               </a:ext>
             </a:extLst>
           </p:cNvPr>
@@ -9356,8 +10215,8 @@
         </p:nvSpPr>
         <p:spPr>
           <a:xfrm>
-            <a:off x="681273" y="1563425"/>
-            <a:ext cx="1027723" cy="885969"/>
+            <a:off x="1967472" y="1075545"/>
+            <a:ext cx="1101061" cy="949191"/>
           </a:xfrm>
           <a:prstGeom prst="hexagon">
             <a:avLst/>
@@ -9396,10 +10255,10 @@
       </p:sp>
       <p:sp>
         <p:nvSpPr>
-          <p:cNvPr id="41" name="Hexagon 40">
-            <a:extLst>
-              <a:ext uri="{FF2B5EF4-FFF2-40B4-BE49-F238E27FC236}">
-                <a16:creationId xmlns:a16="http://schemas.microsoft.com/office/drawing/2014/main" id="{B9A8FE6C-50FB-88BE-5980-9DB144B17A4F}"/>
+          <p:cNvPr id="1043" name="Hexagon 1042">
+            <a:extLst>
+              <a:ext uri="{FF2B5EF4-FFF2-40B4-BE49-F238E27FC236}">
+                <a16:creationId xmlns:a16="http://schemas.microsoft.com/office/drawing/2014/main" id="{29D05AB5-6B19-44C7-74B5-B5B33DBEB87D}"/>
               </a:ext>
             </a:extLst>
           </p:cNvPr>
@@ -9410,8 +10269,8 @@
         </p:nvSpPr>
         <p:spPr>
           <a:xfrm>
-            <a:off x="681273" y="2445145"/>
-            <a:ext cx="1027723" cy="885969"/>
+            <a:off x="1967472" y="2020185"/>
+            <a:ext cx="1101061" cy="949191"/>
           </a:xfrm>
           <a:prstGeom prst="hexagon">
             <a:avLst/>
@@ -9450,10 +10309,10 @@
       </p:sp>
       <p:sp>
         <p:nvSpPr>
-          <p:cNvPr id="42" name="Hexagon 41">
-            <a:extLst>
-              <a:ext uri="{FF2B5EF4-FFF2-40B4-BE49-F238E27FC236}">
-                <a16:creationId xmlns:a16="http://schemas.microsoft.com/office/drawing/2014/main" id="{0FBB4FFE-43F2-30CF-EE61-7C918083C1EE}"/>
+          <p:cNvPr id="1044" name="Hexagon 1043">
+            <a:extLst>
+              <a:ext uri="{FF2B5EF4-FFF2-40B4-BE49-F238E27FC236}">
+                <a16:creationId xmlns:a16="http://schemas.microsoft.com/office/drawing/2014/main" id="{30A6E450-0182-357B-895E-052D58DB7A20}"/>
               </a:ext>
             </a:extLst>
           </p:cNvPr>
@@ -9464,8 +10323,8 @@
         </p:nvSpPr>
         <p:spPr>
           <a:xfrm>
-            <a:off x="1490185" y="2890252"/>
-            <a:ext cx="1027723" cy="885969"/>
+            <a:off x="2834107" y="2497054"/>
+            <a:ext cx="1101061" cy="949191"/>
           </a:xfrm>
           <a:prstGeom prst="hexagon">
             <a:avLst/>
@@ -9504,10 +10363,10 @@
       </p:sp>
       <p:sp>
         <p:nvSpPr>
-          <p:cNvPr id="43" name="Hexagon 42">
-            <a:extLst>
-              <a:ext uri="{FF2B5EF4-FFF2-40B4-BE49-F238E27FC236}">
-                <a16:creationId xmlns:a16="http://schemas.microsoft.com/office/drawing/2014/main" id="{EFDE3350-ED57-B482-6706-42BC01FC9954}"/>
+          <p:cNvPr id="1045" name="Hexagon 1044">
+            <a:extLst>
+              <a:ext uri="{FF2B5EF4-FFF2-40B4-BE49-F238E27FC236}">
+                <a16:creationId xmlns:a16="http://schemas.microsoft.com/office/drawing/2014/main" id="{E824D373-3145-98BD-613C-E22BE76D8876}"/>
               </a:ext>
             </a:extLst>
           </p:cNvPr>
@@ -9518,8 +10377,8 @@
         </p:nvSpPr>
         <p:spPr>
           <a:xfrm>
-            <a:off x="1490185" y="2007802"/>
-            <a:ext cx="1027723" cy="885969"/>
+            <a:off x="2834107" y="1551633"/>
+            <a:ext cx="1101061" cy="949191"/>
           </a:xfrm>
           <a:prstGeom prst="hexagon">
             <a:avLst/>
@@ -9558,10 +10417,10 @@
       </p:sp>
       <p:sp>
         <p:nvSpPr>
-          <p:cNvPr id="44" name="Hexagon 43">
-            <a:extLst>
-              <a:ext uri="{FF2B5EF4-FFF2-40B4-BE49-F238E27FC236}">
-                <a16:creationId xmlns:a16="http://schemas.microsoft.com/office/drawing/2014/main" id="{6B69EB2D-E17F-7C1D-7CA7-656AE3F22B52}"/>
+          <p:cNvPr id="1046" name="Hexagon 1045">
+            <a:extLst>
+              <a:ext uri="{FF2B5EF4-FFF2-40B4-BE49-F238E27FC236}">
+                <a16:creationId xmlns:a16="http://schemas.microsoft.com/office/drawing/2014/main" id="{6767733A-16D2-4B6C-34BB-01A31C7E6626}"/>
               </a:ext>
             </a:extLst>
           </p:cNvPr>
@@ -9572,8 +10431,8 @@
         </p:nvSpPr>
         <p:spPr>
           <a:xfrm>
-            <a:off x="1490185" y="1125352"/>
-            <a:ext cx="1027723" cy="885969"/>
+            <a:off x="2834107" y="606211"/>
+            <a:ext cx="1101061" cy="949191"/>
           </a:xfrm>
           <a:prstGeom prst="hexagon">
             <a:avLst/>
@@ -9612,10 +10471,10 @@
       </p:sp>
       <p:sp>
         <p:nvSpPr>
-          <p:cNvPr id="45" name="Hexagon 44">
-            <a:extLst>
-              <a:ext uri="{FF2B5EF4-FFF2-40B4-BE49-F238E27FC236}">
-                <a16:creationId xmlns:a16="http://schemas.microsoft.com/office/drawing/2014/main" id="{9A8A1888-87FA-22AB-AA83-228AE43461B3}"/>
+          <p:cNvPr id="1047" name="Hexagon 1046">
+            <a:extLst>
+              <a:ext uri="{FF2B5EF4-FFF2-40B4-BE49-F238E27FC236}">
+                <a16:creationId xmlns:a16="http://schemas.microsoft.com/office/drawing/2014/main" id="{CDACEC79-344B-B4E4-41E0-EBF8AF32F90C}"/>
               </a:ext>
             </a:extLst>
           </p:cNvPr>
@@ -9626,8 +10485,8 @@
         </p:nvSpPr>
         <p:spPr>
           <a:xfrm>
-            <a:off x="2292430" y="681503"/>
-            <a:ext cx="1027723" cy="885969"/>
+            <a:off x="3693601" y="130689"/>
+            <a:ext cx="1101061" cy="949191"/>
           </a:xfrm>
           <a:prstGeom prst="hexagon">
             <a:avLst/>
@@ -9666,10 +10525,10 @@
       </p:sp>
       <p:sp>
         <p:nvSpPr>
-          <p:cNvPr id="46" name="Hexagon 45">
-            <a:extLst>
-              <a:ext uri="{FF2B5EF4-FFF2-40B4-BE49-F238E27FC236}">
-                <a16:creationId xmlns:a16="http://schemas.microsoft.com/office/drawing/2014/main" id="{E2ACDE21-E39F-4538-8433-BC27FF9DA4E4}"/>
+          <p:cNvPr id="1048" name="Hexagon 1047">
+            <a:extLst>
+              <a:ext uri="{FF2B5EF4-FFF2-40B4-BE49-F238E27FC236}">
+                <a16:creationId xmlns:a16="http://schemas.microsoft.com/office/drawing/2014/main" id="{1E35B54C-090A-1F13-14AA-318518BC9368}"/>
               </a:ext>
             </a:extLst>
           </p:cNvPr>
@@ -9680,8 +10539,8 @@
         </p:nvSpPr>
         <p:spPr>
           <a:xfrm>
-            <a:off x="2286491" y="1575910"/>
-            <a:ext cx="1027723" cy="885969"/>
+            <a:off x="3687238" y="1088921"/>
+            <a:ext cx="1101061" cy="949191"/>
           </a:xfrm>
           <a:prstGeom prst="hexagon">
             <a:avLst/>
@@ -9720,10 +10579,10 @@
       </p:sp>
       <p:sp>
         <p:nvSpPr>
-          <p:cNvPr id="47" name="Hexagon 46">
-            <a:extLst>
-              <a:ext uri="{FF2B5EF4-FFF2-40B4-BE49-F238E27FC236}">
-                <a16:creationId xmlns:a16="http://schemas.microsoft.com/office/drawing/2014/main" id="{8BEA754F-0B55-CBC6-D31E-BF0D898F8DDF}"/>
+          <p:cNvPr id="1049" name="Hexagon 1048">
+            <a:extLst>
+              <a:ext uri="{FF2B5EF4-FFF2-40B4-BE49-F238E27FC236}">
+                <a16:creationId xmlns:a16="http://schemas.microsoft.com/office/drawing/2014/main" id="{BCBB82C8-E63A-EE61-6294-25E618FEB54B}"/>
               </a:ext>
             </a:extLst>
           </p:cNvPr>
@@ -9734,8 +10593,8 @@
         </p:nvSpPr>
         <p:spPr>
           <a:xfrm>
-            <a:off x="3092337" y="1131966"/>
-            <a:ext cx="1027723" cy="885969"/>
+            <a:off x="4550589" y="613297"/>
+            <a:ext cx="1101061" cy="949191"/>
           </a:xfrm>
           <a:prstGeom prst="hexagon">
             <a:avLst/>
@@ -9774,10 +10633,10 @@
       </p:sp>
       <p:sp>
         <p:nvSpPr>
-          <p:cNvPr id="48" name="Hexagon 47">
-            <a:extLst>
-              <a:ext uri="{FF2B5EF4-FFF2-40B4-BE49-F238E27FC236}">
-                <a16:creationId xmlns:a16="http://schemas.microsoft.com/office/drawing/2014/main" id="{E90474B3-1116-4B99-3E93-A9F0A332F3CD}"/>
+          <p:cNvPr id="1050" name="Hexagon 1049">
+            <a:extLst>
+              <a:ext uri="{FF2B5EF4-FFF2-40B4-BE49-F238E27FC236}">
+                <a16:creationId xmlns:a16="http://schemas.microsoft.com/office/drawing/2014/main" id="{70D2298F-7505-8383-97B8-EEAD8289CED8}"/>
               </a:ext>
             </a:extLst>
           </p:cNvPr>
@@ -9788,8 +10647,8 @@
         </p:nvSpPr>
         <p:spPr>
           <a:xfrm>
-            <a:off x="3092337" y="2020718"/>
-            <a:ext cx="1027723" cy="885969"/>
+            <a:off x="4550589" y="1565470"/>
+            <a:ext cx="1101061" cy="949191"/>
           </a:xfrm>
           <a:prstGeom prst="hexagon">
             <a:avLst/>
@@ -9828,10 +10687,10 @@
       </p:sp>
       <p:sp>
         <p:nvSpPr>
-          <p:cNvPr id="49" name="Hexagon 48">
-            <a:extLst>
-              <a:ext uri="{FF2B5EF4-FFF2-40B4-BE49-F238E27FC236}">
-                <a16:creationId xmlns:a16="http://schemas.microsoft.com/office/drawing/2014/main" id="{298715B5-37C2-1F18-7A83-7819A17EFFCC}"/>
+          <p:cNvPr id="1051" name="Hexagon 1050">
+            <a:extLst>
+              <a:ext uri="{FF2B5EF4-FFF2-40B4-BE49-F238E27FC236}">
+                <a16:creationId xmlns:a16="http://schemas.microsoft.com/office/drawing/2014/main" id="{DC63DC33-6F51-897F-07D6-CC39F55F7C19}"/>
               </a:ext>
             </a:extLst>
           </p:cNvPr>
@@ -9842,8 +10701,8 @@
         </p:nvSpPr>
         <p:spPr>
           <a:xfrm>
-            <a:off x="3092337" y="2915775"/>
-            <a:ext cx="1027723" cy="885969"/>
+            <a:off x="4550589" y="2524398"/>
+            <a:ext cx="1101061" cy="949191"/>
           </a:xfrm>
           <a:prstGeom prst="hexagon">
             <a:avLst/>
@@ -9882,10 +10741,10 @@
       </p:sp>
       <p:sp>
         <p:nvSpPr>
-          <p:cNvPr id="50" name="Hexagon 49">
-            <a:extLst>
-              <a:ext uri="{FF2B5EF4-FFF2-40B4-BE49-F238E27FC236}">
-                <a16:creationId xmlns:a16="http://schemas.microsoft.com/office/drawing/2014/main" id="{E2143180-654D-71A8-63A7-13CC60ACF53D}"/>
+          <p:cNvPr id="1052" name="Hexagon 1051">
+            <a:extLst>
+              <a:ext uri="{FF2B5EF4-FFF2-40B4-BE49-F238E27FC236}">
+                <a16:creationId xmlns:a16="http://schemas.microsoft.com/office/drawing/2014/main" id="{A6BED701-B11E-C171-A218-15045EBA5BCB}"/>
               </a:ext>
             </a:extLst>
           </p:cNvPr>
@@ -9896,8 +10755,8 @@
         </p:nvSpPr>
         <p:spPr>
           <a:xfrm>
-            <a:off x="2293104" y="2456225"/>
-            <a:ext cx="1027723" cy="885969"/>
+            <a:off x="3694323" y="2032055"/>
+            <a:ext cx="1101061" cy="949191"/>
           </a:xfrm>
           <a:prstGeom prst="hexagon">
             <a:avLst/>
@@ -9936,10 +10795,10 @@
       </p:sp>
       <p:sp>
         <p:nvSpPr>
-          <p:cNvPr id="51" name="TextBox 50">
-            <a:extLst>
-              <a:ext uri="{FF2B5EF4-FFF2-40B4-BE49-F238E27FC236}">
-                <a16:creationId xmlns:a16="http://schemas.microsoft.com/office/drawing/2014/main" id="{D14CB1DA-0C62-F603-4223-3460BC919ACC}"/>
+          <p:cNvPr id="1054" name="TextBox 1053">
+            <a:extLst>
+              <a:ext uri="{FF2B5EF4-FFF2-40B4-BE49-F238E27FC236}">
+                <a16:creationId xmlns:a16="http://schemas.microsoft.com/office/drawing/2014/main" id="{E16D4160-E2CF-117C-20CB-9D971F61732B}"/>
               </a:ext>
             </a:extLst>
           </p:cNvPr>
@@ -9948,8 +10807,8 @@
         </p:nvSpPr>
         <p:spPr>
           <a:xfrm>
-            <a:off x="8117174" y="4317777"/>
-            <a:ext cx="4120622" cy="461665"/>
+            <a:off x="6836896" y="857059"/>
+            <a:ext cx="3090073" cy="461665"/>
           </a:xfrm>
           <a:prstGeom prst="rect">
             <a:avLst/>
@@ -9965,189 +10824,50 @@
             <a:pPr algn="ctr"/>
             <a:r>
               <a:rPr lang="en-US" sz="2400" b="1" dirty="0"/>
-              <a:t>Unpadded PBC (Full/</a:t>
-            </a:r>
-            <a:r>
-              <a:rPr lang="en-US" sz="2400" b="1" dirty="0">
-                <a:solidFill>
-                  <a:srgbClr val="C00000"/>
-                </a:solidFill>
-              </a:rPr>
-              <a:t>Cos</a:t>
-            </a:r>
-            <a:r>
-              <a:rPr lang="en-US" sz="2400" b="1" dirty="0"/>
-              <a:t> FFT)</a:t>
-            </a:r>
-          </a:p>
-        </p:txBody>
-      </p:sp>
-      <p:sp>
-        <p:nvSpPr>
-          <p:cNvPr id="3098" name="Hexagon 3097">
-            <a:extLst>
-              <a:ext uri="{FF2B5EF4-FFF2-40B4-BE49-F238E27FC236}">
-                <a16:creationId xmlns:a16="http://schemas.microsoft.com/office/drawing/2014/main" id="{AED672C7-B2C8-A881-E55C-D39B5AF449DF}"/>
-              </a:ext>
-            </a:extLst>
-          </p:cNvPr>
-          <p:cNvSpPr>
-            <a:spLocks noChangeAspect="1"/>
-          </p:cNvSpPr>
-          <p:nvPr/>
-        </p:nvSpPr>
-        <p:spPr>
-          <a:xfrm>
-            <a:off x="7129748" y="3334556"/>
-            <a:ext cx="1027723" cy="885969"/>
-          </a:xfrm>
-          <a:prstGeom prst="hexagon">
+              <a:t>Padded PBC (Full FFT)</a:t>
+            </a:r>
+          </a:p>
+        </p:txBody>
+      </p:sp>
+      <p:sp>
+        <p:nvSpPr>
+          <p:cNvPr id="4" name="TextBox 3">
+            <a:extLst>
+              <a:ext uri="{FF2B5EF4-FFF2-40B4-BE49-F238E27FC236}">
+                <a16:creationId xmlns:a16="http://schemas.microsoft.com/office/drawing/2014/main" id="{E790C61F-5E95-A1FC-DF35-A2152D6F59F6}"/>
+              </a:ext>
+            </a:extLst>
+          </p:cNvPr>
+          <p:cNvSpPr txBox="1"/>
+          <p:nvPr/>
+        </p:nvSpPr>
+        <p:spPr>
+          <a:xfrm>
+            <a:off x="6445440" y="1667051"/>
+            <a:ext cx="5175060" cy="369332"/>
+          </a:xfrm>
+          <a:prstGeom prst="rect">
             <a:avLst/>
           </a:prstGeom>
           <a:noFill/>
-          <a:ln w="38100">
-            <a:solidFill>
-              <a:srgbClr val="C00000"/>
-            </a:solidFill>
-          </a:ln>
-        </p:spPr>
-        <p:style>
-          <a:lnRef idx="2">
-            <a:schemeClr val="accent1">
-              <a:shade val="15000"/>
-            </a:schemeClr>
-          </a:lnRef>
-          <a:fillRef idx="1">
-            <a:schemeClr val="accent1"/>
-          </a:fillRef>
-          <a:effectRef idx="0">
-            <a:schemeClr val="accent1"/>
-          </a:effectRef>
-          <a:fontRef idx="minor">
-            <a:schemeClr val="lt1"/>
-          </a:fontRef>
-        </p:style>
-        <p:txBody>
-          <a:bodyPr rtlCol="0" anchor="ctr"/>
-          <a:lstStyle/>
-          <a:p>
-            <a:pPr algn="ctr"/>
-            <a:endParaRPr lang="en-US" dirty="0"/>
-          </a:p>
-        </p:txBody>
-      </p:sp>
-      <p:sp>
-        <p:nvSpPr>
-          <p:cNvPr id="3105" name="Hexagon 3104">
-            <a:extLst>
-              <a:ext uri="{FF2B5EF4-FFF2-40B4-BE49-F238E27FC236}">
-                <a16:creationId xmlns:a16="http://schemas.microsoft.com/office/drawing/2014/main" id="{A05FB334-19F3-DB3C-9AB9-657CC577D594}"/>
-              </a:ext>
-            </a:extLst>
-          </p:cNvPr>
-          <p:cNvSpPr>
-            <a:spLocks noChangeAspect="1"/>
-          </p:cNvSpPr>
-          <p:nvPr/>
-        </p:nvSpPr>
-        <p:spPr>
-          <a:xfrm>
-            <a:off x="7122931" y="5120051"/>
-            <a:ext cx="1027723" cy="885969"/>
-          </a:xfrm>
-          <a:prstGeom prst="hexagon">
-            <a:avLst/>
-          </a:prstGeom>
-          <a:noFill/>
-          <a:ln w="38100">
-            <a:solidFill>
-              <a:srgbClr val="C00000"/>
-            </a:solidFill>
-          </a:ln>
-        </p:spPr>
-        <p:style>
-          <a:lnRef idx="2">
-            <a:schemeClr val="accent1">
-              <a:shade val="15000"/>
-            </a:schemeClr>
-          </a:lnRef>
-          <a:fillRef idx="1">
-            <a:schemeClr val="accent1"/>
-          </a:fillRef>
-          <a:effectRef idx="0">
-            <a:schemeClr val="accent1"/>
-          </a:effectRef>
-          <a:fontRef idx="minor">
-            <a:schemeClr val="lt1"/>
-          </a:fontRef>
-        </p:style>
-        <p:txBody>
-          <a:bodyPr rtlCol="0" anchor="ctr"/>
-          <a:lstStyle/>
-          <a:p>
-            <a:pPr algn="ctr"/>
-            <a:endParaRPr lang="en-US" dirty="0"/>
-          </a:p>
-        </p:txBody>
-      </p:sp>
-      <p:sp>
-        <p:nvSpPr>
-          <p:cNvPr id="3106" name="Hexagon 3105">
-            <a:extLst>
-              <a:ext uri="{FF2B5EF4-FFF2-40B4-BE49-F238E27FC236}">
-                <a16:creationId xmlns:a16="http://schemas.microsoft.com/office/drawing/2014/main" id="{D1913BF0-E56D-0C13-DCEA-688F87F79AF6}"/>
-              </a:ext>
-            </a:extLst>
-          </p:cNvPr>
-          <p:cNvSpPr>
-            <a:spLocks noChangeAspect="1"/>
-          </p:cNvSpPr>
-          <p:nvPr/>
-        </p:nvSpPr>
-        <p:spPr>
-          <a:xfrm>
-            <a:off x="7116319" y="4231299"/>
-            <a:ext cx="1027723" cy="885969"/>
-          </a:xfrm>
-          <a:prstGeom prst="hexagon">
-            <a:avLst/>
-          </a:prstGeom>
-          <a:noFill/>
-          <a:ln w="38100">
-            <a:solidFill>
-              <a:srgbClr val="C00000"/>
-            </a:solidFill>
-          </a:ln>
-        </p:spPr>
-        <p:style>
-          <a:lnRef idx="2">
-            <a:schemeClr val="accent1">
-              <a:shade val="15000"/>
-            </a:schemeClr>
-          </a:lnRef>
-          <a:fillRef idx="1">
-            <a:schemeClr val="accent1"/>
-          </a:fillRef>
-          <a:effectRef idx="0">
-            <a:schemeClr val="accent1"/>
-          </a:effectRef>
-          <a:fontRef idx="minor">
-            <a:schemeClr val="lt1"/>
-          </a:fontRef>
-        </p:style>
-        <p:txBody>
-          <a:bodyPr rtlCol="0" anchor="ctr"/>
-          <a:lstStyle/>
-          <a:p>
-            <a:pPr algn="ctr"/>
-            <a:endParaRPr lang="en-US" dirty="0"/>
+        </p:spPr>
+        <p:txBody>
+          <a:bodyPr wrap="square" rtlCol="0">
+            <a:spAutoFit/>
+          </a:bodyPr>
+          <a:lstStyle/>
+          <a:p>
+            <a:r>
+              <a:rPr lang="en-US" dirty="0"/>
+              <a:t>Hexagons drawn for illustration of hexagon approach</a:t>
+            </a:r>
           </a:p>
         </p:txBody>
       </p:sp>
     </p:spTree>
     <p:extLst>
       <p:ext uri="{BB962C8B-B14F-4D97-AF65-F5344CB8AC3E}">
-        <p14:creationId xmlns:p14="http://schemas.microsoft.com/office/powerpoint/2010/main" val="1611097860"/>
+        <p14:creationId xmlns:p14="http://schemas.microsoft.com/office/powerpoint/2010/main" val="775315718"/>
       </p:ext>
     </p:extLst>
   </p:cSld>

--- a/SYSG3.pptx
+++ b/SYSG3.pptx
@@ -6563,8 +6563,8 @@
         </p:nvSpPr>
         <p:spPr>
           <a:xfrm>
-            <a:off x="5631059" y="2831212"/>
-            <a:ext cx="1286933" cy="369332"/>
+            <a:off x="5465389" y="2872792"/>
+            <a:ext cx="1618272" cy="369332"/>
           </a:xfrm>
           <a:prstGeom prst="rect">
             <a:avLst/>
@@ -6587,6 +6587,14 @@
             </a:r>
             <a:r>
               <a:rPr lang="en-US" dirty="0"/>
+              <a:t> vs </a:t>
+            </a:r>
+            <a:r>
+              <a:rPr lang="en-US" dirty="0" err="1"/>
+              <a:t>pha</a:t>
+            </a:r>
+            <a:r>
+              <a:rPr lang="en-US" dirty="0"/>
               <a:t>)</a:t>
             </a:r>
           </a:p>
@@ -6606,8 +6614,8 @@
         </p:nvSpPr>
         <p:spPr>
           <a:xfrm>
-            <a:off x="5631059" y="5245730"/>
-            <a:ext cx="1286933" cy="369332"/>
+            <a:off x="5526850" y="5125257"/>
+            <a:ext cx="1580774" cy="369332"/>
           </a:xfrm>
           <a:prstGeom prst="rect">
             <a:avLst/>
@@ -6627,6 +6635,14 @@
             <a:r>
               <a:rPr lang="en-US" dirty="0" err="1"/>
               <a:t>yz</a:t>
+            </a:r>
+            <a:r>
+              <a:rPr lang="en-US" dirty="0"/>
+              <a:t> vs </a:t>
+            </a:r>
+            <a:r>
+              <a:rPr lang="en-US" dirty="0" err="1"/>
+              <a:t>pha</a:t>
             </a:r>
             <a:r>
               <a:rPr lang="en-US" dirty="0"/>
@@ -7277,7 +7293,7 @@
         </p:nvGrpSpPr>
         <p:grpSpPr>
           <a:xfrm>
-            <a:off x="2553306" y="4820007"/>
+            <a:off x="2553306" y="4715232"/>
             <a:ext cx="3386665" cy="2037993"/>
             <a:chOff x="651934" y="4737700"/>
             <a:chExt cx="3386665" cy="2037993"/>
@@ -7368,8 +7384,8 @@
         </p:nvGrpSpPr>
         <p:grpSpPr>
           <a:xfrm>
-            <a:off x="6117002" y="2911313"/>
-            <a:ext cx="3413043" cy="2035775"/>
+            <a:off x="6117003" y="2911314"/>
+            <a:ext cx="3384480" cy="2018738"/>
             <a:chOff x="4215630" y="2838531"/>
             <a:chExt cx="3413043" cy="2035775"/>
           </a:xfrm>
@@ -7460,7 +7476,7 @@
         <p:grpSpPr>
           <a:xfrm>
             <a:off x="6102344" y="4753167"/>
-            <a:ext cx="3466626" cy="2077346"/>
+            <a:ext cx="3427195" cy="2053717"/>
             <a:chOff x="4200972" y="4680385"/>
             <a:chExt cx="3466626" cy="2077346"/>
           </a:xfrm>
@@ -7550,7 +7566,7 @@
         </p:nvSpPr>
         <p:spPr>
           <a:xfrm>
-            <a:off x="9163075" y="2672714"/>
+            <a:off x="9163075" y="2729864"/>
             <a:ext cx="611516" cy="311105"/>
           </a:xfrm>
           <a:prstGeom prst="rect">
@@ -7602,7 +7618,7 @@
         </p:nvSpPr>
         <p:spPr>
           <a:xfrm>
-            <a:off x="9162677" y="4651990"/>
+            <a:off x="9162677" y="4585315"/>
             <a:ext cx="611516" cy="311105"/>
           </a:xfrm>
           <a:prstGeom prst="rect">
@@ -7654,7 +7670,7 @@
         </p:nvSpPr>
         <p:spPr>
           <a:xfrm>
-            <a:off x="5633707" y="6515845"/>
+            <a:off x="5633707" y="6411070"/>
             <a:ext cx="611516" cy="311105"/>
           </a:xfrm>
           <a:prstGeom prst="rect">
@@ -7706,7 +7722,7 @@
         </p:nvSpPr>
         <p:spPr>
           <a:xfrm>
-            <a:off x="5609011" y="2687784"/>
+            <a:off x="5609011" y="2678259"/>
             <a:ext cx="611516" cy="311105"/>
           </a:xfrm>
           <a:prstGeom prst="rect">
@@ -7810,7 +7826,7 @@
         </p:nvSpPr>
         <p:spPr>
           <a:xfrm>
-            <a:off x="9224287" y="6505861"/>
+            <a:off x="9224287" y="6420136"/>
             <a:ext cx="611516" cy="311105"/>
           </a:xfrm>
           <a:prstGeom prst="rect">

--- a/SYSG3.pptx
+++ b/SYSG3.pptx
@@ -7927,6 +7927,106 @@
           </a:p>
         </p:txBody>
       </p:sp>
+      <p:pic>
+        <p:nvPicPr>
+          <p:cNvPr id="20" name="Picture 19">
+            <a:extLst>
+              <a:ext uri="{FF2B5EF4-FFF2-40B4-BE49-F238E27FC236}">
+                <a16:creationId xmlns:a16="http://schemas.microsoft.com/office/drawing/2014/main" id="{1546BF2F-2986-1314-7788-19765C7A6D4C}"/>
+              </a:ext>
+            </a:extLst>
+          </p:cNvPr>
+          <p:cNvPicPr>
+            <a:picLocks noChangeAspect="1"/>
+          </p:cNvPicPr>
+          <p:nvPr/>
+        </p:nvPicPr>
+        <p:blipFill>
+          <a:blip r:embed="rId2"/>
+          <a:stretch>
+            <a:fillRect/>
+          </a:stretch>
+        </p:blipFill>
+        <p:spPr>
+          <a:xfrm>
+            <a:off x="11420957" y="1704975"/>
+            <a:ext cx="611516" cy="3617418"/>
+          </a:xfrm>
+          <a:prstGeom prst="rect">
+            <a:avLst/>
+          </a:prstGeom>
+        </p:spPr>
+      </p:pic>
+      <p:pic>
+        <p:nvPicPr>
+          <p:cNvPr id="4" name="Picture 3">
+            <a:extLst>
+              <a:ext uri="{FF2B5EF4-FFF2-40B4-BE49-F238E27FC236}">
+                <a16:creationId xmlns:a16="http://schemas.microsoft.com/office/drawing/2014/main" id="{A2E1266F-FF5E-027D-B46E-4F5E53DC1BDD}"/>
+              </a:ext>
+            </a:extLst>
+          </p:cNvPr>
+          <p:cNvPicPr>
+            <a:picLocks noChangeAspect="1"/>
+          </p:cNvPicPr>
+          <p:nvPr/>
+        </p:nvPicPr>
+        <p:blipFill>
+          <a:blip r:embed="rId3"/>
+          <a:stretch>
+            <a:fillRect/>
+          </a:stretch>
+        </p:blipFill>
+        <p:spPr>
+          <a:xfrm>
+            <a:off x="287807" y="882208"/>
+            <a:ext cx="3453697" cy="2094723"/>
+          </a:xfrm>
+          <a:prstGeom prst="rect">
+            <a:avLst/>
+          </a:prstGeom>
+        </p:spPr>
+      </p:pic>
+      <p:sp>
+        <p:nvSpPr>
+          <p:cNvPr id="5" name="TextBox 4">
+            <a:extLst>
+              <a:ext uri="{FF2B5EF4-FFF2-40B4-BE49-F238E27FC236}">
+                <a16:creationId xmlns:a16="http://schemas.microsoft.com/office/drawing/2014/main" id="{58A00D1F-C785-B3A5-1176-D40C2FA75484}"/>
+              </a:ext>
+            </a:extLst>
+          </p:cNvPr>
+          <p:cNvSpPr txBox="1"/>
+          <p:nvPr/>
+        </p:nvSpPr>
+        <p:spPr>
+          <a:xfrm>
+            <a:off x="2241427" y="1017351"/>
+            <a:ext cx="1427134" cy="338554"/>
+          </a:xfrm>
+          <a:prstGeom prst="rect">
+            <a:avLst/>
+          </a:prstGeom>
+          <a:noFill/>
+        </p:spPr>
+        <p:txBody>
+          <a:bodyPr wrap="square" rtlCol="0">
+            <a:spAutoFit/>
+          </a:bodyPr>
+          <a:lstStyle/>
+          <a:p>
+            <a:pPr algn="r"/>
+            <a:r>
+              <a:rPr lang="en-US" sz="1600" dirty="0">
+                <a:solidFill>
+                  <a:schemeClr val="bg1"/>
+                </a:solidFill>
+              </a:rPr>
+              <a:t>a000x055s002</a:t>
+            </a:r>
+          </a:p>
+        </p:txBody>
+      </p:sp>
       <p:grpSp>
         <p:nvGrpSpPr>
           <p:cNvPr id="10" name="Group 9">
@@ -7941,7 +8041,7 @@
         </p:nvGrpSpPr>
         <p:grpSpPr>
           <a:xfrm>
-            <a:off x="2430123" y="875696"/>
+            <a:off x="287807" y="2783467"/>
             <a:ext cx="3453697" cy="2097195"/>
             <a:chOff x="6599322" y="1134534"/>
             <a:chExt cx="4297279" cy="2609445"/>
@@ -7962,7 +8062,7 @@
             <p:nvPr/>
           </p:nvPicPr>
           <p:blipFill>
-            <a:blip r:embed="rId2"/>
+            <a:blip r:embed="rId4"/>
             <a:stretch>
               <a:fillRect/>
             </a:stretch>
@@ -8018,36 +8118,149 @@
           </p:txBody>
         </p:sp>
       </p:grpSp>
-      <p:pic>
-        <p:nvPicPr>
-          <p:cNvPr id="20" name="Picture 19">
-            <a:extLst>
-              <a:ext uri="{FF2B5EF4-FFF2-40B4-BE49-F238E27FC236}">
-                <a16:creationId xmlns:a16="http://schemas.microsoft.com/office/drawing/2014/main" id="{1546BF2F-2986-1314-7788-19765C7A6D4C}"/>
-              </a:ext>
-            </a:extLst>
-          </p:cNvPr>
-          <p:cNvPicPr>
-            <a:picLocks noChangeAspect="1"/>
-          </p:cNvPicPr>
-          <p:nvPr/>
-        </p:nvPicPr>
-        <p:blipFill>
-          <a:blip r:embed="rId3"/>
-          <a:stretch>
-            <a:fillRect/>
-          </a:stretch>
-        </p:blipFill>
-        <p:spPr>
-          <a:xfrm>
-            <a:off x="11420957" y="1704975"/>
-            <a:ext cx="611516" cy="3617418"/>
+      <p:sp>
+        <p:nvSpPr>
+          <p:cNvPr id="6" name="Rectangle 5">
+            <a:extLst>
+              <a:ext uri="{FF2B5EF4-FFF2-40B4-BE49-F238E27FC236}">
+                <a16:creationId xmlns:a16="http://schemas.microsoft.com/office/drawing/2014/main" id="{D828B159-62EA-2597-498D-1F8D2D48D8B7}"/>
+              </a:ext>
+            </a:extLst>
+          </p:cNvPr>
+          <p:cNvSpPr/>
+          <p:nvPr/>
+        </p:nvSpPr>
+        <p:spPr>
+          <a:xfrm>
+            <a:off x="3292257" y="2599579"/>
+            <a:ext cx="611516" cy="311105"/>
           </a:xfrm>
           <a:prstGeom prst="rect">
             <a:avLst/>
           </a:prstGeom>
-        </p:spPr>
-      </p:pic>
+          <a:solidFill>
+            <a:schemeClr val="tx1"/>
+          </a:solidFill>
+        </p:spPr>
+        <p:style>
+          <a:lnRef idx="2">
+            <a:schemeClr val="accent1">
+              <a:shade val="15000"/>
+            </a:schemeClr>
+          </a:lnRef>
+          <a:fillRef idx="1">
+            <a:schemeClr val="accent1"/>
+          </a:fillRef>
+          <a:effectRef idx="0">
+            <a:schemeClr val="accent1"/>
+          </a:effectRef>
+          <a:fontRef idx="minor">
+            <a:schemeClr val="lt1"/>
+          </a:fontRef>
+        </p:style>
+        <p:txBody>
+          <a:bodyPr rtlCol="0" anchor="ctr"/>
+          <a:lstStyle/>
+          <a:p>
+            <a:pPr algn="ctr"/>
+            <a:r>
+              <a:rPr lang="en-US" dirty="0"/>
+              <a:t>20</a:t>
+            </a:r>
+          </a:p>
+        </p:txBody>
+      </p:sp>
+      <p:grpSp>
+        <p:nvGrpSpPr>
+          <p:cNvPr id="15" name="Group 14">
+            <a:extLst>
+              <a:ext uri="{FF2B5EF4-FFF2-40B4-BE49-F238E27FC236}">
+                <a16:creationId xmlns:a16="http://schemas.microsoft.com/office/drawing/2014/main" id="{44A82D20-5CCC-8411-5966-AA4C82334625}"/>
+              </a:ext>
+            </a:extLst>
+          </p:cNvPr>
+          <p:cNvGrpSpPr/>
+          <p:nvPr/>
+        </p:nvGrpSpPr>
+        <p:grpSpPr>
+          <a:xfrm>
+            <a:off x="316874" y="4625337"/>
+            <a:ext cx="3433346" cy="2097195"/>
+            <a:chOff x="316874" y="4625337"/>
+            <a:chExt cx="3433346" cy="2097195"/>
+          </a:xfrm>
+        </p:grpSpPr>
+        <p:pic>
+          <p:nvPicPr>
+            <p:cNvPr id="12" name="Picture 11">
+              <a:extLst>
+                <a:ext uri="{FF2B5EF4-FFF2-40B4-BE49-F238E27FC236}">
+                  <a16:creationId xmlns:a16="http://schemas.microsoft.com/office/drawing/2014/main" id="{C5E2A0B3-976E-CBCD-A46E-B65D1620E54B}"/>
+                </a:ext>
+              </a:extLst>
+            </p:cNvPr>
+            <p:cNvPicPr>
+              <a:picLocks noChangeAspect="1"/>
+            </p:cNvPicPr>
+            <p:nvPr/>
+          </p:nvPicPr>
+          <p:blipFill>
+            <a:blip r:embed="rId5"/>
+            <a:stretch>
+              <a:fillRect/>
+            </a:stretch>
+          </p:blipFill>
+          <p:spPr>
+            <a:xfrm>
+              <a:off x="316874" y="4625337"/>
+              <a:ext cx="3433346" cy="2097195"/>
+            </a:xfrm>
+            <a:prstGeom prst="rect">
+              <a:avLst/>
+            </a:prstGeom>
+          </p:spPr>
+        </p:pic>
+        <p:sp>
+          <p:nvSpPr>
+            <p:cNvPr id="14" name="TextBox 13">
+              <a:extLst>
+                <a:ext uri="{FF2B5EF4-FFF2-40B4-BE49-F238E27FC236}">
+                  <a16:creationId xmlns:a16="http://schemas.microsoft.com/office/drawing/2014/main" id="{9138D671-2C35-7FD4-C347-FF6DB1045AC1}"/>
+                </a:ext>
+              </a:extLst>
+            </p:cNvPr>
+            <p:cNvSpPr txBox="1"/>
+            <p:nvPr/>
+          </p:nvSpPr>
+          <p:spPr>
+            <a:xfrm>
+              <a:off x="2241427" y="4756721"/>
+              <a:ext cx="1427134" cy="338554"/>
+            </a:xfrm>
+            <a:prstGeom prst="rect">
+              <a:avLst/>
+            </a:prstGeom>
+            <a:noFill/>
+          </p:spPr>
+          <p:txBody>
+            <a:bodyPr wrap="square" rtlCol="0">
+              <a:spAutoFit/>
+            </a:bodyPr>
+            <a:lstStyle/>
+            <a:p>
+              <a:pPr algn="r"/>
+              <a:r>
+                <a:rPr lang="en-US" sz="1600" dirty="0">
+                  <a:solidFill>
+                    <a:schemeClr val="bg1"/>
+                  </a:solidFill>
+                </a:rPr>
+                <a:t>a000x100s002</a:t>
+              </a:r>
+            </a:p>
+          </p:txBody>
+        </p:sp>
+      </p:grpSp>
       <p:sp>
         <p:nvSpPr>
           <p:cNvPr id="21" name="Rectangle 20">
@@ -8062,7 +8275,59 @@
         </p:nvSpPr>
         <p:spPr>
           <a:xfrm>
-            <a:off x="5510524" y="2605722"/>
+            <a:off x="3292257" y="4472502"/>
+            <a:ext cx="611516" cy="311105"/>
+          </a:xfrm>
+          <a:prstGeom prst="rect">
+            <a:avLst/>
+          </a:prstGeom>
+          <a:solidFill>
+            <a:schemeClr val="tx1"/>
+          </a:solidFill>
+        </p:spPr>
+        <p:style>
+          <a:lnRef idx="2">
+            <a:schemeClr val="accent1">
+              <a:shade val="15000"/>
+            </a:schemeClr>
+          </a:lnRef>
+          <a:fillRef idx="1">
+            <a:schemeClr val="accent1"/>
+          </a:fillRef>
+          <a:effectRef idx="0">
+            <a:schemeClr val="accent1"/>
+          </a:effectRef>
+          <a:fontRef idx="minor">
+            <a:schemeClr val="lt1"/>
+          </a:fontRef>
+        </p:style>
+        <p:txBody>
+          <a:bodyPr rtlCol="0" anchor="ctr"/>
+          <a:lstStyle/>
+          <a:p>
+            <a:pPr algn="ctr"/>
+            <a:r>
+              <a:rPr lang="en-US" dirty="0"/>
+              <a:t>20</a:t>
+            </a:r>
+          </a:p>
+        </p:txBody>
+      </p:sp>
+      <p:sp>
+        <p:nvSpPr>
+          <p:cNvPr id="13" name="Rectangle 12">
+            <a:extLst>
+              <a:ext uri="{FF2B5EF4-FFF2-40B4-BE49-F238E27FC236}">
+                <a16:creationId xmlns:a16="http://schemas.microsoft.com/office/drawing/2014/main" id="{704FF892-120B-7F76-606E-C9EFADBFD433}"/>
+              </a:ext>
+            </a:extLst>
+          </p:cNvPr>
+          <p:cNvSpPr/>
+          <p:nvPr/>
+        </p:nvSpPr>
+        <p:spPr>
+          <a:xfrm>
+            <a:off x="3362803" y="6311500"/>
             <a:ext cx="611516" cy="311105"/>
           </a:xfrm>
           <a:prstGeom prst="rect">

--- a/SYSG3.pptx
+++ b/SYSG3.pptx
@@ -269,7 +269,7 @@
           <a:p>
             <a:fld id="{3FB972CA-75D3-464B-AB07-BF3EA83BD9C3}" type="datetimeFigureOut">
               <a:rPr lang="en-US" smtClean="0"/>
-              <a:t>8/12/2023</a:t>
+              <a:t>8/13/2023</a:t>
             </a:fld>
             <a:endParaRPr lang="en-US"/>
           </a:p>
@@ -467,7 +467,7 @@
           <a:p>
             <a:fld id="{3FB972CA-75D3-464B-AB07-BF3EA83BD9C3}" type="datetimeFigureOut">
               <a:rPr lang="en-US" smtClean="0"/>
-              <a:t>8/12/2023</a:t>
+              <a:t>8/13/2023</a:t>
             </a:fld>
             <a:endParaRPr lang="en-US"/>
           </a:p>
@@ -675,7 +675,7 @@
           <a:p>
             <a:fld id="{3FB972CA-75D3-464B-AB07-BF3EA83BD9C3}" type="datetimeFigureOut">
               <a:rPr lang="en-US" smtClean="0"/>
-              <a:t>8/12/2023</a:t>
+              <a:t>8/13/2023</a:t>
             </a:fld>
             <a:endParaRPr lang="en-US"/>
           </a:p>
@@ -873,7 +873,7 @@
           <a:p>
             <a:fld id="{3FB972CA-75D3-464B-AB07-BF3EA83BD9C3}" type="datetimeFigureOut">
               <a:rPr lang="en-US" smtClean="0"/>
-              <a:t>8/12/2023</a:t>
+              <a:t>8/13/2023</a:t>
             </a:fld>
             <a:endParaRPr lang="en-US"/>
           </a:p>
@@ -1148,7 +1148,7 @@
           <a:p>
             <a:fld id="{3FB972CA-75D3-464B-AB07-BF3EA83BD9C3}" type="datetimeFigureOut">
               <a:rPr lang="en-US" smtClean="0"/>
-              <a:t>8/12/2023</a:t>
+              <a:t>8/13/2023</a:t>
             </a:fld>
             <a:endParaRPr lang="en-US"/>
           </a:p>
@@ -1413,7 +1413,7 @@
           <a:p>
             <a:fld id="{3FB972CA-75D3-464B-AB07-BF3EA83BD9C3}" type="datetimeFigureOut">
               <a:rPr lang="en-US" smtClean="0"/>
-              <a:t>8/12/2023</a:t>
+              <a:t>8/13/2023</a:t>
             </a:fld>
             <a:endParaRPr lang="en-US"/>
           </a:p>
@@ -1825,7 +1825,7 @@
           <a:p>
             <a:fld id="{3FB972CA-75D3-464B-AB07-BF3EA83BD9C3}" type="datetimeFigureOut">
               <a:rPr lang="en-US" smtClean="0"/>
-              <a:t>8/12/2023</a:t>
+              <a:t>8/13/2023</a:t>
             </a:fld>
             <a:endParaRPr lang="en-US"/>
           </a:p>
@@ -1966,7 +1966,7 @@
           <a:p>
             <a:fld id="{3FB972CA-75D3-464B-AB07-BF3EA83BD9C3}" type="datetimeFigureOut">
               <a:rPr lang="en-US" smtClean="0"/>
-              <a:t>8/12/2023</a:t>
+              <a:t>8/13/2023</a:t>
             </a:fld>
             <a:endParaRPr lang="en-US"/>
           </a:p>
@@ -2079,7 +2079,7 @@
           <a:p>
             <a:fld id="{3FB972CA-75D3-464B-AB07-BF3EA83BD9C3}" type="datetimeFigureOut">
               <a:rPr lang="en-US" smtClean="0"/>
-              <a:t>8/12/2023</a:t>
+              <a:t>8/13/2023</a:t>
             </a:fld>
             <a:endParaRPr lang="en-US"/>
           </a:p>
@@ -2390,7 +2390,7 @@
           <a:p>
             <a:fld id="{3FB972CA-75D3-464B-AB07-BF3EA83BD9C3}" type="datetimeFigureOut">
               <a:rPr lang="en-US" smtClean="0"/>
-              <a:t>8/12/2023</a:t>
+              <a:t>8/13/2023</a:t>
             </a:fld>
             <a:endParaRPr lang="en-US"/>
           </a:p>
@@ -2678,7 +2678,7 @@
           <a:p>
             <a:fld id="{3FB972CA-75D3-464B-AB07-BF3EA83BD9C3}" type="datetimeFigureOut">
               <a:rPr lang="en-US" smtClean="0"/>
-              <a:t>8/12/2023</a:t>
+              <a:t>8/13/2023</a:t>
             </a:fld>
             <a:endParaRPr lang="en-US"/>
           </a:p>
@@ -2919,7 +2919,7 @@
           <a:p>
             <a:fld id="{3FB972CA-75D3-464B-AB07-BF3EA83BD9C3}" type="datetimeFigureOut">
               <a:rPr lang="en-US" smtClean="0"/>
-              <a:t>8/12/2023</a:t>
+              <a:t>8/13/2023</a:t>
             </a:fld>
             <a:endParaRPr lang="en-US"/>
           </a:p>
@@ -8436,6 +8436,570 @@
           </a:p>
         </p:txBody>
       </p:sp>
+      <p:pic>
+        <p:nvPicPr>
+          <p:cNvPr id="4" name="Picture 3">
+            <a:extLst>
+              <a:ext uri="{FF2B5EF4-FFF2-40B4-BE49-F238E27FC236}">
+                <a16:creationId xmlns:a16="http://schemas.microsoft.com/office/drawing/2014/main" id="{ABDBC8BF-D749-E585-040A-7C08310A0B80}"/>
+              </a:ext>
+            </a:extLst>
+          </p:cNvPr>
+          <p:cNvPicPr>
+            <a:picLocks noChangeAspect="1"/>
+          </p:cNvPicPr>
+          <p:nvPr/>
+        </p:nvPicPr>
+        <p:blipFill>
+          <a:blip r:embed="rId2"/>
+          <a:stretch>
+            <a:fillRect/>
+          </a:stretch>
+        </p:blipFill>
+        <p:spPr>
+          <a:xfrm>
+            <a:off x="2862558" y="1985192"/>
+            <a:ext cx="5434775" cy="4549684"/>
+          </a:xfrm>
+          <a:prstGeom prst="rect">
+            <a:avLst/>
+          </a:prstGeom>
+        </p:spPr>
+      </p:pic>
+      <p:cxnSp>
+        <p:nvCxnSpPr>
+          <p:cNvPr id="6" name="Straight Connector 5">
+            <a:extLst>
+              <a:ext uri="{FF2B5EF4-FFF2-40B4-BE49-F238E27FC236}">
+                <a16:creationId xmlns:a16="http://schemas.microsoft.com/office/drawing/2014/main" id="{FA9028D3-75E6-86EC-2EAC-39B0160A8E85}"/>
+              </a:ext>
+            </a:extLst>
+          </p:cNvPr>
+          <p:cNvCxnSpPr>
+            <a:cxnSpLocks/>
+          </p:cNvCxnSpPr>
+          <p:nvPr/>
+        </p:nvCxnSpPr>
+        <p:spPr>
+          <a:xfrm flipH="1">
+            <a:off x="5799667" y="2558326"/>
+            <a:ext cx="1" cy="401926"/>
+          </a:xfrm>
+          <a:prstGeom prst="line">
+            <a:avLst/>
+          </a:prstGeom>
+          <a:ln w="28575"/>
+        </p:spPr>
+        <p:style>
+          <a:lnRef idx="1">
+            <a:schemeClr val="accent1"/>
+          </a:lnRef>
+          <a:fillRef idx="0">
+            <a:schemeClr val="accent1"/>
+          </a:fillRef>
+          <a:effectRef idx="0">
+            <a:schemeClr val="accent1"/>
+          </a:effectRef>
+          <a:fontRef idx="minor">
+            <a:schemeClr val="tx1"/>
+          </a:fontRef>
+        </p:style>
+      </p:cxnSp>
+      <p:cxnSp>
+        <p:nvCxnSpPr>
+          <p:cNvPr id="8" name="Straight Connector 7">
+            <a:extLst>
+              <a:ext uri="{FF2B5EF4-FFF2-40B4-BE49-F238E27FC236}">
+                <a16:creationId xmlns:a16="http://schemas.microsoft.com/office/drawing/2014/main" id="{CA3FF845-5199-B308-7524-9103E25A15DE}"/>
+              </a:ext>
+            </a:extLst>
+          </p:cNvPr>
+          <p:cNvCxnSpPr>
+            <a:cxnSpLocks/>
+          </p:cNvCxnSpPr>
+          <p:nvPr/>
+        </p:nvCxnSpPr>
+        <p:spPr>
+          <a:xfrm flipV="1">
+            <a:off x="3967161" y="4884473"/>
+            <a:ext cx="1114425" cy="239620"/>
+          </a:xfrm>
+          <a:prstGeom prst="line">
+            <a:avLst/>
+          </a:prstGeom>
+          <a:ln w="28575"/>
+        </p:spPr>
+        <p:style>
+          <a:lnRef idx="1">
+            <a:schemeClr val="accent1"/>
+          </a:lnRef>
+          <a:fillRef idx="0">
+            <a:schemeClr val="accent1"/>
+          </a:fillRef>
+          <a:effectRef idx="0">
+            <a:schemeClr val="accent1"/>
+          </a:effectRef>
+          <a:fontRef idx="minor">
+            <a:schemeClr val="tx1"/>
+          </a:fontRef>
+        </p:style>
+      </p:cxnSp>
+      <p:cxnSp>
+        <p:nvCxnSpPr>
+          <p:cNvPr id="10" name="Straight Connector 9">
+            <a:extLst>
+              <a:ext uri="{FF2B5EF4-FFF2-40B4-BE49-F238E27FC236}">
+                <a16:creationId xmlns:a16="http://schemas.microsoft.com/office/drawing/2014/main" id="{82EAEE27-9718-0D79-4AD0-5A03548F630E}"/>
+              </a:ext>
+            </a:extLst>
+          </p:cNvPr>
+          <p:cNvCxnSpPr>
+            <a:cxnSpLocks/>
+          </p:cNvCxnSpPr>
+          <p:nvPr/>
+        </p:nvCxnSpPr>
+        <p:spPr>
+          <a:xfrm flipV="1">
+            <a:off x="5902091" y="3009128"/>
+            <a:ext cx="0" cy="457201"/>
+          </a:xfrm>
+          <a:prstGeom prst="line">
+            <a:avLst/>
+          </a:prstGeom>
+          <a:ln w="28575"/>
+        </p:spPr>
+        <p:style>
+          <a:lnRef idx="1">
+            <a:schemeClr val="accent1"/>
+          </a:lnRef>
+          <a:fillRef idx="0">
+            <a:schemeClr val="accent1"/>
+          </a:fillRef>
+          <a:effectRef idx="0">
+            <a:schemeClr val="accent1"/>
+          </a:effectRef>
+          <a:fontRef idx="minor">
+            <a:schemeClr val="tx1"/>
+          </a:fontRef>
+        </p:style>
+      </p:cxnSp>
+      <p:cxnSp>
+        <p:nvCxnSpPr>
+          <p:cNvPr id="16" name="Straight Connector 15">
+            <a:extLst>
+              <a:ext uri="{FF2B5EF4-FFF2-40B4-BE49-F238E27FC236}">
+                <a16:creationId xmlns:a16="http://schemas.microsoft.com/office/drawing/2014/main" id="{22132E4E-90D9-4A96-988F-49D58FBA7530}"/>
+              </a:ext>
+            </a:extLst>
+          </p:cNvPr>
+          <p:cNvCxnSpPr>
+            <a:cxnSpLocks/>
+          </p:cNvCxnSpPr>
+          <p:nvPr/>
+        </p:nvCxnSpPr>
+        <p:spPr>
+          <a:xfrm>
+            <a:off x="3333750" y="4982391"/>
+            <a:ext cx="1171575" cy="72363"/>
+          </a:xfrm>
+          <a:prstGeom prst="line">
+            <a:avLst/>
+          </a:prstGeom>
+          <a:ln w="28575"/>
+        </p:spPr>
+        <p:style>
+          <a:lnRef idx="1">
+            <a:schemeClr val="accent1"/>
+          </a:lnRef>
+          <a:fillRef idx="0">
+            <a:schemeClr val="accent1"/>
+          </a:fillRef>
+          <a:effectRef idx="0">
+            <a:schemeClr val="accent1"/>
+          </a:effectRef>
+          <a:fontRef idx="minor">
+            <a:schemeClr val="tx1"/>
+          </a:fontRef>
+        </p:style>
+      </p:cxnSp>
+      <p:cxnSp>
+        <p:nvCxnSpPr>
+          <p:cNvPr id="30" name="Straight Connector 29">
+            <a:extLst>
+              <a:ext uri="{FF2B5EF4-FFF2-40B4-BE49-F238E27FC236}">
+                <a16:creationId xmlns:a16="http://schemas.microsoft.com/office/drawing/2014/main" id="{3F0BE9C4-3D97-234D-B869-FFB4D3222CD2}"/>
+              </a:ext>
+            </a:extLst>
+          </p:cNvPr>
+          <p:cNvCxnSpPr/>
+          <p:nvPr/>
+        </p:nvCxnSpPr>
+        <p:spPr>
+          <a:xfrm>
+            <a:off x="4191000" y="2497667"/>
+            <a:ext cx="0" cy="482599"/>
+          </a:xfrm>
+          <a:prstGeom prst="line">
+            <a:avLst/>
+          </a:prstGeom>
+          <a:ln w="28575"/>
+        </p:spPr>
+        <p:style>
+          <a:lnRef idx="1">
+            <a:schemeClr val="accent1"/>
+          </a:lnRef>
+          <a:fillRef idx="0">
+            <a:schemeClr val="accent1"/>
+          </a:fillRef>
+          <a:effectRef idx="0">
+            <a:schemeClr val="accent1"/>
+          </a:effectRef>
+          <a:fontRef idx="minor">
+            <a:schemeClr val="tx1"/>
+          </a:fontRef>
+        </p:style>
+      </p:cxnSp>
+      <p:cxnSp>
+        <p:nvCxnSpPr>
+          <p:cNvPr id="39" name="Straight Connector 38">
+            <a:extLst>
+              <a:ext uri="{FF2B5EF4-FFF2-40B4-BE49-F238E27FC236}">
+                <a16:creationId xmlns:a16="http://schemas.microsoft.com/office/drawing/2014/main" id="{1F8480E0-0EBB-07A9-D68D-64F240AFA44B}"/>
+              </a:ext>
+            </a:extLst>
+          </p:cNvPr>
+          <p:cNvCxnSpPr/>
+          <p:nvPr/>
+        </p:nvCxnSpPr>
+        <p:spPr>
+          <a:xfrm>
+            <a:off x="4157132" y="3051462"/>
+            <a:ext cx="0" cy="414867"/>
+          </a:xfrm>
+          <a:prstGeom prst="line">
+            <a:avLst/>
+          </a:prstGeom>
+          <a:ln w="28575"/>
+        </p:spPr>
+        <p:style>
+          <a:lnRef idx="1">
+            <a:schemeClr val="accent1"/>
+          </a:lnRef>
+          <a:fillRef idx="0">
+            <a:schemeClr val="accent1"/>
+          </a:fillRef>
+          <a:effectRef idx="0">
+            <a:schemeClr val="accent1"/>
+          </a:effectRef>
+          <a:fontRef idx="minor">
+            <a:schemeClr val="tx1"/>
+          </a:fontRef>
+        </p:style>
+      </p:cxnSp>
+      <p:cxnSp>
+        <p:nvCxnSpPr>
+          <p:cNvPr id="44" name="Straight Connector 43">
+            <a:extLst>
+              <a:ext uri="{FF2B5EF4-FFF2-40B4-BE49-F238E27FC236}">
+                <a16:creationId xmlns:a16="http://schemas.microsoft.com/office/drawing/2014/main" id="{764A8A04-FA2D-D3A6-9D1D-16ACE4F28557}"/>
+              </a:ext>
+            </a:extLst>
+          </p:cNvPr>
+          <p:cNvCxnSpPr/>
+          <p:nvPr/>
+        </p:nvCxnSpPr>
+        <p:spPr>
+          <a:xfrm>
+            <a:off x="4173007" y="3501254"/>
+            <a:ext cx="0" cy="414867"/>
+          </a:xfrm>
+          <a:prstGeom prst="line">
+            <a:avLst/>
+          </a:prstGeom>
+          <a:ln w="28575"/>
+        </p:spPr>
+        <p:style>
+          <a:lnRef idx="1">
+            <a:schemeClr val="accent1"/>
+          </a:lnRef>
+          <a:fillRef idx="0">
+            <a:schemeClr val="accent1"/>
+          </a:fillRef>
+          <a:effectRef idx="0">
+            <a:schemeClr val="accent1"/>
+          </a:effectRef>
+          <a:fontRef idx="minor">
+            <a:schemeClr val="tx1"/>
+          </a:fontRef>
+        </p:style>
+      </p:cxnSp>
+      <p:cxnSp>
+        <p:nvCxnSpPr>
+          <p:cNvPr id="46" name="Straight Connector 45">
+            <a:extLst>
+              <a:ext uri="{FF2B5EF4-FFF2-40B4-BE49-F238E27FC236}">
+                <a16:creationId xmlns:a16="http://schemas.microsoft.com/office/drawing/2014/main" id="{1D9D42C7-7A5F-8D50-56D7-DD7F718D3F74}"/>
+              </a:ext>
+            </a:extLst>
+          </p:cNvPr>
+          <p:cNvCxnSpPr>
+            <a:cxnSpLocks/>
+          </p:cNvCxnSpPr>
+          <p:nvPr/>
+        </p:nvCxnSpPr>
+        <p:spPr>
+          <a:xfrm flipV="1">
+            <a:off x="5968766" y="3436452"/>
+            <a:ext cx="0" cy="457201"/>
+          </a:xfrm>
+          <a:prstGeom prst="line">
+            <a:avLst/>
+          </a:prstGeom>
+          <a:ln w="28575"/>
+        </p:spPr>
+        <p:style>
+          <a:lnRef idx="1">
+            <a:schemeClr val="accent1"/>
+          </a:lnRef>
+          <a:fillRef idx="0">
+            <a:schemeClr val="accent1"/>
+          </a:fillRef>
+          <a:effectRef idx="0">
+            <a:schemeClr val="accent1"/>
+          </a:effectRef>
+          <a:fontRef idx="minor">
+            <a:schemeClr val="tx1"/>
+          </a:fontRef>
+        </p:style>
+      </p:cxnSp>
+      <p:cxnSp>
+        <p:nvCxnSpPr>
+          <p:cNvPr id="48" name="Straight Connector 47">
+            <a:extLst>
+              <a:ext uri="{FF2B5EF4-FFF2-40B4-BE49-F238E27FC236}">
+                <a16:creationId xmlns:a16="http://schemas.microsoft.com/office/drawing/2014/main" id="{50A1F6B6-2584-0B26-F638-0276038BBAE9}"/>
+              </a:ext>
+            </a:extLst>
+          </p:cNvPr>
+          <p:cNvCxnSpPr/>
+          <p:nvPr/>
+        </p:nvCxnSpPr>
+        <p:spPr>
+          <a:xfrm>
+            <a:off x="4219578" y="3942314"/>
+            <a:ext cx="0" cy="414867"/>
+          </a:xfrm>
+          <a:prstGeom prst="line">
+            <a:avLst/>
+          </a:prstGeom>
+          <a:ln w="28575"/>
+        </p:spPr>
+        <p:style>
+          <a:lnRef idx="1">
+            <a:schemeClr val="accent1"/>
+          </a:lnRef>
+          <a:fillRef idx="0">
+            <a:schemeClr val="accent1"/>
+          </a:fillRef>
+          <a:effectRef idx="0">
+            <a:schemeClr val="accent1"/>
+          </a:effectRef>
+          <a:fontRef idx="minor">
+            <a:schemeClr val="tx1"/>
+          </a:fontRef>
+        </p:style>
+      </p:cxnSp>
+      <p:cxnSp>
+        <p:nvCxnSpPr>
+          <p:cNvPr id="49" name="Straight Connector 48">
+            <a:extLst>
+              <a:ext uri="{FF2B5EF4-FFF2-40B4-BE49-F238E27FC236}">
+                <a16:creationId xmlns:a16="http://schemas.microsoft.com/office/drawing/2014/main" id="{02CEFA55-1110-3A36-CB8D-EEA1745AF860}"/>
+              </a:ext>
+            </a:extLst>
+          </p:cNvPr>
+          <p:cNvCxnSpPr>
+            <a:cxnSpLocks/>
+          </p:cNvCxnSpPr>
+          <p:nvPr/>
+        </p:nvCxnSpPr>
+        <p:spPr>
+          <a:xfrm flipV="1">
+            <a:off x="6105526" y="3860050"/>
+            <a:ext cx="0" cy="457201"/>
+          </a:xfrm>
+          <a:prstGeom prst="line">
+            <a:avLst/>
+          </a:prstGeom>
+          <a:ln w="28575"/>
+        </p:spPr>
+        <p:style>
+          <a:lnRef idx="1">
+            <a:schemeClr val="accent1"/>
+          </a:lnRef>
+          <a:fillRef idx="0">
+            <a:schemeClr val="accent1"/>
+          </a:fillRef>
+          <a:effectRef idx="0">
+            <a:schemeClr val="accent1"/>
+          </a:effectRef>
+          <a:fontRef idx="minor">
+            <a:schemeClr val="tx1"/>
+          </a:fontRef>
+        </p:style>
+      </p:cxnSp>
+      <p:cxnSp>
+        <p:nvCxnSpPr>
+          <p:cNvPr id="54" name="Straight Connector 53">
+            <a:extLst>
+              <a:ext uri="{FF2B5EF4-FFF2-40B4-BE49-F238E27FC236}">
+                <a16:creationId xmlns:a16="http://schemas.microsoft.com/office/drawing/2014/main" id="{F66A0AF8-57DE-507D-A6C7-5BAA0060597F}"/>
+              </a:ext>
+            </a:extLst>
+          </p:cNvPr>
+          <p:cNvCxnSpPr/>
+          <p:nvPr/>
+        </p:nvCxnSpPr>
+        <p:spPr>
+          <a:xfrm>
+            <a:off x="4304237" y="4392018"/>
+            <a:ext cx="0" cy="414867"/>
+          </a:xfrm>
+          <a:prstGeom prst="line">
+            <a:avLst/>
+          </a:prstGeom>
+          <a:ln w="28575"/>
+        </p:spPr>
+        <p:style>
+          <a:lnRef idx="1">
+            <a:schemeClr val="accent1"/>
+          </a:lnRef>
+          <a:fillRef idx="0">
+            <a:schemeClr val="accent1"/>
+          </a:fillRef>
+          <a:effectRef idx="0">
+            <a:schemeClr val="accent1"/>
+          </a:effectRef>
+          <a:fontRef idx="minor">
+            <a:schemeClr val="tx1"/>
+          </a:fontRef>
+        </p:style>
+      </p:cxnSp>
+      <p:cxnSp>
+        <p:nvCxnSpPr>
+          <p:cNvPr id="55" name="Straight Connector 54">
+            <a:extLst>
+              <a:ext uri="{FF2B5EF4-FFF2-40B4-BE49-F238E27FC236}">
+                <a16:creationId xmlns:a16="http://schemas.microsoft.com/office/drawing/2014/main" id="{EB2E7556-3EE9-3840-6525-EEEB3188D96B}"/>
+              </a:ext>
+            </a:extLst>
+          </p:cNvPr>
+          <p:cNvCxnSpPr>
+            <a:cxnSpLocks/>
+          </p:cNvCxnSpPr>
+          <p:nvPr/>
+        </p:nvCxnSpPr>
+        <p:spPr>
+          <a:xfrm flipV="1">
+            <a:off x="6160558" y="4290243"/>
+            <a:ext cx="0" cy="457201"/>
+          </a:xfrm>
+          <a:prstGeom prst="line">
+            <a:avLst/>
+          </a:prstGeom>
+          <a:ln w="28575"/>
+        </p:spPr>
+        <p:style>
+          <a:lnRef idx="1">
+            <a:schemeClr val="accent1"/>
+          </a:lnRef>
+          <a:fillRef idx="0">
+            <a:schemeClr val="accent1"/>
+          </a:fillRef>
+          <a:effectRef idx="0">
+            <a:schemeClr val="accent1"/>
+          </a:effectRef>
+          <a:fontRef idx="minor">
+            <a:schemeClr val="tx1"/>
+          </a:fontRef>
+        </p:style>
+      </p:cxnSp>
+      <p:cxnSp>
+        <p:nvCxnSpPr>
+          <p:cNvPr id="71" name="Straight Connector 70">
+            <a:extLst>
+              <a:ext uri="{FF2B5EF4-FFF2-40B4-BE49-F238E27FC236}">
+                <a16:creationId xmlns:a16="http://schemas.microsoft.com/office/drawing/2014/main" id="{882AD93B-2654-BE1F-A458-F50DB1D880B8}"/>
+              </a:ext>
+            </a:extLst>
+          </p:cNvPr>
+          <p:cNvCxnSpPr/>
+          <p:nvPr/>
+        </p:nvCxnSpPr>
+        <p:spPr>
+          <a:xfrm>
+            <a:off x="4366150" y="4811138"/>
+            <a:ext cx="0" cy="414867"/>
+          </a:xfrm>
+          <a:prstGeom prst="line">
+            <a:avLst/>
+          </a:prstGeom>
+          <a:ln w="28575"/>
+        </p:spPr>
+        <p:style>
+          <a:lnRef idx="1">
+            <a:schemeClr val="accent1"/>
+          </a:lnRef>
+          <a:fillRef idx="0">
+            <a:schemeClr val="accent1"/>
+          </a:fillRef>
+          <a:effectRef idx="0">
+            <a:schemeClr val="accent1"/>
+          </a:effectRef>
+          <a:fontRef idx="minor">
+            <a:schemeClr val="tx1"/>
+          </a:fontRef>
+        </p:style>
+      </p:cxnSp>
+      <p:cxnSp>
+        <p:nvCxnSpPr>
+          <p:cNvPr id="72" name="Straight Connector 71">
+            <a:extLst>
+              <a:ext uri="{FF2B5EF4-FFF2-40B4-BE49-F238E27FC236}">
+                <a16:creationId xmlns:a16="http://schemas.microsoft.com/office/drawing/2014/main" id="{DCAB3349-C85D-902A-688B-DF12156F39EC}"/>
+              </a:ext>
+            </a:extLst>
+          </p:cNvPr>
+          <p:cNvCxnSpPr>
+            <a:cxnSpLocks/>
+          </p:cNvCxnSpPr>
+          <p:nvPr/>
+        </p:nvCxnSpPr>
+        <p:spPr>
+          <a:xfrm flipV="1">
+            <a:off x="6208183" y="4747444"/>
+            <a:ext cx="0" cy="457201"/>
+          </a:xfrm>
+          <a:prstGeom prst="line">
+            <a:avLst/>
+          </a:prstGeom>
+          <a:ln w="28575"/>
+        </p:spPr>
+        <p:style>
+          <a:lnRef idx="1">
+            <a:schemeClr val="accent1"/>
+          </a:lnRef>
+          <a:fillRef idx="0">
+            <a:schemeClr val="accent1"/>
+          </a:fillRef>
+          <a:effectRef idx="0">
+            <a:schemeClr val="accent1"/>
+          </a:effectRef>
+          <a:fontRef idx="minor">
+            <a:schemeClr val="tx1"/>
+          </a:fontRef>
+        </p:style>
+      </p:cxnSp>
     </p:spTree>
     <p:extLst>
       <p:ext uri="{BB962C8B-B14F-4D97-AF65-F5344CB8AC3E}">

--- a/SYSG3.pptx
+++ b/SYSG3.pptx
@@ -8481,48 +8481,9 @@
           <p:nvPr/>
         </p:nvCxnSpPr>
         <p:spPr>
-          <a:xfrm flipH="1">
-            <a:off x="5799667" y="2558326"/>
-            <a:ext cx="1" cy="401926"/>
-          </a:xfrm>
-          <a:prstGeom prst="line">
-            <a:avLst/>
-          </a:prstGeom>
-          <a:ln w="28575"/>
-        </p:spPr>
-        <p:style>
-          <a:lnRef idx="1">
-            <a:schemeClr val="accent1"/>
-          </a:lnRef>
-          <a:fillRef idx="0">
-            <a:schemeClr val="accent1"/>
-          </a:fillRef>
-          <a:effectRef idx="0">
-            <a:schemeClr val="accent1"/>
-          </a:effectRef>
-          <a:fontRef idx="minor">
-            <a:schemeClr val="tx1"/>
-          </a:fontRef>
-        </p:style>
-      </p:cxnSp>
-      <p:cxnSp>
-        <p:nvCxnSpPr>
-          <p:cNvPr id="8" name="Straight Connector 7">
-            <a:extLst>
-              <a:ext uri="{FF2B5EF4-FFF2-40B4-BE49-F238E27FC236}">
-                <a16:creationId xmlns:a16="http://schemas.microsoft.com/office/drawing/2014/main" id="{CA3FF845-5199-B308-7524-9103E25A15DE}"/>
-              </a:ext>
-            </a:extLst>
-          </p:cNvPr>
-          <p:cNvCxnSpPr>
-            <a:cxnSpLocks/>
-          </p:cNvCxnSpPr>
-          <p:nvPr/>
-        </p:nvCxnSpPr>
-        <p:spPr>
-          <a:xfrm flipV="1">
-            <a:off x="3967161" y="4884473"/>
-            <a:ext cx="1114425" cy="239620"/>
+          <a:xfrm>
+            <a:off x="5799668" y="2558326"/>
+            <a:ext cx="0" cy="493136"/>
           </a:xfrm>
           <a:prstGeom prst="line">
             <a:avLst/>
@@ -8585,53 +8546,16 @@
       </p:cxnSp>
       <p:cxnSp>
         <p:nvCxnSpPr>
-          <p:cNvPr id="16" name="Straight Connector 15">
-            <a:extLst>
-              <a:ext uri="{FF2B5EF4-FFF2-40B4-BE49-F238E27FC236}">
-                <a16:creationId xmlns:a16="http://schemas.microsoft.com/office/drawing/2014/main" id="{22132E4E-90D9-4A96-988F-49D58FBA7530}"/>
+          <p:cNvPr id="30" name="Straight Connector 29">
+            <a:extLst>
+              <a:ext uri="{FF2B5EF4-FFF2-40B4-BE49-F238E27FC236}">
+                <a16:creationId xmlns:a16="http://schemas.microsoft.com/office/drawing/2014/main" id="{3F0BE9C4-3D97-234D-B869-FFB4D3222CD2}"/>
               </a:ext>
             </a:extLst>
           </p:cNvPr>
           <p:cNvCxnSpPr>
             <a:cxnSpLocks/>
           </p:cNvCxnSpPr>
-          <p:nvPr/>
-        </p:nvCxnSpPr>
-        <p:spPr>
-          <a:xfrm>
-            <a:off x="3333750" y="4982391"/>
-            <a:ext cx="1171575" cy="72363"/>
-          </a:xfrm>
-          <a:prstGeom prst="line">
-            <a:avLst/>
-          </a:prstGeom>
-          <a:ln w="28575"/>
-        </p:spPr>
-        <p:style>
-          <a:lnRef idx="1">
-            <a:schemeClr val="accent1"/>
-          </a:lnRef>
-          <a:fillRef idx="0">
-            <a:schemeClr val="accent1"/>
-          </a:fillRef>
-          <a:effectRef idx="0">
-            <a:schemeClr val="accent1"/>
-          </a:effectRef>
-          <a:fontRef idx="minor">
-            <a:schemeClr val="tx1"/>
-          </a:fontRef>
-        </p:style>
-      </p:cxnSp>
-      <p:cxnSp>
-        <p:nvCxnSpPr>
-          <p:cNvPr id="30" name="Straight Connector 29">
-            <a:extLst>
-              <a:ext uri="{FF2B5EF4-FFF2-40B4-BE49-F238E27FC236}">
-                <a16:creationId xmlns:a16="http://schemas.microsoft.com/office/drawing/2014/main" id="{3F0BE9C4-3D97-234D-B869-FFB4D3222CD2}"/>
-              </a:ext>
-            </a:extLst>
-          </p:cNvPr>
-          <p:cNvCxnSpPr/>
           <p:nvPr/>
         </p:nvCxnSpPr>
         <p:spPr>
@@ -8668,7 +8592,9 @@
               </a:ext>
             </a:extLst>
           </p:cNvPr>
-          <p:cNvCxnSpPr/>
+          <p:cNvCxnSpPr>
+            <a:cxnSpLocks/>
+          </p:cNvCxnSpPr>
           <p:nvPr/>
         </p:nvCxnSpPr>
         <p:spPr>
@@ -8705,13 +8631,15 @@
               </a:ext>
             </a:extLst>
           </p:cNvPr>
-          <p:cNvCxnSpPr/>
+          <p:cNvCxnSpPr>
+            <a:cxnSpLocks/>
+          </p:cNvCxnSpPr>
           <p:nvPr/>
         </p:nvCxnSpPr>
         <p:spPr>
           <a:xfrm>
             <a:off x="4173007" y="3501254"/>
-            <a:ext cx="0" cy="414867"/>
+            <a:ext cx="0" cy="441060"/>
           </a:xfrm>
           <a:prstGeom prst="line">
             <a:avLst/>
@@ -8781,13 +8709,15 @@
               </a:ext>
             </a:extLst>
           </p:cNvPr>
-          <p:cNvCxnSpPr/>
+          <p:cNvCxnSpPr>
+            <a:cxnSpLocks/>
+          </p:cNvCxnSpPr>
           <p:nvPr/>
         </p:nvCxnSpPr>
         <p:spPr>
           <a:xfrm>
             <a:off x="4219578" y="3942314"/>
-            <a:ext cx="0" cy="414867"/>
+            <a:ext cx="0" cy="449704"/>
           </a:xfrm>
           <a:prstGeom prst="line">
             <a:avLst/>
@@ -8857,13 +8787,15 @@
               </a:ext>
             </a:extLst>
           </p:cNvPr>
-          <p:cNvCxnSpPr/>
+          <p:cNvCxnSpPr>
+            <a:cxnSpLocks/>
+          </p:cNvCxnSpPr>
           <p:nvPr/>
         </p:nvCxnSpPr>
         <p:spPr>
           <a:xfrm>
             <a:off x="4304237" y="4392018"/>
-            <a:ext cx="0" cy="414867"/>
+            <a:ext cx="0" cy="419120"/>
           </a:xfrm>
           <a:prstGeom prst="line">
             <a:avLst/>
@@ -8979,6 +8911,82 @@
           <a:xfrm flipV="1">
             <a:off x="6208183" y="4747444"/>
             <a:ext cx="0" cy="457201"/>
+          </a:xfrm>
+          <a:prstGeom prst="line">
+            <a:avLst/>
+          </a:prstGeom>
+          <a:ln w="28575"/>
+        </p:spPr>
+        <p:style>
+          <a:lnRef idx="1">
+            <a:schemeClr val="accent1"/>
+          </a:lnRef>
+          <a:fillRef idx="0">
+            <a:schemeClr val="accent1"/>
+          </a:fillRef>
+          <a:effectRef idx="0">
+            <a:schemeClr val="accent1"/>
+          </a:effectRef>
+          <a:fontRef idx="minor">
+            <a:schemeClr val="tx1"/>
+          </a:fontRef>
+        </p:style>
+      </p:cxnSp>
+      <p:cxnSp>
+        <p:nvCxnSpPr>
+          <p:cNvPr id="75" name="Straight Connector 74">
+            <a:extLst>
+              <a:ext uri="{FF2B5EF4-FFF2-40B4-BE49-F238E27FC236}">
+                <a16:creationId xmlns:a16="http://schemas.microsoft.com/office/drawing/2014/main" id="{D0EBD231-9F04-AEA4-9A4E-F19E2E3B6A9C}"/>
+              </a:ext>
+            </a:extLst>
+          </p:cNvPr>
+          <p:cNvCxnSpPr>
+            <a:cxnSpLocks/>
+          </p:cNvCxnSpPr>
+          <p:nvPr/>
+        </p:nvCxnSpPr>
+        <p:spPr>
+          <a:xfrm flipV="1">
+            <a:off x="6210828" y="5199869"/>
+            <a:ext cx="0" cy="457201"/>
+          </a:xfrm>
+          <a:prstGeom prst="line">
+            <a:avLst/>
+          </a:prstGeom>
+          <a:ln w="28575"/>
+        </p:spPr>
+        <p:style>
+          <a:lnRef idx="1">
+            <a:schemeClr val="accent1"/>
+          </a:lnRef>
+          <a:fillRef idx="0">
+            <a:schemeClr val="accent1"/>
+          </a:fillRef>
+          <a:effectRef idx="0">
+            <a:schemeClr val="accent1"/>
+          </a:effectRef>
+          <a:fontRef idx="minor">
+            <a:schemeClr val="tx1"/>
+          </a:fontRef>
+        </p:style>
+      </p:cxnSp>
+      <p:cxnSp>
+        <p:nvCxnSpPr>
+          <p:cNvPr id="82" name="Straight Connector 81">
+            <a:extLst>
+              <a:ext uri="{FF2B5EF4-FFF2-40B4-BE49-F238E27FC236}">
+                <a16:creationId xmlns:a16="http://schemas.microsoft.com/office/drawing/2014/main" id="{FE1B8015-CF4C-D345-85AC-DC9AA11F7041}"/>
+              </a:ext>
+            </a:extLst>
+          </p:cNvPr>
+          <p:cNvCxnSpPr/>
+          <p:nvPr/>
+        </p:nvCxnSpPr>
+        <p:spPr>
+          <a:xfrm>
+            <a:off x="4366150" y="5242203"/>
+            <a:ext cx="0" cy="414867"/>
           </a:xfrm>
           <a:prstGeom prst="line">
             <a:avLst/>

--- a/SYSG3.pptx
+++ b/SYSG3.pptx
@@ -8438,10 +8438,10 @@
       </p:sp>
       <p:pic>
         <p:nvPicPr>
-          <p:cNvPr id="4" name="Picture 3">
-            <a:extLst>
-              <a:ext uri="{FF2B5EF4-FFF2-40B4-BE49-F238E27FC236}">
-                <a16:creationId xmlns:a16="http://schemas.microsoft.com/office/drawing/2014/main" id="{ABDBC8BF-D749-E585-040A-7C08310A0B80}"/>
+          <p:cNvPr id="1034" name="Picture 1033">
+            <a:extLst>
+              <a:ext uri="{FF2B5EF4-FFF2-40B4-BE49-F238E27FC236}">
+                <a16:creationId xmlns:a16="http://schemas.microsoft.com/office/drawing/2014/main" id="{0074DDCB-FE92-A78A-378E-3D033EBD82CE}"/>
               </a:ext>
             </a:extLst>
           </p:cNvPr>
@@ -8458,556 +8458,276 @@
         </p:blipFill>
         <p:spPr>
           <a:xfrm>
-            <a:off x="2862558" y="1985192"/>
-            <a:ext cx="5434775" cy="4549684"/>
+            <a:off x="449395" y="867833"/>
+            <a:ext cx="3406913" cy="2050177"/>
           </a:xfrm>
           <a:prstGeom prst="rect">
             <a:avLst/>
           </a:prstGeom>
         </p:spPr>
       </p:pic>
-      <p:cxnSp>
-        <p:nvCxnSpPr>
-          <p:cNvPr id="6" name="Straight Connector 5">
-            <a:extLst>
-              <a:ext uri="{FF2B5EF4-FFF2-40B4-BE49-F238E27FC236}">
-                <a16:creationId xmlns:a16="http://schemas.microsoft.com/office/drawing/2014/main" id="{FA9028D3-75E6-86EC-2EAC-39B0160A8E85}"/>
-              </a:ext>
-            </a:extLst>
-          </p:cNvPr>
-          <p:cNvCxnSpPr>
-            <a:cxnSpLocks/>
-          </p:cNvCxnSpPr>
-          <p:nvPr/>
-        </p:nvCxnSpPr>
-        <p:spPr>
-          <a:xfrm>
-            <a:off x="5799668" y="2558326"/>
-            <a:ext cx="0" cy="493136"/>
-          </a:xfrm>
-          <a:prstGeom prst="line">
-            <a:avLst/>
-          </a:prstGeom>
-          <a:ln w="28575"/>
+      <p:sp>
+        <p:nvSpPr>
+          <p:cNvPr id="1035" name="TextBox 1034">
+            <a:extLst>
+              <a:ext uri="{FF2B5EF4-FFF2-40B4-BE49-F238E27FC236}">
+                <a16:creationId xmlns:a16="http://schemas.microsoft.com/office/drawing/2014/main" id="{54D8CDB4-3775-FBD0-FC87-2B8008F9FB46}"/>
+              </a:ext>
+            </a:extLst>
+          </p:cNvPr>
+          <p:cNvSpPr txBox="1"/>
+          <p:nvPr/>
+        </p:nvSpPr>
+        <p:spPr>
+          <a:xfrm>
+            <a:off x="2398284" y="953892"/>
+            <a:ext cx="1432025" cy="584775"/>
+          </a:xfrm>
+          <a:prstGeom prst="rect">
+            <a:avLst/>
+          </a:prstGeom>
+          <a:noFill/>
+        </p:spPr>
+        <p:txBody>
+          <a:bodyPr wrap="square" rtlCol="0">
+            <a:spAutoFit/>
+          </a:bodyPr>
+          <a:lstStyle/>
+          <a:p>
+            <a:pPr algn="r"/>
+            <a:r>
+              <a:rPr lang="en-US" sz="1600" dirty="0">
+                <a:solidFill>
+                  <a:schemeClr val="bg1"/>
+                </a:solidFill>
+              </a:rPr>
+              <a:t>a010x075N050</a:t>
+            </a:r>
+          </a:p>
+          <a:p>
+            <a:pPr algn="r"/>
+            <a:r>
+              <a:rPr lang="en-US" sz="1600" dirty="0">
+                <a:solidFill>
+                  <a:schemeClr val="bg1"/>
+                </a:solidFill>
+              </a:rPr>
+              <a:t>ds30dz50</a:t>
+            </a:r>
+          </a:p>
+        </p:txBody>
+      </p:sp>
+      <p:sp>
+        <p:nvSpPr>
+          <p:cNvPr id="1036" name="Rectangle 1035">
+            <a:extLst>
+              <a:ext uri="{FF2B5EF4-FFF2-40B4-BE49-F238E27FC236}">
+                <a16:creationId xmlns:a16="http://schemas.microsoft.com/office/drawing/2014/main" id="{C02C7080-0D2B-55AE-2481-D3370E17CC5E}"/>
+              </a:ext>
+            </a:extLst>
+          </p:cNvPr>
+          <p:cNvSpPr/>
+          <p:nvPr/>
+        </p:nvSpPr>
+        <p:spPr>
+          <a:xfrm>
+            <a:off x="7933267" y="491067"/>
+            <a:ext cx="3581400" cy="753533"/>
+          </a:xfrm>
+          <a:prstGeom prst="rect">
+            <a:avLst/>
+          </a:prstGeom>
         </p:spPr>
         <p:style>
-          <a:lnRef idx="1">
-            <a:schemeClr val="accent1"/>
+          <a:lnRef idx="2">
+            <a:schemeClr val="accent1">
+              <a:shade val="15000"/>
+            </a:schemeClr>
           </a:lnRef>
-          <a:fillRef idx="0">
+          <a:fillRef idx="1">
             <a:schemeClr val="accent1"/>
           </a:fillRef>
           <a:effectRef idx="0">
             <a:schemeClr val="accent1"/>
           </a:effectRef>
           <a:fontRef idx="minor">
-            <a:schemeClr val="tx1"/>
+            <a:schemeClr val="lt1"/>
           </a:fontRef>
         </p:style>
-      </p:cxnSp>
-      <p:cxnSp>
-        <p:nvCxnSpPr>
-          <p:cNvPr id="10" name="Straight Connector 9">
-            <a:extLst>
-              <a:ext uri="{FF2B5EF4-FFF2-40B4-BE49-F238E27FC236}">
-                <a16:creationId xmlns:a16="http://schemas.microsoft.com/office/drawing/2014/main" id="{82EAEE27-9718-0D79-4AD0-5A03548F630E}"/>
-              </a:ext>
-            </a:extLst>
-          </p:cNvPr>
-          <p:cNvCxnSpPr>
-            <a:cxnSpLocks/>
-          </p:cNvCxnSpPr>
-          <p:nvPr/>
-        </p:nvCxnSpPr>
-        <p:spPr>
-          <a:xfrm flipV="1">
-            <a:off x="5902091" y="3009128"/>
-            <a:ext cx="0" cy="457201"/>
-          </a:xfrm>
-          <a:prstGeom prst="line">
-            <a:avLst/>
-          </a:prstGeom>
-          <a:ln w="28575"/>
-        </p:spPr>
-        <p:style>
-          <a:lnRef idx="1">
-            <a:schemeClr val="accent1"/>
-          </a:lnRef>
-          <a:fillRef idx="0">
-            <a:schemeClr val="accent1"/>
-          </a:fillRef>
-          <a:effectRef idx="0">
-            <a:schemeClr val="accent1"/>
-          </a:effectRef>
-          <a:fontRef idx="minor">
-            <a:schemeClr val="tx1"/>
-          </a:fontRef>
-        </p:style>
-      </p:cxnSp>
-      <p:cxnSp>
-        <p:nvCxnSpPr>
-          <p:cNvPr id="30" name="Straight Connector 29">
-            <a:extLst>
-              <a:ext uri="{FF2B5EF4-FFF2-40B4-BE49-F238E27FC236}">
-                <a16:creationId xmlns:a16="http://schemas.microsoft.com/office/drawing/2014/main" id="{3F0BE9C4-3D97-234D-B869-FFB4D3222CD2}"/>
-              </a:ext>
-            </a:extLst>
-          </p:cNvPr>
-          <p:cNvCxnSpPr>
-            <a:cxnSpLocks/>
-          </p:cNvCxnSpPr>
-          <p:nvPr/>
-        </p:nvCxnSpPr>
-        <p:spPr>
-          <a:xfrm>
-            <a:off x="4191000" y="2497667"/>
-            <a:ext cx="0" cy="482599"/>
-          </a:xfrm>
-          <a:prstGeom prst="line">
-            <a:avLst/>
-          </a:prstGeom>
-          <a:ln w="28575"/>
-        </p:spPr>
-        <p:style>
-          <a:lnRef idx="1">
-            <a:schemeClr val="accent1"/>
-          </a:lnRef>
-          <a:fillRef idx="0">
-            <a:schemeClr val="accent1"/>
-          </a:fillRef>
-          <a:effectRef idx="0">
-            <a:schemeClr val="accent1"/>
-          </a:effectRef>
-          <a:fontRef idx="minor">
-            <a:schemeClr val="tx1"/>
-          </a:fontRef>
-        </p:style>
-      </p:cxnSp>
-      <p:cxnSp>
-        <p:nvCxnSpPr>
-          <p:cNvPr id="39" name="Straight Connector 38">
-            <a:extLst>
-              <a:ext uri="{FF2B5EF4-FFF2-40B4-BE49-F238E27FC236}">
-                <a16:creationId xmlns:a16="http://schemas.microsoft.com/office/drawing/2014/main" id="{1F8480E0-0EBB-07A9-D68D-64F240AFA44B}"/>
-              </a:ext>
-            </a:extLst>
-          </p:cNvPr>
-          <p:cNvCxnSpPr>
-            <a:cxnSpLocks/>
-          </p:cNvCxnSpPr>
-          <p:nvPr/>
-        </p:nvCxnSpPr>
-        <p:spPr>
-          <a:xfrm>
-            <a:off x="4157132" y="3051462"/>
-            <a:ext cx="0" cy="414867"/>
-          </a:xfrm>
-          <a:prstGeom prst="line">
-            <a:avLst/>
-          </a:prstGeom>
-          <a:ln w="28575"/>
-        </p:spPr>
-        <p:style>
-          <a:lnRef idx="1">
-            <a:schemeClr val="accent1"/>
-          </a:lnRef>
-          <a:fillRef idx="0">
-            <a:schemeClr val="accent1"/>
-          </a:fillRef>
-          <a:effectRef idx="0">
-            <a:schemeClr val="accent1"/>
-          </a:effectRef>
-          <a:fontRef idx="minor">
-            <a:schemeClr val="tx1"/>
-          </a:fontRef>
-        </p:style>
-      </p:cxnSp>
-      <p:cxnSp>
-        <p:nvCxnSpPr>
-          <p:cNvPr id="44" name="Straight Connector 43">
-            <a:extLst>
-              <a:ext uri="{FF2B5EF4-FFF2-40B4-BE49-F238E27FC236}">
-                <a16:creationId xmlns:a16="http://schemas.microsoft.com/office/drawing/2014/main" id="{764A8A04-FA2D-D3A6-9D1D-16ACE4F28557}"/>
-              </a:ext>
-            </a:extLst>
-          </p:cNvPr>
-          <p:cNvCxnSpPr>
-            <a:cxnSpLocks/>
-          </p:cNvCxnSpPr>
-          <p:nvPr/>
-        </p:nvCxnSpPr>
-        <p:spPr>
-          <a:xfrm>
-            <a:off x="4173007" y="3501254"/>
-            <a:ext cx="0" cy="441060"/>
-          </a:xfrm>
-          <a:prstGeom prst="line">
-            <a:avLst/>
-          </a:prstGeom>
-          <a:ln w="28575"/>
-        </p:spPr>
-        <p:style>
-          <a:lnRef idx="1">
-            <a:schemeClr val="accent1"/>
-          </a:lnRef>
-          <a:fillRef idx="0">
-            <a:schemeClr val="accent1"/>
-          </a:fillRef>
-          <a:effectRef idx="0">
-            <a:schemeClr val="accent1"/>
-          </a:effectRef>
-          <a:fontRef idx="minor">
-            <a:schemeClr val="tx1"/>
-          </a:fontRef>
-        </p:style>
-      </p:cxnSp>
-      <p:cxnSp>
-        <p:nvCxnSpPr>
-          <p:cNvPr id="46" name="Straight Connector 45">
-            <a:extLst>
-              <a:ext uri="{FF2B5EF4-FFF2-40B4-BE49-F238E27FC236}">
-                <a16:creationId xmlns:a16="http://schemas.microsoft.com/office/drawing/2014/main" id="{1D9D42C7-7A5F-8D50-56D7-DD7F718D3F74}"/>
-              </a:ext>
-            </a:extLst>
-          </p:cNvPr>
-          <p:cNvCxnSpPr>
-            <a:cxnSpLocks/>
-          </p:cNvCxnSpPr>
-          <p:nvPr/>
-        </p:nvCxnSpPr>
-        <p:spPr>
-          <a:xfrm flipV="1">
-            <a:off x="5968766" y="3436452"/>
-            <a:ext cx="0" cy="457201"/>
-          </a:xfrm>
-          <a:prstGeom prst="line">
-            <a:avLst/>
-          </a:prstGeom>
-          <a:ln w="28575"/>
-        </p:spPr>
-        <p:style>
-          <a:lnRef idx="1">
-            <a:schemeClr val="accent1"/>
-          </a:lnRef>
-          <a:fillRef idx="0">
-            <a:schemeClr val="accent1"/>
-          </a:fillRef>
-          <a:effectRef idx="0">
-            <a:schemeClr val="accent1"/>
-          </a:effectRef>
-          <a:fontRef idx="minor">
-            <a:schemeClr val="tx1"/>
-          </a:fontRef>
-        </p:style>
-      </p:cxnSp>
-      <p:cxnSp>
-        <p:nvCxnSpPr>
-          <p:cNvPr id="48" name="Straight Connector 47">
-            <a:extLst>
-              <a:ext uri="{FF2B5EF4-FFF2-40B4-BE49-F238E27FC236}">
-                <a16:creationId xmlns:a16="http://schemas.microsoft.com/office/drawing/2014/main" id="{50A1F6B6-2584-0B26-F638-0276038BBAE9}"/>
-              </a:ext>
-            </a:extLst>
-          </p:cNvPr>
-          <p:cNvCxnSpPr>
-            <a:cxnSpLocks/>
-          </p:cNvCxnSpPr>
-          <p:nvPr/>
-        </p:nvCxnSpPr>
-        <p:spPr>
-          <a:xfrm>
-            <a:off x="4219578" y="3942314"/>
-            <a:ext cx="0" cy="449704"/>
-          </a:xfrm>
-          <a:prstGeom prst="line">
-            <a:avLst/>
-          </a:prstGeom>
-          <a:ln w="28575"/>
-        </p:spPr>
-        <p:style>
-          <a:lnRef idx="1">
-            <a:schemeClr val="accent1"/>
-          </a:lnRef>
-          <a:fillRef idx="0">
-            <a:schemeClr val="accent1"/>
-          </a:fillRef>
-          <a:effectRef idx="0">
-            <a:schemeClr val="accent1"/>
-          </a:effectRef>
-          <a:fontRef idx="minor">
-            <a:schemeClr val="tx1"/>
-          </a:fontRef>
-        </p:style>
-      </p:cxnSp>
-      <p:cxnSp>
-        <p:nvCxnSpPr>
-          <p:cNvPr id="49" name="Straight Connector 48">
-            <a:extLst>
-              <a:ext uri="{FF2B5EF4-FFF2-40B4-BE49-F238E27FC236}">
-                <a16:creationId xmlns:a16="http://schemas.microsoft.com/office/drawing/2014/main" id="{02CEFA55-1110-3A36-CB8D-EEA1745AF860}"/>
-              </a:ext>
-            </a:extLst>
-          </p:cNvPr>
-          <p:cNvCxnSpPr>
-            <a:cxnSpLocks/>
-          </p:cNvCxnSpPr>
-          <p:nvPr/>
-        </p:nvCxnSpPr>
-        <p:spPr>
-          <a:xfrm flipV="1">
-            <a:off x="6105526" y="3860050"/>
-            <a:ext cx="0" cy="457201"/>
-          </a:xfrm>
-          <a:prstGeom prst="line">
-            <a:avLst/>
-          </a:prstGeom>
-          <a:ln w="28575"/>
-        </p:spPr>
-        <p:style>
-          <a:lnRef idx="1">
-            <a:schemeClr val="accent1"/>
-          </a:lnRef>
-          <a:fillRef idx="0">
-            <a:schemeClr val="accent1"/>
-          </a:fillRef>
-          <a:effectRef idx="0">
-            <a:schemeClr val="accent1"/>
-          </a:effectRef>
-          <a:fontRef idx="minor">
-            <a:schemeClr val="tx1"/>
-          </a:fontRef>
-        </p:style>
-      </p:cxnSp>
-      <p:cxnSp>
-        <p:nvCxnSpPr>
-          <p:cNvPr id="54" name="Straight Connector 53">
-            <a:extLst>
-              <a:ext uri="{FF2B5EF4-FFF2-40B4-BE49-F238E27FC236}">
-                <a16:creationId xmlns:a16="http://schemas.microsoft.com/office/drawing/2014/main" id="{F66A0AF8-57DE-507D-A6C7-5BAA0060597F}"/>
-              </a:ext>
-            </a:extLst>
-          </p:cNvPr>
-          <p:cNvCxnSpPr>
-            <a:cxnSpLocks/>
-          </p:cNvCxnSpPr>
-          <p:nvPr/>
-        </p:nvCxnSpPr>
-        <p:spPr>
-          <a:xfrm>
-            <a:off x="4304237" y="4392018"/>
-            <a:ext cx="0" cy="419120"/>
-          </a:xfrm>
-          <a:prstGeom prst="line">
-            <a:avLst/>
-          </a:prstGeom>
-          <a:ln w="28575"/>
-        </p:spPr>
-        <p:style>
-          <a:lnRef idx="1">
-            <a:schemeClr val="accent1"/>
-          </a:lnRef>
-          <a:fillRef idx="0">
-            <a:schemeClr val="accent1"/>
-          </a:fillRef>
-          <a:effectRef idx="0">
-            <a:schemeClr val="accent1"/>
-          </a:effectRef>
-          <a:fontRef idx="minor">
-            <a:schemeClr val="tx1"/>
-          </a:fontRef>
-        </p:style>
-      </p:cxnSp>
-      <p:cxnSp>
-        <p:nvCxnSpPr>
-          <p:cNvPr id="55" name="Straight Connector 54">
-            <a:extLst>
-              <a:ext uri="{FF2B5EF4-FFF2-40B4-BE49-F238E27FC236}">
-                <a16:creationId xmlns:a16="http://schemas.microsoft.com/office/drawing/2014/main" id="{EB2E7556-3EE9-3840-6525-EEEB3188D96B}"/>
-              </a:ext>
-            </a:extLst>
-          </p:cNvPr>
-          <p:cNvCxnSpPr>
-            <a:cxnSpLocks/>
-          </p:cNvCxnSpPr>
-          <p:nvPr/>
-        </p:nvCxnSpPr>
-        <p:spPr>
-          <a:xfrm flipV="1">
-            <a:off x="6160558" y="4290243"/>
-            <a:ext cx="0" cy="457201"/>
-          </a:xfrm>
-          <a:prstGeom prst="line">
-            <a:avLst/>
-          </a:prstGeom>
-          <a:ln w="28575"/>
-        </p:spPr>
-        <p:style>
-          <a:lnRef idx="1">
-            <a:schemeClr val="accent1"/>
-          </a:lnRef>
-          <a:fillRef idx="0">
-            <a:schemeClr val="accent1"/>
-          </a:fillRef>
-          <a:effectRef idx="0">
-            <a:schemeClr val="accent1"/>
-          </a:effectRef>
-          <a:fontRef idx="minor">
-            <a:schemeClr val="tx1"/>
-          </a:fontRef>
-        </p:style>
-      </p:cxnSp>
-      <p:cxnSp>
-        <p:nvCxnSpPr>
-          <p:cNvPr id="71" name="Straight Connector 70">
-            <a:extLst>
-              <a:ext uri="{FF2B5EF4-FFF2-40B4-BE49-F238E27FC236}">
-                <a16:creationId xmlns:a16="http://schemas.microsoft.com/office/drawing/2014/main" id="{882AD93B-2654-BE1F-A458-F50DB1D880B8}"/>
-              </a:ext>
-            </a:extLst>
-          </p:cNvPr>
-          <p:cNvCxnSpPr/>
-          <p:nvPr/>
-        </p:nvCxnSpPr>
-        <p:spPr>
-          <a:xfrm>
-            <a:off x="4366150" y="4811138"/>
-            <a:ext cx="0" cy="414867"/>
-          </a:xfrm>
-          <a:prstGeom prst="line">
-            <a:avLst/>
-          </a:prstGeom>
-          <a:ln w="28575"/>
-        </p:spPr>
-        <p:style>
-          <a:lnRef idx="1">
-            <a:schemeClr val="accent1"/>
-          </a:lnRef>
-          <a:fillRef idx="0">
-            <a:schemeClr val="accent1"/>
-          </a:fillRef>
-          <a:effectRef idx="0">
-            <a:schemeClr val="accent1"/>
-          </a:effectRef>
-          <a:fontRef idx="minor">
-            <a:schemeClr val="tx1"/>
-          </a:fontRef>
-        </p:style>
-      </p:cxnSp>
-      <p:cxnSp>
-        <p:nvCxnSpPr>
-          <p:cNvPr id="72" name="Straight Connector 71">
-            <a:extLst>
-              <a:ext uri="{FF2B5EF4-FFF2-40B4-BE49-F238E27FC236}">
-                <a16:creationId xmlns:a16="http://schemas.microsoft.com/office/drawing/2014/main" id="{DCAB3349-C85D-902A-688B-DF12156F39EC}"/>
-              </a:ext>
-            </a:extLst>
-          </p:cNvPr>
-          <p:cNvCxnSpPr>
-            <a:cxnSpLocks/>
-          </p:cNvCxnSpPr>
-          <p:nvPr/>
-        </p:nvCxnSpPr>
-        <p:spPr>
-          <a:xfrm flipV="1">
-            <a:off x="6208183" y="4747444"/>
-            <a:ext cx="0" cy="457201"/>
-          </a:xfrm>
-          <a:prstGeom prst="line">
-            <a:avLst/>
-          </a:prstGeom>
-          <a:ln w="28575"/>
-        </p:spPr>
-        <p:style>
-          <a:lnRef idx="1">
-            <a:schemeClr val="accent1"/>
-          </a:lnRef>
-          <a:fillRef idx="0">
-            <a:schemeClr val="accent1"/>
-          </a:fillRef>
-          <a:effectRef idx="0">
-            <a:schemeClr val="accent1"/>
-          </a:effectRef>
-          <a:fontRef idx="minor">
-            <a:schemeClr val="tx1"/>
-          </a:fontRef>
-        </p:style>
-      </p:cxnSp>
-      <p:cxnSp>
-        <p:nvCxnSpPr>
-          <p:cNvPr id="75" name="Straight Connector 74">
-            <a:extLst>
-              <a:ext uri="{FF2B5EF4-FFF2-40B4-BE49-F238E27FC236}">
-                <a16:creationId xmlns:a16="http://schemas.microsoft.com/office/drawing/2014/main" id="{D0EBD231-9F04-AEA4-9A4E-F19E2E3B6A9C}"/>
-              </a:ext>
-            </a:extLst>
-          </p:cNvPr>
-          <p:cNvCxnSpPr>
-            <a:cxnSpLocks/>
-          </p:cNvCxnSpPr>
-          <p:nvPr/>
-        </p:nvCxnSpPr>
-        <p:spPr>
-          <a:xfrm flipV="1">
-            <a:off x="6210828" y="5199869"/>
-            <a:ext cx="0" cy="457201"/>
-          </a:xfrm>
-          <a:prstGeom prst="line">
-            <a:avLst/>
-          </a:prstGeom>
-          <a:ln w="28575"/>
-        </p:spPr>
-        <p:style>
-          <a:lnRef idx="1">
-            <a:schemeClr val="accent1"/>
-          </a:lnRef>
-          <a:fillRef idx="0">
-            <a:schemeClr val="accent1"/>
-          </a:fillRef>
-          <a:effectRef idx="0">
-            <a:schemeClr val="accent1"/>
-          </a:effectRef>
-          <a:fontRef idx="minor">
-            <a:schemeClr val="tx1"/>
-          </a:fontRef>
-        </p:style>
-      </p:cxnSp>
-      <p:cxnSp>
-        <p:nvCxnSpPr>
-          <p:cNvPr id="82" name="Straight Connector 81">
-            <a:extLst>
-              <a:ext uri="{FF2B5EF4-FFF2-40B4-BE49-F238E27FC236}">
-                <a16:creationId xmlns:a16="http://schemas.microsoft.com/office/drawing/2014/main" id="{FE1B8015-CF4C-D345-85AC-DC9AA11F7041}"/>
-              </a:ext>
-            </a:extLst>
-          </p:cNvPr>
-          <p:cNvCxnSpPr/>
-          <p:nvPr/>
-        </p:nvCxnSpPr>
-        <p:spPr>
-          <a:xfrm>
-            <a:off x="4366150" y="5242203"/>
-            <a:ext cx="0" cy="414867"/>
-          </a:xfrm>
-          <a:prstGeom prst="line">
-            <a:avLst/>
-          </a:prstGeom>
-          <a:ln w="28575"/>
-        </p:spPr>
-        <p:style>
-          <a:lnRef idx="1">
-            <a:schemeClr val="accent1"/>
-          </a:lnRef>
-          <a:fillRef idx="0">
-            <a:schemeClr val="accent1"/>
-          </a:fillRef>
-          <a:effectRef idx="0">
-            <a:schemeClr val="accent1"/>
-          </a:effectRef>
-          <a:fontRef idx="minor">
-            <a:schemeClr val="tx1"/>
-          </a:fontRef>
-        </p:style>
-      </p:cxnSp>
+        <p:txBody>
+          <a:bodyPr rtlCol="0" anchor="ctr"/>
+          <a:lstStyle/>
+          <a:p>
+            <a:pPr algn="ctr"/>
+            <a:r>
+              <a:rPr lang="en-US" dirty="0"/>
+              <a:t>Something wrong with PB</a:t>
+            </a:r>
+          </a:p>
+        </p:txBody>
+      </p:sp>
+      <p:pic>
+        <p:nvPicPr>
+          <p:cNvPr id="1038" name="Picture 1037">
+            <a:extLst>
+              <a:ext uri="{FF2B5EF4-FFF2-40B4-BE49-F238E27FC236}">
+                <a16:creationId xmlns:a16="http://schemas.microsoft.com/office/drawing/2014/main" id="{8D7DA175-140F-267A-6A2B-8E3A6F37FB8A}"/>
+              </a:ext>
+            </a:extLst>
+          </p:cNvPr>
+          <p:cNvPicPr>
+            <a:picLocks noChangeAspect="1"/>
+          </p:cNvPicPr>
+          <p:nvPr/>
+        </p:nvPicPr>
+        <p:blipFill>
+          <a:blip r:embed="rId3"/>
+          <a:stretch>
+            <a:fillRect/>
+          </a:stretch>
+        </p:blipFill>
+        <p:spPr>
+          <a:xfrm>
+            <a:off x="472874" y="2723851"/>
+            <a:ext cx="3357435" cy="2051290"/>
+          </a:xfrm>
+          <a:prstGeom prst="rect">
+            <a:avLst/>
+          </a:prstGeom>
+        </p:spPr>
+      </p:pic>
+      <p:sp>
+        <p:nvSpPr>
+          <p:cNvPr id="1039" name="TextBox 1038">
+            <a:extLst>
+              <a:ext uri="{FF2B5EF4-FFF2-40B4-BE49-F238E27FC236}">
+                <a16:creationId xmlns:a16="http://schemas.microsoft.com/office/drawing/2014/main" id="{2C8AD335-4674-5E44-4792-35C9F6182776}"/>
+              </a:ext>
+            </a:extLst>
+          </p:cNvPr>
+          <p:cNvSpPr txBox="1"/>
+          <p:nvPr/>
+        </p:nvSpPr>
+        <p:spPr>
+          <a:xfrm>
+            <a:off x="2353755" y="2804331"/>
+            <a:ext cx="1432025" cy="584775"/>
+          </a:xfrm>
+          <a:prstGeom prst="rect">
+            <a:avLst/>
+          </a:prstGeom>
+          <a:noFill/>
+        </p:spPr>
+        <p:txBody>
+          <a:bodyPr wrap="square" rtlCol="0">
+            <a:spAutoFit/>
+          </a:bodyPr>
+          <a:lstStyle/>
+          <a:p>
+            <a:pPr algn="r"/>
+            <a:r>
+              <a:rPr lang="en-US" sz="1600" dirty="0">
+                <a:solidFill>
+                  <a:schemeClr val="bg1"/>
+                </a:solidFill>
+              </a:rPr>
+              <a:t>a010x075N050</a:t>
+            </a:r>
+          </a:p>
+          <a:p>
+            <a:pPr algn="r"/>
+            <a:r>
+              <a:rPr lang="en-US" sz="1600" dirty="0">
+                <a:solidFill>
+                  <a:schemeClr val="bg1"/>
+                </a:solidFill>
+              </a:rPr>
+              <a:t>ds20dz50</a:t>
+            </a:r>
+          </a:p>
+        </p:txBody>
+      </p:sp>
+      <p:pic>
+        <p:nvPicPr>
+          <p:cNvPr id="1041" name="Picture 1040">
+            <a:extLst>
+              <a:ext uri="{FF2B5EF4-FFF2-40B4-BE49-F238E27FC236}">
+                <a16:creationId xmlns:a16="http://schemas.microsoft.com/office/drawing/2014/main" id="{4C2ED64D-CD01-C052-2C1C-287EEB644330}"/>
+              </a:ext>
+            </a:extLst>
+          </p:cNvPr>
+          <p:cNvPicPr>
+            <a:picLocks noChangeAspect="1"/>
+          </p:cNvPicPr>
+          <p:nvPr/>
+        </p:nvPicPr>
+        <p:blipFill>
+          <a:blip r:embed="rId4"/>
+          <a:stretch>
+            <a:fillRect/>
+          </a:stretch>
+        </p:blipFill>
+        <p:spPr>
+          <a:xfrm>
+            <a:off x="449395" y="4581985"/>
+            <a:ext cx="3393015" cy="2051290"/>
+          </a:xfrm>
+          <a:prstGeom prst="rect">
+            <a:avLst/>
+          </a:prstGeom>
+        </p:spPr>
+      </p:pic>
+      <p:sp>
+        <p:nvSpPr>
+          <p:cNvPr id="1042" name="TextBox 1041">
+            <a:extLst>
+              <a:ext uri="{FF2B5EF4-FFF2-40B4-BE49-F238E27FC236}">
+                <a16:creationId xmlns:a16="http://schemas.microsoft.com/office/drawing/2014/main" id="{2158A5F1-DA44-F1AD-B6EC-BB23B7B95561}"/>
+              </a:ext>
+            </a:extLst>
+          </p:cNvPr>
+          <p:cNvSpPr txBox="1"/>
+          <p:nvPr/>
+        </p:nvSpPr>
+        <p:spPr>
+          <a:xfrm>
+            <a:off x="2353755" y="4642794"/>
+            <a:ext cx="1432025" cy="584775"/>
+          </a:xfrm>
+          <a:prstGeom prst="rect">
+            <a:avLst/>
+          </a:prstGeom>
+          <a:noFill/>
+        </p:spPr>
+        <p:txBody>
+          <a:bodyPr wrap="square" rtlCol="0">
+            <a:spAutoFit/>
+          </a:bodyPr>
+          <a:lstStyle/>
+          <a:p>
+            <a:pPr algn="r"/>
+            <a:r>
+              <a:rPr lang="en-US" sz="1600" dirty="0">
+                <a:solidFill>
+                  <a:schemeClr val="bg1"/>
+                </a:solidFill>
+              </a:rPr>
+              <a:t>a010x075N050</a:t>
+            </a:r>
+          </a:p>
+          <a:p>
+            <a:pPr algn="r"/>
+            <a:r>
+              <a:rPr lang="en-US" sz="1600" dirty="0">
+                <a:solidFill>
+                  <a:schemeClr val="bg1"/>
+                </a:solidFill>
+              </a:rPr>
+              <a:t>ds10dz50</a:t>
+            </a:r>
+          </a:p>
+        </p:txBody>
+      </p:sp>
     </p:spTree>
     <p:extLst>
       <p:ext uri="{BB962C8B-B14F-4D97-AF65-F5344CB8AC3E}">

--- a/SYSG3.pptx
+++ b/SYSG3.pptx
@@ -8365,6 +8365,328 @@
           </a:p>
         </p:txBody>
       </p:sp>
+      <p:grpSp>
+        <p:nvGrpSpPr>
+          <p:cNvPr id="18" name="Group 17">
+            <a:extLst>
+              <a:ext uri="{FF2B5EF4-FFF2-40B4-BE49-F238E27FC236}">
+                <a16:creationId xmlns:a16="http://schemas.microsoft.com/office/drawing/2014/main" id="{5AFE8D39-65DC-4B90-1A06-A32E352E1834}"/>
+              </a:ext>
+            </a:extLst>
+          </p:cNvPr>
+          <p:cNvGrpSpPr/>
+          <p:nvPr/>
+        </p:nvGrpSpPr>
+        <p:grpSpPr>
+          <a:xfrm>
+            <a:off x="3969992" y="887225"/>
+            <a:ext cx="3504119" cy="2097195"/>
+            <a:chOff x="3969992" y="887225"/>
+            <a:chExt cx="3504119" cy="2097195"/>
+          </a:xfrm>
+        </p:grpSpPr>
+        <p:pic>
+          <p:nvPicPr>
+            <p:cNvPr id="8" name="Picture 7">
+              <a:extLst>
+                <a:ext uri="{FF2B5EF4-FFF2-40B4-BE49-F238E27FC236}">
+                  <a16:creationId xmlns:a16="http://schemas.microsoft.com/office/drawing/2014/main" id="{45C10048-1638-FED9-D85D-A0F7F28FDD5B}"/>
+                </a:ext>
+              </a:extLst>
+            </p:cNvPr>
+            <p:cNvPicPr>
+              <a:picLocks noChangeAspect="1"/>
+            </p:cNvPicPr>
+            <p:nvPr/>
+          </p:nvPicPr>
+          <p:blipFill>
+            <a:blip r:embed="rId6"/>
+            <a:stretch>
+              <a:fillRect/>
+            </a:stretch>
+          </p:blipFill>
+          <p:spPr>
+            <a:xfrm>
+              <a:off x="3969992" y="887225"/>
+              <a:ext cx="3504119" cy="2097195"/>
+            </a:xfrm>
+            <a:prstGeom prst="rect">
+              <a:avLst/>
+            </a:prstGeom>
+          </p:spPr>
+        </p:pic>
+        <p:sp>
+          <p:nvSpPr>
+            <p:cNvPr id="17" name="TextBox 16">
+              <a:extLst>
+                <a:ext uri="{FF2B5EF4-FFF2-40B4-BE49-F238E27FC236}">
+                  <a16:creationId xmlns:a16="http://schemas.microsoft.com/office/drawing/2014/main" id="{F3025FB3-FA4E-6E08-5A32-C257F8C7523B}"/>
+                </a:ext>
+              </a:extLst>
+            </p:cNvPr>
+            <p:cNvSpPr txBox="1"/>
+            <p:nvPr/>
+          </p:nvSpPr>
+          <p:spPr>
+            <a:xfrm>
+              <a:off x="5927602" y="973999"/>
+              <a:ext cx="1427134" cy="338554"/>
+            </a:xfrm>
+            <a:prstGeom prst="rect">
+              <a:avLst/>
+            </a:prstGeom>
+            <a:noFill/>
+          </p:spPr>
+          <p:txBody>
+            <a:bodyPr wrap="square" rtlCol="0">
+              <a:spAutoFit/>
+            </a:bodyPr>
+            <a:lstStyle/>
+            <a:p>
+              <a:pPr algn="r"/>
+              <a:r>
+                <a:rPr lang="en-US" sz="1600" dirty="0">
+                  <a:solidFill>
+                    <a:schemeClr val="bg1"/>
+                  </a:solidFill>
+                </a:rPr>
+                <a:t>a010x075c010</a:t>
+              </a:r>
+            </a:p>
+          </p:txBody>
+        </p:sp>
+      </p:grpSp>
+      <p:grpSp>
+        <p:nvGrpSpPr>
+          <p:cNvPr id="24" name="Group 23">
+            <a:extLst>
+              <a:ext uri="{FF2B5EF4-FFF2-40B4-BE49-F238E27FC236}">
+                <a16:creationId xmlns:a16="http://schemas.microsoft.com/office/drawing/2014/main" id="{FEBF2B04-94E0-1359-A2D5-B022F065FC24}"/>
+              </a:ext>
+            </a:extLst>
+          </p:cNvPr>
+          <p:cNvGrpSpPr/>
+          <p:nvPr/>
+        </p:nvGrpSpPr>
+        <p:grpSpPr>
+          <a:xfrm>
+            <a:off x="3979061" y="2802853"/>
+            <a:ext cx="3504119" cy="2103355"/>
+            <a:chOff x="3979061" y="2802853"/>
+            <a:chExt cx="3504119" cy="2103355"/>
+          </a:xfrm>
+        </p:grpSpPr>
+        <p:pic>
+          <p:nvPicPr>
+            <p:cNvPr id="22" name="Picture 21">
+              <a:extLst>
+                <a:ext uri="{FF2B5EF4-FFF2-40B4-BE49-F238E27FC236}">
+                  <a16:creationId xmlns:a16="http://schemas.microsoft.com/office/drawing/2014/main" id="{E15C966D-8729-38E0-B57D-E56AF8FCD5E2}"/>
+                </a:ext>
+              </a:extLst>
+            </p:cNvPr>
+            <p:cNvPicPr>
+              <a:picLocks noChangeAspect="1"/>
+            </p:cNvPicPr>
+            <p:nvPr/>
+          </p:nvPicPr>
+          <p:blipFill>
+            <a:blip r:embed="rId7"/>
+            <a:stretch>
+              <a:fillRect/>
+            </a:stretch>
+          </p:blipFill>
+          <p:spPr>
+            <a:xfrm>
+              <a:off x="3979061" y="2802853"/>
+              <a:ext cx="3504119" cy="2103355"/>
+            </a:xfrm>
+            <a:prstGeom prst="rect">
+              <a:avLst/>
+            </a:prstGeom>
+          </p:spPr>
+        </p:pic>
+        <p:sp>
+          <p:nvSpPr>
+            <p:cNvPr id="23" name="TextBox 22">
+              <a:extLst>
+                <a:ext uri="{FF2B5EF4-FFF2-40B4-BE49-F238E27FC236}">
+                  <a16:creationId xmlns:a16="http://schemas.microsoft.com/office/drawing/2014/main" id="{890DB379-0F2C-1700-3A9B-CF7C37142184}"/>
+                </a:ext>
+              </a:extLst>
+            </p:cNvPr>
+            <p:cNvSpPr txBox="1"/>
+            <p:nvPr/>
+          </p:nvSpPr>
+          <p:spPr>
+            <a:xfrm>
+              <a:off x="5986372" y="2861032"/>
+              <a:ext cx="1427134" cy="338554"/>
+            </a:xfrm>
+            <a:prstGeom prst="rect">
+              <a:avLst/>
+            </a:prstGeom>
+            <a:noFill/>
+          </p:spPr>
+          <p:txBody>
+            <a:bodyPr wrap="square" rtlCol="0">
+              <a:spAutoFit/>
+            </a:bodyPr>
+            <a:lstStyle/>
+            <a:p>
+              <a:pPr algn="r"/>
+              <a:r>
+                <a:rPr lang="en-US" sz="1600" dirty="0">
+                  <a:solidFill>
+                    <a:schemeClr val="bg1"/>
+                  </a:solidFill>
+                </a:rPr>
+                <a:t>a020x075c010</a:t>
+              </a:r>
+            </a:p>
+          </p:txBody>
+        </p:sp>
+      </p:grpSp>
+      <p:grpSp>
+        <p:nvGrpSpPr>
+          <p:cNvPr id="28" name="Group 27">
+            <a:extLst>
+              <a:ext uri="{FF2B5EF4-FFF2-40B4-BE49-F238E27FC236}">
+                <a16:creationId xmlns:a16="http://schemas.microsoft.com/office/drawing/2014/main" id="{7CDC689F-31F2-DA2E-1999-7D663642AE1D}"/>
+              </a:ext>
+            </a:extLst>
+          </p:cNvPr>
+          <p:cNvGrpSpPr/>
+          <p:nvPr/>
+        </p:nvGrpSpPr>
+        <p:grpSpPr>
+          <a:xfrm>
+            <a:off x="4002255" y="4657858"/>
+            <a:ext cx="3471856" cy="2103355"/>
+            <a:chOff x="4002255" y="4657858"/>
+            <a:chExt cx="3471856" cy="2103355"/>
+          </a:xfrm>
+        </p:grpSpPr>
+        <p:pic>
+          <p:nvPicPr>
+            <p:cNvPr id="26" name="Picture 25">
+              <a:extLst>
+                <a:ext uri="{FF2B5EF4-FFF2-40B4-BE49-F238E27FC236}">
+                  <a16:creationId xmlns:a16="http://schemas.microsoft.com/office/drawing/2014/main" id="{4C3570BB-E5E0-35B3-85A7-6DEB3E51C566}"/>
+                </a:ext>
+              </a:extLst>
+            </p:cNvPr>
+            <p:cNvPicPr>
+              <a:picLocks noChangeAspect="1"/>
+            </p:cNvPicPr>
+            <p:nvPr/>
+          </p:nvPicPr>
+          <p:blipFill>
+            <a:blip r:embed="rId8"/>
+            <a:stretch>
+              <a:fillRect/>
+            </a:stretch>
+          </p:blipFill>
+          <p:spPr>
+            <a:xfrm>
+              <a:off x="4002255" y="4657858"/>
+              <a:ext cx="3471856" cy="2103355"/>
+            </a:xfrm>
+            <a:prstGeom prst="rect">
+              <a:avLst/>
+            </a:prstGeom>
+          </p:spPr>
+        </p:pic>
+        <p:sp>
+          <p:nvSpPr>
+            <p:cNvPr id="27" name="TextBox 26">
+              <a:extLst>
+                <a:ext uri="{FF2B5EF4-FFF2-40B4-BE49-F238E27FC236}">
+                  <a16:creationId xmlns:a16="http://schemas.microsoft.com/office/drawing/2014/main" id="{1205D94F-E0DB-0838-68DC-F15F42C73843}"/>
+                </a:ext>
+              </a:extLst>
+            </p:cNvPr>
+            <p:cNvSpPr txBox="1"/>
+            <p:nvPr/>
+          </p:nvSpPr>
+          <p:spPr>
+            <a:xfrm>
+              <a:off x="5986372" y="4756721"/>
+              <a:ext cx="1427134" cy="338554"/>
+            </a:xfrm>
+            <a:prstGeom prst="rect">
+              <a:avLst/>
+            </a:prstGeom>
+            <a:noFill/>
+          </p:spPr>
+          <p:txBody>
+            <a:bodyPr wrap="square" rtlCol="0">
+              <a:spAutoFit/>
+            </a:bodyPr>
+            <a:lstStyle/>
+            <a:p>
+              <a:pPr algn="r"/>
+              <a:r>
+                <a:rPr lang="en-US" sz="1600" dirty="0">
+                  <a:solidFill>
+                    <a:schemeClr val="bg1"/>
+                  </a:solidFill>
+                </a:rPr>
+                <a:t>a020x075c010</a:t>
+              </a:r>
+            </a:p>
+          </p:txBody>
+        </p:sp>
+      </p:grpSp>
+      <p:sp>
+        <p:nvSpPr>
+          <p:cNvPr id="29" name="Rectangle 28">
+            <a:extLst>
+              <a:ext uri="{FF2B5EF4-FFF2-40B4-BE49-F238E27FC236}">
+                <a16:creationId xmlns:a16="http://schemas.microsoft.com/office/drawing/2014/main" id="{57CBBE49-43F5-6129-C49B-9B665AF63C42}"/>
+              </a:ext>
+            </a:extLst>
+          </p:cNvPr>
+          <p:cNvSpPr/>
+          <p:nvPr/>
+        </p:nvSpPr>
+        <p:spPr>
+          <a:xfrm>
+            <a:off x="8432800" y="198966"/>
+            <a:ext cx="3581400" cy="1067859"/>
+          </a:xfrm>
+          <a:prstGeom prst="rect">
+            <a:avLst/>
+          </a:prstGeom>
+        </p:spPr>
+        <p:style>
+          <a:lnRef idx="2">
+            <a:schemeClr val="accent1">
+              <a:shade val="15000"/>
+            </a:schemeClr>
+          </a:lnRef>
+          <a:fillRef idx="1">
+            <a:schemeClr val="accent1"/>
+          </a:fillRef>
+          <a:effectRef idx="0">
+            <a:schemeClr val="accent1"/>
+          </a:effectRef>
+          <a:fontRef idx="minor">
+            <a:schemeClr val="lt1"/>
+          </a:fontRef>
+        </p:style>
+        <p:txBody>
+          <a:bodyPr rtlCol="0" anchor="ctr"/>
+          <a:lstStyle/>
+          <a:p>
+            <a:pPr algn="ctr"/>
+            <a:r>
+              <a:rPr lang="en-US" dirty="0"/>
+              <a:t>Something wrong with PB</a:t>
+            </a:r>
+          </a:p>
+        </p:txBody>
+      </p:sp>
     </p:spTree>
     <p:extLst>
       <p:ext uri="{BB962C8B-B14F-4D97-AF65-F5344CB8AC3E}">
@@ -8436,87 +8758,108 @@
           </a:p>
         </p:txBody>
       </p:sp>
-      <p:pic>
-        <p:nvPicPr>
-          <p:cNvPr id="1034" name="Picture 1033">
-            <a:extLst>
-              <a:ext uri="{FF2B5EF4-FFF2-40B4-BE49-F238E27FC236}">
-                <a16:creationId xmlns:a16="http://schemas.microsoft.com/office/drawing/2014/main" id="{0074DDCB-FE92-A78A-378E-3D033EBD82CE}"/>
-              </a:ext>
-            </a:extLst>
-          </p:cNvPr>
-          <p:cNvPicPr>
-            <a:picLocks noChangeAspect="1"/>
-          </p:cNvPicPr>
-          <p:nvPr/>
-        </p:nvPicPr>
-        <p:blipFill>
-          <a:blip r:embed="rId2"/>
-          <a:stretch>
-            <a:fillRect/>
-          </a:stretch>
-        </p:blipFill>
-        <p:spPr>
+      <p:grpSp>
+        <p:nvGrpSpPr>
+          <p:cNvPr id="1043" name="Group 1042">
+            <a:extLst>
+              <a:ext uri="{FF2B5EF4-FFF2-40B4-BE49-F238E27FC236}">
+                <a16:creationId xmlns:a16="http://schemas.microsoft.com/office/drawing/2014/main" id="{67CB6518-6DB9-B9A3-6C51-F2B949BC1E6C}"/>
+              </a:ext>
+            </a:extLst>
+          </p:cNvPr>
+          <p:cNvGrpSpPr/>
+          <p:nvPr/>
+        </p:nvGrpSpPr>
+        <p:grpSpPr>
           <a:xfrm>
             <a:off x="449395" y="867833"/>
             <a:ext cx="3406913" cy="2050177"/>
-          </a:xfrm>
-          <a:prstGeom prst="rect">
-            <a:avLst/>
-          </a:prstGeom>
-        </p:spPr>
-      </p:pic>
-      <p:sp>
-        <p:nvSpPr>
-          <p:cNvPr id="1035" name="TextBox 1034">
-            <a:extLst>
-              <a:ext uri="{FF2B5EF4-FFF2-40B4-BE49-F238E27FC236}">
-                <a16:creationId xmlns:a16="http://schemas.microsoft.com/office/drawing/2014/main" id="{54D8CDB4-3775-FBD0-FC87-2B8008F9FB46}"/>
-              </a:ext>
-            </a:extLst>
-          </p:cNvPr>
-          <p:cNvSpPr txBox="1"/>
-          <p:nvPr/>
-        </p:nvSpPr>
-        <p:spPr>
-          <a:xfrm>
-            <a:off x="2398284" y="953892"/>
-            <a:ext cx="1432025" cy="584775"/>
-          </a:xfrm>
-          <a:prstGeom prst="rect">
-            <a:avLst/>
-          </a:prstGeom>
-          <a:noFill/>
-        </p:spPr>
-        <p:txBody>
-          <a:bodyPr wrap="square" rtlCol="0">
-            <a:spAutoFit/>
-          </a:bodyPr>
-          <a:lstStyle/>
-          <a:p>
-            <a:pPr algn="r"/>
-            <a:r>
-              <a:rPr lang="en-US" sz="1600" dirty="0">
-                <a:solidFill>
-                  <a:schemeClr val="bg1"/>
-                </a:solidFill>
-              </a:rPr>
-              <a:t>a010x075N050</a:t>
-            </a:r>
-          </a:p>
-          <a:p>
-            <a:pPr algn="r"/>
-            <a:r>
-              <a:rPr lang="en-US" sz="1600" dirty="0">
-                <a:solidFill>
-                  <a:schemeClr val="bg1"/>
-                </a:solidFill>
-              </a:rPr>
-              <a:t>ds30dz50</a:t>
-            </a:r>
-          </a:p>
-        </p:txBody>
-      </p:sp>
+            <a:chOff x="449395" y="867833"/>
+            <a:chExt cx="3406913" cy="2050177"/>
+          </a:xfrm>
+        </p:grpSpPr>
+        <p:pic>
+          <p:nvPicPr>
+            <p:cNvPr id="1034" name="Picture 1033">
+              <a:extLst>
+                <a:ext uri="{FF2B5EF4-FFF2-40B4-BE49-F238E27FC236}">
+                  <a16:creationId xmlns:a16="http://schemas.microsoft.com/office/drawing/2014/main" id="{0074DDCB-FE92-A78A-378E-3D033EBD82CE}"/>
+                </a:ext>
+              </a:extLst>
+            </p:cNvPr>
+            <p:cNvPicPr>
+              <a:picLocks noChangeAspect="1"/>
+            </p:cNvPicPr>
+            <p:nvPr/>
+          </p:nvPicPr>
+          <p:blipFill>
+            <a:blip r:embed="rId2"/>
+            <a:stretch>
+              <a:fillRect/>
+            </a:stretch>
+          </p:blipFill>
+          <p:spPr>
+            <a:xfrm>
+              <a:off x="449395" y="867833"/>
+              <a:ext cx="3406913" cy="2050177"/>
+            </a:xfrm>
+            <a:prstGeom prst="rect">
+              <a:avLst/>
+            </a:prstGeom>
+          </p:spPr>
+        </p:pic>
+        <p:sp>
+          <p:nvSpPr>
+            <p:cNvPr id="1035" name="TextBox 1034">
+              <a:extLst>
+                <a:ext uri="{FF2B5EF4-FFF2-40B4-BE49-F238E27FC236}">
+                  <a16:creationId xmlns:a16="http://schemas.microsoft.com/office/drawing/2014/main" id="{54D8CDB4-3775-FBD0-FC87-2B8008F9FB46}"/>
+                </a:ext>
+              </a:extLst>
+            </p:cNvPr>
+            <p:cNvSpPr txBox="1"/>
+            <p:nvPr/>
+          </p:nvSpPr>
+          <p:spPr>
+            <a:xfrm>
+              <a:off x="2398284" y="953892"/>
+              <a:ext cx="1432025" cy="584775"/>
+            </a:xfrm>
+            <a:prstGeom prst="rect">
+              <a:avLst/>
+            </a:prstGeom>
+            <a:noFill/>
+          </p:spPr>
+          <p:txBody>
+            <a:bodyPr wrap="square" rtlCol="0">
+              <a:spAutoFit/>
+            </a:bodyPr>
+            <a:lstStyle/>
+            <a:p>
+              <a:pPr algn="r"/>
+              <a:r>
+                <a:rPr lang="en-US" sz="1600" dirty="0">
+                  <a:solidFill>
+                    <a:schemeClr val="bg1"/>
+                  </a:solidFill>
+                </a:rPr>
+                <a:t>a010x075N050</a:t>
+              </a:r>
+            </a:p>
+            <a:p>
+              <a:pPr algn="r"/>
+              <a:r>
+                <a:rPr lang="en-US" sz="1600" dirty="0">
+                  <a:solidFill>
+                    <a:schemeClr val="bg1"/>
+                  </a:solidFill>
+                </a:rPr>
+                <a:t>ds30dz50</a:t>
+              </a:r>
+            </a:p>
+          </p:txBody>
+        </p:sp>
+      </p:grpSp>
       <p:sp>
         <p:nvSpPr>
           <p:cNvPr id="1036" name="Rectangle 1035">
@@ -8531,8 +8874,8 @@
         </p:nvSpPr>
         <p:spPr>
           <a:xfrm>
-            <a:off x="7933267" y="491067"/>
-            <a:ext cx="3581400" cy="753533"/>
+            <a:off x="8432800" y="198966"/>
+            <a:ext cx="3581400" cy="1067859"/>
           </a:xfrm>
           <a:prstGeom prst="rect">
             <a:avLst/>
@@ -8564,170 +8907,492 @@
               <a:t>Something wrong with PB</a:t>
             </a:r>
           </a:p>
-        </p:txBody>
-      </p:sp>
-      <p:pic>
-        <p:nvPicPr>
-          <p:cNvPr id="1038" name="Picture 1037">
-            <a:extLst>
-              <a:ext uri="{FF2B5EF4-FFF2-40B4-BE49-F238E27FC236}">
-                <a16:creationId xmlns:a16="http://schemas.microsoft.com/office/drawing/2014/main" id="{8D7DA175-140F-267A-6A2B-8E3A6F37FB8A}"/>
-              </a:ext>
-            </a:extLst>
-          </p:cNvPr>
-          <p:cNvPicPr>
-            <a:picLocks noChangeAspect="1"/>
-          </p:cNvPicPr>
-          <p:nvPr/>
-        </p:nvPicPr>
-        <p:blipFill>
-          <a:blip r:embed="rId3"/>
-          <a:stretch>
-            <a:fillRect/>
-          </a:stretch>
-        </p:blipFill>
-        <p:spPr>
+          <a:p>
+            <a:pPr algn="ctr"/>
+            <a:r>
+              <a:rPr lang="en-US" dirty="0"/>
+              <a:t>Something wrong with Y</a:t>
+            </a:r>
+          </a:p>
+        </p:txBody>
+      </p:sp>
+      <p:grpSp>
+        <p:nvGrpSpPr>
+          <p:cNvPr id="1044" name="Group 1043">
+            <a:extLst>
+              <a:ext uri="{FF2B5EF4-FFF2-40B4-BE49-F238E27FC236}">
+                <a16:creationId xmlns:a16="http://schemas.microsoft.com/office/drawing/2014/main" id="{0FAB765B-B0FF-8D94-AA38-A10A6D7BAEC6}"/>
+              </a:ext>
+            </a:extLst>
+          </p:cNvPr>
+          <p:cNvGrpSpPr/>
+          <p:nvPr/>
+        </p:nvGrpSpPr>
+        <p:grpSpPr>
           <a:xfrm>
             <a:off x="472874" y="2723851"/>
             <a:ext cx="3357435" cy="2051290"/>
-          </a:xfrm>
-          <a:prstGeom prst="rect">
-            <a:avLst/>
-          </a:prstGeom>
-        </p:spPr>
-      </p:pic>
-      <p:sp>
-        <p:nvSpPr>
-          <p:cNvPr id="1039" name="TextBox 1038">
-            <a:extLst>
-              <a:ext uri="{FF2B5EF4-FFF2-40B4-BE49-F238E27FC236}">
-                <a16:creationId xmlns:a16="http://schemas.microsoft.com/office/drawing/2014/main" id="{2C8AD335-4674-5E44-4792-35C9F6182776}"/>
-              </a:ext>
-            </a:extLst>
-          </p:cNvPr>
-          <p:cNvSpPr txBox="1"/>
-          <p:nvPr/>
-        </p:nvSpPr>
-        <p:spPr>
-          <a:xfrm>
-            <a:off x="2353755" y="2804331"/>
-            <a:ext cx="1432025" cy="584775"/>
-          </a:xfrm>
-          <a:prstGeom prst="rect">
-            <a:avLst/>
-          </a:prstGeom>
-          <a:noFill/>
-        </p:spPr>
-        <p:txBody>
-          <a:bodyPr wrap="square" rtlCol="0">
-            <a:spAutoFit/>
-          </a:bodyPr>
-          <a:lstStyle/>
-          <a:p>
-            <a:pPr algn="r"/>
-            <a:r>
-              <a:rPr lang="en-US" sz="1600" dirty="0">
-                <a:solidFill>
-                  <a:schemeClr val="bg1"/>
-                </a:solidFill>
-              </a:rPr>
-              <a:t>a010x075N050</a:t>
-            </a:r>
-          </a:p>
-          <a:p>
-            <a:pPr algn="r"/>
-            <a:r>
-              <a:rPr lang="en-US" sz="1600" dirty="0">
-                <a:solidFill>
-                  <a:schemeClr val="bg1"/>
-                </a:solidFill>
-              </a:rPr>
-              <a:t>ds20dz50</a:t>
-            </a:r>
-          </a:p>
-        </p:txBody>
-      </p:sp>
-      <p:pic>
-        <p:nvPicPr>
-          <p:cNvPr id="1041" name="Picture 1040">
-            <a:extLst>
-              <a:ext uri="{FF2B5EF4-FFF2-40B4-BE49-F238E27FC236}">
-                <a16:creationId xmlns:a16="http://schemas.microsoft.com/office/drawing/2014/main" id="{4C2ED64D-CD01-C052-2C1C-287EEB644330}"/>
-              </a:ext>
-            </a:extLst>
-          </p:cNvPr>
-          <p:cNvPicPr>
-            <a:picLocks noChangeAspect="1"/>
-          </p:cNvPicPr>
-          <p:nvPr/>
-        </p:nvPicPr>
-        <p:blipFill>
-          <a:blip r:embed="rId4"/>
-          <a:stretch>
-            <a:fillRect/>
-          </a:stretch>
-        </p:blipFill>
-        <p:spPr>
+            <a:chOff x="472874" y="2723851"/>
+            <a:chExt cx="3357435" cy="2051290"/>
+          </a:xfrm>
+        </p:grpSpPr>
+        <p:pic>
+          <p:nvPicPr>
+            <p:cNvPr id="1038" name="Picture 1037">
+              <a:extLst>
+                <a:ext uri="{FF2B5EF4-FFF2-40B4-BE49-F238E27FC236}">
+                  <a16:creationId xmlns:a16="http://schemas.microsoft.com/office/drawing/2014/main" id="{8D7DA175-140F-267A-6A2B-8E3A6F37FB8A}"/>
+                </a:ext>
+              </a:extLst>
+            </p:cNvPr>
+            <p:cNvPicPr>
+              <a:picLocks noChangeAspect="1"/>
+            </p:cNvPicPr>
+            <p:nvPr/>
+          </p:nvPicPr>
+          <p:blipFill>
+            <a:blip r:embed="rId3"/>
+            <a:stretch>
+              <a:fillRect/>
+            </a:stretch>
+          </p:blipFill>
+          <p:spPr>
+            <a:xfrm>
+              <a:off x="472874" y="2723851"/>
+              <a:ext cx="3357435" cy="2051290"/>
+            </a:xfrm>
+            <a:prstGeom prst="rect">
+              <a:avLst/>
+            </a:prstGeom>
+          </p:spPr>
+        </p:pic>
+        <p:sp>
+          <p:nvSpPr>
+            <p:cNvPr id="1039" name="TextBox 1038">
+              <a:extLst>
+                <a:ext uri="{FF2B5EF4-FFF2-40B4-BE49-F238E27FC236}">
+                  <a16:creationId xmlns:a16="http://schemas.microsoft.com/office/drawing/2014/main" id="{2C8AD335-4674-5E44-4792-35C9F6182776}"/>
+                </a:ext>
+              </a:extLst>
+            </p:cNvPr>
+            <p:cNvSpPr txBox="1"/>
+            <p:nvPr/>
+          </p:nvSpPr>
+          <p:spPr>
+            <a:xfrm>
+              <a:off x="2353755" y="2804331"/>
+              <a:ext cx="1432025" cy="584775"/>
+            </a:xfrm>
+            <a:prstGeom prst="rect">
+              <a:avLst/>
+            </a:prstGeom>
+            <a:noFill/>
+          </p:spPr>
+          <p:txBody>
+            <a:bodyPr wrap="square" rtlCol="0">
+              <a:spAutoFit/>
+            </a:bodyPr>
+            <a:lstStyle/>
+            <a:p>
+              <a:pPr algn="r"/>
+              <a:r>
+                <a:rPr lang="en-US" sz="1600" dirty="0">
+                  <a:solidFill>
+                    <a:schemeClr val="bg1"/>
+                  </a:solidFill>
+                </a:rPr>
+                <a:t>a010x075N050</a:t>
+              </a:r>
+            </a:p>
+            <a:p>
+              <a:pPr algn="r"/>
+              <a:r>
+                <a:rPr lang="en-US" sz="1600" dirty="0">
+                  <a:solidFill>
+                    <a:schemeClr val="bg1"/>
+                  </a:solidFill>
+                </a:rPr>
+                <a:t>ds20dz50</a:t>
+              </a:r>
+            </a:p>
+          </p:txBody>
+        </p:sp>
+      </p:grpSp>
+      <p:grpSp>
+        <p:nvGrpSpPr>
+          <p:cNvPr id="1045" name="Group 1044">
+            <a:extLst>
+              <a:ext uri="{FF2B5EF4-FFF2-40B4-BE49-F238E27FC236}">
+                <a16:creationId xmlns:a16="http://schemas.microsoft.com/office/drawing/2014/main" id="{0901C855-498C-FD9D-F6A2-8DFEC1B4177D}"/>
+              </a:ext>
+            </a:extLst>
+          </p:cNvPr>
+          <p:cNvGrpSpPr/>
+          <p:nvPr/>
+        </p:nvGrpSpPr>
+        <p:grpSpPr>
           <a:xfrm>
             <a:off x="449395" y="4581985"/>
             <a:ext cx="3393015" cy="2051290"/>
-          </a:xfrm>
-          <a:prstGeom prst="rect">
-            <a:avLst/>
-          </a:prstGeom>
-        </p:spPr>
-      </p:pic>
-      <p:sp>
-        <p:nvSpPr>
-          <p:cNvPr id="1042" name="TextBox 1041">
-            <a:extLst>
-              <a:ext uri="{FF2B5EF4-FFF2-40B4-BE49-F238E27FC236}">
-                <a16:creationId xmlns:a16="http://schemas.microsoft.com/office/drawing/2014/main" id="{2158A5F1-DA44-F1AD-B6EC-BB23B7B95561}"/>
-              </a:ext>
-            </a:extLst>
-          </p:cNvPr>
-          <p:cNvSpPr txBox="1"/>
-          <p:nvPr/>
-        </p:nvSpPr>
-        <p:spPr>
-          <a:xfrm>
-            <a:off x="2353755" y="4642794"/>
-            <a:ext cx="1432025" cy="584775"/>
-          </a:xfrm>
-          <a:prstGeom prst="rect">
-            <a:avLst/>
-          </a:prstGeom>
-          <a:noFill/>
-        </p:spPr>
-        <p:txBody>
-          <a:bodyPr wrap="square" rtlCol="0">
-            <a:spAutoFit/>
-          </a:bodyPr>
-          <a:lstStyle/>
-          <a:p>
-            <a:pPr algn="r"/>
-            <a:r>
-              <a:rPr lang="en-US" sz="1600" dirty="0">
-                <a:solidFill>
-                  <a:schemeClr val="bg1"/>
-                </a:solidFill>
-              </a:rPr>
-              <a:t>a010x075N050</a:t>
-            </a:r>
-          </a:p>
-          <a:p>
-            <a:pPr algn="r"/>
-            <a:r>
-              <a:rPr lang="en-US" sz="1600" dirty="0">
-                <a:solidFill>
-                  <a:schemeClr val="bg1"/>
-                </a:solidFill>
-              </a:rPr>
-              <a:t>ds10dz50</a:t>
-            </a:r>
-          </a:p>
-        </p:txBody>
-      </p:sp>
+            <a:chOff x="449395" y="4581985"/>
+            <a:chExt cx="3393015" cy="2051290"/>
+          </a:xfrm>
+        </p:grpSpPr>
+        <p:pic>
+          <p:nvPicPr>
+            <p:cNvPr id="1041" name="Picture 1040">
+              <a:extLst>
+                <a:ext uri="{FF2B5EF4-FFF2-40B4-BE49-F238E27FC236}">
+                  <a16:creationId xmlns:a16="http://schemas.microsoft.com/office/drawing/2014/main" id="{4C2ED64D-CD01-C052-2C1C-287EEB644330}"/>
+                </a:ext>
+              </a:extLst>
+            </p:cNvPr>
+            <p:cNvPicPr>
+              <a:picLocks noChangeAspect="1"/>
+            </p:cNvPicPr>
+            <p:nvPr/>
+          </p:nvPicPr>
+          <p:blipFill>
+            <a:blip r:embed="rId4"/>
+            <a:stretch>
+              <a:fillRect/>
+            </a:stretch>
+          </p:blipFill>
+          <p:spPr>
+            <a:xfrm>
+              <a:off x="449395" y="4581985"/>
+              <a:ext cx="3393015" cy="2051290"/>
+            </a:xfrm>
+            <a:prstGeom prst="rect">
+              <a:avLst/>
+            </a:prstGeom>
+          </p:spPr>
+        </p:pic>
+        <p:sp>
+          <p:nvSpPr>
+            <p:cNvPr id="1042" name="TextBox 1041">
+              <a:extLst>
+                <a:ext uri="{FF2B5EF4-FFF2-40B4-BE49-F238E27FC236}">
+                  <a16:creationId xmlns:a16="http://schemas.microsoft.com/office/drawing/2014/main" id="{2158A5F1-DA44-F1AD-B6EC-BB23B7B95561}"/>
+                </a:ext>
+              </a:extLst>
+            </p:cNvPr>
+            <p:cNvSpPr txBox="1"/>
+            <p:nvPr/>
+          </p:nvSpPr>
+          <p:spPr>
+            <a:xfrm>
+              <a:off x="2353755" y="4642794"/>
+              <a:ext cx="1432025" cy="584775"/>
+            </a:xfrm>
+            <a:prstGeom prst="rect">
+              <a:avLst/>
+            </a:prstGeom>
+            <a:noFill/>
+          </p:spPr>
+          <p:txBody>
+            <a:bodyPr wrap="square" rtlCol="0">
+              <a:spAutoFit/>
+            </a:bodyPr>
+            <a:lstStyle/>
+            <a:p>
+              <a:pPr algn="r"/>
+              <a:r>
+                <a:rPr lang="en-US" sz="1600" dirty="0">
+                  <a:solidFill>
+                    <a:schemeClr val="bg1"/>
+                  </a:solidFill>
+                </a:rPr>
+                <a:t>a010x075N050</a:t>
+              </a:r>
+            </a:p>
+            <a:p>
+              <a:pPr algn="r"/>
+              <a:r>
+                <a:rPr lang="en-US" sz="1600" dirty="0">
+                  <a:solidFill>
+                    <a:schemeClr val="bg1"/>
+                  </a:solidFill>
+                </a:rPr>
+                <a:t>ds10dz50</a:t>
+              </a:r>
+            </a:p>
+          </p:txBody>
+        </p:sp>
+      </p:grpSp>
+      <p:grpSp>
+        <p:nvGrpSpPr>
+          <p:cNvPr id="1049" name="Group 1048">
+            <a:extLst>
+              <a:ext uri="{FF2B5EF4-FFF2-40B4-BE49-F238E27FC236}">
+                <a16:creationId xmlns:a16="http://schemas.microsoft.com/office/drawing/2014/main" id="{EFF7562A-04EF-BC80-6A5A-2F9D534D4848}"/>
+              </a:ext>
+            </a:extLst>
+          </p:cNvPr>
+          <p:cNvGrpSpPr/>
+          <p:nvPr/>
+        </p:nvGrpSpPr>
+        <p:grpSpPr>
+          <a:xfrm>
+            <a:off x="3826758" y="867833"/>
+            <a:ext cx="3406913" cy="2056192"/>
+            <a:chOff x="3963204" y="2723851"/>
+            <a:chExt cx="3406913" cy="2056192"/>
+          </a:xfrm>
+        </p:grpSpPr>
+        <p:pic>
+          <p:nvPicPr>
+            <p:cNvPr id="1047" name="Picture 1046">
+              <a:extLst>
+                <a:ext uri="{FF2B5EF4-FFF2-40B4-BE49-F238E27FC236}">
+                  <a16:creationId xmlns:a16="http://schemas.microsoft.com/office/drawing/2014/main" id="{3EFDD941-652B-C9A3-A011-2DE66C510CC5}"/>
+                </a:ext>
+              </a:extLst>
+            </p:cNvPr>
+            <p:cNvPicPr>
+              <a:picLocks noChangeAspect="1"/>
+            </p:cNvPicPr>
+            <p:nvPr/>
+          </p:nvPicPr>
+          <p:blipFill>
+            <a:blip r:embed="rId5"/>
+            <a:stretch>
+              <a:fillRect/>
+            </a:stretch>
+          </p:blipFill>
+          <p:spPr>
+            <a:xfrm>
+              <a:off x="3963204" y="2723851"/>
+              <a:ext cx="3406913" cy="2056192"/>
+            </a:xfrm>
+            <a:prstGeom prst="rect">
+              <a:avLst/>
+            </a:prstGeom>
+          </p:spPr>
+        </p:pic>
+        <p:sp>
+          <p:nvSpPr>
+            <p:cNvPr id="1048" name="TextBox 1047">
+              <a:extLst>
+                <a:ext uri="{FF2B5EF4-FFF2-40B4-BE49-F238E27FC236}">
+                  <a16:creationId xmlns:a16="http://schemas.microsoft.com/office/drawing/2014/main" id="{338D8C4B-0EF0-4303-E3D6-E613FF3208FE}"/>
+                </a:ext>
+              </a:extLst>
+            </p:cNvPr>
+            <p:cNvSpPr txBox="1"/>
+            <p:nvPr/>
+          </p:nvSpPr>
+          <p:spPr>
+            <a:xfrm>
+              <a:off x="5887530" y="2787146"/>
+              <a:ext cx="1432025" cy="584775"/>
+            </a:xfrm>
+            <a:prstGeom prst="rect">
+              <a:avLst/>
+            </a:prstGeom>
+            <a:noFill/>
+          </p:spPr>
+          <p:txBody>
+            <a:bodyPr wrap="square" rtlCol="0">
+              <a:spAutoFit/>
+            </a:bodyPr>
+            <a:lstStyle/>
+            <a:p>
+              <a:pPr algn="r"/>
+              <a:r>
+                <a:rPr lang="en-US" sz="1600" dirty="0">
+                  <a:solidFill>
+                    <a:schemeClr val="bg1"/>
+                  </a:solidFill>
+                </a:rPr>
+                <a:t>a010x075N050Y2</a:t>
+              </a:r>
+            </a:p>
+          </p:txBody>
+        </p:sp>
+      </p:grpSp>
+      <p:grpSp>
+        <p:nvGrpSpPr>
+          <p:cNvPr id="1053" name="Group 1052">
+            <a:extLst>
+              <a:ext uri="{FF2B5EF4-FFF2-40B4-BE49-F238E27FC236}">
+                <a16:creationId xmlns:a16="http://schemas.microsoft.com/office/drawing/2014/main" id="{5176E1B4-F7BF-888D-F087-D1A47E7F644F}"/>
+              </a:ext>
+            </a:extLst>
+          </p:cNvPr>
+          <p:cNvGrpSpPr/>
+          <p:nvPr/>
+        </p:nvGrpSpPr>
+        <p:grpSpPr>
+          <a:xfrm>
+            <a:off x="3810284" y="2708782"/>
+            <a:ext cx="3406913" cy="2044148"/>
+            <a:chOff x="3810284" y="2708782"/>
+            <a:chExt cx="3406913" cy="2044148"/>
+          </a:xfrm>
+        </p:grpSpPr>
+        <p:pic>
+          <p:nvPicPr>
+            <p:cNvPr id="1051" name="Picture 1050">
+              <a:extLst>
+                <a:ext uri="{FF2B5EF4-FFF2-40B4-BE49-F238E27FC236}">
+                  <a16:creationId xmlns:a16="http://schemas.microsoft.com/office/drawing/2014/main" id="{35F7405C-5D90-1716-A7BA-69E6BA7D98BF}"/>
+                </a:ext>
+              </a:extLst>
+            </p:cNvPr>
+            <p:cNvPicPr>
+              <a:picLocks noChangeAspect="1"/>
+            </p:cNvPicPr>
+            <p:nvPr/>
+          </p:nvPicPr>
+          <p:blipFill>
+            <a:blip r:embed="rId6"/>
+            <a:stretch>
+              <a:fillRect/>
+            </a:stretch>
+          </p:blipFill>
+          <p:spPr>
+            <a:xfrm>
+              <a:off x="3810284" y="2708782"/>
+              <a:ext cx="3406913" cy="2044148"/>
+            </a:xfrm>
+            <a:prstGeom prst="rect">
+              <a:avLst/>
+            </a:prstGeom>
+          </p:spPr>
+        </p:pic>
+        <p:sp>
+          <p:nvSpPr>
+            <p:cNvPr id="1052" name="TextBox 1051">
+              <a:extLst>
+                <a:ext uri="{FF2B5EF4-FFF2-40B4-BE49-F238E27FC236}">
+                  <a16:creationId xmlns:a16="http://schemas.microsoft.com/office/drawing/2014/main" id="{68525E87-73AB-36EF-3EBD-968705942C13}"/>
+                </a:ext>
+              </a:extLst>
+            </p:cNvPr>
+            <p:cNvSpPr txBox="1"/>
+            <p:nvPr/>
+          </p:nvSpPr>
+          <p:spPr>
+            <a:xfrm>
+              <a:off x="5685198" y="2732403"/>
+              <a:ext cx="1432025" cy="584775"/>
+            </a:xfrm>
+            <a:prstGeom prst="rect">
+              <a:avLst/>
+            </a:prstGeom>
+            <a:noFill/>
+          </p:spPr>
+          <p:txBody>
+            <a:bodyPr wrap="square" rtlCol="0">
+              <a:spAutoFit/>
+            </a:bodyPr>
+            <a:lstStyle/>
+            <a:p>
+              <a:pPr algn="r"/>
+              <a:r>
+                <a:rPr lang="en-US" sz="1600" dirty="0">
+                  <a:solidFill>
+                    <a:schemeClr val="bg1"/>
+                  </a:solidFill>
+                </a:rPr>
+                <a:t>a010x075N050Y5</a:t>
+              </a:r>
+            </a:p>
+          </p:txBody>
+        </p:sp>
+      </p:grpSp>
+      <p:grpSp>
+        <p:nvGrpSpPr>
+          <p:cNvPr id="1057" name="Group 1056">
+            <a:extLst>
+              <a:ext uri="{FF2B5EF4-FFF2-40B4-BE49-F238E27FC236}">
+                <a16:creationId xmlns:a16="http://schemas.microsoft.com/office/drawing/2014/main" id="{1640D691-7367-25BC-5DCB-FF54DCBCFA0D}"/>
+              </a:ext>
+            </a:extLst>
+          </p:cNvPr>
+          <p:cNvGrpSpPr/>
+          <p:nvPr/>
+        </p:nvGrpSpPr>
+        <p:grpSpPr>
+          <a:xfrm>
+            <a:off x="3804310" y="4589127"/>
+            <a:ext cx="3409776" cy="2044148"/>
+            <a:chOff x="3804310" y="4589127"/>
+            <a:chExt cx="3409776" cy="2044148"/>
+          </a:xfrm>
+        </p:grpSpPr>
+        <p:pic>
+          <p:nvPicPr>
+            <p:cNvPr id="1055" name="Picture 1054">
+              <a:extLst>
+                <a:ext uri="{FF2B5EF4-FFF2-40B4-BE49-F238E27FC236}">
+                  <a16:creationId xmlns:a16="http://schemas.microsoft.com/office/drawing/2014/main" id="{47629B1C-B10B-B801-74F3-A09DDB6A9917}"/>
+                </a:ext>
+              </a:extLst>
+            </p:cNvPr>
+            <p:cNvPicPr>
+              <a:picLocks noChangeAspect="1"/>
+            </p:cNvPicPr>
+            <p:nvPr/>
+          </p:nvPicPr>
+          <p:blipFill>
+            <a:blip r:embed="rId7"/>
+            <a:stretch>
+              <a:fillRect/>
+            </a:stretch>
+          </p:blipFill>
+          <p:spPr>
+            <a:xfrm>
+              <a:off x="3804310" y="4589127"/>
+              <a:ext cx="3409776" cy="2044148"/>
+            </a:xfrm>
+            <a:prstGeom prst="rect">
+              <a:avLst/>
+            </a:prstGeom>
+          </p:spPr>
+        </p:pic>
+        <p:sp>
+          <p:nvSpPr>
+            <p:cNvPr id="1056" name="TextBox 1055">
+              <a:extLst>
+                <a:ext uri="{FF2B5EF4-FFF2-40B4-BE49-F238E27FC236}">
+                  <a16:creationId xmlns:a16="http://schemas.microsoft.com/office/drawing/2014/main" id="{D2E2DA41-958D-B0CB-000F-42CC2409BE19}"/>
+                </a:ext>
+              </a:extLst>
+            </p:cNvPr>
+            <p:cNvSpPr txBox="1"/>
+            <p:nvPr/>
+          </p:nvSpPr>
+          <p:spPr>
+            <a:xfrm>
+              <a:off x="5741821" y="4633740"/>
+              <a:ext cx="1432025" cy="584775"/>
+            </a:xfrm>
+            <a:prstGeom prst="rect">
+              <a:avLst/>
+            </a:prstGeom>
+            <a:noFill/>
+          </p:spPr>
+          <p:txBody>
+            <a:bodyPr wrap="square" rtlCol="0">
+              <a:spAutoFit/>
+            </a:bodyPr>
+            <a:lstStyle/>
+            <a:p>
+              <a:pPr algn="r"/>
+              <a:r>
+                <a:rPr lang="en-US" sz="1600" dirty="0">
+                  <a:solidFill>
+                    <a:schemeClr val="bg1"/>
+                  </a:solidFill>
+                </a:rPr>
+                <a:t>a010x075N050Y10</a:t>
+              </a:r>
+            </a:p>
+          </p:txBody>
+        </p:sp>
+      </p:grpSp>
     </p:spTree>
     <p:extLst>
       <p:ext uri="{BB962C8B-B14F-4D97-AF65-F5344CB8AC3E}">

--- a/SYSG3.pptx
+++ b/SYSG3.pptx
@@ -10,12 +10,13 @@
     <p:sldId id="272" r:id="rId4"/>
     <p:sldId id="269" r:id="rId5"/>
     <p:sldId id="270" r:id="rId6"/>
-    <p:sldId id="267" r:id="rId7"/>
-    <p:sldId id="266" r:id="rId8"/>
-    <p:sldId id="265" r:id="rId9"/>
-    <p:sldId id="258" r:id="rId10"/>
-    <p:sldId id="263" r:id="rId11"/>
-    <p:sldId id="264" r:id="rId12"/>
+    <p:sldId id="273" r:id="rId7"/>
+    <p:sldId id="267" r:id="rId8"/>
+    <p:sldId id="266" r:id="rId9"/>
+    <p:sldId id="265" r:id="rId10"/>
+    <p:sldId id="258" r:id="rId11"/>
+    <p:sldId id="263" r:id="rId12"/>
+    <p:sldId id="264" r:id="rId13"/>
   </p:sldIdLst>
   <p:sldSz cx="12192000" cy="6858000"/>
   <p:notesSz cx="6858000" cy="9144000"/>
@@ -269,7 +270,7 @@
           <a:p>
             <a:fld id="{3FB972CA-75D3-464B-AB07-BF3EA83BD9C3}" type="datetimeFigureOut">
               <a:rPr lang="en-US" smtClean="0"/>
-              <a:t>8/13/2023</a:t>
+              <a:t>8/21/2023</a:t>
             </a:fld>
             <a:endParaRPr lang="en-US"/>
           </a:p>
@@ -467,7 +468,7 @@
           <a:p>
             <a:fld id="{3FB972CA-75D3-464B-AB07-BF3EA83BD9C3}" type="datetimeFigureOut">
               <a:rPr lang="en-US" smtClean="0"/>
-              <a:t>8/13/2023</a:t>
+              <a:t>8/21/2023</a:t>
             </a:fld>
             <a:endParaRPr lang="en-US"/>
           </a:p>
@@ -675,7 +676,7 @@
           <a:p>
             <a:fld id="{3FB972CA-75D3-464B-AB07-BF3EA83BD9C3}" type="datetimeFigureOut">
               <a:rPr lang="en-US" smtClean="0"/>
-              <a:t>8/13/2023</a:t>
+              <a:t>8/21/2023</a:t>
             </a:fld>
             <a:endParaRPr lang="en-US"/>
           </a:p>
@@ -873,7 +874,7 @@
           <a:p>
             <a:fld id="{3FB972CA-75D3-464B-AB07-BF3EA83BD9C3}" type="datetimeFigureOut">
               <a:rPr lang="en-US" smtClean="0"/>
-              <a:t>8/13/2023</a:t>
+              <a:t>8/21/2023</a:t>
             </a:fld>
             <a:endParaRPr lang="en-US"/>
           </a:p>
@@ -1148,7 +1149,7 @@
           <a:p>
             <a:fld id="{3FB972CA-75D3-464B-AB07-BF3EA83BD9C3}" type="datetimeFigureOut">
               <a:rPr lang="en-US" smtClean="0"/>
-              <a:t>8/13/2023</a:t>
+              <a:t>8/21/2023</a:t>
             </a:fld>
             <a:endParaRPr lang="en-US"/>
           </a:p>
@@ -1413,7 +1414,7 @@
           <a:p>
             <a:fld id="{3FB972CA-75D3-464B-AB07-BF3EA83BD9C3}" type="datetimeFigureOut">
               <a:rPr lang="en-US" smtClean="0"/>
-              <a:t>8/13/2023</a:t>
+              <a:t>8/21/2023</a:t>
             </a:fld>
             <a:endParaRPr lang="en-US"/>
           </a:p>
@@ -1825,7 +1826,7 @@
           <a:p>
             <a:fld id="{3FB972CA-75D3-464B-AB07-BF3EA83BD9C3}" type="datetimeFigureOut">
               <a:rPr lang="en-US" smtClean="0"/>
-              <a:t>8/13/2023</a:t>
+              <a:t>8/21/2023</a:t>
             </a:fld>
             <a:endParaRPr lang="en-US"/>
           </a:p>
@@ -1966,7 +1967,7 @@
           <a:p>
             <a:fld id="{3FB972CA-75D3-464B-AB07-BF3EA83BD9C3}" type="datetimeFigureOut">
               <a:rPr lang="en-US" smtClean="0"/>
-              <a:t>8/13/2023</a:t>
+              <a:t>8/21/2023</a:t>
             </a:fld>
             <a:endParaRPr lang="en-US"/>
           </a:p>
@@ -2079,7 +2080,7 @@
           <a:p>
             <a:fld id="{3FB972CA-75D3-464B-AB07-BF3EA83BD9C3}" type="datetimeFigureOut">
               <a:rPr lang="en-US" smtClean="0"/>
-              <a:t>8/13/2023</a:t>
+              <a:t>8/21/2023</a:t>
             </a:fld>
             <a:endParaRPr lang="en-US"/>
           </a:p>
@@ -2390,7 +2391,7 @@
           <a:p>
             <a:fld id="{3FB972CA-75D3-464B-AB07-BF3EA83BD9C3}" type="datetimeFigureOut">
               <a:rPr lang="en-US" smtClean="0"/>
-              <a:t>8/13/2023</a:t>
+              <a:t>8/21/2023</a:t>
             </a:fld>
             <a:endParaRPr lang="en-US"/>
           </a:p>
@@ -2678,7 +2679,7 @@
           <a:p>
             <a:fld id="{3FB972CA-75D3-464B-AB07-BF3EA83BD9C3}" type="datetimeFigureOut">
               <a:rPr lang="en-US" smtClean="0"/>
-              <a:t>8/13/2023</a:t>
+              <a:t>8/21/2023</a:t>
             </a:fld>
             <a:endParaRPr lang="en-US"/>
           </a:p>
@@ -2919,7 +2920,7 @@
           <a:p>
             <a:fld id="{3FB972CA-75D3-464B-AB07-BF3EA83BD9C3}" type="datetimeFigureOut">
               <a:rPr lang="en-US" smtClean="0"/>
-              <a:t>8/13/2023</a:t>
+              <a:t>8/21/2023</a:t>
             </a:fld>
             <a:endParaRPr lang="en-US"/>
           </a:p>
@@ -3399,6 +3400,2188 @@
           <a:chExt cx="0" cy="0"/>
         </a:xfrm>
       </p:grpSpPr>
+      <p:pic>
+        <p:nvPicPr>
+          <p:cNvPr id="2" name="Picture 8">
+            <a:extLst>
+              <a:ext uri="{FF2B5EF4-FFF2-40B4-BE49-F238E27FC236}">
+                <a16:creationId xmlns:a16="http://schemas.microsoft.com/office/drawing/2014/main" id="{0942303E-AC1F-10F0-8287-CEA51A87AFA1}"/>
+              </a:ext>
+            </a:extLst>
+          </p:cNvPr>
+          <p:cNvPicPr>
+            <a:picLocks noChangeAspect="1" noChangeArrowheads="1"/>
+          </p:cNvPicPr>
+          <p:nvPr/>
+        </p:nvPicPr>
+        <p:blipFill>
+          <a:blip r:embed="rId2">
+            <a:extLst>
+              <a:ext uri="{28A0092B-C50C-407E-A947-70E740481C1C}">
+                <a14:useLocalDpi xmlns:a14="http://schemas.microsoft.com/office/drawing/2010/main" val="0"/>
+              </a:ext>
+            </a:extLst>
+          </a:blip>
+          <a:srcRect/>
+          <a:stretch>
+            <a:fillRect/>
+          </a:stretch>
+        </p:blipFill>
+        <p:spPr bwMode="auto">
+          <a:xfrm>
+            <a:off x="5292743" y="3203809"/>
+            <a:ext cx="3992646" cy="3472219"/>
+          </a:xfrm>
+          <a:prstGeom prst="rect">
+            <a:avLst/>
+          </a:prstGeom>
+          <a:noFill/>
+          <a:extLst>
+            <a:ext uri="{909E8E84-426E-40DD-AFC4-6F175D3DCCD1}">
+              <a14:hiddenFill xmlns:a14="http://schemas.microsoft.com/office/drawing/2010/main">
+                <a:solidFill>
+                  <a:srgbClr val="FFFFFF"/>
+                </a:solidFill>
+              </a14:hiddenFill>
+            </a:ext>
+          </a:extLst>
+        </p:spPr>
+      </p:pic>
+      <p:pic>
+        <p:nvPicPr>
+          <p:cNvPr id="3" name="Picture 8">
+            <a:extLst>
+              <a:ext uri="{FF2B5EF4-FFF2-40B4-BE49-F238E27FC236}">
+                <a16:creationId xmlns:a16="http://schemas.microsoft.com/office/drawing/2014/main" id="{3D1364F1-8E30-980B-97F9-DAB3A4D50979}"/>
+              </a:ext>
+            </a:extLst>
+          </p:cNvPr>
+          <p:cNvPicPr>
+            <a:picLocks noChangeAspect="1" noChangeArrowheads="1"/>
+          </p:cNvPicPr>
+          <p:nvPr/>
+        </p:nvPicPr>
+        <p:blipFill rotWithShape="1">
+          <a:blip r:embed="rId2">
+            <a:extLst>
+              <a:ext uri="{28A0092B-C50C-407E-A947-70E740481C1C}">
+                <a14:useLocalDpi xmlns:a14="http://schemas.microsoft.com/office/drawing/2010/main" val="0"/>
+              </a:ext>
+            </a:extLst>
+          </a:blip>
+          <a:srcRect r="1712"/>
+          <a:stretch/>
+        </p:blipFill>
+        <p:spPr bwMode="auto">
+          <a:xfrm>
+            <a:off x="1822262" y="256141"/>
+            <a:ext cx="3924300" cy="3472219"/>
+          </a:xfrm>
+          <a:prstGeom prst="rect">
+            <a:avLst/>
+          </a:prstGeom>
+          <a:noFill/>
+          <a:extLst>
+            <a:ext uri="{909E8E84-426E-40DD-AFC4-6F175D3DCCD1}">
+              <a14:hiddenFill xmlns:a14="http://schemas.microsoft.com/office/drawing/2010/main">
+                <a:solidFill>
+                  <a:srgbClr val="FFFFFF"/>
+                </a:solidFill>
+              </a14:hiddenFill>
+            </a:ext>
+          </a:extLst>
+        </p:spPr>
+      </p:pic>
+      <p:pic>
+        <p:nvPicPr>
+          <p:cNvPr id="5128" name="Picture 8">
+            <a:extLst>
+              <a:ext uri="{FF2B5EF4-FFF2-40B4-BE49-F238E27FC236}">
+                <a16:creationId xmlns:a16="http://schemas.microsoft.com/office/drawing/2014/main" id="{ED191988-4743-BC45-910E-FD3AAF0325D3}"/>
+              </a:ext>
+            </a:extLst>
+          </p:cNvPr>
+          <p:cNvPicPr>
+            <a:picLocks noChangeAspect="1" noChangeArrowheads="1"/>
+          </p:cNvPicPr>
+          <p:nvPr/>
+        </p:nvPicPr>
+        <p:blipFill rotWithShape="1">
+          <a:blip r:embed="rId2">
+            <a:extLst>
+              <a:ext uri="{28A0092B-C50C-407E-A947-70E740481C1C}">
+                <a14:useLocalDpi xmlns:a14="http://schemas.microsoft.com/office/drawing/2010/main" val="0"/>
+              </a:ext>
+            </a:extLst>
+          </a:blip>
+          <a:srcRect t="2462" r="1712"/>
+          <a:stretch/>
+        </p:blipFill>
+        <p:spPr bwMode="auto">
+          <a:xfrm>
+            <a:off x="1819275" y="3289300"/>
+            <a:ext cx="3924300" cy="3386729"/>
+          </a:xfrm>
+          <a:prstGeom prst="rect">
+            <a:avLst/>
+          </a:prstGeom>
+          <a:noFill/>
+          <a:extLst>
+            <a:ext uri="{909E8E84-426E-40DD-AFC4-6F175D3DCCD1}">
+              <a14:hiddenFill xmlns:a14="http://schemas.microsoft.com/office/drawing/2010/main">
+                <a:solidFill>
+                  <a:srgbClr val="FFFFFF"/>
+                </a:solidFill>
+              </a14:hiddenFill>
+            </a:ext>
+          </a:extLst>
+        </p:spPr>
+      </p:pic>
+      <p:sp>
+        <p:nvSpPr>
+          <p:cNvPr id="23" name="Hexagon 22">
+            <a:extLst>
+              <a:ext uri="{FF2B5EF4-FFF2-40B4-BE49-F238E27FC236}">
+                <a16:creationId xmlns:a16="http://schemas.microsoft.com/office/drawing/2014/main" id="{95F6E8AA-E51C-EF11-9603-A8A2058FEBC7}"/>
+              </a:ext>
+            </a:extLst>
+          </p:cNvPr>
+          <p:cNvSpPr>
+            <a:spLocks noChangeAspect="1"/>
+          </p:cNvSpPr>
+          <p:nvPr/>
+        </p:nvSpPr>
+        <p:spPr>
+          <a:xfrm>
+            <a:off x="1974615" y="2968935"/>
+            <a:ext cx="1101061" cy="949191"/>
+          </a:xfrm>
+          <a:prstGeom prst="hexagon">
+            <a:avLst/>
+          </a:prstGeom>
+          <a:noFill/>
+          <a:ln w="38100">
+            <a:solidFill>
+              <a:srgbClr val="C00000"/>
+            </a:solidFill>
+          </a:ln>
+        </p:spPr>
+        <p:style>
+          <a:lnRef idx="2">
+            <a:schemeClr val="accent1">
+              <a:shade val="15000"/>
+            </a:schemeClr>
+          </a:lnRef>
+          <a:fillRef idx="1">
+            <a:schemeClr val="accent1"/>
+          </a:fillRef>
+          <a:effectRef idx="0">
+            <a:schemeClr val="accent1"/>
+          </a:effectRef>
+          <a:fontRef idx="minor">
+            <a:schemeClr val="lt1"/>
+          </a:fontRef>
+        </p:style>
+        <p:txBody>
+          <a:bodyPr rtlCol="0" anchor="ctr"/>
+          <a:lstStyle/>
+          <a:p>
+            <a:pPr algn="ctr"/>
+            <a:endParaRPr lang="en-US" dirty="0"/>
+          </a:p>
+        </p:txBody>
+      </p:sp>
+      <p:sp>
+        <p:nvSpPr>
+          <p:cNvPr id="24" name="Hexagon 23">
+            <a:extLst>
+              <a:ext uri="{FF2B5EF4-FFF2-40B4-BE49-F238E27FC236}">
+                <a16:creationId xmlns:a16="http://schemas.microsoft.com/office/drawing/2014/main" id="{E2137AB5-84C0-9474-6105-2C763501D3BA}"/>
+              </a:ext>
+            </a:extLst>
+          </p:cNvPr>
+          <p:cNvSpPr>
+            <a:spLocks noChangeAspect="1"/>
+          </p:cNvSpPr>
+          <p:nvPr/>
+        </p:nvSpPr>
+        <p:spPr>
+          <a:xfrm>
+            <a:off x="1967472" y="3921109"/>
+            <a:ext cx="1101061" cy="949191"/>
+          </a:xfrm>
+          <a:prstGeom prst="hexagon">
+            <a:avLst/>
+          </a:prstGeom>
+          <a:noFill/>
+          <a:ln w="38100">
+            <a:solidFill>
+              <a:srgbClr val="C00000"/>
+            </a:solidFill>
+          </a:ln>
+        </p:spPr>
+        <p:style>
+          <a:lnRef idx="2">
+            <a:schemeClr val="accent1">
+              <a:shade val="15000"/>
+            </a:schemeClr>
+          </a:lnRef>
+          <a:fillRef idx="1">
+            <a:schemeClr val="accent1"/>
+          </a:fillRef>
+          <a:effectRef idx="0">
+            <a:schemeClr val="accent1"/>
+          </a:effectRef>
+          <a:fontRef idx="minor">
+            <a:schemeClr val="lt1"/>
+          </a:fontRef>
+        </p:style>
+        <p:txBody>
+          <a:bodyPr rtlCol="0" anchor="ctr"/>
+          <a:lstStyle/>
+          <a:p>
+            <a:pPr algn="ctr"/>
+            <a:endParaRPr lang="en-US" dirty="0"/>
+          </a:p>
+        </p:txBody>
+      </p:sp>
+      <p:sp>
+        <p:nvSpPr>
+          <p:cNvPr id="25" name="Hexagon 24">
+            <a:extLst>
+              <a:ext uri="{FF2B5EF4-FFF2-40B4-BE49-F238E27FC236}">
+                <a16:creationId xmlns:a16="http://schemas.microsoft.com/office/drawing/2014/main" id="{F8C810D5-5537-7B6D-B440-1268350AA201}"/>
+              </a:ext>
+            </a:extLst>
+          </p:cNvPr>
+          <p:cNvSpPr>
+            <a:spLocks noChangeAspect="1"/>
+          </p:cNvSpPr>
+          <p:nvPr/>
+        </p:nvSpPr>
+        <p:spPr>
+          <a:xfrm>
+            <a:off x="1967472" y="4865749"/>
+            <a:ext cx="1101061" cy="949191"/>
+          </a:xfrm>
+          <a:prstGeom prst="hexagon">
+            <a:avLst/>
+          </a:prstGeom>
+          <a:noFill/>
+          <a:ln w="38100">
+            <a:solidFill>
+              <a:srgbClr val="C00000"/>
+            </a:solidFill>
+          </a:ln>
+        </p:spPr>
+        <p:style>
+          <a:lnRef idx="2">
+            <a:schemeClr val="accent1">
+              <a:shade val="15000"/>
+            </a:schemeClr>
+          </a:lnRef>
+          <a:fillRef idx="1">
+            <a:schemeClr val="accent1"/>
+          </a:fillRef>
+          <a:effectRef idx="0">
+            <a:schemeClr val="accent1"/>
+          </a:effectRef>
+          <a:fontRef idx="minor">
+            <a:schemeClr val="lt1"/>
+          </a:fontRef>
+        </p:style>
+        <p:txBody>
+          <a:bodyPr rtlCol="0" anchor="ctr"/>
+          <a:lstStyle/>
+          <a:p>
+            <a:pPr algn="ctr"/>
+            <a:endParaRPr lang="en-US" dirty="0"/>
+          </a:p>
+        </p:txBody>
+      </p:sp>
+      <p:sp>
+        <p:nvSpPr>
+          <p:cNvPr id="26" name="Hexagon 25">
+            <a:extLst>
+              <a:ext uri="{FF2B5EF4-FFF2-40B4-BE49-F238E27FC236}">
+                <a16:creationId xmlns:a16="http://schemas.microsoft.com/office/drawing/2014/main" id="{F77599D8-7767-A82D-07AA-3FB63B9BFD14}"/>
+              </a:ext>
+            </a:extLst>
+          </p:cNvPr>
+          <p:cNvSpPr>
+            <a:spLocks noChangeAspect="1"/>
+          </p:cNvSpPr>
+          <p:nvPr/>
+        </p:nvSpPr>
+        <p:spPr>
+          <a:xfrm>
+            <a:off x="2834107" y="5342618"/>
+            <a:ext cx="1101061" cy="949191"/>
+          </a:xfrm>
+          <a:prstGeom prst="hexagon">
+            <a:avLst/>
+          </a:prstGeom>
+          <a:noFill/>
+          <a:ln w="38100">
+            <a:solidFill>
+              <a:srgbClr val="C00000"/>
+            </a:solidFill>
+          </a:ln>
+        </p:spPr>
+        <p:style>
+          <a:lnRef idx="2">
+            <a:schemeClr val="accent1">
+              <a:shade val="15000"/>
+            </a:schemeClr>
+          </a:lnRef>
+          <a:fillRef idx="1">
+            <a:schemeClr val="accent1"/>
+          </a:fillRef>
+          <a:effectRef idx="0">
+            <a:schemeClr val="accent1"/>
+          </a:effectRef>
+          <a:fontRef idx="minor">
+            <a:schemeClr val="lt1"/>
+          </a:fontRef>
+        </p:style>
+        <p:txBody>
+          <a:bodyPr rtlCol="0" anchor="ctr"/>
+          <a:lstStyle/>
+          <a:p>
+            <a:pPr algn="ctr"/>
+            <a:endParaRPr lang="en-US" dirty="0"/>
+          </a:p>
+        </p:txBody>
+      </p:sp>
+      <p:sp>
+        <p:nvSpPr>
+          <p:cNvPr id="27" name="Hexagon 26">
+            <a:extLst>
+              <a:ext uri="{FF2B5EF4-FFF2-40B4-BE49-F238E27FC236}">
+                <a16:creationId xmlns:a16="http://schemas.microsoft.com/office/drawing/2014/main" id="{EDA58312-BC6C-10CE-D676-1A55FABD2974}"/>
+              </a:ext>
+            </a:extLst>
+          </p:cNvPr>
+          <p:cNvSpPr>
+            <a:spLocks noChangeAspect="1"/>
+          </p:cNvSpPr>
+          <p:nvPr/>
+        </p:nvSpPr>
+        <p:spPr>
+          <a:xfrm>
+            <a:off x="2834107" y="4397196"/>
+            <a:ext cx="1101061" cy="949191"/>
+          </a:xfrm>
+          <a:prstGeom prst="hexagon">
+            <a:avLst/>
+          </a:prstGeom>
+          <a:noFill/>
+          <a:ln w="38100">
+            <a:solidFill>
+              <a:srgbClr val="C00000"/>
+            </a:solidFill>
+          </a:ln>
+        </p:spPr>
+        <p:style>
+          <a:lnRef idx="2">
+            <a:schemeClr val="accent1">
+              <a:shade val="15000"/>
+            </a:schemeClr>
+          </a:lnRef>
+          <a:fillRef idx="1">
+            <a:schemeClr val="accent1"/>
+          </a:fillRef>
+          <a:effectRef idx="0">
+            <a:schemeClr val="accent1"/>
+          </a:effectRef>
+          <a:fontRef idx="minor">
+            <a:schemeClr val="lt1"/>
+          </a:fontRef>
+        </p:style>
+        <p:txBody>
+          <a:bodyPr rtlCol="0" anchor="ctr"/>
+          <a:lstStyle/>
+          <a:p>
+            <a:pPr algn="ctr"/>
+            <a:endParaRPr lang="en-US" dirty="0"/>
+          </a:p>
+        </p:txBody>
+      </p:sp>
+      <p:sp>
+        <p:nvSpPr>
+          <p:cNvPr id="28" name="Hexagon 27">
+            <a:extLst>
+              <a:ext uri="{FF2B5EF4-FFF2-40B4-BE49-F238E27FC236}">
+                <a16:creationId xmlns:a16="http://schemas.microsoft.com/office/drawing/2014/main" id="{500312F3-E150-1BF6-8E03-C5E66745B1B5}"/>
+              </a:ext>
+            </a:extLst>
+          </p:cNvPr>
+          <p:cNvSpPr>
+            <a:spLocks noChangeAspect="1"/>
+          </p:cNvSpPr>
+          <p:nvPr/>
+        </p:nvSpPr>
+        <p:spPr>
+          <a:xfrm>
+            <a:off x="2834107" y="3451775"/>
+            <a:ext cx="1101061" cy="949191"/>
+          </a:xfrm>
+          <a:prstGeom prst="hexagon">
+            <a:avLst/>
+          </a:prstGeom>
+          <a:noFill/>
+          <a:ln w="38100">
+            <a:solidFill>
+              <a:srgbClr val="C00000"/>
+            </a:solidFill>
+          </a:ln>
+        </p:spPr>
+        <p:style>
+          <a:lnRef idx="2">
+            <a:schemeClr val="accent1">
+              <a:shade val="15000"/>
+            </a:schemeClr>
+          </a:lnRef>
+          <a:fillRef idx="1">
+            <a:schemeClr val="accent1"/>
+          </a:fillRef>
+          <a:effectRef idx="0">
+            <a:schemeClr val="accent1"/>
+          </a:effectRef>
+          <a:fontRef idx="minor">
+            <a:schemeClr val="lt1"/>
+          </a:fontRef>
+        </p:style>
+        <p:txBody>
+          <a:bodyPr rtlCol="0" anchor="ctr"/>
+          <a:lstStyle/>
+          <a:p>
+            <a:pPr algn="ctr"/>
+            <a:endParaRPr lang="en-US" dirty="0"/>
+          </a:p>
+        </p:txBody>
+      </p:sp>
+      <p:sp>
+        <p:nvSpPr>
+          <p:cNvPr id="29" name="Hexagon 28">
+            <a:extLst>
+              <a:ext uri="{FF2B5EF4-FFF2-40B4-BE49-F238E27FC236}">
+                <a16:creationId xmlns:a16="http://schemas.microsoft.com/office/drawing/2014/main" id="{15731913-8430-CCBF-E728-912DD1051C0A}"/>
+              </a:ext>
+            </a:extLst>
+          </p:cNvPr>
+          <p:cNvSpPr>
+            <a:spLocks noChangeAspect="1"/>
+          </p:cNvSpPr>
+          <p:nvPr/>
+        </p:nvSpPr>
+        <p:spPr>
+          <a:xfrm>
+            <a:off x="3693601" y="2976254"/>
+            <a:ext cx="1101061" cy="949191"/>
+          </a:xfrm>
+          <a:prstGeom prst="hexagon">
+            <a:avLst/>
+          </a:prstGeom>
+          <a:noFill/>
+          <a:ln w="38100">
+            <a:solidFill>
+              <a:srgbClr val="C00000"/>
+            </a:solidFill>
+          </a:ln>
+        </p:spPr>
+        <p:style>
+          <a:lnRef idx="2">
+            <a:schemeClr val="accent1">
+              <a:shade val="15000"/>
+            </a:schemeClr>
+          </a:lnRef>
+          <a:fillRef idx="1">
+            <a:schemeClr val="accent1"/>
+          </a:fillRef>
+          <a:effectRef idx="0">
+            <a:schemeClr val="accent1"/>
+          </a:effectRef>
+          <a:fontRef idx="minor">
+            <a:schemeClr val="lt1"/>
+          </a:fontRef>
+        </p:style>
+        <p:txBody>
+          <a:bodyPr rtlCol="0" anchor="ctr"/>
+          <a:lstStyle/>
+          <a:p>
+            <a:pPr algn="ctr"/>
+            <a:endParaRPr lang="en-US" dirty="0"/>
+          </a:p>
+        </p:txBody>
+      </p:sp>
+      <p:sp>
+        <p:nvSpPr>
+          <p:cNvPr id="30" name="Hexagon 29">
+            <a:extLst>
+              <a:ext uri="{FF2B5EF4-FFF2-40B4-BE49-F238E27FC236}">
+                <a16:creationId xmlns:a16="http://schemas.microsoft.com/office/drawing/2014/main" id="{FE4743FE-6712-EBB0-A5C5-B2274FF5C4DC}"/>
+              </a:ext>
+            </a:extLst>
+          </p:cNvPr>
+          <p:cNvSpPr>
+            <a:spLocks noChangeAspect="1"/>
+          </p:cNvSpPr>
+          <p:nvPr/>
+        </p:nvSpPr>
+        <p:spPr>
+          <a:xfrm>
+            <a:off x="3687238" y="3934484"/>
+            <a:ext cx="1101061" cy="949191"/>
+          </a:xfrm>
+          <a:prstGeom prst="hexagon">
+            <a:avLst/>
+          </a:prstGeom>
+          <a:noFill/>
+          <a:ln w="38100">
+            <a:solidFill>
+              <a:srgbClr val="C00000"/>
+            </a:solidFill>
+          </a:ln>
+        </p:spPr>
+        <p:style>
+          <a:lnRef idx="2">
+            <a:schemeClr val="accent1">
+              <a:shade val="15000"/>
+            </a:schemeClr>
+          </a:lnRef>
+          <a:fillRef idx="1">
+            <a:schemeClr val="accent1"/>
+          </a:fillRef>
+          <a:effectRef idx="0">
+            <a:schemeClr val="accent1"/>
+          </a:effectRef>
+          <a:fontRef idx="minor">
+            <a:schemeClr val="lt1"/>
+          </a:fontRef>
+        </p:style>
+        <p:txBody>
+          <a:bodyPr rtlCol="0" anchor="ctr"/>
+          <a:lstStyle/>
+          <a:p>
+            <a:pPr algn="ctr"/>
+            <a:endParaRPr lang="en-US" dirty="0"/>
+          </a:p>
+        </p:txBody>
+      </p:sp>
+      <p:sp>
+        <p:nvSpPr>
+          <p:cNvPr id="40" name="Hexagon 39">
+            <a:extLst>
+              <a:ext uri="{FF2B5EF4-FFF2-40B4-BE49-F238E27FC236}">
+                <a16:creationId xmlns:a16="http://schemas.microsoft.com/office/drawing/2014/main" id="{F03E2C1C-BF9A-D1A4-AB96-44B915D89168}"/>
+              </a:ext>
+            </a:extLst>
+          </p:cNvPr>
+          <p:cNvSpPr>
+            <a:spLocks noChangeAspect="1"/>
+          </p:cNvSpPr>
+          <p:nvPr/>
+        </p:nvSpPr>
+        <p:spPr>
+          <a:xfrm>
+            <a:off x="4550589" y="3458860"/>
+            <a:ext cx="1101061" cy="949191"/>
+          </a:xfrm>
+          <a:prstGeom prst="hexagon">
+            <a:avLst/>
+          </a:prstGeom>
+          <a:noFill/>
+          <a:ln w="38100">
+            <a:solidFill>
+              <a:srgbClr val="C00000"/>
+            </a:solidFill>
+          </a:ln>
+        </p:spPr>
+        <p:style>
+          <a:lnRef idx="2">
+            <a:schemeClr val="accent1">
+              <a:shade val="15000"/>
+            </a:schemeClr>
+          </a:lnRef>
+          <a:fillRef idx="1">
+            <a:schemeClr val="accent1"/>
+          </a:fillRef>
+          <a:effectRef idx="0">
+            <a:schemeClr val="accent1"/>
+          </a:effectRef>
+          <a:fontRef idx="minor">
+            <a:schemeClr val="lt1"/>
+          </a:fontRef>
+        </p:style>
+        <p:txBody>
+          <a:bodyPr rtlCol="0" anchor="ctr"/>
+          <a:lstStyle/>
+          <a:p>
+            <a:pPr algn="ctr"/>
+            <a:endParaRPr lang="en-US" dirty="0"/>
+          </a:p>
+        </p:txBody>
+      </p:sp>
+      <p:sp>
+        <p:nvSpPr>
+          <p:cNvPr id="41" name="Hexagon 40">
+            <a:extLst>
+              <a:ext uri="{FF2B5EF4-FFF2-40B4-BE49-F238E27FC236}">
+                <a16:creationId xmlns:a16="http://schemas.microsoft.com/office/drawing/2014/main" id="{AA13D11E-D161-07F1-337A-0439DE47625A}"/>
+              </a:ext>
+            </a:extLst>
+          </p:cNvPr>
+          <p:cNvSpPr>
+            <a:spLocks noChangeAspect="1"/>
+          </p:cNvSpPr>
+          <p:nvPr/>
+        </p:nvSpPr>
+        <p:spPr>
+          <a:xfrm>
+            <a:off x="4550589" y="4411034"/>
+            <a:ext cx="1101061" cy="949191"/>
+          </a:xfrm>
+          <a:prstGeom prst="hexagon">
+            <a:avLst/>
+          </a:prstGeom>
+          <a:noFill/>
+          <a:ln w="38100">
+            <a:solidFill>
+              <a:srgbClr val="C00000"/>
+            </a:solidFill>
+          </a:ln>
+        </p:spPr>
+        <p:style>
+          <a:lnRef idx="2">
+            <a:schemeClr val="accent1">
+              <a:shade val="15000"/>
+            </a:schemeClr>
+          </a:lnRef>
+          <a:fillRef idx="1">
+            <a:schemeClr val="accent1"/>
+          </a:fillRef>
+          <a:effectRef idx="0">
+            <a:schemeClr val="accent1"/>
+          </a:effectRef>
+          <a:fontRef idx="minor">
+            <a:schemeClr val="lt1"/>
+          </a:fontRef>
+        </p:style>
+        <p:txBody>
+          <a:bodyPr rtlCol="0" anchor="ctr"/>
+          <a:lstStyle/>
+          <a:p>
+            <a:pPr algn="ctr"/>
+            <a:endParaRPr lang="en-US" dirty="0"/>
+          </a:p>
+        </p:txBody>
+      </p:sp>
+      <p:sp>
+        <p:nvSpPr>
+          <p:cNvPr id="42" name="Hexagon 41">
+            <a:extLst>
+              <a:ext uri="{FF2B5EF4-FFF2-40B4-BE49-F238E27FC236}">
+                <a16:creationId xmlns:a16="http://schemas.microsoft.com/office/drawing/2014/main" id="{37E2AD43-8C0F-AE4E-73F5-2ADF3F4328B5}"/>
+              </a:ext>
+            </a:extLst>
+          </p:cNvPr>
+          <p:cNvSpPr>
+            <a:spLocks noChangeAspect="1"/>
+          </p:cNvSpPr>
+          <p:nvPr/>
+        </p:nvSpPr>
+        <p:spPr>
+          <a:xfrm>
+            <a:off x="4550589" y="5369961"/>
+            <a:ext cx="1101061" cy="949191"/>
+          </a:xfrm>
+          <a:prstGeom prst="hexagon">
+            <a:avLst/>
+          </a:prstGeom>
+          <a:noFill/>
+          <a:ln w="38100">
+            <a:solidFill>
+              <a:srgbClr val="C00000"/>
+            </a:solidFill>
+          </a:ln>
+        </p:spPr>
+        <p:style>
+          <a:lnRef idx="2">
+            <a:schemeClr val="accent1">
+              <a:shade val="15000"/>
+            </a:schemeClr>
+          </a:lnRef>
+          <a:fillRef idx="1">
+            <a:schemeClr val="accent1"/>
+          </a:fillRef>
+          <a:effectRef idx="0">
+            <a:schemeClr val="accent1"/>
+          </a:effectRef>
+          <a:fontRef idx="minor">
+            <a:schemeClr val="lt1"/>
+          </a:fontRef>
+        </p:style>
+        <p:txBody>
+          <a:bodyPr rtlCol="0" anchor="ctr"/>
+          <a:lstStyle/>
+          <a:p>
+            <a:pPr algn="ctr"/>
+            <a:endParaRPr lang="en-US" dirty="0"/>
+          </a:p>
+        </p:txBody>
+      </p:sp>
+      <p:sp>
+        <p:nvSpPr>
+          <p:cNvPr id="49" name="Hexagon 48">
+            <a:extLst>
+              <a:ext uri="{FF2B5EF4-FFF2-40B4-BE49-F238E27FC236}">
+                <a16:creationId xmlns:a16="http://schemas.microsoft.com/office/drawing/2014/main" id="{6DED218D-3761-F049-ADDA-F96E065614EC}"/>
+              </a:ext>
+            </a:extLst>
+          </p:cNvPr>
+          <p:cNvSpPr>
+            <a:spLocks noChangeAspect="1"/>
+          </p:cNvSpPr>
+          <p:nvPr/>
+        </p:nvSpPr>
+        <p:spPr>
+          <a:xfrm>
+            <a:off x="3694322" y="4877619"/>
+            <a:ext cx="1101061" cy="949191"/>
+          </a:xfrm>
+          <a:prstGeom prst="hexagon">
+            <a:avLst/>
+          </a:prstGeom>
+          <a:noFill/>
+          <a:ln w="38100">
+            <a:solidFill>
+              <a:srgbClr val="C00000"/>
+            </a:solidFill>
+          </a:ln>
+        </p:spPr>
+        <p:style>
+          <a:lnRef idx="2">
+            <a:schemeClr val="accent1">
+              <a:shade val="15000"/>
+            </a:schemeClr>
+          </a:lnRef>
+          <a:fillRef idx="1">
+            <a:schemeClr val="accent1"/>
+          </a:fillRef>
+          <a:effectRef idx="0">
+            <a:schemeClr val="accent1"/>
+          </a:effectRef>
+          <a:fontRef idx="minor">
+            <a:schemeClr val="lt1"/>
+          </a:fontRef>
+        </p:style>
+        <p:txBody>
+          <a:bodyPr rtlCol="0" anchor="ctr"/>
+          <a:lstStyle/>
+          <a:p>
+            <a:pPr algn="ctr"/>
+            <a:endParaRPr lang="en-US" dirty="0"/>
+          </a:p>
+        </p:txBody>
+      </p:sp>
+      <p:sp>
+        <p:nvSpPr>
+          <p:cNvPr id="1025" name="Hexagon 1024">
+            <a:extLst>
+              <a:ext uri="{FF2B5EF4-FFF2-40B4-BE49-F238E27FC236}">
+                <a16:creationId xmlns:a16="http://schemas.microsoft.com/office/drawing/2014/main" id="{C7930FA0-BB84-E8BC-6F55-86DC44EB1517}"/>
+              </a:ext>
+            </a:extLst>
+          </p:cNvPr>
+          <p:cNvSpPr>
+            <a:spLocks noChangeAspect="1"/>
+          </p:cNvSpPr>
+          <p:nvPr/>
+        </p:nvSpPr>
+        <p:spPr>
+          <a:xfrm>
+            <a:off x="5426874" y="2968935"/>
+            <a:ext cx="1101061" cy="949191"/>
+          </a:xfrm>
+          <a:prstGeom prst="hexagon">
+            <a:avLst/>
+          </a:prstGeom>
+          <a:noFill/>
+          <a:ln w="38100">
+            <a:solidFill>
+              <a:srgbClr val="C00000"/>
+            </a:solidFill>
+          </a:ln>
+        </p:spPr>
+        <p:style>
+          <a:lnRef idx="2">
+            <a:schemeClr val="accent1">
+              <a:shade val="15000"/>
+            </a:schemeClr>
+          </a:lnRef>
+          <a:fillRef idx="1">
+            <a:schemeClr val="accent1"/>
+          </a:fillRef>
+          <a:effectRef idx="0">
+            <a:schemeClr val="accent1"/>
+          </a:effectRef>
+          <a:fontRef idx="minor">
+            <a:schemeClr val="lt1"/>
+          </a:fontRef>
+        </p:style>
+        <p:txBody>
+          <a:bodyPr rtlCol="0" anchor="ctr"/>
+          <a:lstStyle/>
+          <a:p>
+            <a:pPr algn="ctr"/>
+            <a:endParaRPr lang="en-US" dirty="0"/>
+          </a:p>
+        </p:txBody>
+      </p:sp>
+      <p:sp>
+        <p:nvSpPr>
+          <p:cNvPr id="1027" name="Hexagon 1026">
+            <a:extLst>
+              <a:ext uri="{FF2B5EF4-FFF2-40B4-BE49-F238E27FC236}">
+                <a16:creationId xmlns:a16="http://schemas.microsoft.com/office/drawing/2014/main" id="{07BAD851-770C-F9A5-118E-93F5FFB185A8}"/>
+              </a:ext>
+            </a:extLst>
+          </p:cNvPr>
+          <p:cNvSpPr>
+            <a:spLocks noChangeAspect="1"/>
+          </p:cNvSpPr>
+          <p:nvPr/>
+        </p:nvSpPr>
+        <p:spPr>
+          <a:xfrm>
+            <a:off x="5419730" y="3921109"/>
+            <a:ext cx="1101061" cy="949191"/>
+          </a:xfrm>
+          <a:prstGeom prst="hexagon">
+            <a:avLst/>
+          </a:prstGeom>
+          <a:noFill/>
+          <a:ln w="38100">
+            <a:solidFill>
+              <a:srgbClr val="C00000"/>
+            </a:solidFill>
+          </a:ln>
+        </p:spPr>
+        <p:style>
+          <a:lnRef idx="2">
+            <a:schemeClr val="accent1">
+              <a:shade val="15000"/>
+            </a:schemeClr>
+          </a:lnRef>
+          <a:fillRef idx="1">
+            <a:schemeClr val="accent1"/>
+          </a:fillRef>
+          <a:effectRef idx="0">
+            <a:schemeClr val="accent1"/>
+          </a:effectRef>
+          <a:fontRef idx="minor">
+            <a:schemeClr val="lt1"/>
+          </a:fontRef>
+        </p:style>
+        <p:txBody>
+          <a:bodyPr rtlCol="0" anchor="ctr"/>
+          <a:lstStyle/>
+          <a:p>
+            <a:pPr algn="ctr"/>
+            <a:endParaRPr lang="en-US" dirty="0"/>
+          </a:p>
+        </p:txBody>
+      </p:sp>
+      <p:sp>
+        <p:nvSpPr>
+          <p:cNvPr id="1029" name="Hexagon 1028">
+            <a:extLst>
+              <a:ext uri="{FF2B5EF4-FFF2-40B4-BE49-F238E27FC236}">
+                <a16:creationId xmlns:a16="http://schemas.microsoft.com/office/drawing/2014/main" id="{D632B0F6-85EB-24F7-7939-C500C21C0D9E}"/>
+              </a:ext>
+            </a:extLst>
+          </p:cNvPr>
+          <p:cNvSpPr>
+            <a:spLocks noChangeAspect="1"/>
+          </p:cNvSpPr>
+          <p:nvPr/>
+        </p:nvSpPr>
+        <p:spPr>
+          <a:xfrm>
+            <a:off x="5419730" y="4865749"/>
+            <a:ext cx="1101061" cy="949191"/>
+          </a:xfrm>
+          <a:prstGeom prst="hexagon">
+            <a:avLst/>
+          </a:prstGeom>
+          <a:noFill/>
+          <a:ln w="38100">
+            <a:solidFill>
+              <a:srgbClr val="C00000"/>
+            </a:solidFill>
+          </a:ln>
+        </p:spPr>
+        <p:style>
+          <a:lnRef idx="2">
+            <a:schemeClr val="accent1">
+              <a:shade val="15000"/>
+            </a:schemeClr>
+          </a:lnRef>
+          <a:fillRef idx="1">
+            <a:schemeClr val="accent1"/>
+          </a:fillRef>
+          <a:effectRef idx="0">
+            <a:schemeClr val="accent1"/>
+          </a:effectRef>
+          <a:fontRef idx="minor">
+            <a:schemeClr val="lt1"/>
+          </a:fontRef>
+        </p:style>
+        <p:txBody>
+          <a:bodyPr rtlCol="0" anchor="ctr"/>
+          <a:lstStyle/>
+          <a:p>
+            <a:pPr algn="ctr"/>
+            <a:endParaRPr lang="en-US" dirty="0"/>
+          </a:p>
+        </p:txBody>
+      </p:sp>
+      <p:sp>
+        <p:nvSpPr>
+          <p:cNvPr id="1030" name="Hexagon 1029">
+            <a:extLst>
+              <a:ext uri="{FF2B5EF4-FFF2-40B4-BE49-F238E27FC236}">
+                <a16:creationId xmlns:a16="http://schemas.microsoft.com/office/drawing/2014/main" id="{94B24927-43D8-1C74-168D-351ED75387C9}"/>
+              </a:ext>
+            </a:extLst>
+          </p:cNvPr>
+          <p:cNvSpPr>
+            <a:spLocks noChangeAspect="1"/>
+          </p:cNvSpPr>
+          <p:nvPr/>
+        </p:nvSpPr>
+        <p:spPr>
+          <a:xfrm>
+            <a:off x="6286366" y="5342618"/>
+            <a:ext cx="1101061" cy="949191"/>
+          </a:xfrm>
+          <a:prstGeom prst="hexagon">
+            <a:avLst/>
+          </a:prstGeom>
+          <a:noFill/>
+          <a:ln w="38100">
+            <a:solidFill>
+              <a:srgbClr val="C00000"/>
+            </a:solidFill>
+          </a:ln>
+        </p:spPr>
+        <p:style>
+          <a:lnRef idx="2">
+            <a:schemeClr val="accent1">
+              <a:shade val="15000"/>
+            </a:schemeClr>
+          </a:lnRef>
+          <a:fillRef idx="1">
+            <a:schemeClr val="accent1"/>
+          </a:fillRef>
+          <a:effectRef idx="0">
+            <a:schemeClr val="accent1"/>
+          </a:effectRef>
+          <a:fontRef idx="minor">
+            <a:schemeClr val="lt1"/>
+          </a:fontRef>
+        </p:style>
+        <p:txBody>
+          <a:bodyPr rtlCol="0" anchor="ctr"/>
+          <a:lstStyle/>
+          <a:p>
+            <a:pPr algn="ctr"/>
+            <a:endParaRPr lang="en-US" dirty="0"/>
+          </a:p>
+        </p:txBody>
+      </p:sp>
+      <p:sp>
+        <p:nvSpPr>
+          <p:cNvPr id="1031" name="Hexagon 1030">
+            <a:extLst>
+              <a:ext uri="{FF2B5EF4-FFF2-40B4-BE49-F238E27FC236}">
+                <a16:creationId xmlns:a16="http://schemas.microsoft.com/office/drawing/2014/main" id="{3DB7BA57-7A0A-69E4-2AF2-2C4D8F441114}"/>
+              </a:ext>
+            </a:extLst>
+          </p:cNvPr>
+          <p:cNvSpPr>
+            <a:spLocks noChangeAspect="1"/>
+          </p:cNvSpPr>
+          <p:nvPr/>
+        </p:nvSpPr>
+        <p:spPr>
+          <a:xfrm>
+            <a:off x="6286366" y="4397196"/>
+            <a:ext cx="1101061" cy="949191"/>
+          </a:xfrm>
+          <a:prstGeom prst="hexagon">
+            <a:avLst/>
+          </a:prstGeom>
+          <a:noFill/>
+          <a:ln w="38100">
+            <a:solidFill>
+              <a:srgbClr val="C00000"/>
+            </a:solidFill>
+          </a:ln>
+        </p:spPr>
+        <p:style>
+          <a:lnRef idx="2">
+            <a:schemeClr val="accent1">
+              <a:shade val="15000"/>
+            </a:schemeClr>
+          </a:lnRef>
+          <a:fillRef idx="1">
+            <a:schemeClr val="accent1"/>
+          </a:fillRef>
+          <a:effectRef idx="0">
+            <a:schemeClr val="accent1"/>
+          </a:effectRef>
+          <a:fontRef idx="minor">
+            <a:schemeClr val="lt1"/>
+          </a:fontRef>
+        </p:style>
+        <p:txBody>
+          <a:bodyPr rtlCol="0" anchor="ctr"/>
+          <a:lstStyle/>
+          <a:p>
+            <a:pPr algn="ctr"/>
+            <a:endParaRPr lang="en-US" dirty="0"/>
+          </a:p>
+        </p:txBody>
+      </p:sp>
+      <p:sp>
+        <p:nvSpPr>
+          <p:cNvPr id="1032" name="Hexagon 1031">
+            <a:extLst>
+              <a:ext uri="{FF2B5EF4-FFF2-40B4-BE49-F238E27FC236}">
+                <a16:creationId xmlns:a16="http://schemas.microsoft.com/office/drawing/2014/main" id="{C03011F2-1859-3E52-FEC8-55F61BD5FFF3}"/>
+              </a:ext>
+            </a:extLst>
+          </p:cNvPr>
+          <p:cNvSpPr>
+            <a:spLocks noChangeAspect="1"/>
+          </p:cNvSpPr>
+          <p:nvPr/>
+        </p:nvSpPr>
+        <p:spPr>
+          <a:xfrm>
+            <a:off x="6286366" y="3451775"/>
+            <a:ext cx="1101061" cy="949191"/>
+          </a:xfrm>
+          <a:prstGeom prst="hexagon">
+            <a:avLst/>
+          </a:prstGeom>
+          <a:noFill/>
+          <a:ln w="38100">
+            <a:solidFill>
+              <a:srgbClr val="C00000"/>
+            </a:solidFill>
+          </a:ln>
+        </p:spPr>
+        <p:style>
+          <a:lnRef idx="2">
+            <a:schemeClr val="accent1">
+              <a:shade val="15000"/>
+            </a:schemeClr>
+          </a:lnRef>
+          <a:fillRef idx="1">
+            <a:schemeClr val="accent1"/>
+          </a:fillRef>
+          <a:effectRef idx="0">
+            <a:schemeClr val="accent1"/>
+          </a:effectRef>
+          <a:fontRef idx="minor">
+            <a:schemeClr val="lt1"/>
+          </a:fontRef>
+        </p:style>
+        <p:txBody>
+          <a:bodyPr rtlCol="0" anchor="ctr"/>
+          <a:lstStyle/>
+          <a:p>
+            <a:pPr algn="ctr"/>
+            <a:endParaRPr lang="en-US" dirty="0"/>
+          </a:p>
+        </p:txBody>
+      </p:sp>
+      <p:sp>
+        <p:nvSpPr>
+          <p:cNvPr id="1033" name="Hexagon 1032">
+            <a:extLst>
+              <a:ext uri="{FF2B5EF4-FFF2-40B4-BE49-F238E27FC236}">
+                <a16:creationId xmlns:a16="http://schemas.microsoft.com/office/drawing/2014/main" id="{AE75FE7B-A81B-2956-56D7-45F8EB881D36}"/>
+              </a:ext>
+            </a:extLst>
+          </p:cNvPr>
+          <p:cNvSpPr>
+            <a:spLocks noChangeAspect="1"/>
+          </p:cNvSpPr>
+          <p:nvPr/>
+        </p:nvSpPr>
+        <p:spPr>
+          <a:xfrm>
+            <a:off x="7145860" y="2976253"/>
+            <a:ext cx="1101061" cy="949191"/>
+          </a:xfrm>
+          <a:prstGeom prst="hexagon">
+            <a:avLst/>
+          </a:prstGeom>
+          <a:noFill/>
+          <a:ln w="38100">
+            <a:solidFill>
+              <a:srgbClr val="C00000"/>
+            </a:solidFill>
+          </a:ln>
+        </p:spPr>
+        <p:style>
+          <a:lnRef idx="2">
+            <a:schemeClr val="accent1">
+              <a:shade val="15000"/>
+            </a:schemeClr>
+          </a:lnRef>
+          <a:fillRef idx="1">
+            <a:schemeClr val="accent1"/>
+          </a:fillRef>
+          <a:effectRef idx="0">
+            <a:schemeClr val="accent1"/>
+          </a:effectRef>
+          <a:fontRef idx="minor">
+            <a:schemeClr val="lt1"/>
+          </a:fontRef>
+        </p:style>
+        <p:txBody>
+          <a:bodyPr rtlCol="0" anchor="ctr"/>
+          <a:lstStyle/>
+          <a:p>
+            <a:pPr algn="ctr"/>
+            <a:endParaRPr lang="en-US" dirty="0"/>
+          </a:p>
+        </p:txBody>
+      </p:sp>
+      <p:sp>
+        <p:nvSpPr>
+          <p:cNvPr id="1034" name="Hexagon 1033">
+            <a:extLst>
+              <a:ext uri="{FF2B5EF4-FFF2-40B4-BE49-F238E27FC236}">
+                <a16:creationId xmlns:a16="http://schemas.microsoft.com/office/drawing/2014/main" id="{54025567-2401-C213-CA49-AFB6FBE39109}"/>
+              </a:ext>
+            </a:extLst>
+          </p:cNvPr>
+          <p:cNvSpPr>
+            <a:spLocks noChangeAspect="1"/>
+          </p:cNvSpPr>
+          <p:nvPr/>
+        </p:nvSpPr>
+        <p:spPr>
+          <a:xfrm>
+            <a:off x="7139497" y="3934485"/>
+            <a:ext cx="1101061" cy="949191"/>
+          </a:xfrm>
+          <a:prstGeom prst="hexagon">
+            <a:avLst/>
+          </a:prstGeom>
+          <a:noFill/>
+          <a:ln w="38100">
+            <a:solidFill>
+              <a:srgbClr val="C00000"/>
+            </a:solidFill>
+          </a:ln>
+        </p:spPr>
+        <p:style>
+          <a:lnRef idx="2">
+            <a:schemeClr val="accent1">
+              <a:shade val="15000"/>
+            </a:schemeClr>
+          </a:lnRef>
+          <a:fillRef idx="1">
+            <a:schemeClr val="accent1"/>
+          </a:fillRef>
+          <a:effectRef idx="0">
+            <a:schemeClr val="accent1"/>
+          </a:effectRef>
+          <a:fontRef idx="minor">
+            <a:schemeClr val="lt1"/>
+          </a:fontRef>
+        </p:style>
+        <p:txBody>
+          <a:bodyPr rtlCol="0" anchor="ctr"/>
+          <a:lstStyle/>
+          <a:p>
+            <a:pPr algn="ctr"/>
+            <a:endParaRPr lang="en-US" dirty="0"/>
+          </a:p>
+        </p:txBody>
+      </p:sp>
+      <p:sp>
+        <p:nvSpPr>
+          <p:cNvPr id="1035" name="Hexagon 1034">
+            <a:extLst>
+              <a:ext uri="{FF2B5EF4-FFF2-40B4-BE49-F238E27FC236}">
+                <a16:creationId xmlns:a16="http://schemas.microsoft.com/office/drawing/2014/main" id="{E0349C23-4111-3D32-480E-A5D8E9E50CE5}"/>
+              </a:ext>
+            </a:extLst>
+          </p:cNvPr>
+          <p:cNvSpPr>
+            <a:spLocks noChangeAspect="1"/>
+          </p:cNvSpPr>
+          <p:nvPr/>
+        </p:nvSpPr>
+        <p:spPr>
+          <a:xfrm>
+            <a:off x="8002848" y="3458861"/>
+            <a:ext cx="1101061" cy="949191"/>
+          </a:xfrm>
+          <a:prstGeom prst="hexagon">
+            <a:avLst/>
+          </a:prstGeom>
+          <a:noFill/>
+          <a:ln w="38100">
+            <a:solidFill>
+              <a:srgbClr val="C00000"/>
+            </a:solidFill>
+          </a:ln>
+        </p:spPr>
+        <p:style>
+          <a:lnRef idx="2">
+            <a:schemeClr val="accent1">
+              <a:shade val="15000"/>
+            </a:schemeClr>
+          </a:lnRef>
+          <a:fillRef idx="1">
+            <a:schemeClr val="accent1"/>
+          </a:fillRef>
+          <a:effectRef idx="0">
+            <a:schemeClr val="accent1"/>
+          </a:effectRef>
+          <a:fontRef idx="minor">
+            <a:schemeClr val="lt1"/>
+          </a:fontRef>
+        </p:style>
+        <p:txBody>
+          <a:bodyPr rtlCol="0" anchor="ctr"/>
+          <a:lstStyle/>
+          <a:p>
+            <a:pPr algn="ctr"/>
+            <a:endParaRPr lang="en-US" dirty="0"/>
+          </a:p>
+        </p:txBody>
+      </p:sp>
+      <p:sp>
+        <p:nvSpPr>
+          <p:cNvPr id="1036" name="Hexagon 1035">
+            <a:extLst>
+              <a:ext uri="{FF2B5EF4-FFF2-40B4-BE49-F238E27FC236}">
+                <a16:creationId xmlns:a16="http://schemas.microsoft.com/office/drawing/2014/main" id="{F83ECF99-64C5-797E-B098-E76380388873}"/>
+              </a:ext>
+            </a:extLst>
+          </p:cNvPr>
+          <p:cNvSpPr>
+            <a:spLocks noChangeAspect="1"/>
+          </p:cNvSpPr>
+          <p:nvPr/>
+        </p:nvSpPr>
+        <p:spPr>
+          <a:xfrm>
+            <a:off x="8002848" y="4411034"/>
+            <a:ext cx="1101061" cy="949191"/>
+          </a:xfrm>
+          <a:prstGeom prst="hexagon">
+            <a:avLst/>
+          </a:prstGeom>
+          <a:noFill/>
+          <a:ln w="38100">
+            <a:solidFill>
+              <a:srgbClr val="C00000"/>
+            </a:solidFill>
+          </a:ln>
+        </p:spPr>
+        <p:style>
+          <a:lnRef idx="2">
+            <a:schemeClr val="accent1">
+              <a:shade val="15000"/>
+            </a:schemeClr>
+          </a:lnRef>
+          <a:fillRef idx="1">
+            <a:schemeClr val="accent1"/>
+          </a:fillRef>
+          <a:effectRef idx="0">
+            <a:schemeClr val="accent1"/>
+          </a:effectRef>
+          <a:fontRef idx="minor">
+            <a:schemeClr val="lt1"/>
+          </a:fontRef>
+        </p:style>
+        <p:txBody>
+          <a:bodyPr rtlCol="0" anchor="ctr"/>
+          <a:lstStyle/>
+          <a:p>
+            <a:pPr algn="ctr"/>
+            <a:endParaRPr lang="en-US" dirty="0"/>
+          </a:p>
+        </p:txBody>
+      </p:sp>
+      <p:sp>
+        <p:nvSpPr>
+          <p:cNvPr id="1037" name="Hexagon 1036">
+            <a:extLst>
+              <a:ext uri="{FF2B5EF4-FFF2-40B4-BE49-F238E27FC236}">
+                <a16:creationId xmlns:a16="http://schemas.microsoft.com/office/drawing/2014/main" id="{3EFEC826-0843-1F99-73DF-98C2B066C33D}"/>
+              </a:ext>
+            </a:extLst>
+          </p:cNvPr>
+          <p:cNvSpPr>
+            <a:spLocks noChangeAspect="1"/>
+          </p:cNvSpPr>
+          <p:nvPr/>
+        </p:nvSpPr>
+        <p:spPr>
+          <a:xfrm>
+            <a:off x="8002848" y="5369961"/>
+            <a:ext cx="1101061" cy="949191"/>
+          </a:xfrm>
+          <a:prstGeom prst="hexagon">
+            <a:avLst/>
+          </a:prstGeom>
+          <a:noFill/>
+          <a:ln w="38100">
+            <a:solidFill>
+              <a:srgbClr val="C00000"/>
+            </a:solidFill>
+          </a:ln>
+        </p:spPr>
+        <p:style>
+          <a:lnRef idx="2">
+            <a:schemeClr val="accent1">
+              <a:shade val="15000"/>
+            </a:schemeClr>
+          </a:lnRef>
+          <a:fillRef idx="1">
+            <a:schemeClr val="accent1"/>
+          </a:fillRef>
+          <a:effectRef idx="0">
+            <a:schemeClr val="accent1"/>
+          </a:effectRef>
+          <a:fontRef idx="minor">
+            <a:schemeClr val="lt1"/>
+          </a:fontRef>
+        </p:style>
+        <p:txBody>
+          <a:bodyPr rtlCol="0" anchor="ctr"/>
+          <a:lstStyle/>
+          <a:p>
+            <a:pPr algn="ctr"/>
+            <a:endParaRPr lang="en-US" dirty="0"/>
+          </a:p>
+        </p:txBody>
+      </p:sp>
+      <p:sp>
+        <p:nvSpPr>
+          <p:cNvPr id="1038" name="Hexagon 1037">
+            <a:extLst>
+              <a:ext uri="{FF2B5EF4-FFF2-40B4-BE49-F238E27FC236}">
+                <a16:creationId xmlns:a16="http://schemas.microsoft.com/office/drawing/2014/main" id="{0BCE8D4E-D1B7-EB16-800E-B94AFEB8750D}"/>
+              </a:ext>
+            </a:extLst>
+          </p:cNvPr>
+          <p:cNvSpPr>
+            <a:spLocks noChangeAspect="1"/>
+          </p:cNvSpPr>
+          <p:nvPr/>
+        </p:nvSpPr>
+        <p:spPr>
+          <a:xfrm>
+            <a:off x="7146581" y="4877619"/>
+            <a:ext cx="1101061" cy="949191"/>
+          </a:xfrm>
+          <a:prstGeom prst="hexagon">
+            <a:avLst/>
+          </a:prstGeom>
+          <a:noFill/>
+          <a:ln w="38100">
+            <a:solidFill>
+              <a:srgbClr val="C00000"/>
+            </a:solidFill>
+          </a:ln>
+        </p:spPr>
+        <p:style>
+          <a:lnRef idx="2">
+            <a:schemeClr val="accent1">
+              <a:shade val="15000"/>
+            </a:schemeClr>
+          </a:lnRef>
+          <a:fillRef idx="1">
+            <a:schemeClr val="accent1"/>
+          </a:fillRef>
+          <a:effectRef idx="0">
+            <a:schemeClr val="accent1"/>
+          </a:effectRef>
+          <a:fontRef idx="minor">
+            <a:schemeClr val="lt1"/>
+          </a:fontRef>
+        </p:style>
+        <p:txBody>
+          <a:bodyPr rtlCol="0" anchor="ctr"/>
+          <a:lstStyle/>
+          <a:p>
+            <a:pPr algn="ctr"/>
+            <a:endParaRPr lang="en-US" dirty="0"/>
+          </a:p>
+        </p:txBody>
+      </p:sp>
+      <p:sp>
+        <p:nvSpPr>
+          <p:cNvPr id="1041" name="Hexagon 1040">
+            <a:extLst>
+              <a:ext uri="{FF2B5EF4-FFF2-40B4-BE49-F238E27FC236}">
+                <a16:creationId xmlns:a16="http://schemas.microsoft.com/office/drawing/2014/main" id="{233AE70B-20DB-13A2-B087-EABEF323EEE8}"/>
+              </a:ext>
+            </a:extLst>
+          </p:cNvPr>
+          <p:cNvSpPr>
+            <a:spLocks noChangeAspect="1"/>
+          </p:cNvSpPr>
+          <p:nvPr/>
+        </p:nvSpPr>
+        <p:spPr>
+          <a:xfrm>
+            <a:off x="1974615" y="123371"/>
+            <a:ext cx="1101061" cy="949191"/>
+          </a:xfrm>
+          <a:prstGeom prst="hexagon">
+            <a:avLst/>
+          </a:prstGeom>
+          <a:noFill/>
+          <a:ln w="38100">
+            <a:solidFill>
+              <a:srgbClr val="C00000"/>
+            </a:solidFill>
+          </a:ln>
+        </p:spPr>
+        <p:style>
+          <a:lnRef idx="2">
+            <a:schemeClr val="accent1">
+              <a:shade val="15000"/>
+            </a:schemeClr>
+          </a:lnRef>
+          <a:fillRef idx="1">
+            <a:schemeClr val="accent1"/>
+          </a:fillRef>
+          <a:effectRef idx="0">
+            <a:schemeClr val="accent1"/>
+          </a:effectRef>
+          <a:fontRef idx="minor">
+            <a:schemeClr val="lt1"/>
+          </a:fontRef>
+        </p:style>
+        <p:txBody>
+          <a:bodyPr rtlCol="0" anchor="ctr"/>
+          <a:lstStyle/>
+          <a:p>
+            <a:pPr algn="ctr"/>
+            <a:endParaRPr lang="en-US" dirty="0"/>
+          </a:p>
+        </p:txBody>
+      </p:sp>
+      <p:sp>
+        <p:nvSpPr>
+          <p:cNvPr id="1042" name="Hexagon 1041">
+            <a:extLst>
+              <a:ext uri="{FF2B5EF4-FFF2-40B4-BE49-F238E27FC236}">
+                <a16:creationId xmlns:a16="http://schemas.microsoft.com/office/drawing/2014/main" id="{3DE50CB0-C76B-A63E-8679-7E0A8959A0B9}"/>
+              </a:ext>
+            </a:extLst>
+          </p:cNvPr>
+          <p:cNvSpPr>
+            <a:spLocks noChangeAspect="1"/>
+          </p:cNvSpPr>
+          <p:nvPr/>
+        </p:nvSpPr>
+        <p:spPr>
+          <a:xfrm>
+            <a:off x="1967472" y="1075545"/>
+            <a:ext cx="1101061" cy="949191"/>
+          </a:xfrm>
+          <a:prstGeom prst="hexagon">
+            <a:avLst/>
+          </a:prstGeom>
+          <a:noFill/>
+          <a:ln w="38100">
+            <a:solidFill>
+              <a:srgbClr val="C00000"/>
+            </a:solidFill>
+          </a:ln>
+        </p:spPr>
+        <p:style>
+          <a:lnRef idx="2">
+            <a:schemeClr val="accent1">
+              <a:shade val="15000"/>
+            </a:schemeClr>
+          </a:lnRef>
+          <a:fillRef idx="1">
+            <a:schemeClr val="accent1"/>
+          </a:fillRef>
+          <a:effectRef idx="0">
+            <a:schemeClr val="accent1"/>
+          </a:effectRef>
+          <a:fontRef idx="minor">
+            <a:schemeClr val="lt1"/>
+          </a:fontRef>
+        </p:style>
+        <p:txBody>
+          <a:bodyPr rtlCol="0" anchor="ctr"/>
+          <a:lstStyle/>
+          <a:p>
+            <a:pPr algn="ctr"/>
+            <a:endParaRPr lang="en-US" dirty="0"/>
+          </a:p>
+        </p:txBody>
+      </p:sp>
+      <p:sp>
+        <p:nvSpPr>
+          <p:cNvPr id="1043" name="Hexagon 1042">
+            <a:extLst>
+              <a:ext uri="{FF2B5EF4-FFF2-40B4-BE49-F238E27FC236}">
+                <a16:creationId xmlns:a16="http://schemas.microsoft.com/office/drawing/2014/main" id="{29D05AB5-6B19-44C7-74B5-B5B33DBEB87D}"/>
+              </a:ext>
+            </a:extLst>
+          </p:cNvPr>
+          <p:cNvSpPr>
+            <a:spLocks noChangeAspect="1"/>
+          </p:cNvSpPr>
+          <p:nvPr/>
+        </p:nvSpPr>
+        <p:spPr>
+          <a:xfrm>
+            <a:off x="1967472" y="2020185"/>
+            <a:ext cx="1101061" cy="949191"/>
+          </a:xfrm>
+          <a:prstGeom prst="hexagon">
+            <a:avLst/>
+          </a:prstGeom>
+          <a:noFill/>
+          <a:ln w="38100">
+            <a:solidFill>
+              <a:srgbClr val="C00000"/>
+            </a:solidFill>
+          </a:ln>
+        </p:spPr>
+        <p:style>
+          <a:lnRef idx="2">
+            <a:schemeClr val="accent1">
+              <a:shade val="15000"/>
+            </a:schemeClr>
+          </a:lnRef>
+          <a:fillRef idx="1">
+            <a:schemeClr val="accent1"/>
+          </a:fillRef>
+          <a:effectRef idx="0">
+            <a:schemeClr val="accent1"/>
+          </a:effectRef>
+          <a:fontRef idx="minor">
+            <a:schemeClr val="lt1"/>
+          </a:fontRef>
+        </p:style>
+        <p:txBody>
+          <a:bodyPr rtlCol="0" anchor="ctr"/>
+          <a:lstStyle/>
+          <a:p>
+            <a:pPr algn="ctr"/>
+            <a:endParaRPr lang="en-US" dirty="0"/>
+          </a:p>
+        </p:txBody>
+      </p:sp>
+      <p:sp>
+        <p:nvSpPr>
+          <p:cNvPr id="1044" name="Hexagon 1043">
+            <a:extLst>
+              <a:ext uri="{FF2B5EF4-FFF2-40B4-BE49-F238E27FC236}">
+                <a16:creationId xmlns:a16="http://schemas.microsoft.com/office/drawing/2014/main" id="{30A6E450-0182-357B-895E-052D58DB7A20}"/>
+              </a:ext>
+            </a:extLst>
+          </p:cNvPr>
+          <p:cNvSpPr>
+            <a:spLocks noChangeAspect="1"/>
+          </p:cNvSpPr>
+          <p:nvPr/>
+        </p:nvSpPr>
+        <p:spPr>
+          <a:xfrm>
+            <a:off x="2834107" y="2497054"/>
+            <a:ext cx="1101061" cy="949191"/>
+          </a:xfrm>
+          <a:prstGeom prst="hexagon">
+            <a:avLst/>
+          </a:prstGeom>
+          <a:noFill/>
+          <a:ln w="38100">
+            <a:solidFill>
+              <a:srgbClr val="C00000"/>
+            </a:solidFill>
+          </a:ln>
+        </p:spPr>
+        <p:style>
+          <a:lnRef idx="2">
+            <a:schemeClr val="accent1">
+              <a:shade val="15000"/>
+            </a:schemeClr>
+          </a:lnRef>
+          <a:fillRef idx="1">
+            <a:schemeClr val="accent1"/>
+          </a:fillRef>
+          <a:effectRef idx="0">
+            <a:schemeClr val="accent1"/>
+          </a:effectRef>
+          <a:fontRef idx="minor">
+            <a:schemeClr val="lt1"/>
+          </a:fontRef>
+        </p:style>
+        <p:txBody>
+          <a:bodyPr rtlCol="0" anchor="ctr"/>
+          <a:lstStyle/>
+          <a:p>
+            <a:pPr algn="ctr"/>
+            <a:endParaRPr lang="en-US" dirty="0"/>
+          </a:p>
+        </p:txBody>
+      </p:sp>
+      <p:sp>
+        <p:nvSpPr>
+          <p:cNvPr id="1045" name="Hexagon 1044">
+            <a:extLst>
+              <a:ext uri="{FF2B5EF4-FFF2-40B4-BE49-F238E27FC236}">
+                <a16:creationId xmlns:a16="http://schemas.microsoft.com/office/drawing/2014/main" id="{E824D373-3145-98BD-613C-E22BE76D8876}"/>
+              </a:ext>
+            </a:extLst>
+          </p:cNvPr>
+          <p:cNvSpPr>
+            <a:spLocks noChangeAspect="1"/>
+          </p:cNvSpPr>
+          <p:nvPr/>
+        </p:nvSpPr>
+        <p:spPr>
+          <a:xfrm>
+            <a:off x="2834107" y="1551633"/>
+            <a:ext cx="1101061" cy="949191"/>
+          </a:xfrm>
+          <a:prstGeom prst="hexagon">
+            <a:avLst/>
+          </a:prstGeom>
+          <a:noFill/>
+          <a:ln w="38100">
+            <a:solidFill>
+              <a:srgbClr val="C00000"/>
+            </a:solidFill>
+          </a:ln>
+        </p:spPr>
+        <p:style>
+          <a:lnRef idx="2">
+            <a:schemeClr val="accent1">
+              <a:shade val="15000"/>
+            </a:schemeClr>
+          </a:lnRef>
+          <a:fillRef idx="1">
+            <a:schemeClr val="accent1"/>
+          </a:fillRef>
+          <a:effectRef idx="0">
+            <a:schemeClr val="accent1"/>
+          </a:effectRef>
+          <a:fontRef idx="minor">
+            <a:schemeClr val="lt1"/>
+          </a:fontRef>
+        </p:style>
+        <p:txBody>
+          <a:bodyPr rtlCol="0" anchor="ctr"/>
+          <a:lstStyle/>
+          <a:p>
+            <a:pPr algn="ctr"/>
+            <a:endParaRPr lang="en-US" dirty="0"/>
+          </a:p>
+        </p:txBody>
+      </p:sp>
+      <p:sp>
+        <p:nvSpPr>
+          <p:cNvPr id="1046" name="Hexagon 1045">
+            <a:extLst>
+              <a:ext uri="{FF2B5EF4-FFF2-40B4-BE49-F238E27FC236}">
+                <a16:creationId xmlns:a16="http://schemas.microsoft.com/office/drawing/2014/main" id="{6767733A-16D2-4B6C-34BB-01A31C7E6626}"/>
+              </a:ext>
+            </a:extLst>
+          </p:cNvPr>
+          <p:cNvSpPr>
+            <a:spLocks noChangeAspect="1"/>
+          </p:cNvSpPr>
+          <p:nvPr/>
+        </p:nvSpPr>
+        <p:spPr>
+          <a:xfrm>
+            <a:off x="2834107" y="606211"/>
+            <a:ext cx="1101061" cy="949191"/>
+          </a:xfrm>
+          <a:prstGeom prst="hexagon">
+            <a:avLst/>
+          </a:prstGeom>
+          <a:noFill/>
+          <a:ln w="38100">
+            <a:solidFill>
+              <a:srgbClr val="C00000"/>
+            </a:solidFill>
+          </a:ln>
+        </p:spPr>
+        <p:style>
+          <a:lnRef idx="2">
+            <a:schemeClr val="accent1">
+              <a:shade val="15000"/>
+            </a:schemeClr>
+          </a:lnRef>
+          <a:fillRef idx="1">
+            <a:schemeClr val="accent1"/>
+          </a:fillRef>
+          <a:effectRef idx="0">
+            <a:schemeClr val="accent1"/>
+          </a:effectRef>
+          <a:fontRef idx="minor">
+            <a:schemeClr val="lt1"/>
+          </a:fontRef>
+        </p:style>
+        <p:txBody>
+          <a:bodyPr rtlCol="0" anchor="ctr"/>
+          <a:lstStyle/>
+          <a:p>
+            <a:pPr algn="ctr"/>
+            <a:endParaRPr lang="en-US" dirty="0"/>
+          </a:p>
+        </p:txBody>
+      </p:sp>
+      <p:sp>
+        <p:nvSpPr>
+          <p:cNvPr id="1047" name="Hexagon 1046">
+            <a:extLst>
+              <a:ext uri="{FF2B5EF4-FFF2-40B4-BE49-F238E27FC236}">
+                <a16:creationId xmlns:a16="http://schemas.microsoft.com/office/drawing/2014/main" id="{CDACEC79-344B-B4E4-41E0-EBF8AF32F90C}"/>
+              </a:ext>
+            </a:extLst>
+          </p:cNvPr>
+          <p:cNvSpPr>
+            <a:spLocks noChangeAspect="1"/>
+          </p:cNvSpPr>
+          <p:nvPr/>
+        </p:nvSpPr>
+        <p:spPr>
+          <a:xfrm>
+            <a:off x="3693601" y="130689"/>
+            <a:ext cx="1101061" cy="949191"/>
+          </a:xfrm>
+          <a:prstGeom prst="hexagon">
+            <a:avLst/>
+          </a:prstGeom>
+          <a:noFill/>
+          <a:ln w="38100">
+            <a:solidFill>
+              <a:srgbClr val="C00000"/>
+            </a:solidFill>
+          </a:ln>
+        </p:spPr>
+        <p:style>
+          <a:lnRef idx="2">
+            <a:schemeClr val="accent1">
+              <a:shade val="15000"/>
+            </a:schemeClr>
+          </a:lnRef>
+          <a:fillRef idx="1">
+            <a:schemeClr val="accent1"/>
+          </a:fillRef>
+          <a:effectRef idx="0">
+            <a:schemeClr val="accent1"/>
+          </a:effectRef>
+          <a:fontRef idx="minor">
+            <a:schemeClr val="lt1"/>
+          </a:fontRef>
+        </p:style>
+        <p:txBody>
+          <a:bodyPr rtlCol="0" anchor="ctr"/>
+          <a:lstStyle/>
+          <a:p>
+            <a:pPr algn="ctr"/>
+            <a:endParaRPr lang="en-US" dirty="0"/>
+          </a:p>
+        </p:txBody>
+      </p:sp>
+      <p:sp>
+        <p:nvSpPr>
+          <p:cNvPr id="1048" name="Hexagon 1047">
+            <a:extLst>
+              <a:ext uri="{FF2B5EF4-FFF2-40B4-BE49-F238E27FC236}">
+                <a16:creationId xmlns:a16="http://schemas.microsoft.com/office/drawing/2014/main" id="{1E35B54C-090A-1F13-14AA-318518BC9368}"/>
+              </a:ext>
+            </a:extLst>
+          </p:cNvPr>
+          <p:cNvSpPr>
+            <a:spLocks noChangeAspect="1"/>
+          </p:cNvSpPr>
+          <p:nvPr/>
+        </p:nvSpPr>
+        <p:spPr>
+          <a:xfrm>
+            <a:off x="3687238" y="1088921"/>
+            <a:ext cx="1101061" cy="949191"/>
+          </a:xfrm>
+          <a:prstGeom prst="hexagon">
+            <a:avLst/>
+          </a:prstGeom>
+          <a:noFill/>
+          <a:ln w="38100">
+            <a:solidFill>
+              <a:srgbClr val="C00000"/>
+            </a:solidFill>
+          </a:ln>
+        </p:spPr>
+        <p:style>
+          <a:lnRef idx="2">
+            <a:schemeClr val="accent1">
+              <a:shade val="15000"/>
+            </a:schemeClr>
+          </a:lnRef>
+          <a:fillRef idx="1">
+            <a:schemeClr val="accent1"/>
+          </a:fillRef>
+          <a:effectRef idx="0">
+            <a:schemeClr val="accent1"/>
+          </a:effectRef>
+          <a:fontRef idx="minor">
+            <a:schemeClr val="lt1"/>
+          </a:fontRef>
+        </p:style>
+        <p:txBody>
+          <a:bodyPr rtlCol="0" anchor="ctr"/>
+          <a:lstStyle/>
+          <a:p>
+            <a:pPr algn="ctr"/>
+            <a:endParaRPr lang="en-US" dirty="0"/>
+          </a:p>
+        </p:txBody>
+      </p:sp>
+      <p:sp>
+        <p:nvSpPr>
+          <p:cNvPr id="1049" name="Hexagon 1048">
+            <a:extLst>
+              <a:ext uri="{FF2B5EF4-FFF2-40B4-BE49-F238E27FC236}">
+                <a16:creationId xmlns:a16="http://schemas.microsoft.com/office/drawing/2014/main" id="{BCBB82C8-E63A-EE61-6294-25E618FEB54B}"/>
+              </a:ext>
+            </a:extLst>
+          </p:cNvPr>
+          <p:cNvSpPr>
+            <a:spLocks noChangeAspect="1"/>
+          </p:cNvSpPr>
+          <p:nvPr/>
+        </p:nvSpPr>
+        <p:spPr>
+          <a:xfrm>
+            <a:off x="4550589" y="613297"/>
+            <a:ext cx="1101061" cy="949191"/>
+          </a:xfrm>
+          <a:prstGeom prst="hexagon">
+            <a:avLst/>
+          </a:prstGeom>
+          <a:noFill/>
+          <a:ln w="38100">
+            <a:solidFill>
+              <a:srgbClr val="C00000"/>
+            </a:solidFill>
+          </a:ln>
+        </p:spPr>
+        <p:style>
+          <a:lnRef idx="2">
+            <a:schemeClr val="accent1">
+              <a:shade val="15000"/>
+            </a:schemeClr>
+          </a:lnRef>
+          <a:fillRef idx="1">
+            <a:schemeClr val="accent1"/>
+          </a:fillRef>
+          <a:effectRef idx="0">
+            <a:schemeClr val="accent1"/>
+          </a:effectRef>
+          <a:fontRef idx="minor">
+            <a:schemeClr val="lt1"/>
+          </a:fontRef>
+        </p:style>
+        <p:txBody>
+          <a:bodyPr rtlCol="0" anchor="ctr"/>
+          <a:lstStyle/>
+          <a:p>
+            <a:pPr algn="ctr"/>
+            <a:endParaRPr lang="en-US" dirty="0"/>
+          </a:p>
+        </p:txBody>
+      </p:sp>
+      <p:sp>
+        <p:nvSpPr>
+          <p:cNvPr id="1050" name="Hexagon 1049">
+            <a:extLst>
+              <a:ext uri="{FF2B5EF4-FFF2-40B4-BE49-F238E27FC236}">
+                <a16:creationId xmlns:a16="http://schemas.microsoft.com/office/drawing/2014/main" id="{70D2298F-7505-8383-97B8-EEAD8289CED8}"/>
+              </a:ext>
+            </a:extLst>
+          </p:cNvPr>
+          <p:cNvSpPr>
+            <a:spLocks noChangeAspect="1"/>
+          </p:cNvSpPr>
+          <p:nvPr/>
+        </p:nvSpPr>
+        <p:spPr>
+          <a:xfrm>
+            <a:off x="4550589" y="1565470"/>
+            <a:ext cx="1101061" cy="949191"/>
+          </a:xfrm>
+          <a:prstGeom prst="hexagon">
+            <a:avLst/>
+          </a:prstGeom>
+          <a:noFill/>
+          <a:ln w="38100">
+            <a:solidFill>
+              <a:srgbClr val="C00000"/>
+            </a:solidFill>
+          </a:ln>
+        </p:spPr>
+        <p:style>
+          <a:lnRef idx="2">
+            <a:schemeClr val="accent1">
+              <a:shade val="15000"/>
+            </a:schemeClr>
+          </a:lnRef>
+          <a:fillRef idx="1">
+            <a:schemeClr val="accent1"/>
+          </a:fillRef>
+          <a:effectRef idx="0">
+            <a:schemeClr val="accent1"/>
+          </a:effectRef>
+          <a:fontRef idx="minor">
+            <a:schemeClr val="lt1"/>
+          </a:fontRef>
+        </p:style>
+        <p:txBody>
+          <a:bodyPr rtlCol="0" anchor="ctr"/>
+          <a:lstStyle/>
+          <a:p>
+            <a:pPr algn="ctr"/>
+            <a:endParaRPr lang="en-US" dirty="0"/>
+          </a:p>
+        </p:txBody>
+      </p:sp>
+      <p:sp>
+        <p:nvSpPr>
+          <p:cNvPr id="1051" name="Hexagon 1050">
+            <a:extLst>
+              <a:ext uri="{FF2B5EF4-FFF2-40B4-BE49-F238E27FC236}">
+                <a16:creationId xmlns:a16="http://schemas.microsoft.com/office/drawing/2014/main" id="{DC63DC33-6F51-897F-07D6-CC39F55F7C19}"/>
+              </a:ext>
+            </a:extLst>
+          </p:cNvPr>
+          <p:cNvSpPr>
+            <a:spLocks noChangeAspect="1"/>
+          </p:cNvSpPr>
+          <p:nvPr/>
+        </p:nvSpPr>
+        <p:spPr>
+          <a:xfrm>
+            <a:off x="4550589" y="2524398"/>
+            <a:ext cx="1101061" cy="949191"/>
+          </a:xfrm>
+          <a:prstGeom prst="hexagon">
+            <a:avLst/>
+          </a:prstGeom>
+          <a:noFill/>
+          <a:ln w="38100">
+            <a:solidFill>
+              <a:srgbClr val="C00000"/>
+            </a:solidFill>
+          </a:ln>
+        </p:spPr>
+        <p:style>
+          <a:lnRef idx="2">
+            <a:schemeClr val="accent1">
+              <a:shade val="15000"/>
+            </a:schemeClr>
+          </a:lnRef>
+          <a:fillRef idx="1">
+            <a:schemeClr val="accent1"/>
+          </a:fillRef>
+          <a:effectRef idx="0">
+            <a:schemeClr val="accent1"/>
+          </a:effectRef>
+          <a:fontRef idx="minor">
+            <a:schemeClr val="lt1"/>
+          </a:fontRef>
+        </p:style>
+        <p:txBody>
+          <a:bodyPr rtlCol="0" anchor="ctr"/>
+          <a:lstStyle/>
+          <a:p>
+            <a:pPr algn="ctr"/>
+            <a:endParaRPr lang="en-US" dirty="0"/>
+          </a:p>
+        </p:txBody>
+      </p:sp>
+      <p:sp>
+        <p:nvSpPr>
+          <p:cNvPr id="1052" name="Hexagon 1051">
+            <a:extLst>
+              <a:ext uri="{FF2B5EF4-FFF2-40B4-BE49-F238E27FC236}">
+                <a16:creationId xmlns:a16="http://schemas.microsoft.com/office/drawing/2014/main" id="{A6BED701-B11E-C171-A218-15045EBA5BCB}"/>
+              </a:ext>
+            </a:extLst>
+          </p:cNvPr>
+          <p:cNvSpPr>
+            <a:spLocks noChangeAspect="1"/>
+          </p:cNvSpPr>
+          <p:nvPr/>
+        </p:nvSpPr>
+        <p:spPr>
+          <a:xfrm>
+            <a:off x="3694323" y="2032055"/>
+            <a:ext cx="1101061" cy="949191"/>
+          </a:xfrm>
+          <a:prstGeom prst="hexagon">
+            <a:avLst/>
+          </a:prstGeom>
+          <a:noFill/>
+          <a:ln w="38100">
+            <a:solidFill>
+              <a:srgbClr val="C00000"/>
+            </a:solidFill>
+          </a:ln>
+        </p:spPr>
+        <p:style>
+          <a:lnRef idx="2">
+            <a:schemeClr val="accent1">
+              <a:shade val="15000"/>
+            </a:schemeClr>
+          </a:lnRef>
+          <a:fillRef idx="1">
+            <a:schemeClr val="accent1"/>
+          </a:fillRef>
+          <a:effectRef idx="0">
+            <a:schemeClr val="accent1"/>
+          </a:effectRef>
+          <a:fontRef idx="minor">
+            <a:schemeClr val="lt1"/>
+          </a:fontRef>
+        </p:style>
+        <p:txBody>
+          <a:bodyPr rtlCol="0" anchor="ctr"/>
+          <a:lstStyle/>
+          <a:p>
+            <a:pPr algn="ctr"/>
+            <a:endParaRPr lang="en-US" dirty="0"/>
+          </a:p>
+        </p:txBody>
+      </p:sp>
+      <p:sp>
+        <p:nvSpPr>
+          <p:cNvPr id="1054" name="TextBox 1053">
+            <a:extLst>
+              <a:ext uri="{FF2B5EF4-FFF2-40B4-BE49-F238E27FC236}">
+                <a16:creationId xmlns:a16="http://schemas.microsoft.com/office/drawing/2014/main" id="{E16D4160-E2CF-117C-20CB-9D971F61732B}"/>
+              </a:ext>
+            </a:extLst>
+          </p:cNvPr>
+          <p:cNvSpPr txBox="1"/>
+          <p:nvPr/>
+        </p:nvSpPr>
+        <p:spPr>
+          <a:xfrm>
+            <a:off x="6836896" y="857059"/>
+            <a:ext cx="3090073" cy="461665"/>
+          </a:xfrm>
+          <a:prstGeom prst="rect">
+            <a:avLst/>
+          </a:prstGeom>
+          <a:noFill/>
+        </p:spPr>
+        <p:txBody>
+          <a:bodyPr wrap="square" rtlCol="0">
+            <a:spAutoFit/>
+          </a:bodyPr>
+          <a:lstStyle/>
+          <a:p>
+            <a:pPr algn="ctr"/>
+            <a:r>
+              <a:rPr lang="en-US" sz="2400" b="1" dirty="0"/>
+              <a:t>Padded PBC (Full FFT)</a:t>
+            </a:r>
+          </a:p>
+        </p:txBody>
+      </p:sp>
+      <p:sp>
+        <p:nvSpPr>
+          <p:cNvPr id="4" name="TextBox 3">
+            <a:extLst>
+              <a:ext uri="{FF2B5EF4-FFF2-40B4-BE49-F238E27FC236}">
+                <a16:creationId xmlns:a16="http://schemas.microsoft.com/office/drawing/2014/main" id="{E790C61F-5E95-A1FC-DF35-A2152D6F59F6}"/>
+              </a:ext>
+            </a:extLst>
+          </p:cNvPr>
+          <p:cNvSpPr txBox="1"/>
+          <p:nvPr/>
+        </p:nvSpPr>
+        <p:spPr>
+          <a:xfrm>
+            <a:off x="6445440" y="1667051"/>
+            <a:ext cx="5175060" cy="369332"/>
+          </a:xfrm>
+          <a:prstGeom prst="rect">
+            <a:avLst/>
+          </a:prstGeom>
+          <a:noFill/>
+        </p:spPr>
+        <p:txBody>
+          <a:bodyPr wrap="square" rtlCol="0">
+            <a:spAutoFit/>
+          </a:bodyPr>
+          <a:lstStyle/>
+          <a:p>
+            <a:r>
+              <a:rPr lang="en-US" dirty="0"/>
+              <a:t>Hexagons drawn for illustration of hexagon approach</a:t>
+            </a:r>
+          </a:p>
+        </p:txBody>
+      </p:sp>
+    </p:spTree>
+    <p:extLst>
+      <p:ext uri="{BB962C8B-B14F-4D97-AF65-F5344CB8AC3E}">
+        <p14:creationId xmlns:p14="http://schemas.microsoft.com/office/powerpoint/2010/main" val="775315718"/>
+      </p:ext>
+    </p:extLst>
+  </p:cSld>
+  <p:clrMapOvr>
+    <a:masterClrMapping/>
+  </p:clrMapOvr>
+</p:sld>
+</file>
+
+<file path=ppt/slides/slide11.xml><?xml version="1.0" encoding="utf-8"?>
+<p:sld xmlns:a="http://schemas.openxmlformats.org/drawingml/2006/main" xmlns:r="http://schemas.openxmlformats.org/officeDocument/2006/relationships" xmlns:p="http://schemas.openxmlformats.org/presentationml/2006/main">
+  <p:cSld>
+    <p:spTree>
+      <p:nvGrpSpPr>
+        <p:cNvPr id="1" name=""/>
+        <p:cNvGrpSpPr/>
+        <p:nvPr/>
+      </p:nvGrpSpPr>
+      <p:grpSpPr>
+        <a:xfrm>
+          <a:off x="0" y="0"/>
+          <a:ext cx="0" cy="0"/>
+          <a:chOff x="0" y="0"/>
+          <a:chExt cx="0" cy="0"/>
+        </a:xfrm>
+      </p:grpSpPr>
       <p:grpSp>
         <p:nvGrpSpPr>
           <p:cNvPr id="3123" name="Group 3122">
@@ -5904,7 +8087,7 @@
 </p:sld>
 </file>
 
-<file path=ppt/slides/slide11.xml><?xml version="1.0" encoding="utf-8"?>
+<file path=ppt/slides/slide12.xml><?xml version="1.0" encoding="utf-8"?>
 <p:sld xmlns:a="http://schemas.openxmlformats.org/drawingml/2006/main" xmlns:r="http://schemas.openxmlformats.org/officeDocument/2006/relationships" xmlns:p="http://schemas.openxmlformats.org/presentationml/2006/main">
   <p:cSld>
     <p:spTree>
@@ -8632,7 +10815,7 @@
                     <a:schemeClr val="bg1"/>
                   </a:solidFill>
                 </a:rPr>
-                <a:t>a020x075c010</a:t>
+                <a:t>a030x075c010</a:t>
               </a:r>
             </a:p>
           </p:txBody>
@@ -8652,8 +10835,8 @@
         </p:nvSpPr>
         <p:spPr>
           <a:xfrm>
-            <a:off x="8432800" y="198966"/>
-            <a:ext cx="3581400" cy="1067859"/>
+            <a:off x="7413506" y="135468"/>
+            <a:ext cx="3581400" cy="3738113"/>
           </a:xfrm>
           <a:prstGeom prst="rect">
             <a:avLst/>
@@ -8683,6 +10866,44 @@
             <a:r>
               <a:rPr lang="en-US" dirty="0"/>
               <a:t>Something wrong with PB</a:t>
+            </a:r>
+          </a:p>
+          <a:p>
+            <a:pPr marL="285750" indent="-285750" algn="ctr">
+              <a:buFont typeface="Arial" panose="020B0604020202020204" pitchFamily="34" charset="0"/>
+              <a:buChar char="•"/>
+            </a:pPr>
+            <a:r>
+              <a:rPr lang="en-US" dirty="0" err="1"/>
+              <a:t>eps_prof</a:t>
+            </a:r>
+            <a:r>
+              <a:rPr lang="en-US" dirty="0"/>
+              <a:t> fixed </a:t>
+            </a:r>
+          </a:p>
+          <a:p>
+            <a:pPr marL="285750" indent="-285750" algn="ctr">
+              <a:buFont typeface="Arial" panose="020B0604020202020204" pitchFamily="34" charset="0"/>
+              <a:buChar char="•"/>
+            </a:pPr>
+            <a:r>
+              <a:rPr lang="en-US" dirty="0" err="1"/>
+              <a:t>L_Deb</a:t>
+            </a:r>
+            <a:r>
+              <a:rPr lang="en-US" dirty="0"/>
+              <a:t> fixed</a:t>
+            </a:r>
+          </a:p>
+          <a:p>
+            <a:pPr marL="285750" indent="-285750" algn="ctr">
+              <a:buFont typeface="Arial" panose="020B0604020202020204" pitchFamily="34" charset="0"/>
+              <a:buChar char="•"/>
+            </a:pPr>
+            <a:r>
+              <a:rPr lang="en-US" dirty="0"/>
+              <a:t>RUNNING (08/21)</a:t>
             </a:r>
           </a:p>
         </p:txBody>
@@ -9428,7 +11649,7 @@
           <p:cNvPr id="2" name="Title 1">
             <a:extLst>
               <a:ext uri="{FF2B5EF4-FFF2-40B4-BE49-F238E27FC236}">
-                <a16:creationId xmlns:a16="http://schemas.microsoft.com/office/drawing/2014/main" id="{A42F1D30-274D-A5B8-3620-4DA31ECE8F5B}"/>
+                <a16:creationId xmlns:a16="http://schemas.microsoft.com/office/drawing/2014/main" id="{FABB0294-EC4A-B903-B05F-004BBC2B3CEC}"/>
               </a:ext>
             </a:extLst>
           </p:cNvPr>
@@ -9439,27 +11660,212 @@
             <p:ph type="title"/>
           </p:nvPr>
         </p:nvSpPr>
-        <p:spPr>
-          <a:xfrm>
-            <a:off x="448734" y="2766218"/>
-            <a:ext cx="10515600" cy="1325563"/>
-          </a:xfrm>
-        </p:spPr>
+        <p:spPr/>
         <p:txBody>
           <a:bodyPr/>
           <a:lstStyle/>
           <a:p>
             <a:r>
-              <a:rPr lang="en-US" b="1" dirty="0"/>
-              <a:t>Specifying Grafted Points</a:t>
-            </a:r>
+              <a:rPr lang="en-US" dirty="0"/>
+              <a:t>(temp) Y neutral</a:t>
+            </a:r>
+          </a:p>
+        </p:txBody>
+      </p:sp>
+      <p:grpSp>
+        <p:nvGrpSpPr>
+          <p:cNvPr id="3" name="Group 2">
+            <a:extLst>
+              <a:ext uri="{FF2B5EF4-FFF2-40B4-BE49-F238E27FC236}">
+                <a16:creationId xmlns:a16="http://schemas.microsoft.com/office/drawing/2014/main" id="{509B5C6C-BC80-2E63-AFE6-6CC74D413E0E}"/>
+              </a:ext>
+            </a:extLst>
+          </p:cNvPr>
+          <p:cNvGrpSpPr/>
+          <p:nvPr/>
+        </p:nvGrpSpPr>
+        <p:grpSpPr>
+          <a:xfrm>
+            <a:off x="8619007" y="160867"/>
+            <a:ext cx="3453697" cy="2097195"/>
+            <a:chOff x="6599322" y="1134534"/>
+            <a:chExt cx="4297279" cy="2609445"/>
+          </a:xfrm>
+        </p:grpSpPr>
+        <p:pic>
+          <p:nvPicPr>
+            <p:cNvPr id="4" name="Picture 3">
+              <a:extLst>
+                <a:ext uri="{FF2B5EF4-FFF2-40B4-BE49-F238E27FC236}">
+                  <a16:creationId xmlns:a16="http://schemas.microsoft.com/office/drawing/2014/main" id="{DC92C560-4A5B-B598-26BB-9980321C0976}"/>
+                </a:ext>
+              </a:extLst>
+            </p:cNvPr>
+            <p:cNvPicPr>
+              <a:picLocks noChangeAspect="1"/>
+            </p:cNvPicPr>
+            <p:nvPr/>
+          </p:nvPicPr>
+          <p:blipFill>
+            <a:blip r:embed="rId2"/>
+            <a:stretch>
+              <a:fillRect/>
+            </a:stretch>
+          </p:blipFill>
+          <p:spPr>
+            <a:xfrm>
+              <a:off x="6599322" y="1134534"/>
+              <a:ext cx="4297279" cy="2609445"/>
+            </a:xfrm>
+            <a:prstGeom prst="rect">
+              <a:avLst/>
+            </a:prstGeom>
+          </p:spPr>
+        </p:pic>
+        <p:sp>
+          <p:nvSpPr>
+            <p:cNvPr id="5" name="TextBox 4">
+              <a:extLst>
+                <a:ext uri="{FF2B5EF4-FFF2-40B4-BE49-F238E27FC236}">
+                  <a16:creationId xmlns:a16="http://schemas.microsoft.com/office/drawing/2014/main" id="{CD45A35E-2B6A-90A5-1A61-7E1056FE699C}"/>
+                </a:ext>
+              </a:extLst>
+            </p:cNvPr>
+            <p:cNvSpPr txBox="1"/>
+            <p:nvPr/>
+          </p:nvSpPr>
+          <p:spPr>
+            <a:xfrm>
+              <a:off x="9063628" y="1253853"/>
+              <a:ext cx="1775718" cy="727609"/>
+            </a:xfrm>
+            <a:prstGeom prst="rect">
+              <a:avLst/>
+            </a:prstGeom>
+            <a:noFill/>
+          </p:spPr>
+          <p:txBody>
+            <a:bodyPr wrap="square" rtlCol="0">
+              <a:spAutoFit/>
+            </a:bodyPr>
+            <a:lstStyle/>
+            <a:p>
+              <a:pPr algn="r"/>
+              <a:r>
+                <a:rPr lang="en-US" sz="1600" dirty="0">
+                  <a:solidFill>
+                    <a:schemeClr val="bg1"/>
+                  </a:solidFill>
+                </a:rPr>
+                <a:t>a000x075s002</a:t>
+              </a:r>
+            </a:p>
+            <a:p>
+              <a:pPr algn="r"/>
+              <a:r>
+                <a:rPr lang="en-US" sz="1600" dirty="0">
+                  <a:solidFill>
+                    <a:schemeClr val="bg1"/>
+                  </a:solidFill>
+                </a:rPr>
+                <a:t>Y1</a:t>
+              </a:r>
+            </a:p>
+          </p:txBody>
+        </p:sp>
+      </p:grpSp>
+      <p:sp>
+        <p:nvSpPr>
+          <p:cNvPr id="6" name="Rectangle 5">
+            <a:extLst>
+              <a:ext uri="{FF2B5EF4-FFF2-40B4-BE49-F238E27FC236}">
+                <a16:creationId xmlns:a16="http://schemas.microsoft.com/office/drawing/2014/main" id="{EF31E30A-C1FC-5286-B54A-D17992CBF318}"/>
+              </a:ext>
+            </a:extLst>
+          </p:cNvPr>
+          <p:cNvSpPr/>
+          <p:nvPr/>
+        </p:nvSpPr>
+        <p:spPr>
+          <a:xfrm>
+            <a:off x="8923867" y="2421467"/>
+            <a:ext cx="3022600" cy="1413933"/>
+          </a:xfrm>
+          <a:prstGeom prst="rect">
+            <a:avLst/>
+          </a:prstGeom>
+        </p:spPr>
+        <p:style>
+          <a:lnRef idx="2">
+            <a:schemeClr val="accent1">
+              <a:shade val="15000"/>
+            </a:schemeClr>
+          </a:lnRef>
+          <a:fillRef idx="1">
+            <a:schemeClr val="accent1"/>
+          </a:fillRef>
+          <a:effectRef idx="0">
+            <a:schemeClr val="accent1"/>
+          </a:effectRef>
+          <a:fontRef idx="minor">
+            <a:schemeClr val="lt1"/>
+          </a:fontRef>
+        </p:style>
+        <p:txBody>
+          <a:bodyPr rtlCol="0" anchor="ctr"/>
+          <a:lstStyle/>
+          <a:p>
+            <a:pPr algn="ctr"/>
+            <a:r>
+              <a:rPr lang="en-US" dirty="0" err="1"/>
+              <a:t>Gets.c</a:t>
+            </a:r>
+            <a:r>
+              <a:rPr lang="en-US" dirty="0"/>
+              <a:t> / </a:t>
+            </a:r>
+            <a:r>
+              <a:rPr lang="en-US" dirty="0" err="1"/>
+              <a:t>Int_PHA</a:t>
+            </a:r>
+            <a:r>
+              <a:rPr lang="en-US" dirty="0"/>
+              <a:t>_ </a:t>
+            </a:r>
+            <a:r>
+              <a:rPr lang="en-US" dirty="0" err="1"/>
+              <a:t>K_i</a:t>
+            </a:r>
+            <a:r>
+              <a:rPr lang="en-US" dirty="0"/>
+              <a:t>[X] </a:t>
+            </a:r>
+            <a:r>
+              <a:rPr lang="en-US" dirty="0">
+                <a:sym typeface="Wingdings" panose="05000000000000000000" pitchFamily="2" charset="2"/>
+              </a:rPr>
+              <a:t> </a:t>
+            </a:r>
+            <a:r>
+              <a:rPr lang="en-US" dirty="0" err="1">
+                <a:sym typeface="Wingdings" panose="05000000000000000000" pitchFamily="2" charset="2"/>
+              </a:rPr>
+              <a:t>K_i</a:t>
+            </a:r>
+            <a:r>
+              <a:rPr lang="en-US" dirty="0">
+                <a:sym typeface="Wingdings" panose="05000000000000000000" pitchFamily="2" charset="2"/>
+              </a:rPr>
+              <a:t>[Y] fixed</a:t>
+            </a:r>
+            <a:endParaRPr lang="en-US" dirty="0"/>
           </a:p>
         </p:txBody>
       </p:sp>
     </p:spTree>
     <p:extLst>
       <p:ext uri="{BB962C8B-B14F-4D97-AF65-F5344CB8AC3E}">
-        <p14:creationId xmlns:p14="http://schemas.microsoft.com/office/powerpoint/2010/main" val="896468000"/>
+        <p14:creationId xmlns:p14="http://schemas.microsoft.com/office/powerpoint/2010/main" val="829119575"/>
       </p:ext>
     </p:extLst>
   </p:cSld>
@@ -9491,7 +11897,7 @@
           <p:cNvPr id="2" name="Title 1">
             <a:extLst>
               <a:ext uri="{FF2B5EF4-FFF2-40B4-BE49-F238E27FC236}">
-                <a16:creationId xmlns:a16="http://schemas.microsoft.com/office/drawing/2014/main" id="{EC7A1061-086B-35E4-61C1-83C328D5548E}"/>
+                <a16:creationId xmlns:a16="http://schemas.microsoft.com/office/drawing/2014/main" id="{A42F1D30-274D-A5B8-3620-4DA31ECE8F5B}"/>
               </a:ext>
             </a:extLst>
           </p:cNvPr>
@@ -9502,247 +11908,19 @@
             <p:ph type="title"/>
           </p:nvPr>
         </p:nvSpPr>
-        <p:spPr/>
+        <p:spPr>
+          <a:xfrm>
+            <a:off x="448734" y="2766218"/>
+            <a:ext cx="10515600" cy="1325563"/>
+          </a:xfrm>
+        </p:spPr>
         <p:txBody>
           <a:bodyPr/>
           <a:lstStyle/>
           <a:p>
             <a:r>
-              <a:rPr lang="en-US" dirty="0"/>
-              <a:t>Strategy</a:t>
-            </a:r>
-          </a:p>
-        </p:txBody>
-      </p:sp>
-      <p:sp>
-        <p:nvSpPr>
-          <p:cNvPr id="3" name="TextBox 2">
-            <a:extLst>
-              <a:ext uri="{FF2B5EF4-FFF2-40B4-BE49-F238E27FC236}">
-                <a16:creationId xmlns:a16="http://schemas.microsoft.com/office/drawing/2014/main" id="{66A4566B-D26D-18F7-2769-748D7813228B}"/>
-              </a:ext>
-            </a:extLst>
-          </p:cNvPr>
-          <p:cNvSpPr txBox="1"/>
-          <p:nvPr/>
-        </p:nvSpPr>
-        <p:spPr>
-          <a:xfrm>
-            <a:off x="714374" y="1895475"/>
-            <a:ext cx="7810500" cy="646331"/>
-          </a:xfrm>
-          <a:prstGeom prst="rect">
-            <a:avLst/>
-          </a:prstGeom>
-          <a:noFill/>
-        </p:spPr>
-        <p:txBody>
-          <a:bodyPr wrap="square" rtlCol="0">
-            <a:spAutoFit/>
-          </a:bodyPr>
-          <a:lstStyle/>
-          <a:p>
-            <a:r>
-              <a:rPr lang="en-US" dirty="0"/>
-              <a:t>2D binary array for surface sites of homogeneously grafted polymer given grafting density, simulation box size, and discretization (and assuming dx = </a:t>
-            </a:r>
-            <a:r>
-              <a:rPr lang="en-US" dirty="0" err="1"/>
-              <a:t>dy</a:t>
-            </a:r>
-            <a:r>
-              <a:rPr lang="en-US" dirty="0"/>
-              <a:t>)</a:t>
-            </a:r>
-          </a:p>
-        </p:txBody>
-      </p:sp>
-      <p:sp>
-        <p:nvSpPr>
-          <p:cNvPr id="4" name="TextBox 3">
-            <a:extLst>
-              <a:ext uri="{FF2B5EF4-FFF2-40B4-BE49-F238E27FC236}">
-                <a16:creationId xmlns:a16="http://schemas.microsoft.com/office/drawing/2014/main" id="{14B153E5-948B-4D25-2B1C-2231E4E7EBA6}"/>
-              </a:ext>
-            </a:extLst>
-          </p:cNvPr>
-          <p:cNvSpPr txBox="1"/>
-          <p:nvPr/>
-        </p:nvSpPr>
-        <p:spPr>
-          <a:xfrm>
-            <a:off x="714374" y="2776538"/>
-            <a:ext cx="11077575" cy="646331"/>
-          </a:xfrm>
-          <a:prstGeom prst="rect">
-            <a:avLst/>
-          </a:prstGeom>
-          <a:noFill/>
-        </p:spPr>
-        <p:txBody>
-          <a:bodyPr wrap="square" rtlCol="0">
-            <a:spAutoFit/>
-          </a:bodyPr>
-          <a:lstStyle/>
-          <a:p>
-            <a:r>
-              <a:rPr lang="en-US" dirty="0" err="1"/>
-              <a:t>Fullspace</a:t>
-            </a:r>
-            <a:r>
-              <a:rPr lang="en-US" dirty="0"/>
-              <a:t> must be periodic on x0 = </a:t>
-            </a:r>
-            <a:r>
-              <a:rPr lang="en-US" dirty="0" err="1"/>
-              <a:t>xL</a:t>
-            </a:r>
-            <a:r>
-              <a:rPr lang="en-US" dirty="0"/>
-              <a:t>, y0 = </a:t>
-            </a:r>
-            <a:r>
-              <a:rPr lang="en-US" dirty="0" err="1"/>
-              <a:t>yL</a:t>
-            </a:r>
-            <a:endParaRPr lang="en-US" dirty="0"/>
-          </a:p>
-          <a:p>
-            <a:r>
-              <a:rPr lang="en-US" dirty="0" err="1"/>
-              <a:t>Halfspace</a:t>
-            </a:r>
-            <a:r>
-              <a:rPr lang="en-US" dirty="0"/>
-              <a:t> must be even on </a:t>
-            </a:r>
-            <a:r>
-              <a:rPr lang="en-US" dirty="0" err="1"/>
-              <a:t>xL</a:t>
-            </a:r>
-            <a:r>
-              <a:rPr lang="en-US" dirty="0"/>
-              <a:t>/2 and </a:t>
-            </a:r>
-            <a:r>
-              <a:rPr lang="en-US" dirty="0" err="1"/>
-              <a:t>yL</a:t>
-            </a:r>
-            <a:r>
-              <a:rPr lang="en-US" dirty="0"/>
-              <a:t>/2 (overlap of boundary following REDFT00) and periodic on x0 = </a:t>
-            </a:r>
-            <a:r>
-              <a:rPr lang="en-US" dirty="0" err="1"/>
-              <a:t>xL</a:t>
-            </a:r>
-            <a:r>
-              <a:rPr lang="en-US" dirty="0"/>
-              <a:t>, y0 = </a:t>
-            </a:r>
-            <a:r>
-              <a:rPr lang="en-US" dirty="0" err="1"/>
-              <a:t>yL</a:t>
-            </a:r>
-            <a:r>
-              <a:rPr lang="en-US" dirty="0"/>
-              <a:t>.</a:t>
-            </a:r>
-          </a:p>
-        </p:txBody>
-      </p:sp>
-      <p:sp>
-        <p:nvSpPr>
-          <p:cNvPr id="5" name="TextBox 4">
-            <a:extLst>
-              <a:ext uri="{FF2B5EF4-FFF2-40B4-BE49-F238E27FC236}">
-                <a16:creationId xmlns:a16="http://schemas.microsoft.com/office/drawing/2014/main" id="{97078C71-47DB-0D25-8BE5-AD0C9CC3C9FD}"/>
-              </a:ext>
-            </a:extLst>
-          </p:cNvPr>
-          <p:cNvSpPr txBox="1"/>
-          <p:nvPr/>
-        </p:nvSpPr>
-        <p:spPr>
-          <a:xfrm>
-            <a:off x="714373" y="3812426"/>
-            <a:ext cx="11077575" cy="369332"/>
-          </a:xfrm>
-          <a:prstGeom prst="rect">
-            <a:avLst/>
-          </a:prstGeom>
-          <a:noFill/>
-        </p:spPr>
-        <p:txBody>
-          <a:bodyPr wrap="square" rtlCol="0">
-            <a:spAutoFit/>
-          </a:bodyPr>
-          <a:lstStyle/>
-          <a:p>
-            <a:r>
-              <a:rPr lang="en-US" dirty="0"/>
-              <a:t>Homogeneous spacing as determined by regular hexagon, where grafting point at centroid of hexagon</a:t>
-            </a:r>
-          </a:p>
-        </p:txBody>
-      </p:sp>
-      <p:sp>
-        <p:nvSpPr>
-          <p:cNvPr id="6" name="TextBox 5">
-            <a:extLst>
-              <a:ext uri="{FF2B5EF4-FFF2-40B4-BE49-F238E27FC236}">
-                <a16:creationId xmlns:a16="http://schemas.microsoft.com/office/drawing/2014/main" id="{067DDA30-EAF3-09E5-D289-BD5F06EA216D}"/>
-              </a:ext>
-            </a:extLst>
-          </p:cNvPr>
-          <p:cNvSpPr txBox="1"/>
-          <p:nvPr/>
-        </p:nvSpPr>
-        <p:spPr>
-          <a:xfrm>
-            <a:off x="714372" y="4508719"/>
-            <a:ext cx="11077575" cy="923330"/>
-          </a:xfrm>
-          <a:prstGeom prst="rect">
-            <a:avLst/>
-          </a:prstGeom>
-          <a:noFill/>
-        </p:spPr>
-        <p:txBody>
-          <a:bodyPr wrap="square" rtlCol="0">
-            <a:spAutoFit/>
-          </a:bodyPr>
-          <a:lstStyle/>
-          <a:p>
-            <a:r>
-              <a:rPr lang="en-US" dirty="0"/>
-              <a:t>In case there are edge effects, try shifting the centroids away from the boundaries of the </a:t>
-            </a:r>
-            <a:r>
-              <a:rPr lang="en-US" dirty="0" err="1"/>
-              <a:t>xy</a:t>
-            </a:r>
-            <a:r>
-              <a:rPr lang="en-US" dirty="0"/>
-              <a:t>-plane (only did for </a:t>
-            </a:r>
-            <a:r>
-              <a:rPr lang="en-US" dirty="0" err="1"/>
-              <a:t>fullspace</a:t>
-            </a:r>
-            <a:r>
-              <a:rPr lang="en-US" dirty="0"/>
-              <a:t>)</a:t>
-            </a:r>
-          </a:p>
-          <a:p>
-            <a:pPr marL="285750" indent="-285750">
-              <a:buFont typeface="Arial" panose="020B0604020202020204" pitchFamily="34" charset="0"/>
-              <a:buChar char="•"/>
-            </a:pPr>
-            <a:r>
-              <a:rPr lang="en-US" dirty="0"/>
-              <a:t>Make sure no edge effects by comparing results of full FFT with cos FFT</a:t>
+              <a:rPr lang="en-US" b="1" dirty="0"/>
+              <a:t>Specifying Grafted Points</a:t>
             </a:r>
           </a:p>
         </p:txBody>
@@ -9750,7 +11928,7 @@
     </p:spTree>
     <p:extLst>
       <p:ext uri="{BB962C8B-B14F-4D97-AF65-F5344CB8AC3E}">
-        <p14:creationId xmlns:p14="http://schemas.microsoft.com/office/powerpoint/2010/main" val="1764039423"/>
+        <p14:creationId xmlns:p14="http://schemas.microsoft.com/office/powerpoint/2010/main" val="896468000"/>
       </p:ext>
     </p:extLst>
   </p:cSld>
@@ -9782,7 +11960,7 @@
           <p:cNvPr id="2" name="Title 1">
             <a:extLst>
               <a:ext uri="{FF2B5EF4-FFF2-40B4-BE49-F238E27FC236}">
-                <a16:creationId xmlns:a16="http://schemas.microsoft.com/office/drawing/2014/main" id="{A3926BC3-A860-346A-4F58-1EE4C3E7FB0F}"/>
+                <a16:creationId xmlns:a16="http://schemas.microsoft.com/office/drawing/2014/main" id="{EC7A1061-086B-35E4-61C1-83C328D5548E}"/>
               </a:ext>
             </a:extLst>
           </p:cNvPr>
@@ -9800,7 +11978,7 @@
           <a:p>
             <a:r>
               <a:rPr lang="en-US" dirty="0"/>
-              <a:t>Test conditions</a:t>
+              <a:t>Strategy</a:t>
             </a:r>
           </a:p>
         </p:txBody>
@@ -9810,7 +11988,7 @@
           <p:cNvPr id="3" name="TextBox 2">
             <a:extLst>
               <a:ext uri="{FF2B5EF4-FFF2-40B4-BE49-F238E27FC236}">
-                <a16:creationId xmlns:a16="http://schemas.microsoft.com/office/drawing/2014/main" id="{A00B5138-8D53-B196-C54A-B372D20698D0}"/>
+                <a16:creationId xmlns:a16="http://schemas.microsoft.com/office/drawing/2014/main" id="{66A4566B-D26D-18F7-2769-748D7813228B}"/>
               </a:ext>
             </a:extLst>
           </p:cNvPr>
@@ -9819,8 +11997,8 @@
         </p:nvSpPr>
         <p:spPr>
           <a:xfrm>
-            <a:off x="1192695" y="2186609"/>
-            <a:ext cx="7026965" cy="1200329"/>
+            <a:off x="714374" y="1895475"/>
+            <a:ext cx="7810500" cy="646331"/>
           </a:xfrm>
           <a:prstGeom prst="rect">
             <a:avLst/>
@@ -9835,25 +12013,15 @@
           <a:p>
             <a:r>
               <a:rPr lang="en-US" dirty="0"/>
-              <a:t>Sigma = 0.05 c/nm2</a:t>
-            </a:r>
-          </a:p>
-          <a:p>
+              <a:t>2D binary array for surface sites of homogeneously grafted polymer given grafting density, simulation box size, and discretization (and assuming dx = </a:t>
+            </a:r>
+            <a:r>
+              <a:rPr lang="en-US" dirty="0" err="1"/>
+              <a:t>dy</a:t>
+            </a:r>
             <a:r>
               <a:rPr lang="en-US" dirty="0"/>
-              <a:t>Lx = 15 nm</a:t>
-            </a:r>
-          </a:p>
-          <a:p>
-            <a:r>
-              <a:rPr lang="en-US" dirty="0"/>
-              <a:t>Ly = 15 nm</a:t>
-            </a:r>
-          </a:p>
-          <a:p>
-            <a:r>
-              <a:rPr lang="en-US" dirty="0"/>
-              <a:t>dx = 0.4 nm</a:t>
+              <a:t>)</a:t>
             </a:r>
           </a:p>
         </p:txBody>
@@ -9863,7 +12031,7 @@
           <p:cNvPr id="4" name="TextBox 3">
             <a:extLst>
               <a:ext uri="{FF2B5EF4-FFF2-40B4-BE49-F238E27FC236}">
-                <a16:creationId xmlns:a16="http://schemas.microsoft.com/office/drawing/2014/main" id="{431FD48E-52DE-AC6E-5D2D-A03BFCBE0CEE}"/>
+                <a16:creationId xmlns:a16="http://schemas.microsoft.com/office/drawing/2014/main" id="{14B153E5-948B-4D25-2B1C-2231E4E7EBA6}"/>
               </a:ext>
             </a:extLst>
           </p:cNvPr>
@@ -9872,8 +12040,8 @@
         </p:nvSpPr>
         <p:spPr>
           <a:xfrm>
-            <a:off x="1192694" y="3776869"/>
-            <a:ext cx="7026965" cy="1754326"/>
+            <a:off x="714374" y="2776538"/>
+            <a:ext cx="11077575" cy="646331"/>
           </a:xfrm>
           <a:prstGeom prst="rect">
             <a:avLst/>
@@ -9887,35 +12055,163 @@
           <a:lstStyle/>
           <a:p>
             <a:r>
+              <a:rPr lang="en-US" dirty="0" err="1"/>
+              <a:t>Fullspace</a:t>
+            </a:r>
+            <a:r>
               <a:rPr lang="en-US" dirty="0"/>
-              <a:t>Cast in terms of dx (for rounding and PBC for grafting points): </a:t>
-            </a:r>
-          </a:p>
-          <a:p>
+              <a:t> must be periodic on x0 = </a:t>
+            </a:r>
+            <a:r>
+              <a:rPr lang="en-US" dirty="0" err="1"/>
+              <a:t>xL</a:t>
+            </a:r>
             <a:r>
               <a:rPr lang="en-US" dirty="0"/>
-              <a:t>	Sigma = 0.0668 c/nm2</a:t>
-            </a:r>
-          </a:p>
-          <a:p>
+              <a:t>, y0 = </a:t>
+            </a:r>
+            <a:r>
+              <a:rPr lang="en-US" dirty="0" err="1"/>
+              <a:t>yL</a:t>
+            </a:r>
+            <a:endParaRPr lang="en-US" dirty="0"/>
+          </a:p>
+          <a:p>
+            <a:r>
+              <a:rPr lang="en-US" dirty="0" err="1"/>
+              <a:t>Halfspace</a:t>
+            </a:r>
             <a:r>
               <a:rPr lang="en-US" dirty="0"/>
-              <a:t>	Lx = 14.80 nm</a:t>
-            </a:r>
-          </a:p>
-          <a:p>
+              <a:t> must be even on </a:t>
+            </a:r>
+            <a:r>
+              <a:rPr lang="en-US" dirty="0" err="1"/>
+              <a:t>xL</a:t>
+            </a:r>
             <a:r>
               <a:rPr lang="en-US" dirty="0"/>
-              <a:t>	Ly = 11.20 nm</a:t>
-            </a:r>
-          </a:p>
-          <a:p>
-            <a:endParaRPr lang="en-US" dirty="0"/>
-          </a:p>
-          <a:p>
+              <a:t>/2 and </a:t>
+            </a:r>
+            <a:r>
+              <a:rPr lang="en-US" dirty="0" err="1"/>
+              <a:t>yL</a:t>
+            </a:r>
             <a:r>
               <a:rPr lang="en-US" dirty="0"/>
-              <a:t>(Sigma error decrease with dx)</a:t>
+              <a:t>/2 (overlap of boundary following REDFT00) and periodic on x0 = </a:t>
+            </a:r>
+            <a:r>
+              <a:rPr lang="en-US" dirty="0" err="1"/>
+              <a:t>xL</a:t>
+            </a:r>
+            <a:r>
+              <a:rPr lang="en-US" dirty="0"/>
+              <a:t>, y0 = </a:t>
+            </a:r>
+            <a:r>
+              <a:rPr lang="en-US" dirty="0" err="1"/>
+              <a:t>yL</a:t>
+            </a:r>
+            <a:r>
+              <a:rPr lang="en-US" dirty="0"/>
+              <a:t>.</a:t>
+            </a:r>
+          </a:p>
+        </p:txBody>
+      </p:sp>
+      <p:sp>
+        <p:nvSpPr>
+          <p:cNvPr id="5" name="TextBox 4">
+            <a:extLst>
+              <a:ext uri="{FF2B5EF4-FFF2-40B4-BE49-F238E27FC236}">
+                <a16:creationId xmlns:a16="http://schemas.microsoft.com/office/drawing/2014/main" id="{97078C71-47DB-0D25-8BE5-AD0C9CC3C9FD}"/>
+              </a:ext>
+            </a:extLst>
+          </p:cNvPr>
+          <p:cNvSpPr txBox="1"/>
+          <p:nvPr/>
+        </p:nvSpPr>
+        <p:spPr>
+          <a:xfrm>
+            <a:off x="714373" y="3812426"/>
+            <a:ext cx="11077575" cy="369332"/>
+          </a:xfrm>
+          <a:prstGeom prst="rect">
+            <a:avLst/>
+          </a:prstGeom>
+          <a:noFill/>
+        </p:spPr>
+        <p:txBody>
+          <a:bodyPr wrap="square" rtlCol="0">
+            <a:spAutoFit/>
+          </a:bodyPr>
+          <a:lstStyle/>
+          <a:p>
+            <a:r>
+              <a:rPr lang="en-US" dirty="0"/>
+              <a:t>Homogeneous spacing as determined by regular hexagon, where grafting point at centroid of hexagon</a:t>
+            </a:r>
+          </a:p>
+        </p:txBody>
+      </p:sp>
+      <p:sp>
+        <p:nvSpPr>
+          <p:cNvPr id="6" name="TextBox 5">
+            <a:extLst>
+              <a:ext uri="{FF2B5EF4-FFF2-40B4-BE49-F238E27FC236}">
+                <a16:creationId xmlns:a16="http://schemas.microsoft.com/office/drawing/2014/main" id="{067DDA30-EAF3-09E5-D289-BD5F06EA216D}"/>
+              </a:ext>
+            </a:extLst>
+          </p:cNvPr>
+          <p:cNvSpPr txBox="1"/>
+          <p:nvPr/>
+        </p:nvSpPr>
+        <p:spPr>
+          <a:xfrm>
+            <a:off x="714372" y="4508719"/>
+            <a:ext cx="11077575" cy="923330"/>
+          </a:xfrm>
+          <a:prstGeom prst="rect">
+            <a:avLst/>
+          </a:prstGeom>
+          <a:noFill/>
+        </p:spPr>
+        <p:txBody>
+          <a:bodyPr wrap="square" rtlCol="0">
+            <a:spAutoFit/>
+          </a:bodyPr>
+          <a:lstStyle/>
+          <a:p>
+            <a:r>
+              <a:rPr lang="en-US" dirty="0"/>
+              <a:t>In case there are edge effects, try shifting the centroids away from the boundaries of the </a:t>
+            </a:r>
+            <a:r>
+              <a:rPr lang="en-US" dirty="0" err="1"/>
+              <a:t>xy</a:t>
+            </a:r>
+            <a:r>
+              <a:rPr lang="en-US" dirty="0"/>
+              <a:t>-plane (only did for </a:t>
+            </a:r>
+            <a:r>
+              <a:rPr lang="en-US" dirty="0" err="1"/>
+              <a:t>fullspace</a:t>
+            </a:r>
+            <a:r>
+              <a:rPr lang="en-US" dirty="0"/>
+              <a:t>)</a:t>
+            </a:r>
+          </a:p>
+          <a:p>
+            <a:pPr marL="285750" indent="-285750">
+              <a:buFont typeface="Arial" panose="020B0604020202020204" pitchFamily="34" charset="0"/>
+              <a:buChar char="•"/>
+            </a:pPr>
+            <a:r>
+              <a:rPr lang="en-US" dirty="0"/>
+              <a:t>Make sure no edge effects by comparing results of full FFT with cos FFT</a:t>
             </a:r>
           </a:p>
         </p:txBody>
@@ -9923,7 +12219,7 @@
     </p:spTree>
     <p:extLst>
       <p:ext uri="{BB962C8B-B14F-4D97-AF65-F5344CB8AC3E}">
-        <p14:creationId xmlns:p14="http://schemas.microsoft.com/office/powerpoint/2010/main" val="782308025"/>
+        <p14:creationId xmlns:p14="http://schemas.microsoft.com/office/powerpoint/2010/main" val="1764039423"/>
       </p:ext>
     </p:extLst>
   </p:cSld>
@@ -9950,2093 +12246,40 @@
           <a:chExt cx="0" cy="0"/>
         </a:xfrm>
       </p:grpSpPr>
-      <p:pic>
-        <p:nvPicPr>
-          <p:cNvPr id="2" name="Picture 8">
-            <a:extLst>
-              <a:ext uri="{FF2B5EF4-FFF2-40B4-BE49-F238E27FC236}">
-                <a16:creationId xmlns:a16="http://schemas.microsoft.com/office/drawing/2014/main" id="{0942303E-AC1F-10F0-8287-CEA51A87AFA1}"/>
-              </a:ext>
-            </a:extLst>
-          </p:cNvPr>
-          <p:cNvPicPr>
-            <a:picLocks noChangeAspect="1" noChangeArrowheads="1"/>
-          </p:cNvPicPr>
-          <p:nvPr/>
-        </p:nvPicPr>
-        <p:blipFill>
-          <a:blip r:embed="rId2">
-            <a:extLst>
-              <a:ext uri="{28A0092B-C50C-407E-A947-70E740481C1C}">
-                <a14:useLocalDpi xmlns:a14="http://schemas.microsoft.com/office/drawing/2010/main" val="0"/>
-              </a:ext>
-            </a:extLst>
-          </a:blip>
-          <a:srcRect/>
-          <a:stretch>
-            <a:fillRect/>
-          </a:stretch>
-        </p:blipFill>
-        <p:spPr bwMode="auto">
-          <a:xfrm>
-            <a:off x="5292743" y="3203809"/>
-            <a:ext cx="3992646" cy="3472219"/>
-          </a:xfrm>
-          <a:prstGeom prst="rect">
-            <a:avLst/>
-          </a:prstGeom>
-          <a:noFill/>
-          <a:extLst>
-            <a:ext uri="{909E8E84-426E-40DD-AFC4-6F175D3DCCD1}">
-              <a14:hiddenFill xmlns:a14="http://schemas.microsoft.com/office/drawing/2010/main">
-                <a:solidFill>
-                  <a:srgbClr val="FFFFFF"/>
-                </a:solidFill>
-              </a14:hiddenFill>
-            </a:ext>
-          </a:extLst>
-        </p:spPr>
-      </p:pic>
-      <p:pic>
-        <p:nvPicPr>
-          <p:cNvPr id="3" name="Picture 8">
-            <a:extLst>
-              <a:ext uri="{FF2B5EF4-FFF2-40B4-BE49-F238E27FC236}">
-                <a16:creationId xmlns:a16="http://schemas.microsoft.com/office/drawing/2014/main" id="{3D1364F1-8E30-980B-97F9-DAB3A4D50979}"/>
-              </a:ext>
-            </a:extLst>
-          </p:cNvPr>
-          <p:cNvPicPr>
-            <a:picLocks noChangeAspect="1" noChangeArrowheads="1"/>
-          </p:cNvPicPr>
-          <p:nvPr/>
-        </p:nvPicPr>
-        <p:blipFill rotWithShape="1">
-          <a:blip r:embed="rId2">
-            <a:extLst>
-              <a:ext uri="{28A0092B-C50C-407E-A947-70E740481C1C}">
-                <a14:useLocalDpi xmlns:a14="http://schemas.microsoft.com/office/drawing/2010/main" val="0"/>
-              </a:ext>
-            </a:extLst>
-          </a:blip>
-          <a:srcRect r="1712"/>
-          <a:stretch/>
-        </p:blipFill>
-        <p:spPr bwMode="auto">
-          <a:xfrm>
-            <a:off x="1822262" y="256141"/>
-            <a:ext cx="3924300" cy="3472219"/>
-          </a:xfrm>
-          <a:prstGeom prst="rect">
-            <a:avLst/>
-          </a:prstGeom>
-          <a:noFill/>
-          <a:extLst>
-            <a:ext uri="{909E8E84-426E-40DD-AFC4-6F175D3DCCD1}">
-              <a14:hiddenFill xmlns:a14="http://schemas.microsoft.com/office/drawing/2010/main">
-                <a:solidFill>
-                  <a:srgbClr val="FFFFFF"/>
-                </a:solidFill>
-              </a14:hiddenFill>
-            </a:ext>
-          </a:extLst>
-        </p:spPr>
-      </p:pic>
-      <p:pic>
-        <p:nvPicPr>
-          <p:cNvPr id="5128" name="Picture 8">
-            <a:extLst>
-              <a:ext uri="{FF2B5EF4-FFF2-40B4-BE49-F238E27FC236}">
-                <a16:creationId xmlns:a16="http://schemas.microsoft.com/office/drawing/2014/main" id="{ED191988-4743-BC45-910E-FD3AAF0325D3}"/>
-              </a:ext>
-            </a:extLst>
-          </p:cNvPr>
-          <p:cNvPicPr>
-            <a:picLocks noChangeAspect="1" noChangeArrowheads="1"/>
-          </p:cNvPicPr>
-          <p:nvPr/>
-        </p:nvPicPr>
-        <p:blipFill rotWithShape="1">
-          <a:blip r:embed="rId2">
-            <a:extLst>
-              <a:ext uri="{28A0092B-C50C-407E-A947-70E740481C1C}">
-                <a14:useLocalDpi xmlns:a14="http://schemas.microsoft.com/office/drawing/2010/main" val="0"/>
-              </a:ext>
-            </a:extLst>
-          </a:blip>
-          <a:srcRect t="2462" r="1712"/>
-          <a:stretch/>
-        </p:blipFill>
-        <p:spPr bwMode="auto">
-          <a:xfrm>
-            <a:off x="1819275" y="3289300"/>
-            <a:ext cx="3924300" cy="3386729"/>
-          </a:xfrm>
-          <a:prstGeom prst="rect">
-            <a:avLst/>
-          </a:prstGeom>
-          <a:noFill/>
-          <a:extLst>
-            <a:ext uri="{909E8E84-426E-40DD-AFC4-6F175D3DCCD1}">
-              <a14:hiddenFill xmlns:a14="http://schemas.microsoft.com/office/drawing/2010/main">
-                <a:solidFill>
-                  <a:srgbClr val="FFFFFF"/>
-                </a:solidFill>
-              </a14:hiddenFill>
-            </a:ext>
-          </a:extLst>
-        </p:spPr>
-      </p:pic>
-      <p:sp>
-        <p:nvSpPr>
-          <p:cNvPr id="23" name="Hexagon 22">
-            <a:extLst>
-              <a:ext uri="{FF2B5EF4-FFF2-40B4-BE49-F238E27FC236}">
-                <a16:creationId xmlns:a16="http://schemas.microsoft.com/office/drawing/2014/main" id="{95F6E8AA-E51C-EF11-9603-A8A2058FEBC7}"/>
-              </a:ext>
-            </a:extLst>
-          </p:cNvPr>
-          <p:cNvSpPr>
-            <a:spLocks noChangeAspect="1"/>
-          </p:cNvSpPr>
-          <p:nvPr/>
-        </p:nvSpPr>
-        <p:spPr>
-          <a:xfrm>
-            <a:off x="1974615" y="2968935"/>
-            <a:ext cx="1101061" cy="949191"/>
-          </a:xfrm>
-          <a:prstGeom prst="hexagon">
-            <a:avLst/>
-          </a:prstGeom>
-          <a:noFill/>
-          <a:ln w="38100">
-            <a:solidFill>
-              <a:srgbClr val="C00000"/>
-            </a:solidFill>
-          </a:ln>
-        </p:spPr>
-        <p:style>
-          <a:lnRef idx="2">
-            <a:schemeClr val="accent1">
-              <a:shade val="15000"/>
-            </a:schemeClr>
-          </a:lnRef>
-          <a:fillRef idx="1">
-            <a:schemeClr val="accent1"/>
-          </a:fillRef>
-          <a:effectRef idx="0">
-            <a:schemeClr val="accent1"/>
-          </a:effectRef>
-          <a:fontRef idx="minor">
-            <a:schemeClr val="lt1"/>
-          </a:fontRef>
-        </p:style>
-        <p:txBody>
-          <a:bodyPr rtlCol="0" anchor="ctr"/>
-          <a:lstStyle/>
-          <a:p>
-            <a:pPr algn="ctr"/>
-            <a:endParaRPr lang="en-US" dirty="0"/>
-          </a:p>
-        </p:txBody>
-      </p:sp>
-      <p:sp>
-        <p:nvSpPr>
-          <p:cNvPr id="24" name="Hexagon 23">
-            <a:extLst>
-              <a:ext uri="{FF2B5EF4-FFF2-40B4-BE49-F238E27FC236}">
-                <a16:creationId xmlns:a16="http://schemas.microsoft.com/office/drawing/2014/main" id="{E2137AB5-84C0-9474-6105-2C763501D3BA}"/>
-              </a:ext>
-            </a:extLst>
-          </p:cNvPr>
-          <p:cNvSpPr>
-            <a:spLocks noChangeAspect="1"/>
-          </p:cNvSpPr>
-          <p:nvPr/>
-        </p:nvSpPr>
-        <p:spPr>
-          <a:xfrm>
-            <a:off x="1967472" y="3921109"/>
-            <a:ext cx="1101061" cy="949191"/>
-          </a:xfrm>
-          <a:prstGeom prst="hexagon">
-            <a:avLst/>
-          </a:prstGeom>
-          <a:noFill/>
-          <a:ln w="38100">
-            <a:solidFill>
-              <a:srgbClr val="C00000"/>
-            </a:solidFill>
-          </a:ln>
-        </p:spPr>
-        <p:style>
-          <a:lnRef idx="2">
-            <a:schemeClr val="accent1">
-              <a:shade val="15000"/>
-            </a:schemeClr>
-          </a:lnRef>
-          <a:fillRef idx="1">
-            <a:schemeClr val="accent1"/>
-          </a:fillRef>
-          <a:effectRef idx="0">
-            <a:schemeClr val="accent1"/>
-          </a:effectRef>
-          <a:fontRef idx="minor">
-            <a:schemeClr val="lt1"/>
-          </a:fontRef>
-        </p:style>
-        <p:txBody>
-          <a:bodyPr rtlCol="0" anchor="ctr"/>
-          <a:lstStyle/>
-          <a:p>
-            <a:pPr algn="ctr"/>
-            <a:endParaRPr lang="en-US" dirty="0"/>
-          </a:p>
-        </p:txBody>
-      </p:sp>
-      <p:sp>
-        <p:nvSpPr>
-          <p:cNvPr id="25" name="Hexagon 24">
-            <a:extLst>
-              <a:ext uri="{FF2B5EF4-FFF2-40B4-BE49-F238E27FC236}">
-                <a16:creationId xmlns:a16="http://schemas.microsoft.com/office/drawing/2014/main" id="{F8C810D5-5537-7B6D-B440-1268350AA201}"/>
-              </a:ext>
-            </a:extLst>
-          </p:cNvPr>
-          <p:cNvSpPr>
-            <a:spLocks noChangeAspect="1"/>
-          </p:cNvSpPr>
-          <p:nvPr/>
-        </p:nvSpPr>
-        <p:spPr>
-          <a:xfrm>
-            <a:off x="1967472" y="4865749"/>
-            <a:ext cx="1101061" cy="949191"/>
-          </a:xfrm>
-          <a:prstGeom prst="hexagon">
-            <a:avLst/>
-          </a:prstGeom>
-          <a:noFill/>
-          <a:ln w="38100">
-            <a:solidFill>
-              <a:srgbClr val="C00000"/>
-            </a:solidFill>
-          </a:ln>
-        </p:spPr>
-        <p:style>
-          <a:lnRef idx="2">
-            <a:schemeClr val="accent1">
-              <a:shade val="15000"/>
-            </a:schemeClr>
-          </a:lnRef>
-          <a:fillRef idx="1">
-            <a:schemeClr val="accent1"/>
-          </a:fillRef>
-          <a:effectRef idx="0">
-            <a:schemeClr val="accent1"/>
-          </a:effectRef>
-          <a:fontRef idx="minor">
-            <a:schemeClr val="lt1"/>
-          </a:fontRef>
-        </p:style>
-        <p:txBody>
-          <a:bodyPr rtlCol="0" anchor="ctr"/>
-          <a:lstStyle/>
-          <a:p>
-            <a:pPr algn="ctr"/>
-            <a:endParaRPr lang="en-US" dirty="0"/>
-          </a:p>
-        </p:txBody>
-      </p:sp>
-      <p:sp>
-        <p:nvSpPr>
-          <p:cNvPr id="26" name="Hexagon 25">
-            <a:extLst>
-              <a:ext uri="{FF2B5EF4-FFF2-40B4-BE49-F238E27FC236}">
-                <a16:creationId xmlns:a16="http://schemas.microsoft.com/office/drawing/2014/main" id="{F77599D8-7767-A82D-07AA-3FB63B9BFD14}"/>
-              </a:ext>
-            </a:extLst>
-          </p:cNvPr>
-          <p:cNvSpPr>
-            <a:spLocks noChangeAspect="1"/>
-          </p:cNvSpPr>
-          <p:nvPr/>
-        </p:nvSpPr>
-        <p:spPr>
-          <a:xfrm>
-            <a:off x="2834107" y="5342618"/>
-            <a:ext cx="1101061" cy="949191"/>
-          </a:xfrm>
-          <a:prstGeom prst="hexagon">
-            <a:avLst/>
-          </a:prstGeom>
-          <a:noFill/>
-          <a:ln w="38100">
-            <a:solidFill>
-              <a:srgbClr val="C00000"/>
-            </a:solidFill>
-          </a:ln>
-        </p:spPr>
-        <p:style>
-          <a:lnRef idx="2">
-            <a:schemeClr val="accent1">
-              <a:shade val="15000"/>
-            </a:schemeClr>
-          </a:lnRef>
-          <a:fillRef idx="1">
-            <a:schemeClr val="accent1"/>
-          </a:fillRef>
-          <a:effectRef idx="0">
-            <a:schemeClr val="accent1"/>
-          </a:effectRef>
-          <a:fontRef idx="minor">
-            <a:schemeClr val="lt1"/>
-          </a:fontRef>
-        </p:style>
-        <p:txBody>
-          <a:bodyPr rtlCol="0" anchor="ctr"/>
-          <a:lstStyle/>
-          <a:p>
-            <a:pPr algn="ctr"/>
-            <a:endParaRPr lang="en-US" dirty="0"/>
-          </a:p>
-        </p:txBody>
-      </p:sp>
-      <p:sp>
-        <p:nvSpPr>
-          <p:cNvPr id="27" name="Hexagon 26">
-            <a:extLst>
-              <a:ext uri="{FF2B5EF4-FFF2-40B4-BE49-F238E27FC236}">
-                <a16:creationId xmlns:a16="http://schemas.microsoft.com/office/drawing/2014/main" id="{EDA58312-BC6C-10CE-D676-1A55FABD2974}"/>
-              </a:ext>
-            </a:extLst>
-          </p:cNvPr>
-          <p:cNvSpPr>
-            <a:spLocks noChangeAspect="1"/>
-          </p:cNvSpPr>
-          <p:nvPr/>
-        </p:nvSpPr>
-        <p:spPr>
-          <a:xfrm>
-            <a:off x="2834107" y="4397196"/>
-            <a:ext cx="1101061" cy="949191"/>
-          </a:xfrm>
-          <a:prstGeom prst="hexagon">
-            <a:avLst/>
-          </a:prstGeom>
-          <a:noFill/>
-          <a:ln w="38100">
-            <a:solidFill>
-              <a:srgbClr val="C00000"/>
-            </a:solidFill>
-          </a:ln>
-        </p:spPr>
-        <p:style>
-          <a:lnRef idx="2">
-            <a:schemeClr val="accent1">
-              <a:shade val="15000"/>
-            </a:schemeClr>
-          </a:lnRef>
-          <a:fillRef idx="1">
-            <a:schemeClr val="accent1"/>
-          </a:fillRef>
-          <a:effectRef idx="0">
-            <a:schemeClr val="accent1"/>
-          </a:effectRef>
-          <a:fontRef idx="minor">
-            <a:schemeClr val="lt1"/>
-          </a:fontRef>
-        </p:style>
-        <p:txBody>
-          <a:bodyPr rtlCol="0" anchor="ctr"/>
-          <a:lstStyle/>
-          <a:p>
-            <a:pPr algn="ctr"/>
-            <a:endParaRPr lang="en-US" dirty="0"/>
-          </a:p>
-        </p:txBody>
-      </p:sp>
-      <p:sp>
-        <p:nvSpPr>
-          <p:cNvPr id="28" name="Hexagon 27">
-            <a:extLst>
-              <a:ext uri="{FF2B5EF4-FFF2-40B4-BE49-F238E27FC236}">
-                <a16:creationId xmlns:a16="http://schemas.microsoft.com/office/drawing/2014/main" id="{500312F3-E150-1BF6-8E03-C5E66745B1B5}"/>
-              </a:ext>
-            </a:extLst>
-          </p:cNvPr>
-          <p:cNvSpPr>
-            <a:spLocks noChangeAspect="1"/>
-          </p:cNvSpPr>
-          <p:nvPr/>
-        </p:nvSpPr>
-        <p:spPr>
-          <a:xfrm>
-            <a:off x="2834107" y="3451775"/>
-            <a:ext cx="1101061" cy="949191"/>
-          </a:xfrm>
-          <a:prstGeom prst="hexagon">
-            <a:avLst/>
-          </a:prstGeom>
-          <a:noFill/>
-          <a:ln w="38100">
-            <a:solidFill>
-              <a:srgbClr val="C00000"/>
-            </a:solidFill>
-          </a:ln>
-        </p:spPr>
-        <p:style>
-          <a:lnRef idx="2">
-            <a:schemeClr val="accent1">
-              <a:shade val="15000"/>
-            </a:schemeClr>
-          </a:lnRef>
-          <a:fillRef idx="1">
-            <a:schemeClr val="accent1"/>
-          </a:fillRef>
-          <a:effectRef idx="0">
-            <a:schemeClr val="accent1"/>
-          </a:effectRef>
-          <a:fontRef idx="minor">
-            <a:schemeClr val="lt1"/>
-          </a:fontRef>
-        </p:style>
-        <p:txBody>
-          <a:bodyPr rtlCol="0" anchor="ctr"/>
-          <a:lstStyle/>
-          <a:p>
-            <a:pPr algn="ctr"/>
-            <a:endParaRPr lang="en-US" dirty="0"/>
-          </a:p>
-        </p:txBody>
-      </p:sp>
-      <p:sp>
-        <p:nvSpPr>
-          <p:cNvPr id="29" name="Hexagon 28">
-            <a:extLst>
-              <a:ext uri="{FF2B5EF4-FFF2-40B4-BE49-F238E27FC236}">
-                <a16:creationId xmlns:a16="http://schemas.microsoft.com/office/drawing/2014/main" id="{15731913-8430-CCBF-E728-912DD1051C0A}"/>
-              </a:ext>
-            </a:extLst>
-          </p:cNvPr>
-          <p:cNvSpPr>
-            <a:spLocks noChangeAspect="1"/>
-          </p:cNvSpPr>
-          <p:nvPr/>
-        </p:nvSpPr>
-        <p:spPr>
-          <a:xfrm>
-            <a:off x="3693601" y="2976254"/>
-            <a:ext cx="1101061" cy="949191"/>
-          </a:xfrm>
-          <a:prstGeom prst="hexagon">
-            <a:avLst/>
-          </a:prstGeom>
-          <a:noFill/>
-          <a:ln w="38100">
-            <a:solidFill>
-              <a:srgbClr val="C00000"/>
-            </a:solidFill>
-          </a:ln>
-        </p:spPr>
-        <p:style>
-          <a:lnRef idx="2">
-            <a:schemeClr val="accent1">
-              <a:shade val="15000"/>
-            </a:schemeClr>
-          </a:lnRef>
-          <a:fillRef idx="1">
-            <a:schemeClr val="accent1"/>
-          </a:fillRef>
-          <a:effectRef idx="0">
-            <a:schemeClr val="accent1"/>
-          </a:effectRef>
-          <a:fontRef idx="minor">
-            <a:schemeClr val="lt1"/>
-          </a:fontRef>
-        </p:style>
-        <p:txBody>
-          <a:bodyPr rtlCol="0" anchor="ctr"/>
-          <a:lstStyle/>
-          <a:p>
-            <a:pPr algn="ctr"/>
-            <a:endParaRPr lang="en-US" dirty="0"/>
-          </a:p>
-        </p:txBody>
-      </p:sp>
-      <p:sp>
-        <p:nvSpPr>
-          <p:cNvPr id="30" name="Hexagon 29">
-            <a:extLst>
-              <a:ext uri="{FF2B5EF4-FFF2-40B4-BE49-F238E27FC236}">
-                <a16:creationId xmlns:a16="http://schemas.microsoft.com/office/drawing/2014/main" id="{FE4743FE-6712-EBB0-A5C5-B2274FF5C4DC}"/>
-              </a:ext>
-            </a:extLst>
-          </p:cNvPr>
-          <p:cNvSpPr>
-            <a:spLocks noChangeAspect="1"/>
-          </p:cNvSpPr>
-          <p:nvPr/>
-        </p:nvSpPr>
-        <p:spPr>
-          <a:xfrm>
-            <a:off x="3687238" y="3934484"/>
-            <a:ext cx="1101061" cy="949191"/>
-          </a:xfrm>
-          <a:prstGeom prst="hexagon">
-            <a:avLst/>
-          </a:prstGeom>
-          <a:noFill/>
-          <a:ln w="38100">
-            <a:solidFill>
-              <a:srgbClr val="C00000"/>
-            </a:solidFill>
-          </a:ln>
-        </p:spPr>
-        <p:style>
-          <a:lnRef idx="2">
-            <a:schemeClr val="accent1">
-              <a:shade val="15000"/>
-            </a:schemeClr>
-          </a:lnRef>
-          <a:fillRef idx="1">
-            <a:schemeClr val="accent1"/>
-          </a:fillRef>
-          <a:effectRef idx="0">
-            <a:schemeClr val="accent1"/>
-          </a:effectRef>
-          <a:fontRef idx="minor">
-            <a:schemeClr val="lt1"/>
-          </a:fontRef>
-        </p:style>
-        <p:txBody>
-          <a:bodyPr rtlCol="0" anchor="ctr"/>
-          <a:lstStyle/>
-          <a:p>
-            <a:pPr algn="ctr"/>
-            <a:endParaRPr lang="en-US" dirty="0"/>
-          </a:p>
-        </p:txBody>
-      </p:sp>
-      <p:sp>
-        <p:nvSpPr>
-          <p:cNvPr id="40" name="Hexagon 39">
-            <a:extLst>
-              <a:ext uri="{FF2B5EF4-FFF2-40B4-BE49-F238E27FC236}">
-                <a16:creationId xmlns:a16="http://schemas.microsoft.com/office/drawing/2014/main" id="{F03E2C1C-BF9A-D1A4-AB96-44B915D89168}"/>
-              </a:ext>
-            </a:extLst>
-          </p:cNvPr>
-          <p:cNvSpPr>
-            <a:spLocks noChangeAspect="1"/>
-          </p:cNvSpPr>
-          <p:nvPr/>
-        </p:nvSpPr>
-        <p:spPr>
-          <a:xfrm>
-            <a:off x="4550589" y="3458860"/>
-            <a:ext cx="1101061" cy="949191"/>
-          </a:xfrm>
-          <a:prstGeom prst="hexagon">
-            <a:avLst/>
-          </a:prstGeom>
-          <a:noFill/>
-          <a:ln w="38100">
-            <a:solidFill>
-              <a:srgbClr val="C00000"/>
-            </a:solidFill>
-          </a:ln>
-        </p:spPr>
-        <p:style>
-          <a:lnRef idx="2">
-            <a:schemeClr val="accent1">
-              <a:shade val="15000"/>
-            </a:schemeClr>
-          </a:lnRef>
-          <a:fillRef idx="1">
-            <a:schemeClr val="accent1"/>
-          </a:fillRef>
-          <a:effectRef idx="0">
-            <a:schemeClr val="accent1"/>
-          </a:effectRef>
-          <a:fontRef idx="minor">
-            <a:schemeClr val="lt1"/>
-          </a:fontRef>
-        </p:style>
-        <p:txBody>
-          <a:bodyPr rtlCol="0" anchor="ctr"/>
-          <a:lstStyle/>
-          <a:p>
-            <a:pPr algn="ctr"/>
-            <a:endParaRPr lang="en-US" dirty="0"/>
-          </a:p>
-        </p:txBody>
-      </p:sp>
-      <p:sp>
-        <p:nvSpPr>
-          <p:cNvPr id="41" name="Hexagon 40">
-            <a:extLst>
-              <a:ext uri="{FF2B5EF4-FFF2-40B4-BE49-F238E27FC236}">
-                <a16:creationId xmlns:a16="http://schemas.microsoft.com/office/drawing/2014/main" id="{AA13D11E-D161-07F1-337A-0439DE47625A}"/>
-              </a:ext>
-            </a:extLst>
-          </p:cNvPr>
-          <p:cNvSpPr>
-            <a:spLocks noChangeAspect="1"/>
-          </p:cNvSpPr>
-          <p:nvPr/>
-        </p:nvSpPr>
-        <p:spPr>
-          <a:xfrm>
-            <a:off x="4550589" y="4411034"/>
-            <a:ext cx="1101061" cy="949191"/>
-          </a:xfrm>
-          <a:prstGeom prst="hexagon">
-            <a:avLst/>
-          </a:prstGeom>
-          <a:noFill/>
-          <a:ln w="38100">
-            <a:solidFill>
-              <a:srgbClr val="C00000"/>
-            </a:solidFill>
-          </a:ln>
-        </p:spPr>
-        <p:style>
-          <a:lnRef idx="2">
-            <a:schemeClr val="accent1">
-              <a:shade val="15000"/>
-            </a:schemeClr>
-          </a:lnRef>
-          <a:fillRef idx="1">
-            <a:schemeClr val="accent1"/>
-          </a:fillRef>
-          <a:effectRef idx="0">
-            <a:schemeClr val="accent1"/>
-          </a:effectRef>
-          <a:fontRef idx="minor">
-            <a:schemeClr val="lt1"/>
-          </a:fontRef>
-        </p:style>
-        <p:txBody>
-          <a:bodyPr rtlCol="0" anchor="ctr"/>
-          <a:lstStyle/>
-          <a:p>
-            <a:pPr algn="ctr"/>
-            <a:endParaRPr lang="en-US" dirty="0"/>
-          </a:p>
-        </p:txBody>
-      </p:sp>
-      <p:sp>
-        <p:nvSpPr>
-          <p:cNvPr id="42" name="Hexagon 41">
-            <a:extLst>
-              <a:ext uri="{FF2B5EF4-FFF2-40B4-BE49-F238E27FC236}">
-                <a16:creationId xmlns:a16="http://schemas.microsoft.com/office/drawing/2014/main" id="{37E2AD43-8C0F-AE4E-73F5-2ADF3F4328B5}"/>
-              </a:ext>
-            </a:extLst>
-          </p:cNvPr>
-          <p:cNvSpPr>
-            <a:spLocks noChangeAspect="1"/>
-          </p:cNvSpPr>
-          <p:nvPr/>
-        </p:nvSpPr>
-        <p:spPr>
-          <a:xfrm>
-            <a:off x="4550589" y="5369961"/>
-            <a:ext cx="1101061" cy="949191"/>
-          </a:xfrm>
-          <a:prstGeom prst="hexagon">
-            <a:avLst/>
-          </a:prstGeom>
-          <a:noFill/>
-          <a:ln w="38100">
-            <a:solidFill>
-              <a:srgbClr val="C00000"/>
-            </a:solidFill>
-          </a:ln>
-        </p:spPr>
-        <p:style>
-          <a:lnRef idx="2">
-            <a:schemeClr val="accent1">
-              <a:shade val="15000"/>
-            </a:schemeClr>
-          </a:lnRef>
-          <a:fillRef idx="1">
-            <a:schemeClr val="accent1"/>
-          </a:fillRef>
-          <a:effectRef idx="0">
-            <a:schemeClr val="accent1"/>
-          </a:effectRef>
-          <a:fontRef idx="minor">
-            <a:schemeClr val="lt1"/>
-          </a:fontRef>
-        </p:style>
-        <p:txBody>
-          <a:bodyPr rtlCol="0" anchor="ctr"/>
-          <a:lstStyle/>
-          <a:p>
-            <a:pPr algn="ctr"/>
-            <a:endParaRPr lang="en-US" dirty="0"/>
-          </a:p>
-        </p:txBody>
-      </p:sp>
-      <p:sp>
-        <p:nvSpPr>
-          <p:cNvPr id="49" name="Hexagon 48">
-            <a:extLst>
-              <a:ext uri="{FF2B5EF4-FFF2-40B4-BE49-F238E27FC236}">
-                <a16:creationId xmlns:a16="http://schemas.microsoft.com/office/drawing/2014/main" id="{6DED218D-3761-F049-ADDA-F96E065614EC}"/>
-              </a:ext>
-            </a:extLst>
-          </p:cNvPr>
-          <p:cNvSpPr>
-            <a:spLocks noChangeAspect="1"/>
-          </p:cNvSpPr>
-          <p:nvPr/>
-        </p:nvSpPr>
-        <p:spPr>
-          <a:xfrm>
-            <a:off x="3694322" y="4877619"/>
-            <a:ext cx="1101061" cy="949191"/>
-          </a:xfrm>
-          <a:prstGeom prst="hexagon">
-            <a:avLst/>
-          </a:prstGeom>
-          <a:noFill/>
-          <a:ln w="38100">
-            <a:solidFill>
-              <a:srgbClr val="C00000"/>
-            </a:solidFill>
-          </a:ln>
-        </p:spPr>
-        <p:style>
-          <a:lnRef idx="2">
-            <a:schemeClr val="accent1">
-              <a:shade val="15000"/>
-            </a:schemeClr>
-          </a:lnRef>
-          <a:fillRef idx="1">
-            <a:schemeClr val="accent1"/>
-          </a:fillRef>
-          <a:effectRef idx="0">
-            <a:schemeClr val="accent1"/>
-          </a:effectRef>
-          <a:fontRef idx="minor">
-            <a:schemeClr val="lt1"/>
-          </a:fontRef>
-        </p:style>
-        <p:txBody>
-          <a:bodyPr rtlCol="0" anchor="ctr"/>
-          <a:lstStyle/>
-          <a:p>
-            <a:pPr algn="ctr"/>
-            <a:endParaRPr lang="en-US" dirty="0"/>
-          </a:p>
-        </p:txBody>
-      </p:sp>
-      <p:sp>
-        <p:nvSpPr>
-          <p:cNvPr id="1025" name="Hexagon 1024">
-            <a:extLst>
-              <a:ext uri="{FF2B5EF4-FFF2-40B4-BE49-F238E27FC236}">
-                <a16:creationId xmlns:a16="http://schemas.microsoft.com/office/drawing/2014/main" id="{C7930FA0-BB84-E8BC-6F55-86DC44EB1517}"/>
-              </a:ext>
-            </a:extLst>
-          </p:cNvPr>
-          <p:cNvSpPr>
-            <a:spLocks noChangeAspect="1"/>
-          </p:cNvSpPr>
-          <p:nvPr/>
-        </p:nvSpPr>
-        <p:spPr>
-          <a:xfrm>
-            <a:off x="5426874" y="2968935"/>
-            <a:ext cx="1101061" cy="949191"/>
-          </a:xfrm>
-          <a:prstGeom prst="hexagon">
-            <a:avLst/>
-          </a:prstGeom>
-          <a:noFill/>
-          <a:ln w="38100">
-            <a:solidFill>
-              <a:srgbClr val="C00000"/>
-            </a:solidFill>
-          </a:ln>
-        </p:spPr>
-        <p:style>
-          <a:lnRef idx="2">
-            <a:schemeClr val="accent1">
-              <a:shade val="15000"/>
-            </a:schemeClr>
-          </a:lnRef>
-          <a:fillRef idx="1">
-            <a:schemeClr val="accent1"/>
-          </a:fillRef>
-          <a:effectRef idx="0">
-            <a:schemeClr val="accent1"/>
-          </a:effectRef>
-          <a:fontRef idx="minor">
-            <a:schemeClr val="lt1"/>
-          </a:fontRef>
-        </p:style>
-        <p:txBody>
-          <a:bodyPr rtlCol="0" anchor="ctr"/>
-          <a:lstStyle/>
-          <a:p>
-            <a:pPr algn="ctr"/>
-            <a:endParaRPr lang="en-US" dirty="0"/>
-          </a:p>
-        </p:txBody>
-      </p:sp>
-      <p:sp>
-        <p:nvSpPr>
-          <p:cNvPr id="1027" name="Hexagon 1026">
-            <a:extLst>
-              <a:ext uri="{FF2B5EF4-FFF2-40B4-BE49-F238E27FC236}">
-                <a16:creationId xmlns:a16="http://schemas.microsoft.com/office/drawing/2014/main" id="{07BAD851-770C-F9A5-118E-93F5FFB185A8}"/>
-              </a:ext>
-            </a:extLst>
-          </p:cNvPr>
-          <p:cNvSpPr>
-            <a:spLocks noChangeAspect="1"/>
-          </p:cNvSpPr>
-          <p:nvPr/>
-        </p:nvSpPr>
-        <p:spPr>
-          <a:xfrm>
-            <a:off x="5419730" y="3921109"/>
-            <a:ext cx="1101061" cy="949191"/>
-          </a:xfrm>
-          <a:prstGeom prst="hexagon">
-            <a:avLst/>
-          </a:prstGeom>
-          <a:noFill/>
-          <a:ln w="38100">
-            <a:solidFill>
-              <a:srgbClr val="C00000"/>
-            </a:solidFill>
-          </a:ln>
-        </p:spPr>
-        <p:style>
-          <a:lnRef idx="2">
-            <a:schemeClr val="accent1">
-              <a:shade val="15000"/>
-            </a:schemeClr>
-          </a:lnRef>
-          <a:fillRef idx="1">
-            <a:schemeClr val="accent1"/>
-          </a:fillRef>
-          <a:effectRef idx="0">
-            <a:schemeClr val="accent1"/>
-          </a:effectRef>
-          <a:fontRef idx="minor">
-            <a:schemeClr val="lt1"/>
-          </a:fontRef>
-        </p:style>
-        <p:txBody>
-          <a:bodyPr rtlCol="0" anchor="ctr"/>
-          <a:lstStyle/>
-          <a:p>
-            <a:pPr algn="ctr"/>
-            <a:endParaRPr lang="en-US" dirty="0"/>
-          </a:p>
-        </p:txBody>
-      </p:sp>
-      <p:sp>
-        <p:nvSpPr>
-          <p:cNvPr id="1029" name="Hexagon 1028">
-            <a:extLst>
-              <a:ext uri="{FF2B5EF4-FFF2-40B4-BE49-F238E27FC236}">
-                <a16:creationId xmlns:a16="http://schemas.microsoft.com/office/drawing/2014/main" id="{D632B0F6-85EB-24F7-7939-C500C21C0D9E}"/>
-              </a:ext>
-            </a:extLst>
-          </p:cNvPr>
-          <p:cNvSpPr>
-            <a:spLocks noChangeAspect="1"/>
-          </p:cNvSpPr>
-          <p:nvPr/>
-        </p:nvSpPr>
-        <p:spPr>
-          <a:xfrm>
-            <a:off x="5419730" y="4865749"/>
-            <a:ext cx="1101061" cy="949191"/>
-          </a:xfrm>
-          <a:prstGeom prst="hexagon">
-            <a:avLst/>
-          </a:prstGeom>
-          <a:noFill/>
-          <a:ln w="38100">
-            <a:solidFill>
-              <a:srgbClr val="C00000"/>
-            </a:solidFill>
-          </a:ln>
-        </p:spPr>
-        <p:style>
-          <a:lnRef idx="2">
-            <a:schemeClr val="accent1">
-              <a:shade val="15000"/>
-            </a:schemeClr>
-          </a:lnRef>
-          <a:fillRef idx="1">
-            <a:schemeClr val="accent1"/>
-          </a:fillRef>
-          <a:effectRef idx="0">
-            <a:schemeClr val="accent1"/>
-          </a:effectRef>
-          <a:fontRef idx="minor">
-            <a:schemeClr val="lt1"/>
-          </a:fontRef>
-        </p:style>
-        <p:txBody>
-          <a:bodyPr rtlCol="0" anchor="ctr"/>
-          <a:lstStyle/>
-          <a:p>
-            <a:pPr algn="ctr"/>
-            <a:endParaRPr lang="en-US" dirty="0"/>
-          </a:p>
-        </p:txBody>
-      </p:sp>
-      <p:sp>
-        <p:nvSpPr>
-          <p:cNvPr id="1030" name="Hexagon 1029">
-            <a:extLst>
-              <a:ext uri="{FF2B5EF4-FFF2-40B4-BE49-F238E27FC236}">
-                <a16:creationId xmlns:a16="http://schemas.microsoft.com/office/drawing/2014/main" id="{94B24927-43D8-1C74-168D-351ED75387C9}"/>
-              </a:ext>
-            </a:extLst>
-          </p:cNvPr>
-          <p:cNvSpPr>
-            <a:spLocks noChangeAspect="1"/>
-          </p:cNvSpPr>
-          <p:nvPr/>
-        </p:nvSpPr>
-        <p:spPr>
-          <a:xfrm>
-            <a:off x="6286366" y="5342618"/>
-            <a:ext cx="1101061" cy="949191"/>
-          </a:xfrm>
-          <a:prstGeom prst="hexagon">
-            <a:avLst/>
-          </a:prstGeom>
-          <a:noFill/>
-          <a:ln w="38100">
-            <a:solidFill>
-              <a:srgbClr val="C00000"/>
-            </a:solidFill>
-          </a:ln>
-        </p:spPr>
-        <p:style>
-          <a:lnRef idx="2">
-            <a:schemeClr val="accent1">
-              <a:shade val="15000"/>
-            </a:schemeClr>
-          </a:lnRef>
-          <a:fillRef idx="1">
-            <a:schemeClr val="accent1"/>
-          </a:fillRef>
-          <a:effectRef idx="0">
-            <a:schemeClr val="accent1"/>
-          </a:effectRef>
-          <a:fontRef idx="minor">
-            <a:schemeClr val="lt1"/>
-          </a:fontRef>
-        </p:style>
-        <p:txBody>
-          <a:bodyPr rtlCol="0" anchor="ctr"/>
-          <a:lstStyle/>
-          <a:p>
-            <a:pPr algn="ctr"/>
-            <a:endParaRPr lang="en-US" dirty="0"/>
-          </a:p>
-        </p:txBody>
-      </p:sp>
-      <p:sp>
-        <p:nvSpPr>
-          <p:cNvPr id="1031" name="Hexagon 1030">
-            <a:extLst>
-              <a:ext uri="{FF2B5EF4-FFF2-40B4-BE49-F238E27FC236}">
-                <a16:creationId xmlns:a16="http://schemas.microsoft.com/office/drawing/2014/main" id="{3DB7BA57-7A0A-69E4-2AF2-2C4D8F441114}"/>
-              </a:ext>
-            </a:extLst>
-          </p:cNvPr>
-          <p:cNvSpPr>
-            <a:spLocks noChangeAspect="1"/>
-          </p:cNvSpPr>
-          <p:nvPr/>
-        </p:nvSpPr>
-        <p:spPr>
-          <a:xfrm>
-            <a:off x="6286366" y="4397196"/>
-            <a:ext cx="1101061" cy="949191"/>
-          </a:xfrm>
-          <a:prstGeom prst="hexagon">
-            <a:avLst/>
-          </a:prstGeom>
-          <a:noFill/>
-          <a:ln w="38100">
-            <a:solidFill>
-              <a:srgbClr val="C00000"/>
-            </a:solidFill>
-          </a:ln>
-        </p:spPr>
-        <p:style>
-          <a:lnRef idx="2">
-            <a:schemeClr val="accent1">
-              <a:shade val="15000"/>
-            </a:schemeClr>
-          </a:lnRef>
-          <a:fillRef idx="1">
-            <a:schemeClr val="accent1"/>
-          </a:fillRef>
-          <a:effectRef idx="0">
-            <a:schemeClr val="accent1"/>
-          </a:effectRef>
-          <a:fontRef idx="minor">
-            <a:schemeClr val="lt1"/>
-          </a:fontRef>
-        </p:style>
-        <p:txBody>
-          <a:bodyPr rtlCol="0" anchor="ctr"/>
-          <a:lstStyle/>
-          <a:p>
-            <a:pPr algn="ctr"/>
-            <a:endParaRPr lang="en-US" dirty="0"/>
-          </a:p>
-        </p:txBody>
-      </p:sp>
-      <p:sp>
-        <p:nvSpPr>
-          <p:cNvPr id="1032" name="Hexagon 1031">
-            <a:extLst>
-              <a:ext uri="{FF2B5EF4-FFF2-40B4-BE49-F238E27FC236}">
-                <a16:creationId xmlns:a16="http://schemas.microsoft.com/office/drawing/2014/main" id="{C03011F2-1859-3E52-FEC8-55F61BD5FFF3}"/>
-              </a:ext>
-            </a:extLst>
-          </p:cNvPr>
-          <p:cNvSpPr>
-            <a:spLocks noChangeAspect="1"/>
-          </p:cNvSpPr>
-          <p:nvPr/>
-        </p:nvSpPr>
-        <p:spPr>
-          <a:xfrm>
-            <a:off x="6286366" y="3451775"/>
-            <a:ext cx="1101061" cy="949191"/>
-          </a:xfrm>
-          <a:prstGeom prst="hexagon">
-            <a:avLst/>
-          </a:prstGeom>
-          <a:noFill/>
-          <a:ln w="38100">
-            <a:solidFill>
-              <a:srgbClr val="C00000"/>
-            </a:solidFill>
-          </a:ln>
-        </p:spPr>
-        <p:style>
-          <a:lnRef idx="2">
-            <a:schemeClr val="accent1">
-              <a:shade val="15000"/>
-            </a:schemeClr>
-          </a:lnRef>
-          <a:fillRef idx="1">
-            <a:schemeClr val="accent1"/>
-          </a:fillRef>
-          <a:effectRef idx="0">
-            <a:schemeClr val="accent1"/>
-          </a:effectRef>
-          <a:fontRef idx="minor">
-            <a:schemeClr val="lt1"/>
-          </a:fontRef>
-        </p:style>
-        <p:txBody>
-          <a:bodyPr rtlCol="0" anchor="ctr"/>
-          <a:lstStyle/>
-          <a:p>
-            <a:pPr algn="ctr"/>
-            <a:endParaRPr lang="en-US" dirty="0"/>
-          </a:p>
-        </p:txBody>
-      </p:sp>
-      <p:sp>
-        <p:nvSpPr>
-          <p:cNvPr id="1033" name="Hexagon 1032">
-            <a:extLst>
-              <a:ext uri="{FF2B5EF4-FFF2-40B4-BE49-F238E27FC236}">
-                <a16:creationId xmlns:a16="http://schemas.microsoft.com/office/drawing/2014/main" id="{AE75FE7B-A81B-2956-56D7-45F8EB881D36}"/>
-              </a:ext>
-            </a:extLst>
-          </p:cNvPr>
-          <p:cNvSpPr>
-            <a:spLocks noChangeAspect="1"/>
-          </p:cNvSpPr>
-          <p:nvPr/>
-        </p:nvSpPr>
-        <p:spPr>
-          <a:xfrm>
-            <a:off x="7145860" y="2976253"/>
-            <a:ext cx="1101061" cy="949191"/>
-          </a:xfrm>
-          <a:prstGeom prst="hexagon">
-            <a:avLst/>
-          </a:prstGeom>
-          <a:noFill/>
-          <a:ln w="38100">
-            <a:solidFill>
-              <a:srgbClr val="C00000"/>
-            </a:solidFill>
-          </a:ln>
-        </p:spPr>
-        <p:style>
-          <a:lnRef idx="2">
-            <a:schemeClr val="accent1">
-              <a:shade val="15000"/>
-            </a:schemeClr>
-          </a:lnRef>
-          <a:fillRef idx="1">
-            <a:schemeClr val="accent1"/>
-          </a:fillRef>
-          <a:effectRef idx="0">
-            <a:schemeClr val="accent1"/>
-          </a:effectRef>
-          <a:fontRef idx="minor">
-            <a:schemeClr val="lt1"/>
-          </a:fontRef>
-        </p:style>
-        <p:txBody>
-          <a:bodyPr rtlCol="0" anchor="ctr"/>
-          <a:lstStyle/>
-          <a:p>
-            <a:pPr algn="ctr"/>
-            <a:endParaRPr lang="en-US" dirty="0"/>
-          </a:p>
-        </p:txBody>
-      </p:sp>
-      <p:sp>
-        <p:nvSpPr>
-          <p:cNvPr id="1034" name="Hexagon 1033">
-            <a:extLst>
-              <a:ext uri="{FF2B5EF4-FFF2-40B4-BE49-F238E27FC236}">
-                <a16:creationId xmlns:a16="http://schemas.microsoft.com/office/drawing/2014/main" id="{54025567-2401-C213-CA49-AFB6FBE39109}"/>
-              </a:ext>
-            </a:extLst>
-          </p:cNvPr>
-          <p:cNvSpPr>
-            <a:spLocks noChangeAspect="1"/>
-          </p:cNvSpPr>
-          <p:nvPr/>
-        </p:nvSpPr>
-        <p:spPr>
-          <a:xfrm>
-            <a:off x="7139497" y="3934485"/>
-            <a:ext cx="1101061" cy="949191"/>
-          </a:xfrm>
-          <a:prstGeom prst="hexagon">
-            <a:avLst/>
-          </a:prstGeom>
-          <a:noFill/>
-          <a:ln w="38100">
-            <a:solidFill>
-              <a:srgbClr val="C00000"/>
-            </a:solidFill>
-          </a:ln>
-        </p:spPr>
-        <p:style>
-          <a:lnRef idx="2">
-            <a:schemeClr val="accent1">
-              <a:shade val="15000"/>
-            </a:schemeClr>
-          </a:lnRef>
-          <a:fillRef idx="1">
-            <a:schemeClr val="accent1"/>
-          </a:fillRef>
-          <a:effectRef idx="0">
-            <a:schemeClr val="accent1"/>
-          </a:effectRef>
-          <a:fontRef idx="minor">
-            <a:schemeClr val="lt1"/>
-          </a:fontRef>
-        </p:style>
-        <p:txBody>
-          <a:bodyPr rtlCol="0" anchor="ctr"/>
-          <a:lstStyle/>
-          <a:p>
-            <a:pPr algn="ctr"/>
-            <a:endParaRPr lang="en-US" dirty="0"/>
-          </a:p>
-        </p:txBody>
-      </p:sp>
-      <p:sp>
-        <p:nvSpPr>
-          <p:cNvPr id="1035" name="Hexagon 1034">
-            <a:extLst>
-              <a:ext uri="{FF2B5EF4-FFF2-40B4-BE49-F238E27FC236}">
-                <a16:creationId xmlns:a16="http://schemas.microsoft.com/office/drawing/2014/main" id="{E0349C23-4111-3D32-480E-A5D8E9E50CE5}"/>
-              </a:ext>
-            </a:extLst>
-          </p:cNvPr>
-          <p:cNvSpPr>
-            <a:spLocks noChangeAspect="1"/>
-          </p:cNvSpPr>
-          <p:nvPr/>
-        </p:nvSpPr>
-        <p:spPr>
-          <a:xfrm>
-            <a:off x="8002848" y="3458861"/>
-            <a:ext cx="1101061" cy="949191"/>
-          </a:xfrm>
-          <a:prstGeom prst="hexagon">
-            <a:avLst/>
-          </a:prstGeom>
-          <a:noFill/>
-          <a:ln w="38100">
-            <a:solidFill>
-              <a:srgbClr val="C00000"/>
-            </a:solidFill>
-          </a:ln>
-        </p:spPr>
-        <p:style>
-          <a:lnRef idx="2">
-            <a:schemeClr val="accent1">
-              <a:shade val="15000"/>
-            </a:schemeClr>
-          </a:lnRef>
-          <a:fillRef idx="1">
-            <a:schemeClr val="accent1"/>
-          </a:fillRef>
-          <a:effectRef idx="0">
-            <a:schemeClr val="accent1"/>
-          </a:effectRef>
-          <a:fontRef idx="minor">
-            <a:schemeClr val="lt1"/>
-          </a:fontRef>
-        </p:style>
-        <p:txBody>
-          <a:bodyPr rtlCol="0" anchor="ctr"/>
-          <a:lstStyle/>
-          <a:p>
-            <a:pPr algn="ctr"/>
-            <a:endParaRPr lang="en-US" dirty="0"/>
-          </a:p>
-        </p:txBody>
-      </p:sp>
-      <p:sp>
-        <p:nvSpPr>
-          <p:cNvPr id="1036" name="Hexagon 1035">
-            <a:extLst>
-              <a:ext uri="{FF2B5EF4-FFF2-40B4-BE49-F238E27FC236}">
-                <a16:creationId xmlns:a16="http://schemas.microsoft.com/office/drawing/2014/main" id="{F83ECF99-64C5-797E-B098-E76380388873}"/>
-              </a:ext>
-            </a:extLst>
-          </p:cNvPr>
-          <p:cNvSpPr>
-            <a:spLocks noChangeAspect="1"/>
-          </p:cNvSpPr>
-          <p:nvPr/>
-        </p:nvSpPr>
-        <p:spPr>
-          <a:xfrm>
-            <a:off x="8002848" y="4411034"/>
-            <a:ext cx="1101061" cy="949191"/>
-          </a:xfrm>
-          <a:prstGeom prst="hexagon">
-            <a:avLst/>
-          </a:prstGeom>
-          <a:noFill/>
-          <a:ln w="38100">
-            <a:solidFill>
-              <a:srgbClr val="C00000"/>
-            </a:solidFill>
-          </a:ln>
-        </p:spPr>
-        <p:style>
-          <a:lnRef idx="2">
-            <a:schemeClr val="accent1">
-              <a:shade val="15000"/>
-            </a:schemeClr>
-          </a:lnRef>
-          <a:fillRef idx="1">
-            <a:schemeClr val="accent1"/>
-          </a:fillRef>
-          <a:effectRef idx="0">
-            <a:schemeClr val="accent1"/>
-          </a:effectRef>
-          <a:fontRef idx="minor">
-            <a:schemeClr val="lt1"/>
-          </a:fontRef>
-        </p:style>
-        <p:txBody>
-          <a:bodyPr rtlCol="0" anchor="ctr"/>
-          <a:lstStyle/>
-          <a:p>
-            <a:pPr algn="ctr"/>
-            <a:endParaRPr lang="en-US" dirty="0"/>
-          </a:p>
-        </p:txBody>
-      </p:sp>
-      <p:sp>
-        <p:nvSpPr>
-          <p:cNvPr id="1037" name="Hexagon 1036">
-            <a:extLst>
-              <a:ext uri="{FF2B5EF4-FFF2-40B4-BE49-F238E27FC236}">
-                <a16:creationId xmlns:a16="http://schemas.microsoft.com/office/drawing/2014/main" id="{3EFEC826-0843-1F99-73DF-98C2B066C33D}"/>
-              </a:ext>
-            </a:extLst>
-          </p:cNvPr>
-          <p:cNvSpPr>
-            <a:spLocks noChangeAspect="1"/>
-          </p:cNvSpPr>
-          <p:nvPr/>
-        </p:nvSpPr>
-        <p:spPr>
-          <a:xfrm>
-            <a:off x="8002848" y="5369961"/>
-            <a:ext cx="1101061" cy="949191"/>
-          </a:xfrm>
-          <a:prstGeom prst="hexagon">
-            <a:avLst/>
-          </a:prstGeom>
-          <a:noFill/>
-          <a:ln w="38100">
-            <a:solidFill>
-              <a:srgbClr val="C00000"/>
-            </a:solidFill>
-          </a:ln>
-        </p:spPr>
-        <p:style>
-          <a:lnRef idx="2">
-            <a:schemeClr val="accent1">
-              <a:shade val="15000"/>
-            </a:schemeClr>
-          </a:lnRef>
-          <a:fillRef idx="1">
-            <a:schemeClr val="accent1"/>
-          </a:fillRef>
-          <a:effectRef idx="0">
-            <a:schemeClr val="accent1"/>
-          </a:effectRef>
-          <a:fontRef idx="minor">
-            <a:schemeClr val="lt1"/>
-          </a:fontRef>
-        </p:style>
-        <p:txBody>
-          <a:bodyPr rtlCol="0" anchor="ctr"/>
-          <a:lstStyle/>
-          <a:p>
-            <a:pPr algn="ctr"/>
-            <a:endParaRPr lang="en-US" dirty="0"/>
-          </a:p>
-        </p:txBody>
-      </p:sp>
-      <p:sp>
-        <p:nvSpPr>
-          <p:cNvPr id="1038" name="Hexagon 1037">
-            <a:extLst>
-              <a:ext uri="{FF2B5EF4-FFF2-40B4-BE49-F238E27FC236}">
-                <a16:creationId xmlns:a16="http://schemas.microsoft.com/office/drawing/2014/main" id="{0BCE8D4E-D1B7-EB16-800E-B94AFEB8750D}"/>
-              </a:ext>
-            </a:extLst>
-          </p:cNvPr>
-          <p:cNvSpPr>
-            <a:spLocks noChangeAspect="1"/>
-          </p:cNvSpPr>
-          <p:nvPr/>
-        </p:nvSpPr>
-        <p:spPr>
-          <a:xfrm>
-            <a:off x="7146581" y="4877619"/>
-            <a:ext cx="1101061" cy="949191"/>
-          </a:xfrm>
-          <a:prstGeom prst="hexagon">
-            <a:avLst/>
-          </a:prstGeom>
-          <a:noFill/>
-          <a:ln w="38100">
-            <a:solidFill>
-              <a:srgbClr val="C00000"/>
-            </a:solidFill>
-          </a:ln>
-        </p:spPr>
-        <p:style>
-          <a:lnRef idx="2">
-            <a:schemeClr val="accent1">
-              <a:shade val="15000"/>
-            </a:schemeClr>
-          </a:lnRef>
-          <a:fillRef idx="1">
-            <a:schemeClr val="accent1"/>
-          </a:fillRef>
-          <a:effectRef idx="0">
-            <a:schemeClr val="accent1"/>
-          </a:effectRef>
-          <a:fontRef idx="minor">
-            <a:schemeClr val="lt1"/>
-          </a:fontRef>
-        </p:style>
-        <p:txBody>
-          <a:bodyPr rtlCol="0" anchor="ctr"/>
-          <a:lstStyle/>
-          <a:p>
-            <a:pPr algn="ctr"/>
-            <a:endParaRPr lang="en-US" dirty="0"/>
-          </a:p>
-        </p:txBody>
-      </p:sp>
-      <p:sp>
-        <p:nvSpPr>
-          <p:cNvPr id="1041" name="Hexagon 1040">
-            <a:extLst>
-              <a:ext uri="{FF2B5EF4-FFF2-40B4-BE49-F238E27FC236}">
-                <a16:creationId xmlns:a16="http://schemas.microsoft.com/office/drawing/2014/main" id="{233AE70B-20DB-13A2-B087-EABEF323EEE8}"/>
-              </a:ext>
-            </a:extLst>
-          </p:cNvPr>
-          <p:cNvSpPr>
-            <a:spLocks noChangeAspect="1"/>
-          </p:cNvSpPr>
-          <p:nvPr/>
-        </p:nvSpPr>
-        <p:spPr>
-          <a:xfrm>
-            <a:off x="1974615" y="123371"/>
-            <a:ext cx="1101061" cy="949191"/>
-          </a:xfrm>
-          <a:prstGeom prst="hexagon">
-            <a:avLst/>
-          </a:prstGeom>
-          <a:noFill/>
-          <a:ln w="38100">
-            <a:solidFill>
-              <a:srgbClr val="C00000"/>
-            </a:solidFill>
-          </a:ln>
-        </p:spPr>
-        <p:style>
-          <a:lnRef idx="2">
-            <a:schemeClr val="accent1">
-              <a:shade val="15000"/>
-            </a:schemeClr>
-          </a:lnRef>
-          <a:fillRef idx="1">
-            <a:schemeClr val="accent1"/>
-          </a:fillRef>
-          <a:effectRef idx="0">
-            <a:schemeClr val="accent1"/>
-          </a:effectRef>
-          <a:fontRef idx="minor">
-            <a:schemeClr val="lt1"/>
-          </a:fontRef>
-        </p:style>
-        <p:txBody>
-          <a:bodyPr rtlCol="0" anchor="ctr"/>
-          <a:lstStyle/>
-          <a:p>
-            <a:pPr algn="ctr"/>
-            <a:endParaRPr lang="en-US" dirty="0"/>
-          </a:p>
-        </p:txBody>
-      </p:sp>
-      <p:sp>
-        <p:nvSpPr>
-          <p:cNvPr id="1042" name="Hexagon 1041">
-            <a:extLst>
-              <a:ext uri="{FF2B5EF4-FFF2-40B4-BE49-F238E27FC236}">
-                <a16:creationId xmlns:a16="http://schemas.microsoft.com/office/drawing/2014/main" id="{3DE50CB0-C76B-A63E-8679-7E0A8959A0B9}"/>
-              </a:ext>
-            </a:extLst>
-          </p:cNvPr>
-          <p:cNvSpPr>
-            <a:spLocks noChangeAspect="1"/>
-          </p:cNvSpPr>
-          <p:nvPr/>
-        </p:nvSpPr>
-        <p:spPr>
-          <a:xfrm>
-            <a:off x="1967472" y="1075545"/>
-            <a:ext cx="1101061" cy="949191"/>
-          </a:xfrm>
-          <a:prstGeom prst="hexagon">
-            <a:avLst/>
-          </a:prstGeom>
-          <a:noFill/>
-          <a:ln w="38100">
-            <a:solidFill>
-              <a:srgbClr val="C00000"/>
-            </a:solidFill>
-          </a:ln>
-        </p:spPr>
-        <p:style>
-          <a:lnRef idx="2">
-            <a:schemeClr val="accent1">
-              <a:shade val="15000"/>
-            </a:schemeClr>
-          </a:lnRef>
-          <a:fillRef idx="1">
-            <a:schemeClr val="accent1"/>
-          </a:fillRef>
-          <a:effectRef idx="0">
-            <a:schemeClr val="accent1"/>
-          </a:effectRef>
-          <a:fontRef idx="minor">
-            <a:schemeClr val="lt1"/>
-          </a:fontRef>
-        </p:style>
-        <p:txBody>
-          <a:bodyPr rtlCol="0" anchor="ctr"/>
-          <a:lstStyle/>
-          <a:p>
-            <a:pPr algn="ctr"/>
-            <a:endParaRPr lang="en-US" dirty="0"/>
-          </a:p>
-        </p:txBody>
-      </p:sp>
-      <p:sp>
-        <p:nvSpPr>
-          <p:cNvPr id="1043" name="Hexagon 1042">
-            <a:extLst>
-              <a:ext uri="{FF2B5EF4-FFF2-40B4-BE49-F238E27FC236}">
-                <a16:creationId xmlns:a16="http://schemas.microsoft.com/office/drawing/2014/main" id="{29D05AB5-6B19-44C7-74B5-B5B33DBEB87D}"/>
-              </a:ext>
-            </a:extLst>
-          </p:cNvPr>
-          <p:cNvSpPr>
-            <a:spLocks noChangeAspect="1"/>
-          </p:cNvSpPr>
-          <p:nvPr/>
-        </p:nvSpPr>
-        <p:spPr>
-          <a:xfrm>
-            <a:off x="1967472" y="2020185"/>
-            <a:ext cx="1101061" cy="949191"/>
-          </a:xfrm>
-          <a:prstGeom prst="hexagon">
-            <a:avLst/>
-          </a:prstGeom>
-          <a:noFill/>
-          <a:ln w="38100">
-            <a:solidFill>
-              <a:srgbClr val="C00000"/>
-            </a:solidFill>
-          </a:ln>
-        </p:spPr>
-        <p:style>
-          <a:lnRef idx="2">
-            <a:schemeClr val="accent1">
-              <a:shade val="15000"/>
-            </a:schemeClr>
-          </a:lnRef>
-          <a:fillRef idx="1">
-            <a:schemeClr val="accent1"/>
-          </a:fillRef>
-          <a:effectRef idx="0">
-            <a:schemeClr val="accent1"/>
-          </a:effectRef>
-          <a:fontRef idx="minor">
-            <a:schemeClr val="lt1"/>
-          </a:fontRef>
-        </p:style>
-        <p:txBody>
-          <a:bodyPr rtlCol="0" anchor="ctr"/>
-          <a:lstStyle/>
-          <a:p>
-            <a:pPr algn="ctr"/>
-            <a:endParaRPr lang="en-US" dirty="0"/>
-          </a:p>
-        </p:txBody>
-      </p:sp>
-      <p:sp>
-        <p:nvSpPr>
-          <p:cNvPr id="1044" name="Hexagon 1043">
-            <a:extLst>
-              <a:ext uri="{FF2B5EF4-FFF2-40B4-BE49-F238E27FC236}">
-                <a16:creationId xmlns:a16="http://schemas.microsoft.com/office/drawing/2014/main" id="{30A6E450-0182-357B-895E-052D58DB7A20}"/>
-              </a:ext>
-            </a:extLst>
-          </p:cNvPr>
-          <p:cNvSpPr>
-            <a:spLocks noChangeAspect="1"/>
-          </p:cNvSpPr>
-          <p:nvPr/>
-        </p:nvSpPr>
-        <p:spPr>
-          <a:xfrm>
-            <a:off x="2834107" y="2497054"/>
-            <a:ext cx="1101061" cy="949191"/>
-          </a:xfrm>
-          <a:prstGeom prst="hexagon">
-            <a:avLst/>
-          </a:prstGeom>
-          <a:noFill/>
-          <a:ln w="38100">
-            <a:solidFill>
-              <a:srgbClr val="C00000"/>
-            </a:solidFill>
-          </a:ln>
-        </p:spPr>
-        <p:style>
-          <a:lnRef idx="2">
-            <a:schemeClr val="accent1">
-              <a:shade val="15000"/>
-            </a:schemeClr>
-          </a:lnRef>
-          <a:fillRef idx="1">
-            <a:schemeClr val="accent1"/>
-          </a:fillRef>
-          <a:effectRef idx="0">
-            <a:schemeClr val="accent1"/>
-          </a:effectRef>
-          <a:fontRef idx="minor">
-            <a:schemeClr val="lt1"/>
-          </a:fontRef>
-        </p:style>
-        <p:txBody>
-          <a:bodyPr rtlCol="0" anchor="ctr"/>
-          <a:lstStyle/>
-          <a:p>
-            <a:pPr algn="ctr"/>
-            <a:endParaRPr lang="en-US" dirty="0"/>
-          </a:p>
-        </p:txBody>
-      </p:sp>
-      <p:sp>
-        <p:nvSpPr>
-          <p:cNvPr id="1045" name="Hexagon 1044">
-            <a:extLst>
-              <a:ext uri="{FF2B5EF4-FFF2-40B4-BE49-F238E27FC236}">
-                <a16:creationId xmlns:a16="http://schemas.microsoft.com/office/drawing/2014/main" id="{E824D373-3145-98BD-613C-E22BE76D8876}"/>
-              </a:ext>
-            </a:extLst>
-          </p:cNvPr>
-          <p:cNvSpPr>
-            <a:spLocks noChangeAspect="1"/>
-          </p:cNvSpPr>
-          <p:nvPr/>
-        </p:nvSpPr>
-        <p:spPr>
-          <a:xfrm>
-            <a:off x="2834107" y="1551633"/>
-            <a:ext cx="1101061" cy="949191"/>
-          </a:xfrm>
-          <a:prstGeom prst="hexagon">
-            <a:avLst/>
-          </a:prstGeom>
-          <a:noFill/>
-          <a:ln w="38100">
-            <a:solidFill>
-              <a:srgbClr val="C00000"/>
-            </a:solidFill>
-          </a:ln>
-        </p:spPr>
-        <p:style>
-          <a:lnRef idx="2">
-            <a:schemeClr val="accent1">
-              <a:shade val="15000"/>
-            </a:schemeClr>
-          </a:lnRef>
-          <a:fillRef idx="1">
-            <a:schemeClr val="accent1"/>
-          </a:fillRef>
-          <a:effectRef idx="0">
-            <a:schemeClr val="accent1"/>
-          </a:effectRef>
-          <a:fontRef idx="minor">
-            <a:schemeClr val="lt1"/>
-          </a:fontRef>
-        </p:style>
-        <p:txBody>
-          <a:bodyPr rtlCol="0" anchor="ctr"/>
-          <a:lstStyle/>
-          <a:p>
-            <a:pPr algn="ctr"/>
-            <a:endParaRPr lang="en-US" dirty="0"/>
-          </a:p>
-        </p:txBody>
-      </p:sp>
-      <p:sp>
-        <p:nvSpPr>
-          <p:cNvPr id="1046" name="Hexagon 1045">
-            <a:extLst>
-              <a:ext uri="{FF2B5EF4-FFF2-40B4-BE49-F238E27FC236}">
-                <a16:creationId xmlns:a16="http://schemas.microsoft.com/office/drawing/2014/main" id="{6767733A-16D2-4B6C-34BB-01A31C7E6626}"/>
-              </a:ext>
-            </a:extLst>
-          </p:cNvPr>
-          <p:cNvSpPr>
-            <a:spLocks noChangeAspect="1"/>
-          </p:cNvSpPr>
-          <p:nvPr/>
-        </p:nvSpPr>
-        <p:spPr>
-          <a:xfrm>
-            <a:off x="2834107" y="606211"/>
-            <a:ext cx="1101061" cy="949191"/>
-          </a:xfrm>
-          <a:prstGeom prst="hexagon">
-            <a:avLst/>
-          </a:prstGeom>
-          <a:noFill/>
-          <a:ln w="38100">
-            <a:solidFill>
-              <a:srgbClr val="C00000"/>
-            </a:solidFill>
-          </a:ln>
-        </p:spPr>
-        <p:style>
-          <a:lnRef idx="2">
-            <a:schemeClr val="accent1">
-              <a:shade val="15000"/>
-            </a:schemeClr>
-          </a:lnRef>
-          <a:fillRef idx="1">
-            <a:schemeClr val="accent1"/>
-          </a:fillRef>
-          <a:effectRef idx="0">
-            <a:schemeClr val="accent1"/>
-          </a:effectRef>
-          <a:fontRef idx="minor">
-            <a:schemeClr val="lt1"/>
-          </a:fontRef>
-        </p:style>
-        <p:txBody>
-          <a:bodyPr rtlCol="0" anchor="ctr"/>
-          <a:lstStyle/>
-          <a:p>
-            <a:pPr algn="ctr"/>
-            <a:endParaRPr lang="en-US" dirty="0"/>
-          </a:p>
-        </p:txBody>
-      </p:sp>
-      <p:sp>
-        <p:nvSpPr>
-          <p:cNvPr id="1047" name="Hexagon 1046">
-            <a:extLst>
-              <a:ext uri="{FF2B5EF4-FFF2-40B4-BE49-F238E27FC236}">
-                <a16:creationId xmlns:a16="http://schemas.microsoft.com/office/drawing/2014/main" id="{CDACEC79-344B-B4E4-41E0-EBF8AF32F90C}"/>
-              </a:ext>
-            </a:extLst>
-          </p:cNvPr>
-          <p:cNvSpPr>
-            <a:spLocks noChangeAspect="1"/>
-          </p:cNvSpPr>
-          <p:nvPr/>
-        </p:nvSpPr>
-        <p:spPr>
-          <a:xfrm>
-            <a:off x="3693601" y="130689"/>
-            <a:ext cx="1101061" cy="949191"/>
-          </a:xfrm>
-          <a:prstGeom prst="hexagon">
-            <a:avLst/>
-          </a:prstGeom>
-          <a:noFill/>
-          <a:ln w="38100">
-            <a:solidFill>
-              <a:srgbClr val="C00000"/>
-            </a:solidFill>
-          </a:ln>
-        </p:spPr>
-        <p:style>
-          <a:lnRef idx="2">
-            <a:schemeClr val="accent1">
-              <a:shade val="15000"/>
-            </a:schemeClr>
-          </a:lnRef>
-          <a:fillRef idx="1">
-            <a:schemeClr val="accent1"/>
-          </a:fillRef>
-          <a:effectRef idx="0">
-            <a:schemeClr val="accent1"/>
-          </a:effectRef>
-          <a:fontRef idx="minor">
-            <a:schemeClr val="lt1"/>
-          </a:fontRef>
-        </p:style>
-        <p:txBody>
-          <a:bodyPr rtlCol="0" anchor="ctr"/>
-          <a:lstStyle/>
-          <a:p>
-            <a:pPr algn="ctr"/>
-            <a:endParaRPr lang="en-US" dirty="0"/>
-          </a:p>
-        </p:txBody>
-      </p:sp>
-      <p:sp>
-        <p:nvSpPr>
-          <p:cNvPr id="1048" name="Hexagon 1047">
-            <a:extLst>
-              <a:ext uri="{FF2B5EF4-FFF2-40B4-BE49-F238E27FC236}">
-                <a16:creationId xmlns:a16="http://schemas.microsoft.com/office/drawing/2014/main" id="{1E35B54C-090A-1F13-14AA-318518BC9368}"/>
-              </a:ext>
-            </a:extLst>
-          </p:cNvPr>
-          <p:cNvSpPr>
-            <a:spLocks noChangeAspect="1"/>
-          </p:cNvSpPr>
-          <p:nvPr/>
-        </p:nvSpPr>
-        <p:spPr>
-          <a:xfrm>
-            <a:off x="3687238" y="1088921"/>
-            <a:ext cx="1101061" cy="949191"/>
-          </a:xfrm>
-          <a:prstGeom prst="hexagon">
-            <a:avLst/>
-          </a:prstGeom>
-          <a:noFill/>
-          <a:ln w="38100">
-            <a:solidFill>
-              <a:srgbClr val="C00000"/>
-            </a:solidFill>
-          </a:ln>
-        </p:spPr>
-        <p:style>
-          <a:lnRef idx="2">
-            <a:schemeClr val="accent1">
-              <a:shade val="15000"/>
-            </a:schemeClr>
-          </a:lnRef>
-          <a:fillRef idx="1">
-            <a:schemeClr val="accent1"/>
-          </a:fillRef>
-          <a:effectRef idx="0">
-            <a:schemeClr val="accent1"/>
-          </a:effectRef>
-          <a:fontRef idx="minor">
-            <a:schemeClr val="lt1"/>
-          </a:fontRef>
-        </p:style>
-        <p:txBody>
-          <a:bodyPr rtlCol="0" anchor="ctr"/>
-          <a:lstStyle/>
-          <a:p>
-            <a:pPr algn="ctr"/>
-            <a:endParaRPr lang="en-US" dirty="0"/>
-          </a:p>
-        </p:txBody>
-      </p:sp>
-      <p:sp>
-        <p:nvSpPr>
-          <p:cNvPr id="1049" name="Hexagon 1048">
-            <a:extLst>
-              <a:ext uri="{FF2B5EF4-FFF2-40B4-BE49-F238E27FC236}">
-                <a16:creationId xmlns:a16="http://schemas.microsoft.com/office/drawing/2014/main" id="{BCBB82C8-E63A-EE61-6294-25E618FEB54B}"/>
-              </a:ext>
-            </a:extLst>
-          </p:cNvPr>
-          <p:cNvSpPr>
-            <a:spLocks noChangeAspect="1"/>
-          </p:cNvSpPr>
-          <p:nvPr/>
-        </p:nvSpPr>
-        <p:spPr>
-          <a:xfrm>
-            <a:off x="4550589" y="613297"/>
-            <a:ext cx="1101061" cy="949191"/>
-          </a:xfrm>
-          <a:prstGeom prst="hexagon">
-            <a:avLst/>
-          </a:prstGeom>
-          <a:noFill/>
-          <a:ln w="38100">
-            <a:solidFill>
-              <a:srgbClr val="C00000"/>
-            </a:solidFill>
-          </a:ln>
-        </p:spPr>
-        <p:style>
-          <a:lnRef idx="2">
-            <a:schemeClr val="accent1">
-              <a:shade val="15000"/>
-            </a:schemeClr>
-          </a:lnRef>
-          <a:fillRef idx="1">
-            <a:schemeClr val="accent1"/>
-          </a:fillRef>
-          <a:effectRef idx="0">
-            <a:schemeClr val="accent1"/>
-          </a:effectRef>
-          <a:fontRef idx="minor">
-            <a:schemeClr val="lt1"/>
-          </a:fontRef>
-        </p:style>
-        <p:txBody>
-          <a:bodyPr rtlCol="0" anchor="ctr"/>
-          <a:lstStyle/>
-          <a:p>
-            <a:pPr algn="ctr"/>
-            <a:endParaRPr lang="en-US" dirty="0"/>
-          </a:p>
-        </p:txBody>
-      </p:sp>
-      <p:sp>
-        <p:nvSpPr>
-          <p:cNvPr id="1050" name="Hexagon 1049">
-            <a:extLst>
-              <a:ext uri="{FF2B5EF4-FFF2-40B4-BE49-F238E27FC236}">
-                <a16:creationId xmlns:a16="http://schemas.microsoft.com/office/drawing/2014/main" id="{70D2298F-7505-8383-97B8-EEAD8289CED8}"/>
-              </a:ext>
-            </a:extLst>
-          </p:cNvPr>
-          <p:cNvSpPr>
-            <a:spLocks noChangeAspect="1"/>
-          </p:cNvSpPr>
-          <p:nvPr/>
-        </p:nvSpPr>
-        <p:spPr>
-          <a:xfrm>
-            <a:off x="4550589" y="1565470"/>
-            <a:ext cx="1101061" cy="949191"/>
-          </a:xfrm>
-          <a:prstGeom prst="hexagon">
-            <a:avLst/>
-          </a:prstGeom>
-          <a:noFill/>
-          <a:ln w="38100">
-            <a:solidFill>
-              <a:srgbClr val="C00000"/>
-            </a:solidFill>
-          </a:ln>
-        </p:spPr>
-        <p:style>
-          <a:lnRef idx="2">
-            <a:schemeClr val="accent1">
-              <a:shade val="15000"/>
-            </a:schemeClr>
-          </a:lnRef>
-          <a:fillRef idx="1">
-            <a:schemeClr val="accent1"/>
-          </a:fillRef>
-          <a:effectRef idx="0">
-            <a:schemeClr val="accent1"/>
-          </a:effectRef>
-          <a:fontRef idx="minor">
-            <a:schemeClr val="lt1"/>
-          </a:fontRef>
-        </p:style>
-        <p:txBody>
-          <a:bodyPr rtlCol="0" anchor="ctr"/>
-          <a:lstStyle/>
-          <a:p>
-            <a:pPr algn="ctr"/>
-            <a:endParaRPr lang="en-US" dirty="0"/>
-          </a:p>
-        </p:txBody>
-      </p:sp>
-      <p:sp>
-        <p:nvSpPr>
-          <p:cNvPr id="1051" name="Hexagon 1050">
-            <a:extLst>
-              <a:ext uri="{FF2B5EF4-FFF2-40B4-BE49-F238E27FC236}">
-                <a16:creationId xmlns:a16="http://schemas.microsoft.com/office/drawing/2014/main" id="{DC63DC33-6F51-897F-07D6-CC39F55F7C19}"/>
-              </a:ext>
-            </a:extLst>
-          </p:cNvPr>
-          <p:cNvSpPr>
-            <a:spLocks noChangeAspect="1"/>
-          </p:cNvSpPr>
-          <p:nvPr/>
-        </p:nvSpPr>
-        <p:spPr>
-          <a:xfrm>
-            <a:off x="4550589" y="2524398"/>
-            <a:ext cx="1101061" cy="949191"/>
-          </a:xfrm>
-          <a:prstGeom prst="hexagon">
-            <a:avLst/>
-          </a:prstGeom>
-          <a:noFill/>
-          <a:ln w="38100">
-            <a:solidFill>
-              <a:srgbClr val="C00000"/>
-            </a:solidFill>
-          </a:ln>
-        </p:spPr>
-        <p:style>
-          <a:lnRef idx="2">
-            <a:schemeClr val="accent1">
-              <a:shade val="15000"/>
-            </a:schemeClr>
-          </a:lnRef>
-          <a:fillRef idx="1">
-            <a:schemeClr val="accent1"/>
-          </a:fillRef>
-          <a:effectRef idx="0">
-            <a:schemeClr val="accent1"/>
-          </a:effectRef>
-          <a:fontRef idx="minor">
-            <a:schemeClr val="lt1"/>
-          </a:fontRef>
-        </p:style>
-        <p:txBody>
-          <a:bodyPr rtlCol="0" anchor="ctr"/>
-          <a:lstStyle/>
-          <a:p>
-            <a:pPr algn="ctr"/>
-            <a:endParaRPr lang="en-US" dirty="0"/>
-          </a:p>
-        </p:txBody>
-      </p:sp>
-      <p:sp>
-        <p:nvSpPr>
-          <p:cNvPr id="1052" name="Hexagon 1051">
-            <a:extLst>
-              <a:ext uri="{FF2B5EF4-FFF2-40B4-BE49-F238E27FC236}">
-                <a16:creationId xmlns:a16="http://schemas.microsoft.com/office/drawing/2014/main" id="{A6BED701-B11E-C171-A218-15045EBA5BCB}"/>
-              </a:ext>
-            </a:extLst>
-          </p:cNvPr>
-          <p:cNvSpPr>
-            <a:spLocks noChangeAspect="1"/>
-          </p:cNvSpPr>
-          <p:nvPr/>
-        </p:nvSpPr>
-        <p:spPr>
-          <a:xfrm>
-            <a:off x="3694323" y="2032055"/>
-            <a:ext cx="1101061" cy="949191"/>
-          </a:xfrm>
-          <a:prstGeom prst="hexagon">
-            <a:avLst/>
-          </a:prstGeom>
-          <a:noFill/>
-          <a:ln w="38100">
-            <a:solidFill>
-              <a:srgbClr val="C00000"/>
-            </a:solidFill>
-          </a:ln>
-        </p:spPr>
-        <p:style>
-          <a:lnRef idx="2">
-            <a:schemeClr val="accent1">
-              <a:shade val="15000"/>
-            </a:schemeClr>
-          </a:lnRef>
-          <a:fillRef idx="1">
-            <a:schemeClr val="accent1"/>
-          </a:fillRef>
-          <a:effectRef idx="0">
-            <a:schemeClr val="accent1"/>
-          </a:effectRef>
-          <a:fontRef idx="minor">
-            <a:schemeClr val="lt1"/>
-          </a:fontRef>
-        </p:style>
-        <p:txBody>
-          <a:bodyPr rtlCol="0" anchor="ctr"/>
-          <a:lstStyle/>
-          <a:p>
-            <a:pPr algn="ctr"/>
-            <a:endParaRPr lang="en-US" dirty="0"/>
-          </a:p>
-        </p:txBody>
-      </p:sp>
-      <p:sp>
-        <p:nvSpPr>
-          <p:cNvPr id="1054" name="TextBox 1053">
-            <a:extLst>
-              <a:ext uri="{FF2B5EF4-FFF2-40B4-BE49-F238E27FC236}">
-                <a16:creationId xmlns:a16="http://schemas.microsoft.com/office/drawing/2014/main" id="{E16D4160-E2CF-117C-20CB-9D971F61732B}"/>
+      <p:sp>
+        <p:nvSpPr>
+          <p:cNvPr id="2" name="Title 1">
+            <a:extLst>
+              <a:ext uri="{FF2B5EF4-FFF2-40B4-BE49-F238E27FC236}">
+                <a16:creationId xmlns:a16="http://schemas.microsoft.com/office/drawing/2014/main" id="{A3926BC3-A860-346A-4F58-1EE4C3E7FB0F}"/>
+              </a:ext>
+            </a:extLst>
+          </p:cNvPr>
+          <p:cNvSpPr>
+            <a:spLocks noGrp="1"/>
+          </p:cNvSpPr>
+          <p:nvPr>
+            <p:ph type="title"/>
+          </p:nvPr>
+        </p:nvSpPr>
+        <p:spPr/>
+        <p:txBody>
+          <a:bodyPr/>
+          <a:lstStyle/>
+          <a:p>
+            <a:r>
+              <a:rPr lang="en-US" dirty="0"/>
+              <a:t>Test conditions</a:t>
+            </a:r>
+          </a:p>
+        </p:txBody>
+      </p:sp>
+      <p:sp>
+        <p:nvSpPr>
+          <p:cNvPr id="3" name="TextBox 2">
+            <a:extLst>
+              <a:ext uri="{FF2B5EF4-FFF2-40B4-BE49-F238E27FC236}">
+                <a16:creationId xmlns:a16="http://schemas.microsoft.com/office/drawing/2014/main" id="{A00B5138-8D53-B196-C54A-B372D20698D0}"/>
               </a:ext>
             </a:extLst>
           </p:cNvPr>
@@ -12045,8 +12288,8 @@
         </p:nvSpPr>
         <p:spPr>
           <a:xfrm>
-            <a:off x="6836896" y="857059"/>
-            <a:ext cx="3090073" cy="461665"/>
+            <a:off x="1192695" y="2186609"/>
+            <a:ext cx="7026965" cy="1200329"/>
           </a:xfrm>
           <a:prstGeom prst="rect">
             <a:avLst/>
@@ -12059,10 +12302,27 @@
           </a:bodyPr>
           <a:lstStyle/>
           <a:p>
-            <a:pPr algn="ctr"/>
-            <a:r>
-              <a:rPr lang="en-US" sz="2400" b="1" dirty="0"/>
-              <a:t>Padded PBC (Full FFT)</a:t>
+            <a:r>
+              <a:rPr lang="en-US" dirty="0"/>
+              <a:t>Sigma = 0.05 c/nm2</a:t>
+            </a:r>
+          </a:p>
+          <a:p>
+            <a:r>
+              <a:rPr lang="en-US" dirty="0"/>
+              <a:t>Lx = 15 nm</a:t>
+            </a:r>
+          </a:p>
+          <a:p>
+            <a:r>
+              <a:rPr lang="en-US" dirty="0"/>
+              <a:t>Ly = 15 nm</a:t>
+            </a:r>
+          </a:p>
+          <a:p>
+            <a:r>
+              <a:rPr lang="en-US" dirty="0"/>
+              <a:t>dx = 0.4 nm</a:t>
             </a:r>
           </a:p>
         </p:txBody>
@@ -12072,7 +12332,7 @@
           <p:cNvPr id="4" name="TextBox 3">
             <a:extLst>
               <a:ext uri="{FF2B5EF4-FFF2-40B4-BE49-F238E27FC236}">
-                <a16:creationId xmlns:a16="http://schemas.microsoft.com/office/drawing/2014/main" id="{E790C61F-5E95-A1FC-DF35-A2152D6F59F6}"/>
+                <a16:creationId xmlns:a16="http://schemas.microsoft.com/office/drawing/2014/main" id="{431FD48E-52DE-AC6E-5D2D-A03BFCBE0CEE}"/>
               </a:ext>
             </a:extLst>
           </p:cNvPr>
@@ -12081,8 +12341,8 @@
         </p:nvSpPr>
         <p:spPr>
           <a:xfrm>
-            <a:off x="6445440" y="1667051"/>
-            <a:ext cx="5175060" cy="369332"/>
+            <a:off x="1192694" y="3776869"/>
+            <a:ext cx="7026965" cy="1754326"/>
           </a:xfrm>
           <a:prstGeom prst="rect">
             <a:avLst/>
@@ -12097,7 +12357,34 @@
           <a:p>
             <a:r>
               <a:rPr lang="en-US" dirty="0"/>
-              <a:t>Hexagons drawn for illustration of hexagon approach</a:t>
+              <a:t>Cast in terms of dx (for rounding and PBC for grafting points): </a:t>
+            </a:r>
+          </a:p>
+          <a:p>
+            <a:r>
+              <a:rPr lang="en-US" dirty="0"/>
+              <a:t>	Sigma = 0.0668 c/nm2</a:t>
+            </a:r>
+          </a:p>
+          <a:p>
+            <a:r>
+              <a:rPr lang="en-US" dirty="0"/>
+              <a:t>	Lx = 14.80 nm</a:t>
+            </a:r>
+          </a:p>
+          <a:p>
+            <a:r>
+              <a:rPr lang="en-US" dirty="0"/>
+              <a:t>	Ly = 11.20 nm</a:t>
+            </a:r>
+          </a:p>
+          <a:p>
+            <a:endParaRPr lang="en-US" dirty="0"/>
+          </a:p>
+          <a:p>
+            <a:r>
+              <a:rPr lang="en-US" dirty="0"/>
+              <a:t>(Sigma error decrease with dx)</a:t>
             </a:r>
           </a:p>
         </p:txBody>
@@ -12105,7 +12392,7 @@
     </p:spTree>
     <p:extLst>
       <p:ext uri="{BB962C8B-B14F-4D97-AF65-F5344CB8AC3E}">
-        <p14:creationId xmlns:p14="http://schemas.microsoft.com/office/powerpoint/2010/main" val="775315718"/>
+        <p14:creationId xmlns:p14="http://schemas.microsoft.com/office/powerpoint/2010/main" val="782308025"/>
       </p:ext>
     </p:extLst>
   </p:cSld>

--- a/SYSG3.pptx
+++ b/SYSG3.pptx
@@ -270,7 +270,7 @@
           <a:p>
             <a:fld id="{3FB972CA-75D3-464B-AB07-BF3EA83BD9C3}" type="datetimeFigureOut">
               <a:rPr lang="en-US" smtClean="0"/>
-              <a:t>8/21/2023</a:t>
+              <a:t>8/22/2023</a:t>
             </a:fld>
             <a:endParaRPr lang="en-US"/>
           </a:p>
@@ -468,7 +468,7 @@
           <a:p>
             <a:fld id="{3FB972CA-75D3-464B-AB07-BF3EA83BD9C3}" type="datetimeFigureOut">
               <a:rPr lang="en-US" smtClean="0"/>
-              <a:t>8/21/2023</a:t>
+              <a:t>8/22/2023</a:t>
             </a:fld>
             <a:endParaRPr lang="en-US"/>
           </a:p>
@@ -676,7 +676,7 @@
           <a:p>
             <a:fld id="{3FB972CA-75D3-464B-AB07-BF3EA83BD9C3}" type="datetimeFigureOut">
               <a:rPr lang="en-US" smtClean="0"/>
-              <a:t>8/21/2023</a:t>
+              <a:t>8/22/2023</a:t>
             </a:fld>
             <a:endParaRPr lang="en-US"/>
           </a:p>
@@ -874,7 +874,7 @@
           <a:p>
             <a:fld id="{3FB972CA-75D3-464B-AB07-BF3EA83BD9C3}" type="datetimeFigureOut">
               <a:rPr lang="en-US" smtClean="0"/>
-              <a:t>8/21/2023</a:t>
+              <a:t>8/22/2023</a:t>
             </a:fld>
             <a:endParaRPr lang="en-US"/>
           </a:p>
@@ -1149,7 +1149,7 @@
           <a:p>
             <a:fld id="{3FB972CA-75D3-464B-AB07-BF3EA83BD9C3}" type="datetimeFigureOut">
               <a:rPr lang="en-US" smtClean="0"/>
-              <a:t>8/21/2023</a:t>
+              <a:t>8/22/2023</a:t>
             </a:fld>
             <a:endParaRPr lang="en-US"/>
           </a:p>
@@ -1414,7 +1414,7 @@
           <a:p>
             <a:fld id="{3FB972CA-75D3-464B-AB07-BF3EA83BD9C3}" type="datetimeFigureOut">
               <a:rPr lang="en-US" smtClean="0"/>
-              <a:t>8/21/2023</a:t>
+              <a:t>8/22/2023</a:t>
             </a:fld>
             <a:endParaRPr lang="en-US"/>
           </a:p>
@@ -1826,7 +1826,7 @@
           <a:p>
             <a:fld id="{3FB972CA-75D3-464B-AB07-BF3EA83BD9C3}" type="datetimeFigureOut">
               <a:rPr lang="en-US" smtClean="0"/>
-              <a:t>8/21/2023</a:t>
+              <a:t>8/22/2023</a:t>
             </a:fld>
             <a:endParaRPr lang="en-US"/>
           </a:p>
@@ -1967,7 +1967,7 @@
           <a:p>
             <a:fld id="{3FB972CA-75D3-464B-AB07-BF3EA83BD9C3}" type="datetimeFigureOut">
               <a:rPr lang="en-US" smtClean="0"/>
-              <a:t>8/21/2023</a:t>
+              <a:t>8/22/2023</a:t>
             </a:fld>
             <a:endParaRPr lang="en-US"/>
           </a:p>
@@ -2080,7 +2080,7 @@
           <a:p>
             <a:fld id="{3FB972CA-75D3-464B-AB07-BF3EA83BD9C3}" type="datetimeFigureOut">
               <a:rPr lang="en-US" smtClean="0"/>
-              <a:t>8/21/2023</a:t>
+              <a:t>8/22/2023</a:t>
             </a:fld>
             <a:endParaRPr lang="en-US"/>
           </a:p>
@@ -2391,7 +2391,7 @@
           <a:p>
             <a:fld id="{3FB972CA-75D3-464B-AB07-BF3EA83BD9C3}" type="datetimeFigureOut">
               <a:rPr lang="en-US" smtClean="0"/>
-              <a:t>8/21/2023</a:t>
+              <a:t>8/22/2023</a:t>
             </a:fld>
             <a:endParaRPr lang="en-US"/>
           </a:p>
@@ -2679,7 +2679,7 @@
           <a:p>
             <a:fld id="{3FB972CA-75D3-464B-AB07-BF3EA83BD9C3}" type="datetimeFigureOut">
               <a:rPr lang="en-US" smtClean="0"/>
-              <a:t>8/21/2023</a:t>
+              <a:t>8/22/2023</a:t>
             </a:fld>
             <a:endParaRPr lang="en-US"/>
           </a:p>
@@ -2920,7 +2920,7 @@
           <a:p>
             <a:fld id="{3FB972CA-75D3-464B-AB07-BF3EA83BD9C3}" type="datetimeFigureOut">
               <a:rPr lang="en-US" smtClean="0"/>
-              <a:t>8/21/2023</a:t>
+              <a:t>8/22/2023</a:t>
             </a:fld>
             <a:endParaRPr lang="en-US"/>
           </a:p>
@@ -10550,97 +10550,6 @@
       </p:sp>
       <p:grpSp>
         <p:nvGrpSpPr>
-          <p:cNvPr id="18" name="Group 17">
-            <a:extLst>
-              <a:ext uri="{FF2B5EF4-FFF2-40B4-BE49-F238E27FC236}">
-                <a16:creationId xmlns:a16="http://schemas.microsoft.com/office/drawing/2014/main" id="{5AFE8D39-65DC-4B90-1A06-A32E352E1834}"/>
-              </a:ext>
-            </a:extLst>
-          </p:cNvPr>
-          <p:cNvGrpSpPr/>
-          <p:nvPr/>
-        </p:nvGrpSpPr>
-        <p:grpSpPr>
-          <a:xfrm>
-            <a:off x="3969992" y="887225"/>
-            <a:ext cx="3504119" cy="2097195"/>
-            <a:chOff x="3969992" y="887225"/>
-            <a:chExt cx="3504119" cy="2097195"/>
-          </a:xfrm>
-        </p:grpSpPr>
-        <p:pic>
-          <p:nvPicPr>
-            <p:cNvPr id="8" name="Picture 7">
-              <a:extLst>
-                <a:ext uri="{FF2B5EF4-FFF2-40B4-BE49-F238E27FC236}">
-                  <a16:creationId xmlns:a16="http://schemas.microsoft.com/office/drawing/2014/main" id="{45C10048-1638-FED9-D85D-A0F7F28FDD5B}"/>
-                </a:ext>
-              </a:extLst>
-            </p:cNvPr>
-            <p:cNvPicPr>
-              <a:picLocks noChangeAspect="1"/>
-            </p:cNvPicPr>
-            <p:nvPr/>
-          </p:nvPicPr>
-          <p:blipFill>
-            <a:blip r:embed="rId6"/>
-            <a:stretch>
-              <a:fillRect/>
-            </a:stretch>
-          </p:blipFill>
-          <p:spPr>
-            <a:xfrm>
-              <a:off x="3969992" y="887225"/>
-              <a:ext cx="3504119" cy="2097195"/>
-            </a:xfrm>
-            <a:prstGeom prst="rect">
-              <a:avLst/>
-            </a:prstGeom>
-          </p:spPr>
-        </p:pic>
-        <p:sp>
-          <p:nvSpPr>
-            <p:cNvPr id="17" name="TextBox 16">
-              <a:extLst>
-                <a:ext uri="{FF2B5EF4-FFF2-40B4-BE49-F238E27FC236}">
-                  <a16:creationId xmlns:a16="http://schemas.microsoft.com/office/drawing/2014/main" id="{F3025FB3-FA4E-6E08-5A32-C257F8C7523B}"/>
-                </a:ext>
-              </a:extLst>
-            </p:cNvPr>
-            <p:cNvSpPr txBox="1"/>
-            <p:nvPr/>
-          </p:nvSpPr>
-          <p:spPr>
-            <a:xfrm>
-              <a:off x="5927602" y="973999"/>
-              <a:ext cx="1427134" cy="338554"/>
-            </a:xfrm>
-            <a:prstGeom prst="rect">
-              <a:avLst/>
-            </a:prstGeom>
-            <a:noFill/>
-          </p:spPr>
-          <p:txBody>
-            <a:bodyPr wrap="square" rtlCol="0">
-              <a:spAutoFit/>
-            </a:bodyPr>
-            <a:lstStyle/>
-            <a:p>
-              <a:pPr algn="r"/>
-              <a:r>
-                <a:rPr lang="en-US" sz="1600" dirty="0">
-                  <a:solidFill>
-                    <a:schemeClr val="bg1"/>
-                  </a:solidFill>
-                </a:rPr>
-                <a:t>a010x075c010</a:t>
-              </a:r>
-            </a:p>
-          </p:txBody>
-        </p:sp>
-      </p:grpSp>
-      <p:grpSp>
-        <p:nvGrpSpPr>
           <p:cNvPr id="24" name="Group 23">
             <a:extLst>
               <a:ext uri="{FF2B5EF4-FFF2-40B4-BE49-F238E27FC236}">
@@ -10674,7 +10583,7 @@
             <p:nvPr/>
           </p:nvPicPr>
           <p:blipFill>
-            <a:blip r:embed="rId7"/>
+            <a:blip r:embed="rId6"/>
             <a:stretch>
               <a:fillRect/>
             </a:stretch>
@@ -10765,7 +10674,7 @@
             <p:nvPr/>
           </p:nvPicPr>
           <p:blipFill>
-            <a:blip r:embed="rId8"/>
+            <a:blip r:embed="rId7"/>
             <a:stretch>
               <a:fillRect/>
             </a:stretch>
@@ -10835,7 +10744,7 @@
         </p:nvSpPr>
         <p:spPr>
           <a:xfrm>
-            <a:off x="7413506" y="135468"/>
+            <a:off x="7688350" y="135468"/>
             <a:ext cx="3581400" cy="3738113"/>
           </a:xfrm>
           <a:prstGeom prst="rect">
@@ -10896,14 +10805,147 @@
               <a:t> fixed</a:t>
             </a:r>
           </a:p>
-          <a:p>
-            <a:pPr marL="285750" indent="-285750" algn="ctr">
-              <a:buFont typeface="Arial" panose="020B0604020202020204" pitchFamily="34" charset="0"/>
-              <a:buChar char="•"/>
-            </a:pPr>
+        </p:txBody>
+      </p:sp>
+      <p:grpSp>
+        <p:nvGrpSpPr>
+          <p:cNvPr id="25" name="Group 24">
+            <a:extLst>
+              <a:ext uri="{FF2B5EF4-FFF2-40B4-BE49-F238E27FC236}">
+                <a16:creationId xmlns:a16="http://schemas.microsoft.com/office/drawing/2014/main" id="{26D41AB3-E243-CBCB-9864-C960EEB46A68}"/>
+              </a:ext>
+            </a:extLst>
+          </p:cNvPr>
+          <p:cNvGrpSpPr/>
+          <p:nvPr/>
+        </p:nvGrpSpPr>
+        <p:grpSpPr>
+          <a:xfrm>
+            <a:off x="3955197" y="914234"/>
+            <a:ext cx="3482174" cy="2103356"/>
+            <a:chOff x="3955197" y="914234"/>
+            <a:chExt cx="3482174" cy="2103356"/>
+          </a:xfrm>
+        </p:grpSpPr>
+        <p:pic>
+          <p:nvPicPr>
+            <p:cNvPr id="11" name="Picture 10">
+              <a:extLst>
+                <a:ext uri="{FF2B5EF4-FFF2-40B4-BE49-F238E27FC236}">
+                  <a16:creationId xmlns:a16="http://schemas.microsoft.com/office/drawing/2014/main" id="{AE2ABBB3-551D-0D23-BEE9-0C0C61294DA5}"/>
+                </a:ext>
+              </a:extLst>
+            </p:cNvPr>
+            <p:cNvPicPr>
+              <a:picLocks noChangeAspect="1"/>
+            </p:cNvPicPr>
+            <p:nvPr/>
+          </p:nvPicPr>
+          <p:blipFill>
+            <a:blip r:embed="rId8"/>
+            <a:stretch>
+              <a:fillRect/>
+            </a:stretch>
+          </p:blipFill>
+          <p:spPr>
+            <a:xfrm>
+              <a:off x="3955197" y="914234"/>
+              <a:ext cx="3482174" cy="2103356"/>
+            </a:xfrm>
+            <a:prstGeom prst="rect">
+              <a:avLst/>
+            </a:prstGeom>
+          </p:spPr>
+        </p:pic>
+        <p:sp>
+          <p:nvSpPr>
+            <p:cNvPr id="19" name="TextBox 18">
+              <a:extLst>
+                <a:ext uri="{FF2B5EF4-FFF2-40B4-BE49-F238E27FC236}">
+                  <a16:creationId xmlns:a16="http://schemas.microsoft.com/office/drawing/2014/main" id="{EC9CCDB5-EEA2-8127-F5FE-3E3C87C51925}"/>
+                </a:ext>
+              </a:extLst>
+            </p:cNvPr>
+            <p:cNvSpPr txBox="1"/>
+            <p:nvPr/>
+          </p:nvSpPr>
+          <p:spPr>
+            <a:xfrm>
+              <a:off x="5879526" y="1076894"/>
+              <a:ext cx="1427134" cy="338554"/>
+            </a:xfrm>
+            <a:prstGeom prst="rect">
+              <a:avLst/>
+            </a:prstGeom>
+            <a:noFill/>
+          </p:spPr>
+          <p:txBody>
+            <a:bodyPr wrap="square" rtlCol="0">
+              <a:spAutoFit/>
+            </a:bodyPr>
+            <a:lstStyle/>
+            <a:p>
+              <a:pPr algn="r"/>
+              <a:r>
+                <a:rPr lang="en-US" sz="1600" dirty="0">
+                  <a:solidFill>
+                    <a:schemeClr val="bg1"/>
+                  </a:solidFill>
+                </a:rPr>
+                <a:t>a010x075c010</a:t>
+              </a:r>
+            </a:p>
+          </p:txBody>
+        </p:sp>
+      </p:grpSp>
+      <p:sp>
+        <p:nvSpPr>
+          <p:cNvPr id="16" name="Rectangle 15">
+            <a:extLst>
+              <a:ext uri="{FF2B5EF4-FFF2-40B4-BE49-F238E27FC236}">
+                <a16:creationId xmlns:a16="http://schemas.microsoft.com/office/drawing/2014/main" id="{5ABC2824-7410-AAE5-65F2-32EA62B33217}"/>
+              </a:ext>
+            </a:extLst>
+          </p:cNvPr>
+          <p:cNvSpPr/>
+          <p:nvPr/>
+        </p:nvSpPr>
+        <p:spPr>
+          <a:xfrm>
+            <a:off x="7039548" y="2656688"/>
+            <a:ext cx="611516" cy="311105"/>
+          </a:xfrm>
+          <a:prstGeom prst="rect">
+            <a:avLst/>
+          </a:prstGeom>
+          <a:solidFill>
+            <a:schemeClr val="tx1"/>
+          </a:solidFill>
+        </p:spPr>
+        <p:style>
+          <a:lnRef idx="2">
+            <a:schemeClr val="accent1">
+              <a:shade val="15000"/>
+            </a:schemeClr>
+          </a:lnRef>
+          <a:fillRef idx="1">
+            <a:schemeClr val="accent1"/>
+          </a:fillRef>
+          <a:effectRef idx="0">
+            <a:schemeClr val="accent1"/>
+          </a:effectRef>
+          <a:fontRef idx="minor">
+            <a:schemeClr val="lt1"/>
+          </a:fontRef>
+        </p:style>
+        <p:txBody>
+          <a:bodyPr rtlCol="0" anchor="ctr"/>
+          <a:lstStyle/>
+          <a:p>
+            <a:pPr algn="ctr"/>
             <a:r>
               <a:rPr lang="en-US" dirty="0"/>
-              <a:t>RUNNING (08/21)</a:t>
+              <a:t>20</a:t>
             </a:r>
           </a:p>
         </p:txBody>

--- a/SYSG3.pptx
+++ b/SYSG3.pptx
@@ -10548,12 +10548,89 @@
           </a:p>
         </p:txBody>
       </p:sp>
+      <p:sp>
+        <p:nvSpPr>
+          <p:cNvPr id="29" name="Rectangle 28">
+            <a:extLst>
+              <a:ext uri="{FF2B5EF4-FFF2-40B4-BE49-F238E27FC236}">
+                <a16:creationId xmlns:a16="http://schemas.microsoft.com/office/drawing/2014/main" id="{57CBBE49-43F5-6129-C49B-9B665AF63C42}"/>
+              </a:ext>
+            </a:extLst>
+          </p:cNvPr>
+          <p:cNvSpPr/>
+          <p:nvPr/>
+        </p:nvSpPr>
+        <p:spPr>
+          <a:xfrm>
+            <a:off x="7688350" y="135468"/>
+            <a:ext cx="3581400" cy="3738113"/>
+          </a:xfrm>
+          <a:prstGeom prst="rect">
+            <a:avLst/>
+          </a:prstGeom>
+        </p:spPr>
+        <p:style>
+          <a:lnRef idx="2">
+            <a:schemeClr val="accent1">
+              <a:shade val="15000"/>
+            </a:schemeClr>
+          </a:lnRef>
+          <a:fillRef idx="1">
+            <a:schemeClr val="accent1"/>
+          </a:fillRef>
+          <a:effectRef idx="0">
+            <a:schemeClr val="accent1"/>
+          </a:effectRef>
+          <a:fontRef idx="minor">
+            <a:schemeClr val="lt1"/>
+          </a:fontRef>
+        </p:style>
+        <p:txBody>
+          <a:bodyPr rtlCol="0" anchor="ctr"/>
+          <a:lstStyle/>
+          <a:p>
+            <a:pPr algn="ctr"/>
+            <a:r>
+              <a:rPr lang="en-US" dirty="0"/>
+              <a:t>Something wrong with PB</a:t>
+            </a:r>
+          </a:p>
+          <a:p>
+            <a:pPr marL="285750" indent="-285750" algn="ctr">
+              <a:buFont typeface="Arial" panose="020B0604020202020204" pitchFamily="34" charset="0"/>
+              <a:buChar char="•"/>
+            </a:pPr>
+            <a:r>
+              <a:rPr lang="en-US" dirty="0" err="1"/>
+              <a:t>eps_prof</a:t>
+            </a:r>
+            <a:r>
+              <a:rPr lang="en-US" dirty="0"/>
+              <a:t> fixed </a:t>
+            </a:r>
+          </a:p>
+          <a:p>
+            <a:pPr marL="285750" indent="-285750" algn="ctr">
+              <a:buFont typeface="Arial" panose="020B0604020202020204" pitchFamily="34" charset="0"/>
+              <a:buChar char="•"/>
+            </a:pPr>
+            <a:r>
+              <a:rPr lang="en-US" dirty="0" err="1"/>
+              <a:t>L_Deb</a:t>
+            </a:r>
+            <a:r>
+              <a:rPr lang="en-US" dirty="0"/>
+              <a:t> fixed</a:t>
+            </a:r>
+          </a:p>
+        </p:txBody>
+      </p:sp>
       <p:grpSp>
         <p:nvGrpSpPr>
-          <p:cNvPr id="24" name="Group 23">
-            <a:extLst>
-              <a:ext uri="{FF2B5EF4-FFF2-40B4-BE49-F238E27FC236}">
-                <a16:creationId xmlns:a16="http://schemas.microsoft.com/office/drawing/2014/main" id="{FEBF2B04-94E0-1359-A2D5-B022F065FC24}"/>
+          <p:cNvPr id="33" name="Group 32">
+            <a:extLst>
+              <a:ext uri="{FF2B5EF4-FFF2-40B4-BE49-F238E27FC236}">
+                <a16:creationId xmlns:a16="http://schemas.microsoft.com/office/drawing/2014/main" id="{2A17C156-C4D6-C4CE-AC3C-B86952661E40}"/>
               </a:ext>
             </a:extLst>
           </p:cNvPr>
@@ -10562,18 +10639,18 @@
         </p:nvGrpSpPr>
         <p:grpSpPr>
           <a:xfrm>
-            <a:off x="3979061" y="2802853"/>
-            <a:ext cx="3504119" cy="2103355"/>
-            <a:chOff x="3979061" y="2802853"/>
-            <a:chExt cx="3504119" cy="2103355"/>
+            <a:off x="3943241" y="923642"/>
+            <a:ext cx="3503766" cy="2106667"/>
+            <a:chOff x="3943241" y="923642"/>
+            <a:chExt cx="3503766" cy="2106667"/>
           </a:xfrm>
         </p:grpSpPr>
         <p:pic>
           <p:nvPicPr>
-            <p:cNvPr id="22" name="Picture 21">
+            <p:cNvPr id="31" name="Picture 30">
               <a:extLst>
                 <a:ext uri="{FF2B5EF4-FFF2-40B4-BE49-F238E27FC236}">
-                  <a16:creationId xmlns:a16="http://schemas.microsoft.com/office/drawing/2014/main" id="{E15C966D-8729-38E0-B57D-E56AF8FCD5E2}"/>
+                  <a16:creationId xmlns:a16="http://schemas.microsoft.com/office/drawing/2014/main" id="{5C7235CE-4EAE-C0E3-30B0-296A16EFC3FF}"/>
                 </a:ext>
               </a:extLst>
             </p:cNvPr>
@@ -10590,8 +10667,8 @@
           </p:blipFill>
           <p:spPr>
             <a:xfrm>
-              <a:off x="3979061" y="2802853"/>
-              <a:ext cx="3504119" cy="2103355"/>
+              <a:off x="3943241" y="923642"/>
+              <a:ext cx="3503766" cy="2106667"/>
             </a:xfrm>
             <a:prstGeom prst="rect">
               <a:avLst/>
@@ -10600,10 +10677,10 @@
         </p:pic>
         <p:sp>
           <p:nvSpPr>
-            <p:cNvPr id="23" name="TextBox 22">
+            <p:cNvPr id="32" name="TextBox 31">
               <a:extLst>
                 <a:ext uri="{FF2B5EF4-FFF2-40B4-BE49-F238E27FC236}">
-                  <a16:creationId xmlns:a16="http://schemas.microsoft.com/office/drawing/2014/main" id="{890DB379-0F2C-1700-3A9B-CF7C37142184}"/>
+                  <a16:creationId xmlns:a16="http://schemas.microsoft.com/office/drawing/2014/main" id="{8948433F-3A7F-5E4F-D394-62D37C2AA26E}"/>
                 </a:ext>
               </a:extLst>
             </p:cNvPr>
@@ -10612,7 +10689,98 @@
           </p:nvSpPr>
           <p:spPr>
             <a:xfrm>
-              <a:off x="5986372" y="2861032"/>
+              <a:off x="5918172" y="1007445"/>
+              <a:ext cx="1427134" cy="338554"/>
+            </a:xfrm>
+            <a:prstGeom prst="rect">
+              <a:avLst/>
+            </a:prstGeom>
+            <a:noFill/>
+          </p:spPr>
+          <p:txBody>
+            <a:bodyPr wrap="square" rtlCol="0">
+              <a:spAutoFit/>
+            </a:bodyPr>
+            <a:lstStyle/>
+            <a:p>
+              <a:pPr algn="r"/>
+              <a:r>
+                <a:rPr lang="en-US" sz="1600" dirty="0">
+                  <a:solidFill>
+                    <a:schemeClr val="bg1"/>
+                  </a:solidFill>
+                </a:rPr>
+                <a:t>a010x075c010</a:t>
+              </a:r>
+            </a:p>
+          </p:txBody>
+        </p:sp>
+      </p:grpSp>
+      <p:grpSp>
+        <p:nvGrpSpPr>
+          <p:cNvPr id="37" name="Group 36">
+            <a:extLst>
+              <a:ext uri="{FF2B5EF4-FFF2-40B4-BE49-F238E27FC236}">
+                <a16:creationId xmlns:a16="http://schemas.microsoft.com/office/drawing/2014/main" id="{64297A72-7F54-CCB6-CCBD-3CFF5BA5CA9F}"/>
+              </a:ext>
+            </a:extLst>
+          </p:cNvPr>
+          <p:cNvGrpSpPr/>
+          <p:nvPr/>
+        </p:nvGrpSpPr>
+        <p:grpSpPr>
+          <a:xfrm>
+            <a:off x="3956815" y="2840024"/>
+            <a:ext cx="3490560" cy="2115491"/>
+            <a:chOff x="3956815" y="2840024"/>
+            <a:chExt cx="3490560" cy="2115491"/>
+          </a:xfrm>
+        </p:grpSpPr>
+        <p:pic>
+          <p:nvPicPr>
+            <p:cNvPr id="35" name="Picture 34">
+              <a:extLst>
+                <a:ext uri="{FF2B5EF4-FFF2-40B4-BE49-F238E27FC236}">
+                  <a16:creationId xmlns:a16="http://schemas.microsoft.com/office/drawing/2014/main" id="{8B2B5BD5-0248-1783-FE51-713779726D54}"/>
+                </a:ext>
+              </a:extLst>
+            </p:cNvPr>
+            <p:cNvPicPr>
+              <a:picLocks noChangeAspect="1"/>
+            </p:cNvPicPr>
+            <p:nvPr/>
+          </p:nvPicPr>
+          <p:blipFill>
+            <a:blip r:embed="rId7"/>
+            <a:stretch>
+              <a:fillRect/>
+            </a:stretch>
+          </p:blipFill>
+          <p:spPr>
+            <a:xfrm>
+              <a:off x="3956815" y="2840024"/>
+              <a:ext cx="3490560" cy="2115491"/>
+            </a:xfrm>
+            <a:prstGeom prst="rect">
+              <a:avLst/>
+            </a:prstGeom>
+          </p:spPr>
+        </p:pic>
+        <p:sp>
+          <p:nvSpPr>
+            <p:cNvPr id="36" name="TextBox 35">
+              <a:extLst>
+                <a:ext uri="{FF2B5EF4-FFF2-40B4-BE49-F238E27FC236}">
+                  <a16:creationId xmlns:a16="http://schemas.microsoft.com/office/drawing/2014/main" id="{B6E758E8-5F7C-27B7-1F7A-53F2151ABED5}"/>
+                </a:ext>
+              </a:extLst>
+            </p:cNvPr>
+            <p:cNvSpPr txBox="1"/>
+            <p:nvPr/>
+          </p:nvSpPr>
+          <p:spPr>
+            <a:xfrm>
+              <a:off x="5918172" y="2897379"/>
               <a:ext cx="1427134" cy="338554"/>
             </a:xfrm>
             <a:prstGeom prst="rect">
@@ -10639,12 +10807,64 @@
           </p:txBody>
         </p:sp>
       </p:grpSp>
+      <p:sp>
+        <p:nvSpPr>
+          <p:cNvPr id="16" name="Rectangle 15">
+            <a:extLst>
+              <a:ext uri="{FF2B5EF4-FFF2-40B4-BE49-F238E27FC236}">
+                <a16:creationId xmlns:a16="http://schemas.microsoft.com/office/drawing/2014/main" id="{5ABC2824-7410-AAE5-65F2-32EA62B33217}"/>
+              </a:ext>
+            </a:extLst>
+          </p:cNvPr>
+          <p:cNvSpPr/>
+          <p:nvPr/>
+        </p:nvSpPr>
+        <p:spPr>
+          <a:xfrm>
+            <a:off x="7039548" y="2656688"/>
+            <a:ext cx="611516" cy="311105"/>
+          </a:xfrm>
+          <a:prstGeom prst="rect">
+            <a:avLst/>
+          </a:prstGeom>
+          <a:solidFill>
+            <a:schemeClr val="tx1"/>
+          </a:solidFill>
+        </p:spPr>
+        <p:style>
+          <a:lnRef idx="2">
+            <a:schemeClr val="accent1">
+              <a:shade val="15000"/>
+            </a:schemeClr>
+          </a:lnRef>
+          <a:fillRef idx="1">
+            <a:schemeClr val="accent1"/>
+          </a:fillRef>
+          <a:effectRef idx="0">
+            <a:schemeClr val="accent1"/>
+          </a:effectRef>
+          <a:fontRef idx="minor">
+            <a:schemeClr val="lt1"/>
+          </a:fontRef>
+        </p:style>
+        <p:txBody>
+          <a:bodyPr rtlCol="0" anchor="ctr"/>
+          <a:lstStyle/>
+          <a:p>
+            <a:pPr algn="ctr"/>
+            <a:r>
+              <a:rPr lang="en-US" dirty="0"/>
+              <a:t>20</a:t>
+            </a:r>
+          </a:p>
+        </p:txBody>
+      </p:sp>
       <p:grpSp>
         <p:nvGrpSpPr>
-          <p:cNvPr id="28" name="Group 27">
-            <a:extLst>
-              <a:ext uri="{FF2B5EF4-FFF2-40B4-BE49-F238E27FC236}">
-                <a16:creationId xmlns:a16="http://schemas.microsoft.com/office/drawing/2014/main" id="{7CDC689F-31F2-DA2E-1999-7D663642AE1D}"/>
+          <p:cNvPr id="43" name="Group 42">
+            <a:extLst>
+              <a:ext uri="{FF2B5EF4-FFF2-40B4-BE49-F238E27FC236}">
+                <a16:creationId xmlns:a16="http://schemas.microsoft.com/office/drawing/2014/main" id="{1E223A79-FBD2-0584-AACC-D6BBD256E0BE}"/>
               </a:ext>
             </a:extLst>
           </p:cNvPr>
@@ -10653,18 +10873,18 @@
         </p:nvGrpSpPr>
         <p:grpSpPr>
           <a:xfrm>
-            <a:off x="4002255" y="4657858"/>
-            <a:ext cx="3471856" cy="2103355"/>
-            <a:chOff x="4002255" y="4657858"/>
-            <a:chExt cx="3471856" cy="2103355"/>
+            <a:off x="3957385" y="4718470"/>
+            <a:ext cx="3472688" cy="2097196"/>
+            <a:chOff x="3957385" y="4718470"/>
+            <a:chExt cx="3472688" cy="2097196"/>
           </a:xfrm>
         </p:grpSpPr>
         <p:pic>
           <p:nvPicPr>
-            <p:cNvPr id="26" name="Picture 25">
+            <p:cNvPr id="40" name="Picture 39">
               <a:extLst>
                 <a:ext uri="{FF2B5EF4-FFF2-40B4-BE49-F238E27FC236}">
-                  <a16:creationId xmlns:a16="http://schemas.microsoft.com/office/drawing/2014/main" id="{4C3570BB-E5E0-35B3-85A7-6DEB3E51C566}"/>
+                  <a16:creationId xmlns:a16="http://schemas.microsoft.com/office/drawing/2014/main" id="{C00E2256-C6B9-125E-F808-A6F0A21EB173}"/>
                 </a:ext>
               </a:extLst>
             </p:cNvPr>
@@ -10673,16 +10893,15 @@
             </p:cNvPicPr>
             <p:nvPr/>
           </p:nvPicPr>
-          <p:blipFill>
-            <a:blip r:embed="rId7"/>
-            <a:stretch>
-              <a:fillRect/>
-            </a:stretch>
+          <p:blipFill rotWithShape="1">
+            <a:blip r:embed="rId8"/>
+            <a:srcRect t="2312"/>
+            <a:stretch/>
           </p:blipFill>
           <p:spPr>
             <a:xfrm>
-              <a:off x="4002255" y="4657858"/>
-              <a:ext cx="3471856" cy="2103355"/>
+              <a:off x="3957385" y="4718470"/>
+              <a:ext cx="3472688" cy="2097196"/>
             </a:xfrm>
             <a:prstGeom prst="rect">
               <a:avLst/>
@@ -10691,10 +10910,10 @@
         </p:pic>
         <p:sp>
           <p:nvSpPr>
-            <p:cNvPr id="27" name="TextBox 26">
+            <p:cNvPr id="42" name="TextBox 41">
               <a:extLst>
                 <a:ext uri="{FF2B5EF4-FFF2-40B4-BE49-F238E27FC236}">
-                  <a16:creationId xmlns:a16="http://schemas.microsoft.com/office/drawing/2014/main" id="{1205D94F-E0DB-0838-68DC-F15F42C73843}"/>
+                  <a16:creationId xmlns:a16="http://schemas.microsoft.com/office/drawing/2014/main" id="{E8C35935-8A51-6292-2122-5D1751B1C6A6}"/>
                 </a:ext>
               </a:extLst>
             </p:cNvPr>
@@ -10703,7 +10922,7 @@
           </p:nvSpPr>
           <p:spPr>
             <a:xfrm>
-              <a:off x="5986372" y="4756721"/>
+              <a:off x="5918172" y="4853768"/>
               <a:ext cx="1427134" cy="338554"/>
             </a:xfrm>
             <a:prstGeom prst="rect">
@@ -10732,10 +10951,10 @@
       </p:grpSp>
       <p:sp>
         <p:nvSpPr>
-          <p:cNvPr id="29" name="Rectangle 28">
-            <a:extLst>
-              <a:ext uri="{FF2B5EF4-FFF2-40B4-BE49-F238E27FC236}">
-                <a16:creationId xmlns:a16="http://schemas.microsoft.com/office/drawing/2014/main" id="{57CBBE49-43F5-6129-C49B-9B665AF63C42}"/>
+          <p:cNvPr id="41" name="Rectangle 40">
+            <a:extLst>
+              <a:ext uri="{FF2B5EF4-FFF2-40B4-BE49-F238E27FC236}">
+                <a16:creationId xmlns:a16="http://schemas.microsoft.com/office/drawing/2014/main" id="{48041710-6FD8-4FB7-1486-39ADE81D5376}"/>
               </a:ext>
             </a:extLst>
           </p:cNvPr>
@@ -10744,12 +10963,15 @@
         </p:nvSpPr>
         <p:spPr>
           <a:xfrm>
-            <a:off x="7688350" y="135468"/>
-            <a:ext cx="3581400" cy="3738113"/>
+            <a:off x="7039548" y="6469526"/>
+            <a:ext cx="611516" cy="311105"/>
           </a:xfrm>
           <a:prstGeom prst="rect">
             <a:avLst/>
           </a:prstGeom>
+          <a:solidFill>
+            <a:schemeClr val="tx1"/>
+          </a:solidFill>
         </p:spPr>
         <p:style>
           <a:lnRef idx="2">
@@ -10774,136 +10996,17 @@
             <a:pPr algn="ctr"/>
             <a:r>
               <a:rPr lang="en-US" dirty="0"/>
-              <a:t>Something wrong with PB</a:t>
-            </a:r>
-          </a:p>
-          <a:p>
-            <a:pPr marL="285750" indent="-285750" algn="ctr">
-              <a:buFont typeface="Arial" panose="020B0604020202020204" pitchFamily="34" charset="0"/>
-              <a:buChar char="•"/>
-            </a:pPr>
-            <a:r>
-              <a:rPr lang="en-US" dirty="0" err="1"/>
-              <a:t>eps_prof</a:t>
-            </a:r>
-            <a:r>
-              <a:rPr lang="en-US" dirty="0"/>
-              <a:t> fixed </a:t>
-            </a:r>
-          </a:p>
-          <a:p>
-            <a:pPr marL="285750" indent="-285750" algn="ctr">
-              <a:buFont typeface="Arial" panose="020B0604020202020204" pitchFamily="34" charset="0"/>
-              <a:buChar char="•"/>
-            </a:pPr>
-            <a:r>
-              <a:rPr lang="en-US" dirty="0" err="1"/>
-              <a:t>L_Deb</a:t>
-            </a:r>
-            <a:r>
-              <a:rPr lang="en-US" dirty="0"/>
-              <a:t> fixed</a:t>
-            </a:r>
-          </a:p>
-        </p:txBody>
-      </p:sp>
-      <p:grpSp>
-        <p:nvGrpSpPr>
-          <p:cNvPr id="25" name="Group 24">
-            <a:extLst>
-              <a:ext uri="{FF2B5EF4-FFF2-40B4-BE49-F238E27FC236}">
-                <a16:creationId xmlns:a16="http://schemas.microsoft.com/office/drawing/2014/main" id="{26D41AB3-E243-CBCB-9864-C960EEB46A68}"/>
-              </a:ext>
-            </a:extLst>
-          </p:cNvPr>
-          <p:cNvGrpSpPr/>
-          <p:nvPr/>
-        </p:nvGrpSpPr>
-        <p:grpSpPr>
-          <a:xfrm>
-            <a:off x="3955197" y="914234"/>
-            <a:ext cx="3482174" cy="2103356"/>
-            <a:chOff x="3955197" y="914234"/>
-            <a:chExt cx="3482174" cy="2103356"/>
-          </a:xfrm>
-        </p:grpSpPr>
-        <p:pic>
-          <p:nvPicPr>
-            <p:cNvPr id="11" name="Picture 10">
-              <a:extLst>
-                <a:ext uri="{FF2B5EF4-FFF2-40B4-BE49-F238E27FC236}">
-                  <a16:creationId xmlns:a16="http://schemas.microsoft.com/office/drawing/2014/main" id="{AE2ABBB3-551D-0D23-BEE9-0C0C61294DA5}"/>
-                </a:ext>
-              </a:extLst>
-            </p:cNvPr>
-            <p:cNvPicPr>
-              <a:picLocks noChangeAspect="1"/>
-            </p:cNvPicPr>
-            <p:nvPr/>
-          </p:nvPicPr>
-          <p:blipFill>
-            <a:blip r:embed="rId8"/>
-            <a:stretch>
-              <a:fillRect/>
-            </a:stretch>
-          </p:blipFill>
-          <p:spPr>
-            <a:xfrm>
-              <a:off x="3955197" y="914234"/>
-              <a:ext cx="3482174" cy="2103356"/>
-            </a:xfrm>
-            <a:prstGeom prst="rect">
-              <a:avLst/>
-            </a:prstGeom>
-          </p:spPr>
-        </p:pic>
-        <p:sp>
-          <p:nvSpPr>
-            <p:cNvPr id="19" name="TextBox 18">
-              <a:extLst>
-                <a:ext uri="{FF2B5EF4-FFF2-40B4-BE49-F238E27FC236}">
-                  <a16:creationId xmlns:a16="http://schemas.microsoft.com/office/drawing/2014/main" id="{EC9CCDB5-EEA2-8127-F5FE-3E3C87C51925}"/>
-                </a:ext>
-              </a:extLst>
-            </p:cNvPr>
-            <p:cNvSpPr txBox="1"/>
-            <p:nvPr/>
-          </p:nvSpPr>
-          <p:spPr>
-            <a:xfrm>
-              <a:off x="5879526" y="1076894"/>
-              <a:ext cx="1427134" cy="338554"/>
-            </a:xfrm>
-            <a:prstGeom prst="rect">
-              <a:avLst/>
-            </a:prstGeom>
-            <a:noFill/>
-          </p:spPr>
-          <p:txBody>
-            <a:bodyPr wrap="square" rtlCol="0">
-              <a:spAutoFit/>
-            </a:bodyPr>
-            <a:lstStyle/>
-            <a:p>
-              <a:pPr algn="r"/>
-              <a:r>
-                <a:rPr lang="en-US" sz="1600" dirty="0">
-                  <a:solidFill>
-                    <a:schemeClr val="bg1"/>
-                  </a:solidFill>
-                </a:rPr>
-                <a:t>a010x075c010</a:t>
-              </a:r>
-            </a:p>
-          </p:txBody>
-        </p:sp>
-      </p:grpSp>
-      <p:sp>
-        <p:nvSpPr>
-          <p:cNvPr id="16" name="Rectangle 15">
-            <a:extLst>
-              <a:ext uri="{FF2B5EF4-FFF2-40B4-BE49-F238E27FC236}">
-                <a16:creationId xmlns:a16="http://schemas.microsoft.com/office/drawing/2014/main" id="{5ABC2824-7410-AAE5-65F2-32EA62B33217}"/>
+              <a:t>20</a:t>
+            </a:r>
+          </a:p>
+        </p:txBody>
+      </p:sp>
+      <p:sp>
+        <p:nvSpPr>
+          <p:cNvPr id="38" name="Rectangle 37">
+            <a:extLst>
+              <a:ext uri="{FF2B5EF4-FFF2-40B4-BE49-F238E27FC236}">
+                <a16:creationId xmlns:a16="http://schemas.microsoft.com/office/drawing/2014/main" id="{F963DB17-8142-0DC2-E50E-ED76BF849776}"/>
               </a:ext>
             </a:extLst>
           </p:cNvPr>
@@ -10912,7 +11015,7 @@
         </p:nvSpPr>
         <p:spPr>
           <a:xfrm>
-            <a:off x="7039548" y="2656688"/>
+            <a:off x="7030627" y="4558738"/>
             <a:ext cx="611516" cy="311105"/>
           </a:xfrm>
           <a:prstGeom prst="rect">

--- a/SYSG3.pptx
+++ b/SYSG3.pptx
@@ -11934,7 +11934,7 @@
         <p:spPr>
           <a:xfrm>
             <a:off x="8923867" y="2421467"/>
-            <a:ext cx="3022600" cy="1413933"/>
+            <a:ext cx="3022600" cy="1701800"/>
           </a:xfrm>
           <a:prstGeom prst="rect">
             <a:avLst/>
@@ -12003,6 +12003,42 @@
               </a:rPr>
               <a:t>[Y] fixed</a:t>
             </a:r>
+          </a:p>
+          <a:p>
+            <a:pPr marL="285750" indent="-285750" algn="ctr">
+              <a:buFont typeface="Arial" panose="020B0604020202020204" pitchFamily="34" charset="0"/>
+              <a:buChar char="•"/>
+            </a:pPr>
+            <a:r>
+              <a:rPr lang="en-US" dirty="0" err="1">
+                <a:sym typeface="Wingdings" panose="05000000000000000000" pitchFamily="2" charset="2"/>
+              </a:rPr>
+              <a:t>Int_phAQUAD</a:t>
+            </a:r>
+            <a:r>
+              <a:rPr lang="en-US" dirty="0">
+                <a:sym typeface="Wingdings" panose="05000000000000000000" pitchFamily="2" charset="2"/>
+              </a:rPr>
+              <a:t> fixed (Y2 </a:t>
+            </a:r>
+            <a:r>
+              <a:rPr lang="en-US" dirty="0" err="1">
+                <a:sym typeface="Wingdings" panose="05000000000000000000" pitchFamily="2" charset="2"/>
+              </a:rPr>
+              <a:t>unpushed</a:t>
+            </a:r>
+            <a:r>
+              <a:rPr lang="en-US" dirty="0">
+                <a:sym typeface="Wingdings" panose="05000000000000000000" pitchFamily="2" charset="2"/>
+              </a:rPr>
+              <a:t>)</a:t>
+            </a:r>
+          </a:p>
+          <a:p>
+            <a:pPr marL="285750" indent="-285750" algn="ctr">
+              <a:buFont typeface="Arial" panose="020B0604020202020204" pitchFamily="34" charset="0"/>
+              <a:buChar char="•"/>
+            </a:pPr>
             <a:endParaRPr lang="en-US" dirty="0"/>
           </a:p>
         </p:txBody>

--- a/SYSG3.pptx
+++ b/SYSG3.pptx
@@ -10132,7 +10132,7 @@
         </p:blipFill>
         <p:spPr>
           <a:xfrm>
-            <a:off x="11420957" y="1704975"/>
+            <a:off x="11422726" y="2089060"/>
             <a:ext cx="611516" cy="3617418"/>
           </a:xfrm>
           <a:prstGeom prst="rect">

--- a/SYSG3.pptx
+++ b/SYSG3.pptx
@@ -270,7 +270,7 @@
           <a:p>
             <a:fld id="{3FB972CA-75D3-464B-AB07-BF3EA83BD9C3}" type="datetimeFigureOut">
               <a:rPr lang="en-US" smtClean="0"/>
-              <a:t>8/22/2023</a:t>
+              <a:t>8/23/2023</a:t>
             </a:fld>
             <a:endParaRPr lang="en-US"/>
           </a:p>
@@ -468,7 +468,7 @@
           <a:p>
             <a:fld id="{3FB972CA-75D3-464B-AB07-BF3EA83BD9C3}" type="datetimeFigureOut">
               <a:rPr lang="en-US" smtClean="0"/>
-              <a:t>8/22/2023</a:t>
+              <a:t>8/23/2023</a:t>
             </a:fld>
             <a:endParaRPr lang="en-US"/>
           </a:p>
@@ -676,7 +676,7 @@
           <a:p>
             <a:fld id="{3FB972CA-75D3-464B-AB07-BF3EA83BD9C3}" type="datetimeFigureOut">
               <a:rPr lang="en-US" smtClean="0"/>
-              <a:t>8/22/2023</a:t>
+              <a:t>8/23/2023</a:t>
             </a:fld>
             <a:endParaRPr lang="en-US"/>
           </a:p>
@@ -874,7 +874,7 @@
           <a:p>
             <a:fld id="{3FB972CA-75D3-464B-AB07-BF3EA83BD9C3}" type="datetimeFigureOut">
               <a:rPr lang="en-US" smtClean="0"/>
-              <a:t>8/22/2023</a:t>
+              <a:t>8/23/2023</a:t>
             </a:fld>
             <a:endParaRPr lang="en-US"/>
           </a:p>
@@ -1149,7 +1149,7 @@
           <a:p>
             <a:fld id="{3FB972CA-75D3-464B-AB07-BF3EA83BD9C3}" type="datetimeFigureOut">
               <a:rPr lang="en-US" smtClean="0"/>
-              <a:t>8/22/2023</a:t>
+              <a:t>8/23/2023</a:t>
             </a:fld>
             <a:endParaRPr lang="en-US"/>
           </a:p>
@@ -1414,7 +1414,7 @@
           <a:p>
             <a:fld id="{3FB972CA-75D3-464B-AB07-BF3EA83BD9C3}" type="datetimeFigureOut">
               <a:rPr lang="en-US" smtClean="0"/>
-              <a:t>8/22/2023</a:t>
+              <a:t>8/23/2023</a:t>
             </a:fld>
             <a:endParaRPr lang="en-US"/>
           </a:p>
@@ -1826,7 +1826,7 @@
           <a:p>
             <a:fld id="{3FB972CA-75D3-464B-AB07-BF3EA83BD9C3}" type="datetimeFigureOut">
               <a:rPr lang="en-US" smtClean="0"/>
-              <a:t>8/22/2023</a:t>
+              <a:t>8/23/2023</a:t>
             </a:fld>
             <a:endParaRPr lang="en-US"/>
           </a:p>
@@ -1967,7 +1967,7 @@
           <a:p>
             <a:fld id="{3FB972CA-75D3-464B-AB07-BF3EA83BD9C3}" type="datetimeFigureOut">
               <a:rPr lang="en-US" smtClean="0"/>
-              <a:t>8/22/2023</a:t>
+              <a:t>8/23/2023</a:t>
             </a:fld>
             <a:endParaRPr lang="en-US"/>
           </a:p>
@@ -2080,7 +2080,7 @@
           <a:p>
             <a:fld id="{3FB972CA-75D3-464B-AB07-BF3EA83BD9C3}" type="datetimeFigureOut">
               <a:rPr lang="en-US" smtClean="0"/>
-              <a:t>8/22/2023</a:t>
+              <a:t>8/23/2023</a:t>
             </a:fld>
             <a:endParaRPr lang="en-US"/>
           </a:p>
@@ -2391,7 +2391,7 @@
           <a:p>
             <a:fld id="{3FB972CA-75D3-464B-AB07-BF3EA83BD9C3}" type="datetimeFigureOut">
               <a:rPr lang="en-US" smtClean="0"/>
-              <a:t>8/22/2023</a:t>
+              <a:t>8/23/2023</a:t>
             </a:fld>
             <a:endParaRPr lang="en-US"/>
           </a:p>
@@ -2679,7 +2679,7 @@
           <a:p>
             <a:fld id="{3FB972CA-75D3-464B-AB07-BF3EA83BD9C3}" type="datetimeFigureOut">
               <a:rPr lang="en-US" smtClean="0"/>
-              <a:t>8/22/2023</a:t>
+              <a:t>8/23/2023</a:t>
             </a:fld>
             <a:endParaRPr lang="en-US"/>
           </a:p>
@@ -2920,7 +2920,7 @@
           <a:p>
             <a:fld id="{3FB972CA-75D3-464B-AB07-BF3EA83BD9C3}" type="datetimeFigureOut">
               <a:rPr lang="en-US" smtClean="0"/>
-              <a:t>8/22/2023</a:t>
+              <a:t>8/23/2023</a:t>
             </a:fld>
             <a:endParaRPr lang="en-US"/>
           </a:p>
@@ -11805,14 +11805,19 @@
             <p:ph type="title"/>
           </p:nvPr>
         </p:nvSpPr>
-        <p:spPr/>
+        <p:spPr>
+          <a:xfrm>
+            <a:off x="389467" y="0"/>
+            <a:ext cx="10515600" cy="1325563"/>
+          </a:xfrm>
+        </p:spPr>
         <p:txBody>
           <a:bodyPr/>
           <a:lstStyle/>
           <a:p>
             <a:r>
               <a:rPr lang="en-US" dirty="0"/>
-              <a:t>(temp) Y neutral</a:t>
+              <a:t>Y neutral</a:t>
             </a:r>
           </a:p>
         </p:txBody>
@@ -11831,8 +11836,8 @@
         </p:nvGrpSpPr>
         <p:grpSpPr>
           <a:xfrm>
-            <a:off x="8619007" y="160867"/>
-            <a:ext cx="3453697" cy="2097195"/>
+            <a:off x="534987" y="962353"/>
+            <a:ext cx="3258080" cy="1978410"/>
             <a:chOff x="6599322" y="1134534"/>
             <a:chExt cx="4297279" cy="2609445"/>
           </a:xfrm>
@@ -11881,8 +11886,8 @@
           </p:nvSpPr>
           <p:spPr>
             <a:xfrm>
-              <a:off x="9063628" y="1253853"/>
-              <a:ext cx="1775718" cy="727609"/>
+              <a:off x="8774834" y="1253852"/>
+              <a:ext cx="2064514" cy="771295"/>
             </a:xfrm>
             <a:prstGeom prst="rect">
               <a:avLst/>
@@ -11933,7 +11938,7 @@
         </p:nvSpPr>
         <p:spPr>
           <a:xfrm>
-            <a:off x="8923867" y="2421467"/>
+            <a:off x="8940800" y="2446867"/>
             <a:ext cx="3022600" cy="1701800"/>
           </a:xfrm>
           <a:prstGeom prst="rect">
@@ -12019,19 +12024,7 @@
               <a:rPr lang="en-US" dirty="0">
                 <a:sym typeface="Wingdings" panose="05000000000000000000" pitchFamily="2" charset="2"/>
               </a:rPr>
-              <a:t> fixed (Y2 </a:t>
-            </a:r>
-            <a:r>
-              <a:rPr lang="en-US" dirty="0" err="1">
-                <a:sym typeface="Wingdings" panose="05000000000000000000" pitchFamily="2" charset="2"/>
-              </a:rPr>
-              <a:t>unpushed</a:t>
-            </a:r>
-            <a:r>
-              <a:rPr lang="en-US" dirty="0">
-                <a:sym typeface="Wingdings" panose="05000000000000000000" pitchFamily="2" charset="2"/>
-              </a:rPr>
-              <a:t>)</a:t>
+              <a:t> fixed</a:t>
             </a:r>
           </a:p>
           <a:p>
@@ -12043,6 +12036,108 @@
           </a:p>
         </p:txBody>
       </p:sp>
+      <p:grpSp>
+        <p:nvGrpSpPr>
+          <p:cNvPr id="10" name="Group 9">
+            <a:extLst>
+              <a:ext uri="{FF2B5EF4-FFF2-40B4-BE49-F238E27FC236}">
+                <a16:creationId xmlns:a16="http://schemas.microsoft.com/office/drawing/2014/main" id="{99BF2758-EC20-A93A-EA1D-10E4D1E3A255}"/>
+              </a:ext>
+            </a:extLst>
+          </p:cNvPr>
+          <p:cNvGrpSpPr/>
+          <p:nvPr/>
+        </p:nvGrpSpPr>
+        <p:grpSpPr>
+          <a:xfrm>
+            <a:off x="534987" y="2786595"/>
+            <a:ext cx="3258080" cy="1956485"/>
+            <a:chOff x="365653" y="1532467"/>
+            <a:chExt cx="3678684" cy="2209059"/>
+          </a:xfrm>
+        </p:grpSpPr>
+        <p:pic>
+          <p:nvPicPr>
+            <p:cNvPr id="8" name="Picture 7">
+              <a:extLst>
+                <a:ext uri="{FF2B5EF4-FFF2-40B4-BE49-F238E27FC236}">
+                  <a16:creationId xmlns:a16="http://schemas.microsoft.com/office/drawing/2014/main" id="{5A2944E9-EE97-8E53-465C-5F8BFCCC6322}"/>
+                </a:ext>
+              </a:extLst>
+            </p:cNvPr>
+            <p:cNvPicPr>
+              <a:picLocks noChangeAspect="1"/>
+            </p:cNvPicPr>
+            <p:nvPr/>
+          </p:nvPicPr>
+          <p:blipFill>
+            <a:blip r:embed="rId3"/>
+            <a:stretch>
+              <a:fillRect/>
+            </a:stretch>
+          </p:blipFill>
+          <p:spPr>
+            <a:xfrm>
+              <a:off x="365653" y="1532467"/>
+              <a:ext cx="3678684" cy="2209059"/>
+            </a:xfrm>
+            <a:prstGeom prst="rect">
+              <a:avLst/>
+            </a:prstGeom>
+          </p:spPr>
+        </p:pic>
+        <p:sp>
+          <p:nvSpPr>
+            <p:cNvPr id="9" name="TextBox 8">
+              <a:extLst>
+                <a:ext uri="{FF2B5EF4-FFF2-40B4-BE49-F238E27FC236}">
+                  <a16:creationId xmlns:a16="http://schemas.microsoft.com/office/drawing/2014/main" id="{897646B5-E1E3-1FCA-F201-68B2A7B4414B}"/>
+                </a:ext>
+              </a:extLst>
+            </p:cNvPr>
+            <p:cNvSpPr txBox="1"/>
+            <p:nvPr/>
+          </p:nvSpPr>
+          <p:spPr>
+            <a:xfrm>
+              <a:off x="2371393" y="1602558"/>
+              <a:ext cx="1561163" cy="660267"/>
+            </a:xfrm>
+            <a:prstGeom prst="rect">
+              <a:avLst/>
+            </a:prstGeom>
+            <a:noFill/>
+          </p:spPr>
+          <p:txBody>
+            <a:bodyPr wrap="square" rtlCol="0">
+              <a:spAutoFit/>
+            </a:bodyPr>
+            <a:lstStyle/>
+            <a:p>
+              <a:pPr algn="r"/>
+              <a:r>
+                <a:rPr lang="en-US" sz="1600" dirty="0">
+                  <a:solidFill>
+                    <a:schemeClr val="bg1"/>
+                  </a:solidFill>
+                </a:rPr>
+                <a:t>a000x075s002</a:t>
+              </a:r>
+            </a:p>
+            <a:p>
+              <a:pPr algn="r"/>
+              <a:r>
+                <a:rPr lang="en-US" sz="1600" dirty="0">
+                  <a:solidFill>
+                    <a:schemeClr val="bg1"/>
+                  </a:solidFill>
+                </a:rPr>
+                <a:t>Y2</a:t>
+              </a:r>
+            </a:p>
+          </p:txBody>
+        </p:sp>
+      </p:grpSp>
     </p:spTree>
     <p:extLst>
       <p:ext uri="{BB962C8B-B14F-4D97-AF65-F5344CB8AC3E}">

--- a/SYSG3.pptx
+++ b/SYSG3.pptx
@@ -270,7 +270,7 @@
           <a:p>
             <a:fld id="{3FB972CA-75D3-464B-AB07-BF3EA83BD9C3}" type="datetimeFigureOut">
               <a:rPr lang="en-US" smtClean="0"/>
-              <a:t>8/23/2023</a:t>
+              <a:t>9/1/2023</a:t>
             </a:fld>
             <a:endParaRPr lang="en-US"/>
           </a:p>
@@ -468,7 +468,7 @@
           <a:p>
             <a:fld id="{3FB972CA-75D3-464B-AB07-BF3EA83BD9C3}" type="datetimeFigureOut">
               <a:rPr lang="en-US" smtClean="0"/>
-              <a:t>8/23/2023</a:t>
+              <a:t>9/1/2023</a:t>
             </a:fld>
             <a:endParaRPr lang="en-US"/>
           </a:p>
@@ -676,7 +676,7 @@
           <a:p>
             <a:fld id="{3FB972CA-75D3-464B-AB07-BF3EA83BD9C3}" type="datetimeFigureOut">
               <a:rPr lang="en-US" smtClean="0"/>
-              <a:t>8/23/2023</a:t>
+              <a:t>9/1/2023</a:t>
             </a:fld>
             <a:endParaRPr lang="en-US"/>
           </a:p>
@@ -874,7 +874,7 @@
           <a:p>
             <a:fld id="{3FB972CA-75D3-464B-AB07-BF3EA83BD9C3}" type="datetimeFigureOut">
               <a:rPr lang="en-US" smtClean="0"/>
-              <a:t>8/23/2023</a:t>
+              <a:t>9/1/2023</a:t>
             </a:fld>
             <a:endParaRPr lang="en-US"/>
           </a:p>
@@ -1149,7 +1149,7 @@
           <a:p>
             <a:fld id="{3FB972CA-75D3-464B-AB07-BF3EA83BD9C3}" type="datetimeFigureOut">
               <a:rPr lang="en-US" smtClean="0"/>
-              <a:t>8/23/2023</a:t>
+              <a:t>9/1/2023</a:t>
             </a:fld>
             <a:endParaRPr lang="en-US"/>
           </a:p>
@@ -1414,7 +1414,7 @@
           <a:p>
             <a:fld id="{3FB972CA-75D3-464B-AB07-BF3EA83BD9C3}" type="datetimeFigureOut">
               <a:rPr lang="en-US" smtClean="0"/>
-              <a:t>8/23/2023</a:t>
+              <a:t>9/1/2023</a:t>
             </a:fld>
             <a:endParaRPr lang="en-US"/>
           </a:p>
@@ -1826,7 +1826,7 @@
           <a:p>
             <a:fld id="{3FB972CA-75D3-464B-AB07-BF3EA83BD9C3}" type="datetimeFigureOut">
               <a:rPr lang="en-US" smtClean="0"/>
-              <a:t>8/23/2023</a:t>
+              <a:t>9/1/2023</a:t>
             </a:fld>
             <a:endParaRPr lang="en-US"/>
           </a:p>
@@ -1967,7 +1967,7 @@
           <a:p>
             <a:fld id="{3FB972CA-75D3-464B-AB07-BF3EA83BD9C3}" type="datetimeFigureOut">
               <a:rPr lang="en-US" smtClean="0"/>
-              <a:t>8/23/2023</a:t>
+              <a:t>9/1/2023</a:t>
             </a:fld>
             <a:endParaRPr lang="en-US"/>
           </a:p>
@@ -2080,7 +2080,7 @@
           <a:p>
             <a:fld id="{3FB972CA-75D3-464B-AB07-BF3EA83BD9C3}" type="datetimeFigureOut">
               <a:rPr lang="en-US" smtClean="0"/>
-              <a:t>8/23/2023</a:t>
+              <a:t>9/1/2023</a:t>
             </a:fld>
             <a:endParaRPr lang="en-US"/>
           </a:p>
@@ -2391,7 +2391,7 @@
           <a:p>
             <a:fld id="{3FB972CA-75D3-464B-AB07-BF3EA83BD9C3}" type="datetimeFigureOut">
               <a:rPr lang="en-US" smtClean="0"/>
-              <a:t>8/23/2023</a:t>
+              <a:t>9/1/2023</a:t>
             </a:fld>
             <a:endParaRPr lang="en-US"/>
           </a:p>
@@ -2679,7 +2679,7 @@
           <a:p>
             <a:fld id="{3FB972CA-75D3-464B-AB07-BF3EA83BD9C3}" type="datetimeFigureOut">
               <a:rPr lang="en-US" smtClean="0"/>
-              <a:t>8/23/2023</a:t>
+              <a:t>9/1/2023</a:t>
             </a:fld>
             <a:endParaRPr lang="en-US"/>
           </a:p>
@@ -2920,7 +2920,7 @@
           <a:p>
             <a:fld id="{3FB972CA-75D3-464B-AB07-BF3EA83BD9C3}" type="datetimeFigureOut">
               <a:rPr lang="en-US" smtClean="0"/>
-              <a:t>8/23/2023</a:t>
+              <a:t>9/1/2023</a:t>
             </a:fld>
             <a:endParaRPr lang="en-US"/>
           </a:p>
@@ -11836,7 +11836,7 @@
         </p:nvGrpSpPr>
         <p:grpSpPr>
           <a:xfrm>
-            <a:off x="534987" y="962353"/>
+            <a:off x="914400" y="1792086"/>
             <a:ext cx="3258080" cy="1978410"/>
             <a:chOff x="6599322" y="1134534"/>
             <a:chExt cx="4297279" cy="2609445"/>
@@ -12050,7 +12050,7 @@
         </p:nvGrpSpPr>
         <p:grpSpPr>
           <a:xfrm>
-            <a:off x="534987" y="2786595"/>
+            <a:off x="914400" y="3616328"/>
             <a:ext cx="3258080" cy="1956485"/>
             <a:chOff x="365653" y="1532467"/>
             <a:chExt cx="3678684" cy="2209059"/>
@@ -12133,6 +12133,210 @@
                   </a:solidFill>
                 </a:rPr>
                 <a:t>Y2</a:t>
+              </a:r>
+            </a:p>
+          </p:txBody>
+        </p:sp>
+      </p:grpSp>
+      <p:grpSp>
+        <p:nvGrpSpPr>
+          <p:cNvPr id="13" name="Group 12">
+            <a:extLst>
+              <a:ext uri="{FF2B5EF4-FFF2-40B4-BE49-F238E27FC236}">
+                <a16:creationId xmlns:a16="http://schemas.microsoft.com/office/drawing/2014/main" id="{6B6B296A-63B8-FE81-609F-F90F5F971074}"/>
+              </a:ext>
+            </a:extLst>
+          </p:cNvPr>
+          <p:cNvGrpSpPr/>
+          <p:nvPr/>
+        </p:nvGrpSpPr>
+        <p:grpSpPr>
+          <a:xfrm>
+            <a:off x="4443492" y="1833338"/>
+            <a:ext cx="3238794" cy="1965387"/>
+            <a:chOff x="554274" y="4566643"/>
+            <a:chExt cx="3238794" cy="1965387"/>
+          </a:xfrm>
+        </p:grpSpPr>
+        <p:pic>
+          <p:nvPicPr>
+            <p:cNvPr id="11" name="Picture 10">
+              <a:extLst>
+                <a:ext uri="{FF2B5EF4-FFF2-40B4-BE49-F238E27FC236}">
+                  <a16:creationId xmlns:a16="http://schemas.microsoft.com/office/drawing/2014/main" id="{65E740C3-5EF9-C11F-7AAE-C66BA9FAA714}"/>
+                </a:ext>
+              </a:extLst>
+            </p:cNvPr>
+            <p:cNvPicPr>
+              <a:picLocks noChangeAspect="1"/>
+            </p:cNvPicPr>
+            <p:nvPr/>
+          </p:nvPicPr>
+          <p:blipFill>
+            <a:blip r:embed="rId4"/>
+            <a:stretch>
+              <a:fillRect/>
+            </a:stretch>
+          </p:blipFill>
+          <p:spPr>
+            <a:xfrm>
+              <a:off x="554274" y="4566643"/>
+              <a:ext cx="3238794" cy="1965387"/>
+            </a:xfrm>
+            <a:prstGeom prst="rect">
+              <a:avLst/>
+            </a:prstGeom>
+          </p:spPr>
+        </p:pic>
+        <p:sp>
+          <p:nvSpPr>
+            <p:cNvPr id="12" name="TextBox 11">
+              <a:extLst>
+                <a:ext uri="{FF2B5EF4-FFF2-40B4-BE49-F238E27FC236}">
+                  <a16:creationId xmlns:a16="http://schemas.microsoft.com/office/drawing/2014/main" id="{F0FF4A2A-23EA-C94C-3129-182991D03C2D}"/>
+                </a:ext>
+              </a:extLst>
+            </p:cNvPr>
+            <p:cNvSpPr txBox="1"/>
+            <p:nvPr/>
+          </p:nvSpPr>
+          <p:spPr>
+            <a:xfrm>
+              <a:off x="2311400" y="4616234"/>
+              <a:ext cx="1382667" cy="584775"/>
+            </a:xfrm>
+            <a:prstGeom prst="rect">
+              <a:avLst/>
+            </a:prstGeom>
+            <a:noFill/>
+          </p:spPr>
+          <p:txBody>
+            <a:bodyPr wrap="square" rtlCol="0">
+              <a:spAutoFit/>
+            </a:bodyPr>
+            <a:lstStyle/>
+            <a:p>
+              <a:pPr algn="r"/>
+              <a:r>
+                <a:rPr lang="en-US" sz="1600" dirty="0">
+                  <a:solidFill>
+                    <a:schemeClr val="bg1"/>
+                  </a:solidFill>
+                </a:rPr>
+                <a:t>a000x075s002</a:t>
+              </a:r>
+            </a:p>
+            <a:p>
+              <a:pPr algn="r"/>
+              <a:r>
+                <a:rPr lang="en-US" sz="1600" dirty="0">
+                  <a:solidFill>
+                    <a:schemeClr val="bg1"/>
+                  </a:solidFill>
+                </a:rPr>
+                <a:t>Y5</a:t>
+              </a:r>
+            </a:p>
+          </p:txBody>
+        </p:sp>
+      </p:grpSp>
+      <p:grpSp>
+        <p:nvGrpSpPr>
+          <p:cNvPr id="17" name="Group 16">
+            <a:extLst>
+              <a:ext uri="{FF2B5EF4-FFF2-40B4-BE49-F238E27FC236}">
+                <a16:creationId xmlns:a16="http://schemas.microsoft.com/office/drawing/2014/main" id="{FA01F3B8-B32A-49E1-4B9A-32F063A337C9}"/>
+              </a:ext>
+            </a:extLst>
+          </p:cNvPr>
+          <p:cNvGrpSpPr/>
+          <p:nvPr/>
+        </p:nvGrpSpPr>
+        <p:grpSpPr>
+          <a:xfrm>
+            <a:off x="4418092" y="3594403"/>
+            <a:ext cx="3258080" cy="1962206"/>
+            <a:chOff x="4038679" y="2764670"/>
+            <a:chExt cx="3258080" cy="1962206"/>
+          </a:xfrm>
+        </p:grpSpPr>
+        <p:pic>
+          <p:nvPicPr>
+            <p:cNvPr id="15" name="Picture 14">
+              <a:extLst>
+                <a:ext uri="{FF2B5EF4-FFF2-40B4-BE49-F238E27FC236}">
+                  <a16:creationId xmlns:a16="http://schemas.microsoft.com/office/drawing/2014/main" id="{B5A7CDBA-9309-6947-F58E-54BC0804E7D2}"/>
+                </a:ext>
+              </a:extLst>
+            </p:cNvPr>
+            <p:cNvPicPr>
+              <a:picLocks noChangeAspect="1"/>
+            </p:cNvPicPr>
+            <p:nvPr/>
+          </p:nvPicPr>
+          <p:blipFill>
+            <a:blip r:embed="rId5"/>
+            <a:stretch>
+              <a:fillRect/>
+            </a:stretch>
+          </p:blipFill>
+          <p:spPr>
+            <a:xfrm>
+              <a:off x="4038679" y="2764670"/>
+              <a:ext cx="3258080" cy="1962206"/>
+            </a:xfrm>
+            <a:prstGeom prst="rect">
+              <a:avLst/>
+            </a:prstGeom>
+          </p:spPr>
+        </p:pic>
+        <p:sp>
+          <p:nvSpPr>
+            <p:cNvPr id="16" name="TextBox 15">
+              <a:extLst>
+                <a:ext uri="{FF2B5EF4-FFF2-40B4-BE49-F238E27FC236}">
+                  <a16:creationId xmlns:a16="http://schemas.microsoft.com/office/drawing/2014/main" id="{CBEDA1B0-155E-AD60-4843-D0CAEF3AB8A4}"/>
+                </a:ext>
+              </a:extLst>
+            </p:cNvPr>
+            <p:cNvSpPr txBox="1"/>
+            <p:nvPr/>
+          </p:nvSpPr>
+          <p:spPr>
+            <a:xfrm>
+              <a:off x="5821205" y="2815503"/>
+              <a:ext cx="1382667" cy="584775"/>
+            </a:xfrm>
+            <a:prstGeom prst="rect">
+              <a:avLst/>
+            </a:prstGeom>
+            <a:noFill/>
+          </p:spPr>
+          <p:txBody>
+            <a:bodyPr wrap="square" rtlCol="0">
+              <a:spAutoFit/>
+            </a:bodyPr>
+            <a:lstStyle/>
+            <a:p>
+              <a:pPr algn="r"/>
+              <a:r>
+                <a:rPr lang="en-US" sz="1600" dirty="0">
+                  <a:solidFill>
+                    <a:schemeClr val="bg1"/>
+                  </a:solidFill>
+                </a:rPr>
+                <a:t>a000x075s002</a:t>
+              </a:r>
+            </a:p>
+            <a:p>
+              <a:pPr algn="r"/>
+              <a:r>
+                <a:rPr lang="en-US" sz="1600" dirty="0">
+                  <a:solidFill>
+                    <a:schemeClr val="bg1"/>
+                  </a:solidFill>
+                </a:rPr>
+                <a:t>Y10</a:t>
               </a:r>
             </a:p>
           </p:txBody>

--- a/SYSG3.pptx
+++ b/SYSG3.pptx
@@ -7,16 +7,17 @@
   <p:sldIdLst>
     <p:sldId id="271" r:id="rId2"/>
     <p:sldId id="268" r:id="rId3"/>
-    <p:sldId id="272" r:id="rId4"/>
-    <p:sldId id="269" r:id="rId5"/>
-    <p:sldId id="270" r:id="rId6"/>
-    <p:sldId id="273" r:id="rId7"/>
-    <p:sldId id="267" r:id="rId8"/>
-    <p:sldId id="266" r:id="rId9"/>
-    <p:sldId id="265" r:id="rId10"/>
-    <p:sldId id="258" r:id="rId11"/>
-    <p:sldId id="263" r:id="rId12"/>
-    <p:sldId id="264" r:id="rId13"/>
+    <p:sldId id="274" r:id="rId4"/>
+    <p:sldId id="272" r:id="rId5"/>
+    <p:sldId id="269" r:id="rId6"/>
+    <p:sldId id="270" r:id="rId7"/>
+    <p:sldId id="273" r:id="rId8"/>
+    <p:sldId id="267" r:id="rId9"/>
+    <p:sldId id="266" r:id="rId10"/>
+    <p:sldId id="265" r:id="rId11"/>
+    <p:sldId id="258" r:id="rId12"/>
+    <p:sldId id="263" r:id="rId13"/>
+    <p:sldId id="264" r:id="rId14"/>
   </p:sldIdLst>
   <p:sldSz cx="12192000" cy="6858000"/>
   <p:notesSz cx="6858000" cy="9144000"/>
@@ -270,7 +271,7 @@
           <a:p>
             <a:fld id="{3FB972CA-75D3-464B-AB07-BF3EA83BD9C3}" type="datetimeFigureOut">
               <a:rPr lang="en-US" smtClean="0"/>
-              <a:t>9/1/2023</a:t>
+              <a:t>9/5/2023</a:t>
             </a:fld>
             <a:endParaRPr lang="en-US"/>
           </a:p>
@@ -468,7 +469,7 @@
           <a:p>
             <a:fld id="{3FB972CA-75D3-464B-AB07-BF3EA83BD9C3}" type="datetimeFigureOut">
               <a:rPr lang="en-US" smtClean="0"/>
-              <a:t>9/1/2023</a:t>
+              <a:t>9/5/2023</a:t>
             </a:fld>
             <a:endParaRPr lang="en-US"/>
           </a:p>
@@ -676,7 +677,7 @@
           <a:p>
             <a:fld id="{3FB972CA-75D3-464B-AB07-BF3EA83BD9C3}" type="datetimeFigureOut">
               <a:rPr lang="en-US" smtClean="0"/>
-              <a:t>9/1/2023</a:t>
+              <a:t>9/5/2023</a:t>
             </a:fld>
             <a:endParaRPr lang="en-US"/>
           </a:p>
@@ -874,7 +875,7 @@
           <a:p>
             <a:fld id="{3FB972CA-75D3-464B-AB07-BF3EA83BD9C3}" type="datetimeFigureOut">
               <a:rPr lang="en-US" smtClean="0"/>
-              <a:t>9/1/2023</a:t>
+              <a:t>9/5/2023</a:t>
             </a:fld>
             <a:endParaRPr lang="en-US"/>
           </a:p>
@@ -1149,7 +1150,7 @@
           <a:p>
             <a:fld id="{3FB972CA-75D3-464B-AB07-BF3EA83BD9C3}" type="datetimeFigureOut">
               <a:rPr lang="en-US" smtClean="0"/>
-              <a:t>9/1/2023</a:t>
+              <a:t>9/5/2023</a:t>
             </a:fld>
             <a:endParaRPr lang="en-US"/>
           </a:p>
@@ -1414,7 +1415,7 @@
           <a:p>
             <a:fld id="{3FB972CA-75D3-464B-AB07-BF3EA83BD9C3}" type="datetimeFigureOut">
               <a:rPr lang="en-US" smtClean="0"/>
-              <a:t>9/1/2023</a:t>
+              <a:t>9/5/2023</a:t>
             </a:fld>
             <a:endParaRPr lang="en-US"/>
           </a:p>
@@ -1826,7 +1827,7 @@
           <a:p>
             <a:fld id="{3FB972CA-75D3-464B-AB07-BF3EA83BD9C3}" type="datetimeFigureOut">
               <a:rPr lang="en-US" smtClean="0"/>
-              <a:t>9/1/2023</a:t>
+              <a:t>9/5/2023</a:t>
             </a:fld>
             <a:endParaRPr lang="en-US"/>
           </a:p>
@@ -1967,7 +1968,7 @@
           <a:p>
             <a:fld id="{3FB972CA-75D3-464B-AB07-BF3EA83BD9C3}" type="datetimeFigureOut">
               <a:rPr lang="en-US" smtClean="0"/>
-              <a:t>9/1/2023</a:t>
+              <a:t>9/5/2023</a:t>
             </a:fld>
             <a:endParaRPr lang="en-US"/>
           </a:p>
@@ -2080,7 +2081,7 @@
           <a:p>
             <a:fld id="{3FB972CA-75D3-464B-AB07-BF3EA83BD9C3}" type="datetimeFigureOut">
               <a:rPr lang="en-US" smtClean="0"/>
-              <a:t>9/1/2023</a:t>
+              <a:t>9/5/2023</a:t>
             </a:fld>
             <a:endParaRPr lang="en-US"/>
           </a:p>
@@ -2391,7 +2392,7 @@
           <a:p>
             <a:fld id="{3FB972CA-75D3-464B-AB07-BF3EA83BD9C3}" type="datetimeFigureOut">
               <a:rPr lang="en-US" smtClean="0"/>
-              <a:t>9/1/2023</a:t>
+              <a:t>9/5/2023</a:t>
             </a:fld>
             <a:endParaRPr lang="en-US"/>
           </a:p>
@@ -2679,7 +2680,7 @@
           <a:p>
             <a:fld id="{3FB972CA-75D3-464B-AB07-BF3EA83BD9C3}" type="datetimeFigureOut">
               <a:rPr lang="en-US" smtClean="0"/>
-              <a:t>9/1/2023</a:t>
+              <a:t>9/5/2023</a:t>
             </a:fld>
             <a:endParaRPr lang="en-US"/>
           </a:p>
@@ -2920,7 +2921,7 @@
           <a:p>
             <a:fld id="{3FB972CA-75D3-464B-AB07-BF3EA83BD9C3}" type="datetimeFigureOut">
               <a:rPr lang="en-US" smtClean="0"/>
-              <a:t>9/1/2023</a:t>
+              <a:t>9/5/2023</a:t>
             </a:fld>
             <a:endParaRPr lang="en-US"/>
           </a:p>
@@ -3400,6 +3401,179 @@
           <a:chExt cx="0" cy="0"/>
         </a:xfrm>
       </p:grpSpPr>
+      <p:sp>
+        <p:nvSpPr>
+          <p:cNvPr id="2" name="Title 1">
+            <a:extLst>
+              <a:ext uri="{FF2B5EF4-FFF2-40B4-BE49-F238E27FC236}">
+                <a16:creationId xmlns:a16="http://schemas.microsoft.com/office/drawing/2014/main" id="{A3926BC3-A860-346A-4F58-1EE4C3E7FB0F}"/>
+              </a:ext>
+            </a:extLst>
+          </p:cNvPr>
+          <p:cNvSpPr>
+            <a:spLocks noGrp="1"/>
+          </p:cNvSpPr>
+          <p:nvPr>
+            <p:ph type="title"/>
+          </p:nvPr>
+        </p:nvSpPr>
+        <p:spPr/>
+        <p:txBody>
+          <a:bodyPr/>
+          <a:lstStyle/>
+          <a:p>
+            <a:r>
+              <a:rPr lang="en-US" dirty="0"/>
+              <a:t>Test conditions</a:t>
+            </a:r>
+          </a:p>
+        </p:txBody>
+      </p:sp>
+      <p:sp>
+        <p:nvSpPr>
+          <p:cNvPr id="3" name="TextBox 2">
+            <a:extLst>
+              <a:ext uri="{FF2B5EF4-FFF2-40B4-BE49-F238E27FC236}">
+                <a16:creationId xmlns:a16="http://schemas.microsoft.com/office/drawing/2014/main" id="{A00B5138-8D53-B196-C54A-B372D20698D0}"/>
+              </a:ext>
+            </a:extLst>
+          </p:cNvPr>
+          <p:cNvSpPr txBox="1"/>
+          <p:nvPr/>
+        </p:nvSpPr>
+        <p:spPr>
+          <a:xfrm>
+            <a:off x="1192695" y="2186609"/>
+            <a:ext cx="7026965" cy="1200329"/>
+          </a:xfrm>
+          <a:prstGeom prst="rect">
+            <a:avLst/>
+          </a:prstGeom>
+          <a:noFill/>
+        </p:spPr>
+        <p:txBody>
+          <a:bodyPr wrap="square" rtlCol="0">
+            <a:spAutoFit/>
+          </a:bodyPr>
+          <a:lstStyle/>
+          <a:p>
+            <a:r>
+              <a:rPr lang="en-US" dirty="0"/>
+              <a:t>Sigma = 0.05 c/nm2</a:t>
+            </a:r>
+          </a:p>
+          <a:p>
+            <a:r>
+              <a:rPr lang="en-US" dirty="0"/>
+              <a:t>Lx = 15 nm</a:t>
+            </a:r>
+          </a:p>
+          <a:p>
+            <a:r>
+              <a:rPr lang="en-US" dirty="0"/>
+              <a:t>Ly = 15 nm</a:t>
+            </a:r>
+          </a:p>
+          <a:p>
+            <a:r>
+              <a:rPr lang="en-US" dirty="0"/>
+              <a:t>dx = 0.4 nm</a:t>
+            </a:r>
+          </a:p>
+        </p:txBody>
+      </p:sp>
+      <p:sp>
+        <p:nvSpPr>
+          <p:cNvPr id="4" name="TextBox 3">
+            <a:extLst>
+              <a:ext uri="{FF2B5EF4-FFF2-40B4-BE49-F238E27FC236}">
+                <a16:creationId xmlns:a16="http://schemas.microsoft.com/office/drawing/2014/main" id="{431FD48E-52DE-AC6E-5D2D-A03BFCBE0CEE}"/>
+              </a:ext>
+            </a:extLst>
+          </p:cNvPr>
+          <p:cNvSpPr txBox="1"/>
+          <p:nvPr/>
+        </p:nvSpPr>
+        <p:spPr>
+          <a:xfrm>
+            <a:off x="1192694" y="3776869"/>
+            <a:ext cx="7026965" cy="1754326"/>
+          </a:xfrm>
+          <a:prstGeom prst="rect">
+            <a:avLst/>
+          </a:prstGeom>
+          <a:noFill/>
+        </p:spPr>
+        <p:txBody>
+          <a:bodyPr wrap="square" rtlCol="0">
+            <a:spAutoFit/>
+          </a:bodyPr>
+          <a:lstStyle/>
+          <a:p>
+            <a:r>
+              <a:rPr lang="en-US" dirty="0"/>
+              <a:t>Cast in terms of dx (for rounding and PBC for grafting points): </a:t>
+            </a:r>
+          </a:p>
+          <a:p>
+            <a:r>
+              <a:rPr lang="en-US" dirty="0"/>
+              <a:t>	Sigma = 0.0668 c/nm2</a:t>
+            </a:r>
+          </a:p>
+          <a:p>
+            <a:r>
+              <a:rPr lang="en-US" dirty="0"/>
+              <a:t>	Lx = 14.80 nm</a:t>
+            </a:r>
+          </a:p>
+          <a:p>
+            <a:r>
+              <a:rPr lang="en-US" dirty="0"/>
+              <a:t>	Ly = 11.20 nm</a:t>
+            </a:r>
+          </a:p>
+          <a:p>
+            <a:endParaRPr lang="en-US" dirty="0"/>
+          </a:p>
+          <a:p>
+            <a:r>
+              <a:rPr lang="en-US" dirty="0"/>
+              <a:t>(Sigma error decrease with dx)</a:t>
+            </a:r>
+          </a:p>
+        </p:txBody>
+      </p:sp>
+    </p:spTree>
+    <p:extLst>
+      <p:ext uri="{BB962C8B-B14F-4D97-AF65-F5344CB8AC3E}">
+        <p14:creationId xmlns:p14="http://schemas.microsoft.com/office/powerpoint/2010/main" val="782308025"/>
+      </p:ext>
+    </p:extLst>
+  </p:cSld>
+  <p:clrMapOvr>
+    <a:masterClrMapping/>
+  </p:clrMapOvr>
+</p:sld>
+</file>
+
+<file path=ppt/slides/slide11.xml><?xml version="1.0" encoding="utf-8"?>
+<p:sld xmlns:a="http://schemas.openxmlformats.org/drawingml/2006/main" xmlns:r="http://schemas.openxmlformats.org/officeDocument/2006/relationships" xmlns:p="http://schemas.openxmlformats.org/presentationml/2006/main">
+  <p:cSld>
+    <p:spTree>
+      <p:nvGrpSpPr>
+        <p:cNvPr id="1" name=""/>
+        <p:cNvGrpSpPr/>
+        <p:nvPr/>
+      </p:nvGrpSpPr>
+      <p:grpSpPr>
+        <a:xfrm>
+          <a:off x="0" y="0"/>
+          <a:ext cx="0" cy="0"/>
+          <a:chOff x="0" y="0"/>
+          <a:chExt cx="0" cy="0"/>
+        </a:xfrm>
+      </p:grpSpPr>
       <p:pic>
         <p:nvPicPr>
           <p:cNvPr id="2" name="Picture 8">
@@ -5565,7 +5739,7 @@
 </p:sld>
 </file>
 
-<file path=ppt/slides/slide11.xml><?xml version="1.0" encoding="utf-8"?>
+<file path=ppt/slides/slide12.xml><?xml version="1.0" encoding="utf-8"?>
 <p:sld xmlns:a="http://schemas.openxmlformats.org/drawingml/2006/main" xmlns:r="http://schemas.openxmlformats.org/officeDocument/2006/relationships" xmlns:p="http://schemas.openxmlformats.org/presentationml/2006/main">
   <p:cSld>
     <p:spTree>
@@ -8087,7 +8261,7 @@
 </p:sld>
 </file>
 
-<file path=ppt/slides/slide12.xml><?xml version="1.0" encoding="utf-8"?>
+<file path=ppt/slides/slide13.xml><?xml version="1.0" encoding="utf-8"?>
 <p:sld xmlns:a="http://schemas.openxmlformats.org/drawingml/2006/main" xmlns:r="http://schemas.openxmlformats.org/officeDocument/2006/relationships" xmlns:p="http://schemas.openxmlformats.org/presentationml/2006/main">
   <p:cSld>
     <p:spTree>
@@ -9099,6 +9273,177 @@
 </file>
 
 <file path=ppt/slides/slide3.xml><?xml version="1.0" encoding="utf-8"?>
+<p:sld xmlns:a="http://schemas.openxmlformats.org/drawingml/2006/main" xmlns:r="http://schemas.openxmlformats.org/officeDocument/2006/relationships" xmlns:p="http://schemas.openxmlformats.org/presentationml/2006/main">
+  <p:cSld>
+    <p:spTree>
+      <p:nvGrpSpPr>
+        <p:cNvPr id="1" name=""/>
+        <p:cNvGrpSpPr/>
+        <p:nvPr/>
+      </p:nvGrpSpPr>
+      <p:grpSpPr>
+        <a:xfrm>
+          <a:off x="0" y="0"/>
+          <a:ext cx="0" cy="0"/>
+          <a:chOff x="0" y="0"/>
+          <a:chExt cx="0" cy="0"/>
+        </a:xfrm>
+      </p:grpSpPr>
+      <p:sp>
+        <p:nvSpPr>
+          <p:cNvPr id="2" name="Title 1">
+            <a:extLst>
+              <a:ext uri="{FF2B5EF4-FFF2-40B4-BE49-F238E27FC236}">
+                <a16:creationId xmlns:a16="http://schemas.microsoft.com/office/drawing/2014/main" id="{5E38BF11-AEEF-D0B7-B29E-E0619F8C79B5}"/>
+              </a:ext>
+            </a:extLst>
+          </p:cNvPr>
+          <p:cNvSpPr>
+            <a:spLocks noGrp="1"/>
+          </p:cNvSpPr>
+          <p:nvPr>
+            <p:ph type="title"/>
+          </p:nvPr>
+        </p:nvSpPr>
+        <p:spPr>
+          <a:xfrm>
+            <a:off x="838200" y="0"/>
+            <a:ext cx="10515600" cy="787399"/>
+          </a:xfrm>
+        </p:spPr>
+        <p:txBody>
+          <a:bodyPr/>
+          <a:lstStyle/>
+          <a:p>
+            <a:r>
+              <a:rPr lang="en-US" dirty="0"/>
+              <a:t>PB: REDFT00 (x= -0.5) vs REDFT01 (x=0)</a:t>
+            </a:r>
+          </a:p>
+        </p:txBody>
+      </p:sp>
+      <p:sp>
+        <p:nvSpPr>
+          <p:cNvPr id="3" name="TextBox 2">
+            <a:extLst>
+              <a:ext uri="{FF2B5EF4-FFF2-40B4-BE49-F238E27FC236}">
+                <a16:creationId xmlns:a16="http://schemas.microsoft.com/office/drawing/2014/main" id="{C4175332-F274-8C4E-7D00-0C1093C6E3A7}"/>
+              </a:ext>
+            </a:extLst>
+          </p:cNvPr>
+          <p:cNvSpPr txBox="1"/>
+          <p:nvPr/>
+        </p:nvSpPr>
+        <p:spPr>
+          <a:xfrm>
+            <a:off x="838200" y="851504"/>
+            <a:ext cx="7010401" cy="646331"/>
+          </a:xfrm>
+          <a:prstGeom prst="rect">
+            <a:avLst/>
+          </a:prstGeom>
+          <a:noFill/>
+        </p:spPr>
+        <p:txBody>
+          <a:bodyPr wrap="square" rtlCol="0">
+            <a:spAutoFit/>
+          </a:bodyPr>
+          <a:lstStyle/>
+          <a:p>
+            <a:r>
+              <a:rPr lang="en-US" dirty="0"/>
+              <a:t>Lx = 5, Ly = 5, </a:t>
+            </a:r>
+            <a:r>
+              <a:rPr lang="en-US" dirty="0" err="1"/>
+              <a:t>Lz</a:t>
+            </a:r>
+            <a:r>
+              <a:rPr lang="en-US" dirty="0"/>
+              <a:t> = 50. s = 0.02. x = 0.75. a = 0.00, N = 50</a:t>
+            </a:r>
+          </a:p>
+          <a:p>
+            <a:r>
+              <a:rPr lang="en-US" dirty="0"/>
+              <a:t>3D vs 1D (dashed): </a:t>
+            </a:r>
+            <a:r>
+              <a:rPr lang="en-US" dirty="0" err="1"/>
+              <a:t>dz</a:t>
+            </a:r>
+            <a:r>
+              <a:rPr lang="en-US" dirty="0"/>
+              <a:t> = 0.5, ds = 0.20; dz_1D = 0.113, ds_1D = 0.083</a:t>
+            </a:r>
+          </a:p>
+        </p:txBody>
+      </p:sp>
+      <p:sp>
+        <p:nvSpPr>
+          <p:cNvPr id="4" name="TextBox 3">
+            <a:extLst>
+              <a:ext uri="{FF2B5EF4-FFF2-40B4-BE49-F238E27FC236}">
+                <a16:creationId xmlns:a16="http://schemas.microsoft.com/office/drawing/2014/main" id="{78ED4177-EC5A-ECF0-26AB-59985D43CC31}"/>
+              </a:ext>
+            </a:extLst>
+          </p:cNvPr>
+          <p:cNvSpPr txBox="1"/>
+          <p:nvPr/>
+        </p:nvSpPr>
+        <p:spPr>
+          <a:xfrm>
+            <a:off x="8017933" y="3397233"/>
+            <a:ext cx="2954867" cy="646331"/>
+          </a:xfrm>
+          <a:prstGeom prst="rect">
+            <a:avLst/>
+          </a:prstGeom>
+          <a:noFill/>
+        </p:spPr>
+        <p:txBody>
+          <a:bodyPr wrap="square" rtlCol="0">
+            <a:spAutoFit/>
+          </a:bodyPr>
+          <a:lstStyle/>
+          <a:p>
+            <a:r>
+              <a:rPr lang="en-US" dirty="0"/>
+              <a:t>Compare </a:t>
+            </a:r>
+            <a:r>
+              <a:rPr lang="en-US" dirty="0" err="1"/>
+              <a:t>pot_elec</a:t>
+            </a:r>
+            <a:r>
+              <a:rPr lang="en-US" dirty="0"/>
+              <a:t> and </a:t>
+            </a:r>
+            <a:r>
+              <a:rPr lang="en-US" dirty="0" err="1"/>
+              <a:t>freeE</a:t>
+            </a:r>
+            <a:r>
+              <a:rPr lang="en-US" dirty="0"/>
+              <a:t> with each other and 1D</a:t>
+            </a:r>
+          </a:p>
+        </p:txBody>
+      </p:sp>
+    </p:spTree>
+    <p:extLst>
+      <p:ext uri="{BB962C8B-B14F-4D97-AF65-F5344CB8AC3E}">
+        <p14:creationId xmlns:p14="http://schemas.microsoft.com/office/powerpoint/2010/main" val="3256914968"/>
+      </p:ext>
+    </p:extLst>
+  </p:cSld>
+  <p:clrMapOvr>
+    <a:masterClrMapping/>
+  </p:clrMapOvr>
+</p:sld>
+</file>
+
+<file path=ppt/slides/slide4.xml><?xml version="1.0" encoding="utf-8"?>
 <p:sld xmlns:a="http://schemas.openxmlformats.org/drawingml/2006/main" xmlns:r="http://schemas.openxmlformats.org/officeDocument/2006/relationships" xmlns:p="http://schemas.openxmlformats.org/presentationml/2006/main">
   <p:cSld>
     <p:spTree>
@@ -10060,7 +10405,7 @@
 </p:sld>
 </file>
 
-<file path=ppt/slides/slide4.xml><?xml version="1.0" encoding="utf-8"?>
+<file path=ppt/slides/slide5.xml><?xml version="1.0" encoding="utf-8"?>
 <p:sld xmlns:a="http://schemas.openxmlformats.org/drawingml/2006/main" xmlns:r="http://schemas.openxmlformats.org/officeDocument/2006/relationships" xmlns:p="http://schemas.openxmlformats.org/presentationml/2006/main">
   <p:cSld>
     <p:spTree>
@@ -10295,7 +10640,7 @@
                     <a:schemeClr val="bg1"/>
                   </a:solidFill>
                 </a:rPr>
-                <a:t>a000x075s002</a:t>
+                <a:t>x075</a:t>
               </a:r>
             </a:p>
           </p:txBody>
@@ -10438,7 +10783,7 @@
                     <a:schemeClr val="bg1"/>
                   </a:solidFill>
                 </a:rPr>
-                <a:t>a000x100s002</a:t>
+                <a:t>x100</a:t>
               </a:r>
             </a:p>
           </p:txBody>
@@ -10548,89 +10893,12 @@
           </a:p>
         </p:txBody>
       </p:sp>
-      <p:sp>
-        <p:nvSpPr>
-          <p:cNvPr id="29" name="Rectangle 28">
-            <a:extLst>
-              <a:ext uri="{FF2B5EF4-FFF2-40B4-BE49-F238E27FC236}">
-                <a16:creationId xmlns:a16="http://schemas.microsoft.com/office/drawing/2014/main" id="{57CBBE49-43F5-6129-C49B-9B665AF63C42}"/>
-              </a:ext>
-            </a:extLst>
-          </p:cNvPr>
-          <p:cNvSpPr/>
-          <p:nvPr/>
-        </p:nvSpPr>
-        <p:spPr>
-          <a:xfrm>
-            <a:off x="7688350" y="135468"/>
-            <a:ext cx="3581400" cy="3738113"/>
-          </a:xfrm>
-          <a:prstGeom prst="rect">
-            <a:avLst/>
-          </a:prstGeom>
-        </p:spPr>
-        <p:style>
-          <a:lnRef idx="2">
-            <a:schemeClr val="accent1">
-              <a:shade val="15000"/>
-            </a:schemeClr>
-          </a:lnRef>
-          <a:fillRef idx="1">
-            <a:schemeClr val="accent1"/>
-          </a:fillRef>
-          <a:effectRef idx="0">
-            <a:schemeClr val="accent1"/>
-          </a:effectRef>
-          <a:fontRef idx="minor">
-            <a:schemeClr val="lt1"/>
-          </a:fontRef>
-        </p:style>
-        <p:txBody>
-          <a:bodyPr rtlCol="0" anchor="ctr"/>
-          <a:lstStyle/>
-          <a:p>
-            <a:pPr algn="ctr"/>
-            <a:r>
-              <a:rPr lang="en-US" dirty="0"/>
-              <a:t>Something wrong with PB</a:t>
-            </a:r>
-          </a:p>
-          <a:p>
-            <a:pPr marL="285750" indent="-285750" algn="ctr">
-              <a:buFont typeface="Arial" panose="020B0604020202020204" pitchFamily="34" charset="0"/>
-              <a:buChar char="•"/>
-            </a:pPr>
-            <a:r>
-              <a:rPr lang="en-US" dirty="0" err="1"/>
-              <a:t>eps_prof</a:t>
-            </a:r>
-            <a:r>
-              <a:rPr lang="en-US" dirty="0"/>
-              <a:t> fixed </a:t>
-            </a:r>
-          </a:p>
-          <a:p>
-            <a:pPr marL="285750" indent="-285750" algn="ctr">
-              <a:buFont typeface="Arial" panose="020B0604020202020204" pitchFamily="34" charset="0"/>
-              <a:buChar char="•"/>
-            </a:pPr>
-            <a:r>
-              <a:rPr lang="en-US" dirty="0" err="1"/>
-              <a:t>L_Deb</a:t>
-            </a:r>
-            <a:r>
-              <a:rPr lang="en-US" dirty="0"/>
-              <a:t> fixed</a:t>
-            </a:r>
-          </a:p>
-        </p:txBody>
-      </p:sp>
       <p:grpSp>
         <p:nvGrpSpPr>
-          <p:cNvPr id="33" name="Group 32">
-            <a:extLst>
-              <a:ext uri="{FF2B5EF4-FFF2-40B4-BE49-F238E27FC236}">
-                <a16:creationId xmlns:a16="http://schemas.microsoft.com/office/drawing/2014/main" id="{2A17C156-C4D6-C4CE-AC3C-B86952661E40}"/>
+          <p:cNvPr id="23" name="Group 22">
+            <a:extLst>
+              <a:ext uri="{FF2B5EF4-FFF2-40B4-BE49-F238E27FC236}">
+                <a16:creationId xmlns:a16="http://schemas.microsoft.com/office/drawing/2014/main" id="{9603C4F6-BC72-DE78-AFAF-E953E45BBB63}"/>
               </a:ext>
             </a:extLst>
           </p:cNvPr>
@@ -10639,18 +10907,18 @@
         </p:nvGrpSpPr>
         <p:grpSpPr>
           <a:xfrm>
-            <a:off x="3943241" y="923642"/>
-            <a:ext cx="3503766" cy="2106667"/>
-            <a:chOff x="3943241" y="923642"/>
-            <a:chExt cx="3503766" cy="2106667"/>
+            <a:off x="4013454" y="946024"/>
+            <a:ext cx="3453697" cy="2067018"/>
+            <a:chOff x="4013454" y="946024"/>
+            <a:chExt cx="3453697" cy="2067018"/>
           </a:xfrm>
         </p:grpSpPr>
         <p:pic>
           <p:nvPicPr>
-            <p:cNvPr id="31" name="Picture 30">
+            <p:cNvPr id="18" name="Picture 17">
               <a:extLst>
                 <a:ext uri="{FF2B5EF4-FFF2-40B4-BE49-F238E27FC236}">
-                  <a16:creationId xmlns:a16="http://schemas.microsoft.com/office/drawing/2014/main" id="{5C7235CE-4EAE-C0E3-30B0-296A16EFC3FF}"/>
+                  <a16:creationId xmlns:a16="http://schemas.microsoft.com/office/drawing/2014/main" id="{DCA84E2A-BF53-AC58-3D6E-A7931E741492}"/>
                 </a:ext>
               </a:extLst>
             </p:cNvPr>
@@ -10667,8 +10935,8 @@
           </p:blipFill>
           <p:spPr>
             <a:xfrm>
-              <a:off x="3943241" y="923642"/>
-              <a:ext cx="3503766" cy="2106667"/>
+              <a:off x="4013454" y="946024"/>
+              <a:ext cx="3453697" cy="2067018"/>
             </a:xfrm>
             <a:prstGeom prst="rect">
               <a:avLst/>
@@ -10677,10 +10945,10 @@
         </p:pic>
         <p:sp>
           <p:nvSpPr>
-            <p:cNvPr id="32" name="TextBox 31">
+            <p:cNvPr id="22" name="TextBox 21">
               <a:extLst>
                 <a:ext uri="{FF2B5EF4-FFF2-40B4-BE49-F238E27FC236}">
-                  <a16:creationId xmlns:a16="http://schemas.microsoft.com/office/drawing/2014/main" id="{8948433F-3A7F-5E4F-D394-62D37C2AA26E}"/>
+                  <a16:creationId xmlns:a16="http://schemas.microsoft.com/office/drawing/2014/main" id="{8E7E1523-537E-6A7A-C010-9DAA1E24E872}"/>
                 </a:ext>
               </a:extLst>
             </p:cNvPr>
@@ -10689,7 +10957,7 @@
           </p:nvSpPr>
           <p:spPr>
             <a:xfrm>
-              <a:off x="5918172" y="1007445"/>
+              <a:off x="5977439" y="998988"/>
               <a:ext cx="1427134" cy="338554"/>
             </a:xfrm>
             <a:prstGeom prst="rect">
@@ -10710,7 +10978,7 @@
                     <a:schemeClr val="bg1"/>
                   </a:solidFill>
                 </a:rPr>
-                <a:t>a010x075c010</a:t>
+                <a:t>a010x075</a:t>
               </a:r>
             </a:p>
           </p:txBody>
@@ -10718,10 +10986,10 @@
       </p:grpSp>
       <p:grpSp>
         <p:nvGrpSpPr>
-          <p:cNvPr id="37" name="Group 36">
-            <a:extLst>
-              <a:ext uri="{FF2B5EF4-FFF2-40B4-BE49-F238E27FC236}">
-                <a16:creationId xmlns:a16="http://schemas.microsoft.com/office/drawing/2014/main" id="{64297A72-7F54-CCB6-CCBD-3CFF5BA5CA9F}"/>
+          <p:cNvPr id="19" name="Group 18">
+            <a:extLst>
+              <a:ext uri="{FF2B5EF4-FFF2-40B4-BE49-F238E27FC236}">
+                <a16:creationId xmlns:a16="http://schemas.microsoft.com/office/drawing/2014/main" id="{39C9DA37-C670-9995-B1B0-26355AAA05AB}"/>
               </a:ext>
             </a:extLst>
           </p:cNvPr>
@@ -10730,18 +10998,18 @@
         </p:nvGrpSpPr>
         <p:grpSpPr>
           <a:xfrm>
-            <a:off x="3956815" y="2840024"/>
-            <a:ext cx="3490560" cy="2115491"/>
-            <a:chOff x="3956815" y="2840024"/>
-            <a:chExt cx="3490560" cy="2115491"/>
+            <a:off x="4022375" y="2866247"/>
+            <a:ext cx="3453697" cy="2047921"/>
+            <a:chOff x="4022375" y="2866247"/>
+            <a:chExt cx="3453697" cy="2047921"/>
           </a:xfrm>
         </p:grpSpPr>
         <p:pic>
           <p:nvPicPr>
-            <p:cNvPr id="35" name="Picture 34">
+            <p:cNvPr id="8" name="Picture 7">
               <a:extLst>
                 <a:ext uri="{FF2B5EF4-FFF2-40B4-BE49-F238E27FC236}">
-                  <a16:creationId xmlns:a16="http://schemas.microsoft.com/office/drawing/2014/main" id="{8B2B5BD5-0248-1783-FE51-713779726D54}"/>
+                  <a16:creationId xmlns:a16="http://schemas.microsoft.com/office/drawing/2014/main" id="{3767A8ED-F83D-308C-CD65-DDC619A198D2}"/>
                 </a:ext>
               </a:extLst>
             </p:cNvPr>
@@ -10758,8 +11026,8 @@
           </p:blipFill>
           <p:spPr>
             <a:xfrm>
-              <a:off x="3956815" y="2840024"/>
-              <a:ext cx="3490560" cy="2115491"/>
+              <a:off x="4022375" y="2866247"/>
+              <a:ext cx="3453697" cy="2047921"/>
             </a:xfrm>
             <a:prstGeom prst="rect">
               <a:avLst/>
@@ -10768,10 +11036,10 @@
         </p:pic>
         <p:sp>
           <p:nvSpPr>
-            <p:cNvPr id="36" name="TextBox 35">
+            <p:cNvPr id="11" name="TextBox 10">
               <a:extLst>
                 <a:ext uri="{FF2B5EF4-FFF2-40B4-BE49-F238E27FC236}">
-                  <a16:creationId xmlns:a16="http://schemas.microsoft.com/office/drawing/2014/main" id="{B6E758E8-5F7C-27B7-1F7A-53F2151ABED5}"/>
+                  <a16:creationId xmlns:a16="http://schemas.microsoft.com/office/drawing/2014/main" id="{4545DE03-C9B0-3A1A-1089-D6C664268B84}"/>
                 </a:ext>
               </a:extLst>
             </p:cNvPr>
@@ -10780,7 +11048,7 @@
           </p:nvSpPr>
           <p:spPr>
             <a:xfrm>
-              <a:off x="5918172" y="2897379"/>
+              <a:off x="5918172" y="2910684"/>
               <a:ext cx="1427134" cy="338554"/>
             </a:xfrm>
             <a:prstGeom prst="rect">
@@ -10801,7 +11069,7 @@
                     <a:schemeClr val="bg1"/>
                   </a:solidFill>
                 </a:rPr>
-                <a:t>a020x075c010</a:t>
+                <a:t>a020x075</a:t>
               </a:r>
             </a:p>
           </p:txBody>
@@ -10861,10 +11129,10 @@
       </p:sp>
       <p:grpSp>
         <p:nvGrpSpPr>
-          <p:cNvPr id="43" name="Group 42">
-            <a:extLst>
-              <a:ext uri="{FF2B5EF4-FFF2-40B4-BE49-F238E27FC236}">
-                <a16:creationId xmlns:a16="http://schemas.microsoft.com/office/drawing/2014/main" id="{1E223A79-FBD2-0584-AACC-D6BBD256E0BE}"/>
+          <p:cNvPr id="27" name="Group 26">
+            <a:extLst>
+              <a:ext uri="{FF2B5EF4-FFF2-40B4-BE49-F238E27FC236}">
+                <a16:creationId xmlns:a16="http://schemas.microsoft.com/office/drawing/2014/main" id="{9363E371-83BF-5541-9F1A-A849AAABBCA3}"/>
               </a:ext>
             </a:extLst>
           </p:cNvPr>
@@ -10873,18 +11141,18 @@
         </p:nvGrpSpPr>
         <p:grpSpPr>
           <a:xfrm>
-            <a:off x="3957385" y="4718470"/>
-            <a:ext cx="3472688" cy="2097196"/>
-            <a:chOff x="3957385" y="4718470"/>
-            <a:chExt cx="3472688" cy="2097196"/>
+            <a:off x="4030624" y="4714290"/>
+            <a:ext cx="3453697" cy="2109626"/>
+            <a:chOff x="4030624" y="4714290"/>
+            <a:chExt cx="3453697" cy="2109626"/>
           </a:xfrm>
         </p:grpSpPr>
         <p:pic>
           <p:nvPicPr>
-            <p:cNvPr id="40" name="Picture 39">
+            <p:cNvPr id="25" name="Picture 24">
               <a:extLst>
                 <a:ext uri="{FF2B5EF4-FFF2-40B4-BE49-F238E27FC236}">
-                  <a16:creationId xmlns:a16="http://schemas.microsoft.com/office/drawing/2014/main" id="{C00E2256-C6B9-125E-F808-A6F0A21EB173}"/>
+                  <a16:creationId xmlns:a16="http://schemas.microsoft.com/office/drawing/2014/main" id="{AD8DBC66-EFFD-27C9-3B3E-7B3C7E56817D}"/>
                 </a:ext>
               </a:extLst>
             </p:cNvPr>
@@ -10893,15 +11161,16 @@
             </p:cNvPicPr>
             <p:nvPr/>
           </p:nvPicPr>
-          <p:blipFill rotWithShape="1">
+          <p:blipFill>
             <a:blip r:embed="rId8"/>
-            <a:srcRect t="2312"/>
-            <a:stretch/>
+            <a:stretch>
+              <a:fillRect/>
+            </a:stretch>
           </p:blipFill>
           <p:spPr>
             <a:xfrm>
-              <a:off x="3957385" y="4718470"/>
-              <a:ext cx="3472688" cy="2097196"/>
+              <a:off x="4030624" y="4714290"/>
+              <a:ext cx="3453697" cy="2109626"/>
             </a:xfrm>
             <a:prstGeom prst="rect">
               <a:avLst/>
@@ -10910,10 +11179,10 @@
         </p:pic>
         <p:sp>
           <p:nvSpPr>
-            <p:cNvPr id="42" name="TextBox 41">
+            <p:cNvPr id="26" name="TextBox 25">
               <a:extLst>
                 <a:ext uri="{FF2B5EF4-FFF2-40B4-BE49-F238E27FC236}">
-                  <a16:creationId xmlns:a16="http://schemas.microsoft.com/office/drawing/2014/main" id="{E8C35935-8A51-6292-2122-5D1751B1C6A6}"/>
+                  <a16:creationId xmlns:a16="http://schemas.microsoft.com/office/drawing/2014/main" id="{892F01CC-3F1A-E797-D9FA-2D31E8C580BB}"/>
                 </a:ext>
               </a:extLst>
             </p:cNvPr>
@@ -10922,7 +11191,7 @@
           </p:nvSpPr>
           <p:spPr>
             <a:xfrm>
-              <a:off x="5918172" y="4853768"/>
+              <a:off x="5954997" y="4767724"/>
               <a:ext cx="1427134" cy="338554"/>
             </a:xfrm>
             <a:prstGeom prst="rect">
@@ -10943,7 +11212,7 @@
                     <a:schemeClr val="bg1"/>
                   </a:solidFill>
                 </a:rPr>
-                <a:t>a030x075c010</a:t>
+                <a:t>a030x075</a:t>
               </a:r>
             </a:p>
           </p:txBody>
@@ -10996,7 +11265,7 @@
             <a:pPr algn="ctr"/>
             <a:r>
               <a:rPr lang="en-US" dirty="0"/>
-              <a:t>20</a:t>
+              <a:t>30</a:t>
             </a:r>
           </a:p>
         </p:txBody>
@@ -11066,7 +11335,7 @@
 </p:sld>
 </file>
 
-<file path=ppt/slides/slide5.xml><?xml version="1.0" encoding="utf-8"?>
+<file path=ppt/slides/slide6.xml><?xml version="1.0" encoding="utf-8"?>
 <p:sld xmlns:a="http://schemas.openxmlformats.org/drawingml/2006/main" xmlns:r="http://schemas.openxmlformats.org/officeDocument/2006/relationships" xmlns:p="http://schemas.openxmlformats.org/presentationml/2006/main">
   <p:cSld>
     <p:spTree>
@@ -11124,641 +11393,6 @@
           </a:p>
         </p:txBody>
       </p:sp>
-      <p:grpSp>
-        <p:nvGrpSpPr>
-          <p:cNvPr id="1043" name="Group 1042">
-            <a:extLst>
-              <a:ext uri="{FF2B5EF4-FFF2-40B4-BE49-F238E27FC236}">
-                <a16:creationId xmlns:a16="http://schemas.microsoft.com/office/drawing/2014/main" id="{67CB6518-6DB9-B9A3-6C51-F2B949BC1E6C}"/>
-              </a:ext>
-            </a:extLst>
-          </p:cNvPr>
-          <p:cNvGrpSpPr/>
-          <p:nvPr/>
-        </p:nvGrpSpPr>
-        <p:grpSpPr>
-          <a:xfrm>
-            <a:off x="449395" y="867833"/>
-            <a:ext cx="3406913" cy="2050177"/>
-            <a:chOff x="449395" y="867833"/>
-            <a:chExt cx="3406913" cy="2050177"/>
-          </a:xfrm>
-        </p:grpSpPr>
-        <p:pic>
-          <p:nvPicPr>
-            <p:cNvPr id="1034" name="Picture 1033">
-              <a:extLst>
-                <a:ext uri="{FF2B5EF4-FFF2-40B4-BE49-F238E27FC236}">
-                  <a16:creationId xmlns:a16="http://schemas.microsoft.com/office/drawing/2014/main" id="{0074DDCB-FE92-A78A-378E-3D033EBD82CE}"/>
-                </a:ext>
-              </a:extLst>
-            </p:cNvPr>
-            <p:cNvPicPr>
-              <a:picLocks noChangeAspect="1"/>
-            </p:cNvPicPr>
-            <p:nvPr/>
-          </p:nvPicPr>
-          <p:blipFill>
-            <a:blip r:embed="rId2"/>
-            <a:stretch>
-              <a:fillRect/>
-            </a:stretch>
-          </p:blipFill>
-          <p:spPr>
-            <a:xfrm>
-              <a:off x="449395" y="867833"/>
-              <a:ext cx="3406913" cy="2050177"/>
-            </a:xfrm>
-            <a:prstGeom prst="rect">
-              <a:avLst/>
-            </a:prstGeom>
-          </p:spPr>
-        </p:pic>
-        <p:sp>
-          <p:nvSpPr>
-            <p:cNvPr id="1035" name="TextBox 1034">
-              <a:extLst>
-                <a:ext uri="{FF2B5EF4-FFF2-40B4-BE49-F238E27FC236}">
-                  <a16:creationId xmlns:a16="http://schemas.microsoft.com/office/drawing/2014/main" id="{54D8CDB4-3775-FBD0-FC87-2B8008F9FB46}"/>
-                </a:ext>
-              </a:extLst>
-            </p:cNvPr>
-            <p:cNvSpPr txBox="1"/>
-            <p:nvPr/>
-          </p:nvSpPr>
-          <p:spPr>
-            <a:xfrm>
-              <a:off x="2398284" y="953892"/>
-              <a:ext cx="1432025" cy="584775"/>
-            </a:xfrm>
-            <a:prstGeom prst="rect">
-              <a:avLst/>
-            </a:prstGeom>
-            <a:noFill/>
-          </p:spPr>
-          <p:txBody>
-            <a:bodyPr wrap="square" rtlCol="0">
-              <a:spAutoFit/>
-            </a:bodyPr>
-            <a:lstStyle/>
-            <a:p>
-              <a:pPr algn="r"/>
-              <a:r>
-                <a:rPr lang="en-US" sz="1600" dirty="0">
-                  <a:solidFill>
-                    <a:schemeClr val="bg1"/>
-                  </a:solidFill>
-                </a:rPr>
-                <a:t>a010x075N050</a:t>
-              </a:r>
-            </a:p>
-            <a:p>
-              <a:pPr algn="r"/>
-              <a:r>
-                <a:rPr lang="en-US" sz="1600" dirty="0">
-                  <a:solidFill>
-                    <a:schemeClr val="bg1"/>
-                  </a:solidFill>
-                </a:rPr>
-                <a:t>ds30dz50</a:t>
-              </a:r>
-            </a:p>
-          </p:txBody>
-        </p:sp>
-      </p:grpSp>
-      <p:sp>
-        <p:nvSpPr>
-          <p:cNvPr id="1036" name="Rectangle 1035">
-            <a:extLst>
-              <a:ext uri="{FF2B5EF4-FFF2-40B4-BE49-F238E27FC236}">
-                <a16:creationId xmlns:a16="http://schemas.microsoft.com/office/drawing/2014/main" id="{C02C7080-0D2B-55AE-2481-D3370E17CC5E}"/>
-              </a:ext>
-            </a:extLst>
-          </p:cNvPr>
-          <p:cNvSpPr/>
-          <p:nvPr/>
-        </p:nvSpPr>
-        <p:spPr>
-          <a:xfrm>
-            <a:off x="8432800" y="198966"/>
-            <a:ext cx="3581400" cy="1067859"/>
-          </a:xfrm>
-          <a:prstGeom prst="rect">
-            <a:avLst/>
-          </a:prstGeom>
-        </p:spPr>
-        <p:style>
-          <a:lnRef idx="2">
-            <a:schemeClr val="accent1">
-              <a:shade val="15000"/>
-            </a:schemeClr>
-          </a:lnRef>
-          <a:fillRef idx="1">
-            <a:schemeClr val="accent1"/>
-          </a:fillRef>
-          <a:effectRef idx="0">
-            <a:schemeClr val="accent1"/>
-          </a:effectRef>
-          <a:fontRef idx="minor">
-            <a:schemeClr val="lt1"/>
-          </a:fontRef>
-        </p:style>
-        <p:txBody>
-          <a:bodyPr rtlCol="0" anchor="ctr"/>
-          <a:lstStyle/>
-          <a:p>
-            <a:pPr algn="ctr"/>
-            <a:r>
-              <a:rPr lang="en-US" dirty="0"/>
-              <a:t>Something wrong with PB</a:t>
-            </a:r>
-          </a:p>
-          <a:p>
-            <a:pPr algn="ctr"/>
-            <a:r>
-              <a:rPr lang="en-US" dirty="0"/>
-              <a:t>Something wrong with Y</a:t>
-            </a:r>
-          </a:p>
-        </p:txBody>
-      </p:sp>
-      <p:grpSp>
-        <p:nvGrpSpPr>
-          <p:cNvPr id="1044" name="Group 1043">
-            <a:extLst>
-              <a:ext uri="{FF2B5EF4-FFF2-40B4-BE49-F238E27FC236}">
-                <a16:creationId xmlns:a16="http://schemas.microsoft.com/office/drawing/2014/main" id="{0FAB765B-B0FF-8D94-AA38-A10A6D7BAEC6}"/>
-              </a:ext>
-            </a:extLst>
-          </p:cNvPr>
-          <p:cNvGrpSpPr/>
-          <p:nvPr/>
-        </p:nvGrpSpPr>
-        <p:grpSpPr>
-          <a:xfrm>
-            <a:off x="472874" y="2723851"/>
-            <a:ext cx="3357435" cy="2051290"/>
-            <a:chOff x="472874" y="2723851"/>
-            <a:chExt cx="3357435" cy="2051290"/>
-          </a:xfrm>
-        </p:grpSpPr>
-        <p:pic>
-          <p:nvPicPr>
-            <p:cNvPr id="1038" name="Picture 1037">
-              <a:extLst>
-                <a:ext uri="{FF2B5EF4-FFF2-40B4-BE49-F238E27FC236}">
-                  <a16:creationId xmlns:a16="http://schemas.microsoft.com/office/drawing/2014/main" id="{8D7DA175-140F-267A-6A2B-8E3A6F37FB8A}"/>
-                </a:ext>
-              </a:extLst>
-            </p:cNvPr>
-            <p:cNvPicPr>
-              <a:picLocks noChangeAspect="1"/>
-            </p:cNvPicPr>
-            <p:nvPr/>
-          </p:nvPicPr>
-          <p:blipFill>
-            <a:blip r:embed="rId3"/>
-            <a:stretch>
-              <a:fillRect/>
-            </a:stretch>
-          </p:blipFill>
-          <p:spPr>
-            <a:xfrm>
-              <a:off x="472874" y="2723851"/>
-              <a:ext cx="3357435" cy="2051290"/>
-            </a:xfrm>
-            <a:prstGeom prst="rect">
-              <a:avLst/>
-            </a:prstGeom>
-          </p:spPr>
-        </p:pic>
-        <p:sp>
-          <p:nvSpPr>
-            <p:cNvPr id="1039" name="TextBox 1038">
-              <a:extLst>
-                <a:ext uri="{FF2B5EF4-FFF2-40B4-BE49-F238E27FC236}">
-                  <a16:creationId xmlns:a16="http://schemas.microsoft.com/office/drawing/2014/main" id="{2C8AD335-4674-5E44-4792-35C9F6182776}"/>
-                </a:ext>
-              </a:extLst>
-            </p:cNvPr>
-            <p:cNvSpPr txBox="1"/>
-            <p:nvPr/>
-          </p:nvSpPr>
-          <p:spPr>
-            <a:xfrm>
-              <a:off x="2353755" y="2804331"/>
-              <a:ext cx="1432025" cy="584775"/>
-            </a:xfrm>
-            <a:prstGeom prst="rect">
-              <a:avLst/>
-            </a:prstGeom>
-            <a:noFill/>
-          </p:spPr>
-          <p:txBody>
-            <a:bodyPr wrap="square" rtlCol="0">
-              <a:spAutoFit/>
-            </a:bodyPr>
-            <a:lstStyle/>
-            <a:p>
-              <a:pPr algn="r"/>
-              <a:r>
-                <a:rPr lang="en-US" sz="1600" dirty="0">
-                  <a:solidFill>
-                    <a:schemeClr val="bg1"/>
-                  </a:solidFill>
-                </a:rPr>
-                <a:t>a010x075N050</a:t>
-              </a:r>
-            </a:p>
-            <a:p>
-              <a:pPr algn="r"/>
-              <a:r>
-                <a:rPr lang="en-US" sz="1600" dirty="0">
-                  <a:solidFill>
-                    <a:schemeClr val="bg1"/>
-                  </a:solidFill>
-                </a:rPr>
-                <a:t>ds20dz50</a:t>
-              </a:r>
-            </a:p>
-          </p:txBody>
-        </p:sp>
-      </p:grpSp>
-      <p:grpSp>
-        <p:nvGrpSpPr>
-          <p:cNvPr id="1045" name="Group 1044">
-            <a:extLst>
-              <a:ext uri="{FF2B5EF4-FFF2-40B4-BE49-F238E27FC236}">
-                <a16:creationId xmlns:a16="http://schemas.microsoft.com/office/drawing/2014/main" id="{0901C855-498C-FD9D-F6A2-8DFEC1B4177D}"/>
-              </a:ext>
-            </a:extLst>
-          </p:cNvPr>
-          <p:cNvGrpSpPr/>
-          <p:nvPr/>
-        </p:nvGrpSpPr>
-        <p:grpSpPr>
-          <a:xfrm>
-            <a:off x="449395" y="4581985"/>
-            <a:ext cx="3393015" cy="2051290"/>
-            <a:chOff x="449395" y="4581985"/>
-            <a:chExt cx="3393015" cy="2051290"/>
-          </a:xfrm>
-        </p:grpSpPr>
-        <p:pic>
-          <p:nvPicPr>
-            <p:cNvPr id="1041" name="Picture 1040">
-              <a:extLst>
-                <a:ext uri="{FF2B5EF4-FFF2-40B4-BE49-F238E27FC236}">
-                  <a16:creationId xmlns:a16="http://schemas.microsoft.com/office/drawing/2014/main" id="{4C2ED64D-CD01-C052-2C1C-287EEB644330}"/>
-                </a:ext>
-              </a:extLst>
-            </p:cNvPr>
-            <p:cNvPicPr>
-              <a:picLocks noChangeAspect="1"/>
-            </p:cNvPicPr>
-            <p:nvPr/>
-          </p:nvPicPr>
-          <p:blipFill>
-            <a:blip r:embed="rId4"/>
-            <a:stretch>
-              <a:fillRect/>
-            </a:stretch>
-          </p:blipFill>
-          <p:spPr>
-            <a:xfrm>
-              <a:off x="449395" y="4581985"/>
-              <a:ext cx="3393015" cy="2051290"/>
-            </a:xfrm>
-            <a:prstGeom prst="rect">
-              <a:avLst/>
-            </a:prstGeom>
-          </p:spPr>
-        </p:pic>
-        <p:sp>
-          <p:nvSpPr>
-            <p:cNvPr id="1042" name="TextBox 1041">
-              <a:extLst>
-                <a:ext uri="{FF2B5EF4-FFF2-40B4-BE49-F238E27FC236}">
-                  <a16:creationId xmlns:a16="http://schemas.microsoft.com/office/drawing/2014/main" id="{2158A5F1-DA44-F1AD-B6EC-BB23B7B95561}"/>
-                </a:ext>
-              </a:extLst>
-            </p:cNvPr>
-            <p:cNvSpPr txBox="1"/>
-            <p:nvPr/>
-          </p:nvSpPr>
-          <p:spPr>
-            <a:xfrm>
-              <a:off x="2353755" y="4642794"/>
-              <a:ext cx="1432025" cy="584775"/>
-            </a:xfrm>
-            <a:prstGeom prst="rect">
-              <a:avLst/>
-            </a:prstGeom>
-            <a:noFill/>
-          </p:spPr>
-          <p:txBody>
-            <a:bodyPr wrap="square" rtlCol="0">
-              <a:spAutoFit/>
-            </a:bodyPr>
-            <a:lstStyle/>
-            <a:p>
-              <a:pPr algn="r"/>
-              <a:r>
-                <a:rPr lang="en-US" sz="1600" dirty="0">
-                  <a:solidFill>
-                    <a:schemeClr val="bg1"/>
-                  </a:solidFill>
-                </a:rPr>
-                <a:t>a010x075N050</a:t>
-              </a:r>
-            </a:p>
-            <a:p>
-              <a:pPr algn="r"/>
-              <a:r>
-                <a:rPr lang="en-US" sz="1600" dirty="0">
-                  <a:solidFill>
-                    <a:schemeClr val="bg1"/>
-                  </a:solidFill>
-                </a:rPr>
-                <a:t>ds10dz50</a:t>
-              </a:r>
-            </a:p>
-          </p:txBody>
-        </p:sp>
-      </p:grpSp>
-      <p:grpSp>
-        <p:nvGrpSpPr>
-          <p:cNvPr id="1049" name="Group 1048">
-            <a:extLst>
-              <a:ext uri="{FF2B5EF4-FFF2-40B4-BE49-F238E27FC236}">
-                <a16:creationId xmlns:a16="http://schemas.microsoft.com/office/drawing/2014/main" id="{EFF7562A-04EF-BC80-6A5A-2F9D534D4848}"/>
-              </a:ext>
-            </a:extLst>
-          </p:cNvPr>
-          <p:cNvGrpSpPr/>
-          <p:nvPr/>
-        </p:nvGrpSpPr>
-        <p:grpSpPr>
-          <a:xfrm>
-            <a:off x="3826758" y="867833"/>
-            <a:ext cx="3406913" cy="2056192"/>
-            <a:chOff x="3963204" y="2723851"/>
-            <a:chExt cx="3406913" cy="2056192"/>
-          </a:xfrm>
-        </p:grpSpPr>
-        <p:pic>
-          <p:nvPicPr>
-            <p:cNvPr id="1047" name="Picture 1046">
-              <a:extLst>
-                <a:ext uri="{FF2B5EF4-FFF2-40B4-BE49-F238E27FC236}">
-                  <a16:creationId xmlns:a16="http://schemas.microsoft.com/office/drawing/2014/main" id="{3EFDD941-652B-C9A3-A011-2DE66C510CC5}"/>
-                </a:ext>
-              </a:extLst>
-            </p:cNvPr>
-            <p:cNvPicPr>
-              <a:picLocks noChangeAspect="1"/>
-            </p:cNvPicPr>
-            <p:nvPr/>
-          </p:nvPicPr>
-          <p:blipFill>
-            <a:blip r:embed="rId5"/>
-            <a:stretch>
-              <a:fillRect/>
-            </a:stretch>
-          </p:blipFill>
-          <p:spPr>
-            <a:xfrm>
-              <a:off x="3963204" y="2723851"/>
-              <a:ext cx="3406913" cy="2056192"/>
-            </a:xfrm>
-            <a:prstGeom prst="rect">
-              <a:avLst/>
-            </a:prstGeom>
-          </p:spPr>
-        </p:pic>
-        <p:sp>
-          <p:nvSpPr>
-            <p:cNvPr id="1048" name="TextBox 1047">
-              <a:extLst>
-                <a:ext uri="{FF2B5EF4-FFF2-40B4-BE49-F238E27FC236}">
-                  <a16:creationId xmlns:a16="http://schemas.microsoft.com/office/drawing/2014/main" id="{338D8C4B-0EF0-4303-E3D6-E613FF3208FE}"/>
-                </a:ext>
-              </a:extLst>
-            </p:cNvPr>
-            <p:cNvSpPr txBox="1"/>
-            <p:nvPr/>
-          </p:nvSpPr>
-          <p:spPr>
-            <a:xfrm>
-              <a:off x="5887530" y="2787146"/>
-              <a:ext cx="1432025" cy="584775"/>
-            </a:xfrm>
-            <a:prstGeom prst="rect">
-              <a:avLst/>
-            </a:prstGeom>
-            <a:noFill/>
-          </p:spPr>
-          <p:txBody>
-            <a:bodyPr wrap="square" rtlCol="0">
-              <a:spAutoFit/>
-            </a:bodyPr>
-            <a:lstStyle/>
-            <a:p>
-              <a:pPr algn="r"/>
-              <a:r>
-                <a:rPr lang="en-US" sz="1600" dirty="0">
-                  <a:solidFill>
-                    <a:schemeClr val="bg1"/>
-                  </a:solidFill>
-                </a:rPr>
-                <a:t>a010x075N050Y2</a:t>
-              </a:r>
-            </a:p>
-          </p:txBody>
-        </p:sp>
-      </p:grpSp>
-      <p:grpSp>
-        <p:nvGrpSpPr>
-          <p:cNvPr id="1053" name="Group 1052">
-            <a:extLst>
-              <a:ext uri="{FF2B5EF4-FFF2-40B4-BE49-F238E27FC236}">
-                <a16:creationId xmlns:a16="http://schemas.microsoft.com/office/drawing/2014/main" id="{5176E1B4-F7BF-888D-F087-D1A47E7F644F}"/>
-              </a:ext>
-            </a:extLst>
-          </p:cNvPr>
-          <p:cNvGrpSpPr/>
-          <p:nvPr/>
-        </p:nvGrpSpPr>
-        <p:grpSpPr>
-          <a:xfrm>
-            <a:off x="3810284" y="2708782"/>
-            <a:ext cx="3406913" cy="2044148"/>
-            <a:chOff x="3810284" y="2708782"/>
-            <a:chExt cx="3406913" cy="2044148"/>
-          </a:xfrm>
-        </p:grpSpPr>
-        <p:pic>
-          <p:nvPicPr>
-            <p:cNvPr id="1051" name="Picture 1050">
-              <a:extLst>
-                <a:ext uri="{FF2B5EF4-FFF2-40B4-BE49-F238E27FC236}">
-                  <a16:creationId xmlns:a16="http://schemas.microsoft.com/office/drawing/2014/main" id="{35F7405C-5D90-1716-A7BA-69E6BA7D98BF}"/>
-                </a:ext>
-              </a:extLst>
-            </p:cNvPr>
-            <p:cNvPicPr>
-              <a:picLocks noChangeAspect="1"/>
-            </p:cNvPicPr>
-            <p:nvPr/>
-          </p:nvPicPr>
-          <p:blipFill>
-            <a:blip r:embed="rId6"/>
-            <a:stretch>
-              <a:fillRect/>
-            </a:stretch>
-          </p:blipFill>
-          <p:spPr>
-            <a:xfrm>
-              <a:off x="3810284" y="2708782"/>
-              <a:ext cx="3406913" cy="2044148"/>
-            </a:xfrm>
-            <a:prstGeom prst="rect">
-              <a:avLst/>
-            </a:prstGeom>
-          </p:spPr>
-        </p:pic>
-        <p:sp>
-          <p:nvSpPr>
-            <p:cNvPr id="1052" name="TextBox 1051">
-              <a:extLst>
-                <a:ext uri="{FF2B5EF4-FFF2-40B4-BE49-F238E27FC236}">
-                  <a16:creationId xmlns:a16="http://schemas.microsoft.com/office/drawing/2014/main" id="{68525E87-73AB-36EF-3EBD-968705942C13}"/>
-                </a:ext>
-              </a:extLst>
-            </p:cNvPr>
-            <p:cNvSpPr txBox="1"/>
-            <p:nvPr/>
-          </p:nvSpPr>
-          <p:spPr>
-            <a:xfrm>
-              <a:off x="5685198" y="2732403"/>
-              <a:ext cx="1432025" cy="584775"/>
-            </a:xfrm>
-            <a:prstGeom prst="rect">
-              <a:avLst/>
-            </a:prstGeom>
-            <a:noFill/>
-          </p:spPr>
-          <p:txBody>
-            <a:bodyPr wrap="square" rtlCol="0">
-              <a:spAutoFit/>
-            </a:bodyPr>
-            <a:lstStyle/>
-            <a:p>
-              <a:pPr algn="r"/>
-              <a:r>
-                <a:rPr lang="en-US" sz="1600" dirty="0">
-                  <a:solidFill>
-                    <a:schemeClr val="bg1"/>
-                  </a:solidFill>
-                </a:rPr>
-                <a:t>a010x075N050Y5</a:t>
-              </a:r>
-            </a:p>
-          </p:txBody>
-        </p:sp>
-      </p:grpSp>
-      <p:grpSp>
-        <p:nvGrpSpPr>
-          <p:cNvPr id="1057" name="Group 1056">
-            <a:extLst>
-              <a:ext uri="{FF2B5EF4-FFF2-40B4-BE49-F238E27FC236}">
-                <a16:creationId xmlns:a16="http://schemas.microsoft.com/office/drawing/2014/main" id="{1640D691-7367-25BC-5DCB-FF54DCBCFA0D}"/>
-              </a:ext>
-            </a:extLst>
-          </p:cNvPr>
-          <p:cNvGrpSpPr/>
-          <p:nvPr/>
-        </p:nvGrpSpPr>
-        <p:grpSpPr>
-          <a:xfrm>
-            <a:off x="3804310" y="4589127"/>
-            <a:ext cx="3409776" cy="2044148"/>
-            <a:chOff x="3804310" y="4589127"/>
-            <a:chExt cx="3409776" cy="2044148"/>
-          </a:xfrm>
-        </p:grpSpPr>
-        <p:pic>
-          <p:nvPicPr>
-            <p:cNvPr id="1055" name="Picture 1054">
-              <a:extLst>
-                <a:ext uri="{FF2B5EF4-FFF2-40B4-BE49-F238E27FC236}">
-                  <a16:creationId xmlns:a16="http://schemas.microsoft.com/office/drawing/2014/main" id="{47629B1C-B10B-B801-74F3-A09DDB6A9917}"/>
-                </a:ext>
-              </a:extLst>
-            </p:cNvPr>
-            <p:cNvPicPr>
-              <a:picLocks noChangeAspect="1"/>
-            </p:cNvPicPr>
-            <p:nvPr/>
-          </p:nvPicPr>
-          <p:blipFill>
-            <a:blip r:embed="rId7"/>
-            <a:stretch>
-              <a:fillRect/>
-            </a:stretch>
-          </p:blipFill>
-          <p:spPr>
-            <a:xfrm>
-              <a:off x="3804310" y="4589127"/>
-              <a:ext cx="3409776" cy="2044148"/>
-            </a:xfrm>
-            <a:prstGeom prst="rect">
-              <a:avLst/>
-            </a:prstGeom>
-          </p:spPr>
-        </p:pic>
-        <p:sp>
-          <p:nvSpPr>
-            <p:cNvPr id="1056" name="TextBox 1055">
-              <a:extLst>
-                <a:ext uri="{FF2B5EF4-FFF2-40B4-BE49-F238E27FC236}">
-                  <a16:creationId xmlns:a16="http://schemas.microsoft.com/office/drawing/2014/main" id="{D2E2DA41-958D-B0CB-000F-42CC2409BE19}"/>
-                </a:ext>
-              </a:extLst>
-            </p:cNvPr>
-            <p:cNvSpPr txBox="1"/>
-            <p:nvPr/>
-          </p:nvSpPr>
-          <p:spPr>
-            <a:xfrm>
-              <a:off x="5741821" y="4633740"/>
-              <a:ext cx="1432025" cy="584775"/>
-            </a:xfrm>
-            <a:prstGeom prst="rect">
-              <a:avLst/>
-            </a:prstGeom>
-            <a:noFill/>
-          </p:spPr>
-          <p:txBody>
-            <a:bodyPr wrap="square" rtlCol="0">
-              <a:spAutoFit/>
-            </a:bodyPr>
-            <a:lstStyle/>
-            <a:p>
-              <a:pPr algn="r"/>
-              <a:r>
-                <a:rPr lang="en-US" sz="1600" dirty="0">
-                  <a:solidFill>
-                    <a:schemeClr val="bg1"/>
-                  </a:solidFill>
-                </a:rPr>
-                <a:t>a010x075N050Y10</a:t>
-              </a:r>
-            </a:p>
-          </p:txBody>
-        </p:sp>
-      </p:grpSp>
     </p:spTree>
     <p:extLst>
       <p:ext uri="{BB962C8B-B14F-4D97-AF65-F5344CB8AC3E}">
@@ -11772,7 +11406,7 @@
 </p:sld>
 </file>
 
-<file path=ppt/slides/slide6.xml><?xml version="1.0" encoding="utf-8"?>
+<file path=ppt/slides/slide7.xml><?xml version="1.0" encoding="utf-8"?>
 <p:sld xmlns:a="http://schemas.openxmlformats.org/drawingml/2006/main" xmlns:r="http://schemas.openxmlformats.org/officeDocument/2006/relationships" xmlns:p="http://schemas.openxmlformats.org/presentationml/2006/main">
   <p:cSld>
     <p:spTree>
@@ -11924,118 +11558,6 @@
           </p:txBody>
         </p:sp>
       </p:grpSp>
-      <p:sp>
-        <p:nvSpPr>
-          <p:cNvPr id="6" name="Rectangle 5">
-            <a:extLst>
-              <a:ext uri="{FF2B5EF4-FFF2-40B4-BE49-F238E27FC236}">
-                <a16:creationId xmlns:a16="http://schemas.microsoft.com/office/drawing/2014/main" id="{EF31E30A-C1FC-5286-B54A-D17992CBF318}"/>
-              </a:ext>
-            </a:extLst>
-          </p:cNvPr>
-          <p:cNvSpPr/>
-          <p:nvPr/>
-        </p:nvSpPr>
-        <p:spPr>
-          <a:xfrm>
-            <a:off x="8940800" y="2446867"/>
-            <a:ext cx="3022600" cy="1701800"/>
-          </a:xfrm>
-          <a:prstGeom prst="rect">
-            <a:avLst/>
-          </a:prstGeom>
-        </p:spPr>
-        <p:style>
-          <a:lnRef idx="2">
-            <a:schemeClr val="accent1">
-              <a:shade val="15000"/>
-            </a:schemeClr>
-          </a:lnRef>
-          <a:fillRef idx="1">
-            <a:schemeClr val="accent1"/>
-          </a:fillRef>
-          <a:effectRef idx="0">
-            <a:schemeClr val="accent1"/>
-          </a:effectRef>
-          <a:fontRef idx="minor">
-            <a:schemeClr val="lt1"/>
-          </a:fontRef>
-        </p:style>
-        <p:txBody>
-          <a:bodyPr rtlCol="0" anchor="ctr"/>
-          <a:lstStyle/>
-          <a:p>
-            <a:pPr algn="ctr"/>
-            <a:r>
-              <a:rPr lang="en-US" dirty="0" err="1"/>
-              <a:t>Gets.c</a:t>
-            </a:r>
-            <a:r>
-              <a:rPr lang="en-US" dirty="0"/>
-              <a:t> / </a:t>
-            </a:r>
-            <a:r>
-              <a:rPr lang="en-US" dirty="0" err="1"/>
-              <a:t>Int_PHA</a:t>
-            </a:r>
-            <a:r>
-              <a:rPr lang="en-US" dirty="0"/>
-              <a:t>_ </a:t>
-            </a:r>
-            <a:r>
-              <a:rPr lang="en-US" dirty="0" err="1"/>
-              <a:t>K_i</a:t>
-            </a:r>
-            <a:r>
-              <a:rPr lang="en-US" dirty="0"/>
-              <a:t>[X] </a:t>
-            </a:r>
-            <a:r>
-              <a:rPr lang="en-US" dirty="0">
-                <a:sym typeface="Wingdings" panose="05000000000000000000" pitchFamily="2" charset="2"/>
-              </a:rPr>
-              <a:t> </a:t>
-            </a:r>
-            <a:r>
-              <a:rPr lang="en-US" dirty="0" err="1">
-                <a:sym typeface="Wingdings" panose="05000000000000000000" pitchFamily="2" charset="2"/>
-              </a:rPr>
-              <a:t>K_i</a:t>
-            </a:r>
-            <a:r>
-              <a:rPr lang="en-US" dirty="0">
-                <a:sym typeface="Wingdings" panose="05000000000000000000" pitchFamily="2" charset="2"/>
-              </a:rPr>
-              <a:t>[Y] fixed</a:t>
-            </a:r>
-          </a:p>
-          <a:p>
-            <a:pPr marL="285750" indent="-285750" algn="ctr">
-              <a:buFont typeface="Arial" panose="020B0604020202020204" pitchFamily="34" charset="0"/>
-              <a:buChar char="•"/>
-            </a:pPr>
-            <a:r>
-              <a:rPr lang="en-US" dirty="0" err="1">
-                <a:sym typeface="Wingdings" panose="05000000000000000000" pitchFamily="2" charset="2"/>
-              </a:rPr>
-              <a:t>Int_phAQUAD</a:t>
-            </a:r>
-            <a:r>
-              <a:rPr lang="en-US" dirty="0">
-                <a:sym typeface="Wingdings" panose="05000000000000000000" pitchFamily="2" charset="2"/>
-              </a:rPr>
-              <a:t> fixed</a:t>
-            </a:r>
-          </a:p>
-          <a:p>
-            <a:pPr marL="285750" indent="-285750" algn="ctr">
-              <a:buFont typeface="Arial" panose="020B0604020202020204" pitchFamily="34" charset="0"/>
-              <a:buChar char="•"/>
-            </a:pPr>
-            <a:endParaRPr lang="en-US" dirty="0"/>
-          </a:p>
-        </p:txBody>
-      </p:sp>
       <p:grpSp>
         <p:nvGrpSpPr>
           <p:cNvPr id="10" name="Group 9">
@@ -12355,69 +11877,6 @@
 </p:sld>
 </file>
 
-<file path=ppt/slides/slide7.xml><?xml version="1.0" encoding="utf-8"?>
-<p:sld xmlns:a="http://schemas.openxmlformats.org/drawingml/2006/main" xmlns:r="http://schemas.openxmlformats.org/officeDocument/2006/relationships" xmlns:p="http://schemas.openxmlformats.org/presentationml/2006/main">
-  <p:cSld>
-    <p:spTree>
-      <p:nvGrpSpPr>
-        <p:cNvPr id="1" name=""/>
-        <p:cNvGrpSpPr/>
-        <p:nvPr/>
-      </p:nvGrpSpPr>
-      <p:grpSpPr>
-        <a:xfrm>
-          <a:off x="0" y="0"/>
-          <a:ext cx="0" cy="0"/>
-          <a:chOff x="0" y="0"/>
-          <a:chExt cx="0" cy="0"/>
-        </a:xfrm>
-      </p:grpSpPr>
-      <p:sp>
-        <p:nvSpPr>
-          <p:cNvPr id="2" name="Title 1">
-            <a:extLst>
-              <a:ext uri="{FF2B5EF4-FFF2-40B4-BE49-F238E27FC236}">
-                <a16:creationId xmlns:a16="http://schemas.microsoft.com/office/drawing/2014/main" id="{A42F1D30-274D-A5B8-3620-4DA31ECE8F5B}"/>
-              </a:ext>
-            </a:extLst>
-          </p:cNvPr>
-          <p:cNvSpPr>
-            <a:spLocks noGrp="1"/>
-          </p:cNvSpPr>
-          <p:nvPr>
-            <p:ph type="title"/>
-          </p:nvPr>
-        </p:nvSpPr>
-        <p:spPr>
-          <a:xfrm>
-            <a:off x="448734" y="2766218"/>
-            <a:ext cx="10515600" cy="1325563"/>
-          </a:xfrm>
-        </p:spPr>
-        <p:txBody>
-          <a:bodyPr/>
-          <a:lstStyle/>
-          <a:p>
-            <a:r>
-              <a:rPr lang="en-US" b="1" dirty="0"/>
-              <a:t>Specifying Grafted Points</a:t>
-            </a:r>
-          </a:p>
-        </p:txBody>
-      </p:sp>
-    </p:spTree>
-    <p:extLst>
-      <p:ext uri="{BB962C8B-B14F-4D97-AF65-F5344CB8AC3E}">
-        <p14:creationId xmlns:p14="http://schemas.microsoft.com/office/powerpoint/2010/main" val="896468000"/>
-      </p:ext>
-    </p:extLst>
-  </p:cSld>
-  <p:clrMapOvr>
-    <a:masterClrMapping/>
-  </p:clrMapOvr>
-</p:sld>
-</file>
-
 <file path=ppt/slides/slide8.xml><?xml version="1.0" encoding="utf-8"?>
 <p:sld xmlns:a="http://schemas.openxmlformats.org/drawingml/2006/main" xmlns:r="http://schemas.openxmlformats.org/officeDocument/2006/relationships" xmlns:p="http://schemas.openxmlformats.org/presentationml/2006/main">
   <p:cSld>
@@ -12440,7 +11899,7 @@
           <p:cNvPr id="2" name="Title 1">
             <a:extLst>
               <a:ext uri="{FF2B5EF4-FFF2-40B4-BE49-F238E27FC236}">
-                <a16:creationId xmlns:a16="http://schemas.microsoft.com/office/drawing/2014/main" id="{EC7A1061-086B-35E4-61C1-83C328D5548E}"/>
+                <a16:creationId xmlns:a16="http://schemas.microsoft.com/office/drawing/2014/main" id="{A42F1D30-274D-A5B8-3620-4DA31ECE8F5B}"/>
               </a:ext>
             </a:extLst>
           </p:cNvPr>
@@ -12451,247 +11910,19 @@
             <p:ph type="title"/>
           </p:nvPr>
         </p:nvSpPr>
-        <p:spPr/>
+        <p:spPr>
+          <a:xfrm>
+            <a:off x="448734" y="2766218"/>
+            <a:ext cx="10515600" cy="1325563"/>
+          </a:xfrm>
+        </p:spPr>
         <p:txBody>
           <a:bodyPr/>
           <a:lstStyle/>
           <a:p>
             <a:r>
-              <a:rPr lang="en-US" dirty="0"/>
-              <a:t>Strategy</a:t>
-            </a:r>
-          </a:p>
-        </p:txBody>
-      </p:sp>
-      <p:sp>
-        <p:nvSpPr>
-          <p:cNvPr id="3" name="TextBox 2">
-            <a:extLst>
-              <a:ext uri="{FF2B5EF4-FFF2-40B4-BE49-F238E27FC236}">
-                <a16:creationId xmlns:a16="http://schemas.microsoft.com/office/drawing/2014/main" id="{66A4566B-D26D-18F7-2769-748D7813228B}"/>
-              </a:ext>
-            </a:extLst>
-          </p:cNvPr>
-          <p:cNvSpPr txBox="1"/>
-          <p:nvPr/>
-        </p:nvSpPr>
-        <p:spPr>
-          <a:xfrm>
-            <a:off x="714374" y="1895475"/>
-            <a:ext cx="7810500" cy="646331"/>
-          </a:xfrm>
-          <a:prstGeom prst="rect">
-            <a:avLst/>
-          </a:prstGeom>
-          <a:noFill/>
-        </p:spPr>
-        <p:txBody>
-          <a:bodyPr wrap="square" rtlCol="0">
-            <a:spAutoFit/>
-          </a:bodyPr>
-          <a:lstStyle/>
-          <a:p>
-            <a:r>
-              <a:rPr lang="en-US" dirty="0"/>
-              <a:t>2D binary array for surface sites of homogeneously grafted polymer given grafting density, simulation box size, and discretization (and assuming dx = </a:t>
-            </a:r>
-            <a:r>
-              <a:rPr lang="en-US" dirty="0" err="1"/>
-              <a:t>dy</a:t>
-            </a:r>
-            <a:r>
-              <a:rPr lang="en-US" dirty="0"/>
-              <a:t>)</a:t>
-            </a:r>
-          </a:p>
-        </p:txBody>
-      </p:sp>
-      <p:sp>
-        <p:nvSpPr>
-          <p:cNvPr id="4" name="TextBox 3">
-            <a:extLst>
-              <a:ext uri="{FF2B5EF4-FFF2-40B4-BE49-F238E27FC236}">
-                <a16:creationId xmlns:a16="http://schemas.microsoft.com/office/drawing/2014/main" id="{14B153E5-948B-4D25-2B1C-2231E4E7EBA6}"/>
-              </a:ext>
-            </a:extLst>
-          </p:cNvPr>
-          <p:cNvSpPr txBox="1"/>
-          <p:nvPr/>
-        </p:nvSpPr>
-        <p:spPr>
-          <a:xfrm>
-            <a:off x="714374" y="2776538"/>
-            <a:ext cx="11077575" cy="646331"/>
-          </a:xfrm>
-          <a:prstGeom prst="rect">
-            <a:avLst/>
-          </a:prstGeom>
-          <a:noFill/>
-        </p:spPr>
-        <p:txBody>
-          <a:bodyPr wrap="square" rtlCol="0">
-            <a:spAutoFit/>
-          </a:bodyPr>
-          <a:lstStyle/>
-          <a:p>
-            <a:r>
-              <a:rPr lang="en-US" dirty="0" err="1"/>
-              <a:t>Fullspace</a:t>
-            </a:r>
-            <a:r>
-              <a:rPr lang="en-US" dirty="0"/>
-              <a:t> must be periodic on x0 = </a:t>
-            </a:r>
-            <a:r>
-              <a:rPr lang="en-US" dirty="0" err="1"/>
-              <a:t>xL</a:t>
-            </a:r>
-            <a:r>
-              <a:rPr lang="en-US" dirty="0"/>
-              <a:t>, y0 = </a:t>
-            </a:r>
-            <a:r>
-              <a:rPr lang="en-US" dirty="0" err="1"/>
-              <a:t>yL</a:t>
-            </a:r>
-            <a:endParaRPr lang="en-US" dirty="0"/>
-          </a:p>
-          <a:p>
-            <a:r>
-              <a:rPr lang="en-US" dirty="0" err="1"/>
-              <a:t>Halfspace</a:t>
-            </a:r>
-            <a:r>
-              <a:rPr lang="en-US" dirty="0"/>
-              <a:t> must be even on </a:t>
-            </a:r>
-            <a:r>
-              <a:rPr lang="en-US" dirty="0" err="1"/>
-              <a:t>xL</a:t>
-            </a:r>
-            <a:r>
-              <a:rPr lang="en-US" dirty="0"/>
-              <a:t>/2 and </a:t>
-            </a:r>
-            <a:r>
-              <a:rPr lang="en-US" dirty="0" err="1"/>
-              <a:t>yL</a:t>
-            </a:r>
-            <a:r>
-              <a:rPr lang="en-US" dirty="0"/>
-              <a:t>/2 (overlap of boundary following REDFT00) and periodic on x0 = </a:t>
-            </a:r>
-            <a:r>
-              <a:rPr lang="en-US" dirty="0" err="1"/>
-              <a:t>xL</a:t>
-            </a:r>
-            <a:r>
-              <a:rPr lang="en-US" dirty="0"/>
-              <a:t>, y0 = </a:t>
-            </a:r>
-            <a:r>
-              <a:rPr lang="en-US" dirty="0" err="1"/>
-              <a:t>yL</a:t>
-            </a:r>
-            <a:r>
-              <a:rPr lang="en-US" dirty="0"/>
-              <a:t>.</a:t>
-            </a:r>
-          </a:p>
-        </p:txBody>
-      </p:sp>
-      <p:sp>
-        <p:nvSpPr>
-          <p:cNvPr id="5" name="TextBox 4">
-            <a:extLst>
-              <a:ext uri="{FF2B5EF4-FFF2-40B4-BE49-F238E27FC236}">
-                <a16:creationId xmlns:a16="http://schemas.microsoft.com/office/drawing/2014/main" id="{97078C71-47DB-0D25-8BE5-AD0C9CC3C9FD}"/>
-              </a:ext>
-            </a:extLst>
-          </p:cNvPr>
-          <p:cNvSpPr txBox="1"/>
-          <p:nvPr/>
-        </p:nvSpPr>
-        <p:spPr>
-          <a:xfrm>
-            <a:off x="714373" y="3812426"/>
-            <a:ext cx="11077575" cy="369332"/>
-          </a:xfrm>
-          <a:prstGeom prst="rect">
-            <a:avLst/>
-          </a:prstGeom>
-          <a:noFill/>
-        </p:spPr>
-        <p:txBody>
-          <a:bodyPr wrap="square" rtlCol="0">
-            <a:spAutoFit/>
-          </a:bodyPr>
-          <a:lstStyle/>
-          <a:p>
-            <a:r>
-              <a:rPr lang="en-US" dirty="0"/>
-              <a:t>Homogeneous spacing as determined by regular hexagon, where grafting point at centroid of hexagon</a:t>
-            </a:r>
-          </a:p>
-        </p:txBody>
-      </p:sp>
-      <p:sp>
-        <p:nvSpPr>
-          <p:cNvPr id="6" name="TextBox 5">
-            <a:extLst>
-              <a:ext uri="{FF2B5EF4-FFF2-40B4-BE49-F238E27FC236}">
-                <a16:creationId xmlns:a16="http://schemas.microsoft.com/office/drawing/2014/main" id="{067DDA30-EAF3-09E5-D289-BD5F06EA216D}"/>
-              </a:ext>
-            </a:extLst>
-          </p:cNvPr>
-          <p:cNvSpPr txBox="1"/>
-          <p:nvPr/>
-        </p:nvSpPr>
-        <p:spPr>
-          <a:xfrm>
-            <a:off x="714372" y="4508719"/>
-            <a:ext cx="11077575" cy="923330"/>
-          </a:xfrm>
-          <a:prstGeom prst="rect">
-            <a:avLst/>
-          </a:prstGeom>
-          <a:noFill/>
-        </p:spPr>
-        <p:txBody>
-          <a:bodyPr wrap="square" rtlCol="0">
-            <a:spAutoFit/>
-          </a:bodyPr>
-          <a:lstStyle/>
-          <a:p>
-            <a:r>
-              <a:rPr lang="en-US" dirty="0"/>
-              <a:t>In case there are edge effects, try shifting the centroids away from the boundaries of the </a:t>
-            </a:r>
-            <a:r>
-              <a:rPr lang="en-US" dirty="0" err="1"/>
-              <a:t>xy</a:t>
-            </a:r>
-            <a:r>
-              <a:rPr lang="en-US" dirty="0"/>
-              <a:t>-plane (only did for </a:t>
-            </a:r>
-            <a:r>
-              <a:rPr lang="en-US" dirty="0" err="1"/>
-              <a:t>fullspace</a:t>
-            </a:r>
-            <a:r>
-              <a:rPr lang="en-US" dirty="0"/>
-              <a:t>)</a:t>
-            </a:r>
-          </a:p>
-          <a:p>
-            <a:pPr marL="285750" indent="-285750">
-              <a:buFont typeface="Arial" panose="020B0604020202020204" pitchFamily="34" charset="0"/>
-              <a:buChar char="•"/>
-            </a:pPr>
-            <a:r>
-              <a:rPr lang="en-US" dirty="0"/>
-              <a:t>Make sure no edge effects by comparing results of full FFT with cos FFT</a:t>
+              <a:rPr lang="en-US" b="1" dirty="0"/>
+              <a:t>Specifying Grafted Points</a:t>
             </a:r>
           </a:p>
         </p:txBody>
@@ -12699,7 +11930,7 @@
     </p:spTree>
     <p:extLst>
       <p:ext uri="{BB962C8B-B14F-4D97-AF65-F5344CB8AC3E}">
-        <p14:creationId xmlns:p14="http://schemas.microsoft.com/office/powerpoint/2010/main" val="1764039423"/>
+        <p14:creationId xmlns:p14="http://schemas.microsoft.com/office/powerpoint/2010/main" val="896468000"/>
       </p:ext>
     </p:extLst>
   </p:cSld>
@@ -12731,7 +11962,7 @@
           <p:cNvPr id="2" name="Title 1">
             <a:extLst>
               <a:ext uri="{FF2B5EF4-FFF2-40B4-BE49-F238E27FC236}">
-                <a16:creationId xmlns:a16="http://schemas.microsoft.com/office/drawing/2014/main" id="{A3926BC3-A860-346A-4F58-1EE4C3E7FB0F}"/>
+                <a16:creationId xmlns:a16="http://schemas.microsoft.com/office/drawing/2014/main" id="{EC7A1061-086B-35E4-61C1-83C328D5548E}"/>
               </a:ext>
             </a:extLst>
           </p:cNvPr>
@@ -12749,7 +11980,7 @@
           <a:p>
             <a:r>
               <a:rPr lang="en-US" dirty="0"/>
-              <a:t>Test conditions</a:t>
+              <a:t>Strategy</a:t>
             </a:r>
           </a:p>
         </p:txBody>
@@ -12759,7 +11990,7 @@
           <p:cNvPr id="3" name="TextBox 2">
             <a:extLst>
               <a:ext uri="{FF2B5EF4-FFF2-40B4-BE49-F238E27FC236}">
-                <a16:creationId xmlns:a16="http://schemas.microsoft.com/office/drawing/2014/main" id="{A00B5138-8D53-B196-C54A-B372D20698D0}"/>
+                <a16:creationId xmlns:a16="http://schemas.microsoft.com/office/drawing/2014/main" id="{66A4566B-D26D-18F7-2769-748D7813228B}"/>
               </a:ext>
             </a:extLst>
           </p:cNvPr>
@@ -12768,8 +11999,8 @@
         </p:nvSpPr>
         <p:spPr>
           <a:xfrm>
-            <a:off x="1192695" y="2186609"/>
-            <a:ext cx="7026965" cy="1200329"/>
+            <a:off x="714374" y="1895475"/>
+            <a:ext cx="7810500" cy="646331"/>
           </a:xfrm>
           <a:prstGeom prst="rect">
             <a:avLst/>
@@ -12784,25 +12015,15 @@
           <a:p>
             <a:r>
               <a:rPr lang="en-US" dirty="0"/>
-              <a:t>Sigma = 0.05 c/nm2</a:t>
-            </a:r>
-          </a:p>
-          <a:p>
+              <a:t>2D binary array for surface sites of homogeneously grafted polymer given grafting density, simulation box size, and discretization (and assuming dx = </a:t>
+            </a:r>
+            <a:r>
+              <a:rPr lang="en-US" dirty="0" err="1"/>
+              <a:t>dy</a:t>
+            </a:r>
             <a:r>
               <a:rPr lang="en-US" dirty="0"/>
-              <a:t>Lx = 15 nm</a:t>
-            </a:r>
-          </a:p>
-          <a:p>
-            <a:r>
-              <a:rPr lang="en-US" dirty="0"/>
-              <a:t>Ly = 15 nm</a:t>
-            </a:r>
-          </a:p>
-          <a:p>
-            <a:r>
-              <a:rPr lang="en-US" dirty="0"/>
-              <a:t>dx = 0.4 nm</a:t>
+              <a:t>)</a:t>
             </a:r>
           </a:p>
         </p:txBody>
@@ -12812,7 +12033,7 @@
           <p:cNvPr id="4" name="TextBox 3">
             <a:extLst>
               <a:ext uri="{FF2B5EF4-FFF2-40B4-BE49-F238E27FC236}">
-                <a16:creationId xmlns:a16="http://schemas.microsoft.com/office/drawing/2014/main" id="{431FD48E-52DE-AC6E-5D2D-A03BFCBE0CEE}"/>
+                <a16:creationId xmlns:a16="http://schemas.microsoft.com/office/drawing/2014/main" id="{14B153E5-948B-4D25-2B1C-2231E4E7EBA6}"/>
               </a:ext>
             </a:extLst>
           </p:cNvPr>
@@ -12821,8 +12042,8 @@
         </p:nvSpPr>
         <p:spPr>
           <a:xfrm>
-            <a:off x="1192694" y="3776869"/>
-            <a:ext cx="7026965" cy="1754326"/>
+            <a:off x="714374" y="2776538"/>
+            <a:ext cx="11077575" cy="646331"/>
           </a:xfrm>
           <a:prstGeom prst="rect">
             <a:avLst/>
@@ -12836,35 +12057,163 @@
           <a:lstStyle/>
           <a:p>
             <a:r>
+              <a:rPr lang="en-US" dirty="0" err="1"/>
+              <a:t>Fullspace</a:t>
+            </a:r>
+            <a:r>
               <a:rPr lang="en-US" dirty="0"/>
-              <a:t>Cast in terms of dx (for rounding and PBC for grafting points): </a:t>
-            </a:r>
-          </a:p>
-          <a:p>
+              <a:t> must be periodic on x0 = </a:t>
+            </a:r>
+            <a:r>
+              <a:rPr lang="en-US" dirty="0" err="1"/>
+              <a:t>xL</a:t>
+            </a:r>
             <a:r>
               <a:rPr lang="en-US" dirty="0"/>
-              <a:t>	Sigma = 0.0668 c/nm2</a:t>
-            </a:r>
-          </a:p>
-          <a:p>
+              <a:t>, y0 = </a:t>
+            </a:r>
+            <a:r>
+              <a:rPr lang="en-US" dirty="0" err="1"/>
+              <a:t>yL</a:t>
+            </a:r>
+            <a:endParaRPr lang="en-US" dirty="0"/>
+          </a:p>
+          <a:p>
+            <a:r>
+              <a:rPr lang="en-US" dirty="0" err="1"/>
+              <a:t>Halfspace</a:t>
+            </a:r>
             <a:r>
               <a:rPr lang="en-US" dirty="0"/>
-              <a:t>	Lx = 14.80 nm</a:t>
-            </a:r>
-          </a:p>
-          <a:p>
+              <a:t> must be even on </a:t>
+            </a:r>
+            <a:r>
+              <a:rPr lang="en-US" dirty="0" err="1"/>
+              <a:t>xL</a:t>
+            </a:r>
             <a:r>
               <a:rPr lang="en-US" dirty="0"/>
-              <a:t>	Ly = 11.20 nm</a:t>
-            </a:r>
-          </a:p>
-          <a:p>
-            <a:endParaRPr lang="en-US" dirty="0"/>
-          </a:p>
-          <a:p>
+              <a:t>/2 and </a:t>
+            </a:r>
+            <a:r>
+              <a:rPr lang="en-US" dirty="0" err="1"/>
+              <a:t>yL</a:t>
+            </a:r>
             <a:r>
               <a:rPr lang="en-US" dirty="0"/>
-              <a:t>(Sigma error decrease with dx)</a:t>
+              <a:t>/2 (overlap of boundary following REDFT00) and periodic on x0 = </a:t>
+            </a:r>
+            <a:r>
+              <a:rPr lang="en-US" dirty="0" err="1"/>
+              <a:t>xL</a:t>
+            </a:r>
+            <a:r>
+              <a:rPr lang="en-US" dirty="0"/>
+              <a:t>, y0 = </a:t>
+            </a:r>
+            <a:r>
+              <a:rPr lang="en-US" dirty="0" err="1"/>
+              <a:t>yL</a:t>
+            </a:r>
+            <a:r>
+              <a:rPr lang="en-US" dirty="0"/>
+              <a:t>.</a:t>
+            </a:r>
+          </a:p>
+        </p:txBody>
+      </p:sp>
+      <p:sp>
+        <p:nvSpPr>
+          <p:cNvPr id="5" name="TextBox 4">
+            <a:extLst>
+              <a:ext uri="{FF2B5EF4-FFF2-40B4-BE49-F238E27FC236}">
+                <a16:creationId xmlns:a16="http://schemas.microsoft.com/office/drawing/2014/main" id="{97078C71-47DB-0D25-8BE5-AD0C9CC3C9FD}"/>
+              </a:ext>
+            </a:extLst>
+          </p:cNvPr>
+          <p:cNvSpPr txBox="1"/>
+          <p:nvPr/>
+        </p:nvSpPr>
+        <p:spPr>
+          <a:xfrm>
+            <a:off x="714373" y="3812426"/>
+            <a:ext cx="11077575" cy="369332"/>
+          </a:xfrm>
+          <a:prstGeom prst="rect">
+            <a:avLst/>
+          </a:prstGeom>
+          <a:noFill/>
+        </p:spPr>
+        <p:txBody>
+          <a:bodyPr wrap="square" rtlCol="0">
+            <a:spAutoFit/>
+          </a:bodyPr>
+          <a:lstStyle/>
+          <a:p>
+            <a:r>
+              <a:rPr lang="en-US" dirty="0"/>
+              <a:t>Homogeneous spacing as determined by regular hexagon, where grafting point at centroid of hexagon</a:t>
+            </a:r>
+          </a:p>
+        </p:txBody>
+      </p:sp>
+      <p:sp>
+        <p:nvSpPr>
+          <p:cNvPr id="6" name="TextBox 5">
+            <a:extLst>
+              <a:ext uri="{FF2B5EF4-FFF2-40B4-BE49-F238E27FC236}">
+                <a16:creationId xmlns:a16="http://schemas.microsoft.com/office/drawing/2014/main" id="{067DDA30-EAF3-09E5-D289-BD5F06EA216D}"/>
+              </a:ext>
+            </a:extLst>
+          </p:cNvPr>
+          <p:cNvSpPr txBox="1"/>
+          <p:nvPr/>
+        </p:nvSpPr>
+        <p:spPr>
+          <a:xfrm>
+            <a:off x="714372" y="4508719"/>
+            <a:ext cx="11077575" cy="923330"/>
+          </a:xfrm>
+          <a:prstGeom prst="rect">
+            <a:avLst/>
+          </a:prstGeom>
+          <a:noFill/>
+        </p:spPr>
+        <p:txBody>
+          <a:bodyPr wrap="square" rtlCol="0">
+            <a:spAutoFit/>
+          </a:bodyPr>
+          <a:lstStyle/>
+          <a:p>
+            <a:r>
+              <a:rPr lang="en-US" dirty="0"/>
+              <a:t>In case there are edge effects, try shifting the centroids away from the boundaries of the </a:t>
+            </a:r>
+            <a:r>
+              <a:rPr lang="en-US" dirty="0" err="1"/>
+              <a:t>xy</a:t>
+            </a:r>
+            <a:r>
+              <a:rPr lang="en-US" dirty="0"/>
+              <a:t>-plane (only did for </a:t>
+            </a:r>
+            <a:r>
+              <a:rPr lang="en-US" dirty="0" err="1"/>
+              <a:t>fullspace</a:t>
+            </a:r>
+            <a:r>
+              <a:rPr lang="en-US" dirty="0"/>
+              <a:t>)</a:t>
+            </a:r>
+          </a:p>
+          <a:p>
+            <a:pPr marL="285750" indent="-285750">
+              <a:buFont typeface="Arial" panose="020B0604020202020204" pitchFamily="34" charset="0"/>
+              <a:buChar char="•"/>
+            </a:pPr>
+            <a:r>
+              <a:rPr lang="en-US" dirty="0"/>
+              <a:t>Make sure no edge effects by comparing results of full FFT with cos FFT</a:t>
             </a:r>
           </a:p>
         </p:txBody>
@@ -12872,7 +12221,7 @@
     </p:spTree>
     <p:extLst>
       <p:ext uri="{BB962C8B-B14F-4D97-AF65-F5344CB8AC3E}">
-        <p14:creationId xmlns:p14="http://schemas.microsoft.com/office/powerpoint/2010/main" val="782308025"/>
+        <p14:creationId xmlns:p14="http://schemas.microsoft.com/office/powerpoint/2010/main" val="1764039423"/>
       </p:ext>
     </p:extLst>
   </p:cSld>

--- a/SYSG3.pptx
+++ b/SYSG3.pptx
@@ -271,7 +271,7 @@
           <a:p>
             <a:fld id="{3FB972CA-75D3-464B-AB07-BF3EA83BD9C3}" type="datetimeFigureOut">
               <a:rPr lang="en-US" smtClean="0"/>
-              <a:t>9/5/2023</a:t>
+              <a:t>9/6/2023</a:t>
             </a:fld>
             <a:endParaRPr lang="en-US"/>
           </a:p>
@@ -469,7 +469,7 @@
           <a:p>
             <a:fld id="{3FB972CA-75D3-464B-AB07-BF3EA83BD9C3}" type="datetimeFigureOut">
               <a:rPr lang="en-US" smtClean="0"/>
-              <a:t>9/5/2023</a:t>
+              <a:t>9/6/2023</a:t>
             </a:fld>
             <a:endParaRPr lang="en-US"/>
           </a:p>
@@ -677,7 +677,7 @@
           <a:p>
             <a:fld id="{3FB972CA-75D3-464B-AB07-BF3EA83BD9C3}" type="datetimeFigureOut">
               <a:rPr lang="en-US" smtClean="0"/>
-              <a:t>9/5/2023</a:t>
+              <a:t>9/6/2023</a:t>
             </a:fld>
             <a:endParaRPr lang="en-US"/>
           </a:p>
@@ -875,7 +875,7 @@
           <a:p>
             <a:fld id="{3FB972CA-75D3-464B-AB07-BF3EA83BD9C3}" type="datetimeFigureOut">
               <a:rPr lang="en-US" smtClean="0"/>
-              <a:t>9/5/2023</a:t>
+              <a:t>9/6/2023</a:t>
             </a:fld>
             <a:endParaRPr lang="en-US"/>
           </a:p>
@@ -1150,7 +1150,7 @@
           <a:p>
             <a:fld id="{3FB972CA-75D3-464B-AB07-BF3EA83BD9C3}" type="datetimeFigureOut">
               <a:rPr lang="en-US" smtClean="0"/>
-              <a:t>9/5/2023</a:t>
+              <a:t>9/6/2023</a:t>
             </a:fld>
             <a:endParaRPr lang="en-US"/>
           </a:p>
@@ -1415,7 +1415,7 @@
           <a:p>
             <a:fld id="{3FB972CA-75D3-464B-AB07-BF3EA83BD9C3}" type="datetimeFigureOut">
               <a:rPr lang="en-US" smtClean="0"/>
-              <a:t>9/5/2023</a:t>
+              <a:t>9/6/2023</a:t>
             </a:fld>
             <a:endParaRPr lang="en-US"/>
           </a:p>
@@ -1827,7 +1827,7 @@
           <a:p>
             <a:fld id="{3FB972CA-75D3-464B-AB07-BF3EA83BD9C3}" type="datetimeFigureOut">
               <a:rPr lang="en-US" smtClean="0"/>
-              <a:t>9/5/2023</a:t>
+              <a:t>9/6/2023</a:t>
             </a:fld>
             <a:endParaRPr lang="en-US"/>
           </a:p>
@@ -1968,7 +1968,7 @@
           <a:p>
             <a:fld id="{3FB972CA-75D3-464B-AB07-BF3EA83BD9C3}" type="datetimeFigureOut">
               <a:rPr lang="en-US" smtClean="0"/>
-              <a:t>9/5/2023</a:t>
+              <a:t>9/6/2023</a:t>
             </a:fld>
             <a:endParaRPr lang="en-US"/>
           </a:p>
@@ -2081,7 +2081,7 @@
           <a:p>
             <a:fld id="{3FB972CA-75D3-464B-AB07-BF3EA83BD9C3}" type="datetimeFigureOut">
               <a:rPr lang="en-US" smtClean="0"/>
-              <a:t>9/5/2023</a:t>
+              <a:t>9/6/2023</a:t>
             </a:fld>
             <a:endParaRPr lang="en-US"/>
           </a:p>
@@ -2392,7 +2392,7 @@
           <a:p>
             <a:fld id="{3FB972CA-75D3-464B-AB07-BF3EA83BD9C3}" type="datetimeFigureOut">
               <a:rPr lang="en-US" smtClean="0"/>
-              <a:t>9/5/2023</a:t>
+              <a:t>9/6/2023</a:t>
             </a:fld>
             <a:endParaRPr lang="en-US"/>
           </a:p>
@@ -2680,7 +2680,7 @@
           <a:p>
             <a:fld id="{3FB972CA-75D3-464B-AB07-BF3EA83BD9C3}" type="datetimeFigureOut">
               <a:rPr lang="en-US" smtClean="0"/>
-              <a:t>9/5/2023</a:t>
+              <a:t>9/6/2023</a:t>
             </a:fld>
             <a:endParaRPr lang="en-US"/>
           </a:p>
@@ -2921,7 +2921,7 @@
           <a:p>
             <a:fld id="{3FB972CA-75D3-464B-AB07-BF3EA83BD9C3}" type="datetimeFigureOut">
               <a:rPr lang="en-US" smtClean="0"/>
-              <a:t>9/5/2023</a:t>
+              <a:t>9/6/2023</a:t>
             </a:fld>
             <a:endParaRPr lang="en-US"/>
           </a:p>
@@ -10895,10 +10895,10 @@
       </p:sp>
       <p:grpSp>
         <p:nvGrpSpPr>
-          <p:cNvPr id="23" name="Group 22">
-            <a:extLst>
-              <a:ext uri="{FF2B5EF4-FFF2-40B4-BE49-F238E27FC236}">
-                <a16:creationId xmlns:a16="http://schemas.microsoft.com/office/drawing/2014/main" id="{9603C4F6-BC72-DE78-AFAF-E953E45BBB63}"/>
+          <p:cNvPr id="33" name="Group 32">
+            <a:extLst>
+              <a:ext uri="{FF2B5EF4-FFF2-40B4-BE49-F238E27FC236}">
+                <a16:creationId xmlns:a16="http://schemas.microsoft.com/office/drawing/2014/main" id="{553242B5-1BCB-D4FD-728E-4BE0A1320CD0}"/>
               </a:ext>
             </a:extLst>
           </p:cNvPr>
@@ -10907,18 +10907,18 @@
         </p:nvGrpSpPr>
         <p:grpSpPr>
           <a:xfrm>
-            <a:off x="4013454" y="946024"/>
-            <a:ext cx="3453697" cy="2067018"/>
-            <a:chOff x="4013454" y="946024"/>
-            <a:chExt cx="3453697" cy="2067018"/>
+            <a:off x="4073992" y="928580"/>
+            <a:ext cx="3251425" cy="2060521"/>
+            <a:chOff x="4073992" y="928580"/>
+            <a:chExt cx="3251425" cy="2060521"/>
           </a:xfrm>
         </p:grpSpPr>
         <p:pic>
           <p:nvPicPr>
-            <p:cNvPr id="18" name="Picture 17">
+            <p:cNvPr id="17" name="Picture 16">
               <a:extLst>
                 <a:ext uri="{FF2B5EF4-FFF2-40B4-BE49-F238E27FC236}">
-                  <a16:creationId xmlns:a16="http://schemas.microsoft.com/office/drawing/2014/main" id="{DCA84E2A-BF53-AC58-3D6E-A7931E741492}"/>
+                  <a16:creationId xmlns:a16="http://schemas.microsoft.com/office/drawing/2014/main" id="{D23A8D83-03FE-35C2-9526-F8D63B3F7827}"/>
                 </a:ext>
               </a:extLst>
             </p:cNvPr>
@@ -10935,8 +10935,8 @@
           </p:blipFill>
           <p:spPr>
             <a:xfrm>
-              <a:off x="4013454" y="946024"/>
-              <a:ext cx="3453697" cy="2067018"/>
+              <a:off x="4073992" y="928580"/>
+              <a:ext cx="3251425" cy="2060521"/>
             </a:xfrm>
             <a:prstGeom prst="rect">
               <a:avLst/>
@@ -10945,10 +10945,10 @@
         </p:pic>
         <p:sp>
           <p:nvSpPr>
-            <p:cNvPr id="22" name="TextBox 21">
+            <p:cNvPr id="31" name="TextBox 30">
               <a:extLst>
                 <a:ext uri="{FF2B5EF4-FFF2-40B4-BE49-F238E27FC236}">
-                  <a16:creationId xmlns:a16="http://schemas.microsoft.com/office/drawing/2014/main" id="{8E7E1523-537E-6A7A-C010-9DAA1E24E872}"/>
+                  <a16:creationId xmlns:a16="http://schemas.microsoft.com/office/drawing/2014/main" id="{2A76C8A4-7817-78F7-90BC-C7B53646761A}"/>
                 </a:ext>
               </a:extLst>
             </p:cNvPr>
@@ -10957,7 +10957,7 @@
           </p:nvSpPr>
           <p:spPr>
             <a:xfrm>
-              <a:off x="5977439" y="998988"/>
+              <a:off x="5814079" y="999765"/>
               <a:ext cx="1427134" cy="338554"/>
             </a:xfrm>
             <a:prstGeom prst="rect">
@@ -10986,10 +10986,10 @@
       </p:grpSp>
       <p:grpSp>
         <p:nvGrpSpPr>
-          <p:cNvPr id="19" name="Group 18">
-            <a:extLst>
-              <a:ext uri="{FF2B5EF4-FFF2-40B4-BE49-F238E27FC236}">
-                <a16:creationId xmlns:a16="http://schemas.microsoft.com/office/drawing/2014/main" id="{39C9DA37-C670-9995-B1B0-26355AAA05AB}"/>
+          <p:cNvPr id="34" name="Group 33">
+            <a:extLst>
+              <a:ext uri="{FF2B5EF4-FFF2-40B4-BE49-F238E27FC236}">
+                <a16:creationId xmlns:a16="http://schemas.microsoft.com/office/drawing/2014/main" id="{CB35BE69-4569-C923-C220-5083141AA4EC}"/>
               </a:ext>
             </a:extLst>
           </p:cNvPr>
@@ -10998,18 +10998,18 @@
         </p:nvGrpSpPr>
         <p:grpSpPr>
           <a:xfrm>
-            <a:off x="4022375" y="2866247"/>
-            <a:ext cx="3453697" cy="2047921"/>
-            <a:chOff x="4022375" y="2866247"/>
-            <a:chExt cx="3453697" cy="2047921"/>
+            <a:off x="4073992" y="2807205"/>
+            <a:ext cx="3251424" cy="2049718"/>
+            <a:chOff x="4073992" y="2807205"/>
+            <a:chExt cx="3251424" cy="2049718"/>
           </a:xfrm>
         </p:grpSpPr>
         <p:pic>
           <p:nvPicPr>
-            <p:cNvPr id="8" name="Picture 7">
+            <p:cNvPr id="28" name="Picture 27">
               <a:extLst>
                 <a:ext uri="{FF2B5EF4-FFF2-40B4-BE49-F238E27FC236}">
-                  <a16:creationId xmlns:a16="http://schemas.microsoft.com/office/drawing/2014/main" id="{3767A8ED-F83D-308C-CD65-DDC619A198D2}"/>
+                  <a16:creationId xmlns:a16="http://schemas.microsoft.com/office/drawing/2014/main" id="{87008589-EF14-2BCA-C8D3-EAA412DD35F3}"/>
                 </a:ext>
               </a:extLst>
             </p:cNvPr>
@@ -11026,8 +11026,8 @@
           </p:blipFill>
           <p:spPr>
             <a:xfrm>
-              <a:off x="4022375" y="2866247"/>
-              <a:ext cx="3453697" cy="2047921"/>
+              <a:off x="4073992" y="2807205"/>
+              <a:ext cx="3251424" cy="2049718"/>
             </a:xfrm>
             <a:prstGeom prst="rect">
               <a:avLst/>
@@ -11036,10 +11036,10 @@
         </p:pic>
         <p:sp>
           <p:nvSpPr>
-            <p:cNvPr id="11" name="TextBox 10">
+            <p:cNvPr id="32" name="TextBox 31">
               <a:extLst>
                 <a:ext uri="{FF2B5EF4-FFF2-40B4-BE49-F238E27FC236}">
-                  <a16:creationId xmlns:a16="http://schemas.microsoft.com/office/drawing/2014/main" id="{4545DE03-C9B0-3A1A-1089-D6C664268B84}"/>
+                  <a16:creationId xmlns:a16="http://schemas.microsoft.com/office/drawing/2014/main" id="{BE7EADBC-8477-28D4-BD56-F4560B21E1FD}"/>
                 </a:ext>
               </a:extLst>
             </p:cNvPr>
@@ -11048,7 +11048,7 @@
           </p:nvSpPr>
           <p:spPr>
             <a:xfrm>
-              <a:off x="5918172" y="2910684"/>
+              <a:off x="5814079" y="2925862"/>
               <a:ext cx="1427134" cy="338554"/>
             </a:xfrm>
             <a:prstGeom prst="rect">
@@ -11075,64 +11075,12 @@
           </p:txBody>
         </p:sp>
       </p:grpSp>
-      <p:sp>
-        <p:nvSpPr>
-          <p:cNvPr id="16" name="Rectangle 15">
-            <a:extLst>
-              <a:ext uri="{FF2B5EF4-FFF2-40B4-BE49-F238E27FC236}">
-                <a16:creationId xmlns:a16="http://schemas.microsoft.com/office/drawing/2014/main" id="{5ABC2824-7410-AAE5-65F2-32EA62B33217}"/>
-              </a:ext>
-            </a:extLst>
-          </p:cNvPr>
-          <p:cNvSpPr/>
-          <p:nvPr/>
-        </p:nvSpPr>
-        <p:spPr>
-          <a:xfrm>
-            <a:off x="7039548" y="2656688"/>
-            <a:ext cx="611516" cy="311105"/>
-          </a:xfrm>
-          <a:prstGeom prst="rect">
-            <a:avLst/>
-          </a:prstGeom>
-          <a:solidFill>
-            <a:schemeClr val="tx1"/>
-          </a:solidFill>
-        </p:spPr>
-        <p:style>
-          <a:lnRef idx="2">
-            <a:schemeClr val="accent1">
-              <a:shade val="15000"/>
-            </a:schemeClr>
-          </a:lnRef>
-          <a:fillRef idx="1">
-            <a:schemeClr val="accent1"/>
-          </a:fillRef>
-          <a:effectRef idx="0">
-            <a:schemeClr val="accent1"/>
-          </a:effectRef>
-          <a:fontRef idx="minor">
-            <a:schemeClr val="lt1"/>
-          </a:fontRef>
-        </p:style>
-        <p:txBody>
-          <a:bodyPr rtlCol="0" anchor="ctr"/>
-          <a:lstStyle/>
-          <a:p>
-            <a:pPr algn="ctr"/>
-            <a:r>
-              <a:rPr lang="en-US" dirty="0"/>
-              <a:t>20</a:t>
-            </a:r>
-          </a:p>
-        </p:txBody>
-      </p:sp>
       <p:grpSp>
         <p:nvGrpSpPr>
-          <p:cNvPr id="27" name="Group 26">
-            <a:extLst>
-              <a:ext uri="{FF2B5EF4-FFF2-40B4-BE49-F238E27FC236}">
-                <a16:creationId xmlns:a16="http://schemas.microsoft.com/office/drawing/2014/main" id="{9363E371-83BF-5541-9F1A-A849AAABBCA3}"/>
+          <p:cNvPr id="36" name="Group 35">
+            <a:extLst>
+              <a:ext uri="{FF2B5EF4-FFF2-40B4-BE49-F238E27FC236}">
+                <a16:creationId xmlns:a16="http://schemas.microsoft.com/office/drawing/2014/main" id="{5B541305-F82D-42E4-4D58-459CC806A261}"/>
               </a:ext>
             </a:extLst>
           </p:cNvPr>
@@ -11141,18 +11089,18 @@
         </p:nvGrpSpPr>
         <p:grpSpPr>
           <a:xfrm>
-            <a:off x="4030624" y="4714290"/>
-            <a:ext cx="3453697" cy="2109626"/>
-            <a:chOff x="4030624" y="4714290"/>
-            <a:chExt cx="3453697" cy="2109626"/>
+            <a:off x="4051340" y="4685368"/>
+            <a:ext cx="3251424" cy="2050180"/>
+            <a:chOff x="4051340" y="4685368"/>
+            <a:chExt cx="3251424" cy="2050180"/>
           </a:xfrm>
         </p:grpSpPr>
         <p:pic>
           <p:nvPicPr>
-            <p:cNvPr id="25" name="Picture 24">
+            <p:cNvPr id="30" name="Picture 29">
               <a:extLst>
                 <a:ext uri="{FF2B5EF4-FFF2-40B4-BE49-F238E27FC236}">
-                  <a16:creationId xmlns:a16="http://schemas.microsoft.com/office/drawing/2014/main" id="{AD8DBC66-EFFD-27C9-3B3E-7B3C7E56817D}"/>
+                  <a16:creationId xmlns:a16="http://schemas.microsoft.com/office/drawing/2014/main" id="{5EB4FC1F-A624-46BB-F423-4D50C33C2718}"/>
                 </a:ext>
               </a:extLst>
             </p:cNvPr>
@@ -11169,8 +11117,8 @@
           </p:blipFill>
           <p:spPr>
             <a:xfrm>
-              <a:off x="4030624" y="4714290"/>
-              <a:ext cx="3453697" cy="2109626"/>
+              <a:off x="4051340" y="4685368"/>
+              <a:ext cx="3251424" cy="2050180"/>
             </a:xfrm>
             <a:prstGeom prst="rect">
               <a:avLst/>
@@ -11179,10 +11127,10 @@
         </p:pic>
         <p:sp>
           <p:nvSpPr>
-            <p:cNvPr id="26" name="TextBox 25">
+            <p:cNvPr id="35" name="TextBox 34">
               <a:extLst>
                 <a:ext uri="{FF2B5EF4-FFF2-40B4-BE49-F238E27FC236}">
-                  <a16:creationId xmlns:a16="http://schemas.microsoft.com/office/drawing/2014/main" id="{892F01CC-3F1A-E797-D9FA-2D31E8C580BB}"/>
+                  <a16:creationId xmlns:a16="http://schemas.microsoft.com/office/drawing/2014/main" id="{DBC90B78-388A-194F-76AD-4F2016119825}"/>
                 </a:ext>
               </a:extLst>
             </p:cNvPr>
@@ -11191,7 +11139,7 @@
           </p:nvSpPr>
           <p:spPr>
             <a:xfrm>
-              <a:off x="5954997" y="4767724"/>
+              <a:off x="5814079" y="4925998"/>
               <a:ext cx="1427134" cy="338554"/>
             </a:xfrm>
             <a:prstGeom prst="rect">
@@ -11232,7 +11180,7 @@
         </p:nvSpPr>
         <p:spPr>
           <a:xfrm>
-            <a:off x="7039548" y="6469526"/>
+            <a:off x="7030627" y="6338572"/>
             <a:ext cx="611516" cy="311105"/>
           </a:xfrm>
           <a:prstGeom prst="rect">
@@ -11284,7 +11232,7 @@
         </p:nvSpPr>
         <p:spPr>
           <a:xfrm>
-            <a:off x="7030627" y="4558738"/>
+            <a:off x="7030627" y="4498461"/>
             <a:ext cx="611516" cy="311105"/>
           </a:xfrm>
           <a:prstGeom prst="rect">
@@ -11317,7 +11265,59 @@
             <a:pPr algn="ctr"/>
             <a:r>
               <a:rPr lang="en-US" dirty="0"/>
-              <a:t>20</a:t>
+              <a:t>30</a:t>
+            </a:r>
+          </a:p>
+        </p:txBody>
+      </p:sp>
+      <p:sp>
+        <p:nvSpPr>
+          <p:cNvPr id="16" name="Rectangle 15">
+            <a:extLst>
+              <a:ext uri="{FF2B5EF4-FFF2-40B4-BE49-F238E27FC236}">
+                <a16:creationId xmlns:a16="http://schemas.microsoft.com/office/drawing/2014/main" id="{5ABC2824-7410-AAE5-65F2-32EA62B33217}"/>
+              </a:ext>
+            </a:extLst>
+          </p:cNvPr>
+          <p:cNvSpPr/>
+          <p:nvPr/>
+        </p:nvSpPr>
+        <p:spPr>
+          <a:xfrm>
+            <a:off x="6945198" y="2571766"/>
+            <a:ext cx="611516" cy="311105"/>
+          </a:xfrm>
+          <a:prstGeom prst="rect">
+            <a:avLst/>
+          </a:prstGeom>
+          <a:solidFill>
+            <a:schemeClr val="tx1"/>
+          </a:solidFill>
+        </p:spPr>
+        <p:style>
+          <a:lnRef idx="2">
+            <a:schemeClr val="accent1">
+              <a:shade val="15000"/>
+            </a:schemeClr>
+          </a:lnRef>
+          <a:fillRef idx="1">
+            <a:schemeClr val="accent1"/>
+          </a:fillRef>
+          <a:effectRef idx="0">
+            <a:schemeClr val="accent1"/>
+          </a:effectRef>
+          <a:fontRef idx="minor">
+            <a:schemeClr val="lt1"/>
+          </a:fontRef>
+        </p:style>
+        <p:txBody>
+          <a:bodyPr rtlCol="0" anchor="ctr"/>
+          <a:lstStyle/>
+          <a:p>
+            <a:pPr algn="ctr"/>
+            <a:r>
+              <a:rPr lang="en-US" dirty="0"/>
+              <a:t>30</a:t>
             </a:r>
           </a:p>
         </p:txBody>

--- a/SYSG3.pptx
+++ b/SYSG3.pptx
@@ -11,13 +11,14 @@
     <p:sldId id="272" r:id="rId5"/>
     <p:sldId id="269" r:id="rId6"/>
     <p:sldId id="270" r:id="rId7"/>
-    <p:sldId id="273" r:id="rId8"/>
-    <p:sldId id="267" r:id="rId9"/>
-    <p:sldId id="266" r:id="rId10"/>
-    <p:sldId id="265" r:id="rId11"/>
-    <p:sldId id="258" r:id="rId12"/>
-    <p:sldId id="263" r:id="rId13"/>
-    <p:sldId id="264" r:id="rId14"/>
+    <p:sldId id="275" r:id="rId8"/>
+    <p:sldId id="273" r:id="rId9"/>
+    <p:sldId id="267" r:id="rId10"/>
+    <p:sldId id="266" r:id="rId11"/>
+    <p:sldId id="265" r:id="rId12"/>
+    <p:sldId id="258" r:id="rId13"/>
+    <p:sldId id="263" r:id="rId14"/>
+    <p:sldId id="264" r:id="rId15"/>
   </p:sldIdLst>
   <p:sldSz cx="12192000" cy="6858000"/>
   <p:notesSz cx="6858000" cy="9144000"/>
@@ -3406,7 +3407,7 @@
           <p:cNvPr id="2" name="Title 1">
             <a:extLst>
               <a:ext uri="{FF2B5EF4-FFF2-40B4-BE49-F238E27FC236}">
-                <a16:creationId xmlns:a16="http://schemas.microsoft.com/office/drawing/2014/main" id="{A3926BC3-A860-346A-4F58-1EE4C3E7FB0F}"/>
+                <a16:creationId xmlns:a16="http://schemas.microsoft.com/office/drawing/2014/main" id="{EC7A1061-086B-35E4-61C1-83C328D5548E}"/>
               </a:ext>
             </a:extLst>
           </p:cNvPr>
@@ -3424,7 +3425,7 @@
           <a:p>
             <a:r>
               <a:rPr lang="en-US" dirty="0"/>
-              <a:t>Test conditions</a:t>
+              <a:t>Strategy</a:t>
             </a:r>
           </a:p>
         </p:txBody>
@@ -3434,7 +3435,7 @@
           <p:cNvPr id="3" name="TextBox 2">
             <a:extLst>
               <a:ext uri="{FF2B5EF4-FFF2-40B4-BE49-F238E27FC236}">
-                <a16:creationId xmlns:a16="http://schemas.microsoft.com/office/drawing/2014/main" id="{A00B5138-8D53-B196-C54A-B372D20698D0}"/>
+                <a16:creationId xmlns:a16="http://schemas.microsoft.com/office/drawing/2014/main" id="{66A4566B-D26D-18F7-2769-748D7813228B}"/>
               </a:ext>
             </a:extLst>
           </p:cNvPr>
@@ -3443,8 +3444,8 @@
         </p:nvSpPr>
         <p:spPr>
           <a:xfrm>
-            <a:off x="1192695" y="2186609"/>
-            <a:ext cx="7026965" cy="1200329"/>
+            <a:off x="714374" y="1895475"/>
+            <a:ext cx="7810500" cy="646331"/>
           </a:xfrm>
           <a:prstGeom prst="rect">
             <a:avLst/>
@@ -3459,25 +3460,15 @@
           <a:p>
             <a:r>
               <a:rPr lang="en-US" dirty="0"/>
-              <a:t>Sigma = 0.05 c/nm2</a:t>
-            </a:r>
-          </a:p>
-          <a:p>
+              <a:t>2D binary array for surface sites of homogeneously grafted polymer given grafting density, simulation box size, and discretization (and assuming dx = </a:t>
+            </a:r>
+            <a:r>
+              <a:rPr lang="en-US" dirty="0" err="1"/>
+              <a:t>dy</a:t>
+            </a:r>
             <a:r>
               <a:rPr lang="en-US" dirty="0"/>
-              <a:t>Lx = 15 nm</a:t>
-            </a:r>
-          </a:p>
-          <a:p>
-            <a:r>
-              <a:rPr lang="en-US" dirty="0"/>
-              <a:t>Ly = 15 nm</a:t>
-            </a:r>
-          </a:p>
-          <a:p>
-            <a:r>
-              <a:rPr lang="en-US" dirty="0"/>
-              <a:t>dx = 0.4 nm</a:t>
+              <a:t>)</a:t>
             </a:r>
           </a:p>
         </p:txBody>
@@ -3487,7 +3478,7 @@
           <p:cNvPr id="4" name="TextBox 3">
             <a:extLst>
               <a:ext uri="{FF2B5EF4-FFF2-40B4-BE49-F238E27FC236}">
-                <a16:creationId xmlns:a16="http://schemas.microsoft.com/office/drawing/2014/main" id="{431FD48E-52DE-AC6E-5D2D-A03BFCBE0CEE}"/>
+                <a16:creationId xmlns:a16="http://schemas.microsoft.com/office/drawing/2014/main" id="{14B153E5-948B-4D25-2B1C-2231E4E7EBA6}"/>
               </a:ext>
             </a:extLst>
           </p:cNvPr>
@@ -3496,8 +3487,8 @@
         </p:nvSpPr>
         <p:spPr>
           <a:xfrm>
-            <a:off x="1192694" y="3776869"/>
-            <a:ext cx="7026965" cy="1754326"/>
+            <a:off x="714374" y="2776538"/>
+            <a:ext cx="11077575" cy="646331"/>
           </a:xfrm>
           <a:prstGeom prst="rect">
             <a:avLst/>
@@ -3511,35 +3502,163 @@
           <a:lstStyle/>
           <a:p>
             <a:r>
+              <a:rPr lang="en-US" dirty="0" err="1"/>
+              <a:t>Fullspace</a:t>
+            </a:r>
+            <a:r>
               <a:rPr lang="en-US" dirty="0"/>
-              <a:t>Cast in terms of dx (for rounding and PBC for grafting points): </a:t>
-            </a:r>
-          </a:p>
-          <a:p>
+              <a:t> must be periodic on x0 = </a:t>
+            </a:r>
+            <a:r>
+              <a:rPr lang="en-US" dirty="0" err="1"/>
+              <a:t>xL</a:t>
+            </a:r>
             <a:r>
               <a:rPr lang="en-US" dirty="0"/>
-              <a:t>	Sigma = 0.0668 c/nm2</a:t>
-            </a:r>
-          </a:p>
-          <a:p>
+              <a:t>, y0 = </a:t>
+            </a:r>
+            <a:r>
+              <a:rPr lang="en-US" dirty="0" err="1"/>
+              <a:t>yL</a:t>
+            </a:r>
+            <a:endParaRPr lang="en-US" dirty="0"/>
+          </a:p>
+          <a:p>
+            <a:r>
+              <a:rPr lang="en-US" dirty="0" err="1"/>
+              <a:t>Halfspace</a:t>
+            </a:r>
             <a:r>
               <a:rPr lang="en-US" dirty="0"/>
-              <a:t>	Lx = 14.80 nm</a:t>
-            </a:r>
-          </a:p>
-          <a:p>
+              <a:t> must be even on </a:t>
+            </a:r>
+            <a:r>
+              <a:rPr lang="en-US" dirty="0" err="1"/>
+              <a:t>xL</a:t>
+            </a:r>
             <a:r>
               <a:rPr lang="en-US" dirty="0"/>
-              <a:t>	Ly = 11.20 nm</a:t>
-            </a:r>
-          </a:p>
-          <a:p>
-            <a:endParaRPr lang="en-US" dirty="0"/>
-          </a:p>
-          <a:p>
+              <a:t>/2 and </a:t>
+            </a:r>
+            <a:r>
+              <a:rPr lang="en-US" dirty="0" err="1"/>
+              <a:t>yL</a:t>
+            </a:r>
             <a:r>
               <a:rPr lang="en-US" dirty="0"/>
-              <a:t>(Sigma error decrease with dx)</a:t>
+              <a:t>/2 (overlap of boundary following REDFT00) and periodic on x0 = </a:t>
+            </a:r>
+            <a:r>
+              <a:rPr lang="en-US" dirty="0" err="1"/>
+              <a:t>xL</a:t>
+            </a:r>
+            <a:r>
+              <a:rPr lang="en-US" dirty="0"/>
+              <a:t>, y0 = </a:t>
+            </a:r>
+            <a:r>
+              <a:rPr lang="en-US" dirty="0" err="1"/>
+              <a:t>yL</a:t>
+            </a:r>
+            <a:r>
+              <a:rPr lang="en-US" dirty="0"/>
+              <a:t>.</a:t>
+            </a:r>
+          </a:p>
+        </p:txBody>
+      </p:sp>
+      <p:sp>
+        <p:nvSpPr>
+          <p:cNvPr id="5" name="TextBox 4">
+            <a:extLst>
+              <a:ext uri="{FF2B5EF4-FFF2-40B4-BE49-F238E27FC236}">
+                <a16:creationId xmlns:a16="http://schemas.microsoft.com/office/drawing/2014/main" id="{97078C71-47DB-0D25-8BE5-AD0C9CC3C9FD}"/>
+              </a:ext>
+            </a:extLst>
+          </p:cNvPr>
+          <p:cNvSpPr txBox="1"/>
+          <p:nvPr/>
+        </p:nvSpPr>
+        <p:spPr>
+          <a:xfrm>
+            <a:off x="714373" y="3812426"/>
+            <a:ext cx="11077575" cy="369332"/>
+          </a:xfrm>
+          <a:prstGeom prst="rect">
+            <a:avLst/>
+          </a:prstGeom>
+          <a:noFill/>
+        </p:spPr>
+        <p:txBody>
+          <a:bodyPr wrap="square" rtlCol="0">
+            <a:spAutoFit/>
+          </a:bodyPr>
+          <a:lstStyle/>
+          <a:p>
+            <a:r>
+              <a:rPr lang="en-US" dirty="0"/>
+              <a:t>Homogeneous spacing as determined by regular hexagon, where grafting point at centroid of hexagon</a:t>
+            </a:r>
+          </a:p>
+        </p:txBody>
+      </p:sp>
+      <p:sp>
+        <p:nvSpPr>
+          <p:cNvPr id="6" name="TextBox 5">
+            <a:extLst>
+              <a:ext uri="{FF2B5EF4-FFF2-40B4-BE49-F238E27FC236}">
+                <a16:creationId xmlns:a16="http://schemas.microsoft.com/office/drawing/2014/main" id="{067DDA30-EAF3-09E5-D289-BD5F06EA216D}"/>
+              </a:ext>
+            </a:extLst>
+          </p:cNvPr>
+          <p:cNvSpPr txBox="1"/>
+          <p:nvPr/>
+        </p:nvSpPr>
+        <p:spPr>
+          <a:xfrm>
+            <a:off x="714372" y="4508719"/>
+            <a:ext cx="11077575" cy="923330"/>
+          </a:xfrm>
+          <a:prstGeom prst="rect">
+            <a:avLst/>
+          </a:prstGeom>
+          <a:noFill/>
+        </p:spPr>
+        <p:txBody>
+          <a:bodyPr wrap="square" rtlCol="0">
+            <a:spAutoFit/>
+          </a:bodyPr>
+          <a:lstStyle/>
+          <a:p>
+            <a:r>
+              <a:rPr lang="en-US" dirty="0"/>
+              <a:t>In case there are edge effects, try shifting the centroids away from the boundaries of the </a:t>
+            </a:r>
+            <a:r>
+              <a:rPr lang="en-US" dirty="0" err="1"/>
+              <a:t>xy</a:t>
+            </a:r>
+            <a:r>
+              <a:rPr lang="en-US" dirty="0"/>
+              <a:t>-plane (only did for </a:t>
+            </a:r>
+            <a:r>
+              <a:rPr lang="en-US" dirty="0" err="1"/>
+              <a:t>fullspace</a:t>
+            </a:r>
+            <a:r>
+              <a:rPr lang="en-US" dirty="0"/>
+              <a:t>)</a:t>
+            </a:r>
+          </a:p>
+          <a:p>
+            <a:pPr marL="285750" indent="-285750">
+              <a:buFont typeface="Arial" panose="020B0604020202020204" pitchFamily="34" charset="0"/>
+              <a:buChar char="•"/>
+            </a:pPr>
+            <a:r>
+              <a:rPr lang="en-US" dirty="0"/>
+              <a:t>Make sure no edge effects by comparing results of full FFT with cos FFT</a:t>
             </a:r>
           </a:p>
         </p:txBody>
@@ -3547,7 +3666,7 @@
     </p:spTree>
     <p:extLst>
       <p:ext uri="{BB962C8B-B14F-4D97-AF65-F5344CB8AC3E}">
-        <p14:creationId xmlns:p14="http://schemas.microsoft.com/office/powerpoint/2010/main" val="782308025"/>
+        <p14:creationId xmlns:p14="http://schemas.microsoft.com/office/powerpoint/2010/main" val="1764039423"/>
       </p:ext>
     </p:extLst>
   </p:cSld>
@@ -3574,6 +3693,179 @@
           <a:chExt cx="0" cy="0"/>
         </a:xfrm>
       </p:grpSpPr>
+      <p:sp>
+        <p:nvSpPr>
+          <p:cNvPr id="2" name="Title 1">
+            <a:extLst>
+              <a:ext uri="{FF2B5EF4-FFF2-40B4-BE49-F238E27FC236}">
+                <a16:creationId xmlns:a16="http://schemas.microsoft.com/office/drawing/2014/main" id="{A3926BC3-A860-346A-4F58-1EE4C3E7FB0F}"/>
+              </a:ext>
+            </a:extLst>
+          </p:cNvPr>
+          <p:cNvSpPr>
+            <a:spLocks noGrp="1"/>
+          </p:cNvSpPr>
+          <p:nvPr>
+            <p:ph type="title"/>
+          </p:nvPr>
+        </p:nvSpPr>
+        <p:spPr/>
+        <p:txBody>
+          <a:bodyPr/>
+          <a:lstStyle/>
+          <a:p>
+            <a:r>
+              <a:rPr lang="en-US" dirty="0"/>
+              <a:t>Test conditions</a:t>
+            </a:r>
+          </a:p>
+        </p:txBody>
+      </p:sp>
+      <p:sp>
+        <p:nvSpPr>
+          <p:cNvPr id="3" name="TextBox 2">
+            <a:extLst>
+              <a:ext uri="{FF2B5EF4-FFF2-40B4-BE49-F238E27FC236}">
+                <a16:creationId xmlns:a16="http://schemas.microsoft.com/office/drawing/2014/main" id="{A00B5138-8D53-B196-C54A-B372D20698D0}"/>
+              </a:ext>
+            </a:extLst>
+          </p:cNvPr>
+          <p:cNvSpPr txBox="1"/>
+          <p:nvPr/>
+        </p:nvSpPr>
+        <p:spPr>
+          <a:xfrm>
+            <a:off x="1192695" y="2186609"/>
+            <a:ext cx="7026965" cy="1200329"/>
+          </a:xfrm>
+          <a:prstGeom prst="rect">
+            <a:avLst/>
+          </a:prstGeom>
+          <a:noFill/>
+        </p:spPr>
+        <p:txBody>
+          <a:bodyPr wrap="square" rtlCol="0">
+            <a:spAutoFit/>
+          </a:bodyPr>
+          <a:lstStyle/>
+          <a:p>
+            <a:r>
+              <a:rPr lang="en-US" dirty="0"/>
+              <a:t>Sigma = 0.05 c/nm2</a:t>
+            </a:r>
+          </a:p>
+          <a:p>
+            <a:r>
+              <a:rPr lang="en-US" dirty="0"/>
+              <a:t>Lx = 15 nm</a:t>
+            </a:r>
+          </a:p>
+          <a:p>
+            <a:r>
+              <a:rPr lang="en-US" dirty="0"/>
+              <a:t>Ly = 15 nm</a:t>
+            </a:r>
+          </a:p>
+          <a:p>
+            <a:r>
+              <a:rPr lang="en-US" dirty="0"/>
+              <a:t>dx = 0.4 nm</a:t>
+            </a:r>
+          </a:p>
+        </p:txBody>
+      </p:sp>
+      <p:sp>
+        <p:nvSpPr>
+          <p:cNvPr id="4" name="TextBox 3">
+            <a:extLst>
+              <a:ext uri="{FF2B5EF4-FFF2-40B4-BE49-F238E27FC236}">
+                <a16:creationId xmlns:a16="http://schemas.microsoft.com/office/drawing/2014/main" id="{431FD48E-52DE-AC6E-5D2D-A03BFCBE0CEE}"/>
+              </a:ext>
+            </a:extLst>
+          </p:cNvPr>
+          <p:cNvSpPr txBox="1"/>
+          <p:nvPr/>
+        </p:nvSpPr>
+        <p:spPr>
+          <a:xfrm>
+            <a:off x="1192694" y="3776869"/>
+            <a:ext cx="7026965" cy="1754326"/>
+          </a:xfrm>
+          <a:prstGeom prst="rect">
+            <a:avLst/>
+          </a:prstGeom>
+          <a:noFill/>
+        </p:spPr>
+        <p:txBody>
+          <a:bodyPr wrap="square" rtlCol="0">
+            <a:spAutoFit/>
+          </a:bodyPr>
+          <a:lstStyle/>
+          <a:p>
+            <a:r>
+              <a:rPr lang="en-US" dirty="0"/>
+              <a:t>Cast in terms of dx (for rounding and PBC for grafting points): </a:t>
+            </a:r>
+          </a:p>
+          <a:p>
+            <a:r>
+              <a:rPr lang="en-US" dirty="0"/>
+              <a:t>	Sigma = 0.0668 c/nm2</a:t>
+            </a:r>
+          </a:p>
+          <a:p>
+            <a:r>
+              <a:rPr lang="en-US" dirty="0"/>
+              <a:t>	Lx = 14.80 nm</a:t>
+            </a:r>
+          </a:p>
+          <a:p>
+            <a:r>
+              <a:rPr lang="en-US" dirty="0"/>
+              <a:t>	Ly = 11.20 nm</a:t>
+            </a:r>
+          </a:p>
+          <a:p>
+            <a:endParaRPr lang="en-US" dirty="0"/>
+          </a:p>
+          <a:p>
+            <a:r>
+              <a:rPr lang="en-US" dirty="0"/>
+              <a:t>(Sigma error decrease with dx)</a:t>
+            </a:r>
+          </a:p>
+        </p:txBody>
+      </p:sp>
+    </p:spTree>
+    <p:extLst>
+      <p:ext uri="{BB962C8B-B14F-4D97-AF65-F5344CB8AC3E}">
+        <p14:creationId xmlns:p14="http://schemas.microsoft.com/office/powerpoint/2010/main" val="782308025"/>
+      </p:ext>
+    </p:extLst>
+  </p:cSld>
+  <p:clrMapOvr>
+    <a:masterClrMapping/>
+  </p:clrMapOvr>
+</p:sld>
+</file>
+
+<file path=ppt/slides/slide12.xml><?xml version="1.0" encoding="utf-8"?>
+<p:sld xmlns:a="http://schemas.openxmlformats.org/drawingml/2006/main" xmlns:r="http://schemas.openxmlformats.org/officeDocument/2006/relationships" xmlns:p="http://schemas.openxmlformats.org/presentationml/2006/main">
+  <p:cSld>
+    <p:spTree>
+      <p:nvGrpSpPr>
+        <p:cNvPr id="1" name=""/>
+        <p:cNvGrpSpPr/>
+        <p:nvPr/>
+      </p:nvGrpSpPr>
+      <p:grpSpPr>
+        <a:xfrm>
+          <a:off x="0" y="0"/>
+          <a:ext cx="0" cy="0"/>
+          <a:chOff x="0" y="0"/>
+          <a:chExt cx="0" cy="0"/>
+        </a:xfrm>
+      </p:grpSpPr>
       <p:pic>
         <p:nvPicPr>
           <p:cNvPr id="2" name="Picture 8">
@@ -5739,7 +6031,7 @@
 </p:sld>
 </file>
 
-<file path=ppt/slides/slide12.xml><?xml version="1.0" encoding="utf-8"?>
+<file path=ppt/slides/slide13.xml><?xml version="1.0" encoding="utf-8"?>
 <p:sld xmlns:a="http://schemas.openxmlformats.org/drawingml/2006/main" xmlns:r="http://schemas.openxmlformats.org/officeDocument/2006/relationships" xmlns:p="http://schemas.openxmlformats.org/presentationml/2006/main">
   <p:cSld>
     <p:spTree>
@@ -8261,7 +8553,7 @@
 </p:sld>
 </file>
 
-<file path=ppt/slides/slide13.xml><?xml version="1.0" encoding="utf-8"?>
+<file path=ppt/slides/slide14.xml><?xml version="1.0" encoding="utf-8"?>
 <p:sld xmlns:a="http://schemas.openxmlformats.org/drawingml/2006/main" xmlns:r="http://schemas.openxmlformats.org/officeDocument/2006/relationships" xmlns:p="http://schemas.openxmlformats.org/presentationml/2006/main">
   <p:cSld>
     <p:spTree>
@@ -9507,7 +9799,7 @@
         </p:nvGrpSpPr>
         <p:grpSpPr>
           <a:xfrm>
-            <a:off x="2528610" y="957758"/>
+            <a:off x="2119035" y="873406"/>
             <a:ext cx="3453697" cy="2097195"/>
             <a:chOff x="6599322" y="1134534"/>
             <a:chExt cx="4297279" cy="2609445"/>
@@ -9639,7 +9931,7 @@
         </p:nvGrpSpPr>
         <p:grpSpPr>
           <a:xfrm>
-            <a:off x="6117002" y="1008274"/>
+            <a:off x="5707427" y="923922"/>
             <a:ext cx="3437311" cy="2097195"/>
             <a:chOff x="4131297" y="2763214"/>
             <a:chExt cx="3437311" cy="2097195"/>
@@ -9730,7 +10022,7 @@
         </p:nvGrpSpPr>
         <p:grpSpPr>
           <a:xfrm>
-            <a:off x="2528610" y="2843833"/>
+            <a:off x="2119035" y="2759481"/>
             <a:ext cx="3429428" cy="2097194"/>
             <a:chOff x="627238" y="2847251"/>
             <a:chExt cx="3429428" cy="2097194"/>
@@ -9821,7 +10113,7 @@
         </p:nvGrpSpPr>
         <p:grpSpPr>
           <a:xfrm>
-            <a:off x="2553306" y="4715232"/>
+            <a:off x="2143731" y="4630880"/>
             <a:ext cx="3386665" cy="2037993"/>
             <a:chOff x="651934" y="4737700"/>
             <a:chExt cx="3386665" cy="2037993"/>
@@ -9912,7 +10204,7 @@
         </p:nvGrpSpPr>
         <p:grpSpPr>
           <a:xfrm>
-            <a:off x="6117003" y="2911314"/>
+            <a:off x="5707428" y="2826962"/>
             <a:ext cx="3384480" cy="2018738"/>
             <a:chOff x="4215630" y="2838531"/>
             <a:chExt cx="3413043" cy="2035775"/>
@@ -10003,7 +10295,7 @@
         </p:nvGrpSpPr>
         <p:grpSpPr>
           <a:xfrm>
-            <a:off x="6102344" y="4753167"/>
+            <a:off x="5692769" y="4668815"/>
             <a:ext cx="3427195" cy="2053717"/>
             <a:chOff x="4200972" y="4680385"/>
             <a:chExt cx="3466626" cy="2077346"/>
@@ -10094,7 +10386,7 @@
         </p:nvSpPr>
         <p:spPr>
           <a:xfrm>
-            <a:off x="9163075" y="2729864"/>
+            <a:off x="8753500" y="2645512"/>
             <a:ext cx="611516" cy="311105"/>
           </a:xfrm>
           <a:prstGeom prst="rect">
@@ -10146,7 +10438,7 @@
         </p:nvSpPr>
         <p:spPr>
           <a:xfrm>
-            <a:off x="9162677" y="4585315"/>
+            <a:off x="8753102" y="4500963"/>
             <a:ext cx="611516" cy="311105"/>
           </a:xfrm>
           <a:prstGeom prst="rect">
@@ -10198,7 +10490,7 @@
         </p:nvSpPr>
         <p:spPr>
           <a:xfrm>
-            <a:off x="5633707" y="6411070"/>
+            <a:off x="5224132" y="6326718"/>
             <a:ext cx="611516" cy="311105"/>
           </a:xfrm>
           <a:prstGeom prst="rect">
@@ -10250,7 +10542,7 @@
         </p:nvSpPr>
         <p:spPr>
           <a:xfrm>
-            <a:off x="5609011" y="2678259"/>
+            <a:off x="5199436" y="2593907"/>
             <a:ext cx="611516" cy="311105"/>
           </a:xfrm>
           <a:prstGeom prst="rect">
@@ -10302,7 +10594,7 @@
         </p:nvSpPr>
         <p:spPr>
           <a:xfrm>
-            <a:off x="5633707" y="4554203"/>
+            <a:off x="5224132" y="4469851"/>
             <a:ext cx="611516" cy="311105"/>
           </a:xfrm>
           <a:prstGeom prst="rect">
@@ -10354,7 +10646,7 @@
         </p:nvSpPr>
         <p:spPr>
           <a:xfrm>
-            <a:off x="9224287" y="6420136"/>
+            <a:off x="8814712" y="6335784"/>
             <a:ext cx="611516" cy="311105"/>
           </a:xfrm>
           <a:prstGeom prst="rect">
@@ -10507,7 +10799,7 @@
         </p:blipFill>
         <p:spPr>
           <a:xfrm>
-            <a:off x="287807" y="882208"/>
+            <a:off x="2116607" y="869192"/>
             <a:ext cx="3453697" cy="2094723"/>
           </a:xfrm>
           <a:prstGeom prst="rect">
@@ -10529,7 +10821,7 @@
         </p:nvSpPr>
         <p:spPr>
           <a:xfrm>
-            <a:off x="2241427" y="1017351"/>
+            <a:off x="4070227" y="1004335"/>
             <a:ext cx="1427134" cy="338554"/>
           </a:xfrm>
           <a:prstGeom prst="rect">
@@ -10569,7 +10861,7 @@
         </p:nvGrpSpPr>
         <p:grpSpPr>
           <a:xfrm>
-            <a:off x="287807" y="2783467"/>
+            <a:off x="2116607" y="2770451"/>
             <a:ext cx="3453697" cy="2097195"/>
             <a:chOff x="6599322" y="1134534"/>
             <a:chExt cx="4297279" cy="2609445"/>
@@ -10660,7 +10952,7 @@
         </p:nvSpPr>
         <p:spPr>
           <a:xfrm>
-            <a:off x="3292257" y="2599579"/>
+            <a:off x="5121057" y="2586563"/>
             <a:ext cx="611516" cy="311105"/>
           </a:xfrm>
           <a:prstGeom prst="rect">
@@ -10712,7 +11004,7 @@
         </p:nvGrpSpPr>
         <p:grpSpPr>
           <a:xfrm>
-            <a:off x="316874" y="4625337"/>
+            <a:off x="2145674" y="4612321"/>
             <a:ext cx="3433346" cy="2097195"/>
             <a:chOff x="316874" y="4625337"/>
             <a:chExt cx="3433346" cy="2097195"/>
@@ -10803,7 +11095,7 @@
         </p:nvSpPr>
         <p:spPr>
           <a:xfrm>
-            <a:off x="3292257" y="4472502"/>
+            <a:off x="5121057" y="4459486"/>
             <a:ext cx="611516" cy="311105"/>
           </a:xfrm>
           <a:prstGeom prst="rect">
@@ -10855,7 +11147,7 @@
         </p:nvSpPr>
         <p:spPr>
           <a:xfrm>
-            <a:off x="3362803" y="6311500"/>
+            <a:off x="5191603" y="6298484"/>
             <a:ext cx="611516" cy="311105"/>
           </a:xfrm>
           <a:prstGeom prst="rect">
@@ -10907,7 +11199,7 @@
         </p:nvGrpSpPr>
         <p:grpSpPr>
           <a:xfrm>
-            <a:off x="4073992" y="928580"/>
+            <a:off x="5902792" y="915564"/>
             <a:ext cx="3251425" cy="2060521"/>
             <a:chOff x="4073992" y="928580"/>
             <a:chExt cx="3251425" cy="2060521"/>
@@ -10998,7 +11290,7 @@
         </p:nvGrpSpPr>
         <p:grpSpPr>
           <a:xfrm>
-            <a:off x="4073992" y="2807205"/>
+            <a:off x="5902792" y="2794189"/>
             <a:ext cx="3251424" cy="2049718"/>
             <a:chOff x="4073992" y="2807205"/>
             <a:chExt cx="3251424" cy="2049718"/>
@@ -11089,7 +11381,7 @@
         </p:nvGrpSpPr>
         <p:grpSpPr>
           <a:xfrm>
-            <a:off x="4051340" y="4685368"/>
+            <a:off x="5880140" y="4672352"/>
             <a:ext cx="3251424" cy="2050180"/>
             <a:chOff x="4051340" y="4685368"/>
             <a:chExt cx="3251424" cy="2050180"/>
@@ -11180,7 +11472,7 @@
         </p:nvSpPr>
         <p:spPr>
           <a:xfrm>
-            <a:off x="7030627" y="6338572"/>
+            <a:off x="8859427" y="6325556"/>
             <a:ext cx="611516" cy="311105"/>
           </a:xfrm>
           <a:prstGeom prst="rect">
@@ -11232,7 +11524,7 @@
         </p:nvSpPr>
         <p:spPr>
           <a:xfrm>
-            <a:off x="7030627" y="4498461"/>
+            <a:off x="8859427" y="4485445"/>
             <a:ext cx="611516" cy="311105"/>
           </a:xfrm>
           <a:prstGeom prst="rect">
@@ -11284,7 +11576,7 @@
         </p:nvSpPr>
         <p:spPr>
           <a:xfrm>
-            <a:off x="6945198" y="2571766"/>
+            <a:off x="8773998" y="2558750"/>
             <a:ext cx="611516" cy="311105"/>
           </a:xfrm>
           <a:prstGeom prst="rect">
@@ -11407,6 +11699,173 @@
 </file>
 
 <file path=ppt/slides/slide7.xml><?xml version="1.0" encoding="utf-8"?>
+<p:sld xmlns:a="http://schemas.openxmlformats.org/drawingml/2006/main" xmlns:r="http://schemas.openxmlformats.org/officeDocument/2006/relationships" xmlns:p="http://schemas.openxmlformats.org/presentationml/2006/main">
+  <p:cSld>
+    <p:spTree>
+      <p:nvGrpSpPr>
+        <p:cNvPr id="1" name=""/>
+        <p:cNvGrpSpPr/>
+        <p:nvPr/>
+      </p:nvGrpSpPr>
+      <p:grpSpPr>
+        <a:xfrm>
+          <a:off x="0" y="0"/>
+          <a:ext cx="0" cy="0"/>
+          <a:chOff x="0" y="0"/>
+          <a:chExt cx="0" cy="0"/>
+        </a:xfrm>
+      </p:grpSpPr>
+      <p:sp>
+        <p:nvSpPr>
+          <p:cNvPr id="2" name="Title 1">
+            <a:extLst>
+              <a:ext uri="{FF2B5EF4-FFF2-40B4-BE49-F238E27FC236}">
+                <a16:creationId xmlns:a16="http://schemas.microsoft.com/office/drawing/2014/main" id="{D8E6B3C7-F631-659A-C8FC-3120DC85B0FF}"/>
+              </a:ext>
+            </a:extLst>
+          </p:cNvPr>
+          <p:cNvSpPr>
+            <a:spLocks noGrp="1"/>
+          </p:cNvSpPr>
+          <p:nvPr>
+            <p:ph type="title"/>
+          </p:nvPr>
+        </p:nvSpPr>
+        <p:spPr>
+          <a:xfrm>
+            <a:off x="838200" y="66675"/>
+            <a:ext cx="10515600" cy="777875"/>
+          </a:xfrm>
+        </p:spPr>
+        <p:txBody>
+          <a:bodyPr/>
+          <a:lstStyle/>
+          <a:p>
+            <a:r>
+              <a:rPr lang="en-US" dirty="0"/>
+              <a:t>Plate size (Lx=Ly)</a:t>
+            </a:r>
+          </a:p>
+        </p:txBody>
+      </p:sp>
+      <p:pic>
+        <p:nvPicPr>
+          <p:cNvPr id="6" name="Picture 5">
+            <a:extLst>
+              <a:ext uri="{FF2B5EF4-FFF2-40B4-BE49-F238E27FC236}">
+                <a16:creationId xmlns:a16="http://schemas.microsoft.com/office/drawing/2014/main" id="{38C95DCD-3911-0D90-22A2-08FC2DA3CDCD}"/>
+              </a:ext>
+            </a:extLst>
+          </p:cNvPr>
+          <p:cNvPicPr>
+            <a:picLocks noChangeAspect="1"/>
+          </p:cNvPicPr>
+          <p:nvPr/>
+        </p:nvPicPr>
+        <p:blipFill>
+          <a:blip r:embed="rId2"/>
+          <a:stretch>
+            <a:fillRect/>
+          </a:stretch>
+        </p:blipFill>
+        <p:spPr>
+          <a:xfrm>
+            <a:off x="762000" y="2136774"/>
+            <a:ext cx="3601084" cy="3181617"/>
+          </a:xfrm>
+          <a:prstGeom prst="rect">
+            <a:avLst/>
+          </a:prstGeom>
+        </p:spPr>
+      </p:pic>
+      <p:sp>
+        <p:nvSpPr>
+          <p:cNvPr id="7" name="TextBox 6">
+            <a:extLst>
+              <a:ext uri="{FF2B5EF4-FFF2-40B4-BE49-F238E27FC236}">
+                <a16:creationId xmlns:a16="http://schemas.microsoft.com/office/drawing/2014/main" id="{AF2E57FD-FD23-4059-E055-26E7B9F0C5ED}"/>
+              </a:ext>
+            </a:extLst>
+          </p:cNvPr>
+          <p:cNvSpPr txBox="1"/>
+          <p:nvPr/>
+        </p:nvSpPr>
+        <p:spPr>
+          <a:xfrm>
+            <a:off x="1905000" y="1952108"/>
+            <a:ext cx="2124075" cy="369332"/>
+          </a:xfrm>
+          <a:prstGeom prst="rect">
+            <a:avLst/>
+          </a:prstGeom>
+          <a:noFill/>
+        </p:spPr>
+        <p:txBody>
+          <a:bodyPr wrap="square" rtlCol="0">
+            <a:spAutoFit/>
+          </a:bodyPr>
+          <a:lstStyle/>
+          <a:p>
+            <a:pPr algn="ctr"/>
+            <a:r>
+              <a:rPr lang="en-US" dirty="0"/>
+              <a:t>a020x075; </a:t>
+            </a:r>
+            <a:r>
+              <a:rPr lang="en-US" dirty="0" err="1"/>
+              <a:t>lxy</a:t>
+            </a:r>
+            <a:r>
+              <a:rPr lang="en-US" dirty="0"/>
+              <a:t> = 5</a:t>
+            </a:r>
+          </a:p>
+        </p:txBody>
+      </p:sp>
+      <p:pic>
+        <p:nvPicPr>
+          <p:cNvPr id="9" name="Picture 8">
+            <a:extLst>
+              <a:ext uri="{FF2B5EF4-FFF2-40B4-BE49-F238E27FC236}">
+                <a16:creationId xmlns:a16="http://schemas.microsoft.com/office/drawing/2014/main" id="{38255F1E-07EC-3B42-EA3C-9679AC8BE611}"/>
+              </a:ext>
+            </a:extLst>
+          </p:cNvPr>
+          <p:cNvPicPr>
+            <a:picLocks noChangeAspect="1"/>
+          </p:cNvPicPr>
+          <p:nvPr/>
+        </p:nvPicPr>
+        <p:blipFill>
+          <a:blip r:embed="rId3"/>
+          <a:stretch>
+            <a:fillRect/>
+          </a:stretch>
+        </p:blipFill>
+        <p:spPr>
+          <a:xfrm>
+            <a:off x="11372850" y="1990183"/>
+            <a:ext cx="611229" cy="3474798"/>
+          </a:xfrm>
+          <a:prstGeom prst="rect">
+            <a:avLst/>
+          </a:prstGeom>
+        </p:spPr>
+      </p:pic>
+    </p:spTree>
+    <p:extLst>
+      <p:ext uri="{BB962C8B-B14F-4D97-AF65-F5344CB8AC3E}">
+        <p14:creationId xmlns:p14="http://schemas.microsoft.com/office/powerpoint/2010/main" val="2073591459"/>
+      </p:ext>
+    </p:extLst>
+  </p:cSld>
+  <p:clrMapOvr>
+    <a:masterClrMapping/>
+  </p:clrMapOvr>
+</p:sld>
+</file>
+
+<file path=ppt/slides/slide8.xml><?xml version="1.0" encoding="utf-8"?>
 <p:sld xmlns:a="http://schemas.openxmlformats.org/drawingml/2006/main" xmlns:r="http://schemas.openxmlformats.org/officeDocument/2006/relationships" xmlns:p="http://schemas.openxmlformats.org/presentationml/2006/main">
   <p:cSld>
     <p:spTree>
@@ -11877,69 +12336,6 @@
 </p:sld>
 </file>
 
-<file path=ppt/slides/slide8.xml><?xml version="1.0" encoding="utf-8"?>
-<p:sld xmlns:a="http://schemas.openxmlformats.org/drawingml/2006/main" xmlns:r="http://schemas.openxmlformats.org/officeDocument/2006/relationships" xmlns:p="http://schemas.openxmlformats.org/presentationml/2006/main">
-  <p:cSld>
-    <p:spTree>
-      <p:nvGrpSpPr>
-        <p:cNvPr id="1" name=""/>
-        <p:cNvGrpSpPr/>
-        <p:nvPr/>
-      </p:nvGrpSpPr>
-      <p:grpSpPr>
-        <a:xfrm>
-          <a:off x="0" y="0"/>
-          <a:ext cx="0" cy="0"/>
-          <a:chOff x="0" y="0"/>
-          <a:chExt cx="0" cy="0"/>
-        </a:xfrm>
-      </p:grpSpPr>
-      <p:sp>
-        <p:nvSpPr>
-          <p:cNvPr id="2" name="Title 1">
-            <a:extLst>
-              <a:ext uri="{FF2B5EF4-FFF2-40B4-BE49-F238E27FC236}">
-                <a16:creationId xmlns:a16="http://schemas.microsoft.com/office/drawing/2014/main" id="{A42F1D30-274D-A5B8-3620-4DA31ECE8F5B}"/>
-              </a:ext>
-            </a:extLst>
-          </p:cNvPr>
-          <p:cNvSpPr>
-            <a:spLocks noGrp="1"/>
-          </p:cNvSpPr>
-          <p:nvPr>
-            <p:ph type="title"/>
-          </p:nvPr>
-        </p:nvSpPr>
-        <p:spPr>
-          <a:xfrm>
-            <a:off x="448734" y="2766218"/>
-            <a:ext cx="10515600" cy="1325563"/>
-          </a:xfrm>
-        </p:spPr>
-        <p:txBody>
-          <a:bodyPr/>
-          <a:lstStyle/>
-          <a:p>
-            <a:r>
-              <a:rPr lang="en-US" b="1" dirty="0"/>
-              <a:t>Specifying Grafted Points</a:t>
-            </a:r>
-          </a:p>
-        </p:txBody>
-      </p:sp>
-    </p:spTree>
-    <p:extLst>
-      <p:ext uri="{BB962C8B-B14F-4D97-AF65-F5344CB8AC3E}">
-        <p14:creationId xmlns:p14="http://schemas.microsoft.com/office/powerpoint/2010/main" val="896468000"/>
-      </p:ext>
-    </p:extLst>
-  </p:cSld>
-  <p:clrMapOvr>
-    <a:masterClrMapping/>
-  </p:clrMapOvr>
-</p:sld>
-</file>
-
 <file path=ppt/slides/slide9.xml><?xml version="1.0" encoding="utf-8"?>
 <p:sld xmlns:a="http://schemas.openxmlformats.org/drawingml/2006/main" xmlns:r="http://schemas.openxmlformats.org/officeDocument/2006/relationships" xmlns:p="http://schemas.openxmlformats.org/presentationml/2006/main">
   <p:cSld>
@@ -11962,7 +12358,7 @@
           <p:cNvPr id="2" name="Title 1">
             <a:extLst>
               <a:ext uri="{FF2B5EF4-FFF2-40B4-BE49-F238E27FC236}">
-                <a16:creationId xmlns:a16="http://schemas.microsoft.com/office/drawing/2014/main" id="{EC7A1061-086B-35E4-61C1-83C328D5548E}"/>
+                <a16:creationId xmlns:a16="http://schemas.microsoft.com/office/drawing/2014/main" id="{A42F1D30-274D-A5B8-3620-4DA31ECE8F5B}"/>
               </a:ext>
             </a:extLst>
           </p:cNvPr>
@@ -11973,247 +12369,19 @@
             <p:ph type="title"/>
           </p:nvPr>
         </p:nvSpPr>
-        <p:spPr/>
+        <p:spPr>
+          <a:xfrm>
+            <a:off x="448734" y="2766218"/>
+            <a:ext cx="10515600" cy="1325563"/>
+          </a:xfrm>
+        </p:spPr>
         <p:txBody>
           <a:bodyPr/>
           <a:lstStyle/>
           <a:p>
             <a:r>
-              <a:rPr lang="en-US" dirty="0"/>
-              <a:t>Strategy</a:t>
-            </a:r>
-          </a:p>
-        </p:txBody>
-      </p:sp>
-      <p:sp>
-        <p:nvSpPr>
-          <p:cNvPr id="3" name="TextBox 2">
-            <a:extLst>
-              <a:ext uri="{FF2B5EF4-FFF2-40B4-BE49-F238E27FC236}">
-                <a16:creationId xmlns:a16="http://schemas.microsoft.com/office/drawing/2014/main" id="{66A4566B-D26D-18F7-2769-748D7813228B}"/>
-              </a:ext>
-            </a:extLst>
-          </p:cNvPr>
-          <p:cNvSpPr txBox="1"/>
-          <p:nvPr/>
-        </p:nvSpPr>
-        <p:spPr>
-          <a:xfrm>
-            <a:off x="714374" y="1895475"/>
-            <a:ext cx="7810500" cy="646331"/>
-          </a:xfrm>
-          <a:prstGeom prst="rect">
-            <a:avLst/>
-          </a:prstGeom>
-          <a:noFill/>
-        </p:spPr>
-        <p:txBody>
-          <a:bodyPr wrap="square" rtlCol="0">
-            <a:spAutoFit/>
-          </a:bodyPr>
-          <a:lstStyle/>
-          <a:p>
-            <a:r>
-              <a:rPr lang="en-US" dirty="0"/>
-              <a:t>2D binary array for surface sites of homogeneously grafted polymer given grafting density, simulation box size, and discretization (and assuming dx = </a:t>
-            </a:r>
-            <a:r>
-              <a:rPr lang="en-US" dirty="0" err="1"/>
-              <a:t>dy</a:t>
-            </a:r>
-            <a:r>
-              <a:rPr lang="en-US" dirty="0"/>
-              <a:t>)</a:t>
-            </a:r>
-          </a:p>
-        </p:txBody>
-      </p:sp>
-      <p:sp>
-        <p:nvSpPr>
-          <p:cNvPr id="4" name="TextBox 3">
-            <a:extLst>
-              <a:ext uri="{FF2B5EF4-FFF2-40B4-BE49-F238E27FC236}">
-                <a16:creationId xmlns:a16="http://schemas.microsoft.com/office/drawing/2014/main" id="{14B153E5-948B-4D25-2B1C-2231E4E7EBA6}"/>
-              </a:ext>
-            </a:extLst>
-          </p:cNvPr>
-          <p:cNvSpPr txBox="1"/>
-          <p:nvPr/>
-        </p:nvSpPr>
-        <p:spPr>
-          <a:xfrm>
-            <a:off x="714374" y="2776538"/>
-            <a:ext cx="11077575" cy="646331"/>
-          </a:xfrm>
-          <a:prstGeom prst="rect">
-            <a:avLst/>
-          </a:prstGeom>
-          <a:noFill/>
-        </p:spPr>
-        <p:txBody>
-          <a:bodyPr wrap="square" rtlCol="0">
-            <a:spAutoFit/>
-          </a:bodyPr>
-          <a:lstStyle/>
-          <a:p>
-            <a:r>
-              <a:rPr lang="en-US" dirty="0" err="1"/>
-              <a:t>Fullspace</a:t>
-            </a:r>
-            <a:r>
-              <a:rPr lang="en-US" dirty="0"/>
-              <a:t> must be periodic on x0 = </a:t>
-            </a:r>
-            <a:r>
-              <a:rPr lang="en-US" dirty="0" err="1"/>
-              <a:t>xL</a:t>
-            </a:r>
-            <a:r>
-              <a:rPr lang="en-US" dirty="0"/>
-              <a:t>, y0 = </a:t>
-            </a:r>
-            <a:r>
-              <a:rPr lang="en-US" dirty="0" err="1"/>
-              <a:t>yL</a:t>
-            </a:r>
-            <a:endParaRPr lang="en-US" dirty="0"/>
-          </a:p>
-          <a:p>
-            <a:r>
-              <a:rPr lang="en-US" dirty="0" err="1"/>
-              <a:t>Halfspace</a:t>
-            </a:r>
-            <a:r>
-              <a:rPr lang="en-US" dirty="0"/>
-              <a:t> must be even on </a:t>
-            </a:r>
-            <a:r>
-              <a:rPr lang="en-US" dirty="0" err="1"/>
-              <a:t>xL</a:t>
-            </a:r>
-            <a:r>
-              <a:rPr lang="en-US" dirty="0"/>
-              <a:t>/2 and </a:t>
-            </a:r>
-            <a:r>
-              <a:rPr lang="en-US" dirty="0" err="1"/>
-              <a:t>yL</a:t>
-            </a:r>
-            <a:r>
-              <a:rPr lang="en-US" dirty="0"/>
-              <a:t>/2 (overlap of boundary following REDFT00) and periodic on x0 = </a:t>
-            </a:r>
-            <a:r>
-              <a:rPr lang="en-US" dirty="0" err="1"/>
-              <a:t>xL</a:t>
-            </a:r>
-            <a:r>
-              <a:rPr lang="en-US" dirty="0"/>
-              <a:t>, y0 = </a:t>
-            </a:r>
-            <a:r>
-              <a:rPr lang="en-US" dirty="0" err="1"/>
-              <a:t>yL</a:t>
-            </a:r>
-            <a:r>
-              <a:rPr lang="en-US" dirty="0"/>
-              <a:t>.</a:t>
-            </a:r>
-          </a:p>
-        </p:txBody>
-      </p:sp>
-      <p:sp>
-        <p:nvSpPr>
-          <p:cNvPr id="5" name="TextBox 4">
-            <a:extLst>
-              <a:ext uri="{FF2B5EF4-FFF2-40B4-BE49-F238E27FC236}">
-                <a16:creationId xmlns:a16="http://schemas.microsoft.com/office/drawing/2014/main" id="{97078C71-47DB-0D25-8BE5-AD0C9CC3C9FD}"/>
-              </a:ext>
-            </a:extLst>
-          </p:cNvPr>
-          <p:cNvSpPr txBox="1"/>
-          <p:nvPr/>
-        </p:nvSpPr>
-        <p:spPr>
-          <a:xfrm>
-            <a:off x="714373" y="3812426"/>
-            <a:ext cx="11077575" cy="369332"/>
-          </a:xfrm>
-          <a:prstGeom prst="rect">
-            <a:avLst/>
-          </a:prstGeom>
-          <a:noFill/>
-        </p:spPr>
-        <p:txBody>
-          <a:bodyPr wrap="square" rtlCol="0">
-            <a:spAutoFit/>
-          </a:bodyPr>
-          <a:lstStyle/>
-          <a:p>
-            <a:r>
-              <a:rPr lang="en-US" dirty="0"/>
-              <a:t>Homogeneous spacing as determined by regular hexagon, where grafting point at centroid of hexagon</a:t>
-            </a:r>
-          </a:p>
-        </p:txBody>
-      </p:sp>
-      <p:sp>
-        <p:nvSpPr>
-          <p:cNvPr id="6" name="TextBox 5">
-            <a:extLst>
-              <a:ext uri="{FF2B5EF4-FFF2-40B4-BE49-F238E27FC236}">
-                <a16:creationId xmlns:a16="http://schemas.microsoft.com/office/drawing/2014/main" id="{067DDA30-EAF3-09E5-D289-BD5F06EA216D}"/>
-              </a:ext>
-            </a:extLst>
-          </p:cNvPr>
-          <p:cNvSpPr txBox="1"/>
-          <p:nvPr/>
-        </p:nvSpPr>
-        <p:spPr>
-          <a:xfrm>
-            <a:off x="714372" y="4508719"/>
-            <a:ext cx="11077575" cy="923330"/>
-          </a:xfrm>
-          <a:prstGeom prst="rect">
-            <a:avLst/>
-          </a:prstGeom>
-          <a:noFill/>
-        </p:spPr>
-        <p:txBody>
-          <a:bodyPr wrap="square" rtlCol="0">
-            <a:spAutoFit/>
-          </a:bodyPr>
-          <a:lstStyle/>
-          <a:p>
-            <a:r>
-              <a:rPr lang="en-US" dirty="0"/>
-              <a:t>In case there are edge effects, try shifting the centroids away from the boundaries of the </a:t>
-            </a:r>
-            <a:r>
-              <a:rPr lang="en-US" dirty="0" err="1"/>
-              <a:t>xy</a:t>
-            </a:r>
-            <a:r>
-              <a:rPr lang="en-US" dirty="0"/>
-              <a:t>-plane (only did for </a:t>
-            </a:r>
-            <a:r>
-              <a:rPr lang="en-US" dirty="0" err="1"/>
-              <a:t>fullspace</a:t>
-            </a:r>
-            <a:r>
-              <a:rPr lang="en-US" dirty="0"/>
-              <a:t>)</a:t>
-            </a:r>
-          </a:p>
-          <a:p>
-            <a:pPr marL="285750" indent="-285750">
-              <a:buFont typeface="Arial" panose="020B0604020202020204" pitchFamily="34" charset="0"/>
-              <a:buChar char="•"/>
-            </a:pPr>
-            <a:r>
-              <a:rPr lang="en-US" dirty="0"/>
-              <a:t>Make sure no edge effects by comparing results of full FFT with cos FFT</a:t>
+              <a:rPr lang="en-US" b="1" dirty="0"/>
+              <a:t>Specifying Grafted Points</a:t>
             </a:r>
           </a:p>
         </p:txBody>
@@ -12221,7 +12389,7 @@
     </p:spTree>
     <p:extLst>
       <p:ext uri="{BB962C8B-B14F-4D97-AF65-F5344CB8AC3E}">
-        <p14:creationId xmlns:p14="http://schemas.microsoft.com/office/powerpoint/2010/main" val="1764039423"/>
+        <p14:creationId xmlns:p14="http://schemas.microsoft.com/office/powerpoint/2010/main" val="896468000"/>
       </p:ext>
     </p:extLst>
   </p:cSld>

--- a/SYSG3.pptx
+++ b/SYSG3.pptx
@@ -272,7 +272,7 @@
           <a:p>
             <a:fld id="{3FB972CA-75D3-464B-AB07-BF3EA83BD9C3}" type="datetimeFigureOut">
               <a:rPr lang="en-US" smtClean="0"/>
-              <a:t>9/6/2023</a:t>
+              <a:t>9/11/2023</a:t>
             </a:fld>
             <a:endParaRPr lang="en-US"/>
           </a:p>
@@ -470,7 +470,7 @@
           <a:p>
             <a:fld id="{3FB972CA-75D3-464B-AB07-BF3EA83BD9C3}" type="datetimeFigureOut">
               <a:rPr lang="en-US" smtClean="0"/>
-              <a:t>9/6/2023</a:t>
+              <a:t>9/11/2023</a:t>
             </a:fld>
             <a:endParaRPr lang="en-US"/>
           </a:p>
@@ -678,7 +678,7 @@
           <a:p>
             <a:fld id="{3FB972CA-75D3-464B-AB07-BF3EA83BD9C3}" type="datetimeFigureOut">
               <a:rPr lang="en-US" smtClean="0"/>
-              <a:t>9/6/2023</a:t>
+              <a:t>9/11/2023</a:t>
             </a:fld>
             <a:endParaRPr lang="en-US"/>
           </a:p>
@@ -876,7 +876,7 @@
           <a:p>
             <a:fld id="{3FB972CA-75D3-464B-AB07-BF3EA83BD9C3}" type="datetimeFigureOut">
               <a:rPr lang="en-US" smtClean="0"/>
-              <a:t>9/6/2023</a:t>
+              <a:t>9/11/2023</a:t>
             </a:fld>
             <a:endParaRPr lang="en-US"/>
           </a:p>
@@ -1151,7 +1151,7 @@
           <a:p>
             <a:fld id="{3FB972CA-75D3-464B-AB07-BF3EA83BD9C3}" type="datetimeFigureOut">
               <a:rPr lang="en-US" smtClean="0"/>
-              <a:t>9/6/2023</a:t>
+              <a:t>9/11/2023</a:t>
             </a:fld>
             <a:endParaRPr lang="en-US"/>
           </a:p>
@@ -1416,7 +1416,7 @@
           <a:p>
             <a:fld id="{3FB972CA-75D3-464B-AB07-BF3EA83BD9C3}" type="datetimeFigureOut">
               <a:rPr lang="en-US" smtClean="0"/>
-              <a:t>9/6/2023</a:t>
+              <a:t>9/11/2023</a:t>
             </a:fld>
             <a:endParaRPr lang="en-US"/>
           </a:p>
@@ -1828,7 +1828,7 @@
           <a:p>
             <a:fld id="{3FB972CA-75D3-464B-AB07-BF3EA83BD9C3}" type="datetimeFigureOut">
               <a:rPr lang="en-US" smtClean="0"/>
-              <a:t>9/6/2023</a:t>
+              <a:t>9/11/2023</a:t>
             </a:fld>
             <a:endParaRPr lang="en-US"/>
           </a:p>
@@ -1969,7 +1969,7 @@
           <a:p>
             <a:fld id="{3FB972CA-75D3-464B-AB07-BF3EA83BD9C3}" type="datetimeFigureOut">
               <a:rPr lang="en-US" smtClean="0"/>
-              <a:t>9/6/2023</a:t>
+              <a:t>9/11/2023</a:t>
             </a:fld>
             <a:endParaRPr lang="en-US"/>
           </a:p>
@@ -2082,7 +2082,7 @@
           <a:p>
             <a:fld id="{3FB972CA-75D3-464B-AB07-BF3EA83BD9C3}" type="datetimeFigureOut">
               <a:rPr lang="en-US" smtClean="0"/>
-              <a:t>9/6/2023</a:t>
+              <a:t>9/11/2023</a:t>
             </a:fld>
             <a:endParaRPr lang="en-US"/>
           </a:p>
@@ -2393,7 +2393,7 @@
           <a:p>
             <a:fld id="{3FB972CA-75D3-464B-AB07-BF3EA83BD9C3}" type="datetimeFigureOut">
               <a:rPr lang="en-US" smtClean="0"/>
-              <a:t>9/6/2023</a:t>
+              <a:t>9/11/2023</a:t>
             </a:fld>
             <a:endParaRPr lang="en-US"/>
           </a:p>
@@ -2681,7 +2681,7 @@
           <a:p>
             <a:fld id="{3FB972CA-75D3-464B-AB07-BF3EA83BD9C3}" type="datetimeFigureOut">
               <a:rPr lang="en-US" smtClean="0"/>
-              <a:t>9/6/2023</a:t>
+              <a:t>9/11/2023</a:t>
             </a:fld>
             <a:endParaRPr lang="en-US"/>
           </a:p>
@@ -2922,7 +2922,7 @@
           <a:p>
             <a:fld id="{3FB972CA-75D3-464B-AB07-BF3EA83BD9C3}" type="datetimeFigureOut">
               <a:rPr lang="en-US" smtClean="0"/>
-              <a:t>9/6/2023</a:t>
+              <a:t>9/11/2023</a:t>
             </a:fld>
             <a:endParaRPr lang="en-US"/>
           </a:p>
@@ -11685,6 +11685,552 @@
           </a:p>
         </p:txBody>
       </p:sp>
+      <p:grpSp>
+        <p:nvGrpSpPr>
+          <p:cNvPr id="6" name="Group 5">
+            <a:extLst>
+              <a:ext uri="{FF2B5EF4-FFF2-40B4-BE49-F238E27FC236}">
+                <a16:creationId xmlns:a16="http://schemas.microsoft.com/office/drawing/2014/main" id="{A13F0B45-BB66-3557-9F93-21BAD433EB8E}"/>
+              </a:ext>
+            </a:extLst>
+          </p:cNvPr>
+          <p:cNvGrpSpPr/>
+          <p:nvPr/>
+        </p:nvGrpSpPr>
+        <p:grpSpPr>
+          <a:xfrm>
+            <a:off x="79907" y="999067"/>
+            <a:ext cx="3539593" cy="1972099"/>
+            <a:chOff x="79907" y="999067"/>
+            <a:chExt cx="3857094" cy="2313282"/>
+          </a:xfrm>
+        </p:grpSpPr>
+        <p:pic>
+          <p:nvPicPr>
+            <p:cNvPr id="5" name="Picture 4">
+              <a:extLst>
+                <a:ext uri="{FF2B5EF4-FFF2-40B4-BE49-F238E27FC236}">
+                  <a16:creationId xmlns:a16="http://schemas.microsoft.com/office/drawing/2014/main" id="{BB5A1A42-0E04-194D-6BE4-B45470695B5F}"/>
+                </a:ext>
+              </a:extLst>
+            </p:cNvPr>
+            <p:cNvPicPr>
+              <a:picLocks noChangeAspect="1"/>
+            </p:cNvPicPr>
+            <p:nvPr/>
+          </p:nvPicPr>
+          <p:blipFill>
+            <a:blip r:embed="rId2"/>
+            <a:stretch>
+              <a:fillRect/>
+            </a:stretch>
+          </p:blipFill>
+          <p:spPr>
+            <a:xfrm>
+              <a:off x="79907" y="999067"/>
+              <a:ext cx="3857094" cy="2313282"/>
+            </a:xfrm>
+            <a:prstGeom prst="rect">
+              <a:avLst/>
+            </a:prstGeom>
+          </p:spPr>
+        </p:pic>
+        <p:sp>
+          <p:nvSpPr>
+            <p:cNvPr id="3" name="TextBox 2">
+              <a:extLst>
+                <a:ext uri="{FF2B5EF4-FFF2-40B4-BE49-F238E27FC236}">
+                  <a16:creationId xmlns:a16="http://schemas.microsoft.com/office/drawing/2014/main" id="{9B00EC19-3040-94C5-7131-C52E5DACA845}"/>
+                </a:ext>
+              </a:extLst>
+            </p:cNvPr>
+            <p:cNvSpPr txBox="1"/>
+            <p:nvPr/>
+          </p:nvSpPr>
+          <p:spPr>
+            <a:xfrm>
+              <a:off x="2290138" y="1122868"/>
+              <a:ext cx="1530823" cy="397126"/>
+            </a:xfrm>
+            <a:prstGeom prst="rect">
+              <a:avLst/>
+            </a:prstGeom>
+            <a:noFill/>
+          </p:spPr>
+          <p:txBody>
+            <a:bodyPr wrap="square" rtlCol="0">
+              <a:spAutoFit/>
+            </a:bodyPr>
+            <a:lstStyle/>
+            <a:p>
+              <a:pPr algn="r"/>
+              <a:r>
+                <a:rPr lang="en-US" sz="1600" dirty="0">
+                  <a:solidFill>
+                    <a:schemeClr val="bg1"/>
+                  </a:solidFill>
+                </a:rPr>
+                <a:t>a010x075ds05</a:t>
+              </a:r>
+            </a:p>
+          </p:txBody>
+        </p:sp>
+      </p:grpSp>
+      <p:grpSp>
+        <p:nvGrpSpPr>
+          <p:cNvPr id="10" name="Group 9">
+            <a:extLst>
+              <a:ext uri="{FF2B5EF4-FFF2-40B4-BE49-F238E27FC236}">
+                <a16:creationId xmlns:a16="http://schemas.microsoft.com/office/drawing/2014/main" id="{7DDDD7F6-BE41-F183-3FAA-AF3653BA094B}"/>
+              </a:ext>
+            </a:extLst>
+          </p:cNvPr>
+          <p:cNvGrpSpPr/>
+          <p:nvPr/>
+        </p:nvGrpSpPr>
+        <p:grpSpPr>
+          <a:xfrm>
+            <a:off x="79907" y="2772150"/>
+            <a:ext cx="3539593" cy="1977065"/>
+            <a:chOff x="79907" y="3078259"/>
+            <a:chExt cx="3857094" cy="2319108"/>
+          </a:xfrm>
+        </p:grpSpPr>
+        <p:pic>
+          <p:nvPicPr>
+            <p:cNvPr id="8" name="Picture 7">
+              <a:extLst>
+                <a:ext uri="{FF2B5EF4-FFF2-40B4-BE49-F238E27FC236}">
+                  <a16:creationId xmlns:a16="http://schemas.microsoft.com/office/drawing/2014/main" id="{CC56C677-F558-8E4F-2EEA-35AC8E3AF491}"/>
+                </a:ext>
+              </a:extLst>
+            </p:cNvPr>
+            <p:cNvPicPr>
+              <a:picLocks noChangeAspect="1"/>
+            </p:cNvPicPr>
+            <p:nvPr/>
+          </p:nvPicPr>
+          <p:blipFill>
+            <a:blip r:embed="rId3"/>
+            <a:stretch>
+              <a:fillRect/>
+            </a:stretch>
+          </p:blipFill>
+          <p:spPr>
+            <a:xfrm>
+              <a:off x="79907" y="3078259"/>
+              <a:ext cx="3857094" cy="2319108"/>
+            </a:xfrm>
+            <a:prstGeom prst="rect">
+              <a:avLst/>
+            </a:prstGeom>
+          </p:spPr>
+        </p:pic>
+        <p:sp>
+          <p:nvSpPr>
+            <p:cNvPr id="9" name="TextBox 8">
+              <a:extLst>
+                <a:ext uri="{FF2B5EF4-FFF2-40B4-BE49-F238E27FC236}">
+                  <a16:creationId xmlns:a16="http://schemas.microsoft.com/office/drawing/2014/main" id="{314B8FF2-A841-C253-60D6-DF2A80E81D18}"/>
+                </a:ext>
+              </a:extLst>
+            </p:cNvPr>
+            <p:cNvSpPr txBox="1"/>
+            <p:nvPr/>
+          </p:nvSpPr>
+          <p:spPr>
+            <a:xfrm>
+              <a:off x="2290139" y="3187083"/>
+              <a:ext cx="1530823" cy="397126"/>
+            </a:xfrm>
+            <a:prstGeom prst="rect">
+              <a:avLst/>
+            </a:prstGeom>
+            <a:noFill/>
+          </p:spPr>
+          <p:txBody>
+            <a:bodyPr wrap="square" rtlCol="0">
+              <a:spAutoFit/>
+            </a:bodyPr>
+            <a:lstStyle/>
+            <a:p>
+              <a:pPr algn="r"/>
+              <a:r>
+                <a:rPr lang="en-US" sz="1600" dirty="0">
+                  <a:solidFill>
+                    <a:schemeClr val="bg1"/>
+                  </a:solidFill>
+                </a:rPr>
+                <a:t>a010x075ds10</a:t>
+              </a:r>
+            </a:p>
+          </p:txBody>
+        </p:sp>
+      </p:grpSp>
+      <p:grpSp>
+        <p:nvGrpSpPr>
+          <p:cNvPr id="14" name="Group 13">
+            <a:extLst>
+              <a:ext uri="{FF2B5EF4-FFF2-40B4-BE49-F238E27FC236}">
+                <a16:creationId xmlns:a16="http://schemas.microsoft.com/office/drawing/2014/main" id="{3B2E98D1-8115-CD34-E9A0-37910EF62244}"/>
+              </a:ext>
+            </a:extLst>
+          </p:cNvPr>
+          <p:cNvGrpSpPr/>
+          <p:nvPr/>
+        </p:nvGrpSpPr>
+        <p:grpSpPr>
+          <a:xfrm>
+            <a:off x="79907" y="4575579"/>
+            <a:ext cx="3539594" cy="2130021"/>
+            <a:chOff x="79907" y="4575579"/>
+            <a:chExt cx="3539594" cy="2130021"/>
+          </a:xfrm>
+        </p:grpSpPr>
+        <p:pic>
+          <p:nvPicPr>
+            <p:cNvPr id="12" name="Picture 11">
+              <a:extLst>
+                <a:ext uri="{FF2B5EF4-FFF2-40B4-BE49-F238E27FC236}">
+                  <a16:creationId xmlns:a16="http://schemas.microsoft.com/office/drawing/2014/main" id="{40B4132D-6150-6853-9E07-10B9E5CD81C5}"/>
+                </a:ext>
+              </a:extLst>
+            </p:cNvPr>
+            <p:cNvPicPr>
+              <a:picLocks noChangeAspect="1"/>
+            </p:cNvPicPr>
+            <p:nvPr/>
+          </p:nvPicPr>
+          <p:blipFill>
+            <a:blip r:embed="rId4"/>
+            <a:stretch>
+              <a:fillRect/>
+            </a:stretch>
+          </p:blipFill>
+          <p:spPr>
+            <a:xfrm>
+              <a:off x="79907" y="4575579"/>
+              <a:ext cx="3539594" cy="2130021"/>
+            </a:xfrm>
+            <a:prstGeom prst="rect">
+              <a:avLst/>
+            </a:prstGeom>
+          </p:spPr>
+        </p:pic>
+        <p:sp>
+          <p:nvSpPr>
+            <p:cNvPr id="13" name="TextBox 12">
+              <a:extLst>
+                <a:ext uri="{FF2B5EF4-FFF2-40B4-BE49-F238E27FC236}">
+                  <a16:creationId xmlns:a16="http://schemas.microsoft.com/office/drawing/2014/main" id="{9025A14B-B6FE-4BF6-E7EE-D3BFB4FA517E}"/>
+                </a:ext>
+              </a:extLst>
+            </p:cNvPr>
+            <p:cNvSpPr txBox="1"/>
+            <p:nvPr/>
+          </p:nvSpPr>
+          <p:spPr>
+            <a:xfrm>
+              <a:off x="2108200" y="4605318"/>
+              <a:ext cx="1404812" cy="338554"/>
+            </a:xfrm>
+            <a:prstGeom prst="rect">
+              <a:avLst/>
+            </a:prstGeom>
+            <a:noFill/>
+          </p:spPr>
+          <p:txBody>
+            <a:bodyPr wrap="square" rtlCol="0">
+              <a:spAutoFit/>
+            </a:bodyPr>
+            <a:lstStyle/>
+            <a:p>
+              <a:pPr algn="r"/>
+              <a:r>
+                <a:rPr lang="en-US" sz="1600" dirty="0">
+                  <a:solidFill>
+                    <a:schemeClr val="bg1"/>
+                  </a:solidFill>
+                </a:rPr>
+                <a:t>a010x075ds15</a:t>
+              </a:r>
+            </a:p>
+          </p:txBody>
+        </p:sp>
+      </p:grpSp>
+      <p:grpSp>
+        <p:nvGrpSpPr>
+          <p:cNvPr id="18" name="Group 17">
+            <a:extLst>
+              <a:ext uri="{FF2B5EF4-FFF2-40B4-BE49-F238E27FC236}">
+                <a16:creationId xmlns:a16="http://schemas.microsoft.com/office/drawing/2014/main" id="{F27F62A8-D9A7-9DB1-0B13-BBEC8356646B}"/>
+              </a:ext>
+            </a:extLst>
+          </p:cNvPr>
+          <p:cNvGrpSpPr/>
+          <p:nvPr/>
+        </p:nvGrpSpPr>
+        <p:grpSpPr>
+          <a:xfrm>
+            <a:off x="3619500" y="999067"/>
+            <a:ext cx="3119967" cy="1947443"/>
+            <a:chOff x="3619500" y="999067"/>
+            <a:chExt cx="3119967" cy="1947443"/>
+          </a:xfrm>
+        </p:grpSpPr>
+        <p:pic>
+          <p:nvPicPr>
+            <p:cNvPr id="16" name="Picture 15">
+              <a:extLst>
+                <a:ext uri="{FF2B5EF4-FFF2-40B4-BE49-F238E27FC236}">
+                  <a16:creationId xmlns:a16="http://schemas.microsoft.com/office/drawing/2014/main" id="{2DF2A8D0-22BC-8128-A017-D932AB966328}"/>
+                </a:ext>
+              </a:extLst>
+            </p:cNvPr>
+            <p:cNvPicPr>
+              <a:picLocks noChangeAspect="1"/>
+            </p:cNvPicPr>
+            <p:nvPr/>
+          </p:nvPicPr>
+          <p:blipFill>
+            <a:blip r:embed="rId5"/>
+            <a:stretch>
+              <a:fillRect/>
+            </a:stretch>
+          </p:blipFill>
+          <p:spPr>
+            <a:xfrm>
+              <a:off x="3619500" y="999067"/>
+              <a:ext cx="3119967" cy="1947443"/>
+            </a:xfrm>
+            <a:prstGeom prst="rect">
+              <a:avLst/>
+            </a:prstGeom>
+          </p:spPr>
+        </p:pic>
+        <p:sp>
+          <p:nvSpPr>
+            <p:cNvPr id="17" name="TextBox 16">
+              <a:extLst>
+                <a:ext uri="{FF2B5EF4-FFF2-40B4-BE49-F238E27FC236}">
+                  <a16:creationId xmlns:a16="http://schemas.microsoft.com/office/drawing/2014/main" id="{F1A7F78B-8A1D-1FA5-1712-166BDC18AA4C}"/>
+                </a:ext>
+              </a:extLst>
+            </p:cNvPr>
+            <p:cNvSpPr txBox="1"/>
+            <p:nvPr/>
+          </p:nvSpPr>
+          <p:spPr>
+            <a:xfrm>
+              <a:off x="5266267" y="1095447"/>
+              <a:ext cx="1404812" cy="338554"/>
+            </a:xfrm>
+            <a:prstGeom prst="rect">
+              <a:avLst/>
+            </a:prstGeom>
+            <a:noFill/>
+          </p:spPr>
+          <p:txBody>
+            <a:bodyPr wrap="square" rtlCol="0">
+              <a:spAutoFit/>
+            </a:bodyPr>
+            <a:lstStyle/>
+            <a:p>
+              <a:pPr algn="r"/>
+              <a:r>
+                <a:rPr lang="en-US" sz="1600" dirty="0">
+                  <a:solidFill>
+                    <a:schemeClr val="bg1"/>
+                  </a:solidFill>
+                </a:rPr>
+                <a:t>a010x075Y2</a:t>
+              </a:r>
+            </a:p>
+          </p:txBody>
+        </p:sp>
+      </p:grpSp>
+      <p:grpSp>
+        <p:nvGrpSpPr>
+          <p:cNvPr id="22" name="Group 21">
+            <a:extLst>
+              <a:ext uri="{FF2B5EF4-FFF2-40B4-BE49-F238E27FC236}">
+                <a16:creationId xmlns:a16="http://schemas.microsoft.com/office/drawing/2014/main" id="{0F60A013-DEB0-67DA-426C-BC415D091107}"/>
+              </a:ext>
+            </a:extLst>
+          </p:cNvPr>
+          <p:cNvGrpSpPr/>
+          <p:nvPr/>
+        </p:nvGrpSpPr>
+        <p:grpSpPr>
+          <a:xfrm>
+            <a:off x="3619500" y="2784421"/>
+            <a:ext cx="3119967" cy="1952522"/>
+            <a:chOff x="3619500" y="2784421"/>
+            <a:chExt cx="3119967" cy="1952522"/>
+          </a:xfrm>
+        </p:grpSpPr>
+        <p:pic>
+          <p:nvPicPr>
+            <p:cNvPr id="20" name="Picture 19">
+              <a:extLst>
+                <a:ext uri="{FF2B5EF4-FFF2-40B4-BE49-F238E27FC236}">
+                  <a16:creationId xmlns:a16="http://schemas.microsoft.com/office/drawing/2014/main" id="{CD2C9551-D86C-FE5E-3C01-0620304C90FB}"/>
+                </a:ext>
+              </a:extLst>
+            </p:cNvPr>
+            <p:cNvPicPr>
+              <a:picLocks noChangeAspect="1"/>
+            </p:cNvPicPr>
+            <p:nvPr/>
+          </p:nvPicPr>
+          <p:blipFill>
+            <a:blip r:embed="rId6"/>
+            <a:stretch>
+              <a:fillRect/>
+            </a:stretch>
+          </p:blipFill>
+          <p:spPr>
+            <a:xfrm>
+              <a:off x="3619500" y="2784421"/>
+              <a:ext cx="3119967" cy="1952522"/>
+            </a:xfrm>
+            <a:prstGeom prst="rect">
+              <a:avLst/>
+            </a:prstGeom>
+          </p:spPr>
+        </p:pic>
+        <p:sp>
+          <p:nvSpPr>
+            <p:cNvPr id="21" name="TextBox 20">
+              <a:extLst>
+                <a:ext uri="{FF2B5EF4-FFF2-40B4-BE49-F238E27FC236}">
+                  <a16:creationId xmlns:a16="http://schemas.microsoft.com/office/drawing/2014/main" id="{3DA90E3D-76A5-763F-130E-7FEF9F936B56}"/>
+                </a:ext>
+              </a:extLst>
+            </p:cNvPr>
+            <p:cNvSpPr txBox="1"/>
+            <p:nvPr/>
+          </p:nvSpPr>
+          <p:spPr>
+            <a:xfrm>
+              <a:off x="5266267" y="2880801"/>
+              <a:ext cx="1404812" cy="338554"/>
+            </a:xfrm>
+            <a:prstGeom prst="rect">
+              <a:avLst/>
+            </a:prstGeom>
+            <a:noFill/>
+          </p:spPr>
+          <p:txBody>
+            <a:bodyPr wrap="square" rtlCol="0">
+              <a:spAutoFit/>
+            </a:bodyPr>
+            <a:lstStyle/>
+            <a:p>
+              <a:pPr algn="r"/>
+              <a:r>
+                <a:rPr lang="en-US" sz="1600" dirty="0">
+                  <a:solidFill>
+                    <a:schemeClr val="bg1"/>
+                  </a:solidFill>
+                </a:rPr>
+                <a:t>a010x075Y5</a:t>
+              </a:r>
+            </a:p>
+          </p:txBody>
+        </p:sp>
+      </p:grpSp>
+      <p:grpSp>
+        <p:nvGrpSpPr>
+          <p:cNvPr id="26" name="Group 25">
+            <a:extLst>
+              <a:ext uri="{FF2B5EF4-FFF2-40B4-BE49-F238E27FC236}">
+                <a16:creationId xmlns:a16="http://schemas.microsoft.com/office/drawing/2014/main" id="{37D67FCE-99D1-E887-B126-049948A82ADE}"/>
+              </a:ext>
+            </a:extLst>
+          </p:cNvPr>
+          <p:cNvGrpSpPr/>
+          <p:nvPr/>
+        </p:nvGrpSpPr>
+        <p:grpSpPr>
+          <a:xfrm>
+            <a:off x="3643208" y="4611553"/>
+            <a:ext cx="3096259" cy="1952522"/>
+            <a:chOff x="3643208" y="4611553"/>
+            <a:chExt cx="3096259" cy="1952522"/>
+          </a:xfrm>
+        </p:grpSpPr>
+        <p:pic>
+          <p:nvPicPr>
+            <p:cNvPr id="24" name="Picture 23">
+              <a:extLst>
+                <a:ext uri="{FF2B5EF4-FFF2-40B4-BE49-F238E27FC236}">
+                  <a16:creationId xmlns:a16="http://schemas.microsoft.com/office/drawing/2014/main" id="{B33240DC-2A4A-7FC9-93E4-3DE62197F4A0}"/>
+                </a:ext>
+              </a:extLst>
+            </p:cNvPr>
+            <p:cNvPicPr>
+              <a:picLocks noChangeAspect="1"/>
+            </p:cNvPicPr>
+            <p:nvPr/>
+          </p:nvPicPr>
+          <p:blipFill>
+            <a:blip r:embed="rId7"/>
+            <a:stretch>
+              <a:fillRect/>
+            </a:stretch>
+          </p:blipFill>
+          <p:spPr>
+            <a:xfrm>
+              <a:off x="3643208" y="4611553"/>
+              <a:ext cx="3096259" cy="1952522"/>
+            </a:xfrm>
+            <a:prstGeom prst="rect">
+              <a:avLst/>
+            </a:prstGeom>
+          </p:spPr>
+        </p:pic>
+        <p:sp>
+          <p:nvSpPr>
+            <p:cNvPr id="25" name="TextBox 24">
+              <a:extLst>
+                <a:ext uri="{FF2B5EF4-FFF2-40B4-BE49-F238E27FC236}">
+                  <a16:creationId xmlns:a16="http://schemas.microsoft.com/office/drawing/2014/main" id="{040A81A1-BF0A-E34C-1266-179C3EF9AAAF}"/>
+                </a:ext>
+              </a:extLst>
+            </p:cNvPr>
+            <p:cNvSpPr txBox="1"/>
+            <p:nvPr/>
+          </p:nvSpPr>
+          <p:spPr>
+            <a:xfrm>
+              <a:off x="5266267" y="4664046"/>
+              <a:ext cx="1404812" cy="338554"/>
+            </a:xfrm>
+            <a:prstGeom prst="rect">
+              <a:avLst/>
+            </a:prstGeom>
+            <a:noFill/>
+          </p:spPr>
+          <p:txBody>
+            <a:bodyPr wrap="square" rtlCol="0">
+              <a:spAutoFit/>
+            </a:bodyPr>
+            <a:lstStyle/>
+            <a:p>
+              <a:pPr algn="r"/>
+              <a:r>
+                <a:rPr lang="en-US" sz="1600" dirty="0">
+                  <a:solidFill>
+                    <a:schemeClr val="bg1"/>
+                  </a:solidFill>
+                </a:rPr>
+                <a:t>a010x075Y10</a:t>
+              </a:r>
+            </a:p>
+          </p:txBody>
+        </p:sp>
+      </p:grpSp>
     </p:spTree>
     <p:extLst>
       <p:ext uri="{BB962C8B-B14F-4D97-AF65-F5344CB8AC3E}">
@@ -11770,7 +12316,7 @@
         </p:blipFill>
         <p:spPr>
           <a:xfrm>
-            <a:off x="762000" y="2136774"/>
+            <a:off x="67733" y="2102908"/>
             <a:ext cx="3601084" cy="3181617"/>
           </a:xfrm>
           <a:prstGeom prst="rect">
@@ -11792,7 +12338,7 @@
         </p:nvSpPr>
         <p:spPr>
           <a:xfrm>
-            <a:off x="1905000" y="1952108"/>
+            <a:off x="1210733" y="1918242"/>
             <a:ext cx="2124075" cy="369332"/>
           </a:xfrm>
           <a:prstGeom prst="rect">
@@ -11852,6 +12398,146 @@
           </a:prstGeom>
         </p:spPr>
       </p:pic>
+      <p:pic>
+        <p:nvPicPr>
+          <p:cNvPr id="4" name="Picture 3">
+            <a:extLst>
+              <a:ext uri="{FF2B5EF4-FFF2-40B4-BE49-F238E27FC236}">
+                <a16:creationId xmlns:a16="http://schemas.microsoft.com/office/drawing/2014/main" id="{3402C466-31FB-C20B-FE10-F4590903B506}"/>
+              </a:ext>
+            </a:extLst>
+          </p:cNvPr>
+          <p:cNvPicPr>
+            <a:picLocks noChangeAspect="1"/>
+          </p:cNvPicPr>
+          <p:nvPr/>
+        </p:nvPicPr>
+        <p:blipFill>
+          <a:blip r:embed="rId4"/>
+          <a:stretch>
+            <a:fillRect/>
+          </a:stretch>
+        </p:blipFill>
+        <p:spPr>
+          <a:xfrm>
+            <a:off x="4267105" y="2219296"/>
+            <a:ext cx="2269256" cy="3474798"/>
+          </a:xfrm>
+          <a:prstGeom prst="rect">
+            <a:avLst/>
+          </a:prstGeom>
+        </p:spPr>
+      </p:pic>
+      <p:pic>
+        <p:nvPicPr>
+          <p:cNvPr id="8" name="Picture 7">
+            <a:extLst>
+              <a:ext uri="{FF2B5EF4-FFF2-40B4-BE49-F238E27FC236}">
+                <a16:creationId xmlns:a16="http://schemas.microsoft.com/office/drawing/2014/main" id="{2781EC39-FF2C-E376-7F1B-CFECC9EBA374}"/>
+              </a:ext>
+            </a:extLst>
+          </p:cNvPr>
+          <p:cNvPicPr>
+            <a:picLocks noChangeAspect="1"/>
+          </p:cNvPicPr>
+          <p:nvPr/>
+        </p:nvPicPr>
+        <p:blipFill>
+          <a:blip r:embed="rId5"/>
+          <a:stretch>
+            <a:fillRect/>
+          </a:stretch>
+        </p:blipFill>
+        <p:spPr>
+          <a:xfrm>
+            <a:off x="7266297" y="2396067"/>
+            <a:ext cx="3030793" cy="3548024"/>
+          </a:xfrm>
+          <a:prstGeom prst="rect">
+            <a:avLst/>
+          </a:prstGeom>
+        </p:spPr>
+      </p:pic>
+      <p:sp>
+        <p:nvSpPr>
+          <p:cNvPr id="10" name="TextBox 9">
+            <a:extLst>
+              <a:ext uri="{FF2B5EF4-FFF2-40B4-BE49-F238E27FC236}">
+                <a16:creationId xmlns:a16="http://schemas.microsoft.com/office/drawing/2014/main" id="{AB63BB78-A038-5F12-1CD3-2FE1BC1E6C7E}"/>
+              </a:ext>
+            </a:extLst>
+          </p:cNvPr>
+          <p:cNvSpPr txBox="1"/>
+          <p:nvPr/>
+        </p:nvSpPr>
+        <p:spPr>
+          <a:xfrm>
+            <a:off x="4477808" y="1909204"/>
+            <a:ext cx="2124075" cy="369332"/>
+          </a:xfrm>
+          <a:prstGeom prst="rect">
+            <a:avLst/>
+          </a:prstGeom>
+          <a:noFill/>
+        </p:spPr>
+        <p:txBody>
+          <a:bodyPr wrap="square" rtlCol="0">
+            <a:spAutoFit/>
+          </a:bodyPr>
+          <a:lstStyle/>
+          <a:p>
+            <a:pPr algn="ctr"/>
+            <a:r>
+              <a:rPr lang="en-US" dirty="0" err="1"/>
+              <a:t>Lxy</a:t>
+            </a:r>
+            <a:r>
+              <a:rPr lang="en-US" dirty="0"/>
+              <a:t> = 10</a:t>
+            </a:r>
+          </a:p>
+        </p:txBody>
+      </p:sp>
+      <p:sp>
+        <p:nvSpPr>
+          <p:cNvPr id="11" name="TextBox 10">
+            <a:extLst>
+              <a:ext uri="{FF2B5EF4-FFF2-40B4-BE49-F238E27FC236}">
+                <a16:creationId xmlns:a16="http://schemas.microsoft.com/office/drawing/2014/main" id="{B60AA9C2-1426-5048-A0CF-AAB1CD7BC91E}"/>
+              </a:ext>
+            </a:extLst>
+          </p:cNvPr>
+          <p:cNvSpPr txBox="1"/>
+          <p:nvPr/>
+        </p:nvSpPr>
+        <p:spPr>
+          <a:xfrm>
+            <a:off x="7835811" y="1918242"/>
+            <a:ext cx="2124075" cy="369332"/>
+          </a:xfrm>
+          <a:prstGeom prst="rect">
+            <a:avLst/>
+          </a:prstGeom>
+          <a:noFill/>
+        </p:spPr>
+        <p:txBody>
+          <a:bodyPr wrap="square" rtlCol="0">
+            <a:spAutoFit/>
+          </a:bodyPr>
+          <a:lstStyle/>
+          <a:p>
+            <a:pPr algn="ctr"/>
+            <a:r>
+              <a:rPr lang="en-US" dirty="0" err="1"/>
+              <a:t>Lxy</a:t>
+            </a:r>
+            <a:r>
+              <a:rPr lang="en-US" dirty="0"/>
+              <a:t> = 15</a:t>
+            </a:r>
+          </a:p>
+        </p:txBody>
+      </p:sp>
     </p:spTree>
     <p:extLst>
       <p:ext uri="{BB962C8B-B14F-4D97-AF65-F5344CB8AC3E}">

--- a/SYSG3.pptx
+++ b/SYSG3.pptx
@@ -12316,8 +12316,8 @@
         </p:blipFill>
         <p:spPr>
           <a:xfrm>
-            <a:off x="67733" y="2102908"/>
-            <a:ext cx="3601084" cy="3181617"/>
+            <a:off x="556421" y="3488267"/>
+            <a:ext cx="2778387" cy="2454751"/>
           </a:xfrm>
           <a:prstGeom prst="rect">
             <a:avLst/>
@@ -12398,12 +12398,92 @@
           </a:prstGeom>
         </p:spPr>
       </p:pic>
+      <p:sp>
+        <p:nvSpPr>
+          <p:cNvPr id="10" name="TextBox 9">
+            <a:extLst>
+              <a:ext uri="{FF2B5EF4-FFF2-40B4-BE49-F238E27FC236}">
+                <a16:creationId xmlns:a16="http://schemas.microsoft.com/office/drawing/2014/main" id="{AB63BB78-A038-5F12-1CD3-2FE1BC1E6C7E}"/>
+              </a:ext>
+            </a:extLst>
+          </p:cNvPr>
+          <p:cNvSpPr txBox="1"/>
+          <p:nvPr/>
+        </p:nvSpPr>
+        <p:spPr>
+          <a:xfrm>
+            <a:off x="4477808" y="1909204"/>
+            <a:ext cx="2124075" cy="369332"/>
+          </a:xfrm>
+          <a:prstGeom prst="rect">
+            <a:avLst/>
+          </a:prstGeom>
+          <a:noFill/>
+        </p:spPr>
+        <p:txBody>
+          <a:bodyPr wrap="square" rtlCol="0">
+            <a:spAutoFit/>
+          </a:bodyPr>
+          <a:lstStyle/>
+          <a:p>
+            <a:pPr algn="ctr"/>
+            <a:r>
+              <a:rPr lang="en-US" dirty="0" err="1"/>
+              <a:t>Lxy</a:t>
+            </a:r>
+            <a:r>
+              <a:rPr lang="en-US" dirty="0"/>
+              <a:t> = 10</a:t>
+            </a:r>
+          </a:p>
+        </p:txBody>
+      </p:sp>
+      <p:sp>
+        <p:nvSpPr>
+          <p:cNvPr id="11" name="TextBox 10">
+            <a:extLst>
+              <a:ext uri="{FF2B5EF4-FFF2-40B4-BE49-F238E27FC236}">
+                <a16:creationId xmlns:a16="http://schemas.microsoft.com/office/drawing/2014/main" id="{B60AA9C2-1426-5048-A0CF-AAB1CD7BC91E}"/>
+              </a:ext>
+            </a:extLst>
+          </p:cNvPr>
+          <p:cNvSpPr txBox="1"/>
+          <p:nvPr/>
+        </p:nvSpPr>
+        <p:spPr>
+          <a:xfrm>
+            <a:off x="7835811" y="1918242"/>
+            <a:ext cx="2124075" cy="369332"/>
+          </a:xfrm>
+          <a:prstGeom prst="rect">
+            <a:avLst/>
+          </a:prstGeom>
+          <a:noFill/>
+        </p:spPr>
+        <p:txBody>
+          <a:bodyPr wrap="square" rtlCol="0">
+            <a:spAutoFit/>
+          </a:bodyPr>
+          <a:lstStyle/>
+          <a:p>
+            <a:pPr algn="ctr"/>
+            <a:r>
+              <a:rPr lang="en-US" dirty="0" err="1"/>
+              <a:t>Lxy</a:t>
+            </a:r>
+            <a:r>
+              <a:rPr lang="en-US" dirty="0"/>
+              <a:t> = 15</a:t>
+            </a:r>
+          </a:p>
+        </p:txBody>
+      </p:sp>
       <p:pic>
         <p:nvPicPr>
-          <p:cNvPr id="4" name="Picture 3">
-            <a:extLst>
-              <a:ext uri="{FF2B5EF4-FFF2-40B4-BE49-F238E27FC236}">
-                <a16:creationId xmlns:a16="http://schemas.microsoft.com/office/drawing/2014/main" id="{3402C466-31FB-C20B-FE10-F4590903B506}"/>
+          <p:cNvPr id="13" name="Picture 12">
+            <a:extLst>
+              <a:ext uri="{FF2B5EF4-FFF2-40B4-BE49-F238E27FC236}">
+                <a16:creationId xmlns:a16="http://schemas.microsoft.com/office/drawing/2014/main" id="{85AE3E8F-64BE-13BD-179F-FDF3DBE70DA1}"/>
               </a:ext>
             </a:extLst>
           </p:cNvPr>
@@ -12420,8 +12500,8 @@
         </p:blipFill>
         <p:spPr>
           <a:xfrm>
-            <a:off x="4267105" y="2219296"/>
-            <a:ext cx="2269256" cy="3474798"/>
+            <a:off x="7596628" y="3010254"/>
+            <a:ext cx="2496276" cy="3120345"/>
           </a:xfrm>
           <a:prstGeom prst="rect">
             <a:avLst/>
@@ -12430,10 +12510,10 @@
       </p:pic>
       <p:pic>
         <p:nvPicPr>
-          <p:cNvPr id="8" name="Picture 7">
-            <a:extLst>
-              <a:ext uri="{FF2B5EF4-FFF2-40B4-BE49-F238E27FC236}">
-                <a16:creationId xmlns:a16="http://schemas.microsoft.com/office/drawing/2014/main" id="{2781EC39-FF2C-E376-7F1B-CFECC9EBA374}"/>
+          <p:cNvPr id="15" name="Picture 14">
+            <a:extLst>
+              <a:ext uri="{FF2B5EF4-FFF2-40B4-BE49-F238E27FC236}">
+                <a16:creationId xmlns:a16="http://schemas.microsoft.com/office/drawing/2014/main" id="{B41E615B-3BEA-0CAB-DF78-CF525F9742FF}"/>
               </a:ext>
             </a:extLst>
           </p:cNvPr>
@@ -12450,94 +12530,14 @@
         </p:blipFill>
         <p:spPr>
           <a:xfrm>
-            <a:off x="7266297" y="2396067"/>
-            <a:ext cx="3030793" cy="3548024"/>
+            <a:off x="4217580" y="2487626"/>
+            <a:ext cx="2496276" cy="3599048"/>
           </a:xfrm>
           <a:prstGeom prst="rect">
             <a:avLst/>
           </a:prstGeom>
         </p:spPr>
       </p:pic>
-      <p:sp>
-        <p:nvSpPr>
-          <p:cNvPr id="10" name="TextBox 9">
-            <a:extLst>
-              <a:ext uri="{FF2B5EF4-FFF2-40B4-BE49-F238E27FC236}">
-                <a16:creationId xmlns:a16="http://schemas.microsoft.com/office/drawing/2014/main" id="{AB63BB78-A038-5F12-1CD3-2FE1BC1E6C7E}"/>
-              </a:ext>
-            </a:extLst>
-          </p:cNvPr>
-          <p:cNvSpPr txBox="1"/>
-          <p:nvPr/>
-        </p:nvSpPr>
-        <p:spPr>
-          <a:xfrm>
-            <a:off x="4477808" y="1909204"/>
-            <a:ext cx="2124075" cy="369332"/>
-          </a:xfrm>
-          <a:prstGeom prst="rect">
-            <a:avLst/>
-          </a:prstGeom>
-          <a:noFill/>
-        </p:spPr>
-        <p:txBody>
-          <a:bodyPr wrap="square" rtlCol="0">
-            <a:spAutoFit/>
-          </a:bodyPr>
-          <a:lstStyle/>
-          <a:p>
-            <a:pPr algn="ctr"/>
-            <a:r>
-              <a:rPr lang="en-US" dirty="0" err="1"/>
-              <a:t>Lxy</a:t>
-            </a:r>
-            <a:r>
-              <a:rPr lang="en-US" dirty="0"/>
-              <a:t> = 10</a:t>
-            </a:r>
-          </a:p>
-        </p:txBody>
-      </p:sp>
-      <p:sp>
-        <p:nvSpPr>
-          <p:cNvPr id="11" name="TextBox 10">
-            <a:extLst>
-              <a:ext uri="{FF2B5EF4-FFF2-40B4-BE49-F238E27FC236}">
-                <a16:creationId xmlns:a16="http://schemas.microsoft.com/office/drawing/2014/main" id="{B60AA9C2-1426-5048-A0CF-AAB1CD7BC91E}"/>
-              </a:ext>
-            </a:extLst>
-          </p:cNvPr>
-          <p:cNvSpPr txBox="1"/>
-          <p:nvPr/>
-        </p:nvSpPr>
-        <p:spPr>
-          <a:xfrm>
-            <a:off x="7835811" y="1918242"/>
-            <a:ext cx="2124075" cy="369332"/>
-          </a:xfrm>
-          <a:prstGeom prst="rect">
-            <a:avLst/>
-          </a:prstGeom>
-          <a:noFill/>
-        </p:spPr>
-        <p:txBody>
-          <a:bodyPr wrap="square" rtlCol="0">
-            <a:spAutoFit/>
-          </a:bodyPr>
-          <a:lstStyle/>
-          <a:p>
-            <a:pPr algn="ctr"/>
-            <a:r>
-              <a:rPr lang="en-US" dirty="0" err="1"/>
-              <a:t>Lxy</a:t>
-            </a:r>
-            <a:r>
-              <a:rPr lang="en-US" dirty="0"/>
-              <a:t> = 15</a:t>
-            </a:r>
-          </a:p>
-        </p:txBody>
-      </p:sp>
     </p:spTree>
     <p:extLst>
       <p:ext uri="{BB962C8B-B14F-4D97-AF65-F5344CB8AC3E}">

--- a/SYSG3.pptx
+++ b/SYSG3.pptx
@@ -12279,7 +12279,7 @@
         </p:nvSpPr>
         <p:spPr>
           <a:xfrm>
-            <a:off x="838200" y="66675"/>
+            <a:off x="838200" y="319573"/>
             <a:ext cx="10515600" cy="777875"/>
           </a:xfrm>
         </p:spPr>

--- a/SYSG3.pptx
+++ b/SYSG3.pptx
@@ -12,13 +12,12 @@
     <p:sldId id="269" r:id="rId6"/>
     <p:sldId id="270" r:id="rId7"/>
     <p:sldId id="275" r:id="rId8"/>
-    <p:sldId id="273" r:id="rId9"/>
-    <p:sldId id="267" r:id="rId10"/>
-    <p:sldId id="266" r:id="rId11"/>
-    <p:sldId id="265" r:id="rId12"/>
-    <p:sldId id="258" r:id="rId13"/>
-    <p:sldId id="263" r:id="rId14"/>
-    <p:sldId id="264" r:id="rId15"/>
+    <p:sldId id="267" r:id="rId9"/>
+    <p:sldId id="266" r:id="rId10"/>
+    <p:sldId id="265" r:id="rId11"/>
+    <p:sldId id="258" r:id="rId12"/>
+    <p:sldId id="263" r:id="rId13"/>
+    <p:sldId id="264" r:id="rId14"/>
   </p:sldIdLst>
   <p:sldSz cx="12192000" cy="6858000"/>
   <p:notesSz cx="6858000" cy="9144000"/>
@@ -3407,7 +3406,7 @@
           <p:cNvPr id="2" name="Title 1">
             <a:extLst>
               <a:ext uri="{FF2B5EF4-FFF2-40B4-BE49-F238E27FC236}">
-                <a16:creationId xmlns:a16="http://schemas.microsoft.com/office/drawing/2014/main" id="{EC7A1061-086B-35E4-61C1-83C328D5548E}"/>
+                <a16:creationId xmlns:a16="http://schemas.microsoft.com/office/drawing/2014/main" id="{A3926BC3-A860-346A-4F58-1EE4C3E7FB0F}"/>
               </a:ext>
             </a:extLst>
           </p:cNvPr>
@@ -3425,7 +3424,7 @@
           <a:p>
             <a:r>
               <a:rPr lang="en-US" dirty="0"/>
-              <a:t>Strategy</a:t>
+              <a:t>Test conditions</a:t>
             </a:r>
           </a:p>
         </p:txBody>
@@ -3435,7 +3434,7 @@
           <p:cNvPr id="3" name="TextBox 2">
             <a:extLst>
               <a:ext uri="{FF2B5EF4-FFF2-40B4-BE49-F238E27FC236}">
-                <a16:creationId xmlns:a16="http://schemas.microsoft.com/office/drawing/2014/main" id="{66A4566B-D26D-18F7-2769-748D7813228B}"/>
+                <a16:creationId xmlns:a16="http://schemas.microsoft.com/office/drawing/2014/main" id="{A00B5138-8D53-B196-C54A-B372D20698D0}"/>
               </a:ext>
             </a:extLst>
           </p:cNvPr>
@@ -3444,8 +3443,8 @@
         </p:nvSpPr>
         <p:spPr>
           <a:xfrm>
-            <a:off x="714374" y="1895475"/>
-            <a:ext cx="7810500" cy="646331"/>
+            <a:off x="1192695" y="2186609"/>
+            <a:ext cx="7026965" cy="1200329"/>
           </a:xfrm>
           <a:prstGeom prst="rect">
             <a:avLst/>
@@ -3460,15 +3459,25 @@
           <a:p>
             <a:r>
               <a:rPr lang="en-US" dirty="0"/>
-              <a:t>2D binary array for surface sites of homogeneously grafted polymer given grafting density, simulation box size, and discretization (and assuming dx = </a:t>
-            </a:r>
-            <a:r>
-              <a:rPr lang="en-US" dirty="0" err="1"/>
-              <a:t>dy</a:t>
-            </a:r>
+              <a:t>Sigma = 0.05 c/nm2</a:t>
+            </a:r>
+          </a:p>
+          <a:p>
             <a:r>
               <a:rPr lang="en-US" dirty="0"/>
-              <a:t>)</a:t>
+              <a:t>Lx = 15 nm</a:t>
+            </a:r>
+          </a:p>
+          <a:p>
+            <a:r>
+              <a:rPr lang="en-US" dirty="0"/>
+              <a:t>Ly = 15 nm</a:t>
+            </a:r>
+          </a:p>
+          <a:p>
+            <a:r>
+              <a:rPr lang="en-US" dirty="0"/>
+              <a:t>dx = 0.4 nm</a:t>
             </a:r>
           </a:p>
         </p:txBody>
@@ -3478,7 +3487,7 @@
           <p:cNvPr id="4" name="TextBox 3">
             <a:extLst>
               <a:ext uri="{FF2B5EF4-FFF2-40B4-BE49-F238E27FC236}">
-                <a16:creationId xmlns:a16="http://schemas.microsoft.com/office/drawing/2014/main" id="{14B153E5-948B-4D25-2B1C-2231E4E7EBA6}"/>
+                <a16:creationId xmlns:a16="http://schemas.microsoft.com/office/drawing/2014/main" id="{431FD48E-52DE-AC6E-5D2D-A03BFCBE0CEE}"/>
               </a:ext>
             </a:extLst>
           </p:cNvPr>
@@ -3487,8 +3496,8 @@
         </p:nvSpPr>
         <p:spPr>
           <a:xfrm>
-            <a:off x="714374" y="2776538"/>
-            <a:ext cx="11077575" cy="646331"/>
+            <a:off x="1192694" y="3776869"/>
+            <a:ext cx="7026965" cy="1754326"/>
           </a:xfrm>
           <a:prstGeom prst="rect">
             <a:avLst/>
@@ -3502,163 +3511,35 @@
           <a:lstStyle/>
           <a:p>
             <a:r>
-              <a:rPr lang="en-US" dirty="0" err="1"/>
-              <a:t>Fullspace</a:t>
-            </a:r>
-            <a:r>
               <a:rPr lang="en-US" dirty="0"/>
-              <a:t> must be periodic on x0 = </a:t>
-            </a:r>
-            <a:r>
-              <a:rPr lang="en-US" dirty="0" err="1"/>
-              <a:t>xL</a:t>
-            </a:r>
+              <a:t>Cast in terms of dx (for rounding and PBC for grafting points): </a:t>
+            </a:r>
+          </a:p>
+          <a:p>
             <a:r>
               <a:rPr lang="en-US" dirty="0"/>
-              <a:t>, y0 = </a:t>
-            </a:r>
-            <a:r>
-              <a:rPr lang="en-US" dirty="0" err="1"/>
-              <a:t>yL</a:t>
-            </a:r>
+              <a:t>	Sigma = 0.0668 c/nm2</a:t>
+            </a:r>
+          </a:p>
+          <a:p>
+            <a:r>
+              <a:rPr lang="en-US" dirty="0"/>
+              <a:t>	Lx = 14.80 nm</a:t>
+            </a:r>
+          </a:p>
+          <a:p>
+            <a:r>
+              <a:rPr lang="en-US" dirty="0"/>
+              <a:t>	Ly = 11.20 nm</a:t>
+            </a:r>
+          </a:p>
+          <a:p>
             <a:endParaRPr lang="en-US" dirty="0"/>
           </a:p>
           <a:p>
             <a:r>
-              <a:rPr lang="en-US" dirty="0" err="1"/>
-              <a:t>Halfspace</a:t>
-            </a:r>
-            <a:r>
               <a:rPr lang="en-US" dirty="0"/>
-              <a:t> must be even on </a:t>
-            </a:r>
-            <a:r>
-              <a:rPr lang="en-US" dirty="0" err="1"/>
-              <a:t>xL</a:t>
-            </a:r>
-            <a:r>
-              <a:rPr lang="en-US" dirty="0"/>
-              <a:t>/2 and </a:t>
-            </a:r>
-            <a:r>
-              <a:rPr lang="en-US" dirty="0" err="1"/>
-              <a:t>yL</a:t>
-            </a:r>
-            <a:r>
-              <a:rPr lang="en-US" dirty="0"/>
-              <a:t>/2 (overlap of boundary following REDFT00) and periodic on x0 = </a:t>
-            </a:r>
-            <a:r>
-              <a:rPr lang="en-US" dirty="0" err="1"/>
-              <a:t>xL</a:t>
-            </a:r>
-            <a:r>
-              <a:rPr lang="en-US" dirty="0"/>
-              <a:t>, y0 = </a:t>
-            </a:r>
-            <a:r>
-              <a:rPr lang="en-US" dirty="0" err="1"/>
-              <a:t>yL</a:t>
-            </a:r>
-            <a:r>
-              <a:rPr lang="en-US" dirty="0"/>
-              <a:t>.</a:t>
-            </a:r>
-          </a:p>
-        </p:txBody>
-      </p:sp>
-      <p:sp>
-        <p:nvSpPr>
-          <p:cNvPr id="5" name="TextBox 4">
-            <a:extLst>
-              <a:ext uri="{FF2B5EF4-FFF2-40B4-BE49-F238E27FC236}">
-                <a16:creationId xmlns:a16="http://schemas.microsoft.com/office/drawing/2014/main" id="{97078C71-47DB-0D25-8BE5-AD0C9CC3C9FD}"/>
-              </a:ext>
-            </a:extLst>
-          </p:cNvPr>
-          <p:cNvSpPr txBox="1"/>
-          <p:nvPr/>
-        </p:nvSpPr>
-        <p:spPr>
-          <a:xfrm>
-            <a:off x="714373" y="3812426"/>
-            <a:ext cx="11077575" cy="369332"/>
-          </a:xfrm>
-          <a:prstGeom prst="rect">
-            <a:avLst/>
-          </a:prstGeom>
-          <a:noFill/>
-        </p:spPr>
-        <p:txBody>
-          <a:bodyPr wrap="square" rtlCol="0">
-            <a:spAutoFit/>
-          </a:bodyPr>
-          <a:lstStyle/>
-          <a:p>
-            <a:r>
-              <a:rPr lang="en-US" dirty="0"/>
-              <a:t>Homogeneous spacing as determined by regular hexagon, where grafting point at centroid of hexagon</a:t>
-            </a:r>
-          </a:p>
-        </p:txBody>
-      </p:sp>
-      <p:sp>
-        <p:nvSpPr>
-          <p:cNvPr id="6" name="TextBox 5">
-            <a:extLst>
-              <a:ext uri="{FF2B5EF4-FFF2-40B4-BE49-F238E27FC236}">
-                <a16:creationId xmlns:a16="http://schemas.microsoft.com/office/drawing/2014/main" id="{067DDA30-EAF3-09E5-D289-BD5F06EA216D}"/>
-              </a:ext>
-            </a:extLst>
-          </p:cNvPr>
-          <p:cNvSpPr txBox="1"/>
-          <p:nvPr/>
-        </p:nvSpPr>
-        <p:spPr>
-          <a:xfrm>
-            <a:off x="714372" y="4508719"/>
-            <a:ext cx="11077575" cy="923330"/>
-          </a:xfrm>
-          <a:prstGeom prst="rect">
-            <a:avLst/>
-          </a:prstGeom>
-          <a:noFill/>
-        </p:spPr>
-        <p:txBody>
-          <a:bodyPr wrap="square" rtlCol="0">
-            <a:spAutoFit/>
-          </a:bodyPr>
-          <a:lstStyle/>
-          <a:p>
-            <a:r>
-              <a:rPr lang="en-US" dirty="0"/>
-              <a:t>In case there are edge effects, try shifting the centroids away from the boundaries of the </a:t>
-            </a:r>
-            <a:r>
-              <a:rPr lang="en-US" dirty="0" err="1"/>
-              <a:t>xy</a:t>
-            </a:r>
-            <a:r>
-              <a:rPr lang="en-US" dirty="0"/>
-              <a:t>-plane (only did for </a:t>
-            </a:r>
-            <a:r>
-              <a:rPr lang="en-US" dirty="0" err="1"/>
-              <a:t>fullspace</a:t>
-            </a:r>
-            <a:r>
-              <a:rPr lang="en-US" dirty="0"/>
-              <a:t>)</a:t>
-            </a:r>
-          </a:p>
-          <a:p>
-            <a:pPr marL="285750" indent="-285750">
-              <a:buFont typeface="Arial" panose="020B0604020202020204" pitchFamily="34" charset="0"/>
-              <a:buChar char="•"/>
-            </a:pPr>
-            <a:r>
-              <a:rPr lang="en-US" dirty="0"/>
-              <a:t>Make sure no edge effects by comparing results of full FFT with cos FFT</a:t>
+              <a:t>(Sigma error decrease with dx)</a:t>
             </a:r>
           </a:p>
         </p:txBody>
@@ -3666,7 +3547,7 @@
     </p:spTree>
     <p:extLst>
       <p:ext uri="{BB962C8B-B14F-4D97-AF65-F5344CB8AC3E}">
-        <p14:creationId xmlns:p14="http://schemas.microsoft.com/office/powerpoint/2010/main" val="1764039423"/>
+        <p14:creationId xmlns:p14="http://schemas.microsoft.com/office/powerpoint/2010/main" val="782308025"/>
       </p:ext>
     </p:extLst>
   </p:cSld>
@@ -3693,179 +3574,6 @@
           <a:chExt cx="0" cy="0"/>
         </a:xfrm>
       </p:grpSpPr>
-      <p:sp>
-        <p:nvSpPr>
-          <p:cNvPr id="2" name="Title 1">
-            <a:extLst>
-              <a:ext uri="{FF2B5EF4-FFF2-40B4-BE49-F238E27FC236}">
-                <a16:creationId xmlns:a16="http://schemas.microsoft.com/office/drawing/2014/main" id="{A3926BC3-A860-346A-4F58-1EE4C3E7FB0F}"/>
-              </a:ext>
-            </a:extLst>
-          </p:cNvPr>
-          <p:cNvSpPr>
-            <a:spLocks noGrp="1"/>
-          </p:cNvSpPr>
-          <p:nvPr>
-            <p:ph type="title"/>
-          </p:nvPr>
-        </p:nvSpPr>
-        <p:spPr/>
-        <p:txBody>
-          <a:bodyPr/>
-          <a:lstStyle/>
-          <a:p>
-            <a:r>
-              <a:rPr lang="en-US" dirty="0"/>
-              <a:t>Test conditions</a:t>
-            </a:r>
-          </a:p>
-        </p:txBody>
-      </p:sp>
-      <p:sp>
-        <p:nvSpPr>
-          <p:cNvPr id="3" name="TextBox 2">
-            <a:extLst>
-              <a:ext uri="{FF2B5EF4-FFF2-40B4-BE49-F238E27FC236}">
-                <a16:creationId xmlns:a16="http://schemas.microsoft.com/office/drawing/2014/main" id="{A00B5138-8D53-B196-C54A-B372D20698D0}"/>
-              </a:ext>
-            </a:extLst>
-          </p:cNvPr>
-          <p:cNvSpPr txBox="1"/>
-          <p:nvPr/>
-        </p:nvSpPr>
-        <p:spPr>
-          <a:xfrm>
-            <a:off x="1192695" y="2186609"/>
-            <a:ext cx="7026965" cy="1200329"/>
-          </a:xfrm>
-          <a:prstGeom prst="rect">
-            <a:avLst/>
-          </a:prstGeom>
-          <a:noFill/>
-        </p:spPr>
-        <p:txBody>
-          <a:bodyPr wrap="square" rtlCol="0">
-            <a:spAutoFit/>
-          </a:bodyPr>
-          <a:lstStyle/>
-          <a:p>
-            <a:r>
-              <a:rPr lang="en-US" dirty="0"/>
-              <a:t>Sigma = 0.05 c/nm2</a:t>
-            </a:r>
-          </a:p>
-          <a:p>
-            <a:r>
-              <a:rPr lang="en-US" dirty="0"/>
-              <a:t>Lx = 15 nm</a:t>
-            </a:r>
-          </a:p>
-          <a:p>
-            <a:r>
-              <a:rPr lang="en-US" dirty="0"/>
-              <a:t>Ly = 15 nm</a:t>
-            </a:r>
-          </a:p>
-          <a:p>
-            <a:r>
-              <a:rPr lang="en-US" dirty="0"/>
-              <a:t>dx = 0.4 nm</a:t>
-            </a:r>
-          </a:p>
-        </p:txBody>
-      </p:sp>
-      <p:sp>
-        <p:nvSpPr>
-          <p:cNvPr id="4" name="TextBox 3">
-            <a:extLst>
-              <a:ext uri="{FF2B5EF4-FFF2-40B4-BE49-F238E27FC236}">
-                <a16:creationId xmlns:a16="http://schemas.microsoft.com/office/drawing/2014/main" id="{431FD48E-52DE-AC6E-5D2D-A03BFCBE0CEE}"/>
-              </a:ext>
-            </a:extLst>
-          </p:cNvPr>
-          <p:cNvSpPr txBox="1"/>
-          <p:nvPr/>
-        </p:nvSpPr>
-        <p:spPr>
-          <a:xfrm>
-            <a:off x="1192694" y="3776869"/>
-            <a:ext cx="7026965" cy="1754326"/>
-          </a:xfrm>
-          <a:prstGeom prst="rect">
-            <a:avLst/>
-          </a:prstGeom>
-          <a:noFill/>
-        </p:spPr>
-        <p:txBody>
-          <a:bodyPr wrap="square" rtlCol="0">
-            <a:spAutoFit/>
-          </a:bodyPr>
-          <a:lstStyle/>
-          <a:p>
-            <a:r>
-              <a:rPr lang="en-US" dirty="0"/>
-              <a:t>Cast in terms of dx (for rounding and PBC for grafting points): </a:t>
-            </a:r>
-          </a:p>
-          <a:p>
-            <a:r>
-              <a:rPr lang="en-US" dirty="0"/>
-              <a:t>	Sigma = 0.0668 c/nm2</a:t>
-            </a:r>
-          </a:p>
-          <a:p>
-            <a:r>
-              <a:rPr lang="en-US" dirty="0"/>
-              <a:t>	Lx = 14.80 nm</a:t>
-            </a:r>
-          </a:p>
-          <a:p>
-            <a:r>
-              <a:rPr lang="en-US" dirty="0"/>
-              <a:t>	Ly = 11.20 nm</a:t>
-            </a:r>
-          </a:p>
-          <a:p>
-            <a:endParaRPr lang="en-US" dirty="0"/>
-          </a:p>
-          <a:p>
-            <a:r>
-              <a:rPr lang="en-US" dirty="0"/>
-              <a:t>(Sigma error decrease with dx)</a:t>
-            </a:r>
-          </a:p>
-        </p:txBody>
-      </p:sp>
-    </p:spTree>
-    <p:extLst>
-      <p:ext uri="{BB962C8B-B14F-4D97-AF65-F5344CB8AC3E}">
-        <p14:creationId xmlns:p14="http://schemas.microsoft.com/office/powerpoint/2010/main" val="782308025"/>
-      </p:ext>
-    </p:extLst>
-  </p:cSld>
-  <p:clrMapOvr>
-    <a:masterClrMapping/>
-  </p:clrMapOvr>
-</p:sld>
-</file>
-
-<file path=ppt/slides/slide12.xml><?xml version="1.0" encoding="utf-8"?>
-<p:sld xmlns:a="http://schemas.openxmlformats.org/drawingml/2006/main" xmlns:r="http://schemas.openxmlformats.org/officeDocument/2006/relationships" xmlns:p="http://schemas.openxmlformats.org/presentationml/2006/main">
-  <p:cSld>
-    <p:spTree>
-      <p:nvGrpSpPr>
-        <p:cNvPr id="1" name=""/>
-        <p:cNvGrpSpPr/>
-        <p:nvPr/>
-      </p:nvGrpSpPr>
-      <p:grpSpPr>
-        <a:xfrm>
-          <a:off x="0" y="0"/>
-          <a:ext cx="0" cy="0"/>
-          <a:chOff x="0" y="0"/>
-          <a:chExt cx="0" cy="0"/>
-        </a:xfrm>
-      </p:grpSpPr>
       <p:pic>
         <p:nvPicPr>
           <p:cNvPr id="2" name="Picture 8">
@@ -6031,7 +5739,7 @@
 </p:sld>
 </file>
 
-<file path=ppt/slides/slide13.xml><?xml version="1.0" encoding="utf-8"?>
+<file path=ppt/slides/slide12.xml><?xml version="1.0" encoding="utf-8"?>
 <p:sld xmlns:a="http://schemas.openxmlformats.org/drawingml/2006/main" xmlns:r="http://schemas.openxmlformats.org/officeDocument/2006/relationships" xmlns:p="http://schemas.openxmlformats.org/presentationml/2006/main">
   <p:cSld>
     <p:spTree>
@@ -8553,7 +8261,7 @@
 </p:sld>
 </file>
 
-<file path=ppt/slides/slide14.xml><?xml version="1.0" encoding="utf-8"?>
+<file path=ppt/slides/slide13.xml><?xml version="1.0" encoding="utf-8"?>
 <p:sld xmlns:a="http://schemas.openxmlformats.org/drawingml/2006/main" xmlns:r="http://schemas.openxmlformats.org/officeDocument/2006/relationships" xmlns:p="http://schemas.openxmlformats.org/presentationml/2006/main">
   <p:cSld>
     <p:spTree>
@@ -12294,12 +12002,56 @@
           </a:p>
         </p:txBody>
       </p:sp>
+      <p:sp>
+        <p:nvSpPr>
+          <p:cNvPr id="7" name="TextBox 6">
+            <a:extLst>
+              <a:ext uri="{FF2B5EF4-FFF2-40B4-BE49-F238E27FC236}">
+                <a16:creationId xmlns:a16="http://schemas.microsoft.com/office/drawing/2014/main" id="{AF2E57FD-FD23-4059-E055-26E7B9F0C5ED}"/>
+              </a:ext>
+            </a:extLst>
+          </p:cNvPr>
+          <p:cNvSpPr txBox="1"/>
+          <p:nvPr/>
+        </p:nvSpPr>
+        <p:spPr>
+          <a:xfrm>
+            <a:off x="1210733" y="1918242"/>
+            <a:ext cx="2124075" cy="369332"/>
+          </a:xfrm>
+          <a:prstGeom prst="rect">
+            <a:avLst/>
+          </a:prstGeom>
+          <a:noFill/>
+        </p:spPr>
+        <p:txBody>
+          <a:bodyPr wrap="square" rtlCol="0">
+            <a:spAutoFit/>
+          </a:bodyPr>
+          <a:lstStyle/>
+          <a:p>
+            <a:pPr algn="ctr"/>
+            <a:r>
+              <a:rPr lang="en-US" dirty="0"/>
+              <a:t>a020x075; </a:t>
+            </a:r>
+            <a:r>
+              <a:rPr lang="en-US"/>
+              <a:t>Lxy</a:t>
+            </a:r>
+            <a:r>
+              <a:rPr lang="en-US" dirty="0"/>
+              <a:t> = 5</a:t>
+            </a:r>
+          </a:p>
+        </p:txBody>
+      </p:sp>
       <p:pic>
         <p:nvPicPr>
-          <p:cNvPr id="6" name="Picture 5">
-            <a:extLst>
-              <a:ext uri="{FF2B5EF4-FFF2-40B4-BE49-F238E27FC236}">
-                <a16:creationId xmlns:a16="http://schemas.microsoft.com/office/drawing/2014/main" id="{38C95DCD-3911-0D90-22A2-08FC2DA3CDCD}"/>
+          <p:cNvPr id="9" name="Picture 8">
+            <a:extLst>
+              <a:ext uri="{FF2B5EF4-FFF2-40B4-BE49-F238E27FC236}">
+                <a16:creationId xmlns:a16="http://schemas.microsoft.com/office/drawing/2014/main" id="{38255F1E-07EC-3B42-EA3C-9679AC8BE611}"/>
               </a:ext>
             </a:extLst>
           </p:cNvPr>
@@ -12316,8 +12068,8 @@
         </p:blipFill>
         <p:spPr>
           <a:xfrm>
-            <a:off x="556421" y="3488267"/>
-            <a:ext cx="2778387" cy="2454751"/>
+            <a:off x="11372850" y="1990183"/>
+            <a:ext cx="611229" cy="3474798"/>
           </a:xfrm>
           <a:prstGeom prst="rect">
             <a:avLst/>
@@ -12326,10 +12078,10 @@
       </p:pic>
       <p:sp>
         <p:nvSpPr>
-          <p:cNvPr id="7" name="TextBox 6">
-            <a:extLst>
-              <a:ext uri="{FF2B5EF4-FFF2-40B4-BE49-F238E27FC236}">
-                <a16:creationId xmlns:a16="http://schemas.microsoft.com/office/drawing/2014/main" id="{AF2E57FD-FD23-4059-E055-26E7B9F0C5ED}"/>
+          <p:cNvPr id="10" name="TextBox 9">
+            <a:extLst>
+              <a:ext uri="{FF2B5EF4-FFF2-40B4-BE49-F238E27FC236}">
+                <a16:creationId xmlns:a16="http://schemas.microsoft.com/office/drawing/2014/main" id="{AB63BB78-A038-5F12-1CD3-2FE1BC1E6C7E}"/>
               </a:ext>
             </a:extLst>
           </p:cNvPr>
@@ -12338,7 +12090,7 @@
         </p:nvSpPr>
         <p:spPr>
           <a:xfrm>
-            <a:off x="1210733" y="1918242"/>
+            <a:off x="4356190" y="1918242"/>
             <a:ext cx="2124075" cy="369332"/>
           </a:xfrm>
           <a:prstGeom prst="rect">
@@ -12354,26 +12106,62 @@
           <a:p>
             <a:pPr algn="ctr"/>
             <a:r>
+              <a:rPr lang="en-US" dirty="0" err="1"/>
+              <a:t>Lxy</a:t>
+            </a:r>
+            <a:r>
               <a:rPr lang="en-US" dirty="0"/>
-              <a:t>a020x075; </a:t>
-            </a:r>
+              <a:t> = 10</a:t>
+            </a:r>
+          </a:p>
+        </p:txBody>
+      </p:sp>
+      <p:sp>
+        <p:nvSpPr>
+          <p:cNvPr id="11" name="TextBox 10">
+            <a:extLst>
+              <a:ext uri="{FF2B5EF4-FFF2-40B4-BE49-F238E27FC236}">
+                <a16:creationId xmlns:a16="http://schemas.microsoft.com/office/drawing/2014/main" id="{B60AA9C2-1426-5048-A0CF-AAB1CD7BC91E}"/>
+              </a:ext>
+            </a:extLst>
+          </p:cNvPr>
+          <p:cNvSpPr txBox="1"/>
+          <p:nvPr/>
+        </p:nvSpPr>
+        <p:spPr>
+          <a:xfrm>
+            <a:off x="7988211" y="1918242"/>
+            <a:ext cx="2124075" cy="369332"/>
+          </a:xfrm>
+          <a:prstGeom prst="rect">
+            <a:avLst/>
+          </a:prstGeom>
+          <a:noFill/>
+        </p:spPr>
+        <p:txBody>
+          <a:bodyPr wrap="square" rtlCol="0">
+            <a:spAutoFit/>
+          </a:bodyPr>
+          <a:lstStyle/>
+          <a:p>
+            <a:pPr algn="ctr"/>
             <a:r>
               <a:rPr lang="en-US" dirty="0" err="1"/>
-              <a:t>lxy</a:t>
+              <a:t>Lxy</a:t>
             </a:r>
             <a:r>
               <a:rPr lang="en-US" dirty="0"/>
-              <a:t> = 5</a:t>
+              <a:t> = 15</a:t>
             </a:r>
           </a:p>
         </p:txBody>
       </p:sp>
       <p:pic>
         <p:nvPicPr>
-          <p:cNvPr id="9" name="Picture 8">
-            <a:extLst>
-              <a:ext uri="{FF2B5EF4-FFF2-40B4-BE49-F238E27FC236}">
-                <a16:creationId xmlns:a16="http://schemas.microsoft.com/office/drawing/2014/main" id="{38255F1E-07EC-3B42-EA3C-9679AC8BE611}"/>
+          <p:cNvPr id="13" name="Picture 12">
+            <a:extLst>
+              <a:ext uri="{FF2B5EF4-FFF2-40B4-BE49-F238E27FC236}">
+                <a16:creationId xmlns:a16="http://schemas.microsoft.com/office/drawing/2014/main" id="{85AE3E8F-64BE-13BD-179F-FDF3DBE70DA1}"/>
               </a:ext>
             </a:extLst>
           </p:cNvPr>
@@ -12390,100 +12178,20 @@
         </p:blipFill>
         <p:spPr>
           <a:xfrm>
-            <a:off x="11372850" y="1990183"/>
-            <a:ext cx="611229" cy="3474798"/>
+            <a:off x="7289723" y="2464627"/>
+            <a:ext cx="3216250" cy="4020314"/>
           </a:xfrm>
           <a:prstGeom prst="rect">
             <a:avLst/>
           </a:prstGeom>
         </p:spPr>
       </p:pic>
-      <p:sp>
-        <p:nvSpPr>
-          <p:cNvPr id="10" name="TextBox 9">
-            <a:extLst>
-              <a:ext uri="{FF2B5EF4-FFF2-40B4-BE49-F238E27FC236}">
-                <a16:creationId xmlns:a16="http://schemas.microsoft.com/office/drawing/2014/main" id="{AB63BB78-A038-5F12-1CD3-2FE1BC1E6C7E}"/>
-              </a:ext>
-            </a:extLst>
-          </p:cNvPr>
-          <p:cNvSpPr txBox="1"/>
-          <p:nvPr/>
-        </p:nvSpPr>
-        <p:spPr>
-          <a:xfrm>
-            <a:off x="4477808" y="1909204"/>
-            <a:ext cx="2124075" cy="369332"/>
-          </a:xfrm>
-          <a:prstGeom prst="rect">
-            <a:avLst/>
-          </a:prstGeom>
-          <a:noFill/>
-        </p:spPr>
-        <p:txBody>
-          <a:bodyPr wrap="square" rtlCol="0">
-            <a:spAutoFit/>
-          </a:bodyPr>
-          <a:lstStyle/>
-          <a:p>
-            <a:pPr algn="ctr"/>
-            <a:r>
-              <a:rPr lang="en-US" dirty="0" err="1"/>
-              <a:t>Lxy</a:t>
-            </a:r>
-            <a:r>
-              <a:rPr lang="en-US" dirty="0"/>
-              <a:t> = 10</a:t>
-            </a:r>
-          </a:p>
-        </p:txBody>
-      </p:sp>
-      <p:sp>
-        <p:nvSpPr>
-          <p:cNvPr id="11" name="TextBox 10">
-            <a:extLst>
-              <a:ext uri="{FF2B5EF4-FFF2-40B4-BE49-F238E27FC236}">
-                <a16:creationId xmlns:a16="http://schemas.microsoft.com/office/drawing/2014/main" id="{B60AA9C2-1426-5048-A0CF-AAB1CD7BC91E}"/>
-              </a:ext>
-            </a:extLst>
-          </p:cNvPr>
-          <p:cNvSpPr txBox="1"/>
-          <p:nvPr/>
-        </p:nvSpPr>
-        <p:spPr>
-          <a:xfrm>
-            <a:off x="7835811" y="1918242"/>
-            <a:ext cx="2124075" cy="369332"/>
-          </a:xfrm>
-          <a:prstGeom prst="rect">
-            <a:avLst/>
-          </a:prstGeom>
-          <a:noFill/>
-        </p:spPr>
-        <p:txBody>
-          <a:bodyPr wrap="square" rtlCol="0">
-            <a:spAutoFit/>
-          </a:bodyPr>
-          <a:lstStyle/>
-          <a:p>
-            <a:pPr algn="ctr"/>
-            <a:r>
-              <a:rPr lang="en-US" dirty="0" err="1"/>
-              <a:t>Lxy</a:t>
-            </a:r>
-            <a:r>
-              <a:rPr lang="en-US" dirty="0"/>
-              <a:t> = 15</a:t>
-            </a:r>
-          </a:p>
-        </p:txBody>
-      </p:sp>
       <p:pic>
         <p:nvPicPr>
-          <p:cNvPr id="13" name="Picture 12">
-            <a:extLst>
-              <a:ext uri="{FF2B5EF4-FFF2-40B4-BE49-F238E27FC236}">
-                <a16:creationId xmlns:a16="http://schemas.microsoft.com/office/drawing/2014/main" id="{85AE3E8F-64BE-13BD-179F-FDF3DBE70DA1}"/>
+          <p:cNvPr id="15" name="Picture 14">
+            <a:extLst>
+              <a:ext uri="{FF2B5EF4-FFF2-40B4-BE49-F238E27FC236}">
+                <a16:creationId xmlns:a16="http://schemas.microsoft.com/office/drawing/2014/main" id="{B41E615B-3BEA-0CAB-DF78-CF525F9742FF}"/>
               </a:ext>
             </a:extLst>
           </p:cNvPr>
@@ -12500,8 +12208,8 @@
         </p:blipFill>
         <p:spPr>
           <a:xfrm>
-            <a:off x="7596628" y="3010254"/>
-            <a:ext cx="2496276" cy="3120345"/>
+            <a:off x="4077044" y="2615993"/>
+            <a:ext cx="2496276" cy="3599048"/>
           </a:xfrm>
           <a:prstGeom prst="rect">
             <a:avLst/>
@@ -12510,10 +12218,10 @@
       </p:pic>
       <p:pic>
         <p:nvPicPr>
-          <p:cNvPr id="15" name="Picture 14">
-            <a:extLst>
-              <a:ext uri="{FF2B5EF4-FFF2-40B4-BE49-F238E27FC236}">
-                <a16:creationId xmlns:a16="http://schemas.microsoft.com/office/drawing/2014/main" id="{B41E615B-3BEA-0CAB-DF78-CF525F9742FF}"/>
+          <p:cNvPr id="17" name="Picture 16">
+            <a:extLst>
+              <a:ext uri="{FF2B5EF4-FFF2-40B4-BE49-F238E27FC236}">
+                <a16:creationId xmlns:a16="http://schemas.microsoft.com/office/drawing/2014/main" id="{37CCF625-3D0F-0AFE-BC70-87E370411143}"/>
               </a:ext>
             </a:extLst>
           </p:cNvPr>
@@ -12530,8 +12238,8 @@
         </p:blipFill>
         <p:spPr>
           <a:xfrm>
-            <a:off x="4217580" y="2487626"/>
-            <a:ext cx="2496276" cy="3599048"/>
+            <a:off x="1554053" y="2615993"/>
+            <a:ext cx="1456059" cy="3394745"/>
           </a:xfrm>
           <a:prstGeom prst="rect">
             <a:avLst/>
@@ -12573,7 +12281,7 @@
           <p:cNvPr id="2" name="Title 1">
             <a:extLst>
               <a:ext uri="{FF2B5EF4-FFF2-40B4-BE49-F238E27FC236}">
-                <a16:creationId xmlns:a16="http://schemas.microsoft.com/office/drawing/2014/main" id="{FABB0294-EC4A-B903-B05F-004BBC2B3CEC}"/>
+                <a16:creationId xmlns:a16="http://schemas.microsoft.com/office/drawing/2014/main" id="{A42F1D30-274D-A5B8-3620-4DA31ECE8F5B}"/>
               </a:ext>
             </a:extLst>
           </p:cNvPr>
@@ -12586,7 +12294,7 @@
         </p:nvSpPr>
         <p:spPr>
           <a:xfrm>
-            <a:off x="389467" y="0"/>
+            <a:off x="448734" y="2766218"/>
             <a:ext cx="10515600" cy="1325563"/>
           </a:xfrm>
         </p:spPr>
@@ -12595,424 +12303,16 @@
           <a:lstStyle/>
           <a:p>
             <a:r>
-              <a:rPr lang="en-US" dirty="0"/>
-              <a:t>Y neutral</a:t>
-            </a:r>
-          </a:p>
-        </p:txBody>
-      </p:sp>
-      <p:grpSp>
-        <p:nvGrpSpPr>
-          <p:cNvPr id="3" name="Group 2">
-            <a:extLst>
-              <a:ext uri="{FF2B5EF4-FFF2-40B4-BE49-F238E27FC236}">
-                <a16:creationId xmlns:a16="http://schemas.microsoft.com/office/drawing/2014/main" id="{509B5C6C-BC80-2E63-AFE6-6CC74D413E0E}"/>
-              </a:ext>
-            </a:extLst>
-          </p:cNvPr>
-          <p:cNvGrpSpPr/>
-          <p:nvPr/>
-        </p:nvGrpSpPr>
-        <p:grpSpPr>
-          <a:xfrm>
-            <a:off x="914400" y="1792086"/>
-            <a:ext cx="3258080" cy="1978410"/>
-            <a:chOff x="6599322" y="1134534"/>
-            <a:chExt cx="4297279" cy="2609445"/>
-          </a:xfrm>
-        </p:grpSpPr>
-        <p:pic>
-          <p:nvPicPr>
-            <p:cNvPr id="4" name="Picture 3">
-              <a:extLst>
-                <a:ext uri="{FF2B5EF4-FFF2-40B4-BE49-F238E27FC236}">
-                  <a16:creationId xmlns:a16="http://schemas.microsoft.com/office/drawing/2014/main" id="{DC92C560-4A5B-B598-26BB-9980321C0976}"/>
-                </a:ext>
-              </a:extLst>
-            </p:cNvPr>
-            <p:cNvPicPr>
-              <a:picLocks noChangeAspect="1"/>
-            </p:cNvPicPr>
-            <p:nvPr/>
-          </p:nvPicPr>
-          <p:blipFill>
-            <a:blip r:embed="rId2"/>
-            <a:stretch>
-              <a:fillRect/>
-            </a:stretch>
-          </p:blipFill>
-          <p:spPr>
-            <a:xfrm>
-              <a:off x="6599322" y="1134534"/>
-              <a:ext cx="4297279" cy="2609445"/>
-            </a:xfrm>
-            <a:prstGeom prst="rect">
-              <a:avLst/>
-            </a:prstGeom>
-          </p:spPr>
-        </p:pic>
-        <p:sp>
-          <p:nvSpPr>
-            <p:cNvPr id="5" name="TextBox 4">
-              <a:extLst>
-                <a:ext uri="{FF2B5EF4-FFF2-40B4-BE49-F238E27FC236}">
-                  <a16:creationId xmlns:a16="http://schemas.microsoft.com/office/drawing/2014/main" id="{CD45A35E-2B6A-90A5-1A61-7E1056FE699C}"/>
-                </a:ext>
-              </a:extLst>
-            </p:cNvPr>
-            <p:cNvSpPr txBox="1"/>
-            <p:nvPr/>
-          </p:nvSpPr>
-          <p:spPr>
-            <a:xfrm>
-              <a:off x="8774834" y="1253852"/>
-              <a:ext cx="2064514" cy="771295"/>
-            </a:xfrm>
-            <a:prstGeom prst="rect">
-              <a:avLst/>
-            </a:prstGeom>
-            <a:noFill/>
-          </p:spPr>
-          <p:txBody>
-            <a:bodyPr wrap="square" rtlCol="0">
-              <a:spAutoFit/>
-            </a:bodyPr>
-            <a:lstStyle/>
-            <a:p>
-              <a:pPr algn="r"/>
-              <a:r>
-                <a:rPr lang="en-US" sz="1600" dirty="0">
-                  <a:solidFill>
-                    <a:schemeClr val="bg1"/>
-                  </a:solidFill>
-                </a:rPr>
-                <a:t>a000x075s002</a:t>
-              </a:r>
-            </a:p>
-            <a:p>
-              <a:pPr algn="r"/>
-              <a:r>
-                <a:rPr lang="en-US" sz="1600" dirty="0">
-                  <a:solidFill>
-                    <a:schemeClr val="bg1"/>
-                  </a:solidFill>
-                </a:rPr>
-                <a:t>Y1</a:t>
-              </a:r>
-            </a:p>
-          </p:txBody>
-        </p:sp>
-      </p:grpSp>
-      <p:grpSp>
-        <p:nvGrpSpPr>
-          <p:cNvPr id="10" name="Group 9">
-            <a:extLst>
-              <a:ext uri="{FF2B5EF4-FFF2-40B4-BE49-F238E27FC236}">
-                <a16:creationId xmlns:a16="http://schemas.microsoft.com/office/drawing/2014/main" id="{99BF2758-EC20-A93A-EA1D-10E4D1E3A255}"/>
-              </a:ext>
-            </a:extLst>
-          </p:cNvPr>
-          <p:cNvGrpSpPr/>
-          <p:nvPr/>
-        </p:nvGrpSpPr>
-        <p:grpSpPr>
-          <a:xfrm>
-            <a:off x="914400" y="3616328"/>
-            <a:ext cx="3258080" cy="1956485"/>
-            <a:chOff x="365653" y="1532467"/>
-            <a:chExt cx="3678684" cy="2209059"/>
-          </a:xfrm>
-        </p:grpSpPr>
-        <p:pic>
-          <p:nvPicPr>
-            <p:cNvPr id="8" name="Picture 7">
-              <a:extLst>
-                <a:ext uri="{FF2B5EF4-FFF2-40B4-BE49-F238E27FC236}">
-                  <a16:creationId xmlns:a16="http://schemas.microsoft.com/office/drawing/2014/main" id="{5A2944E9-EE97-8E53-465C-5F8BFCCC6322}"/>
-                </a:ext>
-              </a:extLst>
-            </p:cNvPr>
-            <p:cNvPicPr>
-              <a:picLocks noChangeAspect="1"/>
-            </p:cNvPicPr>
-            <p:nvPr/>
-          </p:nvPicPr>
-          <p:blipFill>
-            <a:blip r:embed="rId3"/>
-            <a:stretch>
-              <a:fillRect/>
-            </a:stretch>
-          </p:blipFill>
-          <p:spPr>
-            <a:xfrm>
-              <a:off x="365653" y="1532467"/>
-              <a:ext cx="3678684" cy="2209059"/>
-            </a:xfrm>
-            <a:prstGeom prst="rect">
-              <a:avLst/>
-            </a:prstGeom>
-          </p:spPr>
-        </p:pic>
-        <p:sp>
-          <p:nvSpPr>
-            <p:cNvPr id="9" name="TextBox 8">
-              <a:extLst>
-                <a:ext uri="{FF2B5EF4-FFF2-40B4-BE49-F238E27FC236}">
-                  <a16:creationId xmlns:a16="http://schemas.microsoft.com/office/drawing/2014/main" id="{897646B5-E1E3-1FCA-F201-68B2A7B4414B}"/>
-                </a:ext>
-              </a:extLst>
-            </p:cNvPr>
-            <p:cNvSpPr txBox="1"/>
-            <p:nvPr/>
-          </p:nvSpPr>
-          <p:spPr>
-            <a:xfrm>
-              <a:off x="2371393" y="1602558"/>
-              <a:ext cx="1561163" cy="660267"/>
-            </a:xfrm>
-            <a:prstGeom prst="rect">
-              <a:avLst/>
-            </a:prstGeom>
-            <a:noFill/>
-          </p:spPr>
-          <p:txBody>
-            <a:bodyPr wrap="square" rtlCol="0">
-              <a:spAutoFit/>
-            </a:bodyPr>
-            <a:lstStyle/>
-            <a:p>
-              <a:pPr algn="r"/>
-              <a:r>
-                <a:rPr lang="en-US" sz="1600" dirty="0">
-                  <a:solidFill>
-                    <a:schemeClr val="bg1"/>
-                  </a:solidFill>
-                </a:rPr>
-                <a:t>a000x075s002</a:t>
-              </a:r>
-            </a:p>
-            <a:p>
-              <a:pPr algn="r"/>
-              <a:r>
-                <a:rPr lang="en-US" sz="1600" dirty="0">
-                  <a:solidFill>
-                    <a:schemeClr val="bg1"/>
-                  </a:solidFill>
-                </a:rPr>
-                <a:t>Y2</a:t>
-              </a:r>
-            </a:p>
-          </p:txBody>
-        </p:sp>
-      </p:grpSp>
-      <p:grpSp>
-        <p:nvGrpSpPr>
-          <p:cNvPr id="13" name="Group 12">
-            <a:extLst>
-              <a:ext uri="{FF2B5EF4-FFF2-40B4-BE49-F238E27FC236}">
-                <a16:creationId xmlns:a16="http://schemas.microsoft.com/office/drawing/2014/main" id="{6B6B296A-63B8-FE81-609F-F90F5F971074}"/>
-              </a:ext>
-            </a:extLst>
-          </p:cNvPr>
-          <p:cNvGrpSpPr/>
-          <p:nvPr/>
-        </p:nvGrpSpPr>
-        <p:grpSpPr>
-          <a:xfrm>
-            <a:off x="4443492" y="1833338"/>
-            <a:ext cx="3238794" cy="1965387"/>
-            <a:chOff x="554274" y="4566643"/>
-            <a:chExt cx="3238794" cy="1965387"/>
-          </a:xfrm>
-        </p:grpSpPr>
-        <p:pic>
-          <p:nvPicPr>
-            <p:cNvPr id="11" name="Picture 10">
-              <a:extLst>
-                <a:ext uri="{FF2B5EF4-FFF2-40B4-BE49-F238E27FC236}">
-                  <a16:creationId xmlns:a16="http://schemas.microsoft.com/office/drawing/2014/main" id="{65E740C3-5EF9-C11F-7AAE-C66BA9FAA714}"/>
-                </a:ext>
-              </a:extLst>
-            </p:cNvPr>
-            <p:cNvPicPr>
-              <a:picLocks noChangeAspect="1"/>
-            </p:cNvPicPr>
-            <p:nvPr/>
-          </p:nvPicPr>
-          <p:blipFill>
-            <a:blip r:embed="rId4"/>
-            <a:stretch>
-              <a:fillRect/>
-            </a:stretch>
-          </p:blipFill>
-          <p:spPr>
-            <a:xfrm>
-              <a:off x="554274" y="4566643"/>
-              <a:ext cx="3238794" cy="1965387"/>
-            </a:xfrm>
-            <a:prstGeom prst="rect">
-              <a:avLst/>
-            </a:prstGeom>
-          </p:spPr>
-        </p:pic>
-        <p:sp>
-          <p:nvSpPr>
-            <p:cNvPr id="12" name="TextBox 11">
-              <a:extLst>
-                <a:ext uri="{FF2B5EF4-FFF2-40B4-BE49-F238E27FC236}">
-                  <a16:creationId xmlns:a16="http://schemas.microsoft.com/office/drawing/2014/main" id="{F0FF4A2A-23EA-C94C-3129-182991D03C2D}"/>
-                </a:ext>
-              </a:extLst>
-            </p:cNvPr>
-            <p:cNvSpPr txBox="1"/>
-            <p:nvPr/>
-          </p:nvSpPr>
-          <p:spPr>
-            <a:xfrm>
-              <a:off x="2311400" y="4616234"/>
-              <a:ext cx="1382667" cy="584775"/>
-            </a:xfrm>
-            <a:prstGeom prst="rect">
-              <a:avLst/>
-            </a:prstGeom>
-            <a:noFill/>
-          </p:spPr>
-          <p:txBody>
-            <a:bodyPr wrap="square" rtlCol="0">
-              <a:spAutoFit/>
-            </a:bodyPr>
-            <a:lstStyle/>
-            <a:p>
-              <a:pPr algn="r"/>
-              <a:r>
-                <a:rPr lang="en-US" sz="1600" dirty="0">
-                  <a:solidFill>
-                    <a:schemeClr val="bg1"/>
-                  </a:solidFill>
-                </a:rPr>
-                <a:t>a000x075s002</a:t>
-              </a:r>
-            </a:p>
-            <a:p>
-              <a:pPr algn="r"/>
-              <a:r>
-                <a:rPr lang="en-US" sz="1600" dirty="0">
-                  <a:solidFill>
-                    <a:schemeClr val="bg1"/>
-                  </a:solidFill>
-                </a:rPr>
-                <a:t>Y5</a:t>
-              </a:r>
-            </a:p>
-          </p:txBody>
-        </p:sp>
-      </p:grpSp>
-      <p:grpSp>
-        <p:nvGrpSpPr>
-          <p:cNvPr id="17" name="Group 16">
-            <a:extLst>
-              <a:ext uri="{FF2B5EF4-FFF2-40B4-BE49-F238E27FC236}">
-                <a16:creationId xmlns:a16="http://schemas.microsoft.com/office/drawing/2014/main" id="{FA01F3B8-B32A-49E1-4B9A-32F063A337C9}"/>
-              </a:ext>
-            </a:extLst>
-          </p:cNvPr>
-          <p:cNvGrpSpPr/>
-          <p:nvPr/>
-        </p:nvGrpSpPr>
-        <p:grpSpPr>
-          <a:xfrm>
-            <a:off x="4418092" y="3594403"/>
-            <a:ext cx="3258080" cy="1962206"/>
-            <a:chOff x="4038679" y="2764670"/>
-            <a:chExt cx="3258080" cy="1962206"/>
-          </a:xfrm>
-        </p:grpSpPr>
-        <p:pic>
-          <p:nvPicPr>
-            <p:cNvPr id="15" name="Picture 14">
-              <a:extLst>
-                <a:ext uri="{FF2B5EF4-FFF2-40B4-BE49-F238E27FC236}">
-                  <a16:creationId xmlns:a16="http://schemas.microsoft.com/office/drawing/2014/main" id="{B5A7CDBA-9309-6947-F58E-54BC0804E7D2}"/>
-                </a:ext>
-              </a:extLst>
-            </p:cNvPr>
-            <p:cNvPicPr>
-              <a:picLocks noChangeAspect="1"/>
-            </p:cNvPicPr>
-            <p:nvPr/>
-          </p:nvPicPr>
-          <p:blipFill>
-            <a:blip r:embed="rId5"/>
-            <a:stretch>
-              <a:fillRect/>
-            </a:stretch>
-          </p:blipFill>
-          <p:spPr>
-            <a:xfrm>
-              <a:off x="4038679" y="2764670"/>
-              <a:ext cx="3258080" cy="1962206"/>
-            </a:xfrm>
-            <a:prstGeom prst="rect">
-              <a:avLst/>
-            </a:prstGeom>
-          </p:spPr>
-        </p:pic>
-        <p:sp>
-          <p:nvSpPr>
-            <p:cNvPr id="16" name="TextBox 15">
-              <a:extLst>
-                <a:ext uri="{FF2B5EF4-FFF2-40B4-BE49-F238E27FC236}">
-                  <a16:creationId xmlns:a16="http://schemas.microsoft.com/office/drawing/2014/main" id="{CBEDA1B0-155E-AD60-4843-D0CAEF3AB8A4}"/>
-                </a:ext>
-              </a:extLst>
-            </p:cNvPr>
-            <p:cNvSpPr txBox="1"/>
-            <p:nvPr/>
-          </p:nvSpPr>
-          <p:spPr>
-            <a:xfrm>
-              <a:off x="5821205" y="2815503"/>
-              <a:ext cx="1382667" cy="584775"/>
-            </a:xfrm>
-            <a:prstGeom prst="rect">
-              <a:avLst/>
-            </a:prstGeom>
-            <a:noFill/>
-          </p:spPr>
-          <p:txBody>
-            <a:bodyPr wrap="square" rtlCol="0">
-              <a:spAutoFit/>
-            </a:bodyPr>
-            <a:lstStyle/>
-            <a:p>
-              <a:pPr algn="r"/>
-              <a:r>
-                <a:rPr lang="en-US" sz="1600" dirty="0">
-                  <a:solidFill>
-                    <a:schemeClr val="bg1"/>
-                  </a:solidFill>
-                </a:rPr>
-                <a:t>a000x075s002</a:t>
-              </a:r>
-            </a:p>
-            <a:p>
-              <a:pPr algn="r"/>
-              <a:r>
-                <a:rPr lang="en-US" sz="1600" dirty="0">
-                  <a:solidFill>
-                    <a:schemeClr val="bg1"/>
-                  </a:solidFill>
-                </a:rPr>
-                <a:t>Y10</a:t>
-              </a:r>
-            </a:p>
-          </p:txBody>
-        </p:sp>
-      </p:grpSp>
+              <a:rPr lang="en-US" b="1" dirty="0"/>
+              <a:t>Specifying Grafted Points</a:t>
+            </a:r>
+          </a:p>
+        </p:txBody>
+      </p:sp>
     </p:spTree>
     <p:extLst>
       <p:ext uri="{BB962C8B-B14F-4D97-AF65-F5344CB8AC3E}">
-        <p14:creationId xmlns:p14="http://schemas.microsoft.com/office/powerpoint/2010/main" val="829119575"/>
+        <p14:creationId xmlns:p14="http://schemas.microsoft.com/office/powerpoint/2010/main" val="896468000"/>
       </p:ext>
     </p:extLst>
   </p:cSld>
@@ -13044,7 +12344,7 @@
           <p:cNvPr id="2" name="Title 1">
             <a:extLst>
               <a:ext uri="{FF2B5EF4-FFF2-40B4-BE49-F238E27FC236}">
-                <a16:creationId xmlns:a16="http://schemas.microsoft.com/office/drawing/2014/main" id="{A42F1D30-274D-A5B8-3620-4DA31ECE8F5B}"/>
+                <a16:creationId xmlns:a16="http://schemas.microsoft.com/office/drawing/2014/main" id="{EC7A1061-086B-35E4-61C1-83C328D5548E}"/>
               </a:ext>
             </a:extLst>
           </p:cNvPr>
@@ -13055,19 +12355,247 @@
             <p:ph type="title"/>
           </p:nvPr>
         </p:nvSpPr>
-        <p:spPr>
-          <a:xfrm>
-            <a:off x="448734" y="2766218"/>
-            <a:ext cx="10515600" cy="1325563"/>
-          </a:xfrm>
-        </p:spPr>
+        <p:spPr/>
         <p:txBody>
           <a:bodyPr/>
           <a:lstStyle/>
           <a:p>
             <a:r>
-              <a:rPr lang="en-US" b="1" dirty="0"/>
-              <a:t>Specifying Grafted Points</a:t>
+              <a:rPr lang="en-US" dirty="0"/>
+              <a:t>Strategy</a:t>
+            </a:r>
+          </a:p>
+        </p:txBody>
+      </p:sp>
+      <p:sp>
+        <p:nvSpPr>
+          <p:cNvPr id="3" name="TextBox 2">
+            <a:extLst>
+              <a:ext uri="{FF2B5EF4-FFF2-40B4-BE49-F238E27FC236}">
+                <a16:creationId xmlns:a16="http://schemas.microsoft.com/office/drawing/2014/main" id="{66A4566B-D26D-18F7-2769-748D7813228B}"/>
+              </a:ext>
+            </a:extLst>
+          </p:cNvPr>
+          <p:cNvSpPr txBox="1"/>
+          <p:nvPr/>
+        </p:nvSpPr>
+        <p:spPr>
+          <a:xfrm>
+            <a:off x="714374" y="1895475"/>
+            <a:ext cx="7810500" cy="646331"/>
+          </a:xfrm>
+          <a:prstGeom prst="rect">
+            <a:avLst/>
+          </a:prstGeom>
+          <a:noFill/>
+        </p:spPr>
+        <p:txBody>
+          <a:bodyPr wrap="square" rtlCol="0">
+            <a:spAutoFit/>
+          </a:bodyPr>
+          <a:lstStyle/>
+          <a:p>
+            <a:r>
+              <a:rPr lang="en-US" dirty="0"/>
+              <a:t>2D binary array for surface sites of homogeneously grafted polymer given grafting density, simulation box size, and discretization (and assuming dx = </a:t>
+            </a:r>
+            <a:r>
+              <a:rPr lang="en-US" dirty="0" err="1"/>
+              <a:t>dy</a:t>
+            </a:r>
+            <a:r>
+              <a:rPr lang="en-US" dirty="0"/>
+              <a:t>)</a:t>
+            </a:r>
+          </a:p>
+        </p:txBody>
+      </p:sp>
+      <p:sp>
+        <p:nvSpPr>
+          <p:cNvPr id="4" name="TextBox 3">
+            <a:extLst>
+              <a:ext uri="{FF2B5EF4-FFF2-40B4-BE49-F238E27FC236}">
+                <a16:creationId xmlns:a16="http://schemas.microsoft.com/office/drawing/2014/main" id="{14B153E5-948B-4D25-2B1C-2231E4E7EBA6}"/>
+              </a:ext>
+            </a:extLst>
+          </p:cNvPr>
+          <p:cNvSpPr txBox="1"/>
+          <p:nvPr/>
+        </p:nvSpPr>
+        <p:spPr>
+          <a:xfrm>
+            <a:off x="714374" y="2776538"/>
+            <a:ext cx="11077575" cy="646331"/>
+          </a:xfrm>
+          <a:prstGeom prst="rect">
+            <a:avLst/>
+          </a:prstGeom>
+          <a:noFill/>
+        </p:spPr>
+        <p:txBody>
+          <a:bodyPr wrap="square" rtlCol="0">
+            <a:spAutoFit/>
+          </a:bodyPr>
+          <a:lstStyle/>
+          <a:p>
+            <a:r>
+              <a:rPr lang="en-US" dirty="0" err="1"/>
+              <a:t>Fullspace</a:t>
+            </a:r>
+            <a:r>
+              <a:rPr lang="en-US" dirty="0"/>
+              <a:t> must be periodic on x0 = </a:t>
+            </a:r>
+            <a:r>
+              <a:rPr lang="en-US" dirty="0" err="1"/>
+              <a:t>xL</a:t>
+            </a:r>
+            <a:r>
+              <a:rPr lang="en-US" dirty="0"/>
+              <a:t>, y0 = </a:t>
+            </a:r>
+            <a:r>
+              <a:rPr lang="en-US" dirty="0" err="1"/>
+              <a:t>yL</a:t>
+            </a:r>
+            <a:endParaRPr lang="en-US" dirty="0"/>
+          </a:p>
+          <a:p>
+            <a:r>
+              <a:rPr lang="en-US" dirty="0" err="1"/>
+              <a:t>Halfspace</a:t>
+            </a:r>
+            <a:r>
+              <a:rPr lang="en-US" dirty="0"/>
+              <a:t> must be even on </a:t>
+            </a:r>
+            <a:r>
+              <a:rPr lang="en-US" dirty="0" err="1"/>
+              <a:t>xL</a:t>
+            </a:r>
+            <a:r>
+              <a:rPr lang="en-US" dirty="0"/>
+              <a:t>/2 and </a:t>
+            </a:r>
+            <a:r>
+              <a:rPr lang="en-US" dirty="0" err="1"/>
+              <a:t>yL</a:t>
+            </a:r>
+            <a:r>
+              <a:rPr lang="en-US" dirty="0"/>
+              <a:t>/2 (overlap of boundary following REDFT00) and periodic on x0 = </a:t>
+            </a:r>
+            <a:r>
+              <a:rPr lang="en-US" dirty="0" err="1"/>
+              <a:t>xL</a:t>
+            </a:r>
+            <a:r>
+              <a:rPr lang="en-US" dirty="0"/>
+              <a:t>, y0 = </a:t>
+            </a:r>
+            <a:r>
+              <a:rPr lang="en-US" dirty="0" err="1"/>
+              <a:t>yL</a:t>
+            </a:r>
+            <a:r>
+              <a:rPr lang="en-US" dirty="0"/>
+              <a:t>.</a:t>
+            </a:r>
+          </a:p>
+        </p:txBody>
+      </p:sp>
+      <p:sp>
+        <p:nvSpPr>
+          <p:cNvPr id="5" name="TextBox 4">
+            <a:extLst>
+              <a:ext uri="{FF2B5EF4-FFF2-40B4-BE49-F238E27FC236}">
+                <a16:creationId xmlns:a16="http://schemas.microsoft.com/office/drawing/2014/main" id="{97078C71-47DB-0D25-8BE5-AD0C9CC3C9FD}"/>
+              </a:ext>
+            </a:extLst>
+          </p:cNvPr>
+          <p:cNvSpPr txBox="1"/>
+          <p:nvPr/>
+        </p:nvSpPr>
+        <p:spPr>
+          <a:xfrm>
+            <a:off x="714373" y="3812426"/>
+            <a:ext cx="11077575" cy="369332"/>
+          </a:xfrm>
+          <a:prstGeom prst="rect">
+            <a:avLst/>
+          </a:prstGeom>
+          <a:noFill/>
+        </p:spPr>
+        <p:txBody>
+          <a:bodyPr wrap="square" rtlCol="0">
+            <a:spAutoFit/>
+          </a:bodyPr>
+          <a:lstStyle/>
+          <a:p>
+            <a:r>
+              <a:rPr lang="en-US" dirty="0"/>
+              <a:t>Homogeneous spacing as determined by regular hexagon, where grafting point at centroid of hexagon</a:t>
+            </a:r>
+          </a:p>
+        </p:txBody>
+      </p:sp>
+      <p:sp>
+        <p:nvSpPr>
+          <p:cNvPr id="6" name="TextBox 5">
+            <a:extLst>
+              <a:ext uri="{FF2B5EF4-FFF2-40B4-BE49-F238E27FC236}">
+                <a16:creationId xmlns:a16="http://schemas.microsoft.com/office/drawing/2014/main" id="{067DDA30-EAF3-09E5-D289-BD5F06EA216D}"/>
+              </a:ext>
+            </a:extLst>
+          </p:cNvPr>
+          <p:cNvSpPr txBox="1"/>
+          <p:nvPr/>
+        </p:nvSpPr>
+        <p:spPr>
+          <a:xfrm>
+            <a:off x="714372" y="4508719"/>
+            <a:ext cx="11077575" cy="923330"/>
+          </a:xfrm>
+          <a:prstGeom prst="rect">
+            <a:avLst/>
+          </a:prstGeom>
+          <a:noFill/>
+        </p:spPr>
+        <p:txBody>
+          <a:bodyPr wrap="square" rtlCol="0">
+            <a:spAutoFit/>
+          </a:bodyPr>
+          <a:lstStyle/>
+          <a:p>
+            <a:r>
+              <a:rPr lang="en-US" dirty="0"/>
+              <a:t>In case there are edge effects, try shifting the centroids away from the boundaries of the </a:t>
+            </a:r>
+            <a:r>
+              <a:rPr lang="en-US" dirty="0" err="1"/>
+              <a:t>xy</a:t>
+            </a:r>
+            <a:r>
+              <a:rPr lang="en-US" dirty="0"/>
+              <a:t>-plane (only did for </a:t>
+            </a:r>
+            <a:r>
+              <a:rPr lang="en-US" dirty="0" err="1"/>
+              <a:t>fullspace</a:t>
+            </a:r>
+            <a:r>
+              <a:rPr lang="en-US" dirty="0"/>
+              <a:t>)</a:t>
+            </a:r>
+          </a:p>
+          <a:p>
+            <a:pPr marL="285750" indent="-285750">
+              <a:buFont typeface="Arial" panose="020B0604020202020204" pitchFamily="34" charset="0"/>
+              <a:buChar char="•"/>
+            </a:pPr>
+            <a:r>
+              <a:rPr lang="en-US" dirty="0"/>
+              <a:t>Make sure no edge effects by comparing results of full FFT with cos FFT</a:t>
             </a:r>
           </a:p>
         </p:txBody>
@@ -13075,7 +12603,7 @@
     </p:spTree>
     <p:extLst>
       <p:ext uri="{BB962C8B-B14F-4D97-AF65-F5344CB8AC3E}">
-        <p14:creationId xmlns:p14="http://schemas.microsoft.com/office/powerpoint/2010/main" val="896468000"/>
+        <p14:creationId xmlns:p14="http://schemas.microsoft.com/office/powerpoint/2010/main" val="1764039423"/>
       </p:ext>
     </p:extLst>
   </p:cSld>

--- a/SYSG3.pptx
+++ b/SYSG3.pptx
@@ -12036,7 +12036,7 @@
               <a:t>a020x075; </a:t>
             </a:r>
             <a:r>
-              <a:rPr lang="en-US"/>
+              <a:rPr lang="en-US" dirty="0" err="1"/>
               <a:t>Lxy</a:t>
             </a:r>
             <a:r>

--- a/SYSG3.pptx
+++ b/SYSG3.pptx
@@ -5,19 +5,24 @@
     <p:sldMasterId id="2147483648" r:id="rId1"/>
   </p:sldMasterIdLst>
   <p:sldIdLst>
-    <p:sldId id="271" r:id="rId2"/>
-    <p:sldId id="268" r:id="rId3"/>
-    <p:sldId id="274" r:id="rId4"/>
-    <p:sldId id="272" r:id="rId5"/>
-    <p:sldId id="269" r:id="rId6"/>
-    <p:sldId id="270" r:id="rId7"/>
-    <p:sldId id="275" r:id="rId8"/>
-    <p:sldId id="267" r:id="rId9"/>
-    <p:sldId id="266" r:id="rId10"/>
-    <p:sldId id="265" r:id="rId11"/>
-    <p:sldId id="258" r:id="rId12"/>
-    <p:sldId id="263" r:id="rId13"/>
-    <p:sldId id="264" r:id="rId14"/>
+    <p:sldId id="276" r:id="rId2"/>
+    <p:sldId id="278" r:id="rId3"/>
+    <p:sldId id="280" r:id="rId4"/>
+    <p:sldId id="279" r:id="rId5"/>
+    <p:sldId id="277" r:id="rId6"/>
+    <p:sldId id="271" r:id="rId7"/>
+    <p:sldId id="268" r:id="rId8"/>
+    <p:sldId id="274" r:id="rId9"/>
+    <p:sldId id="272" r:id="rId10"/>
+    <p:sldId id="269" r:id="rId11"/>
+    <p:sldId id="270" r:id="rId12"/>
+    <p:sldId id="275" r:id="rId13"/>
+    <p:sldId id="267" r:id="rId14"/>
+    <p:sldId id="266" r:id="rId15"/>
+    <p:sldId id="265" r:id="rId16"/>
+    <p:sldId id="258" r:id="rId17"/>
+    <p:sldId id="263" r:id="rId18"/>
+    <p:sldId id="264" r:id="rId19"/>
   </p:sldIdLst>
   <p:sldSz cx="12192000" cy="6858000"/>
   <p:notesSz cx="6858000" cy="9144000"/>
@@ -271,7 +276,7 @@
           <a:p>
             <a:fld id="{3FB972CA-75D3-464B-AB07-BF3EA83BD9C3}" type="datetimeFigureOut">
               <a:rPr lang="en-US" smtClean="0"/>
-              <a:t>9/11/2023</a:t>
+              <a:t>3/11/2024</a:t>
             </a:fld>
             <a:endParaRPr lang="en-US"/>
           </a:p>
@@ -469,7 +474,7 @@
           <a:p>
             <a:fld id="{3FB972CA-75D3-464B-AB07-BF3EA83BD9C3}" type="datetimeFigureOut">
               <a:rPr lang="en-US" smtClean="0"/>
-              <a:t>9/11/2023</a:t>
+              <a:t>3/11/2024</a:t>
             </a:fld>
             <a:endParaRPr lang="en-US"/>
           </a:p>
@@ -677,7 +682,7 @@
           <a:p>
             <a:fld id="{3FB972CA-75D3-464B-AB07-BF3EA83BD9C3}" type="datetimeFigureOut">
               <a:rPr lang="en-US" smtClean="0"/>
-              <a:t>9/11/2023</a:t>
+              <a:t>3/11/2024</a:t>
             </a:fld>
             <a:endParaRPr lang="en-US"/>
           </a:p>
@@ -875,7 +880,7 @@
           <a:p>
             <a:fld id="{3FB972CA-75D3-464B-AB07-BF3EA83BD9C3}" type="datetimeFigureOut">
               <a:rPr lang="en-US" smtClean="0"/>
-              <a:t>9/11/2023</a:t>
+              <a:t>3/11/2024</a:t>
             </a:fld>
             <a:endParaRPr lang="en-US"/>
           </a:p>
@@ -1150,7 +1155,7 @@
           <a:p>
             <a:fld id="{3FB972CA-75D3-464B-AB07-BF3EA83BD9C3}" type="datetimeFigureOut">
               <a:rPr lang="en-US" smtClean="0"/>
-              <a:t>9/11/2023</a:t>
+              <a:t>3/11/2024</a:t>
             </a:fld>
             <a:endParaRPr lang="en-US"/>
           </a:p>
@@ -1415,7 +1420,7 @@
           <a:p>
             <a:fld id="{3FB972CA-75D3-464B-AB07-BF3EA83BD9C3}" type="datetimeFigureOut">
               <a:rPr lang="en-US" smtClean="0"/>
-              <a:t>9/11/2023</a:t>
+              <a:t>3/11/2024</a:t>
             </a:fld>
             <a:endParaRPr lang="en-US"/>
           </a:p>
@@ -1827,7 +1832,7 @@
           <a:p>
             <a:fld id="{3FB972CA-75D3-464B-AB07-BF3EA83BD9C3}" type="datetimeFigureOut">
               <a:rPr lang="en-US" smtClean="0"/>
-              <a:t>9/11/2023</a:t>
+              <a:t>3/11/2024</a:t>
             </a:fld>
             <a:endParaRPr lang="en-US"/>
           </a:p>
@@ -1968,7 +1973,7 @@
           <a:p>
             <a:fld id="{3FB972CA-75D3-464B-AB07-BF3EA83BD9C3}" type="datetimeFigureOut">
               <a:rPr lang="en-US" smtClean="0"/>
-              <a:t>9/11/2023</a:t>
+              <a:t>3/11/2024</a:t>
             </a:fld>
             <a:endParaRPr lang="en-US"/>
           </a:p>
@@ -2081,7 +2086,7 @@
           <a:p>
             <a:fld id="{3FB972CA-75D3-464B-AB07-BF3EA83BD9C3}" type="datetimeFigureOut">
               <a:rPr lang="en-US" smtClean="0"/>
-              <a:t>9/11/2023</a:t>
+              <a:t>3/11/2024</a:t>
             </a:fld>
             <a:endParaRPr lang="en-US"/>
           </a:p>
@@ -2392,7 +2397,7 @@
           <a:p>
             <a:fld id="{3FB972CA-75D3-464B-AB07-BF3EA83BD9C3}" type="datetimeFigureOut">
               <a:rPr lang="en-US" smtClean="0"/>
-              <a:t>9/11/2023</a:t>
+              <a:t>3/11/2024</a:t>
             </a:fld>
             <a:endParaRPr lang="en-US"/>
           </a:p>
@@ -2680,7 +2685,7 @@
           <a:p>
             <a:fld id="{3FB972CA-75D3-464B-AB07-BF3EA83BD9C3}" type="datetimeFigureOut">
               <a:rPr lang="en-US" smtClean="0"/>
-              <a:t>9/11/2023</a:t>
+              <a:t>3/11/2024</a:t>
             </a:fld>
             <a:endParaRPr lang="en-US"/>
           </a:p>
@@ -2921,7 +2926,7 @@
           <a:p>
             <a:fld id="{3FB972CA-75D3-464B-AB07-BF3EA83BD9C3}" type="datetimeFigureOut">
               <a:rPr lang="en-US" smtClean="0"/>
-              <a:t>9/11/2023</a:t>
+              <a:t>3/11/2024</a:t>
             </a:fld>
             <a:endParaRPr lang="en-US"/>
           </a:p>
@@ -3343,7 +3348,7 @@
           <p:cNvPr id="2" name="Title 1">
             <a:extLst>
               <a:ext uri="{FF2B5EF4-FFF2-40B4-BE49-F238E27FC236}">
-                <a16:creationId xmlns:a16="http://schemas.microsoft.com/office/drawing/2014/main" id="{C9A5D13E-C0B9-231A-976A-1444B9DF9C26}"/>
+                <a16:creationId xmlns:a16="http://schemas.microsoft.com/office/drawing/2014/main" id="{9B1C415B-F34F-5EBF-44A0-06A7B44FB3DD}"/>
               </a:ext>
             </a:extLst>
           </p:cNvPr>
@@ -3354,19 +3359,91 @@
             <p:ph type="title"/>
           </p:nvPr>
         </p:nvSpPr>
-        <p:spPr>
-          <a:xfrm>
-            <a:off x="1075267" y="2766218"/>
-            <a:ext cx="10515600" cy="1325563"/>
-          </a:xfrm>
-        </p:spPr>
+        <p:spPr/>
         <p:txBody>
           <a:bodyPr/>
           <a:lstStyle/>
           <a:p>
             <a:r>
-              <a:rPr lang="en-US" b="1" dirty="0"/>
-              <a:t>Annealed</a:t>
+              <a:rPr lang="en-US" dirty="0"/>
+              <a:t>Equations</a:t>
+            </a:r>
+          </a:p>
+        </p:txBody>
+      </p:sp>
+      <p:sp>
+        <p:nvSpPr>
+          <p:cNvPr id="3" name="TextBox 2">
+            <a:extLst>
+              <a:ext uri="{FF2B5EF4-FFF2-40B4-BE49-F238E27FC236}">
+                <a16:creationId xmlns:a16="http://schemas.microsoft.com/office/drawing/2014/main" id="{B8BAD2C0-5502-37DB-F1B8-9999281478FE}"/>
+              </a:ext>
+            </a:extLst>
+          </p:cNvPr>
+          <p:cNvSpPr txBox="1"/>
+          <p:nvPr/>
+        </p:nvSpPr>
+        <p:spPr>
+          <a:xfrm>
+            <a:off x="1016000" y="2336800"/>
+            <a:ext cx="6722533" cy="369332"/>
+          </a:xfrm>
+          <a:prstGeom prst="rect">
+            <a:avLst/>
+          </a:prstGeom>
+          <a:noFill/>
+        </p:spPr>
+        <p:txBody>
+          <a:bodyPr wrap="square" rtlCol="0">
+            <a:spAutoFit/>
+          </a:bodyPr>
+          <a:lstStyle/>
+          <a:p>
+            <a:r>
+              <a:rPr lang="en-US" dirty="0"/>
+              <a:t>Quenched average, np, A --&gt; \inf ; np/A </a:t>
+            </a:r>
+            <a:r>
+              <a:rPr lang="en-US" dirty="0">
+                <a:sym typeface="Wingdings" panose="05000000000000000000" pitchFamily="2" charset="2"/>
+              </a:rPr>
+              <a:t> \sigma</a:t>
+            </a:r>
+            <a:endParaRPr lang="en-US" dirty="0"/>
+          </a:p>
+        </p:txBody>
+      </p:sp>
+      <p:sp>
+        <p:nvSpPr>
+          <p:cNvPr id="4" name="TextBox 3">
+            <a:extLst>
+              <a:ext uri="{FF2B5EF4-FFF2-40B4-BE49-F238E27FC236}">
+                <a16:creationId xmlns:a16="http://schemas.microsoft.com/office/drawing/2014/main" id="{9D52A868-345C-D274-752A-D8F0446DA95E}"/>
+              </a:ext>
+            </a:extLst>
+          </p:cNvPr>
+          <p:cNvSpPr txBox="1"/>
+          <p:nvPr/>
+        </p:nvSpPr>
+        <p:spPr>
+          <a:xfrm>
+            <a:off x="1016000" y="2954311"/>
+            <a:ext cx="6722533" cy="369332"/>
+          </a:xfrm>
+          <a:prstGeom prst="rect">
+            <a:avLst/>
+          </a:prstGeom>
+          <a:noFill/>
+        </p:spPr>
+        <p:txBody>
+          <a:bodyPr wrap="square" rtlCol="0">
+            <a:spAutoFit/>
+          </a:bodyPr>
+          <a:lstStyle/>
+          <a:p>
+            <a:r>
+              <a:rPr lang="en-US" dirty="0"/>
+              <a:t>Discrete Gaussian chain</a:t>
             </a:r>
           </a:p>
         </p:txBody>
@@ -3374,7 +3451,7 @@
     </p:spTree>
     <p:extLst>
       <p:ext uri="{BB962C8B-B14F-4D97-AF65-F5344CB8AC3E}">
-        <p14:creationId xmlns:p14="http://schemas.microsoft.com/office/powerpoint/2010/main" val="2319703746"/>
+        <p14:creationId xmlns:p14="http://schemas.microsoft.com/office/powerpoint/2010/main" val="2106188193"/>
       </p:ext>
     </p:extLst>
   </p:cSld>
@@ -3406,7 +3483,7 @@
           <p:cNvPr id="2" name="Title 1">
             <a:extLst>
               <a:ext uri="{FF2B5EF4-FFF2-40B4-BE49-F238E27FC236}">
-                <a16:creationId xmlns:a16="http://schemas.microsoft.com/office/drawing/2014/main" id="{A3926BC3-A860-346A-4F58-1EE4C3E7FB0F}"/>
+                <a16:creationId xmlns:a16="http://schemas.microsoft.com/office/drawing/2014/main" id="{C872131D-FE4F-A224-AF09-4A0D93F4B83D}"/>
               </a:ext>
             </a:extLst>
           </p:cNvPr>
@@ -3417,24 +3494,89 @@
             <p:ph type="title"/>
           </p:nvPr>
         </p:nvSpPr>
-        <p:spPr/>
+        <p:spPr>
+          <a:xfrm>
+            <a:off x="59268" y="135468"/>
+            <a:ext cx="10515600" cy="846667"/>
+          </a:xfrm>
+        </p:spPr>
         <p:txBody>
           <a:bodyPr/>
           <a:lstStyle/>
           <a:p>
             <a:r>
               <a:rPr lang="en-US" dirty="0"/>
-              <a:t>Test conditions</a:t>
-            </a:r>
-          </a:p>
-        </p:txBody>
-      </p:sp>
-      <p:sp>
-        <p:nvSpPr>
-          <p:cNvPr id="3" name="TextBox 2">
-            <a:extLst>
-              <a:ext uri="{FF2B5EF4-FFF2-40B4-BE49-F238E27FC236}">
-                <a16:creationId xmlns:a16="http://schemas.microsoft.com/office/drawing/2014/main" id="{A00B5138-8D53-B196-C54A-B372D20698D0}"/>
+              <a:t>Parameter space (x, a)</a:t>
+            </a:r>
+          </a:p>
+        </p:txBody>
+      </p:sp>
+      <p:pic>
+        <p:nvPicPr>
+          <p:cNvPr id="20" name="Picture 19">
+            <a:extLst>
+              <a:ext uri="{FF2B5EF4-FFF2-40B4-BE49-F238E27FC236}">
+                <a16:creationId xmlns:a16="http://schemas.microsoft.com/office/drawing/2014/main" id="{1546BF2F-2986-1314-7788-19765C7A6D4C}"/>
+              </a:ext>
+            </a:extLst>
+          </p:cNvPr>
+          <p:cNvPicPr>
+            <a:picLocks noChangeAspect="1"/>
+          </p:cNvPicPr>
+          <p:nvPr/>
+        </p:nvPicPr>
+        <p:blipFill>
+          <a:blip r:embed="rId2"/>
+          <a:stretch>
+            <a:fillRect/>
+          </a:stretch>
+        </p:blipFill>
+        <p:spPr>
+          <a:xfrm>
+            <a:off x="11422726" y="2089060"/>
+            <a:ext cx="611516" cy="3617418"/>
+          </a:xfrm>
+          <a:prstGeom prst="rect">
+            <a:avLst/>
+          </a:prstGeom>
+        </p:spPr>
+      </p:pic>
+      <p:pic>
+        <p:nvPicPr>
+          <p:cNvPr id="4" name="Picture 3">
+            <a:extLst>
+              <a:ext uri="{FF2B5EF4-FFF2-40B4-BE49-F238E27FC236}">
+                <a16:creationId xmlns:a16="http://schemas.microsoft.com/office/drawing/2014/main" id="{A2E1266F-FF5E-027D-B46E-4F5E53DC1BDD}"/>
+              </a:ext>
+            </a:extLst>
+          </p:cNvPr>
+          <p:cNvPicPr>
+            <a:picLocks noChangeAspect="1"/>
+          </p:cNvPicPr>
+          <p:nvPr/>
+        </p:nvPicPr>
+        <p:blipFill>
+          <a:blip r:embed="rId3"/>
+          <a:stretch>
+            <a:fillRect/>
+          </a:stretch>
+        </p:blipFill>
+        <p:spPr>
+          <a:xfrm>
+            <a:off x="2116607" y="869192"/>
+            <a:ext cx="3453697" cy="2094723"/>
+          </a:xfrm>
+          <a:prstGeom prst="rect">
+            <a:avLst/>
+          </a:prstGeom>
+        </p:spPr>
+      </p:pic>
+      <p:sp>
+        <p:nvSpPr>
+          <p:cNvPr id="5" name="TextBox 4">
+            <a:extLst>
+              <a:ext uri="{FF2B5EF4-FFF2-40B4-BE49-F238E27FC236}">
+                <a16:creationId xmlns:a16="http://schemas.microsoft.com/office/drawing/2014/main" id="{58A00D1F-C785-B3A5-1176-D40C2FA75484}"/>
               </a:ext>
             </a:extLst>
           </p:cNvPr>
@@ -3443,8 +3585,8 @@
         </p:nvSpPr>
         <p:spPr>
           <a:xfrm>
-            <a:off x="1192695" y="2186609"/>
-            <a:ext cx="7026965" cy="1200329"/>
+            <a:off x="4070227" y="1004335"/>
+            <a:ext cx="1427134" cy="338554"/>
           </a:xfrm>
           <a:prstGeom prst="rect">
             <a:avLst/>
@@ -3457,89 +3599,781 @@
           </a:bodyPr>
           <a:lstStyle/>
           <a:p>
+            <a:pPr algn="r"/>
+            <a:r>
+              <a:rPr lang="en-US" sz="1600" dirty="0">
+                <a:solidFill>
+                  <a:schemeClr val="bg1"/>
+                </a:solidFill>
+              </a:rPr>
+              <a:t>a000x055s002</a:t>
+            </a:r>
+          </a:p>
+        </p:txBody>
+      </p:sp>
+      <p:grpSp>
+        <p:nvGrpSpPr>
+          <p:cNvPr id="10" name="Group 9">
+            <a:extLst>
+              <a:ext uri="{FF2B5EF4-FFF2-40B4-BE49-F238E27FC236}">
+                <a16:creationId xmlns:a16="http://schemas.microsoft.com/office/drawing/2014/main" id="{8293C823-8262-3D64-E83F-49D8E00BE204}"/>
+              </a:ext>
+            </a:extLst>
+          </p:cNvPr>
+          <p:cNvGrpSpPr/>
+          <p:nvPr/>
+        </p:nvGrpSpPr>
+        <p:grpSpPr>
+          <a:xfrm>
+            <a:off x="2116607" y="2770451"/>
+            <a:ext cx="3453697" cy="2097195"/>
+            <a:chOff x="6599322" y="1134534"/>
+            <a:chExt cx="4297279" cy="2609445"/>
+          </a:xfrm>
+        </p:grpSpPr>
+        <p:pic>
+          <p:nvPicPr>
+            <p:cNvPr id="9" name="Picture 8">
+              <a:extLst>
+                <a:ext uri="{FF2B5EF4-FFF2-40B4-BE49-F238E27FC236}">
+                  <a16:creationId xmlns:a16="http://schemas.microsoft.com/office/drawing/2014/main" id="{82F51C73-8D5C-934E-FC93-66672486A18B}"/>
+                </a:ext>
+              </a:extLst>
+            </p:cNvPr>
+            <p:cNvPicPr>
+              <a:picLocks noChangeAspect="1"/>
+            </p:cNvPicPr>
+            <p:nvPr/>
+          </p:nvPicPr>
+          <p:blipFill>
+            <a:blip r:embed="rId4"/>
+            <a:stretch>
+              <a:fillRect/>
+            </a:stretch>
+          </p:blipFill>
+          <p:spPr>
+            <a:xfrm>
+              <a:off x="6599322" y="1134534"/>
+              <a:ext cx="4297279" cy="2609445"/>
+            </a:xfrm>
+            <a:prstGeom prst="rect">
+              <a:avLst/>
+            </a:prstGeom>
+          </p:spPr>
+        </p:pic>
+        <p:sp>
+          <p:nvSpPr>
+            <p:cNvPr id="7" name="TextBox 6">
+              <a:extLst>
+                <a:ext uri="{FF2B5EF4-FFF2-40B4-BE49-F238E27FC236}">
+                  <a16:creationId xmlns:a16="http://schemas.microsoft.com/office/drawing/2014/main" id="{6638FA71-F500-38F3-3630-A99FA0D4FD63}"/>
+                </a:ext>
+              </a:extLst>
+            </p:cNvPr>
+            <p:cNvSpPr txBox="1"/>
+            <p:nvPr/>
+          </p:nvSpPr>
+          <p:spPr>
+            <a:xfrm>
+              <a:off x="9063628" y="1253853"/>
+              <a:ext cx="1775718" cy="421247"/>
+            </a:xfrm>
+            <a:prstGeom prst="rect">
+              <a:avLst/>
+            </a:prstGeom>
+            <a:noFill/>
+          </p:spPr>
+          <p:txBody>
+            <a:bodyPr wrap="square" rtlCol="0">
+              <a:spAutoFit/>
+            </a:bodyPr>
+            <a:lstStyle/>
+            <a:p>
+              <a:pPr algn="r"/>
+              <a:r>
+                <a:rPr lang="en-US" sz="1600" dirty="0">
+                  <a:solidFill>
+                    <a:schemeClr val="bg1"/>
+                  </a:solidFill>
+                </a:rPr>
+                <a:t>x075</a:t>
+              </a:r>
+            </a:p>
+          </p:txBody>
+        </p:sp>
+      </p:grpSp>
+      <p:sp>
+        <p:nvSpPr>
+          <p:cNvPr id="6" name="Rectangle 5">
+            <a:extLst>
+              <a:ext uri="{FF2B5EF4-FFF2-40B4-BE49-F238E27FC236}">
+                <a16:creationId xmlns:a16="http://schemas.microsoft.com/office/drawing/2014/main" id="{D828B159-62EA-2597-498D-1F8D2D48D8B7}"/>
+              </a:ext>
+            </a:extLst>
+          </p:cNvPr>
+          <p:cNvSpPr/>
+          <p:nvPr/>
+        </p:nvSpPr>
+        <p:spPr>
+          <a:xfrm>
+            <a:off x="5121057" y="2586563"/>
+            <a:ext cx="611516" cy="311105"/>
+          </a:xfrm>
+          <a:prstGeom prst="rect">
+            <a:avLst/>
+          </a:prstGeom>
+          <a:solidFill>
+            <a:schemeClr val="tx1"/>
+          </a:solidFill>
+        </p:spPr>
+        <p:style>
+          <a:lnRef idx="2">
+            <a:schemeClr val="accent1">
+              <a:shade val="15000"/>
+            </a:schemeClr>
+          </a:lnRef>
+          <a:fillRef idx="1">
+            <a:schemeClr val="accent1"/>
+          </a:fillRef>
+          <a:effectRef idx="0">
+            <a:schemeClr val="accent1"/>
+          </a:effectRef>
+          <a:fontRef idx="minor">
+            <a:schemeClr val="lt1"/>
+          </a:fontRef>
+        </p:style>
+        <p:txBody>
+          <a:bodyPr rtlCol="0" anchor="ctr"/>
+          <a:lstStyle/>
+          <a:p>
+            <a:pPr algn="ctr"/>
             <a:r>
               <a:rPr lang="en-US" dirty="0"/>
-              <a:t>Sigma = 0.05 c/nm2</a:t>
-            </a:r>
-          </a:p>
-          <a:p>
+              <a:t>20</a:t>
+            </a:r>
+          </a:p>
+        </p:txBody>
+      </p:sp>
+      <p:grpSp>
+        <p:nvGrpSpPr>
+          <p:cNvPr id="15" name="Group 14">
+            <a:extLst>
+              <a:ext uri="{FF2B5EF4-FFF2-40B4-BE49-F238E27FC236}">
+                <a16:creationId xmlns:a16="http://schemas.microsoft.com/office/drawing/2014/main" id="{44A82D20-5CCC-8411-5966-AA4C82334625}"/>
+              </a:ext>
+            </a:extLst>
+          </p:cNvPr>
+          <p:cNvGrpSpPr/>
+          <p:nvPr/>
+        </p:nvGrpSpPr>
+        <p:grpSpPr>
+          <a:xfrm>
+            <a:off x="2145674" y="4612321"/>
+            <a:ext cx="3433346" cy="2097195"/>
+            <a:chOff x="316874" y="4625337"/>
+            <a:chExt cx="3433346" cy="2097195"/>
+          </a:xfrm>
+        </p:grpSpPr>
+        <p:pic>
+          <p:nvPicPr>
+            <p:cNvPr id="12" name="Picture 11">
+              <a:extLst>
+                <a:ext uri="{FF2B5EF4-FFF2-40B4-BE49-F238E27FC236}">
+                  <a16:creationId xmlns:a16="http://schemas.microsoft.com/office/drawing/2014/main" id="{C5E2A0B3-976E-CBCD-A46E-B65D1620E54B}"/>
+                </a:ext>
+              </a:extLst>
+            </p:cNvPr>
+            <p:cNvPicPr>
+              <a:picLocks noChangeAspect="1"/>
+            </p:cNvPicPr>
+            <p:nvPr/>
+          </p:nvPicPr>
+          <p:blipFill>
+            <a:blip r:embed="rId5"/>
+            <a:stretch>
+              <a:fillRect/>
+            </a:stretch>
+          </p:blipFill>
+          <p:spPr>
+            <a:xfrm>
+              <a:off x="316874" y="4625337"/>
+              <a:ext cx="3433346" cy="2097195"/>
+            </a:xfrm>
+            <a:prstGeom prst="rect">
+              <a:avLst/>
+            </a:prstGeom>
+          </p:spPr>
+        </p:pic>
+        <p:sp>
+          <p:nvSpPr>
+            <p:cNvPr id="14" name="TextBox 13">
+              <a:extLst>
+                <a:ext uri="{FF2B5EF4-FFF2-40B4-BE49-F238E27FC236}">
+                  <a16:creationId xmlns:a16="http://schemas.microsoft.com/office/drawing/2014/main" id="{9138D671-2C35-7FD4-C347-FF6DB1045AC1}"/>
+                </a:ext>
+              </a:extLst>
+            </p:cNvPr>
+            <p:cNvSpPr txBox="1"/>
+            <p:nvPr/>
+          </p:nvSpPr>
+          <p:spPr>
+            <a:xfrm>
+              <a:off x="2241427" y="4756721"/>
+              <a:ext cx="1427134" cy="338554"/>
+            </a:xfrm>
+            <a:prstGeom prst="rect">
+              <a:avLst/>
+            </a:prstGeom>
+            <a:noFill/>
+          </p:spPr>
+          <p:txBody>
+            <a:bodyPr wrap="square" rtlCol="0">
+              <a:spAutoFit/>
+            </a:bodyPr>
+            <a:lstStyle/>
+            <a:p>
+              <a:pPr algn="r"/>
+              <a:r>
+                <a:rPr lang="en-US" sz="1600" dirty="0">
+                  <a:solidFill>
+                    <a:schemeClr val="bg1"/>
+                  </a:solidFill>
+                </a:rPr>
+                <a:t>x100</a:t>
+              </a:r>
+            </a:p>
+          </p:txBody>
+        </p:sp>
+      </p:grpSp>
+      <p:sp>
+        <p:nvSpPr>
+          <p:cNvPr id="21" name="Rectangle 20">
+            <a:extLst>
+              <a:ext uri="{FF2B5EF4-FFF2-40B4-BE49-F238E27FC236}">
+                <a16:creationId xmlns:a16="http://schemas.microsoft.com/office/drawing/2014/main" id="{46B7372B-C2A2-8FAC-CBB4-3BA317138E71}"/>
+              </a:ext>
+            </a:extLst>
+          </p:cNvPr>
+          <p:cNvSpPr/>
+          <p:nvPr/>
+        </p:nvSpPr>
+        <p:spPr>
+          <a:xfrm>
+            <a:off x="5121057" y="4459486"/>
+            <a:ext cx="611516" cy="311105"/>
+          </a:xfrm>
+          <a:prstGeom prst="rect">
+            <a:avLst/>
+          </a:prstGeom>
+          <a:solidFill>
+            <a:schemeClr val="tx1"/>
+          </a:solidFill>
+        </p:spPr>
+        <p:style>
+          <a:lnRef idx="2">
+            <a:schemeClr val="accent1">
+              <a:shade val="15000"/>
+            </a:schemeClr>
+          </a:lnRef>
+          <a:fillRef idx="1">
+            <a:schemeClr val="accent1"/>
+          </a:fillRef>
+          <a:effectRef idx="0">
+            <a:schemeClr val="accent1"/>
+          </a:effectRef>
+          <a:fontRef idx="minor">
+            <a:schemeClr val="lt1"/>
+          </a:fontRef>
+        </p:style>
+        <p:txBody>
+          <a:bodyPr rtlCol="0" anchor="ctr"/>
+          <a:lstStyle/>
+          <a:p>
+            <a:pPr algn="ctr"/>
             <a:r>
               <a:rPr lang="en-US" dirty="0"/>
-              <a:t>Lx = 15 nm</a:t>
-            </a:r>
-          </a:p>
-          <a:p>
+              <a:t>20</a:t>
+            </a:r>
+          </a:p>
+        </p:txBody>
+      </p:sp>
+      <p:sp>
+        <p:nvSpPr>
+          <p:cNvPr id="13" name="Rectangle 12">
+            <a:extLst>
+              <a:ext uri="{FF2B5EF4-FFF2-40B4-BE49-F238E27FC236}">
+                <a16:creationId xmlns:a16="http://schemas.microsoft.com/office/drawing/2014/main" id="{704FF892-120B-7F76-606E-C9EFADBFD433}"/>
+              </a:ext>
+            </a:extLst>
+          </p:cNvPr>
+          <p:cNvSpPr/>
+          <p:nvPr/>
+        </p:nvSpPr>
+        <p:spPr>
+          <a:xfrm>
+            <a:off x="5191603" y="6298484"/>
+            <a:ext cx="611516" cy="311105"/>
+          </a:xfrm>
+          <a:prstGeom prst="rect">
+            <a:avLst/>
+          </a:prstGeom>
+          <a:solidFill>
+            <a:schemeClr val="tx1"/>
+          </a:solidFill>
+        </p:spPr>
+        <p:style>
+          <a:lnRef idx="2">
+            <a:schemeClr val="accent1">
+              <a:shade val="15000"/>
+            </a:schemeClr>
+          </a:lnRef>
+          <a:fillRef idx="1">
+            <a:schemeClr val="accent1"/>
+          </a:fillRef>
+          <a:effectRef idx="0">
+            <a:schemeClr val="accent1"/>
+          </a:effectRef>
+          <a:fontRef idx="minor">
+            <a:schemeClr val="lt1"/>
+          </a:fontRef>
+        </p:style>
+        <p:txBody>
+          <a:bodyPr rtlCol="0" anchor="ctr"/>
+          <a:lstStyle/>
+          <a:p>
+            <a:pPr algn="ctr"/>
             <a:r>
               <a:rPr lang="en-US" dirty="0"/>
-              <a:t>Ly = 15 nm</a:t>
-            </a:r>
-          </a:p>
-          <a:p>
+              <a:t>20</a:t>
+            </a:r>
+          </a:p>
+        </p:txBody>
+      </p:sp>
+      <p:grpSp>
+        <p:nvGrpSpPr>
+          <p:cNvPr id="33" name="Group 32">
+            <a:extLst>
+              <a:ext uri="{FF2B5EF4-FFF2-40B4-BE49-F238E27FC236}">
+                <a16:creationId xmlns:a16="http://schemas.microsoft.com/office/drawing/2014/main" id="{553242B5-1BCB-D4FD-728E-4BE0A1320CD0}"/>
+              </a:ext>
+            </a:extLst>
+          </p:cNvPr>
+          <p:cNvGrpSpPr/>
+          <p:nvPr/>
+        </p:nvGrpSpPr>
+        <p:grpSpPr>
+          <a:xfrm>
+            <a:off x="5902792" y="915564"/>
+            <a:ext cx="3251425" cy="2060521"/>
+            <a:chOff x="4073992" y="928580"/>
+            <a:chExt cx="3251425" cy="2060521"/>
+          </a:xfrm>
+        </p:grpSpPr>
+        <p:pic>
+          <p:nvPicPr>
+            <p:cNvPr id="17" name="Picture 16">
+              <a:extLst>
+                <a:ext uri="{FF2B5EF4-FFF2-40B4-BE49-F238E27FC236}">
+                  <a16:creationId xmlns:a16="http://schemas.microsoft.com/office/drawing/2014/main" id="{D23A8D83-03FE-35C2-9526-F8D63B3F7827}"/>
+                </a:ext>
+              </a:extLst>
+            </p:cNvPr>
+            <p:cNvPicPr>
+              <a:picLocks noChangeAspect="1"/>
+            </p:cNvPicPr>
+            <p:nvPr/>
+          </p:nvPicPr>
+          <p:blipFill>
+            <a:blip r:embed="rId6"/>
+            <a:stretch>
+              <a:fillRect/>
+            </a:stretch>
+          </p:blipFill>
+          <p:spPr>
+            <a:xfrm>
+              <a:off x="4073992" y="928580"/>
+              <a:ext cx="3251425" cy="2060521"/>
+            </a:xfrm>
+            <a:prstGeom prst="rect">
+              <a:avLst/>
+            </a:prstGeom>
+          </p:spPr>
+        </p:pic>
+        <p:sp>
+          <p:nvSpPr>
+            <p:cNvPr id="31" name="TextBox 30">
+              <a:extLst>
+                <a:ext uri="{FF2B5EF4-FFF2-40B4-BE49-F238E27FC236}">
+                  <a16:creationId xmlns:a16="http://schemas.microsoft.com/office/drawing/2014/main" id="{2A76C8A4-7817-78F7-90BC-C7B53646761A}"/>
+                </a:ext>
+              </a:extLst>
+            </p:cNvPr>
+            <p:cNvSpPr txBox="1"/>
+            <p:nvPr/>
+          </p:nvSpPr>
+          <p:spPr>
+            <a:xfrm>
+              <a:off x="5814079" y="999765"/>
+              <a:ext cx="1427134" cy="338554"/>
+            </a:xfrm>
+            <a:prstGeom prst="rect">
+              <a:avLst/>
+            </a:prstGeom>
+            <a:noFill/>
+          </p:spPr>
+          <p:txBody>
+            <a:bodyPr wrap="square" rtlCol="0">
+              <a:spAutoFit/>
+            </a:bodyPr>
+            <a:lstStyle/>
+            <a:p>
+              <a:pPr algn="r"/>
+              <a:r>
+                <a:rPr lang="en-US" sz="1600" dirty="0">
+                  <a:solidFill>
+                    <a:schemeClr val="bg1"/>
+                  </a:solidFill>
+                </a:rPr>
+                <a:t>a010x075</a:t>
+              </a:r>
+            </a:p>
+          </p:txBody>
+        </p:sp>
+      </p:grpSp>
+      <p:grpSp>
+        <p:nvGrpSpPr>
+          <p:cNvPr id="34" name="Group 33">
+            <a:extLst>
+              <a:ext uri="{FF2B5EF4-FFF2-40B4-BE49-F238E27FC236}">
+                <a16:creationId xmlns:a16="http://schemas.microsoft.com/office/drawing/2014/main" id="{CB35BE69-4569-C923-C220-5083141AA4EC}"/>
+              </a:ext>
+            </a:extLst>
+          </p:cNvPr>
+          <p:cNvGrpSpPr/>
+          <p:nvPr/>
+        </p:nvGrpSpPr>
+        <p:grpSpPr>
+          <a:xfrm>
+            <a:off x="5902792" y="2794189"/>
+            <a:ext cx="3251424" cy="2049718"/>
+            <a:chOff x="4073992" y="2807205"/>
+            <a:chExt cx="3251424" cy="2049718"/>
+          </a:xfrm>
+        </p:grpSpPr>
+        <p:pic>
+          <p:nvPicPr>
+            <p:cNvPr id="28" name="Picture 27">
+              <a:extLst>
+                <a:ext uri="{FF2B5EF4-FFF2-40B4-BE49-F238E27FC236}">
+                  <a16:creationId xmlns:a16="http://schemas.microsoft.com/office/drawing/2014/main" id="{87008589-EF14-2BCA-C8D3-EAA412DD35F3}"/>
+                </a:ext>
+              </a:extLst>
+            </p:cNvPr>
+            <p:cNvPicPr>
+              <a:picLocks noChangeAspect="1"/>
+            </p:cNvPicPr>
+            <p:nvPr/>
+          </p:nvPicPr>
+          <p:blipFill>
+            <a:blip r:embed="rId7"/>
+            <a:stretch>
+              <a:fillRect/>
+            </a:stretch>
+          </p:blipFill>
+          <p:spPr>
+            <a:xfrm>
+              <a:off x="4073992" y="2807205"/>
+              <a:ext cx="3251424" cy="2049718"/>
+            </a:xfrm>
+            <a:prstGeom prst="rect">
+              <a:avLst/>
+            </a:prstGeom>
+          </p:spPr>
+        </p:pic>
+        <p:sp>
+          <p:nvSpPr>
+            <p:cNvPr id="32" name="TextBox 31">
+              <a:extLst>
+                <a:ext uri="{FF2B5EF4-FFF2-40B4-BE49-F238E27FC236}">
+                  <a16:creationId xmlns:a16="http://schemas.microsoft.com/office/drawing/2014/main" id="{BE7EADBC-8477-28D4-BD56-F4560B21E1FD}"/>
+                </a:ext>
+              </a:extLst>
+            </p:cNvPr>
+            <p:cNvSpPr txBox="1"/>
+            <p:nvPr/>
+          </p:nvSpPr>
+          <p:spPr>
+            <a:xfrm>
+              <a:off x="5814079" y="2925862"/>
+              <a:ext cx="1427134" cy="338554"/>
+            </a:xfrm>
+            <a:prstGeom prst="rect">
+              <a:avLst/>
+            </a:prstGeom>
+            <a:noFill/>
+          </p:spPr>
+          <p:txBody>
+            <a:bodyPr wrap="square" rtlCol="0">
+              <a:spAutoFit/>
+            </a:bodyPr>
+            <a:lstStyle/>
+            <a:p>
+              <a:pPr algn="r"/>
+              <a:r>
+                <a:rPr lang="en-US" sz="1600" dirty="0">
+                  <a:solidFill>
+                    <a:schemeClr val="bg1"/>
+                  </a:solidFill>
+                </a:rPr>
+                <a:t>a020x075</a:t>
+              </a:r>
+            </a:p>
+          </p:txBody>
+        </p:sp>
+      </p:grpSp>
+      <p:grpSp>
+        <p:nvGrpSpPr>
+          <p:cNvPr id="36" name="Group 35">
+            <a:extLst>
+              <a:ext uri="{FF2B5EF4-FFF2-40B4-BE49-F238E27FC236}">
+                <a16:creationId xmlns:a16="http://schemas.microsoft.com/office/drawing/2014/main" id="{5B541305-F82D-42E4-4D58-459CC806A261}"/>
+              </a:ext>
+            </a:extLst>
+          </p:cNvPr>
+          <p:cNvGrpSpPr/>
+          <p:nvPr/>
+        </p:nvGrpSpPr>
+        <p:grpSpPr>
+          <a:xfrm>
+            <a:off x="5880140" y="4672352"/>
+            <a:ext cx="3251424" cy="2050180"/>
+            <a:chOff x="4051340" y="4685368"/>
+            <a:chExt cx="3251424" cy="2050180"/>
+          </a:xfrm>
+        </p:grpSpPr>
+        <p:pic>
+          <p:nvPicPr>
+            <p:cNvPr id="30" name="Picture 29">
+              <a:extLst>
+                <a:ext uri="{FF2B5EF4-FFF2-40B4-BE49-F238E27FC236}">
+                  <a16:creationId xmlns:a16="http://schemas.microsoft.com/office/drawing/2014/main" id="{5EB4FC1F-A624-46BB-F423-4D50C33C2718}"/>
+                </a:ext>
+              </a:extLst>
+            </p:cNvPr>
+            <p:cNvPicPr>
+              <a:picLocks noChangeAspect="1"/>
+            </p:cNvPicPr>
+            <p:nvPr/>
+          </p:nvPicPr>
+          <p:blipFill>
+            <a:blip r:embed="rId8"/>
+            <a:stretch>
+              <a:fillRect/>
+            </a:stretch>
+          </p:blipFill>
+          <p:spPr>
+            <a:xfrm>
+              <a:off x="4051340" y="4685368"/>
+              <a:ext cx="3251424" cy="2050180"/>
+            </a:xfrm>
+            <a:prstGeom prst="rect">
+              <a:avLst/>
+            </a:prstGeom>
+          </p:spPr>
+        </p:pic>
+        <p:sp>
+          <p:nvSpPr>
+            <p:cNvPr id="35" name="TextBox 34">
+              <a:extLst>
+                <a:ext uri="{FF2B5EF4-FFF2-40B4-BE49-F238E27FC236}">
+                  <a16:creationId xmlns:a16="http://schemas.microsoft.com/office/drawing/2014/main" id="{DBC90B78-388A-194F-76AD-4F2016119825}"/>
+                </a:ext>
+              </a:extLst>
+            </p:cNvPr>
+            <p:cNvSpPr txBox="1"/>
+            <p:nvPr/>
+          </p:nvSpPr>
+          <p:spPr>
+            <a:xfrm>
+              <a:off x="5814079" y="4925998"/>
+              <a:ext cx="1427134" cy="338554"/>
+            </a:xfrm>
+            <a:prstGeom prst="rect">
+              <a:avLst/>
+            </a:prstGeom>
+            <a:noFill/>
+          </p:spPr>
+          <p:txBody>
+            <a:bodyPr wrap="square" rtlCol="0">
+              <a:spAutoFit/>
+            </a:bodyPr>
+            <a:lstStyle/>
+            <a:p>
+              <a:pPr algn="r"/>
+              <a:r>
+                <a:rPr lang="en-US" sz="1600" dirty="0">
+                  <a:solidFill>
+                    <a:schemeClr val="bg1"/>
+                  </a:solidFill>
+                </a:rPr>
+                <a:t>a030x075</a:t>
+              </a:r>
+            </a:p>
+          </p:txBody>
+        </p:sp>
+      </p:grpSp>
+      <p:sp>
+        <p:nvSpPr>
+          <p:cNvPr id="41" name="Rectangle 40">
+            <a:extLst>
+              <a:ext uri="{FF2B5EF4-FFF2-40B4-BE49-F238E27FC236}">
+                <a16:creationId xmlns:a16="http://schemas.microsoft.com/office/drawing/2014/main" id="{48041710-6FD8-4FB7-1486-39ADE81D5376}"/>
+              </a:ext>
+            </a:extLst>
+          </p:cNvPr>
+          <p:cNvSpPr/>
+          <p:nvPr/>
+        </p:nvSpPr>
+        <p:spPr>
+          <a:xfrm>
+            <a:off x="8859427" y="6325556"/>
+            <a:ext cx="611516" cy="311105"/>
+          </a:xfrm>
+          <a:prstGeom prst="rect">
+            <a:avLst/>
+          </a:prstGeom>
+          <a:solidFill>
+            <a:schemeClr val="tx1"/>
+          </a:solidFill>
+        </p:spPr>
+        <p:style>
+          <a:lnRef idx="2">
+            <a:schemeClr val="accent1">
+              <a:shade val="15000"/>
+            </a:schemeClr>
+          </a:lnRef>
+          <a:fillRef idx="1">
+            <a:schemeClr val="accent1"/>
+          </a:fillRef>
+          <a:effectRef idx="0">
+            <a:schemeClr val="accent1"/>
+          </a:effectRef>
+          <a:fontRef idx="minor">
+            <a:schemeClr val="lt1"/>
+          </a:fontRef>
+        </p:style>
+        <p:txBody>
+          <a:bodyPr rtlCol="0" anchor="ctr"/>
+          <a:lstStyle/>
+          <a:p>
+            <a:pPr algn="ctr"/>
             <a:r>
               <a:rPr lang="en-US" dirty="0"/>
-              <a:t>dx = 0.4 nm</a:t>
-            </a:r>
-          </a:p>
-        </p:txBody>
-      </p:sp>
-      <p:sp>
-        <p:nvSpPr>
-          <p:cNvPr id="4" name="TextBox 3">
-            <a:extLst>
-              <a:ext uri="{FF2B5EF4-FFF2-40B4-BE49-F238E27FC236}">
-                <a16:creationId xmlns:a16="http://schemas.microsoft.com/office/drawing/2014/main" id="{431FD48E-52DE-AC6E-5D2D-A03BFCBE0CEE}"/>
-              </a:ext>
-            </a:extLst>
-          </p:cNvPr>
-          <p:cNvSpPr txBox="1"/>
-          <p:nvPr/>
-        </p:nvSpPr>
-        <p:spPr>
-          <a:xfrm>
-            <a:off x="1192694" y="3776869"/>
-            <a:ext cx="7026965" cy="1754326"/>
+              <a:t>30</a:t>
+            </a:r>
+          </a:p>
+        </p:txBody>
+      </p:sp>
+      <p:sp>
+        <p:nvSpPr>
+          <p:cNvPr id="38" name="Rectangle 37">
+            <a:extLst>
+              <a:ext uri="{FF2B5EF4-FFF2-40B4-BE49-F238E27FC236}">
+                <a16:creationId xmlns:a16="http://schemas.microsoft.com/office/drawing/2014/main" id="{F963DB17-8142-0DC2-E50E-ED76BF849776}"/>
+              </a:ext>
+            </a:extLst>
+          </p:cNvPr>
+          <p:cNvSpPr/>
+          <p:nvPr/>
+        </p:nvSpPr>
+        <p:spPr>
+          <a:xfrm>
+            <a:off x="8859427" y="4485445"/>
+            <a:ext cx="611516" cy="311105"/>
           </a:xfrm>
           <a:prstGeom prst="rect">
             <a:avLst/>
           </a:prstGeom>
-          <a:noFill/>
-        </p:spPr>
-        <p:txBody>
-          <a:bodyPr wrap="square" rtlCol="0">
-            <a:spAutoFit/>
-          </a:bodyPr>
-          <a:lstStyle/>
-          <a:p>
+          <a:solidFill>
+            <a:schemeClr val="tx1"/>
+          </a:solidFill>
+        </p:spPr>
+        <p:style>
+          <a:lnRef idx="2">
+            <a:schemeClr val="accent1">
+              <a:shade val="15000"/>
+            </a:schemeClr>
+          </a:lnRef>
+          <a:fillRef idx="1">
+            <a:schemeClr val="accent1"/>
+          </a:fillRef>
+          <a:effectRef idx="0">
+            <a:schemeClr val="accent1"/>
+          </a:effectRef>
+          <a:fontRef idx="minor">
+            <a:schemeClr val="lt1"/>
+          </a:fontRef>
+        </p:style>
+        <p:txBody>
+          <a:bodyPr rtlCol="0" anchor="ctr"/>
+          <a:lstStyle/>
+          <a:p>
+            <a:pPr algn="ctr"/>
             <a:r>
               <a:rPr lang="en-US" dirty="0"/>
-              <a:t>Cast in terms of dx (for rounding and PBC for grafting points): </a:t>
-            </a:r>
-          </a:p>
-          <a:p>
+              <a:t>30</a:t>
+            </a:r>
+          </a:p>
+        </p:txBody>
+      </p:sp>
+      <p:sp>
+        <p:nvSpPr>
+          <p:cNvPr id="16" name="Rectangle 15">
+            <a:extLst>
+              <a:ext uri="{FF2B5EF4-FFF2-40B4-BE49-F238E27FC236}">
+                <a16:creationId xmlns:a16="http://schemas.microsoft.com/office/drawing/2014/main" id="{5ABC2824-7410-AAE5-65F2-32EA62B33217}"/>
+              </a:ext>
+            </a:extLst>
+          </p:cNvPr>
+          <p:cNvSpPr/>
+          <p:nvPr/>
+        </p:nvSpPr>
+        <p:spPr>
+          <a:xfrm>
+            <a:off x="8773998" y="2558750"/>
+            <a:ext cx="611516" cy="311105"/>
+          </a:xfrm>
+          <a:prstGeom prst="rect">
+            <a:avLst/>
+          </a:prstGeom>
+          <a:solidFill>
+            <a:schemeClr val="tx1"/>
+          </a:solidFill>
+        </p:spPr>
+        <p:style>
+          <a:lnRef idx="2">
+            <a:schemeClr val="accent1">
+              <a:shade val="15000"/>
+            </a:schemeClr>
+          </a:lnRef>
+          <a:fillRef idx="1">
+            <a:schemeClr val="accent1"/>
+          </a:fillRef>
+          <a:effectRef idx="0">
+            <a:schemeClr val="accent1"/>
+          </a:effectRef>
+          <a:fontRef idx="minor">
+            <a:schemeClr val="lt1"/>
+          </a:fontRef>
+        </p:style>
+        <p:txBody>
+          <a:bodyPr rtlCol="0" anchor="ctr"/>
+          <a:lstStyle/>
+          <a:p>
+            <a:pPr algn="ctr"/>
             <a:r>
               <a:rPr lang="en-US" dirty="0"/>
-              <a:t>	Sigma = 0.0668 c/nm2</a:t>
-            </a:r>
-          </a:p>
-          <a:p>
-            <a:r>
-              <a:rPr lang="en-US" dirty="0"/>
-              <a:t>	Lx = 14.80 nm</a:t>
-            </a:r>
-          </a:p>
-          <a:p>
-            <a:r>
-              <a:rPr lang="en-US" dirty="0"/>
-              <a:t>	Ly = 11.20 nm</a:t>
-            </a:r>
-          </a:p>
-          <a:p>
-            <a:endParaRPr lang="en-US" dirty="0"/>
-          </a:p>
-          <a:p>
-            <a:r>
-              <a:rPr lang="en-US" dirty="0"/>
-              <a:t>(Sigma error decrease with dx)</a:t>
+              <a:t>30</a:t>
             </a:r>
           </a:p>
         </p:txBody>
@@ -3547,7 +4381,7 @@
     </p:spTree>
     <p:extLst>
       <p:ext uri="{BB962C8B-B14F-4D97-AF65-F5344CB8AC3E}">
-        <p14:creationId xmlns:p14="http://schemas.microsoft.com/office/powerpoint/2010/main" val="782308025"/>
+        <p14:creationId xmlns:p14="http://schemas.microsoft.com/office/powerpoint/2010/main" val="3387991481"/>
       </p:ext>
     </p:extLst>
   </p:cSld>
@@ -3574,6 +4408,1457 @@
           <a:chExt cx="0" cy="0"/>
         </a:xfrm>
       </p:grpSpPr>
+      <p:sp>
+        <p:nvSpPr>
+          <p:cNvPr id="2" name="Title 1">
+            <a:extLst>
+              <a:ext uri="{FF2B5EF4-FFF2-40B4-BE49-F238E27FC236}">
+                <a16:creationId xmlns:a16="http://schemas.microsoft.com/office/drawing/2014/main" id="{C872131D-FE4F-A224-AF09-4A0D93F4B83D}"/>
+              </a:ext>
+            </a:extLst>
+          </p:cNvPr>
+          <p:cNvSpPr>
+            <a:spLocks noGrp="1"/>
+          </p:cNvSpPr>
+          <p:nvPr>
+            <p:ph type="title"/>
+          </p:nvPr>
+        </p:nvSpPr>
+        <p:spPr>
+          <a:xfrm>
+            <a:off x="177800" y="152400"/>
+            <a:ext cx="10515600" cy="846667"/>
+          </a:xfrm>
+        </p:spPr>
+        <p:txBody>
+          <a:bodyPr/>
+          <a:lstStyle/>
+          <a:p>
+            <a:r>
+              <a:rPr lang="en-US" dirty="0"/>
+              <a:t>Numerical space (</a:t>
+            </a:r>
+            <a:r>
+              <a:rPr lang="en-US" dirty="0" err="1"/>
+              <a:t>dz</a:t>
+            </a:r>
+            <a:r>
+              <a:rPr lang="en-US" dirty="0"/>
+              <a:t>, ds, Y)</a:t>
+            </a:r>
+          </a:p>
+        </p:txBody>
+      </p:sp>
+      <p:grpSp>
+        <p:nvGrpSpPr>
+          <p:cNvPr id="6" name="Group 5">
+            <a:extLst>
+              <a:ext uri="{FF2B5EF4-FFF2-40B4-BE49-F238E27FC236}">
+                <a16:creationId xmlns:a16="http://schemas.microsoft.com/office/drawing/2014/main" id="{A13F0B45-BB66-3557-9F93-21BAD433EB8E}"/>
+              </a:ext>
+            </a:extLst>
+          </p:cNvPr>
+          <p:cNvGrpSpPr/>
+          <p:nvPr/>
+        </p:nvGrpSpPr>
+        <p:grpSpPr>
+          <a:xfrm>
+            <a:off x="79907" y="999067"/>
+            <a:ext cx="3539593" cy="1972099"/>
+            <a:chOff x="79907" y="999067"/>
+            <a:chExt cx="3857094" cy="2313282"/>
+          </a:xfrm>
+        </p:grpSpPr>
+        <p:pic>
+          <p:nvPicPr>
+            <p:cNvPr id="5" name="Picture 4">
+              <a:extLst>
+                <a:ext uri="{FF2B5EF4-FFF2-40B4-BE49-F238E27FC236}">
+                  <a16:creationId xmlns:a16="http://schemas.microsoft.com/office/drawing/2014/main" id="{BB5A1A42-0E04-194D-6BE4-B45470695B5F}"/>
+                </a:ext>
+              </a:extLst>
+            </p:cNvPr>
+            <p:cNvPicPr>
+              <a:picLocks noChangeAspect="1"/>
+            </p:cNvPicPr>
+            <p:nvPr/>
+          </p:nvPicPr>
+          <p:blipFill>
+            <a:blip r:embed="rId2"/>
+            <a:stretch>
+              <a:fillRect/>
+            </a:stretch>
+          </p:blipFill>
+          <p:spPr>
+            <a:xfrm>
+              <a:off x="79907" y="999067"/>
+              <a:ext cx="3857094" cy="2313282"/>
+            </a:xfrm>
+            <a:prstGeom prst="rect">
+              <a:avLst/>
+            </a:prstGeom>
+          </p:spPr>
+        </p:pic>
+        <p:sp>
+          <p:nvSpPr>
+            <p:cNvPr id="3" name="TextBox 2">
+              <a:extLst>
+                <a:ext uri="{FF2B5EF4-FFF2-40B4-BE49-F238E27FC236}">
+                  <a16:creationId xmlns:a16="http://schemas.microsoft.com/office/drawing/2014/main" id="{9B00EC19-3040-94C5-7131-C52E5DACA845}"/>
+                </a:ext>
+              </a:extLst>
+            </p:cNvPr>
+            <p:cNvSpPr txBox="1"/>
+            <p:nvPr/>
+          </p:nvSpPr>
+          <p:spPr>
+            <a:xfrm>
+              <a:off x="2290138" y="1122868"/>
+              <a:ext cx="1530823" cy="397126"/>
+            </a:xfrm>
+            <a:prstGeom prst="rect">
+              <a:avLst/>
+            </a:prstGeom>
+            <a:noFill/>
+          </p:spPr>
+          <p:txBody>
+            <a:bodyPr wrap="square" rtlCol="0">
+              <a:spAutoFit/>
+            </a:bodyPr>
+            <a:lstStyle/>
+            <a:p>
+              <a:pPr algn="r"/>
+              <a:r>
+                <a:rPr lang="en-US" sz="1600" dirty="0">
+                  <a:solidFill>
+                    <a:schemeClr val="bg1"/>
+                  </a:solidFill>
+                </a:rPr>
+                <a:t>a010x075ds05</a:t>
+              </a:r>
+            </a:p>
+          </p:txBody>
+        </p:sp>
+      </p:grpSp>
+      <p:grpSp>
+        <p:nvGrpSpPr>
+          <p:cNvPr id="10" name="Group 9">
+            <a:extLst>
+              <a:ext uri="{FF2B5EF4-FFF2-40B4-BE49-F238E27FC236}">
+                <a16:creationId xmlns:a16="http://schemas.microsoft.com/office/drawing/2014/main" id="{7DDDD7F6-BE41-F183-3FAA-AF3653BA094B}"/>
+              </a:ext>
+            </a:extLst>
+          </p:cNvPr>
+          <p:cNvGrpSpPr/>
+          <p:nvPr/>
+        </p:nvGrpSpPr>
+        <p:grpSpPr>
+          <a:xfrm>
+            <a:off x="79907" y="2772150"/>
+            <a:ext cx="3539593" cy="1977065"/>
+            <a:chOff x="79907" y="3078259"/>
+            <a:chExt cx="3857094" cy="2319108"/>
+          </a:xfrm>
+        </p:grpSpPr>
+        <p:pic>
+          <p:nvPicPr>
+            <p:cNvPr id="8" name="Picture 7">
+              <a:extLst>
+                <a:ext uri="{FF2B5EF4-FFF2-40B4-BE49-F238E27FC236}">
+                  <a16:creationId xmlns:a16="http://schemas.microsoft.com/office/drawing/2014/main" id="{CC56C677-F558-8E4F-2EEA-35AC8E3AF491}"/>
+                </a:ext>
+              </a:extLst>
+            </p:cNvPr>
+            <p:cNvPicPr>
+              <a:picLocks noChangeAspect="1"/>
+            </p:cNvPicPr>
+            <p:nvPr/>
+          </p:nvPicPr>
+          <p:blipFill>
+            <a:blip r:embed="rId3"/>
+            <a:stretch>
+              <a:fillRect/>
+            </a:stretch>
+          </p:blipFill>
+          <p:spPr>
+            <a:xfrm>
+              <a:off x="79907" y="3078259"/>
+              <a:ext cx="3857094" cy="2319108"/>
+            </a:xfrm>
+            <a:prstGeom prst="rect">
+              <a:avLst/>
+            </a:prstGeom>
+          </p:spPr>
+        </p:pic>
+        <p:sp>
+          <p:nvSpPr>
+            <p:cNvPr id="9" name="TextBox 8">
+              <a:extLst>
+                <a:ext uri="{FF2B5EF4-FFF2-40B4-BE49-F238E27FC236}">
+                  <a16:creationId xmlns:a16="http://schemas.microsoft.com/office/drawing/2014/main" id="{314B8FF2-A841-C253-60D6-DF2A80E81D18}"/>
+                </a:ext>
+              </a:extLst>
+            </p:cNvPr>
+            <p:cNvSpPr txBox="1"/>
+            <p:nvPr/>
+          </p:nvSpPr>
+          <p:spPr>
+            <a:xfrm>
+              <a:off x="2290139" y="3187083"/>
+              <a:ext cx="1530823" cy="397126"/>
+            </a:xfrm>
+            <a:prstGeom prst="rect">
+              <a:avLst/>
+            </a:prstGeom>
+            <a:noFill/>
+          </p:spPr>
+          <p:txBody>
+            <a:bodyPr wrap="square" rtlCol="0">
+              <a:spAutoFit/>
+            </a:bodyPr>
+            <a:lstStyle/>
+            <a:p>
+              <a:pPr algn="r"/>
+              <a:r>
+                <a:rPr lang="en-US" sz="1600" dirty="0">
+                  <a:solidFill>
+                    <a:schemeClr val="bg1"/>
+                  </a:solidFill>
+                </a:rPr>
+                <a:t>a010x075ds10</a:t>
+              </a:r>
+            </a:p>
+          </p:txBody>
+        </p:sp>
+      </p:grpSp>
+      <p:grpSp>
+        <p:nvGrpSpPr>
+          <p:cNvPr id="14" name="Group 13">
+            <a:extLst>
+              <a:ext uri="{FF2B5EF4-FFF2-40B4-BE49-F238E27FC236}">
+                <a16:creationId xmlns:a16="http://schemas.microsoft.com/office/drawing/2014/main" id="{3B2E98D1-8115-CD34-E9A0-37910EF62244}"/>
+              </a:ext>
+            </a:extLst>
+          </p:cNvPr>
+          <p:cNvGrpSpPr/>
+          <p:nvPr/>
+        </p:nvGrpSpPr>
+        <p:grpSpPr>
+          <a:xfrm>
+            <a:off x="79907" y="4575579"/>
+            <a:ext cx="3539594" cy="2130021"/>
+            <a:chOff x="79907" y="4575579"/>
+            <a:chExt cx="3539594" cy="2130021"/>
+          </a:xfrm>
+        </p:grpSpPr>
+        <p:pic>
+          <p:nvPicPr>
+            <p:cNvPr id="12" name="Picture 11">
+              <a:extLst>
+                <a:ext uri="{FF2B5EF4-FFF2-40B4-BE49-F238E27FC236}">
+                  <a16:creationId xmlns:a16="http://schemas.microsoft.com/office/drawing/2014/main" id="{40B4132D-6150-6853-9E07-10B9E5CD81C5}"/>
+                </a:ext>
+              </a:extLst>
+            </p:cNvPr>
+            <p:cNvPicPr>
+              <a:picLocks noChangeAspect="1"/>
+            </p:cNvPicPr>
+            <p:nvPr/>
+          </p:nvPicPr>
+          <p:blipFill>
+            <a:blip r:embed="rId4"/>
+            <a:stretch>
+              <a:fillRect/>
+            </a:stretch>
+          </p:blipFill>
+          <p:spPr>
+            <a:xfrm>
+              <a:off x="79907" y="4575579"/>
+              <a:ext cx="3539594" cy="2130021"/>
+            </a:xfrm>
+            <a:prstGeom prst="rect">
+              <a:avLst/>
+            </a:prstGeom>
+          </p:spPr>
+        </p:pic>
+        <p:sp>
+          <p:nvSpPr>
+            <p:cNvPr id="13" name="TextBox 12">
+              <a:extLst>
+                <a:ext uri="{FF2B5EF4-FFF2-40B4-BE49-F238E27FC236}">
+                  <a16:creationId xmlns:a16="http://schemas.microsoft.com/office/drawing/2014/main" id="{9025A14B-B6FE-4BF6-E7EE-D3BFB4FA517E}"/>
+                </a:ext>
+              </a:extLst>
+            </p:cNvPr>
+            <p:cNvSpPr txBox="1"/>
+            <p:nvPr/>
+          </p:nvSpPr>
+          <p:spPr>
+            <a:xfrm>
+              <a:off x="2108200" y="4605318"/>
+              <a:ext cx="1404812" cy="338554"/>
+            </a:xfrm>
+            <a:prstGeom prst="rect">
+              <a:avLst/>
+            </a:prstGeom>
+            <a:noFill/>
+          </p:spPr>
+          <p:txBody>
+            <a:bodyPr wrap="square" rtlCol="0">
+              <a:spAutoFit/>
+            </a:bodyPr>
+            <a:lstStyle/>
+            <a:p>
+              <a:pPr algn="r"/>
+              <a:r>
+                <a:rPr lang="en-US" sz="1600" dirty="0">
+                  <a:solidFill>
+                    <a:schemeClr val="bg1"/>
+                  </a:solidFill>
+                </a:rPr>
+                <a:t>a010x075ds15</a:t>
+              </a:r>
+            </a:p>
+          </p:txBody>
+        </p:sp>
+      </p:grpSp>
+      <p:grpSp>
+        <p:nvGrpSpPr>
+          <p:cNvPr id="18" name="Group 17">
+            <a:extLst>
+              <a:ext uri="{FF2B5EF4-FFF2-40B4-BE49-F238E27FC236}">
+                <a16:creationId xmlns:a16="http://schemas.microsoft.com/office/drawing/2014/main" id="{F27F62A8-D9A7-9DB1-0B13-BBEC8356646B}"/>
+              </a:ext>
+            </a:extLst>
+          </p:cNvPr>
+          <p:cNvGrpSpPr/>
+          <p:nvPr/>
+        </p:nvGrpSpPr>
+        <p:grpSpPr>
+          <a:xfrm>
+            <a:off x="3619500" y="999067"/>
+            <a:ext cx="3119967" cy="1947443"/>
+            <a:chOff x="3619500" y="999067"/>
+            <a:chExt cx="3119967" cy="1947443"/>
+          </a:xfrm>
+        </p:grpSpPr>
+        <p:pic>
+          <p:nvPicPr>
+            <p:cNvPr id="16" name="Picture 15">
+              <a:extLst>
+                <a:ext uri="{FF2B5EF4-FFF2-40B4-BE49-F238E27FC236}">
+                  <a16:creationId xmlns:a16="http://schemas.microsoft.com/office/drawing/2014/main" id="{2DF2A8D0-22BC-8128-A017-D932AB966328}"/>
+                </a:ext>
+              </a:extLst>
+            </p:cNvPr>
+            <p:cNvPicPr>
+              <a:picLocks noChangeAspect="1"/>
+            </p:cNvPicPr>
+            <p:nvPr/>
+          </p:nvPicPr>
+          <p:blipFill>
+            <a:blip r:embed="rId5"/>
+            <a:stretch>
+              <a:fillRect/>
+            </a:stretch>
+          </p:blipFill>
+          <p:spPr>
+            <a:xfrm>
+              <a:off x="3619500" y="999067"/>
+              <a:ext cx="3119967" cy="1947443"/>
+            </a:xfrm>
+            <a:prstGeom prst="rect">
+              <a:avLst/>
+            </a:prstGeom>
+          </p:spPr>
+        </p:pic>
+        <p:sp>
+          <p:nvSpPr>
+            <p:cNvPr id="17" name="TextBox 16">
+              <a:extLst>
+                <a:ext uri="{FF2B5EF4-FFF2-40B4-BE49-F238E27FC236}">
+                  <a16:creationId xmlns:a16="http://schemas.microsoft.com/office/drawing/2014/main" id="{F1A7F78B-8A1D-1FA5-1712-166BDC18AA4C}"/>
+                </a:ext>
+              </a:extLst>
+            </p:cNvPr>
+            <p:cNvSpPr txBox="1"/>
+            <p:nvPr/>
+          </p:nvSpPr>
+          <p:spPr>
+            <a:xfrm>
+              <a:off x="5266267" y="1095447"/>
+              <a:ext cx="1404812" cy="338554"/>
+            </a:xfrm>
+            <a:prstGeom prst="rect">
+              <a:avLst/>
+            </a:prstGeom>
+            <a:noFill/>
+          </p:spPr>
+          <p:txBody>
+            <a:bodyPr wrap="square" rtlCol="0">
+              <a:spAutoFit/>
+            </a:bodyPr>
+            <a:lstStyle/>
+            <a:p>
+              <a:pPr algn="r"/>
+              <a:r>
+                <a:rPr lang="en-US" sz="1600" dirty="0">
+                  <a:solidFill>
+                    <a:schemeClr val="bg1"/>
+                  </a:solidFill>
+                </a:rPr>
+                <a:t>a010x075Y2</a:t>
+              </a:r>
+            </a:p>
+          </p:txBody>
+        </p:sp>
+      </p:grpSp>
+      <p:grpSp>
+        <p:nvGrpSpPr>
+          <p:cNvPr id="22" name="Group 21">
+            <a:extLst>
+              <a:ext uri="{FF2B5EF4-FFF2-40B4-BE49-F238E27FC236}">
+                <a16:creationId xmlns:a16="http://schemas.microsoft.com/office/drawing/2014/main" id="{0F60A013-DEB0-67DA-426C-BC415D091107}"/>
+              </a:ext>
+            </a:extLst>
+          </p:cNvPr>
+          <p:cNvGrpSpPr/>
+          <p:nvPr/>
+        </p:nvGrpSpPr>
+        <p:grpSpPr>
+          <a:xfrm>
+            <a:off x="3619500" y="2784421"/>
+            <a:ext cx="3119967" cy="1952522"/>
+            <a:chOff x="3619500" y="2784421"/>
+            <a:chExt cx="3119967" cy="1952522"/>
+          </a:xfrm>
+        </p:grpSpPr>
+        <p:pic>
+          <p:nvPicPr>
+            <p:cNvPr id="20" name="Picture 19">
+              <a:extLst>
+                <a:ext uri="{FF2B5EF4-FFF2-40B4-BE49-F238E27FC236}">
+                  <a16:creationId xmlns:a16="http://schemas.microsoft.com/office/drawing/2014/main" id="{CD2C9551-D86C-FE5E-3C01-0620304C90FB}"/>
+                </a:ext>
+              </a:extLst>
+            </p:cNvPr>
+            <p:cNvPicPr>
+              <a:picLocks noChangeAspect="1"/>
+            </p:cNvPicPr>
+            <p:nvPr/>
+          </p:nvPicPr>
+          <p:blipFill>
+            <a:blip r:embed="rId6"/>
+            <a:stretch>
+              <a:fillRect/>
+            </a:stretch>
+          </p:blipFill>
+          <p:spPr>
+            <a:xfrm>
+              <a:off x="3619500" y="2784421"/>
+              <a:ext cx="3119967" cy="1952522"/>
+            </a:xfrm>
+            <a:prstGeom prst="rect">
+              <a:avLst/>
+            </a:prstGeom>
+          </p:spPr>
+        </p:pic>
+        <p:sp>
+          <p:nvSpPr>
+            <p:cNvPr id="21" name="TextBox 20">
+              <a:extLst>
+                <a:ext uri="{FF2B5EF4-FFF2-40B4-BE49-F238E27FC236}">
+                  <a16:creationId xmlns:a16="http://schemas.microsoft.com/office/drawing/2014/main" id="{3DA90E3D-76A5-763F-130E-7FEF9F936B56}"/>
+                </a:ext>
+              </a:extLst>
+            </p:cNvPr>
+            <p:cNvSpPr txBox="1"/>
+            <p:nvPr/>
+          </p:nvSpPr>
+          <p:spPr>
+            <a:xfrm>
+              <a:off x="5266267" y="2880801"/>
+              <a:ext cx="1404812" cy="338554"/>
+            </a:xfrm>
+            <a:prstGeom prst="rect">
+              <a:avLst/>
+            </a:prstGeom>
+            <a:noFill/>
+          </p:spPr>
+          <p:txBody>
+            <a:bodyPr wrap="square" rtlCol="0">
+              <a:spAutoFit/>
+            </a:bodyPr>
+            <a:lstStyle/>
+            <a:p>
+              <a:pPr algn="r"/>
+              <a:r>
+                <a:rPr lang="en-US" sz="1600" dirty="0">
+                  <a:solidFill>
+                    <a:schemeClr val="bg1"/>
+                  </a:solidFill>
+                </a:rPr>
+                <a:t>a010x075Y5</a:t>
+              </a:r>
+            </a:p>
+          </p:txBody>
+        </p:sp>
+      </p:grpSp>
+      <p:grpSp>
+        <p:nvGrpSpPr>
+          <p:cNvPr id="26" name="Group 25">
+            <a:extLst>
+              <a:ext uri="{FF2B5EF4-FFF2-40B4-BE49-F238E27FC236}">
+                <a16:creationId xmlns:a16="http://schemas.microsoft.com/office/drawing/2014/main" id="{37D67FCE-99D1-E887-B126-049948A82ADE}"/>
+              </a:ext>
+            </a:extLst>
+          </p:cNvPr>
+          <p:cNvGrpSpPr/>
+          <p:nvPr/>
+        </p:nvGrpSpPr>
+        <p:grpSpPr>
+          <a:xfrm>
+            <a:off x="3643208" y="4611553"/>
+            <a:ext cx="3096259" cy="1952522"/>
+            <a:chOff x="3643208" y="4611553"/>
+            <a:chExt cx="3096259" cy="1952522"/>
+          </a:xfrm>
+        </p:grpSpPr>
+        <p:pic>
+          <p:nvPicPr>
+            <p:cNvPr id="24" name="Picture 23">
+              <a:extLst>
+                <a:ext uri="{FF2B5EF4-FFF2-40B4-BE49-F238E27FC236}">
+                  <a16:creationId xmlns:a16="http://schemas.microsoft.com/office/drawing/2014/main" id="{B33240DC-2A4A-7FC9-93E4-3DE62197F4A0}"/>
+                </a:ext>
+              </a:extLst>
+            </p:cNvPr>
+            <p:cNvPicPr>
+              <a:picLocks noChangeAspect="1"/>
+            </p:cNvPicPr>
+            <p:nvPr/>
+          </p:nvPicPr>
+          <p:blipFill>
+            <a:blip r:embed="rId7"/>
+            <a:stretch>
+              <a:fillRect/>
+            </a:stretch>
+          </p:blipFill>
+          <p:spPr>
+            <a:xfrm>
+              <a:off x="3643208" y="4611553"/>
+              <a:ext cx="3096259" cy="1952522"/>
+            </a:xfrm>
+            <a:prstGeom prst="rect">
+              <a:avLst/>
+            </a:prstGeom>
+          </p:spPr>
+        </p:pic>
+        <p:sp>
+          <p:nvSpPr>
+            <p:cNvPr id="25" name="TextBox 24">
+              <a:extLst>
+                <a:ext uri="{FF2B5EF4-FFF2-40B4-BE49-F238E27FC236}">
+                  <a16:creationId xmlns:a16="http://schemas.microsoft.com/office/drawing/2014/main" id="{040A81A1-BF0A-E34C-1266-179C3EF9AAAF}"/>
+                </a:ext>
+              </a:extLst>
+            </p:cNvPr>
+            <p:cNvSpPr txBox="1"/>
+            <p:nvPr/>
+          </p:nvSpPr>
+          <p:spPr>
+            <a:xfrm>
+              <a:off x="5266267" y="4664046"/>
+              <a:ext cx="1404812" cy="338554"/>
+            </a:xfrm>
+            <a:prstGeom prst="rect">
+              <a:avLst/>
+            </a:prstGeom>
+            <a:noFill/>
+          </p:spPr>
+          <p:txBody>
+            <a:bodyPr wrap="square" rtlCol="0">
+              <a:spAutoFit/>
+            </a:bodyPr>
+            <a:lstStyle/>
+            <a:p>
+              <a:pPr algn="r"/>
+              <a:r>
+                <a:rPr lang="en-US" sz="1600" dirty="0">
+                  <a:solidFill>
+                    <a:schemeClr val="bg1"/>
+                  </a:solidFill>
+                </a:rPr>
+                <a:t>a010x075Y10</a:t>
+              </a:r>
+            </a:p>
+          </p:txBody>
+        </p:sp>
+      </p:grpSp>
+    </p:spTree>
+    <p:extLst>
+      <p:ext uri="{BB962C8B-B14F-4D97-AF65-F5344CB8AC3E}">
+        <p14:creationId xmlns:p14="http://schemas.microsoft.com/office/powerpoint/2010/main" val="3734331090"/>
+      </p:ext>
+    </p:extLst>
+  </p:cSld>
+  <p:clrMapOvr>
+    <a:masterClrMapping/>
+  </p:clrMapOvr>
+</p:sld>
+</file>
+
+<file path=ppt/slides/slide12.xml><?xml version="1.0" encoding="utf-8"?>
+<p:sld xmlns:a="http://schemas.openxmlformats.org/drawingml/2006/main" xmlns:r="http://schemas.openxmlformats.org/officeDocument/2006/relationships" xmlns:p="http://schemas.openxmlformats.org/presentationml/2006/main">
+  <p:cSld>
+    <p:spTree>
+      <p:nvGrpSpPr>
+        <p:cNvPr id="1" name=""/>
+        <p:cNvGrpSpPr/>
+        <p:nvPr/>
+      </p:nvGrpSpPr>
+      <p:grpSpPr>
+        <a:xfrm>
+          <a:off x="0" y="0"/>
+          <a:ext cx="0" cy="0"/>
+          <a:chOff x="0" y="0"/>
+          <a:chExt cx="0" cy="0"/>
+        </a:xfrm>
+      </p:grpSpPr>
+      <p:sp>
+        <p:nvSpPr>
+          <p:cNvPr id="2" name="Title 1">
+            <a:extLst>
+              <a:ext uri="{FF2B5EF4-FFF2-40B4-BE49-F238E27FC236}">
+                <a16:creationId xmlns:a16="http://schemas.microsoft.com/office/drawing/2014/main" id="{D8E6B3C7-F631-659A-C8FC-3120DC85B0FF}"/>
+              </a:ext>
+            </a:extLst>
+          </p:cNvPr>
+          <p:cNvSpPr>
+            <a:spLocks noGrp="1"/>
+          </p:cNvSpPr>
+          <p:nvPr>
+            <p:ph type="title"/>
+          </p:nvPr>
+        </p:nvSpPr>
+        <p:spPr>
+          <a:xfrm>
+            <a:off x="838200" y="319573"/>
+            <a:ext cx="10515600" cy="777875"/>
+          </a:xfrm>
+        </p:spPr>
+        <p:txBody>
+          <a:bodyPr/>
+          <a:lstStyle/>
+          <a:p>
+            <a:r>
+              <a:rPr lang="en-US" dirty="0"/>
+              <a:t>Plate size (Lx=Ly)</a:t>
+            </a:r>
+          </a:p>
+        </p:txBody>
+      </p:sp>
+      <p:sp>
+        <p:nvSpPr>
+          <p:cNvPr id="7" name="TextBox 6">
+            <a:extLst>
+              <a:ext uri="{FF2B5EF4-FFF2-40B4-BE49-F238E27FC236}">
+                <a16:creationId xmlns:a16="http://schemas.microsoft.com/office/drawing/2014/main" id="{AF2E57FD-FD23-4059-E055-26E7B9F0C5ED}"/>
+              </a:ext>
+            </a:extLst>
+          </p:cNvPr>
+          <p:cNvSpPr txBox="1"/>
+          <p:nvPr/>
+        </p:nvSpPr>
+        <p:spPr>
+          <a:xfrm>
+            <a:off x="1210733" y="1918242"/>
+            <a:ext cx="2124075" cy="369332"/>
+          </a:xfrm>
+          <a:prstGeom prst="rect">
+            <a:avLst/>
+          </a:prstGeom>
+          <a:noFill/>
+        </p:spPr>
+        <p:txBody>
+          <a:bodyPr wrap="square" rtlCol="0">
+            <a:spAutoFit/>
+          </a:bodyPr>
+          <a:lstStyle/>
+          <a:p>
+            <a:pPr algn="ctr"/>
+            <a:r>
+              <a:rPr lang="en-US" dirty="0"/>
+              <a:t>a020x075; </a:t>
+            </a:r>
+            <a:r>
+              <a:rPr lang="en-US" dirty="0" err="1"/>
+              <a:t>Lxy</a:t>
+            </a:r>
+            <a:r>
+              <a:rPr lang="en-US" dirty="0"/>
+              <a:t> = 5</a:t>
+            </a:r>
+          </a:p>
+        </p:txBody>
+      </p:sp>
+      <p:pic>
+        <p:nvPicPr>
+          <p:cNvPr id="9" name="Picture 8">
+            <a:extLst>
+              <a:ext uri="{FF2B5EF4-FFF2-40B4-BE49-F238E27FC236}">
+                <a16:creationId xmlns:a16="http://schemas.microsoft.com/office/drawing/2014/main" id="{38255F1E-07EC-3B42-EA3C-9679AC8BE611}"/>
+              </a:ext>
+            </a:extLst>
+          </p:cNvPr>
+          <p:cNvPicPr>
+            <a:picLocks noChangeAspect="1"/>
+          </p:cNvPicPr>
+          <p:nvPr/>
+        </p:nvPicPr>
+        <p:blipFill>
+          <a:blip r:embed="rId2"/>
+          <a:stretch>
+            <a:fillRect/>
+          </a:stretch>
+        </p:blipFill>
+        <p:spPr>
+          <a:xfrm>
+            <a:off x="11372850" y="1990183"/>
+            <a:ext cx="611229" cy="3474798"/>
+          </a:xfrm>
+          <a:prstGeom prst="rect">
+            <a:avLst/>
+          </a:prstGeom>
+        </p:spPr>
+      </p:pic>
+      <p:sp>
+        <p:nvSpPr>
+          <p:cNvPr id="10" name="TextBox 9">
+            <a:extLst>
+              <a:ext uri="{FF2B5EF4-FFF2-40B4-BE49-F238E27FC236}">
+                <a16:creationId xmlns:a16="http://schemas.microsoft.com/office/drawing/2014/main" id="{AB63BB78-A038-5F12-1CD3-2FE1BC1E6C7E}"/>
+              </a:ext>
+            </a:extLst>
+          </p:cNvPr>
+          <p:cNvSpPr txBox="1"/>
+          <p:nvPr/>
+        </p:nvSpPr>
+        <p:spPr>
+          <a:xfrm>
+            <a:off x="4356190" y="1918242"/>
+            <a:ext cx="2124075" cy="369332"/>
+          </a:xfrm>
+          <a:prstGeom prst="rect">
+            <a:avLst/>
+          </a:prstGeom>
+          <a:noFill/>
+        </p:spPr>
+        <p:txBody>
+          <a:bodyPr wrap="square" rtlCol="0">
+            <a:spAutoFit/>
+          </a:bodyPr>
+          <a:lstStyle/>
+          <a:p>
+            <a:pPr algn="ctr"/>
+            <a:r>
+              <a:rPr lang="en-US" dirty="0" err="1"/>
+              <a:t>Lxy</a:t>
+            </a:r>
+            <a:r>
+              <a:rPr lang="en-US" dirty="0"/>
+              <a:t> = 10</a:t>
+            </a:r>
+          </a:p>
+        </p:txBody>
+      </p:sp>
+      <p:sp>
+        <p:nvSpPr>
+          <p:cNvPr id="11" name="TextBox 10">
+            <a:extLst>
+              <a:ext uri="{FF2B5EF4-FFF2-40B4-BE49-F238E27FC236}">
+                <a16:creationId xmlns:a16="http://schemas.microsoft.com/office/drawing/2014/main" id="{B60AA9C2-1426-5048-A0CF-AAB1CD7BC91E}"/>
+              </a:ext>
+            </a:extLst>
+          </p:cNvPr>
+          <p:cNvSpPr txBox="1"/>
+          <p:nvPr/>
+        </p:nvSpPr>
+        <p:spPr>
+          <a:xfrm>
+            <a:off x="7988211" y="1918242"/>
+            <a:ext cx="2124075" cy="369332"/>
+          </a:xfrm>
+          <a:prstGeom prst="rect">
+            <a:avLst/>
+          </a:prstGeom>
+          <a:noFill/>
+        </p:spPr>
+        <p:txBody>
+          <a:bodyPr wrap="square" rtlCol="0">
+            <a:spAutoFit/>
+          </a:bodyPr>
+          <a:lstStyle/>
+          <a:p>
+            <a:pPr algn="ctr"/>
+            <a:r>
+              <a:rPr lang="en-US" dirty="0" err="1"/>
+              <a:t>Lxy</a:t>
+            </a:r>
+            <a:r>
+              <a:rPr lang="en-US" dirty="0"/>
+              <a:t> = 15</a:t>
+            </a:r>
+          </a:p>
+        </p:txBody>
+      </p:sp>
+      <p:pic>
+        <p:nvPicPr>
+          <p:cNvPr id="13" name="Picture 12">
+            <a:extLst>
+              <a:ext uri="{FF2B5EF4-FFF2-40B4-BE49-F238E27FC236}">
+                <a16:creationId xmlns:a16="http://schemas.microsoft.com/office/drawing/2014/main" id="{85AE3E8F-64BE-13BD-179F-FDF3DBE70DA1}"/>
+              </a:ext>
+            </a:extLst>
+          </p:cNvPr>
+          <p:cNvPicPr>
+            <a:picLocks noChangeAspect="1"/>
+          </p:cNvPicPr>
+          <p:nvPr/>
+        </p:nvPicPr>
+        <p:blipFill>
+          <a:blip r:embed="rId3"/>
+          <a:stretch>
+            <a:fillRect/>
+          </a:stretch>
+        </p:blipFill>
+        <p:spPr>
+          <a:xfrm>
+            <a:off x="7289723" y="2464627"/>
+            <a:ext cx="3216250" cy="4020314"/>
+          </a:xfrm>
+          <a:prstGeom prst="rect">
+            <a:avLst/>
+          </a:prstGeom>
+        </p:spPr>
+      </p:pic>
+      <p:pic>
+        <p:nvPicPr>
+          <p:cNvPr id="15" name="Picture 14">
+            <a:extLst>
+              <a:ext uri="{FF2B5EF4-FFF2-40B4-BE49-F238E27FC236}">
+                <a16:creationId xmlns:a16="http://schemas.microsoft.com/office/drawing/2014/main" id="{B41E615B-3BEA-0CAB-DF78-CF525F9742FF}"/>
+              </a:ext>
+            </a:extLst>
+          </p:cNvPr>
+          <p:cNvPicPr>
+            <a:picLocks noChangeAspect="1"/>
+          </p:cNvPicPr>
+          <p:nvPr/>
+        </p:nvPicPr>
+        <p:blipFill>
+          <a:blip r:embed="rId4"/>
+          <a:stretch>
+            <a:fillRect/>
+          </a:stretch>
+        </p:blipFill>
+        <p:spPr>
+          <a:xfrm>
+            <a:off x="4077044" y="2615993"/>
+            <a:ext cx="2496276" cy="3599048"/>
+          </a:xfrm>
+          <a:prstGeom prst="rect">
+            <a:avLst/>
+          </a:prstGeom>
+        </p:spPr>
+      </p:pic>
+      <p:pic>
+        <p:nvPicPr>
+          <p:cNvPr id="17" name="Picture 16">
+            <a:extLst>
+              <a:ext uri="{FF2B5EF4-FFF2-40B4-BE49-F238E27FC236}">
+                <a16:creationId xmlns:a16="http://schemas.microsoft.com/office/drawing/2014/main" id="{37CCF625-3D0F-0AFE-BC70-87E370411143}"/>
+              </a:ext>
+            </a:extLst>
+          </p:cNvPr>
+          <p:cNvPicPr>
+            <a:picLocks noChangeAspect="1"/>
+          </p:cNvPicPr>
+          <p:nvPr/>
+        </p:nvPicPr>
+        <p:blipFill>
+          <a:blip r:embed="rId5"/>
+          <a:stretch>
+            <a:fillRect/>
+          </a:stretch>
+        </p:blipFill>
+        <p:spPr>
+          <a:xfrm>
+            <a:off x="1554053" y="2615993"/>
+            <a:ext cx="1456059" cy="3394745"/>
+          </a:xfrm>
+          <a:prstGeom prst="rect">
+            <a:avLst/>
+          </a:prstGeom>
+        </p:spPr>
+      </p:pic>
+    </p:spTree>
+    <p:extLst>
+      <p:ext uri="{BB962C8B-B14F-4D97-AF65-F5344CB8AC3E}">
+        <p14:creationId xmlns:p14="http://schemas.microsoft.com/office/powerpoint/2010/main" val="2073591459"/>
+      </p:ext>
+    </p:extLst>
+  </p:cSld>
+  <p:clrMapOvr>
+    <a:masterClrMapping/>
+  </p:clrMapOvr>
+</p:sld>
+</file>
+
+<file path=ppt/slides/slide13.xml><?xml version="1.0" encoding="utf-8"?>
+<p:sld xmlns:a="http://schemas.openxmlformats.org/drawingml/2006/main" xmlns:r="http://schemas.openxmlformats.org/officeDocument/2006/relationships" xmlns:p="http://schemas.openxmlformats.org/presentationml/2006/main">
+  <p:cSld>
+    <p:spTree>
+      <p:nvGrpSpPr>
+        <p:cNvPr id="1" name=""/>
+        <p:cNvGrpSpPr/>
+        <p:nvPr/>
+      </p:nvGrpSpPr>
+      <p:grpSpPr>
+        <a:xfrm>
+          <a:off x="0" y="0"/>
+          <a:ext cx="0" cy="0"/>
+          <a:chOff x="0" y="0"/>
+          <a:chExt cx="0" cy="0"/>
+        </a:xfrm>
+      </p:grpSpPr>
+      <p:sp>
+        <p:nvSpPr>
+          <p:cNvPr id="2" name="Title 1">
+            <a:extLst>
+              <a:ext uri="{FF2B5EF4-FFF2-40B4-BE49-F238E27FC236}">
+                <a16:creationId xmlns:a16="http://schemas.microsoft.com/office/drawing/2014/main" id="{A42F1D30-274D-A5B8-3620-4DA31ECE8F5B}"/>
+              </a:ext>
+            </a:extLst>
+          </p:cNvPr>
+          <p:cNvSpPr>
+            <a:spLocks noGrp="1"/>
+          </p:cNvSpPr>
+          <p:nvPr>
+            <p:ph type="title"/>
+          </p:nvPr>
+        </p:nvSpPr>
+        <p:spPr>
+          <a:xfrm>
+            <a:off x="448734" y="2766218"/>
+            <a:ext cx="10515600" cy="1325563"/>
+          </a:xfrm>
+        </p:spPr>
+        <p:txBody>
+          <a:bodyPr/>
+          <a:lstStyle/>
+          <a:p>
+            <a:r>
+              <a:rPr lang="en-US" b="1" dirty="0"/>
+              <a:t>Specifying Grafted Points</a:t>
+            </a:r>
+          </a:p>
+        </p:txBody>
+      </p:sp>
+    </p:spTree>
+    <p:extLst>
+      <p:ext uri="{BB962C8B-B14F-4D97-AF65-F5344CB8AC3E}">
+        <p14:creationId xmlns:p14="http://schemas.microsoft.com/office/powerpoint/2010/main" val="896468000"/>
+      </p:ext>
+    </p:extLst>
+  </p:cSld>
+  <p:clrMapOvr>
+    <a:masterClrMapping/>
+  </p:clrMapOvr>
+</p:sld>
+</file>
+
+<file path=ppt/slides/slide14.xml><?xml version="1.0" encoding="utf-8"?>
+<p:sld xmlns:a="http://schemas.openxmlformats.org/drawingml/2006/main" xmlns:r="http://schemas.openxmlformats.org/officeDocument/2006/relationships" xmlns:p="http://schemas.openxmlformats.org/presentationml/2006/main">
+  <p:cSld>
+    <p:spTree>
+      <p:nvGrpSpPr>
+        <p:cNvPr id="1" name=""/>
+        <p:cNvGrpSpPr/>
+        <p:nvPr/>
+      </p:nvGrpSpPr>
+      <p:grpSpPr>
+        <a:xfrm>
+          <a:off x="0" y="0"/>
+          <a:ext cx="0" cy="0"/>
+          <a:chOff x="0" y="0"/>
+          <a:chExt cx="0" cy="0"/>
+        </a:xfrm>
+      </p:grpSpPr>
+      <p:sp>
+        <p:nvSpPr>
+          <p:cNvPr id="2" name="Title 1">
+            <a:extLst>
+              <a:ext uri="{FF2B5EF4-FFF2-40B4-BE49-F238E27FC236}">
+                <a16:creationId xmlns:a16="http://schemas.microsoft.com/office/drawing/2014/main" id="{EC7A1061-086B-35E4-61C1-83C328D5548E}"/>
+              </a:ext>
+            </a:extLst>
+          </p:cNvPr>
+          <p:cNvSpPr>
+            <a:spLocks noGrp="1"/>
+          </p:cNvSpPr>
+          <p:nvPr>
+            <p:ph type="title"/>
+          </p:nvPr>
+        </p:nvSpPr>
+        <p:spPr/>
+        <p:txBody>
+          <a:bodyPr/>
+          <a:lstStyle/>
+          <a:p>
+            <a:r>
+              <a:rPr lang="en-US" dirty="0"/>
+              <a:t>Strategy</a:t>
+            </a:r>
+          </a:p>
+        </p:txBody>
+      </p:sp>
+      <p:sp>
+        <p:nvSpPr>
+          <p:cNvPr id="3" name="TextBox 2">
+            <a:extLst>
+              <a:ext uri="{FF2B5EF4-FFF2-40B4-BE49-F238E27FC236}">
+                <a16:creationId xmlns:a16="http://schemas.microsoft.com/office/drawing/2014/main" id="{66A4566B-D26D-18F7-2769-748D7813228B}"/>
+              </a:ext>
+            </a:extLst>
+          </p:cNvPr>
+          <p:cNvSpPr txBox="1"/>
+          <p:nvPr/>
+        </p:nvSpPr>
+        <p:spPr>
+          <a:xfrm>
+            <a:off x="714374" y="1895475"/>
+            <a:ext cx="7810500" cy="646331"/>
+          </a:xfrm>
+          <a:prstGeom prst="rect">
+            <a:avLst/>
+          </a:prstGeom>
+          <a:noFill/>
+        </p:spPr>
+        <p:txBody>
+          <a:bodyPr wrap="square" rtlCol="0">
+            <a:spAutoFit/>
+          </a:bodyPr>
+          <a:lstStyle/>
+          <a:p>
+            <a:r>
+              <a:rPr lang="en-US" dirty="0"/>
+              <a:t>2D binary array for surface sites of homogeneously grafted polymer given grafting density, simulation box size, and discretization (and assuming dx = </a:t>
+            </a:r>
+            <a:r>
+              <a:rPr lang="en-US" dirty="0" err="1"/>
+              <a:t>dy</a:t>
+            </a:r>
+            <a:r>
+              <a:rPr lang="en-US" dirty="0"/>
+              <a:t>)</a:t>
+            </a:r>
+          </a:p>
+        </p:txBody>
+      </p:sp>
+      <p:sp>
+        <p:nvSpPr>
+          <p:cNvPr id="4" name="TextBox 3">
+            <a:extLst>
+              <a:ext uri="{FF2B5EF4-FFF2-40B4-BE49-F238E27FC236}">
+                <a16:creationId xmlns:a16="http://schemas.microsoft.com/office/drawing/2014/main" id="{14B153E5-948B-4D25-2B1C-2231E4E7EBA6}"/>
+              </a:ext>
+            </a:extLst>
+          </p:cNvPr>
+          <p:cNvSpPr txBox="1"/>
+          <p:nvPr/>
+        </p:nvSpPr>
+        <p:spPr>
+          <a:xfrm>
+            <a:off x="714374" y="2776538"/>
+            <a:ext cx="11077575" cy="646331"/>
+          </a:xfrm>
+          <a:prstGeom prst="rect">
+            <a:avLst/>
+          </a:prstGeom>
+          <a:noFill/>
+        </p:spPr>
+        <p:txBody>
+          <a:bodyPr wrap="square" rtlCol="0">
+            <a:spAutoFit/>
+          </a:bodyPr>
+          <a:lstStyle/>
+          <a:p>
+            <a:r>
+              <a:rPr lang="en-US" dirty="0" err="1"/>
+              <a:t>Fullspace</a:t>
+            </a:r>
+            <a:r>
+              <a:rPr lang="en-US" dirty="0"/>
+              <a:t> must be periodic on x0 = </a:t>
+            </a:r>
+            <a:r>
+              <a:rPr lang="en-US" dirty="0" err="1"/>
+              <a:t>xL</a:t>
+            </a:r>
+            <a:r>
+              <a:rPr lang="en-US" dirty="0"/>
+              <a:t>, y0 = </a:t>
+            </a:r>
+            <a:r>
+              <a:rPr lang="en-US" dirty="0" err="1"/>
+              <a:t>yL</a:t>
+            </a:r>
+            <a:endParaRPr lang="en-US" dirty="0"/>
+          </a:p>
+          <a:p>
+            <a:r>
+              <a:rPr lang="en-US" dirty="0" err="1"/>
+              <a:t>Halfspace</a:t>
+            </a:r>
+            <a:r>
+              <a:rPr lang="en-US" dirty="0"/>
+              <a:t> must be even on </a:t>
+            </a:r>
+            <a:r>
+              <a:rPr lang="en-US" dirty="0" err="1"/>
+              <a:t>xL</a:t>
+            </a:r>
+            <a:r>
+              <a:rPr lang="en-US" dirty="0"/>
+              <a:t>/2 and </a:t>
+            </a:r>
+            <a:r>
+              <a:rPr lang="en-US" dirty="0" err="1"/>
+              <a:t>yL</a:t>
+            </a:r>
+            <a:r>
+              <a:rPr lang="en-US" dirty="0"/>
+              <a:t>/2 (overlap of boundary following REDFT00) and periodic on x0 = </a:t>
+            </a:r>
+            <a:r>
+              <a:rPr lang="en-US" dirty="0" err="1"/>
+              <a:t>xL</a:t>
+            </a:r>
+            <a:r>
+              <a:rPr lang="en-US" dirty="0"/>
+              <a:t>, y0 = </a:t>
+            </a:r>
+            <a:r>
+              <a:rPr lang="en-US" dirty="0" err="1"/>
+              <a:t>yL</a:t>
+            </a:r>
+            <a:r>
+              <a:rPr lang="en-US" dirty="0"/>
+              <a:t>.</a:t>
+            </a:r>
+          </a:p>
+        </p:txBody>
+      </p:sp>
+      <p:sp>
+        <p:nvSpPr>
+          <p:cNvPr id="5" name="TextBox 4">
+            <a:extLst>
+              <a:ext uri="{FF2B5EF4-FFF2-40B4-BE49-F238E27FC236}">
+                <a16:creationId xmlns:a16="http://schemas.microsoft.com/office/drawing/2014/main" id="{97078C71-47DB-0D25-8BE5-AD0C9CC3C9FD}"/>
+              </a:ext>
+            </a:extLst>
+          </p:cNvPr>
+          <p:cNvSpPr txBox="1"/>
+          <p:nvPr/>
+        </p:nvSpPr>
+        <p:spPr>
+          <a:xfrm>
+            <a:off x="714373" y="3812426"/>
+            <a:ext cx="11077575" cy="369332"/>
+          </a:xfrm>
+          <a:prstGeom prst="rect">
+            <a:avLst/>
+          </a:prstGeom>
+          <a:noFill/>
+        </p:spPr>
+        <p:txBody>
+          <a:bodyPr wrap="square" rtlCol="0">
+            <a:spAutoFit/>
+          </a:bodyPr>
+          <a:lstStyle/>
+          <a:p>
+            <a:r>
+              <a:rPr lang="en-US" dirty="0"/>
+              <a:t>Homogeneous spacing as determined by regular hexagon, where grafting point at centroid of hexagon</a:t>
+            </a:r>
+          </a:p>
+        </p:txBody>
+      </p:sp>
+      <p:sp>
+        <p:nvSpPr>
+          <p:cNvPr id="6" name="TextBox 5">
+            <a:extLst>
+              <a:ext uri="{FF2B5EF4-FFF2-40B4-BE49-F238E27FC236}">
+                <a16:creationId xmlns:a16="http://schemas.microsoft.com/office/drawing/2014/main" id="{067DDA30-EAF3-09E5-D289-BD5F06EA216D}"/>
+              </a:ext>
+            </a:extLst>
+          </p:cNvPr>
+          <p:cNvSpPr txBox="1"/>
+          <p:nvPr/>
+        </p:nvSpPr>
+        <p:spPr>
+          <a:xfrm>
+            <a:off x="714372" y="4508719"/>
+            <a:ext cx="11077575" cy="923330"/>
+          </a:xfrm>
+          <a:prstGeom prst="rect">
+            <a:avLst/>
+          </a:prstGeom>
+          <a:noFill/>
+        </p:spPr>
+        <p:txBody>
+          <a:bodyPr wrap="square" rtlCol="0">
+            <a:spAutoFit/>
+          </a:bodyPr>
+          <a:lstStyle/>
+          <a:p>
+            <a:r>
+              <a:rPr lang="en-US" dirty="0"/>
+              <a:t>In case there are edge effects, try shifting the centroids away from the boundaries of the </a:t>
+            </a:r>
+            <a:r>
+              <a:rPr lang="en-US" dirty="0" err="1"/>
+              <a:t>xy</a:t>
+            </a:r>
+            <a:r>
+              <a:rPr lang="en-US" dirty="0"/>
+              <a:t>-plane (only did for </a:t>
+            </a:r>
+            <a:r>
+              <a:rPr lang="en-US" dirty="0" err="1"/>
+              <a:t>fullspace</a:t>
+            </a:r>
+            <a:r>
+              <a:rPr lang="en-US" dirty="0"/>
+              <a:t>)</a:t>
+            </a:r>
+          </a:p>
+          <a:p>
+            <a:pPr marL="285750" indent="-285750">
+              <a:buFont typeface="Arial" panose="020B0604020202020204" pitchFamily="34" charset="0"/>
+              <a:buChar char="•"/>
+            </a:pPr>
+            <a:r>
+              <a:rPr lang="en-US" dirty="0"/>
+              <a:t>Make sure no edge effects by comparing results of full FFT with cos FFT</a:t>
+            </a:r>
+          </a:p>
+        </p:txBody>
+      </p:sp>
+    </p:spTree>
+    <p:extLst>
+      <p:ext uri="{BB962C8B-B14F-4D97-AF65-F5344CB8AC3E}">
+        <p14:creationId xmlns:p14="http://schemas.microsoft.com/office/powerpoint/2010/main" val="1764039423"/>
+      </p:ext>
+    </p:extLst>
+  </p:cSld>
+  <p:clrMapOvr>
+    <a:masterClrMapping/>
+  </p:clrMapOvr>
+</p:sld>
+</file>
+
+<file path=ppt/slides/slide15.xml><?xml version="1.0" encoding="utf-8"?>
+<p:sld xmlns:a="http://schemas.openxmlformats.org/drawingml/2006/main" xmlns:r="http://schemas.openxmlformats.org/officeDocument/2006/relationships" xmlns:p="http://schemas.openxmlformats.org/presentationml/2006/main">
+  <p:cSld>
+    <p:spTree>
+      <p:nvGrpSpPr>
+        <p:cNvPr id="1" name=""/>
+        <p:cNvGrpSpPr/>
+        <p:nvPr/>
+      </p:nvGrpSpPr>
+      <p:grpSpPr>
+        <a:xfrm>
+          <a:off x="0" y="0"/>
+          <a:ext cx="0" cy="0"/>
+          <a:chOff x="0" y="0"/>
+          <a:chExt cx="0" cy="0"/>
+        </a:xfrm>
+      </p:grpSpPr>
+      <p:sp>
+        <p:nvSpPr>
+          <p:cNvPr id="2" name="Title 1">
+            <a:extLst>
+              <a:ext uri="{FF2B5EF4-FFF2-40B4-BE49-F238E27FC236}">
+                <a16:creationId xmlns:a16="http://schemas.microsoft.com/office/drawing/2014/main" id="{A3926BC3-A860-346A-4F58-1EE4C3E7FB0F}"/>
+              </a:ext>
+            </a:extLst>
+          </p:cNvPr>
+          <p:cNvSpPr>
+            <a:spLocks noGrp="1"/>
+          </p:cNvSpPr>
+          <p:nvPr>
+            <p:ph type="title"/>
+          </p:nvPr>
+        </p:nvSpPr>
+        <p:spPr/>
+        <p:txBody>
+          <a:bodyPr/>
+          <a:lstStyle/>
+          <a:p>
+            <a:r>
+              <a:rPr lang="en-US" dirty="0"/>
+              <a:t>Test conditions</a:t>
+            </a:r>
+          </a:p>
+        </p:txBody>
+      </p:sp>
+      <p:sp>
+        <p:nvSpPr>
+          <p:cNvPr id="3" name="TextBox 2">
+            <a:extLst>
+              <a:ext uri="{FF2B5EF4-FFF2-40B4-BE49-F238E27FC236}">
+                <a16:creationId xmlns:a16="http://schemas.microsoft.com/office/drawing/2014/main" id="{A00B5138-8D53-B196-C54A-B372D20698D0}"/>
+              </a:ext>
+            </a:extLst>
+          </p:cNvPr>
+          <p:cNvSpPr txBox="1"/>
+          <p:nvPr/>
+        </p:nvSpPr>
+        <p:spPr>
+          <a:xfrm>
+            <a:off x="1192695" y="2186609"/>
+            <a:ext cx="7026965" cy="1200329"/>
+          </a:xfrm>
+          <a:prstGeom prst="rect">
+            <a:avLst/>
+          </a:prstGeom>
+          <a:noFill/>
+        </p:spPr>
+        <p:txBody>
+          <a:bodyPr wrap="square" rtlCol="0">
+            <a:spAutoFit/>
+          </a:bodyPr>
+          <a:lstStyle/>
+          <a:p>
+            <a:r>
+              <a:rPr lang="en-US" dirty="0"/>
+              <a:t>Sigma = 0.05 c/nm2</a:t>
+            </a:r>
+          </a:p>
+          <a:p>
+            <a:r>
+              <a:rPr lang="en-US" dirty="0"/>
+              <a:t>Lx = 15 nm</a:t>
+            </a:r>
+          </a:p>
+          <a:p>
+            <a:r>
+              <a:rPr lang="en-US" dirty="0"/>
+              <a:t>Ly = 15 nm</a:t>
+            </a:r>
+          </a:p>
+          <a:p>
+            <a:r>
+              <a:rPr lang="en-US" dirty="0"/>
+              <a:t>dx = 0.4 nm</a:t>
+            </a:r>
+          </a:p>
+        </p:txBody>
+      </p:sp>
+      <p:sp>
+        <p:nvSpPr>
+          <p:cNvPr id="4" name="TextBox 3">
+            <a:extLst>
+              <a:ext uri="{FF2B5EF4-FFF2-40B4-BE49-F238E27FC236}">
+                <a16:creationId xmlns:a16="http://schemas.microsoft.com/office/drawing/2014/main" id="{431FD48E-52DE-AC6E-5D2D-A03BFCBE0CEE}"/>
+              </a:ext>
+            </a:extLst>
+          </p:cNvPr>
+          <p:cNvSpPr txBox="1"/>
+          <p:nvPr/>
+        </p:nvSpPr>
+        <p:spPr>
+          <a:xfrm>
+            <a:off x="1192694" y="3776869"/>
+            <a:ext cx="7026965" cy="1754326"/>
+          </a:xfrm>
+          <a:prstGeom prst="rect">
+            <a:avLst/>
+          </a:prstGeom>
+          <a:noFill/>
+        </p:spPr>
+        <p:txBody>
+          <a:bodyPr wrap="square" rtlCol="0">
+            <a:spAutoFit/>
+          </a:bodyPr>
+          <a:lstStyle/>
+          <a:p>
+            <a:r>
+              <a:rPr lang="en-US" dirty="0"/>
+              <a:t>Cast in terms of dx (for rounding and PBC for grafting points): </a:t>
+            </a:r>
+          </a:p>
+          <a:p>
+            <a:r>
+              <a:rPr lang="en-US" dirty="0"/>
+              <a:t>	Sigma = 0.0668 c/nm2</a:t>
+            </a:r>
+          </a:p>
+          <a:p>
+            <a:r>
+              <a:rPr lang="en-US" dirty="0"/>
+              <a:t>	Lx = 14.80 nm</a:t>
+            </a:r>
+          </a:p>
+          <a:p>
+            <a:r>
+              <a:rPr lang="en-US" dirty="0"/>
+              <a:t>	Ly = 11.20 nm</a:t>
+            </a:r>
+          </a:p>
+          <a:p>
+            <a:endParaRPr lang="en-US" dirty="0"/>
+          </a:p>
+          <a:p>
+            <a:r>
+              <a:rPr lang="en-US" dirty="0"/>
+              <a:t>(Sigma error decrease with dx)</a:t>
+            </a:r>
+          </a:p>
+        </p:txBody>
+      </p:sp>
+    </p:spTree>
+    <p:extLst>
+      <p:ext uri="{BB962C8B-B14F-4D97-AF65-F5344CB8AC3E}">
+        <p14:creationId xmlns:p14="http://schemas.microsoft.com/office/powerpoint/2010/main" val="782308025"/>
+      </p:ext>
+    </p:extLst>
+  </p:cSld>
+  <p:clrMapOvr>
+    <a:masterClrMapping/>
+  </p:clrMapOvr>
+</p:sld>
+</file>
+
+<file path=ppt/slides/slide16.xml><?xml version="1.0" encoding="utf-8"?>
+<p:sld xmlns:a="http://schemas.openxmlformats.org/drawingml/2006/main" xmlns:r="http://schemas.openxmlformats.org/officeDocument/2006/relationships" xmlns:p="http://schemas.openxmlformats.org/presentationml/2006/main">
+  <p:cSld>
+    <p:spTree>
+      <p:nvGrpSpPr>
+        <p:cNvPr id="1" name=""/>
+        <p:cNvGrpSpPr/>
+        <p:nvPr/>
+      </p:nvGrpSpPr>
+      <p:grpSpPr>
+        <a:xfrm>
+          <a:off x="0" y="0"/>
+          <a:ext cx="0" cy="0"/>
+          <a:chOff x="0" y="0"/>
+          <a:chExt cx="0" cy="0"/>
+        </a:xfrm>
+      </p:grpSpPr>
       <p:pic>
         <p:nvPicPr>
           <p:cNvPr id="2" name="Picture 8">
@@ -5739,7 +8024,7 @@
 </p:sld>
 </file>
 
-<file path=ppt/slides/slide12.xml><?xml version="1.0" encoding="utf-8"?>
+<file path=ppt/slides/slide17.xml><?xml version="1.0" encoding="utf-8"?>
 <p:sld xmlns:a="http://schemas.openxmlformats.org/drawingml/2006/main" xmlns:r="http://schemas.openxmlformats.org/officeDocument/2006/relationships" xmlns:p="http://schemas.openxmlformats.org/presentationml/2006/main">
   <p:cSld>
     <p:spTree>
@@ -8261,7 +10546,7 @@
 </p:sld>
 </file>
 
-<file path=ppt/slides/slide13.xml><?xml version="1.0" encoding="utf-8"?>
+<file path=ppt/slides/slide18.xml><?xml version="1.0" encoding="utf-8"?>
 <p:sld xmlns:a="http://schemas.openxmlformats.org/drawingml/2006/main" xmlns:r="http://schemas.openxmlformats.org/officeDocument/2006/relationships" xmlns:p="http://schemas.openxmlformats.org/presentationml/2006/main">
   <p:cSld>
     <p:spTree>
@@ -8762,507 +11047,98 @@
           <a:chExt cx="0" cy="0"/>
         </a:xfrm>
       </p:grpSpPr>
+      <p:sp>
+        <p:nvSpPr>
+          <p:cNvPr id="2" name="Title 1">
+            <a:extLst>
+              <a:ext uri="{FF2B5EF4-FFF2-40B4-BE49-F238E27FC236}">
+                <a16:creationId xmlns:a16="http://schemas.microsoft.com/office/drawing/2014/main" id="{AB3FF233-5CF5-2BDC-D3DB-701A3D86D17C}"/>
+              </a:ext>
+            </a:extLst>
+          </p:cNvPr>
+          <p:cNvSpPr>
+            <a:spLocks noGrp="1"/>
+          </p:cNvSpPr>
+          <p:nvPr>
+            <p:ph type="title"/>
+          </p:nvPr>
+        </p:nvSpPr>
+        <p:spPr>
+          <a:xfrm>
+            <a:off x="262467" y="0"/>
+            <a:ext cx="10515600" cy="1325563"/>
+          </a:xfrm>
+        </p:spPr>
+        <p:txBody>
+          <a:bodyPr/>
+          <a:lstStyle/>
+          <a:p>
+            <a:r>
+              <a:rPr lang="en-US" dirty="0"/>
+              <a:t>DGC (3D; </a:t>
+            </a:r>
+            <a:r>
+              <a:rPr lang="en-US" dirty="0" err="1"/>
+              <a:t>NxNy</a:t>
+            </a:r>
+            <a:r>
+              <a:rPr lang="en-US" dirty="0"/>
+              <a:t>=1) vs MDE (1D)</a:t>
+            </a:r>
+          </a:p>
+        </p:txBody>
+      </p:sp>
       <p:pic>
         <p:nvPicPr>
-          <p:cNvPr id="39" name="Picture 38">
-            <a:extLst>
-              <a:ext uri="{FF2B5EF4-FFF2-40B4-BE49-F238E27FC236}">
-                <a16:creationId xmlns:a16="http://schemas.microsoft.com/office/drawing/2014/main" id="{4C88C2AF-DEC6-523E-1CCC-807F741EB3BF}"/>
+          <p:cNvPr id="1038" name="Picture 14">
+            <a:extLst>
+              <a:ext uri="{FF2B5EF4-FFF2-40B4-BE49-F238E27FC236}">
+                <a16:creationId xmlns:a16="http://schemas.microsoft.com/office/drawing/2014/main" id="{7169B0EC-734E-E5DD-C53A-88DBA67A8953}"/>
               </a:ext>
             </a:extLst>
           </p:cNvPr>
           <p:cNvPicPr>
-            <a:picLocks noChangeAspect="1"/>
+            <a:picLocks noChangeAspect="1" noChangeArrowheads="1"/>
           </p:cNvPicPr>
           <p:nvPr/>
         </p:nvPicPr>
         <p:blipFill>
-          <a:blip r:embed="rId2"/>
+          <a:blip r:embed="rId2">
+            <a:extLst>
+              <a:ext uri="{28A0092B-C50C-407E-A947-70E740481C1C}">
+                <a14:useLocalDpi xmlns:a14="http://schemas.microsoft.com/office/drawing/2010/main" val="0"/>
+              </a:ext>
+            </a:extLst>
+          </a:blip>
+          <a:srcRect/>
           <a:stretch>
             <a:fillRect/>
           </a:stretch>
         </p:blipFill>
-        <p:spPr>
-          <a:xfrm>
-            <a:off x="587949" y="1572147"/>
-            <a:ext cx="4711771" cy="2601290"/>
+        <p:spPr bwMode="auto">
+          <a:xfrm>
+            <a:off x="1560513" y="1429278"/>
+            <a:ext cx="3375573" cy="2758017"/>
           </a:xfrm>
           <a:prstGeom prst="rect">
             <a:avLst/>
           </a:prstGeom>
+          <a:noFill/>
+          <a:extLst>
+            <a:ext uri="{909E8E84-426E-40DD-AFC4-6F175D3DCCD1}">
+              <a14:hiddenFill xmlns:a14="http://schemas.microsoft.com/office/drawing/2010/main">
+                <a:solidFill>
+                  <a:srgbClr val="FFFFFF"/>
+                </a:solidFill>
+              </a14:hiddenFill>
+            </a:ext>
+          </a:extLst>
         </p:spPr>
       </p:pic>
-      <p:sp>
-        <p:nvSpPr>
-          <p:cNvPr id="2" name="Title 1">
-            <a:extLst>
-              <a:ext uri="{FF2B5EF4-FFF2-40B4-BE49-F238E27FC236}">
-                <a16:creationId xmlns:a16="http://schemas.microsoft.com/office/drawing/2014/main" id="{C85E3C9C-7526-B303-905F-886077E16C39}"/>
-              </a:ext>
-            </a:extLst>
-          </p:cNvPr>
-          <p:cNvSpPr>
-            <a:spLocks noGrp="1"/>
-          </p:cNvSpPr>
-          <p:nvPr>
-            <p:ph type="title"/>
-          </p:nvPr>
-        </p:nvSpPr>
-        <p:spPr>
-          <a:xfrm>
-            <a:off x="838200" y="52343"/>
-            <a:ext cx="10515600" cy="771267"/>
-          </a:xfrm>
-        </p:spPr>
-        <p:txBody>
-          <a:bodyPr/>
-          <a:lstStyle/>
-          <a:p>
-            <a:r>
-              <a:rPr lang="en-US" dirty="0"/>
-              <a:t>z-</a:t>
-            </a:r>
-            <a:r>
-              <a:rPr lang="en-US" b="1" dirty="0"/>
-              <a:t>FFT</a:t>
-            </a:r>
-            <a:r>
-              <a:rPr lang="en-US" dirty="0"/>
-              <a:t> vs z-</a:t>
-            </a:r>
-            <a:r>
-              <a:rPr lang="en-US" b="1" dirty="0"/>
-              <a:t>FD</a:t>
-            </a:r>
-            <a:r>
-              <a:rPr lang="en-US" dirty="0"/>
-              <a:t> (MDE) – REDFT01 </a:t>
-            </a:r>
-            <a:r>
-              <a:rPr lang="en-US" dirty="0" err="1"/>
-              <a:t>xy</a:t>
-            </a:r>
-            <a:r>
-              <a:rPr lang="en-US" dirty="0"/>
-              <a:t>(z)</a:t>
-            </a:r>
-          </a:p>
-        </p:txBody>
-      </p:sp>
-      <p:sp>
-        <p:nvSpPr>
-          <p:cNvPr id="3" name="TextBox 2">
-            <a:extLst>
-              <a:ext uri="{FF2B5EF4-FFF2-40B4-BE49-F238E27FC236}">
-                <a16:creationId xmlns:a16="http://schemas.microsoft.com/office/drawing/2014/main" id="{99A2CDED-1526-FA46-5D91-2DC74B6F0C37}"/>
-              </a:ext>
-            </a:extLst>
-          </p:cNvPr>
-          <p:cNvSpPr txBox="1"/>
-          <p:nvPr/>
-        </p:nvSpPr>
-        <p:spPr>
-          <a:xfrm>
-            <a:off x="838200" y="851504"/>
-            <a:ext cx="7010401" cy="646331"/>
-          </a:xfrm>
-          <a:prstGeom prst="rect">
-            <a:avLst/>
-          </a:prstGeom>
-          <a:noFill/>
-        </p:spPr>
-        <p:txBody>
-          <a:bodyPr wrap="square" rtlCol="0">
-            <a:spAutoFit/>
-          </a:bodyPr>
-          <a:lstStyle/>
-          <a:p>
-            <a:r>
-              <a:rPr lang="en-US" dirty="0"/>
-              <a:t>Lx = 5, Ly = 5, </a:t>
-            </a:r>
-            <a:r>
-              <a:rPr lang="en-US" dirty="0" err="1"/>
-              <a:t>Lz</a:t>
-            </a:r>
-            <a:r>
-              <a:rPr lang="en-US" dirty="0"/>
-              <a:t> = 50. s = 0.02. x = 0.75. a = 0.00, N = 50</a:t>
-            </a:r>
-          </a:p>
-          <a:p>
-            <a:r>
-              <a:rPr lang="en-US" dirty="0"/>
-              <a:t>3D vs 1D (dashed): </a:t>
-            </a:r>
-            <a:r>
-              <a:rPr lang="en-US" dirty="0" err="1"/>
-              <a:t>dz</a:t>
-            </a:r>
-            <a:r>
-              <a:rPr lang="en-US" dirty="0"/>
-              <a:t> = 0.5, ds = 0.20; dz_1D = 0.113, ds_1D = 0.083</a:t>
-            </a:r>
-          </a:p>
-        </p:txBody>
-      </p:sp>
-      <p:sp>
-        <p:nvSpPr>
-          <p:cNvPr id="20" name="TextBox 19">
-            <a:extLst>
-              <a:ext uri="{FF2B5EF4-FFF2-40B4-BE49-F238E27FC236}">
-                <a16:creationId xmlns:a16="http://schemas.microsoft.com/office/drawing/2014/main" id="{F67FA53E-0EE8-AAF7-18FE-84614DDB84DE}"/>
-              </a:ext>
-            </a:extLst>
-          </p:cNvPr>
-          <p:cNvSpPr txBox="1"/>
-          <p:nvPr/>
-        </p:nvSpPr>
-        <p:spPr>
-          <a:xfrm>
-            <a:off x="5465389" y="2872792"/>
-            <a:ext cx="1618272" cy="369332"/>
-          </a:xfrm>
-          <a:prstGeom prst="rect">
-            <a:avLst/>
-          </a:prstGeom>
-          <a:noFill/>
-        </p:spPr>
-        <p:txBody>
-          <a:bodyPr wrap="square" rtlCol="0">
-            <a:spAutoFit/>
-          </a:bodyPr>
-          <a:lstStyle/>
-          <a:p>
-            <a:r>
-              <a:rPr lang="en-US" dirty="0"/>
-              <a:t>FFT (</a:t>
-            </a:r>
-            <a:r>
-              <a:rPr lang="en-US" dirty="0" err="1"/>
-              <a:t>yz</a:t>
-            </a:r>
-            <a:r>
-              <a:rPr lang="en-US" dirty="0"/>
-              <a:t> vs </a:t>
-            </a:r>
-            <a:r>
-              <a:rPr lang="en-US" dirty="0" err="1"/>
-              <a:t>pha</a:t>
-            </a:r>
-            <a:r>
-              <a:rPr lang="en-US" dirty="0"/>
-              <a:t>)</a:t>
-            </a:r>
-          </a:p>
-        </p:txBody>
-      </p:sp>
-      <p:sp>
-        <p:nvSpPr>
-          <p:cNvPr id="21" name="TextBox 20">
-            <a:extLst>
-              <a:ext uri="{FF2B5EF4-FFF2-40B4-BE49-F238E27FC236}">
-                <a16:creationId xmlns:a16="http://schemas.microsoft.com/office/drawing/2014/main" id="{8975F4F8-1D5E-2B6C-439A-E0008683786D}"/>
-              </a:ext>
-            </a:extLst>
-          </p:cNvPr>
-          <p:cNvSpPr txBox="1"/>
-          <p:nvPr/>
-        </p:nvSpPr>
-        <p:spPr>
-          <a:xfrm>
-            <a:off x="5526850" y="5125257"/>
-            <a:ext cx="1580774" cy="369332"/>
-          </a:xfrm>
-          <a:prstGeom prst="rect">
-            <a:avLst/>
-          </a:prstGeom>
-          <a:noFill/>
-        </p:spPr>
-        <p:txBody>
-          <a:bodyPr wrap="square" rtlCol="0">
-            <a:spAutoFit/>
-          </a:bodyPr>
-          <a:lstStyle/>
-          <a:p>
-            <a:r>
-              <a:rPr lang="en-US" dirty="0"/>
-              <a:t>FD (</a:t>
-            </a:r>
-            <a:r>
-              <a:rPr lang="en-US" dirty="0" err="1"/>
-              <a:t>yz</a:t>
-            </a:r>
-            <a:r>
-              <a:rPr lang="en-US" dirty="0"/>
-              <a:t> vs </a:t>
-            </a:r>
-            <a:r>
-              <a:rPr lang="en-US" dirty="0" err="1"/>
-              <a:t>pha</a:t>
-            </a:r>
-            <a:r>
-              <a:rPr lang="en-US" dirty="0"/>
-              <a:t>)</a:t>
-            </a:r>
-          </a:p>
-        </p:txBody>
-      </p:sp>
-      <p:pic>
-        <p:nvPicPr>
-          <p:cNvPr id="25" name="Picture 24">
-            <a:extLst>
-              <a:ext uri="{FF2B5EF4-FFF2-40B4-BE49-F238E27FC236}">
-                <a16:creationId xmlns:a16="http://schemas.microsoft.com/office/drawing/2014/main" id="{BFB8AF76-977E-BF34-4D5F-6F1115EF2823}"/>
-              </a:ext>
-            </a:extLst>
-          </p:cNvPr>
-          <p:cNvPicPr>
-            <a:picLocks noChangeAspect="1"/>
-          </p:cNvPicPr>
-          <p:nvPr/>
-        </p:nvPicPr>
-        <p:blipFill>
-          <a:blip r:embed="rId3"/>
-          <a:stretch>
-            <a:fillRect/>
-          </a:stretch>
-        </p:blipFill>
-        <p:spPr>
-          <a:xfrm>
-            <a:off x="7276364" y="4360365"/>
-            <a:ext cx="2924742" cy="2424728"/>
-          </a:xfrm>
-          <a:prstGeom prst="rect">
-            <a:avLst/>
-          </a:prstGeom>
-        </p:spPr>
-      </p:pic>
-      <p:pic>
-        <p:nvPicPr>
-          <p:cNvPr id="27" name="Picture 26">
-            <a:extLst>
-              <a:ext uri="{FF2B5EF4-FFF2-40B4-BE49-F238E27FC236}">
-                <a16:creationId xmlns:a16="http://schemas.microsoft.com/office/drawing/2014/main" id="{277F92A0-71CE-490F-B258-ED7EC95866E9}"/>
-              </a:ext>
-            </a:extLst>
-          </p:cNvPr>
-          <p:cNvPicPr>
-            <a:picLocks noChangeAspect="1"/>
-          </p:cNvPicPr>
-          <p:nvPr/>
-        </p:nvPicPr>
-        <p:blipFill>
-          <a:blip r:embed="rId4"/>
-          <a:stretch>
-            <a:fillRect/>
-          </a:stretch>
-        </p:blipFill>
-        <p:spPr>
-          <a:xfrm>
-            <a:off x="10402909" y="2613996"/>
-            <a:ext cx="494780" cy="2823542"/>
-          </a:xfrm>
-          <a:prstGeom prst="rect">
-            <a:avLst/>
-          </a:prstGeom>
-        </p:spPr>
-      </p:pic>
-      <p:sp>
-        <p:nvSpPr>
-          <p:cNvPr id="28" name="TextBox 27">
-            <a:extLst>
-              <a:ext uri="{FF2B5EF4-FFF2-40B4-BE49-F238E27FC236}">
-                <a16:creationId xmlns:a16="http://schemas.microsoft.com/office/drawing/2014/main" id="{209381BF-3B92-7C87-83D1-6D10AFC3C731}"/>
-              </a:ext>
-            </a:extLst>
-          </p:cNvPr>
-          <p:cNvSpPr txBox="1"/>
-          <p:nvPr/>
-        </p:nvSpPr>
-        <p:spPr>
-          <a:xfrm>
-            <a:off x="8289087" y="4206848"/>
-            <a:ext cx="1286933" cy="369332"/>
-          </a:xfrm>
-          <a:prstGeom prst="rect">
-            <a:avLst/>
-          </a:prstGeom>
-          <a:noFill/>
-        </p:spPr>
-        <p:txBody>
-          <a:bodyPr wrap="square" rtlCol="0">
-            <a:spAutoFit/>
-          </a:bodyPr>
-          <a:lstStyle/>
-          <a:p>
-            <a:pPr algn="ctr"/>
-            <a:r>
-              <a:rPr lang="en-US" dirty="0"/>
-              <a:t>FD (</a:t>
-            </a:r>
-            <a:r>
-              <a:rPr lang="en-US" dirty="0" err="1"/>
-              <a:t>xyz</a:t>
-            </a:r>
-            <a:r>
-              <a:rPr lang="en-US" dirty="0"/>
-              <a:t>)</a:t>
-            </a:r>
-          </a:p>
-        </p:txBody>
-      </p:sp>
-      <p:pic>
-        <p:nvPicPr>
-          <p:cNvPr id="30" name="Picture 29">
-            <a:extLst>
-              <a:ext uri="{FF2B5EF4-FFF2-40B4-BE49-F238E27FC236}">
-                <a16:creationId xmlns:a16="http://schemas.microsoft.com/office/drawing/2014/main" id="{78FFD473-8BB3-1A61-FCA5-1FC80C0BC590}"/>
-              </a:ext>
-            </a:extLst>
-          </p:cNvPr>
-          <p:cNvPicPr>
-            <a:picLocks noChangeAspect="1"/>
-          </p:cNvPicPr>
-          <p:nvPr/>
-        </p:nvPicPr>
-        <p:blipFill>
-          <a:blip r:embed="rId5"/>
-          <a:stretch>
-            <a:fillRect/>
-          </a:stretch>
-        </p:blipFill>
-        <p:spPr>
-          <a:xfrm>
-            <a:off x="7217123" y="1758796"/>
-            <a:ext cx="2924741" cy="2400807"/>
-          </a:xfrm>
-          <a:prstGeom prst="rect">
-            <a:avLst/>
-          </a:prstGeom>
-        </p:spPr>
-      </p:pic>
-      <p:sp>
-        <p:nvSpPr>
-          <p:cNvPr id="31" name="TextBox 30">
-            <a:extLst>
-              <a:ext uri="{FF2B5EF4-FFF2-40B4-BE49-F238E27FC236}">
-                <a16:creationId xmlns:a16="http://schemas.microsoft.com/office/drawing/2014/main" id="{18ED4AF3-A406-8565-DA72-D4AD2194F5BA}"/>
-              </a:ext>
-            </a:extLst>
-          </p:cNvPr>
-          <p:cNvSpPr txBox="1"/>
-          <p:nvPr/>
-        </p:nvSpPr>
-        <p:spPr>
-          <a:xfrm>
-            <a:off x="8207324" y="1542436"/>
-            <a:ext cx="1286933" cy="369332"/>
-          </a:xfrm>
-          <a:prstGeom prst="rect">
-            <a:avLst/>
-          </a:prstGeom>
-          <a:noFill/>
-        </p:spPr>
-        <p:txBody>
-          <a:bodyPr wrap="square" rtlCol="0">
-            <a:spAutoFit/>
-          </a:bodyPr>
-          <a:lstStyle/>
-          <a:p>
-            <a:pPr algn="ctr"/>
-            <a:r>
-              <a:rPr lang="en-US" dirty="0"/>
-              <a:t>FFT (</a:t>
-            </a:r>
-            <a:r>
-              <a:rPr lang="en-US" dirty="0" err="1"/>
-              <a:t>xyz</a:t>
-            </a:r>
-            <a:r>
-              <a:rPr lang="en-US" dirty="0"/>
-              <a:t>)</a:t>
-            </a:r>
-          </a:p>
-        </p:txBody>
-      </p:sp>
-      <p:pic>
-        <p:nvPicPr>
-          <p:cNvPr id="37" name="Picture 36">
-            <a:extLst>
-              <a:ext uri="{FF2B5EF4-FFF2-40B4-BE49-F238E27FC236}">
-                <a16:creationId xmlns:a16="http://schemas.microsoft.com/office/drawing/2014/main" id="{326FE1D3-8C41-0A8E-0D9D-230751971410}"/>
-              </a:ext>
-            </a:extLst>
-          </p:cNvPr>
-          <p:cNvPicPr>
-            <a:picLocks noChangeAspect="1"/>
-          </p:cNvPicPr>
-          <p:nvPr/>
-        </p:nvPicPr>
-        <p:blipFill>
-          <a:blip r:embed="rId6"/>
-          <a:stretch>
-            <a:fillRect/>
-          </a:stretch>
-        </p:blipFill>
-        <p:spPr>
-          <a:xfrm>
-            <a:off x="600120" y="3922530"/>
-            <a:ext cx="4724927" cy="2698398"/>
-          </a:xfrm>
-          <a:prstGeom prst="rect">
-            <a:avLst/>
-          </a:prstGeom>
-        </p:spPr>
-      </p:pic>
-      <p:sp>
-        <p:nvSpPr>
-          <p:cNvPr id="4" name="TextBox 3">
-            <a:extLst>
-              <a:ext uri="{FF2B5EF4-FFF2-40B4-BE49-F238E27FC236}">
-                <a16:creationId xmlns:a16="http://schemas.microsoft.com/office/drawing/2014/main" id="{5356C493-0AA9-FE35-035D-D1AAD53C4DDF}"/>
-              </a:ext>
-            </a:extLst>
-          </p:cNvPr>
-          <p:cNvSpPr txBox="1"/>
-          <p:nvPr/>
-        </p:nvSpPr>
-        <p:spPr>
-          <a:xfrm>
-            <a:off x="3716868" y="6488668"/>
-            <a:ext cx="4086672" cy="369332"/>
-          </a:xfrm>
-          <a:prstGeom prst="rect">
-            <a:avLst/>
-          </a:prstGeom>
-          <a:noFill/>
-        </p:spPr>
-        <p:txBody>
-          <a:bodyPr wrap="square" rtlCol="0">
-            <a:spAutoFit/>
-          </a:bodyPr>
-          <a:lstStyle/>
-          <a:p>
-            <a:r>
-              <a:rPr lang="en-US" dirty="0"/>
-              <a:t>Diff btw 1D/3D should just be </a:t>
-            </a:r>
-            <a:r>
-              <a:rPr lang="en-US" dirty="0" err="1"/>
-              <a:t>dz</a:t>
-            </a:r>
-            <a:r>
-              <a:rPr lang="en-US" dirty="0"/>
-              <a:t>, ds, etc.</a:t>
-            </a:r>
-          </a:p>
-        </p:txBody>
-      </p:sp>
     </p:spTree>
     <p:extLst>
       <p:ext uri="{BB962C8B-B14F-4D97-AF65-F5344CB8AC3E}">
-        <p14:creationId xmlns:p14="http://schemas.microsoft.com/office/powerpoint/2010/main" val="2184982505"/>
+        <p14:creationId xmlns:p14="http://schemas.microsoft.com/office/powerpoint/2010/main" val="4117916818"/>
       </p:ext>
     </p:extLst>
   </p:cSld>
@@ -9294,6 +11170,840 @@
           <p:cNvPr id="2" name="Title 1">
             <a:extLst>
               <a:ext uri="{FF2B5EF4-FFF2-40B4-BE49-F238E27FC236}">
+                <a16:creationId xmlns:a16="http://schemas.microsoft.com/office/drawing/2014/main" id="{EA385C96-C2A9-E805-3944-9CB8513BAF3F}"/>
+              </a:ext>
+            </a:extLst>
+          </p:cNvPr>
+          <p:cNvSpPr>
+            <a:spLocks noGrp="1"/>
+          </p:cNvSpPr>
+          <p:nvPr>
+            <p:ph type="title"/>
+          </p:nvPr>
+        </p:nvSpPr>
+        <p:spPr>
+          <a:xfrm>
+            <a:off x="0" y="0"/>
+            <a:ext cx="10515600" cy="1325563"/>
+          </a:xfrm>
+        </p:spPr>
+        <p:txBody>
+          <a:bodyPr/>
+          <a:lstStyle/>
+          <a:p>
+            <a:r>
+              <a:rPr lang="en-US" dirty="0" err="1"/>
+              <a:t>Numericals</a:t>
+            </a:r>
+            <a:endParaRPr lang="en-US" dirty="0"/>
+          </a:p>
+        </p:txBody>
+      </p:sp>
+    </p:spTree>
+    <p:extLst>
+      <p:ext uri="{BB962C8B-B14F-4D97-AF65-F5344CB8AC3E}">
+        <p14:creationId xmlns:p14="http://schemas.microsoft.com/office/powerpoint/2010/main" val="3201923503"/>
+      </p:ext>
+    </p:extLst>
+  </p:cSld>
+  <p:clrMapOvr>
+    <a:masterClrMapping/>
+  </p:clrMapOvr>
+</p:sld>
+</file>
+
+<file path=ppt/slides/slide4.xml><?xml version="1.0" encoding="utf-8"?>
+<p:sld xmlns:a="http://schemas.openxmlformats.org/drawingml/2006/main" xmlns:r="http://schemas.openxmlformats.org/officeDocument/2006/relationships" xmlns:p="http://schemas.openxmlformats.org/presentationml/2006/main">
+  <p:cSld>
+    <p:spTree>
+      <p:nvGrpSpPr>
+        <p:cNvPr id="1" name=""/>
+        <p:cNvGrpSpPr/>
+        <p:nvPr/>
+      </p:nvGrpSpPr>
+      <p:grpSpPr>
+        <a:xfrm>
+          <a:off x="0" y="0"/>
+          <a:ext cx="0" cy="0"/>
+          <a:chOff x="0" y="0"/>
+          <a:chExt cx="0" cy="0"/>
+        </a:xfrm>
+      </p:grpSpPr>
+      <p:sp>
+        <p:nvSpPr>
+          <p:cNvPr id="2" name="Title 1">
+            <a:extLst>
+              <a:ext uri="{FF2B5EF4-FFF2-40B4-BE49-F238E27FC236}">
+                <a16:creationId xmlns:a16="http://schemas.microsoft.com/office/drawing/2014/main" id="{82AF6E54-26EB-B6A8-7F36-A3DD1C7B5788}"/>
+              </a:ext>
+            </a:extLst>
+          </p:cNvPr>
+          <p:cNvSpPr>
+            <a:spLocks noGrp="1"/>
+          </p:cNvSpPr>
+          <p:nvPr>
+            <p:ph type="title"/>
+          </p:nvPr>
+        </p:nvSpPr>
+        <p:spPr>
+          <a:xfrm>
+            <a:off x="0" y="0"/>
+            <a:ext cx="10515600" cy="1325563"/>
+          </a:xfrm>
+        </p:spPr>
+        <p:txBody>
+          <a:bodyPr/>
+          <a:lstStyle/>
+          <a:p>
+            <a:r>
+              <a:rPr lang="en-US" dirty="0"/>
+              <a:t>Scaling</a:t>
+            </a:r>
+          </a:p>
+        </p:txBody>
+      </p:sp>
+    </p:spTree>
+    <p:extLst>
+      <p:ext uri="{BB962C8B-B14F-4D97-AF65-F5344CB8AC3E}">
+        <p14:creationId xmlns:p14="http://schemas.microsoft.com/office/powerpoint/2010/main" val="2026477735"/>
+      </p:ext>
+    </p:extLst>
+  </p:cSld>
+  <p:clrMapOvr>
+    <a:masterClrMapping/>
+  </p:clrMapOvr>
+</p:sld>
+</file>
+
+<file path=ppt/slides/slide5.xml><?xml version="1.0" encoding="utf-8"?>
+<p:sld xmlns:a="http://schemas.openxmlformats.org/drawingml/2006/main" xmlns:r="http://schemas.openxmlformats.org/officeDocument/2006/relationships" xmlns:p="http://schemas.openxmlformats.org/presentationml/2006/main">
+  <p:cSld>
+    <p:spTree>
+      <p:nvGrpSpPr>
+        <p:cNvPr id="1" name=""/>
+        <p:cNvGrpSpPr/>
+        <p:nvPr/>
+      </p:nvGrpSpPr>
+      <p:grpSpPr>
+        <a:xfrm>
+          <a:off x="0" y="0"/>
+          <a:ext cx="0" cy="0"/>
+          <a:chOff x="0" y="0"/>
+          <a:chExt cx="0" cy="0"/>
+        </a:xfrm>
+      </p:grpSpPr>
+      <p:sp>
+        <p:nvSpPr>
+          <p:cNvPr id="3" name="Rectangle 2">
+            <a:extLst>
+              <a:ext uri="{FF2B5EF4-FFF2-40B4-BE49-F238E27FC236}">
+                <a16:creationId xmlns:a16="http://schemas.microsoft.com/office/drawing/2014/main" id="{71CF4EBC-2AC9-0A12-EC0B-C0390BA9A8BE}"/>
+              </a:ext>
+            </a:extLst>
+          </p:cNvPr>
+          <p:cNvSpPr/>
+          <p:nvPr/>
+        </p:nvSpPr>
+        <p:spPr>
+          <a:xfrm>
+            <a:off x="381000" y="533400"/>
+            <a:ext cx="11430000" cy="6036733"/>
+          </a:xfrm>
+          <a:prstGeom prst="rect">
+            <a:avLst/>
+          </a:prstGeom>
+        </p:spPr>
+        <p:style>
+          <a:lnRef idx="2">
+            <a:schemeClr val="accent1">
+              <a:shade val="15000"/>
+            </a:schemeClr>
+          </a:lnRef>
+          <a:fillRef idx="1">
+            <a:schemeClr val="accent1"/>
+          </a:fillRef>
+          <a:effectRef idx="0">
+            <a:schemeClr val="accent1"/>
+          </a:effectRef>
+          <a:fontRef idx="minor">
+            <a:schemeClr val="lt1"/>
+          </a:fontRef>
+        </p:style>
+        <p:txBody>
+          <a:bodyPr rtlCol="0" anchor="ctr"/>
+          <a:lstStyle/>
+          <a:p>
+            <a:pPr algn="ctr"/>
+            <a:endParaRPr lang="en-US" b="1">
+              <a:solidFill>
+                <a:srgbClr val="C00000"/>
+              </a:solidFill>
+            </a:endParaRPr>
+          </a:p>
+        </p:txBody>
+      </p:sp>
+      <p:sp>
+        <p:nvSpPr>
+          <p:cNvPr id="2" name="Title 1">
+            <a:extLst>
+              <a:ext uri="{FF2B5EF4-FFF2-40B4-BE49-F238E27FC236}">
+                <a16:creationId xmlns:a16="http://schemas.microsoft.com/office/drawing/2014/main" id="{7E4902D3-15DC-06FA-7695-C716DCAD16FC}"/>
+              </a:ext>
+            </a:extLst>
+          </p:cNvPr>
+          <p:cNvSpPr>
+            <a:spLocks noGrp="1"/>
+          </p:cNvSpPr>
+          <p:nvPr>
+            <p:ph type="title"/>
+          </p:nvPr>
+        </p:nvSpPr>
+        <p:spPr>
+          <a:xfrm>
+            <a:off x="719667" y="2583392"/>
+            <a:ext cx="10515600" cy="1325563"/>
+          </a:xfrm>
+        </p:spPr>
+        <p:txBody>
+          <a:bodyPr/>
+          <a:lstStyle/>
+          <a:p>
+            <a:r>
+              <a:rPr lang="en-US" b="1" dirty="0">
+                <a:solidFill>
+                  <a:srgbClr val="C00000"/>
+                </a:solidFill>
+              </a:rPr>
+              <a:t>OLD</a:t>
+            </a:r>
+          </a:p>
+        </p:txBody>
+      </p:sp>
+    </p:spTree>
+    <p:extLst>
+      <p:ext uri="{BB962C8B-B14F-4D97-AF65-F5344CB8AC3E}">
+        <p14:creationId xmlns:p14="http://schemas.microsoft.com/office/powerpoint/2010/main" val="2062239696"/>
+      </p:ext>
+    </p:extLst>
+  </p:cSld>
+  <p:clrMapOvr>
+    <a:masterClrMapping/>
+  </p:clrMapOvr>
+</p:sld>
+</file>
+
+<file path=ppt/slides/slide6.xml><?xml version="1.0" encoding="utf-8"?>
+<p:sld xmlns:a="http://schemas.openxmlformats.org/drawingml/2006/main" xmlns:r="http://schemas.openxmlformats.org/officeDocument/2006/relationships" xmlns:p="http://schemas.openxmlformats.org/presentationml/2006/main">
+  <p:cSld>
+    <p:spTree>
+      <p:nvGrpSpPr>
+        <p:cNvPr id="1" name=""/>
+        <p:cNvGrpSpPr/>
+        <p:nvPr/>
+      </p:nvGrpSpPr>
+      <p:grpSpPr>
+        <a:xfrm>
+          <a:off x="0" y="0"/>
+          <a:ext cx="0" cy="0"/>
+          <a:chOff x="0" y="0"/>
+          <a:chExt cx="0" cy="0"/>
+        </a:xfrm>
+      </p:grpSpPr>
+      <p:sp>
+        <p:nvSpPr>
+          <p:cNvPr id="2" name="Title 1">
+            <a:extLst>
+              <a:ext uri="{FF2B5EF4-FFF2-40B4-BE49-F238E27FC236}">
+                <a16:creationId xmlns:a16="http://schemas.microsoft.com/office/drawing/2014/main" id="{C9A5D13E-C0B9-231A-976A-1444B9DF9C26}"/>
+              </a:ext>
+            </a:extLst>
+          </p:cNvPr>
+          <p:cNvSpPr>
+            <a:spLocks noGrp="1"/>
+          </p:cNvSpPr>
+          <p:nvPr>
+            <p:ph type="title"/>
+          </p:nvPr>
+        </p:nvSpPr>
+        <p:spPr>
+          <a:xfrm>
+            <a:off x="1075267" y="2766218"/>
+            <a:ext cx="10515600" cy="1325563"/>
+          </a:xfrm>
+        </p:spPr>
+        <p:txBody>
+          <a:bodyPr/>
+          <a:lstStyle/>
+          <a:p>
+            <a:r>
+              <a:rPr lang="en-US" b="1" dirty="0"/>
+              <a:t>Annealed</a:t>
+            </a:r>
+          </a:p>
+        </p:txBody>
+      </p:sp>
+    </p:spTree>
+    <p:extLst>
+      <p:ext uri="{BB962C8B-B14F-4D97-AF65-F5344CB8AC3E}">
+        <p14:creationId xmlns:p14="http://schemas.microsoft.com/office/powerpoint/2010/main" val="2319703746"/>
+      </p:ext>
+    </p:extLst>
+  </p:cSld>
+  <p:clrMapOvr>
+    <a:masterClrMapping/>
+  </p:clrMapOvr>
+</p:sld>
+</file>
+
+<file path=ppt/slides/slide7.xml><?xml version="1.0" encoding="utf-8"?>
+<p:sld xmlns:a="http://schemas.openxmlformats.org/drawingml/2006/main" xmlns:r="http://schemas.openxmlformats.org/officeDocument/2006/relationships" xmlns:p="http://schemas.openxmlformats.org/presentationml/2006/main">
+  <p:cSld>
+    <p:spTree>
+      <p:nvGrpSpPr>
+        <p:cNvPr id="1" name=""/>
+        <p:cNvGrpSpPr/>
+        <p:nvPr/>
+      </p:nvGrpSpPr>
+      <p:grpSpPr>
+        <a:xfrm>
+          <a:off x="0" y="0"/>
+          <a:ext cx="0" cy="0"/>
+          <a:chOff x="0" y="0"/>
+          <a:chExt cx="0" cy="0"/>
+        </a:xfrm>
+      </p:grpSpPr>
+      <p:pic>
+        <p:nvPicPr>
+          <p:cNvPr id="39" name="Picture 38">
+            <a:extLst>
+              <a:ext uri="{FF2B5EF4-FFF2-40B4-BE49-F238E27FC236}">
+                <a16:creationId xmlns:a16="http://schemas.microsoft.com/office/drawing/2014/main" id="{4C88C2AF-DEC6-523E-1CCC-807F741EB3BF}"/>
+              </a:ext>
+            </a:extLst>
+          </p:cNvPr>
+          <p:cNvPicPr>
+            <a:picLocks noChangeAspect="1"/>
+          </p:cNvPicPr>
+          <p:nvPr/>
+        </p:nvPicPr>
+        <p:blipFill>
+          <a:blip r:embed="rId2"/>
+          <a:stretch>
+            <a:fillRect/>
+          </a:stretch>
+        </p:blipFill>
+        <p:spPr>
+          <a:xfrm>
+            <a:off x="587949" y="1572147"/>
+            <a:ext cx="4711771" cy="2601290"/>
+          </a:xfrm>
+          <a:prstGeom prst="rect">
+            <a:avLst/>
+          </a:prstGeom>
+        </p:spPr>
+      </p:pic>
+      <p:sp>
+        <p:nvSpPr>
+          <p:cNvPr id="2" name="Title 1">
+            <a:extLst>
+              <a:ext uri="{FF2B5EF4-FFF2-40B4-BE49-F238E27FC236}">
+                <a16:creationId xmlns:a16="http://schemas.microsoft.com/office/drawing/2014/main" id="{C85E3C9C-7526-B303-905F-886077E16C39}"/>
+              </a:ext>
+            </a:extLst>
+          </p:cNvPr>
+          <p:cNvSpPr>
+            <a:spLocks noGrp="1"/>
+          </p:cNvSpPr>
+          <p:nvPr>
+            <p:ph type="title"/>
+          </p:nvPr>
+        </p:nvSpPr>
+        <p:spPr>
+          <a:xfrm>
+            <a:off x="838200" y="52343"/>
+            <a:ext cx="10515600" cy="771267"/>
+          </a:xfrm>
+        </p:spPr>
+        <p:txBody>
+          <a:bodyPr/>
+          <a:lstStyle/>
+          <a:p>
+            <a:r>
+              <a:rPr lang="en-US" dirty="0"/>
+              <a:t>z-</a:t>
+            </a:r>
+            <a:r>
+              <a:rPr lang="en-US" b="1" dirty="0"/>
+              <a:t>FFT</a:t>
+            </a:r>
+            <a:r>
+              <a:rPr lang="en-US" dirty="0"/>
+              <a:t> vs z-</a:t>
+            </a:r>
+            <a:r>
+              <a:rPr lang="en-US" b="1" dirty="0"/>
+              <a:t>FD</a:t>
+            </a:r>
+            <a:r>
+              <a:rPr lang="en-US" dirty="0"/>
+              <a:t> (MDE) – REDFT01 </a:t>
+            </a:r>
+            <a:r>
+              <a:rPr lang="en-US" dirty="0" err="1"/>
+              <a:t>xy</a:t>
+            </a:r>
+            <a:r>
+              <a:rPr lang="en-US" dirty="0"/>
+              <a:t>(z)</a:t>
+            </a:r>
+          </a:p>
+        </p:txBody>
+      </p:sp>
+      <p:sp>
+        <p:nvSpPr>
+          <p:cNvPr id="3" name="TextBox 2">
+            <a:extLst>
+              <a:ext uri="{FF2B5EF4-FFF2-40B4-BE49-F238E27FC236}">
+                <a16:creationId xmlns:a16="http://schemas.microsoft.com/office/drawing/2014/main" id="{99A2CDED-1526-FA46-5D91-2DC74B6F0C37}"/>
+              </a:ext>
+            </a:extLst>
+          </p:cNvPr>
+          <p:cNvSpPr txBox="1"/>
+          <p:nvPr/>
+        </p:nvSpPr>
+        <p:spPr>
+          <a:xfrm>
+            <a:off x="838200" y="851504"/>
+            <a:ext cx="7010401" cy="646331"/>
+          </a:xfrm>
+          <a:prstGeom prst="rect">
+            <a:avLst/>
+          </a:prstGeom>
+          <a:noFill/>
+        </p:spPr>
+        <p:txBody>
+          <a:bodyPr wrap="square" rtlCol="0">
+            <a:spAutoFit/>
+          </a:bodyPr>
+          <a:lstStyle/>
+          <a:p>
+            <a:r>
+              <a:rPr lang="en-US" dirty="0"/>
+              <a:t>Lx = 5, Ly = 5, </a:t>
+            </a:r>
+            <a:r>
+              <a:rPr lang="en-US" dirty="0" err="1"/>
+              <a:t>Lz</a:t>
+            </a:r>
+            <a:r>
+              <a:rPr lang="en-US" dirty="0"/>
+              <a:t> = 50. s = 0.02. x = 0.75. a = 0.00, N = 50</a:t>
+            </a:r>
+          </a:p>
+          <a:p>
+            <a:r>
+              <a:rPr lang="en-US" dirty="0"/>
+              <a:t>3D vs 1D (dashed): </a:t>
+            </a:r>
+            <a:r>
+              <a:rPr lang="en-US" dirty="0" err="1"/>
+              <a:t>dz</a:t>
+            </a:r>
+            <a:r>
+              <a:rPr lang="en-US" dirty="0"/>
+              <a:t> = 0.5, ds = 0.20; dz_1D = 0.113, ds_1D = 0.083</a:t>
+            </a:r>
+          </a:p>
+        </p:txBody>
+      </p:sp>
+      <p:sp>
+        <p:nvSpPr>
+          <p:cNvPr id="20" name="TextBox 19">
+            <a:extLst>
+              <a:ext uri="{FF2B5EF4-FFF2-40B4-BE49-F238E27FC236}">
+                <a16:creationId xmlns:a16="http://schemas.microsoft.com/office/drawing/2014/main" id="{F67FA53E-0EE8-AAF7-18FE-84614DDB84DE}"/>
+              </a:ext>
+            </a:extLst>
+          </p:cNvPr>
+          <p:cNvSpPr txBox="1"/>
+          <p:nvPr/>
+        </p:nvSpPr>
+        <p:spPr>
+          <a:xfrm>
+            <a:off x="5465389" y="2872792"/>
+            <a:ext cx="1618272" cy="369332"/>
+          </a:xfrm>
+          <a:prstGeom prst="rect">
+            <a:avLst/>
+          </a:prstGeom>
+          <a:noFill/>
+        </p:spPr>
+        <p:txBody>
+          <a:bodyPr wrap="square" rtlCol="0">
+            <a:spAutoFit/>
+          </a:bodyPr>
+          <a:lstStyle/>
+          <a:p>
+            <a:r>
+              <a:rPr lang="en-US" dirty="0"/>
+              <a:t>FFT (</a:t>
+            </a:r>
+            <a:r>
+              <a:rPr lang="en-US" dirty="0" err="1"/>
+              <a:t>yz</a:t>
+            </a:r>
+            <a:r>
+              <a:rPr lang="en-US" dirty="0"/>
+              <a:t> vs </a:t>
+            </a:r>
+            <a:r>
+              <a:rPr lang="en-US" dirty="0" err="1"/>
+              <a:t>pha</a:t>
+            </a:r>
+            <a:r>
+              <a:rPr lang="en-US" dirty="0"/>
+              <a:t>)</a:t>
+            </a:r>
+          </a:p>
+        </p:txBody>
+      </p:sp>
+      <p:sp>
+        <p:nvSpPr>
+          <p:cNvPr id="21" name="TextBox 20">
+            <a:extLst>
+              <a:ext uri="{FF2B5EF4-FFF2-40B4-BE49-F238E27FC236}">
+                <a16:creationId xmlns:a16="http://schemas.microsoft.com/office/drawing/2014/main" id="{8975F4F8-1D5E-2B6C-439A-E0008683786D}"/>
+              </a:ext>
+            </a:extLst>
+          </p:cNvPr>
+          <p:cNvSpPr txBox="1"/>
+          <p:nvPr/>
+        </p:nvSpPr>
+        <p:spPr>
+          <a:xfrm>
+            <a:off x="5526850" y="5125257"/>
+            <a:ext cx="1580774" cy="369332"/>
+          </a:xfrm>
+          <a:prstGeom prst="rect">
+            <a:avLst/>
+          </a:prstGeom>
+          <a:noFill/>
+        </p:spPr>
+        <p:txBody>
+          <a:bodyPr wrap="square" rtlCol="0">
+            <a:spAutoFit/>
+          </a:bodyPr>
+          <a:lstStyle/>
+          <a:p>
+            <a:r>
+              <a:rPr lang="en-US" dirty="0"/>
+              <a:t>FD (</a:t>
+            </a:r>
+            <a:r>
+              <a:rPr lang="en-US" dirty="0" err="1"/>
+              <a:t>yz</a:t>
+            </a:r>
+            <a:r>
+              <a:rPr lang="en-US" dirty="0"/>
+              <a:t> vs </a:t>
+            </a:r>
+            <a:r>
+              <a:rPr lang="en-US" dirty="0" err="1"/>
+              <a:t>pha</a:t>
+            </a:r>
+            <a:r>
+              <a:rPr lang="en-US" dirty="0"/>
+              <a:t>)</a:t>
+            </a:r>
+          </a:p>
+        </p:txBody>
+      </p:sp>
+      <p:pic>
+        <p:nvPicPr>
+          <p:cNvPr id="25" name="Picture 24">
+            <a:extLst>
+              <a:ext uri="{FF2B5EF4-FFF2-40B4-BE49-F238E27FC236}">
+                <a16:creationId xmlns:a16="http://schemas.microsoft.com/office/drawing/2014/main" id="{BFB8AF76-977E-BF34-4D5F-6F1115EF2823}"/>
+              </a:ext>
+            </a:extLst>
+          </p:cNvPr>
+          <p:cNvPicPr>
+            <a:picLocks noChangeAspect="1"/>
+          </p:cNvPicPr>
+          <p:nvPr/>
+        </p:nvPicPr>
+        <p:blipFill>
+          <a:blip r:embed="rId3"/>
+          <a:stretch>
+            <a:fillRect/>
+          </a:stretch>
+        </p:blipFill>
+        <p:spPr>
+          <a:xfrm>
+            <a:off x="7276364" y="4360365"/>
+            <a:ext cx="2924742" cy="2424728"/>
+          </a:xfrm>
+          <a:prstGeom prst="rect">
+            <a:avLst/>
+          </a:prstGeom>
+        </p:spPr>
+      </p:pic>
+      <p:pic>
+        <p:nvPicPr>
+          <p:cNvPr id="27" name="Picture 26">
+            <a:extLst>
+              <a:ext uri="{FF2B5EF4-FFF2-40B4-BE49-F238E27FC236}">
+                <a16:creationId xmlns:a16="http://schemas.microsoft.com/office/drawing/2014/main" id="{277F92A0-71CE-490F-B258-ED7EC95866E9}"/>
+              </a:ext>
+            </a:extLst>
+          </p:cNvPr>
+          <p:cNvPicPr>
+            <a:picLocks noChangeAspect="1"/>
+          </p:cNvPicPr>
+          <p:nvPr/>
+        </p:nvPicPr>
+        <p:blipFill>
+          <a:blip r:embed="rId4"/>
+          <a:stretch>
+            <a:fillRect/>
+          </a:stretch>
+        </p:blipFill>
+        <p:spPr>
+          <a:xfrm>
+            <a:off x="10402909" y="2613996"/>
+            <a:ext cx="494780" cy="2823542"/>
+          </a:xfrm>
+          <a:prstGeom prst="rect">
+            <a:avLst/>
+          </a:prstGeom>
+        </p:spPr>
+      </p:pic>
+      <p:sp>
+        <p:nvSpPr>
+          <p:cNvPr id="28" name="TextBox 27">
+            <a:extLst>
+              <a:ext uri="{FF2B5EF4-FFF2-40B4-BE49-F238E27FC236}">
+                <a16:creationId xmlns:a16="http://schemas.microsoft.com/office/drawing/2014/main" id="{209381BF-3B92-7C87-83D1-6D10AFC3C731}"/>
+              </a:ext>
+            </a:extLst>
+          </p:cNvPr>
+          <p:cNvSpPr txBox="1"/>
+          <p:nvPr/>
+        </p:nvSpPr>
+        <p:spPr>
+          <a:xfrm>
+            <a:off x="8289087" y="4206848"/>
+            <a:ext cx="1286933" cy="369332"/>
+          </a:xfrm>
+          <a:prstGeom prst="rect">
+            <a:avLst/>
+          </a:prstGeom>
+          <a:noFill/>
+        </p:spPr>
+        <p:txBody>
+          <a:bodyPr wrap="square" rtlCol="0">
+            <a:spAutoFit/>
+          </a:bodyPr>
+          <a:lstStyle/>
+          <a:p>
+            <a:pPr algn="ctr"/>
+            <a:r>
+              <a:rPr lang="en-US" dirty="0"/>
+              <a:t>FD (</a:t>
+            </a:r>
+            <a:r>
+              <a:rPr lang="en-US" dirty="0" err="1"/>
+              <a:t>xyz</a:t>
+            </a:r>
+            <a:r>
+              <a:rPr lang="en-US" dirty="0"/>
+              <a:t>)</a:t>
+            </a:r>
+          </a:p>
+        </p:txBody>
+      </p:sp>
+      <p:pic>
+        <p:nvPicPr>
+          <p:cNvPr id="30" name="Picture 29">
+            <a:extLst>
+              <a:ext uri="{FF2B5EF4-FFF2-40B4-BE49-F238E27FC236}">
+                <a16:creationId xmlns:a16="http://schemas.microsoft.com/office/drawing/2014/main" id="{78FFD473-8BB3-1A61-FCA5-1FC80C0BC590}"/>
+              </a:ext>
+            </a:extLst>
+          </p:cNvPr>
+          <p:cNvPicPr>
+            <a:picLocks noChangeAspect="1"/>
+          </p:cNvPicPr>
+          <p:nvPr/>
+        </p:nvPicPr>
+        <p:blipFill>
+          <a:blip r:embed="rId5"/>
+          <a:stretch>
+            <a:fillRect/>
+          </a:stretch>
+        </p:blipFill>
+        <p:spPr>
+          <a:xfrm>
+            <a:off x="7217123" y="1758796"/>
+            <a:ext cx="2924741" cy="2400807"/>
+          </a:xfrm>
+          <a:prstGeom prst="rect">
+            <a:avLst/>
+          </a:prstGeom>
+        </p:spPr>
+      </p:pic>
+      <p:sp>
+        <p:nvSpPr>
+          <p:cNvPr id="31" name="TextBox 30">
+            <a:extLst>
+              <a:ext uri="{FF2B5EF4-FFF2-40B4-BE49-F238E27FC236}">
+                <a16:creationId xmlns:a16="http://schemas.microsoft.com/office/drawing/2014/main" id="{18ED4AF3-A406-8565-DA72-D4AD2194F5BA}"/>
+              </a:ext>
+            </a:extLst>
+          </p:cNvPr>
+          <p:cNvSpPr txBox="1"/>
+          <p:nvPr/>
+        </p:nvSpPr>
+        <p:spPr>
+          <a:xfrm>
+            <a:off x="8207324" y="1542436"/>
+            <a:ext cx="1286933" cy="369332"/>
+          </a:xfrm>
+          <a:prstGeom prst="rect">
+            <a:avLst/>
+          </a:prstGeom>
+          <a:noFill/>
+        </p:spPr>
+        <p:txBody>
+          <a:bodyPr wrap="square" rtlCol="0">
+            <a:spAutoFit/>
+          </a:bodyPr>
+          <a:lstStyle/>
+          <a:p>
+            <a:pPr algn="ctr"/>
+            <a:r>
+              <a:rPr lang="en-US" dirty="0"/>
+              <a:t>FFT (</a:t>
+            </a:r>
+            <a:r>
+              <a:rPr lang="en-US" dirty="0" err="1"/>
+              <a:t>xyz</a:t>
+            </a:r>
+            <a:r>
+              <a:rPr lang="en-US" dirty="0"/>
+              <a:t>)</a:t>
+            </a:r>
+          </a:p>
+        </p:txBody>
+      </p:sp>
+      <p:pic>
+        <p:nvPicPr>
+          <p:cNvPr id="37" name="Picture 36">
+            <a:extLst>
+              <a:ext uri="{FF2B5EF4-FFF2-40B4-BE49-F238E27FC236}">
+                <a16:creationId xmlns:a16="http://schemas.microsoft.com/office/drawing/2014/main" id="{326FE1D3-8C41-0A8E-0D9D-230751971410}"/>
+              </a:ext>
+            </a:extLst>
+          </p:cNvPr>
+          <p:cNvPicPr>
+            <a:picLocks noChangeAspect="1"/>
+          </p:cNvPicPr>
+          <p:nvPr/>
+        </p:nvPicPr>
+        <p:blipFill>
+          <a:blip r:embed="rId6"/>
+          <a:stretch>
+            <a:fillRect/>
+          </a:stretch>
+        </p:blipFill>
+        <p:spPr>
+          <a:xfrm>
+            <a:off x="600120" y="3922530"/>
+            <a:ext cx="4724927" cy="2698398"/>
+          </a:xfrm>
+          <a:prstGeom prst="rect">
+            <a:avLst/>
+          </a:prstGeom>
+        </p:spPr>
+      </p:pic>
+      <p:sp>
+        <p:nvSpPr>
+          <p:cNvPr id="4" name="TextBox 3">
+            <a:extLst>
+              <a:ext uri="{FF2B5EF4-FFF2-40B4-BE49-F238E27FC236}">
+                <a16:creationId xmlns:a16="http://schemas.microsoft.com/office/drawing/2014/main" id="{5356C493-0AA9-FE35-035D-D1AAD53C4DDF}"/>
+              </a:ext>
+            </a:extLst>
+          </p:cNvPr>
+          <p:cNvSpPr txBox="1"/>
+          <p:nvPr/>
+        </p:nvSpPr>
+        <p:spPr>
+          <a:xfrm>
+            <a:off x="3716868" y="6488668"/>
+            <a:ext cx="4086672" cy="369332"/>
+          </a:xfrm>
+          <a:prstGeom prst="rect">
+            <a:avLst/>
+          </a:prstGeom>
+          <a:noFill/>
+        </p:spPr>
+        <p:txBody>
+          <a:bodyPr wrap="square" rtlCol="0">
+            <a:spAutoFit/>
+          </a:bodyPr>
+          <a:lstStyle/>
+          <a:p>
+            <a:r>
+              <a:rPr lang="en-US" dirty="0"/>
+              <a:t>Diff btw 1D/3D should just be </a:t>
+            </a:r>
+            <a:r>
+              <a:rPr lang="en-US" dirty="0" err="1"/>
+              <a:t>dz</a:t>
+            </a:r>
+            <a:r>
+              <a:rPr lang="en-US" dirty="0"/>
+              <a:t>, ds, etc.</a:t>
+            </a:r>
+          </a:p>
+        </p:txBody>
+      </p:sp>
+    </p:spTree>
+    <p:extLst>
+      <p:ext uri="{BB962C8B-B14F-4D97-AF65-F5344CB8AC3E}">
+        <p14:creationId xmlns:p14="http://schemas.microsoft.com/office/powerpoint/2010/main" val="2184982505"/>
+      </p:ext>
+    </p:extLst>
+  </p:cSld>
+  <p:clrMapOvr>
+    <a:masterClrMapping/>
+  </p:clrMapOvr>
+</p:sld>
+</file>
+
+<file path=ppt/slides/slide8.xml><?xml version="1.0" encoding="utf-8"?>
+<p:sld xmlns:a="http://schemas.openxmlformats.org/drawingml/2006/main" xmlns:r="http://schemas.openxmlformats.org/officeDocument/2006/relationships" xmlns:p="http://schemas.openxmlformats.org/presentationml/2006/main">
+  <p:cSld>
+    <p:spTree>
+      <p:nvGrpSpPr>
+        <p:cNvPr id="1" name=""/>
+        <p:cNvGrpSpPr/>
+        <p:nvPr/>
+      </p:nvGrpSpPr>
+      <p:grpSpPr>
+        <a:xfrm>
+          <a:off x="0" y="0"/>
+          <a:ext cx="0" cy="0"/>
+          <a:chOff x="0" y="0"/>
+          <a:chExt cx="0" cy="0"/>
+        </a:xfrm>
+      </p:grpSpPr>
+      <p:sp>
+        <p:nvSpPr>
+          <p:cNvPr id="2" name="Title 1">
+            <a:extLst>
+              <a:ext uri="{FF2B5EF4-FFF2-40B4-BE49-F238E27FC236}">
                 <a16:creationId xmlns:a16="http://schemas.microsoft.com/office/drawing/2014/main" id="{5E38BF11-AEEF-D0B7-B29E-E0619F8C79B5}"/>
               </a:ext>
             </a:extLst>
@@ -9443,7 +12153,7 @@
 </p:sld>
 </file>
 
-<file path=ppt/slides/slide4.xml><?xml version="1.0" encoding="utf-8"?>
+<file path=ppt/slides/slide9.xml><?xml version="1.0" encoding="utf-8"?>
 <p:sld xmlns:a="http://schemas.openxmlformats.org/drawingml/2006/main" xmlns:r="http://schemas.openxmlformats.org/officeDocument/2006/relationships" xmlns:p="http://schemas.openxmlformats.org/presentationml/2006/main">
   <p:cSld>
     <p:spTree>
@@ -10396,2214 +13106,6 @@
     <p:extLst>
       <p:ext uri="{BB962C8B-B14F-4D97-AF65-F5344CB8AC3E}">
         <p14:creationId xmlns:p14="http://schemas.microsoft.com/office/powerpoint/2010/main" val="2457700860"/>
-      </p:ext>
-    </p:extLst>
-  </p:cSld>
-  <p:clrMapOvr>
-    <a:masterClrMapping/>
-  </p:clrMapOvr>
-</p:sld>
-</file>
-
-<file path=ppt/slides/slide5.xml><?xml version="1.0" encoding="utf-8"?>
-<p:sld xmlns:a="http://schemas.openxmlformats.org/drawingml/2006/main" xmlns:r="http://schemas.openxmlformats.org/officeDocument/2006/relationships" xmlns:p="http://schemas.openxmlformats.org/presentationml/2006/main">
-  <p:cSld>
-    <p:spTree>
-      <p:nvGrpSpPr>
-        <p:cNvPr id="1" name=""/>
-        <p:cNvGrpSpPr/>
-        <p:nvPr/>
-      </p:nvGrpSpPr>
-      <p:grpSpPr>
-        <a:xfrm>
-          <a:off x="0" y="0"/>
-          <a:ext cx="0" cy="0"/>
-          <a:chOff x="0" y="0"/>
-          <a:chExt cx="0" cy="0"/>
-        </a:xfrm>
-      </p:grpSpPr>
-      <p:sp>
-        <p:nvSpPr>
-          <p:cNvPr id="2" name="Title 1">
-            <a:extLst>
-              <a:ext uri="{FF2B5EF4-FFF2-40B4-BE49-F238E27FC236}">
-                <a16:creationId xmlns:a16="http://schemas.microsoft.com/office/drawing/2014/main" id="{C872131D-FE4F-A224-AF09-4A0D93F4B83D}"/>
-              </a:ext>
-            </a:extLst>
-          </p:cNvPr>
-          <p:cNvSpPr>
-            <a:spLocks noGrp="1"/>
-          </p:cNvSpPr>
-          <p:nvPr>
-            <p:ph type="title"/>
-          </p:nvPr>
-        </p:nvSpPr>
-        <p:spPr>
-          <a:xfrm>
-            <a:off x="59268" y="135468"/>
-            <a:ext cx="10515600" cy="846667"/>
-          </a:xfrm>
-        </p:spPr>
-        <p:txBody>
-          <a:bodyPr/>
-          <a:lstStyle/>
-          <a:p>
-            <a:r>
-              <a:rPr lang="en-US" dirty="0"/>
-              <a:t>Parameter space (x, a)</a:t>
-            </a:r>
-          </a:p>
-        </p:txBody>
-      </p:sp>
-      <p:pic>
-        <p:nvPicPr>
-          <p:cNvPr id="20" name="Picture 19">
-            <a:extLst>
-              <a:ext uri="{FF2B5EF4-FFF2-40B4-BE49-F238E27FC236}">
-                <a16:creationId xmlns:a16="http://schemas.microsoft.com/office/drawing/2014/main" id="{1546BF2F-2986-1314-7788-19765C7A6D4C}"/>
-              </a:ext>
-            </a:extLst>
-          </p:cNvPr>
-          <p:cNvPicPr>
-            <a:picLocks noChangeAspect="1"/>
-          </p:cNvPicPr>
-          <p:nvPr/>
-        </p:nvPicPr>
-        <p:blipFill>
-          <a:blip r:embed="rId2"/>
-          <a:stretch>
-            <a:fillRect/>
-          </a:stretch>
-        </p:blipFill>
-        <p:spPr>
-          <a:xfrm>
-            <a:off x="11422726" y="2089060"/>
-            <a:ext cx="611516" cy="3617418"/>
-          </a:xfrm>
-          <a:prstGeom prst="rect">
-            <a:avLst/>
-          </a:prstGeom>
-        </p:spPr>
-      </p:pic>
-      <p:pic>
-        <p:nvPicPr>
-          <p:cNvPr id="4" name="Picture 3">
-            <a:extLst>
-              <a:ext uri="{FF2B5EF4-FFF2-40B4-BE49-F238E27FC236}">
-                <a16:creationId xmlns:a16="http://schemas.microsoft.com/office/drawing/2014/main" id="{A2E1266F-FF5E-027D-B46E-4F5E53DC1BDD}"/>
-              </a:ext>
-            </a:extLst>
-          </p:cNvPr>
-          <p:cNvPicPr>
-            <a:picLocks noChangeAspect="1"/>
-          </p:cNvPicPr>
-          <p:nvPr/>
-        </p:nvPicPr>
-        <p:blipFill>
-          <a:blip r:embed="rId3"/>
-          <a:stretch>
-            <a:fillRect/>
-          </a:stretch>
-        </p:blipFill>
-        <p:spPr>
-          <a:xfrm>
-            <a:off x="2116607" y="869192"/>
-            <a:ext cx="3453697" cy="2094723"/>
-          </a:xfrm>
-          <a:prstGeom prst="rect">
-            <a:avLst/>
-          </a:prstGeom>
-        </p:spPr>
-      </p:pic>
-      <p:sp>
-        <p:nvSpPr>
-          <p:cNvPr id="5" name="TextBox 4">
-            <a:extLst>
-              <a:ext uri="{FF2B5EF4-FFF2-40B4-BE49-F238E27FC236}">
-                <a16:creationId xmlns:a16="http://schemas.microsoft.com/office/drawing/2014/main" id="{58A00D1F-C785-B3A5-1176-D40C2FA75484}"/>
-              </a:ext>
-            </a:extLst>
-          </p:cNvPr>
-          <p:cNvSpPr txBox="1"/>
-          <p:nvPr/>
-        </p:nvSpPr>
-        <p:spPr>
-          <a:xfrm>
-            <a:off x="4070227" y="1004335"/>
-            <a:ext cx="1427134" cy="338554"/>
-          </a:xfrm>
-          <a:prstGeom prst="rect">
-            <a:avLst/>
-          </a:prstGeom>
-          <a:noFill/>
-        </p:spPr>
-        <p:txBody>
-          <a:bodyPr wrap="square" rtlCol="0">
-            <a:spAutoFit/>
-          </a:bodyPr>
-          <a:lstStyle/>
-          <a:p>
-            <a:pPr algn="r"/>
-            <a:r>
-              <a:rPr lang="en-US" sz="1600" dirty="0">
-                <a:solidFill>
-                  <a:schemeClr val="bg1"/>
-                </a:solidFill>
-              </a:rPr>
-              <a:t>a000x055s002</a:t>
-            </a:r>
-          </a:p>
-        </p:txBody>
-      </p:sp>
-      <p:grpSp>
-        <p:nvGrpSpPr>
-          <p:cNvPr id="10" name="Group 9">
-            <a:extLst>
-              <a:ext uri="{FF2B5EF4-FFF2-40B4-BE49-F238E27FC236}">
-                <a16:creationId xmlns:a16="http://schemas.microsoft.com/office/drawing/2014/main" id="{8293C823-8262-3D64-E83F-49D8E00BE204}"/>
-              </a:ext>
-            </a:extLst>
-          </p:cNvPr>
-          <p:cNvGrpSpPr/>
-          <p:nvPr/>
-        </p:nvGrpSpPr>
-        <p:grpSpPr>
-          <a:xfrm>
-            <a:off x="2116607" y="2770451"/>
-            <a:ext cx="3453697" cy="2097195"/>
-            <a:chOff x="6599322" y="1134534"/>
-            <a:chExt cx="4297279" cy="2609445"/>
-          </a:xfrm>
-        </p:grpSpPr>
-        <p:pic>
-          <p:nvPicPr>
-            <p:cNvPr id="9" name="Picture 8">
-              <a:extLst>
-                <a:ext uri="{FF2B5EF4-FFF2-40B4-BE49-F238E27FC236}">
-                  <a16:creationId xmlns:a16="http://schemas.microsoft.com/office/drawing/2014/main" id="{82F51C73-8D5C-934E-FC93-66672486A18B}"/>
-                </a:ext>
-              </a:extLst>
-            </p:cNvPr>
-            <p:cNvPicPr>
-              <a:picLocks noChangeAspect="1"/>
-            </p:cNvPicPr>
-            <p:nvPr/>
-          </p:nvPicPr>
-          <p:blipFill>
-            <a:blip r:embed="rId4"/>
-            <a:stretch>
-              <a:fillRect/>
-            </a:stretch>
-          </p:blipFill>
-          <p:spPr>
-            <a:xfrm>
-              <a:off x="6599322" y="1134534"/>
-              <a:ext cx="4297279" cy="2609445"/>
-            </a:xfrm>
-            <a:prstGeom prst="rect">
-              <a:avLst/>
-            </a:prstGeom>
-          </p:spPr>
-        </p:pic>
-        <p:sp>
-          <p:nvSpPr>
-            <p:cNvPr id="7" name="TextBox 6">
-              <a:extLst>
-                <a:ext uri="{FF2B5EF4-FFF2-40B4-BE49-F238E27FC236}">
-                  <a16:creationId xmlns:a16="http://schemas.microsoft.com/office/drawing/2014/main" id="{6638FA71-F500-38F3-3630-A99FA0D4FD63}"/>
-                </a:ext>
-              </a:extLst>
-            </p:cNvPr>
-            <p:cNvSpPr txBox="1"/>
-            <p:nvPr/>
-          </p:nvSpPr>
-          <p:spPr>
-            <a:xfrm>
-              <a:off x="9063628" y="1253853"/>
-              <a:ext cx="1775718" cy="421247"/>
-            </a:xfrm>
-            <a:prstGeom prst="rect">
-              <a:avLst/>
-            </a:prstGeom>
-            <a:noFill/>
-          </p:spPr>
-          <p:txBody>
-            <a:bodyPr wrap="square" rtlCol="0">
-              <a:spAutoFit/>
-            </a:bodyPr>
-            <a:lstStyle/>
-            <a:p>
-              <a:pPr algn="r"/>
-              <a:r>
-                <a:rPr lang="en-US" sz="1600" dirty="0">
-                  <a:solidFill>
-                    <a:schemeClr val="bg1"/>
-                  </a:solidFill>
-                </a:rPr>
-                <a:t>x075</a:t>
-              </a:r>
-            </a:p>
-          </p:txBody>
-        </p:sp>
-      </p:grpSp>
-      <p:sp>
-        <p:nvSpPr>
-          <p:cNvPr id="6" name="Rectangle 5">
-            <a:extLst>
-              <a:ext uri="{FF2B5EF4-FFF2-40B4-BE49-F238E27FC236}">
-                <a16:creationId xmlns:a16="http://schemas.microsoft.com/office/drawing/2014/main" id="{D828B159-62EA-2597-498D-1F8D2D48D8B7}"/>
-              </a:ext>
-            </a:extLst>
-          </p:cNvPr>
-          <p:cNvSpPr/>
-          <p:nvPr/>
-        </p:nvSpPr>
-        <p:spPr>
-          <a:xfrm>
-            <a:off x="5121057" y="2586563"/>
-            <a:ext cx="611516" cy="311105"/>
-          </a:xfrm>
-          <a:prstGeom prst="rect">
-            <a:avLst/>
-          </a:prstGeom>
-          <a:solidFill>
-            <a:schemeClr val="tx1"/>
-          </a:solidFill>
-        </p:spPr>
-        <p:style>
-          <a:lnRef idx="2">
-            <a:schemeClr val="accent1">
-              <a:shade val="15000"/>
-            </a:schemeClr>
-          </a:lnRef>
-          <a:fillRef idx="1">
-            <a:schemeClr val="accent1"/>
-          </a:fillRef>
-          <a:effectRef idx="0">
-            <a:schemeClr val="accent1"/>
-          </a:effectRef>
-          <a:fontRef idx="minor">
-            <a:schemeClr val="lt1"/>
-          </a:fontRef>
-        </p:style>
-        <p:txBody>
-          <a:bodyPr rtlCol="0" anchor="ctr"/>
-          <a:lstStyle/>
-          <a:p>
-            <a:pPr algn="ctr"/>
-            <a:r>
-              <a:rPr lang="en-US" dirty="0"/>
-              <a:t>20</a:t>
-            </a:r>
-          </a:p>
-        </p:txBody>
-      </p:sp>
-      <p:grpSp>
-        <p:nvGrpSpPr>
-          <p:cNvPr id="15" name="Group 14">
-            <a:extLst>
-              <a:ext uri="{FF2B5EF4-FFF2-40B4-BE49-F238E27FC236}">
-                <a16:creationId xmlns:a16="http://schemas.microsoft.com/office/drawing/2014/main" id="{44A82D20-5CCC-8411-5966-AA4C82334625}"/>
-              </a:ext>
-            </a:extLst>
-          </p:cNvPr>
-          <p:cNvGrpSpPr/>
-          <p:nvPr/>
-        </p:nvGrpSpPr>
-        <p:grpSpPr>
-          <a:xfrm>
-            <a:off x="2145674" y="4612321"/>
-            <a:ext cx="3433346" cy="2097195"/>
-            <a:chOff x="316874" y="4625337"/>
-            <a:chExt cx="3433346" cy="2097195"/>
-          </a:xfrm>
-        </p:grpSpPr>
-        <p:pic>
-          <p:nvPicPr>
-            <p:cNvPr id="12" name="Picture 11">
-              <a:extLst>
-                <a:ext uri="{FF2B5EF4-FFF2-40B4-BE49-F238E27FC236}">
-                  <a16:creationId xmlns:a16="http://schemas.microsoft.com/office/drawing/2014/main" id="{C5E2A0B3-976E-CBCD-A46E-B65D1620E54B}"/>
-                </a:ext>
-              </a:extLst>
-            </p:cNvPr>
-            <p:cNvPicPr>
-              <a:picLocks noChangeAspect="1"/>
-            </p:cNvPicPr>
-            <p:nvPr/>
-          </p:nvPicPr>
-          <p:blipFill>
-            <a:blip r:embed="rId5"/>
-            <a:stretch>
-              <a:fillRect/>
-            </a:stretch>
-          </p:blipFill>
-          <p:spPr>
-            <a:xfrm>
-              <a:off x="316874" y="4625337"/>
-              <a:ext cx="3433346" cy="2097195"/>
-            </a:xfrm>
-            <a:prstGeom prst="rect">
-              <a:avLst/>
-            </a:prstGeom>
-          </p:spPr>
-        </p:pic>
-        <p:sp>
-          <p:nvSpPr>
-            <p:cNvPr id="14" name="TextBox 13">
-              <a:extLst>
-                <a:ext uri="{FF2B5EF4-FFF2-40B4-BE49-F238E27FC236}">
-                  <a16:creationId xmlns:a16="http://schemas.microsoft.com/office/drawing/2014/main" id="{9138D671-2C35-7FD4-C347-FF6DB1045AC1}"/>
-                </a:ext>
-              </a:extLst>
-            </p:cNvPr>
-            <p:cNvSpPr txBox="1"/>
-            <p:nvPr/>
-          </p:nvSpPr>
-          <p:spPr>
-            <a:xfrm>
-              <a:off x="2241427" y="4756721"/>
-              <a:ext cx="1427134" cy="338554"/>
-            </a:xfrm>
-            <a:prstGeom prst="rect">
-              <a:avLst/>
-            </a:prstGeom>
-            <a:noFill/>
-          </p:spPr>
-          <p:txBody>
-            <a:bodyPr wrap="square" rtlCol="0">
-              <a:spAutoFit/>
-            </a:bodyPr>
-            <a:lstStyle/>
-            <a:p>
-              <a:pPr algn="r"/>
-              <a:r>
-                <a:rPr lang="en-US" sz="1600" dirty="0">
-                  <a:solidFill>
-                    <a:schemeClr val="bg1"/>
-                  </a:solidFill>
-                </a:rPr>
-                <a:t>x100</a:t>
-              </a:r>
-            </a:p>
-          </p:txBody>
-        </p:sp>
-      </p:grpSp>
-      <p:sp>
-        <p:nvSpPr>
-          <p:cNvPr id="21" name="Rectangle 20">
-            <a:extLst>
-              <a:ext uri="{FF2B5EF4-FFF2-40B4-BE49-F238E27FC236}">
-                <a16:creationId xmlns:a16="http://schemas.microsoft.com/office/drawing/2014/main" id="{46B7372B-C2A2-8FAC-CBB4-3BA317138E71}"/>
-              </a:ext>
-            </a:extLst>
-          </p:cNvPr>
-          <p:cNvSpPr/>
-          <p:nvPr/>
-        </p:nvSpPr>
-        <p:spPr>
-          <a:xfrm>
-            <a:off x="5121057" y="4459486"/>
-            <a:ext cx="611516" cy="311105"/>
-          </a:xfrm>
-          <a:prstGeom prst="rect">
-            <a:avLst/>
-          </a:prstGeom>
-          <a:solidFill>
-            <a:schemeClr val="tx1"/>
-          </a:solidFill>
-        </p:spPr>
-        <p:style>
-          <a:lnRef idx="2">
-            <a:schemeClr val="accent1">
-              <a:shade val="15000"/>
-            </a:schemeClr>
-          </a:lnRef>
-          <a:fillRef idx="1">
-            <a:schemeClr val="accent1"/>
-          </a:fillRef>
-          <a:effectRef idx="0">
-            <a:schemeClr val="accent1"/>
-          </a:effectRef>
-          <a:fontRef idx="minor">
-            <a:schemeClr val="lt1"/>
-          </a:fontRef>
-        </p:style>
-        <p:txBody>
-          <a:bodyPr rtlCol="0" anchor="ctr"/>
-          <a:lstStyle/>
-          <a:p>
-            <a:pPr algn="ctr"/>
-            <a:r>
-              <a:rPr lang="en-US" dirty="0"/>
-              <a:t>20</a:t>
-            </a:r>
-          </a:p>
-        </p:txBody>
-      </p:sp>
-      <p:sp>
-        <p:nvSpPr>
-          <p:cNvPr id="13" name="Rectangle 12">
-            <a:extLst>
-              <a:ext uri="{FF2B5EF4-FFF2-40B4-BE49-F238E27FC236}">
-                <a16:creationId xmlns:a16="http://schemas.microsoft.com/office/drawing/2014/main" id="{704FF892-120B-7F76-606E-C9EFADBFD433}"/>
-              </a:ext>
-            </a:extLst>
-          </p:cNvPr>
-          <p:cNvSpPr/>
-          <p:nvPr/>
-        </p:nvSpPr>
-        <p:spPr>
-          <a:xfrm>
-            <a:off x="5191603" y="6298484"/>
-            <a:ext cx="611516" cy="311105"/>
-          </a:xfrm>
-          <a:prstGeom prst="rect">
-            <a:avLst/>
-          </a:prstGeom>
-          <a:solidFill>
-            <a:schemeClr val="tx1"/>
-          </a:solidFill>
-        </p:spPr>
-        <p:style>
-          <a:lnRef idx="2">
-            <a:schemeClr val="accent1">
-              <a:shade val="15000"/>
-            </a:schemeClr>
-          </a:lnRef>
-          <a:fillRef idx="1">
-            <a:schemeClr val="accent1"/>
-          </a:fillRef>
-          <a:effectRef idx="0">
-            <a:schemeClr val="accent1"/>
-          </a:effectRef>
-          <a:fontRef idx="minor">
-            <a:schemeClr val="lt1"/>
-          </a:fontRef>
-        </p:style>
-        <p:txBody>
-          <a:bodyPr rtlCol="0" anchor="ctr"/>
-          <a:lstStyle/>
-          <a:p>
-            <a:pPr algn="ctr"/>
-            <a:r>
-              <a:rPr lang="en-US" dirty="0"/>
-              <a:t>20</a:t>
-            </a:r>
-          </a:p>
-        </p:txBody>
-      </p:sp>
-      <p:grpSp>
-        <p:nvGrpSpPr>
-          <p:cNvPr id="33" name="Group 32">
-            <a:extLst>
-              <a:ext uri="{FF2B5EF4-FFF2-40B4-BE49-F238E27FC236}">
-                <a16:creationId xmlns:a16="http://schemas.microsoft.com/office/drawing/2014/main" id="{553242B5-1BCB-D4FD-728E-4BE0A1320CD0}"/>
-              </a:ext>
-            </a:extLst>
-          </p:cNvPr>
-          <p:cNvGrpSpPr/>
-          <p:nvPr/>
-        </p:nvGrpSpPr>
-        <p:grpSpPr>
-          <a:xfrm>
-            <a:off x="5902792" y="915564"/>
-            <a:ext cx="3251425" cy="2060521"/>
-            <a:chOff x="4073992" y="928580"/>
-            <a:chExt cx="3251425" cy="2060521"/>
-          </a:xfrm>
-        </p:grpSpPr>
-        <p:pic>
-          <p:nvPicPr>
-            <p:cNvPr id="17" name="Picture 16">
-              <a:extLst>
-                <a:ext uri="{FF2B5EF4-FFF2-40B4-BE49-F238E27FC236}">
-                  <a16:creationId xmlns:a16="http://schemas.microsoft.com/office/drawing/2014/main" id="{D23A8D83-03FE-35C2-9526-F8D63B3F7827}"/>
-                </a:ext>
-              </a:extLst>
-            </p:cNvPr>
-            <p:cNvPicPr>
-              <a:picLocks noChangeAspect="1"/>
-            </p:cNvPicPr>
-            <p:nvPr/>
-          </p:nvPicPr>
-          <p:blipFill>
-            <a:blip r:embed="rId6"/>
-            <a:stretch>
-              <a:fillRect/>
-            </a:stretch>
-          </p:blipFill>
-          <p:spPr>
-            <a:xfrm>
-              <a:off x="4073992" y="928580"/>
-              <a:ext cx="3251425" cy="2060521"/>
-            </a:xfrm>
-            <a:prstGeom prst="rect">
-              <a:avLst/>
-            </a:prstGeom>
-          </p:spPr>
-        </p:pic>
-        <p:sp>
-          <p:nvSpPr>
-            <p:cNvPr id="31" name="TextBox 30">
-              <a:extLst>
-                <a:ext uri="{FF2B5EF4-FFF2-40B4-BE49-F238E27FC236}">
-                  <a16:creationId xmlns:a16="http://schemas.microsoft.com/office/drawing/2014/main" id="{2A76C8A4-7817-78F7-90BC-C7B53646761A}"/>
-                </a:ext>
-              </a:extLst>
-            </p:cNvPr>
-            <p:cNvSpPr txBox="1"/>
-            <p:nvPr/>
-          </p:nvSpPr>
-          <p:spPr>
-            <a:xfrm>
-              <a:off x="5814079" y="999765"/>
-              <a:ext cx="1427134" cy="338554"/>
-            </a:xfrm>
-            <a:prstGeom prst="rect">
-              <a:avLst/>
-            </a:prstGeom>
-            <a:noFill/>
-          </p:spPr>
-          <p:txBody>
-            <a:bodyPr wrap="square" rtlCol="0">
-              <a:spAutoFit/>
-            </a:bodyPr>
-            <a:lstStyle/>
-            <a:p>
-              <a:pPr algn="r"/>
-              <a:r>
-                <a:rPr lang="en-US" sz="1600" dirty="0">
-                  <a:solidFill>
-                    <a:schemeClr val="bg1"/>
-                  </a:solidFill>
-                </a:rPr>
-                <a:t>a010x075</a:t>
-              </a:r>
-            </a:p>
-          </p:txBody>
-        </p:sp>
-      </p:grpSp>
-      <p:grpSp>
-        <p:nvGrpSpPr>
-          <p:cNvPr id="34" name="Group 33">
-            <a:extLst>
-              <a:ext uri="{FF2B5EF4-FFF2-40B4-BE49-F238E27FC236}">
-                <a16:creationId xmlns:a16="http://schemas.microsoft.com/office/drawing/2014/main" id="{CB35BE69-4569-C923-C220-5083141AA4EC}"/>
-              </a:ext>
-            </a:extLst>
-          </p:cNvPr>
-          <p:cNvGrpSpPr/>
-          <p:nvPr/>
-        </p:nvGrpSpPr>
-        <p:grpSpPr>
-          <a:xfrm>
-            <a:off x="5902792" y="2794189"/>
-            <a:ext cx="3251424" cy="2049718"/>
-            <a:chOff x="4073992" y="2807205"/>
-            <a:chExt cx="3251424" cy="2049718"/>
-          </a:xfrm>
-        </p:grpSpPr>
-        <p:pic>
-          <p:nvPicPr>
-            <p:cNvPr id="28" name="Picture 27">
-              <a:extLst>
-                <a:ext uri="{FF2B5EF4-FFF2-40B4-BE49-F238E27FC236}">
-                  <a16:creationId xmlns:a16="http://schemas.microsoft.com/office/drawing/2014/main" id="{87008589-EF14-2BCA-C8D3-EAA412DD35F3}"/>
-                </a:ext>
-              </a:extLst>
-            </p:cNvPr>
-            <p:cNvPicPr>
-              <a:picLocks noChangeAspect="1"/>
-            </p:cNvPicPr>
-            <p:nvPr/>
-          </p:nvPicPr>
-          <p:blipFill>
-            <a:blip r:embed="rId7"/>
-            <a:stretch>
-              <a:fillRect/>
-            </a:stretch>
-          </p:blipFill>
-          <p:spPr>
-            <a:xfrm>
-              <a:off x="4073992" y="2807205"/>
-              <a:ext cx="3251424" cy="2049718"/>
-            </a:xfrm>
-            <a:prstGeom prst="rect">
-              <a:avLst/>
-            </a:prstGeom>
-          </p:spPr>
-        </p:pic>
-        <p:sp>
-          <p:nvSpPr>
-            <p:cNvPr id="32" name="TextBox 31">
-              <a:extLst>
-                <a:ext uri="{FF2B5EF4-FFF2-40B4-BE49-F238E27FC236}">
-                  <a16:creationId xmlns:a16="http://schemas.microsoft.com/office/drawing/2014/main" id="{BE7EADBC-8477-28D4-BD56-F4560B21E1FD}"/>
-                </a:ext>
-              </a:extLst>
-            </p:cNvPr>
-            <p:cNvSpPr txBox="1"/>
-            <p:nvPr/>
-          </p:nvSpPr>
-          <p:spPr>
-            <a:xfrm>
-              <a:off x="5814079" y="2925862"/>
-              <a:ext cx="1427134" cy="338554"/>
-            </a:xfrm>
-            <a:prstGeom prst="rect">
-              <a:avLst/>
-            </a:prstGeom>
-            <a:noFill/>
-          </p:spPr>
-          <p:txBody>
-            <a:bodyPr wrap="square" rtlCol="0">
-              <a:spAutoFit/>
-            </a:bodyPr>
-            <a:lstStyle/>
-            <a:p>
-              <a:pPr algn="r"/>
-              <a:r>
-                <a:rPr lang="en-US" sz="1600" dirty="0">
-                  <a:solidFill>
-                    <a:schemeClr val="bg1"/>
-                  </a:solidFill>
-                </a:rPr>
-                <a:t>a020x075</a:t>
-              </a:r>
-            </a:p>
-          </p:txBody>
-        </p:sp>
-      </p:grpSp>
-      <p:grpSp>
-        <p:nvGrpSpPr>
-          <p:cNvPr id="36" name="Group 35">
-            <a:extLst>
-              <a:ext uri="{FF2B5EF4-FFF2-40B4-BE49-F238E27FC236}">
-                <a16:creationId xmlns:a16="http://schemas.microsoft.com/office/drawing/2014/main" id="{5B541305-F82D-42E4-4D58-459CC806A261}"/>
-              </a:ext>
-            </a:extLst>
-          </p:cNvPr>
-          <p:cNvGrpSpPr/>
-          <p:nvPr/>
-        </p:nvGrpSpPr>
-        <p:grpSpPr>
-          <a:xfrm>
-            <a:off x="5880140" y="4672352"/>
-            <a:ext cx="3251424" cy="2050180"/>
-            <a:chOff x="4051340" y="4685368"/>
-            <a:chExt cx="3251424" cy="2050180"/>
-          </a:xfrm>
-        </p:grpSpPr>
-        <p:pic>
-          <p:nvPicPr>
-            <p:cNvPr id="30" name="Picture 29">
-              <a:extLst>
-                <a:ext uri="{FF2B5EF4-FFF2-40B4-BE49-F238E27FC236}">
-                  <a16:creationId xmlns:a16="http://schemas.microsoft.com/office/drawing/2014/main" id="{5EB4FC1F-A624-46BB-F423-4D50C33C2718}"/>
-                </a:ext>
-              </a:extLst>
-            </p:cNvPr>
-            <p:cNvPicPr>
-              <a:picLocks noChangeAspect="1"/>
-            </p:cNvPicPr>
-            <p:nvPr/>
-          </p:nvPicPr>
-          <p:blipFill>
-            <a:blip r:embed="rId8"/>
-            <a:stretch>
-              <a:fillRect/>
-            </a:stretch>
-          </p:blipFill>
-          <p:spPr>
-            <a:xfrm>
-              <a:off x="4051340" y="4685368"/>
-              <a:ext cx="3251424" cy="2050180"/>
-            </a:xfrm>
-            <a:prstGeom prst="rect">
-              <a:avLst/>
-            </a:prstGeom>
-          </p:spPr>
-        </p:pic>
-        <p:sp>
-          <p:nvSpPr>
-            <p:cNvPr id="35" name="TextBox 34">
-              <a:extLst>
-                <a:ext uri="{FF2B5EF4-FFF2-40B4-BE49-F238E27FC236}">
-                  <a16:creationId xmlns:a16="http://schemas.microsoft.com/office/drawing/2014/main" id="{DBC90B78-388A-194F-76AD-4F2016119825}"/>
-                </a:ext>
-              </a:extLst>
-            </p:cNvPr>
-            <p:cNvSpPr txBox="1"/>
-            <p:nvPr/>
-          </p:nvSpPr>
-          <p:spPr>
-            <a:xfrm>
-              <a:off x="5814079" y="4925998"/>
-              <a:ext cx="1427134" cy="338554"/>
-            </a:xfrm>
-            <a:prstGeom prst="rect">
-              <a:avLst/>
-            </a:prstGeom>
-            <a:noFill/>
-          </p:spPr>
-          <p:txBody>
-            <a:bodyPr wrap="square" rtlCol="0">
-              <a:spAutoFit/>
-            </a:bodyPr>
-            <a:lstStyle/>
-            <a:p>
-              <a:pPr algn="r"/>
-              <a:r>
-                <a:rPr lang="en-US" sz="1600" dirty="0">
-                  <a:solidFill>
-                    <a:schemeClr val="bg1"/>
-                  </a:solidFill>
-                </a:rPr>
-                <a:t>a030x075</a:t>
-              </a:r>
-            </a:p>
-          </p:txBody>
-        </p:sp>
-      </p:grpSp>
-      <p:sp>
-        <p:nvSpPr>
-          <p:cNvPr id="41" name="Rectangle 40">
-            <a:extLst>
-              <a:ext uri="{FF2B5EF4-FFF2-40B4-BE49-F238E27FC236}">
-                <a16:creationId xmlns:a16="http://schemas.microsoft.com/office/drawing/2014/main" id="{48041710-6FD8-4FB7-1486-39ADE81D5376}"/>
-              </a:ext>
-            </a:extLst>
-          </p:cNvPr>
-          <p:cNvSpPr/>
-          <p:nvPr/>
-        </p:nvSpPr>
-        <p:spPr>
-          <a:xfrm>
-            <a:off x="8859427" y="6325556"/>
-            <a:ext cx="611516" cy="311105"/>
-          </a:xfrm>
-          <a:prstGeom prst="rect">
-            <a:avLst/>
-          </a:prstGeom>
-          <a:solidFill>
-            <a:schemeClr val="tx1"/>
-          </a:solidFill>
-        </p:spPr>
-        <p:style>
-          <a:lnRef idx="2">
-            <a:schemeClr val="accent1">
-              <a:shade val="15000"/>
-            </a:schemeClr>
-          </a:lnRef>
-          <a:fillRef idx="1">
-            <a:schemeClr val="accent1"/>
-          </a:fillRef>
-          <a:effectRef idx="0">
-            <a:schemeClr val="accent1"/>
-          </a:effectRef>
-          <a:fontRef idx="minor">
-            <a:schemeClr val="lt1"/>
-          </a:fontRef>
-        </p:style>
-        <p:txBody>
-          <a:bodyPr rtlCol="0" anchor="ctr"/>
-          <a:lstStyle/>
-          <a:p>
-            <a:pPr algn="ctr"/>
-            <a:r>
-              <a:rPr lang="en-US" dirty="0"/>
-              <a:t>30</a:t>
-            </a:r>
-          </a:p>
-        </p:txBody>
-      </p:sp>
-      <p:sp>
-        <p:nvSpPr>
-          <p:cNvPr id="38" name="Rectangle 37">
-            <a:extLst>
-              <a:ext uri="{FF2B5EF4-FFF2-40B4-BE49-F238E27FC236}">
-                <a16:creationId xmlns:a16="http://schemas.microsoft.com/office/drawing/2014/main" id="{F963DB17-8142-0DC2-E50E-ED76BF849776}"/>
-              </a:ext>
-            </a:extLst>
-          </p:cNvPr>
-          <p:cNvSpPr/>
-          <p:nvPr/>
-        </p:nvSpPr>
-        <p:spPr>
-          <a:xfrm>
-            <a:off x="8859427" y="4485445"/>
-            <a:ext cx="611516" cy="311105"/>
-          </a:xfrm>
-          <a:prstGeom prst="rect">
-            <a:avLst/>
-          </a:prstGeom>
-          <a:solidFill>
-            <a:schemeClr val="tx1"/>
-          </a:solidFill>
-        </p:spPr>
-        <p:style>
-          <a:lnRef idx="2">
-            <a:schemeClr val="accent1">
-              <a:shade val="15000"/>
-            </a:schemeClr>
-          </a:lnRef>
-          <a:fillRef idx="1">
-            <a:schemeClr val="accent1"/>
-          </a:fillRef>
-          <a:effectRef idx="0">
-            <a:schemeClr val="accent1"/>
-          </a:effectRef>
-          <a:fontRef idx="minor">
-            <a:schemeClr val="lt1"/>
-          </a:fontRef>
-        </p:style>
-        <p:txBody>
-          <a:bodyPr rtlCol="0" anchor="ctr"/>
-          <a:lstStyle/>
-          <a:p>
-            <a:pPr algn="ctr"/>
-            <a:r>
-              <a:rPr lang="en-US" dirty="0"/>
-              <a:t>30</a:t>
-            </a:r>
-          </a:p>
-        </p:txBody>
-      </p:sp>
-      <p:sp>
-        <p:nvSpPr>
-          <p:cNvPr id="16" name="Rectangle 15">
-            <a:extLst>
-              <a:ext uri="{FF2B5EF4-FFF2-40B4-BE49-F238E27FC236}">
-                <a16:creationId xmlns:a16="http://schemas.microsoft.com/office/drawing/2014/main" id="{5ABC2824-7410-AAE5-65F2-32EA62B33217}"/>
-              </a:ext>
-            </a:extLst>
-          </p:cNvPr>
-          <p:cNvSpPr/>
-          <p:nvPr/>
-        </p:nvSpPr>
-        <p:spPr>
-          <a:xfrm>
-            <a:off x="8773998" y="2558750"/>
-            <a:ext cx="611516" cy="311105"/>
-          </a:xfrm>
-          <a:prstGeom prst="rect">
-            <a:avLst/>
-          </a:prstGeom>
-          <a:solidFill>
-            <a:schemeClr val="tx1"/>
-          </a:solidFill>
-        </p:spPr>
-        <p:style>
-          <a:lnRef idx="2">
-            <a:schemeClr val="accent1">
-              <a:shade val="15000"/>
-            </a:schemeClr>
-          </a:lnRef>
-          <a:fillRef idx="1">
-            <a:schemeClr val="accent1"/>
-          </a:fillRef>
-          <a:effectRef idx="0">
-            <a:schemeClr val="accent1"/>
-          </a:effectRef>
-          <a:fontRef idx="minor">
-            <a:schemeClr val="lt1"/>
-          </a:fontRef>
-        </p:style>
-        <p:txBody>
-          <a:bodyPr rtlCol="0" anchor="ctr"/>
-          <a:lstStyle/>
-          <a:p>
-            <a:pPr algn="ctr"/>
-            <a:r>
-              <a:rPr lang="en-US" dirty="0"/>
-              <a:t>30</a:t>
-            </a:r>
-          </a:p>
-        </p:txBody>
-      </p:sp>
-    </p:spTree>
-    <p:extLst>
-      <p:ext uri="{BB962C8B-B14F-4D97-AF65-F5344CB8AC3E}">
-        <p14:creationId xmlns:p14="http://schemas.microsoft.com/office/powerpoint/2010/main" val="3387991481"/>
-      </p:ext>
-    </p:extLst>
-  </p:cSld>
-  <p:clrMapOvr>
-    <a:masterClrMapping/>
-  </p:clrMapOvr>
-</p:sld>
-</file>
-
-<file path=ppt/slides/slide6.xml><?xml version="1.0" encoding="utf-8"?>
-<p:sld xmlns:a="http://schemas.openxmlformats.org/drawingml/2006/main" xmlns:r="http://schemas.openxmlformats.org/officeDocument/2006/relationships" xmlns:p="http://schemas.openxmlformats.org/presentationml/2006/main">
-  <p:cSld>
-    <p:spTree>
-      <p:nvGrpSpPr>
-        <p:cNvPr id="1" name=""/>
-        <p:cNvGrpSpPr/>
-        <p:nvPr/>
-      </p:nvGrpSpPr>
-      <p:grpSpPr>
-        <a:xfrm>
-          <a:off x="0" y="0"/>
-          <a:ext cx="0" cy="0"/>
-          <a:chOff x="0" y="0"/>
-          <a:chExt cx="0" cy="0"/>
-        </a:xfrm>
-      </p:grpSpPr>
-      <p:sp>
-        <p:nvSpPr>
-          <p:cNvPr id="2" name="Title 1">
-            <a:extLst>
-              <a:ext uri="{FF2B5EF4-FFF2-40B4-BE49-F238E27FC236}">
-                <a16:creationId xmlns:a16="http://schemas.microsoft.com/office/drawing/2014/main" id="{C872131D-FE4F-A224-AF09-4A0D93F4B83D}"/>
-              </a:ext>
-            </a:extLst>
-          </p:cNvPr>
-          <p:cNvSpPr>
-            <a:spLocks noGrp="1"/>
-          </p:cNvSpPr>
-          <p:nvPr>
-            <p:ph type="title"/>
-          </p:nvPr>
-        </p:nvSpPr>
-        <p:spPr>
-          <a:xfrm>
-            <a:off x="177800" y="152400"/>
-            <a:ext cx="10515600" cy="846667"/>
-          </a:xfrm>
-        </p:spPr>
-        <p:txBody>
-          <a:bodyPr/>
-          <a:lstStyle/>
-          <a:p>
-            <a:r>
-              <a:rPr lang="en-US" dirty="0"/>
-              <a:t>Numerical space (</a:t>
-            </a:r>
-            <a:r>
-              <a:rPr lang="en-US" dirty="0" err="1"/>
-              <a:t>dz</a:t>
-            </a:r>
-            <a:r>
-              <a:rPr lang="en-US" dirty="0"/>
-              <a:t>, ds, Y)</a:t>
-            </a:r>
-          </a:p>
-        </p:txBody>
-      </p:sp>
-      <p:grpSp>
-        <p:nvGrpSpPr>
-          <p:cNvPr id="6" name="Group 5">
-            <a:extLst>
-              <a:ext uri="{FF2B5EF4-FFF2-40B4-BE49-F238E27FC236}">
-                <a16:creationId xmlns:a16="http://schemas.microsoft.com/office/drawing/2014/main" id="{A13F0B45-BB66-3557-9F93-21BAD433EB8E}"/>
-              </a:ext>
-            </a:extLst>
-          </p:cNvPr>
-          <p:cNvGrpSpPr/>
-          <p:nvPr/>
-        </p:nvGrpSpPr>
-        <p:grpSpPr>
-          <a:xfrm>
-            <a:off x="79907" y="999067"/>
-            <a:ext cx="3539593" cy="1972099"/>
-            <a:chOff x="79907" y="999067"/>
-            <a:chExt cx="3857094" cy="2313282"/>
-          </a:xfrm>
-        </p:grpSpPr>
-        <p:pic>
-          <p:nvPicPr>
-            <p:cNvPr id="5" name="Picture 4">
-              <a:extLst>
-                <a:ext uri="{FF2B5EF4-FFF2-40B4-BE49-F238E27FC236}">
-                  <a16:creationId xmlns:a16="http://schemas.microsoft.com/office/drawing/2014/main" id="{BB5A1A42-0E04-194D-6BE4-B45470695B5F}"/>
-                </a:ext>
-              </a:extLst>
-            </p:cNvPr>
-            <p:cNvPicPr>
-              <a:picLocks noChangeAspect="1"/>
-            </p:cNvPicPr>
-            <p:nvPr/>
-          </p:nvPicPr>
-          <p:blipFill>
-            <a:blip r:embed="rId2"/>
-            <a:stretch>
-              <a:fillRect/>
-            </a:stretch>
-          </p:blipFill>
-          <p:spPr>
-            <a:xfrm>
-              <a:off x="79907" y="999067"/>
-              <a:ext cx="3857094" cy="2313282"/>
-            </a:xfrm>
-            <a:prstGeom prst="rect">
-              <a:avLst/>
-            </a:prstGeom>
-          </p:spPr>
-        </p:pic>
-        <p:sp>
-          <p:nvSpPr>
-            <p:cNvPr id="3" name="TextBox 2">
-              <a:extLst>
-                <a:ext uri="{FF2B5EF4-FFF2-40B4-BE49-F238E27FC236}">
-                  <a16:creationId xmlns:a16="http://schemas.microsoft.com/office/drawing/2014/main" id="{9B00EC19-3040-94C5-7131-C52E5DACA845}"/>
-                </a:ext>
-              </a:extLst>
-            </p:cNvPr>
-            <p:cNvSpPr txBox="1"/>
-            <p:nvPr/>
-          </p:nvSpPr>
-          <p:spPr>
-            <a:xfrm>
-              <a:off x="2290138" y="1122868"/>
-              <a:ext cx="1530823" cy="397126"/>
-            </a:xfrm>
-            <a:prstGeom prst="rect">
-              <a:avLst/>
-            </a:prstGeom>
-            <a:noFill/>
-          </p:spPr>
-          <p:txBody>
-            <a:bodyPr wrap="square" rtlCol="0">
-              <a:spAutoFit/>
-            </a:bodyPr>
-            <a:lstStyle/>
-            <a:p>
-              <a:pPr algn="r"/>
-              <a:r>
-                <a:rPr lang="en-US" sz="1600" dirty="0">
-                  <a:solidFill>
-                    <a:schemeClr val="bg1"/>
-                  </a:solidFill>
-                </a:rPr>
-                <a:t>a010x075ds05</a:t>
-              </a:r>
-            </a:p>
-          </p:txBody>
-        </p:sp>
-      </p:grpSp>
-      <p:grpSp>
-        <p:nvGrpSpPr>
-          <p:cNvPr id="10" name="Group 9">
-            <a:extLst>
-              <a:ext uri="{FF2B5EF4-FFF2-40B4-BE49-F238E27FC236}">
-                <a16:creationId xmlns:a16="http://schemas.microsoft.com/office/drawing/2014/main" id="{7DDDD7F6-BE41-F183-3FAA-AF3653BA094B}"/>
-              </a:ext>
-            </a:extLst>
-          </p:cNvPr>
-          <p:cNvGrpSpPr/>
-          <p:nvPr/>
-        </p:nvGrpSpPr>
-        <p:grpSpPr>
-          <a:xfrm>
-            <a:off x="79907" y="2772150"/>
-            <a:ext cx="3539593" cy="1977065"/>
-            <a:chOff x="79907" y="3078259"/>
-            <a:chExt cx="3857094" cy="2319108"/>
-          </a:xfrm>
-        </p:grpSpPr>
-        <p:pic>
-          <p:nvPicPr>
-            <p:cNvPr id="8" name="Picture 7">
-              <a:extLst>
-                <a:ext uri="{FF2B5EF4-FFF2-40B4-BE49-F238E27FC236}">
-                  <a16:creationId xmlns:a16="http://schemas.microsoft.com/office/drawing/2014/main" id="{CC56C677-F558-8E4F-2EEA-35AC8E3AF491}"/>
-                </a:ext>
-              </a:extLst>
-            </p:cNvPr>
-            <p:cNvPicPr>
-              <a:picLocks noChangeAspect="1"/>
-            </p:cNvPicPr>
-            <p:nvPr/>
-          </p:nvPicPr>
-          <p:blipFill>
-            <a:blip r:embed="rId3"/>
-            <a:stretch>
-              <a:fillRect/>
-            </a:stretch>
-          </p:blipFill>
-          <p:spPr>
-            <a:xfrm>
-              <a:off x="79907" y="3078259"/>
-              <a:ext cx="3857094" cy="2319108"/>
-            </a:xfrm>
-            <a:prstGeom prst="rect">
-              <a:avLst/>
-            </a:prstGeom>
-          </p:spPr>
-        </p:pic>
-        <p:sp>
-          <p:nvSpPr>
-            <p:cNvPr id="9" name="TextBox 8">
-              <a:extLst>
-                <a:ext uri="{FF2B5EF4-FFF2-40B4-BE49-F238E27FC236}">
-                  <a16:creationId xmlns:a16="http://schemas.microsoft.com/office/drawing/2014/main" id="{314B8FF2-A841-C253-60D6-DF2A80E81D18}"/>
-                </a:ext>
-              </a:extLst>
-            </p:cNvPr>
-            <p:cNvSpPr txBox="1"/>
-            <p:nvPr/>
-          </p:nvSpPr>
-          <p:spPr>
-            <a:xfrm>
-              <a:off x="2290139" y="3187083"/>
-              <a:ext cx="1530823" cy="397126"/>
-            </a:xfrm>
-            <a:prstGeom prst="rect">
-              <a:avLst/>
-            </a:prstGeom>
-            <a:noFill/>
-          </p:spPr>
-          <p:txBody>
-            <a:bodyPr wrap="square" rtlCol="0">
-              <a:spAutoFit/>
-            </a:bodyPr>
-            <a:lstStyle/>
-            <a:p>
-              <a:pPr algn="r"/>
-              <a:r>
-                <a:rPr lang="en-US" sz="1600" dirty="0">
-                  <a:solidFill>
-                    <a:schemeClr val="bg1"/>
-                  </a:solidFill>
-                </a:rPr>
-                <a:t>a010x075ds10</a:t>
-              </a:r>
-            </a:p>
-          </p:txBody>
-        </p:sp>
-      </p:grpSp>
-      <p:grpSp>
-        <p:nvGrpSpPr>
-          <p:cNvPr id="14" name="Group 13">
-            <a:extLst>
-              <a:ext uri="{FF2B5EF4-FFF2-40B4-BE49-F238E27FC236}">
-                <a16:creationId xmlns:a16="http://schemas.microsoft.com/office/drawing/2014/main" id="{3B2E98D1-8115-CD34-E9A0-37910EF62244}"/>
-              </a:ext>
-            </a:extLst>
-          </p:cNvPr>
-          <p:cNvGrpSpPr/>
-          <p:nvPr/>
-        </p:nvGrpSpPr>
-        <p:grpSpPr>
-          <a:xfrm>
-            <a:off x="79907" y="4575579"/>
-            <a:ext cx="3539594" cy="2130021"/>
-            <a:chOff x="79907" y="4575579"/>
-            <a:chExt cx="3539594" cy="2130021"/>
-          </a:xfrm>
-        </p:grpSpPr>
-        <p:pic>
-          <p:nvPicPr>
-            <p:cNvPr id="12" name="Picture 11">
-              <a:extLst>
-                <a:ext uri="{FF2B5EF4-FFF2-40B4-BE49-F238E27FC236}">
-                  <a16:creationId xmlns:a16="http://schemas.microsoft.com/office/drawing/2014/main" id="{40B4132D-6150-6853-9E07-10B9E5CD81C5}"/>
-                </a:ext>
-              </a:extLst>
-            </p:cNvPr>
-            <p:cNvPicPr>
-              <a:picLocks noChangeAspect="1"/>
-            </p:cNvPicPr>
-            <p:nvPr/>
-          </p:nvPicPr>
-          <p:blipFill>
-            <a:blip r:embed="rId4"/>
-            <a:stretch>
-              <a:fillRect/>
-            </a:stretch>
-          </p:blipFill>
-          <p:spPr>
-            <a:xfrm>
-              <a:off x="79907" y="4575579"/>
-              <a:ext cx="3539594" cy="2130021"/>
-            </a:xfrm>
-            <a:prstGeom prst="rect">
-              <a:avLst/>
-            </a:prstGeom>
-          </p:spPr>
-        </p:pic>
-        <p:sp>
-          <p:nvSpPr>
-            <p:cNvPr id="13" name="TextBox 12">
-              <a:extLst>
-                <a:ext uri="{FF2B5EF4-FFF2-40B4-BE49-F238E27FC236}">
-                  <a16:creationId xmlns:a16="http://schemas.microsoft.com/office/drawing/2014/main" id="{9025A14B-B6FE-4BF6-E7EE-D3BFB4FA517E}"/>
-                </a:ext>
-              </a:extLst>
-            </p:cNvPr>
-            <p:cNvSpPr txBox="1"/>
-            <p:nvPr/>
-          </p:nvSpPr>
-          <p:spPr>
-            <a:xfrm>
-              <a:off x="2108200" y="4605318"/>
-              <a:ext cx="1404812" cy="338554"/>
-            </a:xfrm>
-            <a:prstGeom prst="rect">
-              <a:avLst/>
-            </a:prstGeom>
-            <a:noFill/>
-          </p:spPr>
-          <p:txBody>
-            <a:bodyPr wrap="square" rtlCol="0">
-              <a:spAutoFit/>
-            </a:bodyPr>
-            <a:lstStyle/>
-            <a:p>
-              <a:pPr algn="r"/>
-              <a:r>
-                <a:rPr lang="en-US" sz="1600" dirty="0">
-                  <a:solidFill>
-                    <a:schemeClr val="bg1"/>
-                  </a:solidFill>
-                </a:rPr>
-                <a:t>a010x075ds15</a:t>
-              </a:r>
-            </a:p>
-          </p:txBody>
-        </p:sp>
-      </p:grpSp>
-      <p:grpSp>
-        <p:nvGrpSpPr>
-          <p:cNvPr id="18" name="Group 17">
-            <a:extLst>
-              <a:ext uri="{FF2B5EF4-FFF2-40B4-BE49-F238E27FC236}">
-                <a16:creationId xmlns:a16="http://schemas.microsoft.com/office/drawing/2014/main" id="{F27F62A8-D9A7-9DB1-0B13-BBEC8356646B}"/>
-              </a:ext>
-            </a:extLst>
-          </p:cNvPr>
-          <p:cNvGrpSpPr/>
-          <p:nvPr/>
-        </p:nvGrpSpPr>
-        <p:grpSpPr>
-          <a:xfrm>
-            <a:off x="3619500" y="999067"/>
-            <a:ext cx="3119967" cy="1947443"/>
-            <a:chOff x="3619500" y="999067"/>
-            <a:chExt cx="3119967" cy="1947443"/>
-          </a:xfrm>
-        </p:grpSpPr>
-        <p:pic>
-          <p:nvPicPr>
-            <p:cNvPr id="16" name="Picture 15">
-              <a:extLst>
-                <a:ext uri="{FF2B5EF4-FFF2-40B4-BE49-F238E27FC236}">
-                  <a16:creationId xmlns:a16="http://schemas.microsoft.com/office/drawing/2014/main" id="{2DF2A8D0-22BC-8128-A017-D932AB966328}"/>
-                </a:ext>
-              </a:extLst>
-            </p:cNvPr>
-            <p:cNvPicPr>
-              <a:picLocks noChangeAspect="1"/>
-            </p:cNvPicPr>
-            <p:nvPr/>
-          </p:nvPicPr>
-          <p:blipFill>
-            <a:blip r:embed="rId5"/>
-            <a:stretch>
-              <a:fillRect/>
-            </a:stretch>
-          </p:blipFill>
-          <p:spPr>
-            <a:xfrm>
-              <a:off x="3619500" y="999067"/>
-              <a:ext cx="3119967" cy="1947443"/>
-            </a:xfrm>
-            <a:prstGeom prst="rect">
-              <a:avLst/>
-            </a:prstGeom>
-          </p:spPr>
-        </p:pic>
-        <p:sp>
-          <p:nvSpPr>
-            <p:cNvPr id="17" name="TextBox 16">
-              <a:extLst>
-                <a:ext uri="{FF2B5EF4-FFF2-40B4-BE49-F238E27FC236}">
-                  <a16:creationId xmlns:a16="http://schemas.microsoft.com/office/drawing/2014/main" id="{F1A7F78B-8A1D-1FA5-1712-166BDC18AA4C}"/>
-                </a:ext>
-              </a:extLst>
-            </p:cNvPr>
-            <p:cNvSpPr txBox="1"/>
-            <p:nvPr/>
-          </p:nvSpPr>
-          <p:spPr>
-            <a:xfrm>
-              <a:off x="5266267" y="1095447"/>
-              <a:ext cx="1404812" cy="338554"/>
-            </a:xfrm>
-            <a:prstGeom prst="rect">
-              <a:avLst/>
-            </a:prstGeom>
-            <a:noFill/>
-          </p:spPr>
-          <p:txBody>
-            <a:bodyPr wrap="square" rtlCol="0">
-              <a:spAutoFit/>
-            </a:bodyPr>
-            <a:lstStyle/>
-            <a:p>
-              <a:pPr algn="r"/>
-              <a:r>
-                <a:rPr lang="en-US" sz="1600" dirty="0">
-                  <a:solidFill>
-                    <a:schemeClr val="bg1"/>
-                  </a:solidFill>
-                </a:rPr>
-                <a:t>a010x075Y2</a:t>
-              </a:r>
-            </a:p>
-          </p:txBody>
-        </p:sp>
-      </p:grpSp>
-      <p:grpSp>
-        <p:nvGrpSpPr>
-          <p:cNvPr id="22" name="Group 21">
-            <a:extLst>
-              <a:ext uri="{FF2B5EF4-FFF2-40B4-BE49-F238E27FC236}">
-                <a16:creationId xmlns:a16="http://schemas.microsoft.com/office/drawing/2014/main" id="{0F60A013-DEB0-67DA-426C-BC415D091107}"/>
-              </a:ext>
-            </a:extLst>
-          </p:cNvPr>
-          <p:cNvGrpSpPr/>
-          <p:nvPr/>
-        </p:nvGrpSpPr>
-        <p:grpSpPr>
-          <a:xfrm>
-            <a:off x="3619500" y="2784421"/>
-            <a:ext cx="3119967" cy="1952522"/>
-            <a:chOff x="3619500" y="2784421"/>
-            <a:chExt cx="3119967" cy="1952522"/>
-          </a:xfrm>
-        </p:grpSpPr>
-        <p:pic>
-          <p:nvPicPr>
-            <p:cNvPr id="20" name="Picture 19">
-              <a:extLst>
-                <a:ext uri="{FF2B5EF4-FFF2-40B4-BE49-F238E27FC236}">
-                  <a16:creationId xmlns:a16="http://schemas.microsoft.com/office/drawing/2014/main" id="{CD2C9551-D86C-FE5E-3C01-0620304C90FB}"/>
-                </a:ext>
-              </a:extLst>
-            </p:cNvPr>
-            <p:cNvPicPr>
-              <a:picLocks noChangeAspect="1"/>
-            </p:cNvPicPr>
-            <p:nvPr/>
-          </p:nvPicPr>
-          <p:blipFill>
-            <a:blip r:embed="rId6"/>
-            <a:stretch>
-              <a:fillRect/>
-            </a:stretch>
-          </p:blipFill>
-          <p:spPr>
-            <a:xfrm>
-              <a:off x="3619500" y="2784421"/>
-              <a:ext cx="3119967" cy="1952522"/>
-            </a:xfrm>
-            <a:prstGeom prst="rect">
-              <a:avLst/>
-            </a:prstGeom>
-          </p:spPr>
-        </p:pic>
-        <p:sp>
-          <p:nvSpPr>
-            <p:cNvPr id="21" name="TextBox 20">
-              <a:extLst>
-                <a:ext uri="{FF2B5EF4-FFF2-40B4-BE49-F238E27FC236}">
-                  <a16:creationId xmlns:a16="http://schemas.microsoft.com/office/drawing/2014/main" id="{3DA90E3D-76A5-763F-130E-7FEF9F936B56}"/>
-                </a:ext>
-              </a:extLst>
-            </p:cNvPr>
-            <p:cNvSpPr txBox="1"/>
-            <p:nvPr/>
-          </p:nvSpPr>
-          <p:spPr>
-            <a:xfrm>
-              <a:off x="5266267" y="2880801"/>
-              <a:ext cx="1404812" cy="338554"/>
-            </a:xfrm>
-            <a:prstGeom prst="rect">
-              <a:avLst/>
-            </a:prstGeom>
-            <a:noFill/>
-          </p:spPr>
-          <p:txBody>
-            <a:bodyPr wrap="square" rtlCol="0">
-              <a:spAutoFit/>
-            </a:bodyPr>
-            <a:lstStyle/>
-            <a:p>
-              <a:pPr algn="r"/>
-              <a:r>
-                <a:rPr lang="en-US" sz="1600" dirty="0">
-                  <a:solidFill>
-                    <a:schemeClr val="bg1"/>
-                  </a:solidFill>
-                </a:rPr>
-                <a:t>a010x075Y5</a:t>
-              </a:r>
-            </a:p>
-          </p:txBody>
-        </p:sp>
-      </p:grpSp>
-      <p:grpSp>
-        <p:nvGrpSpPr>
-          <p:cNvPr id="26" name="Group 25">
-            <a:extLst>
-              <a:ext uri="{FF2B5EF4-FFF2-40B4-BE49-F238E27FC236}">
-                <a16:creationId xmlns:a16="http://schemas.microsoft.com/office/drawing/2014/main" id="{37D67FCE-99D1-E887-B126-049948A82ADE}"/>
-              </a:ext>
-            </a:extLst>
-          </p:cNvPr>
-          <p:cNvGrpSpPr/>
-          <p:nvPr/>
-        </p:nvGrpSpPr>
-        <p:grpSpPr>
-          <a:xfrm>
-            <a:off x="3643208" y="4611553"/>
-            <a:ext cx="3096259" cy="1952522"/>
-            <a:chOff x="3643208" y="4611553"/>
-            <a:chExt cx="3096259" cy="1952522"/>
-          </a:xfrm>
-        </p:grpSpPr>
-        <p:pic>
-          <p:nvPicPr>
-            <p:cNvPr id="24" name="Picture 23">
-              <a:extLst>
-                <a:ext uri="{FF2B5EF4-FFF2-40B4-BE49-F238E27FC236}">
-                  <a16:creationId xmlns:a16="http://schemas.microsoft.com/office/drawing/2014/main" id="{B33240DC-2A4A-7FC9-93E4-3DE62197F4A0}"/>
-                </a:ext>
-              </a:extLst>
-            </p:cNvPr>
-            <p:cNvPicPr>
-              <a:picLocks noChangeAspect="1"/>
-            </p:cNvPicPr>
-            <p:nvPr/>
-          </p:nvPicPr>
-          <p:blipFill>
-            <a:blip r:embed="rId7"/>
-            <a:stretch>
-              <a:fillRect/>
-            </a:stretch>
-          </p:blipFill>
-          <p:spPr>
-            <a:xfrm>
-              <a:off x="3643208" y="4611553"/>
-              <a:ext cx="3096259" cy="1952522"/>
-            </a:xfrm>
-            <a:prstGeom prst="rect">
-              <a:avLst/>
-            </a:prstGeom>
-          </p:spPr>
-        </p:pic>
-        <p:sp>
-          <p:nvSpPr>
-            <p:cNvPr id="25" name="TextBox 24">
-              <a:extLst>
-                <a:ext uri="{FF2B5EF4-FFF2-40B4-BE49-F238E27FC236}">
-                  <a16:creationId xmlns:a16="http://schemas.microsoft.com/office/drawing/2014/main" id="{040A81A1-BF0A-E34C-1266-179C3EF9AAAF}"/>
-                </a:ext>
-              </a:extLst>
-            </p:cNvPr>
-            <p:cNvSpPr txBox="1"/>
-            <p:nvPr/>
-          </p:nvSpPr>
-          <p:spPr>
-            <a:xfrm>
-              <a:off x="5266267" y="4664046"/>
-              <a:ext cx="1404812" cy="338554"/>
-            </a:xfrm>
-            <a:prstGeom prst="rect">
-              <a:avLst/>
-            </a:prstGeom>
-            <a:noFill/>
-          </p:spPr>
-          <p:txBody>
-            <a:bodyPr wrap="square" rtlCol="0">
-              <a:spAutoFit/>
-            </a:bodyPr>
-            <a:lstStyle/>
-            <a:p>
-              <a:pPr algn="r"/>
-              <a:r>
-                <a:rPr lang="en-US" sz="1600" dirty="0">
-                  <a:solidFill>
-                    <a:schemeClr val="bg1"/>
-                  </a:solidFill>
-                </a:rPr>
-                <a:t>a010x075Y10</a:t>
-              </a:r>
-            </a:p>
-          </p:txBody>
-        </p:sp>
-      </p:grpSp>
-    </p:spTree>
-    <p:extLst>
-      <p:ext uri="{BB962C8B-B14F-4D97-AF65-F5344CB8AC3E}">
-        <p14:creationId xmlns:p14="http://schemas.microsoft.com/office/powerpoint/2010/main" val="3734331090"/>
-      </p:ext>
-    </p:extLst>
-  </p:cSld>
-  <p:clrMapOvr>
-    <a:masterClrMapping/>
-  </p:clrMapOvr>
-</p:sld>
-</file>
-
-<file path=ppt/slides/slide7.xml><?xml version="1.0" encoding="utf-8"?>
-<p:sld xmlns:a="http://schemas.openxmlformats.org/drawingml/2006/main" xmlns:r="http://schemas.openxmlformats.org/officeDocument/2006/relationships" xmlns:p="http://schemas.openxmlformats.org/presentationml/2006/main">
-  <p:cSld>
-    <p:spTree>
-      <p:nvGrpSpPr>
-        <p:cNvPr id="1" name=""/>
-        <p:cNvGrpSpPr/>
-        <p:nvPr/>
-      </p:nvGrpSpPr>
-      <p:grpSpPr>
-        <a:xfrm>
-          <a:off x="0" y="0"/>
-          <a:ext cx="0" cy="0"/>
-          <a:chOff x="0" y="0"/>
-          <a:chExt cx="0" cy="0"/>
-        </a:xfrm>
-      </p:grpSpPr>
-      <p:sp>
-        <p:nvSpPr>
-          <p:cNvPr id="2" name="Title 1">
-            <a:extLst>
-              <a:ext uri="{FF2B5EF4-FFF2-40B4-BE49-F238E27FC236}">
-                <a16:creationId xmlns:a16="http://schemas.microsoft.com/office/drawing/2014/main" id="{D8E6B3C7-F631-659A-C8FC-3120DC85B0FF}"/>
-              </a:ext>
-            </a:extLst>
-          </p:cNvPr>
-          <p:cNvSpPr>
-            <a:spLocks noGrp="1"/>
-          </p:cNvSpPr>
-          <p:nvPr>
-            <p:ph type="title"/>
-          </p:nvPr>
-        </p:nvSpPr>
-        <p:spPr>
-          <a:xfrm>
-            <a:off x="838200" y="319573"/>
-            <a:ext cx="10515600" cy="777875"/>
-          </a:xfrm>
-        </p:spPr>
-        <p:txBody>
-          <a:bodyPr/>
-          <a:lstStyle/>
-          <a:p>
-            <a:r>
-              <a:rPr lang="en-US" dirty="0"/>
-              <a:t>Plate size (Lx=Ly)</a:t>
-            </a:r>
-          </a:p>
-        </p:txBody>
-      </p:sp>
-      <p:sp>
-        <p:nvSpPr>
-          <p:cNvPr id="7" name="TextBox 6">
-            <a:extLst>
-              <a:ext uri="{FF2B5EF4-FFF2-40B4-BE49-F238E27FC236}">
-                <a16:creationId xmlns:a16="http://schemas.microsoft.com/office/drawing/2014/main" id="{AF2E57FD-FD23-4059-E055-26E7B9F0C5ED}"/>
-              </a:ext>
-            </a:extLst>
-          </p:cNvPr>
-          <p:cNvSpPr txBox="1"/>
-          <p:nvPr/>
-        </p:nvSpPr>
-        <p:spPr>
-          <a:xfrm>
-            <a:off x="1210733" y="1918242"/>
-            <a:ext cx="2124075" cy="369332"/>
-          </a:xfrm>
-          <a:prstGeom prst="rect">
-            <a:avLst/>
-          </a:prstGeom>
-          <a:noFill/>
-        </p:spPr>
-        <p:txBody>
-          <a:bodyPr wrap="square" rtlCol="0">
-            <a:spAutoFit/>
-          </a:bodyPr>
-          <a:lstStyle/>
-          <a:p>
-            <a:pPr algn="ctr"/>
-            <a:r>
-              <a:rPr lang="en-US" dirty="0"/>
-              <a:t>a020x075; </a:t>
-            </a:r>
-            <a:r>
-              <a:rPr lang="en-US" dirty="0" err="1"/>
-              <a:t>Lxy</a:t>
-            </a:r>
-            <a:r>
-              <a:rPr lang="en-US" dirty="0"/>
-              <a:t> = 5</a:t>
-            </a:r>
-          </a:p>
-        </p:txBody>
-      </p:sp>
-      <p:pic>
-        <p:nvPicPr>
-          <p:cNvPr id="9" name="Picture 8">
-            <a:extLst>
-              <a:ext uri="{FF2B5EF4-FFF2-40B4-BE49-F238E27FC236}">
-                <a16:creationId xmlns:a16="http://schemas.microsoft.com/office/drawing/2014/main" id="{38255F1E-07EC-3B42-EA3C-9679AC8BE611}"/>
-              </a:ext>
-            </a:extLst>
-          </p:cNvPr>
-          <p:cNvPicPr>
-            <a:picLocks noChangeAspect="1"/>
-          </p:cNvPicPr>
-          <p:nvPr/>
-        </p:nvPicPr>
-        <p:blipFill>
-          <a:blip r:embed="rId2"/>
-          <a:stretch>
-            <a:fillRect/>
-          </a:stretch>
-        </p:blipFill>
-        <p:spPr>
-          <a:xfrm>
-            <a:off x="11372850" y="1990183"/>
-            <a:ext cx="611229" cy="3474798"/>
-          </a:xfrm>
-          <a:prstGeom prst="rect">
-            <a:avLst/>
-          </a:prstGeom>
-        </p:spPr>
-      </p:pic>
-      <p:sp>
-        <p:nvSpPr>
-          <p:cNvPr id="10" name="TextBox 9">
-            <a:extLst>
-              <a:ext uri="{FF2B5EF4-FFF2-40B4-BE49-F238E27FC236}">
-                <a16:creationId xmlns:a16="http://schemas.microsoft.com/office/drawing/2014/main" id="{AB63BB78-A038-5F12-1CD3-2FE1BC1E6C7E}"/>
-              </a:ext>
-            </a:extLst>
-          </p:cNvPr>
-          <p:cNvSpPr txBox="1"/>
-          <p:nvPr/>
-        </p:nvSpPr>
-        <p:spPr>
-          <a:xfrm>
-            <a:off x="4356190" y="1918242"/>
-            <a:ext cx="2124075" cy="369332"/>
-          </a:xfrm>
-          <a:prstGeom prst="rect">
-            <a:avLst/>
-          </a:prstGeom>
-          <a:noFill/>
-        </p:spPr>
-        <p:txBody>
-          <a:bodyPr wrap="square" rtlCol="0">
-            <a:spAutoFit/>
-          </a:bodyPr>
-          <a:lstStyle/>
-          <a:p>
-            <a:pPr algn="ctr"/>
-            <a:r>
-              <a:rPr lang="en-US" dirty="0" err="1"/>
-              <a:t>Lxy</a:t>
-            </a:r>
-            <a:r>
-              <a:rPr lang="en-US" dirty="0"/>
-              <a:t> = 10</a:t>
-            </a:r>
-          </a:p>
-        </p:txBody>
-      </p:sp>
-      <p:sp>
-        <p:nvSpPr>
-          <p:cNvPr id="11" name="TextBox 10">
-            <a:extLst>
-              <a:ext uri="{FF2B5EF4-FFF2-40B4-BE49-F238E27FC236}">
-                <a16:creationId xmlns:a16="http://schemas.microsoft.com/office/drawing/2014/main" id="{B60AA9C2-1426-5048-A0CF-AAB1CD7BC91E}"/>
-              </a:ext>
-            </a:extLst>
-          </p:cNvPr>
-          <p:cNvSpPr txBox="1"/>
-          <p:nvPr/>
-        </p:nvSpPr>
-        <p:spPr>
-          <a:xfrm>
-            <a:off x="7988211" y="1918242"/>
-            <a:ext cx="2124075" cy="369332"/>
-          </a:xfrm>
-          <a:prstGeom prst="rect">
-            <a:avLst/>
-          </a:prstGeom>
-          <a:noFill/>
-        </p:spPr>
-        <p:txBody>
-          <a:bodyPr wrap="square" rtlCol="0">
-            <a:spAutoFit/>
-          </a:bodyPr>
-          <a:lstStyle/>
-          <a:p>
-            <a:pPr algn="ctr"/>
-            <a:r>
-              <a:rPr lang="en-US" dirty="0" err="1"/>
-              <a:t>Lxy</a:t>
-            </a:r>
-            <a:r>
-              <a:rPr lang="en-US" dirty="0"/>
-              <a:t> = 15</a:t>
-            </a:r>
-          </a:p>
-        </p:txBody>
-      </p:sp>
-      <p:pic>
-        <p:nvPicPr>
-          <p:cNvPr id="13" name="Picture 12">
-            <a:extLst>
-              <a:ext uri="{FF2B5EF4-FFF2-40B4-BE49-F238E27FC236}">
-                <a16:creationId xmlns:a16="http://schemas.microsoft.com/office/drawing/2014/main" id="{85AE3E8F-64BE-13BD-179F-FDF3DBE70DA1}"/>
-              </a:ext>
-            </a:extLst>
-          </p:cNvPr>
-          <p:cNvPicPr>
-            <a:picLocks noChangeAspect="1"/>
-          </p:cNvPicPr>
-          <p:nvPr/>
-        </p:nvPicPr>
-        <p:blipFill>
-          <a:blip r:embed="rId3"/>
-          <a:stretch>
-            <a:fillRect/>
-          </a:stretch>
-        </p:blipFill>
-        <p:spPr>
-          <a:xfrm>
-            <a:off x="7289723" y="2464627"/>
-            <a:ext cx="3216250" cy="4020314"/>
-          </a:xfrm>
-          <a:prstGeom prst="rect">
-            <a:avLst/>
-          </a:prstGeom>
-        </p:spPr>
-      </p:pic>
-      <p:pic>
-        <p:nvPicPr>
-          <p:cNvPr id="15" name="Picture 14">
-            <a:extLst>
-              <a:ext uri="{FF2B5EF4-FFF2-40B4-BE49-F238E27FC236}">
-                <a16:creationId xmlns:a16="http://schemas.microsoft.com/office/drawing/2014/main" id="{B41E615B-3BEA-0CAB-DF78-CF525F9742FF}"/>
-              </a:ext>
-            </a:extLst>
-          </p:cNvPr>
-          <p:cNvPicPr>
-            <a:picLocks noChangeAspect="1"/>
-          </p:cNvPicPr>
-          <p:nvPr/>
-        </p:nvPicPr>
-        <p:blipFill>
-          <a:blip r:embed="rId4"/>
-          <a:stretch>
-            <a:fillRect/>
-          </a:stretch>
-        </p:blipFill>
-        <p:spPr>
-          <a:xfrm>
-            <a:off x="4077044" y="2615993"/>
-            <a:ext cx="2496276" cy="3599048"/>
-          </a:xfrm>
-          <a:prstGeom prst="rect">
-            <a:avLst/>
-          </a:prstGeom>
-        </p:spPr>
-      </p:pic>
-      <p:pic>
-        <p:nvPicPr>
-          <p:cNvPr id="17" name="Picture 16">
-            <a:extLst>
-              <a:ext uri="{FF2B5EF4-FFF2-40B4-BE49-F238E27FC236}">
-                <a16:creationId xmlns:a16="http://schemas.microsoft.com/office/drawing/2014/main" id="{37CCF625-3D0F-0AFE-BC70-87E370411143}"/>
-              </a:ext>
-            </a:extLst>
-          </p:cNvPr>
-          <p:cNvPicPr>
-            <a:picLocks noChangeAspect="1"/>
-          </p:cNvPicPr>
-          <p:nvPr/>
-        </p:nvPicPr>
-        <p:blipFill>
-          <a:blip r:embed="rId5"/>
-          <a:stretch>
-            <a:fillRect/>
-          </a:stretch>
-        </p:blipFill>
-        <p:spPr>
-          <a:xfrm>
-            <a:off x="1554053" y="2615993"/>
-            <a:ext cx="1456059" cy="3394745"/>
-          </a:xfrm>
-          <a:prstGeom prst="rect">
-            <a:avLst/>
-          </a:prstGeom>
-        </p:spPr>
-      </p:pic>
-    </p:spTree>
-    <p:extLst>
-      <p:ext uri="{BB962C8B-B14F-4D97-AF65-F5344CB8AC3E}">
-        <p14:creationId xmlns:p14="http://schemas.microsoft.com/office/powerpoint/2010/main" val="2073591459"/>
-      </p:ext>
-    </p:extLst>
-  </p:cSld>
-  <p:clrMapOvr>
-    <a:masterClrMapping/>
-  </p:clrMapOvr>
-</p:sld>
-</file>
-
-<file path=ppt/slides/slide8.xml><?xml version="1.0" encoding="utf-8"?>
-<p:sld xmlns:a="http://schemas.openxmlformats.org/drawingml/2006/main" xmlns:r="http://schemas.openxmlformats.org/officeDocument/2006/relationships" xmlns:p="http://schemas.openxmlformats.org/presentationml/2006/main">
-  <p:cSld>
-    <p:spTree>
-      <p:nvGrpSpPr>
-        <p:cNvPr id="1" name=""/>
-        <p:cNvGrpSpPr/>
-        <p:nvPr/>
-      </p:nvGrpSpPr>
-      <p:grpSpPr>
-        <a:xfrm>
-          <a:off x="0" y="0"/>
-          <a:ext cx="0" cy="0"/>
-          <a:chOff x="0" y="0"/>
-          <a:chExt cx="0" cy="0"/>
-        </a:xfrm>
-      </p:grpSpPr>
-      <p:sp>
-        <p:nvSpPr>
-          <p:cNvPr id="2" name="Title 1">
-            <a:extLst>
-              <a:ext uri="{FF2B5EF4-FFF2-40B4-BE49-F238E27FC236}">
-                <a16:creationId xmlns:a16="http://schemas.microsoft.com/office/drawing/2014/main" id="{A42F1D30-274D-A5B8-3620-4DA31ECE8F5B}"/>
-              </a:ext>
-            </a:extLst>
-          </p:cNvPr>
-          <p:cNvSpPr>
-            <a:spLocks noGrp="1"/>
-          </p:cNvSpPr>
-          <p:nvPr>
-            <p:ph type="title"/>
-          </p:nvPr>
-        </p:nvSpPr>
-        <p:spPr>
-          <a:xfrm>
-            <a:off x="448734" y="2766218"/>
-            <a:ext cx="10515600" cy="1325563"/>
-          </a:xfrm>
-        </p:spPr>
-        <p:txBody>
-          <a:bodyPr/>
-          <a:lstStyle/>
-          <a:p>
-            <a:r>
-              <a:rPr lang="en-US" b="1" dirty="0"/>
-              <a:t>Specifying Grafted Points</a:t>
-            </a:r>
-          </a:p>
-        </p:txBody>
-      </p:sp>
-    </p:spTree>
-    <p:extLst>
-      <p:ext uri="{BB962C8B-B14F-4D97-AF65-F5344CB8AC3E}">
-        <p14:creationId xmlns:p14="http://schemas.microsoft.com/office/powerpoint/2010/main" val="896468000"/>
-      </p:ext>
-    </p:extLst>
-  </p:cSld>
-  <p:clrMapOvr>
-    <a:masterClrMapping/>
-  </p:clrMapOvr>
-</p:sld>
-</file>
-
-<file path=ppt/slides/slide9.xml><?xml version="1.0" encoding="utf-8"?>
-<p:sld xmlns:a="http://schemas.openxmlformats.org/drawingml/2006/main" xmlns:r="http://schemas.openxmlformats.org/officeDocument/2006/relationships" xmlns:p="http://schemas.openxmlformats.org/presentationml/2006/main">
-  <p:cSld>
-    <p:spTree>
-      <p:nvGrpSpPr>
-        <p:cNvPr id="1" name=""/>
-        <p:cNvGrpSpPr/>
-        <p:nvPr/>
-      </p:nvGrpSpPr>
-      <p:grpSpPr>
-        <a:xfrm>
-          <a:off x="0" y="0"/>
-          <a:ext cx="0" cy="0"/>
-          <a:chOff x="0" y="0"/>
-          <a:chExt cx="0" cy="0"/>
-        </a:xfrm>
-      </p:grpSpPr>
-      <p:sp>
-        <p:nvSpPr>
-          <p:cNvPr id="2" name="Title 1">
-            <a:extLst>
-              <a:ext uri="{FF2B5EF4-FFF2-40B4-BE49-F238E27FC236}">
-                <a16:creationId xmlns:a16="http://schemas.microsoft.com/office/drawing/2014/main" id="{EC7A1061-086B-35E4-61C1-83C328D5548E}"/>
-              </a:ext>
-            </a:extLst>
-          </p:cNvPr>
-          <p:cNvSpPr>
-            <a:spLocks noGrp="1"/>
-          </p:cNvSpPr>
-          <p:nvPr>
-            <p:ph type="title"/>
-          </p:nvPr>
-        </p:nvSpPr>
-        <p:spPr/>
-        <p:txBody>
-          <a:bodyPr/>
-          <a:lstStyle/>
-          <a:p>
-            <a:r>
-              <a:rPr lang="en-US" dirty="0"/>
-              <a:t>Strategy</a:t>
-            </a:r>
-          </a:p>
-        </p:txBody>
-      </p:sp>
-      <p:sp>
-        <p:nvSpPr>
-          <p:cNvPr id="3" name="TextBox 2">
-            <a:extLst>
-              <a:ext uri="{FF2B5EF4-FFF2-40B4-BE49-F238E27FC236}">
-                <a16:creationId xmlns:a16="http://schemas.microsoft.com/office/drawing/2014/main" id="{66A4566B-D26D-18F7-2769-748D7813228B}"/>
-              </a:ext>
-            </a:extLst>
-          </p:cNvPr>
-          <p:cNvSpPr txBox="1"/>
-          <p:nvPr/>
-        </p:nvSpPr>
-        <p:spPr>
-          <a:xfrm>
-            <a:off x="714374" y="1895475"/>
-            <a:ext cx="7810500" cy="646331"/>
-          </a:xfrm>
-          <a:prstGeom prst="rect">
-            <a:avLst/>
-          </a:prstGeom>
-          <a:noFill/>
-        </p:spPr>
-        <p:txBody>
-          <a:bodyPr wrap="square" rtlCol="0">
-            <a:spAutoFit/>
-          </a:bodyPr>
-          <a:lstStyle/>
-          <a:p>
-            <a:r>
-              <a:rPr lang="en-US" dirty="0"/>
-              <a:t>2D binary array for surface sites of homogeneously grafted polymer given grafting density, simulation box size, and discretization (and assuming dx = </a:t>
-            </a:r>
-            <a:r>
-              <a:rPr lang="en-US" dirty="0" err="1"/>
-              <a:t>dy</a:t>
-            </a:r>
-            <a:r>
-              <a:rPr lang="en-US" dirty="0"/>
-              <a:t>)</a:t>
-            </a:r>
-          </a:p>
-        </p:txBody>
-      </p:sp>
-      <p:sp>
-        <p:nvSpPr>
-          <p:cNvPr id="4" name="TextBox 3">
-            <a:extLst>
-              <a:ext uri="{FF2B5EF4-FFF2-40B4-BE49-F238E27FC236}">
-                <a16:creationId xmlns:a16="http://schemas.microsoft.com/office/drawing/2014/main" id="{14B153E5-948B-4D25-2B1C-2231E4E7EBA6}"/>
-              </a:ext>
-            </a:extLst>
-          </p:cNvPr>
-          <p:cNvSpPr txBox="1"/>
-          <p:nvPr/>
-        </p:nvSpPr>
-        <p:spPr>
-          <a:xfrm>
-            <a:off x="714374" y="2776538"/>
-            <a:ext cx="11077575" cy="646331"/>
-          </a:xfrm>
-          <a:prstGeom prst="rect">
-            <a:avLst/>
-          </a:prstGeom>
-          <a:noFill/>
-        </p:spPr>
-        <p:txBody>
-          <a:bodyPr wrap="square" rtlCol="0">
-            <a:spAutoFit/>
-          </a:bodyPr>
-          <a:lstStyle/>
-          <a:p>
-            <a:r>
-              <a:rPr lang="en-US" dirty="0" err="1"/>
-              <a:t>Fullspace</a:t>
-            </a:r>
-            <a:r>
-              <a:rPr lang="en-US" dirty="0"/>
-              <a:t> must be periodic on x0 = </a:t>
-            </a:r>
-            <a:r>
-              <a:rPr lang="en-US" dirty="0" err="1"/>
-              <a:t>xL</a:t>
-            </a:r>
-            <a:r>
-              <a:rPr lang="en-US" dirty="0"/>
-              <a:t>, y0 = </a:t>
-            </a:r>
-            <a:r>
-              <a:rPr lang="en-US" dirty="0" err="1"/>
-              <a:t>yL</a:t>
-            </a:r>
-            <a:endParaRPr lang="en-US" dirty="0"/>
-          </a:p>
-          <a:p>
-            <a:r>
-              <a:rPr lang="en-US" dirty="0" err="1"/>
-              <a:t>Halfspace</a:t>
-            </a:r>
-            <a:r>
-              <a:rPr lang="en-US" dirty="0"/>
-              <a:t> must be even on </a:t>
-            </a:r>
-            <a:r>
-              <a:rPr lang="en-US" dirty="0" err="1"/>
-              <a:t>xL</a:t>
-            </a:r>
-            <a:r>
-              <a:rPr lang="en-US" dirty="0"/>
-              <a:t>/2 and </a:t>
-            </a:r>
-            <a:r>
-              <a:rPr lang="en-US" dirty="0" err="1"/>
-              <a:t>yL</a:t>
-            </a:r>
-            <a:r>
-              <a:rPr lang="en-US" dirty="0"/>
-              <a:t>/2 (overlap of boundary following REDFT00) and periodic on x0 = </a:t>
-            </a:r>
-            <a:r>
-              <a:rPr lang="en-US" dirty="0" err="1"/>
-              <a:t>xL</a:t>
-            </a:r>
-            <a:r>
-              <a:rPr lang="en-US" dirty="0"/>
-              <a:t>, y0 = </a:t>
-            </a:r>
-            <a:r>
-              <a:rPr lang="en-US" dirty="0" err="1"/>
-              <a:t>yL</a:t>
-            </a:r>
-            <a:r>
-              <a:rPr lang="en-US" dirty="0"/>
-              <a:t>.</a:t>
-            </a:r>
-          </a:p>
-        </p:txBody>
-      </p:sp>
-      <p:sp>
-        <p:nvSpPr>
-          <p:cNvPr id="5" name="TextBox 4">
-            <a:extLst>
-              <a:ext uri="{FF2B5EF4-FFF2-40B4-BE49-F238E27FC236}">
-                <a16:creationId xmlns:a16="http://schemas.microsoft.com/office/drawing/2014/main" id="{97078C71-47DB-0D25-8BE5-AD0C9CC3C9FD}"/>
-              </a:ext>
-            </a:extLst>
-          </p:cNvPr>
-          <p:cNvSpPr txBox="1"/>
-          <p:nvPr/>
-        </p:nvSpPr>
-        <p:spPr>
-          <a:xfrm>
-            <a:off x="714373" y="3812426"/>
-            <a:ext cx="11077575" cy="369332"/>
-          </a:xfrm>
-          <a:prstGeom prst="rect">
-            <a:avLst/>
-          </a:prstGeom>
-          <a:noFill/>
-        </p:spPr>
-        <p:txBody>
-          <a:bodyPr wrap="square" rtlCol="0">
-            <a:spAutoFit/>
-          </a:bodyPr>
-          <a:lstStyle/>
-          <a:p>
-            <a:r>
-              <a:rPr lang="en-US" dirty="0"/>
-              <a:t>Homogeneous spacing as determined by regular hexagon, where grafting point at centroid of hexagon</a:t>
-            </a:r>
-          </a:p>
-        </p:txBody>
-      </p:sp>
-      <p:sp>
-        <p:nvSpPr>
-          <p:cNvPr id="6" name="TextBox 5">
-            <a:extLst>
-              <a:ext uri="{FF2B5EF4-FFF2-40B4-BE49-F238E27FC236}">
-                <a16:creationId xmlns:a16="http://schemas.microsoft.com/office/drawing/2014/main" id="{067DDA30-EAF3-09E5-D289-BD5F06EA216D}"/>
-              </a:ext>
-            </a:extLst>
-          </p:cNvPr>
-          <p:cNvSpPr txBox="1"/>
-          <p:nvPr/>
-        </p:nvSpPr>
-        <p:spPr>
-          <a:xfrm>
-            <a:off x="714372" y="4508719"/>
-            <a:ext cx="11077575" cy="923330"/>
-          </a:xfrm>
-          <a:prstGeom prst="rect">
-            <a:avLst/>
-          </a:prstGeom>
-          <a:noFill/>
-        </p:spPr>
-        <p:txBody>
-          <a:bodyPr wrap="square" rtlCol="0">
-            <a:spAutoFit/>
-          </a:bodyPr>
-          <a:lstStyle/>
-          <a:p>
-            <a:r>
-              <a:rPr lang="en-US" dirty="0"/>
-              <a:t>In case there are edge effects, try shifting the centroids away from the boundaries of the </a:t>
-            </a:r>
-            <a:r>
-              <a:rPr lang="en-US" dirty="0" err="1"/>
-              <a:t>xy</a:t>
-            </a:r>
-            <a:r>
-              <a:rPr lang="en-US" dirty="0"/>
-              <a:t>-plane (only did for </a:t>
-            </a:r>
-            <a:r>
-              <a:rPr lang="en-US" dirty="0" err="1"/>
-              <a:t>fullspace</a:t>
-            </a:r>
-            <a:r>
-              <a:rPr lang="en-US" dirty="0"/>
-              <a:t>)</a:t>
-            </a:r>
-          </a:p>
-          <a:p>
-            <a:pPr marL="285750" indent="-285750">
-              <a:buFont typeface="Arial" panose="020B0604020202020204" pitchFamily="34" charset="0"/>
-              <a:buChar char="•"/>
-            </a:pPr>
-            <a:r>
-              <a:rPr lang="en-US" dirty="0"/>
-              <a:t>Make sure no edge effects by comparing results of full FFT with cos FFT</a:t>
-            </a:r>
-          </a:p>
-        </p:txBody>
-      </p:sp>
-    </p:spTree>
-    <p:extLst>
-      <p:ext uri="{BB962C8B-B14F-4D97-AF65-F5344CB8AC3E}">
-        <p14:creationId xmlns:p14="http://schemas.microsoft.com/office/powerpoint/2010/main" val="1764039423"/>
       </p:ext>
     </p:extLst>
   </p:cSld>

--- a/SYSG3.pptx
+++ b/SYSG3.pptx
@@ -12051,53 +12051,6 @@
           </a:p>
         </p:txBody>
       </p:sp>
-      <p:pic>
-        <p:nvPicPr>
-          <p:cNvPr id="1038" name="Picture 14">
-            <a:extLst>
-              <a:ext uri="{FF2B5EF4-FFF2-40B4-BE49-F238E27FC236}">
-                <a16:creationId xmlns:a16="http://schemas.microsoft.com/office/drawing/2014/main" id="{7169B0EC-734E-E5DD-C53A-88DBA67A8953}"/>
-              </a:ext>
-            </a:extLst>
-          </p:cNvPr>
-          <p:cNvPicPr>
-            <a:picLocks noChangeAspect="1" noChangeArrowheads="1"/>
-          </p:cNvPicPr>
-          <p:nvPr/>
-        </p:nvPicPr>
-        <p:blipFill>
-          <a:blip r:embed="rId2">
-            <a:extLst>
-              <a:ext uri="{28A0092B-C50C-407E-A947-70E740481C1C}">
-                <a14:useLocalDpi xmlns:a14="http://schemas.microsoft.com/office/drawing/2010/main" val="0"/>
-              </a:ext>
-            </a:extLst>
-          </a:blip>
-          <a:srcRect/>
-          <a:stretch>
-            <a:fillRect/>
-          </a:stretch>
-        </p:blipFill>
-        <p:spPr bwMode="auto">
-          <a:xfrm>
-            <a:off x="1560513" y="1429278"/>
-            <a:ext cx="3375573" cy="2758017"/>
-          </a:xfrm>
-          <a:prstGeom prst="rect">
-            <a:avLst/>
-          </a:prstGeom>
-          <a:noFill/>
-          <a:extLst>
-            <a:ext uri="{909E8E84-426E-40DD-AFC4-6F175D3DCCD1}">
-              <a14:hiddenFill xmlns:a14="http://schemas.microsoft.com/office/drawing/2010/main">
-                <a:solidFill>
-                  <a:srgbClr val="FFFFFF"/>
-                </a:solidFill>
-              </a14:hiddenFill>
-            </a:ext>
-          </a:extLst>
-        </p:spPr>
-      </p:pic>
     </p:spTree>
     <p:extLst>
       <p:ext uri="{BB962C8B-B14F-4D97-AF65-F5344CB8AC3E}">
@@ -12272,6 +12225,102 @@
           </a:p>
         </p:txBody>
       </p:sp>
+      <p:pic>
+        <p:nvPicPr>
+          <p:cNvPr id="2052" name="Picture 4">
+            <a:extLst>
+              <a:ext uri="{FF2B5EF4-FFF2-40B4-BE49-F238E27FC236}">
+                <a16:creationId xmlns:a16="http://schemas.microsoft.com/office/drawing/2014/main" id="{E417E80E-F24D-FC0A-95AE-63185493BC1F}"/>
+              </a:ext>
+            </a:extLst>
+          </p:cNvPr>
+          <p:cNvPicPr>
+            <a:picLocks noChangeAspect="1" noChangeArrowheads="1"/>
+          </p:cNvPicPr>
+          <p:nvPr/>
+        </p:nvPicPr>
+        <p:blipFill>
+          <a:blip r:embed="rId2">
+            <a:extLst>
+              <a:ext uri="{28A0092B-C50C-407E-A947-70E740481C1C}">
+                <a14:useLocalDpi xmlns:a14="http://schemas.microsoft.com/office/drawing/2010/main" val="0"/>
+              </a:ext>
+            </a:extLst>
+          </a:blip>
+          <a:srcRect/>
+          <a:stretch>
+            <a:fillRect/>
+          </a:stretch>
+        </p:blipFill>
+        <p:spPr bwMode="auto">
+          <a:xfrm>
+            <a:off x="4531784" y="2878667"/>
+            <a:ext cx="4007152" cy="2992438"/>
+          </a:xfrm>
+          <a:prstGeom prst="rect">
+            <a:avLst/>
+          </a:prstGeom>
+          <a:noFill/>
+          <a:extLst>
+            <a:ext uri="{909E8E84-426E-40DD-AFC4-6F175D3DCCD1}">
+              <a14:hiddenFill xmlns:a14="http://schemas.microsoft.com/office/drawing/2010/main">
+                <a:solidFill>
+                  <a:srgbClr val="FFFFFF"/>
+                </a:solidFill>
+              </a14:hiddenFill>
+            </a:ext>
+          </a:extLst>
+        </p:spPr>
+      </p:pic>
+      <p:sp>
+        <p:nvSpPr>
+          <p:cNvPr id="3" name="Rectangle 2">
+            <a:extLst>
+              <a:ext uri="{FF2B5EF4-FFF2-40B4-BE49-F238E27FC236}">
+                <a16:creationId xmlns:a16="http://schemas.microsoft.com/office/drawing/2014/main" id="{0E4762CD-26E8-C4B9-5BBD-B2CD8F13B7F9}"/>
+              </a:ext>
+            </a:extLst>
+          </p:cNvPr>
+          <p:cNvSpPr/>
+          <p:nvPr/>
+        </p:nvSpPr>
+        <p:spPr>
+          <a:xfrm>
+            <a:off x="5164667" y="1820333"/>
+            <a:ext cx="2785533" cy="855134"/>
+          </a:xfrm>
+          <a:prstGeom prst="rect">
+            <a:avLst/>
+          </a:prstGeom>
+        </p:spPr>
+        <p:style>
+          <a:lnRef idx="2">
+            <a:schemeClr val="accent1">
+              <a:shade val="15000"/>
+            </a:schemeClr>
+          </a:lnRef>
+          <a:fillRef idx="1">
+            <a:schemeClr val="accent1"/>
+          </a:fillRef>
+          <a:effectRef idx="0">
+            <a:schemeClr val="accent1"/>
+          </a:effectRef>
+          <a:fontRef idx="minor">
+            <a:schemeClr val="lt1"/>
+          </a:fontRef>
+        </p:style>
+        <p:txBody>
+          <a:bodyPr rtlCol="0" anchor="ctr"/>
+          <a:lstStyle/>
+          <a:p>
+            <a:pPr algn="ctr"/>
+            <a:r>
+              <a:rPr lang="en-US" dirty="0"/>
+              <a:t>1D heights + 2</a:t>
+            </a:r>
+          </a:p>
+        </p:txBody>
+      </p:sp>
     </p:spTree>
     <p:extLst>
       <p:ext uri="{BB962C8B-B14F-4D97-AF65-F5344CB8AC3E}">
@@ -12427,7 +12476,7 @@
         </p:blipFill>
         <p:spPr>
           <a:xfrm>
-            <a:off x="3312258" y="2532004"/>
+            <a:off x="3202192" y="2451513"/>
             <a:ext cx="2055608" cy="3971515"/>
           </a:xfrm>
           <a:prstGeom prst="rect">

--- a/SYSG3.pptx
+++ b/SYSG3.pptx
@@ -277,7 +277,7 @@
           <a:p>
             <a:fld id="{3FB972CA-75D3-464B-AB07-BF3EA83BD9C3}" type="datetimeFigureOut">
               <a:rPr lang="en-US" smtClean="0"/>
-              <a:t>3/12/2024</a:t>
+              <a:t>3/13/2024</a:t>
             </a:fld>
             <a:endParaRPr lang="en-US"/>
           </a:p>
@@ -475,7 +475,7 @@
           <a:p>
             <a:fld id="{3FB972CA-75D3-464B-AB07-BF3EA83BD9C3}" type="datetimeFigureOut">
               <a:rPr lang="en-US" smtClean="0"/>
-              <a:t>3/12/2024</a:t>
+              <a:t>3/13/2024</a:t>
             </a:fld>
             <a:endParaRPr lang="en-US"/>
           </a:p>
@@ -683,7 +683,7 @@
           <a:p>
             <a:fld id="{3FB972CA-75D3-464B-AB07-BF3EA83BD9C3}" type="datetimeFigureOut">
               <a:rPr lang="en-US" smtClean="0"/>
-              <a:t>3/12/2024</a:t>
+              <a:t>3/13/2024</a:t>
             </a:fld>
             <a:endParaRPr lang="en-US"/>
           </a:p>
@@ -881,7 +881,7 @@
           <a:p>
             <a:fld id="{3FB972CA-75D3-464B-AB07-BF3EA83BD9C3}" type="datetimeFigureOut">
               <a:rPr lang="en-US" smtClean="0"/>
-              <a:t>3/12/2024</a:t>
+              <a:t>3/13/2024</a:t>
             </a:fld>
             <a:endParaRPr lang="en-US"/>
           </a:p>
@@ -1156,7 +1156,7 @@
           <a:p>
             <a:fld id="{3FB972CA-75D3-464B-AB07-BF3EA83BD9C3}" type="datetimeFigureOut">
               <a:rPr lang="en-US" smtClean="0"/>
-              <a:t>3/12/2024</a:t>
+              <a:t>3/13/2024</a:t>
             </a:fld>
             <a:endParaRPr lang="en-US"/>
           </a:p>
@@ -1421,7 +1421,7 @@
           <a:p>
             <a:fld id="{3FB972CA-75D3-464B-AB07-BF3EA83BD9C3}" type="datetimeFigureOut">
               <a:rPr lang="en-US" smtClean="0"/>
-              <a:t>3/12/2024</a:t>
+              <a:t>3/13/2024</a:t>
             </a:fld>
             <a:endParaRPr lang="en-US"/>
           </a:p>
@@ -1833,7 +1833,7 @@
           <a:p>
             <a:fld id="{3FB972CA-75D3-464B-AB07-BF3EA83BD9C3}" type="datetimeFigureOut">
               <a:rPr lang="en-US" smtClean="0"/>
-              <a:t>3/12/2024</a:t>
+              <a:t>3/13/2024</a:t>
             </a:fld>
             <a:endParaRPr lang="en-US"/>
           </a:p>
@@ -1974,7 +1974,7 @@
           <a:p>
             <a:fld id="{3FB972CA-75D3-464B-AB07-BF3EA83BD9C3}" type="datetimeFigureOut">
               <a:rPr lang="en-US" smtClean="0"/>
-              <a:t>3/12/2024</a:t>
+              <a:t>3/13/2024</a:t>
             </a:fld>
             <a:endParaRPr lang="en-US"/>
           </a:p>
@@ -2087,7 +2087,7 @@
           <a:p>
             <a:fld id="{3FB972CA-75D3-464B-AB07-BF3EA83BD9C3}" type="datetimeFigureOut">
               <a:rPr lang="en-US" smtClean="0"/>
-              <a:t>3/12/2024</a:t>
+              <a:t>3/13/2024</a:t>
             </a:fld>
             <a:endParaRPr lang="en-US"/>
           </a:p>
@@ -2398,7 +2398,7 @@
           <a:p>
             <a:fld id="{3FB972CA-75D3-464B-AB07-BF3EA83BD9C3}" type="datetimeFigureOut">
               <a:rPr lang="en-US" smtClean="0"/>
-              <a:t>3/12/2024</a:t>
+              <a:t>3/13/2024</a:t>
             </a:fld>
             <a:endParaRPr lang="en-US"/>
           </a:p>
@@ -2686,7 +2686,7 @@
           <a:p>
             <a:fld id="{3FB972CA-75D3-464B-AB07-BF3EA83BD9C3}" type="datetimeFigureOut">
               <a:rPr lang="en-US" smtClean="0"/>
-              <a:t>3/12/2024</a:t>
+              <a:t>3/13/2024</a:t>
             </a:fld>
             <a:endParaRPr lang="en-US"/>
           </a:p>
@@ -2927,7 +2927,7 @@
           <a:p>
             <a:fld id="{3FB972CA-75D3-464B-AB07-BF3EA83BD9C3}" type="datetimeFigureOut">
               <a:rPr lang="en-US" smtClean="0"/>
-              <a:t>3/12/2024</a:t>
+              <a:t>3/13/2024</a:t>
             </a:fld>
             <a:endParaRPr lang="en-US"/>
           </a:p>
@@ -12051,6 +12051,147 @@
           </a:p>
         </p:txBody>
       </p:sp>
+      <p:pic>
+        <p:nvPicPr>
+          <p:cNvPr id="1028" name="Picture 4">
+            <a:extLst>
+              <a:ext uri="{FF2B5EF4-FFF2-40B4-BE49-F238E27FC236}">
+                <a16:creationId xmlns:a16="http://schemas.microsoft.com/office/drawing/2014/main" id="{52C9205F-2030-6BF4-16D6-0343DF32D2A6}"/>
+              </a:ext>
+            </a:extLst>
+          </p:cNvPr>
+          <p:cNvPicPr>
+            <a:picLocks noChangeAspect="1" noChangeArrowheads="1"/>
+          </p:cNvPicPr>
+          <p:nvPr/>
+        </p:nvPicPr>
+        <p:blipFill>
+          <a:blip r:embed="rId2">
+            <a:extLst>
+              <a:ext uri="{28A0092B-C50C-407E-A947-70E740481C1C}">
+                <a14:useLocalDpi xmlns:a14="http://schemas.microsoft.com/office/drawing/2010/main" val="0"/>
+              </a:ext>
+            </a:extLst>
+          </a:blip>
+          <a:srcRect/>
+          <a:stretch>
+            <a:fillRect/>
+          </a:stretch>
+        </p:blipFill>
+        <p:spPr bwMode="auto">
+          <a:xfrm>
+            <a:off x="4015847" y="1390650"/>
+            <a:ext cx="3116512" cy="2546351"/>
+          </a:xfrm>
+          <a:prstGeom prst="rect">
+            <a:avLst/>
+          </a:prstGeom>
+          <a:noFill/>
+          <a:extLst>
+            <a:ext uri="{909E8E84-426E-40DD-AFC4-6F175D3DCCD1}">
+              <a14:hiddenFill xmlns:a14="http://schemas.microsoft.com/office/drawing/2010/main">
+                <a:solidFill>
+                  <a:srgbClr val="FFFFFF"/>
+                </a:solidFill>
+              </a14:hiddenFill>
+            </a:ext>
+          </a:extLst>
+        </p:spPr>
+      </p:pic>
+      <p:pic>
+        <p:nvPicPr>
+          <p:cNvPr id="1030" name="Picture 6">
+            <a:extLst>
+              <a:ext uri="{FF2B5EF4-FFF2-40B4-BE49-F238E27FC236}">
+                <a16:creationId xmlns:a16="http://schemas.microsoft.com/office/drawing/2014/main" id="{955D0EF1-C8E5-9369-6F0D-3396A363B355}"/>
+              </a:ext>
+            </a:extLst>
+          </p:cNvPr>
+          <p:cNvPicPr>
+            <a:picLocks noChangeAspect="1" noChangeArrowheads="1"/>
+          </p:cNvPicPr>
+          <p:nvPr/>
+        </p:nvPicPr>
+        <p:blipFill>
+          <a:blip r:embed="rId3">
+            <a:extLst>
+              <a:ext uri="{28A0092B-C50C-407E-A947-70E740481C1C}">
+                <a14:useLocalDpi xmlns:a14="http://schemas.microsoft.com/office/drawing/2010/main" val="0"/>
+              </a:ext>
+            </a:extLst>
+          </a:blip>
+          <a:srcRect/>
+          <a:stretch>
+            <a:fillRect/>
+          </a:stretch>
+        </p:blipFill>
+        <p:spPr bwMode="auto">
+          <a:xfrm>
+            <a:off x="764646" y="1390650"/>
+            <a:ext cx="3116513" cy="2546352"/>
+          </a:xfrm>
+          <a:prstGeom prst="rect">
+            <a:avLst/>
+          </a:prstGeom>
+          <a:noFill/>
+          <a:extLst>
+            <a:ext uri="{909E8E84-426E-40DD-AFC4-6F175D3DCCD1}">
+              <a14:hiddenFill xmlns:a14="http://schemas.microsoft.com/office/drawing/2010/main">
+                <a:solidFill>
+                  <a:srgbClr val="FFFFFF"/>
+                </a:solidFill>
+              </a14:hiddenFill>
+            </a:ext>
+          </a:extLst>
+        </p:spPr>
+      </p:pic>
+      <p:pic>
+        <p:nvPicPr>
+          <p:cNvPr id="1032" name="Picture 8">
+            <a:extLst>
+              <a:ext uri="{FF2B5EF4-FFF2-40B4-BE49-F238E27FC236}">
+                <a16:creationId xmlns:a16="http://schemas.microsoft.com/office/drawing/2014/main" id="{0D5E2B62-B8E8-32DB-7C31-2BB691DB8542}"/>
+              </a:ext>
+            </a:extLst>
+          </p:cNvPr>
+          <p:cNvPicPr>
+            <a:picLocks noChangeAspect="1" noChangeArrowheads="1"/>
+          </p:cNvPicPr>
+          <p:nvPr/>
+        </p:nvPicPr>
+        <p:blipFill>
+          <a:blip r:embed="rId4">
+            <a:extLst>
+              <a:ext uri="{28A0092B-C50C-407E-A947-70E740481C1C}">
+                <a14:useLocalDpi xmlns:a14="http://schemas.microsoft.com/office/drawing/2010/main" val="0"/>
+              </a:ext>
+            </a:extLst>
+          </a:blip>
+          <a:srcRect/>
+          <a:stretch>
+            <a:fillRect/>
+          </a:stretch>
+        </p:blipFill>
+        <p:spPr bwMode="auto">
+          <a:xfrm>
+            <a:off x="7267047" y="1390650"/>
+            <a:ext cx="3383241" cy="2814768"/>
+          </a:xfrm>
+          <a:prstGeom prst="rect">
+            <a:avLst/>
+          </a:prstGeom>
+          <a:noFill/>
+          <a:extLst>
+            <a:ext uri="{909E8E84-426E-40DD-AFC4-6F175D3DCCD1}">
+              <a14:hiddenFill xmlns:a14="http://schemas.microsoft.com/office/drawing/2010/main">
+                <a:solidFill>
+                  <a:srgbClr val="FFFFFF"/>
+                </a:solidFill>
+              </a14:hiddenFill>
+            </a:ext>
+          </a:extLst>
+        </p:spPr>
+      </p:pic>
     </p:spTree>
     <p:extLst>
       <p:ext uri="{BB962C8B-B14F-4D97-AF65-F5344CB8AC3E}">
@@ -12117,10 +12258,10 @@
       </p:sp>
       <p:pic>
         <p:nvPicPr>
-          <p:cNvPr id="1026" name="Picture 2">
-            <a:extLst>
-              <a:ext uri="{FF2B5EF4-FFF2-40B4-BE49-F238E27FC236}">
-                <a16:creationId xmlns:a16="http://schemas.microsoft.com/office/drawing/2014/main" id="{8D288F22-02F1-1B88-0FE9-7EE6B3C811EC}"/>
+          <p:cNvPr id="2050" name="Picture 2">
+            <a:extLst>
+              <a:ext uri="{FF2B5EF4-FFF2-40B4-BE49-F238E27FC236}">
+                <a16:creationId xmlns:a16="http://schemas.microsoft.com/office/drawing/2014/main" id="{2BF9D445-F23B-D19E-2988-146124212B1E}"/>
               </a:ext>
             </a:extLst>
           </p:cNvPr>
@@ -12144,8 +12285,55 @@
         </p:blipFill>
         <p:spPr bwMode="auto">
           <a:xfrm>
-            <a:off x="722314" y="1325563"/>
-            <a:ext cx="2892954" cy="2363692"/>
+            <a:off x="857780" y="1246255"/>
+            <a:ext cx="2782887" cy="2273762"/>
+          </a:xfrm>
+          <a:prstGeom prst="rect">
+            <a:avLst/>
+          </a:prstGeom>
+          <a:noFill/>
+          <a:extLst>
+            <a:ext uri="{909E8E84-426E-40DD-AFC4-6F175D3DCCD1}">
+              <a14:hiddenFill xmlns:a14="http://schemas.microsoft.com/office/drawing/2010/main">
+                <a:solidFill>
+                  <a:srgbClr val="FFFFFF"/>
+                </a:solidFill>
+              </a14:hiddenFill>
+            </a:ext>
+          </a:extLst>
+        </p:spPr>
+      </p:pic>
+      <p:pic>
+        <p:nvPicPr>
+          <p:cNvPr id="2054" name="Picture 6">
+            <a:extLst>
+              <a:ext uri="{FF2B5EF4-FFF2-40B4-BE49-F238E27FC236}">
+                <a16:creationId xmlns:a16="http://schemas.microsoft.com/office/drawing/2014/main" id="{99BE6817-66B8-FE63-E666-4492E9FD10DF}"/>
+              </a:ext>
+            </a:extLst>
+          </p:cNvPr>
+          <p:cNvPicPr>
+            <a:picLocks noChangeAspect="1" noChangeArrowheads="1"/>
+          </p:cNvPicPr>
+          <p:nvPr/>
+        </p:nvPicPr>
+        <p:blipFill>
+          <a:blip r:embed="rId3">
+            <a:extLst>
+              <a:ext uri="{28A0092B-C50C-407E-A947-70E740481C1C}">
+                <a14:useLocalDpi xmlns:a14="http://schemas.microsoft.com/office/drawing/2010/main" val="0"/>
+              </a:ext>
+            </a:extLst>
+          </a:blip>
+          <a:srcRect/>
+          <a:stretch>
+            <a:fillRect/>
+          </a:stretch>
+        </p:blipFill>
+        <p:spPr bwMode="auto">
+          <a:xfrm>
+            <a:off x="3711047" y="1246255"/>
+            <a:ext cx="2782887" cy="2273762"/>
           </a:xfrm>
           <a:prstGeom prst="rect">
             <a:avLst/>
@@ -12221,102 +12409,6 @@
             <a:r>
               <a:rPr lang="en-US" dirty="0"/>
               <a:t>Scaling</a:t>
-            </a:r>
-          </a:p>
-        </p:txBody>
-      </p:sp>
-      <p:pic>
-        <p:nvPicPr>
-          <p:cNvPr id="2052" name="Picture 4">
-            <a:extLst>
-              <a:ext uri="{FF2B5EF4-FFF2-40B4-BE49-F238E27FC236}">
-                <a16:creationId xmlns:a16="http://schemas.microsoft.com/office/drawing/2014/main" id="{E417E80E-F24D-FC0A-95AE-63185493BC1F}"/>
-              </a:ext>
-            </a:extLst>
-          </p:cNvPr>
-          <p:cNvPicPr>
-            <a:picLocks noChangeAspect="1" noChangeArrowheads="1"/>
-          </p:cNvPicPr>
-          <p:nvPr/>
-        </p:nvPicPr>
-        <p:blipFill>
-          <a:blip r:embed="rId2">
-            <a:extLst>
-              <a:ext uri="{28A0092B-C50C-407E-A947-70E740481C1C}">
-                <a14:useLocalDpi xmlns:a14="http://schemas.microsoft.com/office/drawing/2010/main" val="0"/>
-              </a:ext>
-            </a:extLst>
-          </a:blip>
-          <a:srcRect/>
-          <a:stretch>
-            <a:fillRect/>
-          </a:stretch>
-        </p:blipFill>
-        <p:spPr bwMode="auto">
-          <a:xfrm>
-            <a:off x="4531784" y="2878667"/>
-            <a:ext cx="4007152" cy="2992438"/>
-          </a:xfrm>
-          <a:prstGeom prst="rect">
-            <a:avLst/>
-          </a:prstGeom>
-          <a:noFill/>
-          <a:extLst>
-            <a:ext uri="{909E8E84-426E-40DD-AFC4-6F175D3DCCD1}">
-              <a14:hiddenFill xmlns:a14="http://schemas.microsoft.com/office/drawing/2010/main">
-                <a:solidFill>
-                  <a:srgbClr val="FFFFFF"/>
-                </a:solidFill>
-              </a14:hiddenFill>
-            </a:ext>
-          </a:extLst>
-        </p:spPr>
-      </p:pic>
-      <p:sp>
-        <p:nvSpPr>
-          <p:cNvPr id="3" name="Rectangle 2">
-            <a:extLst>
-              <a:ext uri="{FF2B5EF4-FFF2-40B4-BE49-F238E27FC236}">
-                <a16:creationId xmlns:a16="http://schemas.microsoft.com/office/drawing/2014/main" id="{0E4762CD-26E8-C4B9-5BBD-B2CD8F13B7F9}"/>
-              </a:ext>
-            </a:extLst>
-          </p:cNvPr>
-          <p:cNvSpPr/>
-          <p:nvPr/>
-        </p:nvSpPr>
-        <p:spPr>
-          <a:xfrm>
-            <a:off x="5164667" y="1820333"/>
-            <a:ext cx="2785533" cy="855134"/>
-          </a:xfrm>
-          <a:prstGeom prst="rect">
-            <a:avLst/>
-          </a:prstGeom>
-        </p:spPr>
-        <p:style>
-          <a:lnRef idx="2">
-            <a:schemeClr val="accent1">
-              <a:shade val="15000"/>
-            </a:schemeClr>
-          </a:lnRef>
-          <a:fillRef idx="1">
-            <a:schemeClr val="accent1"/>
-          </a:fillRef>
-          <a:effectRef idx="0">
-            <a:schemeClr val="accent1"/>
-          </a:effectRef>
-          <a:fontRef idx="minor">
-            <a:schemeClr val="lt1"/>
-          </a:fontRef>
-        </p:style>
-        <p:txBody>
-          <a:bodyPr rtlCol="0" anchor="ctr"/>
-          <a:lstStyle/>
-          <a:p>
-            <a:pPr algn="ctr"/>
-            <a:r>
-              <a:rPr lang="en-US" dirty="0"/>
-              <a:t>1D heights + 2</a:t>
             </a:r>
           </a:p>
         </p:txBody>

--- a/SYSG3.pptx
+++ b/SYSG3.pptx
@@ -12305,10 +12305,10 @@
       </p:pic>
       <p:pic>
         <p:nvPicPr>
-          <p:cNvPr id="2054" name="Picture 6">
-            <a:extLst>
-              <a:ext uri="{FF2B5EF4-FFF2-40B4-BE49-F238E27FC236}">
-                <a16:creationId xmlns:a16="http://schemas.microsoft.com/office/drawing/2014/main" id="{99BE6817-66B8-FE63-E666-4492E9FD10DF}"/>
+          <p:cNvPr id="2060" name="Picture 12">
+            <a:extLst>
+              <a:ext uri="{FF2B5EF4-FFF2-40B4-BE49-F238E27FC236}">
+                <a16:creationId xmlns:a16="http://schemas.microsoft.com/office/drawing/2014/main" id="{A3EDB5AC-BA83-E4F5-B713-9E5B9428970E}"/>
               </a:ext>
             </a:extLst>
           </p:cNvPr>
@@ -12332,8 +12332,8 @@
         </p:blipFill>
         <p:spPr bwMode="auto">
           <a:xfrm>
-            <a:off x="3711047" y="1246255"/>
-            <a:ext cx="2782887" cy="2273762"/>
+            <a:off x="3804181" y="1246255"/>
+            <a:ext cx="2782888" cy="2273763"/>
           </a:xfrm>
           <a:prstGeom prst="rect">
             <a:avLst/>

--- a/SYSG3.pptx
+++ b/SYSG3.pptx
@@ -7,23 +7,25 @@
   <p:sldIdLst>
     <p:sldId id="276" r:id="rId2"/>
     <p:sldId id="278" r:id="rId3"/>
-    <p:sldId id="280" r:id="rId4"/>
-    <p:sldId id="279" r:id="rId5"/>
-    <p:sldId id="281" r:id="rId6"/>
-    <p:sldId id="277" r:id="rId7"/>
-    <p:sldId id="271" r:id="rId8"/>
-    <p:sldId id="268" r:id="rId9"/>
-    <p:sldId id="274" r:id="rId10"/>
-    <p:sldId id="272" r:id="rId11"/>
-    <p:sldId id="269" r:id="rId12"/>
-    <p:sldId id="270" r:id="rId13"/>
-    <p:sldId id="275" r:id="rId14"/>
-    <p:sldId id="267" r:id="rId15"/>
-    <p:sldId id="266" r:id="rId16"/>
-    <p:sldId id="265" r:id="rId17"/>
-    <p:sldId id="258" r:id="rId18"/>
-    <p:sldId id="263" r:id="rId19"/>
-    <p:sldId id="264" r:id="rId20"/>
+    <p:sldId id="282" r:id="rId4"/>
+    <p:sldId id="283" r:id="rId5"/>
+    <p:sldId id="280" r:id="rId6"/>
+    <p:sldId id="279" r:id="rId7"/>
+    <p:sldId id="281" r:id="rId8"/>
+    <p:sldId id="277" r:id="rId9"/>
+    <p:sldId id="271" r:id="rId10"/>
+    <p:sldId id="268" r:id="rId11"/>
+    <p:sldId id="274" r:id="rId12"/>
+    <p:sldId id="272" r:id="rId13"/>
+    <p:sldId id="269" r:id="rId14"/>
+    <p:sldId id="270" r:id="rId15"/>
+    <p:sldId id="275" r:id="rId16"/>
+    <p:sldId id="267" r:id="rId17"/>
+    <p:sldId id="266" r:id="rId18"/>
+    <p:sldId id="265" r:id="rId19"/>
+    <p:sldId id="258" r:id="rId20"/>
+    <p:sldId id="263" r:id="rId21"/>
+    <p:sldId id="264" r:id="rId22"/>
   </p:sldIdLst>
   <p:sldSz cx="12192000" cy="6858000"/>
   <p:notesSz cx="6858000" cy="9144000"/>
@@ -3479,6 +3481,704 @@
           <a:chExt cx="0" cy="0"/>
         </a:xfrm>
       </p:grpSpPr>
+      <p:pic>
+        <p:nvPicPr>
+          <p:cNvPr id="39" name="Picture 38">
+            <a:extLst>
+              <a:ext uri="{FF2B5EF4-FFF2-40B4-BE49-F238E27FC236}">
+                <a16:creationId xmlns:a16="http://schemas.microsoft.com/office/drawing/2014/main" id="{4C88C2AF-DEC6-523E-1CCC-807F741EB3BF}"/>
+              </a:ext>
+            </a:extLst>
+          </p:cNvPr>
+          <p:cNvPicPr>
+            <a:picLocks noChangeAspect="1"/>
+          </p:cNvPicPr>
+          <p:nvPr/>
+        </p:nvPicPr>
+        <p:blipFill>
+          <a:blip r:embed="rId2"/>
+          <a:stretch>
+            <a:fillRect/>
+          </a:stretch>
+        </p:blipFill>
+        <p:spPr>
+          <a:xfrm>
+            <a:off x="587949" y="1572147"/>
+            <a:ext cx="4711771" cy="2601290"/>
+          </a:xfrm>
+          <a:prstGeom prst="rect">
+            <a:avLst/>
+          </a:prstGeom>
+        </p:spPr>
+      </p:pic>
+      <p:sp>
+        <p:nvSpPr>
+          <p:cNvPr id="2" name="Title 1">
+            <a:extLst>
+              <a:ext uri="{FF2B5EF4-FFF2-40B4-BE49-F238E27FC236}">
+                <a16:creationId xmlns:a16="http://schemas.microsoft.com/office/drawing/2014/main" id="{C85E3C9C-7526-B303-905F-886077E16C39}"/>
+              </a:ext>
+            </a:extLst>
+          </p:cNvPr>
+          <p:cNvSpPr>
+            <a:spLocks noGrp="1"/>
+          </p:cNvSpPr>
+          <p:nvPr>
+            <p:ph type="title"/>
+          </p:nvPr>
+        </p:nvSpPr>
+        <p:spPr>
+          <a:xfrm>
+            <a:off x="838200" y="52343"/>
+            <a:ext cx="10515600" cy="771267"/>
+          </a:xfrm>
+        </p:spPr>
+        <p:txBody>
+          <a:bodyPr/>
+          <a:lstStyle/>
+          <a:p>
+            <a:r>
+              <a:rPr lang="en-US" dirty="0"/>
+              <a:t>z-</a:t>
+            </a:r>
+            <a:r>
+              <a:rPr lang="en-US" b="1" dirty="0"/>
+              <a:t>FFT</a:t>
+            </a:r>
+            <a:r>
+              <a:rPr lang="en-US" dirty="0"/>
+              <a:t> vs z-</a:t>
+            </a:r>
+            <a:r>
+              <a:rPr lang="en-US" b="1" dirty="0"/>
+              <a:t>FD</a:t>
+            </a:r>
+            <a:r>
+              <a:rPr lang="en-US" dirty="0"/>
+              <a:t> (MDE) – REDFT01 </a:t>
+            </a:r>
+            <a:r>
+              <a:rPr lang="en-US" dirty="0" err="1"/>
+              <a:t>xy</a:t>
+            </a:r>
+            <a:r>
+              <a:rPr lang="en-US" dirty="0"/>
+              <a:t>(z)</a:t>
+            </a:r>
+          </a:p>
+        </p:txBody>
+      </p:sp>
+      <p:sp>
+        <p:nvSpPr>
+          <p:cNvPr id="3" name="TextBox 2">
+            <a:extLst>
+              <a:ext uri="{FF2B5EF4-FFF2-40B4-BE49-F238E27FC236}">
+                <a16:creationId xmlns:a16="http://schemas.microsoft.com/office/drawing/2014/main" id="{99A2CDED-1526-FA46-5D91-2DC74B6F0C37}"/>
+              </a:ext>
+            </a:extLst>
+          </p:cNvPr>
+          <p:cNvSpPr txBox="1"/>
+          <p:nvPr/>
+        </p:nvSpPr>
+        <p:spPr>
+          <a:xfrm>
+            <a:off x="838200" y="851504"/>
+            <a:ext cx="7010401" cy="646331"/>
+          </a:xfrm>
+          <a:prstGeom prst="rect">
+            <a:avLst/>
+          </a:prstGeom>
+          <a:noFill/>
+        </p:spPr>
+        <p:txBody>
+          <a:bodyPr wrap="square" rtlCol="0">
+            <a:spAutoFit/>
+          </a:bodyPr>
+          <a:lstStyle/>
+          <a:p>
+            <a:r>
+              <a:rPr lang="en-US" dirty="0"/>
+              <a:t>Lx = 5, Ly = 5, </a:t>
+            </a:r>
+            <a:r>
+              <a:rPr lang="en-US" dirty="0" err="1"/>
+              <a:t>Lz</a:t>
+            </a:r>
+            <a:r>
+              <a:rPr lang="en-US" dirty="0"/>
+              <a:t> = 50. s = 0.02. x = 0.75. a = 0.00, N = 50</a:t>
+            </a:r>
+          </a:p>
+          <a:p>
+            <a:r>
+              <a:rPr lang="en-US" dirty="0"/>
+              <a:t>3D vs 1D (dashed): </a:t>
+            </a:r>
+            <a:r>
+              <a:rPr lang="en-US" dirty="0" err="1"/>
+              <a:t>dz</a:t>
+            </a:r>
+            <a:r>
+              <a:rPr lang="en-US" dirty="0"/>
+              <a:t> = 0.5, ds = 0.20; dz_1D = 0.113, ds_1D = 0.083</a:t>
+            </a:r>
+          </a:p>
+        </p:txBody>
+      </p:sp>
+      <p:sp>
+        <p:nvSpPr>
+          <p:cNvPr id="20" name="TextBox 19">
+            <a:extLst>
+              <a:ext uri="{FF2B5EF4-FFF2-40B4-BE49-F238E27FC236}">
+                <a16:creationId xmlns:a16="http://schemas.microsoft.com/office/drawing/2014/main" id="{F67FA53E-0EE8-AAF7-18FE-84614DDB84DE}"/>
+              </a:ext>
+            </a:extLst>
+          </p:cNvPr>
+          <p:cNvSpPr txBox="1"/>
+          <p:nvPr/>
+        </p:nvSpPr>
+        <p:spPr>
+          <a:xfrm>
+            <a:off x="5465389" y="2872792"/>
+            <a:ext cx="1618272" cy="369332"/>
+          </a:xfrm>
+          <a:prstGeom prst="rect">
+            <a:avLst/>
+          </a:prstGeom>
+          <a:noFill/>
+        </p:spPr>
+        <p:txBody>
+          <a:bodyPr wrap="square" rtlCol="0">
+            <a:spAutoFit/>
+          </a:bodyPr>
+          <a:lstStyle/>
+          <a:p>
+            <a:r>
+              <a:rPr lang="en-US" dirty="0"/>
+              <a:t>FFT (</a:t>
+            </a:r>
+            <a:r>
+              <a:rPr lang="en-US" dirty="0" err="1"/>
+              <a:t>yz</a:t>
+            </a:r>
+            <a:r>
+              <a:rPr lang="en-US" dirty="0"/>
+              <a:t> vs </a:t>
+            </a:r>
+            <a:r>
+              <a:rPr lang="en-US" dirty="0" err="1"/>
+              <a:t>pha</a:t>
+            </a:r>
+            <a:r>
+              <a:rPr lang="en-US" dirty="0"/>
+              <a:t>)</a:t>
+            </a:r>
+          </a:p>
+        </p:txBody>
+      </p:sp>
+      <p:sp>
+        <p:nvSpPr>
+          <p:cNvPr id="21" name="TextBox 20">
+            <a:extLst>
+              <a:ext uri="{FF2B5EF4-FFF2-40B4-BE49-F238E27FC236}">
+                <a16:creationId xmlns:a16="http://schemas.microsoft.com/office/drawing/2014/main" id="{8975F4F8-1D5E-2B6C-439A-E0008683786D}"/>
+              </a:ext>
+            </a:extLst>
+          </p:cNvPr>
+          <p:cNvSpPr txBox="1"/>
+          <p:nvPr/>
+        </p:nvSpPr>
+        <p:spPr>
+          <a:xfrm>
+            <a:off x="5526850" y="5125257"/>
+            <a:ext cx="1580774" cy="369332"/>
+          </a:xfrm>
+          <a:prstGeom prst="rect">
+            <a:avLst/>
+          </a:prstGeom>
+          <a:noFill/>
+        </p:spPr>
+        <p:txBody>
+          <a:bodyPr wrap="square" rtlCol="0">
+            <a:spAutoFit/>
+          </a:bodyPr>
+          <a:lstStyle/>
+          <a:p>
+            <a:r>
+              <a:rPr lang="en-US" dirty="0"/>
+              <a:t>FD (</a:t>
+            </a:r>
+            <a:r>
+              <a:rPr lang="en-US" dirty="0" err="1"/>
+              <a:t>yz</a:t>
+            </a:r>
+            <a:r>
+              <a:rPr lang="en-US" dirty="0"/>
+              <a:t> vs </a:t>
+            </a:r>
+            <a:r>
+              <a:rPr lang="en-US" dirty="0" err="1"/>
+              <a:t>pha</a:t>
+            </a:r>
+            <a:r>
+              <a:rPr lang="en-US" dirty="0"/>
+              <a:t>)</a:t>
+            </a:r>
+          </a:p>
+        </p:txBody>
+      </p:sp>
+      <p:pic>
+        <p:nvPicPr>
+          <p:cNvPr id="25" name="Picture 24">
+            <a:extLst>
+              <a:ext uri="{FF2B5EF4-FFF2-40B4-BE49-F238E27FC236}">
+                <a16:creationId xmlns:a16="http://schemas.microsoft.com/office/drawing/2014/main" id="{BFB8AF76-977E-BF34-4D5F-6F1115EF2823}"/>
+              </a:ext>
+            </a:extLst>
+          </p:cNvPr>
+          <p:cNvPicPr>
+            <a:picLocks noChangeAspect="1"/>
+          </p:cNvPicPr>
+          <p:nvPr/>
+        </p:nvPicPr>
+        <p:blipFill>
+          <a:blip r:embed="rId3"/>
+          <a:stretch>
+            <a:fillRect/>
+          </a:stretch>
+        </p:blipFill>
+        <p:spPr>
+          <a:xfrm>
+            <a:off x="7276364" y="4360365"/>
+            <a:ext cx="2924742" cy="2424728"/>
+          </a:xfrm>
+          <a:prstGeom prst="rect">
+            <a:avLst/>
+          </a:prstGeom>
+        </p:spPr>
+      </p:pic>
+      <p:pic>
+        <p:nvPicPr>
+          <p:cNvPr id="27" name="Picture 26">
+            <a:extLst>
+              <a:ext uri="{FF2B5EF4-FFF2-40B4-BE49-F238E27FC236}">
+                <a16:creationId xmlns:a16="http://schemas.microsoft.com/office/drawing/2014/main" id="{277F92A0-71CE-490F-B258-ED7EC95866E9}"/>
+              </a:ext>
+            </a:extLst>
+          </p:cNvPr>
+          <p:cNvPicPr>
+            <a:picLocks noChangeAspect="1"/>
+          </p:cNvPicPr>
+          <p:nvPr/>
+        </p:nvPicPr>
+        <p:blipFill>
+          <a:blip r:embed="rId4"/>
+          <a:stretch>
+            <a:fillRect/>
+          </a:stretch>
+        </p:blipFill>
+        <p:spPr>
+          <a:xfrm>
+            <a:off x="10402909" y="2613996"/>
+            <a:ext cx="494780" cy="2823542"/>
+          </a:xfrm>
+          <a:prstGeom prst="rect">
+            <a:avLst/>
+          </a:prstGeom>
+        </p:spPr>
+      </p:pic>
+      <p:sp>
+        <p:nvSpPr>
+          <p:cNvPr id="28" name="TextBox 27">
+            <a:extLst>
+              <a:ext uri="{FF2B5EF4-FFF2-40B4-BE49-F238E27FC236}">
+                <a16:creationId xmlns:a16="http://schemas.microsoft.com/office/drawing/2014/main" id="{209381BF-3B92-7C87-83D1-6D10AFC3C731}"/>
+              </a:ext>
+            </a:extLst>
+          </p:cNvPr>
+          <p:cNvSpPr txBox="1"/>
+          <p:nvPr/>
+        </p:nvSpPr>
+        <p:spPr>
+          <a:xfrm>
+            <a:off x="8289087" y="4206848"/>
+            <a:ext cx="1286933" cy="369332"/>
+          </a:xfrm>
+          <a:prstGeom prst="rect">
+            <a:avLst/>
+          </a:prstGeom>
+          <a:noFill/>
+        </p:spPr>
+        <p:txBody>
+          <a:bodyPr wrap="square" rtlCol="0">
+            <a:spAutoFit/>
+          </a:bodyPr>
+          <a:lstStyle/>
+          <a:p>
+            <a:pPr algn="ctr"/>
+            <a:r>
+              <a:rPr lang="en-US" dirty="0"/>
+              <a:t>FD (</a:t>
+            </a:r>
+            <a:r>
+              <a:rPr lang="en-US" dirty="0" err="1"/>
+              <a:t>xyz</a:t>
+            </a:r>
+            <a:r>
+              <a:rPr lang="en-US" dirty="0"/>
+              <a:t>)</a:t>
+            </a:r>
+          </a:p>
+        </p:txBody>
+      </p:sp>
+      <p:pic>
+        <p:nvPicPr>
+          <p:cNvPr id="30" name="Picture 29">
+            <a:extLst>
+              <a:ext uri="{FF2B5EF4-FFF2-40B4-BE49-F238E27FC236}">
+                <a16:creationId xmlns:a16="http://schemas.microsoft.com/office/drawing/2014/main" id="{78FFD473-8BB3-1A61-FCA5-1FC80C0BC590}"/>
+              </a:ext>
+            </a:extLst>
+          </p:cNvPr>
+          <p:cNvPicPr>
+            <a:picLocks noChangeAspect="1"/>
+          </p:cNvPicPr>
+          <p:nvPr/>
+        </p:nvPicPr>
+        <p:blipFill>
+          <a:blip r:embed="rId5"/>
+          <a:stretch>
+            <a:fillRect/>
+          </a:stretch>
+        </p:blipFill>
+        <p:spPr>
+          <a:xfrm>
+            <a:off x="7217123" y="1758796"/>
+            <a:ext cx="2924741" cy="2400807"/>
+          </a:xfrm>
+          <a:prstGeom prst="rect">
+            <a:avLst/>
+          </a:prstGeom>
+        </p:spPr>
+      </p:pic>
+      <p:sp>
+        <p:nvSpPr>
+          <p:cNvPr id="31" name="TextBox 30">
+            <a:extLst>
+              <a:ext uri="{FF2B5EF4-FFF2-40B4-BE49-F238E27FC236}">
+                <a16:creationId xmlns:a16="http://schemas.microsoft.com/office/drawing/2014/main" id="{18ED4AF3-A406-8565-DA72-D4AD2194F5BA}"/>
+              </a:ext>
+            </a:extLst>
+          </p:cNvPr>
+          <p:cNvSpPr txBox="1"/>
+          <p:nvPr/>
+        </p:nvSpPr>
+        <p:spPr>
+          <a:xfrm>
+            <a:off x="8207324" y="1542436"/>
+            <a:ext cx="1286933" cy="369332"/>
+          </a:xfrm>
+          <a:prstGeom prst="rect">
+            <a:avLst/>
+          </a:prstGeom>
+          <a:noFill/>
+        </p:spPr>
+        <p:txBody>
+          <a:bodyPr wrap="square" rtlCol="0">
+            <a:spAutoFit/>
+          </a:bodyPr>
+          <a:lstStyle/>
+          <a:p>
+            <a:pPr algn="ctr"/>
+            <a:r>
+              <a:rPr lang="en-US" dirty="0"/>
+              <a:t>FFT (</a:t>
+            </a:r>
+            <a:r>
+              <a:rPr lang="en-US" dirty="0" err="1"/>
+              <a:t>xyz</a:t>
+            </a:r>
+            <a:r>
+              <a:rPr lang="en-US" dirty="0"/>
+              <a:t>)</a:t>
+            </a:r>
+          </a:p>
+        </p:txBody>
+      </p:sp>
+      <p:pic>
+        <p:nvPicPr>
+          <p:cNvPr id="37" name="Picture 36">
+            <a:extLst>
+              <a:ext uri="{FF2B5EF4-FFF2-40B4-BE49-F238E27FC236}">
+                <a16:creationId xmlns:a16="http://schemas.microsoft.com/office/drawing/2014/main" id="{326FE1D3-8C41-0A8E-0D9D-230751971410}"/>
+              </a:ext>
+            </a:extLst>
+          </p:cNvPr>
+          <p:cNvPicPr>
+            <a:picLocks noChangeAspect="1"/>
+          </p:cNvPicPr>
+          <p:nvPr/>
+        </p:nvPicPr>
+        <p:blipFill>
+          <a:blip r:embed="rId6"/>
+          <a:stretch>
+            <a:fillRect/>
+          </a:stretch>
+        </p:blipFill>
+        <p:spPr>
+          <a:xfrm>
+            <a:off x="600120" y="3922530"/>
+            <a:ext cx="4724927" cy="2698398"/>
+          </a:xfrm>
+          <a:prstGeom prst="rect">
+            <a:avLst/>
+          </a:prstGeom>
+        </p:spPr>
+      </p:pic>
+      <p:sp>
+        <p:nvSpPr>
+          <p:cNvPr id="4" name="TextBox 3">
+            <a:extLst>
+              <a:ext uri="{FF2B5EF4-FFF2-40B4-BE49-F238E27FC236}">
+                <a16:creationId xmlns:a16="http://schemas.microsoft.com/office/drawing/2014/main" id="{5356C493-0AA9-FE35-035D-D1AAD53C4DDF}"/>
+              </a:ext>
+            </a:extLst>
+          </p:cNvPr>
+          <p:cNvSpPr txBox="1"/>
+          <p:nvPr/>
+        </p:nvSpPr>
+        <p:spPr>
+          <a:xfrm>
+            <a:off x="3716868" y="6488668"/>
+            <a:ext cx="4086672" cy="369332"/>
+          </a:xfrm>
+          <a:prstGeom prst="rect">
+            <a:avLst/>
+          </a:prstGeom>
+          <a:noFill/>
+        </p:spPr>
+        <p:txBody>
+          <a:bodyPr wrap="square" rtlCol="0">
+            <a:spAutoFit/>
+          </a:bodyPr>
+          <a:lstStyle/>
+          <a:p>
+            <a:r>
+              <a:rPr lang="en-US" dirty="0"/>
+              <a:t>Diff btw 1D/3D should just be </a:t>
+            </a:r>
+            <a:r>
+              <a:rPr lang="en-US" dirty="0" err="1"/>
+              <a:t>dz</a:t>
+            </a:r>
+            <a:r>
+              <a:rPr lang="en-US" dirty="0"/>
+              <a:t>, ds, etc.</a:t>
+            </a:r>
+          </a:p>
+        </p:txBody>
+      </p:sp>
+    </p:spTree>
+    <p:extLst>
+      <p:ext uri="{BB962C8B-B14F-4D97-AF65-F5344CB8AC3E}">
+        <p14:creationId xmlns:p14="http://schemas.microsoft.com/office/powerpoint/2010/main" val="2184982505"/>
+      </p:ext>
+    </p:extLst>
+  </p:cSld>
+  <p:clrMapOvr>
+    <a:masterClrMapping/>
+  </p:clrMapOvr>
+</p:sld>
+</file>
+
+<file path=ppt/slides/slide11.xml><?xml version="1.0" encoding="utf-8"?>
+<p:sld xmlns:a="http://schemas.openxmlformats.org/drawingml/2006/main" xmlns:r="http://schemas.openxmlformats.org/officeDocument/2006/relationships" xmlns:p="http://schemas.openxmlformats.org/presentationml/2006/main">
+  <p:cSld>
+    <p:spTree>
+      <p:nvGrpSpPr>
+        <p:cNvPr id="1" name=""/>
+        <p:cNvGrpSpPr/>
+        <p:nvPr/>
+      </p:nvGrpSpPr>
+      <p:grpSpPr>
+        <a:xfrm>
+          <a:off x="0" y="0"/>
+          <a:ext cx="0" cy="0"/>
+          <a:chOff x="0" y="0"/>
+          <a:chExt cx="0" cy="0"/>
+        </a:xfrm>
+      </p:grpSpPr>
+      <p:sp>
+        <p:nvSpPr>
+          <p:cNvPr id="2" name="Title 1">
+            <a:extLst>
+              <a:ext uri="{FF2B5EF4-FFF2-40B4-BE49-F238E27FC236}">
+                <a16:creationId xmlns:a16="http://schemas.microsoft.com/office/drawing/2014/main" id="{5E38BF11-AEEF-D0B7-B29E-E0619F8C79B5}"/>
+              </a:ext>
+            </a:extLst>
+          </p:cNvPr>
+          <p:cNvSpPr>
+            <a:spLocks noGrp="1"/>
+          </p:cNvSpPr>
+          <p:nvPr>
+            <p:ph type="title"/>
+          </p:nvPr>
+        </p:nvSpPr>
+        <p:spPr>
+          <a:xfrm>
+            <a:off x="838200" y="0"/>
+            <a:ext cx="10515600" cy="787399"/>
+          </a:xfrm>
+        </p:spPr>
+        <p:txBody>
+          <a:bodyPr/>
+          <a:lstStyle/>
+          <a:p>
+            <a:r>
+              <a:rPr lang="en-US" dirty="0"/>
+              <a:t>PB: REDFT00 (x= -0.5) vs REDFT01 (x=0)</a:t>
+            </a:r>
+          </a:p>
+        </p:txBody>
+      </p:sp>
+      <p:sp>
+        <p:nvSpPr>
+          <p:cNvPr id="3" name="TextBox 2">
+            <a:extLst>
+              <a:ext uri="{FF2B5EF4-FFF2-40B4-BE49-F238E27FC236}">
+                <a16:creationId xmlns:a16="http://schemas.microsoft.com/office/drawing/2014/main" id="{C4175332-F274-8C4E-7D00-0C1093C6E3A7}"/>
+              </a:ext>
+            </a:extLst>
+          </p:cNvPr>
+          <p:cNvSpPr txBox="1"/>
+          <p:nvPr/>
+        </p:nvSpPr>
+        <p:spPr>
+          <a:xfrm>
+            <a:off x="838200" y="851504"/>
+            <a:ext cx="7010401" cy="646331"/>
+          </a:xfrm>
+          <a:prstGeom prst="rect">
+            <a:avLst/>
+          </a:prstGeom>
+          <a:noFill/>
+        </p:spPr>
+        <p:txBody>
+          <a:bodyPr wrap="square" rtlCol="0">
+            <a:spAutoFit/>
+          </a:bodyPr>
+          <a:lstStyle/>
+          <a:p>
+            <a:r>
+              <a:rPr lang="en-US" dirty="0"/>
+              <a:t>Lx = 5, Ly = 5, </a:t>
+            </a:r>
+            <a:r>
+              <a:rPr lang="en-US" dirty="0" err="1"/>
+              <a:t>Lz</a:t>
+            </a:r>
+            <a:r>
+              <a:rPr lang="en-US" dirty="0"/>
+              <a:t> = 50. s = 0.02. x = 0.75. a = 0.00, N = 50</a:t>
+            </a:r>
+          </a:p>
+          <a:p>
+            <a:r>
+              <a:rPr lang="en-US" dirty="0"/>
+              <a:t>3D vs 1D (dashed): </a:t>
+            </a:r>
+            <a:r>
+              <a:rPr lang="en-US" dirty="0" err="1"/>
+              <a:t>dz</a:t>
+            </a:r>
+            <a:r>
+              <a:rPr lang="en-US" dirty="0"/>
+              <a:t> = 0.5, ds = 0.20; dz_1D = 0.113, ds_1D = 0.083</a:t>
+            </a:r>
+          </a:p>
+        </p:txBody>
+      </p:sp>
+      <p:sp>
+        <p:nvSpPr>
+          <p:cNvPr id="4" name="TextBox 3">
+            <a:extLst>
+              <a:ext uri="{FF2B5EF4-FFF2-40B4-BE49-F238E27FC236}">
+                <a16:creationId xmlns:a16="http://schemas.microsoft.com/office/drawing/2014/main" id="{78ED4177-EC5A-ECF0-26AB-59985D43CC31}"/>
+              </a:ext>
+            </a:extLst>
+          </p:cNvPr>
+          <p:cNvSpPr txBox="1"/>
+          <p:nvPr/>
+        </p:nvSpPr>
+        <p:spPr>
+          <a:xfrm>
+            <a:off x="8017933" y="3397233"/>
+            <a:ext cx="2954867" cy="646331"/>
+          </a:xfrm>
+          <a:prstGeom prst="rect">
+            <a:avLst/>
+          </a:prstGeom>
+          <a:noFill/>
+        </p:spPr>
+        <p:txBody>
+          <a:bodyPr wrap="square" rtlCol="0">
+            <a:spAutoFit/>
+          </a:bodyPr>
+          <a:lstStyle/>
+          <a:p>
+            <a:r>
+              <a:rPr lang="en-US" dirty="0"/>
+              <a:t>Compare </a:t>
+            </a:r>
+            <a:r>
+              <a:rPr lang="en-US" dirty="0" err="1"/>
+              <a:t>pot_elec</a:t>
+            </a:r>
+            <a:r>
+              <a:rPr lang="en-US" dirty="0"/>
+              <a:t> and </a:t>
+            </a:r>
+            <a:r>
+              <a:rPr lang="en-US" dirty="0" err="1"/>
+              <a:t>freeE</a:t>
+            </a:r>
+            <a:r>
+              <a:rPr lang="en-US" dirty="0"/>
+              <a:t> with each other and 1D</a:t>
+            </a:r>
+          </a:p>
+        </p:txBody>
+      </p:sp>
+    </p:spTree>
+    <p:extLst>
+      <p:ext uri="{BB962C8B-B14F-4D97-AF65-F5344CB8AC3E}">
+        <p14:creationId xmlns:p14="http://schemas.microsoft.com/office/powerpoint/2010/main" val="3256914968"/>
+      </p:ext>
+    </p:extLst>
+  </p:cSld>
+  <p:clrMapOvr>
+    <a:masterClrMapping/>
+  </p:clrMapOvr>
+</p:sld>
+</file>
+
+<file path=ppt/slides/slide12.xml><?xml version="1.0" encoding="utf-8"?>
+<p:sld xmlns:a="http://schemas.openxmlformats.org/drawingml/2006/main" xmlns:r="http://schemas.openxmlformats.org/officeDocument/2006/relationships" xmlns:p="http://schemas.openxmlformats.org/presentationml/2006/main">
+  <p:cSld>
+    <p:spTree>
+      <p:nvGrpSpPr>
+        <p:cNvPr id="1" name=""/>
+        <p:cNvGrpSpPr/>
+        <p:nvPr/>
+      </p:nvGrpSpPr>
+      <p:grpSpPr>
+        <a:xfrm>
+          <a:off x="0" y="0"/>
+          <a:ext cx="0" cy="0"/>
+          <a:chOff x="0" y="0"/>
+          <a:chExt cx="0" cy="0"/>
+        </a:xfrm>
+      </p:grpSpPr>
       <p:sp>
         <p:nvSpPr>
           <p:cNvPr id="2" name="Title 1">
@@ -4424,7 +5124,7 @@
 </p:sld>
 </file>
 
-<file path=ppt/slides/slide11.xml><?xml version="1.0" encoding="utf-8"?>
+<file path=ppt/slides/slide13.xml><?xml version="1.0" encoding="utf-8"?>
 <p:sld xmlns:a="http://schemas.openxmlformats.org/drawingml/2006/main" xmlns:r="http://schemas.openxmlformats.org/officeDocument/2006/relationships" xmlns:p="http://schemas.openxmlformats.org/presentationml/2006/main">
   <p:cSld>
     <p:spTree>
@@ -5354,7 +6054,7 @@
 </p:sld>
 </file>
 
-<file path=ppt/slides/slide12.xml><?xml version="1.0" encoding="utf-8"?>
+<file path=ppt/slides/slide14.xml><?xml version="1.0" encoding="utf-8"?>
 <p:sld xmlns:a="http://schemas.openxmlformats.org/drawingml/2006/main" xmlns:r="http://schemas.openxmlformats.org/officeDocument/2006/relationships" xmlns:p="http://schemas.openxmlformats.org/presentationml/2006/main">
   <p:cSld>
     <p:spTree>
@@ -5971,376 +6671,6 @@
 </p:sld>
 </file>
 
-<file path=ppt/slides/slide13.xml><?xml version="1.0" encoding="utf-8"?>
-<p:sld xmlns:a="http://schemas.openxmlformats.org/drawingml/2006/main" xmlns:r="http://schemas.openxmlformats.org/officeDocument/2006/relationships" xmlns:p="http://schemas.openxmlformats.org/presentationml/2006/main">
-  <p:cSld>
-    <p:spTree>
-      <p:nvGrpSpPr>
-        <p:cNvPr id="1" name=""/>
-        <p:cNvGrpSpPr/>
-        <p:nvPr/>
-      </p:nvGrpSpPr>
-      <p:grpSpPr>
-        <a:xfrm>
-          <a:off x="0" y="0"/>
-          <a:ext cx="0" cy="0"/>
-          <a:chOff x="0" y="0"/>
-          <a:chExt cx="0" cy="0"/>
-        </a:xfrm>
-      </p:grpSpPr>
-      <p:sp>
-        <p:nvSpPr>
-          <p:cNvPr id="2" name="Title 1">
-            <a:extLst>
-              <a:ext uri="{FF2B5EF4-FFF2-40B4-BE49-F238E27FC236}">
-                <a16:creationId xmlns:a16="http://schemas.microsoft.com/office/drawing/2014/main" id="{D8E6B3C7-F631-659A-C8FC-3120DC85B0FF}"/>
-              </a:ext>
-            </a:extLst>
-          </p:cNvPr>
-          <p:cNvSpPr>
-            <a:spLocks noGrp="1"/>
-          </p:cNvSpPr>
-          <p:nvPr>
-            <p:ph type="title"/>
-          </p:nvPr>
-        </p:nvSpPr>
-        <p:spPr>
-          <a:xfrm>
-            <a:off x="838200" y="319573"/>
-            <a:ext cx="10515600" cy="777875"/>
-          </a:xfrm>
-        </p:spPr>
-        <p:txBody>
-          <a:bodyPr/>
-          <a:lstStyle/>
-          <a:p>
-            <a:r>
-              <a:rPr lang="en-US" dirty="0"/>
-              <a:t>Plate size (Lx=Ly)</a:t>
-            </a:r>
-          </a:p>
-        </p:txBody>
-      </p:sp>
-      <p:sp>
-        <p:nvSpPr>
-          <p:cNvPr id="7" name="TextBox 6">
-            <a:extLst>
-              <a:ext uri="{FF2B5EF4-FFF2-40B4-BE49-F238E27FC236}">
-                <a16:creationId xmlns:a16="http://schemas.microsoft.com/office/drawing/2014/main" id="{AF2E57FD-FD23-4059-E055-26E7B9F0C5ED}"/>
-              </a:ext>
-            </a:extLst>
-          </p:cNvPr>
-          <p:cNvSpPr txBox="1"/>
-          <p:nvPr/>
-        </p:nvSpPr>
-        <p:spPr>
-          <a:xfrm>
-            <a:off x="1210733" y="1918242"/>
-            <a:ext cx="2124075" cy="369332"/>
-          </a:xfrm>
-          <a:prstGeom prst="rect">
-            <a:avLst/>
-          </a:prstGeom>
-          <a:noFill/>
-        </p:spPr>
-        <p:txBody>
-          <a:bodyPr wrap="square" rtlCol="0">
-            <a:spAutoFit/>
-          </a:bodyPr>
-          <a:lstStyle/>
-          <a:p>
-            <a:pPr algn="ctr"/>
-            <a:r>
-              <a:rPr lang="en-US" dirty="0"/>
-              <a:t>a020x075; </a:t>
-            </a:r>
-            <a:r>
-              <a:rPr lang="en-US" dirty="0" err="1"/>
-              <a:t>Lxy</a:t>
-            </a:r>
-            <a:r>
-              <a:rPr lang="en-US" dirty="0"/>
-              <a:t> = 5</a:t>
-            </a:r>
-          </a:p>
-        </p:txBody>
-      </p:sp>
-      <p:pic>
-        <p:nvPicPr>
-          <p:cNvPr id="9" name="Picture 8">
-            <a:extLst>
-              <a:ext uri="{FF2B5EF4-FFF2-40B4-BE49-F238E27FC236}">
-                <a16:creationId xmlns:a16="http://schemas.microsoft.com/office/drawing/2014/main" id="{38255F1E-07EC-3B42-EA3C-9679AC8BE611}"/>
-              </a:ext>
-            </a:extLst>
-          </p:cNvPr>
-          <p:cNvPicPr>
-            <a:picLocks noChangeAspect="1"/>
-          </p:cNvPicPr>
-          <p:nvPr/>
-        </p:nvPicPr>
-        <p:blipFill>
-          <a:blip r:embed="rId2"/>
-          <a:stretch>
-            <a:fillRect/>
-          </a:stretch>
-        </p:blipFill>
-        <p:spPr>
-          <a:xfrm>
-            <a:off x="11372850" y="1990183"/>
-            <a:ext cx="611229" cy="3474798"/>
-          </a:xfrm>
-          <a:prstGeom prst="rect">
-            <a:avLst/>
-          </a:prstGeom>
-        </p:spPr>
-      </p:pic>
-      <p:sp>
-        <p:nvSpPr>
-          <p:cNvPr id="10" name="TextBox 9">
-            <a:extLst>
-              <a:ext uri="{FF2B5EF4-FFF2-40B4-BE49-F238E27FC236}">
-                <a16:creationId xmlns:a16="http://schemas.microsoft.com/office/drawing/2014/main" id="{AB63BB78-A038-5F12-1CD3-2FE1BC1E6C7E}"/>
-              </a:ext>
-            </a:extLst>
-          </p:cNvPr>
-          <p:cNvSpPr txBox="1"/>
-          <p:nvPr/>
-        </p:nvSpPr>
-        <p:spPr>
-          <a:xfrm>
-            <a:off x="4356190" y="1918242"/>
-            <a:ext cx="2124075" cy="369332"/>
-          </a:xfrm>
-          <a:prstGeom prst="rect">
-            <a:avLst/>
-          </a:prstGeom>
-          <a:noFill/>
-        </p:spPr>
-        <p:txBody>
-          <a:bodyPr wrap="square" rtlCol="0">
-            <a:spAutoFit/>
-          </a:bodyPr>
-          <a:lstStyle/>
-          <a:p>
-            <a:pPr algn="ctr"/>
-            <a:r>
-              <a:rPr lang="en-US" dirty="0" err="1"/>
-              <a:t>Lxy</a:t>
-            </a:r>
-            <a:r>
-              <a:rPr lang="en-US" dirty="0"/>
-              <a:t> = 10</a:t>
-            </a:r>
-          </a:p>
-        </p:txBody>
-      </p:sp>
-      <p:sp>
-        <p:nvSpPr>
-          <p:cNvPr id="11" name="TextBox 10">
-            <a:extLst>
-              <a:ext uri="{FF2B5EF4-FFF2-40B4-BE49-F238E27FC236}">
-                <a16:creationId xmlns:a16="http://schemas.microsoft.com/office/drawing/2014/main" id="{B60AA9C2-1426-5048-A0CF-AAB1CD7BC91E}"/>
-              </a:ext>
-            </a:extLst>
-          </p:cNvPr>
-          <p:cNvSpPr txBox="1"/>
-          <p:nvPr/>
-        </p:nvSpPr>
-        <p:spPr>
-          <a:xfrm>
-            <a:off x="7988211" y="1918242"/>
-            <a:ext cx="2124075" cy="369332"/>
-          </a:xfrm>
-          <a:prstGeom prst="rect">
-            <a:avLst/>
-          </a:prstGeom>
-          <a:noFill/>
-        </p:spPr>
-        <p:txBody>
-          <a:bodyPr wrap="square" rtlCol="0">
-            <a:spAutoFit/>
-          </a:bodyPr>
-          <a:lstStyle/>
-          <a:p>
-            <a:pPr algn="ctr"/>
-            <a:r>
-              <a:rPr lang="en-US" dirty="0" err="1"/>
-              <a:t>Lxy</a:t>
-            </a:r>
-            <a:r>
-              <a:rPr lang="en-US" dirty="0"/>
-              <a:t> = 15</a:t>
-            </a:r>
-          </a:p>
-        </p:txBody>
-      </p:sp>
-      <p:pic>
-        <p:nvPicPr>
-          <p:cNvPr id="13" name="Picture 12">
-            <a:extLst>
-              <a:ext uri="{FF2B5EF4-FFF2-40B4-BE49-F238E27FC236}">
-                <a16:creationId xmlns:a16="http://schemas.microsoft.com/office/drawing/2014/main" id="{85AE3E8F-64BE-13BD-179F-FDF3DBE70DA1}"/>
-              </a:ext>
-            </a:extLst>
-          </p:cNvPr>
-          <p:cNvPicPr>
-            <a:picLocks noChangeAspect="1"/>
-          </p:cNvPicPr>
-          <p:nvPr/>
-        </p:nvPicPr>
-        <p:blipFill>
-          <a:blip r:embed="rId3"/>
-          <a:stretch>
-            <a:fillRect/>
-          </a:stretch>
-        </p:blipFill>
-        <p:spPr>
-          <a:xfrm>
-            <a:off x="7289723" y="2464627"/>
-            <a:ext cx="3216250" cy="4020314"/>
-          </a:xfrm>
-          <a:prstGeom prst="rect">
-            <a:avLst/>
-          </a:prstGeom>
-        </p:spPr>
-      </p:pic>
-      <p:pic>
-        <p:nvPicPr>
-          <p:cNvPr id="15" name="Picture 14">
-            <a:extLst>
-              <a:ext uri="{FF2B5EF4-FFF2-40B4-BE49-F238E27FC236}">
-                <a16:creationId xmlns:a16="http://schemas.microsoft.com/office/drawing/2014/main" id="{B41E615B-3BEA-0CAB-DF78-CF525F9742FF}"/>
-              </a:ext>
-            </a:extLst>
-          </p:cNvPr>
-          <p:cNvPicPr>
-            <a:picLocks noChangeAspect="1"/>
-          </p:cNvPicPr>
-          <p:nvPr/>
-        </p:nvPicPr>
-        <p:blipFill>
-          <a:blip r:embed="rId4"/>
-          <a:stretch>
-            <a:fillRect/>
-          </a:stretch>
-        </p:blipFill>
-        <p:spPr>
-          <a:xfrm>
-            <a:off x="4077044" y="2615993"/>
-            <a:ext cx="2496276" cy="3599048"/>
-          </a:xfrm>
-          <a:prstGeom prst="rect">
-            <a:avLst/>
-          </a:prstGeom>
-        </p:spPr>
-      </p:pic>
-      <p:pic>
-        <p:nvPicPr>
-          <p:cNvPr id="17" name="Picture 16">
-            <a:extLst>
-              <a:ext uri="{FF2B5EF4-FFF2-40B4-BE49-F238E27FC236}">
-                <a16:creationId xmlns:a16="http://schemas.microsoft.com/office/drawing/2014/main" id="{37CCF625-3D0F-0AFE-BC70-87E370411143}"/>
-              </a:ext>
-            </a:extLst>
-          </p:cNvPr>
-          <p:cNvPicPr>
-            <a:picLocks noChangeAspect="1"/>
-          </p:cNvPicPr>
-          <p:nvPr/>
-        </p:nvPicPr>
-        <p:blipFill>
-          <a:blip r:embed="rId5"/>
-          <a:stretch>
-            <a:fillRect/>
-          </a:stretch>
-        </p:blipFill>
-        <p:spPr>
-          <a:xfrm>
-            <a:off x="1554053" y="2615993"/>
-            <a:ext cx="1456059" cy="3394745"/>
-          </a:xfrm>
-          <a:prstGeom prst="rect">
-            <a:avLst/>
-          </a:prstGeom>
-        </p:spPr>
-      </p:pic>
-    </p:spTree>
-    <p:extLst>
-      <p:ext uri="{BB962C8B-B14F-4D97-AF65-F5344CB8AC3E}">
-        <p14:creationId xmlns:p14="http://schemas.microsoft.com/office/powerpoint/2010/main" val="2073591459"/>
-      </p:ext>
-    </p:extLst>
-  </p:cSld>
-  <p:clrMapOvr>
-    <a:masterClrMapping/>
-  </p:clrMapOvr>
-</p:sld>
-</file>
-
-<file path=ppt/slides/slide14.xml><?xml version="1.0" encoding="utf-8"?>
-<p:sld xmlns:a="http://schemas.openxmlformats.org/drawingml/2006/main" xmlns:r="http://schemas.openxmlformats.org/officeDocument/2006/relationships" xmlns:p="http://schemas.openxmlformats.org/presentationml/2006/main">
-  <p:cSld>
-    <p:spTree>
-      <p:nvGrpSpPr>
-        <p:cNvPr id="1" name=""/>
-        <p:cNvGrpSpPr/>
-        <p:nvPr/>
-      </p:nvGrpSpPr>
-      <p:grpSpPr>
-        <a:xfrm>
-          <a:off x="0" y="0"/>
-          <a:ext cx="0" cy="0"/>
-          <a:chOff x="0" y="0"/>
-          <a:chExt cx="0" cy="0"/>
-        </a:xfrm>
-      </p:grpSpPr>
-      <p:sp>
-        <p:nvSpPr>
-          <p:cNvPr id="2" name="Title 1">
-            <a:extLst>
-              <a:ext uri="{FF2B5EF4-FFF2-40B4-BE49-F238E27FC236}">
-                <a16:creationId xmlns:a16="http://schemas.microsoft.com/office/drawing/2014/main" id="{A42F1D30-274D-A5B8-3620-4DA31ECE8F5B}"/>
-              </a:ext>
-            </a:extLst>
-          </p:cNvPr>
-          <p:cNvSpPr>
-            <a:spLocks noGrp="1"/>
-          </p:cNvSpPr>
-          <p:nvPr>
-            <p:ph type="title"/>
-          </p:nvPr>
-        </p:nvSpPr>
-        <p:spPr>
-          <a:xfrm>
-            <a:off x="448734" y="2766218"/>
-            <a:ext cx="10515600" cy="1325563"/>
-          </a:xfrm>
-        </p:spPr>
-        <p:txBody>
-          <a:bodyPr/>
-          <a:lstStyle/>
-          <a:p>
-            <a:r>
-              <a:rPr lang="en-US" b="1" dirty="0"/>
-              <a:t>Specifying Grafted Points</a:t>
-            </a:r>
-          </a:p>
-        </p:txBody>
-      </p:sp>
-    </p:spTree>
-    <p:extLst>
-      <p:ext uri="{BB962C8B-B14F-4D97-AF65-F5344CB8AC3E}">
-        <p14:creationId xmlns:p14="http://schemas.microsoft.com/office/powerpoint/2010/main" val="896468000"/>
-      </p:ext>
-    </p:extLst>
-  </p:cSld>
-  <p:clrMapOvr>
-    <a:masterClrMapping/>
-  </p:clrMapOvr>
-</p:sld>
-</file>
-
 <file path=ppt/slides/slide15.xml><?xml version="1.0" encoding="utf-8"?>
 <p:sld xmlns:a="http://schemas.openxmlformats.org/drawingml/2006/main" xmlns:r="http://schemas.openxmlformats.org/officeDocument/2006/relationships" xmlns:p="http://schemas.openxmlformats.org/presentationml/2006/main">
   <p:cSld>
@@ -6363,7 +6693,7 @@
           <p:cNvPr id="2" name="Title 1">
             <a:extLst>
               <a:ext uri="{FF2B5EF4-FFF2-40B4-BE49-F238E27FC236}">
-                <a16:creationId xmlns:a16="http://schemas.microsoft.com/office/drawing/2014/main" id="{EC7A1061-086B-35E4-61C1-83C328D5548E}"/>
+                <a16:creationId xmlns:a16="http://schemas.microsoft.com/office/drawing/2014/main" id="{D8E6B3C7-F631-659A-C8FC-3120DC85B0FF}"/>
               </a:ext>
             </a:extLst>
           </p:cNvPr>
@@ -6374,24 +6704,29 @@
             <p:ph type="title"/>
           </p:nvPr>
         </p:nvSpPr>
-        <p:spPr/>
+        <p:spPr>
+          <a:xfrm>
+            <a:off x="838200" y="319573"/>
+            <a:ext cx="10515600" cy="777875"/>
+          </a:xfrm>
+        </p:spPr>
         <p:txBody>
           <a:bodyPr/>
           <a:lstStyle/>
           <a:p>
             <a:r>
               <a:rPr lang="en-US" dirty="0"/>
-              <a:t>Strategy</a:t>
-            </a:r>
-          </a:p>
-        </p:txBody>
-      </p:sp>
-      <p:sp>
-        <p:nvSpPr>
-          <p:cNvPr id="3" name="TextBox 2">
-            <a:extLst>
-              <a:ext uri="{FF2B5EF4-FFF2-40B4-BE49-F238E27FC236}">
-                <a16:creationId xmlns:a16="http://schemas.microsoft.com/office/drawing/2014/main" id="{66A4566B-D26D-18F7-2769-748D7813228B}"/>
+              <a:t>Plate size (Lx=Ly)</a:t>
+            </a:r>
+          </a:p>
+        </p:txBody>
+      </p:sp>
+      <p:sp>
+        <p:nvSpPr>
+          <p:cNvPr id="7" name="TextBox 6">
+            <a:extLst>
+              <a:ext uri="{FF2B5EF4-FFF2-40B4-BE49-F238E27FC236}">
+                <a16:creationId xmlns:a16="http://schemas.microsoft.com/office/drawing/2014/main" id="{AF2E57FD-FD23-4059-E055-26E7B9F0C5ED}"/>
               </a:ext>
             </a:extLst>
           </p:cNvPr>
@@ -6400,8 +6735,8 @@
         </p:nvSpPr>
         <p:spPr>
           <a:xfrm>
-            <a:off x="714374" y="1895475"/>
-            <a:ext cx="7810500" cy="646331"/>
+            <a:off x="1210733" y="1918242"/>
+            <a:ext cx="2124075" cy="369332"/>
           </a:xfrm>
           <a:prstGeom prst="rect">
             <a:avLst/>
@@ -6414,27 +6749,58 @@
           </a:bodyPr>
           <a:lstStyle/>
           <a:p>
+            <a:pPr algn="ctr"/>
             <a:r>
               <a:rPr lang="en-US" dirty="0"/>
-              <a:t>2D binary array for surface sites of homogeneously grafted polymer given grafting density, simulation box size, and discretization (and assuming dx = </a:t>
+              <a:t>a020x075; </a:t>
             </a:r>
             <a:r>
               <a:rPr lang="en-US" dirty="0" err="1"/>
-              <a:t>dy</a:t>
+              <a:t>Lxy</a:t>
             </a:r>
             <a:r>
               <a:rPr lang="en-US" dirty="0"/>
-              <a:t>)</a:t>
-            </a:r>
-          </a:p>
-        </p:txBody>
-      </p:sp>
-      <p:sp>
-        <p:nvSpPr>
-          <p:cNvPr id="4" name="TextBox 3">
-            <a:extLst>
-              <a:ext uri="{FF2B5EF4-FFF2-40B4-BE49-F238E27FC236}">
-                <a16:creationId xmlns:a16="http://schemas.microsoft.com/office/drawing/2014/main" id="{14B153E5-948B-4D25-2B1C-2231E4E7EBA6}"/>
+              <a:t> = 5</a:t>
+            </a:r>
+          </a:p>
+        </p:txBody>
+      </p:sp>
+      <p:pic>
+        <p:nvPicPr>
+          <p:cNvPr id="9" name="Picture 8">
+            <a:extLst>
+              <a:ext uri="{FF2B5EF4-FFF2-40B4-BE49-F238E27FC236}">
+                <a16:creationId xmlns:a16="http://schemas.microsoft.com/office/drawing/2014/main" id="{38255F1E-07EC-3B42-EA3C-9679AC8BE611}"/>
+              </a:ext>
+            </a:extLst>
+          </p:cNvPr>
+          <p:cNvPicPr>
+            <a:picLocks noChangeAspect="1"/>
+          </p:cNvPicPr>
+          <p:nvPr/>
+        </p:nvPicPr>
+        <p:blipFill>
+          <a:blip r:embed="rId2"/>
+          <a:stretch>
+            <a:fillRect/>
+          </a:stretch>
+        </p:blipFill>
+        <p:spPr>
+          <a:xfrm>
+            <a:off x="11372850" y="1990183"/>
+            <a:ext cx="611229" cy="3474798"/>
+          </a:xfrm>
+          <a:prstGeom prst="rect">
+            <a:avLst/>
+          </a:prstGeom>
+        </p:spPr>
+      </p:pic>
+      <p:sp>
+        <p:nvSpPr>
+          <p:cNvPr id="10" name="TextBox 9">
+            <a:extLst>
+              <a:ext uri="{FF2B5EF4-FFF2-40B4-BE49-F238E27FC236}">
+                <a16:creationId xmlns:a16="http://schemas.microsoft.com/office/drawing/2014/main" id="{AB63BB78-A038-5F12-1CD3-2FE1BC1E6C7E}"/>
               </a:ext>
             </a:extLst>
           </p:cNvPr>
@@ -6443,8 +6809,8 @@
         </p:nvSpPr>
         <p:spPr>
           <a:xfrm>
-            <a:off x="714374" y="2776538"/>
-            <a:ext cx="11077575" cy="646331"/>
+            <a:off x="4356190" y="1918242"/>
+            <a:ext cx="2124075" cy="369332"/>
           </a:xfrm>
           <a:prstGeom prst="rect">
             <a:avLst/>
@@ -6457,78 +6823,24 @@
           </a:bodyPr>
           <a:lstStyle/>
           <a:p>
+            <a:pPr algn="ctr"/>
             <a:r>
               <a:rPr lang="en-US" dirty="0" err="1"/>
-              <a:t>Fullspace</a:t>
+              <a:t>Lxy</a:t>
             </a:r>
             <a:r>
               <a:rPr lang="en-US" dirty="0"/>
-              <a:t> must be periodic on x0 = </a:t>
-            </a:r>
-            <a:r>
-              <a:rPr lang="en-US" dirty="0" err="1"/>
-              <a:t>xL</a:t>
-            </a:r>
-            <a:r>
-              <a:rPr lang="en-US" dirty="0"/>
-              <a:t>, y0 = </a:t>
-            </a:r>
-            <a:r>
-              <a:rPr lang="en-US" dirty="0" err="1"/>
-              <a:t>yL</a:t>
-            </a:r>
-            <a:endParaRPr lang="en-US" dirty="0"/>
-          </a:p>
-          <a:p>
-            <a:r>
-              <a:rPr lang="en-US" dirty="0" err="1"/>
-              <a:t>Halfspace</a:t>
-            </a:r>
-            <a:r>
-              <a:rPr lang="en-US" dirty="0"/>
-              <a:t> must be even on </a:t>
-            </a:r>
-            <a:r>
-              <a:rPr lang="en-US" dirty="0" err="1"/>
-              <a:t>xL</a:t>
-            </a:r>
-            <a:r>
-              <a:rPr lang="en-US" dirty="0"/>
-              <a:t>/2 and </a:t>
-            </a:r>
-            <a:r>
-              <a:rPr lang="en-US" dirty="0" err="1"/>
-              <a:t>yL</a:t>
-            </a:r>
-            <a:r>
-              <a:rPr lang="en-US" dirty="0"/>
-              <a:t>/2 (overlap of boundary following REDFT00) and periodic on x0 = </a:t>
-            </a:r>
-            <a:r>
-              <a:rPr lang="en-US" dirty="0" err="1"/>
-              <a:t>xL</a:t>
-            </a:r>
-            <a:r>
-              <a:rPr lang="en-US" dirty="0"/>
-              <a:t>, y0 = </a:t>
-            </a:r>
-            <a:r>
-              <a:rPr lang="en-US" dirty="0" err="1"/>
-              <a:t>yL</a:t>
-            </a:r>
-            <a:r>
-              <a:rPr lang="en-US" dirty="0"/>
-              <a:t>.</a:t>
-            </a:r>
-          </a:p>
-        </p:txBody>
-      </p:sp>
-      <p:sp>
-        <p:nvSpPr>
-          <p:cNvPr id="5" name="TextBox 4">
-            <a:extLst>
-              <a:ext uri="{FF2B5EF4-FFF2-40B4-BE49-F238E27FC236}">
-                <a16:creationId xmlns:a16="http://schemas.microsoft.com/office/drawing/2014/main" id="{97078C71-47DB-0D25-8BE5-AD0C9CC3C9FD}"/>
+              <a:t> = 10</a:t>
+            </a:r>
+          </a:p>
+        </p:txBody>
+      </p:sp>
+      <p:sp>
+        <p:nvSpPr>
+          <p:cNvPr id="11" name="TextBox 10">
+            <a:extLst>
+              <a:ext uri="{FF2B5EF4-FFF2-40B4-BE49-F238E27FC236}">
+                <a16:creationId xmlns:a16="http://schemas.microsoft.com/office/drawing/2014/main" id="{B60AA9C2-1426-5048-A0CF-AAB1CD7BC91E}"/>
               </a:ext>
             </a:extLst>
           </p:cNvPr>
@@ -6537,8 +6849,8 @@
         </p:nvSpPr>
         <p:spPr>
           <a:xfrm>
-            <a:off x="714373" y="3812426"/>
-            <a:ext cx="11077575" cy="369332"/>
+            <a:off x="7988211" y="1918242"/>
+            <a:ext cx="2124075" cy="369332"/>
           </a:xfrm>
           <a:prstGeom prst="rect">
             <a:avLst/>
@@ -6551,78 +6863,112 @@
           </a:bodyPr>
           <a:lstStyle/>
           <a:p>
+            <a:pPr algn="ctr"/>
+            <a:r>
+              <a:rPr lang="en-US" dirty="0" err="1"/>
+              <a:t>Lxy</a:t>
+            </a:r>
             <a:r>
               <a:rPr lang="en-US" dirty="0"/>
-              <a:t>Homogeneous spacing as determined by regular hexagon, where grafting point at centroid of hexagon</a:t>
-            </a:r>
-          </a:p>
-        </p:txBody>
-      </p:sp>
-      <p:sp>
-        <p:nvSpPr>
-          <p:cNvPr id="6" name="TextBox 5">
-            <a:extLst>
-              <a:ext uri="{FF2B5EF4-FFF2-40B4-BE49-F238E27FC236}">
-                <a16:creationId xmlns:a16="http://schemas.microsoft.com/office/drawing/2014/main" id="{067DDA30-EAF3-09E5-D289-BD5F06EA216D}"/>
-              </a:ext>
-            </a:extLst>
-          </p:cNvPr>
-          <p:cNvSpPr txBox="1"/>
-          <p:nvPr/>
-        </p:nvSpPr>
-        <p:spPr>
-          <a:xfrm>
-            <a:off x="714372" y="4508719"/>
-            <a:ext cx="11077575" cy="923330"/>
+              <a:t> = 15</a:t>
+            </a:r>
+          </a:p>
+        </p:txBody>
+      </p:sp>
+      <p:pic>
+        <p:nvPicPr>
+          <p:cNvPr id="13" name="Picture 12">
+            <a:extLst>
+              <a:ext uri="{FF2B5EF4-FFF2-40B4-BE49-F238E27FC236}">
+                <a16:creationId xmlns:a16="http://schemas.microsoft.com/office/drawing/2014/main" id="{85AE3E8F-64BE-13BD-179F-FDF3DBE70DA1}"/>
+              </a:ext>
+            </a:extLst>
+          </p:cNvPr>
+          <p:cNvPicPr>
+            <a:picLocks noChangeAspect="1"/>
+          </p:cNvPicPr>
+          <p:nvPr/>
+        </p:nvPicPr>
+        <p:blipFill>
+          <a:blip r:embed="rId3"/>
+          <a:stretch>
+            <a:fillRect/>
+          </a:stretch>
+        </p:blipFill>
+        <p:spPr>
+          <a:xfrm>
+            <a:off x="7289723" y="2464627"/>
+            <a:ext cx="3216250" cy="4020314"/>
           </a:xfrm>
           <a:prstGeom prst="rect">
             <a:avLst/>
           </a:prstGeom>
-          <a:noFill/>
-        </p:spPr>
-        <p:txBody>
-          <a:bodyPr wrap="square" rtlCol="0">
-            <a:spAutoFit/>
-          </a:bodyPr>
-          <a:lstStyle/>
-          <a:p>
-            <a:r>
-              <a:rPr lang="en-US" dirty="0"/>
-              <a:t>In case there are edge effects, try shifting the centroids away from the boundaries of the </a:t>
-            </a:r>
-            <a:r>
-              <a:rPr lang="en-US" dirty="0" err="1"/>
-              <a:t>xy</a:t>
-            </a:r>
-            <a:r>
-              <a:rPr lang="en-US" dirty="0"/>
-              <a:t>-plane (only did for </a:t>
-            </a:r>
-            <a:r>
-              <a:rPr lang="en-US" dirty="0" err="1"/>
-              <a:t>fullspace</a:t>
-            </a:r>
-            <a:r>
-              <a:rPr lang="en-US" dirty="0"/>
-              <a:t>)</a:t>
-            </a:r>
-          </a:p>
-          <a:p>
-            <a:pPr marL="285750" indent="-285750">
-              <a:buFont typeface="Arial" panose="020B0604020202020204" pitchFamily="34" charset="0"/>
-              <a:buChar char="•"/>
-            </a:pPr>
-            <a:r>
-              <a:rPr lang="en-US" dirty="0"/>
-              <a:t>Make sure no edge effects by comparing results of full FFT with cos FFT</a:t>
-            </a:r>
-          </a:p>
-        </p:txBody>
-      </p:sp>
+        </p:spPr>
+      </p:pic>
+      <p:pic>
+        <p:nvPicPr>
+          <p:cNvPr id="15" name="Picture 14">
+            <a:extLst>
+              <a:ext uri="{FF2B5EF4-FFF2-40B4-BE49-F238E27FC236}">
+                <a16:creationId xmlns:a16="http://schemas.microsoft.com/office/drawing/2014/main" id="{B41E615B-3BEA-0CAB-DF78-CF525F9742FF}"/>
+              </a:ext>
+            </a:extLst>
+          </p:cNvPr>
+          <p:cNvPicPr>
+            <a:picLocks noChangeAspect="1"/>
+          </p:cNvPicPr>
+          <p:nvPr/>
+        </p:nvPicPr>
+        <p:blipFill>
+          <a:blip r:embed="rId4"/>
+          <a:stretch>
+            <a:fillRect/>
+          </a:stretch>
+        </p:blipFill>
+        <p:spPr>
+          <a:xfrm>
+            <a:off x="4077044" y="2615993"/>
+            <a:ext cx="2496276" cy="3599048"/>
+          </a:xfrm>
+          <a:prstGeom prst="rect">
+            <a:avLst/>
+          </a:prstGeom>
+        </p:spPr>
+      </p:pic>
+      <p:pic>
+        <p:nvPicPr>
+          <p:cNvPr id="17" name="Picture 16">
+            <a:extLst>
+              <a:ext uri="{FF2B5EF4-FFF2-40B4-BE49-F238E27FC236}">
+                <a16:creationId xmlns:a16="http://schemas.microsoft.com/office/drawing/2014/main" id="{37CCF625-3D0F-0AFE-BC70-87E370411143}"/>
+              </a:ext>
+            </a:extLst>
+          </p:cNvPr>
+          <p:cNvPicPr>
+            <a:picLocks noChangeAspect="1"/>
+          </p:cNvPicPr>
+          <p:nvPr/>
+        </p:nvPicPr>
+        <p:blipFill>
+          <a:blip r:embed="rId5"/>
+          <a:stretch>
+            <a:fillRect/>
+          </a:stretch>
+        </p:blipFill>
+        <p:spPr>
+          <a:xfrm>
+            <a:off x="1554053" y="2615993"/>
+            <a:ext cx="1456059" cy="3394745"/>
+          </a:xfrm>
+          <a:prstGeom prst="rect">
+            <a:avLst/>
+          </a:prstGeom>
+        </p:spPr>
+      </p:pic>
     </p:spTree>
     <p:extLst>
       <p:ext uri="{BB962C8B-B14F-4D97-AF65-F5344CB8AC3E}">
-        <p14:creationId xmlns:p14="http://schemas.microsoft.com/office/powerpoint/2010/main" val="1764039423"/>
+        <p14:creationId xmlns:p14="http://schemas.microsoft.com/office/powerpoint/2010/main" val="2073591459"/>
       </p:ext>
     </p:extLst>
   </p:cSld>
@@ -6654,7 +7000,7 @@
           <p:cNvPr id="2" name="Title 1">
             <a:extLst>
               <a:ext uri="{FF2B5EF4-FFF2-40B4-BE49-F238E27FC236}">
-                <a16:creationId xmlns:a16="http://schemas.microsoft.com/office/drawing/2014/main" id="{A3926BC3-A860-346A-4F58-1EE4C3E7FB0F}"/>
+                <a16:creationId xmlns:a16="http://schemas.microsoft.com/office/drawing/2014/main" id="{A42F1D30-274D-A5B8-3620-4DA31ECE8F5B}"/>
               </a:ext>
             </a:extLst>
           </p:cNvPr>
@@ -6665,129 +7011,19 @@
             <p:ph type="title"/>
           </p:nvPr>
         </p:nvSpPr>
-        <p:spPr/>
+        <p:spPr>
+          <a:xfrm>
+            <a:off x="448734" y="2766218"/>
+            <a:ext cx="10515600" cy="1325563"/>
+          </a:xfrm>
+        </p:spPr>
         <p:txBody>
           <a:bodyPr/>
           <a:lstStyle/>
           <a:p>
             <a:r>
-              <a:rPr lang="en-US" dirty="0"/>
-              <a:t>Test conditions</a:t>
-            </a:r>
-          </a:p>
-        </p:txBody>
-      </p:sp>
-      <p:sp>
-        <p:nvSpPr>
-          <p:cNvPr id="3" name="TextBox 2">
-            <a:extLst>
-              <a:ext uri="{FF2B5EF4-FFF2-40B4-BE49-F238E27FC236}">
-                <a16:creationId xmlns:a16="http://schemas.microsoft.com/office/drawing/2014/main" id="{A00B5138-8D53-B196-C54A-B372D20698D0}"/>
-              </a:ext>
-            </a:extLst>
-          </p:cNvPr>
-          <p:cNvSpPr txBox="1"/>
-          <p:nvPr/>
-        </p:nvSpPr>
-        <p:spPr>
-          <a:xfrm>
-            <a:off x="1192695" y="2186609"/>
-            <a:ext cx="7026965" cy="1200329"/>
-          </a:xfrm>
-          <a:prstGeom prst="rect">
-            <a:avLst/>
-          </a:prstGeom>
-          <a:noFill/>
-        </p:spPr>
-        <p:txBody>
-          <a:bodyPr wrap="square" rtlCol="0">
-            <a:spAutoFit/>
-          </a:bodyPr>
-          <a:lstStyle/>
-          <a:p>
-            <a:r>
-              <a:rPr lang="en-US" dirty="0"/>
-              <a:t>Sigma = 0.05 c/nm2</a:t>
-            </a:r>
-          </a:p>
-          <a:p>
-            <a:r>
-              <a:rPr lang="en-US" dirty="0"/>
-              <a:t>Lx = 15 nm</a:t>
-            </a:r>
-          </a:p>
-          <a:p>
-            <a:r>
-              <a:rPr lang="en-US" dirty="0"/>
-              <a:t>Ly = 15 nm</a:t>
-            </a:r>
-          </a:p>
-          <a:p>
-            <a:r>
-              <a:rPr lang="en-US" dirty="0"/>
-              <a:t>dx = 0.4 nm</a:t>
-            </a:r>
-          </a:p>
-        </p:txBody>
-      </p:sp>
-      <p:sp>
-        <p:nvSpPr>
-          <p:cNvPr id="4" name="TextBox 3">
-            <a:extLst>
-              <a:ext uri="{FF2B5EF4-FFF2-40B4-BE49-F238E27FC236}">
-                <a16:creationId xmlns:a16="http://schemas.microsoft.com/office/drawing/2014/main" id="{431FD48E-52DE-AC6E-5D2D-A03BFCBE0CEE}"/>
-              </a:ext>
-            </a:extLst>
-          </p:cNvPr>
-          <p:cNvSpPr txBox="1"/>
-          <p:nvPr/>
-        </p:nvSpPr>
-        <p:spPr>
-          <a:xfrm>
-            <a:off x="1192694" y="3776869"/>
-            <a:ext cx="7026965" cy="1754326"/>
-          </a:xfrm>
-          <a:prstGeom prst="rect">
-            <a:avLst/>
-          </a:prstGeom>
-          <a:noFill/>
-        </p:spPr>
-        <p:txBody>
-          <a:bodyPr wrap="square" rtlCol="0">
-            <a:spAutoFit/>
-          </a:bodyPr>
-          <a:lstStyle/>
-          <a:p>
-            <a:r>
-              <a:rPr lang="en-US" dirty="0"/>
-              <a:t>Cast in terms of dx (for rounding and PBC for grafting points): </a:t>
-            </a:r>
-          </a:p>
-          <a:p>
-            <a:r>
-              <a:rPr lang="en-US" dirty="0"/>
-              <a:t>	Sigma = 0.0668 c/nm2</a:t>
-            </a:r>
-          </a:p>
-          <a:p>
-            <a:r>
-              <a:rPr lang="en-US" dirty="0"/>
-              <a:t>	Lx = 14.80 nm</a:t>
-            </a:r>
-          </a:p>
-          <a:p>
-            <a:r>
-              <a:rPr lang="en-US" dirty="0"/>
-              <a:t>	Ly = 11.20 nm</a:t>
-            </a:r>
-          </a:p>
-          <a:p>
-            <a:endParaRPr lang="en-US" dirty="0"/>
-          </a:p>
-          <a:p>
-            <a:r>
-              <a:rPr lang="en-US" dirty="0"/>
-              <a:t>(Sigma error decrease with dx)</a:t>
+              <a:rPr lang="en-US" b="1" dirty="0"/>
+              <a:t>Specifying Grafted Points</a:t>
             </a:r>
           </a:p>
         </p:txBody>
@@ -6795,7 +7031,7 @@
     </p:spTree>
     <p:extLst>
       <p:ext uri="{BB962C8B-B14F-4D97-AF65-F5344CB8AC3E}">
-        <p14:creationId xmlns:p14="http://schemas.microsoft.com/office/powerpoint/2010/main" val="782308025"/>
+        <p14:creationId xmlns:p14="http://schemas.microsoft.com/office/powerpoint/2010/main" val="896468000"/>
       </p:ext>
     </p:extLst>
   </p:cSld>
@@ -6822,6 +7058,470 @@
           <a:chExt cx="0" cy="0"/>
         </a:xfrm>
       </p:grpSpPr>
+      <p:sp>
+        <p:nvSpPr>
+          <p:cNvPr id="2" name="Title 1">
+            <a:extLst>
+              <a:ext uri="{FF2B5EF4-FFF2-40B4-BE49-F238E27FC236}">
+                <a16:creationId xmlns:a16="http://schemas.microsoft.com/office/drawing/2014/main" id="{EC7A1061-086B-35E4-61C1-83C328D5548E}"/>
+              </a:ext>
+            </a:extLst>
+          </p:cNvPr>
+          <p:cNvSpPr>
+            <a:spLocks noGrp="1"/>
+          </p:cNvSpPr>
+          <p:nvPr>
+            <p:ph type="title"/>
+          </p:nvPr>
+        </p:nvSpPr>
+        <p:spPr/>
+        <p:txBody>
+          <a:bodyPr/>
+          <a:lstStyle/>
+          <a:p>
+            <a:r>
+              <a:rPr lang="en-US" dirty="0"/>
+              <a:t>Strategy</a:t>
+            </a:r>
+          </a:p>
+        </p:txBody>
+      </p:sp>
+      <p:sp>
+        <p:nvSpPr>
+          <p:cNvPr id="3" name="TextBox 2">
+            <a:extLst>
+              <a:ext uri="{FF2B5EF4-FFF2-40B4-BE49-F238E27FC236}">
+                <a16:creationId xmlns:a16="http://schemas.microsoft.com/office/drawing/2014/main" id="{66A4566B-D26D-18F7-2769-748D7813228B}"/>
+              </a:ext>
+            </a:extLst>
+          </p:cNvPr>
+          <p:cNvSpPr txBox="1"/>
+          <p:nvPr/>
+        </p:nvSpPr>
+        <p:spPr>
+          <a:xfrm>
+            <a:off x="714374" y="1895475"/>
+            <a:ext cx="7810500" cy="646331"/>
+          </a:xfrm>
+          <a:prstGeom prst="rect">
+            <a:avLst/>
+          </a:prstGeom>
+          <a:noFill/>
+        </p:spPr>
+        <p:txBody>
+          <a:bodyPr wrap="square" rtlCol="0">
+            <a:spAutoFit/>
+          </a:bodyPr>
+          <a:lstStyle/>
+          <a:p>
+            <a:r>
+              <a:rPr lang="en-US" dirty="0"/>
+              <a:t>2D binary array for surface sites of homogeneously grafted polymer given grafting density, simulation box size, and discretization (and assuming dx = </a:t>
+            </a:r>
+            <a:r>
+              <a:rPr lang="en-US" dirty="0" err="1"/>
+              <a:t>dy</a:t>
+            </a:r>
+            <a:r>
+              <a:rPr lang="en-US" dirty="0"/>
+              <a:t>)</a:t>
+            </a:r>
+          </a:p>
+        </p:txBody>
+      </p:sp>
+      <p:sp>
+        <p:nvSpPr>
+          <p:cNvPr id="4" name="TextBox 3">
+            <a:extLst>
+              <a:ext uri="{FF2B5EF4-FFF2-40B4-BE49-F238E27FC236}">
+                <a16:creationId xmlns:a16="http://schemas.microsoft.com/office/drawing/2014/main" id="{14B153E5-948B-4D25-2B1C-2231E4E7EBA6}"/>
+              </a:ext>
+            </a:extLst>
+          </p:cNvPr>
+          <p:cNvSpPr txBox="1"/>
+          <p:nvPr/>
+        </p:nvSpPr>
+        <p:spPr>
+          <a:xfrm>
+            <a:off x="714374" y="2776538"/>
+            <a:ext cx="11077575" cy="646331"/>
+          </a:xfrm>
+          <a:prstGeom prst="rect">
+            <a:avLst/>
+          </a:prstGeom>
+          <a:noFill/>
+        </p:spPr>
+        <p:txBody>
+          <a:bodyPr wrap="square" rtlCol="0">
+            <a:spAutoFit/>
+          </a:bodyPr>
+          <a:lstStyle/>
+          <a:p>
+            <a:r>
+              <a:rPr lang="en-US" dirty="0" err="1"/>
+              <a:t>Fullspace</a:t>
+            </a:r>
+            <a:r>
+              <a:rPr lang="en-US" dirty="0"/>
+              <a:t> must be periodic on x0 = </a:t>
+            </a:r>
+            <a:r>
+              <a:rPr lang="en-US" dirty="0" err="1"/>
+              <a:t>xL</a:t>
+            </a:r>
+            <a:r>
+              <a:rPr lang="en-US" dirty="0"/>
+              <a:t>, y0 = </a:t>
+            </a:r>
+            <a:r>
+              <a:rPr lang="en-US" dirty="0" err="1"/>
+              <a:t>yL</a:t>
+            </a:r>
+            <a:endParaRPr lang="en-US" dirty="0"/>
+          </a:p>
+          <a:p>
+            <a:r>
+              <a:rPr lang="en-US" dirty="0" err="1"/>
+              <a:t>Halfspace</a:t>
+            </a:r>
+            <a:r>
+              <a:rPr lang="en-US" dirty="0"/>
+              <a:t> must be even on </a:t>
+            </a:r>
+            <a:r>
+              <a:rPr lang="en-US" dirty="0" err="1"/>
+              <a:t>xL</a:t>
+            </a:r>
+            <a:r>
+              <a:rPr lang="en-US" dirty="0"/>
+              <a:t>/2 and </a:t>
+            </a:r>
+            <a:r>
+              <a:rPr lang="en-US" dirty="0" err="1"/>
+              <a:t>yL</a:t>
+            </a:r>
+            <a:r>
+              <a:rPr lang="en-US" dirty="0"/>
+              <a:t>/2 (overlap of boundary following REDFT00) and periodic on x0 = </a:t>
+            </a:r>
+            <a:r>
+              <a:rPr lang="en-US" dirty="0" err="1"/>
+              <a:t>xL</a:t>
+            </a:r>
+            <a:r>
+              <a:rPr lang="en-US" dirty="0"/>
+              <a:t>, y0 = </a:t>
+            </a:r>
+            <a:r>
+              <a:rPr lang="en-US" dirty="0" err="1"/>
+              <a:t>yL</a:t>
+            </a:r>
+            <a:r>
+              <a:rPr lang="en-US" dirty="0"/>
+              <a:t>.</a:t>
+            </a:r>
+          </a:p>
+        </p:txBody>
+      </p:sp>
+      <p:sp>
+        <p:nvSpPr>
+          <p:cNvPr id="5" name="TextBox 4">
+            <a:extLst>
+              <a:ext uri="{FF2B5EF4-FFF2-40B4-BE49-F238E27FC236}">
+                <a16:creationId xmlns:a16="http://schemas.microsoft.com/office/drawing/2014/main" id="{97078C71-47DB-0D25-8BE5-AD0C9CC3C9FD}"/>
+              </a:ext>
+            </a:extLst>
+          </p:cNvPr>
+          <p:cNvSpPr txBox="1"/>
+          <p:nvPr/>
+        </p:nvSpPr>
+        <p:spPr>
+          <a:xfrm>
+            <a:off x="714373" y="3812426"/>
+            <a:ext cx="11077575" cy="369332"/>
+          </a:xfrm>
+          <a:prstGeom prst="rect">
+            <a:avLst/>
+          </a:prstGeom>
+          <a:noFill/>
+        </p:spPr>
+        <p:txBody>
+          <a:bodyPr wrap="square" rtlCol="0">
+            <a:spAutoFit/>
+          </a:bodyPr>
+          <a:lstStyle/>
+          <a:p>
+            <a:r>
+              <a:rPr lang="en-US" dirty="0"/>
+              <a:t>Homogeneous spacing as determined by regular hexagon, where grafting point at centroid of hexagon</a:t>
+            </a:r>
+          </a:p>
+        </p:txBody>
+      </p:sp>
+      <p:sp>
+        <p:nvSpPr>
+          <p:cNvPr id="6" name="TextBox 5">
+            <a:extLst>
+              <a:ext uri="{FF2B5EF4-FFF2-40B4-BE49-F238E27FC236}">
+                <a16:creationId xmlns:a16="http://schemas.microsoft.com/office/drawing/2014/main" id="{067DDA30-EAF3-09E5-D289-BD5F06EA216D}"/>
+              </a:ext>
+            </a:extLst>
+          </p:cNvPr>
+          <p:cNvSpPr txBox="1"/>
+          <p:nvPr/>
+        </p:nvSpPr>
+        <p:spPr>
+          <a:xfrm>
+            <a:off x="714372" y="4508719"/>
+            <a:ext cx="11077575" cy="923330"/>
+          </a:xfrm>
+          <a:prstGeom prst="rect">
+            <a:avLst/>
+          </a:prstGeom>
+          <a:noFill/>
+        </p:spPr>
+        <p:txBody>
+          <a:bodyPr wrap="square" rtlCol="0">
+            <a:spAutoFit/>
+          </a:bodyPr>
+          <a:lstStyle/>
+          <a:p>
+            <a:r>
+              <a:rPr lang="en-US" dirty="0"/>
+              <a:t>In case there are edge effects, try shifting the centroids away from the boundaries of the </a:t>
+            </a:r>
+            <a:r>
+              <a:rPr lang="en-US" dirty="0" err="1"/>
+              <a:t>xy</a:t>
+            </a:r>
+            <a:r>
+              <a:rPr lang="en-US" dirty="0"/>
+              <a:t>-plane (only did for </a:t>
+            </a:r>
+            <a:r>
+              <a:rPr lang="en-US" dirty="0" err="1"/>
+              <a:t>fullspace</a:t>
+            </a:r>
+            <a:r>
+              <a:rPr lang="en-US" dirty="0"/>
+              <a:t>)</a:t>
+            </a:r>
+          </a:p>
+          <a:p>
+            <a:pPr marL="285750" indent="-285750">
+              <a:buFont typeface="Arial" panose="020B0604020202020204" pitchFamily="34" charset="0"/>
+              <a:buChar char="•"/>
+            </a:pPr>
+            <a:r>
+              <a:rPr lang="en-US" dirty="0"/>
+              <a:t>Make sure no edge effects by comparing results of full FFT with cos FFT</a:t>
+            </a:r>
+          </a:p>
+        </p:txBody>
+      </p:sp>
+    </p:spTree>
+    <p:extLst>
+      <p:ext uri="{BB962C8B-B14F-4D97-AF65-F5344CB8AC3E}">
+        <p14:creationId xmlns:p14="http://schemas.microsoft.com/office/powerpoint/2010/main" val="1764039423"/>
+      </p:ext>
+    </p:extLst>
+  </p:cSld>
+  <p:clrMapOvr>
+    <a:masterClrMapping/>
+  </p:clrMapOvr>
+</p:sld>
+</file>
+
+<file path=ppt/slides/slide18.xml><?xml version="1.0" encoding="utf-8"?>
+<p:sld xmlns:a="http://schemas.openxmlformats.org/drawingml/2006/main" xmlns:r="http://schemas.openxmlformats.org/officeDocument/2006/relationships" xmlns:p="http://schemas.openxmlformats.org/presentationml/2006/main">
+  <p:cSld>
+    <p:spTree>
+      <p:nvGrpSpPr>
+        <p:cNvPr id="1" name=""/>
+        <p:cNvGrpSpPr/>
+        <p:nvPr/>
+      </p:nvGrpSpPr>
+      <p:grpSpPr>
+        <a:xfrm>
+          <a:off x="0" y="0"/>
+          <a:ext cx="0" cy="0"/>
+          <a:chOff x="0" y="0"/>
+          <a:chExt cx="0" cy="0"/>
+        </a:xfrm>
+      </p:grpSpPr>
+      <p:sp>
+        <p:nvSpPr>
+          <p:cNvPr id="2" name="Title 1">
+            <a:extLst>
+              <a:ext uri="{FF2B5EF4-FFF2-40B4-BE49-F238E27FC236}">
+                <a16:creationId xmlns:a16="http://schemas.microsoft.com/office/drawing/2014/main" id="{A3926BC3-A860-346A-4F58-1EE4C3E7FB0F}"/>
+              </a:ext>
+            </a:extLst>
+          </p:cNvPr>
+          <p:cNvSpPr>
+            <a:spLocks noGrp="1"/>
+          </p:cNvSpPr>
+          <p:nvPr>
+            <p:ph type="title"/>
+          </p:nvPr>
+        </p:nvSpPr>
+        <p:spPr/>
+        <p:txBody>
+          <a:bodyPr/>
+          <a:lstStyle/>
+          <a:p>
+            <a:r>
+              <a:rPr lang="en-US" dirty="0"/>
+              <a:t>Test conditions</a:t>
+            </a:r>
+          </a:p>
+        </p:txBody>
+      </p:sp>
+      <p:sp>
+        <p:nvSpPr>
+          <p:cNvPr id="3" name="TextBox 2">
+            <a:extLst>
+              <a:ext uri="{FF2B5EF4-FFF2-40B4-BE49-F238E27FC236}">
+                <a16:creationId xmlns:a16="http://schemas.microsoft.com/office/drawing/2014/main" id="{A00B5138-8D53-B196-C54A-B372D20698D0}"/>
+              </a:ext>
+            </a:extLst>
+          </p:cNvPr>
+          <p:cNvSpPr txBox="1"/>
+          <p:nvPr/>
+        </p:nvSpPr>
+        <p:spPr>
+          <a:xfrm>
+            <a:off x="1192695" y="2186609"/>
+            <a:ext cx="7026965" cy="1200329"/>
+          </a:xfrm>
+          <a:prstGeom prst="rect">
+            <a:avLst/>
+          </a:prstGeom>
+          <a:noFill/>
+        </p:spPr>
+        <p:txBody>
+          <a:bodyPr wrap="square" rtlCol="0">
+            <a:spAutoFit/>
+          </a:bodyPr>
+          <a:lstStyle/>
+          <a:p>
+            <a:r>
+              <a:rPr lang="en-US" dirty="0"/>
+              <a:t>Sigma = 0.05 c/nm2</a:t>
+            </a:r>
+          </a:p>
+          <a:p>
+            <a:r>
+              <a:rPr lang="en-US" dirty="0"/>
+              <a:t>Lx = 15 nm</a:t>
+            </a:r>
+          </a:p>
+          <a:p>
+            <a:r>
+              <a:rPr lang="en-US" dirty="0"/>
+              <a:t>Ly = 15 nm</a:t>
+            </a:r>
+          </a:p>
+          <a:p>
+            <a:r>
+              <a:rPr lang="en-US" dirty="0"/>
+              <a:t>dx = 0.4 nm</a:t>
+            </a:r>
+          </a:p>
+        </p:txBody>
+      </p:sp>
+      <p:sp>
+        <p:nvSpPr>
+          <p:cNvPr id="4" name="TextBox 3">
+            <a:extLst>
+              <a:ext uri="{FF2B5EF4-FFF2-40B4-BE49-F238E27FC236}">
+                <a16:creationId xmlns:a16="http://schemas.microsoft.com/office/drawing/2014/main" id="{431FD48E-52DE-AC6E-5D2D-A03BFCBE0CEE}"/>
+              </a:ext>
+            </a:extLst>
+          </p:cNvPr>
+          <p:cNvSpPr txBox="1"/>
+          <p:nvPr/>
+        </p:nvSpPr>
+        <p:spPr>
+          <a:xfrm>
+            <a:off x="1192694" y="3776869"/>
+            <a:ext cx="7026965" cy="1754326"/>
+          </a:xfrm>
+          <a:prstGeom prst="rect">
+            <a:avLst/>
+          </a:prstGeom>
+          <a:noFill/>
+        </p:spPr>
+        <p:txBody>
+          <a:bodyPr wrap="square" rtlCol="0">
+            <a:spAutoFit/>
+          </a:bodyPr>
+          <a:lstStyle/>
+          <a:p>
+            <a:r>
+              <a:rPr lang="en-US" dirty="0"/>
+              <a:t>Cast in terms of dx (for rounding and PBC for grafting points): </a:t>
+            </a:r>
+          </a:p>
+          <a:p>
+            <a:r>
+              <a:rPr lang="en-US" dirty="0"/>
+              <a:t>	Sigma = 0.0668 c/nm2</a:t>
+            </a:r>
+          </a:p>
+          <a:p>
+            <a:r>
+              <a:rPr lang="en-US" dirty="0"/>
+              <a:t>	Lx = 14.80 nm</a:t>
+            </a:r>
+          </a:p>
+          <a:p>
+            <a:r>
+              <a:rPr lang="en-US" dirty="0"/>
+              <a:t>	Ly = 11.20 nm</a:t>
+            </a:r>
+          </a:p>
+          <a:p>
+            <a:endParaRPr lang="en-US" dirty="0"/>
+          </a:p>
+          <a:p>
+            <a:r>
+              <a:rPr lang="en-US" dirty="0"/>
+              <a:t>(Sigma error decrease with dx)</a:t>
+            </a:r>
+          </a:p>
+        </p:txBody>
+      </p:sp>
+    </p:spTree>
+    <p:extLst>
+      <p:ext uri="{BB962C8B-B14F-4D97-AF65-F5344CB8AC3E}">
+        <p14:creationId xmlns:p14="http://schemas.microsoft.com/office/powerpoint/2010/main" val="782308025"/>
+      </p:ext>
+    </p:extLst>
+  </p:cSld>
+  <p:clrMapOvr>
+    <a:masterClrMapping/>
+  </p:clrMapOvr>
+</p:sld>
+</file>
+
+<file path=ppt/slides/slide19.xml><?xml version="1.0" encoding="utf-8"?>
+<p:sld xmlns:a="http://schemas.openxmlformats.org/drawingml/2006/main" xmlns:r="http://schemas.openxmlformats.org/officeDocument/2006/relationships" xmlns:p="http://schemas.openxmlformats.org/presentationml/2006/main">
+  <p:cSld>
+    <p:spTree>
+      <p:nvGrpSpPr>
+        <p:cNvPr id="1" name=""/>
+        <p:cNvGrpSpPr/>
+        <p:nvPr/>
+      </p:nvGrpSpPr>
+      <p:grpSpPr>
+        <a:xfrm>
+          <a:off x="0" y="0"/>
+          <a:ext cx="0" cy="0"/>
+          <a:chOff x="0" y="0"/>
+          <a:chExt cx="0" cy="0"/>
+        </a:xfrm>
+      </p:grpSpPr>
       <p:pic>
         <p:nvPicPr>
           <p:cNvPr id="2" name="Picture 8">
@@ -8987,7 +9687,219 @@
 </p:sld>
 </file>
 
-<file path=ppt/slides/slide18.xml><?xml version="1.0" encoding="utf-8"?>
+<file path=ppt/slides/slide2.xml><?xml version="1.0" encoding="utf-8"?>
+<p:sld xmlns:a="http://schemas.openxmlformats.org/drawingml/2006/main" xmlns:r="http://schemas.openxmlformats.org/officeDocument/2006/relationships" xmlns:p="http://schemas.openxmlformats.org/presentationml/2006/main">
+  <p:cSld>
+    <p:spTree>
+      <p:nvGrpSpPr>
+        <p:cNvPr id="1" name=""/>
+        <p:cNvGrpSpPr/>
+        <p:nvPr/>
+      </p:nvGrpSpPr>
+      <p:grpSpPr>
+        <a:xfrm>
+          <a:off x="0" y="0"/>
+          <a:ext cx="0" cy="0"/>
+          <a:chOff x="0" y="0"/>
+          <a:chExt cx="0" cy="0"/>
+        </a:xfrm>
+      </p:grpSpPr>
+      <p:sp>
+        <p:nvSpPr>
+          <p:cNvPr id="2" name="Title 1">
+            <a:extLst>
+              <a:ext uri="{FF2B5EF4-FFF2-40B4-BE49-F238E27FC236}">
+                <a16:creationId xmlns:a16="http://schemas.microsoft.com/office/drawing/2014/main" id="{AB3FF233-5CF5-2BDC-D3DB-701A3D86D17C}"/>
+              </a:ext>
+            </a:extLst>
+          </p:cNvPr>
+          <p:cNvSpPr>
+            <a:spLocks noGrp="1"/>
+          </p:cNvSpPr>
+          <p:nvPr>
+            <p:ph type="title"/>
+          </p:nvPr>
+        </p:nvSpPr>
+        <p:spPr>
+          <a:xfrm>
+            <a:off x="262467" y="0"/>
+            <a:ext cx="10515600" cy="1325563"/>
+          </a:xfrm>
+        </p:spPr>
+        <p:txBody>
+          <a:bodyPr/>
+          <a:lstStyle/>
+          <a:p>
+            <a:r>
+              <a:rPr lang="en-US" dirty="0"/>
+              <a:t>DGC (3D; </a:t>
+            </a:r>
+            <a:r>
+              <a:rPr lang="en-US" dirty="0" err="1"/>
+              <a:t>NxNy</a:t>
+            </a:r>
+            <a:r>
+              <a:rPr lang="en-US" dirty="0"/>
+              <a:t>=1) vs MDE (1D)</a:t>
+            </a:r>
+          </a:p>
+        </p:txBody>
+      </p:sp>
+      <p:pic>
+        <p:nvPicPr>
+          <p:cNvPr id="1028" name="Picture 4">
+            <a:extLst>
+              <a:ext uri="{FF2B5EF4-FFF2-40B4-BE49-F238E27FC236}">
+                <a16:creationId xmlns:a16="http://schemas.microsoft.com/office/drawing/2014/main" id="{52C9205F-2030-6BF4-16D6-0343DF32D2A6}"/>
+              </a:ext>
+            </a:extLst>
+          </p:cNvPr>
+          <p:cNvPicPr>
+            <a:picLocks noChangeAspect="1" noChangeArrowheads="1"/>
+          </p:cNvPicPr>
+          <p:nvPr/>
+        </p:nvPicPr>
+        <p:blipFill>
+          <a:blip r:embed="rId2">
+            <a:extLst>
+              <a:ext uri="{28A0092B-C50C-407E-A947-70E740481C1C}">
+                <a14:useLocalDpi xmlns:a14="http://schemas.microsoft.com/office/drawing/2010/main" val="0"/>
+              </a:ext>
+            </a:extLst>
+          </a:blip>
+          <a:srcRect/>
+          <a:stretch>
+            <a:fillRect/>
+          </a:stretch>
+        </p:blipFill>
+        <p:spPr bwMode="auto">
+          <a:xfrm>
+            <a:off x="4181150" y="1342497"/>
+            <a:ext cx="3116512" cy="2546351"/>
+          </a:xfrm>
+          <a:prstGeom prst="rect">
+            <a:avLst/>
+          </a:prstGeom>
+          <a:noFill/>
+          <a:extLst>
+            <a:ext uri="{909E8E84-426E-40DD-AFC4-6F175D3DCCD1}">
+              <a14:hiddenFill xmlns:a14="http://schemas.microsoft.com/office/drawing/2010/main">
+                <a:solidFill>
+                  <a:srgbClr val="FFFFFF"/>
+                </a:solidFill>
+              </a14:hiddenFill>
+            </a:ext>
+          </a:extLst>
+        </p:spPr>
+      </p:pic>
+      <p:pic>
+        <p:nvPicPr>
+          <p:cNvPr id="1034" name="Picture 10">
+            <a:extLst>
+              <a:ext uri="{FF2B5EF4-FFF2-40B4-BE49-F238E27FC236}">
+                <a16:creationId xmlns:a16="http://schemas.microsoft.com/office/drawing/2014/main" id="{86104B90-7863-856D-E4DC-A71981AEEE28}"/>
+              </a:ext>
+            </a:extLst>
+          </p:cNvPr>
+          <p:cNvPicPr>
+            <a:picLocks noChangeAspect="1" noChangeArrowheads="1"/>
+          </p:cNvPicPr>
+          <p:nvPr/>
+        </p:nvPicPr>
+        <p:blipFill>
+          <a:blip r:embed="rId3">
+            <a:extLst>
+              <a:ext uri="{28A0092B-C50C-407E-A947-70E740481C1C}">
+                <a14:useLocalDpi xmlns:a14="http://schemas.microsoft.com/office/drawing/2010/main" val="0"/>
+              </a:ext>
+            </a:extLst>
+          </a:blip>
+          <a:srcRect/>
+          <a:stretch>
+            <a:fillRect/>
+          </a:stretch>
+        </p:blipFill>
+        <p:spPr bwMode="auto">
+          <a:xfrm>
+            <a:off x="997293" y="1325563"/>
+            <a:ext cx="3116513" cy="2546352"/>
+          </a:xfrm>
+          <a:prstGeom prst="rect">
+            <a:avLst/>
+          </a:prstGeom>
+          <a:noFill/>
+          <a:extLst>
+            <a:ext uri="{909E8E84-426E-40DD-AFC4-6F175D3DCCD1}">
+              <a14:hiddenFill xmlns:a14="http://schemas.microsoft.com/office/drawing/2010/main">
+                <a:solidFill>
+                  <a:srgbClr val="FFFFFF"/>
+                </a:solidFill>
+              </a14:hiddenFill>
+            </a:ext>
+          </a:extLst>
+        </p:spPr>
+      </p:pic>
+      <p:pic>
+        <p:nvPicPr>
+          <p:cNvPr id="1036" name="Picture 12">
+            <a:extLst>
+              <a:ext uri="{FF2B5EF4-FFF2-40B4-BE49-F238E27FC236}">
+                <a16:creationId xmlns:a16="http://schemas.microsoft.com/office/drawing/2014/main" id="{7CD9822E-610F-A0A0-6387-2D1AC0EF0ADD}"/>
+              </a:ext>
+            </a:extLst>
+          </p:cNvPr>
+          <p:cNvPicPr>
+            <a:picLocks noChangeAspect="1" noChangeArrowheads="1"/>
+          </p:cNvPicPr>
+          <p:nvPr/>
+        </p:nvPicPr>
+        <p:blipFill>
+          <a:blip r:embed="rId4">
+            <a:extLst>
+              <a:ext uri="{28A0092B-C50C-407E-A947-70E740481C1C}">
+                <a14:useLocalDpi xmlns:a14="http://schemas.microsoft.com/office/drawing/2010/main" val="0"/>
+              </a:ext>
+            </a:extLst>
+          </a:blip>
+          <a:srcRect/>
+          <a:stretch>
+            <a:fillRect/>
+          </a:stretch>
+        </p:blipFill>
+        <p:spPr bwMode="auto">
+          <a:xfrm>
+            <a:off x="7365006" y="1342497"/>
+            <a:ext cx="3413061" cy="2825749"/>
+          </a:xfrm>
+          <a:prstGeom prst="rect">
+            <a:avLst/>
+          </a:prstGeom>
+          <a:noFill/>
+          <a:extLst>
+            <a:ext uri="{909E8E84-426E-40DD-AFC4-6F175D3DCCD1}">
+              <a14:hiddenFill xmlns:a14="http://schemas.microsoft.com/office/drawing/2010/main">
+                <a:solidFill>
+                  <a:srgbClr val="FFFFFF"/>
+                </a:solidFill>
+              </a14:hiddenFill>
+            </a:ext>
+          </a:extLst>
+        </p:spPr>
+      </p:pic>
+    </p:spTree>
+    <p:extLst>
+      <p:ext uri="{BB962C8B-B14F-4D97-AF65-F5344CB8AC3E}">
+        <p14:creationId xmlns:p14="http://schemas.microsoft.com/office/powerpoint/2010/main" val="4117916818"/>
+      </p:ext>
+    </p:extLst>
+  </p:cSld>
+  <p:clrMapOvr>
+    <a:masterClrMapping/>
+  </p:clrMapOvr>
+</p:sld>
+</file>
+
+<file path=ppt/slides/slide20.xml><?xml version="1.0" encoding="utf-8"?>
 <p:sld xmlns:a="http://schemas.openxmlformats.org/drawingml/2006/main" xmlns:r="http://schemas.openxmlformats.org/officeDocument/2006/relationships" xmlns:p="http://schemas.openxmlformats.org/presentationml/2006/main">
   <p:cSld>
     <p:spTree>
@@ -11509,7 +12421,7 @@
 </p:sld>
 </file>
 
-<file path=ppt/slides/slide19.xml><?xml version="1.0" encoding="utf-8"?>
+<file path=ppt/slides/slide21.xml><?xml version="1.0" encoding="utf-8"?>
 <p:sld xmlns:a="http://schemas.openxmlformats.org/drawingml/2006/main" xmlns:r="http://schemas.openxmlformats.org/officeDocument/2006/relationships" xmlns:p="http://schemas.openxmlformats.org/presentationml/2006/main">
   <p:cSld>
     <p:spTree>
@@ -11984,218 +12896,6 @@
     <p:extLst>
       <p:ext uri="{BB962C8B-B14F-4D97-AF65-F5344CB8AC3E}">
         <p14:creationId xmlns:p14="http://schemas.microsoft.com/office/powerpoint/2010/main" val="1320488814"/>
-      </p:ext>
-    </p:extLst>
-  </p:cSld>
-  <p:clrMapOvr>
-    <a:masterClrMapping/>
-  </p:clrMapOvr>
-</p:sld>
-</file>
-
-<file path=ppt/slides/slide2.xml><?xml version="1.0" encoding="utf-8"?>
-<p:sld xmlns:a="http://schemas.openxmlformats.org/drawingml/2006/main" xmlns:r="http://schemas.openxmlformats.org/officeDocument/2006/relationships" xmlns:p="http://schemas.openxmlformats.org/presentationml/2006/main">
-  <p:cSld>
-    <p:spTree>
-      <p:nvGrpSpPr>
-        <p:cNvPr id="1" name=""/>
-        <p:cNvGrpSpPr/>
-        <p:nvPr/>
-      </p:nvGrpSpPr>
-      <p:grpSpPr>
-        <a:xfrm>
-          <a:off x="0" y="0"/>
-          <a:ext cx="0" cy="0"/>
-          <a:chOff x="0" y="0"/>
-          <a:chExt cx="0" cy="0"/>
-        </a:xfrm>
-      </p:grpSpPr>
-      <p:sp>
-        <p:nvSpPr>
-          <p:cNvPr id="2" name="Title 1">
-            <a:extLst>
-              <a:ext uri="{FF2B5EF4-FFF2-40B4-BE49-F238E27FC236}">
-                <a16:creationId xmlns:a16="http://schemas.microsoft.com/office/drawing/2014/main" id="{AB3FF233-5CF5-2BDC-D3DB-701A3D86D17C}"/>
-              </a:ext>
-            </a:extLst>
-          </p:cNvPr>
-          <p:cNvSpPr>
-            <a:spLocks noGrp="1"/>
-          </p:cNvSpPr>
-          <p:nvPr>
-            <p:ph type="title"/>
-          </p:nvPr>
-        </p:nvSpPr>
-        <p:spPr>
-          <a:xfrm>
-            <a:off x="262467" y="0"/>
-            <a:ext cx="10515600" cy="1325563"/>
-          </a:xfrm>
-        </p:spPr>
-        <p:txBody>
-          <a:bodyPr/>
-          <a:lstStyle/>
-          <a:p>
-            <a:r>
-              <a:rPr lang="en-US" dirty="0"/>
-              <a:t>DGC (3D; </a:t>
-            </a:r>
-            <a:r>
-              <a:rPr lang="en-US" dirty="0" err="1"/>
-              <a:t>NxNy</a:t>
-            </a:r>
-            <a:r>
-              <a:rPr lang="en-US" dirty="0"/>
-              <a:t>=1) vs MDE (1D)</a:t>
-            </a:r>
-          </a:p>
-        </p:txBody>
-      </p:sp>
-      <p:pic>
-        <p:nvPicPr>
-          <p:cNvPr id="1028" name="Picture 4">
-            <a:extLst>
-              <a:ext uri="{FF2B5EF4-FFF2-40B4-BE49-F238E27FC236}">
-                <a16:creationId xmlns:a16="http://schemas.microsoft.com/office/drawing/2014/main" id="{52C9205F-2030-6BF4-16D6-0343DF32D2A6}"/>
-              </a:ext>
-            </a:extLst>
-          </p:cNvPr>
-          <p:cNvPicPr>
-            <a:picLocks noChangeAspect="1" noChangeArrowheads="1"/>
-          </p:cNvPicPr>
-          <p:nvPr/>
-        </p:nvPicPr>
-        <p:blipFill>
-          <a:blip r:embed="rId2">
-            <a:extLst>
-              <a:ext uri="{28A0092B-C50C-407E-A947-70E740481C1C}">
-                <a14:useLocalDpi xmlns:a14="http://schemas.microsoft.com/office/drawing/2010/main" val="0"/>
-              </a:ext>
-            </a:extLst>
-          </a:blip>
-          <a:srcRect/>
-          <a:stretch>
-            <a:fillRect/>
-          </a:stretch>
-        </p:blipFill>
-        <p:spPr bwMode="auto">
-          <a:xfrm>
-            <a:off x="4015847" y="1390650"/>
-            <a:ext cx="3116512" cy="2546351"/>
-          </a:xfrm>
-          <a:prstGeom prst="rect">
-            <a:avLst/>
-          </a:prstGeom>
-          <a:noFill/>
-          <a:extLst>
-            <a:ext uri="{909E8E84-426E-40DD-AFC4-6F175D3DCCD1}">
-              <a14:hiddenFill xmlns:a14="http://schemas.microsoft.com/office/drawing/2010/main">
-                <a:solidFill>
-                  <a:srgbClr val="FFFFFF"/>
-                </a:solidFill>
-              </a14:hiddenFill>
-            </a:ext>
-          </a:extLst>
-        </p:spPr>
-      </p:pic>
-      <p:pic>
-        <p:nvPicPr>
-          <p:cNvPr id="1030" name="Picture 6">
-            <a:extLst>
-              <a:ext uri="{FF2B5EF4-FFF2-40B4-BE49-F238E27FC236}">
-                <a16:creationId xmlns:a16="http://schemas.microsoft.com/office/drawing/2014/main" id="{955D0EF1-C8E5-9369-6F0D-3396A363B355}"/>
-              </a:ext>
-            </a:extLst>
-          </p:cNvPr>
-          <p:cNvPicPr>
-            <a:picLocks noChangeAspect="1" noChangeArrowheads="1"/>
-          </p:cNvPicPr>
-          <p:nvPr/>
-        </p:nvPicPr>
-        <p:blipFill>
-          <a:blip r:embed="rId3">
-            <a:extLst>
-              <a:ext uri="{28A0092B-C50C-407E-A947-70E740481C1C}">
-                <a14:useLocalDpi xmlns:a14="http://schemas.microsoft.com/office/drawing/2010/main" val="0"/>
-              </a:ext>
-            </a:extLst>
-          </a:blip>
-          <a:srcRect/>
-          <a:stretch>
-            <a:fillRect/>
-          </a:stretch>
-        </p:blipFill>
-        <p:spPr bwMode="auto">
-          <a:xfrm>
-            <a:off x="764646" y="1390650"/>
-            <a:ext cx="3116513" cy="2546352"/>
-          </a:xfrm>
-          <a:prstGeom prst="rect">
-            <a:avLst/>
-          </a:prstGeom>
-          <a:noFill/>
-          <a:extLst>
-            <a:ext uri="{909E8E84-426E-40DD-AFC4-6F175D3DCCD1}">
-              <a14:hiddenFill xmlns:a14="http://schemas.microsoft.com/office/drawing/2010/main">
-                <a:solidFill>
-                  <a:srgbClr val="FFFFFF"/>
-                </a:solidFill>
-              </a14:hiddenFill>
-            </a:ext>
-          </a:extLst>
-        </p:spPr>
-      </p:pic>
-      <p:pic>
-        <p:nvPicPr>
-          <p:cNvPr id="1032" name="Picture 8">
-            <a:extLst>
-              <a:ext uri="{FF2B5EF4-FFF2-40B4-BE49-F238E27FC236}">
-                <a16:creationId xmlns:a16="http://schemas.microsoft.com/office/drawing/2014/main" id="{0D5E2B62-B8E8-32DB-7C31-2BB691DB8542}"/>
-              </a:ext>
-            </a:extLst>
-          </p:cNvPr>
-          <p:cNvPicPr>
-            <a:picLocks noChangeAspect="1" noChangeArrowheads="1"/>
-          </p:cNvPicPr>
-          <p:nvPr/>
-        </p:nvPicPr>
-        <p:blipFill>
-          <a:blip r:embed="rId4">
-            <a:extLst>
-              <a:ext uri="{28A0092B-C50C-407E-A947-70E740481C1C}">
-                <a14:useLocalDpi xmlns:a14="http://schemas.microsoft.com/office/drawing/2010/main" val="0"/>
-              </a:ext>
-            </a:extLst>
-          </a:blip>
-          <a:srcRect/>
-          <a:stretch>
-            <a:fillRect/>
-          </a:stretch>
-        </p:blipFill>
-        <p:spPr bwMode="auto">
-          <a:xfrm>
-            <a:off x="7267047" y="1390650"/>
-            <a:ext cx="3383241" cy="2814768"/>
-          </a:xfrm>
-          <a:prstGeom prst="rect">
-            <a:avLst/>
-          </a:prstGeom>
-          <a:noFill/>
-          <a:extLst>
-            <a:ext uri="{909E8E84-426E-40DD-AFC4-6F175D3DCCD1}">
-              <a14:hiddenFill xmlns:a14="http://schemas.microsoft.com/office/drawing/2010/main">
-                <a:solidFill>
-                  <a:srgbClr val="FFFFFF"/>
-                </a:solidFill>
-              </a14:hiddenFill>
-            </a:ext>
-          </a:extLst>
-        </p:spPr>
-      </p:pic>
-    </p:spTree>
-    <p:extLst>
-      <p:ext uri="{BB962C8B-B14F-4D97-AF65-F5344CB8AC3E}">
-        <p14:creationId xmlns:p14="http://schemas.microsoft.com/office/powerpoint/2010/main" val="4117916818"/>
       </p:ext>
     </p:extLst>
   </p:cSld>
@@ -12227,7 +12927,7 @@
           <p:cNvPr id="2" name="Title 1">
             <a:extLst>
               <a:ext uri="{FF2B5EF4-FFF2-40B4-BE49-F238E27FC236}">
-                <a16:creationId xmlns:a16="http://schemas.microsoft.com/office/drawing/2014/main" id="{EA385C96-C2A9-E805-3944-9CB8513BAF3F}"/>
+                <a16:creationId xmlns:a16="http://schemas.microsoft.com/office/drawing/2014/main" id="{79DEEEE0-B8A6-08CE-5A61-F14A088ADC26}"/>
               </a:ext>
             </a:extLst>
           </p:cNvPr>
@@ -12249,19 +12949,18 @@
           <a:lstStyle/>
           <a:p>
             <a:r>
-              <a:rPr lang="en-US" dirty="0" err="1"/>
-              <a:t>Numericals</a:t>
-            </a:r>
-            <a:endParaRPr lang="en-US" dirty="0"/>
+              <a:rPr lang="en-US" dirty="0"/>
+              <a:t>DGC vs MDE (q, normalized)</a:t>
+            </a:r>
           </a:p>
         </p:txBody>
       </p:sp>
       <p:pic>
         <p:nvPicPr>
-          <p:cNvPr id="2050" name="Picture 2">
-            <a:extLst>
-              <a:ext uri="{FF2B5EF4-FFF2-40B4-BE49-F238E27FC236}">
-                <a16:creationId xmlns:a16="http://schemas.microsoft.com/office/drawing/2014/main" id="{2BF9D445-F23B-D19E-2988-146124212B1E}"/>
+          <p:cNvPr id="3074" name="Picture 2">
+            <a:extLst>
+              <a:ext uri="{FF2B5EF4-FFF2-40B4-BE49-F238E27FC236}">
+                <a16:creationId xmlns:a16="http://schemas.microsoft.com/office/drawing/2014/main" id="{BD13DBBB-27FF-793C-307E-FECB09AA6B39}"/>
               </a:ext>
             </a:extLst>
           </p:cNvPr>
@@ -12285,8 +12984,8 @@
         </p:blipFill>
         <p:spPr bwMode="auto">
           <a:xfrm>
-            <a:off x="857780" y="1246255"/>
-            <a:ext cx="2782887" cy="2273762"/>
+            <a:off x="1038364" y="1405047"/>
+            <a:ext cx="3073091" cy="2303463"/>
           </a:xfrm>
           <a:prstGeom prst="rect">
             <a:avLst/>
@@ -12303,12 +13002,82 @@
           </a:extLst>
         </p:spPr>
       </p:pic>
+      <p:sp>
+        <p:nvSpPr>
+          <p:cNvPr id="3" name="Rectangle 2">
+            <a:extLst>
+              <a:ext uri="{FF2B5EF4-FFF2-40B4-BE49-F238E27FC236}">
+                <a16:creationId xmlns:a16="http://schemas.microsoft.com/office/drawing/2014/main" id="{B75AD07C-E643-A906-FEFB-91B83A717D8B}"/>
+              </a:ext>
+            </a:extLst>
+          </p:cNvPr>
+          <p:cNvSpPr/>
+          <p:nvPr/>
+        </p:nvSpPr>
+        <p:spPr>
+          <a:xfrm>
+            <a:off x="9885681" y="79429"/>
+            <a:ext cx="2196252" cy="1451185"/>
+          </a:xfrm>
+          <a:prstGeom prst="rect">
+            <a:avLst/>
+          </a:prstGeom>
+        </p:spPr>
+        <p:style>
+          <a:lnRef idx="2">
+            <a:schemeClr val="accent1">
+              <a:shade val="15000"/>
+            </a:schemeClr>
+          </a:lnRef>
+          <a:fillRef idx="1">
+            <a:schemeClr val="accent1"/>
+          </a:fillRef>
+          <a:effectRef idx="0">
+            <a:schemeClr val="accent1"/>
+          </a:effectRef>
+          <a:fontRef idx="minor">
+            <a:schemeClr val="lt1"/>
+          </a:fontRef>
+        </p:style>
+        <p:txBody>
+          <a:bodyPr rtlCol="0" anchor="ctr"/>
+          <a:lstStyle/>
+          <a:p>
+            <a:pPr algn="ctr"/>
+            <a:r>
+              <a:rPr lang="en-US" dirty="0"/>
+              <a:t>N = 50</a:t>
+            </a:r>
+          </a:p>
+          <a:p>
+            <a:pPr algn="ctr"/>
+            <a:r>
+              <a:rPr lang="en-US" dirty="0"/>
+              <a:t>Ns0 = 1000</a:t>
+            </a:r>
+          </a:p>
+          <a:p>
+            <a:pPr algn="ctr"/>
+            <a:r>
+              <a:rPr lang="en-US" dirty="0"/>
+              <a:t>ds0 = 0.05</a:t>
+            </a:r>
+          </a:p>
+          <a:p>
+            <a:pPr algn="ctr"/>
+            <a:r>
+              <a:rPr lang="en-US" dirty="0"/>
+              <a:t>Ds0 = 20</a:t>
+            </a:r>
+          </a:p>
+        </p:txBody>
+      </p:sp>
       <p:pic>
         <p:nvPicPr>
-          <p:cNvPr id="2060" name="Picture 12">
-            <a:extLst>
-              <a:ext uri="{FF2B5EF4-FFF2-40B4-BE49-F238E27FC236}">
-                <a16:creationId xmlns:a16="http://schemas.microsoft.com/office/drawing/2014/main" id="{A3EDB5AC-BA83-E4F5-B713-9E5B9428970E}"/>
+          <p:cNvPr id="3076" name="Picture 4">
+            <a:extLst>
+              <a:ext uri="{FF2B5EF4-FFF2-40B4-BE49-F238E27FC236}">
+                <a16:creationId xmlns:a16="http://schemas.microsoft.com/office/drawing/2014/main" id="{F865744D-EF45-05C7-A849-E27769F218D0}"/>
               </a:ext>
             </a:extLst>
           </p:cNvPr>
@@ -12332,8 +13101,8 @@
         </p:blipFill>
         <p:spPr bwMode="auto">
           <a:xfrm>
-            <a:off x="3804181" y="1246255"/>
-            <a:ext cx="2782888" cy="2273763"/>
+            <a:off x="7459134" y="3708510"/>
+            <a:ext cx="2991791" cy="2303462"/>
           </a:xfrm>
           <a:prstGeom prst="rect">
             <a:avLst/>
@@ -12350,10 +13119,151 @@
           </a:extLst>
         </p:spPr>
       </p:pic>
+      <p:pic>
+        <p:nvPicPr>
+          <p:cNvPr id="3080" name="Picture 8">
+            <a:extLst>
+              <a:ext uri="{FF2B5EF4-FFF2-40B4-BE49-F238E27FC236}">
+                <a16:creationId xmlns:a16="http://schemas.microsoft.com/office/drawing/2014/main" id="{5984C787-3F91-4BFF-97BC-9248A8D1A03F}"/>
+              </a:ext>
+            </a:extLst>
+          </p:cNvPr>
+          <p:cNvPicPr>
+            <a:picLocks noChangeAspect="1" noChangeArrowheads="1"/>
+          </p:cNvPicPr>
+          <p:nvPr/>
+        </p:nvPicPr>
+        <p:blipFill>
+          <a:blip r:embed="rId4">
+            <a:extLst>
+              <a:ext uri="{28A0092B-C50C-407E-A947-70E740481C1C}">
+                <a14:useLocalDpi xmlns:a14="http://schemas.microsoft.com/office/drawing/2010/main" val="0"/>
+              </a:ext>
+            </a:extLst>
+          </a:blip>
+          <a:srcRect/>
+          <a:stretch>
+            <a:fillRect/>
+          </a:stretch>
+        </p:blipFill>
+        <p:spPr bwMode="auto">
+          <a:xfrm>
+            <a:off x="7459062" y="1404992"/>
+            <a:ext cx="2991863" cy="2303518"/>
+          </a:xfrm>
+          <a:prstGeom prst="rect">
+            <a:avLst/>
+          </a:prstGeom>
+          <a:noFill/>
+          <a:extLst>
+            <a:ext uri="{909E8E84-426E-40DD-AFC4-6F175D3DCCD1}">
+              <a14:hiddenFill xmlns:a14="http://schemas.microsoft.com/office/drawing/2010/main">
+                <a:solidFill>
+                  <a:srgbClr val="FFFFFF"/>
+                </a:solidFill>
+              </a14:hiddenFill>
+            </a:ext>
+          </a:extLst>
+        </p:spPr>
+      </p:pic>
+      <p:pic>
+        <p:nvPicPr>
+          <p:cNvPr id="3082" name="Picture 10">
+            <a:extLst>
+              <a:ext uri="{FF2B5EF4-FFF2-40B4-BE49-F238E27FC236}">
+                <a16:creationId xmlns:a16="http://schemas.microsoft.com/office/drawing/2014/main" id="{604F5293-915D-5980-A67C-0A56BF568856}"/>
+              </a:ext>
+            </a:extLst>
+          </p:cNvPr>
+          <p:cNvPicPr>
+            <a:picLocks noChangeAspect="1" noChangeArrowheads="1"/>
+          </p:cNvPicPr>
+          <p:nvPr/>
+        </p:nvPicPr>
+        <p:blipFill>
+          <a:blip r:embed="rId5">
+            <a:extLst>
+              <a:ext uri="{28A0092B-C50C-407E-A947-70E740481C1C}">
+                <a14:useLocalDpi xmlns:a14="http://schemas.microsoft.com/office/drawing/2010/main" val="0"/>
+              </a:ext>
+            </a:extLst>
+          </a:blip>
+          <a:srcRect/>
+          <a:stretch>
+            <a:fillRect/>
+          </a:stretch>
+        </p:blipFill>
+        <p:spPr bwMode="auto">
+          <a:xfrm>
+            <a:off x="4289363" y="2664936"/>
+            <a:ext cx="2991863" cy="2303518"/>
+          </a:xfrm>
+          <a:prstGeom prst="rect">
+            <a:avLst/>
+          </a:prstGeom>
+          <a:noFill/>
+          <a:extLst>
+            <a:ext uri="{909E8E84-426E-40DD-AFC4-6F175D3DCCD1}">
+              <a14:hiddenFill xmlns:a14="http://schemas.microsoft.com/office/drawing/2010/main">
+                <a:solidFill>
+                  <a:srgbClr val="FFFFFF"/>
+                </a:solidFill>
+              </a14:hiddenFill>
+            </a:ext>
+          </a:extLst>
+        </p:spPr>
+      </p:pic>
+      <p:pic>
+        <p:nvPicPr>
+          <p:cNvPr id="3084" name="Picture 12">
+            <a:extLst>
+              <a:ext uri="{FF2B5EF4-FFF2-40B4-BE49-F238E27FC236}">
+                <a16:creationId xmlns:a16="http://schemas.microsoft.com/office/drawing/2014/main" id="{A0CB062F-DED6-0A95-2DF1-42786154B359}"/>
+              </a:ext>
+            </a:extLst>
+          </p:cNvPr>
+          <p:cNvPicPr>
+            <a:picLocks noChangeAspect="1" noChangeArrowheads="1"/>
+          </p:cNvPicPr>
+          <p:nvPr/>
+        </p:nvPicPr>
+        <p:blipFill>
+          <a:blip r:embed="rId6">
+            <a:extLst>
+              <a:ext uri="{28A0092B-C50C-407E-A947-70E740481C1C}">
+                <a14:useLocalDpi xmlns:a14="http://schemas.microsoft.com/office/drawing/2010/main" val="0"/>
+              </a:ext>
+            </a:extLst>
+          </a:blip>
+          <a:srcRect/>
+          <a:stretch>
+            <a:fillRect/>
+          </a:stretch>
+        </p:blipFill>
+        <p:spPr bwMode="auto">
+          <a:xfrm>
+            <a:off x="1038364" y="3708510"/>
+            <a:ext cx="3073092" cy="2319830"/>
+          </a:xfrm>
+          <a:prstGeom prst="rect">
+            <a:avLst/>
+          </a:prstGeom>
+          <a:noFill/>
+          <a:extLst>
+            <a:ext uri="{909E8E84-426E-40DD-AFC4-6F175D3DCCD1}">
+              <a14:hiddenFill xmlns:a14="http://schemas.microsoft.com/office/drawing/2010/main">
+                <a:solidFill>
+                  <a:srgbClr val="FFFFFF"/>
+                </a:solidFill>
+              </a14:hiddenFill>
+            </a:ext>
+          </a:extLst>
+        </p:spPr>
+      </p:pic>
     </p:spTree>
     <p:extLst>
       <p:ext uri="{BB962C8B-B14F-4D97-AF65-F5344CB8AC3E}">
-        <p14:creationId xmlns:p14="http://schemas.microsoft.com/office/powerpoint/2010/main" val="3201923503"/>
+        <p14:creationId xmlns:p14="http://schemas.microsoft.com/office/powerpoint/2010/main" val="1149067001"/>
       </p:ext>
     </p:extLst>
   </p:cSld>
@@ -12385,7 +13295,7 @@
           <p:cNvPr id="2" name="Title 1">
             <a:extLst>
               <a:ext uri="{FF2B5EF4-FFF2-40B4-BE49-F238E27FC236}">
-                <a16:creationId xmlns:a16="http://schemas.microsoft.com/office/drawing/2014/main" id="{82AF6E54-26EB-B6A8-7F36-A3DD1C7B5788}"/>
+                <a16:creationId xmlns:a16="http://schemas.microsoft.com/office/drawing/2014/main" id="{79DEEEE0-B8A6-08CE-5A61-F14A088ADC26}"/>
               </a:ext>
             </a:extLst>
           </p:cNvPr>
@@ -12408,15 +13318,250 @@
           <a:p>
             <a:r>
               <a:rPr lang="en-US" dirty="0"/>
-              <a:t>Scaling</a:t>
-            </a:r>
-          </a:p>
-        </p:txBody>
-      </p:sp>
+              <a:t>DGC vs MDE (qc, normalized)</a:t>
+            </a:r>
+          </a:p>
+        </p:txBody>
+      </p:sp>
+      <p:pic>
+        <p:nvPicPr>
+          <p:cNvPr id="4098" name="Picture 2">
+            <a:extLst>
+              <a:ext uri="{FF2B5EF4-FFF2-40B4-BE49-F238E27FC236}">
+                <a16:creationId xmlns:a16="http://schemas.microsoft.com/office/drawing/2014/main" id="{5B77B6E7-E310-1127-3EE7-4F82621D319D}"/>
+              </a:ext>
+            </a:extLst>
+          </p:cNvPr>
+          <p:cNvPicPr>
+            <a:picLocks noChangeAspect="1" noChangeArrowheads="1"/>
+          </p:cNvPicPr>
+          <p:nvPr/>
+        </p:nvPicPr>
+        <p:blipFill>
+          <a:blip r:embed="rId2">
+            <a:extLst>
+              <a:ext uri="{28A0092B-C50C-407E-A947-70E740481C1C}">
+                <a14:useLocalDpi xmlns:a14="http://schemas.microsoft.com/office/drawing/2010/main" val="0"/>
+              </a:ext>
+            </a:extLst>
+          </a:blip>
+          <a:srcRect/>
+          <a:stretch>
+            <a:fillRect/>
+          </a:stretch>
+        </p:blipFill>
+        <p:spPr bwMode="auto">
+          <a:xfrm>
+            <a:off x="1308101" y="1471169"/>
+            <a:ext cx="3009900" cy="2317405"/>
+          </a:xfrm>
+          <a:prstGeom prst="rect">
+            <a:avLst/>
+          </a:prstGeom>
+          <a:noFill/>
+          <a:extLst>
+            <a:ext uri="{909E8E84-426E-40DD-AFC4-6F175D3DCCD1}">
+              <a14:hiddenFill xmlns:a14="http://schemas.microsoft.com/office/drawing/2010/main">
+                <a:solidFill>
+                  <a:srgbClr val="FFFFFF"/>
+                </a:solidFill>
+              </a14:hiddenFill>
+            </a:ext>
+          </a:extLst>
+        </p:spPr>
+      </p:pic>
+      <p:pic>
+        <p:nvPicPr>
+          <p:cNvPr id="4100" name="Picture 4">
+            <a:extLst>
+              <a:ext uri="{FF2B5EF4-FFF2-40B4-BE49-F238E27FC236}">
+                <a16:creationId xmlns:a16="http://schemas.microsoft.com/office/drawing/2014/main" id="{FA54E4E5-8FD1-AF0C-0F41-D4EFDF5F0492}"/>
+              </a:ext>
+            </a:extLst>
+          </p:cNvPr>
+          <p:cNvPicPr>
+            <a:picLocks noChangeAspect="1" noChangeArrowheads="1"/>
+          </p:cNvPicPr>
+          <p:nvPr/>
+        </p:nvPicPr>
+        <p:blipFill>
+          <a:blip r:embed="rId3">
+            <a:extLst>
+              <a:ext uri="{28A0092B-C50C-407E-A947-70E740481C1C}">
+                <a14:useLocalDpi xmlns:a14="http://schemas.microsoft.com/office/drawing/2010/main" val="0"/>
+              </a:ext>
+            </a:extLst>
+          </a:blip>
+          <a:srcRect/>
+          <a:stretch>
+            <a:fillRect/>
+          </a:stretch>
+        </p:blipFill>
+        <p:spPr bwMode="auto">
+          <a:xfrm>
+            <a:off x="1308100" y="3788574"/>
+            <a:ext cx="3009900" cy="2317405"/>
+          </a:xfrm>
+          <a:prstGeom prst="rect">
+            <a:avLst/>
+          </a:prstGeom>
+          <a:noFill/>
+          <a:extLst>
+            <a:ext uri="{909E8E84-426E-40DD-AFC4-6F175D3DCCD1}">
+              <a14:hiddenFill xmlns:a14="http://schemas.microsoft.com/office/drawing/2010/main">
+                <a:solidFill>
+                  <a:srgbClr val="FFFFFF"/>
+                </a:solidFill>
+              </a14:hiddenFill>
+            </a:ext>
+          </a:extLst>
+        </p:spPr>
+      </p:pic>
+      <p:pic>
+        <p:nvPicPr>
+          <p:cNvPr id="4102" name="Picture 6">
+            <a:extLst>
+              <a:ext uri="{FF2B5EF4-FFF2-40B4-BE49-F238E27FC236}">
+                <a16:creationId xmlns:a16="http://schemas.microsoft.com/office/drawing/2014/main" id="{B4608CE5-B3AD-5AAE-9777-2A7A7E350972}"/>
+              </a:ext>
+            </a:extLst>
+          </p:cNvPr>
+          <p:cNvPicPr>
+            <a:picLocks noChangeAspect="1" noChangeArrowheads="1"/>
+          </p:cNvPicPr>
+          <p:nvPr/>
+        </p:nvPicPr>
+        <p:blipFill>
+          <a:blip r:embed="rId4">
+            <a:extLst>
+              <a:ext uri="{28A0092B-C50C-407E-A947-70E740481C1C}">
+                <a14:useLocalDpi xmlns:a14="http://schemas.microsoft.com/office/drawing/2010/main" val="0"/>
+              </a:ext>
+            </a:extLst>
+          </a:blip>
+          <a:srcRect/>
+          <a:stretch>
+            <a:fillRect/>
+          </a:stretch>
+        </p:blipFill>
+        <p:spPr bwMode="auto">
+          <a:xfrm>
+            <a:off x="4500032" y="2714307"/>
+            <a:ext cx="3009900" cy="2317405"/>
+          </a:xfrm>
+          <a:prstGeom prst="rect">
+            <a:avLst/>
+          </a:prstGeom>
+          <a:noFill/>
+          <a:extLst>
+            <a:ext uri="{909E8E84-426E-40DD-AFC4-6F175D3DCCD1}">
+              <a14:hiddenFill xmlns:a14="http://schemas.microsoft.com/office/drawing/2010/main">
+                <a:solidFill>
+                  <a:srgbClr val="FFFFFF"/>
+                </a:solidFill>
+              </a14:hiddenFill>
+            </a:ext>
+          </a:extLst>
+        </p:spPr>
+      </p:pic>
+      <p:pic>
+        <p:nvPicPr>
+          <p:cNvPr id="4104" name="Picture 8">
+            <a:extLst>
+              <a:ext uri="{FF2B5EF4-FFF2-40B4-BE49-F238E27FC236}">
+                <a16:creationId xmlns:a16="http://schemas.microsoft.com/office/drawing/2014/main" id="{C77A0C73-1FE1-DFBA-7771-E18115F43F39}"/>
+              </a:ext>
+            </a:extLst>
+          </p:cNvPr>
+          <p:cNvPicPr>
+            <a:picLocks noChangeAspect="1" noChangeArrowheads="1"/>
+          </p:cNvPicPr>
+          <p:nvPr/>
+        </p:nvPicPr>
+        <p:blipFill>
+          <a:blip r:embed="rId5">
+            <a:extLst>
+              <a:ext uri="{28A0092B-C50C-407E-A947-70E740481C1C}">
+                <a14:useLocalDpi xmlns:a14="http://schemas.microsoft.com/office/drawing/2010/main" val="0"/>
+              </a:ext>
+            </a:extLst>
+          </a:blip>
+          <a:srcRect/>
+          <a:stretch>
+            <a:fillRect/>
+          </a:stretch>
+        </p:blipFill>
+        <p:spPr bwMode="auto">
+          <a:xfrm>
+            <a:off x="7691967" y="1471169"/>
+            <a:ext cx="3009900" cy="2317405"/>
+          </a:xfrm>
+          <a:prstGeom prst="rect">
+            <a:avLst/>
+          </a:prstGeom>
+          <a:noFill/>
+          <a:extLst>
+            <a:ext uri="{909E8E84-426E-40DD-AFC4-6F175D3DCCD1}">
+              <a14:hiddenFill xmlns:a14="http://schemas.microsoft.com/office/drawing/2010/main">
+                <a:solidFill>
+                  <a:srgbClr val="FFFFFF"/>
+                </a:solidFill>
+              </a14:hiddenFill>
+            </a:ext>
+          </a:extLst>
+        </p:spPr>
+      </p:pic>
+      <p:pic>
+        <p:nvPicPr>
+          <p:cNvPr id="4106" name="Picture 10">
+            <a:extLst>
+              <a:ext uri="{FF2B5EF4-FFF2-40B4-BE49-F238E27FC236}">
+                <a16:creationId xmlns:a16="http://schemas.microsoft.com/office/drawing/2014/main" id="{A30033EC-F9EC-6328-ADF5-0281B17B762E}"/>
+              </a:ext>
+            </a:extLst>
+          </p:cNvPr>
+          <p:cNvPicPr>
+            <a:picLocks noChangeAspect="1" noChangeArrowheads="1"/>
+          </p:cNvPicPr>
+          <p:nvPr/>
+        </p:nvPicPr>
+        <p:blipFill>
+          <a:blip r:embed="rId6">
+            <a:extLst>
+              <a:ext uri="{28A0092B-C50C-407E-A947-70E740481C1C}">
+                <a14:useLocalDpi xmlns:a14="http://schemas.microsoft.com/office/drawing/2010/main" val="0"/>
+              </a:ext>
+            </a:extLst>
+          </a:blip>
+          <a:srcRect/>
+          <a:stretch>
+            <a:fillRect/>
+          </a:stretch>
+        </p:blipFill>
+        <p:spPr bwMode="auto">
+          <a:xfrm>
+            <a:off x="7691966" y="3788574"/>
+            <a:ext cx="3009901" cy="2317406"/>
+          </a:xfrm>
+          <a:prstGeom prst="rect">
+            <a:avLst/>
+          </a:prstGeom>
+          <a:noFill/>
+          <a:extLst>
+            <a:ext uri="{909E8E84-426E-40DD-AFC4-6F175D3DCCD1}">
+              <a14:hiddenFill xmlns:a14="http://schemas.microsoft.com/office/drawing/2010/main">
+                <a:solidFill>
+                  <a:srgbClr val="FFFFFF"/>
+                </a:solidFill>
+              </a14:hiddenFill>
+            </a:ext>
+          </a:extLst>
+        </p:spPr>
+      </p:pic>
     </p:spTree>
     <p:extLst>
       <p:ext uri="{BB962C8B-B14F-4D97-AF65-F5344CB8AC3E}">
-        <p14:creationId xmlns:p14="http://schemas.microsoft.com/office/powerpoint/2010/main" val="2026477735"/>
+        <p14:creationId xmlns:p14="http://schemas.microsoft.com/office/powerpoint/2010/main" val="1401634461"/>
       </p:ext>
     </p:extLst>
   </p:cSld>
@@ -12448,7 +13593,7 @@
           <p:cNvPr id="2" name="Title 1">
             <a:extLst>
               <a:ext uri="{FF2B5EF4-FFF2-40B4-BE49-F238E27FC236}">
-                <a16:creationId xmlns:a16="http://schemas.microsoft.com/office/drawing/2014/main" id="{307B78EC-2432-1BD8-8C37-76F224DB163A}"/>
+                <a16:creationId xmlns:a16="http://schemas.microsoft.com/office/drawing/2014/main" id="{EA385C96-C2A9-E805-3944-9CB8513BAF3F}"/>
               </a:ext>
             </a:extLst>
           </p:cNvPr>
@@ -12470,186 +13615,111 @@
           <a:lstStyle/>
           <a:p>
             <a:r>
-              <a:rPr lang="en-US" dirty="0"/>
-              <a:t>3D</a:t>
-            </a:r>
+              <a:rPr lang="en-US" dirty="0" err="1"/>
+              <a:t>Numericals</a:t>
+            </a:r>
+            <a:endParaRPr lang="en-US" dirty="0"/>
           </a:p>
         </p:txBody>
       </p:sp>
       <p:pic>
         <p:nvPicPr>
-          <p:cNvPr id="4" name="Picture 3">
-            <a:extLst>
-              <a:ext uri="{FF2B5EF4-FFF2-40B4-BE49-F238E27FC236}">
-                <a16:creationId xmlns:a16="http://schemas.microsoft.com/office/drawing/2014/main" id="{54484EF9-C50C-E397-3422-F686723534F8}"/>
+          <p:cNvPr id="2050" name="Picture 2">
+            <a:extLst>
+              <a:ext uri="{FF2B5EF4-FFF2-40B4-BE49-F238E27FC236}">
+                <a16:creationId xmlns:a16="http://schemas.microsoft.com/office/drawing/2014/main" id="{2BF9D445-F23B-D19E-2988-146124212B1E}"/>
               </a:ext>
             </a:extLst>
           </p:cNvPr>
           <p:cNvPicPr>
-            <a:picLocks noChangeAspect="1"/>
+            <a:picLocks noChangeAspect="1" noChangeArrowheads="1"/>
           </p:cNvPicPr>
           <p:nvPr/>
         </p:nvPicPr>
         <p:blipFill>
-          <a:blip r:embed="rId2"/>
+          <a:blip r:embed="rId2">
+            <a:extLst>
+              <a:ext uri="{28A0092B-C50C-407E-A947-70E740481C1C}">
+                <a14:useLocalDpi xmlns:a14="http://schemas.microsoft.com/office/drawing/2010/main" val="0"/>
+              </a:ext>
+            </a:extLst>
+          </a:blip>
+          <a:srcRect/>
           <a:stretch>
             <a:fillRect/>
           </a:stretch>
         </p:blipFill>
-        <p:spPr>
-          <a:xfrm>
-            <a:off x="1873782" y="2612496"/>
-            <a:ext cx="1438476" cy="3810532"/>
+        <p:spPr bwMode="auto">
+          <a:xfrm>
+            <a:off x="857780" y="1246255"/>
+            <a:ext cx="2782887" cy="2273762"/>
           </a:xfrm>
           <a:prstGeom prst="rect">
             <a:avLst/>
           </a:prstGeom>
+          <a:noFill/>
+          <a:extLst>
+            <a:ext uri="{909E8E84-426E-40DD-AFC4-6F175D3DCCD1}">
+              <a14:hiddenFill xmlns:a14="http://schemas.microsoft.com/office/drawing/2010/main">
+                <a:solidFill>
+                  <a:srgbClr val="FFFFFF"/>
+                </a:solidFill>
+              </a14:hiddenFill>
+            </a:ext>
+          </a:extLst>
         </p:spPr>
       </p:pic>
-      <p:sp>
-        <p:nvSpPr>
-          <p:cNvPr id="3" name="TextBox 2">
-            <a:extLst>
-              <a:ext uri="{FF2B5EF4-FFF2-40B4-BE49-F238E27FC236}">
-                <a16:creationId xmlns:a16="http://schemas.microsoft.com/office/drawing/2014/main" id="{D9C77B2E-809B-04EF-B51B-31EF16B29D52}"/>
-              </a:ext>
-            </a:extLst>
-          </p:cNvPr>
-          <p:cNvSpPr txBox="1"/>
-          <p:nvPr/>
-        </p:nvSpPr>
-        <p:spPr>
-          <a:xfrm>
-            <a:off x="1873782" y="2040467"/>
-            <a:ext cx="1557867" cy="369332"/>
-          </a:xfrm>
-          <a:prstGeom prst="rect">
-            <a:avLst/>
-          </a:prstGeom>
-          <a:noFill/>
-        </p:spPr>
-        <p:txBody>
-          <a:bodyPr wrap="square" rtlCol="0">
-            <a:spAutoFit/>
-          </a:bodyPr>
-          <a:lstStyle/>
-          <a:p>
-            <a:pPr algn="ctr"/>
-            <a:r>
-              <a:rPr lang="en-US" dirty="0" err="1"/>
-              <a:t>Lxy</a:t>
-            </a:r>
-            <a:r>
-              <a:rPr lang="en-US" dirty="0"/>
-              <a:t> = 1</a:t>
-            </a:r>
-          </a:p>
-        </p:txBody>
-      </p:sp>
       <p:pic>
         <p:nvPicPr>
-          <p:cNvPr id="6" name="Picture 5">
-            <a:extLst>
-              <a:ext uri="{FF2B5EF4-FFF2-40B4-BE49-F238E27FC236}">
-                <a16:creationId xmlns:a16="http://schemas.microsoft.com/office/drawing/2014/main" id="{21B6E10B-8ADE-762D-0AD4-62BDDB103562}"/>
+          <p:cNvPr id="2060" name="Picture 12">
+            <a:extLst>
+              <a:ext uri="{FF2B5EF4-FFF2-40B4-BE49-F238E27FC236}">
+                <a16:creationId xmlns:a16="http://schemas.microsoft.com/office/drawing/2014/main" id="{A3EDB5AC-BA83-E4F5-B713-9E5B9428970E}"/>
               </a:ext>
             </a:extLst>
           </p:cNvPr>
           <p:cNvPicPr>
-            <a:picLocks noChangeAspect="1"/>
+            <a:picLocks noChangeAspect="1" noChangeArrowheads="1"/>
           </p:cNvPicPr>
           <p:nvPr/>
         </p:nvPicPr>
         <p:blipFill>
-          <a:blip r:embed="rId3"/>
+          <a:blip r:embed="rId3">
+            <a:extLst>
+              <a:ext uri="{28A0092B-C50C-407E-A947-70E740481C1C}">
+                <a14:useLocalDpi xmlns:a14="http://schemas.microsoft.com/office/drawing/2010/main" val="0"/>
+              </a:ext>
+            </a:extLst>
+          </a:blip>
+          <a:srcRect/>
           <a:stretch>
             <a:fillRect/>
           </a:stretch>
         </p:blipFill>
-        <p:spPr>
-          <a:xfrm>
-            <a:off x="3202192" y="2451513"/>
-            <a:ext cx="2055608" cy="3971515"/>
+        <p:spPr bwMode="auto">
+          <a:xfrm>
+            <a:off x="3804181" y="1246255"/>
+            <a:ext cx="2782888" cy="2273763"/>
           </a:xfrm>
           <a:prstGeom prst="rect">
             <a:avLst/>
           </a:prstGeom>
-        </p:spPr>
-      </p:pic>
-      <p:sp>
-        <p:nvSpPr>
-          <p:cNvPr id="7" name="TextBox 6">
-            <a:extLst>
-              <a:ext uri="{FF2B5EF4-FFF2-40B4-BE49-F238E27FC236}">
-                <a16:creationId xmlns:a16="http://schemas.microsoft.com/office/drawing/2014/main" id="{A9447CCF-BA2F-5324-F5E1-3BA993D1A7E7}"/>
-              </a:ext>
-            </a:extLst>
-          </p:cNvPr>
-          <p:cNvSpPr txBox="1"/>
-          <p:nvPr/>
-        </p:nvSpPr>
-        <p:spPr>
-          <a:xfrm>
-            <a:off x="3699933" y="2040467"/>
-            <a:ext cx="1557867" cy="369332"/>
-          </a:xfrm>
-          <a:prstGeom prst="rect">
-            <a:avLst/>
-          </a:prstGeom>
           <a:noFill/>
-        </p:spPr>
-        <p:txBody>
-          <a:bodyPr wrap="square" rtlCol="0">
-            <a:spAutoFit/>
-          </a:bodyPr>
-          <a:lstStyle/>
-          <a:p>
-            <a:pPr algn="ctr"/>
-            <a:r>
-              <a:rPr lang="en-US" dirty="0" err="1"/>
-              <a:t>Lxy</a:t>
-            </a:r>
-            <a:r>
-              <a:rPr lang="en-US" dirty="0"/>
-              <a:t> = 5</a:t>
-            </a:r>
-          </a:p>
-        </p:txBody>
-      </p:sp>
-      <p:pic>
-        <p:nvPicPr>
-          <p:cNvPr id="10" name="Picture 9">
-            <a:extLst>
-              <a:ext uri="{FF2B5EF4-FFF2-40B4-BE49-F238E27FC236}">
-                <a16:creationId xmlns:a16="http://schemas.microsoft.com/office/drawing/2014/main" id="{A631F0B4-0C00-2159-D056-5D333D4B3619}"/>
-              </a:ext>
-            </a:extLst>
-          </p:cNvPr>
-          <p:cNvPicPr>
-            <a:picLocks noChangeAspect="1"/>
-          </p:cNvPicPr>
-          <p:nvPr/>
-        </p:nvPicPr>
-        <p:blipFill>
-          <a:blip r:embed="rId4"/>
-          <a:stretch>
-            <a:fillRect/>
-          </a:stretch>
-        </p:blipFill>
-        <p:spPr>
-          <a:xfrm>
-            <a:off x="11269133" y="2755339"/>
-            <a:ext cx="648283" cy="3433496"/>
-          </a:xfrm>
-          <a:prstGeom prst="rect">
-            <a:avLst/>
-          </a:prstGeom>
+          <a:extLst>
+            <a:ext uri="{909E8E84-426E-40DD-AFC4-6F175D3DCCD1}">
+              <a14:hiddenFill xmlns:a14="http://schemas.microsoft.com/office/drawing/2010/main">
+                <a:solidFill>
+                  <a:srgbClr val="FFFFFF"/>
+                </a:solidFill>
+              </a14:hiddenFill>
+            </a:ext>
+          </a:extLst>
         </p:spPr>
       </p:pic>
     </p:spTree>
     <p:extLst>
       <p:ext uri="{BB962C8B-B14F-4D97-AF65-F5344CB8AC3E}">
-        <p14:creationId xmlns:p14="http://schemas.microsoft.com/office/powerpoint/2010/main" val="2191012694"/>
+        <p14:creationId xmlns:p14="http://schemas.microsoft.com/office/powerpoint/2010/main" val="3201923503"/>
       </p:ext>
     </p:extLst>
   </p:cSld>
@@ -12678,60 +13748,10 @@
       </p:grpSpPr>
       <p:sp>
         <p:nvSpPr>
-          <p:cNvPr id="3" name="Rectangle 2">
-            <a:extLst>
-              <a:ext uri="{FF2B5EF4-FFF2-40B4-BE49-F238E27FC236}">
-                <a16:creationId xmlns:a16="http://schemas.microsoft.com/office/drawing/2014/main" id="{71CF4EBC-2AC9-0A12-EC0B-C0390BA9A8BE}"/>
-              </a:ext>
-            </a:extLst>
-          </p:cNvPr>
-          <p:cNvSpPr/>
-          <p:nvPr/>
-        </p:nvSpPr>
-        <p:spPr>
-          <a:xfrm>
-            <a:off x="381000" y="533400"/>
-            <a:ext cx="11430000" cy="6036733"/>
-          </a:xfrm>
-          <a:prstGeom prst="rect">
-            <a:avLst/>
-          </a:prstGeom>
-        </p:spPr>
-        <p:style>
-          <a:lnRef idx="2">
-            <a:schemeClr val="accent1">
-              <a:shade val="15000"/>
-            </a:schemeClr>
-          </a:lnRef>
-          <a:fillRef idx="1">
-            <a:schemeClr val="accent1"/>
-          </a:fillRef>
-          <a:effectRef idx="0">
-            <a:schemeClr val="accent1"/>
-          </a:effectRef>
-          <a:fontRef idx="minor">
-            <a:schemeClr val="lt1"/>
-          </a:fontRef>
-        </p:style>
-        <p:txBody>
-          <a:bodyPr rtlCol="0" anchor="ctr"/>
-          <a:lstStyle/>
-          <a:p>
-            <a:pPr algn="ctr"/>
-            <a:endParaRPr lang="en-US" b="1">
-              <a:solidFill>
-                <a:srgbClr val="C00000"/>
-              </a:solidFill>
-            </a:endParaRPr>
-          </a:p>
-        </p:txBody>
-      </p:sp>
-      <p:sp>
-        <p:nvSpPr>
           <p:cNvPr id="2" name="Title 1">
             <a:extLst>
               <a:ext uri="{FF2B5EF4-FFF2-40B4-BE49-F238E27FC236}">
-                <a16:creationId xmlns:a16="http://schemas.microsoft.com/office/drawing/2014/main" id="{7E4902D3-15DC-06FA-7695-C716DCAD16FC}"/>
+                <a16:creationId xmlns:a16="http://schemas.microsoft.com/office/drawing/2014/main" id="{82AF6E54-26EB-B6A8-7F36-A3DD1C7B5788}"/>
               </a:ext>
             </a:extLst>
           </p:cNvPr>
@@ -12744,7 +13764,7 @@
         </p:nvSpPr>
         <p:spPr>
           <a:xfrm>
-            <a:off x="719667" y="2583392"/>
+            <a:off x="0" y="0"/>
             <a:ext cx="10515600" cy="1325563"/>
           </a:xfrm>
         </p:spPr>
@@ -12753,12 +13773,8 @@
           <a:lstStyle/>
           <a:p>
             <a:r>
-              <a:rPr lang="en-US" b="1" dirty="0">
-                <a:solidFill>
-                  <a:srgbClr val="C00000"/>
-                </a:solidFill>
-              </a:rPr>
-              <a:t>OLD</a:t>
+              <a:rPr lang="en-US" dirty="0"/>
+              <a:t>Scaling</a:t>
             </a:r>
           </a:p>
         </p:txBody>
@@ -12766,7 +13782,7 @@
     </p:spTree>
     <p:extLst>
       <p:ext uri="{BB962C8B-B14F-4D97-AF65-F5344CB8AC3E}">
-        <p14:creationId xmlns:p14="http://schemas.microsoft.com/office/powerpoint/2010/main" val="2062239696"/>
+        <p14:creationId xmlns:p14="http://schemas.microsoft.com/office/powerpoint/2010/main" val="2026477735"/>
       </p:ext>
     </p:extLst>
   </p:cSld>
@@ -12798,7 +13814,7 @@
           <p:cNvPr id="2" name="Title 1">
             <a:extLst>
               <a:ext uri="{FF2B5EF4-FFF2-40B4-BE49-F238E27FC236}">
-                <a16:creationId xmlns:a16="http://schemas.microsoft.com/office/drawing/2014/main" id="{C9A5D13E-C0B9-231A-976A-1444B9DF9C26}"/>
+                <a16:creationId xmlns:a16="http://schemas.microsoft.com/office/drawing/2014/main" id="{307B78EC-2432-1BD8-8C37-76F224DB163A}"/>
               </a:ext>
             </a:extLst>
           </p:cNvPr>
@@ -12811,7 +13827,7 @@
         </p:nvSpPr>
         <p:spPr>
           <a:xfrm>
-            <a:off x="1075267" y="2766218"/>
+            <a:off x="0" y="0"/>
             <a:ext cx="10515600" cy="1325563"/>
           </a:xfrm>
         </p:spPr>
@@ -12820,16 +13836,186 @@
           <a:lstStyle/>
           <a:p>
             <a:r>
-              <a:rPr lang="en-US" b="1" dirty="0"/>
-              <a:t>Annealed</a:t>
-            </a:r>
-          </a:p>
-        </p:txBody>
-      </p:sp>
+              <a:rPr lang="en-US" dirty="0"/>
+              <a:t>3D</a:t>
+            </a:r>
+          </a:p>
+        </p:txBody>
+      </p:sp>
+      <p:pic>
+        <p:nvPicPr>
+          <p:cNvPr id="4" name="Picture 3">
+            <a:extLst>
+              <a:ext uri="{FF2B5EF4-FFF2-40B4-BE49-F238E27FC236}">
+                <a16:creationId xmlns:a16="http://schemas.microsoft.com/office/drawing/2014/main" id="{54484EF9-C50C-E397-3422-F686723534F8}"/>
+              </a:ext>
+            </a:extLst>
+          </p:cNvPr>
+          <p:cNvPicPr>
+            <a:picLocks noChangeAspect="1"/>
+          </p:cNvPicPr>
+          <p:nvPr/>
+        </p:nvPicPr>
+        <p:blipFill>
+          <a:blip r:embed="rId2"/>
+          <a:stretch>
+            <a:fillRect/>
+          </a:stretch>
+        </p:blipFill>
+        <p:spPr>
+          <a:xfrm>
+            <a:off x="1873782" y="2612496"/>
+            <a:ext cx="1438476" cy="3810532"/>
+          </a:xfrm>
+          <a:prstGeom prst="rect">
+            <a:avLst/>
+          </a:prstGeom>
+        </p:spPr>
+      </p:pic>
+      <p:sp>
+        <p:nvSpPr>
+          <p:cNvPr id="3" name="TextBox 2">
+            <a:extLst>
+              <a:ext uri="{FF2B5EF4-FFF2-40B4-BE49-F238E27FC236}">
+                <a16:creationId xmlns:a16="http://schemas.microsoft.com/office/drawing/2014/main" id="{D9C77B2E-809B-04EF-B51B-31EF16B29D52}"/>
+              </a:ext>
+            </a:extLst>
+          </p:cNvPr>
+          <p:cNvSpPr txBox="1"/>
+          <p:nvPr/>
+        </p:nvSpPr>
+        <p:spPr>
+          <a:xfrm>
+            <a:off x="1873782" y="2040467"/>
+            <a:ext cx="1557867" cy="369332"/>
+          </a:xfrm>
+          <a:prstGeom prst="rect">
+            <a:avLst/>
+          </a:prstGeom>
+          <a:noFill/>
+        </p:spPr>
+        <p:txBody>
+          <a:bodyPr wrap="square" rtlCol="0">
+            <a:spAutoFit/>
+          </a:bodyPr>
+          <a:lstStyle/>
+          <a:p>
+            <a:pPr algn="ctr"/>
+            <a:r>
+              <a:rPr lang="en-US" dirty="0" err="1"/>
+              <a:t>Lxy</a:t>
+            </a:r>
+            <a:r>
+              <a:rPr lang="en-US" dirty="0"/>
+              <a:t> = 1</a:t>
+            </a:r>
+          </a:p>
+        </p:txBody>
+      </p:sp>
+      <p:pic>
+        <p:nvPicPr>
+          <p:cNvPr id="6" name="Picture 5">
+            <a:extLst>
+              <a:ext uri="{FF2B5EF4-FFF2-40B4-BE49-F238E27FC236}">
+                <a16:creationId xmlns:a16="http://schemas.microsoft.com/office/drawing/2014/main" id="{21B6E10B-8ADE-762D-0AD4-62BDDB103562}"/>
+              </a:ext>
+            </a:extLst>
+          </p:cNvPr>
+          <p:cNvPicPr>
+            <a:picLocks noChangeAspect="1"/>
+          </p:cNvPicPr>
+          <p:nvPr/>
+        </p:nvPicPr>
+        <p:blipFill>
+          <a:blip r:embed="rId3"/>
+          <a:stretch>
+            <a:fillRect/>
+          </a:stretch>
+        </p:blipFill>
+        <p:spPr>
+          <a:xfrm>
+            <a:off x="3202192" y="2451513"/>
+            <a:ext cx="2055608" cy="3971515"/>
+          </a:xfrm>
+          <a:prstGeom prst="rect">
+            <a:avLst/>
+          </a:prstGeom>
+        </p:spPr>
+      </p:pic>
+      <p:sp>
+        <p:nvSpPr>
+          <p:cNvPr id="7" name="TextBox 6">
+            <a:extLst>
+              <a:ext uri="{FF2B5EF4-FFF2-40B4-BE49-F238E27FC236}">
+                <a16:creationId xmlns:a16="http://schemas.microsoft.com/office/drawing/2014/main" id="{A9447CCF-BA2F-5324-F5E1-3BA993D1A7E7}"/>
+              </a:ext>
+            </a:extLst>
+          </p:cNvPr>
+          <p:cNvSpPr txBox="1"/>
+          <p:nvPr/>
+        </p:nvSpPr>
+        <p:spPr>
+          <a:xfrm>
+            <a:off x="3699933" y="2040467"/>
+            <a:ext cx="1557867" cy="369332"/>
+          </a:xfrm>
+          <a:prstGeom prst="rect">
+            <a:avLst/>
+          </a:prstGeom>
+          <a:noFill/>
+        </p:spPr>
+        <p:txBody>
+          <a:bodyPr wrap="square" rtlCol="0">
+            <a:spAutoFit/>
+          </a:bodyPr>
+          <a:lstStyle/>
+          <a:p>
+            <a:pPr algn="ctr"/>
+            <a:r>
+              <a:rPr lang="en-US" dirty="0" err="1"/>
+              <a:t>Lxy</a:t>
+            </a:r>
+            <a:r>
+              <a:rPr lang="en-US" dirty="0"/>
+              <a:t> = 5</a:t>
+            </a:r>
+          </a:p>
+        </p:txBody>
+      </p:sp>
+      <p:pic>
+        <p:nvPicPr>
+          <p:cNvPr id="10" name="Picture 9">
+            <a:extLst>
+              <a:ext uri="{FF2B5EF4-FFF2-40B4-BE49-F238E27FC236}">
+                <a16:creationId xmlns:a16="http://schemas.microsoft.com/office/drawing/2014/main" id="{A631F0B4-0C00-2159-D056-5D333D4B3619}"/>
+              </a:ext>
+            </a:extLst>
+          </p:cNvPr>
+          <p:cNvPicPr>
+            <a:picLocks noChangeAspect="1"/>
+          </p:cNvPicPr>
+          <p:nvPr/>
+        </p:nvPicPr>
+        <p:blipFill>
+          <a:blip r:embed="rId4"/>
+          <a:stretch>
+            <a:fillRect/>
+          </a:stretch>
+        </p:blipFill>
+        <p:spPr>
+          <a:xfrm>
+            <a:off x="11269133" y="2755339"/>
+            <a:ext cx="648283" cy="3433496"/>
+          </a:xfrm>
+          <a:prstGeom prst="rect">
+            <a:avLst/>
+          </a:prstGeom>
+        </p:spPr>
+      </p:pic>
     </p:spTree>
     <p:extLst>
       <p:ext uri="{BB962C8B-B14F-4D97-AF65-F5344CB8AC3E}">
-        <p14:creationId xmlns:p14="http://schemas.microsoft.com/office/powerpoint/2010/main" val="2319703746"/>
+        <p14:creationId xmlns:p14="http://schemas.microsoft.com/office/powerpoint/2010/main" val="2191012694"/>
       </p:ext>
     </p:extLst>
   </p:cSld>
@@ -12856,42 +14042,62 @@
           <a:chExt cx="0" cy="0"/>
         </a:xfrm>
       </p:grpSpPr>
-      <p:pic>
-        <p:nvPicPr>
-          <p:cNvPr id="39" name="Picture 38">
-            <a:extLst>
-              <a:ext uri="{FF2B5EF4-FFF2-40B4-BE49-F238E27FC236}">
-                <a16:creationId xmlns:a16="http://schemas.microsoft.com/office/drawing/2014/main" id="{4C88C2AF-DEC6-523E-1CCC-807F741EB3BF}"/>
-              </a:ext>
-            </a:extLst>
-          </p:cNvPr>
-          <p:cNvPicPr>
-            <a:picLocks noChangeAspect="1"/>
-          </p:cNvPicPr>
-          <p:nvPr/>
-        </p:nvPicPr>
-        <p:blipFill>
-          <a:blip r:embed="rId2"/>
-          <a:stretch>
-            <a:fillRect/>
-          </a:stretch>
-        </p:blipFill>
-        <p:spPr>
-          <a:xfrm>
-            <a:off x="587949" y="1572147"/>
-            <a:ext cx="4711771" cy="2601290"/>
+      <p:sp>
+        <p:nvSpPr>
+          <p:cNvPr id="3" name="Rectangle 2">
+            <a:extLst>
+              <a:ext uri="{FF2B5EF4-FFF2-40B4-BE49-F238E27FC236}">
+                <a16:creationId xmlns:a16="http://schemas.microsoft.com/office/drawing/2014/main" id="{71CF4EBC-2AC9-0A12-EC0B-C0390BA9A8BE}"/>
+              </a:ext>
+            </a:extLst>
+          </p:cNvPr>
+          <p:cNvSpPr/>
+          <p:nvPr/>
+        </p:nvSpPr>
+        <p:spPr>
+          <a:xfrm>
+            <a:off x="381000" y="533400"/>
+            <a:ext cx="11430000" cy="6036733"/>
           </a:xfrm>
           <a:prstGeom prst="rect">
             <a:avLst/>
           </a:prstGeom>
         </p:spPr>
-      </p:pic>
+        <p:style>
+          <a:lnRef idx="2">
+            <a:schemeClr val="accent1">
+              <a:shade val="15000"/>
+            </a:schemeClr>
+          </a:lnRef>
+          <a:fillRef idx="1">
+            <a:schemeClr val="accent1"/>
+          </a:fillRef>
+          <a:effectRef idx="0">
+            <a:schemeClr val="accent1"/>
+          </a:effectRef>
+          <a:fontRef idx="minor">
+            <a:schemeClr val="lt1"/>
+          </a:fontRef>
+        </p:style>
+        <p:txBody>
+          <a:bodyPr rtlCol="0" anchor="ctr"/>
+          <a:lstStyle/>
+          <a:p>
+            <a:pPr algn="ctr"/>
+            <a:endParaRPr lang="en-US" b="1">
+              <a:solidFill>
+                <a:srgbClr val="C00000"/>
+              </a:solidFill>
+            </a:endParaRPr>
+          </a:p>
+        </p:txBody>
+      </p:sp>
       <p:sp>
         <p:nvSpPr>
           <p:cNvPr id="2" name="Title 1">
             <a:extLst>
               <a:ext uri="{FF2B5EF4-FFF2-40B4-BE49-F238E27FC236}">
-                <a16:creationId xmlns:a16="http://schemas.microsoft.com/office/drawing/2014/main" id="{C85E3C9C-7526-B303-905F-886077E16C39}"/>
+                <a16:creationId xmlns:a16="http://schemas.microsoft.com/office/drawing/2014/main" id="{7E4902D3-15DC-06FA-7695-C716DCAD16FC}"/>
               </a:ext>
             </a:extLst>
           </p:cNvPr>
@@ -12904,8 +14110,8 @@
         </p:nvSpPr>
         <p:spPr>
           <a:xfrm>
-            <a:off x="838200" y="52343"/>
-            <a:ext cx="10515600" cy="771267"/>
+            <a:off x="719667" y="2583392"/>
+            <a:ext cx="10515600" cy="1325563"/>
           </a:xfrm>
         </p:spPr>
         <p:txBody>
@@ -12913,442 +14119,12 @@
           <a:lstStyle/>
           <a:p>
             <a:r>
-              <a:rPr lang="en-US" dirty="0"/>
-              <a:t>z-</a:t>
-            </a:r>
-            <a:r>
-              <a:rPr lang="en-US" b="1" dirty="0"/>
-              <a:t>FFT</a:t>
-            </a:r>
-            <a:r>
-              <a:rPr lang="en-US" dirty="0"/>
-              <a:t> vs z-</a:t>
-            </a:r>
-            <a:r>
-              <a:rPr lang="en-US" b="1" dirty="0"/>
-              <a:t>FD</a:t>
-            </a:r>
-            <a:r>
-              <a:rPr lang="en-US" dirty="0"/>
-              <a:t> (MDE) – REDFT01 </a:t>
-            </a:r>
-            <a:r>
-              <a:rPr lang="en-US" dirty="0" err="1"/>
-              <a:t>xy</a:t>
-            </a:r>
-            <a:r>
-              <a:rPr lang="en-US" dirty="0"/>
-              <a:t>(z)</a:t>
-            </a:r>
-          </a:p>
-        </p:txBody>
-      </p:sp>
-      <p:sp>
-        <p:nvSpPr>
-          <p:cNvPr id="3" name="TextBox 2">
-            <a:extLst>
-              <a:ext uri="{FF2B5EF4-FFF2-40B4-BE49-F238E27FC236}">
-                <a16:creationId xmlns:a16="http://schemas.microsoft.com/office/drawing/2014/main" id="{99A2CDED-1526-FA46-5D91-2DC74B6F0C37}"/>
-              </a:ext>
-            </a:extLst>
-          </p:cNvPr>
-          <p:cNvSpPr txBox="1"/>
-          <p:nvPr/>
-        </p:nvSpPr>
-        <p:spPr>
-          <a:xfrm>
-            <a:off x="838200" y="851504"/>
-            <a:ext cx="7010401" cy="646331"/>
-          </a:xfrm>
-          <a:prstGeom prst="rect">
-            <a:avLst/>
-          </a:prstGeom>
-          <a:noFill/>
-        </p:spPr>
-        <p:txBody>
-          <a:bodyPr wrap="square" rtlCol="0">
-            <a:spAutoFit/>
-          </a:bodyPr>
-          <a:lstStyle/>
-          <a:p>
-            <a:r>
-              <a:rPr lang="en-US" dirty="0"/>
-              <a:t>Lx = 5, Ly = 5, </a:t>
-            </a:r>
-            <a:r>
-              <a:rPr lang="en-US" dirty="0" err="1"/>
-              <a:t>Lz</a:t>
-            </a:r>
-            <a:r>
-              <a:rPr lang="en-US" dirty="0"/>
-              <a:t> = 50. s = 0.02. x = 0.75. a = 0.00, N = 50</a:t>
-            </a:r>
-          </a:p>
-          <a:p>
-            <a:r>
-              <a:rPr lang="en-US" dirty="0"/>
-              <a:t>3D vs 1D (dashed): </a:t>
-            </a:r>
-            <a:r>
-              <a:rPr lang="en-US" dirty="0" err="1"/>
-              <a:t>dz</a:t>
-            </a:r>
-            <a:r>
-              <a:rPr lang="en-US" dirty="0"/>
-              <a:t> = 0.5, ds = 0.20; dz_1D = 0.113, ds_1D = 0.083</a:t>
-            </a:r>
-          </a:p>
-        </p:txBody>
-      </p:sp>
-      <p:sp>
-        <p:nvSpPr>
-          <p:cNvPr id="20" name="TextBox 19">
-            <a:extLst>
-              <a:ext uri="{FF2B5EF4-FFF2-40B4-BE49-F238E27FC236}">
-                <a16:creationId xmlns:a16="http://schemas.microsoft.com/office/drawing/2014/main" id="{F67FA53E-0EE8-AAF7-18FE-84614DDB84DE}"/>
-              </a:ext>
-            </a:extLst>
-          </p:cNvPr>
-          <p:cNvSpPr txBox="1"/>
-          <p:nvPr/>
-        </p:nvSpPr>
-        <p:spPr>
-          <a:xfrm>
-            <a:off x="5465389" y="2872792"/>
-            <a:ext cx="1618272" cy="369332"/>
-          </a:xfrm>
-          <a:prstGeom prst="rect">
-            <a:avLst/>
-          </a:prstGeom>
-          <a:noFill/>
-        </p:spPr>
-        <p:txBody>
-          <a:bodyPr wrap="square" rtlCol="0">
-            <a:spAutoFit/>
-          </a:bodyPr>
-          <a:lstStyle/>
-          <a:p>
-            <a:r>
-              <a:rPr lang="en-US" dirty="0"/>
-              <a:t>FFT (</a:t>
-            </a:r>
-            <a:r>
-              <a:rPr lang="en-US" dirty="0" err="1"/>
-              <a:t>yz</a:t>
-            </a:r>
-            <a:r>
-              <a:rPr lang="en-US" dirty="0"/>
-              <a:t> vs </a:t>
-            </a:r>
-            <a:r>
-              <a:rPr lang="en-US" dirty="0" err="1"/>
-              <a:t>pha</a:t>
-            </a:r>
-            <a:r>
-              <a:rPr lang="en-US" dirty="0"/>
-              <a:t>)</a:t>
-            </a:r>
-          </a:p>
-        </p:txBody>
-      </p:sp>
-      <p:sp>
-        <p:nvSpPr>
-          <p:cNvPr id="21" name="TextBox 20">
-            <a:extLst>
-              <a:ext uri="{FF2B5EF4-FFF2-40B4-BE49-F238E27FC236}">
-                <a16:creationId xmlns:a16="http://schemas.microsoft.com/office/drawing/2014/main" id="{8975F4F8-1D5E-2B6C-439A-E0008683786D}"/>
-              </a:ext>
-            </a:extLst>
-          </p:cNvPr>
-          <p:cNvSpPr txBox="1"/>
-          <p:nvPr/>
-        </p:nvSpPr>
-        <p:spPr>
-          <a:xfrm>
-            <a:off x="5526850" y="5125257"/>
-            <a:ext cx="1580774" cy="369332"/>
-          </a:xfrm>
-          <a:prstGeom prst="rect">
-            <a:avLst/>
-          </a:prstGeom>
-          <a:noFill/>
-        </p:spPr>
-        <p:txBody>
-          <a:bodyPr wrap="square" rtlCol="0">
-            <a:spAutoFit/>
-          </a:bodyPr>
-          <a:lstStyle/>
-          <a:p>
-            <a:r>
-              <a:rPr lang="en-US" dirty="0"/>
-              <a:t>FD (</a:t>
-            </a:r>
-            <a:r>
-              <a:rPr lang="en-US" dirty="0" err="1"/>
-              <a:t>yz</a:t>
-            </a:r>
-            <a:r>
-              <a:rPr lang="en-US" dirty="0"/>
-              <a:t> vs </a:t>
-            </a:r>
-            <a:r>
-              <a:rPr lang="en-US" dirty="0" err="1"/>
-              <a:t>pha</a:t>
-            </a:r>
-            <a:r>
-              <a:rPr lang="en-US" dirty="0"/>
-              <a:t>)</a:t>
-            </a:r>
-          </a:p>
-        </p:txBody>
-      </p:sp>
-      <p:pic>
-        <p:nvPicPr>
-          <p:cNvPr id="25" name="Picture 24">
-            <a:extLst>
-              <a:ext uri="{FF2B5EF4-FFF2-40B4-BE49-F238E27FC236}">
-                <a16:creationId xmlns:a16="http://schemas.microsoft.com/office/drawing/2014/main" id="{BFB8AF76-977E-BF34-4D5F-6F1115EF2823}"/>
-              </a:ext>
-            </a:extLst>
-          </p:cNvPr>
-          <p:cNvPicPr>
-            <a:picLocks noChangeAspect="1"/>
-          </p:cNvPicPr>
-          <p:nvPr/>
-        </p:nvPicPr>
-        <p:blipFill>
-          <a:blip r:embed="rId3"/>
-          <a:stretch>
-            <a:fillRect/>
-          </a:stretch>
-        </p:blipFill>
-        <p:spPr>
-          <a:xfrm>
-            <a:off x="7276364" y="4360365"/>
-            <a:ext cx="2924742" cy="2424728"/>
-          </a:xfrm>
-          <a:prstGeom prst="rect">
-            <a:avLst/>
-          </a:prstGeom>
-        </p:spPr>
-      </p:pic>
-      <p:pic>
-        <p:nvPicPr>
-          <p:cNvPr id="27" name="Picture 26">
-            <a:extLst>
-              <a:ext uri="{FF2B5EF4-FFF2-40B4-BE49-F238E27FC236}">
-                <a16:creationId xmlns:a16="http://schemas.microsoft.com/office/drawing/2014/main" id="{277F92A0-71CE-490F-B258-ED7EC95866E9}"/>
-              </a:ext>
-            </a:extLst>
-          </p:cNvPr>
-          <p:cNvPicPr>
-            <a:picLocks noChangeAspect="1"/>
-          </p:cNvPicPr>
-          <p:nvPr/>
-        </p:nvPicPr>
-        <p:blipFill>
-          <a:blip r:embed="rId4"/>
-          <a:stretch>
-            <a:fillRect/>
-          </a:stretch>
-        </p:blipFill>
-        <p:spPr>
-          <a:xfrm>
-            <a:off x="10402909" y="2613996"/>
-            <a:ext cx="494780" cy="2823542"/>
-          </a:xfrm>
-          <a:prstGeom prst="rect">
-            <a:avLst/>
-          </a:prstGeom>
-        </p:spPr>
-      </p:pic>
-      <p:sp>
-        <p:nvSpPr>
-          <p:cNvPr id="28" name="TextBox 27">
-            <a:extLst>
-              <a:ext uri="{FF2B5EF4-FFF2-40B4-BE49-F238E27FC236}">
-                <a16:creationId xmlns:a16="http://schemas.microsoft.com/office/drawing/2014/main" id="{209381BF-3B92-7C87-83D1-6D10AFC3C731}"/>
-              </a:ext>
-            </a:extLst>
-          </p:cNvPr>
-          <p:cNvSpPr txBox="1"/>
-          <p:nvPr/>
-        </p:nvSpPr>
-        <p:spPr>
-          <a:xfrm>
-            <a:off x="8289087" y="4206848"/>
-            <a:ext cx="1286933" cy="369332"/>
-          </a:xfrm>
-          <a:prstGeom prst="rect">
-            <a:avLst/>
-          </a:prstGeom>
-          <a:noFill/>
-        </p:spPr>
-        <p:txBody>
-          <a:bodyPr wrap="square" rtlCol="0">
-            <a:spAutoFit/>
-          </a:bodyPr>
-          <a:lstStyle/>
-          <a:p>
-            <a:pPr algn="ctr"/>
-            <a:r>
-              <a:rPr lang="en-US" dirty="0"/>
-              <a:t>FD (</a:t>
-            </a:r>
-            <a:r>
-              <a:rPr lang="en-US" dirty="0" err="1"/>
-              <a:t>xyz</a:t>
-            </a:r>
-            <a:r>
-              <a:rPr lang="en-US" dirty="0"/>
-              <a:t>)</a:t>
-            </a:r>
-          </a:p>
-        </p:txBody>
-      </p:sp>
-      <p:pic>
-        <p:nvPicPr>
-          <p:cNvPr id="30" name="Picture 29">
-            <a:extLst>
-              <a:ext uri="{FF2B5EF4-FFF2-40B4-BE49-F238E27FC236}">
-                <a16:creationId xmlns:a16="http://schemas.microsoft.com/office/drawing/2014/main" id="{78FFD473-8BB3-1A61-FCA5-1FC80C0BC590}"/>
-              </a:ext>
-            </a:extLst>
-          </p:cNvPr>
-          <p:cNvPicPr>
-            <a:picLocks noChangeAspect="1"/>
-          </p:cNvPicPr>
-          <p:nvPr/>
-        </p:nvPicPr>
-        <p:blipFill>
-          <a:blip r:embed="rId5"/>
-          <a:stretch>
-            <a:fillRect/>
-          </a:stretch>
-        </p:blipFill>
-        <p:spPr>
-          <a:xfrm>
-            <a:off x="7217123" y="1758796"/>
-            <a:ext cx="2924741" cy="2400807"/>
-          </a:xfrm>
-          <a:prstGeom prst="rect">
-            <a:avLst/>
-          </a:prstGeom>
-        </p:spPr>
-      </p:pic>
-      <p:sp>
-        <p:nvSpPr>
-          <p:cNvPr id="31" name="TextBox 30">
-            <a:extLst>
-              <a:ext uri="{FF2B5EF4-FFF2-40B4-BE49-F238E27FC236}">
-                <a16:creationId xmlns:a16="http://schemas.microsoft.com/office/drawing/2014/main" id="{18ED4AF3-A406-8565-DA72-D4AD2194F5BA}"/>
-              </a:ext>
-            </a:extLst>
-          </p:cNvPr>
-          <p:cNvSpPr txBox="1"/>
-          <p:nvPr/>
-        </p:nvSpPr>
-        <p:spPr>
-          <a:xfrm>
-            <a:off x="8207324" y="1542436"/>
-            <a:ext cx="1286933" cy="369332"/>
-          </a:xfrm>
-          <a:prstGeom prst="rect">
-            <a:avLst/>
-          </a:prstGeom>
-          <a:noFill/>
-        </p:spPr>
-        <p:txBody>
-          <a:bodyPr wrap="square" rtlCol="0">
-            <a:spAutoFit/>
-          </a:bodyPr>
-          <a:lstStyle/>
-          <a:p>
-            <a:pPr algn="ctr"/>
-            <a:r>
-              <a:rPr lang="en-US" dirty="0"/>
-              <a:t>FFT (</a:t>
-            </a:r>
-            <a:r>
-              <a:rPr lang="en-US" dirty="0" err="1"/>
-              <a:t>xyz</a:t>
-            </a:r>
-            <a:r>
-              <a:rPr lang="en-US" dirty="0"/>
-              <a:t>)</a:t>
-            </a:r>
-          </a:p>
-        </p:txBody>
-      </p:sp>
-      <p:pic>
-        <p:nvPicPr>
-          <p:cNvPr id="37" name="Picture 36">
-            <a:extLst>
-              <a:ext uri="{FF2B5EF4-FFF2-40B4-BE49-F238E27FC236}">
-                <a16:creationId xmlns:a16="http://schemas.microsoft.com/office/drawing/2014/main" id="{326FE1D3-8C41-0A8E-0D9D-230751971410}"/>
-              </a:ext>
-            </a:extLst>
-          </p:cNvPr>
-          <p:cNvPicPr>
-            <a:picLocks noChangeAspect="1"/>
-          </p:cNvPicPr>
-          <p:nvPr/>
-        </p:nvPicPr>
-        <p:blipFill>
-          <a:blip r:embed="rId6"/>
-          <a:stretch>
-            <a:fillRect/>
-          </a:stretch>
-        </p:blipFill>
-        <p:spPr>
-          <a:xfrm>
-            <a:off x="600120" y="3922530"/>
-            <a:ext cx="4724927" cy="2698398"/>
-          </a:xfrm>
-          <a:prstGeom prst="rect">
-            <a:avLst/>
-          </a:prstGeom>
-        </p:spPr>
-      </p:pic>
-      <p:sp>
-        <p:nvSpPr>
-          <p:cNvPr id="4" name="TextBox 3">
-            <a:extLst>
-              <a:ext uri="{FF2B5EF4-FFF2-40B4-BE49-F238E27FC236}">
-                <a16:creationId xmlns:a16="http://schemas.microsoft.com/office/drawing/2014/main" id="{5356C493-0AA9-FE35-035D-D1AAD53C4DDF}"/>
-              </a:ext>
-            </a:extLst>
-          </p:cNvPr>
-          <p:cNvSpPr txBox="1"/>
-          <p:nvPr/>
-        </p:nvSpPr>
-        <p:spPr>
-          <a:xfrm>
-            <a:off x="3716868" y="6488668"/>
-            <a:ext cx="4086672" cy="369332"/>
-          </a:xfrm>
-          <a:prstGeom prst="rect">
-            <a:avLst/>
-          </a:prstGeom>
-          <a:noFill/>
-        </p:spPr>
-        <p:txBody>
-          <a:bodyPr wrap="square" rtlCol="0">
-            <a:spAutoFit/>
-          </a:bodyPr>
-          <a:lstStyle/>
-          <a:p>
-            <a:r>
-              <a:rPr lang="en-US" dirty="0"/>
-              <a:t>Diff btw 1D/3D should just be </a:t>
-            </a:r>
-            <a:r>
-              <a:rPr lang="en-US" dirty="0" err="1"/>
-              <a:t>dz</a:t>
-            </a:r>
-            <a:r>
-              <a:rPr lang="en-US" dirty="0"/>
-              <a:t>, ds, etc.</a:t>
+              <a:rPr lang="en-US" b="1" dirty="0">
+                <a:solidFill>
+                  <a:srgbClr val="C00000"/>
+                </a:solidFill>
+              </a:rPr>
+              <a:t>OLD</a:t>
             </a:r>
           </a:p>
         </p:txBody>
@@ -13356,7 +14132,7 @@
     </p:spTree>
     <p:extLst>
       <p:ext uri="{BB962C8B-B14F-4D97-AF65-F5344CB8AC3E}">
-        <p14:creationId xmlns:p14="http://schemas.microsoft.com/office/powerpoint/2010/main" val="2184982505"/>
+        <p14:creationId xmlns:p14="http://schemas.microsoft.com/office/powerpoint/2010/main" val="2062239696"/>
       </p:ext>
     </p:extLst>
   </p:cSld>
@@ -13388,7 +14164,7 @@
           <p:cNvPr id="2" name="Title 1">
             <a:extLst>
               <a:ext uri="{FF2B5EF4-FFF2-40B4-BE49-F238E27FC236}">
-                <a16:creationId xmlns:a16="http://schemas.microsoft.com/office/drawing/2014/main" id="{5E38BF11-AEEF-D0B7-B29E-E0619F8C79B5}"/>
+                <a16:creationId xmlns:a16="http://schemas.microsoft.com/office/drawing/2014/main" id="{C9A5D13E-C0B9-231A-976A-1444B9DF9C26}"/>
               </a:ext>
             </a:extLst>
           </p:cNvPr>
@@ -13401,8 +14177,8 @@
         </p:nvSpPr>
         <p:spPr>
           <a:xfrm>
-            <a:off x="838200" y="0"/>
-            <a:ext cx="10515600" cy="787399"/>
+            <a:off x="1075267" y="2766218"/>
+            <a:ext cx="10515600" cy="1325563"/>
           </a:xfrm>
         </p:spPr>
         <p:txBody>
@@ -13410,116 +14186,8 @@
           <a:lstStyle/>
           <a:p>
             <a:r>
-              <a:rPr lang="en-US" dirty="0"/>
-              <a:t>PB: REDFT00 (x= -0.5) vs REDFT01 (x=0)</a:t>
-            </a:r>
-          </a:p>
-        </p:txBody>
-      </p:sp>
-      <p:sp>
-        <p:nvSpPr>
-          <p:cNvPr id="3" name="TextBox 2">
-            <a:extLst>
-              <a:ext uri="{FF2B5EF4-FFF2-40B4-BE49-F238E27FC236}">
-                <a16:creationId xmlns:a16="http://schemas.microsoft.com/office/drawing/2014/main" id="{C4175332-F274-8C4E-7D00-0C1093C6E3A7}"/>
-              </a:ext>
-            </a:extLst>
-          </p:cNvPr>
-          <p:cNvSpPr txBox="1"/>
-          <p:nvPr/>
-        </p:nvSpPr>
-        <p:spPr>
-          <a:xfrm>
-            <a:off x="838200" y="851504"/>
-            <a:ext cx="7010401" cy="646331"/>
-          </a:xfrm>
-          <a:prstGeom prst="rect">
-            <a:avLst/>
-          </a:prstGeom>
-          <a:noFill/>
-        </p:spPr>
-        <p:txBody>
-          <a:bodyPr wrap="square" rtlCol="0">
-            <a:spAutoFit/>
-          </a:bodyPr>
-          <a:lstStyle/>
-          <a:p>
-            <a:r>
-              <a:rPr lang="en-US" dirty="0"/>
-              <a:t>Lx = 5, Ly = 5, </a:t>
-            </a:r>
-            <a:r>
-              <a:rPr lang="en-US" dirty="0" err="1"/>
-              <a:t>Lz</a:t>
-            </a:r>
-            <a:r>
-              <a:rPr lang="en-US" dirty="0"/>
-              <a:t> = 50. s = 0.02. x = 0.75. a = 0.00, N = 50</a:t>
-            </a:r>
-          </a:p>
-          <a:p>
-            <a:r>
-              <a:rPr lang="en-US" dirty="0"/>
-              <a:t>3D vs 1D (dashed): </a:t>
-            </a:r>
-            <a:r>
-              <a:rPr lang="en-US" dirty="0" err="1"/>
-              <a:t>dz</a:t>
-            </a:r>
-            <a:r>
-              <a:rPr lang="en-US" dirty="0"/>
-              <a:t> = 0.5, ds = 0.20; dz_1D = 0.113, ds_1D = 0.083</a:t>
-            </a:r>
-          </a:p>
-        </p:txBody>
-      </p:sp>
-      <p:sp>
-        <p:nvSpPr>
-          <p:cNvPr id="4" name="TextBox 3">
-            <a:extLst>
-              <a:ext uri="{FF2B5EF4-FFF2-40B4-BE49-F238E27FC236}">
-                <a16:creationId xmlns:a16="http://schemas.microsoft.com/office/drawing/2014/main" id="{78ED4177-EC5A-ECF0-26AB-59985D43CC31}"/>
-              </a:ext>
-            </a:extLst>
-          </p:cNvPr>
-          <p:cNvSpPr txBox="1"/>
-          <p:nvPr/>
-        </p:nvSpPr>
-        <p:spPr>
-          <a:xfrm>
-            <a:off x="8017933" y="3397233"/>
-            <a:ext cx="2954867" cy="646331"/>
-          </a:xfrm>
-          <a:prstGeom prst="rect">
-            <a:avLst/>
-          </a:prstGeom>
-          <a:noFill/>
-        </p:spPr>
-        <p:txBody>
-          <a:bodyPr wrap="square" rtlCol="0">
-            <a:spAutoFit/>
-          </a:bodyPr>
-          <a:lstStyle/>
-          <a:p>
-            <a:r>
-              <a:rPr lang="en-US" dirty="0"/>
-              <a:t>Compare </a:t>
-            </a:r>
-            <a:r>
-              <a:rPr lang="en-US" dirty="0" err="1"/>
-              <a:t>pot_elec</a:t>
-            </a:r>
-            <a:r>
-              <a:rPr lang="en-US" dirty="0"/>
-              <a:t> and </a:t>
-            </a:r>
-            <a:r>
-              <a:rPr lang="en-US" dirty="0" err="1"/>
-              <a:t>freeE</a:t>
-            </a:r>
-            <a:r>
-              <a:rPr lang="en-US" dirty="0"/>
-              <a:t> with each other and 1D</a:t>
+              <a:rPr lang="en-US" b="1" dirty="0"/>
+              <a:t>Annealed</a:t>
             </a:r>
           </a:p>
         </p:txBody>
@@ -13527,7 +14195,7 @@
     </p:spTree>
     <p:extLst>
       <p:ext uri="{BB962C8B-B14F-4D97-AF65-F5344CB8AC3E}">
-        <p14:creationId xmlns:p14="http://schemas.microsoft.com/office/powerpoint/2010/main" val="3256914968"/>
+        <p14:creationId xmlns:p14="http://schemas.microsoft.com/office/powerpoint/2010/main" val="2319703746"/>
       </p:ext>
     </p:extLst>
   </p:cSld>

--- a/SYSG3.pptx
+++ b/SYSG3.pptx
@@ -6,26 +6,28 @@
   </p:sldMasterIdLst>
   <p:sldIdLst>
     <p:sldId id="276" r:id="rId2"/>
-    <p:sldId id="278" r:id="rId3"/>
-    <p:sldId id="282" r:id="rId4"/>
-    <p:sldId id="283" r:id="rId5"/>
-    <p:sldId id="280" r:id="rId6"/>
-    <p:sldId id="279" r:id="rId7"/>
-    <p:sldId id="281" r:id="rId8"/>
-    <p:sldId id="277" r:id="rId9"/>
-    <p:sldId id="271" r:id="rId10"/>
-    <p:sldId id="268" r:id="rId11"/>
-    <p:sldId id="274" r:id="rId12"/>
-    <p:sldId id="272" r:id="rId13"/>
-    <p:sldId id="269" r:id="rId14"/>
-    <p:sldId id="270" r:id="rId15"/>
-    <p:sldId id="275" r:id="rId16"/>
-    <p:sldId id="267" r:id="rId17"/>
-    <p:sldId id="266" r:id="rId18"/>
-    <p:sldId id="265" r:id="rId19"/>
-    <p:sldId id="258" r:id="rId20"/>
-    <p:sldId id="263" r:id="rId21"/>
-    <p:sldId id="264" r:id="rId22"/>
+    <p:sldId id="282" r:id="rId3"/>
+    <p:sldId id="283" r:id="rId4"/>
+    <p:sldId id="284" r:id="rId5"/>
+    <p:sldId id="285" r:id="rId6"/>
+    <p:sldId id="278" r:id="rId7"/>
+    <p:sldId id="280" r:id="rId8"/>
+    <p:sldId id="279" r:id="rId9"/>
+    <p:sldId id="281" r:id="rId10"/>
+    <p:sldId id="277" r:id="rId11"/>
+    <p:sldId id="271" r:id="rId12"/>
+    <p:sldId id="268" r:id="rId13"/>
+    <p:sldId id="274" r:id="rId14"/>
+    <p:sldId id="272" r:id="rId15"/>
+    <p:sldId id="269" r:id="rId16"/>
+    <p:sldId id="270" r:id="rId17"/>
+    <p:sldId id="275" r:id="rId18"/>
+    <p:sldId id="267" r:id="rId19"/>
+    <p:sldId id="266" r:id="rId20"/>
+    <p:sldId id="265" r:id="rId21"/>
+    <p:sldId id="258" r:id="rId22"/>
+    <p:sldId id="263" r:id="rId23"/>
+    <p:sldId id="264" r:id="rId24"/>
   </p:sldIdLst>
   <p:sldSz cx="12192000" cy="6858000"/>
   <p:notesSz cx="6858000" cy="9144000"/>
@@ -3481,42 +3483,62 @@
           <a:chExt cx="0" cy="0"/>
         </a:xfrm>
       </p:grpSpPr>
-      <p:pic>
-        <p:nvPicPr>
-          <p:cNvPr id="39" name="Picture 38">
-            <a:extLst>
-              <a:ext uri="{FF2B5EF4-FFF2-40B4-BE49-F238E27FC236}">
-                <a16:creationId xmlns:a16="http://schemas.microsoft.com/office/drawing/2014/main" id="{4C88C2AF-DEC6-523E-1CCC-807F741EB3BF}"/>
-              </a:ext>
-            </a:extLst>
-          </p:cNvPr>
-          <p:cNvPicPr>
-            <a:picLocks noChangeAspect="1"/>
-          </p:cNvPicPr>
-          <p:nvPr/>
-        </p:nvPicPr>
-        <p:blipFill>
-          <a:blip r:embed="rId2"/>
-          <a:stretch>
-            <a:fillRect/>
-          </a:stretch>
-        </p:blipFill>
-        <p:spPr>
-          <a:xfrm>
-            <a:off x="587949" y="1572147"/>
-            <a:ext cx="4711771" cy="2601290"/>
+      <p:sp>
+        <p:nvSpPr>
+          <p:cNvPr id="3" name="Rectangle 2">
+            <a:extLst>
+              <a:ext uri="{FF2B5EF4-FFF2-40B4-BE49-F238E27FC236}">
+                <a16:creationId xmlns:a16="http://schemas.microsoft.com/office/drawing/2014/main" id="{71CF4EBC-2AC9-0A12-EC0B-C0390BA9A8BE}"/>
+              </a:ext>
+            </a:extLst>
+          </p:cNvPr>
+          <p:cNvSpPr/>
+          <p:nvPr/>
+        </p:nvSpPr>
+        <p:spPr>
+          <a:xfrm>
+            <a:off x="381000" y="533400"/>
+            <a:ext cx="11430000" cy="6036733"/>
           </a:xfrm>
           <a:prstGeom prst="rect">
             <a:avLst/>
           </a:prstGeom>
         </p:spPr>
-      </p:pic>
+        <p:style>
+          <a:lnRef idx="2">
+            <a:schemeClr val="accent1">
+              <a:shade val="15000"/>
+            </a:schemeClr>
+          </a:lnRef>
+          <a:fillRef idx="1">
+            <a:schemeClr val="accent1"/>
+          </a:fillRef>
+          <a:effectRef idx="0">
+            <a:schemeClr val="accent1"/>
+          </a:effectRef>
+          <a:fontRef idx="minor">
+            <a:schemeClr val="lt1"/>
+          </a:fontRef>
+        </p:style>
+        <p:txBody>
+          <a:bodyPr rtlCol="0" anchor="ctr"/>
+          <a:lstStyle/>
+          <a:p>
+            <a:pPr algn="ctr"/>
+            <a:endParaRPr lang="en-US" b="1">
+              <a:solidFill>
+                <a:srgbClr val="C00000"/>
+              </a:solidFill>
+            </a:endParaRPr>
+          </a:p>
+        </p:txBody>
+      </p:sp>
       <p:sp>
         <p:nvSpPr>
           <p:cNvPr id="2" name="Title 1">
             <a:extLst>
               <a:ext uri="{FF2B5EF4-FFF2-40B4-BE49-F238E27FC236}">
-                <a16:creationId xmlns:a16="http://schemas.microsoft.com/office/drawing/2014/main" id="{C85E3C9C-7526-B303-905F-886077E16C39}"/>
+                <a16:creationId xmlns:a16="http://schemas.microsoft.com/office/drawing/2014/main" id="{7E4902D3-15DC-06FA-7695-C716DCAD16FC}"/>
               </a:ext>
             </a:extLst>
           </p:cNvPr>
@@ -3529,8 +3551,8 @@
         </p:nvSpPr>
         <p:spPr>
           <a:xfrm>
-            <a:off x="838200" y="52343"/>
-            <a:ext cx="10515600" cy="771267"/>
+            <a:off x="719667" y="2583392"/>
+            <a:ext cx="10515600" cy="1325563"/>
           </a:xfrm>
         </p:spPr>
         <p:txBody>
@@ -3538,442 +3560,12 @@
           <a:lstStyle/>
           <a:p>
             <a:r>
-              <a:rPr lang="en-US" dirty="0"/>
-              <a:t>z-</a:t>
-            </a:r>
-            <a:r>
-              <a:rPr lang="en-US" b="1" dirty="0"/>
-              <a:t>FFT</a:t>
-            </a:r>
-            <a:r>
-              <a:rPr lang="en-US" dirty="0"/>
-              <a:t> vs z-</a:t>
-            </a:r>
-            <a:r>
-              <a:rPr lang="en-US" b="1" dirty="0"/>
-              <a:t>FD</a:t>
-            </a:r>
-            <a:r>
-              <a:rPr lang="en-US" dirty="0"/>
-              <a:t> (MDE) – REDFT01 </a:t>
-            </a:r>
-            <a:r>
-              <a:rPr lang="en-US" dirty="0" err="1"/>
-              <a:t>xy</a:t>
-            </a:r>
-            <a:r>
-              <a:rPr lang="en-US" dirty="0"/>
-              <a:t>(z)</a:t>
-            </a:r>
-          </a:p>
-        </p:txBody>
-      </p:sp>
-      <p:sp>
-        <p:nvSpPr>
-          <p:cNvPr id="3" name="TextBox 2">
-            <a:extLst>
-              <a:ext uri="{FF2B5EF4-FFF2-40B4-BE49-F238E27FC236}">
-                <a16:creationId xmlns:a16="http://schemas.microsoft.com/office/drawing/2014/main" id="{99A2CDED-1526-FA46-5D91-2DC74B6F0C37}"/>
-              </a:ext>
-            </a:extLst>
-          </p:cNvPr>
-          <p:cNvSpPr txBox="1"/>
-          <p:nvPr/>
-        </p:nvSpPr>
-        <p:spPr>
-          <a:xfrm>
-            <a:off x="838200" y="851504"/>
-            <a:ext cx="7010401" cy="646331"/>
-          </a:xfrm>
-          <a:prstGeom prst="rect">
-            <a:avLst/>
-          </a:prstGeom>
-          <a:noFill/>
-        </p:spPr>
-        <p:txBody>
-          <a:bodyPr wrap="square" rtlCol="0">
-            <a:spAutoFit/>
-          </a:bodyPr>
-          <a:lstStyle/>
-          <a:p>
-            <a:r>
-              <a:rPr lang="en-US" dirty="0"/>
-              <a:t>Lx = 5, Ly = 5, </a:t>
-            </a:r>
-            <a:r>
-              <a:rPr lang="en-US" dirty="0" err="1"/>
-              <a:t>Lz</a:t>
-            </a:r>
-            <a:r>
-              <a:rPr lang="en-US" dirty="0"/>
-              <a:t> = 50. s = 0.02. x = 0.75. a = 0.00, N = 50</a:t>
-            </a:r>
-          </a:p>
-          <a:p>
-            <a:r>
-              <a:rPr lang="en-US" dirty="0"/>
-              <a:t>3D vs 1D (dashed): </a:t>
-            </a:r>
-            <a:r>
-              <a:rPr lang="en-US" dirty="0" err="1"/>
-              <a:t>dz</a:t>
-            </a:r>
-            <a:r>
-              <a:rPr lang="en-US" dirty="0"/>
-              <a:t> = 0.5, ds = 0.20; dz_1D = 0.113, ds_1D = 0.083</a:t>
-            </a:r>
-          </a:p>
-        </p:txBody>
-      </p:sp>
-      <p:sp>
-        <p:nvSpPr>
-          <p:cNvPr id="20" name="TextBox 19">
-            <a:extLst>
-              <a:ext uri="{FF2B5EF4-FFF2-40B4-BE49-F238E27FC236}">
-                <a16:creationId xmlns:a16="http://schemas.microsoft.com/office/drawing/2014/main" id="{F67FA53E-0EE8-AAF7-18FE-84614DDB84DE}"/>
-              </a:ext>
-            </a:extLst>
-          </p:cNvPr>
-          <p:cNvSpPr txBox="1"/>
-          <p:nvPr/>
-        </p:nvSpPr>
-        <p:spPr>
-          <a:xfrm>
-            <a:off x="5465389" y="2872792"/>
-            <a:ext cx="1618272" cy="369332"/>
-          </a:xfrm>
-          <a:prstGeom prst="rect">
-            <a:avLst/>
-          </a:prstGeom>
-          <a:noFill/>
-        </p:spPr>
-        <p:txBody>
-          <a:bodyPr wrap="square" rtlCol="0">
-            <a:spAutoFit/>
-          </a:bodyPr>
-          <a:lstStyle/>
-          <a:p>
-            <a:r>
-              <a:rPr lang="en-US" dirty="0"/>
-              <a:t>FFT (</a:t>
-            </a:r>
-            <a:r>
-              <a:rPr lang="en-US" dirty="0" err="1"/>
-              <a:t>yz</a:t>
-            </a:r>
-            <a:r>
-              <a:rPr lang="en-US" dirty="0"/>
-              <a:t> vs </a:t>
-            </a:r>
-            <a:r>
-              <a:rPr lang="en-US" dirty="0" err="1"/>
-              <a:t>pha</a:t>
-            </a:r>
-            <a:r>
-              <a:rPr lang="en-US" dirty="0"/>
-              <a:t>)</a:t>
-            </a:r>
-          </a:p>
-        </p:txBody>
-      </p:sp>
-      <p:sp>
-        <p:nvSpPr>
-          <p:cNvPr id="21" name="TextBox 20">
-            <a:extLst>
-              <a:ext uri="{FF2B5EF4-FFF2-40B4-BE49-F238E27FC236}">
-                <a16:creationId xmlns:a16="http://schemas.microsoft.com/office/drawing/2014/main" id="{8975F4F8-1D5E-2B6C-439A-E0008683786D}"/>
-              </a:ext>
-            </a:extLst>
-          </p:cNvPr>
-          <p:cNvSpPr txBox="1"/>
-          <p:nvPr/>
-        </p:nvSpPr>
-        <p:spPr>
-          <a:xfrm>
-            <a:off x="5526850" y="5125257"/>
-            <a:ext cx="1580774" cy="369332"/>
-          </a:xfrm>
-          <a:prstGeom prst="rect">
-            <a:avLst/>
-          </a:prstGeom>
-          <a:noFill/>
-        </p:spPr>
-        <p:txBody>
-          <a:bodyPr wrap="square" rtlCol="0">
-            <a:spAutoFit/>
-          </a:bodyPr>
-          <a:lstStyle/>
-          <a:p>
-            <a:r>
-              <a:rPr lang="en-US" dirty="0"/>
-              <a:t>FD (</a:t>
-            </a:r>
-            <a:r>
-              <a:rPr lang="en-US" dirty="0" err="1"/>
-              <a:t>yz</a:t>
-            </a:r>
-            <a:r>
-              <a:rPr lang="en-US" dirty="0"/>
-              <a:t> vs </a:t>
-            </a:r>
-            <a:r>
-              <a:rPr lang="en-US" dirty="0" err="1"/>
-              <a:t>pha</a:t>
-            </a:r>
-            <a:r>
-              <a:rPr lang="en-US" dirty="0"/>
-              <a:t>)</a:t>
-            </a:r>
-          </a:p>
-        </p:txBody>
-      </p:sp>
-      <p:pic>
-        <p:nvPicPr>
-          <p:cNvPr id="25" name="Picture 24">
-            <a:extLst>
-              <a:ext uri="{FF2B5EF4-FFF2-40B4-BE49-F238E27FC236}">
-                <a16:creationId xmlns:a16="http://schemas.microsoft.com/office/drawing/2014/main" id="{BFB8AF76-977E-BF34-4D5F-6F1115EF2823}"/>
-              </a:ext>
-            </a:extLst>
-          </p:cNvPr>
-          <p:cNvPicPr>
-            <a:picLocks noChangeAspect="1"/>
-          </p:cNvPicPr>
-          <p:nvPr/>
-        </p:nvPicPr>
-        <p:blipFill>
-          <a:blip r:embed="rId3"/>
-          <a:stretch>
-            <a:fillRect/>
-          </a:stretch>
-        </p:blipFill>
-        <p:spPr>
-          <a:xfrm>
-            <a:off x="7276364" y="4360365"/>
-            <a:ext cx="2924742" cy="2424728"/>
-          </a:xfrm>
-          <a:prstGeom prst="rect">
-            <a:avLst/>
-          </a:prstGeom>
-        </p:spPr>
-      </p:pic>
-      <p:pic>
-        <p:nvPicPr>
-          <p:cNvPr id="27" name="Picture 26">
-            <a:extLst>
-              <a:ext uri="{FF2B5EF4-FFF2-40B4-BE49-F238E27FC236}">
-                <a16:creationId xmlns:a16="http://schemas.microsoft.com/office/drawing/2014/main" id="{277F92A0-71CE-490F-B258-ED7EC95866E9}"/>
-              </a:ext>
-            </a:extLst>
-          </p:cNvPr>
-          <p:cNvPicPr>
-            <a:picLocks noChangeAspect="1"/>
-          </p:cNvPicPr>
-          <p:nvPr/>
-        </p:nvPicPr>
-        <p:blipFill>
-          <a:blip r:embed="rId4"/>
-          <a:stretch>
-            <a:fillRect/>
-          </a:stretch>
-        </p:blipFill>
-        <p:spPr>
-          <a:xfrm>
-            <a:off x="10402909" y="2613996"/>
-            <a:ext cx="494780" cy="2823542"/>
-          </a:xfrm>
-          <a:prstGeom prst="rect">
-            <a:avLst/>
-          </a:prstGeom>
-        </p:spPr>
-      </p:pic>
-      <p:sp>
-        <p:nvSpPr>
-          <p:cNvPr id="28" name="TextBox 27">
-            <a:extLst>
-              <a:ext uri="{FF2B5EF4-FFF2-40B4-BE49-F238E27FC236}">
-                <a16:creationId xmlns:a16="http://schemas.microsoft.com/office/drawing/2014/main" id="{209381BF-3B92-7C87-83D1-6D10AFC3C731}"/>
-              </a:ext>
-            </a:extLst>
-          </p:cNvPr>
-          <p:cNvSpPr txBox="1"/>
-          <p:nvPr/>
-        </p:nvSpPr>
-        <p:spPr>
-          <a:xfrm>
-            <a:off x="8289087" y="4206848"/>
-            <a:ext cx="1286933" cy="369332"/>
-          </a:xfrm>
-          <a:prstGeom prst="rect">
-            <a:avLst/>
-          </a:prstGeom>
-          <a:noFill/>
-        </p:spPr>
-        <p:txBody>
-          <a:bodyPr wrap="square" rtlCol="0">
-            <a:spAutoFit/>
-          </a:bodyPr>
-          <a:lstStyle/>
-          <a:p>
-            <a:pPr algn="ctr"/>
-            <a:r>
-              <a:rPr lang="en-US" dirty="0"/>
-              <a:t>FD (</a:t>
-            </a:r>
-            <a:r>
-              <a:rPr lang="en-US" dirty="0" err="1"/>
-              <a:t>xyz</a:t>
-            </a:r>
-            <a:r>
-              <a:rPr lang="en-US" dirty="0"/>
-              <a:t>)</a:t>
-            </a:r>
-          </a:p>
-        </p:txBody>
-      </p:sp>
-      <p:pic>
-        <p:nvPicPr>
-          <p:cNvPr id="30" name="Picture 29">
-            <a:extLst>
-              <a:ext uri="{FF2B5EF4-FFF2-40B4-BE49-F238E27FC236}">
-                <a16:creationId xmlns:a16="http://schemas.microsoft.com/office/drawing/2014/main" id="{78FFD473-8BB3-1A61-FCA5-1FC80C0BC590}"/>
-              </a:ext>
-            </a:extLst>
-          </p:cNvPr>
-          <p:cNvPicPr>
-            <a:picLocks noChangeAspect="1"/>
-          </p:cNvPicPr>
-          <p:nvPr/>
-        </p:nvPicPr>
-        <p:blipFill>
-          <a:blip r:embed="rId5"/>
-          <a:stretch>
-            <a:fillRect/>
-          </a:stretch>
-        </p:blipFill>
-        <p:spPr>
-          <a:xfrm>
-            <a:off x="7217123" y="1758796"/>
-            <a:ext cx="2924741" cy="2400807"/>
-          </a:xfrm>
-          <a:prstGeom prst="rect">
-            <a:avLst/>
-          </a:prstGeom>
-        </p:spPr>
-      </p:pic>
-      <p:sp>
-        <p:nvSpPr>
-          <p:cNvPr id="31" name="TextBox 30">
-            <a:extLst>
-              <a:ext uri="{FF2B5EF4-FFF2-40B4-BE49-F238E27FC236}">
-                <a16:creationId xmlns:a16="http://schemas.microsoft.com/office/drawing/2014/main" id="{18ED4AF3-A406-8565-DA72-D4AD2194F5BA}"/>
-              </a:ext>
-            </a:extLst>
-          </p:cNvPr>
-          <p:cNvSpPr txBox="1"/>
-          <p:nvPr/>
-        </p:nvSpPr>
-        <p:spPr>
-          <a:xfrm>
-            <a:off x="8207324" y="1542436"/>
-            <a:ext cx="1286933" cy="369332"/>
-          </a:xfrm>
-          <a:prstGeom prst="rect">
-            <a:avLst/>
-          </a:prstGeom>
-          <a:noFill/>
-        </p:spPr>
-        <p:txBody>
-          <a:bodyPr wrap="square" rtlCol="0">
-            <a:spAutoFit/>
-          </a:bodyPr>
-          <a:lstStyle/>
-          <a:p>
-            <a:pPr algn="ctr"/>
-            <a:r>
-              <a:rPr lang="en-US" dirty="0"/>
-              <a:t>FFT (</a:t>
-            </a:r>
-            <a:r>
-              <a:rPr lang="en-US" dirty="0" err="1"/>
-              <a:t>xyz</a:t>
-            </a:r>
-            <a:r>
-              <a:rPr lang="en-US" dirty="0"/>
-              <a:t>)</a:t>
-            </a:r>
-          </a:p>
-        </p:txBody>
-      </p:sp>
-      <p:pic>
-        <p:nvPicPr>
-          <p:cNvPr id="37" name="Picture 36">
-            <a:extLst>
-              <a:ext uri="{FF2B5EF4-FFF2-40B4-BE49-F238E27FC236}">
-                <a16:creationId xmlns:a16="http://schemas.microsoft.com/office/drawing/2014/main" id="{326FE1D3-8C41-0A8E-0D9D-230751971410}"/>
-              </a:ext>
-            </a:extLst>
-          </p:cNvPr>
-          <p:cNvPicPr>
-            <a:picLocks noChangeAspect="1"/>
-          </p:cNvPicPr>
-          <p:nvPr/>
-        </p:nvPicPr>
-        <p:blipFill>
-          <a:blip r:embed="rId6"/>
-          <a:stretch>
-            <a:fillRect/>
-          </a:stretch>
-        </p:blipFill>
-        <p:spPr>
-          <a:xfrm>
-            <a:off x="600120" y="3922530"/>
-            <a:ext cx="4724927" cy="2698398"/>
-          </a:xfrm>
-          <a:prstGeom prst="rect">
-            <a:avLst/>
-          </a:prstGeom>
-        </p:spPr>
-      </p:pic>
-      <p:sp>
-        <p:nvSpPr>
-          <p:cNvPr id="4" name="TextBox 3">
-            <a:extLst>
-              <a:ext uri="{FF2B5EF4-FFF2-40B4-BE49-F238E27FC236}">
-                <a16:creationId xmlns:a16="http://schemas.microsoft.com/office/drawing/2014/main" id="{5356C493-0AA9-FE35-035D-D1AAD53C4DDF}"/>
-              </a:ext>
-            </a:extLst>
-          </p:cNvPr>
-          <p:cNvSpPr txBox="1"/>
-          <p:nvPr/>
-        </p:nvSpPr>
-        <p:spPr>
-          <a:xfrm>
-            <a:off x="3716868" y="6488668"/>
-            <a:ext cx="4086672" cy="369332"/>
-          </a:xfrm>
-          <a:prstGeom prst="rect">
-            <a:avLst/>
-          </a:prstGeom>
-          <a:noFill/>
-        </p:spPr>
-        <p:txBody>
-          <a:bodyPr wrap="square" rtlCol="0">
-            <a:spAutoFit/>
-          </a:bodyPr>
-          <a:lstStyle/>
-          <a:p>
-            <a:r>
-              <a:rPr lang="en-US" dirty="0"/>
-              <a:t>Diff btw 1D/3D should just be </a:t>
-            </a:r>
-            <a:r>
-              <a:rPr lang="en-US" dirty="0" err="1"/>
-              <a:t>dz</a:t>
-            </a:r>
-            <a:r>
-              <a:rPr lang="en-US" dirty="0"/>
-              <a:t>, ds, etc.</a:t>
+              <a:rPr lang="en-US" b="1" dirty="0">
+                <a:solidFill>
+                  <a:srgbClr val="C00000"/>
+                </a:solidFill>
+              </a:rPr>
+              <a:t>OLD</a:t>
             </a:r>
           </a:p>
         </p:txBody>
@@ -3981,7 +3573,7 @@
     </p:spTree>
     <p:extLst>
       <p:ext uri="{BB962C8B-B14F-4D97-AF65-F5344CB8AC3E}">
-        <p14:creationId xmlns:p14="http://schemas.microsoft.com/office/powerpoint/2010/main" val="2184982505"/>
+        <p14:creationId xmlns:p14="http://schemas.microsoft.com/office/powerpoint/2010/main" val="2062239696"/>
       </p:ext>
     </p:extLst>
   </p:cSld>
@@ -4013,6 +3605,596 @@
           <p:cNvPr id="2" name="Title 1">
             <a:extLst>
               <a:ext uri="{FF2B5EF4-FFF2-40B4-BE49-F238E27FC236}">
+                <a16:creationId xmlns:a16="http://schemas.microsoft.com/office/drawing/2014/main" id="{C9A5D13E-C0B9-231A-976A-1444B9DF9C26}"/>
+              </a:ext>
+            </a:extLst>
+          </p:cNvPr>
+          <p:cNvSpPr>
+            <a:spLocks noGrp="1"/>
+          </p:cNvSpPr>
+          <p:nvPr>
+            <p:ph type="title"/>
+          </p:nvPr>
+        </p:nvSpPr>
+        <p:spPr>
+          <a:xfrm>
+            <a:off x="1075267" y="2766218"/>
+            <a:ext cx="10515600" cy="1325563"/>
+          </a:xfrm>
+        </p:spPr>
+        <p:txBody>
+          <a:bodyPr/>
+          <a:lstStyle/>
+          <a:p>
+            <a:r>
+              <a:rPr lang="en-US" b="1" dirty="0"/>
+              <a:t>Annealed</a:t>
+            </a:r>
+          </a:p>
+        </p:txBody>
+      </p:sp>
+    </p:spTree>
+    <p:extLst>
+      <p:ext uri="{BB962C8B-B14F-4D97-AF65-F5344CB8AC3E}">
+        <p14:creationId xmlns:p14="http://schemas.microsoft.com/office/powerpoint/2010/main" val="2319703746"/>
+      </p:ext>
+    </p:extLst>
+  </p:cSld>
+  <p:clrMapOvr>
+    <a:masterClrMapping/>
+  </p:clrMapOvr>
+</p:sld>
+</file>
+
+<file path=ppt/slides/slide12.xml><?xml version="1.0" encoding="utf-8"?>
+<p:sld xmlns:a="http://schemas.openxmlformats.org/drawingml/2006/main" xmlns:r="http://schemas.openxmlformats.org/officeDocument/2006/relationships" xmlns:p="http://schemas.openxmlformats.org/presentationml/2006/main">
+  <p:cSld>
+    <p:spTree>
+      <p:nvGrpSpPr>
+        <p:cNvPr id="1" name=""/>
+        <p:cNvGrpSpPr/>
+        <p:nvPr/>
+      </p:nvGrpSpPr>
+      <p:grpSpPr>
+        <a:xfrm>
+          <a:off x="0" y="0"/>
+          <a:ext cx="0" cy="0"/>
+          <a:chOff x="0" y="0"/>
+          <a:chExt cx="0" cy="0"/>
+        </a:xfrm>
+      </p:grpSpPr>
+      <p:pic>
+        <p:nvPicPr>
+          <p:cNvPr id="39" name="Picture 38">
+            <a:extLst>
+              <a:ext uri="{FF2B5EF4-FFF2-40B4-BE49-F238E27FC236}">
+                <a16:creationId xmlns:a16="http://schemas.microsoft.com/office/drawing/2014/main" id="{4C88C2AF-DEC6-523E-1CCC-807F741EB3BF}"/>
+              </a:ext>
+            </a:extLst>
+          </p:cNvPr>
+          <p:cNvPicPr>
+            <a:picLocks noChangeAspect="1"/>
+          </p:cNvPicPr>
+          <p:nvPr/>
+        </p:nvPicPr>
+        <p:blipFill>
+          <a:blip r:embed="rId2"/>
+          <a:stretch>
+            <a:fillRect/>
+          </a:stretch>
+        </p:blipFill>
+        <p:spPr>
+          <a:xfrm>
+            <a:off x="587949" y="1572147"/>
+            <a:ext cx="4711771" cy="2601290"/>
+          </a:xfrm>
+          <a:prstGeom prst="rect">
+            <a:avLst/>
+          </a:prstGeom>
+        </p:spPr>
+      </p:pic>
+      <p:sp>
+        <p:nvSpPr>
+          <p:cNvPr id="2" name="Title 1">
+            <a:extLst>
+              <a:ext uri="{FF2B5EF4-FFF2-40B4-BE49-F238E27FC236}">
+                <a16:creationId xmlns:a16="http://schemas.microsoft.com/office/drawing/2014/main" id="{C85E3C9C-7526-B303-905F-886077E16C39}"/>
+              </a:ext>
+            </a:extLst>
+          </p:cNvPr>
+          <p:cNvSpPr>
+            <a:spLocks noGrp="1"/>
+          </p:cNvSpPr>
+          <p:nvPr>
+            <p:ph type="title"/>
+          </p:nvPr>
+        </p:nvSpPr>
+        <p:spPr>
+          <a:xfrm>
+            <a:off x="838200" y="52343"/>
+            <a:ext cx="10515600" cy="771267"/>
+          </a:xfrm>
+        </p:spPr>
+        <p:txBody>
+          <a:bodyPr/>
+          <a:lstStyle/>
+          <a:p>
+            <a:r>
+              <a:rPr lang="en-US" dirty="0"/>
+              <a:t>z-</a:t>
+            </a:r>
+            <a:r>
+              <a:rPr lang="en-US" b="1" dirty="0"/>
+              <a:t>FFT</a:t>
+            </a:r>
+            <a:r>
+              <a:rPr lang="en-US" dirty="0"/>
+              <a:t> vs z-</a:t>
+            </a:r>
+            <a:r>
+              <a:rPr lang="en-US" b="1" dirty="0"/>
+              <a:t>FD</a:t>
+            </a:r>
+            <a:r>
+              <a:rPr lang="en-US" dirty="0"/>
+              <a:t> (MDE) – REDFT01 </a:t>
+            </a:r>
+            <a:r>
+              <a:rPr lang="en-US" dirty="0" err="1"/>
+              <a:t>xy</a:t>
+            </a:r>
+            <a:r>
+              <a:rPr lang="en-US" dirty="0"/>
+              <a:t>(z)</a:t>
+            </a:r>
+          </a:p>
+        </p:txBody>
+      </p:sp>
+      <p:sp>
+        <p:nvSpPr>
+          <p:cNvPr id="3" name="TextBox 2">
+            <a:extLst>
+              <a:ext uri="{FF2B5EF4-FFF2-40B4-BE49-F238E27FC236}">
+                <a16:creationId xmlns:a16="http://schemas.microsoft.com/office/drawing/2014/main" id="{99A2CDED-1526-FA46-5D91-2DC74B6F0C37}"/>
+              </a:ext>
+            </a:extLst>
+          </p:cNvPr>
+          <p:cNvSpPr txBox="1"/>
+          <p:nvPr/>
+        </p:nvSpPr>
+        <p:spPr>
+          <a:xfrm>
+            <a:off x="838200" y="851504"/>
+            <a:ext cx="7010401" cy="646331"/>
+          </a:xfrm>
+          <a:prstGeom prst="rect">
+            <a:avLst/>
+          </a:prstGeom>
+          <a:noFill/>
+        </p:spPr>
+        <p:txBody>
+          <a:bodyPr wrap="square" rtlCol="0">
+            <a:spAutoFit/>
+          </a:bodyPr>
+          <a:lstStyle/>
+          <a:p>
+            <a:r>
+              <a:rPr lang="en-US" dirty="0"/>
+              <a:t>Lx = 5, Ly = 5, </a:t>
+            </a:r>
+            <a:r>
+              <a:rPr lang="en-US" dirty="0" err="1"/>
+              <a:t>Lz</a:t>
+            </a:r>
+            <a:r>
+              <a:rPr lang="en-US" dirty="0"/>
+              <a:t> = 50. s = 0.02. x = 0.75. a = 0.00, N = 50</a:t>
+            </a:r>
+          </a:p>
+          <a:p>
+            <a:r>
+              <a:rPr lang="en-US" dirty="0"/>
+              <a:t>3D vs 1D (dashed): </a:t>
+            </a:r>
+            <a:r>
+              <a:rPr lang="en-US" dirty="0" err="1"/>
+              <a:t>dz</a:t>
+            </a:r>
+            <a:r>
+              <a:rPr lang="en-US" dirty="0"/>
+              <a:t> = 0.5, ds = 0.20; dz_1D = 0.113, ds_1D = 0.083</a:t>
+            </a:r>
+          </a:p>
+        </p:txBody>
+      </p:sp>
+      <p:sp>
+        <p:nvSpPr>
+          <p:cNvPr id="20" name="TextBox 19">
+            <a:extLst>
+              <a:ext uri="{FF2B5EF4-FFF2-40B4-BE49-F238E27FC236}">
+                <a16:creationId xmlns:a16="http://schemas.microsoft.com/office/drawing/2014/main" id="{F67FA53E-0EE8-AAF7-18FE-84614DDB84DE}"/>
+              </a:ext>
+            </a:extLst>
+          </p:cNvPr>
+          <p:cNvSpPr txBox="1"/>
+          <p:nvPr/>
+        </p:nvSpPr>
+        <p:spPr>
+          <a:xfrm>
+            <a:off x="5465389" y="2872792"/>
+            <a:ext cx="1618272" cy="369332"/>
+          </a:xfrm>
+          <a:prstGeom prst="rect">
+            <a:avLst/>
+          </a:prstGeom>
+          <a:noFill/>
+        </p:spPr>
+        <p:txBody>
+          <a:bodyPr wrap="square" rtlCol="0">
+            <a:spAutoFit/>
+          </a:bodyPr>
+          <a:lstStyle/>
+          <a:p>
+            <a:r>
+              <a:rPr lang="en-US" dirty="0"/>
+              <a:t>FFT (</a:t>
+            </a:r>
+            <a:r>
+              <a:rPr lang="en-US" dirty="0" err="1"/>
+              <a:t>yz</a:t>
+            </a:r>
+            <a:r>
+              <a:rPr lang="en-US" dirty="0"/>
+              <a:t> vs </a:t>
+            </a:r>
+            <a:r>
+              <a:rPr lang="en-US" dirty="0" err="1"/>
+              <a:t>pha</a:t>
+            </a:r>
+            <a:r>
+              <a:rPr lang="en-US" dirty="0"/>
+              <a:t>)</a:t>
+            </a:r>
+          </a:p>
+        </p:txBody>
+      </p:sp>
+      <p:sp>
+        <p:nvSpPr>
+          <p:cNvPr id="21" name="TextBox 20">
+            <a:extLst>
+              <a:ext uri="{FF2B5EF4-FFF2-40B4-BE49-F238E27FC236}">
+                <a16:creationId xmlns:a16="http://schemas.microsoft.com/office/drawing/2014/main" id="{8975F4F8-1D5E-2B6C-439A-E0008683786D}"/>
+              </a:ext>
+            </a:extLst>
+          </p:cNvPr>
+          <p:cNvSpPr txBox="1"/>
+          <p:nvPr/>
+        </p:nvSpPr>
+        <p:spPr>
+          <a:xfrm>
+            <a:off x="5526850" y="5125257"/>
+            <a:ext cx="1580774" cy="369332"/>
+          </a:xfrm>
+          <a:prstGeom prst="rect">
+            <a:avLst/>
+          </a:prstGeom>
+          <a:noFill/>
+        </p:spPr>
+        <p:txBody>
+          <a:bodyPr wrap="square" rtlCol="0">
+            <a:spAutoFit/>
+          </a:bodyPr>
+          <a:lstStyle/>
+          <a:p>
+            <a:r>
+              <a:rPr lang="en-US" dirty="0"/>
+              <a:t>FD (</a:t>
+            </a:r>
+            <a:r>
+              <a:rPr lang="en-US" dirty="0" err="1"/>
+              <a:t>yz</a:t>
+            </a:r>
+            <a:r>
+              <a:rPr lang="en-US" dirty="0"/>
+              <a:t> vs </a:t>
+            </a:r>
+            <a:r>
+              <a:rPr lang="en-US" dirty="0" err="1"/>
+              <a:t>pha</a:t>
+            </a:r>
+            <a:r>
+              <a:rPr lang="en-US" dirty="0"/>
+              <a:t>)</a:t>
+            </a:r>
+          </a:p>
+        </p:txBody>
+      </p:sp>
+      <p:pic>
+        <p:nvPicPr>
+          <p:cNvPr id="25" name="Picture 24">
+            <a:extLst>
+              <a:ext uri="{FF2B5EF4-FFF2-40B4-BE49-F238E27FC236}">
+                <a16:creationId xmlns:a16="http://schemas.microsoft.com/office/drawing/2014/main" id="{BFB8AF76-977E-BF34-4D5F-6F1115EF2823}"/>
+              </a:ext>
+            </a:extLst>
+          </p:cNvPr>
+          <p:cNvPicPr>
+            <a:picLocks noChangeAspect="1"/>
+          </p:cNvPicPr>
+          <p:nvPr/>
+        </p:nvPicPr>
+        <p:blipFill>
+          <a:blip r:embed="rId3"/>
+          <a:stretch>
+            <a:fillRect/>
+          </a:stretch>
+        </p:blipFill>
+        <p:spPr>
+          <a:xfrm>
+            <a:off x="7276364" y="4360365"/>
+            <a:ext cx="2924742" cy="2424728"/>
+          </a:xfrm>
+          <a:prstGeom prst="rect">
+            <a:avLst/>
+          </a:prstGeom>
+        </p:spPr>
+      </p:pic>
+      <p:pic>
+        <p:nvPicPr>
+          <p:cNvPr id="27" name="Picture 26">
+            <a:extLst>
+              <a:ext uri="{FF2B5EF4-FFF2-40B4-BE49-F238E27FC236}">
+                <a16:creationId xmlns:a16="http://schemas.microsoft.com/office/drawing/2014/main" id="{277F92A0-71CE-490F-B258-ED7EC95866E9}"/>
+              </a:ext>
+            </a:extLst>
+          </p:cNvPr>
+          <p:cNvPicPr>
+            <a:picLocks noChangeAspect="1"/>
+          </p:cNvPicPr>
+          <p:nvPr/>
+        </p:nvPicPr>
+        <p:blipFill>
+          <a:blip r:embed="rId4"/>
+          <a:stretch>
+            <a:fillRect/>
+          </a:stretch>
+        </p:blipFill>
+        <p:spPr>
+          <a:xfrm>
+            <a:off x="10402909" y="2613996"/>
+            <a:ext cx="494780" cy="2823542"/>
+          </a:xfrm>
+          <a:prstGeom prst="rect">
+            <a:avLst/>
+          </a:prstGeom>
+        </p:spPr>
+      </p:pic>
+      <p:sp>
+        <p:nvSpPr>
+          <p:cNvPr id="28" name="TextBox 27">
+            <a:extLst>
+              <a:ext uri="{FF2B5EF4-FFF2-40B4-BE49-F238E27FC236}">
+                <a16:creationId xmlns:a16="http://schemas.microsoft.com/office/drawing/2014/main" id="{209381BF-3B92-7C87-83D1-6D10AFC3C731}"/>
+              </a:ext>
+            </a:extLst>
+          </p:cNvPr>
+          <p:cNvSpPr txBox="1"/>
+          <p:nvPr/>
+        </p:nvSpPr>
+        <p:spPr>
+          <a:xfrm>
+            <a:off x="8289087" y="4206848"/>
+            <a:ext cx="1286933" cy="369332"/>
+          </a:xfrm>
+          <a:prstGeom prst="rect">
+            <a:avLst/>
+          </a:prstGeom>
+          <a:noFill/>
+        </p:spPr>
+        <p:txBody>
+          <a:bodyPr wrap="square" rtlCol="0">
+            <a:spAutoFit/>
+          </a:bodyPr>
+          <a:lstStyle/>
+          <a:p>
+            <a:pPr algn="ctr"/>
+            <a:r>
+              <a:rPr lang="en-US" dirty="0"/>
+              <a:t>FD (</a:t>
+            </a:r>
+            <a:r>
+              <a:rPr lang="en-US" dirty="0" err="1"/>
+              <a:t>xyz</a:t>
+            </a:r>
+            <a:r>
+              <a:rPr lang="en-US" dirty="0"/>
+              <a:t>)</a:t>
+            </a:r>
+          </a:p>
+        </p:txBody>
+      </p:sp>
+      <p:pic>
+        <p:nvPicPr>
+          <p:cNvPr id="30" name="Picture 29">
+            <a:extLst>
+              <a:ext uri="{FF2B5EF4-FFF2-40B4-BE49-F238E27FC236}">
+                <a16:creationId xmlns:a16="http://schemas.microsoft.com/office/drawing/2014/main" id="{78FFD473-8BB3-1A61-FCA5-1FC80C0BC590}"/>
+              </a:ext>
+            </a:extLst>
+          </p:cNvPr>
+          <p:cNvPicPr>
+            <a:picLocks noChangeAspect="1"/>
+          </p:cNvPicPr>
+          <p:nvPr/>
+        </p:nvPicPr>
+        <p:blipFill>
+          <a:blip r:embed="rId5"/>
+          <a:stretch>
+            <a:fillRect/>
+          </a:stretch>
+        </p:blipFill>
+        <p:spPr>
+          <a:xfrm>
+            <a:off x="7217123" y="1758796"/>
+            <a:ext cx="2924741" cy="2400807"/>
+          </a:xfrm>
+          <a:prstGeom prst="rect">
+            <a:avLst/>
+          </a:prstGeom>
+        </p:spPr>
+      </p:pic>
+      <p:sp>
+        <p:nvSpPr>
+          <p:cNvPr id="31" name="TextBox 30">
+            <a:extLst>
+              <a:ext uri="{FF2B5EF4-FFF2-40B4-BE49-F238E27FC236}">
+                <a16:creationId xmlns:a16="http://schemas.microsoft.com/office/drawing/2014/main" id="{18ED4AF3-A406-8565-DA72-D4AD2194F5BA}"/>
+              </a:ext>
+            </a:extLst>
+          </p:cNvPr>
+          <p:cNvSpPr txBox="1"/>
+          <p:nvPr/>
+        </p:nvSpPr>
+        <p:spPr>
+          <a:xfrm>
+            <a:off x="8207324" y="1542436"/>
+            <a:ext cx="1286933" cy="369332"/>
+          </a:xfrm>
+          <a:prstGeom prst="rect">
+            <a:avLst/>
+          </a:prstGeom>
+          <a:noFill/>
+        </p:spPr>
+        <p:txBody>
+          <a:bodyPr wrap="square" rtlCol="0">
+            <a:spAutoFit/>
+          </a:bodyPr>
+          <a:lstStyle/>
+          <a:p>
+            <a:pPr algn="ctr"/>
+            <a:r>
+              <a:rPr lang="en-US" dirty="0"/>
+              <a:t>FFT (</a:t>
+            </a:r>
+            <a:r>
+              <a:rPr lang="en-US" dirty="0" err="1"/>
+              <a:t>xyz</a:t>
+            </a:r>
+            <a:r>
+              <a:rPr lang="en-US" dirty="0"/>
+              <a:t>)</a:t>
+            </a:r>
+          </a:p>
+        </p:txBody>
+      </p:sp>
+      <p:pic>
+        <p:nvPicPr>
+          <p:cNvPr id="37" name="Picture 36">
+            <a:extLst>
+              <a:ext uri="{FF2B5EF4-FFF2-40B4-BE49-F238E27FC236}">
+                <a16:creationId xmlns:a16="http://schemas.microsoft.com/office/drawing/2014/main" id="{326FE1D3-8C41-0A8E-0D9D-230751971410}"/>
+              </a:ext>
+            </a:extLst>
+          </p:cNvPr>
+          <p:cNvPicPr>
+            <a:picLocks noChangeAspect="1"/>
+          </p:cNvPicPr>
+          <p:nvPr/>
+        </p:nvPicPr>
+        <p:blipFill>
+          <a:blip r:embed="rId6"/>
+          <a:stretch>
+            <a:fillRect/>
+          </a:stretch>
+        </p:blipFill>
+        <p:spPr>
+          <a:xfrm>
+            <a:off x="600120" y="3922530"/>
+            <a:ext cx="4724927" cy="2698398"/>
+          </a:xfrm>
+          <a:prstGeom prst="rect">
+            <a:avLst/>
+          </a:prstGeom>
+        </p:spPr>
+      </p:pic>
+      <p:sp>
+        <p:nvSpPr>
+          <p:cNvPr id="4" name="TextBox 3">
+            <a:extLst>
+              <a:ext uri="{FF2B5EF4-FFF2-40B4-BE49-F238E27FC236}">
+                <a16:creationId xmlns:a16="http://schemas.microsoft.com/office/drawing/2014/main" id="{5356C493-0AA9-FE35-035D-D1AAD53C4DDF}"/>
+              </a:ext>
+            </a:extLst>
+          </p:cNvPr>
+          <p:cNvSpPr txBox="1"/>
+          <p:nvPr/>
+        </p:nvSpPr>
+        <p:spPr>
+          <a:xfrm>
+            <a:off x="3716868" y="6488668"/>
+            <a:ext cx="4086672" cy="369332"/>
+          </a:xfrm>
+          <a:prstGeom prst="rect">
+            <a:avLst/>
+          </a:prstGeom>
+          <a:noFill/>
+        </p:spPr>
+        <p:txBody>
+          <a:bodyPr wrap="square" rtlCol="0">
+            <a:spAutoFit/>
+          </a:bodyPr>
+          <a:lstStyle/>
+          <a:p>
+            <a:r>
+              <a:rPr lang="en-US" dirty="0"/>
+              <a:t>Diff btw 1D/3D should just be </a:t>
+            </a:r>
+            <a:r>
+              <a:rPr lang="en-US" dirty="0" err="1"/>
+              <a:t>dz</a:t>
+            </a:r>
+            <a:r>
+              <a:rPr lang="en-US" dirty="0"/>
+              <a:t>, ds, etc.</a:t>
+            </a:r>
+          </a:p>
+        </p:txBody>
+      </p:sp>
+    </p:spTree>
+    <p:extLst>
+      <p:ext uri="{BB962C8B-B14F-4D97-AF65-F5344CB8AC3E}">
+        <p14:creationId xmlns:p14="http://schemas.microsoft.com/office/powerpoint/2010/main" val="2184982505"/>
+      </p:ext>
+    </p:extLst>
+  </p:cSld>
+  <p:clrMapOvr>
+    <a:masterClrMapping/>
+  </p:clrMapOvr>
+</p:sld>
+</file>
+
+<file path=ppt/slides/slide13.xml><?xml version="1.0" encoding="utf-8"?>
+<p:sld xmlns:a="http://schemas.openxmlformats.org/drawingml/2006/main" xmlns:r="http://schemas.openxmlformats.org/officeDocument/2006/relationships" xmlns:p="http://schemas.openxmlformats.org/presentationml/2006/main">
+  <p:cSld>
+    <p:spTree>
+      <p:nvGrpSpPr>
+        <p:cNvPr id="1" name=""/>
+        <p:cNvGrpSpPr/>
+        <p:nvPr/>
+      </p:nvGrpSpPr>
+      <p:grpSpPr>
+        <a:xfrm>
+          <a:off x="0" y="0"/>
+          <a:ext cx="0" cy="0"/>
+          <a:chOff x="0" y="0"/>
+          <a:chExt cx="0" cy="0"/>
+        </a:xfrm>
+      </p:grpSpPr>
+      <p:sp>
+        <p:nvSpPr>
+          <p:cNvPr id="2" name="Title 1">
+            <a:extLst>
+              <a:ext uri="{FF2B5EF4-FFF2-40B4-BE49-F238E27FC236}">
                 <a16:creationId xmlns:a16="http://schemas.microsoft.com/office/drawing/2014/main" id="{5E38BF11-AEEF-D0B7-B29E-E0619F8C79B5}"/>
               </a:ext>
             </a:extLst>
@@ -4162,7 +4344,7 @@
 </p:sld>
 </file>
 
-<file path=ppt/slides/slide12.xml><?xml version="1.0" encoding="utf-8"?>
+<file path=ppt/slides/slide14.xml><?xml version="1.0" encoding="utf-8"?>
 <p:sld xmlns:a="http://schemas.openxmlformats.org/drawingml/2006/main" xmlns:r="http://schemas.openxmlformats.org/officeDocument/2006/relationships" xmlns:p="http://schemas.openxmlformats.org/presentationml/2006/main">
   <p:cSld>
     <p:spTree>
@@ -5124,7 +5306,7 @@
 </p:sld>
 </file>
 
-<file path=ppt/slides/slide13.xml><?xml version="1.0" encoding="utf-8"?>
+<file path=ppt/slides/slide15.xml><?xml version="1.0" encoding="utf-8"?>
 <p:sld xmlns:a="http://schemas.openxmlformats.org/drawingml/2006/main" xmlns:r="http://schemas.openxmlformats.org/officeDocument/2006/relationships" xmlns:p="http://schemas.openxmlformats.org/presentationml/2006/main">
   <p:cSld>
     <p:spTree>
@@ -6054,7 +6236,7 @@
 </p:sld>
 </file>
 
-<file path=ppt/slides/slide14.xml><?xml version="1.0" encoding="utf-8"?>
+<file path=ppt/slides/slide16.xml><?xml version="1.0" encoding="utf-8"?>
 <p:sld xmlns:a="http://schemas.openxmlformats.org/drawingml/2006/main" xmlns:r="http://schemas.openxmlformats.org/officeDocument/2006/relationships" xmlns:p="http://schemas.openxmlformats.org/presentationml/2006/main">
   <p:cSld>
     <p:spTree>
@@ -6671,376 +6853,6 @@
 </p:sld>
 </file>
 
-<file path=ppt/slides/slide15.xml><?xml version="1.0" encoding="utf-8"?>
-<p:sld xmlns:a="http://schemas.openxmlformats.org/drawingml/2006/main" xmlns:r="http://schemas.openxmlformats.org/officeDocument/2006/relationships" xmlns:p="http://schemas.openxmlformats.org/presentationml/2006/main">
-  <p:cSld>
-    <p:spTree>
-      <p:nvGrpSpPr>
-        <p:cNvPr id="1" name=""/>
-        <p:cNvGrpSpPr/>
-        <p:nvPr/>
-      </p:nvGrpSpPr>
-      <p:grpSpPr>
-        <a:xfrm>
-          <a:off x="0" y="0"/>
-          <a:ext cx="0" cy="0"/>
-          <a:chOff x="0" y="0"/>
-          <a:chExt cx="0" cy="0"/>
-        </a:xfrm>
-      </p:grpSpPr>
-      <p:sp>
-        <p:nvSpPr>
-          <p:cNvPr id="2" name="Title 1">
-            <a:extLst>
-              <a:ext uri="{FF2B5EF4-FFF2-40B4-BE49-F238E27FC236}">
-                <a16:creationId xmlns:a16="http://schemas.microsoft.com/office/drawing/2014/main" id="{D8E6B3C7-F631-659A-C8FC-3120DC85B0FF}"/>
-              </a:ext>
-            </a:extLst>
-          </p:cNvPr>
-          <p:cNvSpPr>
-            <a:spLocks noGrp="1"/>
-          </p:cNvSpPr>
-          <p:nvPr>
-            <p:ph type="title"/>
-          </p:nvPr>
-        </p:nvSpPr>
-        <p:spPr>
-          <a:xfrm>
-            <a:off x="838200" y="319573"/>
-            <a:ext cx="10515600" cy="777875"/>
-          </a:xfrm>
-        </p:spPr>
-        <p:txBody>
-          <a:bodyPr/>
-          <a:lstStyle/>
-          <a:p>
-            <a:r>
-              <a:rPr lang="en-US" dirty="0"/>
-              <a:t>Plate size (Lx=Ly)</a:t>
-            </a:r>
-          </a:p>
-        </p:txBody>
-      </p:sp>
-      <p:sp>
-        <p:nvSpPr>
-          <p:cNvPr id="7" name="TextBox 6">
-            <a:extLst>
-              <a:ext uri="{FF2B5EF4-FFF2-40B4-BE49-F238E27FC236}">
-                <a16:creationId xmlns:a16="http://schemas.microsoft.com/office/drawing/2014/main" id="{AF2E57FD-FD23-4059-E055-26E7B9F0C5ED}"/>
-              </a:ext>
-            </a:extLst>
-          </p:cNvPr>
-          <p:cNvSpPr txBox="1"/>
-          <p:nvPr/>
-        </p:nvSpPr>
-        <p:spPr>
-          <a:xfrm>
-            <a:off x="1210733" y="1918242"/>
-            <a:ext cx="2124075" cy="369332"/>
-          </a:xfrm>
-          <a:prstGeom prst="rect">
-            <a:avLst/>
-          </a:prstGeom>
-          <a:noFill/>
-        </p:spPr>
-        <p:txBody>
-          <a:bodyPr wrap="square" rtlCol="0">
-            <a:spAutoFit/>
-          </a:bodyPr>
-          <a:lstStyle/>
-          <a:p>
-            <a:pPr algn="ctr"/>
-            <a:r>
-              <a:rPr lang="en-US" dirty="0"/>
-              <a:t>a020x075; </a:t>
-            </a:r>
-            <a:r>
-              <a:rPr lang="en-US" dirty="0" err="1"/>
-              <a:t>Lxy</a:t>
-            </a:r>
-            <a:r>
-              <a:rPr lang="en-US" dirty="0"/>
-              <a:t> = 5</a:t>
-            </a:r>
-          </a:p>
-        </p:txBody>
-      </p:sp>
-      <p:pic>
-        <p:nvPicPr>
-          <p:cNvPr id="9" name="Picture 8">
-            <a:extLst>
-              <a:ext uri="{FF2B5EF4-FFF2-40B4-BE49-F238E27FC236}">
-                <a16:creationId xmlns:a16="http://schemas.microsoft.com/office/drawing/2014/main" id="{38255F1E-07EC-3B42-EA3C-9679AC8BE611}"/>
-              </a:ext>
-            </a:extLst>
-          </p:cNvPr>
-          <p:cNvPicPr>
-            <a:picLocks noChangeAspect="1"/>
-          </p:cNvPicPr>
-          <p:nvPr/>
-        </p:nvPicPr>
-        <p:blipFill>
-          <a:blip r:embed="rId2"/>
-          <a:stretch>
-            <a:fillRect/>
-          </a:stretch>
-        </p:blipFill>
-        <p:spPr>
-          <a:xfrm>
-            <a:off x="11372850" y="1990183"/>
-            <a:ext cx="611229" cy="3474798"/>
-          </a:xfrm>
-          <a:prstGeom prst="rect">
-            <a:avLst/>
-          </a:prstGeom>
-        </p:spPr>
-      </p:pic>
-      <p:sp>
-        <p:nvSpPr>
-          <p:cNvPr id="10" name="TextBox 9">
-            <a:extLst>
-              <a:ext uri="{FF2B5EF4-FFF2-40B4-BE49-F238E27FC236}">
-                <a16:creationId xmlns:a16="http://schemas.microsoft.com/office/drawing/2014/main" id="{AB63BB78-A038-5F12-1CD3-2FE1BC1E6C7E}"/>
-              </a:ext>
-            </a:extLst>
-          </p:cNvPr>
-          <p:cNvSpPr txBox="1"/>
-          <p:nvPr/>
-        </p:nvSpPr>
-        <p:spPr>
-          <a:xfrm>
-            <a:off x="4356190" y="1918242"/>
-            <a:ext cx="2124075" cy="369332"/>
-          </a:xfrm>
-          <a:prstGeom prst="rect">
-            <a:avLst/>
-          </a:prstGeom>
-          <a:noFill/>
-        </p:spPr>
-        <p:txBody>
-          <a:bodyPr wrap="square" rtlCol="0">
-            <a:spAutoFit/>
-          </a:bodyPr>
-          <a:lstStyle/>
-          <a:p>
-            <a:pPr algn="ctr"/>
-            <a:r>
-              <a:rPr lang="en-US" dirty="0" err="1"/>
-              <a:t>Lxy</a:t>
-            </a:r>
-            <a:r>
-              <a:rPr lang="en-US" dirty="0"/>
-              <a:t> = 10</a:t>
-            </a:r>
-          </a:p>
-        </p:txBody>
-      </p:sp>
-      <p:sp>
-        <p:nvSpPr>
-          <p:cNvPr id="11" name="TextBox 10">
-            <a:extLst>
-              <a:ext uri="{FF2B5EF4-FFF2-40B4-BE49-F238E27FC236}">
-                <a16:creationId xmlns:a16="http://schemas.microsoft.com/office/drawing/2014/main" id="{B60AA9C2-1426-5048-A0CF-AAB1CD7BC91E}"/>
-              </a:ext>
-            </a:extLst>
-          </p:cNvPr>
-          <p:cNvSpPr txBox="1"/>
-          <p:nvPr/>
-        </p:nvSpPr>
-        <p:spPr>
-          <a:xfrm>
-            <a:off x="7988211" y="1918242"/>
-            <a:ext cx="2124075" cy="369332"/>
-          </a:xfrm>
-          <a:prstGeom prst="rect">
-            <a:avLst/>
-          </a:prstGeom>
-          <a:noFill/>
-        </p:spPr>
-        <p:txBody>
-          <a:bodyPr wrap="square" rtlCol="0">
-            <a:spAutoFit/>
-          </a:bodyPr>
-          <a:lstStyle/>
-          <a:p>
-            <a:pPr algn="ctr"/>
-            <a:r>
-              <a:rPr lang="en-US" dirty="0" err="1"/>
-              <a:t>Lxy</a:t>
-            </a:r>
-            <a:r>
-              <a:rPr lang="en-US" dirty="0"/>
-              <a:t> = 15</a:t>
-            </a:r>
-          </a:p>
-        </p:txBody>
-      </p:sp>
-      <p:pic>
-        <p:nvPicPr>
-          <p:cNvPr id="13" name="Picture 12">
-            <a:extLst>
-              <a:ext uri="{FF2B5EF4-FFF2-40B4-BE49-F238E27FC236}">
-                <a16:creationId xmlns:a16="http://schemas.microsoft.com/office/drawing/2014/main" id="{85AE3E8F-64BE-13BD-179F-FDF3DBE70DA1}"/>
-              </a:ext>
-            </a:extLst>
-          </p:cNvPr>
-          <p:cNvPicPr>
-            <a:picLocks noChangeAspect="1"/>
-          </p:cNvPicPr>
-          <p:nvPr/>
-        </p:nvPicPr>
-        <p:blipFill>
-          <a:blip r:embed="rId3"/>
-          <a:stretch>
-            <a:fillRect/>
-          </a:stretch>
-        </p:blipFill>
-        <p:spPr>
-          <a:xfrm>
-            <a:off x="7289723" y="2464627"/>
-            <a:ext cx="3216250" cy="4020314"/>
-          </a:xfrm>
-          <a:prstGeom prst="rect">
-            <a:avLst/>
-          </a:prstGeom>
-        </p:spPr>
-      </p:pic>
-      <p:pic>
-        <p:nvPicPr>
-          <p:cNvPr id="15" name="Picture 14">
-            <a:extLst>
-              <a:ext uri="{FF2B5EF4-FFF2-40B4-BE49-F238E27FC236}">
-                <a16:creationId xmlns:a16="http://schemas.microsoft.com/office/drawing/2014/main" id="{B41E615B-3BEA-0CAB-DF78-CF525F9742FF}"/>
-              </a:ext>
-            </a:extLst>
-          </p:cNvPr>
-          <p:cNvPicPr>
-            <a:picLocks noChangeAspect="1"/>
-          </p:cNvPicPr>
-          <p:nvPr/>
-        </p:nvPicPr>
-        <p:blipFill>
-          <a:blip r:embed="rId4"/>
-          <a:stretch>
-            <a:fillRect/>
-          </a:stretch>
-        </p:blipFill>
-        <p:spPr>
-          <a:xfrm>
-            <a:off x="4077044" y="2615993"/>
-            <a:ext cx="2496276" cy="3599048"/>
-          </a:xfrm>
-          <a:prstGeom prst="rect">
-            <a:avLst/>
-          </a:prstGeom>
-        </p:spPr>
-      </p:pic>
-      <p:pic>
-        <p:nvPicPr>
-          <p:cNvPr id="17" name="Picture 16">
-            <a:extLst>
-              <a:ext uri="{FF2B5EF4-FFF2-40B4-BE49-F238E27FC236}">
-                <a16:creationId xmlns:a16="http://schemas.microsoft.com/office/drawing/2014/main" id="{37CCF625-3D0F-0AFE-BC70-87E370411143}"/>
-              </a:ext>
-            </a:extLst>
-          </p:cNvPr>
-          <p:cNvPicPr>
-            <a:picLocks noChangeAspect="1"/>
-          </p:cNvPicPr>
-          <p:nvPr/>
-        </p:nvPicPr>
-        <p:blipFill>
-          <a:blip r:embed="rId5"/>
-          <a:stretch>
-            <a:fillRect/>
-          </a:stretch>
-        </p:blipFill>
-        <p:spPr>
-          <a:xfrm>
-            <a:off x="1554053" y="2615993"/>
-            <a:ext cx="1456059" cy="3394745"/>
-          </a:xfrm>
-          <a:prstGeom prst="rect">
-            <a:avLst/>
-          </a:prstGeom>
-        </p:spPr>
-      </p:pic>
-    </p:spTree>
-    <p:extLst>
-      <p:ext uri="{BB962C8B-B14F-4D97-AF65-F5344CB8AC3E}">
-        <p14:creationId xmlns:p14="http://schemas.microsoft.com/office/powerpoint/2010/main" val="2073591459"/>
-      </p:ext>
-    </p:extLst>
-  </p:cSld>
-  <p:clrMapOvr>
-    <a:masterClrMapping/>
-  </p:clrMapOvr>
-</p:sld>
-</file>
-
-<file path=ppt/slides/slide16.xml><?xml version="1.0" encoding="utf-8"?>
-<p:sld xmlns:a="http://schemas.openxmlformats.org/drawingml/2006/main" xmlns:r="http://schemas.openxmlformats.org/officeDocument/2006/relationships" xmlns:p="http://schemas.openxmlformats.org/presentationml/2006/main">
-  <p:cSld>
-    <p:spTree>
-      <p:nvGrpSpPr>
-        <p:cNvPr id="1" name=""/>
-        <p:cNvGrpSpPr/>
-        <p:nvPr/>
-      </p:nvGrpSpPr>
-      <p:grpSpPr>
-        <a:xfrm>
-          <a:off x="0" y="0"/>
-          <a:ext cx="0" cy="0"/>
-          <a:chOff x="0" y="0"/>
-          <a:chExt cx="0" cy="0"/>
-        </a:xfrm>
-      </p:grpSpPr>
-      <p:sp>
-        <p:nvSpPr>
-          <p:cNvPr id="2" name="Title 1">
-            <a:extLst>
-              <a:ext uri="{FF2B5EF4-FFF2-40B4-BE49-F238E27FC236}">
-                <a16:creationId xmlns:a16="http://schemas.microsoft.com/office/drawing/2014/main" id="{A42F1D30-274D-A5B8-3620-4DA31ECE8F5B}"/>
-              </a:ext>
-            </a:extLst>
-          </p:cNvPr>
-          <p:cNvSpPr>
-            <a:spLocks noGrp="1"/>
-          </p:cNvSpPr>
-          <p:nvPr>
-            <p:ph type="title"/>
-          </p:nvPr>
-        </p:nvSpPr>
-        <p:spPr>
-          <a:xfrm>
-            <a:off x="448734" y="2766218"/>
-            <a:ext cx="10515600" cy="1325563"/>
-          </a:xfrm>
-        </p:spPr>
-        <p:txBody>
-          <a:bodyPr/>
-          <a:lstStyle/>
-          <a:p>
-            <a:r>
-              <a:rPr lang="en-US" b="1" dirty="0"/>
-              <a:t>Specifying Grafted Points</a:t>
-            </a:r>
-          </a:p>
-        </p:txBody>
-      </p:sp>
-    </p:spTree>
-    <p:extLst>
-      <p:ext uri="{BB962C8B-B14F-4D97-AF65-F5344CB8AC3E}">
-        <p14:creationId xmlns:p14="http://schemas.microsoft.com/office/powerpoint/2010/main" val="896468000"/>
-      </p:ext>
-    </p:extLst>
-  </p:cSld>
-  <p:clrMapOvr>
-    <a:masterClrMapping/>
-  </p:clrMapOvr>
-</p:sld>
-</file>
-
 <file path=ppt/slides/slide17.xml><?xml version="1.0" encoding="utf-8"?>
 <p:sld xmlns:a="http://schemas.openxmlformats.org/drawingml/2006/main" xmlns:r="http://schemas.openxmlformats.org/officeDocument/2006/relationships" xmlns:p="http://schemas.openxmlformats.org/presentationml/2006/main">
   <p:cSld>
@@ -7063,7 +6875,7 @@
           <p:cNvPr id="2" name="Title 1">
             <a:extLst>
               <a:ext uri="{FF2B5EF4-FFF2-40B4-BE49-F238E27FC236}">
-                <a16:creationId xmlns:a16="http://schemas.microsoft.com/office/drawing/2014/main" id="{EC7A1061-086B-35E4-61C1-83C328D5548E}"/>
+                <a16:creationId xmlns:a16="http://schemas.microsoft.com/office/drawing/2014/main" id="{D8E6B3C7-F631-659A-C8FC-3120DC85B0FF}"/>
               </a:ext>
             </a:extLst>
           </p:cNvPr>
@@ -7074,24 +6886,29 @@
             <p:ph type="title"/>
           </p:nvPr>
         </p:nvSpPr>
-        <p:spPr/>
+        <p:spPr>
+          <a:xfrm>
+            <a:off x="838200" y="319573"/>
+            <a:ext cx="10515600" cy="777875"/>
+          </a:xfrm>
+        </p:spPr>
         <p:txBody>
           <a:bodyPr/>
           <a:lstStyle/>
           <a:p>
             <a:r>
               <a:rPr lang="en-US" dirty="0"/>
-              <a:t>Strategy</a:t>
-            </a:r>
-          </a:p>
-        </p:txBody>
-      </p:sp>
-      <p:sp>
-        <p:nvSpPr>
-          <p:cNvPr id="3" name="TextBox 2">
-            <a:extLst>
-              <a:ext uri="{FF2B5EF4-FFF2-40B4-BE49-F238E27FC236}">
-                <a16:creationId xmlns:a16="http://schemas.microsoft.com/office/drawing/2014/main" id="{66A4566B-D26D-18F7-2769-748D7813228B}"/>
+              <a:t>Plate size (Lx=Ly)</a:t>
+            </a:r>
+          </a:p>
+        </p:txBody>
+      </p:sp>
+      <p:sp>
+        <p:nvSpPr>
+          <p:cNvPr id="7" name="TextBox 6">
+            <a:extLst>
+              <a:ext uri="{FF2B5EF4-FFF2-40B4-BE49-F238E27FC236}">
+                <a16:creationId xmlns:a16="http://schemas.microsoft.com/office/drawing/2014/main" id="{AF2E57FD-FD23-4059-E055-26E7B9F0C5ED}"/>
               </a:ext>
             </a:extLst>
           </p:cNvPr>
@@ -7100,8 +6917,8 @@
         </p:nvSpPr>
         <p:spPr>
           <a:xfrm>
-            <a:off x="714374" y="1895475"/>
-            <a:ext cx="7810500" cy="646331"/>
+            <a:off x="1210733" y="1918242"/>
+            <a:ext cx="2124075" cy="369332"/>
           </a:xfrm>
           <a:prstGeom prst="rect">
             <a:avLst/>
@@ -7114,27 +6931,58 @@
           </a:bodyPr>
           <a:lstStyle/>
           <a:p>
+            <a:pPr algn="ctr"/>
             <a:r>
               <a:rPr lang="en-US" dirty="0"/>
-              <a:t>2D binary array for surface sites of homogeneously grafted polymer given grafting density, simulation box size, and discretization (and assuming dx = </a:t>
+              <a:t>a020x075; </a:t>
             </a:r>
             <a:r>
               <a:rPr lang="en-US" dirty="0" err="1"/>
-              <a:t>dy</a:t>
+              <a:t>Lxy</a:t>
             </a:r>
             <a:r>
               <a:rPr lang="en-US" dirty="0"/>
-              <a:t>)</a:t>
-            </a:r>
-          </a:p>
-        </p:txBody>
-      </p:sp>
-      <p:sp>
-        <p:nvSpPr>
-          <p:cNvPr id="4" name="TextBox 3">
-            <a:extLst>
-              <a:ext uri="{FF2B5EF4-FFF2-40B4-BE49-F238E27FC236}">
-                <a16:creationId xmlns:a16="http://schemas.microsoft.com/office/drawing/2014/main" id="{14B153E5-948B-4D25-2B1C-2231E4E7EBA6}"/>
+              <a:t> = 5</a:t>
+            </a:r>
+          </a:p>
+        </p:txBody>
+      </p:sp>
+      <p:pic>
+        <p:nvPicPr>
+          <p:cNvPr id="9" name="Picture 8">
+            <a:extLst>
+              <a:ext uri="{FF2B5EF4-FFF2-40B4-BE49-F238E27FC236}">
+                <a16:creationId xmlns:a16="http://schemas.microsoft.com/office/drawing/2014/main" id="{38255F1E-07EC-3B42-EA3C-9679AC8BE611}"/>
+              </a:ext>
+            </a:extLst>
+          </p:cNvPr>
+          <p:cNvPicPr>
+            <a:picLocks noChangeAspect="1"/>
+          </p:cNvPicPr>
+          <p:nvPr/>
+        </p:nvPicPr>
+        <p:blipFill>
+          <a:blip r:embed="rId2"/>
+          <a:stretch>
+            <a:fillRect/>
+          </a:stretch>
+        </p:blipFill>
+        <p:spPr>
+          <a:xfrm>
+            <a:off x="11372850" y="1990183"/>
+            <a:ext cx="611229" cy="3474798"/>
+          </a:xfrm>
+          <a:prstGeom prst="rect">
+            <a:avLst/>
+          </a:prstGeom>
+        </p:spPr>
+      </p:pic>
+      <p:sp>
+        <p:nvSpPr>
+          <p:cNvPr id="10" name="TextBox 9">
+            <a:extLst>
+              <a:ext uri="{FF2B5EF4-FFF2-40B4-BE49-F238E27FC236}">
+                <a16:creationId xmlns:a16="http://schemas.microsoft.com/office/drawing/2014/main" id="{AB63BB78-A038-5F12-1CD3-2FE1BC1E6C7E}"/>
               </a:ext>
             </a:extLst>
           </p:cNvPr>
@@ -7143,8 +6991,8 @@
         </p:nvSpPr>
         <p:spPr>
           <a:xfrm>
-            <a:off x="714374" y="2776538"/>
-            <a:ext cx="11077575" cy="646331"/>
+            <a:off x="4356190" y="1918242"/>
+            <a:ext cx="2124075" cy="369332"/>
           </a:xfrm>
           <a:prstGeom prst="rect">
             <a:avLst/>
@@ -7157,78 +7005,24 @@
           </a:bodyPr>
           <a:lstStyle/>
           <a:p>
+            <a:pPr algn="ctr"/>
             <a:r>
               <a:rPr lang="en-US" dirty="0" err="1"/>
-              <a:t>Fullspace</a:t>
+              <a:t>Lxy</a:t>
             </a:r>
             <a:r>
               <a:rPr lang="en-US" dirty="0"/>
-              <a:t> must be periodic on x0 = </a:t>
-            </a:r>
-            <a:r>
-              <a:rPr lang="en-US" dirty="0" err="1"/>
-              <a:t>xL</a:t>
-            </a:r>
-            <a:r>
-              <a:rPr lang="en-US" dirty="0"/>
-              <a:t>, y0 = </a:t>
-            </a:r>
-            <a:r>
-              <a:rPr lang="en-US" dirty="0" err="1"/>
-              <a:t>yL</a:t>
-            </a:r>
-            <a:endParaRPr lang="en-US" dirty="0"/>
-          </a:p>
-          <a:p>
-            <a:r>
-              <a:rPr lang="en-US" dirty="0" err="1"/>
-              <a:t>Halfspace</a:t>
-            </a:r>
-            <a:r>
-              <a:rPr lang="en-US" dirty="0"/>
-              <a:t> must be even on </a:t>
-            </a:r>
-            <a:r>
-              <a:rPr lang="en-US" dirty="0" err="1"/>
-              <a:t>xL</a:t>
-            </a:r>
-            <a:r>
-              <a:rPr lang="en-US" dirty="0"/>
-              <a:t>/2 and </a:t>
-            </a:r>
-            <a:r>
-              <a:rPr lang="en-US" dirty="0" err="1"/>
-              <a:t>yL</a:t>
-            </a:r>
-            <a:r>
-              <a:rPr lang="en-US" dirty="0"/>
-              <a:t>/2 (overlap of boundary following REDFT00) and periodic on x0 = </a:t>
-            </a:r>
-            <a:r>
-              <a:rPr lang="en-US" dirty="0" err="1"/>
-              <a:t>xL</a:t>
-            </a:r>
-            <a:r>
-              <a:rPr lang="en-US" dirty="0"/>
-              <a:t>, y0 = </a:t>
-            </a:r>
-            <a:r>
-              <a:rPr lang="en-US" dirty="0" err="1"/>
-              <a:t>yL</a:t>
-            </a:r>
-            <a:r>
-              <a:rPr lang="en-US" dirty="0"/>
-              <a:t>.</a:t>
-            </a:r>
-          </a:p>
-        </p:txBody>
-      </p:sp>
-      <p:sp>
-        <p:nvSpPr>
-          <p:cNvPr id="5" name="TextBox 4">
-            <a:extLst>
-              <a:ext uri="{FF2B5EF4-FFF2-40B4-BE49-F238E27FC236}">
-                <a16:creationId xmlns:a16="http://schemas.microsoft.com/office/drawing/2014/main" id="{97078C71-47DB-0D25-8BE5-AD0C9CC3C9FD}"/>
+              <a:t> = 10</a:t>
+            </a:r>
+          </a:p>
+        </p:txBody>
+      </p:sp>
+      <p:sp>
+        <p:nvSpPr>
+          <p:cNvPr id="11" name="TextBox 10">
+            <a:extLst>
+              <a:ext uri="{FF2B5EF4-FFF2-40B4-BE49-F238E27FC236}">
+                <a16:creationId xmlns:a16="http://schemas.microsoft.com/office/drawing/2014/main" id="{B60AA9C2-1426-5048-A0CF-AAB1CD7BC91E}"/>
               </a:ext>
             </a:extLst>
           </p:cNvPr>
@@ -7237,8 +7031,8 @@
         </p:nvSpPr>
         <p:spPr>
           <a:xfrm>
-            <a:off x="714373" y="3812426"/>
-            <a:ext cx="11077575" cy="369332"/>
+            <a:off x="7988211" y="1918242"/>
+            <a:ext cx="2124075" cy="369332"/>
           </a:xfrm>
           <a:prstGeom prst="rect">
             <a:avLst/>
@@ -7251,78 +7045,112 @@
           </a:bodyPr>
           <a:lstStyle/>
           <a:p>
+            <a:pPr algn="ctr"/>
+            <a:r>
+              <a:rPr lang="en-US" dirty="0" err="1"/>
+              <a:t>Lxy</a:t>
+            </a:r>
             <a:r>
               <a:rPr lang="en-US" dirty="0"/>
-              <a:t>Homogeneous spacing as determined by regular hexagon, where grafting point at centroid of hexagon</a:t>
-            </a:r>
-          </a:p>
-        </p:txBody>
-      </p:sp>
-      <p:sp>
-        <p:nvSpPr>
-          <p:cNvPr id="6" name="TextBox 5">
-            <a:extLst>
-              <a:ext uri="{FF2B5EF4-FFF2-40B4-BE49-F238E27FC236}">
-                <a16:creationId xmlns:a16="http://schemas.microsoft.com/office/drawing/2014/main" id="{067DDA30-EAF3-09E5-D289-BD5F06EA216D}"/>
-              </a:ext>
-            </a:extLst>
-          </p:cNvPr>
-          <p:cNvSpPr txBox="1"/>
-          <p:nvPr/>
-        </p:nvSpPr>
-        <p:spPr>
-          <a:xfrm>
-            <a:off x="714372" y="4508719"/>
-            <a:ext cx="11077575" cy="923330"/>
+              <a:t> = 15</a:t>
+            </a:r>
+          </a:p>
+        </p:txBody>
+      </p:sp>
+      <p:pic>
+        <p:nvPicPr>
+          <p:cNvPr id="13" name="Picture 12">
+            <a:extLst>
+              <a:ext uri="{FF2B5EF4-FFF2-40B4-BE49-F238E27FC236}">
+                <a16:creationId xmlns:a16="http://schemas.microsoft.com/office/drawing/2014/main" id="{85AE3E8F-64BE-13BD-179F-FDF3DBE70DA1}"/>
+              </a:ext>
+            </a:extLst>
+          </p:cNvPr>
+          <p:cNvPicPr>
+            <a:picLocks noChangeAspect="1"/>
+          </p:cNvPicPr>
+          <p:nvPr/>
+        </p:nvPicPr>
+        <p:blipFill>
+          <a:blip r:embed="rId3"/>
+          <a:stretch>
+            <a:fillRect/>
+          </a:stretch>
+        </p:blipFill>
+        <p:spPr>
+          <a:xfrm>
+            <a:off x="7289723" y="2464627"/>
+            <a:ext cx="3216250" cy="4020314"/>
           </a:xfrm>
           <a:prstGeom prst="rect">
             <a:avLst/>
           </a:prstGeom>
-          <a:noFill/>
-        </p:spPr>
-        <p:txBody>
-          <a:bodyPr wrap="square" rtlCol="0">
-            <a:spAutoFit/>
-          </a:bodyPr>
-          <a:lstStyle/>
-          <a:p>
-            <a:r>
-              <a:rPr lang="en-US" dirty="0"/>
-              <a:t>In case there are edge effects, try shifting the centroids away from the boundaries of the </a:t>
-            </a:r>
-            <a:r>
-              <a:rPr lang="en-US" dirty="0" err="1"/>
-              <a:t>xy</a:t>
-            </a:r>
-            <a:r>
-              <a:rPr lang="en-US" dirty="0"/>
-              <a:t>-plane (only did for </a:t>
-            </a:r>
-            <a:r>
-              <a:rPr lang="en-US" dirty="0" err="1"/>
-              <a:t>fullspace</a:t>
-            </a:r>
-            <a:r>
-              <a:rPr lang="en-US" dirty="0"/>
-              <a:t>)</a:t>
-            </a:r>
-          </a:p>
-          <a:p>
-            <a:pPr marL="285750" indent="-285750">
-              <a:buFont typeface="Arial" panose="020B0604020202020204" pitchFamily="34" charset="0"/>
-              <a:buChar char="•"/>
-            </a:pPr>
-            <a:r>
-              <a:rPr lang="en-US" dirty="0"/>
-              <a:t>Make sure no edge effects by comparing results of full FFT with cos FFT</a:t>
-            </a:r>
-          </a:p>
-        </p:txBody>
-      </p:sp>
+        </p:spPr>
+      </p:pic>
+      <p:pic>
+        <p:nvPicPr>
+          <p:cNvPr id="15" name="Picture 14">
+            <a:extLst>
+              <a:ext uri="{FF2B5EF4-FFF2-40B4-BE49-F238E27FC236}">
+                <a16:creationId xmlns:a16="http://schemas.microsoft.com/office/drawing/2014/main" id="{B41E615B-3BEA-0CAB-DF78-CF525F9742FF}"/>
+              </a:ext>
+            </a:extLst>
+          </p:cNvPr>
+          <p:cNvPicPr>
+            <a:picLocks noChangeAspect="1"/>
+          </p:cNvPicPr>
+          <p:nvPr/>
+        </p:nvPicPr>
+        <p:blipFill>
+          <a:blip r:embed="rId4"/>
+          <a:stretch>
+            <a:fillRect/>
+          </a:stretch>
+        </p:blipFill>
+        <p:spPr>
+          <a:xfrm>
+            <a:off x="4077044" y="2615993"/>
+            <a:ext cx="2496276" cy="3599048"/>
+          </a:xfrm>
+          <a:prstGeom prst="rect">
+            <a:avLst/>
+          </a:prstGeom>
+        </p:spPr>
+      </p:pic>
+      <p:pic>
+        <p:nvPicPr>
+          <p:cNvPr id="17" name="Picture 16">
+            <a:extLst>
+              <a:ext uri="{FF2B5EF4-FFF2-40B4-BE49-F238E27FC236}">
+                <a16:creationId xmlns:a16="http://schemas.microsoft.com/office/drawing/2014/main" id="{37CCF625-3D0F-0AFE-BC70-87E370411143}"/>
+              </a:ext>
+            </a:extLst>
+          </p:cNvPr>
+          <p:cNvPicPr>
+            <a:picLocks noChangeAspect="1"/>
+          </p:cNvPicPr>
+          <p:nvPr/>
+        </p:nvPicPr>
+        <p:blipFill>
+          <a:blip r:embed="rId5"/>
+          <a:stretch>
+            <a:fillRect/>
+          </a:stretch>
+        </p:blipFill>
+        <p:spPr>
+          <a:xfrm>
+            <a:off x="1554053" y="2615993"/>
+            <a:ext cx="1456059" cy="3394745"/>
+          </a:xfrm>
+       